--- a/doc/AugRealityMidReview.pptx
+++ b/doc/AugRealityMidReview.pptx
@@ -6,7 +6,7 @@
     <p:sldMasterId id="2147483708" r:id="rId2"/>
   </p:sldMasterIdLst>
   <p:notesMasterIdLst>
-    <p:notesMasterId r:id="rId16"/>
+    <p:notesMasterId r:id="rId19"/>
   </p:notesMasterIdLst>
   <p:sldIdLst>
     <p:sldId id="256" r:id="rId3"/>
@@ -16,12 +16,15 @@
     <p:sldId id="275" r:id="rId7"/>
     <p:sldId id="278" r:id="rId8"/>
     <p:sldId id="269" r:id="rId9"/>
-    <p:sldId id="270" r:id="rId10"/>
-    <p:sldId id="271" r:id="rId11"/>
-    <p:sldId id="272" r:id="rId12"/>
-    <p:sldId id="273" r:id="rId13"/>
-    <p:sldId id="274" r:id="rId14"/>
-    <p:sldId id="267" r:id="rId15"/>
+    <p:sldId id="280" r:id="rId10"/>
+    <p:sldId id="281" r:id="rId11"/>
+    <p:sldId id="279" r:id="rId12"/>
+    <p:sldId id="270" r:id="rId13"/>
+    <p:sldId id="271" r:id="rId14"/>
+    <p:sldId id="282" r:id="rId15"/>
+    <p:sldId id="283" r:id="rId16"/>
+    <p:sldId id="274" r:id="rId17"/>
+    <p:sldId id="267" r:id="rId18"/>
   </p:sldIdLst>
   <p:sldSz cx="9144000" cy="6858000" type="screen4x3"/>
   <p:notesSz cx="6858000" cy="9144000"/>
@@ -221,7 +224,7 @@
           <a:p>
             <a:fld id="{7A466098-8D44-47E3-A6D0-3EBDA642D1D9}" type="datetimeFigureOut">
               <a:rPr lang="en-US" smtClean="0"/>
-              <a:t>2/8/2014</a:t>
+              <a:t>2/10/2014</a:t>
             </a:fld>
             <a:endParaRPr lang="en-US"/>
           </a:p>
@@ -742,7 +745,7 @@
           <a:p>
             <a:fld id="{CC2990F0-8476-4A68-82FA-873BDD6B740E}" type="datetimeFigureOut">
               <a:rPr lang="en-US" smtClean="0"/>
-              <a:t>2/8/2014</a:t>
+              <a:t>2/10/2014</a:t>
             </a:fld>
             <a:endParaRPr lang="en-US"/>
           </a:p>
@@ -955,7 +958,7 @@
           <a:p>
             <a:fld id="{CC2990F0-8476-4A68-82FA-873BDD6B740E}" type="datetimeFigureOut">
               <a:rPr lang="en-US" smtClean="0"/>
-              <a:t>2/8/2014</a:t>
+              <a:t>2/10/2014</a:t>
             </a:fld>
             <a:endParaRPr lang="en-US"/>
           </a:p>
@@ -1222,7 +1225,7 @@
           <a:p>
             <a:fld id="{CC2990F0-8476-4A68-82FA-873BDD6B740E}" type="datetimeFigureOut">
               <a:rPr lang="en-US" smtClean="0"/>
-              <a:t>2/8/2014</a:t>
+              <a:t>2/10/2014</a:t>
             </a:fld>
             <a:endParaRPr lang="en-US"/>
           </a:p>
@@ -1474,7 +1477,7 @@
                 </a:solidFill>
               </a:rPr>
               <a:pPr/>
-              <a:t>2/8/2014</a:t>
+              <a:t>2/10/2014</a:t>
             </a:fld>
             <a:endParaRPr lang="en-US">
               <a:solidFill>
@@ -1676,7 +1679,7 @@
                 </a:solidFill>
               </a:rPr>
               <a:pPr/>
-              <a:t>2/8/2014</a:t>
+              <a:t>2/10/2014</a:t>
             </a:fld>
             <a:endParaRPr lang="en-US">
               <a:solidFill>
@@ -1954,7 +1957,7 @@
                 </a:solidFill>
               </a:rPr>
               <a:pPr/>
-              <a:t>2/8/2014</a:t>
+              <a:t>2/10/2014</a:t>
             </a:fld>
             <a:endParaRPr lang="en-US">
               <a:solidFill>
@@ -2274,7 +2277,7 @@
                 </a:solidFill>
               </a:rPr>
               <a:pPr/>
-              <a:t>2/8/2014</a:t>
+              <a:t>2/10/2014</a:t>
             </a:fld>
             <a:endParaRPr lang="en-US">
               <a:solidFill>
@@ -2728,7 +2731,7 @@
                 </a:solidFill>
               </a:rPr>
               <a:pPr/>
-              <a:t>2/8/2014</a:t>
+              <a:t>2/10/2014</a:t>
             </a:fld>
             <a:endParaRPr lang="en-US">
               <a:solidFill>
@@ -2878,7 +2881,7 @@
                 </a:solidFill>
               </a:rPr>
               <a:pPr/>
-              <a:t>2/8/2014</a:t>
+              <a:t>2/10/2014</a:t>
             </a:fld>
             <a:endParaRPr lang="en-US">
               <a:solidFill>
@@ -3005,7 +3008,7 @@
                 </a:solidFill>
               </a:rPr>
               <a:pPr/>
-              <a:t>2/8/2014</a:t>
+              <a:t>2/10/2014</a:t>
             </a:fld>
             <a:endParaRPr lang="en-US">
               <a:solidFill>
@@ -3314,7 +3317,7 @@
                 </a:solidFill>
               </a:rPr>
               <a:pPr/>
-              <a:t>2/8/2014</a:t>
+              <a:t>2/10/2014</a:t>
             </a:fld>
             <a:endParaRPr lang="en-US">
               <a:solidFill>
@@ -3486,7 +3489,7 @@
           <a:p>
             <a:fld id="{CC2990F0-8476-4A68-82FA-873BDD6B740E}" type="datetimeFigureOut">
               <a:rPr lang="en-US" smtClean="0"/>
-              <a:t>2/8/2014</a:t>
+              <a:t>2/10/2014</a:t>
             </a:fld>
             <a:endParaRPr lang="en-US"/>
           </a:p>
@@ -3771,7 +3774,7 @@
                 </a:solidFill>
               </a:rPr>
               <a:pPr/>
-              <a:t>2/8/2014</a:t>
+              <a:t>2/10/2014</a:t>
             </a:fld>
             <a:endParaRPr lang="en-US">
               <a:solidFill>
@@ -3973,7 +3976,7 @@
                 </a:solidFill>
               </a:rPr>
               <a:pPr/>
-              <a:t>2/8/2014</a:t>
+              <a:t>2/10/2014</a:t>
             </a:fld>
             <a:endParaRPr lang="en-US">
               <a:solidFill>
@@ -4185,7 +4188,7 @@
                 </a:solidFill>
               </a:rPr>
               <a:pPr/>
-              <a:t>2/8/2014</a:t>
+              <a:t>2/10/2014</a:t>
             </a:fld>
             <a:endParaRPr lang="en-US">
               <a:solidFill>
@@ -4522,7 +4525,7 @@
           <a:p>
             <a:fld id="{CC2990F0-8476-4A68-82FA-873BDD6B740E}" type="datetimeFigureOut">
               <a:rPr lang="en-US" smtClean="0"/>
-              <a:t>2/8/2014</a:t>
+              <a:t>2/10/2014</a:t>
             </a:fld>
             <a:endParaRPr lang="en-US"/>
           </a:p>
@@ -4830,7 +4833,7 @@
           <a:p>
             <a:fld id="{CC2990F0-8476-4A68-82FA-873BDD6B740E}" type="datetimeFigureOut">
               <a:rPr lang="en-US" smtClean="0"/>
-              <a:t>2/8/2014</a:t>
+              <a:t>2/10/2014</a:t>
             </a:fld>
             <a:endParaRPr lang="en-US"/>
           </a:p>
@@ -5251,7 +5254,7 @@
           <a:p>
             <a:fld id="{CC2990F0-8476-4A68-82FA-873BDD6B740E}" type="datetimeFigureOut">
               <a:rPr lang="en-US" smtClean="0"/>
-              <a:t>2/8/2014</a:t>
+              <a:t>2/10/2014</a:t>
             </a:fld>
             <a:endParaRPr lang="en-US"/>
           </a:p>
@@ -5364,7 +5367,7 @@
           <a:p>
             <a:fld id="{CC2990F0-8476-4A68-82FA-873BDD6B740E}" type="datetimeFigureOut">
               <a:rPr lang="en-US" smtClean="0"/>
-              <a:t>2/8/2014</a:t>
+              <a:t>2/10/2014</a:t>
             </a:fld>
             <a:endParaRPr lang="en-US"/>
           </a:p>
@@ -5523,7 +5526,7 @@
           <a:p>
             <a:fld id="{CC2990F0-8476-4A68-82FA-873BDD6B740E}" type="datetimeFigureOut">
               <a:rPr lang="en-US" smtClean="0"/>
-              <a:t>2/8/2014</a:t>
+              <a:t>2/10/2014</a:t>
             </a:fld>
             <a:endParaRPr lang="en-US"/>
           </a:p>
@@ -5907,7 +5910,7 @@
           <a:p>
             <a:fld id="{CC2990F0-8476-4A68-82FA-873BDD6B740E}" type="datetimeFigureOut">
               <a:rPr lang="en-US" smtClean="0"/>
-              <a:t>2/8/2014</a:t>
+              <a:t>2/10/2014</a:t>
             </a:fld>
             <a:endParaRPr lang="en-US"/>
           </a:p>
@@ -6269,7 +6272,7 @@
           <a:p>
             <a:fld id="{CC2990F0-8476-4A68-82FA-873BDD6B740E}" type="datetimeFigureOut">
               <a:rPr lang="en-US" smtClean="0"/>
-              <a:t>2/8/2014</a:t>
+              <a:t>2/10/2014</a:t>
             </a:fld>
             <a:endParaRPr lang="en-US"/>
           </a:p>
@@ -6603,7 +6606,7 @@
           <a:p>
             <a:fld id="{CC2990F0-8476-4A68-82FA-873BDD6B740E}" type="datetimeFigureOut">
               <a:rPr lang="en-US" smtClean="0"/>
-              <a:t>2/8/2014</a:t>
+              <a:t>2/10/2014</a:t>
             </a:fld>
             <a:endParaRPr lang="en-US"/>
           </a:p>
@@ -7152,7 +7155,7 @@
                 </a:solidFill>
               </a:rPr>
               <a:pPr/>
-              <a:t>2/8/2014</a:t>
+              <a:t>2/10/2014</a:t>
             </a:fld>
             <a:endParaRPr lang="en-US" smtClean="0">
               <a:solidFill>
@@ -7620,11 +7623,7 @@
             </a:br>
             <a:r>
               <a:rPr lang="en-US" dirty="0" smtClean="0"/>
-              <a:t>Cornell Cup</a:t>
-            </a:r>
-            <a:r>
-              <a:rPr lang="en-US" dirty="0" smtClean="0"/>
-              <a:t> Mid </a:t>
+              <a:t>Cornell Cup Mid </a:t>
             </a:r>
             <a:r>
               <a:rPr lang="en-US" dirty="0"/>
@@ -7660,7 +7659,7 @@
           <a:blip r:embed="rId2" cstate="print">
             <a:extLst>
               <a:ext uri="{28A0092B-C50C-407E-A947-70E740481C1C}">
-                <a14:useLocalDpi xmlns:a14="http://schemas.microsoft.com/office/drawing/2010/main" val="0"/>
+                <a14:useLocalDpi xmlns:a14="http://schemas.microsoft.com/office/drawing/2010/main"/>
               </a:ext>
             </a:extLst>
           </a:blip>
@@ -7872,31 +7871,208 @@
         </p:nvSpPr>
         <p:spPr/>
         <p:txBody>
-          <a:bodyPr/>
-          <a:lstStyle/>
-          <a:p>
+          <a:bodyPr>
+            <a:normAutofit/>
+          </a:bodyPr>
+          <a:lstStyle/>
+          <a:p>
+            <a:r>
+              <a:rPr lang="en-US" sz="2400" dirty="0" smtClean="0"/>
+              <a:t>Power consumption </a:t>
+            </a:r>
+            <a:r>
+              <a:rPr lang="en-US" sz="2400" dirty="0" smtClean="0"/>
+              <a:t>testing</a:t>
+            </a:r>
+          </a:p>
+          <a:p>
+            <a:pPr lvl="1"/>
+            <a:r>
+              <a:rPr lang="en-US" sz="2000" dirty="0" smtClean="0"/>
+              <a:t>Provided </a:t>
+            </a:r>
+            <a:r>
+              <a:rPr lang="en-US" sz="2000" dirty="0" err="1" smtClean="0"/>
+              <a:t>Terasic</a:t>
+            </a:r>
+            <a:r>
+              <a:rPr lang="en-US" sz="2000" dirty="0" smtClean="0"/>
+              <a:t> board uses 1.2 A typical (14.4 W)</a:t>
+            </a:r>
+          </a:p>
+          <a:p>
+            <a:pPr lvl="1"/>
+            <a:r>
+              <a:rPr lang="en-US" sz="2000" dirty="0" smtClean="0"/>
+              <a:t>Acceptable battery life with 60 </a:t>
+            </a:r>
+            <a:r>
+              <a:rPr lang="en-US" sz="2000" dirty="0" err="1" smtClean="0"/>
+              <a:t>Whr</a:t>
+            </a:r>
+            <a:r>
+              <a:rPr lang="en-US" sz="2000" dirty="0" smtClean="0"/>
+              <a:t> capacity</a:t>
+            </a:r>
+          </a:p>
+          <a:p>
+            <a:r>
+              <a:rPr lang="en-US" sz="2400" dirty="0" smtClean="0"/>
+              <a:t>Hardware </a:t>
+            </a:r>
+            <a:r>
+              <a:rPr lang="en-US" sz="2400" dirty="0" smtClean="0"/>
+              <a:t>design for Phase 2</a:t>
+            </a:r>
+          </a:p>
+          <a:p>
+            <a:pPr lvl="1"/>
+            <a:r>
+              <a:rPr lang="en-US" sz="2000" dirty="0" smtClean="0"/>
+              <a:t>Power </a:t>
+            </a:r>
+            <a:r>
+              <a:rPr lang="en-US" sz="2000" dirty="0" smtClean="0"/>
+              <a:t>supply design</a:t>
+            </a:r>
+          </a:p>
+          <a:p>
+            <a:pPr lvl="2"/>
+            <a:r>
+              <a:rPr lang="en-US" dirty="0" smtClean="0"/>
+              <a:t>Battery and regulator selection</a:t>
+            </a:r>
+            <a:endParaRPr lang="en-US" dirty="0" smtClean="0"/>
+          </a:p>
+          <a:p>
+            <a:pPr lvl="1"/>
+            <a:r>
+              <a:rPr lang="en-US" sz="2000" dirty="0" smtClean="0"/>
+              <a:t>Headset interfacing </a:t>
+            </a:r>
+            <a:r>
+              <a:rPr lang="en-US" sz="2000" dirty="0" smtClean="0"/>
+              <a:t>board</a:t>
+            </a:r>
+          </a:p>
+          <a:p>
+            <a:pPr lvl="2"/>
+            <a:r>
+              <a:rPr lang="en-US" dirty="0" smtClean="0"/>
+              <a:t>Re-use GPS, inertial measurement unit, microcontroller</a:t>
+            </a:r>
+            <a:endParaRPr lang="en-US" dirty="0" smtClean="0"/>
+          </a:p>
+          <a:p>
+            <a:r>
+              <a:rPr lang="en-US" sz="2400" dirty="0" smtClean="0"/>
+              <a:t>Packaging</a:t>
+            </a:r>
+            <a:endParaRPr lang="en-US" sz="2400" dirty="0" smtClean="0"/>
+          </a:p>
+          <a:p>
+            <a:pPr lvl="1"/>
+            <a:r>
+              <a:rPr lang="en-US" sz="2000" dirty="0" smtClean="0"/>
+              <a:t>Re-use optics</a:t>
+            </a:r>
+          </a:p>
+          <a:p>
+            <a:pPr lvl="1"/>
+            <a:r>
+              <a:rPr lang="en-US" sz="2000" dirty="0" smtClean="0"/>
+              <a:t>Selected new display</a:t>
+            </a:r>
+            <a:endParaRPr lang="en-US" sz="2000" dirty="0" smtClean="0"/>
+          </a:p>
+          <a:p>
+            <a:pPr lvl="1"/>
+            <a:r>
+              <a:rPr lang="en-US" sz="2000" dirty="0" smtClean="0"/>
+              <a:t>Selected helmet and backpack</a:t>
+            </a:r>
+            <a:endParaRPr lang="en-US" sz="2000" dirty="0"/>
+          </a:p>
+        </p:txBody>
+      </p:sp>
+      <p:sp>
+        <p:nvSpPr>
+          <p:cNvPr id="3" name="Title 2"/>
+          <p:cNvSpPr>
+            <a:spLocks noGrp="1"/>
+          </p:cNvSpPr>
+          <p:nvPr>
+            <p:ph type="title"/>
+          </p:nvPr>
+        </p:nvSpPr>
+        <p:spPr/>
+        <p:txBody>
+          <a:bodyPr/>
+          <a:lstStyle/>
+          <a:p>
+            <a:r>
+              <a:rPr lang="en-US" dirty="0" smtClean="0"/>
+              <a:t>Accomplishments To Date (PHA2)</a:t>
+            </a:r>
             <a:endParaRPr lang="en-US" dirty="0"/>
           </a:p>
         </p:txBody>
       </p:sp>
       <p:sp>
         <p:nvSpPr>
-          <p:cNvPr id="3" name="Title 2"/>
-          <p:cNvSpPr>
-            <a:spLocks noGrp="1"/>
-          </p:cNvSpPr>
-          <p:nvPr>
-            <p:ph type="title"/>
-          </p:nvPr>
-        </p:nvSpPr>
-        <p:spPr/>
-        <p:txBody>
-          <a:bodyPr/>
+          <p:cNvPr id="4" name="TextBox 3"/>
+          <p:cNvSpPr txBox="1"/>
+          <p:nvPr/>
+        </p:nvSpPr>
+        <p:spPr>
+          <a:xfrm>
+            <a:off x="6324600" y="2751307"/>
+            <a:ext cx="2633798" cy="369332"/>
+          </a:xfrm>
+          <a:prstGeom prst="rect">
+            <a:avLst/>
+          </a:prstGeom>
+          <a:noFill/>
+        </p:spPr>
+        <p:txBody>
+          <a:bodyPr wrap="none" rtlCol="0">
+            <a:spAutoFit/>
+          </a:bodyPr>
           <a:lstStyle/>
           <a:p>
             <a:r>
               <a:rPr lang="en-US" dirty="0" smtClean="0"/>
-              <a:t>COMPLICATIONS</a:t>
+              <a:t>[POWER CONSUMPTION]</a:t>
+            </a:r>
+            <a:endParaRPr lang="en-US" dirty="0"/>
+          </a:p>
+        </p:txBody>
+      </p:sp>
+      <p:sp>
+        <p:nvSpPr>
+          <p:cNvPr id="5" name="TextBox 4"/>
+          <p:cNvSpPr txBox="1"/>
+          <p:nvPr/>
+        </p:nvSpPr>
+        <p:spPr>
+          <a:xfrm>
+            <a:off x="6400800" y="4495800"/>
+            <a:ext cx="729687" cy="369332"/>
+          </a:xfrm>
+          <a:prstGeom prst="rect">
+            <a:avLst/>
+          </a:prstGeom>
+          <a:noFill/>
+        </p:spPr>
+        <p:txBody>
+          <a:bodyPr wrap="none" rtlCol="0">
+            <a:spAutoFit/>
+          </a:bodyPr>
+          <a:lstStyle/>
+          <a:p>
+            <a:r>
+              <a:rPr lang="en-US" dirty="0" smtClean="0"/>
+              <a:t>[PCB]</a:t>
             </a:r>
             <a:endParaRPr lang="en-US" dirty="0"/>
           </a:p>
@@ -7905,7 +8081,7 @@
     </p:spTree>
     <p:extLst>
       <p:ext uri="{BB962C8B-B14F-4D97-AF65-F5344CB8AC3E}">
-        <p14:creationId xmlns:p14="http://schemas.microsoft.com/office/powerpoint/2010/main" val="1581942621"/>
+        <p14:creationId xmlns:p14="http://schemas.microsoft.com/office/powerpoint/2010/main" val="3540674889"/>
       </p:ext>
     </p:extLst>
   </p:cSld>
@@ -7944,10 +8120,85 @@
         </p:nvSpPr>
         <p:spPr/>
         <p:txBody>
-          <a:bodyPr/>
-          <a:lstStyle/>
-          <a:p>
-            <a:endParaRPr lang="en-US"/>
+          <a:bodyPr>
+            <a:normAutofit/>
+          </a:bodyPr>
+          <a:lstStyle/>
+          <a:p>
+            <a:r>
+              <a:rPr lang="en-US" sz="2400" dirty="0" smtClean="0"/>
+              <a:t>Display virtual environment overlay on real world</a:t>
+            </a:r>
+          </a:p>
+          <a:p>
+            <a:pPr lvl="1"/>
+            <a:r>
+              <a:rPr lang="en-US" sz="2000" dirty="0" smtClean="0"/>
+              <a:t>Preserves real-world depth perception</a:t>
+            </a:r>
+          </a:p>
+          <a:p>
+            <a:pPr lvl="1"/>
+            <a:r>
+              <a:rPr lang="en-US" sz="2000" dirty="0" smtClean="0"/>
+              <a:t>Large field of </a:t>
+            </a:r>
+            <a:r>
+              <a:rPr lang="en-US" sz="2000" dirty="0" smtClean="0"/>
+              <a:t>view</a:t>
+            </a:r>
+          </a:p>
+          <a:p>
+            <a:pPr lvl="1"/>
+            <a:r>
+              <a:rPr lang="en-US" sz="2000" dirty="0" smtClean="0"/>
+              <a:t>Both worlds perceptible simultaneously</a:t>
+            </a:r>
+            <a:endParaRPr lang="en-US" sz="2000" dirty="0" smtClean="0"/>
+          </a:p>
+          <a:p>
+            <a:r>
+              <a:rPr lang="en-US" sz="2400" dirty="0" smtClean="0"/>
+              <a:t>User head and position tracking</a:t>
+            </a:r>
+          </a:p>
+          <a:p>
+            <a:pPr lvl="1"/>
+            <a:r>
+              <a:rPr lang="en-US" sz="2000" dirty="0" smtClean="0"/>
+              <a:t>Filtering algorithm for inertial measurement </a:t>
+            </a:r>
+            <a:r>
+              <a:rPr lang="en-US" sz="2000" dirty="0" smtClean="0"/>
+              <a:t>data</a:t>
+            </a:r>
+          </a:p>
+          <a:p>
+            <a:r>
+              <a:rPr lang="en-US" sz="2400" dirty="0" smtClean="0"/>
+              <a:t>Portability </a:t>
+            </a:r>
+            <a:r>
+              <a:rPr lang="en-US" sz="2400" dirty="0" smtClean="0"/>
+              <a:t>and battery operation</a:t>
+            </a:r>
+          </a:p>
+          <a:p>
+            <a:r>
+              <a:rPr lang="en-US" sz="2400" dirty="0" smtClean="0"/>
+              <a:t>Wireless communication to other headsets</a:t>
+            </a:r>
+          </a:p>
+          <a:p>
+            <a:pPr lvl="1"/>
+            <a:r>
+              <a:rPr lang="en-US" sz="2000" dirty="0" smtClean="0"/>
+              <a:t>Multi-user augmented </a:t>
+            </a:r>
+            <a:r>
+              <a:rPr lang="en-US" sz="2000" dirty="0" smtClean="0"/>
+              <a:t>reality</a:t>
+            </a:r>
           </a:p>
         </p:txBody>
       </p:sp>
@@ -7968,7 +8219,7 @@
           <a:p>
             <a:r>
               <a:rPr lang="en-US" dirty="0" smtClean="0"/>
-              <a:t>Opportunities</a:t>
+              <a:t>Technical Ingenuity</a:t>
             </a:r>
             <a:endParaRPr lang="en-US" dirty="0"/>
           </a:p>
@@ -7977,7 +8228,7 @@
     </p:spTree>
     <p:extLst>
       <p:ext uri="{BB962C8B-B14F-4D97-AF65-F5344CB8AC3E}">
-        <p14:creationId xmlns:p14="http://schemas.microsoft.com/office/powerpoint/2010/main" val="2518715499"/>
+        <p14:creationId xmlns:p14="http://schemas.microsoft.com/office/powerpoint/2010/main" val="2791106075"/>
       </p:ext>
     </p:extLst>
   </p:cSld>
@@ -8040,7 +8291,7 @@
           <a:p>
             <a:r>
               <a:rPr lang="en-US" dirty="0" smtClean="0"/>
-              <a:t>Recommendations and Next Steps</a:t>
+              <a:t>Execution overview</a:t>
             </a:r>
             <a:endParaRPr lang="en-US" dirty="0"/>
           </a:p>
@@ -8049,7 +8300,7 @@
     </p:spTree>
     <p:extLst>
       <p:ext uri="{BB962C8B-B14F-4D97-AF65-F5344CB8AC3E}">
-        <p14:creationId xmlns:p14="http://schemas.microsoft.com/office/powerpoint/2010/main" val="2571464780"/>
+        <p14:creationId xmlns:p14="http://schemas.microsoft.com/office/powerpoint/2010/main" val="4157361893"/>
       </p:ext>
     </p:extLst>
   </p:cSld>
@@ -8076,6 +8327,409 @@
           <a:chExt cx="0" cy="0"/>
         </a:xfrm>
       </p:grpSpPr>
+      <p:sp>
+        <p:nvSpPr>
+          <p:cNvPr id="2" name="Content Placeholder 1"/>
+          <p:cNvSpPr>
+            <a:spLocks noGrp="1"/>
+          </p:cNvSpPr>
+          <p:nvPr>
+            <p:ph idx="1"/>
+          </p:nvPr>
+        </p:nvSpPr>
+        <p:spPr/>
+        <p:txBody>
+          <a:bodyPr/>
+          <a:lstStyle/>
+          <a:p>
+            <a:r>
+              <a:rPr lang="en-US" dirty="0" smtClean="0"/>
+              <a:t>Patent Liability</a:t>
+            </a:r>
+          </a:p>
+          <a:p>
+            <a:pPr lvl="1"/>
+            <a:r>
+              <a:rPr lang="en-US" dirty="0" smtClean="0"/>
+              <a:t>Novelty of design avoids many AR patents</a:t>
+            </a:r>
+          </a:p>
+          <a:p>
+            <a:pPr lvl="2"/>
+            <a:r>
+              <a:rPr lang="en-US" dirty="0" smtClean="0"/>
+              <a:t>Large fraction specifically mention cameras</a:t>
+            </a:r>
+          </a:p>
+          <a:p>
+            <a:pPr lvl="1"/>
+            <a:r>
+              <a:rPr lang="en-US" dirty="0" smtClean="0"/>
+              <a:t>Licensing may be required</a:t>
+            </a:r>
+          </a:p>
+          <a:p>
+            <a:pPr lvl="1"/>
+            <a:r>
+              <a:rPr lang="en-US" dirty="0" smtClean="0"/>
+              <a:t>Could file new patents and cross-license</a:t>
+            </a:r>
+            <a:endParaRPr lang="en-US" dirty="0"/>
+          </a:p>
+          <a:p>
+            <a:r>
+              <a:rPr lang="en-US" dirty="0" smtClean="0"/>
+              <a:t>User Safety</a:t>
+            </a:r>
+          </a:p>
+          <a:p>
+            <a:pPr lvl="1"/>
+            <a:r>
+              <a:rPr lang="en-US" dirty="0" smtClean="0"/>
+              <a:t>LiFePO</a:t>
+            </a:r>
+            <a:r>
+              <a:rPr lang="en-US" baseline="-25000" dirty="0" smtClean="0"/>
+              <a:t>4</a:t>
+            </a:r>
+            <a:r>
+              <a:rPr lang="en-US" dirty="0" smtClean="0"/>
+              <a:t> much safer than other Lithium battery chemistries</a:t>
+            </a:r>
+          </a:p>
+          <a:p>
+            <a:pPr lvl="1"/>
+            <a:r>
+              <a:rPr lang="en-US" dirty="0" smtClean="0"/>
+              <a:t>Translucent display keeps user aware of environment</a:t>
+            </a:r>
+          </a:p>
+          <a:p>
+            <a:pPr lvl="1"/>
+            <a:r>
+              <a:rPr lang="en-US" dirty="0" smtClean="0"/>
+              <a:t>Product unsuitable for use while driving, operating heavy machinery</a:t>
+            </a:r>
+          </a:p>
+        </p:txBody>
+      </p:sp>
+      <p:sp>
+        <p:nvSpPr>
+          <p:cNvPr id="3" name="Title 2"/>
+          <p:cNvSpPr>
+            <a:spLocks noGrp="1"/>
+          </p:cNvSpPr>
+          <p:nvPr>
+            <p:ph type="title"/>
+          </p:nvPr>
+        </p:nvSpPr>
+        <p:spPr/>
+        <p:txBody>
+          <a:bodyPr/>
+          <a:lstStyle/>
+          <a:p>
+            <a:r>
+              <a:rPr lang="en-US" dirty="0" smtClean="0"/>
+              <a:t>COMPLICATIONS</a:t>
+            </a:r>
+            <a:endParaRPr lang="en-US" dirty="0"/>
+          </a:p>
+        </p:txBody>
+      </p:sp>
+    </p:spTree>
+    <p:extLst>
+      <p:ext uri="{BB962C8B-B14F-4D97-AF65-F5344CB8AC3E}">
+        <p14:creationId xmlns:p14="http://schemas.microsoft.com/office/powerpoint/2010/main" val="90168761"/>
+      </p:ext>
+    </p:extLst>
+  </p:cSld>
+  <p:clrMapOvr>
+    <a:masterClrMapping/>
+  </p:clrMapOvr>
+</p:sld>
+</file>
+
+<file path=ppt/slides/slide14.xml><?xml version="1.0" encoding="utf-8"?>
+<p:sld xmlns:a="http://schemas.openxmlformats.org/drawingml/2006/main" xmlns:r="http://schemas.openxmlformats.org/officeDocument/2006/relationships" xmlns:p="http://schemas.openxmlformats.org/presentationml/2006/main">
+  <p:cSld>
+    <p:spTree>
+      <p:nvGrpSpPr>
+        <p:cNvPr id="1" name=""/>
+        <p:cNvGrpSpPr/>
+        <p:nvPr/>
+      </p:nvGrpSpPr>
+      <p:grpSpPr>
+        <a:xfrm>
+          <a:off x="0" y="0"/>
+          <a:ext cx="0" cy="0"/>
+          <a:chOff x="0" y="0"/>
+          <a:chExt cx="0" cy="0"/>
+        </a:xfrm>
+      </p:grpSpPr>
+      <p:sp>
+        <p:nvSpPr>
+          <p:cNvPr id="2" name="Content Placeholder 1"/>
+          <p:cNvSpPr>
+            <a:spLocks noGrp="1"/>
+          </p:cNvSpPr>
+          <p:nvPr>
+            <p:ph idx="1"/>
+          </p:nvPr>
+        </p:nvSpPr>
+        <p:spPr/>
+        <p:txBody>
+          <a:bodyPr/>
+          <a:lstStyle/>
+          <a:p>
+            <a:r>
+              <a:rPr lang="en-US" dirty="0" smtClean="0"/>
+              <a:t>Selling software to users after purchase of device</a:t>
+            </a:r>
+          </a:p>
+          <a:p>
+            <a:pPr lvl="1"/>
+            <a:r>
+              <a:rPr lang="en-US" dirty="0" smtClean="0"/>
+              <a:t>Need to set up distribution network</a:t>
+            </a:r>
+          </a:p>
+          <a:p>
+            <a:pPr lvl="1"/>
+            <a:r>
+              <a:rPr lang="en-US" dirty="0" smtClean="0"/>
+              <a:t>Encourage third party development</a:t>
+            </a:r>
+          </a:p>
+          <a:p>
+            <a:pPr lvl="1"/>
+            <a:r>
+              <a:rPr lang="en-US" dirty="0" smtClean="0"/>
+              <a:t>Anti-piracy solutions</a:t>
+            </a:r>
+          </a:p>
+          <a:p>
+            <a:pPr lvl="1"/>
+            <a:endParaRPr lang="en-US" dirty="0"/>
+          </a:p>
+        </p:txBody>
+      </p:sp>
+      <p:sp>
+        <p:nvSpPr>
+          <p:cNvPr id="3" name="Title 2"/>
+          <p:cNvSpPr>
+            <a:spLocks noGrp="1"/>
+          </p:cNvSpPr>
+          <p:nvPr>
+            <p:ph type="title"/>
+          </p:nvPr>
+        </p:nvSpPr>
+        <p:spPr/>
+        <p:txBody>
+          <a:bodyPr/>
+          <a:lstStyle/>
+          <a:p>
+            <a:r>
+              <a:rPr lang="en-US" dirty="0" smtClean="0"/>
+              <a:t>Opportunities</a:t>
+            </a:r>
+            <a:endParaRPr lang="en-US" dirty="0"/>
+          </a:p>
+        </p:txBody>
+      </p:sp>
+    </p:spTree>
+    <p:extLst>
+      <p:ext uri="{BB962C8B-B14F-4D97-AF65-F5344CB8AC3E}">
+        <p14:creationId xmlns:p14="http://schemas.microsoft.com/office/powerpoint/2010/main" val="2759559370"/>
+      </p:ext>
+    </p:extLst>
+  </p:cSld>
+  <p:clrMapOvr>
+    <a:masterClrMapping/>
+  </p:clrMapOvr>
+</p:sld>
+</file>
+
+<file path=ppt/slides/slide15.xml><?xml version="1.0" encoding="utf-8"?>
+<p:sld xmlns:a="http://schemas.openxmlformats.org/drawingml/2006/main" xmlns:r="http://schemas.openxmlformats.org/officeDocument/2006/relationships" xmlns:p="http://schemas.openxmlformats.org/presentationml/2006/main">
+  <p:cSld>
+    <p:spTree>
+      <p:nvGrpSpPr>
+        <p:cNvPr id="1" name=""/>
+        <p:cNvGrpSpPr/>
+        <p:nvPr/>
+      </p:nvGrpSpPr>
+      <p:grpSpPr>
+        <a:xfrm>
+          <a:off x="0" y="0"/>
+          <a:ext cx="0" cy="0"/>
+          <a:chOff x="0" y="0"/>
+          <a:chExt cx="0" cy="0"/>
+        </a:xfrm>
+      </p:grpSpPr>
+      <p:sp>
+        <p:nvSpPr>
+          <p:cNvPr id="2" name="Content Placeholder 1"/>
+          <p:cNvSpPr>
+            <a:spLocks noGrp="1"/>
+          </p:cNvSpPr>
+          <p:nvPr>
+            <p:ph idx="1"/>
+          </p:nvPr>
+        </p:nvSpPr>
+        <p:spPr/>
+        <p:txBody>
+          <a:bodyPr>
+            <a:normAutofit/>
+          </a:bodyPr>
+          <a:lstStyle/>
+          <a:p>
+            <a:r>
+              <a:rPr lang="en-US" sz="2400" dirty="0" smtClean="0"/>
+              <a:t>Continued software development</a:t>
+            </a:r>
+          </a:p>
+          <a:p>
+            <a:pPr lvl="1"/>
+            <a:r>
+              <a:rPr lang="en-US" sz="2000" dirty="0" smtClean="0"/>
+              <a:t>Improve calculation of head orientation</a:t>
+            </a:r>
+          </a:p>
+          <a:p>
+            <a:pPr lvl="1"/>
+            <a:r>
+              <a:rPr lang="en-US" sz="2000" dirty="0" smtClean="0"/>
+              <a:t>Improve filtering of GPS data</a:t>
+            </a:r>
+          </a:p>
+          <a:p>
+            <a:r>
+              <a:rPr lang="en-US" sz="2200" dirty="0"/>
+              <a:t>Migrate software to new motherboard</a:t>
+            </a:r>
+          </a:p>
+          <a:p>
+            <a:r>
+              <a:rPr lang="en-US" sz="2200" dirty="0" smtClean="0"/>
+              <a:t>Finalize packaging modifications for larger display</a:t>
+            </a:r>
+            <a:endParaRPr lang="en-US" sz="2200" dirty="0" smtClean="0"/>
+          </a:p>
+          <a:p>
+            <a:r>
+              <a:rPr lang="en-US" sz="2200" dirty="0" smtClean="0"/>
+              <a:t>Testing of new hardware</a:t>
+            </a:r>
+          </a:p>
+          <a:p>
+            <a:pPr lvl="1"/>
+            <a:r>
+              <a:rPr lang="en-US" sz="2000" dirty="0" smtClean="0"/>
+              <a:t>Battery </a:t>
+            </a:r>
+            <a:r>
+              <a:rPr lang="en-US" sz="2000" dirty="0" smtClean="0"/>
+              <a:t>power and charging</a:t>
+            </a:r>
+          </a:p>
+          <a:p>
+            <a:pPr lvl="1"/>
+            <a:r>
+              <a:rPr lang="en-US" sz="2000" dirty="0" smtClean="0"/>
+              <a:t>Interfacing of </a:t>
+            </a:r>
+            <a:r>
+              <a:rPr lang="en-US" sz="2000" dirty="0" err="1" smtClean="0"/>
+              <a:t>Terasic</a:t>
+            </a:r>
+            <a:r>
+              <a:rPr lang="en-US" sz="2000" dirty="0" smtClean="0"/>
+              <a:t> board with existing microcontroller</a:t>
+            </a:r>
+            <a:endParaRPr lang="en-US" sz="2000" dirty="0" smtClean="0"/>
+          </a:p>
+          <a:p>
+            <a:pPr lvl="1"/>
+            <a:r>
+              <a:rPr lang="en-US" sz="2000" dirty="0" smtClean="0"/>
+              <a:t>Display</a:t>
+            </a:r>
+            <a:endParaRPr lang="en-US" sz="2000" dirty="0" smtClean="0"/>
+          </a:p>
+        </p:txBody>
+      </p:sp>
+      <p:sp>
+        <p:nvSpPr>
+          <p:cNvPr id="3" name="Title 2"/>
+          <p:cNvSpPr>
+            <a:spLocks noGrp="1"/>
+          </p:cNvSpPr>
+          <p:nvPr>
+            <p:ph type="title"/>
+          </p:nvPr>
+        </p:nvSpPr>
+        <p:spPr/>
+        <p:txBody>
+          <a:bodyPr/>
+          <a:lstStyle/>
+          <a:p>
+            <a:r>
+              <a:rPr lang="en-US" dirty="0" smtClean="0"/>
+              <a:t>Recommendations and Next Steps</a:t>
+            </a:r>
+            <a:endParaRPr lang="en-US" dirty="0"/>
+          </a:p>
+        </p:txBody>
+      </p:sp>
+    </p:spTree>
+    <p:extLst>
+      <p:ext uri="{BB962C8B-B14F-4D97-AF65-F5344CB8AC3E}">
+        <p14:creationId xmlns:p14="http://schemas.microsoft.com/office/powerpoint/2010/main" val="2571464780"/>
+      </p:ext>
+    </p:extLst>
+  </p:cSld>
+  <p:clrMapOvr>
+    <a:masterClrMapping/>
+  </p:clrMapOvr>
+</p:sld>
+</file>
+
+<file path=ppt/slides/slide16.xml><?xml version="1.0" encoding="utf-8"?>
+<p:sld xmlns:a="http://schemas.openxmlformats.org/drawingml/2006/main" xmlns:r="http://schemas.openxmlformats.org/officeDocument/2006/relationships" xmlns:p="http://schemas.openxmlformats.org/presentationml/2006/main">
+  <p:cSld>
+    <p:spTree>
+      <p:nvGrpSpPr>
+        <p:cNvPr id="1" name=""/>
+        <p:cNvGrpSpPr/>
+        <p:nvPr/>
+      </p:nvGrpSpPr>
+      <p:grpSpPr>
+        <a:xfrm>
+          <a:off x="0" y="0"/>
+          <a:ext cx="0" cy="0"/>
+          <a:chOff x="0" y="0"/>
+          <a:chExt cx="0" cy="0"/>
+        </a:xfrm>
+      </p:grpSpPr>
+      <p:sp>
+        <p:nvSpPr>
+          <p:cNvPr id="2" name="Subtitle 1"/>
+          <p:cNvSpPr>
+            <a:spLocks noGrp="1"/>
+          </p:cNvSpPr>
+          <p:nvPr>
+            <p:ph type="subTitle" idx="1"/>
+          </p:nvPr>
+        </p:nvSpPr>
+        <p:spPr/>
+        <p:txBody>
+          <a:bodyPr/>
+          <a:lstStyle/>
+          <a:p>
+            <a:endParaRPr lang="en-US"/>
+          </a:p>
+        </p:txBody>
+      </p:sp>
       <p:sp>
         <p:nvSpPr>
           <p:cNvPr id="3" name="Title 2"/>
@@ -8722,7 +9376,7 @@
           <a:blip r:embed="rId2">
             <a:extLst>
               <a:ext uri="{28A0092B-C50C-407E-A947-70E740481C1C}">
-                <a14:useLocalDpi xmlns:a14="http://schemas.microsoft.com/office/drawing/2010/main" val="0"/>
+                <a14:useLocalDpi xmlns:a14="http://schemas.microsoft.com/office/drawing/2010/main"/>
               </a:ext>
             </a:extLst>
           </a:blip>
@@ -8732,7 +9386,7 @@
         </p:blipFill>
         <p:spPr bwMode="auto">
           <a:xfrm>
-            <a:off x="712" y="228600"/>
+            <a:off x="76200" y="228600"/>
             <a:ext cx="9067800" cy="6400800"/>
           </a:xfrm>
           <a:prstGeom prst="rect">
@@ -8786,36 +9440,135 @@
         </p:nvSpPr>
         <p:spPr/>
         <p:txBody>
-          <a:bodyPr/>
-          <a:lstStyle/>
-          <a:p>
+          <a:bodyPr>
+            <a:normAutofit/>
+          </a:bodyPr>
+          <a:lstStyle/>
+          <a:p>
+            <a:r>
+              <a:rPr lang="en-US" sz="2400" dirty="0" smtClean="0"/>
+              <a:t>Hardware</a:t>
+            </a:r>
+          </a:p>
+          <a:p>
+            <a:pPr lvl="1"/>
+            <a:r>
+              <a:rPr lang="en-US" sz="2000" dirty="0" smtClean="0"/>
+              <a:t>Interfacing to Inertial Measurement Unit</a:t>
+            </a:r>
+          </a:p>
+          <a:p>
+            <a:pPr lvl="1"/>
+            <a:r>
+              <a:rPr lang="en-US" sz="2000" dirty="0" smtClean="0"/>
+              <a:t>Interfacing to GPS</a:t>
+            </a:r>
+          </a:p>
+          <a:p>
+            <a:pPr lvl="1"/>
+            <a:r>
+              <a:rPr lang="en-US" sz="2000" dirty="0" smtClean="0"/>
+              <a:t>Power </a:t>
+            </a:r>
+            <a:r>
+              <a:rPr lang="en-US" sz="2000" dirty="0" smtClean="0"/>
+              <a:t>management</a:t>
+            </a:r>
+          </a:p>
+          <a:p>
+            <a:pPr lvl="2"/>
+            <a:r>
+              <a:rPr lang="en-US" dirty="0" smtClean="0"/>
+              <a:t>Battery c</a:t>
+            </a:r>
+            <a:r>
+              <a:rPr lang="en-US" dirty="0" smtClean="0"/>
+              <a:t>harging</a:t>
+            </a:r>
+          </a:p>
+          <a:p>
+            <a:pPr lvl="2"/>
+            <a:r>
+              <a:rPr lang="en-US" dirty="0" smtClean="0"/>
+              <a:t>Battery f</a:t>
+            </a:r>
+            <a:r>
+              <a:rPr lang="en-US" dirty="0" smtClean="0"/>
+              <a:t>uel gauge</a:t>
+            </a:r>
+          </a:p>
+          <a:p>
+            <a:pPr lvl="2"/>
+            <a:r>
+              <a:rPr lang="en-US" dirty="0" smtClean="0"/>
+              <a:t>Voltage regulation</a:t>
+            </a:r>
+            <a:endParaRPr lang="en-US" dirty="0" smtClean="0"/>
+          </a:p>
+        </p:txBody>
+      </p:sp>
+      <p:sp>
+        <p:nvSpPr>
+          <p:cNvPr id="3" name="Title 2"/>
+          <p:cNvSpPr>
+            <a:spLocks noGrp="1"/>
+          </p:cNvSpPr>
+          <p:nvPr>
+            <p:ph type="title"/>
+          </p:nvPr>
+        </p:nvSpPr>
+        <p:spPr/>
+        <p:txBody>
+          <a:bodyPr/>
+          <a:lstStyle/>
+          <a:p>
+            <a:r>
+              <a:rPr lang="en-US" dirty="0" smtClean="0"/>
+              <a:t>Accomplishments To Date (PHA1)</a:t>
+            </a:r>
             <a:endParaRPr lang="en-US" dirty="0"/>
           </a:p>
         </p:txBody>
       </p:sp>
-      <p:sp>
-        <p:nvSpPr>
-          <p:cNvPr id="3" name="Title 2"/>
-          <p:cNvSpPr>
-            <a:spLocks noGrp="1"/>
-          </p:cNvSpPr>
-          <p:nvPr>
-            <p:ph type="title"/>
-          </p:nvPr>
-        </p:nvSpPr>
-        <p:spPr/>
-        <p:txBody>
-          <a:bodyPr/>
-          <a:lstStyle/>
-          <a:p>
-            <a:r>
-              <a:rPr lang="en-US" dirty="0" smtClean="0"/>
-              <a:t>Accomplishments To Date</a:t>
-            </a:r>
-            <a:endParaRPr lang="en-US" dirty="0"/>
-          </a:p>
-        </p:txBody>
-      </p:sp>
+      <p:pic>
+        <p:nvPicPr>
+          <p:cNvPr id="1028" name="Picture 4" descr="https://lh5.googleusercontent.com/-azXA1pEJXH4/UnfMv-A82uI/AAAAAAAAAb4/v4Kk6RwBdL4/w769-h577-no/pcb_xbee.jpg"/>
+          <p:cNvPicPr>
+            <a:picLocks noChangeAspect="1" noChangeArrowheads="1"/>
+          </p:cNvPicPr>
+          <p:nvPr/>
+        </p:nvPicPr>
+        <p:blipFill rotWithShape="1">
+          <a:blip r:embed="rId2" cstate="print">
+            <a:extLst>
+              <a:ext uri="{28A0092B-C50C-407E-A947-70E740481C1C}">
+                <a14:useLocalDpi xmlns:a14="http://schemas.microsoft.com/office/drawing/2010/main"/>
+              </a:ext>
+            </a:extLst>
+          </a:blip>
+          <a:srcRect/>
+          <a:stretch/>
+        </p:blipFill>
+        <p:spPr bwMode="auto">
+          <a:xfrm>
+            <a:off x="1905000" y="3991730"/>
+            <a:ext cx="5562601" cy="2518087"/>
+          </a:xfrm>
+          <a:prstGeom prst="rect">
+            <a:avLst/>
+          </a:prstGeom>
+          <a:noFill/>
+          <a:extLst>
+            <a:ext uri="{909E8E84-426E-40DD-AFC4-6F175D3DCCD1}">
+              <a14:hiddenFill xmlns:a14="http://schemas.microsoft.com/office/drawing/2010/main">
+                <a:solidFill>
+                  <a:srgbClr val="FFFFFF"/>
+                </a:solidFill>
+              </a14:hiddenFill>
+            </a:ext>
+          </a:extLst>
+        </p:spPr>
+      </p:pic>
     </p:spTree>
     <p:extLst>
       <p:ext uri="{BB962C8B-B14F-4D97-AF65-F5344CB8AC3E}">
@@ -8858,10 +9611,108 @@
         </p:nvSpPr>
         <p:spPr/>
         <p:txBody>
-          <a:bodyPr/>
-          <a:lstStyle/>
-          <a:p>
-            <a:endParaRPr lang="en-US"/>
+          <a:bodyPr>
+            <a:normAutofit/>
+          </a:bodyPr>
+          <a:lstStyle/>
+          <a:p>
+            <a:r>
+              <a:rPr lang="en-US" sz="2400" dirty="0" smtClean="0"/>
+              <a:t>Self-contained </a:t>
+            </a:r>
+            <a:r>
+              <a:rPr lang="en-US" sz="2400" dirty="0" smtClean="0"/>
+              <a:t>headset</a:t>
+            </a:r>
+          </a:p>
+          <a:p>
+            <a:pPr lvl="1"/>
+            <a:r>
+              <a:rPr lang="en-US" sz="2000" dirty="0" smtClean="0"/>
+              <a:t>Hard hat with display and all</a:t>
+            </a:r>
+          </a:p>
+          <a:p>
+            <a:pPr marL="365760" lvl="1" indent="0">
+              <a:buNone/>
+            </a:pPr>
+            <a:r>
+              <a:rPr lang="en-US" sz="2000" dirty="0"/>
+              <a:t> </a:t>
+            </a:r>
+            <a:r>
+              <a:rPr lang="en-US" sz="2000" dirty="0" smtClean="0"/>
+              <a:t>  electronics mounted to </a:t>
+            </a:r>
+            <a:r>
+              <a:rPr lang="en-US" sz="2000" dirty="0" smtClean="0"/>
+              <a:t>rails</a:t>
+            </a:r>
+            <a:endParaRPr lang="en-US" sz="2000" dirty="0" smtClean="0"/>
+          </a:p>
+          <a:p>
+            <a:endParaRPr lang="en-US" sz="2400" dirty="0" smtClean="0"/>
+          </a:p>
+          <a:p>
+            <a:r>
+              <a:rPr lang="en-US" sz="2400" dirty="0" smtClean="0"/>
+              <a:t>Software</a:t>
+            </a:r>
+          </a:p>
+          <a:p>
+            <a:pPr lvl="1"/>
+            <a:r>
+              <a:rPr lang="en-US" sz="2000" dirty="0" smtClean="0"/>
+              <a:t>OpenGL ES for 3D rendering</a:t>
+            </a:r>
+          </a:p>
+          <a:p>
+            <a:pPr lvl="1"/>
+            <a:r>
+              <a:rPr lang="en-US" sz="2000" dirty="0" smtClean="0"/>
+              <a:t>Networking: </a:t>
+            </a:r>
+            <a:r>
+              <a:rPr lang="en-US" sz="2000" dirty="0" err="1" smtClean="0"/>
+              <a:t>XBees</a:t>
+            </a:r>
+            <a:r>
+              <a:rPr lang="en-US" sz="2000" dirty="0" smtClean="0"/>
+              <a:t> with CCU</a:t>
+            </a:r>
+          </a:p>
+          <a:p>
+            <a:pPr lvl="1"/>
+            <a:r>
+              <a:rPr lang="en-US" sz="2000" dirty="0" smtClean="0"/>
+              <a:t>SPI communication </a:t>
+            </a:r>
+            <a:r>
+              <a:rPr lang="en-US" sz="2000" dirty="0" smtClean="0"/>
+              <a:t>between</a:t>
+            </a:r>
+            <a:br>
+              <a:rPr lang="en-US" sz="2000" dirty="0" smtClean="0"/>
+            </a:br>
+            <a:r>
+              <a:rPr lang="en-US" sz="2000" dirty="0" smtClean="0"/>
+              <a:t>Pi </a:t>
+            </a:r>
+            <a:r>
+              <a:rPr lang="en-US" sz="2000" dirty="0" smtClean="0"/>
+              <a:t>and micro</a:t>
+            </a:r>
+          </a:p>
+          <a:p>
+            <a:pPr lvl="1"/>
+            <a:r>
+              <a:rPr lang="en-US" sz="2000" dirty="0" err="1" smtClean="0"/>
+              <a:t>MacPan</a:t>
+            </a:r>
+            <a:r>
+              <a:rPr lang="en-US" sz="2000" dirty="0" smtClean="0"/>
+              <a:t> game</a:t>
+            </a:r>
           </a:p>
         </p:txBody>
       </p:sp>
@@ -8882,22 +9733,93 @@
           <a:p>
             <a:r>
               <a:rPr lang="en-US" dirty="0" smtClean="0"/>
-              <a:t>Technical Ingenuity</a:t>
+              <a:t>Accomplishments To </a:t>
+            </a:r>
+            <a:r>
+              <a:rPr lang="en-US" dirty="0" smtClean="0"/>
+              <a:t>Date (PHA1)</a:t>
             </a:r>
             <a:endParaRPr lang="en-US" dirty="0"/>
           </a:p>
         </p:txBody>
       </p:sp>
+      <p:pic>
+        <p:nvPicPr>
+          <p:cNvPr id="5" name="Picture 4"/>
+          <p:cNvPicPr>
+            <a:picLocks noChangeAspect="1"/>
+          </p:cNvPicPr>
+          <p:nvPr/>
+        </p:nvPicPr>
+        <p:blipFill>
+          <a:blip r:embed="rId2" cstate="print">
+            <a:extLst>
+              <a:ext uri="{28A0092B-C50C-407E-A947-70E740481C1C}">
+                <a14:useLocalDpi xmlns:a14="http://schemas.microsoft.com/office/drawing/2010/main"/>
+              </a:ext>
+            </a:extLst>
+          </a:blip>
+          <a:stretch>
+            <a:fillRect/>
+          </a:stretch>
+        </p:blipFill>
+        <p:spPr>
+          <a:xfrm>
+            <a:off x="5257800" y="1524000"/>
+            <a:ext cx="3096186" cy="2057400"/>
+          </a:xfrm>
+          <a:prstGeom prst="rect">
+            <a:avLst/>
+          </a:prstGeom>
+        </p:spPr>
+      </p:pic>
+      <p:pic>
+        <p:nvPicPr>
+          <p:cNvPr id="6" name="Picture 5"/>
+          <p:cNvPicPr>
+            <a:picLocks noChangeAspect="1"/>
+          </p:cNvPicPr>
+          <p:nvPr/>
+        </p:nvPicPr>
+        <p:blipFill>
+          <a:blip r:embed="rId3" cstate="print">
+            <a:extLst>
+              <a:ext uri="{28A0092B-C50C-407E-A947-70E740481C1C}">
+                <a14:useLocalDpi xmlns:a14="http://schemas.microsoft.com/office/drawing/2010/main"/>
+              </a:ext>
+            </a:extLst>
+          </a:blip>
+          <a:stretch>
+            <a:fillRect/>
+          </a:stretch>
+        </p:blipFill>
+        <p:spPr>
+          <a:xfrm>
+            <a:off x="5257800" y="3886200"/>
+            <a:ext cx="3128279" cy="2133600"/>
+          </a:xfrm>
+          <a:prstGeom prst="rect">
+            <a:avLst/>
+          </a:prstGeom>
+        </p:spPr>
+      </p:pic>
     </p:spTree>
     <p:extLst>
       <p:ext uri="{BB962C8B-B14F-4D97-AF65-F5344CB8AC3E}">
-        <p14:creationId xmlns:p14="http://schemas.microsoft.com/office/powerpoint/2010/main" val="2791106075"/>
+        <p14:creationId xmlns:p14="http://schemas.microsoft.com/office/powerpoint/2010/main" val="675942081"/>
       </p:ext>
     </p:extLst>
   </p:cSld>
   <p:clrMapOvr>
     <a:masterClrMapping/>
   </p:clrMapOvr>
+  <p:timing>
+    <p:tnLst>
+      <p:par>
+        <p:cTn id="1" dur="indefinite" restart="never" nodeType="tmRoot"/>
+      </p:par>
+    </p:tnLst>
+  </p:timing>
 </p:sld>
 </file>
 
@@ -8920,56 +9842,398 @@
       </p:grpSpPr>
       <p:sp>
         <p:nvSpPr>
-          <p:cNvPr id="2" name="Content Placeholder 1"/>
-          <p:cNvSpPr>
-            <a:spLocks noGrp="1"/>
-          </p:cNvSpPr>
+          <p:cNvPr id="3" name="Title 2"/>
+          <p:cNvSpPr>
+            <a:spLocks noGrp="1"/>
+          </p:cNvSpPr>
+          <p:nvPr>
+            <p:ph type="title"/>
+          </p:nvPr>
+        </p:nvSpPr>
+        <p:spPr/>
+        <p:txBody>
+          <a:bodyPr/>
+          <a:lstStyle/>
+          <a:p>
+            <a:r>
+              <a:rPr lang="en-US" dirty="0"/>
+              <a:t>Accomplishments To </a:t>
+            </a:r>
+            <a:r>
+              <a:rPr lang="en-US" dirty="0" smtClean="0"/>
+              <a:t>Date (Pha1)</a:t>
+            </a:r>
+            <a:endParaRPr lang="en-US" dirty="0"/>
+          </a:p>
+        </p:txBody>
+      </p:sp>
+      <p:graphicFrame>
+        <p:nvGraphicFramePr>
+          <p:cNvPr id="6" name="Content Placeholder 5"/>
+          <p:cNvGraphicFramePr>
+            <a:graphicFrameLocks noGrp="1"/>
+          </p:cNvGraphicFramePr>
           <p:nvPr>
             <p:ph idx="1"/>
-          </p:nvPr>
-        </p:nvSpPr>
-        <p:spPr/>
-        <p:txBody>
-          <a:bodyPr/>
-          <a:lstStyle/>
-          <a:p>
-            <a:endParaRPr lang="en-US"/>
-          </a:p>
-        </p:txBody>
-      </p:sp>
-      <p:sp>
-        <p:nvSpPr>
-          <p:cNvPr id="3" name="Title 2"/>
-          <p:cNvSpPr>
-            <a:spLocks noGrp="1"/>
-          </p:cNvSpPr>
-          <p:nvPr>
-            <p:ph type="title"/>
-          </p:nvPr>
-        </p:nvSpPr>
-        <p:spPr/>
-        <p:txBody>
-          <a:bodyPr/>
-          <a:lstStyle/>
-          <a:p>
-            <a:r>
-              <a:rPr lang="en-US" dirty="0" smtClean="0"/>
-              <a:t>Execution overview</a:t>
-            </a:r>
-            <a:endParaRPr lang="en-US" dirty="0"/>
-          </a:p>
-        </p:txBody>
-      </p:sp>
+            <p:extLst>
+              <p:ext uri="{D42A27DB-BD31-4B8C-83A1-F6EECF244321}">
+                <p14:modId xmlns:p14="http://schemas.microsoft.com/office/powerpoint/2010/main" val="995713166"/>
+              </p:ext>
+            </p:extLst>
+          </p:nvPr>
+        </p:nvGraphicFramePr>
+        <p:xfrm>
+          <a:off x="381000" y="1524000"/>
+          <a:ext cx="8407401" cy="2595880"/>
+        </p:xfrm>
+        <a:graphic>
+          <a:graphicData uri="http://schemas.openxmlformats.org/drawingml/2006/table">
+            <a:tbl>
+              <a:tblPr firstRow="1" bandRow="1">
+                <a:tableStyleId>{5C22544A-7EE6-4342-B048-85BDC9FD1C3A}</a:tableStyleId>
+              </a:tblPr>
+              <a:tblGrid>
+                <a:gridCol w="2802467"/>
+                <a:gridCol w="2802467"/>
+                <a:gridCol w="2802467"/>
+              </a:tblGrid>
+              <a:tr h="370840">
+                <a:tc>
+                  <a:txBody>
+                    <a:bodyPr/>
+                    <a:lstStyle/>
+                    <a:p>
+                      <a:r>
+                        <a:rPr lang="en-US" dirty="0" smtClean="0"/>
+                        <a:t>Performance Metric</a:t>
+                      </a:r>
+                      <a:endParaRPr lang="en-US" dirty="0"/>
+                    </a:p>
+                  </a:txBody>
+                  <a:tcPr/>
+                </a:tc>
+                <a:tc>
+                  <a:txBody>
+                    <a:bodyPr/>
+                    <a:lstStyle/>
+                    <a:p>
+                      <a:r>
+                        <a:rPr lang="en-US" dirty="0" smtClean="0"/>
+                        <a:t>Phase</a:t>
+                      </a:r>
+                      <a:r>
+                        <a:rPr lang="en-US" baseline="0" dirty="0" smtClean="0"/>
+                        <a:t> One</a:t>
+                      </a:r>
+                      <a:endParaRPr lang="en-US" dirty="0"/>
+                    </a:p>
+                  </a:txBody>
+                  <a:tcPr/>
+                </a:tc>
+                <a:tc>
+                  <a:txBody>
+                    <a:bodyPr/>
+                    <a:lstStyle/>
+                    <a:p>
+                      <a:r>
+                        <a:rPr lang="en-US" dirty="0" smtClean="0"/>
+                        <a:t>Target</a:t>
+                      </a:r>
+                      <a:endParaRPr lang="en-US" dirty="0"/>
+                    </a:p>
+                  </a:txBody>
+                  <a:tcPr/>
+                </a:tc>
+              </a:tr>
+              <a:tr h="370840">
+                <a:tc>
+                  <a:txBody>
+                    <a:bodyPr/>
+                    <a:lstStyle/>
+                    <a:p>
+                      <a:r>
+                        <a:rPr lang="en-US" dirty="0" smtClean="0"/>
+                        <a:t>Weight</a:t>
+                      </a:r>
+                      <a:endParaRPr lang="en-US" dirty="0"/>
+                    </a:p>
+                  </a:txBody>
+                  <a:tcPr/>
+                </a:tc>
+                <a:tc>
+                  <a:txBody>
+                    <a:bodyPr/>
+                    <a:lstStyle/>
+                    <a:p>
+                      <a:r>
+                        <a:rPr lang="en-US" dirty="0" smtClean="0"/>
+                        <a:t>2 kg [???]</a:t>
+                      </a:r>
+                      <a:endParaRPr lang="en-US" dirty="0"/>
+                    </a:p>
+                  </a:txBody>
+                  <a:tcPr/>
+                </a:tc>
+                <a:tc>
+                  <a:txBody>
+                    <a:bodyPr/>
+                    <a:lstStyle/>
+                    <a:p>
+                      <a:r>
+                        <a:rPr lang="en-US" dirty="0" smtClean="0"/>
+                        <a:t>4 kg</a:t>
+                      </a:r>
+                      <a:endParaRPr lang="en-US" dirty="0"/>
+                    </a:p>
+                  </a:txBody>
+                  <a:tcPr/>
+                </a:tc>
+              </a:tr>
+              <a:tr h="370840">
+                <a:tc>
+                  <a:txBody>
+                    <a:bodyPr/>
+                    <a:lstStyle/>
+                    <a:p>
+                      <a:r>
+                        <a:rPr lang="en-US" dirty="0" smtClean="0"/>
+                        <a:t>Battery life</a:t>
+                      </a:r>
+                      <a:endParaRPr lang="en-US" dirty="0"/>
+                    </a:p>
+                  </a:txBody>
+                  <a:tcPr/>
+                </a:tc>
+                <a:tc>
+                  <a:txBody>
+                    <a:bodyPr/>
+                    <a:lstStyle/>
+                    <a:p>
+                      <a:r>
+                        <a:rPr lang="en-US" dirty="0" smtClean="0"/>
+                        <a:t>3 hours</a:t>
+                      </a:r>
+                      <a:endParaRPr lang="en-US" dirty="0"/>
+                    </a:p>
+                  </a:txBody>
+                  <a:tcPr/>
+                </a:tc>
+                <a:tc>
+                  <a:txBody>
+                    <a:bodyPr/>
+                    <a:lstStyle/>
+                    <a:p>
+                      <a:r>
+                        <a:rPr lang="en-US" dirty="0" smtClean="0"/>
+                        <a:t>5 hours</a:t>
+                      </a:r>
+                      <a:endParaRPr lang="en-US" dirty="0"/>
+                    </a:p>
+                  </a:txBody>
+                  <a:tcPr/>
+                </a:tc>
+              </a:tr>
+              <a:tr h="370840">
+                <a:tc>
+                  <a:txBody>
+                    <a:bodyPr/>
+                    <a:lstStyle/>
+                    <a:p>
+                      <a:r>
+                        <a:rPr lang="en-US" dirty="0" err="1" smtClean="0"/>
+                        <a:t>Framerate</a:t>
+                      </a:r>
+                      <a:endParaRPr lang="en-US" dirty="0"/>
+                    </a:p>
+                  </a:txBody>
+                  <a:tcPr/>
+                </a:tc>
+                <a:tc>
+                  <a:txBody>
+                    <a:bodyPr/>
+                    <a:lstStyle/>
+                    <a:p>
+                      <a:r>
+                        <a:rPr lang="en-US" dirty="0" smtClean="0"/>
+                        <a:t>30 FPS</a:t>
+                      </a:r>
+                      <a:endParaRPr lang="en-US" dirty="0"/>
+                    </a:p>
+                  </a:txBody>
+                  <a:tcPr/>
+                </a:tc>
+                <a:tc>
+                  <a:txBody>
+                    <a:bodyPr/>
+                    <a:lstStyle/>
+                    <a:p>
+                      <a:r>
+                        <a:rPr lang="en-US" dirty="0" smtClean="0"/>
+                        <a:t>60 FPS</a:t>
+                      </a:r>
+                      <a:endParaRPr lang="en-US" dirty="0"/>
+                    </a:p>
+                  </a:txBody>
+                  <a:tcPr/>
+                </a:tc>
+              </a:tr>
+              <a:tr h="370840">
+                <a:tc>
+                  <a:txBody>
+                    <a:bodyPr/>
+                    <a:lstStyle/>
+                    <a:p>
+                      <a:r>
+                        <a:rPr lang="en-US" dirty="0" smtClean="0"/>
+                        <a:t>Head tracking Latency</a:t>
+                      </a:r>
+                      <a:endParaRPr lang="en-US" dirty="0"/>
+                    </a:p>
+                  </a:txBody>
+                  <a:tcPr/>
+                </a:tc>
+                <a:tc>
+                  <a:txBody>
+                    <a:bodyPr/>
+                    <a:lstStyle/>
+                    <a:p>
+                      <a:r>
+                        <a:rPr lang="en-US" dirty="0" smtClean="0"/>
+                        <a:t>[???]</a:t>
+                      </a:r>
+                      <a:endParaRPr lang="en-US" dirty="0"/>
+                    </a:p>
+                  </a:txBody>
+                  <a:tcPr/>
+                </a:tc>
+                <a:tc>
+                  <a:txBody>
+                    <a:bodyPr/>
+                    <a:lstStyle/>
+                    <a:p>
+                      <a:r>
+                        <a:rPr lang="en-US" dirty="0" smtClean="0"/>
+                        <a:t>60 </a:t>
+                      </a:r>
+                      <a:r>
+                        <a:rPr lang="en-US" dirty="0" err="1" smtClean="0"/>
+                        <a:t>ms</a:t>
+                      </a:r>
+                      <a:endParaRPr lang="en-US" dirty="0"/>
+                    </a:p>
+                  </a:txBody>
+                  <a:tcPr/>
+                </a:tc>
+              </a:tr>
+              <a:tr h="370840">
+                <a:tc>
+                  <a:txBody>
+                    <a:bodyPr/>
+                    <a:lstStyle/>
+                    <a:p>
+                      <a:r>
+                        <a:rPr lang="en-US" dirty="0" smtClean="0"/>
+                        <a:t>Location accuracy</a:t>
+                      </a:r>
+                      <a:endParaRPr lang="en-US" dirty="0"/>
+                    </a:p>
+                  </a:txBody>
+                  <a:tcPr/>
+                </a:tc>
+                <a:tc>
+                  <a:txBody>
+                    <a:bodyPr/>
+                    <a:lstStyle/>
+                    <a:p>
+                      <a:endParaRPr lang="en-US" dirty="0"/>
+                    </a:p>
+                  </a:txBody>
+                  <a:tcPr/>
+                </a:tc>
+                <a:tc>
+                  <a:txBody>
+                    <a:bodyPr/>
+                    <a:lstStyle/>
+                    <a:p>
+                      <a:endParaRPr lang="en-US"/>
+                    </a:p>
+                  </a:txBody>
+                  <a:tcPr/>
+                </a:tc>
+              </a:tr>
+              <a:tr h="370840">
+                <a:tc>
+                  <a:txBody>
+                    <a:bodyPr/>
+                    <a:lstStyle/>
+                    <a:p>
+                      <a:r>
+                        <a:rPr lang="en-US" dirty="0" smtClean="0"/>
+                        <a:t>Display</a:t>
+                      </a:r>
+                      <a:r>
+                        <a:rPr lang="en-US" baseline="0" dirty="0" smtClean="0"/>
+                        <a:t> Brightness</a:t>
+                      </a:r>
+                      <a:endParaRPr lang="en-US" dirty="0"/>
+                    </a:p>
+                  </a:txBody>
+                  <a:tcPr/>
+                </a:tc>
+                <a:tc>
+                  <a:txBody>
+                    <a:bodyPr/>
+                    <a:lstStyle/>
+                    <a:p>
+                      <a:r>
+                        <a:rPr lang="en-US" dirty="0" smtClean="0"/>
+                        <a:t>200</a:t>
+                      </a:r>
+                      <a:r>
+                        <a:rPr lang="en-US" baseline="0" dirty="0" smtClean="0"/>
+                        <a:t> nits</a:t>
+                      </a:r>
+                      <a:endParaRPr lang="en-US" dirty="0"/>
+                    </a:p>
+                  </a:txBody>
+                  <a:tcPr/>
+                </a:tc>
+                <a:tc>
+                  <a:txBody>
+                    <a:bodyPr/>
+                    <a:lstStyle/>
+                    <a:p>
+                      <a:r>
+                        <a:rPr lang="en-US" dirty="0" smtClean="0"/>
+                        <a:t>300 nits</a:t>
+                      </a:r>
+                      <a:endParaRPr lang="en-US" dirty="0"/>
+                    </a:p>
+                  </a:txBody>
+                  <a:tcPr/>
+                </a:tc>
+              </a:tr>
+            </a:tbl>
+          </a:graphicData>
+        </a:graphic>
+      </p:graphicFrame>
     </p:spTree>
     <p:extLst>
       <p:ext uri="{BB962C8B-B14F-4D97-AF65-F5344CB8AC3E}">
-        <p14:creationId xmlns:p14="http://schemas.microsoft.com/office/powerpoint/2010/main" val="4157361893"/>
+        <p14:creationId xmlns:p14="http://schemas.microsoft.com/office/powerpoint/2010/main" val="4108778072"/>
       </p:ext>
     </p:extLst>
   </p:cSld>
   <p:clrMapOvr>
     <a:masterClrMapping/>
   </p:clrMapOvr>
+  <p:timing>
+    <p:tnLst>
+      <p:par>
+        <p:cTn id="1" dur="indefinite" restart="never" nodeType="tmRoot"/>
+      </p:par>
+    </p:tnLst>
+  </p:timing>
 </p:sld>
 </file>
 

--- a/doc/AugRealityMidReview.pptx
+++ b/doc/AugRealityMidReview.pptx
@@ -6,7 +6,7 @@
     <p:sldMasterId id="2147483708" r:id="rId2"/>
   </p:sldMasterIdLst>
   <p:notesMasterIdLst>
-    <p:notesMasterId r:id="rId19"/>
+    <p:notesMasterId r:id="rId20"/>
   </p:notesMasterIdLst>
   <p:sldIdLst>
     <p:sldId id="256" r:id="rId3"/>
@@ -18,13 +18,14 @@
     <p:sldId id="269" r:id="rId9"/>
     <p:sldId id="280" r:id="rId10"/>
     <p:sldId id="281" r:id="rId11"/>
-    <p:sldId id="279" r:id="rId12"/>
-    <p:sldId id="270" r:id="rId13"/>
-    <p:sldId id="271" r:id="rId14"/>
-    <p:sldId id="282" r:id="rId15"/>
-    <p:sldId id="283" r:id="rId16"/>
-    <p:sldId id="274" r:id="rId17"/>
-    <p:sldId id="267" r:id="rId18"/>
+    <p:sldId id="284" r:id="rId12"/>
+    <p:sldId id="279" r:id="rId13"/>
+    <p:sldId id="270" r:id="rId14"/>
+    <p:sldId id="271" r:id="rId15"/>
+    <p:sldId id="282" r:id="rId16"/>
+    <p:sldId id="283" r:id="rId17"/>
+    <p:sldId id="274" r:id="rId18"/>
+    <p:sldId id="267" r:id="rId19"/>
   </p:sldIdLst>
   <p:sldSz cx="9144000" cy="6858000" type="screen4x3"/>
   <p:notesSz cx="6858000" cy="9144000"/>
@@ -125,7 +126,7 @@
   </p:defaultTextStyle>
   <p:extLst>
     <p:ext uri="{EFAFB233-063F-42B5-8137-9DF3F51BA10A}">
-      <p15:sldGuideLst xmlns="" xmlns:p15="http://schemas.microsoft.com/office/powerpoint/2012/main">
+      <p15:sldGuideLst xmlns:p15="http://schemas.microsoft.com/office/powerpoint/2012/main">
         <p15:guide id="1" orient="horz" pos="2160">
           <p15:clr>
             <a:srgbClr val="A4A3A4"/>
@@ -224,7 +225,7 @@
           <a:p>
             <a:fld id="{7A466098-8D44-47E3-A6D0-3EBDA642D1D9}" type="datetimeFigureOut">
               <a:rPr lang="en-US" smtClean="0"/>
-              <a:t>2/10/2014</a:t>
+              <a:t>2/11/2014</a:t>
             </a:fld>
             <a:endParaRPr lang="en-US"/>
           </a:p>
@@ -745,7 +746,7 @@
           <a:p>
             <a:fld id="{CC2990F0-8476-4A68-82FA-873BDD6B740E}" type="datetimeFigureOut">
               <a:rPr lang="en-US" smtClean="0"/>
-              <a:t>2/10/2014</a:t>
+              <a:t>2/11/2014</a:t>
             </a:fld>
             <a:endParaRPr lang="en-US"/>
           </a:p>
@@ -958,7 +959,7 @@
           <a:p>
             <a:fld id="{CC2990F0-8476-4A68-82FA-873BDD6B740E}" type="datetimeFigureOut">
               <a:rPr lang="en-US" smtClean="0"/>
-              <a:t>2/10/2014</a:t>
+              <a:t>2/11/2014</a:t>
             </a:fld>
             <a:endParaRPr lang="en-US"/>
           </a:p>
@@ -1225,7 +1226,7 @@
           <a:p>
             <a:fld id="{CC2990F0-8476-4A68-82FA-873BDD6B740E}" type="datetimeFigureOut">
               <a:rPr lang="en-US" smtClean="0"/>
-              <a:t>2/10/2014</a:t>
+              <a:t>2/11/2014</a:t>
             </a:fld>
             <a:endParaRPr lang="en-US"/>
           </a:p>
@@ -1477,7 +1478,7 @@
                 </a:solidFill>
               </a:rPr>
               <a:pPr/>
-              <a:t>2/10/2014</a:t>
+              <a:t>2/11/2014</a:t>
             </a:fld>
             <a:endParaRPr lang="en-US">
               <a:solidFill>
@@ -1679,7 +1680,7 @@
                 </a:solidFill>
               </a:rPr>
               <a:pPr/>
-              <a:t>2/10/2014</a:t>
+              <a:t>2/11/2014</a:t>
             </a:fld>
             <a:endParaRPr lang="en-US">
               <a:solidFill>
@@ -1957,7 +1958,7 @@
                 </a:solidFill>
               </a:rPr>
               <a:pPr/>
-              <a:t>2/10/2014</a:t>
+              <a:t>2/11/2014</a:t>
             </a:fld>
             <a:endParaRPr lang="en-US">
               <a:solidFill>
@@ -2277,7 +2278,7 @@
                 </a:solidFill>
               </a:rPr>
               <a:pPr/>
-              <a:t>2/10/2014</a:t>
+              <a:t>2/11/2014</a:t>
             </a:fld>
             <a:endParaRPr lang="en-US">
               <a:solidFill>
@@ -2731,7 +2732,7 @@
                 </a:solidFill>
               </a:rPr>
               <a:pPr/>
-              <a:t>2/10/2014</a:t>
+              <a:t>2/11/2014</a:t>
             </a:fld>
             <a:endParaRPr lang="en-US">
               <a:solidFill>
@@ -2881,7 +2882,7 @@
                 </a:solidFill>
               </a:rPr>
               <a:pPr/>
-              <a:t>2/10/2014</a:t>
+              <a:t>2/11/2014</a:t>
             </a:fld>
             <a:endParaRPr lang="en-US">
               <a:solidFill>
@@ -3008,7 +3009,7 @@
                 </a:solidFill>
               </a:rPr>
               <a:pPr/>
-              <a:t>2/10/2014</a:t>
+              <a:t>2/11/2014</a:t>
             </a:fld>
             <a:endParaRPr lang="en-US">
               <a:solidFill>
@@ -3317,7 +3318,7 @@
                 </a:solidFill>
               </a:rPr>
               <a:pPr/>
-              <a:t>2/10/2014</a:t>
+              <a:t>2/11/2014</a:t>
             </a:fld>
             <a:endParaRPr lang="en-US">
               <a:solidFill>
@@ -3489,7 +3490,7 @@
           <a:p>
             <a:fld id="{CC2990F0-8476-4A68-82FA-873BDD6B740E}" type="datetimeFigureOut">
               <a:rPr lang="en-US" smtClean="0"/>
-              <a:t>2/10/2014</a:t>
+              <a:t>2/11/2014</a:t>
             </a:fld>
             <a:endParaRPr lang="en-US"/>
           </a:p>
@@ -3774,7 +3775,7 @@
                 </a:solidFill>
               </a:rPr>
               <a:pPr/>
-              <a:t>2/10/2014</a:t>
+              <a:t>2/11/2014</a:t>
             </a:fld>
             <a:endParaRPr lang="en-US">
               <a:solidFill>
@@ -3976,7 +3977,7 @@
                 </a:solidFill>
               </a:rPr>
               <a:pPr/>
-              <a:t>2/10/2014</a:t>
+              <a:t>2/11/2014</a:t>
             </a:fld>
             <a:endParaRPr lang="en-US">
               <a:solidFill>
@@ -4188,7 +4189,7 @@
                 </a:solidFill>
               </a:rPr>
               <a:pPr/>
-              <a:t>2/10/2014</a:t>
+              <a:t>2/11/2014</a:t>
             </a:fld>
             <a:endParaRPr lang="en-US">
               <a:solidFill>
@@ -4525,7 +4526,7 @@
           <a:p>
             <a:fld id="{CC2990F0-8476-4A68-82FA-873BDD6B740E}" type="datetimeFigureOut">
               <a:rPr lang="en-US" smtClean="0"/>
-              <a:t>2/10/2014</a:t>
+              <a:t>2/11/2014</a:t>
             </a:fld>
             <a:endParaRPr lang="en-US"/>
           </a:p>
@@ -4833,7 +4834,7 @@
           <a:p>
             <a:fld id="{CC2990F0-8476-4A68-82FA-873BDD6B740E}" type="datetimeFigureOut">
               <a:rPr lang="en-US" smtClean="0"/>
-              <a:t>2/10/2014</a:t>
+              <a:t>2/11/2014</a:t>
             </a:fld>
             <a:endParaRPr lang="en-US"/>
           </a:p>
@@ -5254,7 +5255,7 @@
           <a:p>
             <a:fld id="{CC2990F0-8476-4A68-82FA-873BDD6B740E}" type="datetimeFigureOut">
               <a:rPr lang="en-US" smtClean="0"/>
-              <a:t>2/10/2014</a:t>
+              <a:t>2/11/2014</a:t>
             </a:fld>
             <a:endParaRPr lang="en-US"/>
           </a:p>
@@ -5367,7 +5368,7 @@
           <a:p>
             <a:fld id="{CC2990F0-8476-4A68-82FA-873BDD6B740E}" type="datetimeFigureOut">
               <a:rPr lang="en-US" smtClean="0"/>
-              <a:t>2/10/2014</a:t>
+              <a:t>2/11/2014</a:t>
             </a:fld>
             <a:endParaRPr lang="en-US"/>
           </a:p>
@@ -5526,7 +5527,7 @@
           <a:p>
             <a:fld id="{CC2990F0-8476-4A68-82FA-873BDD6B740E}" type="datetimeFigureOut">
               <a:rPr lang="en-US" smtClean="0"/>
-              <a:t>2/10/2014</a:t>
+              <a:t>2/11/2014</a:t>
             </a:fld>
             <a:endParaRPr lang="en-US"/>
           </a:p>
@@ -5910,7 +5911,7 @@
           <a:p>
             <a:fld id="{CC2990F0-8476-4A68-82FA-873BDD6B740E}" type="datetimeFigureOut">
               <a:rPr lang="en-US" smtClean="0"/>
-              <a:t>2/10/2014</a:t>
+              <a:t>2/11/2014</a:t>
             </a:fld>
             <a:endParaRPr lang="en-US"/>
           </a:p>
@@ -6272,7 +6273,7 @@
           <a:p>
             <a:fld id="{CC2990F0-8476-4A68-82FA-873BDD6B740E}" type="datetimeFigureOut">
               <a:rPr lang="en-US" smtClean="0"/>
-              <a:t>2/10/2014</a:t>
+              <a:t>2/11/2014</a:t>
             </a:fld>
             <a:endParaRPr lang="en-US"/>
           </a:p>
@@ -6606,7 +6607,7 @@
           <a:p>
             <a:fld id="{CC2990F0-8476-4A68-82FA-873BDD6B740E}" type="datetimeFigureOut">
               <a:rPr lang="en-US" smtClean="0"/>
-              <a:t>2/10/2014</a:t>
+              <a:t>2/11/2014</a:t>
             </a:fld>
             <a:endParaRPr lang="en-US"/>
           </a:p>
@@ -7155,7 +7156,7 @@
                 </a:solidFill>
               </a:rPr>
               <a:pPr/>
-              <a:t>2/10/2014</a:t>
+              <a:t>2/11/2014</a:t>
             </a:fld>
             <a:endParaRPr lang="en-US" smtClean="0">
               <a:solidFill>
@@ -7859,220 +7860,741 @@
           <a:chExt cx="0" cy="0"/>
         </a:xfrm>
       </p:grpSpPr>
-      <p:sp>
-        <p:nvSpPr>
-          <p:cNvPr id="2" name="Content Placeholder 1"/>
-          <p:cNvSpPr>
-            <a:spLocks noGrp="1"/>
-          </p:cNvSpPr>
+      <p:graphicFrame>
+        <p:nvGraphicFramePr>
+          <p:cNvPr id="6" name="Content Placeholder 5"/>
+          <p:cNvGraphicFramePr>
+            <a:graphicFrameLocks noGrp="1"/>
+          </p:cNvGraphicFramePr>
           <p:nvPr>
             <p:ph idx="1"/>
+            <p:extLst>
+              <p:ext uri="{D42A27DB-BD31-4B8C-83A1-F6EECF244321}">
+                <p14:modId xmlns:p14="http://schemas.microsoft.com/office/powerpoint/2010/main" val="346593744"/>
+              </p:ext>
+            </p:extLst>
+          </p:nvPr>
+        </p:nvGraphicFramePr>
+        <p:xfrm>
+          <a:off x="152400" y="1371600"/>
+          <a:ext cx="8839200" cy="5334001"/>
+        </p:xfrm>
+        <a:graphic>
+          <a:graphicData uri="http://schemas.openxmlformats.org/drawingml/2006/table">
+            <a:tbl>
+              <a:tblPr firstRow="1" firstCol="1" bandRow="1">
+                <a:tableStyleId>{5C22544A-7EE6-4342-B048-85BDC9FD1C3A}</a:tableStyleId>
+              </a:tblPr>
+              <a:tblGrid>
+                <a:gridCol w="1579996"/>
+                <a:gridCol w="1399174"/>
+                <a:gridCol w="5860030"/>
+              </a:tblGrid>
+              <a:tr h="242455">
+                <a:tc>
+                  <a:txBody>
+                    <a:bodyPr/>
+                    <a:lstStyle/>
+                    <a:p>
+                      <a:pPr marL="0" marR="0" algn="ctr">
+                        <a:spcBef>
+                          <a:spcPts val="0"/>
+                        </a:spcBef>
+                        <a:spcAft>
+                          <a:spcPts val="0"/>
+                        </a:spcAft>
+                      </a:pPr>
+                      <a:r>
+                        <a:rPr lang="en-US" sz="1100">
+                          <a:effectLst/>
+                        </a:rPr>
+                        <a:t>Metric</a:t>
+                      </a:r>
+                      <a:endParaRPr lang="en-US" sz="1100">
+                        <a:effectLst/>
+                        <a:latin typeface="Calibri" panose="020F0502020204030204" pitchFamily="34" charset="0"/>
+                        <a:ea typeface="Calibri" panose="020F0502020204030204" pitchFamily="34" charset="0"/>
+                        <a:cs typeface="Times New Roman" panose="02020603050405020304" pitchFamily="18" charset="0"/>
+                      </a:endParaRPr>
+                    </a:p>
+                  </a:txBody>
+                  <a:tcPr marL="68580" marR="68580" marT="0" marB="0"/>
+                </a:tc>
+                <a:tc>
+                  <a:txBody>
+                    <a:bodyPr/>
+                    <a:lstStyle/>
+                    <a:p>
+                      <a:pPr marL="0" marR="0" algn="ctr">
+                        <a:spcBef>
+                          <a:spcPts val="0"/>
+                        </a:spcBef>
+                        <a:spcAft>
+                          <a:spcPts val="0"/>
+                        </a:spcAft>
+                      </a:pPr>
+                      <a:r>
+                        <a:rPr lang="en-US" sz="1100">
+                          <a:effectLst/>
+                        </a:rPr>
+                        <a:t>Target</a:t>
+                      </a:r>
+                      <a:endParaRPr lang="en-US" sz="1100">
+                        <a:effectLst/>
+                        <a:latin typeface="Calibri" panose="020F0502020204030204" pitchFamily="34" charset="0"/>
+                        <a:ea typeface="Calibri" panose="020F0502020204030204" pitchFamily="34" charset="0"/>
+                        <a:cs typeface="Times New Roman" panose="02020603050405020304" pitchFamily="18" charset="0"/>
+                      </a:endParaRPr>
+                    </a:p>
+                  </a:txBody>
+                  <a:tcPr marL="68580" marR="68580" marT="0" marB="0"/>
+                </a:tc>
+                <a:tc>
+                  <a:txBody>
+                    <a:bodyPr/>
+                    <a:lstStyle/>
+                    <a:p>
+                      <a:pPr marL="0" marR="0" algn="ctr">
+                        <a:spcBef>
+                          <a:spcPts val="0"/>
+                        </a:spcBef>
+                        <a:spcAft>
+                          <a:spcPts val="0"/>
+                        </a:spcAft>
+                      </a:pPr>
+                      <a:r>
+                        <a:rPr lang="en-US" sz="1100">
+                          <a:effectLst/>
+                        </a:rPr>
+                        <a:t>Description</a:t>
+                      </a:r>
+                      <a:endParaRPr lang="en-US" sz="1100">
+                        <a:effectLst/>
+                        <a:latin typeface="Calibri" panose="020F0502020204030204" pitchFamily="34" charset="0"/>
+                        <a:ea typeface="Calibri" panose="020F0502020204030204" pitchFamily="34" charset="0"/>
+                        <a:cs typeface="Times New Roman" panose="02020603050405020304" pitchFamily="18" charset="0"/>
+                      </a:endParaRPr>
+                    </a:p>
+                  </a:txBody>
+                  <a:tcPr marL="68580" marR="68580" marT="0" marB="0"/>
+                </a:tc>
+              </a:tr>
+              <a:tr h="727364">
+                <a:tc>
+                  <a:txBody>
+                    <a:bodyPr/>
+                    <a:lstStyle/>
+                    <a:p>
+                      <a:pPr marL="0" marR="0" algn="ctr">
+                        <a:spcBef>
+                          <a:spcPts val="0"/>
+                        </a:spcBef>
+                        <a:spcAft>
+                          <a:spcPts val="0"/>
+                        </a:spcAft>
+                      </a:pPr>
+                      <a:r>
+                        <a:rPr lang="en-US" sz="1100">
+                          <a:effectLst/>
+                        </a:rPr>
+                        <a:t>3D Graphics</a:t>
+                      </a:r>
+                      <a:endParaRPr lang="en-US" sz="1100">
+                        <a:effectLst/>
+                        <a:latin typeface="Calibri" panose="020F0502020204030204" pitchFamily="34" charset="0"/>
+                        <a:ea typeface="Calibri" panose="020F0502020204030204" pitchFamily="34" charset="0"/>
+                        <a:cs typeface="Times New Roman" panose="02020603050405020304" pitchFamily="18" charset="0"/>
+                      </a:endParaRPr>
+                    </a:p>
+                  </a:txBody>
+                  <a:tcPr marL="68580" marR="68580" marT="0" marB="0"/>
+                </a:tc>
+                <a:tc>
+                  <a:txBody>
+                    <a:bodyPr/>
+                    <a:lstStyle/>
+                    <a:p>
+                      <a:pPr marL="0" marR="0">
+                        <a:spcBef>
+                          <a:spcPts val="0"/>
+                        </a:spcBef>
+                        <a:spcAft>
+                          <a:spcPts val="0"/>
+                        </a:spcAft>
+                      </a:pPr>
+                      <a:r>
+                        <a:rPr lang="en-US" sz="1100">
+                          <a:effectLst/>
+                        </a:rPr>
+                        <a:t>Minimum 5000 polygon count</a:t>
+                      </a:r>
+                      <a:endParaRPr lang="en-US" sz="1100">
+                        <a:effectLst/>
+                        <a:latin typeface="Calibri" panose="020F0502020204030204" pitchFamily="34" charset="0"/>
+                        <a:ea typeface="Calibri" panose="020F0502020204030204" pitchFamily="34" charset="0"/>
+                        <a:cs typeface="Times New Roman" panose="02020603050405020304" pitchFamily="18" charset="0"/>
+                      </a:endParaRPr>
+                    </a:p>
+                  </a:txBody>
+                  <a:tcPr marL="68580" marR="68580" marT="0" marB="0"/>
+                </a:tc>
+                <a:tc>
+                  <a:txBody>
+                    <a:bodyPr/>
+                    <a:lstStyle/>
+                    <a:p>
+                      <a:pPr marL="0" marR="0">
+                        <a:spcBef>
+                          <a:spcPts val="0"/>
+                        </a:spcBef>
+                        <a:spcAft>
+                          <a:spcPts val="0"/>
+                        </a:spcAft>
+                      </a:pPr>
+                      <a:r>
+                        <a:rPr lang="en-US" sz="1100">
+                          <a:effectLst/>
+                        </a:rPr>
+                        <a:t>The user will expect to see a good 3d image. Phase 2 offers opportunities to increase graphical performance.</a:t>
+                      </a:r>
+                      <a:endParaRPr lang="en-US" sz="1100">
+                        <a:effectLst/>
+                        <a:latin typeface="Calibri" panose="020F0502020204030204" pitchFamily="34" charset="0"/>
+                        <a:ea typeface="Calibri" panose="020F0502020204030204" pitchFamily="34" charset="0"/>
+                        <a:cs typeface="Times New Roman" panose="02020603050405020304" pitchFamily="18" charset="0"/>
+                      </a:endParaRPr>
+                    </a:p>
+                  </a:txBody>
+                  <a:tcPr marL="68580" marR="68580" marT="0" marB="0"/>
+                </a:tc>
+              </a:tr>
+              <a:tr h="727364">
+                <a:tc>
+                  <a:txBody>
+                    <a:bodyPr/>
+                    <a:lstStyle/>
+                    <a:p>
+                      <a:pPr marL="0" marR="0" algn="r">
+                        <a:spcBef>
+                          <a:spcPts val="0"/>
+                        </a:spcBef>
+                        <a:spcAft>
+                          <a:spcPts val="0"/>
+                        </a:spcAft>
+                      </a:pPr>
+                      <a:r>
+                        <a:rPr lang="en-US" sz="1100">
+                          <a:effectLst/>
+                        </a:rPr>
+                        <a:t>Graphics</a:t>
+                      </a:r>
+                      <a:endParaRPr lang="en-US" sz="1100">
+                        <a:effectLst/>
+                        <a:latin typeface="Calibri" panose="020F0502020204030204" pitchFamily="34" charset="0"/>
+                        <a:ea typeface="Calibri" panose="020F0502020204030204" pitchFamily="34" charset="0"/>
+                        <a:cs typeface="Times New Roman" panose="02020603050405020304" pitchFamily="18" charset="0"/>
+                      </a:endParaRPr>
+                    </a:p>
+                  </a:txBody>
+                  <a:tcPr marL="68580" marR="68580" marT="0" marB="0"/>
+                </a:tc>
+                <a:tc>
+                  <a:txBody>
+                    <a:bodyPr/>
+                    <a:lstStyle/>
+                    <a:p>
+                      <a:pPr marL="0" marR="0">
+                        <a:spcBef>
+                          <a:spcPts val="0"/>
+                        </a:spcBef>
+                        <a:spcAft>
+                          <a:spcPts val="0"/>
+                        </a:spcAft>
+                      </a:pPr>
+                      <a:r>
+                        <a:rPr lang="en-US" sz="1100">
+                          <a:effectLst/>
+                        </a:rPr>
+                        <a:t>Minimum 20 Hz update rate</a:t>
+                      </a:r>
+                      <a:endParaRPr lang="en-US" sz="1100">
+                        <a:effectLst/>
+                        <a:latin typeface="Calibri" panose="020F0502020204030204" pitchFamily="34" charset="0"/>
+                        <a:ea typeface="Calibri" panose="020F0502020204030204" pitchFamily="34" charset="0"/>
+                        <a:cs typeface="Times New Roman" panose="02020603050405020304" pitchFamily="18" charset="0"/>
+                      </a:endParaRPr>
+                    </a:p>
+                  </a:txBody>
+                  <a:tcPr marL="68580" marR="68580" marT="0" marB="0"/>
+                </a:tc>
+                <a:tc>
+                  <a:txBody>
+                    <a:bodyPr/>
+                    <a:lstStyle/>
+                    <a:p>
+                      <a:pPr marL="0" marR="0">
+                        <a:spcBef>
+                          <a:spcPts val="0"/>
+                        </a:spcBef>
+                        <a:spcAft>
+                          <a:spcPts val="0"/>
+                        </a:spcAft>
+                      </a:pPr>
+                      <a:r>
+                        <a:rPr lang="en-US" sz="1100">
+                          <a:effectLst/>
+                        </a:rPr>
+                        <a:t>We will need to render ghosts and the maze walls in real time according to the user’s geospatial location and their head orientation.</a:t>
+                      </a:r>
+                      <a:endParaRPr lang="en-US" sz="1100">
+                        <a:effectLst/>
+                        <a:latin typeface="Calibri" panose="020F0502020204030204" pitchFamily="34" charset="0"/>
+                        <a:ea typeface="Calibri" panose="020F0502020204030204" pitchFamily="34" charset="0"/>
+                        <a:cs typeface="Times New Roman" panose="02020603050405020304" pitchFamily="18" charset="0"/>
+                      </a:endParaRPr>
+                    </a:p>
+                  </a:txBody>
+                  <a:tcPr marL="68580" marR="68580" marT="0" marB="0"/>
+                </a:tc>
+              </a:tr>
+              <a:tr h="969818">
+                <a:tc>
+                  <a:txBody>
+                    <a:bodyPr/>
+                    <a:lstStyle/>
+                    <a:p>
+                      <a:pPr marL="0" marR="0" algn="r">
+                        <a:spcBef>
+                          <a:spcPts val="0"/>
+                        </a:spcBef>
+                        <a:spcAft>
+                          <a:spcPts val="0"/>
+                        </a:spcAft>
+                      </a:pPr>
+                      <a:r>
+                        <a:rPr lang="en-US" sz="1100">
+                          <a:effectLst/>
+                        </a:rPr>
+                        <a:t>Collision Detection</a:t>
+                      </a:r>
+                      <a:endParaRPr lang="en-US" sz="1100">
+                        <a:effectLst/>
+                        <a:latin typeface="Calibri" panose="020F0502020204030204" pitchFamily="34" charset="0"/>
+                        <a:ea typeface="Calibri" panose="020F0502020204030204" pitchFamily="34" charset="0"/>
+                        <a:cs typeface="Times New Roman" panose="02020603050405020304" pitchFamily="18" charset="0"/>
+                      </a:endParaRPr>
+                    </a:p>
+                  </a:txBody>
+                  <a:tcPr marL="68580" marR="68580" marT="0" marB="0"/>
+                </a:tc>
+                <a:tc>
+                  <a:txBody>
+                    <a:bodyPr/>
+                    <a:lstStyle/>
+                    <a:p>
+                      <a:pPr marL="0" marR="0">
+                        <a:spcBef>
+                          <a:spcPts val="0"/>
+                        </a:spcBef>
+                        <a:spcAft>
+                          <a:spcPts val="0"/>
+                        </a:spcAft>
+                      </a:pPr>
+                      <a:r>
+                        <a:rPr lang="en-US" sz="1100">
+                          <a:effectLst/>
+                        </a:rPr>
+                        <a:t>Minimum 2 meter accuracy and precision</a:t>
+                      </a:r>
+                      <a:endParaRPr lang="en-US" sz="1100">
+                        <a:effectLst/>
+                        <a:latin typeface="Calibri" panose="020F0502020204030204" pitchFamily="34" charset="0"/>
+                        <a:ea typeface="Calibri" panose="020F0502020204030204" pitchFamily="34" charset="0"/>
+                        <a:cs typeface="Times New Roman" panose="02020603050405020304" pitchFamily="18" charset="0"/>
+                      </a:endParaRPr>
+                    </a:p>
+                  </a:txBody>
+                  <a:tcPr marL="68580" marR="68580" marT="0" marB="0"/>
+                </a:tc>
+                <a:tc>
+                  <a:txBody>
+                    <a:bodyPr/>
+                    <a:lstStyle/>
+                    <a:p>
+                      <a:pPr marL="0" marR="0">
+                        <a:spcBef>
+                          <a:spcPts val="0"/>
+                        </a:spcBef>
+                        <a:spcAft>
+                          <a:spcPts val="0"/>
+                        </a:spcAft>
+                      </a:pPr>
+                      <a:r>
+                        <a:rPr lang="en-US" sz="1100">
+                          <a:effectLst/>
+                        </a:rPr>
+                        <a:t>The ability of the software to detect collision detection will be affected by the accuracy of the GPS. The minimum required to be meaningful cannot exceed a couple of meters. This means ghosts could be 2 m</a:t>
+                      </a:r>
+                      <a:r>
+                        <a:rPr lang="en-US" sz="1100" baseline="30000">
+                          <a:effectLst/>
+                        </a:rPr>
+                        <a:t>2</a:t>
+                      </a:r>
+                      <a:r>
+                        <a:rPr lang="en-US" sz="1100">
+                          <a:effectLst/>
+                        </a:rPr>
+                        <a:t> to account for accuracy of GPS.</a:t>
+                      </a:r>
+                      <a:endParaRPr lang="en-US" sz="1100">
+                        <a:effectLst/>
+                        <a:latin typeface="Calibri" panose="020F0502020204030204" pitchFamily="34" charset="0"/>
+                        <a:ea typeface="Calibri" panose="020F0502020204030204" pitchFamily="34" charset="0"/>
+                        <a:cs typeface="Times New Roman" panose="02020603050405020304" pitchFamily="18" charset="0"/>
+                      </a:endParaRPr>
+                    </a:p>
+                  </a:txBody>
+                  <a:tcPr marL="68580" marR="68580" marT="0" marB="0"/>
+                </a:tc>
+              </a:tr>
+              <a:tr h="969818">
+                <a:tc>
+                  <a:txBody>
+                    <a:bodyPr/>
+                    <a:lstStyle/>
+                    <a:p>
+                      <a:pPr marL="0" marR="0" algn="r">
+                        <a:spcBef>
+                          <a:spcPts val="0"/>
+                        </a:spcBef>
+                        <a:spcAft>
+                          <a:spcPts val="0"/>
+                        </a:spcAft>
+                      </a:pPr>
+                      <a:r>
+                        <a:rPr lang="en-US" sz="1100">
+                          <a:effectLst/>
+                        </a:rPr>
+                        <a:t>Network </a:t>
+                      </a:r>
+                    </a:p>
+                    <a:p>
+                      <a:pPr marL="0" marR="0" algn="r">
+                        <a:spcBef>
+                          <a:spcPts val="0"/>
+                        </a:spcBef>
+                        <a:spcAft>
+                          <a:spcPts val="0"/>
+                        </a:spcAft>
+                      </a:pPr>
+                      <a:r>
+                        <a:rPr lang="en-US" sz="1100">
+                          <a:effectLst/>
+                        </a:rPr>
+                        <a:t>User Position Update Rate </a:t>
+                      </a:r>
+                      <a:endParaRPr lang="en-US" sz="1100">
+                        <a:effectLst/>
+                        <a:latin typeface="Calibri" panose="020F0502020204030204" pitchFamily="34" charset="0"/>
+                        <a:ea typeface="Calibri" panose="020F0502020204030204" pitchFamily="34" charset="0"/>
+                        <a:cs typeface="Times New Roman" panose="02020603050405020304" pitchFamily="18" charset="0"/>
+                      </a:endParaRPr>
+                    </a:p>
+                  </a:txBody>
+                  <a:tcPr marL="68580" marR="68580" marT="0" marB="0"/>
+                </a:tc>
+                <a:tc>
+                  <a:txBody>
+                    <a:bodyPr/>
+                    <a:lstStyle/>
+                    <a:p>
+                      <a:pPr marL="0" marR="0">
+                        <a:spcBef>
+                          <a:spcPts val="0"/>
+                        </a:spcBef>
+                        <a:spcAft>
+                          <a:spcPts val="0"/>
+                        </a:spcAft>
+                      </a:pPr>
+                      <a:r>
+                        <a:rPr lang="en-US" sz="1100">
+                          <a:effectLst/>
+                        </a:rPr>
+                        <a:t>Minimum of 20Hz (50ms).</a:t>
+                      </a:r>
+                      <a:endParaRPr lang="en-US" sz="1100">
+                        <a:effectLst/>
+                        <a:latin typeface="Calibri" panose="020F0502020204030204" pitchFamily="34" charset="0"/>
+                        <a:ea typeface="Calibri" panose="020F0502020204030204" pitchFamily="34" charset="0"/>
+                        <a:cs typeface="Times New Roman" panose="02020603050405020304" pitchFamily="18" charset="0"/>
+                      </a:endParaRPr>
+                    </a:p>
+                  </a:txBody>
+                  <a:tcPr marL="68580" marR="68580" marT="0" marB="0"/>
+                </a:tc>
+                <a:tc>
+                  <a:txBody>
+                    <a:bodyPr/>
+                    <a:lstStyle/>
+                    <a:p>
+                      <a:pPr marL="0" marR="0">
+                        <a:spcBef>
+                          <a:spcPts val="0"/>
+                        </a:spcBef>
+                        <a:spcAft>
+                          <a:spcPts val="0"/>
+                        </a:spcAft>
+                      </a:pPr>
+                      <a:r>
+                        <a:rPr lang="en-US" sz="1100">
+                          <a:effectLst/>
+                        </a:rPr>
+                        <a:t>The position and orientation of each headset will need to be communicated wirelessly at least every 50ms to keep up with the GPS and provide meaningful feedback about collisions to each headset.</a:t>
+                      </a:r>
+                      <a:endParaRPr lang="en-US" sz="1100">
+                        <a:effectLst/>
+                        <a:latin typeface="Calibri" panose="020F0502020204030204" pitchFamily="34" charset="0"/>
+                        <a:ea typeface="Calibri" panose="020F0502020204030204" pitchFamily="34" charset="0"/>
+                        <a:cs typeface="Times New Roman" panose="02020603050405020304" pitchFamily="18" charset="0"/>
+                      </a:endParaRPr>
+                    </a:p>
+                  </a:txBody>
+                  <a:tcPr marL="68580" marR="68580" marT="0" marB="0"/>
+                </a:tc>
+              </a:tr>
+              <a:tr h="727364">
+                <a:tc>
+                  <a:txBody>
+                    <a:bodyPr/>
+                    <a:lstStyle/>
+                    <a:p>
+                      <a:pPr marL="0" marR="0" algn="r">
+                        <a:spcBef>
+                          <a:spcPts val="0"/>
+                        </a:spcBef>
+                        <a:spcAft>
+                          <a:spcPts val="0"/>
+                        </a:spcAft>
+                      </a:pPr>
+                      <a:r>
+                        <a:rPr lang="en-US" sz="1100">
+                          <a:effectLst/>
+                        </a:rPr>
+                        <a:t>Network</a:t>
+                      </a:r>
+                    </a:p>
+                    <a:p>
+                      <a:pPr marL="0" marR="0" algn="r">
+                        <a:spcBef>
+                          <a:spcPts val="0"/>
+                        </a:spcBef>
+                        <a:spcAft>
+                          <a:spcPts val="0"/>
+                        </a:spcAft>
+                      </a:pPr>
+                      <a:r>
+                        <a:rPr lang="en-US" sz="1100">
+                          <a:effectLst/>
+                        </a:rPr>
+                        <a:t>Graphic Position Update Rate </a:t>
+                      </a:r>
+                      <a:endParaRPr lang="en-US" sz="1100">
+                        <a:effectLst/>
+                        <a:latin typeface="Calibri" panose="020F0502020204030204" pitchFamily="34" charset="0"/>
+                        <a:ea typeface="Calibri" panose="020F0502020204030204" pitchFamily="34" charset="0"/>
+                        <a:cs typeface="Times New Roman" panose="02020603050405020304" pitchFamily="18" charset="0"/>
+                      </a:endParaRPr>
+                    </a:p>
+                  </a:txBody>
+                  <a:tcPr marL="68580" marR="68580" marT="0" marB="0"/>
+                </a:tc>
+                <a:tc>
+                  <a:txBody>
+                    <a:bodyPr/>
+                    <a:lstStyle/>
+                    <a:p>
+                      <a:pPr marL="0" marR="0">
+                        <a:spcBef>
+                          <a:spcPts val="0"/>
+                        </a:spcBef>
+                        <a:spcAft>
+                          <a:spcPts val="0"/>
+                        </a:spcAft>
+                      </a:pPr>
+                      <a:r>
+                        <a:rPr lang="en-US" sz="1100">
+                          <a:effectLst/>
+                        </a:rPr>
+                        <a:t>Minimum of 20Hz</a:t>
+                      </a:r>
+                    </a:p>
+                    <a:p>
+                      <a:pPr marL="0" marR="0">
+                        <a:spcBef>
+                          <a:spcPts val="0"/>
+                        </a:spcBef>
+                        <a:spcAft>
+                          <a:spcPts val="0"/>
+                        </a:spcAft>
+                      </a:pPr>
+                      <a:r>
+                        <a:rPr lang="en-US" sz="1100">
+                          <a:effectLst/>
+                        </a:rPr>
+                        <a:t>(50ms)</a:t>
+                      </a:r>
+                      <a:endParaRPr lang="en-US" sz="1100">
+                        <a:effectLst/>
+                        <a:latin typeface="Calibri" panose="020F0502020204030204" pitchFamily="34" charset="0"/>
+                        <a:ea typeface="Calibri" panose="020F0502020204030204" pitchFamily="34" charset="0"/>
+                        <a:cs typeface="Times New Roman" panose="02020603050405020304" pitchFamily="18" charset="0"/>
+                      </a:endParaRPr>
+                    </a:p>
+                  </a:txBody>
+                  <a:tcPr marL="68580" marR="68580" marT="0" marB="0"/>
+                </a:tc>
+                <a:tc>
+                  <a:txBody>
+                    <a:bodyPr/>
+                    <a:lstStyle/>
+                    <a:p>
+                      <a:pPr marL="0" marR="0">
+                        <a:spcBef>
+                          <a:spcPts val="0"/>
+                        </a:spcBef>
+                        <a:spcAft>
+                          <a:spcPts val="0"/>
+                        </a:spcAft>
+                      </a:pPr>
+                      <a:r>
+                        <a:rPr lang="en-US" sz="1100">
+                          <a:effectLst/>
+                        </a:rPr>
+                        <a:t>The position information about positions of ghosts and other virtual objects needs to be updated in a timely manner and should at least be as fast as the update rate of the player’s position.</a:t>
+                      </a:r>
+                      <a:endParaRPr lang="en-US" sz="1100">
+                        <a:effectLst/>
+                        <a:latin typeface="Calibri" panose="020F0502020204030204" pitchFamily="34" charset="0"/>
+                        <a:ea typeface="Calibri" panose="020F0502020204030204" pitchFamily="34" charset="0"/>
+                        <a:cs typeface="Times New Roman" panose="02020603050405020304" pitchFamily="18" charset="0"/>
+                      </a:endParaRPr>
+                    </a:p>
+                  </a:txBody>
+                  <a:tcPr marL="68580" marR="68580" marT="0" marB="0"/>
+                </a:tc>
+              </a:tr>
+              <a:tr h="969818">
+                <a:tc>
+                  <a:txBody>
+                    <a:bodyPr/>
+                    <a:lstStyle/>
+                    <a:p>
+                      <a:pPr marL="0" marR="0" algn="r">
+                        <a:spcBef>
+                          <a:spcPts val="0"/>
+                        </a:spcBef>
+                        <a:spcAft>
+                          <a:spcPts val="0"/>
+                        </a:spcAft>
+                      </a:pPr>
+                      <a:r>
+                        <a:rPr lang="en-US" sz="1100">
+                          <a:effectLst/>
+                        </a:rPr>
+                        <a:t>User Interface Usability</a:t>
+                      </a:r>
+                      <a:endParaRPr lang="en-US" sz="1100">
+                        <a:effectLst/>
+                        <a:latin typeface="Calibri" panose="020F0502020204030204" pitchFamily="34" charset="0"/>
+                        <a:ea typeface="Calibri" panose="020F0502020204030204" pitchFamily="34" charset="0"/>
+                        <a:cs typeface="Times New Roman" panose="02020603050405020304" pitchFamily="18" charset="0"/>
+                      </a:endParaRPr>
+                    </a:p>
+                  </a:txBody>
+                  <a:tcPr marL="68580" marR="68580" marT="0" marB="0"/>
+                </a:tc>
+                <a:tc>
+                  <a:txBody>
+                    <a:bodyPr/>
+                    <a:lstStyle/>
+                    <a:p>
+                      <a:pPr marL="0" marR="0">
+                        <a:spcBef>
+                          <a:spcPts val="0"/>
+                        </a:spcBef>
+                        <a:spcAft>
+                          <a:spcPts val="0"/>
+                        </a:spcAft>
+                      </a:pPr>
+                      <a:r>
+                        <a:rPr lang="en-US" sz="1100">
+                          <a:effectLst/>
+                        </a:rPr>
+                        <a:t>End user can navigate the user interface intuitively.</a:t>
+                      </a:r>
+                      <a:endParaRPr lang="en-US" sz="1100">
+                        <a:effectLst/>
+                        <a:latin typeface="Calibri" panose="020F0502020204030204" pitchFamily="34" charset="0"/>
+                        <a:ea typeface="Calibri" panose="020F0502020204030204" pitchFamily="34" charset="0"/>
+                        <a:cs typeface="Times New Roman" panose="02020603050405020304" pitchFamily="18" charset="0"/>
+                      </a:endParaRPr>
+                    </a:p>
+                  </a:txBody>
+                  <a:tcPr marL="68580" marR="68580" marT="0" marB="0"/>
+                </a:tc>
+                <a:tc>
+                  <a:txBody>
+                    <a:bodyPr/>
+                    <a:lstStyle/>
+                    <a:p>
+                      <a:pPr marL="0" marR="0">
+                        <a:spcBef>
+                          <a:spcPts val="0"/>
+                        </a:spcBef>
+                        <a:spcAft>
+                          <a:spcPts val="0"/>
+                        </a:spcAft>
+                      </a:pPr>
+                      <a:r>
+                        <a:rPr lang="en-US" sz="1100" dirty="0">
+                          <a:effectLst/>
+                        </a:rPr>
+                        <a:t>A user unfamiliar with the operation of the software should be able to figure it out with minimal references to the user manual. For phase 1 this will be displayed from the control unit. In phase 2 the user interface will migrate to the headset’s display.</a:t>
+                      </a:r>
+                      <a:endParaRPr lang="en-US" sz="1100" dirty="0">
+                        <a:effectLst/>
+                        <a:latin typeface="Calibri" panose="020F0502020204030204" pitchFamily="34" charset="0"/>
+                        <a:ea typeface="Calibri" panose="020F0502020204030204" pitchFamily="34" charset="0"/>
+                        <a:cs typeface="Times New Roman" panose="02020603050405020304" pitchFamily="18" charset="0"/>
+                      </a:endParaRPr>
+                    </a:p>
+                  </a:txBody>
+                  <a:tcPr marL="68580" marR="68580" marT="0" marB="0"/>
+                </a:tc>
+              </a:tr>
+            </a:tbl>
+          </a:graphicData>
+        </a:graphic>
+      </p:graphicFrame>
+      <p:sp>
+        <p:nvSpPr>
+          <p:cNvPr id="3" name="Title 2"/>
+          <p:cNvSpPr>
+            <a:spLocks noGrp="1"/>
+          </p:cNvSpPr>
+          <p:nvPr>
+            <p:ph type="title"/>
           </p:nvPr>
         </p:nvSpPr>
         <p:spPr/>
         <p:txBody>
-          <a:bodyPr>
-            <a:normAutofit/>
-          </a:bodyPr>
-          <a:lstStyle/>
-          <a:p>
-            <a:r>
-              <a:rPr lang="en-US" sz="2400" dirty="0" smtClean="0"/>
-              <a:t>Power consumption </a:t>
-            </a:r>
-            <a:r>
-              <a:rPr lang="en-US" sz="2400" dirty="0" smtClean="0"/>
-              <a:t>testing</a:t>
-            </a:r>
-          </a:p>
-          <a:p>
-            <a:pPr lvl="1"/>
-            <a:r>
-              <a:rPr lang="en-US" sz="2000" dirty="0" smtClean="0"/>
-              <a:t>Provided </a:t>
-            </a:r>
-            <a:r>
-              <a:rPr lang="en-US" sz="2000" dirty="0" err="1" smtClean="0"/>
-              <a:t>Terasic</a:t>
-            </a:r>
-            <a:r>
-              <a:rPr lang="en-US" sz="2000" dirty="0" smtClean="0"/>
-              <a:t> board uses 1.2 A typical (14.4 W)</a:t>
-            </a:r>
-          </a:p>
-          <a:p>
-            <a:pPr lvl="1"/>
-            <a:r>
-              <a:rPr lang="en-US" sz="2000" dirty="0" smtClean="0"/>
-              <a:t>Acceptable battery life with 60 </a:t>
-            </a:r>
-            <a:r>
-              <a:rPr lang="en-US" sz="2000" dirty="0" err="1" smtClean="0"/>
-              <a:t>Whr</a:t>
-            </a:r>
-            <a:r>
-              <a:rPr lang="en-US" sz="2000" dirty="0" smtClean="0"/>
-              <a:t> capacity</a:t>
-            </a:r>
-          </a:p>
-          <a:p>
-            <a:r>
-              <a:rPr lang="en-US" sz="2400" dirty="0" smtClean="0"/>
-              <a:t>Hardware </a:t>
-            </a:r>
-            <a:r>
-              <a:rPr lang="en-US" sz="2400" dirty="0" smtClean="0"/>
-              <a:t>design for Phase 2</a:t>
-            </a:r>
-          </a:p>
-          <a:p>
-            <a:pPr lvl="1"/>
-            <a:r>
-              <a:rPr lang="en-US" sz="2000" dirty="0" smtClean="0"/>
-              <a:t>Power </a:t>
-            </a:r>
-            <a:r>
-              <a:rPr lang="en-US" sz="2000" dirty="0" smtClean="0"/>
-              <a:t>supply design</a:t>
-            </a:r>
-          </a:p>
-          <a:p>
-            <a:pPr lvl="2"/>
+          <a:bodyPr/>
+          <a:lstStyle/>
+          <a:p>
             <a:r>
               <a:rPr lang="en-US" dirty="0" smtClean="0"/>
-              <a:t>Battery and regulator selection</a:t>
-            </a:r>
-            <a:endParaRPr lang="en-US" dirty="0" smtClean="0"/>
-          </a:p>
-          <a:p>
-            <a:pPr lvl="1"/>
-            <a:r>
-              <a:rPr lang="en-US" sz="2000" dirty="0" smtClean="0"/>
-              <a:t>Headset interfacing </a:t>
-            </a:r>
-            <a:r>
-              <a:rPr lang="en-US" sz="2000" dirty="0" smtClean="0"/>
-              <a:t>board</a:t>
-            </a:r>
-          </a:p>
-          <a:p>
-            <a:pPr lvl="2"/>
-            <a:r>
-              <a:rPr lang="en-US" dirty="0" smtClean="0"/>
-              <a:t>Re-use GPS, inertial measurement unit, microcontroller</a:t>
-            </a:r>
-            <a:endParaRPr lang="en-US" dirty="0" smtClean="0"/>
-          </a:p>
-          <a:p>
-            <a:r>
-              <a:rPr lang="en-US" sz="2400" dirty="0" smtClean="0"/>
-              <a:t>Packaging</a:t>
-            </a:r>
-            <a:endParaRPr lang="en-US" sz="2400" dirty="0" smtClean="0"/>
-          </a:p>
-          <a:p>
-            <a:pPr lvl="1"/>
-            <a:r>
-              <a:rPr lang="en-US" sz="2000" dirty="0" smtClean="0"/>
-              <a:t>Re-use optics</a:t>
-            </a:r>
-          </a:p>
-          <a:p>
-            <a:pPr lvl="1"/>
-            <a:r>
-              <a:rPr lang="en-US" sz="2000" dirty="0" smtClean="0"/>
-              <a:t>Selected new display</a:t>
-            </a:r>
-            <a:endParaRPr lang="en-US" sz="2000" dirty="0" smtClean="0"/>
-          </a:p>
-          <a:p>
-            <a:pPr lvl="1"/>
-            <a:r>
-              <a:rPr lang="en-US" sz="2000" dirty="0" smtClean="0"/>
-              <a:t>Selected helmet and backpack</a:t>
-            </a:r>
-            <a:endParaRPr lang="en-US" sz="2000" dirty="0"/>
-          </a:p>
-        </p:txBody>
-      </p:sp>
-      <p:sp>
-        <p:nvSpPr>
-          <p:cNvPr id="3" name="Title 2"/>
-          <p:cNvSpPr>
-            <a:spLocks noGrp="1"/>
-          </p:cNvSpPr>
-          <p:nvPr>
-            <p:ph type="title"/>
-          </p:nvPr>
-        </p:nvSpPr>
-        <p:spPr/>
-        <p:txBody>
-          <a:bodyPr/>
-          <a:lstStyle/>
-          <a:p>
-            <a:r>
-              <a:rPr lang="en-US" dirty="0" smtClean="0"/>
-              <a:t>Accomplishments To Date (PHA2)</a:t>
-            </a:r>
-            <a:endParaRPr lang="en-US" dirty="0"/>
-          </a:p>
-        </p:txBody>
-      </p:sp>
-      <p:sp>
-        <p:nvSpPr>
-          <p:cNvPr id="4" name="TextBox 3"/>
-          <p:cNvSpPr txBox="1"/>
-          <p:nvPr/>
-        </p:nvSpPr>
-        <p:spPr>
-          <a:xfrm>
-            <a:off x="6324600" y="2751307"/>
-            <a:ext cx="2633798" cy="369332"/>
-          </a:xfrm>
-          <a:prstGeom prst="rect">
-            <a:avLst/>
-          </a:prstGeom>
-          <a:noFill/>
-        </p:spPr>
-        <p:txBody>
-          <a:bodyPr wrap="none" rtlCol="0">
-            <a:spAutoFit/>
-          </a:bodyPr>
-          <a:lstStyle/>
-          <a:p>
-            <a:r>
-              <a:rPr lang="en-US" dirty="0" smtClean="0"/>
-              <a:t>[POWER CONSUMPTION]</a:t>
-            </a:r>
-            <a:endParaRPr lang="en-US" dirty="0"/>
-          </a:p>
-        </p:txBody>
-      </p:sp>
-      <p:sp>
-        <p:nvSpPr>
-          <p:cNvPr id="5" name="TextBox 4"/>
-          <p:cNvSpPr txBox="1"/>
-          <p:nvPr/>
-        </p:nvSpPr>
-        <p:spPr>
-          <a:xfrm>
-            <a:off x="6400800" y="4495800"/>
-            <a:ext cx="729687" cy="369332"/>
-          </a:xfrm>
-          <a:prstGeom prst="rect">
-            <a:avLst/>
-          </a:prstGeom>
-          <a:noFill/>
-        </p:spPr>
-        <p:txBody>
-          <a:bodyPr wrap="none" rtlCol="0">
-            <a:spAutoFit/>
-          </a:bodyPr>
-          <a:lstStyle/>
-          <a:p>
-            <a:r>
-              <a:rPr lang="en-US" dirty="0" smtClean="0"/>
-              <a:t>[PCB]</a:t>
+              <a:t>Software metrics</a:t>
             </a:r>
             <a:endParaRPr lang="en-US" dirty="0"/>
           </a:p>
@@ -8081,7 +8603,7 @@
     </p:spTree>
     <p:extLst>
       <p:ext uri="{BB962C8B-B14F-4D97-AF65-F5344CB8AC3E}">
-        <p14:creationId xmlns:p14="http://schemas.microsoft.com/office/powerpoint/2010/main" val="3540674889"/>
+        <p14:creationId xmlns:p14="http://schemas.microsoft.com/office/powerpoint/2010/main" val="3252650435"/>
       </p:ext>
     </p:extLst>
   </p:cSld>
@@ -8127,78 +8649,100 @@
           <a:p>
             <a:r>
               <a:rPr lang="en-US" sz="2400" dirty="0" smtClean="0"/>
-              <a:t>Display virtual environment overlay on real world</a:t>
+              <a:t>Power consumption testing</a:t>
             </a:r>
           </a:p>
           <a:p>
             <a:pPr lvl="1"/>
             <a:r>
               <a:rPr lang="en-US" sz="2000" dirty="0" smtClean="0"/>
-              <a:t>Preserves real-world depth perception</a:t>
+              <a:t>Provided </a:t>
+            </a:r>
+            <a:r>
+              <a:rPr lang="en-US" sz="2000" dirty="0" err="1" smtClean="0"/>
+              <a:t>Terasic</a:t>
+            </a:r>
+            <a:r>
+              <a:rPr lang="en-US" sz="2000" dirty="0" smtClean="0"/>
+              <a:t> board uses 1.2 A typical (14.4 W)</a:t>
             </a:r>
           </a:p>
           <a:p>
             <a:pPr lvl="1"/>
             <a:r>
               <a:rPr lang="en-US" sz="2000" dirty="0" smtClean="0"/>
-              <a:t>Large field of </a:t>
+              <a:t>Acceptable battery life with 60 </a:t>
+            </a:r>
+            <a:r>
+              <a:rPr lang="en-US" sz="2000" dirty="0" err="1" smtClean="0"/>
+              <a:t>Whr</a:t>
             </a:r>
             <a:r>
               <a:rPr lang="en-US" sz="2000" dirty="0" smtClean="0"/>
-              <a:t>view</a:t>
+              <a:t> capacity</a:t>
+            </a:r>
+          </a:p>
+          <a:p>
+            <a:r>
+              <a:rPr lang="en-US" sz="2400" dirty="0" smtClean="0"/>
+              <a:t>Hardware design for Phase 2</a:t>
             </a:r>
           </a:p>
           <a:p>
             <a:pPr lvl="1"/>
             <a:r>
               <a:rPr lang="en-US" sz="2000" dirty="0" smtClean="0"/>
-              <a:t>Both worlds perceptible simultaneously</a:t>
-            </a:r>
-            <a:endParaRPr lang="en-US" sz="2000" dirty="0" smtClean="0"/>
+              <a:t>Power supply design</a:t>
+            </a:r>
+          </a:p>
+          <a:p>
+            <a:pPr lvl="2"/>
+            <a:r>
+              <a:rPr lang="en-US" dirty="0" smtClean="0"/>
+              <a:t>Battery and regulator selection</a:t>
+            </a:r>
+          </a:p>
+          <a:p>
+            <a:pPr lvl="1"/>
+            <a:r>
+              <a:rPr lang="en-US" sz="2000" dirty="0" smtClean="0"/>
+              <a:t>Headset interfacing board</a:t>
+            </a:r>
+          </a:p>
+          <a:p>
+            <a:pPr lvl="2"/>
+            <a:r>
+              <a:rPr lang="en-US" dirty="0" smtClean="0"/>
+              <a:t>Re-use GPS, inertial measurement unit, microcontroller</a:t>
+            </a:r>
           </a:p>
           <a:p>
             <a:r>
               <a:rPr lang="en-US" sz="2400" dirty="0" smtClean="0"/>
-              <a:t>User head and position tracking</a:t>
+              <a:t>Packaging</a:t>
             </a:r>
           </a:p>
           <a:p>
             <a:pPr lvl="1"/>
             <a:r>
               <a:rPr lang="en-US" sz="2000" dirty="0" smtClean="0"/>
-              <a:t>Filtering algorithm for inertial measurement </a:t>
-            </a:r>
+              <a:t>Re-use optics</a:t>
+            </a:r>
+          </a:p>
+          <a:p>
+            <a:pPr lvl="1"/>
             <a:r>
               <a:rPr lang="en-US" sz="2000" dirty="0" smtClean="0"/>
-              <a:t>data</a:t>
-            </a:r>
-          </a:p>
-          <a:p>
-            <a:r>
-              <a:rPr lang="en-US" sz="2400" dirty="0" smtClean="0"/>
-              <a:t>Portability </a:t>
-            </a:r>
-            <a:r>
-              <a:rPr lang="en-US" sz="2400" dirty="0" smtClean="0"/>
-              <a:t>and battery operation</a:t>
-            </a:r>
-          </a:p>
-          <a:p>
-            <a:r>
-              <a:rPr lang="en-US" sz="2400" dirty="0" smtClean="0"/>
-              <a:t>Wireless communication to other headsets</a:t>
+              <a:t>Selected new display</a:t>
             </a:r>
           </a:p>
           <a:p>
             <a:pPr lvl="1"/>
             <a:r>
               <a:rPr lang="en-US" sz="2000" dirty="0" smtClean="0"/>
-              <a:t>Multi-user augmented </a:t>
-            </a:r>
-            <a:r>
-              <a:rPr lang="en-US" sz="2000" dirty="0" smtClean="0"/>
-              <a:t>reality</a:t>
-            </a:r>
+              <a:t>Selected helmet and backpack</a:t>
+            </a:r>
+            <a:endParaRPr lang="en-US" sz="2000" dirty="0"/>
           </a:p>
         </p:txBody>
       </p:sp>
@@ -8219,7 +8763,67 @@
           <a:p>
             <a:r>
               <a:rPr lang="en-US" dirty="0" smtClean="0"/>
-              <a:t>Technical Ingenuity</a:t>
+              <a:t>Accomplishments To Date (PHA2)</a:t>
+            </a:r>
+            <a:endParaRPr lang="en-US" dirty="0"/>
+          </a:p>
+        </p:txBody>
+      </p:sp>
+      <p:sp>
+        <p:nvSpPr>
+          <p:cNvPr id="4" name="TextBox 3"/>
+          <p:cNvSpPr txBox="1"/>
+          <p:nvPr/>
+        </p:nvSpPr>
+        <p:spPr>
+          <a:xfrm>
+            <a:off x="6324600" y="2751307"/>
+            <a:ext cx="2633798" cy="369332"/>
+          </a:xfrm>
+          <a:prstGeom prst="rect">
+            <a:avLst/>
+          </a:prstGeom>
+          <a:noFill/>
+        </p:spPr>
+        <p:txBody>
+          <a:bodyPr wrap="none" rtlCol="0">
+            <a:spAutoFit/>
+          </a:bodyPr>
+          <a:lstStyle/>
+          <a:p>
+            <a:r>
+              <a:rPr lang="en-US" dirty="0" smtClean="0"/>
+              <a:t>[POWER CONSUMPTION]</a:t>
+            </a:r>
+            <a:endParaRPr lang="en-US" dirty="0"/>
+          </a:p>
+        </p:txBody>
+      </p:sp>
+      <p:sp>
+        <p:nvSpPr>
+          <p:cNvPr id="5" name="TextBox 4"/>
+          <p:cNvSpPr txBox="1"/>
+          <p:nvPr/>
+        </p:nvSpPr>
+        <p:spPr>
+          <a:xfrm>
+            <a:off x="6400800" y="4495800"/>
+            <a:ext cx="729687" cy="369332"/>
+          </a:xfrm>
+          <a:prstGeom prst="rect">
+            <a:avLst/>
+          </a:prstGeom>
+          <a:noFill/>
+        </p:spPr>
+        <p:txBody>
+          <a:bodyPr wrap="none" rtlCol="0">
+            <a:spAutoFit/>
+          </a:bodyPr>
+          <a:lstStyle/>
+          <a:p>
+            <a:r>
+              <a:rPr lang="en-US" dirty="0" smtClean="0"/>
+              <a:t>[PCB]</a:t>
             </a:r>
             <a:endParaRPr lang="en-US" dirty="0"/>
           </a:p>
@@ -8228,7 +8832,7 @@
     </p:spTree>
     <p:extLst>
       <p:ext uri="{BB962C8B-B14F-4D97-AF65-F5344CB8AC3E}">
-        <p14:creationId xmlns:p14="http://schemas.microsoft.com/office/powerpoint/2010/main" val="2791106075"/>
+        <p14:creationId xmlns:p14="http://schemas.microsoft.com/office/powerpoint/2010/main" val="3540674889"/>
       </p:ext>
     </p:extLst>
   </p:cSld>
@@ -8267,31 +8871,89 @@
         </p:nvSpPr>
         <p:spPr/>
         <p:txBody>
+          <a:bodyPr>
+            <a:normAutofit/>
+          </a:bodyPr>
+          <a:lstStyle/>
+          <a:p>
+            <a:r>
+              <a:rPr lang="en-US" sz="2400" dirty="0" smtClean="0"/>
+              <a:t>Display virtual environment overlay on real world</a:t>
+            </a:r>
+          </a:p>
+          <a:p>
+            <a:pPr lvl="1"/>
+            <a:r>
+              <a:rPr lang="en-US" sz="2000" dirty="0" smtClean="0"/>
+              <a:t>Preserves real-world depth perception</a:t>
+            </a:r>
+          </a:p>
+          <a:p>
+            <a:pPr lvl="1"/>
+            <a:r>
+              <a:rPr lang="en-US" sz="2000" dirty="0" smtClean="0"/>
+              <a:t>Large field of view</a:t>
+            </a:r>
+          </a:p>
+          <a:p>
+            <a:pPr lvl="1"/>
+            <a:r>
+              <a:rPr lang="en-US" sz="2000" dirty="0" smtClean="0"/>
+              <a:t>Both worlds perceptible simultaneously</a:t>
+            </a:r>
+          </a:p>
+          <a:p>
+            <a:r>
+              <a:rPr lang="en-US" sz="2400" dirty="0" smtClean="0"/>
+              <a:t>User head and position tracking</a:t>
+            </a:r>
+          </a:p>
+          <a:p>
+            <a:pPr lvl="1"/>
+            <a:r>
+              <a:rPr lang="en-US" sz="2000" dirty="0" smtClean="0"/>
+              <a:t>Filtering algorithm for inertial measurement data</a:t>
+            </a:r>
+          </a:p>
+          <a:p>
+            <a:r>
+              <a:rPr lang="en-US" sz="2400" dirty="0" smtClean="0"/>
+              <a:t>Portability and battery operation</a:t>
+            </a:r>
+          </a:p>
+          <a:p>
+            <a:r>
+              <a:rPr lang="en-US" sz="2400" dirty="0" smtClean="0"/>
+              <a:t>Wireless communication to other headsets</a:t>
+            </a:r>
+          </a:p>
+          <a:p>
+            <a:pPr lvl="1"/>
+            <a:r>
+              <a:rPr lang="en-US" sz="2000" dirty="0" smtClean="0"/>
+              <a:t>Multi-user augmented reality</a:t>
+            </a:r>
+          </a:p>
+        </p:txBody>
+      </p:sp>
+      <p:sp>
+        <p:nvSpPr>
+          <p:cNvPr id="3" name="Title 2"/>
+          <p:cNvSpPr>
+            <a:spLocks noGrp="1"/>
+          </p:cNvSpPr>
+          <p:nvPr>
+            <p:ph type="title"/>
+          </p:nvPr>
+        </p:nvSpPr>
+        <p:spPr/>
+        <p:txBody>
           <a:bodyPr/>
           <a:lstStyle/>
           <a:p>
-            <a:endParaRPr lang="en-US"/>
-          </a:p>
-        </p:txBody>
-      </p:sp>
-      <p:sp>
-        <p:nvSpPr>
-          <p:cNvPr id="3" name="Title 2"/>
-          <p:cNvSpPr>
-            <a:spLocks noGrp="1"/>
-          </p:cNvSpPr>
-          <p:nvPr>
-            <p:ph type="title"/>
-          </p:nvPr>
-        </p:nvSpPr>
-        <p:spPr/>
-        <p:txBody>
-          <a:bodyPr/>
-          <a:lstStyle/>
-          <a:p>
             <a:r>
               <a:rPr lang="en-US" dirty="0" smtClean="0"/>
-              <a:t>Execution overview</a:t>
+              <a:t>Technical Ingenuity</a:t>
             </a:r>
             <a:endParaRPr lang="en-US" dirty="0"/>
           </a:p>
@@ -8300,7 +8962,7 @@
     </p:spTree>
     <p:extLst>
       <p:ext uri="{BB962C8B-B14F-4D97-AF65-F5344CB8AC3E}">
-        <p14:creationId xmlns:p14="http://schemas.microsoft.com/office/powerpoint/2010/main" val="4157361893"/>
+        <p14:creationId xmlns:p14="http://schemas.microsoft.com/office/powerpoint/2010/main" val="2791106075"/>
       </p:ext>
     </p:extLst>
   </p:cSld>
@@ -8342,95 +9004,28 @@
           <a:bodyPr/>
           <a:lstStyle/>
           <a:p>
+            <a:endParaRPr lang="en-US"/>
+          </a:p>
+        </p:txBody>
+      </p:sp>
+      <p:sp>
+        <p:nvSpPr>
+          <p:cNvPr id="3" name="Title 2"/>
+          <p:cNvSpPr>
+            <a:spLocks noGrp="1"/>
+          </p:cNvSpPr>
+          <p:nvPr>
+            <p:ph type="title"/>
+          </p:nvPr>
+        </p:nvSpPr>
+        <p:spPr/>
+        <p:txBody>
+          <a:bodyPr/>
+          <a:lstStyle/>
+          <a:p>
             <a:r>
               <a:rPr lang="en-US" dirty="0" smtClean="0"/>
-              <a:t>Patent Liability</a:t>
-            </a:r>
-          </a:p>
-          <a:p>
-            <a:pPr lvl="1"/>
-            <a:r>
-              <a:rPr lang="en-US" dirty="0" smtClean="0"/>
-              <a:t>Novelty of design avoids many AR patents</a:t>
-            </a:r>
-          </a:p>
-          <a:p>
-            <a:pPr lvl="2"/>
-            <a:r>
-              <a:rPr lang="en-US" dirty="0" smtClean="0"/>
-              <a:t>Large fraction specifically mention cameras</a:t>
-            </a:r>
-          </a:p>
-          <a:p>
-            <a:pPr lvl="1"/>
-            <a:r>
-              <a:rPr lang="en-US" dirty="0" smtClean="0"/>
-              <a:t>Licensing may be required</a:t>
-            </a:r>
-          </a:p>
-          <a:p>
-            <a:pPr lvl="1"/>
-            <a:r>
-              <a:rPr lang="en-US" dirty="0" smtClean="0"/>
-              <a:t>Could file new patents and cross-license</a:t>
-            </a:r>
-            <a:endParaRPr lang="en-US" dirty="0"/>
-          </a:p>
-          <a:p>
-            <a:r>
-              <a:rPr lang="en-US" dirty="0" smtClean="0"/>
-              <a:t>User Safety</a:t>
-            </a:r>
-          </a:p>
-          <a:p>
-            <a:pPr lvl="1"/>
-            <a:r>
-              <a:rPr lang="en-US" dirty="0" smtClean="0"/>
-              <a:t>LiFePO</a:t>
-            </a:r>
-            <a:r>
-              <a:rPr lang="en-US" baseline="-25000" dirty="0" smtClean="0"/>
-              <a:t>4</a:t>
-            </a:r>
-            <a:r>
-              <a:rPr lang="en-US" dirty="0" smtClean="0"/>
-              <a:t> much safer than other Lithium battery chemistries</a:t>
-            </a:r>
-          </a:p>
-          <a:p>
-            <a:pPr lvl="1"/>
-            <a:r>
-              <a:rPr lang="en-US" dirty="0" smtClean="0"/>
-              <a:t>Translucent display keeps user aware of environment</a:t>
-            </a:r>
-          </a:p>
-          <a:p>
-            <a:pPr lvl="1"/>
-            <a:r>
-              <a:rPr lang="en-US" dirty="0" smtClean="0"/>
-              <a:t>Product unsuitable for use while driving, operating heavy machinery</a:t>
-            </a:r>
-          </a:p>
-        </p:txBody>
-      </p:sp>
-      <p:sp>
-        <p:nvSpPr>
-          <p:cNvPr id="3" name="Title 2"/>
-          <p:cNvSpPr>
-            <a:spLocks noGrp="1"/>
-          </p:cNvSpPr>
-          <p:nvPr>
-            <p:ph type="title"/>
-          </p:nvPr>
-        </p:nvSpPr>
-        <p:spPr/>
-        <p:txBody>
-          <a:bodyPr/>
-          <a:lstStyle/>
-          <a:p>
-            <a:r>
-              <a:rPr lang="en-US" dirty="0" smtClean="0"/>
-              <a:t>COMPLICATIONS</a:t>
+              <a:t>Execution overview</a:t>
             </a:r>
             <a:endParaRPr lang="en-US" dirty="0"/>
           </a:p>
@@ -8439,7 +9034,7 @@
     </p:spTree>
     <p:extLst>
       <p:ext uri="{BB962C8B-B14F-4D97-AF65-F5344CB8AC3E}">
-        <p14:creationId xmlns:p14="http://schemas.microsoft.com/office/powerpoint/2010/main" val="90168761"/>
+        <p14:creationId xmlns:p14="http://schemas.microsoft.com/office/powerpoint/2010/main" val="4157361893"/>
       </p:ext>
     </p:extLst>
   </p:cSld>
@@ -8483,33 +9078,72 @@
           <a:p>
             <a:r>
               <a:rPr lang="en-US" dirty="0" smtClean="0"/>
-              <a:t>Selling software to users after purchase of device</a:t>
+              <a:t>Patent Liability</a:t>
             </a:r>
           </a:p>
           <a:p>
             <a:pPr lvl="1"/>
             <a:r>
               <a:rPr lang="en-US" dirty="0" smtClean="0"/>
-              <a:t>Need to set up distribution network</a:t>
+              <a:t>Novelty of design avoids many AR patents</a:t>
+            </a:r>
+          </a:p>
+          <a:p>
+            <a:pPr lvl="2"/>
+            <a:r>
+              <a:rPr lang="en-US" dirty="0" smtClean="0"/>
+              <a:t>Large fraction specifically mention cameras</a:t>
             </a:r>
           </a:p>
           <a:p>
             <a:pPr lvl="1"/>
             <a:r>
               <a:rPr lang="en-US" dirty="0" smtClean="0"/>
-              <a:t>Encourage third party development</a:t>
+              <a:t>Licensing may be required</a:t>
             </a:r>
           </a:p>
           <a:p>
             <a:pPr lvl="1"/>
             <a:r>
               <a:rPr lang="en-US" dirty="0" smtClean="0"/>
-              <a:t>Anti-piracy solutions</a:t>
+              <a:t>Could file new patents and cross-license</a:t>
+            </a:r>
+            <a:endParaRPr lang="en-US" dirty="0"/>
+          </a:p>
+          <a:p>
+            <a:r>
+              <a:rPr lang="en-US" dirty="0" smtClean="0"/>
+              <a:t>User Safety</a:t>
             </a:r>
           </a:p>
           <a:p>
             <a:pPr lvl="1"/>
-            <a:endParaRPr lang="en-US" dirty="0"/>
+            <a:r>
+              <a:rPr lang="en-US" dirty="0" smtClean="0"/>
+              <a:t>LiFePO</a:t>
+            </a:r>
+            <a:r>
+              <a:rPr lang="en-US" baseline="-25000" dirty="0" smtClean="0"/>
+              <a:t>4</a:t>
+            </a:r>
+            <a:r>
+              <a:rPr lang="en-US" dirty="0" smtClean="0"/>
+              <a:t> much safer than other Lithium battery chemistries</a:t>
+            </a:r>
+          </a:p>
+          <a:p>
+            <a:pPr lvl="1"/>
+            <a:r>
+              <a:rPr lang="en-US" dirty="0" smtClean="0"/>
+              <a:t>Translucent display keeps user aware of environment</a:t>
+            </a:r>
+          </a:p>
+          <a:p>
+            <a:pPr lvl="1"/>
+            <a:r>
+              <a:rPr lang="en-US" dirty="0" smtClean="0"/>
+              <a:t>Product unsuitable for use while driving, operating heavy machinery</a:t>
+            </a:r>
           </a:p>
         </p:txBody>
       </p:sp>
@@ -8530,7 +9164,7 @@
           <a:p>
             <a:r>
               <a:rPr lang="en-US" dirty="0" smtClean="0"/>
-              <a:t>Opportunities</a:t>
+              <a:t>COMPLICATIONS</a:t>
             </a:r>
             <a:endParaRPr lang="en-US" dirty="0"/>
           </a:p>
@@ -8539,7 +9173,7 @@
     </p:spTree>
     <p:extLst>
       <p:ext uri="{BB962C8B-B14F-4D97-AF65-F5344CB8AC3E}">
-        <p14:creationId xmlns:p14="http://schemas.microsoft.com/office/powerpoint/2010/main" val="2759559370"/>
+        <p14:creationId xmlns:p14="http://schemas.microsoft.com/office/powerpoint/2010/main" val="90168761"/>
       </p:ext>
     </p:extLst>
   </p:cSld>
@@ -8578,6 +9212,106 @@
         </p:nvSpPr>
         <p:spPr/>
         <p:txBody>
+          <a:bodyPr/>
+          <a:lstStyle/>
+          <a:p>
+            <a:r>
+              <a:rPr lang="en-US" dirty="0" smtClean="0"/>
+              <a:t>Selling software to users after purchase of device</a:t>
+            </a:r>
+          </a:p>
+          <a:p>
+            <a:pPr lvl="1"/>
+            <a:r>
+              <a:rPr lang="en-US" dirty="0" smtClean="0"/>
+              <a:t>Need to set up distribution network</a:t>
+            </a:r>
+          </a:p>
+          <a:p>
+            <a:pPr lvl="1"/>
+            <a:r>
+              <a:rPr lang="en-US" dirty="0" smtClean="0"/>
+              <a:t>Encourage third party development</a:t>
+            </a:r>
+          </a:p>
+          <a:p>
+            <a:pPr lvl="1"/>
+            <a:r>
+              <a:rPr lang="en-US" dirty="0" smtClean="0"/>
+              <a:t>Anti-piracy solutions</a:t>
+            </a:r>
+          </a:p>
+          <a:p>
+            <a:pPr lvl="1"/>
+            <a:endParaRPr lang="en-US" dirty="0"/>
+          </a:p>
+        </p:txBody>
+      </p:sp>
+      <p:sp>
+        <p:nvSpPr>
+          <p:cNvPr id="3" name="Title 2"/>
+          <p:cNvSpPr>
+            <a:spLocks noGrp="1"/>
+          </p:cNvSpPr>
+          <p:nvPr>
+            <p:ph type="title"/>
+          </p:nvPr>
+        </p:nvSpPr>
+        <p:spPr/>
+        <p:txBody>
+          <a:bodyPr/>
+          <a:lstStyle/>
+          <a:p>
+            <a:r>
+              <a:rPr lang="en-US" dirty="0" smtClean="0"/>
+              <a:t>Opportunities</a:t>
+            </a:r>
+            <a:endParaRPr lang="en-US" dirty="0"/>
+          </a:p>
+        </p:txBody>
+      </p:sp>
+    </p:spTree>
+    <p:extLst>
+      <p:ext uri="{BB962C8B-B14F-4D97-AF65-F5344CB8AC3E}">
+        <p14:creationId xmlns:p14="http://schemas.microsoft.com/office/powerpoint/2010/main" val="2759559370"/>
+      </p:ext>
+    </p:extLst>
+  </p:cSld>
+  <p:clrMapOvr>
+    <a:masterClrMapping/>
+  </p:clrMapOvr>
+</p:sld>
+</file>
+
+<file path=ppt/slides/slide16.xml><?xml version="1.0" encoding="utf-8"?>
+<p:sld xmlns:a="http://schemas.openxmlformats.org/drawingml/2006/main" xmlns:r="http://schemas.openxmlformats.org/officeDocument/2006/relationships" xmlns:p="http://schemas.openxmlformats.org/presentationml/2006/main">
+  <p:cSld>
+    <p:spTree>
+      <p:nvGrpSpPr>
+        <p:cNvPr id="1" name=""/>
+        <p:cNvGrpSpPr/>
+        <p:nvPr/>
+      </p:nvGrpSpPr>
+      <p:grpSpPr>
+        <a:xfrm>
+          <a:off x="0" y="0"/>
+          <a:ext cx="0" cy="0"/>
+          <a:chOff x="0" y="0"/>
+          <a:chExt cx="0" cy="0"/>
+        </a:xfrm>
+      </p:grpSpPr>
+      <p:sp>
+        <p:nvSpPr>
+          <p:cNvPr id="2" name="Content Placeholder 1"/>
+          <p:cNvSpPr>
+            <a:spLocks noGrp="1"/>
+          </p:cNvSpPr>
+          <p:nvPr>
+            <p:ph idx="1"/>
+          </p:nvPr>
+        </p:nvSpPr>
+        <p:spPr/>
+        <p:txBody>
           <a:bodyPr>
             <a:normAutofit/>
           </a:bodyPr>
@@ -8613,7 +9347,6 @@
               <a:rPr lang="en-US" sz="2200" dirty="0" smtClean="0"/>
               <a:t>Finalize packaging modifications for larger display</a:t>
             </a:r>
-            <a:endParaRPr lang="en-US" sz="2200" dirty="0" smtClean="0"/>
           </a:p>
           <a:p>
             <a:r>
@@ -8625,11 +9358,7 @@
             <a:pPr lvl="1"/>
             <a:r>
               <a:rPr lang="en-US" sz="2000" dirty="0" smtClean="0"/>
-              <a:t>Battery </a:t>
-            </a:r>
-            <a:r>
-              <a:rPr lang="en-US" sz="2000" dirty="0" smtClean="0"/>
-              <a:t>power and charging</a:t>
+              <a:t>Battery power and charging</a:t>
             </a:r>
           </a:p>
           <a:p>
@@ -8646,7 +9375,6 @@
               <a:rPr lang="en-US" sz="2000" dirty="0" smtClean="0"/>
               <a:t> board with existing microcontroller</a:t>
             </a:r>
-            <a:endParaRPr lang="en-US" sz="2000" dirty="0" smtClean="0"/>
           </a:p>
           <a:p>
             <a:pPr lvl="1"/>
@@ -8654,7 +9382,6 @@
               <a:rPr lang="en-US" sz="2000" dirty="0" smtClean="0"/>
               <a:t>Display</a:t>
             </a:r>
-            <a:endParaRPr lang="en-US" sz="2000" dirty="0" smtClean="0"/>
           </a:p>
         </p:txBody>
       </p:sp>
@@ -8694,7 +9421,7 @@
 </p:sld>
 </file>
 
-<file path=ppt/slides/slide16.xml><?xml version="1.0" encoding="utf-8"?>
+<file path=ppt/slides/slide17.xml><?xml version="1.0" encoding="utf-8"?>
 <p:sld xmlns:a="http://schemas.openxmlformats.org/drawingml/2006/main" xmlns:r="http://schemas.openxmlformats.org/officeDocument/2006/relationships" xmlns:p="http://schemas.openxmlformats.org/presentationml/2006/main">
   <p:cSld>
     <p:spTree>
@@ -9468,33 +10195,21 @@
             <a:pPr lvl="1"/>
             <a:r>
               <a:rPr lang="en-US" sz="2000" dirty="0" smtClean="0"/>
-              <a:t>Power </a:t>
-            </a:r>
-            <a:r>
-              <a:rPr lang="en-US" sz="2000" dirty="0" smtClean="0"/>
-              <a:t>management</a:t>
+              <a:t>Power management</a:t>
             </a:r>
           </a:p>
           <a:p>
             <a:pPr lvl="2"/>
             <a:r>
               <a:rPr lang="en-US" dirty="0" smtClean="0"/>
-              <a:t>Battery c</a:t>
-            </a:r>
+              <a:t>Battery charging</a:t>
+            </a:r>
+          </a:p>
+          <a:p>
+            <a:pPr lvl="2"/>
             <a:r>
               <a:rPr lang="en-US" dirty="0" smtClean="0"/>
-              <a:t>harging</a:t>
-            </a:r>
-          </a:p>
-          <a:p>
-            <a:pPr lvl="2"/>
-            <a:r>
-              <a:rPr lang="en-US" dirty="0" smtClean="0"/>
-              <a:t>Battery f</a:t>
-            </a:r>
-            <a:r>
-              <a:rPr lang="en-US" dirty="0" smtClean="0"/>
-              <a:t>uel gauge</a:t>
+              <a:t>Battery fuel gauge</a:t>
             </a:r>
           </a:p>
           <a:p>
@@ -9503,7 +10218,6 @@
               <a:rPr lang="en-US" dirty="0" smtClean="0"/>
               <a:t>Voltage regulation</a:t>
             </a:r>
-            <a:endParaRPr lang="en-US" dirty="0" smtClean="0"/>
           </a:p>
         </p:txBody>
       </p:sp>
@@ -9618,11 +10332,7 @@
           <a:p>
             <a:r>
               <a:rPr lang="en-US" sz="2400" dirty="0" smtClean="0"/>
-              <a:t>Self-contained </a:t>
-            </a:r>
-            <a:r>
-              <a:rPr lang="en-US" sz="2400" dirty="0" smtClean="0"/>
-              <a:t>headset</a:t>
+              <a:t>Self-contained headset</a:t>
             </a:r>
           </a:p>
           <a:p>
@@ -9642,13 +10352,8 @@
             </a:r>
             <a:r>
               <a:rPr lang="en-US" sz="2000" dirty="0" smtClean="0"/>
-              <a:t>  electronics mounted to </a:t>
-            </a:r>
-            <a:r>
-              <a:rPr lang="en-US" sz="2000" dirty="0" smtClean="0"/>
-              <a:t>rails</a:t>
-            </a:r>
-            <a:endParaRPr lang="en-US" sz="2000" dirty="0" smtClean="0"/>
+              <a:t>  electronics mounted to rails</a:t>
+            </a:r>
           </a:p>
           <a:p>
             <a:endParaRPr lang="en-US" sz="2400" dirty="0" smtClean="0"/>
@@ -9685,22 +10390,14 @@
             <a:pPr lvl="1"/>
             <a:r>
               <a:rPr lang="en-US" sz="2000" dirty="0" smtClean="0"/>
-              <a:t>SPI communication </a:t>
-            </a:r>
-            <a:r>
-              <a:rPr lang="en-US" sz="2000" dirty="0" smtClean="0"/>
-              <a:t>between</a:t>
+              <a:t>SPI communication between</a:t>
             </a:r>
             <a:br>
               <a:rPr lang="en-US" sz="2000" dirty="0" smtClean="0"/>
             </a:br>
             <a:r>
               <a:rPr lang="en-US" sz="2000" dirty="0" smtClean="0"/>
-              <a:t>Pi </a:t>
-            </a:r>
-            <a:r>
-              <a:rPr lang="en-US" sz="2000" dirty="0" smtClean="0"/>
-              <a:t>and micro</a:t>
+              <a:t>Pi and micro</a:t>
             </a:r>
           </a:p>
           <a:p>
@@ -9733,11 +10430,7 @@
           <a:p>
             <a:r>
               <a:rPr lang="en-US" dirty="0" smtClean="0"/>
-              <a:t>Accomplishments To </a:t>
-            </a:r>
-            <a:r>
-              <a:rPr lang="en-US" dirty="0" smtClean="0"/>
-              <a:t>Date (PHA1)</a:t>
+              <a:t>Accomplishments To Date (PHA1)</a:t>
             </a:r>
             <a:endParaRPr lang="en-US" dirty="0"/>
           </a:p>
@@ -9856,12 +10549,8 @@
           <a:lstStyle/>
           <a:p>
             <a:r>
-              <a:rPr lang="en-US" dirty="0"/>
-              <a:t>Accomplishments To </a:t>
-            </a:r>
-            <a:r>
               <a:rPr lang="en-US" dirty="0" smtClean="0"/>
-              <a:t>Date (Pha1)</a:t>
+              <a:t>Hardware metrics</a:t>
             </a:r>
             <a:endParaRPr lang="en-US" dirty="0"/>
           </a:p>
@@ -9869,7 +10558,7 @@
       </p:sp>
       <p:graphicFrame>
         <p:nvGraphicFramePr>
-          <p:cNvPr id="6" name="Content Placeholder 5"/>
+          <p:cNvPr id="5" name="Content Placeholder 4"/>
           <p:cNvGraphicFramePr>
             <a:graphicFrameLocks noGrp="1"/>
           </p:cNvGraphicFramePr>
@@ -9877,340 +10566,752 @@
             <p:ph idx="1"/>
             <p:extLst>
               <p:ext uri="{D42A27DB-BD31-4B8C-83A1-F6EECF244321}">
-                <p14:modId xmlns:p14="http://schemas.microsoft.com/office/powerpoint/2010/main" val="995713166"/>
+                <p14:modId xmlns:p14="http://schemas.microsoft.com/office/powerpoint/2010/main" val="2392140367"/>
               </p:ext>
             </p:extLst>
           </p:nvPr>
         </p:nvGraphicFramePr>
         <p:xfrm>
-          <a:off x="381000" y="1524000"/>
-          <a:ext cx="8407401" cy="2595880"/>
+          <a:off x="152400" y="1371600"/>
+          <a:ext cx="8839200" cy="5334000"/>
         </p:xfrm>
         <a:graphic>
           <a:graphicData uri="http://schemas.openxmlformats.org/drawingml/2006/table">
             <a:tbl>
-              <a:tblPr firstRow="1" bandRow="1">
+              <a:tblPr firstRow="1" firstCol="1" bandRow="1">
                 <a:tableStyleId>{5C22544A-7EE6-4342-B048-85BDC9FD1C3A}</a:tableStyleId>
               </a:tblPr>
               <a:tblGrid>
-                <a:gridCol w="2802467"/>
-                <a:gridCol w="2802467"/>
-                <a:gridCol w="2802467"/>
+                <a:gridCol w="1016464"/>
+                <a:gridCol w="1966217"/>
+                <a:gridCol w="5856519"/>
               </a:tblGrid>
-              <a:tr h="370840">
+              <a:tr h="209488">
                 <a:tc>
                   <a:txBody>
                     <a:bodyPr/>
                     <a:lstStyle/>
                     <a:p>
+                      <a:pPr marL="0" marR="0" algn="ctr">
+                        <a:spcBef>
+                          <a:spcPts val="0"/>
+                        </a:spcBef>
+                        <a:spcAft>
+                          <a:spcPts val="0"/>
+                        </a:spcAft>
+                      </a:pPr>
                       <a:r>
-                        <a:rPr lang="en-US" dirty="0" smtClean="0"/>
-                        <a:t>Performance Metric</a:t>
+                        <a:rPr lang="en-US" sz="1100" dirty="0">
+                          <a:effectLst/>
+                        </a:rPr>
+                        <a:t>Metric</a:t>
                       </a:r>
-                      <a:endParaRPr lang="en-US" dirty="0"/>
+                      <a:endParaRPr lang="en-US" sz="1100" dirty="0">
+                        <a:effectLst/>
+                        <a:latin typeface="Calibri" panose="020F0502020204030204" pitchFamily="34" charset="0"/>
+                        <a:ea typeface="Calibri" panose="020F0502020204030204" pitchFamily="34" charset="0"/>
+                        <a:cs typeface="Times New Roman" panose="02020603050405020304" pitchFamily="18" charset="0"/>
+                      </a:endParaRPr>
                     </a:p>
                   </a:txBody>
-                  <a:tcPr/>
+                  <a:tcPr marL="68580" marR="68580" marT="0" marB="0"/>
                 </a:tc>
                 <a:tc>
                   <a:txBody>
                     <a:bodyPr/>
                     <a:lstStyle/>
                     <a:p>
+                      <a:pPr marL="0" marR="0" algn="ctr">
+                        <a:spcBef>
+                          <a:spcPts val="0"/>
+                        </a:spcBef>
+                        <a:spcAft>
+                          <a:spcPts val="0"/>
+                        </a:spcAft>
+                      </a:pPr>
                       <a:r>
-                        <a:rPr lang="en-US" dirty="0" smtClean="0"/>
-                        <a:t>Phase</a:t>
+                        <a:rPr lang="en-US" sz="1100">
+                          <a:effectLst/>
+                        </a:rPr>
+                        <a:t>Target</a:t>
                       </a:r>
-                      <a:r>
-                        <a:rPr lang="en-US" baseline="0" dirty="0" smtClean="0"/>
-                        <a:t> One</a:t>
-                      </a:r>
-                      <a:endParaRPr lang="en-US" dirty="0"/>
+                      <a:endParaRPr lang="en-US" sz="1100">
+                        <a:effectLst/>
+                        <a:latin typeface="Calibri" panose="020F0502020204030204" pitchFamily="34" charset="0"/>
+                        <a:ea typeface="Calibri" panose="020F0502020204030204" pitchFamily="34" charset="0"/>
+                        <a:cs typeface="Times New Roman" panose="02020603050405020304" pitchFamily="18" charset="0"/>
+                      </a:endParaRPr>
                     </a:p>
                   </a:txBody>
-                  <a:tcPr/>
+                  <a:tcPr marL="68580" marR="68580" marT="0" marB="0"/>
                 </a:tc>
                 <a:tc>
                   <a:txBody>
                     <a:bodyPr/>
                     <a:lstStyle/>
                     <a:p>
+                      <a:pPr marL="0" marR="0" algn="ctr">
+                        <a:spcBef>
+                          <a:spcPts val="0"/>
+                        </a:spcBef>
+                        <a:spcAft>
+                          <a:spcPts val="0"/>
+                        </a:spcAft>
+                      </a:pPr>
                       <a:r>
-                        <a:rPr lang="en-US" dirty="0" smtClean="0"/>
-                        <a:t>Target</a:t>
+                        <a:rPr lang="en-US" sz="1100">
+                          <a:effectLst/>
+                        </a:rPr>
+                        <a:t>Description</a:t>
                       </a:r>
-                      <a:endParaRPr lang="en-US" dirty="0"/>
+                      <a:endParaRPr lang="en-US" sz="1100">
+                        <a:effectLst/>
+                        <a:latin typeface="Calibri" panose="020F0502020204030204" pitchFamily="34" charset="0"/>
+                        <a:ea typeface="Calibri" panose="020F0502020204030204" pitchFamily="34" charset="0"/>
+                        <a:cs typeface="Times New Roman" panose="02020603050405020304" pitchFamily="18" charset="0"/>
+                      </a:endParaRPr>
                     </a:p>
                   </a:txBody>
-                  <a:tcPr/>
+                  <a:tcPr marL="68580" marR="68580" marT="0" marB="0"/>
                 </a:tc>
               </a:tr>
-              <a:tr h="370840">
+              <a:tr h="418975">
                 <a:tc>
                   <a:txBody>
                     <a:bodyPr/>
                     <a:lstStyle/>
                     <a:p>
+                      <a:pPr marL="0" marR="0" algn="r">
+                        <a:spcBef>
+                          <a:spcPts val="0"/>
+                        </a:spcBef>
+                        <a:spcAft>
+                          <a:spcPts val="0"/>
+                        </a:spcAft>
+                      </a:pPr>
                       <a:r>
-                        <a:rPr lang="en-US" dirty="0" smtClean="0"/>
-                        <a:t>Weight</a:t>
+                        <a:rPr lang="en-US" sz="1100">
+                          <a:effectLst/>
+                        </a:rPr>
+                        <a:t>Mass</a:t>
                       </a:r>
-                      <a:endParaRPr lang="en-US" dirty="0"/>
+                      <a:endParaRPr lang="en-US" sz="1100">
+                        <a:effectLst/>
+                        <a:latin typeface="Calibri" panose="020F0502020204030204" pitchFamily="34" charset="0"/>
+                        <a:ea typeface="Calibri" panose="020F0502020204030204" pitchFamily="34" charset="0"/>
+                        <a:cs typeface="Times New Roman" panose="02020603050405020304" pitchFamily="18" charset="0"/>
+                      </a:endParaRPr>
                     </a:p>
                   </a:txBody>
-                  <a:tcPr/>
+                  <a:tcPr marL="68580" marR="68580" marT="0" marB="0"/>
                 </a:tc>
                 <a:tc>
                   <a:txBody>
                     <a:bodyPr/>
                     <a:lstStyle/>
                     <a:p>
+                      <a:pPr marL="0" marR="0">
+                        <a:spcBef>
+                          <a:spcPts val="0"/>
+                        </a:spcBef>
+                        <a:spcAft>
+                          <a:spcPts val="0"/>
+                        </a:spcAft>
+                      </a:pPr>
                       <a:r>
-                        <a:rPr lang="en-US" dirty="0" smtClean="0"/>
-                        <a:t>2 kg [???]</a:t>
+                        <a:rPr lang="en-US" sz="1100" dirty="0">
+                          <a:effectLst/>
+                        </a:rPr>
+                        <a:t>Headset: 1 kg</a:t>
                       </a:r>
-                      <a:endParaRPr lang="en-US" dirty="0"/>
+                    </a:p>
+                    <a:p>
+                      <a:pPr marL="0" marR="0">
+                        <a:spcBef>
+                          <a:spcPts val="0"/>
+                        </a:spcBef>
+                        <a:spcAft>
+                          <a:spcPts val="0"/>
+                        </a:spcAft>
+                      </a:pPr>
+                      <a:r>
+                        <a:rPr lang="en-US" sz="1100">
+                          <a:effectLst/>
+                        </a:rPr>
+                        <a:t>Backpack: 3 kg</a:t>
+                      </a:r>
+                      <a:endParaRPr lang="en-US" sz="1100">
+                        <a:effectLst/>
+                        <a:latin typeface="Calibri" panose="020F0502020204030204" pitchFamily="34" charset="0"/>
+                        <a:ea typeface="Calibri" panose="020F0502020204030204" pitchFamily="34" charset="0"/>
+                        <a:cs typeface="Times New Roman" panose="02020603050405020304" pitchFamily="18" charset="0"/>
+                      </a:endParaRPr>
                     </a:p>
                   </a:txBody>
-                  <a:tcPr/>
+                  <a:tcPr marL="68580" marR="68580" marT="0" marB="0"/>
                 </a:tc>
                 <a:tc>
                   <a:txBody>
                     <a:bodyPr/>
                     <a:lstStyle/>
                     <a:p>
+                      <a:pPr marL="0" marR="0">
+                        <a:spcBef>
+                          <a:spcPts val="0"/>
+                        </a:spcBef>
+                        <a:spcAft>
+                          <a:spcPts val="0"/>
+                        </a:spcAft>
+                      </a:pPr>
                       <a:r>
-                        <a:rPr lang="en-US" dirty="0" smtClean="0"/>
-                        <a:t>4 kg</a:t>
+                        <a:rPr lang="en-US" sz="1100">
+                          <a:effectLst/>
+                        </a:rPr>
+                        <a:t>Neither the headset nor the backpack can be too heavy to impede the performance of typical activities by the user.</a:t>
                       </a:r>
-                      <a:endParaRPr lang="en-US" dirty="0"/>
+                      <a:endParaRPr lang="en-US" sz="1100">
+                        <a:effectLst/>
+                        <a:latin typeface="Calibri" panose="020F0502020204030204" pitchFamily="34" charset="0"/>
+                        <a:ea typeface="Calibri" panose="020F0502020204030204" pitchFamily="34" charset="0"/>
+                        <a:cs typeface="Times New Roman" panose="02020603050405020304" pitchFamily="18" charset="0"/>
+                      </a:endParaRPr>
                     </a:p>
                   </a:txBody>
-                  <a:tcPr/>
+                  <a:tcPr marL="68580" marR="68580" marT="0" marB="0"/>
                 </a:tc>
               </a:tr>
-              <a:tr h="370840">
+              <a:tr h="628463">
                 <a:tc>
                   <a:txBody>
                     <a:bodyPr/>
                     <a:lstStyle/>
                     <a:p>
+                      <a:pPr marL="0" marR="0" algn="r">
+                        <a:spcBef>
+                          <a:spcPts val="0"/>
+                        </a:spcBef>
+                        <a:spcAft>
+                          <a:spcPts val="0"/>
+                        </a:spcAft>
+                      </a:pPr>
                       <a:r>
-                        <a:rPr lang="en-US" dirty="0" smtClean="0"/>
-                        <a:t>Battery life</a:t>
+                        <a:rPr lang="en-US" sz="1100">
+                          <a:effectLst/>
+                        </a:rPr>
+                        <a:t>Power</a:t>
                       </a:r>
-                      <a:endParaRPr lang="en-US" dirty="0"/>
+                      <a:endParaRPr lang="en-US" sz="1100">
+                        <a:effectLst/>
+                        <a:latin typeface="Calibri" panose="020F0502020204030204" pitchFamily="34" charset="0"/>
+                        <a:ea typeface="Calibri" panose="020F0502020204030204" pitchFamily="34" charset="0"/>
+                        <a:cs typeface="Times New Roman" panose="02020603050405020304" pitchFamily="18" charset="0"/>
+                      </a:endParaRPr>
                     </a:p>
                   </a:txBody>
-                  <a:tcPr/>
+                  <a:tcPr marL="68580" marR="68580" marT="0" marB="0"/>
                 </a:tc>
                 <a:tc>
                   <a:txBody>
                     <a:bodyPr/>
                     <a:lstStyle/>
                     <a:p>
+                      <a:pPr marL="0" marR="0">
+                        <a:spcBef>
+                          <a:spcPts val="0"/>
+                        </a:spcBef>
+                        <a:spcAft>
+                          <a:spcPts val="0"/>
+                        </a:spcAft>
+                      </a:pPr>
                       <a:r>
-                        <a:rPr lang="en-US" dirty="0" smtClean="0"/>
-                        <a:t>3 hours</a:t>
+                        <a:rPr lang="en-US" sz="1100">
+                          <a:effectLst/>
+                        </a:rPr>
+                        <a:t>3 hours runtime</a:t>
                       </a:r>
-                      <a:endParaRPr lang="en-US" dirty="0"/>
+                      <a:endParaRPr lang="en-US" sz="1100">
+                        <a:effectLst/>
+                        <a:latin typeface="Calibri" panose="020F0502020204030204" pitchFamily="34" charset="0"/>
+                        <a:ea typeface="Calibri" panose="020F0502020204030204" pitchFamily="34" charset="0"/>
+                        <a:cs typeface="Times New Roman" panose="02020603050405020304" pitchFamily="18" charset="0"/>
+                      </a:endParaRPr>
                     </a:p>
                   </a:txBody>
-                  <a:tcPr/>
+                  <a:tcPr marL="68580" marR="68580" marT="0" marB="0"/>
                 </a:tc>
                 <a:tc>
                   <a:txBody>
                     <a:bodyPr/>
                     <a:lstStyle/>
                     <a:p>
+                      <a:pPr marL="0" marR="0">
+                        <a:spcBef>
+                          <a:spcPts val="0"/>
+                        </a:spcBef>
+                        <a:spcAft>
+                          <a:spcPts val="0"/>
+                        </a:spcAft>
+                      </a:pPr>
                       <a:r>
-                        <a:rPr lang="en-US" dirty="0" smtClean="0"/>
-                        <a:t>5 hours</a:t>
+                        <a:rPr lang="en-US" sz="1100">
+                          <a:effectLst/>
+                        </a:rPr>
+                        <a:t>Augmented reality applications run for long durations, so the device must operate long enough on battery power to be usable. The remaining battery capacity should be displayed to the user.</a:t>
                       </a:r>
-                      <a:endParaRPr lang="en-US" dirty="0"/>
+                      <a:endParaRPr lang="en-US" sz="1100">
+                        <a:effectLst/>
+                        <a:latin typeface="Calibri" panose="020F0502020204030204" pitchFamily="34" charset="0"/>
+                        <a:ea typeface="Calibri" panose="020F0502020204030204" pitchFamily="34" charset="0"/>
+                        <a:cs typeface="Times New Roman" panose="02020603050405020304" pitchFamily="18" charset="0"/>
+                      </a:endParaRPr>
                     </a:p>
                   </a:txBody>
-                  <a:tcPr/>
+                  <a:tcPr marL="68580" marR="68580" marT="0" marB="0"/>
                 </a:tc>
               </a:tr>
-              <a:tr h="370840">
+              <a:tr h="628463">
                 <a:tc>
                   <a:txBody>
                     <a:bodyPr/>
                     <a:lstStyle/>
                     <a:p>
+                      <a:pPr marL="0" marR="0" algn="r">
+                        <a:spcBef>
+                          <a:spcPts val="0"/>
+                        </a:spcBef>
+                        <a:spcAft>
+                          <a:spcPts val="0"/>
+                        </a:spcAft>
+                      </a:pPr>
                       <a:r>
-                        <a:rPr lang="en-US" dirty="0" err="1" smtClean="0"/>
-                        <a:t>Framerate</a:t>
+                        <a:rPr lang="en-US" sz="1100">
+                          <a:effectLst/>
+                        </a:rPr>
+                        <a:t>Location</a:t>
                       </a:r>
-                      <a:endParaRPr lang="en-US" dirty="0"/>
+                      <a:endParaRPr lang="en-US" sz="1100">
+                        <a:effectLst/>
+                        <a:latin typeface="Calibri" panose="020F0502020204030204" pitchFamily="34" charset="0"/>
+                        <a:ea typeface="Calibri" panose="020F0502020204030204" pitchFamily="34" charset="0"/>
+                        <a:cs typeface="Times New Roman" panose="02020603050405020304" pitchFamily="18" charset="0"/>
+                      </a:endParaRPr>
                     </a:p>
                   </a:txBody>
-                  <a:tcPr/>
+                  <a:tcPr marL="68580" marR="68580" marT="0" marB="0"/>
                 </a:tc>
                 <a:tc>
                   <a:txBody>
                     <a:bodyPr/>
                     <a:lstStyle/>
                     <a:p>
+                      <a:pPr marL="0" marR="0">
+                        <a:spcBef>
+                          <a:spcPts val="0"/>
+                        </a:spcBef>
+                        <a:spcAft>
+                          <a:spcPts val="0"/>
+                        </a:spcAft>
+                      </a:pPr>
                       <a:r>
-                        <a:rPr lang="en-US" dirty="0" smtClean="0"/>
-                        <a:t>30 FPS</a:t>
+                        <a:rPr lang="en-US" sz="1100">
+                          <a:effectLst/>
+                        </a:rPr>
+                        <a:t>Minimum 2 meter accuracy and precision</a:t>
                       </a:r>
-                      <a:endParaRPr lang="en-US" dirty="0"/>
+                      <a:endParaRPr lang="en-US" sz="1100">
+                        <a:effectLst/>
+                        <a:latin typeface="Calibri" panose="020F0502020204030204" pitchFamily="34" charset="0"/>
+                        <a:ea typeface="Calibri" panose="020F0502020204030204" pitchFamily="34" charset="0"/>
+                        <a:cs typeface="Times New Roman" panose="02020603050405020304" pitchFamily="18" charset="0"/>
+                      </a:endParaRPr>
                     </a:p>
                   </a:txBody>
-                  <a:tcPr/>
+                  <a:tcPr marL="68580" marR="68580" marT="0" marB="0"/>
                 </a:tc>
                 <a:tc>
                   <a:txBody>
                     <a:bodyPr/>
                     <a:lstStyle/>
                     <a:p>
+                      <a:pPr marL="0" marR="0">
+                        <a:spcBef>
+                          <a:spcPts val="0"/>
+                        </a:spcBef>
+                        <a:spcAft>
+                          <a:spcPts val="0"/>
+                        </a:spcAft>
+                      </a:pPr>
                       <a:r>
-                        <a:rPr lang="en-US" dirty="0" smtClean="0"/>
-                        <a:t>60 FPS</a:t>
+                        <a:rPr lang="en-US" sz="1100">
+                          <a:effectLst/>
+                        </a:rPr>
+                        <a:t>The accuracy of the rendered virtual world depends heavily on the accuracy and precision of the user’s geospatial position.</a:t>
                       </a:r>
-                      <a:endParaRPr lang="en-US" dirty="0"/>
+                      <a:endParaRPr lang="en-US" sz="1100">
+                        <a:effectLst/>
+                        <a:latin typeface="Calibri" panose="020F0502020204030204" pitchFamily="34" charset="0"/>
+                        <a:ea typeface="Calibri" panose="020F0502020204030204" pitchFamily="34" charset="0"/>
+                        <a:cs typeface="Times New Roman" panose="02020603050405020304" pitchFamily="18" charset="0"/>
+                      </a:endParaRPr>
                     </a:p>
                   </a:txBody>
-                  <a:tcPr/>
+                  <a:tcPr marL="68580" marR="68580" marT="0" marB="0"/>
                 </a:tc>
               </a:tr>
-              <a:tr h="370840">
+              <a:tr h="934759">
                 <a:tc>
                   <a:txBody>
                     <a:bodyPr/>
                     <a:lstStyle/>
                     <a:p>
+                      <a:pPr marL="0" marR="0" algn="r">
+                        <a:spcBef>
+                          <a:spcPts val="0"/>
+                        </a:spcBef>
+                        <a:spcAft>
+                          <a:spcPts val="0"/>
+                        </a:spcAft>
+                      </a:pPr>
                       <a:r>
-                        <a:rPr lang="en-US" dirty="0" smtClean="0"/>
-                        <a:t>Head tracking Latency</a:t>
+                        <a:rPr lang="en-US" sz="1100">
+                          <a:effectLst/>
+                        </a:rPr>
+                        <a:t>Wireless</a:t>
                       </a:r>
-                      <a:endParaRPr lang="en-US" dirty="0"/>
+                      <a:endParaRPr lang="en-US" sz="1100">
+                        <a:effectLst/>
+                        <a:latin typeface="Calibri" panose="020F0502020204030204" pitchFamily="34" charset="0"/>
+                        <a:ea typeface="Calibri" panose="020F0502020204030204" pitchFamily="34" charset="0"/>
+                        <a:cs typeface="Times New Roman" panose="02020603050405020304" pitchFamily="18" charset="0"/>
+                      </a:endParaRPr>
                     </a:p>
                   </a:txBody>
-                  <a:tcPr/>
+                  <a:tcPr marL="68580" marR="68580" marT="0" marB="0"/>
                 </a:tc>
                 <a:tc>
                   <a:txBody>
                     <a:bodyPr/>
                     <a:lstStyle/>
                     <a:p>
+                      <a:pPr marL="0" marR="0">
+                        <a:spcBef>
+                          <a:spcPts val="0"/>
+                        </a:spcBef>
+                        <a:spcAft>
+                          <a:spcPts val="0"/>
+                        </a:spcAft>
+                      </a:pPr>
                       <a:r>
-                        <a:rPr lang="en-US" dirty="0" smtClean="0"/>
-                        <a:t>[???]</a:t>
+                        <a:rPr lang="en-US" sz="1100">
+                          <a:effectLst/>
+                        </a:rPr>
+                        <a:t>80 m range, line of sight</a:t>
                       </a:r>
-                      <a:endParaRPr lang="en-US" dirty="0"/>
+                      <a:endParaRPr lang="en-US" sz="1100">
+                        <a:effectLst/>
+                        <a:latin typeface="Calibri" panose="020F0502020204030204" pitchFamily="34" charset="0"/>
+                        <a:ea typeface="Calibri" panose="020F0502020204030204" pitchFamily="34" charset="0"/>
+                        <a:cs typeface="Times New Roman" panose="02020603050405020304" pitchFamily="18" charset="0"/>
+                      </a:endParaRPr>
                     </a:p>
                   </a:txBody>
-                  <a:tcPr/>
+                  <a:tcPr marL="68580" marR="68580" marT="0" marB="0"/>
                 </a:tc>
                 <a:tc>
                   <a:txBody>
                     <a:bodyPr/>
                     <a:lstStyle/>
                     <a:p>
+                      <a:pPr marL="0" marR="0">
+                        <a:spcBef>
+                          <a:spcPts val="0"/>
+                        </a:spcBef>
+                        <a:spcAft>
+                          <a:spcPts val="0"/>
+                        </a:spcAft>
+                      </a:pPr>
                       <a:r>
-                        <a:rPr lang="en-US" dirty="0" smtClean="0"/>
-                        <a:t>60 </a:t>
+                        <a:rPr lang="en-US" sz="1100">
+                          <a:effectLst/>
+                        </a:rPr>
+                        <a:t>A unique feature of this device is the wireless coordination capability of multiple headsets in the same virtual environment. The current wireless signal strength should be reported to the user.</a:t>
                       </a:r>
-                      <a:r>
-                        <a:rPr lang="en-US" dirty="0" err="1" smtClean="0"/>
-                        <a:t>ms</a:t>
-                      </a:r>
-                      <a:endParaRPr lang="en-US" dirty="0"/>
+                      <a:endParaRPr lang="en-US" sz="1100">
+                        <a:effectLst/>
+                        <a:latin typeface="Calibri" panose="020F0502020204030204" pitchFamily="34" charset="0"/>
+                        <a:ea typeface="Calibri" panose="020F0502020204030204" pitchFamily="34" charset="0"/>
+                        <a:cs typeface="Times New Roman" panose="02020603050405020304" pitchFamily="18" charset="0"/>
+                      </a:endParaRPr>
                     </a:p>
                   </a:txBody>
-                  <a:tcPr/>
+                  <a:tcPr marL="68580" marR="68580" marT="0" marB="0"/>
                 </a:tc>
               </a:tr>
-              <a:tr h="370840">
+              <a:tr h="1047438">
                 <a:tc>
                   <a:txBody>
                     <a:bodyPr/>
                     <a:lstStyle/>
                     <a:p>
+                      <a:pPr marL="0" marR="0" algn="r">
+                        <a:spcBef>
+                          <a:spcPts val="0"/>
+                        </a:spcBef>
+                        <a:spcAft>
+                          <a:spcPts val="0"/>
+                        </a:spcAft>
+                      </a:pPr>
                       <a:r>
-                        <a:rPr lang="en-US" dirty="0" smtClean="0"/>
-                        <a:t>Location accuracy</a:t>
+                        <a:rPr lang="en-US" sz="1100">
+                          <a:effectLst/>
+                        </a:rPr>
+                        <a:t>Comfort</a:t>
                       </a:r>
-                      <a:endParaRPr lang="en-US" dirty="0"/>
+                      <a:endParaRPr lang="en-US" sz="1100">
+                        <a:effectLst/>
+                        <a:latin typeface="Calibri" panose="020F0502020204030204" pitchFamily="34" charset="0"/>
+                        <a:ea typeface="Calibri" panose="020F0502020204030204" pitchFamily="34" charset="0"/>
+                        <a:cs typeface="Times New Roman" panose="02020603050405020304" pitchFamily="18" charset="0"/>
+                      </a:endParaRPr>
                     </a:p>
                   </a:txBody>
-                  <a:tcPr/>
+                  <a:tcPr marL="68580" marR="68580" marT="0" marB="0"/>
                 </a:tc>
                 <a:tc>
                   <a:txBody>
                     <a:bodyPr/>
                     <a:lstStyle/>
                     <a:p>
-                      <a:endParaRPr lang="en-US" dirty="0"/>
+                      <a:pPr marL="0" marR="0">
+                        <a:spcBef>
+                          <a:spcPts val="0"/>
+                        </a:spcBef>
+                        <a:spcAft>
+                          <a:spcPts val="0"/>
+                        </a:spcAft>
+                      </a:pPr>
+                      <a:r>
+                        <a:rPr lang="en-US" sz="1100">
+                          <a:effectLst/>
+                        </a:rPr>
+                        <a:t>No running speed or vision reduction</a:t>
+                      </a:r>
+                      <a:endParaRPr lang="en-US" sz="1100">
+                        <a:effectLst/>
+                        <a:latin typeface="Calibri" panose="020F0502020204030204" pitchFamily="34" charset="0"/>
+                        <a:ea typeface="Calibri" panose="020F0502020204030204" pitchFamily="34" charset="0"/>
+                        <a:cs typeface="Times New Roman" panose="02020603050405020304" pitchFamily="18" charset="0"/>
+                      </a:endParaRPr>
                     </a:p>
                   </a:txBody>
-                  <a:tcPr/>
+                  <a:tcPr marL="68580" marR="68580" marT="0" marB="0"/>
                 </a:tc>
                 <a:tc>
                   <a:txBody>
                     <a:bodyPr/>
                     <a:lstStyle/>
                     <a:p>
-                      <a:endParaRPr lang="en-US"/>
+                      <a:pPr marL="0" marR="0">
+                        <a:spcBef>
+                          <a:spcPts val="0"/>
+                        </a:spcBef>
+                        <a:spcAft>
+                          <a:spcPts val="0"/>
+                        </a:spcAft>
+                      </a:pPr>
+                      <a:r>
+                        <a:rPr lang="en-US" sz="1100">
+                          <a:effectLst/>
+                        </a:rPr>
+                        <a:t>Ideally, the user would be able to perform actions without a noticeable burden on the user. It is difficult to quantitatively measure comfort, but the user should be able to orient their head, see the environment, and move from place to place as effectively as if the device was not worn.</a:t>
+                      </a:r>
+                      <a:endParaRPr lang="en-US" sz="1100">
+                        <a:effectLst/>
+                        <a:latin typeface="Calibri" panose="020F0502020204030204" pitchFamily="34" charset="0"/>
+                        <a:ea typeface="Calibri" panose="020F0502020204030204" pitchFamily="34" charset="0"/>
+                        <a:cs typeface="Times New Roman" panose="02020603050405020304" pitchFamily="18" charset="0"/>
+                      </a:endParaRPr>
                     </a:p>
                   </a:txBody>
-                  <a:tcPr/>
+                  <a:tcPr marL="68580" marR="68580" marT="0" marB="0"/>
                 </a:tc>
               </a:tr>
-              <a:tr h="370840">
+              <a:tr h="837951">
                 <a:tc>
                   <a:txBody>
                     <a:bodyPr/>
                     <a:lstStyle/>
                     <a:p>
+                      <a:pPr marL="0" marR="0" algn="r">
+                        <a:spcBef>
+                          <a:spcPts val="0"/>
+                        </a:spcBef>
+                        <a:spcAft>
+                          <a:spcPts val="0"/>
+                        </a:spcAft>
+                      </a:pPr>
                       <a:r>
-                        <a:rPr lang="en-US" dirty="0" smtClean="0"/>
-                        <a:t>Display</a:t>
+                        <a:rPr lang="en-US" sz="1100">
+                          <a:effectLst/>
+                        </a:rPr>
+                        <a:t>Durability</a:t>
                       </a:r>
-                      <a:r>
-                        <a:rPr lang="en-US" baseline="0" dirty="0" smtClean="0"/>
-                        <a:t> Brightness</a:t>
-                      </a:r>
-                      <a:endParaRPr lang="en-US" dirty="0"/>
+                      <a:endParaRPr lang="en-US" sz="1100">
+                        <a:effectLst/>
+                        <a:latin typeface="Calibri" panose="020F0502020204030204" pitchFamily="34" charset="0"/>
+                        <a:ea typeface="Calibri" panose="020F0502020204030204" pitchFamily="34" charset="0"/>
+                        <a:cs typeface="Times New Roman" panose="02020603050405020304" pitchFamily="18" charset="0"/>
+                      </a:endParaRPr>
                     </a:p>
                   </a:txBody>
-                  <a:tcPr/>
+                  <a:tcPr marL="68580" marR="68580" marT="0" marB="0"/>
                 </a:tc>
                 <a:tc>
                   <a:txBody>
                     <a:bodyPr/>
                     <a:lstStyle/>
                     <a:p>
+                      <a:pPr marL="0" marR="0">
+                        <a:spcBef>
+                          <a:spcPts val="0"/>
+                        </a:spcBef>
+                        <a:spcAft>
+                          <a:spcPts val="0"/>
+                        </a:spcAft>
+                      </a:pPr>
                       <a:r>
-                        <a:rPr lang="en-US" dirty="0" smtClean="0"/>
-                        <a:t>200</a:t>
+                        <a:rPr lang="en-US" sz="1100">
+                          <a:effectLst/>
+                        </a:rPr>
+                        <a:t>Operate from 0 to 40 C indoors and outdoors in dry conditions</a:t>
                       </a:r>
-                      <a:r>
-                        <a:rPr lang="en-US" baseline="0" dirty="0" smtClean="0"/>
-                        <a:t> nits</a:t>
-                      </a:r>
-                      <a:endParaRPr lang="en-US" dirty="0"/>
+                      <a:endParaRPr lang="en-US" sz="1100">
+                        <a:effectLst/>
+                        <a:latin typeface="Calibri" panose="020F0502020204030204" pitchFamily="34" charset="0"/>
+                        <a:ea typeface="Calibri" panose="020F0502020204030204" pitchFamily="34" charset="0"/>
+                        <a:cs typeface="Times New Roman" panose="02020603050405020304" pitchFamily="18" charset="0"/>
+                      </a:endParaRPr>
                     </a:p>
                   </a:txBody>
-                  <a:tcPr/>
+                  <a:tcPr marL="68580" marR="68580" marT="0" marB="0"/>
                 </a:tc>
                 <a:tc>
                   <a:txBody>
                     <a:bodyPr/>
                     <a:lstStyle/>
                     <a:p>
+                      <a:pPr marL="0" marR="0">
+                        <a:spcBef>
+                          <a:spcPts val="0"/>
+                        </a:spcBef>
+                        <a:spcAft>
+                          <a:spcPts val="0"/>
+                        </a:spcAft>
+                      </a:pPr>
                       <a:r>
-                        <a:rPr lang="en-US" dirty="0" smtClean="0"/>
-                        <a:t>300 nits</a:t>
+                        <a:rPr lang="en-US" sz="1100">
+                          <a:effectLst/>
+                        </a:rPr>
+                        <a:t>Most augmented reality applications involve users walking or running, which will subject the device to vibration and light impacts. In addition, sunlight, humidity, and dust are inherent concerns for a portable device.</a:t>
                       </a:r>
-                      <a:endParaRPr lang="en-US" dirty="0"/>
+                      <a:endParaRPr lang="en-US" sz="1100">
+                        <a:effectLst/>
+                        <a:latin typeface="Calibri" panose="020F0502020204030204" pitchFamily="34" charset="0"/>
+                        <a:ea typeface="Calibri" panose="020F0502020204030204" pitchFamily="34" charset="0"/>
+                        <a:cs typeface="Times New Roman" panose="02020603050405020304" pitchFamily="18" charset="0"/>
+                      </a:endParaRPr>
                     </a:p>
                   </a:txBody>
-                  <a:tcPr/>
+                  <a:tcPr marL="68580" marR="68580" marT="0" marB="0"/>
+                </a:tc>
+              </a:tr>
+              <a:tr h="628463">
+                <a:tc>
+                  <a:txBody>
+                    <a:bodyPr/>
+                    <a:lstStyle/>
+                    <a:p>
+                      <a:pPr marL="0" marR="0" algn="r">
+                        <a:spcBef>
+                          <a:spcPts val="0"/>
+                        </a:spcBef>
+                        <a:spcAft>
+                          <a:spcPts val="0"/>
+                        </a:spcAft>
+                      </a:pPr>
+                      <a:r>
+                        <a:rPr lang="en-US" sz="1100">
+                          <a:effectLst/>
+                        </a:rPr>
+                        <a:t>Usability</a:t>
+                      </a:r>
+                      <a:endParaRPr lang="en-US" sz="1100">
+                        <a:effectLst/>
+                        <a:latin typeface="Calibri" panose="020F0502020204030204" pitchFamily="34" charset="0"/>
+                        <a:ea typeface="Calibri" panose="020F0502020204030204" pitchFamily="34" charset="0"/>
+                        <a:cs typeface="Times New Roman" panose="02020603050405020304" pitchFamily="18" charset="0"/>
+                      </a:endParaRPr>
+                    </a:p>
+                  </a:txBody>
+                  <a:tcPr marL="68580" marR="68580" marT="0" marB="0"/>
+                </a:tc>
+                <a:tc>
+                  <a:txBody>
+                    <a:bodyPr/>
+                    <a:lstStyle/>
+                    <a:p>
+                      <a:pPr marL="0" marR="0">
+                        <a:spcBef>
+                          <a:spcPts val="0"/>
+                        </a:spcBef>
+                        <a:spcAft>
+                          <a:spcPts val="0"/>
+                        </a:spcAft>
+                      </a:pPr>
+                      <a:r>
+                        <a:rPr lang="en-US" sz="1100">
+                          <a:effectLst/>
+                        </a:rPr>
+                        <a:t>End user can start up and use device without a technician</a:t>
+                      </a:r>
+                      <a:endParaRPr lang="en-US" sz="1100">
+                        <a:effectLst/>
+                        <a:latin typeface="Calibri" panose="020F0502020204030204" pitchFamily="34" charset="0"/>
+                        <a:ea typeface="Calibri" panose="020F0502020204030204" pitchFamily="34" charset="0"/>
+                        <a:cs typeface="Times New Roman" panose="02020603050405020304" pitchFamily="18" charset="0"/>
+                      </a:endParaRPr>
+                    </a:p>
+                  </a:txBody>
+                  <a:tcPr marL="68580" marR="68580" marT="0" marB="0"/>
+                </a:tc>
+                <a:tc>
+                  <a:txBody>
+                    <a:bodyPr/>
+                    <a:lstStyle/>
+                    <a:p>
+                      <a:pPr marL="0" marR="0">
+                        <a:spcBef>
+                          <a:spcPts val="0"/>
+                        </a:spcBef>
+                        <a:spcAft>
+                          <a:spcPts val="0"/>
+                        </a:spcAft>
+                      </a:pPr>
+                      <a:r>
+                        <a:rPr lang="en-US" sz="1100" dirty="0">
+                          <a:effectLst/>
+                        </a:rPr>
+                        <a:t>A user unfamiliar with the device technical details must be able to power on the device, perform start-up procedures such as wireless connection, and load the desired application.</a:t>
+                      </a:r>
+                      <a:endParaRPr lang="en-US" sz="1100" dirty="0">
+                        <a:effectLst/>
+                        <a:latin typeface="Calibri" panose="020F0502020204030204" pitchFamily="34" charset="0"/>
+                        <a:ea typeface="Calibri" panose="020F0502020204030204" pitchFamily="34" charset="0"/>
+                        <a:cs typeface="Times New Roman" panose="02020603050405020304" pitchFamily="18" charset="0"/>
+                      </a:endParaRPr>
+                    </a:p>
+                  </a:txBody>
+                  <a:tcPr marL="68580" marR="68580" marT="0" marB="0"/>
                 </a:tc>
               </a:tr>
             </a:tbl>
@@ -11011,7 +12112,7 @@
   <a:extraClrSchemeLst/>
   <a:extLst>
     <a:ext uri="{05A4C25C-085E-4340-85A3-A5531E510DB2}">
-      <thm15:themeFamily xmlns="" xmlns:thm15="http://schemas.microsoft.com/office/thememl/2012/main" name="Office Theme" id="{62F939B6-93AF-4DB8-9C6B-D6C7DFDC589F}" vid="{4A3C46E8-61CC-4603-A589-7422A47A8E4A}"/>
+      <thm15:themeFamily xmlns:thm15="http://schemas.microsoft.com/office/thememl/2012/main" name="Office Theme" id="{62F939B6-93AF-4DB8-9C6B-D6C7DFDC589F}" vid="{4A3C46E8-61CC-4603-A589-7422A47A8E4A}"/>
     </a:ext>
   </a:extLst>
 </a:theme>

--- a/doc/AugRealityMidReview.pptx
+++ b/doc/AugRealityMidReview.pptx
@@ -6,7 +6,7 @@
     <p:sldMasterId id="2147483708" r:id="rId2"/>
   </p:sldMasterIdLst>
   <p:notesMasterIdLst>
-    <p:notesMasterId r:id="rId20"/>
+    <p:notesMasterId r:id="rId22"/>
   </p:notesMasterIdLst>
   <p:sldIdLst>
     <p:sldId id="256" r:id="rId3"/>
@@ -18,14 +18,16 @@
     <p:sldId id="269" r:id="rId9"/>
     <p:sldId id="280" r:id="rId10"/>
     <p:sldId id="281" r:id="rId11"/>
-    <p:sldId id="284" r:id="rId12"/>
-    <p:sldId id="279" r:id="rId13"/>
-    <p:sldId id="270" r:id="rId14"/>
-    <p:sldId id="271" r:id="rId15"/>
-    <p:sldId id="282" r:id="rId16"/>
-    <p:sldId id="283" r:id="rId17"/>
-    <p:sldId id="274" r:id="rId18"/>
-    <p:sldId id="267" r:id="rId19"/>
+    <p:sldId id="279" r:id="rId12"/>
+    <p:sldId id="270" r:id="rId13"/>
+    <p:sldId id="286" r:id="rId14"/>
+    <p:sldId id="285" r:id="rId15"/>
+    <p:sldId id="271" r:id="rId16"/>
+    <p:sldId id="284" r:id="rId17"/>
+    <p:sldId id="282" r:id="rId18"/>
+    <p:sldId id="283" r:id="rId19"/>
+    <p:sldId id="274" r:id="rId20"/>
+    <p:sldId id="267" r:id="rId21"/>
   </p:sldIdLst>
   <p:sldSz cx="9144000" cy="6858000" type="screen4x3"/>
   <p:notesSz cx="6858000" cy="9144000"/>
@@ -126,7 +128,7 @@
   </p:defaultTextStyle>
   <p:extLst>
     <p:ext uri="{EFAFB233-063F-42B5-8137-9DF3F51BA10A}">
-      <p15:sldGuideLst xmlns:p15="http://schemas.microsoft.com/office/powerpoint/2012/main">
+      <p15:sldGuideLst xmlns:p15="http://schemas.microsoft.com/office/powerpoint/2012/main" xmlns="">
         <p15:guide id="1" orient="horz" pos="2160">
           <p15:clr>
             <a:srgbClr val="A4A3A4"/>
@@ -7860,723 +7862,122 @@
           <a:chExt cx="0" cy="0"/>
         </a:xfrm>
       </p:grpSpPr>
-      <p:graphicFrame>
-        <p:nvGraphicFramePr>
-          <p:cNvPr id="6" name="Content Placeholder 5"/>
-          <p:cNvGraphicFramePr>
-            <a:graphicFrameLocks noGrp="1"/>
-          </p:cNvGraphicFramePr>
+      <p:sp>
+        <p:nvSpPr>
+          <p:cNvPr id="2" name="Content Placeholder 1"/>
+          <p:cNvSpPr>
+            <a:spLocks noGrp="1"/>
+          </p:cNvSpPr>
           <p:nvPr>
             <p:ph idx="1"/>
-            <p:extLst>
-              <p:ext uri="{D42A27DB-BD31-4B8C-83A1-F6EECF244321}">
-                <p14:modId xmlns:p14="http://schemas.microsoft.com/office/powerpoint/2010/main" val="346593744"/>
-              </p:ext>
-            </p:extLst>
-          </p:nvPr>
-        </p:nvGraphicFramePr>
-        <p:xfrm>
-          <a:off x="152400" y="1371600"/>
-          <a:ext cx="8839200" cy="5334001"/>
-        </p:xfrm>
-        <a:graphic>
-          <a:graphicData uri="http://schemas.openxmlformats.org/drawingml/2006/table">
-            <a:tbl>
-              <a:tblPr firstRow="1" firstCol="1" bandRow="1">
-                <a:tableStyleId>{5C22544A-7EE6-4342-B048-85BDC9FD1C3A}</a:tableStyleId>
-              </a:tblPr>
-              <a:tblGrid>
-                <a:gridCol w="1579996"/>
-                <a:gridCol w="1399174"/>
-                <a:gridCol w="5860030"/>
-              </a:tblGrid>
-              <a:tr h="242455">
-                <a:tc>
-                  <a:txBody>
-                    <a:bodyPr/>
-                    <a:lstStyle/>
-                    <a:p>
-                      <a:pPr marL="0" marR="0" algn="ctr">
-                        <a:spcBef>
-                          <a:spcPts val="0"/>
-                        </a:spcBef>
-                        <a:spcAft>
-                          <a:spcPts val="0"/>
-                        </a:spcAft>
-                      </a:pPr>
-                      <a:r>
-                        <a:rPr lang="en-US" sz="1100">
-                          <a:effectLst/>
-                        </a:rPr>
-                        <a:t>Metric</a:t>
-                      </a:r>
-                      <a:endParaRPr lang="en-US" sz="1100">
-                        <a:effectLst/>
-                        <a:latin typeface="Calibri" panose="020F0502020204030204" pitchFamily="34" charset="0"/>
-                        <a:ea typeface="Calibri" panose="020F0502020204030204" pitchFamily="34" charset="0"/>
-                        <a:cs typeface="Times New Roman" panose="02020603050405020304" pitchFamily="18" charset="0"/>
-                      </a:endParaRPr>
-                    </a:p>
-                  </a:txBody>
-                  <a:tcPr marL="68580" marR="68580" marT="0" marB="0"/>
-                </a:tc>
-                <a:tc>
-                  <a:txBody>
-                    <a:bodyPr/>
-                    <a:lstStyle/>
-                    <a:p>
-                      <a:pPr marL="0" marR="0" algn="ctr">
-                        <a:spcBef>
-                          <a:spcPts val="0"/>
-                        </a:spcBef>
-                        <a:spcAft>
-                          <a:spcPts val="0"/>
-                        </a:spcAft>
-                      </a:pPr>
-                      <a:r>
-                        <a:rPr lang="en-US" sz="1100">
-                          <a:effectLst/>
-                        </a:rPr>
-                        <a:t>Target</a:t>
-                      </a:r>
-                      <a:endParaRPr lang="en-US" sz="1100">
-                        <a:effectLst/>
-                        <a:latin typeface="Calibri" panose="020F0502020204030204" pitchFamily="34" charset="0"/>
-                        <a:ea typeface="Calibri" panose="020F0502020204030204" pitchFamily="34" charset="0"/>
-                        <a:cs typeface="Times New Roman" panose="02020603050405020304" pitchFamily="18" charset="0"/>
-                      </a:endParaRPr>
-                    </a:p>
-                  </a:txBody>
-                  <a:tcPr marL="68580" marR="68580" marT="0" marB="0"/>
-                </a:tc>
-                <a:tc>
-                  <a:txBody>
-                    <a:bodyPr/>
-                    <a:lstStyle/>
-                    <a:p>
-                      <a:pPr marL="0" marR="0" algn="ctr">
-                        <a:spcBef>
-                          <a:spcPts val="0"/>
-                        </a:spcBef>
-                        <a:spcAft>
-                          <a:spcPts val="0"/>
-                        </a:spcAft>
-                      </a:pPr>
-                      <a:r>
-                        <a:rPr lang="en-US" sz="1100">
-                          <a:effectLst/>
-                        </a:rPr>
-                        <a:t>Description</a:t>
-                      </a:r>
-                      <a:endParaRPr lang="en-US" sz="1100">
-                        <a:effectLst/>
-                        <a:latin typeface="Calibri" panose="020F0502020204030204" pitchFamily="34" charset="0"/>
-                        <a:ea typeface="Calibri" panose="020F0502020204030204" pitchFamily="34" charset="0"/>
-                        <a:cs typeface="Times New Roman" panose="02020603050405020304" pitchFamily="18" charset="0"/>
-                      </a:endParaRPr>
-                    </a:p>
-                  </a:txBody>
-                  <a:tcPr marL="68580" marR="68580" marT="0" marB="0"/>
-                </a:tc>
-              </a:tr>
-              <a:tr h="727364">
-                <a:tc>
-                  <a:txBody>
-                    <a:bodyPr/>
-                    <a:lstStyle/>
-                    <a:p>
-                      <a:pPr marL="0" marR="0" algn="ctr">
-                        <a:spcBef>
-                          <a:spcPts val="0"/>
-                        </a:spcBef>
-                        <a:spcAft>
-                          <a:spcPts val="0"/>
-                        </a:spcAft>
-                      </a:pPr>
-                      <a:r>
-                        <a:rPr lang="en-US" sz="1100">
-                          <a:effectLst/>
-                        </a:rPr>
-                        <a:t>3D Graphics</a:t>
-                      </a:r>
-                      <a:endParaRPr lang="en-US" sz="1100">
-                        <a:effectLst/>
-                        <a:latin typeface="Calibri" panose="020F0502020204030204" pitchFamily="34" charset="0"/>
-                        <a:ea typeface="Calibri" panose="020F0502020204030204" pitchFamily="34" charset="0"/>
-                        <a:cs typeface="Times New Roman" panose="02020603050405020304" pitchFamily="18" charset="0"/>
-                      </a:endParaRPr>
-                    </a:p>
-                  </a:txBody>
-                  <a:tcPr marL="68580" marR="68580" marT="0" marB="0"/>
-                </a:tc>
-                <a:tc>
-                  <a:txBody>
-                    <a:bodyPr/>
-                    <a:lstStyle/>
-                    <a:p>
-                      <a:pPr marL="0" marR="0">
-                        <a:spcBef>
-                          <a:spcPts val="0"/>
-                        </a:spcBef>
-                        <a:spcAft>
-                          <a:spcPts val="0"/>
-                        </a:spcAft>
-                      </a:pPr>
-                      <a:r>
-                        <a:rPr lang="en-US" sz="1100">
-                          <a:effectLst/>
-                        </a:rPr>
-                        <a:t>Minimum 5000 polygon count</a:t>
-                      </a:r>
-                      <a:endParaRPr lang="en-US" sz="1100">
-                        <a:effectLst/>
-                        <a:latin typeface="Calibri" panose="020F0502020204030204" pitchFamily="34" charset="0"/>
-                        <a:ea typeface="Calibri" panose="020F0502020204030204" pitchFamily="34" charset="0"/>
-                        <a:cs typeface="Times New Roman" panose="02020603050405020304" pitchFamily="18" charset="0"/>
-                      </a:endParaRPr>
-                    </a:p>
-                  </a:txBody>
-                  <a:tcPr marL="68580" marR="68580" marT="0" marB="0"/>
-                </a:tc>
-                <a:tc>
-                  <a:txBody>
-                    <a:bodyPr/>
-                    <a:lstStyle/>
-                    <a:p>
-                      <a:pPr marL="0" marR="0">
-                        <a:spcBef>
-                          <a:spcPts val="0"/>
-                        </a:spcBef>
-                        <a:spcAft>
-                          <a:spcPts val="0"/>
-                        </a:spcAft>
-                      </a:pPr>
-                      <a:r>
-                        <a:rPr lang="en-US" sz="1100">
-                          <a:effectLst/>
-                        </a:rPr>
-                        <a:t>The user will expect to see a good 3d image. Phase 2 offers opportunities to increase graphical performance.</a:t>
-                      </a:r>
-                      <a:endParaRPr lang="en-US" sz="1100">
-                        <a:effectLst/>
-                        <a:latin typeface="Calibri" panose="020F0502020204030204" pitchFamily="34" charset="0"/>
-                        <a:ea typeface="Calibri" panose="020F0502020204030204" pitchFamily="34" charset="0"/>
-                        <a:cs typeface="Times New Roman" panose="02020603050405020304" pitchFamily="18" charset="0"/>
-                      </a:endParaRPr>
-                    </a:p>
-                  </a:txBody>
-                  <a:tcPr marL="68580" marR="68580" marT="0" marB="0"/>
-                </a:tc>
-              </a:tr>
-              <a:tr h="727364">
-                <a:tc>
-                  <a:txBody>
-                    <a:bodyPr/>
-                    <a:lstStyle/>
-                    <a:p>
-                      <a:pPr marL="0" marR="0" algn="r">
-                        <a:spcBef>
-                          <a:spcPts val="0"/>
-                        </a:spcBef>
-                        <a:spcAft>
-                          <a:spcPts val="0"/>
-                        </a:spcAft>
-                      </a:pPr>
-                      <a:r>
-                        <a:rPr lang="en-US" sz="1100">
-                          <a:effectLst/>
-                        </a:rPr>
-                        <a:t>Graphics</a:t>
-                      </a:r>
-                      <a:endParaRPr lang="en-US" sz="1100">
-                        <a:effectLst/>
-                        <a:latin typeface="Calibri" panose="020F0502020204030204" pitchFamily="34" charset="0"/>
-                        <a:ea typeface="Calibri" panose="020F0502020204030204" pitchFamily="34" charset="0"/>
-                        <a:cs typeface="Times New Roman" panose="02020603050405020304" pitchFamily="18" charset="0"/>
-                      </a:endParaRPr>
-                    </a:p>
-                  </a:txBody>
-                  <a:tcPr marL="68580" marR="68580" marT="0" marB="0"/>
-                </a:tc>
-                <a:tc>
-                  <a:txBody>
-                    <a:bodyPr/>
-                    <a:lstStyle/>
-                    <a:p>
-                      <a:pPr marL="0" marR="0">
-                        <a:spcBef>
-                          <a:spcPts val="0"/>
-                        </a:spcBef>
-                        <a:spcAft>
-                          <a:spcPts val="0"/>
-                        </a:spcAft>
-                      </a:pPr>
-                      <a:r>
-                        <a:rPr lang="en-US" sz="1100">
-                          <a:effectLst/>
-                        </a:rPr>
-                        <a:t>Minimum 20 Hz update rate</a:t>
-                      </a:r>
-                      <a:endParaRPr lang="en-US" sz="1100">
-                        <a:effectLst/>
-                        <a:latin typeface="Calibri" panose="020F0502020204030204" pitchFamily="34" charset="0"/>
-                        <a:ea typeface="Calibri" panose="020F0502020204030204" pitchFamily="34" charset="0"/>
-                        <a:cs typeface="Times New Roman" panose="02020603050405020304" pitchFamily="18" charset="0"/>
-                      </a:endParaRPr>
-                    </a:p>
-                  </a:txBody>
-                  <a:tcPr marL="68580" marR="68580" marT="0" marB="0"/>
-                </a:tc>
-                <a:tc>
-                  <a:txBody>
-                    <a:bodyPr/>
-                    <a:lstStyle/>
-                    <a:p>
-                      <a:pPr marL="0" marR="0">
-                        <a:spcBef>
-                          <a:spcPts val="0"/>
-                        </a:spcBef>
-                        <a:spcAft>
-                          <a:spcPts val="0"/>
-                        </a:spcAft>
-                      </a:pPr>
-                      <a:r>
-                        <a:rPr lang="en-US" sz="1100">
-                          <a:effectLst/>
-                        </a:rPr>
-                        <a:t>We will need to render ghosts and the maze walls in real time according to the user’s geospatial location and their head orientation.</a:t>
-                      </a:r>
-                      <a:endParaRPr lang="en-US" sz="1100">
-                        <a:effectLst/>
-                        <a:latin typeface="Calibri" panose="020F0502020204030204" pitchFamily="34" charset="0"/>
-                        <a:ea typeface="Calibri" panose="020F0502020204030204" pitchFamily="34" charset="0"/>
-                        <a:cs typeface="Times New Roman" panose="02020603050405020304" pitchFamily="18" charset="0"/>
-                      </a:endParaRPr>
-                    </a:p>
-                  </a:txBody>
-                  <a:tcPr marL="68580" marR="68580" marT="0" marB="0"/>
-                </a:tc>
-              </a:tr>
-              <a:tr h="969818">
-                <a:tc>
-                  <a:txBody>
-                    <a:bodyPr/>
-                    <a:lstStyle/>
-                    <a:p>
-                      <a:pPr marL="0" marR="0" algn="r">
-                        <a:spcBef>
-                          <a:spcPts val="0"/>
-                        </a:spcBef>
-                        <a:spcAft>
-                          <a:spcPts val="0"/>
-                        </a:spcAft>
-                      </a:pPr>
-                      <a:r>
-                        <a:rPr lang="en-US" sz="1100">
-                          <a:effectLst/>
-                        </a:rPr>
-                        <a:t>Collision Detection</a:t>
-                      </a:r>
-                      <a:endParaRPr lang="en-US" sz="1100">
-                        <a:effectLst/>
-                        <a:latin typeface="Calibri" panose="020F0502020204030204" pitchFamily="34" charset="0"/>
-                        <a:ea typeface="Calibri" panose="020F0502020204030204" pitchFamily="34" charset="0"/>
-                        <a:cs typeface="Times New Roman" panose="02020603050405020304" pitchFamily="18" charset="0"/>
-                      </a:endParaRPr>
-                    </a:p>
-                  </a:txBody>
-                  <a:tcPr marL="68580" marR="68580" marT="0" marB="0"/>
-                </a:tc>
-                <a:tc>
-                  <a:txBody>
-                    <a:bodyPr/>
-                    <a:lstStyle/>
-                    <a:p>
-                      <a:pPr marL="0" marR="0">
-                        <a:spcBef>
-                          <a:spcPts val="0"/>
-                        </a:spcBef>
-                        <a:spcAft>
-                          <a:spcPts val="0"/>
-                        </a:spcAft>
-                      </a:pPr>
-                      <a:r>
-                        <a:rPr lang="en-US" sz="1100">
-                          <a:effectLst/>
-                        </a:rPr>
-                        <a:t>Minimum 2 meter accuracy and precision</a:t>
-                      </a:r>
-                      <a:endParaRPr lang="en-US" sz="1100">
-                        <a:effectLst/>
-                        <a:latin typeface="Calibri" panose="020F0502020204030204" pitchFamily="34" charset="0"/>
-                        <a:ea typeface="Calibri" panose="020F0502020204030204" pitchFamily="34" charset="0"/>
-                        <a:cs typeface="Times New Roman" panose="02020603050405020304" pitchFamily="18" charset="0"/>
-                      </a:endParaRPr>
-                    </a:p>
-                  </a:txBody>
-                  <a:tcPr marL="68580" marR="68580" marT="0" marB="0"/>
-                </a:tc>
-                <a:tc>
-                  <a:txBody>
-                    <a:bodyPr/>
-                    <a:lstStyle/>
-                    <a:p>
-                      <a:pPr marL="0" marR="0">
-                        <a:spcBef>
-                          <a:spcPts val="0"/>
-                        </a:spcBef>
-                        <a:spcAft>
-                          <a:spcPts val="0"/>
-                        </a:spcAft>
-                      </a:pPr>
-                      <a:r>
-                        <a:rPr lang="en-US" sz="1100">
-                          <a:effectLst/>
-                        </a:rPr>
-                        <a:t>The ability of the software to detect collision detection will be affected by the accuracy of the GPS. The minimum required to be meaningful cannot exceed a couple of meters. This means ghosts could be 2 m</a:t>
-                      </a:r>
-                      <a:r>
-                        <a:rPr lang="en-US" sz="1100" baseline="30000">
-                          <a:effectLst/>
-                        </a:rPr>
-                        <a:t>2</a:t>
-                      </a:r>
-                      <a:r>
-                        <a:rPr lang="en-US" sz="1100">
-                          <a:effectLst/>
-                        </a:rPr>
-                        <a:t> to account for accuracy of GPS.</a:t>
-                      </a:r>
-                      <a:endParaRPr lang="en-US" sz="1100">
-                        <a:effectLst/>
-                        <a:latin typeface="Calibri" panose="020F0502020204030204" pitchFamily="34" charset="0"/>
-                        <a:ea typeface="Calibri" panose="020F0502020204030204" pitchFamily="34" charset="0"/>
-                        <a:cs typeface="Times New Roman" panose="02020603050405020304" pitchFamily="18" charset="0"/>
-                      </a:endParaRPr>
-                    </a:p>
-                  </a:txBody>
-                  <a:tcPr marL="68580" marR="68580" marT="0" marB="0"/>
-                </a:tc>
-              </a:tr>
-              <a:tr h="969818">
-                <a:tc>
-                  <a:txBody>
-                    <a:bodyPr/>
-                    <a:lstStyle/>
-                    <a:p>
-                      <a:pPr marL="0" marR="0" algn="r">
-                        <a:spcBef>
-                          <a:spcPts val="0"/>
-                        </a:spcBef>
-                        <a:spcAft>
-                          <a:spcPts val="0"/>
-                        </a:spcAft>
-                      </a:pPr>
-                      <a:r>
-                        <a:rPr lang="en-US" sz="1100">
-                          <a:effectLst/>
-                        </a:rPr>
-                        <a:t>Network </a:t>
-                      </a:r>
-                    </a:p>
-                    <a:p>
-                      <a:pPr marL="0" marR="0" algn="r">
-                        <a:spcBef>
-                          <a:spcPts val="0"/>
-                        </a:spcBef>
-                        <a:spcAft>
-                          <a:spcPts val="0"/>
-                        </a:spcAft>
-                      </a:pPr>
-                      <a:r>
-                        <a:rPr lang="en-US" sz="1100">
-                          <a:effectLst/>
-                        </a:rPr>
-                        <a:t>User Position Update Rate </a:t>
-                      </a:r>
-                      <a:endParaRPr lang="en-US" sz="1100">
-                        <a:effectLst/>
-                        <a:latin typeface="Calibri" panose="020F0502020204030204" pitchFamily="34" charset="0"/>
-                        <a:ea typeface="Calibri" panose="020F0502020204030204" pitchFamily="34" charset="0"/>
-                        <a:cs typeface="Times New Roman" panose="02020603050405020304" pitchFamily="18" charset="0"/>
-                      </a:endParaRPr>
-                    </a:p>
-                  </a:txBody>
-                  <a:tcPr marL="68580" marR="68580" marT="0" marB="0"/>
-                </a:tc>
-                <a:tc>
-                  <a:txBody>
-                    <a:bodyPr/>
-                    <a:lstStyle/>
-                    <a:p>
-                      <a:pPr marL="0" marR="0">
-                        <a:spcBef>
-                          <a:spcPts val="0"/>
-                        </a:spcBef>
-                        <a:spcAft>
-                          <a:spcPts val="0"/>
-                        </a:spcAft>
-                      </a:pPr>
-                      <a:r>
-                        <a:rPr lang="en-US" sz="1100">
-                          <a:effectLst/>
-                        </a:rPr>
-                        <a:t>Minimum of 20Hz (50ms).</a:t>
-                      </a:r>
-                      <a:endParaRPr lang="en-US" sz="1100">
-                        <a:effectLst/>
-                        <a:latin typeface="Calibri" panose="020F0502020204030204" pitchFamily="34" charset="0"/>
-                        <a:ea typeface="Calibri" panose="020F0502020204030204" pitchFamily="34" charset="0"/>
-                        <a:cs typeface="Times New Roman" panose="02020603050405020304" pitchFamily="18" charset="0"/>
-                      </a:endParaRPr>
-                    </a:p>
-                  </a:txBody>
-                  <a:tcPr marL="68580" marR="68580" marT="0" marB="0"/>
-                </a:tc>
-                <a:tc>
-                  <a:txBody>
-                    <a:bodyPr/>
-                    <a:lstStyle/>
-                    <a:p>
-                      <a:pPr marL="0" marR="0">
-                        <a:spcBef>
-                          <a:spcPts val="0"/>
-                        </a:spcBef>
-                        <a:spcAft>
-                          <a:spcPts val="0"/>
-                        </a:spcAft>
-                      </a:pPr>
-                      <a:r>
-                        <a:rPr lang="en-US" sz="1100">
-                          <a:effectLst/>
-                        </a:rPr>
-                        <a:t>The position and orientation of each headset will need to be communicated wirelessly at least every 50ms to keep up with the GPS and provide meaningful feedback about collisions to each headset.</a:t>
-                      </a:r>
-                      <a:endParaRPr lang="en-US" sz="1100">
-                        <a:effectLst/>
-                        <a:latin typeface="Calibri" panose="020F0502020204030204" pitchFamily="34" charset="0"/>
-                        <a:ea typeface="Calibri" panose="020F0502020204030204" pitchFamily="34" charset="0"/>
-                        <a:cs typeface="Times New Roman" panose="02020603050405020304" pitchFamily="18" charset="0"/>
-                      </a:endParaRPr>
-                    </a:p>
-                  </a:txBody>
-                  <a:tcPr marL="68580" marR="68580" marT="0" marB="0"/>
-                </a:tc>
-              </a:tr>
-              <a:tr h="727364">
-                <a:tc>
-                  <a:txBody>
-                    <a:bodyPr/>
-                    <a:lstStyle/>
-                    <a:p>
-                      <a:pPr marL="0" marR="0" algn="r">
-                        <a:spcBef>
-                          <a:spcPts val="0"/>
-                        </a:spcBef>
-                        <a:spcAft>
-                          <a:spcPts val="0"/>
-                        </a:spcAft>
-                      </a:pPr>
-                      <a:r>
-                        <a:rPr lang="en-US" sz="1100">
-                          <a:effectLst/>
-                        </a:rPr>
-                        <a:t>Network</a:t>
-                      </a:r>
-                    </a:p>
-                    <a:p>
-                      <a:pPr marL="0" marR="0" algn="r">
-                        <a:spcBef>
-                          <a:spcPts val="0"/>
-                        </a:spcBef>
-                        <a:spcAft>
-                          <a:spcPts val="0"/>
-                        </a:spcAft>
-                      </a:pPr>
-                      <a:r>
-                        <a:rPr lang="en-US" sz="1100">
-                          <a:effectLst/>
-                        </a:rPr>
-                        <a:t>Graphic Position Update Rate </a:t>
-                      </a:r>
-                      <a:endParaRPr lang="en-US" sz="1100">
-                        <a:effectLst/>
-                        <a:latin typeface="Calibri" panose="020F0502020204030204" pitchFamily="34" charset="0"/>
-                        <a:ea typeface="Calibri" panose="020F0502020204030204" pitchFamily="34" charset="0"/>
-                        <a:cs typeface="Times New Roman" panose="02020603050405020304" pitchFamily="18" charset="0"/>
-                      </a:endParaRPr>
-                    </a:p>
-                  </a:txBody>
-                  <a:tcPr marL="68580" marR="68580" marT="0" marB="0"/>
-                </a:tc>
-                <a:tc>
-                  <a:txBody>
-                    <a:bodyPr/>
-                    <a:lstStyle/>
-                    <a:p>
-                      <a:pPr marL="0" marR="0">
-                        <a:spcBef>
-                          <a:spcPts val="0"/>
-                        </a:spcBef>
-                        <a:spcAft>
-                          <a:spcPts val="0"/>
-                        </a:spcAft>
-                      </a:pPr>
-                      <a:r>
-                        <a:rPr lang="en-US" sz="1100">
-                          <a:effectLst/>
-                        </a:rPr>
-                        <a:t>Minimum of 20Hz</a:t>
-                      </a:r>
-                    </a:p>
-                    <a:p>
-                      <a:pPr marL="0" marR="0">
-                        <a:spcBef>
-                          <a:spcPts val="0"/>
-                        </a:spcBef>
-                        <a:spcAft>
-                          <a:spcPts val="0"/>
-                        </a:spcAft>
-                      </a:pPr>
-                      <a:r>
-                        <a:rPr lang="en-US" sz="1100">
-                          <a:effectLst/>
-                        </a:rPr>
-                        <a:t>(50ms)</a:t>
-                      </a:r>
-                      <a:endParaRPr lang="en-US" sz="1100">
-                        <a:effectLst/>
-                        <a:latin typeface="Calibri" panose="020F0502020204030204" pitchFamily="34" charset="0"/>
-                        <a:ea typeface="Calibri" panose="020F0502020204030204" pitchFamily="34" charset="0"/>
-                        <a:cs typeface="Times New Roman" panose="02020603050405020304" pitchFamily="18" charset="0"/>
-                      </a:endParaRPr>
-                    </a:p>
-                  </a:txBody>
-                  <a:tcPr marL="68580" marR="68580" marT="0" marB="0"/>
-                </a:tc>
-                <a:tc>
-                  <a:txBody>
-                    <a:bodyPr/>
-                    <a:lstStyle/>
-                    <a:p>
-                      <a:pPr marL="0" marR="0">
-                        <a:spcBef>
-                          <a:spcPts val="0"/>
-                        </a:spcBef>
-                        <a:spcAft>
-                          <a:spcPts val="0"/>
-                        </a:spcAft>
-                      </a:pPr>
-                      <a:r>
-                        <a:rPr lang="en-US" sz="1100">
-                          <a:effectLst/>
-                        </a:rPr>
-                        <a:t>The position information about positions of ghosts and other virtual objects needs to be updated in a timely manner and should at least be as fast as the update rate of the player’s position.</a:t>
-                      </a:r>
-                      <a:endParaRPr lang="en-US" sz="1100">
-                        <a:effectLst/>
-                        <a:latin typeface="Calibri" panose="020F0502020204030204" pitchFamily="34" charset="0"/>
-                        <a:ea typeface="Calibri" panose="020F0502020204030204" pitchFamily="34" charset="0"/>
-                        <a:cs typeface="Times New Roman" panose="02020603050405020304" pitchFamily="18" charset="0"/>
-                      </a:endParaRPr>
-                    </a:p>
-                  </a:txBody>
-                  <a:tcPr marL="68580" marR="68580" marT="0" marB="0"/>
-                </a:tc>
-              </a:tr>
-              <a:tr h="969818">
-                <a:tc>
-                  <a:txBody>
-                    <a:bodyPr/>
-                    <a:lstStyle/>
-                    <a:p>
-                      <a:pPr marL="0" marR="0" algn="r">
-                        <a:spcBef>
-                          <a:spcPts val="0"/>
-                        </a:spcBef>
-                        <a:spcAft>
-                          <a:spcPts val="0"/>
-                        </a:spcAft>
-                      </a:pPr>
-                      <a:r>
-                        <a:rPr lang="en-US" sz="1100">
-                          <a:effectLst/>
-                        </a:rPr>
-                        <a:t>User Interface Usability</a:t>
-                      </a:r>
-                      <a:endParaRPr lang="en-US" sz="1100">
-                        <a:effectLst/>
-                        <a:latin typeface="Calibri" panose="020F0502020204030204" pitchFamily="34" charset="0"/>
-                        <a:ea typeface="Calibri" panose="020F0502020204030204" pitchFamily="34" charset="0"/>
-                        <a:cs typeface="Times New Roman" panose="02020603050405020304" pitchFamily="18" charset="0"/>
-                      </a:endParaRPr>
-                    </a:p>
-                  </a:txBody>
-                  <a:tcPr marL="68580" marR="68580" marT="0" marB="0"/>
-                </a:tc>
-                <a:tc>
-                  <a:txBody>
-                    <a:bodyPr/>
-                    <a:lstStyle/>
-                    <a:p>
-                      <a:pPr marL="0" marR="0">
-                        <a:spcBef>
-                          <a:spcPts val="0"/>
-                        </a:spcBef>
-                        <a:spcAft>
-                          <a:spcPts val="0"/>
-                        </a:spcAft>
-                      </a:pPr>
-                      <a:r>
-                        <a:rPr lang="en-US" sz="1100">
-                          <a:effectLst/>
-                        </a:rPr>
-                        <a:t>End user can navigate the user interface intuitively.</a:t>
-                      </a:r>
-                      <a:endParaRPr lang="en-US" sz="1100">
-                        <a:effectLst/>
-                        <a:latin typeface="Calibri" panose="020F0502020204030204" pitchFamily="34" charset="0"/>
-                        <a:ea typeface="Calibri" panose="020F0502020204030204" pitchFamily="34" charset="0"/>
-                        <a:cs typeface="Times New Roman" panose="02020603050405020304" pitchFamily="18" charset="0"/>
-                      </a:endParaRPr>
-                    </a:p>
-                  </a:txBody>
-                  <a:tcPr marL="68580" marR="68580" marT="0" marB="0"/>
-                </a:tc>
-                <a:tc>
-                  <a:txBody>
-                    <a:bodyPr/>
-                    <a:lstStyle/>
-                    <a:p>
-                      <a:pPr marL="0" marR="0">
-                        <a:spcBef>
-                          <a:spcPts val="0"/>
-                        </a:spcBef>
-                        <a:spcAft>
-                          <a:spcPts val="0"/>
-                        </a:spcAft>
-                      </a:pPr>
-                      <a:r>
-                        <a:rPr lang="en-US" sz="1100" dirty="0">
-                          <a:effectLst/>
-                        </a:rPr>
-                        <a:t>A user unfamiliar with the operation of the software should be able to figure it out with minimal references to the user manual. For phase 1 this will be displayed from the control unit. In phase 2 the user interface will migrate to the headset’s display.</a:t>
-                      </a:r>
-                      <a:endParaRPr lang="en-US" sz="1100" dirty="0">
-                        <a:effectLst/>
-                        <a:latin typeface="Calibri" panose="020F0502020204030204" pitchFamily="34" charset="0"/>
-                        <a:ea typeface="Calibri" panose="020F0502020204030204" pitchFamily="34" charset="0"/>
-                        <a:cs typeface="Times New Roman" panose="02020603050405020304" pitchFamily="18" charset="0"/>
-                      </a:endParaRPr>
-                    </a:p>
-                  </a:txBody>
-                  <a:tcPr marL="68580" marR="68580" marT="0" marB="0"/>
-                </a:tc>
-              </a:tr>
-            </a:tbl>
-          </a:graphicData>
-        </a:graphic>
-      </p:graphicFrame>
+          </p:nvPr>
+        </p:nvSpPr>
+        <p:spPr/>
+        <p:txBody>
+          <a:bodyPr>
+            <a:normAutofit/>
+          </a:bodyPr>
+          <a:lstStyle/>
+          <a:p>
+            <a:r>
+              <a:rPr lang="en-US" sz="2400" dirty="0" smtClean="0"/>
+              <a:t>Power consumption testing</a:t>
+            </a:r>
+          </a:p>
+          <a:p>
+            <a:pPr lvl="1"/>
+            <a:r>
+              <a:rPr lang="en-US" sz="2000" dirty="0" smtClean="0"/>
+              <a:t>Provided </a:t>
+            </a:r>
+            <a:r>
+              <a:rPr lang="en-US" sz="2000" dirty="0" err="1" smtClean="0"/>
+              <a:t>Terasic</a:t>
+            </a:r>
+            <a:r>
+              <a:rPr lang="en-US" sz="2000" dirty="0" smtClean="0"/>
+              <a:t> board uses 1.2 A typical (14.4 W)</a:t>
+            </a:r>
+          </a:p>
+          <a:p>
+            <a:pPr lvl="1"/>
+            <a:r>
+              <a:rPr lang="en-US" sz="2000" dirty="0" smtClean="0"/>
+              <a:t>Acceptable battery life with 60 </a:t>
+            </a:r>
+            <a:r>
+              <a:rPr lang="en-US" sz="2000" dirty="0" err="1" smtClean="0"/>
+              <a:t>Whr</a:t>
+            </a:r>
+            <a:r>
+              <a:rPr lang="en-US" sz="2000" dirty="0" smtClean="0"/>
+              <a:t> capacity</a:t>
+            </a:r>
+          </a:p>
+          <a:p>
+            <a:r>
+              <a:rPr lang="en-US" sz="2400" dirty="0" smtClean="0"/>
+              <a:t>Hardware design for Phase 2</a:t>
+            </a:r>
+          </a:p>
+          <a:p>
+            <a:pPr lvl="1"/>
+            <a:r>
+              <a:rPr lang="en-US" sz="2000" dirty="0" smtClean="0"/>
+              <a:t>Power supply design</a:t>
+            </a:r>
+          </a:p>
+          <a:p>
+            <a:pPr lvl="2"/>
+            <a:r>
+              <a:rPr lang="en-US" dirty="0" smtClean="0"/>
+              <a:t>Battery and regulator selection</a:t>
+            </a:r>
+          </a:p>
+          <a:p>
+            <a:pPr lvl="1"/>
+            <a:r>
+              <a:rPr lang="en-US" sz="2000" dirty="0" smtClean="0"/>
+              <a:t>Headset interfacing board</a:t>
+            </a:r>
+          </a:p>
+          <a:p>
+            <a:pPr lvl="2"/>
+            <a:r>
+              <a:rPr lang="en-US" dirty="0" smtClean="0"/>
+              <a:t>Re-use GPS, inertial measurement unit, microcontroller</a:t>
+            </a:r>
+          </a:p>
+          <a:p>
+            <a:r>
+              <a:rPr lang="en-US" sz="2400" dirty="0" smtClean="0"/>
+              <a:t>Packaging</a:t>
+            </a:r>
+          </a:p>
+          <a:p>
+            <a:pPr lvl="1"/>
+            <a:r>
+              <a:rPr lang="en-US" sz="2000" dirty="0" smtClean="0"/>
+              <a:t>Re-use optics</a:t>
+            </a:r>
+          </a:p>
+          <a:p>
+            <a:pPr lvl="1"/>
+            <a:r>
+              <a:rPr lang="en-US" sz="2000" dirty="0" smtClean="0"/>
+              <a:t>Selected new display</a:t>
+            </a:r>
+          </a:p>
+          <a:p>
+            <a:pPr lvl="1"/>
+            <a:r>
+              <a:rPr lang="en-US" sz="2000" dirty="0" smtClean="0"/>
+              <a:t>Selected helmet and backpack</a:t>
+            </a:r>
+            <a:endParaRPr lang="en-US" sz="2000" dirty="0"/>
+          </a:p>
+        </p:txBody>
+      </p:sp>
       <p:sp>
         <p:nvSpPr>
           <p:cNvPr id="3" name="Title 2"/>
@@ -8594,7 +7995,67 @@
           <a:p>
             <a:r>
               <a:rPr lang="en-US" dirty="0" smtClean="0"/>
-              <a:t>Software metrics</a:t>
+              <a:t>Accomplishments To Date (PHA2)</a:t>
+            </a:r>
+            <a:endParaRPr lang="en-US" dirty="0"/>
+          </a:p>
+        </p:txBody>
+      </p:sp>
+      <p:sp>
+        <p:nvSpPr>
+          <p:cNvPr id="4" name="TextBox 3"/>
+          <p:cNvSpPr txBox="1"/>
+          <p:nvPr/>
+        </p:nvSpPr>
+        <p:spPr>
+          <a:xfrm>
+            <a:off x="6324600" y="2751307"/>
+            <a:ext cx="2633798" cy="369332"/>
+          </a:xfrm>
+          <a:prstGeom prst="rect">
+            <a:avLst/>
+          </a:prstGeom>
+          <a:noFill/>
+        </p:spPr>
+        <p:txBody>
+          <a:bodyPr wrap="none" rtlCol="0">
+            <a:spAutoFit/>
+          </a:bodyPr>
+          <a:lstStyle/>
+          <a:p>
+            <a:r>
+              <a:rPr lang="en-US" dirty="0" smtClean="0"/>
+              <a:t>[POWER CONSUMPTION]</a:t>
+            </a:r>
+            <a:endParaRPr lang="en-US" dirty="0"/>
+          </a:p>
+        </p:txBody>
+      </p:sp>
+      <p:sp>
+        <p:nvSpPr>
+          <p:cNvPr id="5" name="TextBox 4"/>
+          <p:cNvSpPr txBox="1"/>
+          <p:nvPr/>
+        </p:nvSpPr>
+        <p:spPr>
+          <a:xfrm>
+            <a:off x="6400800" y="4495800"/>
+            <a:ext cx="729687" cy="369332"/>
+          </a:xfrm>
+          <a:prstGeom prst="rect">
+            <a:avLst/>
+          </a:prstGeom>
+          <a:noFill/>
+        </p:spPr>
+        <p:txBody>
+          <a:bodyPr wrap="none" rtlCol="0">
+            <a:spAutoFit/>
+          </a:bodyPr>
+          <a:lstStyle/>
+          <a:p>
+            <a:r>
+              <a:rPr lang="en-US" dirty="0" smtClean="0"/>
+              <a:t>[PCB]</a:t>
             </a:r>
             <a:endParaRPr lang="en-US" dirty="0"/>
           </a:p>
@@ -8603,7 +8064,7 @@
     </p:spTree>
     <p:extLst>
       <p:ext uri="{BB962C8B-B14F-4D97-AF65-F5344CB8AC3E}">
-        <p14:creationId xmlns:p14="http://schemas.microsoft.com/office/powerpoint/2010/main" val="3252650435"/>
+        <p14:creationId xmlns:p14="http://schemas.microsoft.com/office/powerpoint/2010/main" val="3540674889"/>
       </p:ext>
     </p:extLst>
   </p:cSld>
@@ -8649,100 +8110,61 @@
           <a:p>
             <a:r>
               <a:rPr lang="en-US" sz="2400" dirty="0" smtClean="0"/>
-              <a:t>Power consumption testing</a:t>
+              <a:t>Display virtual environment overlay on real world</a:t>
             </a:r>
           </a:p>
           <a:p>
             <a:pPr lvl="1"/>
             <a:r>
               <a:rPr lang="en-US" sz="2000" dirty="0" smtClean="0"/>
-              <a:t>Provided </a:t>
-            </a:r>
-            <a:r>
-              <a:rPr lang="en-US" sz="2000" dirty="0" err="1" smtClean="0"/>
-              <a:t>Terasic</a:t>
-            </a:r>
+              <a:t>Preserves real-world depth perception</a:t>
+            </a:r>
+          </a:p>
+          <a:p>
+            <a:pPr lvl="1"/>
             <a:r>
               <a:rPr lang="en-US" sz="2000" dirty="0" smtClean="0"/>
-              <a:t> board uses 1.2 A typical (14.4 W)</a:t>
+              <a:t>Large field of view</a:t>
             </a:r>
           </a:p>
           <a:p>
             <a:pPr lvl="1"/>
             <a:r>
               <a:rPr lang="en-US" sz="2000" dirty="0" smtClean="0"/>
-              <a:t>Acceptable battery life with 60 </a:t>
-            </a:r>
-            <a:r>
-              <a:rPr lang="en-US" sz="2000" dirty="0" err="1" smtClean="0"/>
-              <a:t>Whr</a:t>
-            </a:r>
+              <a:t>Both worlds perceptible simultaneously</a:t>
+            </a:r>
+          </a:p>
+          <a:p>
+            <a:r>
+              <a:rPr lang="en-US" sz="2400" dirty="0" smtClean="0"/>
+              <a:t>User head and position tracking</a:t>
+            </a:r>
+          </a:p>
+          <a:p>
+            <a:pPr lvl="1"/>
             <a:r>
               <a:rPr lang="en-US" sz="2000" dirty="0" smtClean="0"/>
-              <a:t> capacity</a:t>
+              <a:t>Filtering algorithm for inertial measurement data</a:t>
             </a:r>
           </a:p>
           <a:p>
             <a:r>
               <a:rPr lang="en-US" sz="2400" dirty="0" smtClean="0"/>
-              <a:t>Hardware design for Phase 2</a:t>
+              <a:t>Portability and battery operation</a:t>
+            </a:r>
+          </a:p>
+          <a:p>
+            <a:r>
+              <a:rPr lang="en-US" sz="2400" dirty="0" smtClean="0"/>
+              <a:t>Wireless communication to other headsets</a:t>
             </a:r>
           </a:p>
           <a:p>
             <a:pPr lvl="1"/>
             <a:r>
               <a:rPr lang="en-US" sz="2000" dirty="0" smtClean="0"/>
-              <a:t>Power supply design</a:t>
-            </a:r>
-          </a:p>
-          <a:p>
-            <a:pPr lvl="2"/>
-            <a:r>
-              <a:rPr lang="en-US" dirty="0" smtClean="0"/>
-              <a:t>Battery and regulator selection</a:t>
-            </a:r>
-          </a:p>
-          <a:p>
-            <a:pPr lvl="1"/>
-            <a:r>
-              <a:rPr lang="en-US" sz="2000" dirty="0" smtClean="0"/>
-              <a:t>Headset interfacing board</a:t>
-            </a:r>
-          </a:p>
-          <a:p>
-            <a:pPr lvl="2"/>
-            <a:r>
-              <a:rPr lang="en-US" dirty="0" smtClean="0"/>
-              <a:t>Re-use GPS, inertial measurement unit, microcontroller</a:t>
-            </a:r>
-          </a:p>
-          <a:p>
-            <a:r>
-              <a:rPr lang="en-US" sz="2400" dirty="0" smtClean="0"/>
-              <a:t>Packaging</a:t>
-            </a:r>
-          </a:p>
-          <a:p>
-            <a:pPr lvl="1"/>
-            <a:r>
-              <a:rPr lang="en-US" sz="2000" dirty="0" smtClean="0"/>
-              <a:t>Re-use optics</a:t>
-            </a:r>
-          </a:p>
-          <a:p>
-            <a:pPr lvl="1"/>
-            <a:r>
-              <a:rPr lang="en-US" sz="2000" dirty="0" smtClean="0"/>
-              <a:t>Selected new display</a:t>
-            </a:r>
-          </a:p>
-          <a:p>
-            <a:pPr lvl="1"/>
-            <a:r>
-              <a:rPr lang="en-US" sz="2000" dirty="0" smtClean="0"/>
-              <a:t>Selected helmet and backpack</a:t>
-            </a:r>
-            <a:endParaRPr lang="en-US" sz="2000" dirty="0"/>
+              <a:t>Multi-user augmented reality</a:t>
+            </a:r>
           </a:p>
         </p:txBody>
       </p:sp>
@@ -8763,67 +8185,7 @@
           <a:p>
             <a:r>
               <a:rPr lang="en-US" dirty="0" smtClean="0"/>
-              <a:t>Accomplishments To Date (PHA2)</a:t>
-            </a:r>
-            <a:endParaRPr lang="en-US" dirty="0"/>
-          </a:p>
-        </p:txBody>
-      </p:sp>
-      <p:sp>
-        <p:nvSpPr>
-          <p:cNvPr id="4" name="TextBox 3"/>
-          <p:cNvSpPr txBox="1"/>
-          <p:nvPr/>
-        </p:nvSpPr>
-        <p:spPr>
-          <a:xfrm>
-            <a:off x="6324600" y="2751307"/>
-            <a:ext cx="2633798" cy="369332"/>
-          </a:xfrm>
-          <a:prstGeom prst="rect">
-            <a:avLst/>
-          </a:prstGeom>
-          <a:noFill/>
-        </p:spPr>
-        <p:txBody>
-          <a:bodyPr wrap="none" rtlCol="0">
-            <a:spAutoFit/>
-          </a:bodyPr>
-          <a:lstStyle/>
-          <a:p>
-            <a:r>
-              <a:rPr lang="en-US" dirty="0" smtClean="0"/>
-              <a:t>[POWER CONSUMPTION]</a:t>
-            </a:r>
-            <a:endParaRPr lang="en-US" dirty="0"/>
-          </a:p>
-        </p:txBody>
-      </p:sp>
-      <p:sp>
-        <p:nvSpPr>
-          <p:cNvPr id="5" name="TextBox 4"/>
-          <p:cNvSpPr txBox="1"/>
-          <p:nvPr/>
-        </p:nvSpPr>
-        <p:spPr>
-          <a:xfrm>
-            <a:off x="6400800" y="4495800"/>
-            <a:ext cx="729687" cy="369332"/>
-          </a:xfrm>
-          <a:prstGeom prst="rect">
-            <a:avLst/>
-          </a:prstGeom>
-          <a:noFill/>
-        </p:spPr>
-        <p:txBody>
-          <a:bodyPr wrap="none" rtlCol="0">
-            <a:spAutoFit/>
-          </a:bodyPr>
-          <a:lstStyle/>
-          <a:p>
-            <a:r>
-              <a:rPr lang="en-US" dirty="0" smtClean="0"/>
-              <a:t>[PCB]</a:t>
+              <a:t>Technical Ingenuity</a:t>
             </a:r>
             <a:endParaRPr lang="en-US" dirty="0"/>
           </a:p>
@@ -8832,7 +8194,7 @@
     </p:spTree>
     <p:extLst>
       <p:ext uri="{BB962C8B-B14F-4D97-AF65-F5344CB8AC3E}">
-        <p14:creationId xmlns:p14="http://schemas.microsoft.com/office/powerpoint/2010/main" val="3540674889"/>
+        <p14:creationId xmlns:p14="http://schemas.microsoft.com/office/powerpoint/2010/main" val="2791106075"/>
       </p:ext>
     </p:extLst>
   </p:cSld>
@@ -8871,89 +8233,70 @@
         </p:nvSpPr>
         <p:spPr/>
         <p:txBody>
-          <a:bodyPr>
-            <a:normAutofit/>
-          </a:bodyPr>
-          <a:lstStyle/>
-          <a:p>
-            <a:r>
-              <a:rPr lang="en-US" sz="2400" dirty="0" smtClean="0"/>
-              <a:t>Display virtual environment overlay on real world</a:t>
-            </a:r>
-          </a:p>
-          <a:p>
-            <a:pPr lvl="1"/>
-            <a:r>
-              <a:rPr lang="en-US" sz="2000" dirty="0" smtClean="0"/>
-              <a:t>Preserves real-world depth perception</a:t>
-            </a:r>
-          </a:p>
-          <a:p>
-            <a:pPr lvl="1"/>
-            <a:r>
-              <a:rPr lang="en-US" sz="2000" dirty="0" smtClean="0"/>
-              <a:t>Large field of view</a:t>
-            </a:r>
-          </a:p>
-          <a:p>
-            <a:pPr lvl="1"/>
-            <a:r>
-              <a:rPr lang="en-US" sz="2000" dirty="0" smtClean="0"/>
-              <a:t>Both worlds perceptible simultaneously</a:t>
-            </a:r>
-          </a:p>
-          <a:p>
-            <a:r>
-              <a:rPr lang="en-US" sz="2400" dirty="0" smtClean="0"/>
-              <a:t>User head and position tracking</a:t>
-            </a:r>
-          </a:p>
-          <a:p>
-            <a:pPr lvl="1"/>
-            <a:r>
-              <a:rPr lang="en-US" sz="2000" dirty="0" smtClean="0"/>
-              <a:t>Filtering algorithm for inertial measurement data</a:t>
-            </a:r>
-          </a:p>
-          <a:p>
-            <a:r>
-              <a:rPr lang="en-US" sz="2400" dirty="0" smtClean="0"/>
-              <a:t>Portability and battery operation</a:t>
-            </a:r>
-          </a:p>
-          <a:p>
-            <a:r>
-              <a:rPr lang="en-US" sz="2400" dirty="0" smtClean="0"/>
-              <a:t>Wireless communication to other headsets</a:t>
-            </a:r>
-          </a:p>
-          <a:p>
-            <a:pPr lvl="1"/>
-            <a:r>
-              <a:rPr lang="en-US" sz="2000" dirty="0" smtClean="0"/>
-              <a:t>Multi-user augmented reality</a:t>
-            </a:r>
-          </a:p>
-        </p:txBody>
-      </p:sp>
-      <p:sp>
-        <p:nvSpPr>
-          <p:cNvPr id="3" name="Title 2"/>
-          <p:cNvSpPr>
-            <a:spLocks noGrp="1"/>
-          </p:cNvSpPr>
-          <p:nvPr>
-            <p:ph type="title"/>
-          </p:nvPr>
-        </p:nvSpPr>
-        <p:spPr/>
-        <p:txBody>
           <a:bodyPr/>
           <a:lstStyle/>
           <a:p>
+            <a:endParaRPr lang="en-US" dirty="0" smtClean="0"/>
+          </a:p>
+          <a:p>
+            <a:endParaRPr lang="en-US" dirty="0"/>
+          </a:p>
+          <a:p>
             <a:r>
               <a:rPr lang="en-US" dirty="0" smtClean="0"/>
-              <a:t>Technical Ingenuity</a:t>
+              <a:t>Approximately 3 weeks behind expected schedule.</a:t>
+            </a:r>
+          </a:p>
+          <a:p>
+            <a:endParaRPr lang="en-US" dirty="0" smtClean="0"/>
+          </a:p>
+          <a:p>
+            <a:endParaRPr lang="en-US" dirty="0"/>
+          </a:p>
+          <a:p>
+            <a:endParaRPr lang="en-US" dirty="0" smtClean="0"/>
+          </a:p>
+          <a:p>
+            <a:r>
+              <a:rPr lang="en-US" dirty="0" smtClean="0"/>
+              <a:t>Added more tasks and worked to clarify testing tasks.</a:t>
+            </a:r>
+          </a:p>
+          <a:p>
+            <a:pPr lvl="1"/>
+            <a:r>
+              <a:rPr lang="en-US" dirty="0" smtClean="0"/>
+              <a:t>Created Explicit task for working on Final Report.</a:t>
+            </a:r>
+          </a:p>
+          <a:p>
+            <a:pPr lvl="1"/>
+            <a:endParaRPr lang="en-US" dirty="0"/>
+          </a:p>
+        </p:txBody>
+      </p:sp>
+      <p:sp>
+        <p:nvSpPr>
+          <p:cNvPr id="3" name="Title 2"/>
+          <p:cNvSpPr>
+            <a:spLocks noGrp="1"/>
+          </p:cNvSpPr>
+          <p:nvPr>
+            <p:ph type="title"/>
+          </p:nvPr>
+        </p:nvSpPr>
+        <p:spPr/>
+        <p:txBody>
+          <a:bodyPr/>
+          <a:lstStyle/>
+          <a:p>
+            <a:r>
+              <a:rPr lang="en-US" dirty="0"/>
+              <a:t>Execution overview – </a:t>
+            </a:r>
+            <a:r>
+              <a:rPr lang="en-US" dirty="0" smtClean="0"/>
+              <a:t>Timeline</a:t>
             </a:r>
             <a:endParaRPr lang="en-US" dirty="0"/>
           </a:p>
@@ -8962,7 +8305,7 @@
     </p:spTree>
     <p:extLst>
       <p:ext uri="{BB962C8B-B14F-4D97-AF65-F5344CB8AC3E}">
-        <p14:creationId xmlns:p14="http://schemas.microsoft.com/office/powerpoint/2010/main" val="2791106075"/>
+        <p14:creationId xmlns:p14="http://schemas.microsoft.com/office/powerpoint/2010/main" val="795351433"/>
       </p:ext>
     </p:extLst>
   </p:cSld>
@@ -8989,14 +8332,43 @@
           <a:chExt cx="0" cy="0"/>
         </a:xfrm>
       </p:grpSpPr>
-      <p:sp>
-        <p:nvSpPr>
-          <p:cNvPr id="2" name="Content Placeholder 1"/>
-          <p:cNvSpPr>
-            <a:spLocks noGrp="1"/>
-          </p:cNvSpPr>
+      <p:pic>
+        <p:nvPicPr>
+          <p:cNvPr id="4" name="Content Placeholder 3"/>
+          <p:cNvPicPr>
+            <a:picLocks noGrp="1" noChangeAspect="1"/>
+          </p:cNvPicPr>
           <p:nvPr>
             <p:ph idx="1"/>
+          </p:nvPr>
+        </p:nvPicPr>
+        <p:blipFill>
+          <a:blip r:embed="rId2">
+            <a:extLst>
+              <a:ext uri="{28A0092B-C50C-407E-A947-70E740481C1C}">
+                <a14:useLocalDpi xmlns:a14="http://schemas.microsoft.com/office/drawing/2010/main" val="0"/>
+              </a:ext>
+            </a:extLst>
+          </a:blip>
+          <a:stretch>
+            <a:fillRect/>
+          </a:stretch>
+        </p:blipFill>
+        <p:spPr>
+          <a:xfrm>
+            <a:off x="110823" y="1447800"/>
+            <a:ext cx="8880777" cy="5105400"/>
+          </a:xfrm>
+        </p:spPr>
+      </p:pic>
+      <p:sp>
+        <p:nvSpPr>
+          <p:cNvPr id="3" name="Title 2"/>
+          <p:cNvSpPr>
+            <a:spLocks noGrp="1"/>
+          </p:cNvSpPr>
+          <p:nvPr>
+            <p:ph type="title"/>
           </p:nvPr>
         </p:nvSpPr>
         <p:spPr/>
@@ -9004,28 +8376,13 @@
           <a:bodyPr/>
           <a:lstStyle/>
           <a:p>
-            <a:endParaRPr lang="en-US"/>
-          </a:p>
-        </p:txBody>
-      </p:sp>
-      <p:sp>
-        <p:nvSpPr>
-          <p:cNvPr id="3" name="Title 2"/>
-          <p:cNvSpPr>
-            <a:spLocks noGrp="1"/>
-          </p:cNvSpPr>
-          <p:nvPr>
-            <p:ph type="title"/>
-          </p:nvPr>
-        </p:nvSpPr>
-        <p:spPr/>
-        <p:txBody>
-          <a:bodyPr/>
-          <a:lstStyle/>
-          <a:p>
+            <a:r>
+              <a:rPr lang="en-US" dirty="0"/>
+              <a:t>Execution overview – </a:t>
+            </a:r>
             <a:r>
               <a:rPr lang="en-US" dirty="0" smtClean="0"/>
-              <a:t>Execution overview</a:t>
+              <a:t>Timeline A</a:t>
             </a:r>
             <a:endParaRPr lang="en-US" dirty="0"/>
           </a:p>
@@ -9034,7 +8391,7 @@
     </p:spTree>
     <p:extLst>
       <p:ext uri="{BB962C8B-B14F-4D97-AF65-F5344CB8AC3E}">
-        <p14:creationId xmlns:p14="http://schemas.microsoft.com/office/powerpoint/2010/main" val="4157361893"/>
+        <p14:creationId xmlns:p14="http://schemas.microsoft.com/office/powerpoint/2010/main" val="3042760565"/>
       </p:ext>
     </p:extLst>
   </p:cSld>
@@ -9061,14 +8418,43 @@
           <a:chExt cx="0" cy="0"/>
         </a:xfrm>
       </p:grpSpPr>
-      <p:sp>
-        <p:nvSpPr>
-          <p:cNvPr id="2" name="Content Placeholder 1"/>
-          <p:cNvSpPr>
-            <a:spLocks noGrp="1"/>
-          </p:cNvSpPr>
+      <p:pic>
+        <p:nvPicPr>
+          <p:cNvPr id="4" name="Content Placeholder 3"/>
+          <p:cNvPicPr>
+            <a:picLocks noGrp="1" noChangeAspect="1"/>
+          </p:cNvPicPr>
           <p:nvPr>
             <p:ph idx="1"/>
+          </p:nvPr>
+        </p:nvPicPr>
+        <p:blipFill>
+          <a:blip r:embed="rId2">
+            <a:extLst>
+              <a:ext uri="{28A0092B-C50C-407E-A947-70E740481C1C}">
+                <a14:useLocalDpi xmlns:a14="http://schemas.microsoft.com/office/drawing/2010/main" val="0"/>
+              </a:ext>
+            </a:extLst>
+          </a:blip>
+          <a:stretch>
+            <a:fillRect/>
+          </a:stretch>
+        </p:blipFill>
+        <p:spPr>
+          <a:xfrm>
+            <a:off x="152400" y="1471703"/>
+            <a:ext cx="8839200" cy="5081497"/>
+          </a:xfrm>
+        </p:spPr>
+      </p:pic>
+      <p:sp>
+        <p:nvSpPr>
+          <p:cNvPr id="3" name="Title 2"/>
+          <p:cNvSpPr>
+            <a:spLocks noGrp="1"/>
+          </p:cNvSpPr>
+          <p:nvPr>
+            <p:ph type="title"/>
           </p:nvPr>
         </p:nvSpPr>
         <p:spPr/>
@@ -9078,93 +8464,11 @@
           <a:p>
             <a:r>
               <a:rPr lang="en-US" dirty="0" smtClean="0"/>
-              <a:t>Patent Liability</a:t>
-            </a:r>
-          </a:p>
-          <a:p>
-            <a:pPr lvl="1"/>
+              <a:t>Execution overview </a:t>
+            </a:r>
             <a:r>
               <a:rPr lang="en-US" dirty="0" smtClean="0"/>
-              <a:t>Novelty of design avoids many AR patents</a:t>
-            </a:r>
-          </a:p>
-          <a:p>
-            <a:pPr lvl="2"/>
-            <a:r>
-              <a:rPr lang="en-US" dirty="0" smtClean="0"/>
-              <a:t>Large fraction specifically mention cameras</a:t>
-            </a:r>
-          </a:p>
-          <a:p>
-            <a:pPr lvl="1"/>
-            <a:r>
-              <a:rPr lang="en-US" dirty="0" smtClean="0"/>
-              <a:t>Licensing may be required</a:t>
-            </a:r>
-          </a:p>
-          <a:p>
-            <a:pPr lvl="1"/>
-            <a:r>
-              <a:rPr lang="en-US" dirty="0" smtClean="0"/>
-              <a:t>Could file new patents and cross-license</a:t>
-            </a:r>
-            <a:endParaRPr lang="en-US" dirty="0"/>
-          </a:p>
-          <a:p>
-            <a:r>
-              <a:rPr lang="en-US" dirty="0" smtClean="0"/>
-              <a:t>User Safety</a:t>
-            </a:r>
-          </a:p>
-          <a:p>
-            <a:pPr lvl="1"/>
-            <a:r>
-              <a:rPr lang="en-US" dirty="0" smtClean="0"/>
-              <a:t>LiFePO</a:t>
-            </a:r>
-            <a:r>
-              <a:rPr lang="en-US" baseline="-25000" dirty="0" smtClean="0"/>
-              <a:t>4</a:t>
-            </a:r>
-            <a:r>
-              <a:rPr lang="en-US" dirty="0" smtClean="0"/>
-              <a:t> much safer than other Lithium battery chemistries</a:t>
-            </a:r>
-          </a:p>
-          <a:p>
-            <a:pPr lvl="1"/>
-            <a:r>
-              <a:rPr lang="en-US" dirty="0" smtClean="0"/>
-              <a:t>Translucent display keeps user aware of environment</a:t>
-            </a:r>
-          </a:p>
-          <a:p>
-            <a:pPr lvl="1"/>
-            <a:r>
-              <a:rPr lang="en-US" dirty="0" smtClean="0"/>
-              <a:t>Product unsuitable for use while driving, operating heavy machinery</a:t>
-            </a:r>
-          </a:p>
-        </p:txBody>
-      </p:sp>
-      <p:sp>
-        <p:nvSpPr>
-          <p:cNvPr id="3" name="Title 2"/>
-          <p:cNvSpPr>
-            <a:spLocks noGrp="1"/>
-          </p:cNvSpPr>
-          <p:nvPr>
-            <p:ph type="title"/>
-          </p:nvPr>
-        </p:nvSpPr>
-        <p:spPr/>
-        <p:txBody>
-          <a:bodyPr/>
-          <a:lstStyle/>
-          <a:p>
-            <a:r>
-              <a:rPr lang="en-US" dirty="0" smtClean="0"/>
-              <a:t>COMPLICATIONS</a:t>
+              <a:t>– Timeline B</a:t>
             </a:r>
             <a:endParaRPr lang="en-US" dirty="0"/>
           </a:p>
@@ -9173,7 +8477,7 @@
     </p:spTree>
     <p:extLst>
       <p:ext uri="{BB962C8B-B14F-4D97-AF65-F5344CB8AC3E}">
-        <p14:creationId xmlns:p14="http://schemas.microsoft.com/office/powerpoint/2010/main" val="90168761"/>
+        <p14:creationId xmlns:p14="http://schemas.microsoft.com/office/powerpoint/2010/main" val="4157361893"/>
       </p:ext>
     </p:extLst>
   </p:cSld>
@@ -9200,14 +8504,3103 @@
           <a:chExt cx="0" cy="0"/>
         </a:xfrm>
       </p:grpSpPr>
-      <p:sp>
-        <p:nvSpPr>
-          <p:cNvPr id="2" name="Content Placeholder 1"/>
-          <p:cNvSpPr>
-            <a:spLocks noGrp="1"/>
-          </p:cNvSpPr>
+      <p:graphicFrame>
+        <p:nvGraphicFramePr>
+          <p:cNvPr id="4" name="Content Placeholder 3"/>
+          <p:cNvGraphicFramePr>
+            <a:graphicFrameLocks noGrp="1"/>
+          </p:cNvGraphicFramePr>
           <p:nvPr>
             <p:ph idx="1"/>
+            <p:extLst>
+              <p:ext uri="{D42A27DB-BD31-4B8C-83A1-F6EECF244321}">
+                <p14:modId xmlns:p14="http://schemas.microsoft.com/office/powerpoint/2010/main" val="3346233757"/>
+              </p:ext>
+            </p:extLst>
+          </p:nvPr>
+        </p:nvGraphicFramePr>
+        <p:xfrm>
+          <a:off x="304800" y="1676400"/>
+          <a:ext cx="8458202" cy="4648210"/>
+        </p:xfrm>
+        <a:graphic>
+          <a:graphicData uri="http://schemas.openxmlformats.org/drawingml/2006/table">
+            <a:tbl>
+              <a:tblPr>
+                <a:tableStyleId>{5C22544A-7EE6-4342-B048-85BDC9FD1C3A}</a:tableStyleId>
+              </a:tblPr>
+              <a:tblGrid>
+                <a:gridCol w="1488949"/>
+                <a:gridCol w="2582234"/>
+                <a:gridCol w="971808"/>
+                <a:gridCol w="888510"/>
+                <a:gridCol w="888510"/>
+                <a:gridCol w="888510"/>
+                <a:gridCol w="749681"/>
+              </a:tblGrid>
+              <a:tr h="232410">
+                <a:tc>
+                  <a:txBody>
+                    <a:bodyPr/>
+                    <a:lstStyle/>
+                    <a:p>
+                      <a:pPr algn="l" fontAlgn="b"/>
+                      <a:r>
+                        <a:rPr lang="en-US" sz="1100" u="none" strike="noStrike">
+                          <a:effectLst/>
+                        </a:rPr>
+                        <a:t>Name</a:t>
+                      </a:r>
+                      <a:endParaRPr lang="en-US" sz="1100" b="1" i="0" u="none" strike="noStrike">
+                        <a:solidFill>
+                          <a:srgbClr val="000000"/>
+                        </a:solidFill>
+                        <a:effectLst/>
+                        <a:latin typeface="Liberation Sans"/>
+                      </a:endParaRPr>
+                    </a:p>
+                  </a:txBody>
+                  <a:tcPr marL="9525" marR="9525" marT="9525" marB="0" anchor="b"/>
+                </a:tc>
+                <a:tc>
+                  <a:txBody>
+                    <a:bodyPr/>
+                    <a:lstStyle/>
+                    <a:p>
+                      <a:pPr algn="l" fontAlgn="b"/>
+                      <a:r>
+                        <a:rPr lang="en-US" sz="1100" u="none" strike="noStrike">
+                          <a:effectLst/>
+                        </a:rPr>
+                        <a:t>Item</a:t>
+                      </a:r>
+                      <a:endParaRPr lang="en-US" sz="1100" b="1" i="0" u="none" strike="noStrike">
+                        <a:solidFill>
+                          <a:srgbClr val="000000"/>
+                        </a:solidFill>
+                        <a:effectLst/>
+                        <a:latin typeface="Liberation Sans"/>
+                      </a:endParaRPr>
+                    </a:p>
+                  </a:txBody>
+                  <a:tcPr marL="9525" marR="9525" marT="9525" marB="0" anchor="b"/>
+                </a:tc>
+                <a:tc>
+                  <a:txBody>
+                    <a:bodyPr/>
+                    <a:lstStyle/>
+                    <a:p>
+                      <a:pPr algn="l" fontAlgn="b"/>
+                      <a:r>
+                        <a:rPr lang="en-US" sz="1100" u="none" strike="noStrike">
+                          <a:effectLst/>
+                        </a:rPr>
+                        <a:t>Vendor</a:t>
+                      </a:r>
+                      <a:endParaRPr lang="en-US" sz="1100" b="1" i="0" u="none" strike="noStrike">
+                        <a:solidFill>
+                          <a:srgbClr val="000000"/>
+                        </a:solidFill>
+                        <a:effectLst/>
+                        <a:latin typeface="Liberation Sans"/>
+                      </a:endParaRPr>
+                    </a:p>
+                  </a:txBody>
+                  <a:tcPr marL="9525" marR="9525" marT="9525" marB="0" anchor="b"/>
+                </a:tc>
+                <a:tc>
+                  <a:txBody>
+                    <a:bodyPr/>
+                    <a:lstStyle/>
+                    <a:p>
+                      <a:pPr algn="l" fontAlgn="b"/>
+                      <a:r>
+                        <a:rPr lang="en-US" sz="1100" u="none" strike="noStrike">
+                          <a:effectLst/>
+                        </a:rPr>
+                        <a:t>Unit Price</a:t>
+                      </a:r>
+                      <a:endParaRPr lang="en-US" sz="1100" b="1" i="0" u="none" strike="noStrike">
+                        <a:solidFill>
+                          <a:srgbClr val="000000"/>
+                        </a:solidFill>
+                        <a:effectLst/>
+                        <a:latin typeface="Liberation Sans"/>
+                      </a:endParaRPr>
+                    </a:p>
+                  </a:txBody>
+                  <a:tcPr marL="9525" marR="9525" marT="9525" marB="0" anchor="b"/>
+                </a:tc>
+                <a:tc>
+                  <a:txBody>
+                    <a:bodyPr/>
+                    <a:lstStyle/>
+                    <a:p>
+                      <a:pPr algn="l" fontAlgn="b"/>
+                      <a:r>
+                        <a:rPr lang="en-US" sz="1100" u="none" strike="noStrike">
+                          <a:effectLst/>
+                        </a:rPr>
+                        <a:t>Shipping</a:t>
+                      </a:r>
+                      <a:endParaRPr lang="en-US" sz="1100" b="1" i="0" u="none" strike="noStrike">
+                        <a:solidFill>
+                          <a:srgbClr val="000000"/>
+                        </a:solidFill>
+                        <a:effectLst/>
+                        <a:latin typeface="Liberation Sans"/>
+                      </a:endParaRPr>
+                    </a:p>
+                  </a:txBody>
+                  <a:tcPr marL="9525" marR="9525" marT="9525" marB="0" anchor="b"/>
+                </a:tc>
+                <a:tc>
+                  <a:txBody>
+                    <a:bodyPr/>
+                    <a:lstStyle/>
+                    <a:p>
+                      <a:pPr algn="l" fontAlgn="b"/>
+                      <a:r>
+                        <a:rPr lang="en-US" sz="1100" u="none" strike="noStrike">
+                          <a:effectLst/>
+                        </a:rPr>
+                        <a:t>Quantity</a:t>
+                      </a:r>
+                      <a:endParaRPr lang="en-US" sz="1100" b="1" i="0" u="none" strike="noStrike">
+                        <a:solidFill>
+                          <a:srgbClr val="000000"/>
+                        </a:solidFill>
+                        <a:effectLst/>
+                        <a:latin typeface="Liberation Sans"/>
+                      </a:endParaRPr>
+                    </a:p>
+                  </a:txBody>
+                  <a:tcPr marL="9525" marR="9525" marT="9525" marB="0" anchor="b"/>
+                </a:tc>
+                <a:tc>
+                  <a:txBody>
+                    <a:bodyPr/>
+                    <a:lstStyle/>
+                    <a:p>
+                      <a:pPr algn="l" fontAlgn="b"/>
+                      <a:r>
+                        <a:rPr lang="en-US" sz="1100" u="none" strike="noStrike">
+                          <a:effectLst/>
+                        </a:rPr>
+                        <a:t>Price</a:t>
+                      </a:r>
+                      <a:endParaRPr lang="en-US" sz="1100" b="1" i="0" u="none" strike="noStrike">
+                        <a:solidFill>
+                          <a:srgbClr val="000000"/>
+                        </a:solidFill>
+                        <a:effectLst/>
+                        <a:latin typeface="Liberation Sans"/>
+                      </a:endParaRPr>
+                    </a:p>
+                  </a:txBody>
+                  <a:tcPr marL="9525" marR="9525" marT="9525" marB="0" anchor="b"/>
+                </a:tc>
+              </a:tr>
+              <a:tr h="220790">
+                <a:tc>
+                  <a:txBody>
+                    <a:bodyPr/>
+                    <a:lstStyle/>
+                    <a:p>
+                      <a:pPr algn="l" fontAlgn="b"/>
+                      <a:r>
+                        <a:rPr lang="en-US" sz="1100" u="none" strike="noStrike">
+                          <a:effectLst/>
+                        </a:rPr>
+                        <a:t>Battery</a:t>
+                      </a:r>
+                      <a:endParaRPr lang="en-US" sz="1100" b="0" i="0" u="none" strike="noStrike">
+                        <a:solidFill>
+                          <a:srgbClr val="000000"/>
+                        </a:solidFill>
+                        <a:effectLst/>
+                        <a:latin typeface="Liberation Sans"/>
+                      </a:endParaRPr>
+                    </a:p>
+                  </a:txBody>
+                  <a:tcPr marL="9525" marR="9525" marT="9525" marB="0" anchor="b"/>
+                </a:tc>
+                <a:tc>
+                  <a:txBody>
+                    <a:bodyPr/>
+                    <a:lstStyle/>
+                    <a:p>
+                      <a:pPr algn="l" fontAlgn="b"/>
+                      <a:endParaRPr lang="en-US" sz="1100" b="0" i="0" u="none" strike="noStrike">
+                        <a:solidFill>
+                          <a:srgbClr val="000000"/>
+                        </a:solidFill>
+                        <a:effectLst/>
+                        <a:latin typeface="Liberation Sans"/>
+                      </a:endParaRPr>
+                    </a:p>
+                  </a:txBody>
+                  <a:tcPr marL="9525" marR="9525" marT="9525" marB="0" anchor="b"/>
+                </a:tc>
+                <a:tc>
+                  <a:txBody>
+                    <a:bodyPr/>
+                    <a:lstStyle/>
+                    <a:p>
+                      <a:pPr algn="l" fontAlgn="b"/>
+                      <a:r>
+                        <a:rPr lang="en-US" sz="1100" u="none" strike="noStrike">
+                          <a:effectLst/>
+                        </a:rPr>
+                        <a:t>BatterySpace</a:t>
+                      </a:r>
+                      <a:endParaRPr lang="en-US" sz="1100" b="0" i="0" u="none" strike="noStrike">
+                        <a:solidFill>
+                          <a:srgbClr val="000000"/>
+                        </a:solidFill>
+                        <a:effectLst/>
+                        <a:latin typeface="Liberation Sans"/>
+                      </a:endParaRPr>
+                    </a:p>
+                  </a:txBody>
+                  <a:tcPr marL="9525" marR="9525" marT="9525" marB="0" anchor="b"/>
+                </a:tc>
+                <a:tc>
+                  <a:txBody>
+                    <a:bodyPr/>
+                    <a:lstStyle/>
+                    <a:p>
+                      <a:pPr algn="r" fontAlgn="b"/>
+                      <a:r>
+                        <a:rPr lang="en-US" sz="1100" u="none" strike="noStrike">
+                          <a:effectLst/>
+                        </a:rPr>
+                        <a:t>66.95</a:t>
+                      </a:r>
+                      <a:endParaRPr lang="en-US" sz="1100" b="0" i="0" u="none" strike="noStrike">
+                        <a:solidFill>
+                          <a:srgbClr val="000000"/>
+                        </a:solidFill>
+                        <a:effectLst/>
+                        <a:latin typeface="Liberation Sans"/>
+                      </a:endParaRPr>
+                    </a:p>
+                  </a:txBody>
+                  <a:tcPr marL="9525" marR="9525" marT="9525" marB="0" anchor="b"/>
+                </a:tc>
+                <a:tc>
+                  <a:txBody>
+                    <a:bodyPr/>
+                    <a:lstStyle/>
+                    <a:p>
+                      <a:pPr algn="l" fontAlgn="b"/>
+                      <a:endParaRPr lang="en-US" sz="1100" b="0" i="0" u="none" strike="noStrike">
+                        <a:solidFill>
+                          <a:srgbClr val="000000"/>
+                        </a:solidFill>
+                        <a:effectLst/>
+                        <a:latin typeface="Liberation Sans"/>
+                      </a:endParaRPr>
+                    </a:p>
+                  </a:txBody>
+                  <a:tcPr marL="9525" marR="9525" marT="9525" marB="0" anchor="b"/>
+                </a:tc>
+                <a:tc>
+                  <a:txBody>
+                    <a:bodyPr/>
+                    <a:lstStyle/>
+                    <a:p>
+                      <a:pPr algn="r" fontAlgn="b"/>
+                      <a:r>
+                        <a:rPr lang="en-US" sz="1100" u="none" strike="noStrike">
+                          <a:effectLst/>
+                        </a:rPr>
+                        <a:t>2</a:t>
+                      </a:r>
+                      <a:endParaRPr lang="en-US" sz="1100" b="0" i="0" u="none" strike="noStrike">
+                        <a:solidFill>
+                          <a:srgbClr val="000000"/>
+                        </a:solidFill>
+                        <a:effectLst/>
+                        <a:latin typeface="Liberation Sans"/>
+                      </a:endParaRPr>
+                    </a:p>
+                  </a:txBody>
+                  <a:tcPr marL="9525" marR="9525" marT="9525" marB="0" anchor="b"/>
+                </a:tc>
+                <a:tc>
+                  <a:txBody>
+                    <a:bodyPr/>
+                    <a:lstStyle/>
+                    <a:p>
+                      <a:pPr algn="r" fontAlgn="b"/>
+                      <a:r>
+                        <a:rPr lang="en-US" sz="1100" u="none" strike="noStrike">
+                          <a:effectLst/>
+                        </a:rPr>
+                        <a:t>133.9</a:t>
+                      </a:r>
+                      <a:endParaRPr lang="en-US" sz="1100" b="0" i="0" u="none" strike="noStrike">
+                        <a:solidFill>
+                          <a:srgbClr val="000000"/>
+                        </a:solidFill>
+                        <a:effectLst/>
+                        <a:latin typeface="Liberation Sans"/>
+                      </a:endParaRPr>
+                    </a:p>
+                  </a:txBody>
+                  <a:tcPr marL="9525" marR="9525" marT="9525" marB="0" anchor="b"/>
+                </a:tc>
+              </a:tr>
+              <a:tr h="220790">
+                <a:tc>
+                  <a:txBody>
+                    <a:bodyPr/>
+                    <a:lstStyle/>
+                    <a:p>
+                      <a:pPr algn="l" fontAlgn="b"/>
+                      <a:r>
+                        <a:rPr lang="en-US" sz="1100" u="none" strike="noStrike">
+                          <a:effectLst/>
+                        </a:rPr>
+                        <a:t>Screen1</a:t>
+                      </a:r>
+                      <a:endParaRPr lang="en-US" sz="1100" b="0" i="0" u="none" strike="noStrike">
+                        <a:solidFill>
+                          <a:srgbClr val="000000"/>
+                        </a:solidFill>
+                        <a:effectLst/>
+                        <a:latin typeface="Liberation Sans"/>
+                      </a:endParaRPr>
+                    </a:p>
+                  </a:txBody>
+                  <a:tcPr marL="9525" marR="9525" marT="9525" marB="0" anchor="b"/>
+                </a:tc>
+                <a:tc>
+                  <a:txBody>
+                    <a:bodyPr/>
+                    <a:lstStyle/>
+                    <a:p>
+                      <a:pPr algn="l" fontAlgn="b"/>
+                      <a:endParaRPr lang="en-US" sz="1100" b="0" i="0" u="none" strike="noStrike">
+                        <a:solidFill>
+                          <a:srgbClr val="000000"/>
+                        </a:solidFill>
+                        <a:effectLst/>
+                        <a:latin typeface="Liberation Sans"/>
+                      </a:endParaRPr>
+                    </a:p>
+                  </a:txBody>
+                  <a:tcPr marL="9525" marR="9525" marT="9525" marB="0" anchor="b"/>
+                </a:tc>
+                <a:tc>
+                  <a:txBody>
+                    <a:bodyPr/>
+                    <a:lstStyle/>
+                    <a:p>
+                      <a:pPr algn="l" fontAlgn="b"/>
+                      <a:r>
+                        <a:rPr lang="en-US" sz="1100" u="none" strike="noStrike">
+                          <a:effectLst/>
+                        </a:rPr>
+                        <a:t>AdaFruit</a:t>
+                      </a:r>
+                      <a:endParaRPr lang="en-US" sz="1100" b="0" i="0" u="none" strike="noStrike">
+                        <a:solidFill>
+                          <a:srgbClr val="000000"/>
+                        </a:solidFill>
+                        <a:effectLst/>
+                        <a:latin typeface="Liberation Sans"/>
+                      </a:endParaRPr>
+                    </a:p>
+                  </a:txBody>
+                  <a:tcPr marL="9525" marR="9525" marT="9525" marB="0" anchor="b"/>
+                </a:tc>
+                <a:tc>
+                  <a:txBody>
+                    <a:bodyPr/>
+                    <a:lstStyle/>
+                    <a:p>
+                      <a:pPr algn="r" fontAlgn="b"/>
+                      <a:r>
+                        <a:rPr lang="en-US" sz="1100" u="none" strike="noStrike">
+                          <a:effectLst/>
+                        </a:rPr>
+                        <a:t>139.95</a:t>
+                      </a:r>
+                      <a:endParaRPr lang="en-US" sz="1100" b="0" i="0" u="none" strike="noStrike">
+                        <a:solidFill>
+                          <a:srgbClr val="000000"/>
+                        </a:solidFill>
+                        <a:effectLst/>
+                        <a:latin typeface="Liberation Sans"/>
+                      </a:endParaRPr>
+                    </a:p>
+                  </a:txBody>
+                  <a:tcPr marL="9525" marR="9525" marT="9525" marB="0" anchor="b"/>
+                </a:tc>
+                <a:tc>
+                  <a:txBody>
+                    <a:bodyPr/>
+                    <a:lstStyle/>
+                    <a:p>
+                      <a:pPr algn="l" fontAlgn="b"/>
+                      <a:endParaRPr lang="en-US" sz="1100" b="0" i="0" u="none" strike="noStrike">
+                        <a:solidFill>
+                          <a:srgbClr val="000000"/>
+                        </a:solidFill>
+                        <a:effectLst/>
+                        <a:latin typeface="Liberation Sans"/>
+                      </a:endParaRPr>
+                    </a:p>
+                  </a:txBody>
+                  <a:tcPr marL="9525" marR="9525" marT="9525" marB="0" anchor="b"/>
+                </a:tc>
+                <a:tc>
+                  <a:txBody>
+                    <a:bodyPr/>
+                    <a:lstStyle/>
+                    <a:p>
+                      <a:pPr algn="r" fontAlgn="b"/>
+                      <a:r>
+                        <a:rPr lang="en-US" sz="1100" u="none" strike="noStrike">
+                          <a:effectLst/>
+                        </a:rPr>
+                        <a:t>1</a:t>
+                      </a:r>
+                      <a:endParaRPr lang="en-US" sz="1100" b="0" i="0" u="none" strike="noStrike">
+                        <a:solidFill>
+                          <a:srgbClr val="000000"/>
+                        </a:solidFill>
+                        <a:effectLst/>
+                        <a:latin typeface="Liberation Sans"/>
+                      </a:endParaRPr>
+                    </a:p>
+                  </a:txBody>
+                  <a:tcPr marL="9525" marR="9525" marT="9525" marB="0" anchor="b"/>
+                </a:tc>
+                <a:tc>
+                  <a:txBody>
+                    <a:bodyPr/>
+                    <a:lstStyle/>
+                    <a:p>
+                      <a:pPr algn="r" fontAlgn="b"/>
+                      <a:r>
+                        <a:rPr lang="en-US" sz="1100" u="none" strike="noStrike">
+                          <a:effectLst/>
+                        </a:rPr>
+                        <a:t>139.95</a:t>
+                      </a:r>
+                      <a:endParaRPr lang="en-US" sz="1100" b="0" i="0" u="none" strike="noStrike">
+                        <a:solidFill>
+                          <a:srgbClr val="000000"/>
+                        </a:solidFill>
+                        <a:effectLst/>
+                        <a:latin typeface="Liberation Sans"/>
+                      </a:endParaRPr>
+                    </a:p>
+                  </a:txBody>
+                  <a:tcPr marL="9525" marR="9525" marT="9525" marB="0" anchor="b"/>
+                </a:tc>
+              </a:tr>
+              <a:tr h="220790">
+                <a:tc>
+                  <a:txBody>
+                    <a:bodyPr/>
+                    <a:lstStyle/>
+                    <a:p>
+                      <a:pPr algn="l" fontAlgn="b"/>
+                      <a:r>
+                        <a:rPr lang="en-US" sz="1100" u="none" strike="noStrike">
+                          <a:effectLst/>
+                        </a:rPr>
+                        <a:t>Screen2</a:t>
+                      </a:r>
+                      <a:endParaRPr lang="en-US" sz="1100" b="0" i="0" u="none" strike="noStrike">
+                        <a:solidFill>
+                          <a:srgbClr val="000000"/>
+                        </a:solidFill>
+                        <a:effectLst/>
+                        <a:latin typeface="Liberation Sans"/>
+                      </a:endParaRPr>
+                    </a:p>
+                  </a:txBody>
+                  <a:tcPr marL="9525" marR="9525" marT="9525" marB="0" anchor="b"/>
+                </a:tc>
+                <a:tc>
+                  <a:txBody>
+                    <a:bodyPr/>
+                    <a:lstStyle/>
+                    <a:p>
+                      <a:pPr algn="l" fontAlgn="b"/>
+                      <a:endParaRPr lang="en-US" sz="1100" b="0" i="0" u="none" strike="noStrike">
+                        <a:solidFill>
+                          <a:srgbClr val="000000"/>
+                        </a:solidFill>
+                        <a:effectLst/>
+                        <a:latin typeface="Liberation Sans"/>
+                      </a:endParaRPr>
+                    </a:p>
+                  </a:txBody>
+                  <a:tcPr marL="9525" marR="9525" marT="9525" marB="0" anchor="b"/>
+                </a:tc>
+                <a:tc>
+                  <a:txBody>
+                    <a:bodyPr/>
+                    <a:lstStyle/>
+                    <a:p>
+                      <a:pPr algn="l" fontAlgn="b"/>
+                      <a:r>
+                        <a:rPr lang="en-US" sz="1100" u="none" strike="noStrike">
+                          <a:effectLst/>
+                        </a:rPr>
+                        <a:t>AdaFruit</a:t>
+                      </a:r>
+                      <a:endParaRPr lang="en-US" sz="1100" b="0" i="0" u="none" strike="noStrike">
+                        <a:solidFill>
+                          <a:srgbClr val="000000"/>
+                        </a:solidFill>
+                        <a:effectLst/>
+                        <a:latin typeface="Liberation Sans"/>
+                      </a:endParaRPr>
+                    </a:p>
+                  </a:txBody>
+                  <a:tcPr marL="9525" marR="9525" marT="9525" marB="0" anchor="b"/>
+                </a:tc>
+                <a:tc>
+                  <a:txBody>
+                    <a:bodyPr/>
+                    <a:lstStyle/>
+                    <a:p>
+                      <a:pPr algn="r" fontAlgn="b"/>
+                      <a:r>
+                        <a:rPr lang="en-US" sz="1100" u="none" strike="noStrike">
+                          <a:effectLst/>
+                        </a:rPr>
+                        <a:t>64.95</a:t>
+                      </a:r>
+                      <a:endParaRPr lang="en-US" sz="1100" b="0" i="0" u="none" strike="noStrike">
+                        <a:solidFill>
+                          <a:srgbClr val="000000"/>
+                        </a:solidFill>
+                        <a:effectLst/>
+                        <a:latin typeface="Liberation Sans"/>
+                      </a:endParaRPr>
+                    </a:p>
+                  </a:txBody>
+                  <a:tcPr marL="9525" marR="9525" marT="9525" marB="0" anchor="b"/>
+                </a:tc>
+                <a:tc>
+                  <a:txBody>
+                    <a:bodyPr/>
+                    <a:lstStyle/>
+                    <a:p>
+                      <a:pPr algn="l" fontAlgn="b"/>
+                      <a:endParaRPr lang="en-US" sz="1100" b="0" i="0" u="none" strike="noStrike">
+                        <a:solidFill>
+                          <a:srgbClr val="000000"/>
+                        </a:solidFill>
+                        <a:effectLst/>
+                        <a:latin typeface="Liberation Sans"/>
+                      </a:endParaRPr>
+                    </a:p>
+                  </a:txBody>
+                  <a:tcPr marL="9525" marR="9525" marT="9525" marB="0" anchor="b"/>
+                </a:tc>
+                <a:tc>
+                  <a:txBody>
+                    <a:bodyPr/>
+                    <a:lstStyle/>
+                    <a:p>
+                      <a:pPr algn="r" fontAlgn="b"/>
+                      <a:r>
+                        <a:rPr lang="en-US" sz="1100" u="none" strike="noStrike">
+                          <a:effectLst/>
+                        </a:rPr>
+                        <a:t>1</a:t>
+                      </a:r>
+                      <a:endParaRPr lang="en-US" sz="1100" b="0" i="0" u="none" strike="noStrike">
+                        <a:solidFill>
+                          <a:srgbClr val="000000"/>
+                        </a:solidFill>
+                        <a:effectLst/>
+                        <a:latin typeface="Liberation Sans"/>
+                      </a:endParaRPr>
+                    </a:p>
+                  </a:txBody>
+                  <a:tcPr marL="9525" marR="9525" marT="9525" marB="0" anchor="b"/>
+                </a:tc>
+                <a:tc>
+                  <a:txBody>
+                    <a:bodyPr/>
+                    <a:lstStyle/>
+                    <a:p>
+                      <a:pPr algn="r" fontAlgn="b"/>
+                      <a:r>
+                        <a:rPr lang="en-US" sz="1100" u="none" strike="noStrike">
+                          <a:effectLst/>
+                        </a:rPr>
+                        <a:t>64.95</a:t>
+                      </a:r>
+                      <a:endParaRPr lang="en-US" sz="1100" b="0" i="0" u="none" strike="noStrike">
+                        <a:solidFill>
+                          <a:srgbClr val="000000"/>
+                        </a:solidFill>
+                        <a:effectLst/>
+                        <a:latin typeface="Liberation Sans"/>
+                      </a:endParaRPr>
+                    </a:p>
+                  </a:txBody>
+                  <a:tcPr marL="9525" marR="9525" marT="9525" marB="0" anchor="b"/>
+                </a:tc>
+              </a:tr>
+              <a:tr h="220790">
+                <a:tc>
+                  <a:txBody>
+                    <a:bodyPr/>
+                    <a:lstStyle/>
+                    <a:p>
+                      <a:pPr algn="l" fontAlgn="b"/>
+                      <a:r>
+                        <a:rPr lang="en-US" sz="1100" u="none" strike="noStrike">
+                          <a:effectLst/>
+                        </a:rPr>
+                        <a:t>IMU</a:t>
+                      </a:r>
+                      <a:endParaRPr lang="en-US" sz="1100" b="0" i="0" u="none" strike="noStrike">
+                        <a:solidFill>
+                          <a:srgbClr val="000000"/>
+                        </a:solidFill>
+                        <a:effectLst/>
+                        <a:latin typeface="Liberation Sans"/>
+                      </a:endParaRPr>
+                    </a:p>
+                  </a:txBody>
+                  <a:tcPr marL="9525" marR="9525" marT="9525" marB="0" anchor="b"/>
+                </a:tc>
+                <a:tc>
+                  <a:txBody>
+                    <a:bodyPr/>
+                    <a:lstStyle/>
+                    <a:p>
+                      <a:pPr algn="l" fontAlgn="b"/>
+                      <a:endParaRPr lang="en-US" sz="1100" b="0" i="0" u="none" strike="noStrike">
+                        <a:solidFill>
+                          <a:srgbClr val="000000"/>
+                        </a:solidFill>
+                        <a:effectLst/>
+                        <a:latin typeface="Liberation Sans"/>
+                      </a:endParaRPr>
+                    </a:p>
+                  </a:txBody>
+                  <a:tcPr marL="9525" marR="9525" marT="9525" marB="0" anchor="b"/>
+                </a:tc>
+                <a:tc>
+                  <a:txBody>
+                    <a:bodyPr/>
+                    <a:lstStyle/>
+                    <a:p>
+                      <a:pPr algn="l" fontAlgn="b"/>
+                      <a:r>
+                        <a:rPr lang="en-US" sz="1100" u="none" strike="noStrike">
+                          <a:effectLst/>
+                        </a:rPr>
+                        <a:t>Mouser</a:t>
+                      </a:r>
+                      <a:endParaRPr lang="en-US" sz="1100" b="0" i="0" u="none" strike="noStrike">
+                        <a:solidFill>
+                          <a:srgbClr val="000000"/>
+                        </a:solidFill>
+                        <a:effectLst/>
+                        <a:latin typeface="Liberation Sans"/>
+                      </a:endParaRPr>
+                    </a:p>
+                  </a:txBody>
+                  <a:tcPr marL="9525" marR="9525" marT="9525" marB="0" anchor="b"/>
+                </a:tc>
+                <a:tc>
+                  <a:txBody>
+                    <a:bodyPr/>
+                    <a:lstStyle/>
+                    <a:p>
+                      <a:pPr algn="r" fontAlgn="b"/>
+                      <a:r>
+                        <a:rPr lang="en-US" sz="1100" u="none" strike="noStrike">
+                          <a:effectLst/>
+                        </a:rPr>
+                        <a:t>$28.75 </a:t>
+                      </a:r>
+                      <a:endParaRPr lang="en-US" sz="1100" b="0" i="0" u="none" strike="noStrike">
+                        <a:solidFill>
+                          <a:srgbClr val="000000"/>
+                        </a:solidFill>
+                        <a:effectLst/>
+                        <a:latin typeface="Liberation Sans"/>
+                      </a:endParaRPr>
+                    </a:p>
+                  </a:txBody>
+                  <a:tcPr marL="9525" marR="9525" marT="9525" marB="0" anchor="b"/>
+                </a:tc>
+                <a:tc>
+                  <a:txBody>
+                    <a:bodyPr/>
+                    <a:lstStyle/>
+                    <a:p>
+                      <a:pPr algn="l" fontAlgn="b"/>
+                      <a:endParaRPr lang="en-US" sz="1100" b="0" i="0" u="none" strike="noStrike">
+                        <a:solidFill>
+                          <a:srgbClr val="000000"/>
+                        </a:solidFill>
+                        <a:effectLst/>
+                        <a:latin typeface="Liberation Sans"/>
+                      </a:endParaRPr>
+                    </a:p>
+                  </a:txBody>
+                  <a:tcPr marL="9525" marR="9525" marT="9525" marB="0" anchor="b"/>
+                </a:tc>
+                <a:tc>
+                  <a:txBody>
+                    <a:bodyPr/>
+                    <a:lstStyle/>
+                    <a:p>
+                      <a:pPr algn="r" fontAlgn="b"/>
+                      <a:r>
+                        <a:rPr lang="en-US" sz="1100" u="none" strike="noStrike">
+                          <a:effectLst/>
+                        </a:rPr>
+                        <a:t>2</a:t>
+                      </a:r>
+                      <a:endParaRPr lang="en-US" sz="1100" b="0" i="0" u="none" strike="noStrike">
+                        <a:solidFill>
+                          <a:srgbClr val="000000"/>
+                        </a:solidFill>
+                        <a:effectLst/>
+                        <a:latin typeface="Liberation Sans"/>
+                      </a:endParaRPr>
+                    </a:p>
+                  </a:txBody>
+                  <a:tcPr marL="9525" marR="9525" marT="9525" marB="0" anchor="b"/>
+                </a:tc>
+                <a:tc>
+                  <a:txBody>
+                    <a:bodyPr/>
+                    <a:lstStyle/>
+                    <a:p>
+                      <a:pPr algn="r" fontAlgn="b"/>
+                      <a:r>
+                        <a:rPr lang="en-US" sz="1100" u="none" strike="noStrike">
+                          <a:effectLst/>
+                        </a:rPr>
+                        <a:t>57.5</a:t>
+                      </a:r>
+                      <a:endParaRPr lang="en-US" sz="1100" b="0" i="0" u="none" strike="noStrike">
+                        <a:solidFill>
+                          <a:srgbClr val="000000"/>
+                        </a:solidFill>
+                        <a:effectLst/>
+                        <a:latin typeface="Liberation Sans"/>
+                      </a:endParaRPr>
+                    </a:p>
+                  </a:txBody>
+                  <a:tcPr marL="9525" marR="9525" marT="9525" marB="0" anchor="b"/>
+                </a:tc>
+              </a:tr>
+              <a:tr h="220790">
+                <a:tc>
+                  <a:txBody>
+                    <a:bodyPr/>
+                    <a:lstStyle/>
+                    <a:p>
+                      <a:pPr algn="l" fontAlgn="b"/>
+                      <a:r>
+                        <a:rPr lang="en-US" sz="1100" u="none" strike="noStrike">
+                          <a:effectLst/>
+                        </a:rPr>
+                        <a:t>GPS</a:t>
+                      </a:r>
+                      <a:endParaRPr lang="en-US" sz="1100" b="0" i="0" u="none" strike="noStrike">
+                        <a:solidFill>
+                          <a:srgbClr val="000000"/>
+                        </a:solidFill>
+                        <a:effectLst/>
+                        <a:latin typeface="Liberation Sans"/>
+                      </a:endParaRPr>
+                    </a:p>
+                  </a:txBody>
+                  <a:tcPr marL="9525" marR="9525" marT="9525" marB="0" anchor="b"/>
+                </a:tc>
+                <a:tc>
+                  <a:txBody>
+                    <a:bodyPr/>
+                    <a:lstStyle/>
+                    <a:p>
+                      <a:pPr algn="l" fontAlgn="b"/>
+                      <a:endParaRPr lang="en-US" sz="1100" b="0" i="0" u="none" strike="noStrike">
+                        <a:solidFill>
+                          <a:srgbClr val="000000"/>
+                        </a:solidFill>
+                        <a:effectLst/>
+                        <a:latin typeface="Liberation Sans"/>
+                      </a:endParaRPr>
+                    </a:p>
+                  </a:txBody>
+                  <a:tcPr marL="9525" marR="9525" marT="9525" marB="0" anchor="b"/>
+                </a:tc>
+                <a:tc>
+                  <a:txBody>
+                    <a:bodyPr/>
+                    <a:lstStyle/>
+                    <a:p>
+                      <a:pPr algn="l" fontAlgn="b"/>
+                      <a:r>
+                        <a:rPr lang="en-US" sz="1100" u="none" strike="noStrike">
+                          <a:effectLst/>
+                        </a:rPr>
+                        <a:t>SparkFun</a:t>
+                      </a:r>
+                      <a:endParaRPr lang="en-US" sz="1100" b="0" i="0" u="none" strike="noStrike">
+                        <a:solidFill>
+                          <a:srgbClr val="000000"/>
+                        </a:solidFill>
+                        <a:effectLst/>
+                        <a:latin typeface="Liberation Sans"/>
+                      </a:endParaRPr>
+                    </a:p>
+                  </a:txBody>
+                  <a:tcPr marL="9525" marR="9525" marT="9525" marB="0" anchor="b"/>
+                </a:tc>
+                <a:tc>
+                  <a:txBody>
+                    <a:bodyPr/>
+                    <a:lstStyle/>
+                    <a:p>
+                      <a:pPr algn="r" fontAlgn="b"/>
+                      <a:r>
+                        <a:rPr lang="en-US" sz="1100" u="none" strike="noStrike">
+                          <a:effectLst/>
+                        </a:rPr>
+                        <a:t>49.99</a:t>
+                      </a:r>
+                      <a:endParaRPr lang="en-US" sz="1100" b="0" i="0" u="none" strike="noStrike">
+                        <a:solidFill>
+                          <a:srgbClr val="000000"/>
+                        </a:solidFill>
+                        <a:effectLst/>
+                        <a:latin typeface="Liberation Sans"/>
+                      </a:endParaRPr>
+                    </a:p>
+                  </a:txBody>
+                  <a:tcPr marL="9525" marR="9525" marT="9525" marB="0" anchor="b"/>
+                </a:tc>
+                <a:tc>
+                  <a:txBody>
+                    <a:bodyPr/>
+                    <a:lstStyle/>
+                    <a:p>
+                      <a:pPr algn="l" fontAlgn="b"/>
+                      <a:endParaRPr lang="en-US" sz="1100" b="0" i="0" u="none" strike="noStrike">
+                        <a:solidFill>
+                          <a:srgbClr val="000000"/>
+                        </a:solidFill>
+                        <a:effectLst/>
+                        <a:latin typeface="Liberation Sans"/>
+                      </a:endParaRPr>
+                    </a:p>
+                  </a:txBody>
+                  <a:tcPr marL="9525" marR="9525" marT="9525" marB="0" anchor="b"/>
+                </a:tc>
+                <a:tc>
+                  <a:txBody>
+                    <a:bodyPr/>
+                    <a:lstStyle/>
+                    <a:p>
+                      <a:pPr algn="r" fontAlgn="b"/>
+                      <a:r>
+                        <a:rPr lang="en-US" sz="1100" u="none" strike="noStrike">
+                          <a:effectLst/>
+                        </a:rPr>
+                        <a:t>2</a:t>
+                      </a:r>
+                      <a:endParaRPr lang="en-US" sz="1100" b="0" i="0" u="none" strike="noStrike">
+                        <a:solidFill>
+                          <a:srgbClr val="000000"/>
+                        </a:solidFill>
+                        <a:effectLst/>
+                        <a:latin typeface="Liberation Sans"/>
+                      </a:endParaRPr>
+                    </a:p>
+                  </a:txBody>
+                  <a:tcPr marL="9525" marR="9525" marT="9525" marB="0" anchor="b"/>
+                </a:tc>
+                <a:tc>
+                  <a:txBody>
+                    <a:bodyPr/>
+                    <a:lstStyle/>
+                    <a:p>
+                      <a:pPr algn="r" fontAlgn="b"/>
+                      <a:r>
+                        <a:rPr lang="en-US" sz="1100" u="none" strike="noStrike">
+                          <a:effectLst/>
+                        </a:rPr>
+                        <a:t>99.98</a:t>
+                      </a:r>
+                      <a:endParaRPr lang="en-US" sz="1100" b="0" i="0" u="none" strike="noStrike">
+                        <a:solidFill>
+                          <a:srgbClr val="000000"/>
+                        </a:solidFill>
+                        <a:effectLst/>
+                        <a:latin typeface="Liberation Sans"/>
+                      </a:endParaRPr>
+                    </a:p>
+                  </a:txBody>
+                  <a:tcPr marL="9525" marR="9525" marT="9525" marB="0" anchor="b"/>
+                </a:tc>
+              </a:tr>
+              <a:tr h="220790">
+                <a:tc>
+                  <a:txBody>
+                    <a:bodyPr/>
+                    <a:lstStyle/>
+                    <a:p>
+                      <a:pPr algn="l" fontAlgn="b"/>
+                      <a:r>
+                        <a:rPr lang="en-US" sz="1100" u="none" strike="noStrike">
+                          <a:effectLst/>
+                        </a:rPr>
+                        <a:t>Passives</a:t>
+                      </a:r>
+                      <a:endParaRPr lang="en-US" sz="1100" b="0" i="0" u="none" strike="noStrike">
+                        <a:solidFill>
+                          <a:srgbClr val="000000"/>
+                        </a:solidFill>
+                        <a:effectLst/>
+                        <a:latin typeface="Liberation Sans"/>
+                      </a:endParaRPr>
+                    </a:p>
+                  </a:txBody>
+                  <a:tcPr marL="9525" marR="9525" marT="9525" marB="0" anchor="b"/>
+                </a:tc>
+                <a:tc>
+                  <a:txBody>
+                    <a:bodyPr/>
+                    <a:lstStyle/>
+                    <a:p>
+                      <a:pPr algn="l" fontAlgn="b"/>
+                      <a:endParaRPr lang="en-US" sz="1100" b="0" i="0" u="none" strike="noStrike">
+                        <a:solidFill>
+                          <a:srgbClr val="000000"/>
+                        </a:solidFill>
+                        <a:effectLst/>
+                        <a:latin typeface="Liberation Sans"/>
+                      </a:endParaRPr>
+                    </a:p>
+                  </a:txBody>
+                  <a:tcPr marL="9525" marR="9525" marT="9525" marB="0" anchor="b"/>
+                </a:tc>
+                <a:tc>
+                  <a:txBody>
+                    <a:bodyPr/>
+                    <a:lstStyle/>
+                    <a:p>
+                      <a:pPr algn="l" fontAlgn="b"/>
+                      <a:r>
+                        <a:rPr lang="en-US" sz="1100" u="none" strike="noStrike">
+                          <a:effectLst/>
+                        </a:rPr>
+                        <a:t>?????</a:t>
+                      </a:r>
+                      <a:endParaRPr lang="en-US" sz="1100" b="0" i="0" u="none" strike="noStrike">
+                        <a:solidFill>
+                          <a:srgbClr val="000000"/>
+                        </a:solidFill>
+                        <a:effectLst/>
+                        <a:latin typeface="Liberation Sans"/>
+                      </a:endParaRPr>
+                    </a:p>
+                  </a:txBody>
+                  <a:tcPr marL="9525" marR="9525" marT="9525" marB="0" anchor="b"/>
+                </a:tc>
+                <a:tc>
+                  <a:txBody>
+                    <a:bodyPr/>
+                    <a:lstStyle/>
+                    <a:p>
+                      <a:pPr algn="r" fontAlgn="b"/>
+                      <a:r>
+                        <a:rPr lang="en-US" sz="1100" u="none" strike="noStrike">
+                          <a:effectLst/>
+                        </a:rPr>
+                        <a:t>10</a:t>
+                      </a:r>
+                      <a:endParaRPr lang="en-US" sz="1100" b="0" i="0" u="none" strike="noStrike">
+                        <a:solidFill>
+                          <a:srgbClr val="000000"/>
+                        </a:solidFill>
+                        <a:effectLst/>
+                        <a:latin typeface="Liberation Sans"/>
+                      </a:endParaRPr>
+                    </a:p>
+                  </a:txBody>
+                  <a:tcPr marL="9525" marR="9525" marT="9525" marB="0" anchor="b"/>
+                </a:tc>
+                <a:tc>
+                  <a:txBody>
+                    <a:bodyPr/>
+                    <a:lstStyle/>
+                    <a:p>
+                      <a:pPr algn="l" fontAlgn="b"/>
+                      <a:endParaRPr lang="en-US" sz="1100" b="0" i="0" u="none" strike="noStrike">
+                        <a:solidFill>
+                          <a:srgbClr val="000000"/>
+                        </a:solidFill>
+                        <a:effectLst/>
+                        <a:latin typeface="Liberation Sans"/>
+                      </a:endParaRPr>
+                    </a:p>
+                  </a:txBody>
+                  <a:tcPr marL="9525" marR="9525" marT="9525" marB="0" anchor="b"/>
+                </a:tc>
+                <a:tc>
+                  <a:txBody>
+                    <a:bodyPr/>
+                    <a:lstStyle/>
+                    <a:p>
+                      <a:pPr algn="r" fontAlgn="b"/>
+                      <a:r>
+                        <a:rPr lang="en-US" sz="1100" u="none" strike="noStrike">
+                          <a:effectLst/>
+                        </a:rPr>
+                        <a:t>2</a:t>
+                      </a:r>
+                      <a:endParaRPr lang="en-US" sz="1100" b="0" i="0" u="none" strike="noStrike">
+                        <a:solidFill>
+                          <a:srgbClr val="000000"/>
+                        </a:solidFill>
+                        <a:effectLst/>
+                        <a:latin typeface="Liberation Sans"/>
+                      </a:endParaRPr>
+                    </a:p>
+                  </a:txBody>
+                  <a:tcPr marL="9525" marR="9525" marT="9525" marB="0" anchor="b"/>
+                </a:tc>
+                <a:tc>
+                  <a:txBody>
+                    <a:bodyPr/>
+                    <a:lstStyle/>
+                    <a:p>
+                      <a:pPr algn="r" fontAlgn="b"/>
+                      <a:r>
+                        <a:rPr lang="en-US" sz="1100" u="none" strike="noStrike">
+                          <a:effectLst/>
+                        </a:rPr>
+                        <a:t>20</a:t>
+                      </a:r>
+                      <a:endParaRPr lang="en-US" sz="1100" b="0" i="0" u="none" strike="noStrike">
+                        <a:solidFill>
+                          <a:srgbClr val="000000"/>
+                        </a:solidFill>
+                        <a:effectLst/>
+                        <a:latin typeface="Liberation Sans"/>
+                      </a:endParaRPr>
+                    </a:p>
+                  </a:txBody>
+                  <a:tcPr marL="9525" marR="9525" marT="9525" marB="0" anchor="b"/>
+                </a:tc>
+              </a:tr>
+              <a:tr h="220790">
+                <a:tc>
+                  <a:txBody>
+                    <a:bodyPr/>
+                    <a:lstStyle/>
+                    <a:p>
+                      <a:pPr algn="l" fontAlgn="b"/>
+                      <a:r>
+                        <a:rPr lang="en-US" sz="1100" u="none" strike="noStrike">
+                          <a:effectLst/>
+                        </a:rPr>
+                        <a:t>PCB</a:t>
+                      </a:r>
+                      <a:endParaRPr lang="en-US" sz="1100" b="0" i="0" u="none" strike="noStrike">
+                        <a:solidFill>
+                          <a:srgbClr val="000000"/>
+                        </a:solidFill>
+                        <a:effectLst/>
+                        <a:latin typeface="Liberation Sans"/>
+                      </a:endParaRPr>
+                    </a:p>
+                  </a:txBody>
+                  <a:tcPr marL="9525" marR="9525" marT="9525" marB="0" anchor="b"/>
+                </a:tc>
+                <a:tc>
+                  <a:txBody>
+                    <a:bodyPr/>
+                    <a:lstStyle/>
+                    <a:p>
+                      <a:pPr algn="l" fontAlgn="b"/>
+                      <a:endParaRPr lang="en-US" sz="1100" b="0" i="0" u="none" strike="noStrike">
+                        <a:solidFill>
+                          <a:srgbClr val="000000"/>
+                        </a:solidFill>
+                        <a:effectLst/>
+                        <a:latin typeface="Liberation Sans"/>
+                      </a:endParaRPr>
+                    </a:p>
+                  </a:txBody>
+                  <a:tcPr marL="9525" marR="9525" marT="9525" marB="0" anchor="b"/>
+                </a:tc>
+                <a:tc>
+                  <a:txBody>
+                    <a:bodyPr/>
+                    <a:lstStyle/>
+                    <a:p>
+                      <a:pPr algn="l" fontAlgn="b"/>
+                      <a:r>
+                        <a:rPr lang="en-US" sz="1100" u="none" strike="noStrike">
+                          <a:effectLst/>
+                        </a:rPr>
+                        <a:t>Oshpark</a:t>
+                      </a:r>
+                      <a:endParaRPr lang="en-US" sz="1100" b="0" i="0" u="none" strike="noStrike">
+                        <a:solidFill>
+                          <a:srgbClr val="000000"/>
+                        </a:solidFill>
+                        <a:effectLst/>
+                        <a:latin typeface="Liberation Sans"/>
+                      </a:endParaRPr>
+                    </a:p>
+                  </a:txBody>
+                  <a:tcPr marL="9525" marR="9525" marT="9525" marB="0" anchor="b"/>
+                </a:tc>
+                <a:tc>
+                  <a:txBody>
+                    <a:bodyPr/>
+                    <a:lstStyle/>
+                    <a:p>
+                      <a:pPr algn="r" fontAlgn="b"/>
+                      <a:r>
+                        <a:rPr lang="en-US" sz="1100" u="none" strike="noStrike">
+                          <a:effectLst/>
+                        </a:rPr>
+                        <a:t>40</a:t>
+                      </a:r>
+                      <a:endParaRPr lang="en-US" sz="1100" b="0" i="0" u="none" strike="noStrike">
+                        <a:solidFill>
+                          <a:srgbClr val="000000"/>
+                        </a:solidFill>
+                        <a:effectLst/>
+                        <a:latin typeface="Liberation Sans"/>
+                      </a:endParaRPr>
+                    </a:p>
+                  </a:txBody>
+                  <a:tcPr marL="9525" marR="9525" marT="9525" marB="0" anchor="b"/>
+                </a:tc>
+                <a:tc>
+                  <a:txBody>
+                    <a:bodyPr/>
+                    <a:lstStyle/>
+                    <a:p>
+                      <a:pPr algn="l" fontAlgn="b"/>
+                      <a:endParaRPr lang="en-US" sz="1100" b="0" i="0" u="none" strike="noStrike">
+                        <a:solidFill>
+                          <a:srgbClr val="000000"/>
+                        </a:solidFill>
+                        <a:effectLst/>
+                        <a:latin typeface="Liberation Sans"/>
+                      </a:endParaRPr>
+                    </a:p>
+                  </a:txBody>
+                  <a:tcPr marL="9525" marR="9525" marT="9525" marB="0" anchor="b"/>
+                </a:tc>
+                <a:tc>
+                  <a:txBody>
+                    <a:bodyPr/>
+                    <a:lstStyle/>
+                    <a:p>
+                      <a:pPr algn="r" fontAlgn="b"/>
+                      <a:r>
+                        <a:rPr lang="en-US" sz="1100" u="none" strike="noStrike">
+                          <a:effectLst/>
+                        </a:rPr>
+                        <a:t>2</a:t>
+                      </a:r>
+                      <a:endParaRPr lang="en-US" sz="1100" b="0" i="0" u="none" strike="noStrike">
+                        <a:solidFill>
+                          <a:srgbClr val="000000"/>
+                        </a:solidFill>
+                        <a:effectLst/>
+                        <a:latin typeface="Liberation Sans"/>
+                      </a:endParaRPr>
+                    </a:p>
+                  </a:txBody>
+                  <a:tcPr marL="9525" marR="9525" marT="9525" marB="0" anchor="b"/>
+                </a:tc>
+                <a:tc>
+                  <a:txBody>
+                    <a:bodyPr/>
+                    <a:lstStyle/>
+                    <a:p>
+                      <a:pPr algn="r" fontAlgn="b"/>
+                      <a:r>
+                        <a:rPr lang="en-US" sz="1100" u="none" strike="noStrike">
+                          <a:effectLst/>
+                        </a:rPr>
+                        <a:t>80</a:t>
+                      </a:r>
+                      <a:endParaRPr lang="en-US" sz="1100" b="0" i="0" u="none" strike="noStrike">
+                        <a:solidFill>
+                          <a:srgbClr val="000000"/>
+                        </a:solidFill>
+                        <a:effectLst/>
+                        <a:latin typeface="Liberation Sans"/>
+                      </a:endParaRPr>
+                    </a:p>
+                  </a:txBody>
+                  <a:tcPr marL="9525" marR="9525" marT="9525" marB="0" anchor="b"/>
+                </a:tc>
+              </a:tr>
+              <a:tr h="220790">
+                <a:tc>
+                  <a:txBody>
+                    <a:bodyPr/>
+                    <a:lstStyle/>
+                    <a:p>
+                      <a:pPr algn="l" fontAlgn="b"/>
+                      <a:r>
+                        <a:rPr lang="en-US" sz="1100" u="none" strike="noStrike">
+                          <a:effectLst/>
+                        </a:rPr>
+                        <a:t>Microcontroller</a:t>
+                      </a:r>
+                      <a:endParaRPr lang="en-US" sz="1100" b="0" i="0" u="none" strike="noStrike">
+                        <a:solidFill>
+                          <a:srgbClr val="000000"/>
+                        </a:solidFill>
+                        <a:effectLst/>
+                        <a:latin typeface="Liberation Sans"/>
+                      </a:endParaRPr>
+                    </a:p>
+                  </a:txBody>
+                  <a:tcPr marL="9525" marR="9525" marT="9525" marB="0" anchor="b"/>
+                </a:tc>
+                <a:tc>
+                  <a:txBody>
+                    <a:bodyPr/>
+                    <a:lstStyle/>
+                    <a:p>
+                      <a:pPr algn="l" fontAlgn="b"/>
+                      <a:endParaRPr lang="en-US" sz="1100" b="0" i="0" u="none" strike="noStrike">
+                        <a:solidFill>
+                          <a:srgbClr val="000000"/>
+                        </a:solidFill>
+                        <a:effectLst/>
+                        <a:latin typeface="Liberation Sans"/>
+                      </a:endParaRPr>
+                    </a:p>
+                  </a:txBody>
+                  <a:tcPr marL="9525" marR="9525" marT="9525" marB="0" anchor="b"/>
+                </a:tc>
+                <a:tc>
+                  <a:txBody>
+                    <a:bodyPr/>
+                    <a:lstStyle/>
+                    <a:p>
+                      <a:pPr algn="l" fontAlgn="b"/>
+                      <a:r>
+                        <a:rPr lang="en-US" sz="1100" u="none" strike="noStrike">
+                          <a:effectLst/>
+                        </a:rPr>
+                        <a:t>DigiKey</a:t>
+                      </a:r>
+                      <a:endParaRPr lang="en-US" sz="1100" b="0" i="0" u="none" strike="noStrike">
+                        <a:solidFill>
+                          <a:srgbClr val="000000"/>
+                        </a:solidFill>
+                        <a:effectLst/>
+                        <a:latin typeface="Liberation Sans"/>
+                      </a:endParaRPr>
+                    </a:p>
+                  </a:txBody>
+                  <a:tcPr marL="9525" marR="9525" marT="9525" marB="0" anchor="b"/>
+                </a:tc>
+                <a:tc>
+                  <a:txBody>
+                    <a:bodyPr/>
+                    <a:lstStyle/>
+                    <a:p>
+                      <a:pPr algn="r" fontAlgn="b"/>
+                      <a:r>
+                        <a:rPr lang="en-US" sz="1100" u="none" strike="noStrike">
+                          <a:effectLst/>
+                        </a:rPr>
+                        <a:t>11.45</a:t>
+                      </a:r>
+                      <a:endParaRPr lang="en-US" sz="1100" b="0" i="0" u="none" strike="noStrike">
+                        <a:solidFill>
+                          <a:srgbClr val="000000"/>
+                        </a:solidFill>
+                        <a:effectLst/>
+                        <a:latin typeface="Liberation Sans"/>
+                      </a:endParaRPr>
+                    </a:p>
+                  </a:txBody>
+                  <a:tcPr marL="9525" marR="9525" marT="9525" marB="0" anchor="b"/>
+                </a:tc>
+                <a:tc>
+                  <a:txBody>
+                    <a:bodyPr/>
+                    <a:lstStyle/>
+                    <a:p>
+                      <a:pPr algn="l" fontAlgn="b"/>
+                      <a:endParaRPr lang="en-US" sz="1100" b="0" i="0" u="none" strike="noStrike">
+                        <a:solidFill>
+                          <a:srgbClr val="000000"/>
+                        </a:solidFill>
+                        <a:effectLst/>
+                        <a:latin typeface="Liberation Sans"/>
+                      </a:endParaRPr>
+                    </a:p>
+                  </a:txBody>
+                  <a:tcPr marL="9525" marR="9525" marT="9525" marB="0" anchor="b"/>
+                </a:tc>
+                <a:tc>
+                  <a:txBody>
+                    <a:bodyPr/>
+                    <a:lstStyle/>
+                    <a:p>
+                      <a:pPr algn="r" fontAlgn="b"/>
+                      <a:r>
+                        <a:rPr lang="en-US" sz="1100" u="none" strike="noStrike">
+                          <a:effectLst/>
+                        </a:rPr>
+                        <a:t>2</a:t>
+                      </a:r>
+                      <a:endParaRPr lang="en-US" sz="1100" b="0" i="0" u="none" strike="noStrike">
+                        <a:solidFill>
+                          <a:srgbClr val="000000"/>
+                        </a:solidFill>
+                        <a:effectLst/>
+                        <a:latin typeface="Liberation Sans"/>
+                      </a:endParaRPr>
+                    </a:p>
+                  </a:txBody>
+                  <a:tcPr marL="9525" marR="9525" marT="9525" marB="0" anchor="b"/>
+                </a:tc>
+                <a:tc>
+                  <a:txBody>
+                    <a:bodyPr/>
+                    <a:lstStyle/>
+                    <a:p>
+                      <a:pPr algn="r" fontAlgn="b"/>
+                      <a:r>
+                        <a:rPr lang="en-US" sz="1100" u="none" strike="noStrike">
+                          <a:effectLst/>
+                        </a:rPr>
+                        <a:t>22.9</a:t>
+                      </a:r>
+                      <a:endParaRPr lang="en-US" sz="1100" b="0" i="0" u="none" strike="noStrike">
+                        <a:solidFill>
+                          <a:srgbClr val="000000"/>
+                        </a:solidFill>
+                        <a:effectLst/>
+                        <a:latin typeface="Liberation Sans"/>
+                      </a:endParaRPr>
+                    </a:p>
+                  </a:txBody>
+                  <a:tcPr marL="9525" marR="9525" marT="9525" marB="0" anchor="b"/>
+                </a:tc>
+              </a:tr>
+              <a:tr h="220790">
+                <a:tc>
+                  <a:txBody>
+                    <a:bodyPr/>
+                    <a:lstStyle/>
+                    <a:p>
+                      <a:pPr algn="l" fontAlgn="b"/>
+                      <a:r>
+                        <a:rPr lang="en-US" sz="1100" u="none" strike="noStrike">
+                          <a:effectLst/>
+                        </a:rPr>
+                        <a:t>Power Supply</a:t>
+                      </a:r>
+                      <a:endParaRPr lang="en-US" sz="1100" b="0" i="0" u="none" strike="noStrike">
+                        <a:solidFill>
+                          <a:srgbClr val="000000"/>
+                        </a:solidFill>
+                        <a:effectLst/>
+                        <a:latin typeface="Liberation Sans"/>
+                      </a:endParaRPr>
+                    </a:p>
+                  </a:txBody>
+                  <a:tcPr marL="9525" marR="9525" marT="9525" marB="0" anchor="b"/>
+                </a:tc>
+                <a:tc>
+                  <a:txBody>
+                    <a:bodyPr/>
+                    <a:lstStyle/>
+                    <a:p>
+                      <a:pPr algn="l" fontAlgn="b"/>
+                      <a:endParaRPr lang="en-US" sz="1100" b="0" i="0" u="none" strike="noStrike">
+                        <a:solidFill>
+                          <a:srgbClr val="000000"/>
+                        </a:solidFill>
+                        <a:effectLst/>
+                        <a:latin typeface="Liberation Sans"/>
+                      </a:endParaRPr>
+                    </a:p>
+                  </a:txBody>
+                  <a:tcPr marL="9525" marR="9525" marT="9525" marB="0" anchor="b"/>
+                </a:tc>
+                <a:tc>
+                  <a:txBody>
+                    <a:bodyPr/>
+                    <a:lstStyle/>
+                    <a:p>
+                      <a:pPr algn="l" fontAlgn="b"/>
+                      <a:r>
+                        <a:rPr lang="en-US" sz="1100" u="none" strike="noStrike">
+                          <a:effectLst/>
+                        </a:rPr>
+                        <a:t>????</a:t>
+                      </a:r>
+                      <a:endParaRPr lang="en-US" sz="1100" b="0" i="0" u="none" strike="noStrike">
+                        <a:solidFill>
+                          <a:srgbClr val="000000"/>
+                        </a:solidFill>
+                        <a:effectLst/>
+                        <a:latin typeface="Liberation Sans"/>
+                      </a:endParaRPr>
+                    </a:p>
+                  </a:txBody>
+                  <a:tcPr marL="9525" marR="9525" marT="9525" marB="0" anchor="b"/>
+                </a:tc>
+                <a:tc>
+                  <a:txBody>
+                    <a:bodyPr/>
+                    <a:lstStyle/>
+                    <a:p>
+                      <a:pPr algn="r" fontAlgn="b"/>
+                      <a:r>
+                        <a:rPr lang="en-US" sz="1100" u="none" strike="noStrike">
+                          <a:effectLst/>
+                        </a:rPr>
+                        <a:t>30</a:t>
+                      </a:r>
+                      <a:endParaRPr lang="en-US" sz="1100" b="0" i="0" u="none" strike="noStrike">
+                        <a:solidFill>
+                          <a:srgbClr val="000000"/>
+                        </a:solidFill>
+                        <a:effectLst/>
+                        <a:latin typeface="Liberation Sans"/>
+                      </a:endParaRPr>
+                    </a:p>
+                  </a:txBody>
+                  <a:tcPr marL="9525" marR="9525" marT="9525" marB="0" anchor="b"/>
+                </a:tc>
+                <a:tc>
+                  <a:txBody>
+                    <a:bodyPr/>
+                    <a:lstStyle/>
+                    <a:p>
+                      <a:pPr algn="l" fontAlgn="b"/>
+                      <a:endParaRPr lang="en-US" sz="1100" b="0" i="0" u="none" strike="noStrike">
+                        <a:solidFill>
+                          <a:srgbClr val="000000"/>
+                        </a:solidFill>
+                        <a:effectLst/>
+                        <a:latin typeface="Liberation Sans"/>
+                      </a:endParaRPr>
+                    </a:p>
+                  </a:txBody>
+                  <a:tcPr marL="9525" marR="9525" marT="9525" marB="0" anchor="b"/>
+                </a:tc>
+                <a:tc>
+                  <a:txBody>
+                    <a:bodyPr/>
+                    <a:lstStyle/>
+                    <a:p>
+                      <a:pPr algn="r" fontAlgn="b"/>
+                      <a:r>
+                        <a:rPr lang="en-US" sz="1100" u="none" strike="noStrike">
+                          <a:effectLst/>
+                        </a:rPr>
+                        <a:t>2</a:t>
+                      </a:r>
+                      <a:endParaRPr lang="en-US" sz="1100" b="0" i="0" u="none" strike="noStrike">
+                        <a:solidFill>
+                          <a:srgbClr val="000000"/>
+                        </a:solidFill>
+                        <a:effectLst/>
+                        <a:latin typeface="Liberation Sans"/>
+                      </a:endParaRPr>
+                    </a:p>
+                  </a:txBody>
+                  <a:tcPr marL="9525" marR="9525" marT="9525" marB="0" anchor="b"/>
+                </a:tc>
+                <a:tc>
+                  <a:txBody>
+                    <a:bodyPr/>
+                    <a:lstStyle/>
+                    <a:p>
+                      <a:pPr algn="r" fontAlgn="b"/>
+                      <a:r>
+                        <a:rPr lang="en-US" sz="1100" u="none" strike="noStrike">
+                          <a:effectLst/>
+                        </a:rPr>
+                        <a:t>60</a:t>
+                      </a:r>
+                      <a:endParaRPr lang="en-US" sz="1100" b="0" i="0" u="none" strike="noStrike">
+                        <a:solidFill>
+                          <a:srgbClr val="000000"/>
+                        </a:solidFill>
+                        <a:effectLst/>
+                        <a:latin typeface="Liberation Sans"/>
+                      </a:endParaRPr>
+                    </a:p>
+                  </a:txBody>
+                  <a:tcPr marL="9525" marR="9525" marT="9525" marB="0" anchor="b"/>
+                </a:tc>
+              </a:tr>
+              <a:tr h="220790">
+                <a:tc>
+                  <a:txBody>
+                    <a:bodyPr/>
+                    <a:lstStyle/>
+                    <a:p>
+                      <a:pPr algn="l" fontAlgn="b"/>
+                      <a:r>
+                        <a:rPr lang="en-US" sz="1100" u="none" strike="noStrike">
+                          <a:effectLst/>
+                        </a:rPr>
+                        <a:t>Charger</a:t>
+                      </a:r>
+                      <a:endParaRPr lang="en-US" sz="1100" b="0" i="0" u="none" strike="noStrike">
+                        <a:solidFill>
+                          <a:srgbClr val="000000"/>
+                        </a:solidFill>
+                        <a:effectLst/>
+                        <a:latin typeface="Liberation Sans"/>
+                      </a:endParaRPr>
+                    </a:p>
+                  </a:txBody>
+                  <a:tcPr marL="9525" marR="9525" marT="9525" marB="0" anchor="b"/>
+                </a:tc>
+                <a:tc>
+                  <a:txBody>
+                    <a:bodyPr/>
+                    <a:lstStyle/>
+                    <a:p>
+                      <a:pPr algn="l" fontAlgn="b"/>
+                      <a:endParaRPr lang="en-US" sz="1100" b="0" i="0" u="none" strike="noStrike">
+                        <a:solidFill>
+                          <a:srgbClr val="000000"/>
+                        </a:solidFill>
+                        <a:effectLst/>
+                        <a:latin typeface="Liberation Sans"/>
+                      </a:endParaRPr>
+                    </a:p>
+                  </a:txBody>
+                  <a:tcPr marL="9525" marR="9525" marT="9525" marB="0" anchor="b"/>
+                </a:tc>
+                <a:tc>
+                  <a:txBody>
+                    <a:bodyPr/>
+                    <a:lstStyle/>
+                    <a:p>
+                      <a:pPr algn="l" fontAlgn="b"/>
+                      <a:r>
+                        <a:rPr lang="en-US" sz="1100" u="none" strike="noStrike">
+                          <a:effectLst/>
+                        </a:rPr>
+                        <a:t>BatterySpace</a:t>
+                      </a:r>
+                      <a:endParaRPr lang="en-US" sz="1100" b="0" i="0" u="none" strike="noStrike">
+                        <a:solidFill>
+                          <a:srgbClr val="000000"/>
+                        </a:solidFill>
+                        <a:effectLst/>
+                        <a:latin typeface="Liberation Sans"/>
+                      </a:endParaRPr>
+                    </a:p>
+                  </a:txBody>
+                  <a:tcPr marL="9525" marR="9525" marT="9525" marB="0" anchor="b"/>
+                </a:tc>
+                <a:tc>
+                  <a:txBody>
+                    <a:bodyPr/>
+                    <a:lstStyle/>
+                    <a:p>
+                      <a:pPr algn="r" fontAlgn="b"/>
+                      <a:r>
+                        <a:rPr lang="en-US" sz="1100" u="none" strike="noStrike">
+                          <a:effectLst/>
+                        </a:rPr>
+                        <a:t>39.95</a:t>
+                      </a:r>
+                      <a:endParaRPr lang="en-US" sz="1100" b="0" i="0" u="none" strike="noStrike">
+                        <a:solidFill>
+                          <a:srgbClr val="000000"/>
+                        </a:solidFill>
+                        <a:effectLst/>
+                        <a:latin typeface="Liberation Sans"/>
+                      </a:endParaRPr>
+                    </a:p>
+                  </a:txBody>
+                  <a:tcPr marL="9525" marR="9525" marT="9525" marB="0" anchor="b"/>
+                </a:tc>
+                <a:tc>
+                  <a:txBody>
+                    <a:bodyPr/>
+                    <a:lstStyle/>
+                    <a:p>
+                      <a:pPr algn="l" fontAlgn="b"/>
+                      <a:endParaRPr lang="en-US" sz="1100" b="0" i="0" u="none" strike="noStrike">
+                        <a:solidFill>
+                          <a:srgbClr val="000000"/>
+                        </a:solidFill>
+                        <a:effectLst/>
+                        <a:latin typeface="Liberation Sans"/>
+                      </a:endParaRPr>
+                    </a:p>
+                  </a:txBody>
+                  <a:tcPr marL="9525" marR="9525" marT="9525" marB="0" anchor="b"/>
+                </a:tc>
+                <a:tc>
+                  <a:txBody>
+                    <a:bodyPr/>
+                    <a:lstStyle/>
+                    <a:p>
+                      <a:pPr algn="r" fontAlgn="b"/>
+                      <a:r>
+                        <a:rPr lang="en-US" sz="1100" u="none" strike="noStrike">
+                          <a:effectLst/>
+                        </a:rPr>
+                        <a:t>2</a:t>
+                      </a:r>
+                      <a:endParaRPr lang="en-US" sz="1100" b="0" i="0" u="none" strike="noStrike">
+                        <a:solidFill>
+                          <a:srgbClr val="000000"/>
+                        </a:solidFill>
+                        <a:effectLst/>
+                        <a:latin typeface="Liberation Sans"/>
+                      </a:endParaRPr>
+                    </a:p>
+                  </a:txBody>
+                  <a:tcPr marL="9525" marR="9525" marT="9525" marB="0" anchor="b"/>
+                </a:tc>
+                <a:tc>
+                  <a:txBody>
+                    <a:bodyPr/>
+                    <a:lstStyle/>
+                    <a:p>
+                      <a:pPr algn="r" fontAlgn="b"/>
+                      <a:r>
+                        <a:rPr lang="en-US" sz="1100" u="none" strike="noStrike">
+                          <a:effectLst/>
+                        </a:rPr>
+                        <a:t>79.9</a:t>
+                      </a:r>
+                      <a:endParaRPr lang="en-US" sz="1100" b="0" i="0" u="none" strike="noStrike">
+                        <a:solidFill>
+                          <a:srgbClr val="000000"/>
+                        </a:solidFill>
+                        <a:effectLst/>
+                        <a:latin typeface="Liberation Sans"/>
+                      </a:endParaRPr>
+                    </a:p>
+                  </a:txBody>
+                  <a:tcPr marL="9525" marR="9525" marT="9525" marB="0" anchor="b"/>
+                </a:tc>
+              </a:tr>
+              <a:tr h="220790">
+                <a:tc>
+                  <a:txBody>
+                    <a:bodyPr/>
+                    <a:lstStyle/>
+                    <a:p>
+                      <a:pPr algn="l" fontAlgn="b"/>
+                      <a:r>
+                        <a:rPr lang="en-US" sz="1100" u="none" strike="noStrike">
+                          <a:effectLst/>
+                        </a:rPr>
+                        <a:t>Regulator</a:t>
+                      </a:r>
+                      <a:endParaRPr lang="en-US" sz="1100" b="0" i="0" u="none" strike="noStrike">
+                        <a:solidFill>
+                          <a:srgbClr val="000000"/>
+                        </a:solidFill>
+                        <a:effectLst/>
+                        <a:latin typeface="Liberation Sans"/>
+                      </a:endParaRPr>
+                    </a:p>
+                  </a:txBody>
+                  <a:tcPr marL="9525" marR="9525" marT="9525" marB="0" anchor="b"/>
+                </a:tc>
+                <a:tc>
+                  <a:txBody>
+                    <a:bodyPr/>
+                    <a:lstStyle/>
+                    <a:p>
+                      <a:pPr algn="l" fontAlgn="b"/>
+                      <a:endParaRPr lang="en-US" sz="1100" b="0" i="0" u="none" strike="noStrike">
+                        <a:solidFill>
+                          <a:srgbClr val="000000"/>
+                        </a:solidFill>
+                        <a:effectLst/>
+                        <a:latin typeface="Liberation Sans"/>
+                      </a:endParaRPr>
+                    </a:p>
+                  </a:txBody>
+                  <a:tcPr marL="9525" marR="9525" marT="9525" marB="0" anchor="b"/>
+                </a:tc>
+                <a:tc>
+                  <a:txBody>
+                    <a:bodyPr/>
+                    <a:lstStyle/>
+                    <a:p>
+                      <a:pPr algn="l" fontAlgn="b"/>
+                      <a:r>
+                        <a:rPr lang="en-US" sz="1100" u="none" strike="noStrike">
+                          <a:effectLst/>
+                        </a:rPr>
+                        <a:t>Mouser</a:t>
+                      </a:r>
+                      <a:endParaRPr lang="en-US" sz="1100" b="0" i="0" u="none" strike="noStrike">
+                        <a:solidFill>
+                          <a:srgbClr val="000000"/>
+                        </a:solidFill>
+                        <a:effectLst/>
+                        <a:latin typeface="Liberation Sans"/>
+                      </a:endParaRPr>
+                    </a:p>
+                  </a:txBody>
+                  <a:tcPr marL="9525" marR="9525" marT="9525" marB="0" anchor="b"/>
+                </a:tc>
+                <a:tc>
+                  <a:txBody>
+                    <a:bodyPr/>
+                    <a:lstStyle/>
+                    <a:p>
+                      <a:pPr algn="r" fontAlgn="b"/>
+                      <a:r>
+                        <a:rPr lang="en-US" sz="1100" u="none" strike="noStrike">
+                          <a:effectLst/>
+                        </a:rPr>
+                        <a:t>13.23</a:t>
+                      </a:r>
+                      <a:endParaRPr lang="en-US" sz="1100" b="0" i="0" u="none" strike="noStrike">
+                        <a:solidFill>
+                          <a:srgbClr val="000000"/>
+                        </a:solidFill>
+                        <a:effectLst/>
+                        <a:latin typeface="Liberation Sans"/>
+                      </a:endParaRPr>
+                    </a:p>
+                  </a:txBody>
+                  <a:tcPr marL="9525" marR="9525" marT="9525" marB="0" anchor="b"/>
+                </a:tc>
+                <a:tc>
+                  <a:txBody>
+                    <a:bodyPr/>
+                    <a:lstStyle/>
+                    <a:p>
+                      <a:pPr algn="l" fontAlgn="b"/>
+                      <a:endParaRPr lang="en-US" sz="1100" b="0" i="0" u="none" strike="noStrike">
+                        <a:solidFill>
+                          <a:srgbClr val="000000"/>
+                        </a:solidFill>
+                        <a:effectLst/>
+                        <a:latin typeface="Liberation Sans"/>
+                      </a:endParaRPr>
+                    </a:p>
+                  </a:txBody>
+                  <a:tcPr marL="9525" marR="9525" marT="9525" marB="0" anchor="b"/>
+                </a:tc>
+                <a:tc>
+                  <a:txBody>
+                    <a:bodyPr/>
+                    <a:lstStyle/>
+                    <a:p>
+                      <a:pPr algn="r" fontAlgn="b"/>
+                      <a:r>
+                        <a:rPr lang="en-US" sz="1100" u="none" strike="noStrike">
+                          <a:effectLst/>
+                        </a:rPr>
+                        <a:t>2</a:t>
+                      </a:r>
+                      <a:endParaRPr lang="en-US" sz="1100" b="0" i="0" u="none" strike="noStrike">
+                        <a:solidFill>
+                          <a:srgbClr val="000000"/>
+                        </a:solidFill>
+                        <a:effectLst/>
+                        <a:latin typeface="Liberation Sans"/>
+                      </a:endParaRPr>
+                    </a:p>
+                  </a:txBody>
+                  <a:tcPr marL="9525" marR="9525" marT="9525" marB="0" anchor="b"/>
+                </a:tc>
+                <a:tc>
+                  <a:txBody>
+                    <a:bodyPr/>
+                    <a:lstStyle/>
+                    <a:p>
+                      <a:pPr algn="r" fontAlgn="b"/>
+                      <a:r>
+                        <a:rPr lang="en-US" sz="1100" u="none" strike="noStrike">
+                          <a:effectLst/>
+                        </a:rPr>
+                        <a:t>26.46</a:t>
+                      </a:r>
+                      <a:endParaRPr lang="en-US" sz="1100" b="0" i="0" u="none" strike="noStrike">
+                        <a:solidFill>
+                          <a:srgbClr val="000000"/>
+                        </a:solidFill>
+                        <a:effectLst/>
+                        <a:latin typeface="Liberation Sans"/>
+                      </a:endParaRPr>
+                    </a:p>
+                  </a:txBody>
+                  <a:tcPr marL="9525" marR="9525" marT="9525" marB="0" anchor="b"/>
+                </a:tc>
+              </a:tr>
+              <a:tr h="220790">
+                <a:tc>
+                  <a:txBody>
+                    <a:bodyPr/>
+                    <a:lstStyle/>
+                    <a:p>
+                      <a:pPr algn="l" fontAlgn="b"/>
+                      <a:r>
+                        <a:rPr lang="en-US" sz="1100" u="none" strike="noStrike">
+                          <a:effectLst/>
+                        </a:rPr>
+                        <a:t>Fuel Guage</a:t>
+                      </a:r>
+                      <a:endParaRPr lang="en-US" sz="1100" b="0" i="0" u="none" strike="noStrike">
+                        <a:solidFill>
+                          <a:srgbClr val="000000"/>
+                        </a:solidFill>
+                        <a:effectLst/>
+                        <a:latin typeface="Liberation Sans"/>
+                      </a:endParaRPr>
+                    </a:p>
+                  </a:txBody>
+                  <a:tcPr marL="9525" marR="9525" marT="9525" marB="0" anchor="b"/>
+                </a:tc>
+                <a:tc>
+                  <a:txBody>
+                    <a:bodyPr/>
+                    <a:lstStyle/>
+                    <a:p>
+                      <a:pPr algn="l" fontAlgn="b"/>
+                      <a:endParaRPr lang="en-US" sz="1100" b="0" i="0" u="none" strike="noStrike">
+                        <a:solidFill>
+                          <a:srgbClr val="000000"/>
+                        </a:solidFill>
+                        <a:effectLst/>
+                        <a:latin typeface="Liberation Sans"/>
+                      </a:endParaRPr>
+                    </a:p>
+                  </a:txBody>
+                  <a:tcPr marL="9525" marR="9525" marT="9525" marB="0" anchor="b"/>
+                </a:tc>
+                <a:tc>
+                  <a:txBody>
+                    <a:bodyPr/>
+                    <a:lstStyle/>
+                    <a:p>
+                      <a:pPr algn="l" fontAlgn="b"/>
+                      <a:r>
+                        <a:rPr lang="en-US" sz="1100" u="none" strike="noStrike" dirty="0">
+                          <a:effectLst/>
+                        </a:rPr>
+                        <a:t>????</a:t>
+                      </a:r>
+                      <a:endParaRPr lang="en-US" sz="1100" b="0" i="0" u="none" strike="noStrike" dirty="0">
+                        <a:solidFill>
+                          <a:srgbClr val="000000"/>
+                        </a:solidFill>
+                        <a:effectLst/>
+                        <a:latin typeface="Liberation Sans"/>
+                      </a:endParaRPr>
+                    </a:p>
+                  </a:txBody>
+                  <a:tcPr marL="9525" marR="9525" marT="9525" marB="0" anchor="b"/>
+                </a:tc>
+                <a:tc>
+                  <a:txBody>
+                    <a:bodyPr/>
+                    <a:lstStyle/>
+                    <a:p>
+                      <a:pPr algn="r" fontAlgn="b"/>
+                      <a:r>
+                        <a:rPr lang="en-US" sz="1100" u="none" strike="noStrike">
+                          <a:effectLst/>
+                        </a:rPr>
+                        <a:t>10</a:t>
+                      </a:r>
+                      <a:endParaRPr lang="en-US" sz="1100" b="0" i="0" u="none" strike="noStrike">
+                        <a:solidFill>
+                          <a:srgbClr val="000000"/>
+                        </a:solidFill>
+                        <a:effectLst/>
+                        <a:latin typeface="Liberation Sans"/>
+                      </a:endParaRPr>
+                    </a:p>
+                  </a:txBody>
+                  <a:tcPr marL="9525" marR="9525" marT="9525" marB="0" anchor="b"/>
+                </a:tc>
+                <a:tc>
+                  <a:txBody>
+                    <a:bodyPr/>
+                    <a:lstStyle/>
+                    <a:p>
+                      <a:pPr algn="l" fontAlgn="b"/>
+                      <a:endParaRPr lang="en-US" sz="1100" b="0" i="0" u="none" strike="noStrike">
+                        <a:solidFill>
+                          <a:srgbClr val="000000"/>
+                        </a:solidFill>
+                        <a:effectLst/>
+                        <a:latin typeface="Liberation Sans"/>
+                      </a:endParaRPr>
+                    </a:p>
+                  </a:txBody>
+                  <a:tcPr marL="9525" marR="9525" marT="9525" marB="0" anchor="b"/>
+                </a:tc>
+                <a:tc>
+                  <a:txBody>
+                    <a:bodyPr/>
+                    <a:lstStyle/>
+                    <a:p>
+                      <a:pPr algn="r" fontAlgn="b"/>
+                      <a:r>
+                        <a:rPr lang="en-US" sz="1100" u="none" strike="noStrike">
+                          <a:effectLst/>
+                        </a:rPr>
+                        <a:t>2</a:t>
+                      </a:r>
+                      <a:endParaRPr lang="en-US" sz="1100" b="0" i="0" u="none" strike="noStrike">
+                        <a:solidFill>
+                          <a:srgbClr val="000000"/>
+                        </a:solidFill>
+                        <a:effectLst/>
+                        <a:latin typeface="Liberation Sans"/>
+                      </a:endParaRPr>
+                    </a:p>
+                  </a:txBody>
+                  <a:tcPr marL="9525" marR="9525" marT="9525" marB="0" anchor="b"/>
+                </a:tc>
+                <a:tc>
+                  <a:txBody>
+                    <a:bodyPr/>
+                    <a:lstStyle/>
+                    <a:p>
+                      <a:pPr algn="r" fontAlgn="b"/>
+                      <a:r>
+                        <a:rPr lang="en-US" sz="1100" u="none" strike="noStrike">
+                          <a:effectLst/>
+                        </a:rPr>
+                        <a:t>20</a:t>
+                      </a:r>
+                      <a:endParaRPr lang="en-US" sz="1100" b="0" i="0" u="none" strike="noStrike">
+                        <a:solidFill>
+                          <a:srgbClr val="000000"/>
+                        </a:solidFill>
+                        <a:effectLst/>
+                        <a:latin typeface="Liberation Sans"/>
+                      </a:endParaRPr>
+                    </a:p>
+                  </a:txBody>
+                  <a:tcPr marL="9525" marR="9525" marT="9525" marB="0" anchor="b"/>
+                </a:tc>
+              </a:tr>
+              <a:tr h="220790">
+                <a:tc>
+                  <a:txBody>
+                    <a:bodyPr/>
+                    <a:lstStyle/>
+                    <a:p>
+                      <a:pPr algn="l" fontAlgn="b"/>
+                      <a:r>
+                        <a:rPr lang="en-US" sz="1100" u="none" strike="noStrike">
+                          <a:effectLst/>
+                        </a:rPr>
+                        <a:t>3D printed Box</a:t>
+                      </a:r>
+                      <a:endParaRPr lang="en-US" sz="1100" b="0" i="0" u="none" strike="noStrike">
+                        <a:solidFill>
+                          <a:srgbClr val="000000"/>
+                        </a:solidFill>
+                        <a:effectLst/>
+                        <a:latin typeface="Liberation Sans"/>
+                      </a:endParaRPr>
+                    </a:p>
+                  </a:txBody>
+                  <a:tcPr marL="9525" marR="9525" marT="9525" marB="0" anchor="b"/>
+                </a:tc>
+                <a:tc>
+                  <a:txBody>
+                    <a:bodyPr/>
+                    <a:lstStyle/>
+                    <a:p>
+                      <a:pPr algn="l" fontAlgn="b"/>
+                      <a:endParaRPr lang="en-US" sz="1100" b="0" i="0" u="none" strike="noStrike">
+                        <a:solidFill>
+                          <a:srgbClr val="000000"/>
+                        </a:solidFill>
+                        <a:effectLst/>
+                        <a:latin typeface="Liberation Sans"/>
+                      </a:endParaRPr>
+                    </a:p>
+                  </a:txBody>
+                  <a:tcPr marL="9525" marR="9525" marT="9525" marB="0" anchor="b"/>
+                </a:tc>
+                <a:tc>
+                  <a:txBody>
+                    <a:bodyPr/>
+                    <a:lstStyle/>
+                    <a:p>
+                      <a:pPr algn="l" fontAlgn="b"/>
+                      <a:r>
+                        <a:rPr lang="en-US" sz="1100" u="none" strike="noStrike">
+                          <a:effectLst/>
+                        </a:rPr>
+                        <a:t>????</a:t>
+                      </a:r>
+                      <a:endParaRPr lang="en-US" sz="1100" b="0" i="0" u="none" strike="noStrike">
+                        <a:solidFill>
+                          <a:srgbClr val="000000"/>
+                        </a:solidFill>
+                        <a:effectLst/>
+                        <a:latin typeface="Liberation Sans"/>
+                      </a:endParaRPr>
+                    </a:p>
+                  </a:txBody>
+                  <a:tcPr marL="9525" marR="9525" marT="9525" marB="0" anchor="b"/>
+                </a:tc>
+                <a:tc>
+                  <a:txBody>
+                    <a:bodyPr/>
+                    <a:lstStyle/>
+                    <a:p>
+                      <a:pPr algn="r" fontAlgn="b"/>
+                      <a:r>
+                        <a:rPr lang="en-US" sz="1100" u="none" strike="noStrike">
+                          <a:effectLst/>
+                        </a:rPr>
+                        <a:t>40</a:t>
+                      </a:r>
+                      <a:endParaRPr lang="en-US" sz="1100" b="0" i="0" u="none" strike="noStrike">
+                        <a:solidFill>
+                          <a:srgbClr val="000000"/>
+                        </a:solidFill>
+                        <a:effectLst/>
+                        <a:latin typeface="Liberation Sans"/>
+                      </a:endParaRPr>
+                    </a:p>
+                  </a:txBody>
+                  <a:tcPr marL="9525" marR="9525" marT="9525" marB="0" anchor="b"/>
+                </a:tc>
+                <a:tc>
+                  <a:txBody>
+                    <a:bodyPr/>
+                    <a:lstStyle/>
+                    <a:p>
+                      <a:pPr algn="l" fontAlgn="b"/>
+                      <a:endParaRPr lang="en-US" sz="1100" b="0" i="0" u="none" strike="noStrike">
+                        <a:solidFill>
+                          <a:srgbClr val="000000"/>
+                        </a:solidFill>
+                        <a:effectLst/>
+                        <a:latin typeface="Liberation Sans"/>
+                      </a:endParaRPr>
+                    </a:p>
+                  </a:txBody>
+                  <a:tcPr marL="9525" marR="9525" marT="9525" marB="0" anchor="b"/>
+                </a:tc>
+                <a:tc>
+                  <a:txBody>
+                    <a:bodyPr/>
+                    <a:lstStyle/>
+                    <a:p>
+                      <a:pPr algn="r" fontAlgn="b"/>
+                      <a:r>
+                        <a:rPr lang="en-US" sz="1100" u="none" strike="noStrike">
+                          <a:effectLst/>
+                        </a:rPr>
+                        <a:t>2</a:t>
+                      </a:r>
+                      <a:endParaRPr lang="en-US" sz="1100" b="0" i="0" u="none" strike="noStrike">
+                        <a:solidFill>
+                          <a:srgbClr val="000000"/>
+                        </a:solidFill>
+                        <a:effectLst/>
+                        <a:latin typeface="Liberation Sans"/>
+                      </a:endParaRPr>
+                    </a:p>
+                  </a:txBody>
+                  <a:tcPr marL="9525" marR="9525" marT="9525" marB="0" anchor="b"/>
+                </a:tc>
+                <a:tc>
+                  <a:txBody>
+                    <a:bodyPr/>
+                    <a:lstStyle/>
+                    <a:p>
+                      <a:pPr algn="r" fontAlgn="b"/>
+                      <a:r>
+                        <a:rPr lang="en-US" sz="1100" u="none" strike="noStrike">
+                          <a:effectLst/>
+                        </a:rPr>
+                        <a:t>80</a:t>
+                      </a:r>
+                      <a:endParaRPr lang="en-US" sz="1100" b="0" i="0" u="none" strike="noStrike">
+                        <a:solidFill>
+                          <a:srgbClr val="000000"/>
+                        </a:solidFill>
+                        <a:effectLst/>
+                        <a:latin typeface="Liberation Sans"/>
+                      </a:endParaRPr>
+                    </a:p>
+                  </a:txBody>
+                  <a:tcPr marL="9525" marR="9525" marT="9525" marB="0" anchor="b"/>
+                </a:tc>
+              </a:tr>
+              <a:tr h="220790">
+                <a:tc>
+                  <a:txBody>
+                    <a:bodyPr/>
+                    <a:lstStyle/>
+                    <a:p>
+                      <a:pPr algn="l" fontAlgn="b"/>
+                      <a:r>
+                        <a:rPr lang="en-US" sz="1100" u="none" strike="noStrike">
+                          <a:effectLst/>
+                        </a:rPr>
+                        <a:t>Backpack</a:t>
+                      </a:r>
+                      <a:endParaRPr lang="en-US" sz="1100" b="0" i="0" u="none" strike="noStrike">
+                        <a:solidFill>
+                          <a:srgbClr val="000000"/>
+                        </a:solidFill>
+                        <a:effectLst/>
+                        <a:latin typeface="Liberation Sans"/>
+                      </a:endParaRPr>
+                    </a:p>
+                  </a:txBody>
+                  <a:tcPr marL="9525" marR="9525" marT="9525" marB="0" anchor="b"/>
+                </a:tc>
+                <a:tc>
+                  <a:txBody>
+                    <a:bodyPr/>
+                    <a:lstStyle/>
+                    <a:p>
+                      <a:pPr algn="l" fontAlgn="b"/>
+                      <a:endParaRPr lang="en-US" sz="1100" b="0" i="0" u="none" strike="noStrike">
+                        <a:solidFill>
+                          <a:srgbClr val="000000"/>
+                        </a:solidFill>
+                        <a:effectLst/>
+                        <a:latin typeface="Liberation Sans"/>
+                      </a:endParaRPr>
+                    </a:p>
+                  </a:txBody>
+                  <a:tcPr marL="9525" marR="9525" marT="9525" marB="0" anchor="b"/>
+                </a:tc>
+                <a:tc>
+                  <a:txBody>
+                    <a:bodyPr/>
+                    <a:lstStyle/>
+                    <a:p>
+                      <a:pPr algn="l" fontAlgn="b"/>
+                      <a:r>
+                        <a:rPr lang="en-US" sz="1100" u="none" strike="noStrike">
+                          <a:effectLst/>
+                        </a:rPr>
+                        <a:t>????</a:t>
+                      </a:r>
+                      <a:endParaRPr lang="en-US" sz="1100" b="0" i="0" u="none" strike="noStrike">
+                        <a:solidFill>
+                          <a:srgbClr val="000000"/>
+                        </a:solidFill>
+                        <a:effectLst/>
+                        <a:latin typeface="Liberation Sans"/>
+                      </a:endParaRPr>
+                    </a:p>
+                  </a:txBody>
+                  <a:tcPr marL="9525" marR="9525" marT="9525" marB="0" anchor="b"/>
+                </a:tc>
+                <a:tc>
+                  <a:txBody>
+                    <a:bodyPr/>
+                    <a:lstStyle/>
+                    <a:p>
+                      <a:pPr algn="r" fontAlgn="b"/>
+                      <a:r>
+                        <a:rPr lang="en-US" sz="1100" u="none" strike="noStrike">
+                          <a:effectLst/>
+                        </a:rPr>
+                        <a:t>10</a:t>
+                      </a:r>
+                      <a:endParaRPr lang="en-US" sz="1100" b="0" i="0" u="none" strike="noStrike">
+                        <a:solidFill>
+                          <a:srgbClr val="000000"/>
+                        </a:solidFill>
+                        <a:effectLst/>
+                        <a:latin typeface="Liberation Sans"/>
+                      </a:endParaRPr>
+                    </a:p>
+                  </a:txBody>
+                  <a:tcPr marL="9525" marR="9525" marT="9525" marB="0" anchor="b"/>
+                </a:tc>
+                <a:tc>
+                  <a:txBody>
+                    <a:bodyPr/>
+                    <a:lstStyle/>
+                    <a:p>
+                      <a:pPr algn="l" fontAlgn="b"/>
+                      <a:endParaRPr lang="en-US" sz="1100" b="0" i="0" u="none" strike="noStrike">
+                        <a:solidFill>
+                          <a:srgbClr val="000000"/>
+                        </a:solidFill>
+                        <a:effectLst/>
+                        <a:latin typeface="Liberation Sans"/>
+                      </a:endParaRPr>
+                    </a:p>
+                  </a:txBody>
+                  <a:tcPr marL="9525" marR="9525" marT="9525" marB="0" anchor="b"/>
+                </a:tc>
+                <a:tc>
+                  <a:txBody>
+                    <a:bodyPr/>
+                    <a:lstStyle/>
+                    <a:p>
+                      <a:pPr algn="r" fontAlgn="b"/>
+                      <a:r>
+                        <a:rPr lang="en-US" sz="1100" u="none" strike="noStrike">
+                          <a:effectLst/>
+                        </a:rPr>
+                        <a:t>2</a:t>
+                      </a:r>
+                      <a:endParaRPr lang="en-US" sz="1100" b="0" i="0" u="none" strike="noStrike">
+                        <a:solidFill>
+                          <a:srgbClr val="000000"/>
+                        </a:solidFill>
+                        <a:effectLst/>
+                        <a:latin typeface="Liberation Sans"/>
+                      </a:endParaRPr>
+                    </a:p>
+                  </a:txBody>
+                  <a:tcPr marL="9525" marR="9525" marT="9525" marB="0" anchor="b"/>
+                </a:tc>
+                <a:tc>
+                  <a:txBody>
+                    <a:bodyPr/>
+                    <a:lstStyle/>
+                    <a:p>
+                      <a:pPr algn="r" fontAlgn="b"/>
+                      <a:r>
+                        <a:rPr lang="en-US" sz="1100" u="none" strike="noStrike">
+                          <a:effectLst/>
+                        </a:rPr>
+                        <a:t>20</a:t>
+                      </a:r>
+                      <a:endParaRPr lang="en-US" sz="1100" b="0" i="0" u="none" strike="noStrike">
+                        <a:solidFill>
+                          <a:srgbClr val="000000"/>
+                        </a:solidFill>
+                        <a:effectLst/>
+                        <a:latin typeface="Liberation Sans"/>
+                      </a:endParaRPr>
+                    </a:p>
+                  </a:txBody>
+                  <a:tcPr marL="9525" marR="9525" marT="9525" marB="0" anchor="b"/>
+                </a:tc>
+              </a:tr>
+              <a:tr h="220790">
+                <a:tc>
+                  <a:txBody>
+                    <a:bodyPr/>
+                    <a:lstStyle/>
+                    <a:p>
+                      <a:pPr algn="l" fontAlgn="b"/>
+                      <a:r>
+                        <a:rPr lang="en-US" sz="1100" u="none" strike="noStrike">
+                          <a:effectLst/>
+                        </a:rPr>
+                        <a:t>Packaging</a:t>
+                      </a:r>
+                      <a:endParaRPr lang="en-US" sz="1100" b="0" i="0" u="none" strike="noStrike">
+                        <a:solidFill>
+                          <a:srgbClr val="000000"/>
+                        </a:solidFill>
+                        <a:effectLst/>
+                        <a:latin typeface="Liberation Sans"/>
+                      </a:endParaRPr>
+                    </a:p>
+                  </a:txBody>
+                  <a:tcPr marL="9525" marR="9525" marT="9525" marB="0" anchor="b"/>
+                </a:tc>
+                <a:tc>
+                  <a:txBody>
+                    <a:bodyPr/>
+                    <a:lstStyle/>
+                    <a:p>
+                      <a:pPr algn="l" fontAlgn="b"/>
+                      <a:endParaRPr lang="en-US" sz="1100" b="0" i="0" u="none" strike="noStrike">
+                        <a:solidFill>
+                          <a:srgbClr val="000000"/>
+                        </a:solidFill>
+                        <a:effectLst/>
+                        <a:latin typeface="Liberation Sans"/>
+                      </a:endParaRPr>
+                    </a:p>
+                  </a:txBody>
+                  <a:tcPr marL="9525" marR="9525" marT="9525" marB="0" anchor="b"/>
+                </a:tc>
+                <a:tc>
+                  <a:txBody>
+                    <a:bodyPr/>
+                    <a:lstStyle/>
+                    <a:p>
+                      <a:pPr algn="l" fontAlgn="b"/>
+                      <a:r>
+                        <a:rPr lang="en-US" sz="1100" u="none" strike="noStrike">
+                          <a:effectLst/>
+                        </a:rPr>
+                        <a:t>????</a:t>
+                      </a:r>
+                      <a:endParaRPr lang="en-US" sz="1100" b="0" i="0" u="none" strike="noStrike">
+                        <a:solidFill>
+                          <a:srgbClr val="000000"/>
+                        </a:solidFill>
+                        <a:effectLst/>
+                        <a:latin typeface="Liberation Sans"/>
+                      </a:endParaRPr>
+                    </a:p>
+                  </a:txBody>
+                  <a:tcPr marL="9525" marR="9525" marT="9525" marB="0" anchor="b"/>
+                </a:tc>
+                <a:tc>
+                  <a:txBody>
+                    <a:bodyPr/>
+                    <a:lstStyle/>
+                    <a:p>
+                      <a:pPr algn="r" fontAlgn="b"/>
+                      <a:r>
+                        <a:rPr lang="en-US" sz="1100" u="none" strike="noStrike">
+                          <a:effectLst/>
+                        </a:rPr>
+                        <a:t>50</a:t>
+                      </a:r>
+                      <a:endParaRPr lang="en-US" sz="1100" b="0" i="0" u="none" strike="noStrike">
+                        <a:solidFill>
+                          <a:srgbClr val="000000"/>
+                        </a:solidFill>
+                        <a:effectLst/>
+                        <a:latin typeface="Liberation Sans"/>
+                      </a:endParaRPr>
+                    </a:p>
+                  </a:txBody>
+                  <a:tcPr marL="9525" marR="9525" marT="9525" marB="0" anchor="b"/>
+                </a:tc>
+                <a:tc>
+                  <a:txBody>
+                    <a:bodyPr/>
+                    <a:lstStyle/>
+                    <a:p>
+                      <a:pPr algn="l" fontAlgn="b"/>
+                      <a:endParaRPr lang="en-US" sz="1100" b="0" i="0" u="none" strike="noStrike">
+                        <a:solidFill>
+                          <a:srgbClr val="000000"/>
+                        </a:solidFill>
+                        <a:effectLst/>
+                        <a:latin typeface="Liberation Sans"/>
+                      </a:endParaRPr>
+                    </a:p>
+                  </a:txBody>
+                  <a:tcPr marL="9525" marR="9525" marT="9525" marB="0" anchor="b"/>
+                </a:tc>
+                <a:tc>
+                  <a:txBody>
+                    <a:bodyPr/>
+                    <a:lstStyle/>
+                    <a:p>
+                      <a:pPr algn="r" fontAlgn="b"/>
+                      <a:r>
+                        <a:rPr lang="en-US" sz="1100" u="none" strike="noStrike">
+                          <a:effectLst/>
+                        </a:rPr>
+                        <a:t>2</a:t>
+                      </a:r>
+                      <a:endParaRPr lang="en-US" sz="1100" b="0" i="0" u="none" strike="noStrike">
+                        <a:solidFill>
+                          <a:srgbClr val="000000"/>
+                        </a:solidFill>
+                        <a:effectLst/>
+                        <a:latin typeface="Liberation Sans"/>
+                      </a:endParaRPr>
+                    </a:p>
+                  </a:txBody>
+                  <a:tcPr marL="9525" marR="9525" marT="9525" marB="0" anchor="b"/>
+                </a:tc>
+                <a:tc>
+                  <a:txBody>
+                    <a:bodyPr/>
+                    <a:lstStyle/>
+                    <a:p>
+                      <a:pPr algn="r" fontAlgn="b"/>
+                      <a:r>
+                        <a:rPr lang="en-US" sz="1100" u="none" strike="noStrike">
+                          <a:effectLst/>
+                        </a:rPr>
+                        <a:t>100</a:t>
+                      </a:r>
+                      <a:endParaRPr lang="en-US" sz="1100" b="0" i="0" u="none" strike="noStrike">
+                        <a:solidFill>
+                          <a:srgbClr val="000000"/>
+                        </a:solidFill>
+                        <a:effectLst/>
+                        <a:latin typeface="Liberation Sans"/>
+                      </a:endParaRPr>
+                    </a:p>
+                  </a:txBody>
+                  <a:tcPr marL="9525" marR="9525" marT="9525" marB="0" anchor="b"/>
+                </a:tc>
+              </a:tr>
+              <a:tr h="220790">
+                <a:tc>
+                  <a:txBody>
+                    <a:bodyPr/>
+                    <a:lstStyle/>
+                    <a:p>
+                      <a:pPr algn="l" fontAlgn="b"/>
+                      <a:endParaRPr lang="en-US" sz="1100" b="0" i="0" u="none" strike="noStrike">
+                        <a:solidFill>
+                          <a:srgbClr val="000000"/>
+                        </a:solidFill>
+                        <a:effectLst/>
+                        <a:latin typeface="Liberation Sans"/>
+                      </a:endParaRPr>
+                    </a:p>
+                  </a:txBody>
+                  <a:tcPr marL="9525" marR="9525" marT="9525" marB="0" anchor="b"/>
+                </a:tc>
+                <a:tc>
+                  <a:txBody>
+                    <a:bodyPr/>
+                    <a:lstStyle/>
+                    <a:p>
+                      <a:pPr algn="l" fontAlgn="b"/>
+                      <a:endParaRPr lang="en-US" sz="1100" b="0" i="0" u="none" strike="noStrike">
+                        <a:solidFill>
+                          <a:srgbClr val="000000"/>
+                        </a:solidFill>
+                        <a:effectLst/>
+                        <a:latin typeface="Liberation Sans"/>
+                      </a:endParaRPr>
+                    </a:p>
+                  </a:txBody>
+                  <a:tcPr marL="9525" marR="9525" marT="9525" marB="0" anchor="b"/>
+                </a:tc>
+                <a:tc>
+                  <a:txBody>
+                    <a:bodyPr/>
+                    <a:lstStyle/>
+                    <a:p>
+                      <a:pPr algn="l" fontAlgn="b"/>
+                      <a:endParaRPr lang="en-US" sz="1100" b="0" i="0" u="none" strike="noStrike">
+                        <a:solidFill>
+                          <a:srgbClr val="000000"/>
+                        </a:solidFill>
+                        <a:effectLst/>
+                        <a:latin typeface="Liberation Sans"/>
+                      </a:endParaRPr>
+                    </a:p>
+                  </a:txBody>
+                  <a:tcPr marL="9525" marR="9525" marT="9525" marB="0" anchor="b"/>
+                </a:tc>
+                <a:tc>
+                  <a:txBody>
+                    <a:bodyPr/>
+                    <a:lstStyle/>
+                    <a:p>
+                      <a:pPr algn="l" fontAlgn="b"/>
+                      <a:endParaRPr lang="en-US" sz="1100" b="0" i="0" u="none" strike="noStrike">
+                        <a:solidFill>
+                          <a:srgbClr val="000000"/>
+                        </a:solidFill>
+                        <a:effectLst/>
+                        <a:latin typeface="Liberation Sans"/>
+                      </a:endParaRPr>
+                    </a:p>
+                  </a:txBody>
+                  <a:tcPr marL="9525" marR="9525" marT="9525" marB="0" anchor="b"/>
+                </a:tc>
+                <a:tc>
+                  <a:txBody>
+                    <a:bodyPr/>
+                    <a:lstStyle/>
+                    <a:p>
+                      <a:pPr algn="l" fontAlgn="b"/>
+                      <a:endParaRPr lang="en-US" sz="1100" b="0" i="0" u="none" strike="noStrike">
+                        <a:solidFill>
+                          <a:srgbClr val="000000"/>
+                        </a:solidFill>
+                        <a:effectLst/>
+                        <a:latin typeface="Liberation Sans"/>
+                      </a:endParaRPr>
+                    </a:p>
+                  </a:txBody>
+                  <a:tcPr marL="9525" marR="9525" marT="9525" marB="0" anchor="b"/>
+                </a:tc>
+                <a:tc>
+                  <a:txBody>
+                    <a:bodyPr/>
+                    <a:lstStyle/>
+                    <a:p>
+                      <a:pPr algn="l" fontAlgn="b"/>
+                      <a:endParaRPr lang="en-US" sz="1100" b="0" i="0" u="none" strike="noStrike">
+                        <a:solidFill>
+                          <a:srgbClr val="000000"/>
+                        </a:solidFill>
+                        <a:effectLst/>
+                        <a:latin typeface="Liberation Sans"/>
+                      </a:endParaRPr>
+                    </a:p>
+                  </a:txBody>
+                  <a:tcPr marL="9525" marR="9525" marT="9525" marB="0" anchor="b"/>
+                </a:tc>
+                <a:tc>
+                  <a:txBody>
+                    <a:bodyPr/>
+                    <a:lstStyle/>
+                    <a:p>
+                      <a:pPr algn="l" fontAlgn="b"/>
+                      <a:endParaRPr lang="en-US" sz="1100" b="0" i="0" u="none" strike="noStrike">
+                        <a:solidFill>
+                          <a:srgbClr val="000000"/>
+                        </a:solidFill>
+                        <a:effectLst/>
+                        <a:latin typeface="Liberation Sans"/>
+                      </a:endParaRPr>
+                    </a:p>
+                  </a:txBody>
+                  <a:tcPr marL="9525" marR="9525" marT="9525" marB="0" anchor="b"/>
+                </a:tc>
+              </a:tr>
+              <a:tr h="220790">
+                <a:tc>
+                  <a:txBody>
+                    <a:bodyPr/>
+                    <a:lstStyle/>
+                    <a:p>
+                      <a:pPr algn="l" fontAlgn="b"/>
+                      <a:endParaRPr lang="en-US" sz="1100" b="0" i="0" u="none" strike="noStrike">
+                        <a:solidFill>
+                          <a:srgbClr val="000000"/>
+                        </a:solidFill>
+                        <a:effectLst/>
+                        <a:latin typeface="Liberation Sans"/>
+                      </a:endParaRPr>
+                    </a:p>
+                  </a:txBody>
+                  <a:tcPr marL="9525" marR="9525" marT="9525" marB="0" anchor="b"/>
+                </a:tc>
+                <a:tc>
+                  <a:txBody>
+                    <a:bodyPr/>
+                    <a:lstStyle/>
+                    <a:p>
+                      <a:pPr algn="l" fontAlgn="b"/>
+                      <a:endParaRPr lang="en-US" sz="1100" b="0" i="0" u="none" strike="noStrike">
+                        <a:solidFill>
+                          <a:srgbClr val="000000"/>
+                        </a:solidFill>
+                        <a:effectLst/>
+                        <a:latin typeface="Liberation Sans"/>
+                      </a:endParaRPr>
+                    </a:p>
+                  </a:txBody>
+                  <a:tcPr marL="9525" marR="9525" marT="9525" marB="0" anchor="b"/>
+                </a:tc>
+                <a:tc>
+                  <a:txBody>
+                    <a:bodyPr/>
+                    <a:lstStyle/>
+                    <a:p>
+                      <a:pPr algn="l" fontAlgn="b"/>
+                      <a:endParaRPr lang="en-US" sz="1100" b="0" i="0" u="none" strike="noStrike">
+                        <a:solidFill>
+                          <a:srgbClr val="000000"/>
+                        </a:solidFill>
+                        <a:effectLst/>
+                        <a:latin typeface="Liberation Sans"/>
+                      </a:endParaRPr>
+                    </a:p>
+                  </a:txBody>
+                  <a:tcPr marL="9525" marR="9525" marT="9525" marB="0" anchor="b"/>
+                </a:tc>
+                <a:tc>
+                  <a:txBody>
+                    <a:bodyPr/>
+                    <a:lstStyle/>
+                    <a:p>
+                      <a:pPr algn="l" fontAlgn="b"/>
+                      <a:endParaRPr lang="en-US" sz="1100" b="0" i="0" u="none" strike="noStrike">
+                        <a:solidFill>
+                          <a:srgbClr val="000000"/>
+                        </a:solidFill>
+                        <a:effectLst/>
+                        <a:latin typeface="Liberation Sans"/>
+                      </a:endParaRPr>
+                    </a:p>
+                  </a:txBody>
+                  <a:tcPr marL="9525" marR="9525" marT="9525" marB="0" anchor="b"/>
+                </a:tc>
+                <a:tc>
+                  <a:txBody>
+                    <a:bodyPr/>
+                    <a:lstStyle/>
+                    <a:p>
+                      <a:pPr algn="l" fontAlgn="b"/>
+                      <a:endParaRPr lang="en-US" sz="1100" b="0" i="0" u="none" strike="noStrike">
+                        <a:solidFill>
+                          <a:srgbClr val="000000"/>
+                        </a:solidFill>
+                        <a:effectLst/>
+                        <a:latin typeface="Liberation Sans"/>
+                      </a:endParaRPr>
+                    </a:p>
+                  </a:txBody>
+                  <a:tcPr marL="9525" marR="9525" marT="9525" marB="0" anchor="b"/>
+                </a:tc>
+                <a:tc>
+                  <a:txBody>
+                    <a:bodyPr/>
+                    <a:lstStyle/>
+                    <a:p>
+                      <a:pPr algn="l" fontAlgn="b"/>
+                      <a:endParaRPr lang="en-US" sz="1100" b="0" i="0" u="none" strike="noStrike">
+                        <a:solidFill>
+                          <a:srgbClr val="000000"/>
+                        </a:solidFill>
+                        <a:effectLst/>
+                        <a:latin typeface="Liberation Sans"/>
+                      </a:endParaRPr>
+                    </a:p>
+                  </a:txBody>
+                  <a:tcPr marL="9525" marR="9525" marT="9525" marB="0" anchor="b"/>
+                </a:tc>
+                <a:tc>
+                  <a:txBody>
+                    <a:bodyPr/>
+                    <a:lstStyle/>
+                    <a:p>
+                      <a:pPr algn="l" fontAlgn="b"/>
+                      <a:endParaRPr lang="en-US" sz="1100" b="0" i="0" u="none" strike="noStrike">
+                        <a:solidFill>
+                          <a:srgbClr val="000000"/>
+                        </a:solidFill>
+                        <a:effectLst/>
+                        <a:latin typeface="Liberation Sans"/>
+                      </a:endParaRPr>
+                    </a:p>
+                  </a:txBody>
+                  <a:tcPr marL="9525" marR="9525" marT="9525" marB="0" anchor="b"/>
+                </a:tc>
+              </a:tr>
+              <a:tr h="220790">
+                <a:tc>
+                  <a:txBody>
+                    <a:bodyPr/>
+                    <a:lstStyle/>
+                    <a:p>
+                      <a:pPr algn="l" fontAlgn="b"/>
+                      <a:endParaRPr lang="en-US" sz="1100" b="0" i="0" u="none" strike="noStrike">
+                        <a:solidFill>
+                          <a:srgbClr val="000000"/>
+                        </a:solidFill>
+                        <a:effectLst/>
+                        <a:latin typeface="Liberation Sans"/>
+                      </a:endParaRPr>
+                    </a:p>
+                  </a:txBody>
+                  <a:tcPr marL="9525" marR="9525" marT="9525" marB="0" anchor="b"/>
+                </a:tc>
+                <a:tc>
+                  <a:txBody>
+                    <a:bodyPr/>
+                    <a:lstStyle/>
+                    <a:p>
+                      <a:pPr algn="l" fontAlgn="b"/>
+                      <a:endParaRPr lang="en-US" sz="1100" b="0" i="0" u="none" strike="noStrike">
+                        <a:solidFill>
+                          <a:srgbClr val="000000"/>
+                        </a:solidFill>
+                        <a:effectLst/>
+                        <a:latin typeface="Liberation Sans"/>
+                      </a:endParaRPr>
+                    </a:p>
+                  </a:txBody>
+                  <a:tcPr marL="9525" marR="9525" marT="9525" marB="0" anchor="b"/>
+                </a:tc>
+                <a:tc>
+                  <a:txBody>
+                    <a:bodyPr/>
+                    <a:lstStyle/>
+                    <a:p>
+                      <a:pPr algn="l" fontAlgn="b"/>
+                      <a:endParaRPr lang="en-US" sz="1100" b="0" i="0" u="none" strike="noStrike">
+                        <a:solidFill>
+                          <a:srgbClr val="000000"/>
+                        </a:solidFill>
+                        <a:effectLst/>
+                        <a:latin typeface="Liberation Sans"/>
+                      </a:endParaRPr>
+                    </a:p>
+                  </a:txBody>
+                  <a:tcPr marL="9525" marR="9525" marT="9525" marB="0" anchor="b"/>
+                </a:tc>
+                <a:tc>
+                  <a:txBody>
+                    <a:bodyPr/>
+                    <a:lstStyle/>
+                    <a:p>
+                      <a:pPr algn="l" fontAlgn="b"/>
+                      <a:endParaRPr lang="en-US" sz="1100" b="0" i="0" u="none" strike="noStrike">
+                        <a:solidFill>
+                          <a:srgbClr val="000000"/>
+                        </a:solidFill>
+                        <a:effectLst/>
+                        <a:latin typeface="Liberation Sans"/>
+                      </a:endParaRPr>
+                    </a:p>
+                  </a:txBody>
+                  <a:tcPr marL="9525" marR="9525" marT="9525" marB="0" anchor="b"/>
+                </a:tc>
+                <a:tc>
+                  <a:txBody>
+                    <a:bodyPr/>
+                    <a:lstStyle/>
+                    <a:p>
+                      <a:pPr algn="l" fontAlgn="b"/>
+                      <a:endParaRPr lang="en-US" sz="1100" b="0" i="0" u="none" strike="noStrike">
+                        <a:solidFill>
+                          <a:srgbClr val="000000"/>
+                        </a:solidFill>
+                        <a:effectLst/>
+                        <a:latin typeface="Liberation Sans"/>
+                      </a:endParaRPr>
+                    </a:p>
+                  </a:txBody>
+                  <a:tcPr marL="9525" marR="9525" marT="9525" marB="0" anchor="b"/>
+                </a:tc>
+                <a:tc>
+                  <a:txBody>
+                    <a:bodyPr/>
+                    <a:lstStyle/>
+                    <a:p>
+                      <a:pPr algn="l" fontAlgn="b"/>
+                      <a:endParaRPr lang="en-US" sz="1100" b="0" i="0" u="none" strike="noStrike">
+                        <a:solidFill>
+                          <a:srgbClr val="000000"/>
+                        </a:solidFill>
+                        <a:effectLst/>
+                        <a:latin typeface="Liberation Sans"/>
+                      </a:endParaRPr>
+                    </a:p>
+                  </a:txBody>
+                  <a:tcPr marL="9525" marR="9525" marT="9525" marB="0" anchor="b"/>
+                </a:tc>
+                <a:tc>
+                  <a:txBody>
+                    <a:bodyPr/>
+                    <a:lstStyle/>
+                    <a:p>
+                      <a:pPr algn="l" fontAlgn="b"/>
+                      <a:endParaRPr lang="en-US" sz="1100" b="0" i="0" u="none" strike="noStrike">
+                        <a:solidFill>
+                          <a:srgbClr val="000000"/>
+                        </a:solidFill>
+                        <a:effectLst/>
+                        <a:latin typeface="Liberation Sans"/>
+                      </a:endParaRPr>
+                    </a:p>
+                  </a:txBody>
+                  <a:tcPr marL="9525" marR="9525" marT="9525" marB="0" anchor="b"/>
+                </a:tc>
+              </a:tr>
+              <a:tr h="220790">
+                <a:tc>
+                  <a:txBody>
+                    <a:bodyPr/>
+                    <a:lstStyle/>
+                    <a:p>
+                      <a:pPr algn="l" fontAlgn="b"/>
+                      <a:endParaRPr lang="en-US" sz="1100" b="0" i="0" u="none" strike="noStrike">
+                        <a:solidFill>
+                          <a:srgbClr val="000000"/>
+                        </a:solidFill>
+                        <a:effectLst/>
+                        <a:latin typeface="Liberation Sans"/>
+                      </a:endParaRPr>
+                    </a:p>
+                  </a:txBody>
+                  <a:tcPr marL="9525" marR="9525" marT="9525" marB="0" anchor="b"/>
+                </a:tc>
+                <a:tc>
+                  <a:txBody>
+                    <a:bodyPr/>
+                    <a:lstStyle/>
+                    <a:p>
+                      <a:pPr algn="l" fontAlgn="b"/>
+                      <a:endParaRPr lang="en-US" sz="1100" b="0" i="0" u="none" strike="noStrike">
+                        <a:solidFill>
+                          <a:srgbClr val="000000"/>
+                        </a:solidFill>
+                        <a:effectLst/>
+                        <a:latin typeface="Liberation Sans"/>
+                      </a:endParaRPr>
+                    </a:p>
+                  </a:txBody>
+                  <a:tcPr marL="9525" marR="9525" marT="9525" marB="0" anchor="b"/>
+                </a:tc>
+                <a:tc>
+                  <a:txBody>
+                    <a:bodyPr/>
+                    <a:lstStyle/>
+                    <a:p>
+                      <a:pPr algn="l" fontAlgn="b"/>
+                      <a:endParaRPr lang="en-US" sz="1100" b="0" i="0" u="none" strike="noStrike">
+                        <a:solidFill>
+                          <a:srgbClr val="000000"/>
+                        </a:solidFill>
+                        <a:effectLst/>
+                        <a:latin typeface="Liberation Sans"/>
+                      </a:endParaRPr>
+                    </a:p>
+                  </a:txBody>
+                  <a:tcPr marL="9525" marR="9525" marT="9525" marB="0" anchor="b"/>
+                </a:tc>
+                <a:tc>
+                  <a:txBody>
+                    <a:bodyPr/>
+                    <a:lstStyle/>
+                    <a:p>
+                      <a:pPr algn="l" fontAlgn="b"/>
+                      <a:endParaRPr lang="en-US" sz="1100" b="0" i="0" u="none" strike="noStrike">
+                        <a:solidFill>
+                          <a:srgbClr val="000000"/>
+                        </a:solidFill>
+                        <a:effectLst/>
+                        <a:latin typeface="Liberation Sans"/>
+                      </a:endParaRPr>
+                    </a:p>
+                  </a:txBody>
+                  <a:tcPr marL="9525" marR="9525" marT="9525" marB="0" anchor="b"/>
+                </a:tc>
+                <a:tc>
+                  <a:txBody>
+                    <a:bodyPr/>
+                    <a:lstStyle/>
+                    <a:p>
+                      <a:pPr algn="l" fontAlgn="b"/>
+                      <a:endParaRPr lang="en-US" sz="1100" b="0" i="0" u="none" strike="noStrike">
+                        <a:solidFill>
+                          <a:srgbClr val="000000"/>
+                        </a:solidFill>
+                        <a:effectLst/>
+                        <a:latin typeface="Liberation Sans"/>
+                      </a:endParaRPr>
+                    </a:p>
+                  </a:txBody>
+                  <a:tcPr marL="9525" marR="9525" marT="9525" marB="0" anchor="b"/>
+                </a:tc>
+                <a:tc>
+                  <a:txBody>
+                    <a:bodyPr/>
+                    <a:lstStyle/>
+                    <a:p>
+                      <a:pPr algn="l" fontAlgn="b"/>
+                      <a:endParaRPr lang="en-US" sz="1100" b="0" i="0" u="none" strike="noStrike">
+                        <a:solidFill>
+                          <a:srgbClr val="000000"/>
+                        </a:solidFill>
+                        <a:effectLst/>
+                        <a:latin typeface="Liberation Sans"/>
+                      </a:endParaRPr>
+                    </a:p>
+                  </a:txBody>
+                  <a:tcPr marL="9525" marR="9525" marT="9525" marB="0" anchor="b"/>
+                </a:tc>
+                <a:tc>
+                  <a:txBody>
+                    <a:bodyPr/>
+                    <a:lstStyle/>
+                    <a:p>
+                      <a:pPr algn="l" fontAlgn="b"/>
+                      <a:endParaRPr lang="en-US" sz="1100" b="0" i="0" u="none" strike="noStrike">
+                        <a:solidFill>
+                          <a:srgbClr val="000000"/>
+                        </a:solidFill>
+                        <a:effectLst/>
+                        <a:latin typeface="Liberation Sans"/>
+                      </a:endParaRPr>
+                    </a:p>
+                  </a:txBody>
+                  <a:tcPr marL="9525" marR="9525" marT="9525" marB="0" anchor="b"/>
+                </a:tc>
+              </a:tr>
+              <a:tr h="220790">
+                <a:tc>
+                  <a:txBody>
+                    <a:bodyPr/>
+                    <a:lstStyle/>
+                    <a:p>
+                      <a:pPr algn="l" fontAlgn="b"/>
+                      <a:r>
+                        <a:rPr lang="en-US" sz="1100" u="none" strike="noStrike">
+                          <a:effectLst/>
+                        </a:rPr>
+                        <a:t>Total</a:t>
+                      </a:r>
+                      <a:endParaRPr lang="en-US" sz="1100" b="0" i="0" u="none" strike="noStrike">
+                        <a:solidFill>
+                          <a:srgbClr val="000000"/>
+                        </a:solidFill>
+                        <a:effectLst/>
+                        <a:latin typeface="Liberation Sans"/>
+                      </a:endParaRPr>
+                    </a:p>
+                  </a:txBody>
+                  <a:tcPr marL="9525" marR="9525" marT="9525" marB="0" anchor="b"/>
+                </a:tc>
+                <a:tc>
+                  <a:txBody>
+                    <a:bodyPr/>
+                    <a:lstStyle/>
+                    <a:p>
+                      <a:pPr algn="l" fontAlgn="b"/>
+                      <a:endParaRPr lang="en-US" sz="1100" b="0" i="0" u="none" strike="noStrike">
+                        <a:solidFill>
+                          <a:srgbClr val="000000"/>
+                        </a:solidFill>
+                        <a:effectLst/>
+                        <a:latin typeface="Liberation Sans"/>
+                      </a:endParaRPr>
+                    </a:p>
+                  </a:txBody>
+                  <a:tcPr marL="9525" marR="9525" marT="9525" marB="0" anchor="b"/>
+                </a:tc>
+                <a:tc>
+                  <a:txBody>
+                    <a:bodyPr/>
+                    <a:lstStyle/>
+                    <a:p>
+                      <a:pPr algn="l" fontAlgn="b"/>
+                      <a:endParaRPr lang="en-US" sz="1100" b="0" i="0" u="none" strike="noStrike">
+                        <a:solidFill>
+                          <a:srgbClr val="000000"/>
+                        </a:solidFill>
+                        <a:effectLst/>
+                        <a:latin typeface="Liberation Sans"/>
+                      </a:endParaRPr>
+                    </a:p>
+                  </a:txBody>
+                  <a:tcPr marL="9525" marR="9525" marT="9525" marB="0" anchor="b"/>
+                </a:tc>
+                <a:tc>
+                  <a:txBody>
+                    <a:bodyPr/>
+                    <a:lstStyle/>
+                    <a:p>
+                      <a:pPr algn="r" fontAlgn="b"/>
+                      <a:r>
+                        <a:rPr lang="en-US" sz="1100" u="none" strike="noStrike">
+                          <a:effectLst/>
+                        </a:rPr>
+                        <a:t>605.22</a:t>
+                      </a:r>
+                      <a:endParaRPr lang="en-US" sz="1100" b="0" i="0" u="none" strike="noStrike">
+                        <a:solidFill>
+                          <a:srgbClr val="000000"/>
+                        </a:solidFill>
+                        <a:effectLst/>
+                        <a:latin typeface="Liberation Sans"/>
+                      </a:endParaRPr>
+                    </a:p>
+                  </a:txBody>
+                  <a:tcPr marL="9525" marR="9525" marT="9525" marB="0" anchor="b"/>
+                </a:tc>
+                <a:tc>
+                  <a:txBody>
+                    <a:bodyPr/>
+                    <a:lstStyle/>
+                    <a:p>
+                      <a:pPr algn="l" fontAlgn="b"/>
+                      <a:endParaRPr lang="en-US" sz="1100" b="0" i="0" u="none" strike="noStrike">
+                        <a:solidFill>
+                          <a:srgbClr val="000000"/>
+                        </a:solidFill>
+                        <a:effectLst/>
+                        <a:latin typeface="Liberation Sans"/>
+                      </a:endParaRPr>
+                    </a:p>
+                  </a:txBody>
+                  <a:tcPr marL="9525" marR="9525" marT="9525" marB="0" anchor="b"/>
+                </a:tc>
+                <a:tc>
+                  <a:txBody>
+                    <a:bodyPr/>
+                    <a:lstStyle/>
+                    <a:p>
+                      <a:pPr algn="l" fontAlgn="b"/>
+                      <a:endParaRPr lang="en-US" sz="1100" b="0" i="0" u="none" strike="noStrike">
+                        <a:solidFill>
+                          <a:srgbClr val="000000"/>
+                        </a:solidFill>
+                        <a:effectLst/>
+                        <a:latin typeface="Liberation Sans"/>
+                      </a:endParaRPr>
+                    </a:p>
+                  </a:txBody>
+                  <a:tcPr marL="9525" marR="9525" marT="9525" marB="0" anchor="b"/>
+                </a:tc>
+                <a:tc>
+                  <a:txBody>
+                    <a:bodyPr/>
+                    <a:lstStyle/>
+                    <a:p>
+                      <a:pPr algn="r" fontAlgn="b"/>
+                      <a:r>
+                        <a:rPr lang="en-US" sz="1100" u="none" strike="noStrike" dirty="0">
+                          <a:effectLst/>
+                        </a:rPr>
+                        <a:t>1005.54</a:t>
+                      </a:r>
+                      <a:endParaRPr lang="en-US" sz="1100" b="0" i="0" u="none" strike="noStrike" dirty="0">
+                        <a:solidFill>
+                          <a:srgbClr val="000000"/>
+                        </a:solidFill>
+                        <a:effectLst/>
+                        <a:latin typeface="Liberation Sans"/>
+                      </a:endParaRPr>
+                    </a:p>
+                  </a:txBody>
+                  <a:tcPr marL="9525" marR="9525" marT="9525" marB="0" anchor="b"/>
+                </a:tc>
+              </a:tr>
+            </a:tbl>
+          </a:graphicData>
+        </a:graphic>
+      </p:graphicFrame>
+      <p:sp>
+        <p:nvSpPr>
+          <p:cNvPr id="3" name="Title 2"/>
+          <p:cNvSpPr>
+            <a:spLocks noGrp="1"/>
+          </p:cNvSpPr>
+          <p:nvPr>
+            <p:ph type="title"/>
           </p:nvPr>
         </p:nvSpPr>
         <p:spPr/>
@@ -9217,54 +11610,7 @@
           <a:p>
             <a:r>
               <a:rPr lang="en-US" dirty="0" smtClean="0"/>
-              <a:t>Selling software to users after purchase of device</a:t>
-            </a:r>
-          </a:p>
-          <a:p>
-            <a:pPr lvl="1"/>
-            <a:r>
-              <a:rPr lang="en-US" dirty="0" smtClean="0"/>
-              <a:t>Need to set up distribution network</a:t>
-            </a:r>
-          </a:p>
-          <a:p>
-            <a:pPr lvl="1"/>
-            <a:r>
-              <a:rPr lang="en-US" dirty="0" smtClean="0"/>
-              <a:t>Encourage third party development</a:t>
-            </a:r>
-          </a:p>
-          <a:p>
-            <a:pPr lvl="1"/>
-            <a:r>
-              <a:rPr lang="en-US" dirty="0" smtClean="0"/>
-              <a:t>Anti-piracy solutions</a:t>
-            </a:r>
-          </a:p>
-          <a:p>
-            <a:pPr lvl="1"/>
-            <a:endParaRPr lang="en-US" dirty="0"/>
-          </a:p>
-        </p:txBody>
-      </p:sp>
-      <p:sp>
-        <p:nvSpPr>
-          <p:cNvPr id="3" name="Title 2"/>
-          <p:cNvSpPr>
-            <a:spLocks noGrp="1"/>
-          </p:cNvSpPr>
-          <p:nvPr>
-            <p:ph type="title"/>
-          </p:nvPr>
-        </p:nvSpPr>
-        <p:spPr/>
-        <p:txBody>
-          <a:bodyPr/>
-          <a:lstStyle/>
-          <a:p>
-            <a:r>
-              <a:rPr lang="en-US" dirty="0" smtClean="0"/>
-              <a:t>Opportunities</a:t>
+              <a:t>Execution overview - BUDGET</a:t>
             </a:r>
             <a:endParaRPr lang="en-US" dirty="0"/>
           </a:p>
@@ -9273,7 +11619,7 @@
     </p:spTree>
     <p:extLst>
       <p:ext uri="{BB962C8B-B14F-4D97-AF65-F5344CB8AC3E}">
-        <p14:creationId xmlns:p14="http://schemas.microsoft.com/office/powerpoint/2010/main" val="2759559370"/>
+        <p14:creationId xmlns:p14="http://schemas.microsoft.com/office/powerpoint/2010/main" val="3975776711"/>
       </p:ext>
     </p:extLst>
   </p:cSld>
@@ -9312,6 +11658,245 @@
         </p:nvSpPr>
         <p:spPr/>
         <p:txBody>
+          <a:bodyPr/>
+          <a:lstStyle/>
+          <a:p>
+            <a:r>
+              <a:rPr lang="en-US" dirty="0" smtClean="0"/>
+              <a:t>Patent Liability</a:t>
+            </a:r>
+          </a:p>
+          <a:p>
+            <a:pPr lvl="1"/>
+            <a:r>
+              <a:rPr lang="en-US" dirty="0" smtClean="0"/>
+              <a:t>Novelty of design avoids many AR patents</a:t>
+            </a:r>
+          </a:p>
+          <a:p>
+            <a:pPr lvl="2"/>
+            <a:r>
+              <a:rPr lang="en-US" dirty="0" smtClean="0"/>
+              <a:t>Large fraction specifically mention cameras</a:t>
+            </a:r>
+          </a:p>
+          <a:p>
+            <a:pPr lvl="1"/>
+            <a:r>
+              <a:rPr lang="en-US" dirty="0" smtClean="0"/>
+              <a:t>Licensing may be required</a:t>
+            </a:r>
+          </a:p>
+          <a:p>
+            <a:pPr lvl="1"/>
+            <a:r>
+              <a:rPr lang="en-US" dirty="0" smtClean="0"/>
+              <a:t>Could file new patents and cross-license</a:t>
+            </a:r>
+            <a:endParaRPr lang="en-US" dirty="0"/>
+          </a:p>
+          <a:p>
+            <a:r>
+              <a:rPr lang="en-US" dirty="0" smtClean="0"/>
+              <a:t>User Safety</a:t>
+            </a:r>
+          </a:p>
+          <a:p>
+            <a:pPr lvl="1"/>
+            <a:r>
+              <a:rPr lang="en-US" dirty="0" smtClean="0"/>
+              <a:t>LiFePO</a:t>
+            </a:r>
+            <a:r>
+              <a:rPr lang="en-US" baseline="-25000" dirty="0" smtClean="0"/>
+              <a:t>4</a:t>
+            </a:r>
+            <a:r>
+              <a:rPr lang="en-US" dirty="0" smtClean="0"/>
+              <a:t> much safer than other Lithium battery chemistries</a:t>
+            </a:r>
+          </a:p>
+          <a:p>
+            <a:pPr lvl="1"/>
+            <a:r>
+              <a:rPr lang="en-US" dirty="0" smtClean="0"/>
+              <a:t>Translucent display keeps user aware of environment</a:t>
+            </a:r>
+          </a:p>
+          <a:p>
+            <a:pPr lvl="1"/>
+            <a:r>
+              <a:rPr lang="en-US" dirty="0" smtClean="0"/>
+              <a:t>Product unsuitable for use while driving, operating heavy machinery</a:t>
+            </a:r>
+          </a:p>
+        </p:txBody>
+      </p:sp>
+      <p:sp>
+        <p:nvSpPr>
+          <p:cNvPr id="3" name="Title 2"/>
+          <p:cNvSpPr>
+            <a:spLocks noGrp="1"/>
+          </p:cNvSpPr>
+          <p:nvPr>
+            <p:ph type="title"/>
+          </p:nvPr>
+        </p:nvSpPr>
+        <p:spPr/>
+        <p:txBody>
+          <a:bodyPr/>
+          <a:lstStyle/>
+          <a:p>
+            <a:r>
+              <a:rPr lang="en-US" dirty="0" smtClean="0"/>
+              <a:t>COMPLICATIONS</a:t>
+            </a:r>
+            <a:endParaRPr lang="en-US" dirty="0"/>
+          </a:p>
+        </p:txBody>
+      </p:sp>
+    </p:spTree>
+    <p:extLst>
+      <p:ext uri="{BB962C8B-B14F-4D97-AF65-F5344CB8AC3E}">
+        <p14:creationId xmlns:p14="http://schemas.microsoft.com/office/powerpoint/2010/main" val="90168761"/>
+      </p:ext>
+    </p:extLst>
+  </p:cSld>
+  <p:clrMapOvr>
+    <a:masterClrMapping/>
+  </p:clrMapOvr>
+</p:sld>
+</file>
+
+<file path=ppt/slides/slide17.xml><?xml version="1.0" encoding="utf-8"?>
+<p:sld xmlns:a="http://schemas.openxmlformats.org/drawingml/2006/main" xmlns:r="http://schemas.openxmlformats.org/officeDocument/2006/relationships" xmlns:p="http://schemas.openxmlformats.org/presentationml/2006/main">
+  <p:cSld>
+    <p:spTree>
+      <p:nvGrpSpPr>
+        <p:cNvPr id="1" name=""/>
+        <p:cNvGrpSpPr/>
+        <p:nvPr/>
+      </p:nvGrpSpPr>
+      <p:grpSpPr>
+        <a:xfrm>
+          <a:off x="0" y="0"/>
+          <a:ext cx="0" cy="0"/>
+          <a:chOff x="0" y="0"/>
+          <a:chExt cx="0" cy="0"/>
+        </a:xfrm>
+      </p:grpSpPr>
+      <p:sp>
+        <p:nvSpPr>
+          <p:cNvPr id="2" name="Content Placeholder 1"/>
+          <p:cNvSpPr>
+            <a:spLocks noGrp="1"/>
+          </p:cNvSpPr>
+          <p:nvPr>
+            <p:ph idx="1"/>
+          </p:nvPr>
+        </p:nvSpPr>
+        <p:spPr/>
+        <p:txBody>
+          <a:bodyPr/>
+          <a:lstStyle/>
+          <a:p>
+            <a:r>
+              <a:rPr lang="en-US" dirty="0" smtClean="0"/>
+              <a:t>Selling software to users after purchase of device</a:t>
+            </a:r>
+          </a:p>
+          <a:p>
+            <a:pPr lvl="1"/>
+            <a:r>
+              <a:rPr lang="en-US" dirty="0" smtClean="0"/>
+              <a:t>Need to set up distribution network</a:t>
+            </a:r>
+          </a:p>
+          <a:p>
+            <a:pPr lvl="1"/>
+            <a:r>
+              <a:rPr lang="en-US" dirty="0" smtClean="0"/>
+              <a:t>Encourage third party development</a:t>
+            </a:r>
+          </a:p>
+          <a:p>
+            <a:pPr lvl="1"/>
+            <a:r>
+              <a:rPr lang="en-US" dirty="0" smtClean="0"/>
+              <a:t>Anti-piracy solutions</a:t>
+            </a:r>
+          </a:p>
+          <a:p>
+            <a:pPr lvl="1"/>
+            <a:endParaRPr lang="en-US" dirty="0"/>
+          </a:p>
+        </p:txBody>
+      </p:sp>
+      <p:sp>
+        <p:nvSpPr>
+          <p:cNvPr id="3" name="Title 2"/>
+          <p:cNvSpPr>
+            <a:spLocks noGrp="1"/>
+          </p:cNvSpPr>
+          <p:nvPr>
+            <p:ph type="title"/>
+          </p:nvPr>
+        </p:nvSpPr>
+        <p:spPr/>
+        <p:txBody>
+          <a:bodyPr/>
+          <a:lstStyle/>
+          <a:p>
+            <a:r>
+              <a:rPr lang="en-US" dirty="0" smtClean="0"/>
+              <a:t>Opportunities</a:t>
+            </a:r>
+            <a:endParaRPr lang="en-US" dirty="0"/>
+          </a:p>
+        </p:txBody>
+      </p:sp>
+    </p:spTree>
+    <p:extLst>
+      <p:ext uri="{BB962C8B-B14F-4D97-AF65-F5344CB8AC3E}">
+        <p14:creationId xmlns:p14="http://schemas.microsoft.com/office/powerpoint/2010/main" val="2759559370"/>
+      </p:ext>
+    </p:extLst>
+  </p:cSld>
+  <p:clrMapOvr>
+    <a:masterClrMapping/>
+  </p:clrMapOvr>
+</p:sld>
+</file>
+
+<file path=ppt/slides/slide18.xml><?xml version="1.0" encoding="utf-8"?>
+<p:sld xmlns:a="http://schemas.openxmlformats.org/drawingml/2006/main" xmlns:r="http://schemas.openxmlformats.org/officeDocument/2006/relationships" xmlns:p="http://schemas.openxmlformats.org/presentationml/2006/main">
+  <p:cSld>
+    <p:spTree>
+      <p:nvGrpSpPr>
+        <p:cNvPr id="1" name=""/>
+        <p:cNvGrpSpPr/>
+        <p:nvPr/>
+      </p:nvGrpSpPr>
+      <p:grpSpPr>
+        <a:xfrm>
+          <a:off x="0" y="0"/>
+          <a:ext cx="0" cy="0"/>
+          <a:chOff x="0" y="0"/>
+          <a:chExt cx="0" cy="0"/>
+        </a:xfrm>
+      </p:grpSpPr>
+      <p:sp>
+        <p:nvSpPr>
+          <p:cNvPr id="2" name="Content Placeholder 1"/>
+          <p:cNvSpPr>
+            <a:spLocks noGrp="1"/>
+          </p:cNvSpPr>
+          <p:nvPr>
+            <p:ph idx="1"/>
+          </p:nvPr>
+        </p:nvSpPr>
+        <p:spPr/>
+        <p:txBody>
           <a:bodyPr>
             <a:normAutofit/>
           </a:bodyPr>
@@ -9421,7 +12006,7 @@
 </p:sld>
 </file>
 
-<file path=ppt/slides/slide17.xml><?xml version="1.0" encoding="utf-8"?>
+<file path=ppt/slides/slide19.xml><?xml version="1.0" encoding="utf-8"?>
 <p:sld xmlns:a="http://schemas.openxmlformats.org/drawingml/2006/main" xmlns:r="http://schemas.openxmlformats.org/officeDocument/2006/relationships" xmlns:p="http://schemas.openxmlformats.org/presentationml/2006/main">
   <p:cSld>
     <p:spTree>
@@ -9669,7 +12254,15 @@
             </a:r>
             <a:r>
               <a:rPr lang="en-US" dirty="0"/>
-              <a:t>computing is quickly becoming the next step of embedded systems evolution as evidenced by devices like Google Glass [1], the Samsung Galaxy </a:t>
+              <a:t>computing is quickly becoming the next step of embedded systems evolution as evidenced by devices like Google </a:t>
+            </a:r>
+            <a:r>
+              <a:rPr lang="en-US" dirty="0" smtClean="0"/>
+              <a:t>Glass, </a:t>
+            </a:r>
+            <a:r>
+              <a:rPr lang="en-US" dirty="0"/>
+              <a:t>the Samsung Galaxy </a:t>
             </a:r>
             <a:r>
               <a:rPr lang="en-US" dirty="0" smtClean="0"/>
@@ -10549,8 +13142,12 @@
           <a:lstStyle/>
           <a:p>
             <a:r>
+              <a:rPr lang="en-US" dirty="0"/>
+              <a:t>Accomplishments To </a:t>
+            </a:r>
+            <a:r>
               <a:rPr lang="en-US" dirty="0" smtClean="0"/>
-              <a:t>Hardware metrics</a:t>
+              <a:t>Date (Pha1)</a:t>
             </a:r>
             <a:endParaRPr lang="en-US" dirty="0"/>
           </a:p>
@@ -10558,7 +13155,7 @@
       </p:sp>
       <p:graphicFrame>
         <p:nvGraphicFramePr>
-          <p:cNvPr id="5" name="Content Placeholder 4"/>
+          <p:cNvPr id="6" name="Content Placeholder 5"/>
           <p:cNvGraphicFramePr>
             <a:graphicFrameLocks noGrp="1"/>
           </p:cNvGraphicFramePr>
@@ -10566,752 +13163,340 @@
             <p:ph idx="1"/>
             <p:extLst>
               <p:ext uri="{D42A27DB-BD31-4B8C-83A1-F6EECF244321}">
-                <p14:modId xmlns:p14="http://schemas.microsoft.com/office/powerpoint/2010/main" val="2392140367"/>
+                <p14:modId xmlns:p14="http://schemas.microsoft.com/office/powerpoint/2010/main" val="995713166"/>
               </p:ext>
             </p:extLst>
           </p:nvPr>
         </p:nvGraphicFramePr>
         <p:xfrm>
-          <a:off x="152400" y="1371600"/>
-          <a:ext cx="8839200" cy="5334000"/>
+          <a:off x="381000" y="1524000"/>
+          <a:ext cx="8407401" cy="2595880"/>
         </p:xfrm>
         <a:graphic>
           <a:graphicData uri="http://schemas.openxmlformats.org/drawingml/2006/table">
             <a:tbl>
-              <a:tblPr firstRow="1" firstCol="1" bandRow="1">
+              <a:tblPr firstRow="1" bandRow="1">
                 <a:tableStyleId>{5C22544A-7EE6-4342-B048-85BDC9FD1C3A}</a:tableStyleId>
               </a:tblPr>
               <a:tblGrid>
-                <a:gridCol w="1016464"/>
-                <a:gridCol w="1966217"/>
-                <a:gridCol w="5856519"/>
+                <a:gridCol w="2802467"/>
+                <a:gridCol w="2802467"/>
+                <a:gridCol w="2802467"/>
               </a:tblGrid>
-              <a:tr h="209488">
-                <a:tc>
-                  <a:txBody>
-                    <a:bodyPr/>
-                    <a:lstStyle/>
-                    <a:p>
-                      <a:pPr marL="0" marR="0" algn="ctr">
-                        <a:spcBef>
-                          <a:spcPts val="0"/>
-                        </a:spcBef>
-                        <a:spcAft>
-                          <a:spcPts val="0"/>
-                        </a:spcAft>
-                      </a:pPr>
+              <a:tr h="370840">
+                <a:tc>
+                  <a:txBody>
+                    <a:bodyPr/>
+                    <a:lstStyle/>
+                    <a:p>
                       <a:r>
-                        <a:rPr lang="en-US" sz="1100" dirty="0">
-                          <a:effectLst/>
-                        </a:rPr>
-                        <a:t>Metric</a:t>
+                        <a:rPr lang="en-US" dirty="0" smtClean="0"/>
+                        <a:t>Performance Metric</a:t>
                       </a:r>
-                      <a:endParaRPr lang="en-US" sz="1100" dirty="0">
-                        <a:effectLst/>
-                        <a:latin typeface="Calibri" panose="020F0502020204030204" pitchFamily="34" charset="0"/>
-                        <a:ea typeface="Calibri" panose="020F0502020204030204" pitchFamily="34" charset="0"/>
-                        <a:cs typeface="Times New Roman" panose="02020603050405020304" pitchFamily="18" charset="0"/>
-                      </a:endParaRPr>
-                    </a:p>
-                  </a:txBody>
-                  <a:tcPr marL="68580" marR="68580" marT="0" marB="0"/>
-                </a:tc>
-                <a:tc>
-                  <a:txBody>
-                    <a:bodyPr/>
-                    <a:lstStyle/>
-                    <a:p>
-                      <a:pPr marL="0" marR="0" algn="ctr">
-                        <a:spcBef>
-                          <a:spcPts val="0"/>
-                        </a:spcBef>
-                        <a:spcAft>
-                          <a:spcPts val="0"/>
-                        </a:spcAft>
-                      </a:pPr>
+                      <a:endParaRPr lang="en-US" dirty="0"/>
+                    </a:p>
+                  </a:txBody>
+                  <a:tcPr/>
+                </a:tc>
+                <a:tc>
+                  <a:txBody>
+                    <a:bodyPr/>
+                    <a:lstStyle/>
+                    <a:p>
                       <a:r>
-                        <a:rPr lang="en-US" sz="1100">
-                          <a:effectLst/>
-                        </a:rPr>
+                        <a:rPr lang="en-US" dirty="0" smtClean="0"/>
+                        <a:t>Phase</a:t>
+                      </a:r>
+                      <a:r>
+                        <a:rPr lang="en-US" baseline="0" dirty="0" smtClean="0"/>
+                        <a:t> One</a:t>
+                      </a:r>
+                      <a:endParaRPr lang="en-US" dirty="0"/>
+                    </a:p>
+                  </a:txBody>
+                  <a:tcPr/>
+                </a:tc>
+                <a:tc>
+                  <a:txBody>
+                    <a:bodyPr/>
+                    <a:lstStyle/>
+                    <a:p>
+                      <a:r>
+                        <a:rPr lang="en-US" dirty="0" smtClean="0"/>
                         <a:t>Target</a:t>
                       </a:r>
-                      <a:endParaRPr lang="en-US" sz="1100">
-                        <a:effectLst/>
-                        <a:latin typeface="Calibri" panose="020F0502020204030204" pitchFamily="34" charset="0"/>
-                        <a:ea typeface="Calibri" panose="020F0502020204030204" pitchFamily="34" charset="0"/>
-                        <a:cs typeface="Times New Roman" panose="02020603050405020304" pitchFamily="18" charset="0"/>
-                      </a:endParaRPr>
-                    </a:p>
-                  </a:txBody>
-                  <a:tcPr marL="68580" marR="68580" marT="0" marB="0"/>
-                </a:tc>
-                <a:tc>
-                  <a:txBody>
-                    <a:bodyPr/>
-                    <a:lstStyle/>
-                    <a:p>
-                      <a:pPr marL="0" marR="0" algn="ctr">
-                        <a:spcBef>
-                          <a:spcPts val="0"/>
-                        </a:spcBef>
-                        <a:spcAft>
-                          <a:spcPts val="0"/>
-                        </a:spcAft>
-                      </a:pPr>
+                      <a:endParaRPr lang="en-US" dirty="0"/>
+                    </a:p>
+                  </a:txBody>
+                  <a:tcPr/>
+                </a:tc>
+              </a:tr>
+              <a:tr h="370840">
+                <a:tc>
+                  <a:txBody>
+                    <a:bodyPr/>
+                    <a:lstStyle/>
+                    <a:p>
                       <a:r>
-                        <a:rPr lang="en-US" sz="1100">
-                          <a:effectLst/>
-                        </a:rPr>
-                        <a:t>Description</a:t>
+                        <a:rPr lang="en-US" dirty="0" smtClean="0"/>
+                        <a:t>Weight</a:t>
                       </a:r>
-                      <a:endParaRPr lang="en-US" sz="1100">
-                        <a:effectLst/>
-                        <a:latin typeface="Calibri" panose="020F0502020204030204" pitchFamily="34" charset="0"/>
-                        <a:ea typeface="Calibri" panose="020F0502020204030204" pitchFamily="34" charset="0"/>
-                        <a:cs typeface="Times New Roman" panose="02020603050405020304" pitchFamily="18" charset="0"/>
-                      </a:endParaRPr>
-                    </a:p>
-                  </a:txBody>
-                  <a:tcPr marL="68580" marR="68580" marT="0" marB="0"/>
+                      <a:endParaRPr lang="en-US" dirty="0"/>
+                    </a:p>
+                  </a:txBody>
+                  <a:tcPr/>
+                </a:tc>
+                <a:tc>
+                  <a:txBody>
+                    <a:bodyPr/>
+                    <a:lstStyle/>
+                    <a:p>
+                      <a:r>
+                        <a:rPr lang="en-US" dirty="0" smtClean="0"/>
+                        <a:t>2 kg [???]</a:t>
+                      </a:r>
+                      <a:endParaRPr lang="en-US" dirty="0"/>
+                    </a:p>
+                  </a:txBody>
+                  <a:tcPr/>
+                </a:tc>
+                <a:tc>
+                  <a:txBody>
+                    <a:bodyPr/>
+                    <a:lstStyle/>
+                    <a:p>
+                      <a:r>
+                        <a:rPr lang="en-US" dirty="0" smtClean="0"/>
+                        <a:t>4 kg</a:t>
+                      </a:r>
+                      <a:endParaRPr lang="en-US" dirty="0"/>
+                    </a:p>
+                  </a:txBody>
+                  <a:tcPr/>
                 </a:tc>
               </a:tr>
-              <a:tr h="418975">
-                <a:tc>
-                  <a:txBody>
-                    <a:bodyPr/>
-                    <a:lstStyle/>
-                    <a:p>
-                      <a:pPr marL="0" marR="0" algn="r">
-                        <a:spcBef>
-                          <a:spcPts val="0"/>
-                        </a:spcBef>
-                        <a:spcAft>
-                          <a:spcPts val="0"/>
-                        </a:spcAft>
-                      </a:pPr>
+              <a:tr h="370840">
+                <a:tc>
+                  <a:txBody>
+                    <a:bodyPr/>
+                    <a:lstStyle/>
+                    <a:p>
                       <a:r>
-                        <a:rPr lang="en-US" sz="1100">
-                          <a:effectLst/>
-                        </a:rPr>
-                        <a:t>Mass</a:t>
+                        <a:rPr lang="en-US" dirty="0" smtClean="0"/>
+                        <a:t>Battery life</a:t>
                       </a:r>
-                      <a:endParaRPr lang="en-US" sz="1100">
-                        <a:effectLst/>
-                        <a:latin typeface="Calibri" panose="020F0502020204030204" pitchFamily="34" charset="0"/>
-                        <a:ea typeface="Calibri" panose="020F0502020204030204" pitchFamily="34" charset="0"/>
-                        <a:cs typeface="Times New Roman" panose="02020603050405020304" pitchFamily="18" charset="0"/>
-                      </a:endParaRPr>
-                    </a:p>
-                  </a:txBody>
-                  <a:tcPr marL="68580" marR="68580" marT="0" marB="0"/>
-                </a:tc>
-                <a:tc>
-                  <a:txBody>
-                    <a:bodyPr/>
-                    <a:lstStyle/>
-                    <a:p>
-                      <a:pPr marL="0" marR="0">
-                        <a:spcBef>
-                          <a:spcPts val="0"/>
-                        </a:spcBef>
-                        <a:spcAft>
-                          <a:spcPts val="0"/>
-                        </a:spcAft>
-                      </a:pPr>
+                      <a:endParaRPr lang="en-US" dirty="0"/>
+                    </a:p>
+                  </a:txBody>
+                  <a:tcPr/>
+                </a:tc>
+                <a:tc>
+                  <a:txBody>
+                    <a:bodyPr/>
+                    <a:lstStyle/>
+                    <a:p>
                       <a:r>
-                        <a:rPr lang="en-US" sz="1100" dirty="0">
-                          <a:effectLst/>
-                        </a:rPr>
-                        <a:t>Headset: 1 kg</a:t>
+                        <a:rPr lang="en-US" dirty="0" smtClean="0"/>
+                        <a:t>3 hours</a:t>
                       </a:r>
-                    </a:p>
-                    <a:p>
-                      <a:pPr marL="0" marR="0">
-                        <a:spcBef>
-                          <a:spcPts val="0"/>
-                        </a:spcBef>
-                        <a:spcAft>
-                          <a:spcPts val="0"/>
-                        </a:spcAft>
-                      </a:pPr>
+                      <a:endParaRPr lang="en-US" dirty="0"/>
+                    </a:p>
+                  </a:txBody>
+                  <a:tcPr/>
+                </a:tc>
+                <a:tc>
+                  <a:txBody>
+                    <a:bodyPr/>
+                    <a:lstStyle/>
+                    <a:p>
                       <a:r>
-                        <a:rPr lang="en-US" sz="1100">
-                          <a:effectLst/>
-                        </a:rPr>
-                        <a:t>Backpack: 3 kg</a:t>
+                        <a:rPr lang="en-US" dirty="0" smtClean="0"/>
+                        <a:t>5 hours</a:t>
                       </a:r>
-                      <a:endParaRPr lang="en-US" sz="1100">
-                        <a:effectLst/>
-                        <a:latin typeface="Calibri" panose="020F0502020204030204" pitchFamily="34" charset="0"/>
-                        <a:ea typeface="Calibri" panose="020F0502020204030204" pitchFamily="34" charset="0"/>
-                        <a:cs typeface="Times New Roman" panose="02020603050405020304" pitchFamily="18" charset="0"/>
-                      </a:endParaRPr>
-                    </a:p>
-                  </a:txBody>
-                  <a:tcPr marL="68580" marR="68580" marT="0" marB="0"/>
-                </a:tc>
-                <a:tc>
-                  <a:txBody>
-                    <a:bodyPr/>
-                    <a:lstStyle/>
-                    <a:p>
-                      <a:pPr marL="0" marR="0">
-                        <a:spcBef>
-                          <a:spcPts val="0"/>
-                        </a:spcBef>
-                        <a:spcAft>
-                          <a:spcPts val="0"/>
-                        </a:spcAft>
-                      </a:pPr>
+                      <a:endParaRPr lang="en-US" dirty="0"/>
+                    </a:p>
+                  </a:txBody>
+                  <a:tcPr/>
+                </a:tc>
+              </a:tr>
+              <a:tr h="370840">
+                <a:tc>
+                  <a:txBody>
+                    <a:bodyPr/>
+                    <a:lstStyle/>
+                    <a:p>
                       <a:r>
-                        <a:rPr lang="en-US" sz="1100">
-                          <a:effectLst/>
-                        </a:rPr>
-                        <a:t>Neither the headset nor the backpack can be too heavy to impede the performance of typical activities by the user.</a:t>
+                        <a:rPr lang="en-US" dirty="0" err="1" smtClean="0"/>
+                        <a:t>Framerate</a:t>
                       </a:r>
-                      <a:endParaRPr lang="en-US" sz="1100">
-                        <a:effectLst/>
-                        <a:latin typeface="Calibri" panose="020F0502020204030204" pitchFamily="34" charset="0"/>
-                        <a:ea typeface="Calibri" panose="020F0502020204030204" pitchFamily="34" charset="0"/>
-                        <a:cs typeface="Times New Roman" panose="02020603050405020304" pitchFamily="18" charset="0"/>
-                      </a:endParaRPr>
-                    </a:p>
-                  </a:txBody>
-                  <a:tcPr marL="68580" marR="68580" marT="0" marB="0"/>
+                      <a:endParaRPr lang="en-US" dirty="0"/>
+                    </a:p>
+                  </a:txBody>
+                  <a:tcPr/>
+                </a:tc>
+                <a:tc>
+                  <a:txBody>
+                    <a:bodyPr/>
+                    <a:lstStyle/>
+                    <a:p>
+                      <a:r>
+                        <a:rPr lang="en-US" dirty="0" smtClean="0"/>
+                        <a:t>30 FPS</a:t>
+                      </a:r>
+                      <a:endParaRPr lang="en-US" dirty="0"/>
+                    </a:p>
+                  </a:txBody>
+                  <a:tcPr/>
+                </a:tc>
+                <a:tc>
+                  <a:txBody>
+                    <a:bodyPr/>
+                    <a:lstStyle/>
+                    <a:p>
+                      <a:r>
+                        <a:rPr lang="en-US" dirty="0" smtClean="0"/>
+                        <a:t>60 FPS</a:t>
+                      </a:r>
+                      <a:endParaRPr lang="en-US" dirty="0"/>
+                    </a:p>
+                  </a:txBody>
+                  <a:tcPr/>
                 </a:tc>
               </a:tr>
-              <a:tr h="628463">
-                <a:tc>
-                  <a:txBody>
-                    <a:bodyPr/>
-                    <a:lstStyle/>
-                    <a:p>
-                      <a:pPr marL="0" marR="0" algn="r">
-                        <a:spcBef>
-                          <a:spcPts val="0"/>
-                        </a:spcBef>
-                        <a:spcAft>
-                          <a:spcPts val="0"/>
-                        </a:spcAft>
-                      </a:pPr>
+              <a:tr h="370840">
+                <a:tc>
+                  <a:txBody>
+                    <a:bodyPr/>
+                    <a:lstStyle/>
+                    <a:p>
                       <a:r>
-                        <a:rPr lang="en-US" sz="1100">
-                          <a:effectLst/>
-                        </a:rPr>
-                        <a:t>Power</a:t>
+                        <a:rPr lang="en-US" dirty="0" smtClean="0"/>
+                        <a:t>Head tracking Latency</a:t>
                       </a:r>
-                      <a:endParaRPr lang="en-US" sz="1100">
-                        <a:effectLst/>
-                        <a:latin typeface="Calibri" panose="020F0502020204030204" pitchFamily="34" charset="0"/>
-                        <a:ea typeface="Calibri" panose="020F0502020204030204" pitchFamily="34" charset="0"/>
-                        <a:cs typeface="Times New Roman" panose="02020603050405020304" pitchFamily="18" charset="0"/>
-                      </a:endParaRPr>
-                    </a:p>
-                  </a:txBody>
-                  <a:tcPr marL="68580" marR="68580" marT="0" marB="0"/>
-                </a:tc>
-                <a:tc>
-                  <a:txBody>
-                    <a:bodyPr/>
-                    <a:lstStyle/>
-                    <a:p>
-                      <a:pPr marL="0" marR="0">
-                        <a:spcBef>
-                          <a:spcPts val="0"/>
-                        </a:spcBef>
-                        <a:spcAft>
-                          <a:spcPts val="0"/>
-                        </a:spcAft>
-                      </a:pPr>
+                      <a:endParaRPr lang="en-US" dirty="0"/>
+                    </a:p>
+                  </a:txBody>
+                  <a:tcPr/>
+                </a:tc>
+                <a:tc>
+                  <a:txBody>
+                    <a:bodyPr/>
+                    <a:lstStyle/>
+                    <a:p>
                       <a:r>
-                        <a:rPr lang="en-US" sz="1100">
-                          <a:effectLst/>
-                        </a:rPr>
-                        <a:t>3 hours runtime</a:t>
+                        <a:rPr lang="en-US" dirty="0" smtClean="0"/>
+                        <a:t>[???]</a:t>
                       </a:r>
-                      <a:endParaRPr lang="en-US" sz="1100">
-                        <a:effectLst/>
-                        <a:latin typeface="Calibri" panose="020F0502020204030204" pitchFamily="34" charset="0"/>
-                        <a:ea typeface="Calibri" panose="020F0502020204030204" pitchFamily="34" charset="0"/>
-                        <a:cs typeface="Times New Roman" panose="02020603050405020304" pitchFamily="18" charset="0"/>
-                      </a:endParaRPr>
-                    </a:p>
-                  </a:txBody>
-                  <a:tcPr marL="68580" marR="68580" marT="0" marB="0"/>
-                </a:tc>
-                <a:tc>
-                  <a:txBody>
-                    <a:bodyPr/>
-                    <a:lstStyle/>
-                    <a:p>
-                      <a:pPr marL="0" marR="0">
-                        <a:spcBef>
-                          <a:spcPts val="0"/>
-                        </a:spcBef>
-                        <a:spcAft>
-                          <a:spcPts val="0"/>
-                        </a:spcAft>
-                      </a:pPr>
+                      <a:endParaRPr lang="en-US" dirty="0"/>
+                    </a:p>
+                  </a:txBody>
+                  <a:tcPr/>
+                </a:tc>
+                <a:tc>
+                  <a:txBody>
+                    <a:bodyPr/>
+                    <a:lstStyle/>
+                    <a:p>
                       <a:r>
-                        <a:rPr lang="en-US" sz="1100">
-                          <a:effectLst/>
-                        </a:rPr>
-                        <a:t>Augmented reality applications run for long durations, so the device must operate long enough on battery power to be usable. The remaining battery capacity should be displayed to the user.</a:t>
+                        <a:rPr lang="en-US" dirty="0" smtClean="0"/>
+                        <a:t>60 </a:t>
                       </a:r>
-                      <a:endParaRPr lang="en-US" sz="1100">
-                        <a:effectLst/>
-                        <a:latin typeface="Calibri" panose="020F0502020204030204" pitchFamily="34" charset="0"/>
-                        <a:ea typeface="Calibri" panose="020F0502020204030204" pitchFamily="34" charset="0"/>
-                        <a:cs typeface="Times New Roman" panose="02020603050405020304" pitchFamily="18" charset="0"/>
-                      </a:endParaRPr>
-                    </a:p>
-                  </a:txBody>
-                  <a:tcPr marL="68580" marR="68580" marT="0" marB="0"/>
+                      <a:r>
+                        <a:rPr lang="en-US" dirty="0" err="1" smtClean="0"/>
+                        <a:t>ms</a:t>
+                      </a:r>
+                      <a:endParaRPr lang="en-US" dirty="0"/>
+                    </a:p>
+                  </a:txBody>
+                  <a:tcPr/>
                 </a:tc>
               </a:tr>
-              <a:tr h="628463">
-                <a:tc>
-                  <a:txBody>
-                    <a:bodyPr/>
-                    <a:lstStyle/>
-                    <a:p>
-                      <a:pPr marL="0" marR="0" algn="r">
-                        <a:spcBef>
-                          <a:spcPts val="0"/>
-                        </a:spcBef>
-                        <a:spcAft>
-                          <a:spcPts val="0"/>
-                        </a:spcAft>
-                      </a:pPr>
+              <a:tr h="370840">
+                <a:tc>
+                  <a:txBody>
+                    <a:bodyPr/>
+                    <a:lstStyle/>
+                    <a:p>
                       <a:r>
-                        <a:rPr lang="en-US" sz="1100">
-                          <a:effectLst/>
-                        </a:rPr>
-                        <a:t>Location</a:t>
+                        <a:rPr lang="en-US" dirty="0" smtClean="0"/>
+                        <a:t>Location accuracy</a:t>
                       </a:r>
-                      <a:endParaRPr lang="en-US" sz="1100">
-                        <a:effectLst/>
-                        <a:latin typeface="Calibri" panose="020F0502020204030204" pitchFamily="34" charset="0"/>
-                        <a:ea typeface="Calibri" panose="020F0502020204030204" pitchFamily="34" charset="0"/>
-                        <a:cs typeface="Times New Roman" panose="02020603050405020304" pitchFamily="18" charset="0"/>
-                      </a:endParaRPr>
-                    </a:p>
-                  </a:txBody>
-                  <a:tcPr marL="68580" marR="68580" marT="0" marB="0"/>
-                </a:tc>
-                <a:tc>
-                  <a:txBody>
-                    <a:bodyPr/>
-                    <a:lstStyle/>
-                    <a:p>
-                      <a:pPr marL="0" marR="0">
-                        <a:spcBef>
-                          <a:spcPts val="0"/>
-                        </a:spcBef>
-                        <a:spcAft>
-                          <a:spcPts val="0"/>
-                        </a:spcAft>
-                      </a:pPr>
+                      <a:endParaRPr lang="en-US" dirty="0"/>
+                    </a:p>
+                  </a:txBody>
+                  <a:tcPr/>
+                </a:tc>
+                <a:tc>
+                  <a:txBody>
+                    <a:bodyPr/>
+                    <a:lstStyle/>
+                    <a:p>
+                      <a:endParaRPr lang="en-US" dirty="0"/>
+                    </a:p>
+                  </a:txBody>
+                  <a:tcPr/>
+                </a:tc>
+                <a:tc>
+                  <a:txBody>
+                    <a:bodyPr/>
+                    <a:lstStyle/>
+                    <a:p>
+                      <a:endParaRPr lang="en-US"/>
+                    </a:p>
+                  </a:txBody>
+                  <a:tcPr/>
+                </a:tc>
+              </a:tr>
+              <a:tr h="370840">
+                <a:tc>
+                  <a:txBody>
+                    <a:bodyPr/>
+                    <a:lstStyle/>
+                    <a:p>
                       <a:r>
-                        <a:rPr lang="en-US" sz="1100">
-                          <a:effectLst/>
-                        </a:rPr>
-                        <a:t>Minimum 2 meter accuracy and precision</a:t>
+                        <a:rPr lang="en-US" dirty="0" smtClean="0"/>
+                        <a:t>Display</a:t>
                       </a:r>
-                      <a:endParaRPr lang="en-US" sz="1100">
-                        <a:effectLst/>
-                        <a:latin typeface="Calibri" panose="020F0502020204030204" pitchFamily="34" charset="0"/>
-                        <a:ea typeface="Calibri" panose="020F0502020204030204" pitchFamily="34" charset="0"/>
-                        <a:cs typeface="Times New Roman" panose="02020603050405020304" pitchFamily="18" charset="0"/>
-                      </a:endParaRPr>
-                    </a:p>
-                  </a:txBody>
-                  <a:tcPr marL="68580" marR="68580" marT="0" marB="0"/>
-                </a:tc>
-                <a:tc>
-                  <a:txBody>
-                    <a:bodyPr/>
-                    <a:lstStyle/>
-                    <a:p>
-                      <a:pPr marL="0" marR="0">
-                        <a:spcBef>
-                          <a:spcPts val="0"/>
-                        </a:spcBef>
-                        <a:spcAft>
-                          <a:spcPts val="0"/>
-                        </a:spcAft>
-                      </a:pPr>
                       <a:r>
-                        <a:rPr lang="en-US" sz="1100">
-                          <a:effectLst/>
-                        </a:rPr>
-                        <a:t>The accuracy of the rendered virtual world depends heavily on the accuracy and precision of the user’s geospatial position.</a:t>
+                        <a:rPr lang="en-US" baseline="0" dirty="0" smtClean="0"/>
+                        <a:t> Brightness</a:t>
                       </a:r>
-                      <a:endParaRPr lang="en-US" sz="1100">
-                        <a:effectLst/>
-                        <a:latin typeface="Calibri" panose="020F0502020204030204" pitchFamily="34" charset="0"/>
-                        <a:ea typeface="Calibri" panose="020F0502020204030204" pitchFamily="34" charset="0"/>
-                        <a:cs typeface="Times New Roman" panose="02020603050405020304" pitchFamily="18" charset="0"/>
-                      </a:endParaRPr>
-                    </a:p>
-                  </a:txBody>
-                  <a:tcPr marL="68580" marR="68580" marT="0" marB="0"/>
-                </a:tc>
-              </a:tr>
-              <a:tr h="934759">
-                <a:tc>
-                  <a:txBody>
-                    <a:bodyPr/>
-                    <a:lstStyle/>
-                    <a:p>
-                      <a:pPr marL="0" marR="0" algn="r">
-                        <a:spcBef>
-                          <a:spcPts val="0"/>
-                        </a:spcBef>
-                        <a:spcAft>
-                          <a:spcPts val="0"/>
-                        </a:spcAft>
-                      </a:pPr>
+                      <a:endParaRPr lang="en-US" dirty="0"/>
+                    </a:p>
+                  </a:txBody>
+                  <a:tcPr/>
+                </a:tc>
+                <a:tc>
+                  <a:txBody>
+                    <a:bodyPr/>
+                    <a:lstStyle/>
+                    <a:p>
                       <a:r>
-                        <a:rPr lang="en-US" sz="1100">
-                          <a:effectLst/>
-                        </a:rPr>
-                        <a:t>Wireless</a:t>
+                        <a:rPr lang="en-US" dirty="0" smtClean="0"/>
+                        <a:t>200</a:t>
                       </a:r>
-                      <a:endParaRPr lang="en-US" sz="1100">
-                        <a:effectLst/>
-                        <a:latin typeface="Calibri" panose="020F0502020204030204" pitchFamily="34" charset="0"/>
-                        <a:ea typeface="Calibri" panose="020F0502020204030204" pitchFamily="34" charset="0"/>
-                        <a:cs typeface="Times New Roman" panose="02020603050405020304" pitchFamily="18" charset="0"/>
-                      </a:endParaRPr>
-                    </a:p>
-                  </a:txBody>
-                  <a:tcPr marL="68580" marR="68580" marT="0" marB="0"/>
-                </a:tc>
-                <a:tc>
-                  <a:txBody>
-                    <a:bodyPr/>
-                    <a:lstStyle/>
-                    <a:p>
-                      <a:pPr marL="0" marR="0">
-                        <a:spcBef>
-                          <a:spcPts val="0"/>
-                        </a:spcBef>
-                        <a:spcAft>
-                          <a:spcPts val="0"/>
-                        </a:spcAft>
-                      </a:pPr>
                       <a:r>
-                        <a:rPr lang="en-US" sz="1100">
-                          <a:effectLst/>
-                        </a:rPr>
-                        <a:t>80 m range, line of sight</a:t>
+                        <a:rPr lang="en-US" baseline="0" dirty="0" smtClean="0"/>
+                        <a:t> nits</a:t>
                       </a:r>
-                      <a:endParaRPr lang="en-US" sz="1100">
-                        <a:effectLst/>
-                        <a:latin typeface="Calibri" panose="020F0502020204030204" pitchFamily="34" charset="0"/>
-                        <a:ea typeface="Calibri" panose="020F0502020204030204" pitchFamily="34" charset="0"/>
-                        <a:cs typeface="Times New Roman" panose="02020603050405020304" pitchFamily="18" charset="0"/>
-                      </a:endParaRPr>
-                    </a:p>
-                  </a:txBody>
-                  <a:tcPr marL="68580" marR="68580" marT="0" marB="0"/>
-                </a:tc>
-                <a:tc>
-                  <a:txBody>
-                    <a:bodyPr/>
-                    <a:lstStyle/>
-                    <a:p>
-                      <a:pPr marL="0" marR="0">
-                        <a:spcBef>
-                          <a:spcPts val="0"/>
-                        </a:spcBef>
-                        <a:spcAft>
-                          <a:spcPts val="0"/>
-                        </a:spcAft>
-                      </a:pPr>
+                      <a:endParaRPr lang="en-US" dirty="0"/>
+                    </a:p>
+                  </a:txBody>
+                  <a:tcPr/>
+                </a:tc>
+                <a:tc>
+                  <a:txBody>
+                    <a:bodyPr/>
+                    <a:lstStyle/>
+                    <a:p>
                       <a:r>
-                        <a:rPr lang="en-US" sz="1100">
-                          <a:effectLst/>
-                        </a:rPr>
-                        <a:t>A unique feature of this device is the wireless coordination capability of multiple headsets in the same virtual environment. The current wireless signal strength should be reported to the user.</a:t>
+                        <a:rPr lang="en-US" dirty="0" smtClean="0"/>
+                        <a:t>300 nits</a:t>
                       </a:r>
-                      <a:endParaRPr lang="en-US" sz="1100">
-                        <a:effectLst/>
-                        <a:latin typeface="Calibri" panose="020F0502020204030204" pitchFamily="34" charset="0"/>
-                        <a:ea typeface="Calibri" panose="020F0502020204030204" pitchFamily="34" charset="0"/>
-                        <a:cs typeface="Times New Roman" panose="02020603050405020304" pitchFamily="18" charset="0"/>
-                      </a:endParaRPr>
-                    </a:p>
-                  </a:txBody>
-                  <a:tcPr marL="68580" marR="68580" marT="0" marB="0"/>
-                </a:tc>
-              </a:tr>
-              <a:tr h="1047438">
-                <a:tc>
-                  <a:txBody>
-                    <a:bodyPr/>
-                    <a:lstStyle/>
-                    <a:p>
-                      <a:pPr marL="0" marR="0" algn="r">
-                        <a:spcBef>
-                          <a:spcPts val="0"/>
-                        </a:spcBef>
-                        <a:spcAft>
-                          <a:spcPts val="0"/>
-                        </a:spcAft>
-                      </a:pPr>
-                      <a:r>
-                        <a:rPr lang="en-US" sz="1100">
-                          <a:effectLst/>
-                        </a:rPr>
-                        <a:t>Comfort</a:t>
-                      </a:r>
-                      <a:endParaRPr lang="en-US" sz="1100">
-                        <a:effectLst/>
-                        <a:latin typeface="Calibri" panose="020F0502020204030204" pitchFamily="34" charset="0"/>
-                        <a:ea typeface="Calibri" panose="020F0502020204030204" pitchFamily="34" charset="0"/>
-                        <a:cs typeface="Times New Roman" panose="02020603050405020304" pitchFamily="18" charset="0"/>
-                      </a:endParaRPr>
-                    </a:p>
-                  </a:txBody>
-                  <a:tcPr marL="68580" marR="68580" marT="0" marB="0"/>
-                </a:tc>
-                <a:tc>
-                  <a:txBody>
-                    <a:bodyPr/>
-                    <a:lstStyle/>
-                    <a:p>
-                      <a:pPr marL="0" marR="0">
-                        <a:spcBef>
-                          <a:spcPts val="0"/>
-                        </a:spcBef>
-                        <a:spcAft>
-                          <a:spcPts val="0"/>
-                        </a:spcAft>
-                      </a:pPr>
-                      <a:r>
-                        <a:rPr lang="en-US" sz="1100">
-                          <a:effectLst/>
-                        </a:rPr>
-                        <a:t>No running speed or vision reduction</a:t>
-                      </a:r>
-                      <a:endParaRPr lang="en-US" sz="1100">
-                        <a:effectLst/>
-                        <a:latin typeface="Calibri" panose="020F0502020204030204" pitchFamily="34" charset="0"/>
-                        <a:ea typeface="Calibri" panose="020F0502020204030204" pitchFamily="34" charset="0"/>
-                        <a:cs typeface="Times New Roman" panose="02020603050405020304" pitchFamily="18" charset="0"/>
-                      </a:endParaRPr>
-                    </a:p>
-                  </a:txBody>
-                  <a:tcPr marL="68580" marR="68580" marT="0" marB="0"/>
-                </a:tc>
-                <a:tc>
-                  <a:txBody>
-                    <a:bodyPr/>
-                    <a:lstStyle/>
-                    <a:p>
-                      <a:pPr marL="0" marR="0">
-                        <a:spcBef>
-                          <a:spcPts val="0"/>
-                        </a:spcBef>
-                        <a:spcAft>
-                          <a:spcPts val="0"/>
-                        </a:spcAft>
-                      </a:pPr>
-                      <a:r>
-                        <a:rPr lang="en-US" sz="1100">
-                          <a:effectLst/>
-                        </a:rPr>
-                        <a:t>Ideally, the user would be able to perform actions without a noticeable burden on the user. It is difficult to quantitatively measure comfort, but the user should be able to orient their head, see the environment, and move from place to place as effectively as if the device was not worn.</a:t>
-                      </a:r>
-                      <a:endParaRPr lang="en-US" sz="1100">
-                        <a:effectLst/>
-                        <a:latin typeface="Calibri" panose="020F0502020204030204" pitchFamily="34" charset="0"/>
-                        <a:ea typeface="Calibri" panose="020F0502020204030204" pitchFamily="34" charset="0"/>
-                        <a:cs typeface="Times New Roman" panose="02020603050405020304" pitchFamily="18" charset="0"/>
-                      </a:endParaRPr>
-                    </a:p>
-                  </a:txBody>
-                  <a:tcPr marL="68580" marR="68580" marT="0" marB="0"/>
-                </a:tc>
-              </a:tr>
-              <a:tr h="837951">
-                <a:tc>
-                  <a:txBody>
-                    <a:bodyPr/>
-                    <a:lstStyle/>
-                    <a:p>
-                      <a:pPr marL="0" marR="0" algn="r">
-                        <a:spcBef>
-                          <a:spcPts val="0"/>
-                        </a:spcBef>
-                        <a:spcAft>
-                          <a:spcPts val="0"/>
-                        </a:spcAft>
-                      </a:pPr>
-                      <a:r>
-                        <a:rPr lang="en-US" sz="1100">
-                          <a:effectLst/>
-                        </a:rPr>
-                        <a:t>Durability</a:t>
-                      </a:r>
-                      <a:endParaRPr lang="en-US" sz="1100">
-                        <a:effectLst/>
-                        <a:latin typeface="Calibri" panose="020F0502020204030204" pitchFamily="34" charset="0"/>
-                        <a:ea typeface="Calibri" panose="020F0502020204030204" pitchFamily="34" charset="0"/>
-                        <a:cs typeface="Times New Roman" panose="02020603050405020304" pitchFamily="18" charset="0"/>
-                      </a:endParaRPr>
-                    </a:p>
-                  </a:txBody>
-                  <a:tcPr marL="68580" marR="68580" marT="0" marB="0"/>
-                </a:tc>
-                <a:tc>
-                  <a:txBody>
-                    <a:bodyPr/>
-                    <a:lstStyle/>
-                    <a:p>
-                      <a:pPr marL="0" marR="0">
-                        <a:spcBef>
-                          <a:spcPts val="0"/>
-                        </a:spcBef>
-                        <a:spcAft>
-                          <a:spcPts val="0"/>
-                        </a:spcAft>
-                      </a:pPr>
-                      <a:r>
-                        <a:rPr lang="en-US" sz="1100">
-                          <a:effectLst/>
-                        </a:rPr>
-                        <a:t>Operate from 0 to 40 C indoors and outdoors in dry conditions</a:t>
-                      </a:r>
-                      <a:endParaRPr lang="en-US" sz="1100">
-                        <a:effectLst/>
-                        <a:latin typeface="Calibri" panose="020F0502020204030204" pitchFamily="34" charset="0"/>
-                        <a:ea typeface="Calibri" panose="020F0502020204030204" pitchFamily="34" charset="0"/>
-                        <a:cs typeface="Times New Roman" panose="02020603050405020304" pitchFamily="18" charset="0"/>
-                      </a:endParaRPr>
-                    </a:p>
-                  </a:txBody>
-                  <a:tcPr marL="68580" marR="68580" marT="0" marB="0"/>
-                </a:tc>
-                <a:tc>
-                  <a:txBody>
-                    <a:bodyPr/>
-                    <a:lstStyle/>
-                    <a:p>
-                      <a:pPr marL="0" marR="0">
-                        <a:spcBef>
-                          <a:spcPts val="0"/>
-                        </a:spcBef>
-                        <a:spcAft>
-                          <a:spcPts val="0"/>
-                        </a:spcAft>
-                      </a:pPr>
-                      <a:r>
-                        <a:rPr lang="en-US" sz="1100">
-                          <a:effectLst/>
-                        </a:rPr>
-                        <a:t>Most augmented reality applications involve users walking or running, which will subject the device to vibration and light impacts. In addition, sunlight, humidity, and dust are inherent concerns for a portable device.</a:t>
-                      </a:r>
-                      <a:endParaRPr lang="en-US" sz="1100">
-                        <a:effectLst/>
-                        <a:latin typeface="Calibri" panose="020F0502020204030204" pitchFamily="34" charset="0"/>
-                        <a:ea typeface="Calibri" panose="020F0502020204030204" pitchFamily="34" charset="0"/>
-                        <a:cs typeface="Times New Roman" panose="02020603050405020304" pitchFamily="18" charset="0"/>
-                      </a:endParaRPr>
-                    </a:p>
-                  </a:txBody>
-                  <a:tcPr marL="68580" marR="68580" marT="0" marB="0"/>
-                </a:tc>
-              </a:tr>
-              <a:tr h="628463">
-                <a:tc>
-                  <a:txBody>
-                    <a:bodyPr/>
-                    <a:lstStyle/>
-                    <a:p>
-                      <a:pPr marL="0" marR="0" algn="r">
-                        <a:spcBef>
-                          <a:spcPts val="0"/>
-                        </a:spcBef>
-                        <a:spcAft>
-                          <a:spcPts val="0"/>
-                        </a:spcAft>
-                      </a:pPr>
-                      <a:r>
-                        <a:rPr lang="en-US" sz="1100">
-                          <a:effectLst/>
-                        </a:rPr>
-                        <a:t>Usability</a:t>
-                      </a:r>
-                      <a:endParaRPr lang="en-US" sz="1100">
-                        <a:effectLst/>
-                        <a:latin typeface="Calibri" panose="020F0502020204030204" pitchFamily="34" charset="0"/>
-                        <a:ea typeface="Calibri" panose="020F0502020204030204" pitchFamily="34" charset="0"/>
-                        <a:cs typeface="Times New Roman" panose="02020603050405020304" pitchFamily="18" charset="0"/>
-                      </a:endParaRPr>
-                    </a:p>
-                  </a:txBody>
-                  <a:tcPr marL="68580" marR="68580" marT="0" marB="0"/>
-                </a:tc>
-                <a:tc>
-                  <a:txBody>
-                    <a:bodyPr/>
-                    <a:lstStyle/>
-                    <a:p>
-                      <a:pPr marL="0" marR="0">
-                        <a:spcBef>
-                          <a:spcPts val="0"/>
-                        </a:spcBef>
-                        <a:spcAft>
-                          <a:spcPts val="0"/>
-                        </a:spcAft>
-                      </a:pPr>
-                      <a:r>
-                        <a:rPr lang="en-US" sz="1100">
-                          <a:effectLst/>
-                        </a:rPr>
-                        <a:t>End user can start up and use device without a technician</a:t>
-                      </a:r>
-                      <a:endParaRPr lang="en-US" sz="1100">
-                        <a:effectLst/>
-                        <a:latin typeface="Calibri" panose="020F0502020204030204" pitchFamily="34" charset="0"/>
-                        <a:ea typeface="Calibri" panose="020F0502020204030204" pitchFamily="34" charset="0"/>
-                        <a:cs typeface="Times New Roman" panose="02020603050405020304" pitchFamily="18" charset="0"/>
-                      </a:endParaRPr>
-                    </a:p>
-                  </a:txBody>
-                  <a:tcPr marL="68580" marR="68580" marT="0" marB="0"/>
-                </a:tc>
-                <a:tc>
-                  <a:txBody>
-                    <a:bodyPr/>
-                    <a:lstStyle/>
-                    <a:p>
-                      <a:pPr marL="0" marR="0">
-                        <a:spcBef>
-                          <a:spcPts val="0"/>
-                        </a:spcBef>
-                        <a:spcAft>
-                          <a:spcPts val="0"/>
-                        </a:spcAft>
-                      </a:pPr>
-                      <a:r>
-                        <a:rPr lang="en-US" sz="1100" dirty="0">
-                          <a:effectLst/>
-                        </a:rPr>
-                        <a:t>A user unfamiliar with the device technical details must be able to power on the device, perform start-up procedures such as wireless connection, and load the desired application.</a:t>
-                      </a:r>
-                      <a:endParaRPr lang="en-US" sz="1100" dirty="0">
-                        <a:effectLst/>
-                        <a:latin typeface="Calibri" panose="020F0502020204030204" pitchFamily="34" charset="0"/>
-                        <a:ea typeface="Calibri" panose="020F0502020204030204" pitchFamily="34" charset="0"/>
-                        <a:cs typeface="Times New Roman" panose="02020603050405020304" pitchFamily="18" charset="0"/>
-                      </a:endParaRPr>
-                    </a:p>
-                  </a:txBody>
-                  <a:tcPr marL="68580" marR="68580" marT="0" marB="0"/>
+                      <a:endParaRPr lang="en-US" dirty="0"/>
+                    </a:p>
+                  </a:txBody>
+                  <a:tcPr/>
                 </a:tc>
               </a:tr>
             </a:tbl>
@@ -12112,7 +14297,7 @@
   <a:extraClrSchemeLst/>
   <a:extLst>
     <a:ext uri="{05A4C25C-085E-4340-85A3-A5531E510DB2}">
-      <thm15:themeFamily xmlns:thm15="http://schemas.microsoft.com/office/thememl/2012/main" name="Office Theme" id="{62F939B6-93AF-4DB8-9C6B-D6C7DFDC589F}" vid="{4A3C46E8-61CC-4603-A589-7422A47A8E4A}"/>
+      <thm15:themeFamily xmlns:thm15="http://schemas.microsoft.com/office/thememl/2012/main" xmlns="" name="Office Theme" id="{62F939B6-93AF-4DB8-9C6B-D6C7DFDC589F}" vid="{4A3C46E8-61CC-4603-A589-7422A47A8E4A}"/>
     </a:ext>
   </a:extLst>
 </a:theme>

--- a/doc/AugRealityMidReview.pptx
+++ b/doc/AugRealityMidReview.pptx
@@ -6,7 +6,7 @@
     <p:sldMasterId id="2147483708" r:id="rId2"/>
   </p:sldMasterIdLst>
   <p:notesMasterIdLst>
-    <p:notesMasterId r:id="rId26"/>
+    <p:notesMasterId r:id="rId25"/>
   </p:notesMasterIdLst>
   <p:sldIdLst>
     <p:sldId id="256" r:id="rId3"/>
@@ -19,19 +19,18 @@
     <p:sldId id="269" r:id="rId10"/>
     <p:sldId id="280" r:id="rId11"/>
     <p:sldId id="286" r:id="rId12"/>
-    <p:sldId id="287" r:id="rId13"/>
-    <p:sldId id="279" r:id="rId14"/>
-    <p:sldId id="270" r:id="rId15"/>
-    <p:sldId id="285" r:id="rId16"/>
-    <p:sldId id="271" r:id="rId17"/>
-    <p:sldId id="289" r:id="rId18"/>
-    <p:sldId id="284" r:id="rId19"/>
-    <p:sldId id="282" r:id="rId20"/>
-    <p:sldId id="283" r:id="rId21"/>
-    <p:sldId id="274" r:id="rId22"/>
-    <p:sldId id="267" r:id="rId23"/>
-    <p:sldId id="290" r:id="rId24"/>
-    <p:sldId id="291" r:id="rId25"/>
+    <p:sldId id="279" r:id="rId13"/>
+    <p:sldId id="270" r:id="rId14"/>
+    <p:sldId id="285" r:id="rId15"/>
+    <p:sldId id="271" r:id="rId16"/>
+    <p:sldId id="289" r:id="rId17"/>
+    <p:sldId id="284" r:id="rId18"/>
+    <p:sldId id="282" r:id="rId19"/>
+    <p:sldId id="283" r:id="rId20"/>
+    <p:sldId id="274" r:id="rId21"/>
+    <p:sldId id="267" r:id="rId22"/>
+    <p:sldId id="290" r:id="rId23"/>
+    <p:sldId id="291" r:id="rId24"/>
   </p:sldIdLst>
   <p:sldSz cx="9144000" cy="6858000" type="screen4x3"/>
   <p:notesSz cx="6858000" cy="9144000"/>
@@ -132,7 +131,7 @@
   </p:defaultTextStyle>
   <p:extLst>
     <p:ext uri="{EFAFB233-063F-42B5-8137-9DF3F51BA10A}">
-      <p15:sldGuideLst xmlns:p15="http://schemas.microsoft.com/office/powerpoint/2012/main">
+      <p15:sldGuideLst xmlns:p15="http://schemas.microsoft.com/office/powerpoint/2012/main" xmlns="">
         <p15:guide id="1" orient="horz" pos="2160">
           <p15:clr>
             <a:srgbClr val="A4A3A4"/>
@@ -7883,7 +7882,7 @@
           <a:p>
             <a:r>
               <a:rPr lang="en-US" dirty="0" smtClean="0"/>
-              <a:t>Hardware metrics</a:t>
+              <a:t>Performance metrics</a:t>
             </a:r>
             <a:endParaRPr lang="en-US" dirty="0"/>
           </a:p>
@@ -7899,14 +7898,14 @@
             <p:ph idx="1"/>
             <p:extLst>
               <p:ext uri="{D42A27DB-BD31-4B8C-83A1-F6EECF244321}">
-                <p14:modId xmlns:p14="http://schemas.microsoft.com/office/powerpoint/2010/main" val="3649861872"/>
+                <p14:modId xmlns:p14="http://schemas.microsoft.com/office/powerpoint/2010/main" val="4103441069"/>
               </p:ext>
             </p:extLst>
           </p:nvPr>
         </p:nvGraphicFramePr>
         <p:xfrm>
-          <a:off x="152400" y="1371600"/>
-          <a:ext cx="8839200" cy="5334000"/>
+          <a:off x="152400" y="1173729"/>
+          <a:ext cx="8839201" cy="5531871"/>
         </p:xfrm>
         <a:graphic>
           <a:graphicData uri="http://schemas.openxmlformats.org/drawingml/2006/table">
@@ -7915,9 +7914,10 @@
                 <a:tableStyleId>{5C22544A-7EE6-4342-B048-85BDC9FD1C3A}</a:tableStyleId>
               </a:tblPr>
               <a:tblGrid>
-                <a:gridCol w="1016464"/>
-                <a:gridCol w="1966217"/>
-                <a:gridCol w="5856519"/>
+                <a:gridCol w="762000"/>
+                <a:gridCol w="1295400"/>
+                <a:gridCol w="3259214"/>
+                <a:gridCol w="3522587"/>
               </a:tblGrid>
               <a:tr h="209488">
                 <a:tc>
@@ -7934,12 +7934,12 @@
                         </a:spcAft>
                       </a:pPr>
                       <a:r>
-                        <a:rPr lang="en-US" sz="1100" dirty="0">
+                        <a:rPr lang="en-US" sz="1200" dirty="0">
                           <a:effectLst/>
                         </a:rPr>
                         <a:t>Metric</a:t>
                       </a:r>
-                      <a:endParaRPr lang="en-US" sz="1100" dirty="0">
+                      <a:endParaRPr lang="en-US" sz="1200" dirty="0">
                         <a:effectLst/>
                         <a:latin typeface="Calibri" panose="020F0502020204030204" pitchFamily="34" charset="0"/>
                         <a:ea typeface="Calibri" panose="020F0502020204030204" pitchFamily="34" charset="0"/>
@@ -7963,12 +7963,12 @@
                         </a:spcAft>
                       </a:pPr>
                       <a:r>
-                        <a:rPr lang="en-US" sz="1100">
+                        <a:rPr lang="en-US" sz="1200" dirty="0" smtClean="0">
                           <a:effectLst/>
                         </a:rPr>
-                        <a:t>Target</a:t>
+                        <a:t>Initial Target</a:t>
                       </a:r>
-                      <a:endParaRPr lang="en-US" sz="1100">
+                      <a:endParaRPr lang="en-US" sz="1200" dirty="0">
                         <a:effectLst/>
                         <a:latin typeface="Calibri" panose="020F0502020204030204" pitchFamily="34" charset="0"/>
                         <a:ea typeface="Calibri" panose="020F0502020204030204" pitchFamily="34" charset="0"/>
@@ -7992,12 +7992,12 @@
                         </a:spcAft>
                       </a:pPr>
                       <a:r>
-                        <a:rPr lang="en-US" sz="1100">
+                        <a:rPr lang="en-US" sz="1200" dirty="0" smtClean="0">
                           <a:effectLst/>
                         </a:rPr>
-                        <a:t>Description</a:t>
+                        <a:t>Phase 1 (Measured)</a:t>
                       </a:r>
-                      <a:endParaRPr lang="en-US" sz="1100">
+                      <a:endParaRPr lang="en-US" sz="1200" dirty="0">
                         <a:effectLst/>
                         <a:latin typeface="Calibri" panose="020F0502020204030204" pitchFamily="34" charset="0"/>
                         <a:ea typeface="Calibri" panose="020F0502020204030204" pitchFamily="34" charset="0"/>
@@ -8007,8 +8007,49 @@
                   </a:txBody>
                   <a:tcPr marL="68580" marR="68580" marT="0" marB="0"/>
                 </a:tc>
+                <a:tc>
+                  <a:txBody>
+                    <a:bodyPr/>
+                    <a:lstStyle/>
+                    <a:p>
+                      <a:pPr marL="0" marR="0" algn="ctr">
+                        <a:spcBef>
+                          <a:spcPts val="0"/>
+                        </a:spcBef>
+                        <a:spcAft>
+                          <a:spcPts val="0"/>
+                        </a:spcAft>
+                      </a:pPr>
+                      <a:r>
+                        <a:rPr lang="en-US" sz="1200" dirty="0" smtClean="0">
+                          <a:effectLst/>
+                          <a:latin typeface="Calibri" panose="020F0502020204030204" pitchFamily="34" charset="0"/>
+                          <a:ea typeface="Calibri" panose="020F0502020204030204" pitchFamily="34" charset="0"/>
+                          <a:cs typeface="Times New Roman" panose="02020603050405020304" pitchFamily="18" charset="0"/>
+                        </a:rPr>
+                        <a:t>Phase 2 (Current</a:t>
+                      </a:r>
+                      <a:r>
+                        <a:rPr lang="en-US" sz="1200" baseline="0" dirty="0" smtClean="0">
+                          <a:effectLst/>
+                          <a:latin typeface="Calibri" panose="020F0502020204030204" pitchFamily="34" charset="0"/>
+                          <a:ea typeface="Calibri" panose="020F0502020204030204" pitchFamily="34" charset="0"/>
+                          <a:cs typeface="Times New Roman" panose="02020603050405020304" pitchFamily="18" charset="0"/>
+                        </a:rPr>
+                        <a:t> Estimate)</a:t>
+                      </a:r>
+                      <a:endParaRPr lang="en-US" sz="1200" dirty="0">
+                        <a:effectLst/>
+                        <a:latin typeface="Calibri" panose="020F0502020204030204" pitchFamily="34" charset="0"/>
+                        <a:ea typeface="Calibri" panose="020F0502020204030204" pitchFamily="34" charset="0"/>
+                        <a:cs typeface="Times New Roman" panose="02020603050405020304" pitchFamily="18" charset="0"/>
+                      </a:endParaRPr>
+                    </a:p>
+                  </a:txBody>
+                  <a:tcPr marL="68580" marR="68580" marT="0" marB="0"/>
+                </a:tc>
               </a:tr>
-              <a:tr h="418975">
+              <a:tr h="628712">
                 <a:tc>
                   <a:txBody>
                     <a:bodyPr/>
@@ -8023,12 +8064,12 @@
                         </a:spcAft>
                       </a:pPr>
                       <a:r>
-                        <a:rPr lang="en-US" sz="1100">
+                        <a:rPr lang="en-US" sz="1200">
                           <a:effectLst/>
                         </a:rPr>
                         <a:t>Mass</a:t>
                       </a:r>
-                      <a:endParaRPr lang="en-US" sz="1100">
+                      <a:endParaRPr lang="en-US" sz="1200">
                         <a:effectLst/>
                         <a:latin typeface="Calibri" panose="020F0502020204030204" pitchFamily="34" charset="0"/>
                         <a:ea typeface="Calibri" panose="020F0502020204030204" pitchFamily="34" charset="0"/>
@@ -8052,7 +8093,7 @@
                         </a:spcAft>
                       </a:pPr>
                       <a:r>
-                        <a:rPr lang="en-US" sz="1100" dirty="0">
+                        <a:rPr lang="en-US" sz="1200" dirty="0">
                           <a:effectLst/>
                         </a:rPr>
                         <a:t>Headset: 1 kg</a:t>
@@ -8068,12 +8109,12 @@
                         </a:spcAft>
                       </a:pPr>
                       <a:r>
-                        <a:rPr lang="en-US" sz="1100">
+                        <a:rPr lang="en-US" sz="1200">
                           <a:effectLst/>
                         </a:rPr>
                         <a:t>Backpack: 3 kg</a:t>
                       </a:r>
-                      <a:endParaRPr lang="en-US" sz="1100">
+                      <a:endParaRPr lang="en-US" sz="1200">
                         <a:effectLst/>
                         <a:latin typeface="Calibri" panose="020F0502020204030204" pitchFamily="34" charset="0"/>
                         <a:ea typeface="Calibri" panose="020F0502020204030204" pitchFamily="34" charset="0"/>
@@ -8097,12 +8138,43 @@
                         </a:spcAft>
                       </a:pPr>
                       <a:r>
-                        <a:rPr lang="en-US" sz="1100">
+                        <a:rPr lang="en-US" sz="1200" dirty="0" smtClean="0">
                           <a:effectLst/>
+                          <a:latin typeface="Calibri" panose="020F0502020204030204" pitchFamily="34" charset="0"/>
+                          <a:ea typeface="Calibri" panose="020F0502020204030204" pitchFamily="34" charset="0"/>
+                          <a:cs typeface="Times New Roman" panose="02020603050405020304" pitchFamily="18" charset="0"/>
                         </a:rPr>
-                        <a:t>Neither the headset nor the backpack can be too heavy to impede the performance of typical activities by the user.</a:t>
+                        <a:t>Headset: 1.3kg</a:t>
                       </a:r>
-                      <a:endParaRPr lang="en-US" sz="1100">
+                    </a:p>
+                    <a:p>
+                      <a:pPr marL="0" marR="0">
+                        <a:spcBef>
+                          <a:spcPts val="0"/>
+                        </a:spcBef>
+                        <a:spcAft>
+                          <a:spcPts val="0"/>
+                        </a:spcAft>
+                      </a:pPr>
+                      <a:r>
+                        <a:rPr lang="en-US" sz="1200" dirty="0" smtClean="0">
+                          <a:effectLst/>
+                          <a:latin typeface="Calibri" panose="020F0502020204030204" pitchFamily="34" charset="0"/>
+                          <a:ea typeface="Calibri" panose="020F0502020204030204" pitchFamily="34" charset="0"/>
+                          <a:cs typeface="Times New Roman" panose="02020603050405020304" pitchFamily="18" charset="0"/>
+                        </a:rPr>
+                        <a:t>Backpack:</a:t>
+                      </a:r>
+                      <a:r>
+                        <a:rPr lang="en-US" sz="1200" baseline="0" dirty="0" smtClean="0">
+                          <a:effectLst/>
+                          <a:latin typeface="Calibri" panose="020F0502020204030204" pitchFamily="34" charset="0"/>
+                          <a:ea typeface="Calibri" panose="020F0502020204030204" pitchFamily="34" charset="0"/>
+                          <a:cs typeface="Times New Roman" panose="02020603050405020304" pitchFamily="18" charset="0"/>
+                        </a:rPr>
+                        <a:t> N/A</a:t>
+                      </a:r>
+                      <a:endParaRPr lang="en-US" sz="1200" dirty="0">
                         <a:effectLst/>
                         <a:latin typeface="Calibri" panose="020F0502020204030204" pitchFamily="34" charset="0"/>
                         <a:ea typeface="Calibri" panose="020F0502020204030204" pitchFamily="34" charset="0"/>
@@ -8112,8 +8184,68 @@
                   </a:txBody>
                   <a:tcPr marL="68580" marR="68580" marT="0" marB="0"/>
                 </a:tc>
+                <a:tc>
+                  <a:txBody>
+                    <a:bodyPr/>
+                    <a:lstStyle/>
+                    <a:p>
+                      <a:pPr marL="0" marR="0">
+                        <a:spcBef>
+                          <a:spcPts val="0"/>
+                        </a:spcBef>
+                        <a:spcAft>
+                          <a:spcPts val="0"/>
+                        </a:spcAft>
+                      </a:pPr>
+                      <a:r>
+                        <a:rPr lang="en-US" sz="1200" dirty="0" smtClean="0">
+                          <a:effectLst/>
+                          <a:latin typeface="Calibri" panose="020F0502020204030204" pitchFamily="34" charset="0"/>
+                          <a:ea typeface="Calibri" panose="020F0502020204030204" pitchFamily="34" charset="0"/>
+                          <a:cs typeface="Times New Roman" panose="02020603050405020304" pitchFamily="18" charset="0"/>
+                        </a:rPr>
+                        <a:t>Headset: ~1kg</a:t>
+                      </a:r>
+                    </a:p>
+                    <a:p>
+                      <a:pPr marL="0" marR="0">
+                        <a:spcBef>
+                          <a:spcPts val="0"/>
+                        </a:spcBef>
+                        <a:spcAft>
+                          <a:spcPts val="0"/>
+                        </a:spcAft>
+                      </a:pPr>
+                      <a:r>
+                        <a:rPr lang="en-US" sz="1200" dirty="0" smtClean="0">
+                          <a:effectLst/>
+                          <a:latin typeface="Calibri" panose="020F0502020204030204" pitchFamily="34" charset="0"/>
+                          <a:ea typeface="Calibri" panose="020F0502020204030204" pitchFamily="34" charset="0"/>
+                          <a:cs typeface="Times New Roman" panose="02020603050405020304" pitchFamily="18" charset="0"/>
+                        </a:rPr>
+                        <a:t>Backpack:</a:t>
+                      </a:r>
+                      <a:r>
+                        <a:rPr lang="en-US" sz="1200" baseline="0" dirty="0" smtClean="0">
+                          <a:effectLst/>
+                          <a:latin typeface="Calibri" panose="020F0502020204030204" pitchFamily="34" charset="0"/>
+                          <a:ea typeface="Calibri" panose="020F0502020204030204" pitchFamily="34" charset="0"/>
+                          <a:cs typeface="Times New Roman" panose="02020603050405020304" pitchFamily="18" charset="0"/>
+                        </a:rPr>
+                        <a:t> ~2.5kg</a:t>
+                      </a:r>
+                      <a:endParaRPr lang="en-US" sz="1200" dirty="0">
+                        <a:effectLst/>
+                        <a:latin typeface="Calibri" panose="020F0502020204030204" pitchFamily="34" charset="0"/>
+                        <a:ea typeface="Calibri" panose="020F0502020204030204" pitchFamily="34" charset="0"/>
+                        <a:cs typeface="Times New Roman" panose="02020603050405020304" pitchFamily="18" charset="0"/>
+                      </a:endParaRPr>
+                    </a:p>
+                  </a:txBody>
+                  <a:tcPr marL="68580" marR="68580" marT="0" marB="0"/>
+                </a:tc>
               </a:tr>
-              <a:tr h="628463">
+              <a:tr h="609600">
                 <a:tc>
                   <a:txBody>
                     <a:bodyPr/>
@@ -8128,12 +8260,12 @@
                         </a:spcAft>
                       </a:pPr>
                       <a:r>
-                        <a:rPr lang="en-US" sz="1100">
+                        <a:rPr lang="en-US" sz="1200">
                           <a:effectLst/>
                         </a:rPr>
                         <a:t>Power</a:t>
                       </a:r>
-                      <a:endParaRPr lang="en-US" sz="1100">
+                      <a:endParaRPr lang="en-US" sz="1200">
                         <a:effectLst/>
                         <a:latin typeface="Calibri" panose="020F0502020204030204" pitchFamily="34" charset="0"/>
                         <a:ea typeface="Calibri" panose="020F0502020204030204" pitchFamily="34" charset="0"/>
@@ -8157,12 +8289,12 @@
                         </a:spcAft>
                       </a:pPr>
                       <a:r>
-                        <a:rPr lang="en-US" sz="1100">
+                        <a:rPr lang="en-US" sz="1200" dirty="0">
                           <a:effectLst/>
                         </a:rPr>
                         <a:t>3 hours runtime</a:t>
                       </a:r>
-                      <a:endParaRPr lang="en-US" sz="1100">
+                      <a:endParaRPr lang="en-US" sz="1200" dirty="0">
                         <a:effectLst/>
                         <a:latin typeface="Calibri" panose="020F0502020204030204" pitchFamily="34" charset="0"/>
                         <a:ea typeface="Calibri" panose="020F0502020204030204" pitchFamily="34" charset="0"/>
@@ -8186,12 +8318,15 @@
                         </a:spcAft>
                       </a:pPr>
                       <a:r>
-                        <a:rPr lang="en-US" sz="1100">
+                        <a:rPr lang="en-US" sz="1200" dirty="0" smtClean="0">
                           <a:effectLst/>
+                          <a:latin typeface="Calibri" panose="020F0502020204030204" pitchFamily="34" charset="0"/>
+                          <a:ea typeface="Calibri" panose="020F0502020204030204" pitchFamily="34" charset="0"/>
+                          <a:cs typeface="Times New Roman" panose="02020603050405020304" pitchFamily="18" charset="0"/>
                         </a:rPr>
-                        <a:t>Augmented reality applications run for long durations, so the device must operate long enough on battery power to be usable. The remaining battery capacity should be displayed to the user.</a:t>
+                        <a:t>~3 hours</a:t>
                       </a:r>
-                      <a:endParaRPr lang="en-US" sz="1100">
+                      <a:endParaRPr lang="en-US" sz="1200" dirty="0">
                         <a:effectLst/>
                         <a:latin typeface="Calibri" panose="020F0502020204030204" pitchFamily="34" charset="0"/>
                         <a:ea typeface="Calibri" panose="020F0502020204030204" pitchFamily="34" charset="0"/>
@@ -8201,8 +8336,40 @@
                   </a:txBody>
                   <a:tcPr marL="68580" marR="68580" marT="0" marB="0"/>
                 </a:tc>
+                <a:tc>
+                  <a:txBody>
+                    <a:bodyPr/>
+                    <a:lstStyle/>
+                    <a:p>
+                      <a:pPr marL="0" marR="0">
+                        <a:spcBef>
+                          <a:spcPts val="0"/>
+                        </a:spcBef>
+                        <a:spcAft>
+                          <a:spcPts val="0"/>
+                        </a:spcAft>
+                      </a:pPr>
+                      <a:r>
+                        <a:rPr lang="en-US" sz="1200" dirty="0" smtClean="0">
+                          <a:effectLst/>
+                          <a:latin typeface="Calibri" panose="020F0502020204030204" pitchFamily="34" charset="0"/>
+                          <a:ea typeface="Calibri" panose="020F0502020204030204" pitchFamily="34" charset="0"/>
+                          <a:cs typeface="Times New Roman" panose="02020603050405020304" pitchFamily="18" charset="0"/>
+                        </a:rPr>
+                        <a:t>~4 hours</a:t>
+                      </a:r>
+                      <a:endParaRPr lang="en-US" sz="1200" dirty="0">
+                        <a:effectLst/>
+                        <a:latin typeface="Calibri" panose="020F0502020204030204" pitchFamily="34" charset="0"/>
+                        <a:ea typeface="Calibri" panose="020F0502020204030204" pitchFamily="34" charset="0"/>
+                        <a:cs typeface="Times New Roman" panose="02020603050405020304" pitchFamily="18" charset="0"/>
+                      </a:endParaRPr>
+                    </a:p>
+                  </a:txBody>
+                  <a:tcPr marL="68580" marR="68580" marT="0" marB="0"/>
+                </a:tc>
               </a:tr>
-              <a:tr h="628463">
+              <a:tr h="762000">
                 <a:tc>
                   <a:txBody>
                     <a:bodyPr/>
@@ -8217,16 +8384,30 @@
                         </a:spcAft>
                       </a:pPr>
                       <a:r>
-                        <a:rPr lang="en-US" sz="1100">
+                        <a:rPr lang="en-US" sz="1200" dirty="0" smtClean="0">
                           <a:effectLst/>
                         </a:rPr>
                         <a:t>Location</a:t>
                       </a:r>
-                      <a:endParaRPr lang="en-US" sz="1100">
-                        <a:effectLst/>
-                        <a:latin typeface="Calibri" panose="020F0502020204030204" pitchFamily="34" charset="0"/>
-                        <a:ea typeface="Calibri" panose="020F0502020204030204" pitchFamily="34" charset="0"/>
-                        <a:cs typeface="Times New Roman" panose="02020603050405020304" pitchFamily="18" charset="0"/>
+                      <a:r>
+                        <a:rPr lang="en-US" sz="1200" baseline="0" dirty="0">
+                          <a:effectLst/>
+                          <a:latin typeface="Calibri" panose="020F0502020204030204" pitchFamily="34" charset="0"/>
+                          <a:cs typeface="Times New Roman" panose="02020603050405020304" pitchFamily="18" charset="0"/>
+                        </a:rPr>
+                        <a:t> </a:t>
+                      </a:r>
+                      <a:r>
+                        <a:rPr lang="en-US" sz="1200" b="1" baseline="0" dirty="0" smtClean="0">
+                          <a:effectLst/>
+                          <a:latin typeface="+mj-lt"/>
+                          <a:cs typeface="Times New Roman" panose="02020603050405020304" pitchFamily="18" charset="0"/>
+                        </a:rPr>
+                        <a:t>Accuracy</a:t>
+                      </a:r>
+                      <a:endParaRPr lang="en-US" sz="1200" b="1" dirty="0" smtClean="0">
+                        <a:effectLst/>
+                        <a:latin typeface="+mj-lt"/>
                       </a:endParaRPr>
                     </a:p>
                   </a:txBody>
@@ -8246,12 +8427,12 @@
                         </a:spcAft>
                       </a:pPr>
                       <a:r>
-                        <a:rPr lang="en-US" sz="1100">
+                        <a:rPr lang="en-US" sz="1200" dirty="0" smtClean="0">
                           <a:effectLst/>
                         </a:rPr>
-                        <a:t>Minimum 2 meter accuracy and precision</a:t>
+                        <a:t>2 meters</a:t>
                       </a:r>
-                      <a:endParaRPr lang="en-US" sz="1100">
+                      <a:endParaRPr lang="en-US" sz="1200" dirty="0">
                         <a:effectLst/>
                         <a:latin typeface="Calibri" panose="020F0502020204030204" pitchFamily="34" charset="0"/>
                         <a:ea typeface="Calibri" panose="020F0502020204030204" pitchFamily="34" charset="0"/>
@@ -8275,12 +8456,15 @@
                         </a:spcAft>
                       </a:pPr>
                       <a:r>
-                        <a:rPr lang="en-US" sz="1100">
+                        <a:rPr lang="en-US" sz="1200" dirty="0" smtClean="0">
                           <a:effectLst/>
+                          <a:latin typeface="Calibri" panose="020F0502020204030204" pitchFamily="34" charset="0"/>
+                          <a:ea typeface="Calibri" panose="020F0502020204030204" pitchFamily="34" charset="0"/>
+                          <a:cs typeface="Times New Roman" panose="02020603050405020304" pitchFamily="18" charset="0"/>
                         </a:rPr>
-                        <a:t>The accuracy of the rendered virtual world depends heavily on the accuracy and precision of the user’s geospatial position.</a:t>
+                        <a:t>TODO</a:t>
                       </a:r>
-                      <a:endParaRPr lang="en-US" sz="1100">
+                      <a:endParaRPr lang="en-US" sz="1200" dirty="0">
                         <a:effectLst/>
                         <a:latin typeface="Calibri" panose="020F0502020204030204" pitchFamily="34" charset="0"/>
                         <a:ea typeface="Calibri" panose="020F0502020204030204" pitchFamily="34" charset="0"/>
@@ -8290,8 +8474,40 @@
                   </a:txBody>
                   <a:tcPr marL="68580" marR="68580" marT="0" marB="0"/>
                 </a:tc>
+                <a:tc>
+                  <a:txBody>
+                    <a:bodyPr/>
+                    <a:lstStyle/>
+                    <a:p>
+                      <a:pPr marL="0" marR="0">
+                        <a:spcBef>
+                          <a:spcPts val="0"/>
+                        </a:spcBef>
+                        <a:spcAft>
+                          <a:spcPts val="0"/>
+                        </a:spcAft>
+                      </a:pPr>
+                      <a:r>
+                        <a:rPr lang="en-US" sz="1200" dirty="0" smtClean="0">
+                          <a:effectLst/>
+                          <a:latin typeface="Calibri" panose="020F0502020204030204" pitchFamily="34" charset="0"/>
+                          <a:ea typeface="Calibri" panose="020F0502020204030204" pitchFamily="34" charset="0"/>
+                          <a:cs typeface="Times New Roman" panose="02020603050405020304" pitchFamily="18" charset="0"/>
+                        </a:rPr>
+                        <a:t>Same as Phase 1</a:t>
+                      </a:r>
+                      <a:endParaRPr lang="en-US" sz="1200" dirty="0">
+                        <a:effectLst/>
+                        <a:latin typeface="Calibri" panose="020F0502020204030204" pitchFamily="34" charset="0"/>
+                        <a:ea typeface="Calibri" panose="020F0502020204030204" pitchFamily="34" charset="0"/>
+                        <a:cs typeface="Times New Roman" panose="02020603050405020304" pitchFamily="18" charset="0"/>
+                      </a:endParaRPr>
+                    </a:p>
+                  </a:txBody>
+                  <a:tcPr marL="68580" marR="68580" marT="0" marB="0"/>
+                </a:tc>
               </a:tr>
-              <a:tr h="934759">
+              <a:tr h="685800">
                 <a:tc>
                   <a:txBody>
                     <a:bodyPr/>
@@ -8306,16 +8522,22 @@
                         </a:spcAft>
                       </a:pPr>
                       <a:r>
-                        <a:rPr lang="en-US" sz="1100">
+                        <a:rPr lang="en-US" sz="1200" dirty="0" smtClean="0">
                           <a:effectLst/>
                         </a:rPr>
-                        <a:t>Wireless</a:t>
+                        <a:t>Wireless </a:t>
                       </a:r>
-                      <a:endParaRPr lang="en-US" sz="1100">
-                        <a:effectLst/>
-                        <a:latin typeface="Calibri" panose="020F0502020204030204" pitchFamily="34" charset="0"/>
-                        <a:ea typeface="Calibri" panose="020F0502020204030204" pitchFamily="34" charset="0"/>
-                        <a:cs typeface="Times New Roman" panose="02020603050405020304" pitchFamily="18" charset="0"/>
+                      <a:r>
+                        <a:rPr lang="en-US" sz="1200" dirty="0" smtClean="0">
+                          <a:effectLst/>
+                          <a:latin typeface="+mj-lt"/>
+                          <a:cs typeface="Times New Roman" panose="02020603050405020304" pitchFamily="18" charset="0"/>
+                        </a:rPr>
+                        <a:t>Range</a:t>
+                      </a:r>
+                      <a:endParaRPr lang="en-US" sz="1200" dirty="0" smtClean="0">
+                        <a:effectLst/>
+                        <a:latin typeface="+mj-lt"/>
                       </a:endParaRPr>
                     </a:p>
                   </a:txBody>
@@ -8335,17 +8557,52 @@
                         </a:spcAft>
                       </a:pPr>
                       <a:r>
-                        <a:rPr lang="en-US" sz="1100">
+                        <a:rPr lang="en-US" sz="1200" dirty="0">
                           <a:effectLst/>
                         </a:rPr>
                         <a:t>80 m range, line of sight</a:t>
                       </a:r>
-                      <a:endParaRPr lang="en-US" sz="1100">
+                      <a:endParaRPr lang="en-US" sz="1200" dirty="0">
                         <a:effectLst/>
                         <a:latin typeface="Calibri" panose="020F0502020204030204" pitchFamily="34" charset="0"/>
                         <a:ea typeface="Calibri" panose="020F0502020204030204" pitchFamily="34" charset="0"/>
                         <a:cs typeface="Times New Roman" panose="02020603050405020304" pitchFamily="18" charset="0"/>
                       </a:endParaRPr>
+                    </a:p>
+                  </a:txBody>
+                  <a:tcPr marL="68580" marR="68580" marT="0" marB="0"/>
+                </a:tc>
+                <a:tc>
+                  <a:txBody>
+                    <a:bodyPr/>
+                    <a:lstStyle/>
+                    <a:p>
+                      <a:pPr marL="0" marR="0" indent="0" algn="l" defTabSz="914400" rtl="0" eaLnBrk="1" fontAlgn="auto" latinLnBrk="0" hangingPunct="1">
+                        <a:lnSpc>
+                          <a:spcPct val="100000"/>
+                        </a:lnSpc>
+                        <a:spcBef>
+                          <a:spcPts val="0"/>
+                        </a:spcBef>
+                        <a:spcAft>
+                          <a:spcPts val="0"/>
+                        </a:spcAft>
+                        <a:buClrTx/>
+                        <a:buSzTx/>
+                        <a:buFontTx/>
+                        <a:buNone/>
+                        <a:tabLst/>
+                        <a:defRPr/>
+                      </a:pPr>
+                      <a:r>
+                        <a:rPr lang="en-US" sz="1200" dirty="0" smtClean="0">
+                          <a:effectLst/>
+                          <a:latin typeface="Calibri" panose="020F0502020204030204" pitchFamily="34" charset="0"/>
+                          <a:ea typeface="Calibri" panose="020F0502020204030204" pitchFamily="34" charset="0"/>
+                          <a:cs typeface="Times New Roman" panose="02020603050405020304" pitchFamily="18" charset="0"/>
+                        </a:rPr>
+                        <a:t>TODO</a:t>
+                      </a:r>
                     </a:p>
                   </a:txBody>
                   <a:tcPr marL="68580" marR="68580" marT="0" marB="0"/>
@@ -8364,12 +8621,15 @@
                         </a:spcAft>
                       </a:pPr>
                       <a:r>
-                        <a:rPr lang="en-US" sz="1100">
+                        <a:rPr lang="en-US" sz="1200" dirty="0" smtClean="0">
                           <a:effectLst/>
+                          <a:latin typeface="Calibri" panose="020F0502020204030204" pitchFamily="34" charset="0"/>
+                          <a:ea typeface="Calibri" panose="020F0502020204030204" pitchFamily="34" charset="0"/>
+                          <a:cs typeface="Times New Roman" panose="02020603050405020304" pitchFamily="18" charset="0"/>
                         </a:rPr>
-                        <a:t>A unique feature of this device is the wireless coordination capability of multiple headsets in the same virtual environment. The current wireless signal strength should be reported to the user.</a:t>
+                        <a:t>TODO</a:t>
                       </a:r>
-                      <a:endParaRPr lang="en-US" sz="1100">
+                      <a:endParaRPr lang="en-US" sz="1200" dirty="0">
                         <a:effectLst/>
                         <a:latin typeface="Calibri" panose="020F0502020204030204" pitchFamily="34" charset="0"/>
                         <a:ea typeface="Calibri" panose="020F0502020204030204" pitchFamily="34" charset="0"/>
@@ -8380,7 +8640,7 @@
                   <a:tcPr marL="68580" marR="68580" marT="0" marB="0"/>
                 </a:tc>
               </a:tr>
-              <a:tr h="1047438">
+              <a:tr h="914400">
                 <a:tc>
                   <a:txBody>
                     <a:bodyPr/>
@@ -8395,12 +8655,43 @@
                         </a:spcAft>
                       </a:pPr>
                       <a:r>
-                        <a:rPr lang="en-US" sz="1100">
+                        <a:rPr lang="en-US" sz="1200" dirty="0" smtClean="0">
                           <a:effectLst/>
+                          <a:latin typeface="+mn-lt"/>
+                          <a:ea typeface="+mn-ea"/>
+                          <a:cs typeface="+mn-cs"/>
                         </a:rPr>
-                        <a:t>Comfort</a:t>
+                        <a:t>Display</a:t>
                       </a:r>
-                      <a:endParaRPr lang="en-US" sz="1100">
+                      <a:r>
+                        <a:rPr lang="en-US" sz="1200" baseline="0" dirty="0" smtClean="0">
+                          <a:effectLst/>
+                          <a:latin typeface="+mn-lt"/>
+                          <a:ea typeface="+mn-ea"/>
+                          <a:cs typeface="+mn-cs"/>
+                        </a:rPr>
+                        <a:t> Refresh</a:t>
+                      </a:r>
+                    </a:p>
+                    <a:p>
+                      <a:pPr marL="0" marR="0" algn="r">
+                        <a:spcBef>
+                          <a:spcPts val="0"/>
+                        </a:spcBef>
+                        <a:spcAft>
+                          <a:spcPts val="0"/>
+                        </a:spcAft>
+                      </a:pPr>
+                      <a:r>
+                        <a:rPr lang="en-US" sz="1200" baseline="0" dirty="0" smtClean="0">
+                          <a:effectLst/>
+                          <a:latin typeface="+mn-lt"/>
+                          <a:ea typeface="+mn-ea"/>
+                          <a:cs typeface="+mn-cs"/>
+                        </a:rPr>
+                        <a:t>Rate</a:t>
+                      </a:r>
+                      <a:endParaRPr lang="en-US" sz="1200" dirty="0">
                         <a:effectLst/>
                         <a:latin typeface="Calibri" panose="020F0502020204030204" pitchFamily="34" charset="0"/>
                         <a:ea typeface="Calibri" panose="020F0502020204030204" pitchFamily="34" charset="0"/>
@@ -8424,12 +8715,18 @@
                         </a:spcAft>
                       </a:pPr>
                       <a:r>
-                        <a:rPr lang="en-US" sz="1100">
+                        <a:rPr lang="en-US" sz="1200" dirty="0" smtClean="0">
                           <a:effectLst/>
                         </a:rPr>
-                        <a:t>No running speed or vision reduction</a:t>
+                        <a:t>20</a:t>
                       </a:r>
-                      <a:endParaRPr lang="en-US" sz="1100">
+                      <a:r>
+                        <a:rPr lang="en-US" sz="1200" baseline="0" dirty="0" smtClean="0">
+                          <a:effectLst/>
+                        </a:rPr>
+                        <a:t> FPS</a:t>
+                      </a:r>
+                      <a:endParaRPr lang="en-US" sz="1200" dirty="0">
                         <a:effectLst/>
                         <a:latin typeface="Calibri" panose="020F0502020204030204" pitchFamily="34" charset="0"/>
                         <a:ea typeface="Calibri" panose="020F0502020204030204" pitchFamily="34" charset="0"/>
@@ -8453,12 +8750,47 @@
                         </a:spcAft>
                       </a:pPr>
                       <a:r>
-                        <a:rPr lang="en-US" sz="1100">
+                        <a:rPr lang="en-US" sz="1200" dirty="0" smtClean="0">
                           <a:effectLst/>
+                          <a:latin typeface="Calibri" panose="020F0502020204030204" pitchFamily="34" charset="0"/>
+                          <a:ea typeface="Calibri" panose="020F0502020204030204" pitchFamily="34" charset="0"/>
+                          <a:cs typeface="Times New Roman" panose="02020603050405020304" pitchFamily="18" charset="0"/>
                         </a:rPr>
-                        <a:t>Ideally, the user would be able to perform actions without a noticeable burden on the user. It is difficult to quantitatively measure comfort, but the user should be able to orient their head, see the environment, and move from place to place as effectively as if the device was not worn.</a:t>
+                        <a:t>30 FPS</a:t>
                       </a:r>
-                      <a:endParaRPr lang="en-US" sz="1100">
+                      <a:endParaRPr lang="en-US" sz="1200" dirty="0">
+                        <a:effectLst/>
+                        <a:latin typeface="Calibri" panose="020F0502020204030204" pitchFamily="34" charset="0"/>
+                        <a:ea typeface="Calibri" panose="020F0502020204030204" pitchFamily="34" charset="0"/>
+                        <a:cs typeface="Times New Roman" panose="02020603050405020304" pitchFamily="18" charset="0"/>
+                      </a:endParaRPr>
+                    </a:p>
+                  </a:txBody>
+                  <a:tcPr marL="68580" marR="68580" marT="0" marB="0"/>
+                </a:tc>
+                <a:tc>
+                  <a:txBody>
+                    <a:bodyPr/>
+                    <a:lstStyle/>
+                    <a:p>
+                      <a:pPr marL="0" marR="0">
+                        <a:spcBef>
+                          <a:spcPts val="0"/>
+                        </a:spcBef>
+                        <a:spcAft>
+                          <a:spcPts val="0"/>
+                        </a:spcAft>
+                      </a:pPr>
+                      <a:r>
+                        <a:rPr lang="en-US" sz="1200" dirty="0" smtClean="0">
+                          <a:effectLst/>
+                          <a:latin typeface="Calibri" panose="020F0502020204030204" pitchFamily="34" charset="0"/>
+                          <a:ea typeface="Calibri" panose="020F0502020204030204" pitchFamily="34" charset="0"/>
+                          <a:cs typeface="Times New Roman" panose="02020603050405020304" pitchFamily="18" charset="0"/>
+                        </a:rPr>
+                        <a:t>60 FPS</a:t>
+                      </a:r>
+                      <a:endParaRPr lang="en-US" sz="1200" dirty="0">
                         <a:effectLst/>
                         <a:latin typeface="Calibri" panose="020F0502020204030204" pitchFamily="34" charset="0"/>
                         <a:ea typeface="Calibri" panose="020F0502020204030204" pitchFamily="34" charset="0"/>
@@ -8484,14 +8816,26 @@
                         </a:spcAft>
                       </a:pPr>
                       <a:r>
-                        <a:rPr lang="en-US" sz="1100">
+                        <a:rPr lang="en-US" sz="1200" b="1" dirty="0" smtClean="0">
                           <a:effectLst/>
+                          <a:latin typeface="+mj-lt"/>
+                          <a:ea typeface="Calibri" panose="020F0502020204030204" pitchFamily="34" charset="0"/>
+                          <a:cs typeface="Times New Roman" panose="02020603050405020304" pitchFamily="18" charset="0"/>
                         </a:rPr>
-                        <a:t>Durability</a:t>
+                        <a:t>Network Refresh</a:t>
                       </a:r>
-                      <a:endParaRPr lang="en-US" sz="1100">
-                        <a:effectLst/>
-                        <a:latin typeface="Calibri" panose="020F0502020204030204" pitchFamily="34" charset="0"/>
+                      <a:r>
+                        <a:rPr lang="en-US" sz="1200" b="1" baseline="0" dirty="0" smtClean="0">
+                          <a:effectLst/>
+                          <a:latin typeface="+mj-lt"/>
+                          <a:ea typeface="Calibri" panose="020F0502020204030204" pitchFamily="34" charset="0"/>
+                          <a:cs typeface="Times New Roman" panose="02020603050405020304" pitchFamily="18" charset="0"/>
+                        </a:rPr>
+                        <a:t> Rate</a:t>
+                      </a:r>
+                      <a:endParaRPr lang="en-US" sz="1200" b="1" dirty="0">
+                        <a:effectLst/>
+                        <a:latin typeface="+mj-lt"/>
                         <a:ea typeface="Calibri" panose="020F0502020204030204" pitchFamily="34" charset="0"/>
                         <a:cs typeface="Times New Roman" panose="02020603050405020304" pitchFamily="18" charset="0"/>
                       </a:endParaRPr>
@@ -8513,12 +8857,15 @@
                         </a:spcAft>
                       </a:pPr>
                       <a:r>
-                        <a:rPr lang="en-US" sz="1100">
+                        <a:rPr lang="en-US" sz="1200" b="1" dirty="0" smtClean="0">
                           <a:effectLst/>
+                          <a:latin typeface="Calibri" panose="020F0502020204030204" pitchFamily="34" charset="0"/>
+                          <a:ea typeface="Calibri" panose="020F0502020204030204" pitchFamily="34" charset="0"/>
+                          <a:cs typeface="Times New Roman" panose="02020603050405020304" pitchFamily="18" charset="0"/>
                         </a:rPr>
-                        <a:t>Operate from 0 to 40 C indoors and outdoors in dry conditions</a:t>
+                        <a:t>20 FPS</a:t>
                       </a:r>
-                      <a:endParaRPr lang="en-US" sz="1100">
+                      <a:endParaRPr lang="en-US" sz="1200" b="1" dirty="0">
                         <a:effectLst/>
                         <a:latin typeface="Calibri" panose="020F0502020204030204" pitchFamily="34" charset="0"/>
                         <a:ea typeface="Calibri" panose="020F0502020204030204" pitchFamily="34" charset="0"/>
@@ -8542,12 +8889,15 @@
                         </a:spcAft>
                       </a:pPr>
                       <a:r>
-                        <a:rPr lang="en-US" sz="1100">
+                        <a:rPr lang="en-US" sz="1200" dirty="0" smtClean="0">
                           <a:effectLst/>
+                          <a:latin typeface="Calibri" panose="020F0502020204030204" pitchFamily="34" charset="0"/>
+                          <a:ea typeface="Calibri" panose="020F0502020204030204" pitchFamily="34" charset="0"/>
+                          <a:cs typeface="Times New Roman" panose="02020603050405020304" pitchFamily="18" charset="0"/>
                         </a:rPr>
-                        <a:t>Most augmented reality applications involve users walking or running, which will subject the device to vibration and light impacts. In addition, sunlight, humidity, and dust are inherent concerns for a portable device.</a:t>
+                        <a:t>N/A</a:t>
                       </a:r>
-                      <a:endParaRPr lang="en-US" sz="1100">
+                      <a:endParaRPr lang="en-US" sz="1200" dirty="0">
                         <a:effectLst/>
                         <a:latin typeface="Calibri" panose="020F0502020204030204" pitchFamily="34" charset="0"/>
                         <a:ea typeface="Calibri" panose="020F0502020204030204" pitchFamily="34" charset="0"/>
@@ -8557,8 +8907,40 @@
                   </a:txBody>
                   <a:tcPr marL="68580" marR="68580" marT="0" marB="0"/>
                 </a:tc>
+                <a:tc>
+                  <a:txBody>
+                    <a:bodyPr/>
+                    <a:lstStyle/>
+                    <a:p>
+                      <a:pPr marL="0" marR="0">
+                        <a:spcBef>
+                          <a:spcPts val="0"/>
+                        </a:spcBef>
+                        <a:spcAft>
+                          <a:spcPts val="0"/>
+                        </a:spcAft>
+                      </a:pPr>
+                      <a:r>
+                        <a:rPr lang="en-US" sz="1200" dirty="0" smtClean="0">
+                          <a:effectLst/>
+                          <a:latin typeface="Calibri" panose="020F0502020204030204" pitchFamily="34" charset="0"/>
+                          <a:ea typeface="Calibri" panose="020F0502020204030204" pitchFamily="34" charset="0"/>
+                          <a:cs typeface="Times New Roman" panose="02020603050405020304" pitchFamily="18" charset="0"/>
+                        </a:rPr>
+                        <a:t>60 FPS</a:t>
+                      </a:r>
+                      <a:endParaRPr lang="en-US" sz="1200" dirty="0">
+                        <a:effectLst/>
+                        <a:latin typeface="Calibri" panose="020F0502020204030204" pitchFamily="34" charset="0"/>
+                        <a:ea typeface="Calibri" panose="020F0502020204030204" pitchFamily="34" charset="0"/>
+                        <a:cs typeface="Times New Roman" panose="02020603050405020304" pitchFamily="18" charset="0"/>
+                      </a:endParaRPr>
+                    </a:p>
+                  </a:txBody>
+                  <a:tcPr marL="68580" marR="68580" marT="0" marB="0"/>
+                </a:tc>
               </a:tr>
-              <a:tr h="628463">
+              <a:tr h="883920">
                 <a:tc>
                   <a:txBody>
                     <a:bodyPr/>
@@ -8573,12 +8955,12 @@
                         </a:spcAft>
                       </a:pPr>
                       <a:r>
-                        <a:rPr lang="en-US" sz="1100">
+                        <a:rPr lang="en-US" sz="1200" dirty="0">
                           <a:effectLst/>
                         </a:rPr>
                         <a:t>Usability</a:t>
                       </a:r>
-                      <a:endParaRPr lang="en-US" sz="1100">
+                      <a:endParaRPr lang="en-US" sz="1200" dirty="0">
                         <a:effectLst/>
                         <a:latin typeface="Calibri" panose="020F0502020204030204" pitchFamily="34" charset="0"/>
                         <a:ea typeface="Calibri" panose="020F0502020204030204" pitchFamily="34" charset="0"/>
@@ -8602,12 +8984,12 @@
                         </a:spcAft>
                       </a:pPr>
                       <a:r>
-                        <a:rPr lang="en-US" sz="1100">
+                        <a:rPr lang="en-US" sz="1200" dirty="0">
                           <a:effectLst/>
                         </a:rPr>
                         <a:t>End user can start up and use device without a technician</a:t>
                       </a:r>
-                      <a:endParaRPr lang="en-US" sz="1100">
+                      <a:endParaRPr lang="en-US" sz="1200" dirty="0">
                         <a:effectLst/>
                         <a:latin typeface="Calibri" panose="020F0502020204030204" pitchFamily="34" charset="0"/>
                         <a:ea typeface="Calibri" panose="020F0502020204030204" pitchFamily="34" charset="0"/>
@@ -8631,12 +9013,47 @@
                         </a:spcAft>
                       </a:pPr>
                       <a:r>
-                        <a:rPr lang="en-US" sz="1100" dirty="0">
+                        <a:rPr lang="en-US" sz="1200" dirty="0" smtClean="0">
                           <a:effectLst/>
+                          <a:latin typeface="Calibri" panose="020F0502020204030204" pitchFamily="34" charset="0"/>
+                          <a:ea typeface="Calibri" panose="020F0502020204030204" pitchFamily="34" charset="0"/>
+                          <a:cs typeface="Times New Roman" panose="02020603050405020304" pitchFamily="18" charset="0"/>
                         </a:rPr>
-                        <a:t>A user unfamiliar with the device technical details must be able to power on the device, perform start-up procedures such as wireless connection, and load the desired application.</a:t>
+                        <a:t>Turnkey startup</a:t>
                       </a:r>
-                      <a:endParaRPr lang="en-US" sz="1100" dirty="0">
+                      <a:endParaRPr lang="en-US" sz="1200" dirty="0">
+                        <a:effectLst/>
+                        <a:latin typeface="Calibri" panose="020F0502020204030204" pitchFamily="34" charset="0"/>
+                        <a:ea typeface="Calibri" panose="020F0502020204030204" pitchFamily="34" charset="0"/>
+                        <a:cs typeface="Times New Roman" panose="02020603050405020304" pitchFamily="18" charset="0"/>
+                      </a:endParaRPr>
+                    </a:p>
+                  </a:txBody>
+                  <a:tcPr marL="68580" marR="68580" marT="0" marB="0"/>
+                </a:tc>
+                <a:tc>
+                  <a:txBody>
+                    <a:bodyPr/>
+                    <a:lstStyle/>
+                    <a:p>
+                      <a:pPr marL="0" marR="0">
+                        <a:spcBef>
+                          <a:spcPts val="0"/>
+                        </a:spcBef>
+                        <a:spcAft>
+                          <a:spcPts val="0"/>
+                        </a:spcAft>
+                      </a:pPr>
+                      <a:r>
+                        <a:rPr lang="en-US" sz="1200" dirty="0" smtClean="0">
+                          <a:effectLst/>
+                          <a:latin typeface="Calibri" panose="020F0502020204030204" pitchFamily="34" charset="0"/>
+                          <a:ea typeface="Calibri" panose="020F0502020204030204" pitchFamily="34" charset="0"/>
+                          <a:cs typeface="Times New Roman" panose="02020603050405020304" pitchFamily="18" charset="0"/>
+                        </a:rPr>
+                        <a:t>Turnkey startup</a:t>
+                      </a:r>
+                      <a:endParaRPr lang="en-US" sz="1200" dirty="0">
                         <a:effectLst/>
                         <a:latin typeface="Calibri" panose="020F0502020204030204" pitchFamily="34" charset="0"/>
                         <a:ea typeface="Calibri" panose="020F0502020204030204" pitchFamily="34" charset="0"/>
@@ -8688,723 +9105,147 @@
           <a:chExt cx="0" cy="0"/>
         </a:xfrm>
       </p:grpSpPr>
-      <p:graphicFrame>
-        <p:nvGraphicFramePr>
-          <p:cNvPr id="6" name="Content Placeholder 5"/>
-          <p:cNvGraphicFramePr>
-            <a:graphicFrameLocks noGrp="1"/>
-          </p:cNvGraphicFramePr>
+      <p:sp>
+        <p:nvSpPr>
+          <p:cNvPr id="2" name="Content Placeholder 1"/>
+          <p:cNvSpPr>
+            <a:spLocks noGrp="1"/>
+          </p:cNvSpPr>
           <p:nvPr>
             <p:ph idx="1"/>
-            <p:extLst>
-              <p:ext uri="{D42A27DB-BD31-4B8C-83A1-F6EECF244321}">
-                <p14:modId xmlns:p14="http://schemas.microsoft.com/office/powerpoint/2010/main" val="2523629795"/>
-              </p:ext>
-            </p:extLst>
-          </p:nvPr>
-        </p:nvGraphicFramePr>
-        <p:xfrm>
-          <a:off x="152400" y="1371600"/>
-          <a:ext cx="8839200" cy="5334001"/>
-        </p:xfrm>
-        <a:graphic>
-          <a:graphicData uri="http://schemas.openxmlformats.org/drawingml/2006/table">
-            <a:tbl>
-              <a:tblPr firstRow="1" firstCol="1" bandRow="1">
-                <a:tableStyleId>{5C22544A-7EE6-4342-B048-85BDC9FD1C3A}</a:tableStyleId>
-              </a:tblPr>
-              <a:tblGrid>
-                <a:gridCol w="1579996"/>
-                <a:gridCol w="1399174"/>
-                <a:gridCol w="5860030"/>
-              </a:tblGrid>
-              <a:tr h="242455">
-                <a:tc>
-                  <a:txBody>
-                    <a:bodyPr/>
-                    <a:lstStyle/>
-                    <a:p>
-                      <a:pPr marL="0" marR="0" algn="ctr">
-                        <a:spcBef>
-                          <a:spcPts val="0"/>
-                        </a:spcBef>
-                        <a:spcAft>
-                          <a:spcPts val="0"/>
-                        </a:spcAft>
-                      </a:pPr>
-                      <a:r>
-                        <a:rPr lang="en-US" sz="1100">
-                          <a:effectLst/>
-                        </a:rPr>
-                        <a:t>Metric</a:t>
-                      </a:r>
-                      <a:endParaRPr lang="en-US" sz="1100">
-                        <a:effectLst/>
-                        <a:latin typeface="Calibri" panose="020F0502020204030204" pitchFamily="34" charset="0"/>
-                        <a:ea typeface="Calibri" panose="020F0502020204030204" pitchFamily="34" charset="0"/>
-                        <a:cs typeface="Times New Roman" panose="02020603050405020304" pitchFamily="18" charset="0"/>
-                      </a:endParaRPr>
-                    </a:p>
-                  </a:txBody>
-                  <a:tcPr marL="68580" marR="68580" marT="0" marB="0"/>
-                </a:tc>
-                <a:tc>
-                  <a:txBody>
-                    <a:bodyPr/>
-                    <a:lstStyle/>
-                    <a:p>
-                      <a:pPr marL="0" marR="0" algn="ctr">
-                        <a:spcBef>
-                          <a:spcPts val="0"/>
-                        </a:spcBef>
-                        <a:spcAft>
-                          <a:spcPts val="0"/>
-                        </a:spcAft>
-                      </a:pPr>
-                      <a:r>
-                        <a:rPr lang="en-US" sz="1100">
-                          <a:effectLst/>
-                        </a:rPr>
-                        <a:t>Target</a:t>
-                      </a:r>
-                      <a:endParaRPr lang="en-US" sz="1100">
-                        <a:effectLst/>
-                        <a:latin typeface="Calibri" panose="020F0502020204030204" pitchFamily="34" charset="0"/>
-                        <a:ea typeface="Calibri" panose="020F0502020204030204" pitchFamily="34" charset="0"/>
-                        <a:cs typeface="Times New Roman" panose="02020603050405020304" pitchFamily="18" charset="0"/>
-                      </a:endParaRPr>
-                    </a:p>
-                  </a:txBody>
-                  <a:tcPr marL="68580" marR="68580" marT="0" marB="0"/>
-                </a:tc>
-                <a:tc>
-                  <a:txBody>
-                    <a:bodyPr/>
-                    <a:lstStyle/>
-                    <a:p>
-                      <a:pPr marL="0" marR="0" algn="ctr">
-                        <a:spcBef>
-                          <a:spcPts val="0"/>
-                        </a:spcBef>
-                        <a:spcAft>
-                          <a:spcPts val="0"/>
-                        </a:spcAft>
-                      </a:pPr>
-                      <a:r>
-                        <a:rPr lang="en-US" sz="1100">
-                          <a:effectLst/>
-                        </a:rPr>
-                        <a:t>Description</a:t>
-                      </a:r>
-                      <a:endParaRPr lang="en-US" sz="1100">
-                        <a:effectLst/>
-                        <a:latin typeface="Calibri" panose="020F0502020204030204" pitchFamily="34" charset="0"/>
-                        <a:ea typeface="Calibri" panose="020F0502020204030204" pitchFamily="34" charset="0"/>
-                        <a:cs typeface="Times New Roman" panose="02020603050405020304" pitchFamily="18" charset="0"/>
-                      </a:endParaRPr>
-                    </a:p>
-                  </a:txBody>
-                  <a:tcPr marL="68580" marR="68580" marT="0" marB="0"/>
-                </a:tc>
-              </a:tr>
-              <a:tr h="727364">
-                <a:tc>
-                  <a:txBody>
-                    <a:bodyPr/>
-                    <a:lstStyle/>
-                    <a:p>
-                      <a:pPr marL="0" marR="0" algn="ctr">
-                        <a:spcBef>
-                          <a:spcPts val="0"/>
-                        </a:spcBef>
-                        <a:spcAft>
-                          <a:spcPts val="0"/>
-                        </a:spcAft>
-                      </a:pPr>
-                      <a:r>
-                        <a:rPr lang="en-US" sz="1100">
-                          <a:effectLst/>
-                        </a:rPr>
-                        <a:t>3D Graphics</a:t>
-                      </a:r>
-                      <a:endParaRPr lang="en-US" sz="1100">
-                        <a:effectLst/>
-                        <a:latin typeface="Calibri" panose="020F0502020204030204" pitchFamily="34" charset="0"/>
-                        <a:ea typeface="Calibri" panose="020F0502020204030204" pitchFamily="34" charset="0"/>
-                        <a:cs typeface="Times New Roman" panose="02020603050405020304" pitchFamily="18" charset="0"/>
-                      </a:endParaRPr>
-                    </a:p>
-                  </a:txBody>
-                  <a:tcPr marL="68580" marR="68580" marT="0" marB="0"/>
-                </a:tc>
-                <a:tc>
-                  <a:txBody>
-                    <a:bodyPr/>
-                    <a:lstStyle/>
-                    <a:p>
-                      <a:pPr marL="0" marR="0">
-                        <a:spcBef>
-                          <a:spcPts val="0"/>
-                        </a:spcBef>
-                        <a:spcAft>
-                          <a:spcPts val="0"/>
-                        </a:spcAft>
-                      </a:pPr>
-                      <a:r>
-                        <a:rPr lang="en-US" sz="1100">
-                          <a:effectLst/>
-                        </a:rPr>
-                        <a:t>Minimum 5000 polygon count</a:t>
-                      </a:r>
-                      <a:endParaRPr lang="en-US" sz="1100">
-                        <a:effectLst/>
-                        <a:latin typeface="Calibri" panose="020F0502020204030204" pitchFamily="34" charset="0"/>
-                        <a:ea typeface="Calibri" panose="020F0502020204030204" pitchFamily="34" charset="0"/>
-                        <a:cs typeface="Times New Roman" panose="02020603050405020304" pitchFamily="18" charset="0"/>
-                      </a:endParaRPr>
-                    </a:p>
-                  </a:txBody>
-                  <a:tcPr marL="68580" marR="68580" marT="0" marB="0"/>
-                </a:tc>
-                <a:tc>
-                  <a:txBody>
-                    <a:bodyPr/>
-                    <a:lstStyle/>
-                    <a:p>
-                      <a:pPr marL="0" marR="0">
-                        <a:spcBef>
-                          <a:spcPts val="0"/>
-                        </a:spcBef>
-                        <a:spcAft>
-                          <a:spcPts val="0"/>
-                        </a:spcAft>
-                      </a:pPr>
-                      <a:r>
-                        <a:rPr lang="en-US" sz="1100">
-                          <a:effectLst/>
-                        </a:rPr>
-                        <a:t>The user will expect to see a good 3d image. Phase 2 offers opportunities to increase graphical performance.</a:t>
-                      </a:r>
-                      <a:endParaRPr lang="en-US" sz="1100">
-                        <a:effectLst/>
-                        <a:latin typeface="Calibri" panose="020F0502020204030204" pitchFamily="34" charset="0"/>
-                        <a:ea typeface="Calibri" panose="020F0502020204030204" pitchFamily="34" charset="0"/>
-                        <a:cs typeface="Times New Roman" panose="02020603050405020304" pitchFamily="18" charset="0"/>
-                      </a:endParaRPr>
-                    </a:p>
-                  </a:txBody>
-                  <a:tcPr marL="68580" marR="68580" marT="0" marB="0"/>
-                </a:tc>
-              </a:tr>
-              <a:tr h="727364">
-                <a:tc>
-                  <a:txBody>
-                    <a:bodyPr/>
-                    <a:lstStyle/>
-                    <a:p>
-                      <a:pPr marL="0" marR="0" algn="r">
-                        <a:spcBef>
-                          <a:spcPts val="0"/>
-                        </a:spcBef>
-                        <a:spcAft>
-                          <a:spcPts val="0"/>
-                        </a:spcAft>
-                      </a:pPr>
-                      <a:r>
-                        <a:rPr lang="en-US" sz="1100">
-                          <a:effectLst/>
-                        </a:rPr>
-                        <a:t>Graphics</a:t>
-                      </a:r>
-                      <a:endParaRPr lang="en-US" sz="1100">
-                        <a:effectLst/>
-                        <a:latin typeface="Calibri" panose="020F0502020204030204" pitchFamily="34" charset="0"/>
-                        <a:ea typeface="Calibri" panose="020F0502020204030204" pitchFamily="34" charset="0"/>
-                        <a:cs typeface="Times New Roman" panose="02020603050405020304" pitchFamily="18" charset="0"/>
-                      </a:endParaRPr>
-                    </a:p>
-                  </a:txBody>
-                  <a:tcPr marL="68580" marR="68580" marT="0" marB="0"/>
-                </a:tc>
-                <a:tc>
-                  <a:txBody>
-                    <a:bodyPr/>
-                    <a:lstStyle/>
-                    <a:p>
-                      <a:pPr marL="0" marR="0">
-                        <a:spcBef>
-                          <a:spcPts val="0"/>
-                        </a:spcBef>
-                        <a:spcAft>
-                          <a:spcPts val="0"/>
-                        </a:spcAft>
-                      </a:pPr>
-                      <a:r>
-                        <a:rPr lang="en-US" sz="1100">
-                          <a:effectLst/>
-                        </a:rPr>
-                        <a:t>Minimum 20 Hz update rate</a:t>
-                      </a:r>
-                      <a:endParaRPr lang="en-US" sz="1100">
-                        <a:effectLst/>
-                        <a:latin typeface="Calibri" panose="020F0502020204030204" pitchFamily="34" charset="0"/>
-                        <a:ea typeface="Calibri" panose="020F0502020204030204" pitchFamily="34" charset="0"/>
-                        <a:cs typeface="Times New Roman" panose="02020603050405020304" pitchFamily="18" charset="0"/>
-                      </a:endParaRPr>
-                    </a:p>
-                  </a:txBody>
-                  <a:tcPr marL="68580" marR="68580" marT="0" marB="0"/>
-                </a:tc>
-                <a:tc>
-                  <a:txBody>
-                    <a:bodyPr/>
-                    <a:lstStyle/>
-                    <a:p>
-                      <a:pPr marL="0" marR="0">
-                        <a:spcBef>
-                          <a:spcPts val="0"/>
-                        </a:spcBef>
-                        <a:spcAft>
-                          <a:spcPts val="0"/>
-                        </a:spcAft>
-                      </a:pPr>
-                      <a:r>
-                        <a:rPr lang="en-US" sz="1100">
-                          <a:effectLst/>
-                        </a:rPr>
-                        <a:t>We will need to render ghosts and the maze walls in real time according to the user’s geospatial location and their head orientation.</a:t>
-                      </a:r>
-                      <a:endParaRPr lang="en-US" sz="1100">
-                        <a:effectLst/>
-                        <a:latin typeface="Calibri" panose="020F0502020204030204" pitchFamily="34" charset="0"/>
-                        <a:ea typeface="Calibri" panose="020F0502020204030204" pitchFamily="34" charset="0"/>
-                        <a:cs typeface="Times New Roman" panose="02020603050405020304" pitchFamily="18" charset="0"/>
-                      </a:endParaRPr>
-                    </a:p>
-                  </a:txBody>
-                  <a:tcPr marL="68580" marR="68580" marT="0" marB="0"/>
-                </a:tc>
-              </a:tr>
-              <a:tr h="969818">
-                <a:tc>
-                  <a:txBody>
-                    <a:bodyPr/>
-                    <a:lstStyle/>
-                    <a:p>
-                      <a:pPr marL="0" marR="0" algn="r">
-                        <a:spcBef>
-                          <a:spcPts val="0"/>
-                        </a:spcBef>
-                        <a:spcAft>
-                          <a:spcPts val="0"/>
-                        </a:spcAft>
-                      </a:pPr>
-                      <a:r>
-                        <a:rPr lang="en-US" sz="1100">
-                          <a:effectLst/>
-                        </a:rPr>
-                        <a:t>Collision Detection</a:t>
-                      </a:r>
-                      <a:endParaRPr lang="en-US" sz="1100">
-                        <a:effectLst/>
-                        <a:latin typeface="Calibri" panose="020F0502020204030204" pitchFamily="34" charset="0"/>
-                        <a:ea typeface="Calibri" panose="020F0502020204030204" pitchFamily="34" charset="0"/>
-                        <a:cs typeface="Times New Roman" panose="02020603050405020304" pitchFamily="18" charset="0"/>
-                      </a:endParaRPr>
-                    </a:p>
-                  </a:txBody>
-                  <a:tcPr marL="68580" marR="68580" marT="0" marB="0"/>
-                </a:tc>
-                <a:tc>
-                  <a:txBody>
-                    <a:bodyPr/>
-                    <a:lstStyle/>
-                    <a:p>
-                      <a:pPr marL="0" marR="0">
-                        <a:spcBef>
-                          <a:spcPts val="0"/>
-                        </a:spcBef>
-                        <a:spcAft>
-                          <a:spcPts val="0"/>
-                        </a:spcAft>
-                      </a:pPr>
-                      <a:r>
-                        <a:rPr lang="en-US" sz="1100">
-                          <a:effectLst/>
-                        </a:rPr>
-                        <a:t>Minimum 2 meter accuracy and precision</a:t>
-                      </a:r>
-                      <a:endParaRPr lang="en-US" sz="1100">
-                        <a:effectLst/>
-                        <a:latin typeface="Calibri" panose="020F0502020204030204" pitchFamily="34" charset="0"/>
-                        <a:ea typeface="Calibri" panose="020F0502020204030204" pitchFamily="34" charset="0"/>
-                        <a:cs typeface="Times New Roman" panose="02020603050405020304" pitchFamily="18" charset="0"/>
-                      </a:endParaRPr>
-                    </a:p>
-                  </a:txBody>
-                  <a:tcPr marL="68580" marR="68580" marT="0" marB="0"/>
-                </a:tc>
-                <a:tc>
-                  <a:txBody>
-                    <a:bodyPr/>
-                    <a:lstStyle/>
-                    <a:p>
-                      <a:pPr marL="0" marR="0">
-                        <a:spcBef>
-                          <a:spcPts val="0"/>
-                        </a:spcBef>
-                        <a:spcAft>
-                          <a:spcPts val="0"/>
-                        </a:spcAft>
-                      </a:pPr>
-                      <a:r>
-                        <a:rPr lang="en-US" sz="1100">
-                          <a:effectLst/>
-                        </a:rPr>
-                        <a:t>The ability of the software to detect collision detection will be affected by the accuracy of the GPS. The minimum required to be meaningful cannot exceed a couple of meters. This means ghosts could be 2 m</a:t>
-                      </a:r>
-                      <a:r>
-                        <a:rPr lang="en-US" sz="1100" baseline="30000">
-                          <a:effectLst/>
-                        </a:rPr>
-                        <a:t>2</a:t>
-                      </a:r>
-                      <a:r>
-                        <a:rPr lang="en-US" sz="1100">
-                          <a:effectLst/>
-                        </a:rPr>
-                        <a:t> to account for accuracy of GPS.</a:t>
-                      </a:r>
-                      <a:endParaRPr lang="en-US" sz="1100">
-                        <a:effectLst/>
-                        <a:latin typeface="Calibri" panose="020F0502020204030204" pitchFamily="34" charset="0"/>
-                        <a:ea typeface="Calibri" panose="020F0502020204030204" pitchFamily="34" charset="0"/>
-                        <a:cs typeface="Times New Roman" panose="02020603050405020304" pitchFamily="18" charset="0"/>
-                      </a:endParaRPr>
-                    </a:p>
-                  </a:txBody>
-                  <a:tcPr marL="68580" marR="68580" marT="0" marB="0"/>
-                </a:tc>
-              </a:tr>
-              <a:tr h="969818">
-                <a:tc>
-                  <a:txBody>
-                    <a:bodyPr/>
-                    <a:lstStyle/>
-                    <a:p>
-                      <a:pPr marL="0" marR="0" algn="r">
-                        <a:spcBef>
-                          <a:spcPts val="0"/>
-                        </a:spcBef>
-                        <a:spcAft>
-                          <a:spcPts val="0"/>
-                        </a:spcAft>
-                      </a:pPr>
-                      <a:r>
-                        <a:rPr lang="en-US" sz="1100">
-                          <a:effectLst/>
-                        </a:rPr>
-                        <a:t>Network </a:t>
-                      </a:r>
-                    </a:p>
-                    <a:p>
-                      <a:pPr marL="0" marR="0" algn="r">
-                        <a:spcBef>
-                          <a:spcPts val="0"/>
-                        </a:spcBef>
-                        <a:spcAft>
-                          <a:spcPts val="0"/>
-                        </a:spcAft>
-                      </a:pPr>
-                      <a:r>
-                        <a:rPr lang="en-US" sz="1100">
-                          <a:effectLst/>
-                        </a:rPr>
-                        <a:t>User Position Update Rate </a:t>
-                      </a:r>
-                      <a:endParaRPr lang="en-US" sz="1100">
-                        <a:effectLst/>
-                        <a:latin typeface="Calibri" panose="020F0502020204030204" pitchFamily="34" charset="0"/>
-                        <a:ea typeface="Calibri" panose="020F0502020204030204" pitchFamily="34" charset="0"/>
-                        <a:cs typeface="Times New Roman" panose="02020603050405020304" pitchFamily="18" charset="0"/>
-                      </a:endParaRPr>
-                    </a:p>
-                  </a:txBody>
-                  <a:tcPr marL="68580" marR="68580" marT="0" marB="0"/>
-                </a:tc>
-                <a:tc>
-                  <a:txBody>
-                    <a:bodyPr/>
-                    <a:lstStyle/>
-                    <a:p>
-                      <a:pPr marL="0" marR="0">
-                        <a:spcBef>
-                          <a:spcPts val="0"/>
-                        </a:spcBef>
-                        <a:spcAft>
-                          <a:spcPts val="0"/>
-                        </a:spcAft>
-                      </a:pPr>
-                      <a:r>
-                        <a:rPr lang="en-US" sz="1100">
-                          <a:effectLst/>
-                        </a:rPr>
-                        <a:t>Minimum of 20Hz (50ms).</a:t>
-                      </a:r>
-                      <a:endParaRPr lang="en-US" sz="1100">
-                        <a:effectLst/>
-                        <a:latin typeface="Calibri" panose="020F0502020204030204" pitchFamily="34" charset="0"/>
-                        <a:ea typeface="Calibri" panose="020F0502020204030204" pitchFamily="34" charset="0"/>
-                        <a:cs typeface="Times New Roman" panose="02020603050405020304" pitchFamily="18" charset="0"/>
-                      </a:endParaRPr>
-                    </a:p>
-                  </a:txBody>
-                  <a:tcPr marL="68580" marR="68580" marT="0" marB="0"/>
-                </a:tc>
-                <a:tc>
-                  <a:txBody>
-                    <a:bodyPr/>
-                    <a:lstStyle/>
-                    <a:p>
-                      <a:pPr marL="0" marR="0">
-                        <a:spcBef>
-                          <a:spcPts val="0"/>
-                        </a:spcBef>
-                        <a:spcAft>
-                          <a:spcPts val="0"/>
-                        </a:spcAft>
-                      </a:pPr>
-                      <a:r>
-                        <a:rPr lang="en-US" sz="1100">
-                          <a:effectLst/>
-                        </a:rPr>
-                        <a:t>The position and orientation of each headset will need to be communicated wirelessly at least every 50ms to keep up with the GPS and provide meaningful feedback about collisions to each headset.</a:t>
-                      </a:r>
-                      <a:endParaRPr lang="en-US" sz="1100">
-                        <a:effectLst/>
-                        <a:latin typeface="Calibri" panose="020F0502020204030204" pitchFamily="34" charset="0"/>
-                        <a:ea typeface="Calibri" panose="020F0502020204030204" pitchFamily="34" charset="0"/>
-                        <a:cs typeface="Times New Roman" panose="02020603050405020304" pitchFamily="18" charset="0"/>
-                      </a:endParaRPr>
-                    </a:p>
-                  </a:txBody>
-                  <a:tcPr marL="68580" marR="68580" marT="0" marB="0"/>
-                </a:tc>
-              </a:tr>
-              <a:tr h="727364">
-                <a:tc>
-                  <a:txBody>
-                    <a:bodyPr/>
-                    <a:lstStyle/>
-                    <a:p>
-                      <a:pPr marL="0" marR="0" algn="r">
-                        <a:spcBef>
-                          <a:spcPts val="0"/>
-                        </a:spcBef>
-                        <a:spcAft>
-                          <a:spcPts val="0"/>
-                        </a:spcAft>
-                      </a:pPr>
-                      <a:r>
-                        <a:rPr lang="en-US" sz="1100">
-                          <a:effectLst/>
-                        </a:rPr>
-                        <a:t>Network</a:t>
-                      </a:r>
-                    </a:p>
-                    <a:p>
-                      <a:pPr marL="0" marR="0" algn="r">
-                        <a:spcBef>
-                          <a:spcPts val="0"/>
-                        </a:spcBef>
-                        <a:spcAft>
-                          <a:spcPts val="0"/>
-                        </a:spcAft>
-                      </a:pPr>
-                      <a:r>
-                        <a:rPr lang="en-US" sz="1100">
-                          <a:effectLst/>
-                        </a:rPr>
-                        <a:t>Graphic Position Update Rate </a:t>
-                      </a:r>
-                      <a:endParaRPr lang="en-US" sz="1100">
-                        <a:effectLst/>
-                        <a:latin typeface="Calibri" panose="020F0502020204030204" pitchFamily="34" charset="0"/>
-                        <a:ea typeface="Calibri" panose="020F0502020204030204" pitchFamily="34" charset="0"/>
-                        <a:cs typeface="Times New Roman" panose="02020603050405020304" pitchFamily="18" charset="0"/>
-                      </a:endParaRPr>
-                    </a:p>
-                  </a:txBody>
-                  <a:tcPr marL="68580" marR="68580" marT="0" marB="0"/>
-                </a:tc>
-                <a:tc>
-                  <a:txBody>
-                    <a:bodyPr/>
-                    <a:lstStyle/>
-                    <a:p>
-                      <a:pPr marL="0" marR="0">
-                        <a:spcBef>
-                          <a:spcPts val="0"/>
-                        </a:spcBef>
-                        <a:spcAft>
-                          <a:spcPts val="0"/>
-                        </a:spcAft>
-                      </a:pPr>
-                      <a:r>
-                        <a:rPr lang="en-US" sz="1100">
-                          <a:effectLst/>
-                        </a:rPr>
-                        <a:t>Minimum of 20Hz</a:t>
-                      </a:r>
-                    </a:p>
-                    <a:p>
-                      <a:pPr marL="0" marR="0">
-                        <a:spcBef>
-                          <a:spcPts val="0"/>
-                        </a:spcBef>
-                        <a:spcAft>
-                          <a:spcPts val="0"/>
-                        </a:spcAft>
-                      </a:pPr>
-                      <a:r>
-                        <a:rPr lang="en-US" sz="1100">
-                          <a:effectLst/>
-                        </a:rPr>
-                        <a:t>(50ms)</a:t>
-                      </a:r>
-                      <a:endParaRPr lang="en-US" sz="1100">
-                        <a:effectLst/>
-                        <a:latin typeface="Calibri" panose="020F0502020204030204" pitchFamily="34" charset="0"/>
-                        <a:ea typeface="Calibri" panose="020F0502020204030204" pitchFamily="34" charset="0"/>
-                        <a:cs typeface="Times New Roman" panose="02020603050405020304" pitchFamily="18" charset="0"/>
-                      </a:endParaRPr>
-                    </a:p>
-                  </a:txBody>
-                  <a:tcPr marL="68580" marR="68580" marT="0" marB="0"/>
-                </a:tc>
-                <a:tc>
-                  <a:txBody>
-                    <a:bodyPr/>
-                    <a:lstStyle/>
-                    <a:p>
-                      <a:pPr marL="0" marR="0">
-                        <a:spcBef>
-                          <a:spcPts val="0"/>
-                        </a:spcBef>
-                        <a:spcAft>
-                          <a:spcPts val="0"/>
-                        </a:spcAft>
-                      </a:pPr>
-                      <a:r>
-                        <a:rPr lang="en-US" sz="1100">
-                          <a:effectLst/>
-                        </a:rPr>
-                        <a:t>The position information about positions of ghosts and other virtual objects needs to be updated in a timely manner and should at least be as fast as the update rate of the player’s position.</a:t>
-                      </a:r>
-                      <a:endParaRPr lang="en-US" sz="1100">
-                        <a:effectLst/>
-                        <a:latin typeface="Calibri" panose="020F0502020204030204" pitchFamily="34" charset="0"/>
-                        <a:ea typeface="Calibri" panose="020F0502020204030204" pitchFamily="34" charset="0"/>
-                        <a:cs typeface="Times New Roman" panose="02020603050405020304" pitchFamily="18" charset="0"/>
-                      </a:endParaRPr>
-                    </a:p>
-                  </a:txBody>
-                  <a:tcPr marL="68580" marR="68580" marT="0" marB="0"/>
-                </a:tc>
-              </a:tr>
-              <a:tr h="969818">
-                <a:tc>
-                  <a:txBody>
-                    <a:bodyPr/>
-                    <a:lstStyle/>
-                    <a:p>
-                      <a:pPr marL="0" marR="0" algn="r">
-                        <a:spcBef>
-                          <a:spcPts val="0"/>
-                        </a:spcBef>
-                        <a:spcAft>
-                          <a:spcPts val="0"/>
-                        </a:spcAft>
-                      </a:pPr>
-                      <a:r>
-                        <a:rPr lang="en-US" sz="1100">
-                          <a:effectLst/>
-                        </a:rPr>
-                        <a:t>User Interface Usability</a:t>
-                      </a:r>
-                      <a:endParaRPr lang="en-US" sz="1100">
-                        <a:effectLst/>
-                        <a:latin typeface="Calibri" panose="020F0502020204030204" pitchFamily="34" charset="0"/>
-                        <a:ea typeface="Calibri" panose="020F0502020204030204" pitchFamily="34" charset="0"/>
-                        <a:cs typeface="Times New Roman" panose="02020603050405020304" pitchFamily="18" charset="0"/>
-                      </a:endParaRPr>
-                    </a:p>
-                  </a:txBody>
-                  <a:tcPr marL="68580" marR="68580" marT="0" marB="0"/>
-                </a:tc>
-                <a:tc>
-                  <a:txBody>
-                    <a:bodyPr/>
-                    <a:lstStyle/>
-                    <a:p>
-                      <a:pPr marL="0" marR="0">
-                        <a:spcBef>
-                          <a:spcPts val="0"/>
-                        </a:spcBef>
-                        <a:spcAft>
-                          <a:spcPts val="0"/>
-                        </a:spcAft>
-                      </a:pPr>
-                      <a:r>
-                        <a:rPr lang="en-US" sz="1100">
-                          <a:effectLst/>
-                        </a:rPr>
-                        <a:t>End user can navigate the user interface intuitively.</a:t>
-                      </a:r>
-                      <a:endParaRPr lang="en-US" sz="1100">
-                        <a:effectLst/>
-                        <a:latin typeface="Calibri" panose="020F0502020204030204" pitchFamily="34" charset="0"/>
-                        <a:ea typeface="Calibri" panose="020F0502020204030204" pitchFamily="34" charset="0"/>
-                        <a:cs typeface="Times New Roman" panose="02020603050405020304" pitchFamily="18" charset="0"/>
-                      </a:endParaRPr>
-                    </a:p>
-                  </a:txBody>
-                  <a:tcPr marL="68580" marR="68580" marT="0" marB="0"/>
-                </a:tc>
-                <a:tc>
-                  <a:txBody>
-                    <a:bodyPr/>
-                    <a:lstStyle/>
-                    <a:p>
-                      <a:pPr marL="0" marR="0">
-                        <a:spcBef>
-                          <a:spcPts val="0"/>
-                        </a:spcBef>
-                        <a:spcAft>
-                          <a:spcPts val="0"/>
-                        </a:spcAft>
-                      </a:pPr>
-                      <a:r>
-                        <a:rPr lang="en-US" sz="1100" dirty="0">
-                          <a:effectLst/>
-                        </a:rPr>
-                        <a:t>A user unfamiliar with the operation of the software should be able to figure it out with minimal references to the user manual. For phase 1 this will be displayed from the control unit. In phase 2 the user interface will migrate to the headset’s display.</a:t>
-                      </a:r>
-                      <a:endParaRPr lang="en-US" sz="1100" dirty="0">
-                        <a:effectLst/>
-                        <a:latin typeface="Calibri" panose="020F0502020204030204" pitchFamily="34" charset="0"/>
-                        <a:ea typeface="Calibri" panose="020F0502020204030204" pitchFamily="34" charset="0"/>
-                        <a:cs typeface="Times New Roman" panose="02020603050405020304" pitchFamily="18" charset="0"/>
-                      </a:endParaRPr>
-                    </a:p>
-                  </a:txBody>
-                  <a:tcPr marL="68580" marR="68580" marT="0" marB="0"/>
-                </a:tc>
-              </a:tr>
-            </a:tbl>
-          </a:graphicData>
-        </a:graphic>
-      </p:graphicFrame>
+          </p:nvPr>
+        </p:nvSpPr>
+        <p:spPr/>
+        <p:txBody>
+          <a:bodyPr>
+            <a:normAutofit lnSpcReduction="10000"/>
+          </a:bodyPr>
+          <a:lstStyle/>
+          <a:p>
+            <a:r>
+              <a:rPr lang="en-US" sz="2400" dirty="0" smtClean="0"/>
+              <a:t>Power consumption testing</a:t>
+            </a:r>
+          </a:p>
+          <a:p>
+            <a:pPr lvl="1"/>
+            <a:r>
+              <a:rPr lang="en-US" sz="2000" dirty="0" smtClean="0"/>
+              <a:t>Provided </a:t>
+            </a:r>
+            <a:r>
+              <a:rPr lang="en-US" sz="2000" dirty="0" err="1" smtClean="0"/>
+              <a:t>Terasic</a:t>
+            </a:r>
+            <a:r>
+              <a:rPr lang="en-US" sz="2000" dirty="0" smtClean="0"/>
+              <a:t> board uses 1.2 A typical (14.4 W)</a:t>
+            </a:r>
+          </a:p>
+          <a:p>
+            <a:pPr lvl="1"/>
+            <a:r>
+              <a:rPr lang="en-US" sz="2000" dirty="0" smtClean="0"/>
+              <a:t>Acceptable battery life with 60 </a:t>
+            </a:r>
+            <a:r>
+              <a:rPr lang="en-US" sz="2000" dirty="0" err="1" smtClean="0"/>
+              <a:t>Whr</a:t>
+            </a:r>
+            <a:r>
+              <a:rPr lang="en-US" sz="2000" dirty="0" smtClean="0"/>
+              <a:t> capacity</a:t>
+            </a:r>
+          </a:p>
+          <a:p>
+            <a:r>
+              <a:rPr lang="en-US" sz="2400" dirty="0" smtClean="0"/>
+              <a:t>Hardware design for Phase 2</a:t>
+            </a:r>
+          </a:p>
+          <a:p>
+            <a:pPr lvl="1"/>
+            <a:r>
+              <a:rPr lang="en-US" sz="2000" dirty="0" smtClean="0"/>
+              <a:t>Power supply design</a:t>
+            </a:r>
+          </a:p>
+          <a:p>
+            <a:pPr lvl="2"/>
+            <a:r>
+              <a:rPr lang="en-US" dirty="0" smtClean="0"/>
+              <a:t>Battery and regulator selection</a:t>
+            </a:r>
+          </a:p>
+          <a:p>
+            <a:pPr lvl="1"/>
+            <a:r>
+              <a:rPr lang="en-US" sz="2000" dirty="0" smtClean="0"/>
+              <a:t>Headset interfacing board</a:t>
+            </a:r>
+          </a:p>
+          <a:p>
+            <a:pPr lvl="2"/>
+            <a:r>
+              <a:rPr lang="en-US" dirty="0" smtClean="0"/>
+              <a:t>Re-use GPS, inertial measurement unit</a:t>
+            </a:r>
+            <a:r>
+              <a:rPr lang="en-US" dirty="0" smtClean="0"/>
+              <a:t>,</a:t>
+            </a:r>
+          </a:p>
+          <a:p>
+            <a:pPr marL="640080" lvl="2" indent="0">
+              <a:buNone/>
+            </a:pPr>
+            <a:r>
+              <a:rPr lang="en-US" dirty="0"/>
+              <a:t> </a:t>
+            </a:r>
+            <a:r>
+              <a:rPr lang="en-US" dirty="0" smtClean="0"/>
+              <a:t> </a:t>
+            </a:r>
+            <a:r>
+              <a:rPr lang="en-US" dirty="0" smtClean="0"/>
+              <a:t> </a:t>
+            </a:r>
+            <a:r>
+              <a:rPr lang="en-US" dirty="0" smtClean="0"/>
+              <a:t>microcontroller</a:t>
+            </a:r>
+          </a:p>
+          <a:p>
+            <a:r>
+              <a:rPr lang="en-US" sz="2400" dirty="0" smtClean="0"/>
+              <a:t>Packaging</a:t>
+            </a:r>
+          </a:p>
+          <a:p>
+            <a:pPr lvl="1"/>
+            <a:r>
+              <a:rPr lang="en-US" sz="2000" dirty="0" smtClean="0"/>
+              <a:t>Re-use optics</a:t>
+            </a:r>
+          </a:p>
+          <a:p>
+            <a:pPr lvl="1"/>
+            <a:r>
+              <a:rPr lang="en-US" sz="2000" dirty="0" smtClean="0"/>
+              <a:t>Selected new display</a:t>
+            </a:r>
+          </a:p>
+          <a:p>
+            <a:pPr lvl="1"/>
+            <a:r>
+              <a:rPr lang="en-US" sz="2000" dirty="0" smtClean="0"/>
+              <a:t>Selected helmet and backpack</a:t>
+            </a:r>
+            <a:endParaRPr lang="en-US" sz="2000" dirty="0"/>
+          </a:p>
+        </p:txBody>
+      </p:sp>
       <p:sp>
         <p:nvSpPr>
           <p:cNvPr id="3" name="Title 2"/>
@@ -9422,16 +9263,117 @@
           <a:p>
             <a:r>
               <a:rPr lang="en-US" dirty="0" smtClean="0"/>
-              <a:t>Software metrics</a:t>
+              <a:t>Accomplishments To Date (PHA2)</a:t>
             </a:r>
             <a:endParaRPr lang="en-US" dirty="0"/>
           </a:p>
         </p:txBody>
       </p:sp>
+      <p:sp>
+        <p:nvSpPr>
+          <p:cNvPr id="4" name="TextBox 3"/>
+          <p:cNvSpPr txBox="1"/>
+          <p:nvPr/>
+        </p:nvSpPr>
+        <p:spPr>
+          <a:xfrm>
+            <a:off x="5715000" y="2751307"/>
+            <a:ext cx="2633798" cy="369332"/>
+          </a:xfrm>
+          <a:prstGeom prst="rect">
+            <a:avLst/>
+          </a:prstGeom>
+          <a:noFill/>
+        </p:spPr>
+        <p:txBody>
+          <a:bodyPr wrap="none" rtlCol="0">
+            <a:spAutoFit/>
+          </a:bodyPr>
+          <a:lstStyle/>
+          <a:p>
+            <a:r>
+              <a:rPr lang="en-US" dirty="0" smtClean="0"/>
+              <a:t>[POWER CONSUMPTION]</a:t>
+            </a:r>
+            <a:endParaRPr lang="en-US" dirty="0"/>
+          </a:p>
+        </p:txBody>
+      </p:sp>
+      <p:sp>
+        <p:nvSpPr>
+          <p:cNvPr id="5" name="TextBox 4"/>
+          <p:cNvSpPr txBox="1"/>
+          <p:nvPr/>
+        </p:nvSpPr>
+        <p:spPr>
+          <a:xfrm>
+            <a:off x="6236451" y="5105400"/>
+            <a:ext cx="729687" cy="369332"/>
+          </a:xfrm>
+          <a:prstGeom prst="rect">
+            <a:avLst/>
+          </a:prstGeom>
+          <a:noFill/>
+        </p:spPr>
+        <p:txBody>
+          <a:bodyPr wrap="none" rtlCol="0">
+            <a:spAutoFit/>
+          </a:bodyPr>
+          <a:lstStyle/>
+          <a:p>
+            <a:r>
+              <a:rPr lang="en-US" dirty="0" smtClean="0"/>
+              <a:t>[PCB]</a:t>
+            </a:r>
+            <a:endParaRPr lang="en-US" dirty="0"/>
+          </a:p>
+        </p:txBody>
+      </p:sp>
+      <p:pic>
+        <p:nvPicPr>
+          <p:cNvPr id="1026" name="Picture 2" descr="D:\DSC00999.JPG"/>
+          <p:cNvPicPr>
+            <a:picLocks noChangeAspect="1" noChangeArrowheads="1"/>
+          </p:cNvPicPr>
+          <p:nvPr/>
+        </p:nvPicPr>
+        <p:blipFill>
+          <a:blip r:embed="rId2" cstate="print">
+            <a:extLst>
+              <a:ext uri="{28A0092B-C50C-407E-A947-70E740481C1C}">
+                <a14:useLocalDpi xmlns:a14="http://schemas.microsoft.com/office/drawing/2010/main"/>
+              </a:ext>
+            </a:extLst>
+          </a:blip>
+          <a:srcRect/>
+          <a:stretch>
+            <a:fillRect/>
+          </a:stretch>
+        </p:blipFill>
+        <p:spPr bwMode="auto">
+          <a:xfrm>
+            <a:off x="5524944" y="2590800"/>
+            <a:ext cx="3161856" cy="2101125"/>
+          </a:xfrm>
+          <a:prstGeom prst="rect">
+            <a:avLst/>
+          </a:prstGeom>
+          <a:noFill/>
+          <a:extLst>
+            <a:ext uri="{909E8E84-426E-40DD-AFC4-6F175D3DCCD1}">
+              <a14:hiddenFill xmlns:a14="http://schemas.microsoft.com/office/drawing/2010/main">
+                <a:solidFill>
+                  <a:srgbClr val="FFFFFF"/>
+                </a:solidFill>
+              </a14:hiddenFill>
+            </a:ext>
+          </a:extLst>
+        </p:spPr>
+      </p:pic>
     </p:spTree>
     <p:extLst>
       <p:ext uri="{BB962C8B-B14F-4D97-AF65-F5344CB8AC3E}">
-        <p14:creationId xmlns:p14="http://schemas.microsoft.com/office/powerpoint/2010/main" val="271646728"/>
+        <p14:creationId xmlns:p14="http://schemas.microsoft.com/office/powerpoint/2010/main" val="3540674889"/>
       </p:ext>
     </p:extLst>
   </p:cSld>
@@ -9484,242 +9426,6 @@
           <a:p>
             <a:r>
               <a:rPr lang="en-US" sz="2400" dirty="0" smtClean="0"/>
-              <a:t>Power consumption testing</a:t>
-            </a:r>
-          </a:p>
-          <a:p>
-            <a:pPr lvl="1"/>
-            <a:r>
-              <a:rPr lang="en-US" sz="2000" dirty="0" smtClean="0"/>
-              <a:t>Provided </a:t>
-            </a:r>
-            <a:r>
-              <a:rPr lang="en-US" sz="2000" dirty="0" err="1" smtClean="0"/>
-              <a:t>Terasic</a:t>
-            </a:r>
-            <a:r>
-              <a:rPr lang="en-US" sz="2000" dirty="0" smtClean="0"/>
-              <a:t> board uses 1.2 A typical (14.4 W)</a:t>
-            </a:r>
-          </a:p>
-          <a:p>
-            <a:pPr lvl="1"/>
-            <a:r>
-              <a:rPr lang="en-US" sz="2000" dirty="0" smtClean="0"/>
-              <a:t>Acceptable battery life with 60 </a:t>
-            </a:r>
-            <a:r>
-              <a:rPr lang="en-US" sz="2000" dirty="0" err="1" smtClean="0"/>
-              <a:t>Whr</a:t>
-            </a:r>
-            <a:r>
-              <a:rPr lang="en-US" sz="2000" dirty="0" smtClean="0"/>
-              <a:t> capacity</a:t>
-            </a:r>
-          </a:p>
-          <a:p>
-            <a:r>
-              <a:rPr lang="en-US" sz="2400" dirty="0" smtClean="0"/>
-              <a:t>Hardware design for Phase 2</a:t>
-            </a:r>
-          </a:p>
-          <a:p>
-            <a:pPr lvl="1"/>
-            <a:r>
-              <a:rPr lang="en-US" sz="2000" dirty="0" smtClean="0"/>
-              <a:t>Power supply design</a:t>
-            </a:r>
-          </a:p>
-          <a:p>
-            <a:pPr lvl="2"/>
-            <a:r>
-              <a:rPr lang="en-US" dirty="0" smtClean="0"/>
-              <a:t>Battery and regulator selection</a:t>
-            </a:r>
-          </a:p>
-          <a:p>
-            <a:pPr lvl="1"/>
-            <a:r>
-              <a:rPr lang="en-US" sz="2000" dirty="0" smtClean="0"/>
-              <a:t>Headset interfacing board</a:t>
-            </a:r>
-          </a:p>
-          <a:p>
-            <a:pPr lvl="2"/>
-            <a:r>
-              <a:rPr lang="en-US" dirty="0" smtClean="0"/>
-              <a:t>Re-use GPS, inertial measurement unit, microcontroller</a:t>
-            </a:r>
-          </a:p>
-          <a:p>
-            <a:r>
-              <a:rPr lang="en-US" sz="2400" dirty="0" smtClean="0"/>
-              <a:t>Packaging</a:t>
-            </a:r>
-          </a:p>
-          <a:p>
-            <a:pPr lvl="1"/>
-            <a:r>
-              <a:rPr lang="en-US" sz="2000" dirty="0" smtClean="0"/>
-              <a:t>Re-use optics</a:t>
-            </a:r>
-          </a:p>
-          <a:p>
-            <a:pPr lvl="1"/>
-            <a:r>
-              <a:rPr lang="en-US" sz="2000" dirty="0" smtClean="0"/>
-              <a:t>Selected new display</a:t>
-            </a:r>
-          </a:p>
-          <a:p>
-            <a:pPr lvl="1"/>
-            <a:r>
-              <a:rPr lang="en-US" sz="2000" dirty="0" smtClean="0"/>
-              <a:t>Selected helmet and backpack</a:t>
-            </a:r>
-            <a:endParaRPr lang="en-US" sz="2000" dirty="0"/>
-          </a:p>
-        </p:txBody>
-      </p:sp>
-      <p:sp>
-        <p:nvSpPr>
-          <p:cNvPr id="3" name="Title 2"/>
-          <p:cNvSpPr>
-            <a:spLocks noGrp="1"/>
-          </p:cNvSpPr>
-          <p:nvPr>
-            <p:ph type="title"/>
-          </p:nvPr>
-        </p:nvSpPr>
-        <p:spPr/>
-        <p:txBody>
-          <a:bodyPr/>
-          <a:lstStyle/>
-          <a:p>
-            <a:r>
-              <a:rPr lang="en-US" dirty="0" smtClean="0"/>
-              <a:t>Accomplishments To Date (PHA2)</a:t>
-            </a:r>
-            <a:endParaRPr lang="en-US" dirty="0"/>
-          </a:p>
-        </p:txBody>
-      </p:sp>
-      <p:sp>
-        <p:nvSpPr>
-          <p:cNvPr id="4" name="TextBox 3"/>
-          <p:cNvSpPr txBox="1"/>
-          <p:nvPr/>
-        </p:nvSpPr>
-        <p:spPr>
-          <a:xfrm>
-            <a:off x="6324600" y="2751307"/>
-            <a:ext cx="2633798" cy="369332"/>
-          </a:xfrm>
-          <a:prstGeom prst="rect">
-            <a:avLst/>
-          </a:prstGeom>
-          <a:noFill/>
-        </p:spPr>
-        <p:txBody>
-          <a:bodyPr wrap="none" rtlCol="0">
-            <a:spAutoFit/>
-          </a:bodyPr>
-          <a:lstStyle/>
-          <a:p>
-            <a:r>
-              <a:rPr lang="en-US" dirty="0" smtClean="0"/>
-              <a:t>[POWER CONSUMPTION]</a:t>
-            </a:r>
-            <a:endParaRPr lang="en-US" dirty="0"/>
-          </a:p>
-        </p:txBody>
-      </p:sp>
-      <p:sp>
-        <p:nvSpPr>
-          <p:cNvPr id="5" name="TextBox 4"/>
-          <p:cNvSpPr txBox="1"/>
-          <p:nvPr/>
-        </p:nvSpPr>
-        <p:spPr>
-          <a:xfrm>
-            <a:off x="6400800" y="4495800"/>
-            <a:ext cx="729687" cy="369332"/>
-          </a:xfrm>
-          <a:prstGeom prst="rect">
-            <a:avLst/>
-          </a:prstGeom>
-          <a:noFill/>
-        </p:spPr>
-        <p:txBody>
-          <a:bodyPr wrap="none" rtlCol="0">
-            <a:spAutoFit/>
-          </a:bodyPr>
-          <a:lstStyle/>
-          <a:p>
-            <a:r>
-              <a:rPr lang="en-US" dirty="0" smtClean="0"/>
-              <a:t>[PCB]</a:t>
-            </a:r>
-            <a:endParaRPr lang="en-US" dirty="0"/>
-          </a:p>
-        </p:txBody>
-      </p:sp>
-    </p:spTree>
-    <p:extLst>
-      <p:ext uri="{BB962C8B-B14F-4D97-AF65-F5344CB8AC3E}">
-        <p14:creationId xmlns:p14="http://schemas.microsoft.com/office/powerpoint/2010/main" val="3540674889"/>
-      </p:ext>
-    </p:extLst>
-  </p:cSld>
-  <p:clrMapOvr>
-    <a:masterClrMapping/>
-  </p:clrMapOvr>
-  <p:timing>
-    <p:tnLst>
-      <p:par>
-        <p:cTn id="1" dur="indefinite" restart="never" nodeType="tmRoot"/>
-      </p:par>
-    </p:tnLst>
-  </p:timing>
-</p:sld>
-</file>
-
-<file path=ppt/slides/slide13.xml><?xml version="1.0" encoding="utf-8"?>
-<p:sld xmlns:a="http://schemas.openxmlformats.org/drawingml/2006/main" xmlns:r="http://schemas.openxmlformats.org/officeDocument/2006/relationships" xmlns:p="http://schemas.openxmlformats.org/presentationml/2006/main">
-  <p:cSld>
-    <p:spTree>
-      <p:nvGrpSpPr>
-        <p:cNvPr id="1" name=""/>
-        <p:cNvGrpSpPr/>
-        <p:nvPr/>
-      </p:nvGrpSpPr>
-      <p:grpSpPr>
-        <a:xfrm>
-          <a:off x="0" y="0"/>
-          <a:ext cx="0" cy="0"/>
-          <a:chOff x="0" y="0"/>
-          <a:chExt cx="0" cy="0"/>
-        </a:xfrm>
-      </p:grpSpPr>
-      <p:sp>
-        <p:nvSpPr>
-          <p:cNvPr id="2" name="Content Placeholder 1"/>
-          <p:cNvSpPr>
-            <a:spLocks noGrp="1"/>
-          </p:cNvSpPr>
-          <p:nvPr>
-            <p:ph idx="1"/>
-          </p:nvPr>
-        </p:nvSpPr>
-        <p:spPr/>
-        <p:txBody>
-          <a:bodyPr>
-            <a:normAutofit/>
-          </a:bodyPr>
-          <a:lstStyle/>
-          <a:p>
-            <a:r>
-              <a:rPr lang="en-US" sz="2400" dirty="0" smtClean="0"/>
               <a:t>Display virtual environment overlay on real world</a:t>
             </a:r>
           </a:p>
@@ -9814,7 +9520,7 @@
 </p:sld>
 </file>
 
-<file path=ppt/slides/slide14.xml><?xml version="1.0" encoding="utf-8"?>
+<file path=ppt/slides/slide13.xml><?xml version="1.0" encoding="utf-8"?>
 <p:sld xmlns:a="http://schemas.openxmlformats.org/drawingml/2006/main" xmlns:r="http://schemas.openxmlformats.org/officeDocument/2006/relationships" xmlns:p="http://schemas.openxmlformats.org/presentationml/2006/main">
   <p:cSld>
     <p:spTree>
@@ -9899,7 +9605,7 @@
 </p:sld>
 </file>
 
-<file path=ppt/slides/slide15.xml><?xml version="1.0" encoding="utf-8"?>
+<file path=ppt/slides/slide14.xml><?xml version="1.0" encoding="utf-8"?>
 <p:sld xmlns:a="http://schemas.openxmlformats.org/drawingml/2006/main" xmlns:r="http://schemas.openxmlformats.org/officeDocument/2006/relationships" xmlns:p="http://schemas.openxmlformats.org/presentationml/2006/main">
   <p:cSld>
     <p:spTree>
@@ -9980,7 +9686,7 @@
 </p:sld>
 </file>
 
-<file path=ppt/slides/slide16.xml><?xml version="1.0" encoding="utf-8"?>
+<file path=ppt/slides/slide15.xml><?xml version="1.0" encoding="utf-8"?>
 <p:sld xmlns:a="http://schemas.openxmlformats.org/drawingml/2006/main" xmlns:r="http://schemas.openxmlformats.org/officeDocument/2006/relationships" xmlns:p="http://schemas.openxmlformats.org/presentationml/2006/main">
   <p:cSld>
     <p:spTree>
@@ -10052,6 +9758,2979 @@
     <p:extLst>
       <p:ext uri="{BB962C8B-B14F-4D97-AF65-F5344CB8AC3E}">
         <p14:creationId xmlns:p14="http://schemas.microsoft.com/office/powerpoint/2010/main" val="1351510714"/>
+      </p:ext>
+    </p:extLst>
+  </p:cSld>
+  <p:clrMapOvr>
+    <a:masterClrMapping/>
+  </p:clrMapOvr>
+</p:sld>
+</file>
+
+<file path=ppt/slides/slide16.xml><?xml version="1.0" encoding="utf-8"?>
+<p:sld xmlns:a="http://schemas.openxmlformats.org/drawingml/2006/main" xmlns:r="http://schemas.openxmlformats.org/officeDocument/2006/relationships" xmlns:p="http://schemas.openxmlformats.org/presentationml/2006/main">
+  <p:cSld>
+    <p:spTree>
+      <p:nvGrpSpPr>
+        <p:cNvPr id="1" name=""/>
+        <p:cNvGrpSpPr/>
+        <p:nvPr/>
+      </p:nvGrpSpPr>
+      <p:grpSpPr>
+        <a:xfrm>
+          <a:off x="0" y="0"/>
+          <a:ext cx="0" cy="0"/>
+          <a:chOff x="0" y="0"/>
+          <a:chExt cx="0" cy="0"/>
+        </a:xfrm>
+      </p:grpSpPr>
+      <p:sp>
+        <p:nvSpPr>
+          <p:cNvPr id="3" name="Title 2"/>
+          <p:cNvSpPr>
+            <a:spLocks noGrp="1"/>
+          </p:cNvSpPr>
+          <p:nvPr>
+            <p:ph type="title"/>
+          </p:nvPr>
+        </p:nvSpPr>
+        <p:spPr/>
+        <p:txBody>
+          <a:bodyPr/>
+          <a:lstStyle/>
+          <a:p>
+            <a:r>
+              <a:rPr lang="en-US" dirty="0" smtClean="0"/>
+              <a:t>Execution overview - BUDGET</a:t>
+            </a:r>
+            <a:endParaRPr lang="en-US" dirty="0"/>
+          </a:p>
+        </p:txBody>
+      </p:sp>
+      <p:graphicFrame>
+        <p:nvGraphicFramePr>
+          <p:cNvPr id="5" name="Content Placeholder 4"/>
+          <p:cNvGraphicFramePr>
+            <a:graphicFrameLocks noGrp="1"/>
+          </p:cNvGraphicFramePr>
+          <p:nvPr>
+            <p:ph idx="1"/>
+            <p:extLst>
+              <p:ext uri="{D42A27DB-BD31-4B8C-83A1-F6EECF244321}">
+                <p14:modId xmlns:p14="http://schemas.microsoft.com/office/powerpoint/2010/main" val="3049841390"/>
+              </p:ext>
+            </p:extLst>
+          </p:nvPr>
+        </p:nvGraphicFramePr>
+        <p:xfrm>
+          <a:off x="152400" y="1371599"/>
+          <a:ext cx="8839199" cy="5334000"/>
+        </p:xfrm>
+        <a:graphic>
+          <a:graphicData uri="http://schemas.openxmlformats.org/drawingml/2006/table">
+            <a:tbl>
+              <a:tblPr>
+                <a:tableStyleId>{5C22544A-7EE6-4342-B048-85BDC9FD1C3A}</a:tableStyleId>
+              </a:tblPr>
+              <a:tblGrid>
+                <a:gridCol w="1556019"/>
+                <a:gridCol w="2698551"/>
+                <a:gridCol w="1015583"/>
+                <a:gridCol w="928532"/>
+                <a:gridCol w="928532"/>
+                <a:gridCol w="928532"/>
+                <a:gridCol w="783450"/>
+              </a:tblGrid>
+              <a:tr h="280000">
+                <a:tc>
+                  <a:txBody>
+                    <a:bodyPr/>
+                    <a:lstStyle/>
+                    <a:p>
+                      <a:pPr algn="l" fontAlgn="b"/>
+                      <a:r>
+                        <a:rPr lang="en-US" sz="1100" u="none" strike="noStrike">
+                          <a:effectLst/>
+                        </a:rPr>
+                        <a:t>Name</a:t>
+                      </a:r>
+                      <a:endParaRPr lang="en-US" sz="1100" b="1" i="0" u="none" strike="noStrike">
+                        <a:solidFill>
+                          <a:srgbClr val="000000"/>
+                        </a:solidFill>
+                        <a:effectLst/>
+                        <a:latin typeface="Liberation Sans"/>
+                      </a:endParaRPr>
+                    </a:p>
+                  </a:txBody>
+                  <a:tcPr marL="9525" marR="9525" marT="9525" marB="0" anchor="b"/>
+                </a:tc>
+                <a:tc>
+                  <a:txBody>
+                    <a:bodyPr/>
+                    <a:lstStyle/>
+                    <a:p>
+                      <a:pPr algn="l" fontAlgn="b"/>
+                      <a:r>
+                        <a:rPr lang="en-US" sz="1100" u="none" strike="noStrike">
+                          <a:effectLst/>
+                        </a:rPr>
+                        <a:t>Item</a:t>
+                      </a:r>
+                      <a:endParaRPr lang="en-US" sz="1100" b="1" i="0" u="none" strike="noStrike">
+                        <a:solidFill>
+                          <a:srgbClr val="000000"/>
+                        </a:solidFill>
+                        <a:effectLst/>
+                        <a:latin typeface="Liberation Sans"/>
+                      </a:endParaRPr>
+                    </a:p>
+                  </a:txBody>
+                  <a:tcPr marL="9525" marR="9525" marT="9525" marB="0" anchor="b"/>
+                </a:tc>
+                <a:tc>
+                  <a:txBody>
+                    <a:bodyPr/>
+                    <a:lstStyle/>
+                    <a:p>
+                      <a:pPr algn="l" fontAlgn="b"/>
+                      <a:r>
+                        <a:rPr lang="en-US" sz="1100" u="none" strike="noStrike">
+                          <a:effectLst/>
+                        </a:rPr>
+                        <a:t>Vendor</a:t>
+                      </a:r>
+                      <a:endParaRPr lang="en-US" sz="1100" b="1" i="0" u="none" strike="noStrike">
+                        <a:solidFill>
+                          <a:srgbClr val="000000"/>
+                        </a:solidFill>
+                        <a:effectLst/>
+                        <a:latin typeface="Liberation Sans"/>
+                      </a:endParaRPr>
+                    </a:p>
+                  </a:txBody>
+                  <a:tcPr marL="9525" marR="9525" marT="9525" marB="0" anchor="b"/>
+                </a:tc>
+                <a:tc>
+                  <a:txBody>
+                    <a:bodyPr/>
+                    <a:lstStyle/>
+                    <a:p>
+                      <a:pPr algn="l" fontAlgn="b"/>
+                      <a:r>
+                        <a:rPr lang="en-US" sz="1100" u="none" strike="noStrike">
+                          <a:effectLst/>
+                        </a:rPr>
+                        <a:t>Unit Price</a:t>
+                      </a:r>
+                      <a:endParaRPr lang="en-US" sz="1100" b="1" i="0" u="none" strike="noStrike">
+                        <a:solidFill>
+                          <a:srgbClr val="000000"/>
+                        </a:solidFill>
+                        <a:effectLst/>
+                        <a:latin typeface="Liberation Sans"/>
+                      </a:endParaRPr>
+                    </a:p>
+                  </a:txBody>
+                  <a:tcPr marL="9525" marR="9525" marT="9525" marB="0" anchor="b"/>
+                </a:tc>
+                <a:tc>
+                  <a:txBody>
+                    <a:bodyPr/>
+                    <a:lstStyle/>
+                    <a:p>
+                      <a:pPr algn="l" fontAlgn="b"/>
+                      <a:r>
+                        <a:rPr lang="en-US" sz="1100" u="none" strike="noStrike">
+                          <a:effectLst/>
+                        </a:rPr>
+                        <a:t>Shipping</a:t>
+                      </a:r>
+                      <a:endParaRPr lang="en-US" sz="1100" b="1" i="0" u="none" strike="noStrike">
+                        <a:solidFill>
+                          <a:srgbClr val="000000"/>
+                        </a:solidFill>
+                        <a:effectLst/>
+                        <a:latin typeface="Liberation Sans"/>
+                      </a:endParaRPr>
+                    </a:p>
+                  </a:txBody>
+                  <a:tcPr marL="9525" marR="9525" marT="9525" marB="0" anchor="b"/>
+                </a:tc>
+                <a:tc>
+                  <a:txBody>
+                    <a:bodyPr/>
+                    <a:lstStyle/>
+                    <a:p>
+                      <a:pPr algn="l" fontAlgn="b"/>
+                      <a:r>
+                        <a:rPr lang="en-US" sz="1100" u="none" strike="noStrike">
+                          <a:effectLst/>
+                        </a:rPr>
+                        <a:t>Quantity</a:t>
+                      </a:r>
+                      <a:endParaRPr lang="en-US" sz="1100" b="1" i="0" u="none" strike="noStrike">
+                        <a:solidFill>
+                          <a:srgbClr val="000000"/>
+                        </a:solidFill>
+                        <a:effectLst/>
+                        <a:latin typeface="Liberation Sans"/>
+                      </a:endParaRPr>
+                    </a:p>
+                  </a:txBody>
+                  <a:tcPr marL="9525" marR="9525" marT="9525" marB="0" anchor="b"/>
+                </a:tc>
+                <a:tc>
+                  <a:txBody>
+                    <a:bodyPr/>
+                    <a:lstStyle/>
+                    <a:p>
+                      <a:pPr algn="l" fontAlgn="b"/>
+                      <a:r>
+                        <a:rPr lang="en-US" sz="1100" u="none" strike="noStrike">
+                          <a:effectLst/>
+                        </a:rPr>
+                        <a:t>Price</a:t>
+                      </a:r>
+                      <a:endParaRPr lang="en-US" sz="1100" b="1" i="0" u="none" strike="noStrike">
+                        <a:solidFill>
+                          <a:srgbClr val="000000"/>
+                        </a:solidFill>
+                        <a:effectLst/>
+                        <a:latin typeface="Liberation Sans"/>
+                      </a:endParaRPr>
+                    </a:p>
+                  </a:txBody>
+                  <a:tcPr marL="9525" marR="9525" marT="9525" marB="0" anchor="b"/>
+                </a:tc>
+              </a:tr>
+              <a:tr h="266000">
+                <a:tc>
+                  <a:txBody>
+                    <a:bodyPr/>
+                    <a:lstStyle/>
+                    <a:p>
+                      <a:pPr algn="l" fontAlgn="b"/>
+                      <a:r>
+                        <a:rPr lang="en-US" sz="1100" u="none" strike="noStrike">
+                          <a:effectLst/>
+                        </a:rPr>
+                        <a:t>Battery</a:t>
+                      </a:r>
+                      <a:endParaRPr lang="en-US" sz="1100" b="0" i="0" u="none" strike="noStrike">
+                        <a:solidFill>
+                          <a:srgbClr val="000000"/>
+                        </a:solidFill>
+                        <a:effectLst/>
+                        <a:latin typeface="Liberation Sans"/>
+                      </a:endParaRPr>
+                    </a:p>
+                  </a:txBody>
+                  <a:tcPr marL="9525" marR="9525" marT="9525" marB="0" anchor="b"/>
+                </a:tc>
+                <a:tc>
+                  <a:txBody>
+                    <a:bodyPr/>
+                    <a:lstStyle/>
+                    <a:p>
+                      <a:pPr algn="l" fontAlgn="b"/>
+                      <a:endParaRPr lang="en-US" sz="1100" b="0" i="0" u="none" strike="noStrike">
+                        <a:solidFill>
+                          <a:srgbClr val="000000"/>
+                        </a:solidFill>
+                        <a:effectLst/>
+                        <a:latin typeface="Liberation Sans"/>
+                      </a:endParaRPr>
+                    </a:p>
+                  </a:txBody>
+                  <a:tcPr marL="9525" marR="9525" marT="9525" marB="0" anchor="b"/>
+                </a:tc>
+                <a:tc>
+                  <a:txBody>
+                    <a:bodyPr/>
+                    <a:lstStyle/>
+                    <a:p>
+                      <a:pPr algn="l" fontAlgn="b"/>
+                      <a:r>
+                        <a:rPr lang="en-US" sz="1100" u="none" strike="noStrike">
+                          <a:effectLst/>
+                        </a:rPr>
+                        <a:t>BatterySpace</a:t>
+                      </a:r>
+                      <a:endParaRPr lang="en-US" sz="1100" b="0" i="0" u="none" strike="noStrike">
+                        <a:solidFill>
+                          <a:srgbClr val="000000"/>
+                        </a:solidFill>
+                        <a:effectLst/>
+                        <a:latin typeface="Liberation Sans"/>
+                      </a:endParaRPr>
+                    </a:p>
+                  </a:txBody>
+                  <a:tcPr marL="9525" marR="9525" marT="9525" marB="0" anchor="b"/>
+                </a:tc>
+                <a:tc>
+                  <a:txBody>
+                    <a:bodyPr/>
+                    <a:lstStyle/>
+                    <a:p>
+                      <a:pPr algn="r" fontAlgn="b"/>
+                      <a:r>
+                        <a:rPr lang="en-US" sz="1100" u="none" strike="noStrike">
+                          <a:effectLst/>
+                        </a:rPr>
+                        <a:t>66.95</a:t>
+                      </a:r>
+                      <a:endParaRPr lang="en-US" sz="1100" b="0" i="0" u="none" strike="noStrike">
+                        <a:solidFill>
+                          <a:srgbClr val="000000"/>
+                        </a:solidFill>
+                        <a:effectLst/>
+                        <a:latin typeface="Liberation Sans"/>
+                      </a:endParaRPr>
+                    </a:p>
+                  </a:txBody>
+                  <a:tcPr marL="9525" marR="9525" marT="9525" marB="0" anchor="b"/>
+                </a:tc>
+                <a:tc>
+                  <a:txBody>
+                    <a:bodyPr/>
+                    <a:lstStyle/>
+                    <a:p>
+                      <a:pPr algn="l" fontAlgn="b"/>
+                      <a:endParaRPr lang="en-US" sz="1100" b="0" i="0" u="none" strike="noStrike">
+                        <a:solidFill>
+                          <a:srgbClr val="000000"/>
+                        </a:solidFill>
+                        <a:effectLst/>
+                        <a:latin typeface="Liberation Sans"/>
+                      </a:endParaRPr>
+                    </a:p>
+                  </a:txBody>
+                  <a:tcPr marL="9525" marR="9525" marT="9525" marB="0" anchor="b"/>
+                </a:tc>
+                <a:tc>
+                  <a:txBody>
+                    <a:bodyPr/>
+                    <a:lstStyle/>
+                    <a:p>
+                      <a:pPr algn="r" fontAlgn="b"/>
+                      <a:r>
+                        <a:rPr lang="en-US" sz="1100" u="none" strike="noStrike">
+                          <a:effectLst/>
+                        </a:rPr>
+                        <a:t>2</a:t>
+                      </a:r>
+                      <a:endParaRPr lang="en-US" sz="1100" b="0" i="0" u="none" strike="noStrike">
+                        <a:solidFill>
+                          <a:srgbClr val="000000"/>
+                        </a:solidFill>
+                        <a:effectLst/>
+                        <a:latin typeface="Liberation Sans"/>
+                      </a:endParaRPr>
+                    </a:p>
+                  </a:txBody>
+                  <a:tcPr marL="9525" marR="9525" marT="9525" marB="0" anchor="b"/>
+                </a:tc>
+                <a:tc>
+                  <a:txBody>
+                    <a:bodyPr/>
+                    <a:lstStyle/>
+                    <a:p>
+                      <a:pPr algn="r" fontAlgn="b"/>
+                      <a:r>
+                        <a:rPr lang="en-US" sz="1100" u="none" strike="noStrike">
+                          <a:effectLst/>
+                        </a:rPr>
+                        <a:t>133.9</a:t>
+                      </a:r>
+                      <a:endParaRPr lang="en-US" sz="1100" b="0" i="0" u="none" strike="noStrike">
+                        <a:solidFill>
+                          <a:srgbClr val="000000"/>
+                        </a:solidFill>
+                        <a:effectLst/>
+                        <a:latin typeface="Liberation Sans"/>
+                      </a:endParaRPr>
+                    </a:p>
+                  </a:txBody>
+                  <a:tcPr marL="9525" marR="9525" marT="9525" marB="0" anchor="b"/>
+                </a:tc>
+              </a:tr>
+              <a:tr h="266000">
+                <a:tc>
+                  <a:txBody>
+                    <a:bodyPr/>
+                    <a:lstStyle/>
+                    <a:p>
+                      <a:pPr algn="l" fontAlgn="b"/>
+                      <a:r>
+                        <a:rPr lang="en-US" sz="1100" u="none" strike="noStrike">
+                          <a:effectLst/>
+                        </a:rPr>
+                        <a:t>Screen1</a:t>
+                      </a:r>
+                      <a:endParaRPr lang="en-US" sz="1100" b="0" i="0" u="none" strike="noStrike">
+                        <a:solidFill>
+                          <a:srgbClr val="000000"/>
+                        </a:solidFill>
+                        <a:effectLst/>
+                        <a:latin typeface="Liberation Sans"/>
+                      </a:endParaRPr>
+                    </a:p>
+                  </a:txBody>
+                  <a:tcPr marL="9525" marR="9525" marT="9525" marB="0" anchor="b"/>
+                </a:tc>
+                <a:tc>
+                  <a:txBody>
+                    <a:bodyPr/>
+                    <a:lstStyle/>
+                    <a:p>
+                      <a:pPr algn="l" fontAlgn="b"/>
+                      <a:endParaRPr lang="en-US" sz="1100" b="0" i="0" u="none" strike="noStrike">
+                        <a:solidFill>
+                          <a:srgbClr val="000000"/>
+                        </a:solidFill>
+                        <a:effectLst/>
+                        <a:latin typeface="Liberation Sans"/>
+                      </a:endParaRPr>
+                    </a:p>
+                  </a:txBody>
+                  <a:tcPr marL="9525" marR="9525" marT="9525" marB="0" anchor="b"/>
+                </a:tc>
+                <a:tc>
+                  <a:txBody>
+                    <a:bodyPr/>
+                    <a:lstStyle/>
+                    <a:p>
+                      <a:pPr algn="l" fontAlgn="b"/>
+                      <a:r>
+                        <a:rPr lang="en-US" sz="1100" u="none" strike="noStrike">
+                          <a:effectLst/>
+                        </a:rPr>
+                        <a:t>AdaFruit</a:t>
+                      </a:r>
+                      <a:endParaRPr lang="en-US" sz="1100" b="0" i="0" u="none" strike="noStrike">
+                        <a:solidFill>
+                          <a:srgbClr val="000000"/>
+                        </a:solidFill>
+                        <a:effectLst/>
+                        <a:latin typeface="Liberation Sans"/>
+                      </a:endParaRPr>
+                    </a:p>
+                  </a:txBody>
+                  <a:tcPr marL="9525" marR="9525" marT="9525" marB="0" anchor="b"/>
+                </a:tc>
+                <a:tc>
+                  <a:txBody>
+                    <a:bodyPr/>
+                    <a:lstStyle/>
+                    <a:p>
+                      <a:pPr algn="r" fontAlgn="b"/>
+                      <a:r>
+                        <a:rPr lang="en-US" sz="1100" u="none" strike="noStrike">
+                          <a:effectLst/>
+                        </a:rPr>
+                        <a:t>139.95</a:t>
+                      </a:r>
+                      <a:endParaRPr lang="en-US" sz="1100" b="0" i="0" u="none" strike="noStrike">
+                        <a:solidFill>
+                          <a:srgbClr val="000000"/>
+                        </a:solidFill>
+                        <a:effectLst/>
+                        <a:latin typeface="Liberation Sans"/>
+                      </a:endParaRPr>
+                    </a:p>
+                  </a:txBody>
+                  <a:tcPr marL="9525" marR="9525" marT="9525" marB="0" anchor="b"/>
+                </a:tc>
+                <a:tc>
+                  <a:txBody>
+                    <a:bodyPr/>
+                    <a:lstStyle/>
+                    <a:p>
+                      <a:pPr algn="l" fontAlgn="b"/>
+                      <a:endParaRPr lang="en-US" sz="1100" b="0" i="0" u="none" strike="noStrike">
+                        <a:solidFill>
+                          <a:srgbClr val="000000"/>
+                        </a:solidFill>
+                        <a:effectLst/>
+                        <a:latin typeface="Liberation Sans"/>
+                      </a:endParaRPr>
+                    </a:p>
+                  </a:txBody>
+                  <a:tcPr marL="9525" marR="9525" marT="9525" marB="0" anchor="b"/>
+                </a:tc>
+                <a:tc>
+                  <a:txBody>
+                    <a:bodyPr/>
+                    <a:lstStyle/>
+                    <a:p>
+                      <a:pPr algn="r" fontAlgn="b"/>
+                      <a:r>
+                        <a:rPr lang="en-US" sz="1100" u="none" strike="noStrike">
+                          <a:effectLst/>
+                        </a:rPr>
+                        <a:t>1</a:t>
+                      </a:r>
+                      <a:endParaRPr lang="en-US" sz="1100" b="0" i="0" u="none" strike="noStrike">
+                        <a:solidFill>
+                          <a:srgbClr val="000000"/>
+                        </a:solidFill>
+                        <a:effectLst/>
+                        <a:latin typeface="Liberation Sans"/>
+                      </a:endParaRPr>
+                    </a:p>
+                  </a:txBody>
+                  <a:tcPr marL="9525" marR="9525" marT="9525" marB="0" anchor="b"/>
+                </a:tc>
+                <a:tc>
+                  <a:txBody>
+                    <a:bodyPr/>
+                    <a:lstStyle/>
+                    <a:p>
+                      <a:pPr algn="r" fontAlgn="b"/>
+                      <a:r>
+                        <a:rPr lang="en-US" sz="1100" u="none" strike="noStrike">
+                          <a:effectLst/>
+                        </a:rPr>
+                        <a:t>139.95</a:t>
+                      </a:r>
+                      <a:endParaRPr lang="en-US" sz="1100" b="0" i="0" u="none" strike="noStrike">
+                        <a:solidFill>
+                          <a:srgbClr val="000000"/>
+                        </a:solidFill>
+                        <a:effectLst/>
+                        <a:latin typeface="Liberation Sans"/>
+                      </a:endParaRPr>
+                    </a:p>
+                  </a:txBody>
+                  <a:tcPr marL="9525" marR="9525" marT="9525" marB="0" anchor="b"/>
+                </a:tc>
+              </a:tr>
+              <a:tr h="266000">
+                <a:tc>
+                  <a:txBody>
+                    <a:bodyPr/>
+                    <a:lstStyle/>
+                    <a:p>
+                      <a:pPr algn="l" fontAlgn="b"/>
+                      <a:r>
+                        <a:rPr lang="en-US" sz="1100" u="none" strike="noStrike">
+                          <a:effectLst/>
+                        </a:rPr>
+                        <a:t>Screen2</a:t>
+                      </a:r>
+                      <a:endParaRPr lang="en-US" sz="1100" b="0" i="0" u="none" strike="noStrike">
+                        <a:solidFill>
+                          <a:srgbClr val="000000"/>
+                        </a:solidFill>
+                        <a:effectLst/>
+                        <a:latin typeface="Liberation Sans"/>
+                      </a:endParaRPr>
+                    </a:p>
+                  </a:txBody>
+                  <a:tcPr marL="9525" marR="9525" marT="9525" marB="0" anchor="b"/>
+                </a:tc>
+                <a:tc>
+                  <a:txBody>
+                    <a:bodyPr/>
+                    <a:lstStyle/>
+                    <a:p>
+                      <a:pPr algn="l" fontAlgn="b"/>
+                      <a:endParaRPr lang="en-US" sz="1100" b="0" i="0" u="none" strike="noStrike">
+                        <a:solidFill>
+                          <a:srgbClr val="000000"/>
+                        </a:solidFill>
+                        <a:effectLst/>
+                        <a:latin typeface="Liberation Sans"/>
+                      </a:endParaRPr>
+                    </a:p>
+                  </a:txBody>
+                  <a:tcPr marL="9525" marR="9525" marT="9525" marB="0" anchor="b"/>
+                </a:tc>
+                <a:tc>
+                  <a:txBody>
+                    <a:bodyPr/>
+                    <a:lstStyle/>
+                    <a:p>
+                      <a:pPr algn="l" fontAlgn="b"/>
+                      <a:r>
+                        <a:rPr lang="en-US" sz="1100" u="none" strike="noStrike">
+                          <a:effectLst/>
+                        </a:rPr>
+                        <a:t>AdaFruit</a:t>
+                      </a:r>
+                      <a:endParaRPr lang="en-US" sz="1100" b="0" i="0" u="none" strike="noStrike">
+                        <a:solidFill>
+                          <a:srgbClr val="000000"/>
+                        </a:solidFill>
+                        <a:effectLst/>
+                        <a:latin typeface="Liberation Sans"/>
+                      </a:endParaRPr>
+                    </a:p>
+                  </a:txBody>
+                  <a:tcPr marL="9525" marR="9525" marT="9525" marB="0" anchor="b"/>
+                </a:tc>
+                <a:tc>
+                  <a:txBody>
+                    <a:bodyPr/>
+                    <a:lstStyle/>
+                    <a:p>
+                      <a:pPr algn="r" fontAlgn="b"/>
+                      <a:r>
+                        <a:rPr lang="en-US" sz="1100" u="none" strike="noStrike">
+                          <a:effectLst/>
+                        </a:rPr>
+                        <a:t>64.95</a:t>
+                      </a:r>
+                      <a:endParaRPr lang="en-US" sz="1100" b="0" i="0" u="none" strike="noStrike">
+                        <a:solidFill>
+                          <a:srgbClr val="000000"/>
+                        </a:solidFill>
+                        <a:effectLst/>
+                        <a:latin typeface="Liberation Sans"/>
+                      </a:endParaRPr>
+                    </a:p>
+                  </a:txBody>
+                  <a:tcPr marL="9525" marR="9525" marT="9525" marB="0" anchor="b"/>
+                </a:tc>
+                <a:tc>
+                  <a:txBody>
+                    <a:bodyPr/>
+                    <a:lstStyle/>
+                    <a:p>
+                      <a:pPr algn="l" fontAlgn="b"/>
+                      <a:endParaRPr lang="en-US" sz="1100" b="0" i="0" u="none" strike="noStrike">
+                        <a:solidFill>
+                          <a:srgbClr val="000000"/>
+                        </a:solidFill>
+                        <a:effectLst/>
+                        <a:latin typeface="Liberation Sans"/>
+                      </a:endParaRPr>
+                    </a:p>
+                  </a:txBody>
+                  <a:tcPr marL="9525" marR="9525" marT="9525" marB="0" anchor="b"/>
+                </a:tc>
+                <a:tc>
+                  <a:txBody>
+                    <a:bodyPr/>
+                    <a:lstStyle/>
+                    <a:p>
+                      <a:pPr algn="r" fontAlgn="b"/>
+                      <a:r>
+                        <a:rPr lang="en-US" sz="1100" u="none" strike="noStrike">
+                          <a:effectLst/>
+                        </a:rPr>
+                        <a:t>1</a:t>
+                      </a:r>
+                      <a:endParaRPr lang="en-US" sz="1100" b="0" i="0" u="none" strike="noStrike">
+                        <a:solidFill>
+                          <a:srgbClr val="000000"/>
+                        </a:solidFill>
+                        <a:effectLst/>
+                        <a:latin typeface="Liberation Sans"/>
+                      </a:endParaRPr>
+                    </a:p>
+                  </a:txBody>
+                  <a:tcPr marL="9525" marR="9525" marT="9525" marB="0" anchor="b"/>
+                </a:tc>
+                <a:tc>
+                  <a:txBody>
+                    <a:bodyPr/>
+                    <a:lstStyle/>
+                    <a:p>
+                      <a:pPr algn="r" fontAlgn="b"/>
+                      <a:r>
+                        <a:rPr lang="en-US" sz="1100" u="none" strike="noStrike">
+                          <a:effectLst/>
+                        </a:rPr>
+                        <a:t>64.95</a:t>
+                      </a:r>
+                      <a:endParaRPr lang="en-US" sz="1100" b="0" i="0" u="none" strike="noStrike">
+                        <a:solidFill>
+                          <a:srgbClr val="000000"/>
+                        </a:solidFill>
+                        <a:effectLst/>
+                        <a:latin typeface="Liberation Sans"/>
+                      </a:endParaRPr>
+                    </a:p>
+                  </a:txBody>
+                  <a:tcPr marL="9525" marR="9525" marT="9525" marB="0" anchor="b"/>
+                </a:tc>
+              </a:tr>
+              <a:tr h="266000">
+                <a:tc>
+                  <a:txBody>
+                    <a:bodyPr/>
+                    <a:lstStyle/>
+                    <a:p>
+                      <a:pPr algn="l" fontAlgn="b"/>
+                      <a:r>
+                        <a:rPr lang="en-US" sz="1100" u="none" strike="noStrike">
+                          <a:effectLst/>
+                        </a:rPr>
+                        <a:t>IMU</a:t>
+                      </a:r>
+                      <a:endParaRPr lang="en-US" sz="1100" b="0" i="0" u="none" strike="noStrike">
+                        <a:solidFill>
+                          <a:srgbClr val="000000"/>
+                        </a:solidFill>
+                        <a:effectLst/>
+                        <a:latin typeface="Liberation Sans"/>
+                      </a:endParaRPr>
+                    </a:p>
+                  </a:txBody>
+                  <a:tcPr marL="9525" marR="9525" marT="9525" marB="0" anchor="b"/>
+                </a:tc>
+                <a:tc>
+                  <a:txBody>
+                    <a:bodyPr/>
+                    <a:lstStyle/>
+                    <a:p>
+                      <a:pPr algn="l" fontAlgn="b"/>
+                      <a:endParaRPr lang="en-US" sz="1100" b="0" i="0" u="none" strike="noStrike">
+                        <a:solidFill>
+                          <a:srgbClr val="000000"/>
+                        </a:solidFill>
+                        <a:effectLst/>
+                        <a:latin typeface="Liberation Sans"/>
+                      </a:endParaRPr>
+                    </a:p>
+                  </a:txBody>
+                  <a:tcPr marL="9525" marR="9525" marT="9525" marB="0" anchor="b"/>
+                </a:tc>
+                <a:tc>
+                  <a:txBody>
+                    <a:bodyPr/>
+                    <a:lstStyle/>
+                    <a:p>
+                      <a:pPr algn="l" fontAlgn="b"/>
+                      <a:r>
+                        <a:rPr lang="en-US" sz="1100" u="none" strike="noStrike">
+                          <a:effectLst/>
+                        </a:rPr>
+                        <a:t>Mouser</a:t>
+                      </a:r>
+                      <a:endParaRPr lang="en-US" sz="1100" b="0" i="0" u="none" strike="noStrike">
+                        <a:solidFill>
+                          <a:srgbClr val="000000"/>
+                        </a:solidFill>
+                        <a:effectLst/>
+                        <a:latin typeface="Liberation Sans"/>
+                      </a:endParaRPr>
+                    </a:p>
+                  </a:txBody>
+                  <a:tcPr marL="9525" marR="9525" marT="9525" marB="0" anchor="b"/>
+                </a:tc>
+                <a:tc>
+                  <a:txBody>
+                    <a:bodyPr/>
+                    <a:lstStyle/>
+                    <a:p>
+                      <a:pPr algn="r" fontAlgn="b"/>
+                      <a:r>
+                        <a:rPr lang="en-US" sz="1100" u="none" strike="noStrike">
+                          <a:effectLst/>
+                        </a:rPr>
+                        <a:t>$28.75 </a:t>
+                      </a:r>
+                      <a:endParaRPr lang="en-US" sz="1100" b="0" i="0" u="none" strike="noStrike">
+                        <a:solidFill>
+                          <a:srgbClr val="000000"/>
+                        </a:solidFill>
+                        <a:effectLst/>
+                        <a:latin typeface="Liberation Sans"/>
+                      </a:endParaRPr>
+                    </a:p>
+                  </a:txBody>
+                  <a:tcPr marL="9525" marR="9525" marT="9525" marB="0" anchor="b"/>
+                </a:tc>
+                <a:tc>
+                  <a:txBody>
+                    <a:bodyPr/>
+                    <a:lstStyle/>
+                    <a:p>
+                      <a:pPr algn="l" fontAlgn="b"/>
+                      <a:endParaRPr lang="en-US" sz="1100" b="0" i="0" u="none" strike="noStrike">
+                        <a:solidFill>
+                          <a:srgbClr val="000000"/>
+                        </a:solidFill>
+                        <a:effectLst/>
+                        <a:latin typeface="Liberation Sans"/>
+                      </a:endParaRPr>
+                    </a:p>
+                  </a:txBody>
+                  <a:tcPr marL="9525" marR="9525" marT="9525" marB="0" anchor="b"/>
+                </a:tc>
+                <a:tc>
+                  <a:txBody>
+                    <a:bodyPr/>
+                    <a:lstStyle/>
+                    <a:p>
+                      <a:pPr algn="r" fontAlgn="b"/>
+                      <a:r>
+                        <a:rPr lang="en-US" sz="1100" u="none" strike="noStrike">
+                          <a:effectLst/>
+                        </a:rPr>
+                        <a:t>1</a:t>
+                      </a:r>
+                      <a:endParaRPr lang="en-US" sz="1100" b="0" i="0" u="none" strike="noStrike">
+                        <a:solidFill>
+                          <a:srgbClr val="000000"/>
+                        </a:solidFill>
+                        <a:effectLst/>
+                        <a:latin typeface="Liberation Sans"/>
+                      </a:endParaRPr>
+                    </a:p>
+                  </a:txBody>
+                  <a:tcPr marL="9525" marR="9525" marT="9525" marB="0" anchor="b"/>
+                </a:tc>
+                <a:tc>
+                  <a:txBody>
+                    <a:bodyPr/>
+                    <a:lstStyle/>
+                    <a:p>
+                      <a:pPr algn="r" fontAlgn="b"/>
+                      <a:r>
+                        <a:rPr lang="en-US" sz="1100" u="none" strike="noStrike">
+                          <a:effectLst/>
+                        </a:rPr>
+                        <a:t>28.75</a:t>
+                      </a:r>
+                      <a:endParaRPr lang="en-US" sz="1100" b="0" i="0" u="none" strike="noStrike">
+                        <a:solidFill>
+                          <a:srgbClr val="000000"/>
+                        </a:solidFill>
+                        <a:effectLst/>
+                        <a:latin typeface="Liberation Sans"/>
+                      </a:endParaRPr>
+                    </a:p>
+                  </a:txBody>
+                  <a:tcPr marL="9525" marR="9525" marT="9525" marB="0" anchor="b"/>
+                </a:tc>
+              </a:tr>
+              <a:tr h="266000">
+                <a:tc>
+                  <a:txBody>
+                    <a:bodyPr/>
+                    <a:lstStyle/>
+                    <a:p>
+                      <a:pPr algn="l" fontAlgn="b"/>
+                      <a:r>
+                        <a:rPr lang="en-US" sz="1100" u="none" strike="noStrike">
+                          <a:effectLst/>
+                        </a:rPr>
+                        <a:t>GPS</a:t>
+                      </a:r>
+                      <a:endParaRPr lang="en-US" sz="1100" b="0" i="0" u="none" strike="noStrike">
+                        <a:solidFill>
+                          <a:srgbClr val="000000"/>
+                        </a:solidFill>
+                        <a:effectLst/>
+                        <a:latin typeface="Liberation Sans"/>
+                      </a:endParaRPr>
+                    </a:p>
+                  </a:txBody>
+                  <a:tcPr marL="9525" marR="9525" marT="9525" marB="0" anchor="b"/>
+                </a:tc>
+                <a:tc>
+                  <a:txBody>
+                    <a:bodyPr/>
+                    <a:lstStyle/>
+                    <a:p>
+                      <a:pPr algn="l" fontAlgn="b"/>
+                      <a:endParaRPr lang="en-US" sz="1100" b="0" i="0" u="none" strike="noStrike">
+                        <a:solidFill>
+                          <a:srgbClr val="000000"/>
+                        </a:solidFill>
+                        <a:effectLst/>
+                        <a:latin typeface="Liberation Sans"/>
+                      </a:endParaRPr>
+                    </a:p>
+                  </a:txBody>
+                  <a:tcPr marL="9525" marR="9525" marT="9525" marB="0" anchor="b"/>
+                </a:tc>
+                <a:tc>
+                  <a:txBody>
+                    <a:bodyPr/>
+                    <a:lstStyle/>
+                    <a:p>
+                      <a:pPr algn="l" fontAlgn="b"/>
+                      <a:r>
+                        <a:rPr lang="en-US" sz="1100" u="none" strike="noStrike">
+                          <a:effectLst/>
+                        </a:rPr>
+                        <a:t>SparkFun</a:t>
+                      </a:r>
+                      <a:endParaRPr lang="en-US" sz="1100" b="0" i="0" u="none" strike="noStrike">
+                        <a:solidFill>
+                          <a:srgbClr val="000000"/>
+                        </a:solidFill>
+                        <a:effectLst/>
+                        <a:latin typeface="Liberation Sans"/>
+                      </a:endParaRPr>
+                    </a:p>
+                  </a:txBody>
+                  <a:tcPr marL="9525" marR="9525" marT="9525" marB="0" anchor="b"/>
+                </a:tc>
+                <a:tc>
+                  <a:txBody>
+                    <a:bodyPr/>
+                    <a:lstStyle/>
+                    <a:p>
+                      <a:pPr algn="r" fontAlgn="b"/>
+                      <a:r>
+                        <a:rPr lang="en-US" sz="1100" u="none" strike="noStrike">
+                          <a:effectLst/>
+                        </a:rPr>
+                        <a:t>49.99</a:t>
+                      </a:r>
+                      <a:endParaRPr lang="en-US" sz="1100" b="0" i="0" u="none" strike="noStrike">
+                        <a:solidFill>
+                          <a:srgbClr val="000000"/>
+                        </a:solidFill>
+                        <a:effectLst/>
+                        <a:latin typeface="Liberation Sans"/>
+                      </a:endParaRPr>
+                    </a:p>
+                  </a:txBody>
+                  <a:tcPr marL="9525" marR="9525" marT="9525" marB="0" anchor="b"/>
+                </a:tc>
+                <a:tc>
+                  <a:txBody>
+                    <a:bodyPr/>
+                    <a:lstStyle/>
+                    <a:p>
+                      <a:pPr algn="l" fontAlgn="b"/>
+                      <a:endParaRPr lang="en-US" sz="1100" b="0" i="0" u="none" strike="noStrike">
+                        <a:solidFill>
+                          <a:srgbClr val="000000"/>
+                        </a:solidFill>
+                        <a:effectLst/>
+                        <a:latin typeface="Liberation Sans"/>
+                      </a:endParaRPr>
+                    </a:p>
+                  </a:txBody>
+                  <a:tcPr marL="9525" marR="9525" marT="9525" marB="0" anchor="b"/>
+                </a:tc>
+                <a:tc>
+                  <a:txBody>
+                    <a:bodyPr/>
+                    <a:lstStyle/>
+                    <a:p>
+                      <a:pPr algn="r" fontAlgn="b"/>
+                      <a:r>
+                        <a:rPr lang="en-US" sz="1100" u="none" strike="noStrike">
+                          <a:effectLst/>
+                        </a:rPr>
+                        <a:t>1</a:t>
+                      </a:r>
+                      <a:endParaRPr lang="en-US" sz="1100" b="0" i="0" u="none" strike="noStrike">
+                        <a:solidFill>
+                          <a:srgbClr val="000000"/>
+                        </a:solidFill>
+                        <a:effectLst/>
+                        <a:latin typeface="Liberation Sans"/>
+                      </a:endParaRPr>
+                    </a:p>
+                  </a:txBody>
+                  <a:tcPr marL="9525" marR="9525" marT="9525" marB="0" anchor="b"/>
+                </a:tc>
+                <a:tc>
+                  <a:txBody>
+                    <a:bodyPr/>
+                    <a:lstStyle/>
+                    <a:p>
+                      <a:pPr algn="r" fontAlgn="b"/>
+                      <a:r>
+                        <a:rPr lang="en-US" sz="1100" u="none" strike="noStrike">
+                          <a:effectLst/>
+                        </a:rPr>
+                        <a:t>49.99</a:t>
+                      </a:r>
+                      <a:endParaRPr lang="en-US" sz="1100" b="0" i="0" u="none" strike="noStrike">
+                        <a:solidFill>
+                          <a:srgbClr val="000000"/>
+                        </a:solidFill>
+                        <a:effectLst/>
+                        <a:latin typeface="Liberation Sans"/>
+                      </a:endParaRPr>
+                    </a:p>
+                  </a:txBody>
+                  <a:tcPr marL="9525" marR="9525" marT="9525" marB="0" anchor="b"/>
+                </a:tc>
+              </a:tr>
+              <a:tr h="266000">
+                <a:tc>
+                  <a:txBody>
+                    <a:bodyPr/>
+                    <a:lstStyle/>
+                    <a:p>
+                      <a:pPr algn="l" fontAlgn="b"/>
+                      <a:r>
+                        <a:rPr lang="en-US" sz="1100" u="none" strike="noStrike">
+                          <a:effectLst/>
+                        </a:rPr>
+                        <a:t>Passives</a:t>
+                      </a:r>
+                      <a:endParaRPr lang="en-US" sz="1100" b="0" i="0" u="none" strike="noStrike">
+                        <a:solidFill>
+                          <a:srgbClr val="000000"/>
+                        </a:solidFill>
+                        <a:effectLst/>
+                        <a:latin typeface="Liberation Sans"/>
+                      </a:endParaRPr>
+                    </a:p>
+                  </a:txBody>
+                  <a:tcPr marL="9525" marR="9525" marT="9525" marB="0" anchor="b"/>
+                </a:tc>
+                <a:tc>
+                  <a:txBody>
+                    <a:bodyPr/>
+                    <a:lstStyle/>
+                    <a:p>
+                      <a:pPr algn="l" fontAlgn="b"/>
+                      <a:endParaRPr lang="en-US" sz="1100" b="0" i="0" u="none" strike="noStrike">
+                        <a:solidFill>
+                          <a:srgbClr val="000000"/>
+                        </a:solidFill>
+                        <a:effectLst/>
+                        <a:latin typeface="Liberation Sans"/>
+                      </a:endParaRPr>
+                    </a:p>
+                  </a:txBody>
+                  <a:tcPr marL="9525" marR="9525" marT="9525" marB="0" anchor="b"/>
+                </a:tc>
+                <a:tc>
+                  <a:txBody>
+                    <a:bodyPr/>
+                    <a:lstStyle/>
+                    <a:p>
+                      <a:pPr algn="l" fontAlgn="b"/>
+                      <a:r>
+                        <a:rPr lang="en-US" sz="1100" u="none" strike="noStrike">
+                          <a:effectLst/>
+                        </a:rPr>
+                        <a:t>Various</a:t>
+                      </a:r>
+                      <a:endParaRPr lang="en-US" sz="1100" b="0" i="0" u="none" strike="noStrike">
+                        <a:solidFill>
+                          <a:srgbClr val="000000"/>
+                        </a:solidFill>
+                        <a:effectLst/>
+                        <a:latin typeface="Liberation Sans"/>
+                      </a:endParaRPr>
+                    </a:p>
+                  </a:txBody>
+                  <a:tcPr marL="9525" marR="9525" marT="9525" marB="0" anchor="b"/>
+                </a:tc>
+                <a:tc>
+                  <a:txBody>
+                    <a:bodyPr/>
+                    <a:lstStyle/>
+                    <a:p>
+                      <a:pPr algn="r" fontAlgn="b"/>
+                      <a:r>
+                        <a:rPr lang="en-US" sz="1100" u="none" strike="noStrike">
+                          <a:effectLst/>
+                        </a:rPr>
+                        <a:t>10</a:t>
+                      </a:r>
+                      <a:endParaRPr lang="en-US" sz="1100" b="0" i="0" u="none" strike="noStrike">
+                        <a:solidFill>
+                          <a:srgbClr val="000000"/>
+                        </a:solidFill>
+                        <a:effectLst/>
+                        <a:latin typeface="Liberation Sans"/>
+                      </a:endParaRPr>
+                    </a:p>
+                  </a:txBody>
+                  <a:tcPr marL="9525" marR="9525" marT="9525" marB="0" anchor="b"/>
+                </a:tc>
+                <a:tc>
+                  <a:txBody>
+                    <a:bodyPr/>
+                    <a:lstStyle/>
+                    <a:p>
+                      <a:pPr algn="l" fontAlgn="b"/>
+                      <a:endParaRPr lang="en-US" sz="1100" b="0" i="0" u="none" strike="noStrike">
+                        <a:solidFill>
+                          <a:srgbClr val="000000"/>
+                        </a:solidFill>
+                        <a:effectLst/>
+                        <a:latin typeface="Liberation Sans"/>
+                      </a:endParaRPr>
+                    </a:p>
+                  </a:txBody>
+                  <a:tcPr marL="9525" marR="9525" marT="9525" marB="0" anchor="b"/>
+                </a:tc>
+                <a:tc>
+                  <a:txBody>
+                    <a:bodyPr/>
+                    <a:lstStyle/>
+                    <a:p>
+                      <a:pPr algn="r" fontAlgn="b"/>
+                      <a:r>
+                        <a:rPr lang="en-US" sz="1100" u="none" strike="noStrike">
+                          <a:effectLst/>
+                        </a:rPr>
+                        <a:t>2</a:t>
+                      </a:r>
+                      <a:endParaRPr lang="en-US" sz="1100" b="0" i="0" u="none" strike="noStrike">
+                        <a:solidFill>
+                          <a:srgbClr val="000000"/>
+                        </a:solidFill>
+                        <a:effectLst/>
+                        <a:latin typeface="Liberation Sans"/>
+                      </a:endParaRPr>
+                    </a:p>
+                  </a:txBody>
+                  <a:tcPr marL="9525" marR="9525" marT="9525" marB="0" anchor="b"/>
+                </a:tc>
+                <a:tc>
+                  <a:txBody>
+                    <a:bodyPr/>
+                    <a:lstStyle/>
+                    <a:p>
+                      <a:pPr algn="r" fontAlgn="b"/>
+                      <a:r>
+                        <a:rPr lang="en-US" sz="1100" u="none" strike="noStrike">
+                          <a:effectLst/>
+                        </a:rPr>
+                        <a:t>20</a:t>
+                      </a:r>
+                      <a:endParaRPr lang="en-US" sz="1100" b="0" i="0" u="none" strike="noStrike">
+                        <a:solidFill>
+                          <a:srgbClr val="000000"/>
+                        </a:solidFill>
+                        <a:effectLst/>
+                        <a:latin typeface="Liberation Sans"/>
+                      </a:endParaRPr>
+                    </a:p>
+                  </a:txBody>
+                  <a:tcPr marL="9525" marR="9525" marT="9525" marB="0" anchor="b"/>
+                </a:tc>
+              </a:tr>
+              <a:tr h="266000">
+                <a:tc>
+                  <a:txBody>
+                    <a:bodyPr/>
+                    <a:lstStyle/>
+                    <a:p>
+                      <a:pPr algn="l" fontAlgn="b"/>
+                      <a:r>
+                        <a:rPr lang="en-US" sz="1100" u="none" strike="noStrike">
+                          <a:effectLst/>
+                        </a:rPr>
+                        <a:t>PCB</a:t>
+                      </a:r>
+                      <a:endParaRPr lang="en-US" sz="1100" b="0" i="0" u="none" strike="noStrike">
+                        <a:solidFill>
+                          <a:srgbClr val="000000"/>
+                        </a:solidFill>
+                        <a:effectLst/>
+                        <a:latin typeface="Liberation Sans"/>
+                      </a:endParaRPr>
+                    </a:p>
+                  </a:txBody>
+                  <a:tcPr marL="9525" marR="9525" marT="9525" marB="0" anchor="b"/>
+                </a:tc>
+                <a:tc>
+                  <a:txBody>
+                    <a:bodyPr/>
+                    <a:lstStyle/>
+                    <a:p>
+                      <a:pPr algn="l" fontAlgn="b"/>
+                      <a:endParaRPr lang="en-US" sz="1100" b="0" i="0" u="none" strike="noStrike">
+                        <a:solidFill>
+                          <a:srgbClr val="000000"/>
+                        </a:solidFill>
+                        <a:effectLst/>
+                        <a:latin typeface="Liberation Sans"/>
+                      </a:endParaRPr>
+                    </a:p>
+                  </a:txBody>
+                  <a:tcPr marL="9525" marR="9525" marT="9525" marB="0" anchor="b"/>
+                </a:tc>
+                <a:tc>
+                  <a:txBody>
+                    <a:bodyPr/>
+                    <a:lstStyle/>
+                    <a:p>
+                      <a:pPr algn="l" fontAlgn="b"/>
+                      <a:r>
+                        <a:rPr lang="en-US" sz="1100" u="none" strike="noStrike">
+                          <a:effectLst/>
+                        </a:rPr>
+                        <a:t>Oshpark</a:t>
+                      </a:r>
+                      <a:endParaRPr lang="en-US" sz="1100" b="0" i="0" u="none" strike="noStrike">
+                        <a:solidFill>
+                          <a:srgbClr val="000000"/>
+                        </a:solidFill>
+                        <a:effectLst/>
+                        <a:latin typeface="Liberation Sans"/>
+                      </a:endParaRPr>
+                    </a:p>
+                  </a:txBody>
+                  <a:tcPr marL="9525" marR="9525" marT="9525" marB="0" anchor="b"/>
+                </a:tc>
+                <a:tc>
+                  <a:txBody>
+                    <a:bodyPr/>
+                    <a:lstStyle/>
+                    <a:p>
+                      <a:pPr algn="r" fontAlgn="b"/>
+                      <a:r>
+                        <a:rPr lang="en-US" sz="1100" u="none" strike="noStrike">
+                          <a:effectLst/>
+                        </a:rPr>
+                        <a:t>40</a:t>
+                      </a:r>
+                      <a:endParaRPr lang="en-US" sz="1100" b="0" i="0" u="none" strike="noStrike">
+                        <a:solidFill>
+                          <a:srgbClr val="000000"/>
+                        </a:solidFill>
+                        <a:effectLst/>
+                        <a:latin typeface="Liberation Sans"/>
+                      </a:endParaRPr>
+                    </a:p>
+                  </a:txBody>
+                  <a:tcPr marL="9525" marR="9525" marT="9525" marB="0" anchor="b"/>
+                </a:tc>
+                <a:tc>
+                  <a:txBody>
+                    <a:bodyPr/>
+                    <a:lstStyle/>
+                    <a:p>
+                      <a:pPr algn="l" fontAlgn="b"/>
+                      <a:endParaRPr lang="en-US" sz="1100" b="0" i="0" u="none" strike="noStrike">
+                        <a:solidFill>
+                          <a:srgbClr val="000000"/>
+                        </a:solidFill>
+                        <a:effectLst/>
+                        <a:latin typeface="Liberation Sans"/>
+                      </a:endParaRPr>
+                    </a:p>
+                  </a:txBody>
+                  <a:tcPr marL="9525" marR="9525" marT="9525" marB="0" anchor="b"/>
+                </a:tc>
+                <a:tc>
+                  <a:txBody>
+                    <a:bodyPr/>
+                    <a:lstStyle/>
+                    <a:p>
+                      <a:pPr algn="r" fontAlgn="b"/>
+                      <a:r>
+                        <a:rPr lang="en-US" sz="1100" u="none" strike="noStrike">
+                          <a:effectLst/>
+                        </a:rPr>
+                        <a:t>2</a:t>
+                      </a:r>
+                      <a:endParaRPr lang="en-US" sz="1100" b="0" i="0" u="none" strike="noStrike">
+                        <a:solidFill>
+                          <a:srgbClr val="000000"/>
+                        </a:solidFill>
+                        <a:effectLst/>
+                        <a:latin typeface="Liberation Sans"/>
+                      </a:endParaRPr>
+                    </a:p>
+                  </a:txBody>
+                  <a:tcPr marL="9525" marR="9525" marT="9525" marB="0" anchor="b"/>
+                </a:tc>
+                <a:tc>
+                  <a:txBody>
+                    <a:bodyPr/>
+                    <a:lstStyle/>
+                    <a:p>
+                      <a:pPr algn="r" fontAlgn="b"/>
+                      <a:r>
+                        <a:rPr lang="en-US" sz="1100" u="none" strike="noStrike">
+                          <a:effectLst/>
+                        </a:rPr>
+                        <a:t>80</a:t>
+                      </a:r>
+                      <a:endParaRPr lang="en-US" sz="1100" b="0" i="0" u="none" strike="noStrike">
+                        <a:solidFill>
+                          <a:srgbClr val="000000"/>
+                        </a:solidFill>
+                        <a:effectLst/>
+                        <a:latin typeface="Liberation Sans"/>
+                      </a:endParaRPr>
+                    </a:p>
+                  </a:txBody>
+                  <a:tcPr marL="9525" marR="9525" marT="9525" marB="0" anchor="b"/>
+                </a:tc>
+              </a:tr>
+              <a:tr h="266000">
+                <a:tc>
+                  <a:txBody>
+                    <a:bodyPr/>
+                    <a:lstStyle/>
+                    <a:p>
+                      <a:pPr algn="l" fontAlgn="b"/>
+                      <a:r>
+                        <a:rPr lang="en-US" sz="1100" u="none" strike="noStrike">
+                          <a:effectLst/>
+                        </a:rPr>
+                        <a:t>Microcontroller</a:t>
+                      </a:r>
+                      <a:endParaRPr lang="en-US" sz="1100" b="0" i="0" u="none" strike="noStrike">
+                        <a:solidFill>
+                          <a:srgbClr val="000000"/>
+                        </a:solidFill>
+                        <a:effectLst/>
+                        <a:latin typeface="Liberation Sans"/>
+                      </a:endParaRPr>
+                    </a:p>
+                  </a:txBody>
+                  <a:tcPr marL="9525" marR="9525" marT="9525" marB="0" anchor="b"/>
+                </a:tc>
+                <a:tc>
+                  <a:txBody>
+                    <a:bodyPr/>
+                    <a:lstStyle/>
+                    <a:p>
+                      <a:pPr algn="l" fontAlgn="b"/>
+                      <a:endParaRPr lang="en-US" sz="1100" b="0" i="0" u="none" strike="noStrike">
+                        <a:solidFill>
+                          <a:srgbClr val="000000"/>
+                        </a:solidFill>
+                        <a:effectLst/>
+                        <a:latin typeface="Liberation Sans"/>
+                      </a:endParaRPr>
+                    </a:p>
+                  </a:txBody>
+                  <a:tcPr marL="9525" marR="9525" marT="9525" marB="0" anchor="b"/>
+                </a:tc>
+                <a:tc>
+                  <a:txBody>
+                    <a:bodyPr/>
+                    <a:lstStyle/>
+                    <a:p>
+                      <a:pPr algn="l" fontAlgn="b"/>
+                      <a:r>
+                        <a:rPr lang="en-US" sz="1100" u="none" strike="noStrike">
+                          <a:effectLst/>
+                        </a:rPr>
+                        <a:t>DigiKey</a:t>
+                      </a:r>
+                      <a:endParaRPr lang="en-US" sz="1100" b="0" i="0" u="none" strike="noStrike">
+                        <a:solidFill>
+                          <a:srgbClr val="000000"/>
+                        </a:solidFill>
+                        <a:effectLst/>
+                        <a:latin typeface="Liberation Sans"/>
+                      </a:endParaRPr>
+                    </a:p>
+                  </a:txBody>
+                  <a:tcPr marL="9525" marR="9525" marT="9525" marB="0" anchor="b"/>
+                </a:tc>
+                <a:tc>
+                  <a:txBody>
+                    <a:bodyPr/>
+                    <a:lstStyle/>
+                    <a:p>
+                      <a:pPr algn="r" fontAlgn="b"/>
+                      <a:r>
+                        <a:rPr lang="en-US" sz="1100" u="none" strike="noStrike">
+                          <a:effectLst/>
+                        </a:rPr>
+                        <a:t>11.45</a:t>
+                      </a:r>
+                      <a:endParaRPr lang="en-US" sz="1100" b="0" i="0" u="none" strike="noStrike">
+                        <a:solidFill>
+                          <a:srgbClr val="000000"/>
+                        </a:solidFill>
+                        <a:effectLst/>
+                        <a:latin typeface="Liberation Sans"/>
+                      </a:endParaRPr>
+                    </a:p>
+                  </a:txBody>
+                  <a:tcPr marL="9525" marR="9525" marT="9525" marB="0" anchor="b"/>
+                </a:tc>
+                <a:tc>
+                  <a:txBody>
+                    <a:bodyPr/>
+                    <a:lstStyle/>
+                    <a:p>
+                      <a:pPr algn="l" fontAlgn="b"/>
+                      <a:endParaRPr lang="en-US" sz="1100" b="0" i="0" u="none" strike="noStrike">
+                        <a:solidFill>
+                          <a:srgbClr val="000000"/>
+                        </a:solidFill>
+                        <a:effectLst/>
+                        <a:latin typeface="Liberation Sans"/>
+                      </a:endParaRPr>
+                    </a:p>
+                  </a:txBody>
+                  <a:tcPr marL="9525" marR="9525" marT="9525" marB="0" anchor="b"/>
+                </a:tc>
+                <a:tc>
+                  <a:txBody>
+                    <a:bodyPr/>
+                    <a:lstStyle/>
+                    <a:p>
+                      <a:pPr algn="r" fontAlgn="b"/>
+                      <a:r>
+                        <a:rPr lang="en-US" sz="1100" u="none" strike="noStrike">
+                          <a:effectLst/>
+                        </a:rPr>
+                        <a:t>2</a:t>
+                      </a:r>
+                      <a:endParaRPr lang="en-US" sz="1100" b="0" i="0" u="none" strike="noStrike">
+                        <a:solidFill>
+                          <a:srgbClr val="000000"/>
+                        </a:solidFill>
+                        <a:effectLst/>
+                        <a:latin typeface="Liberation Sans"/>
+                      </a:endParaRPr>
+                    </a:p>
+                  </a:txBody>
+                  <a:tcPr marL="9525" marR="9525" marT="9525" marB="0" anchor="b"/>
+                </a:tc>
+                <a:tc>
+                  <a:txBody>
+                    <a:bodyPr/>
+                    <a:lstStyle/>
+                    <a:p>
+                      <a:pPr algn="r" fontAlgn="b"/>
+                      <a:r>
+                        <a:rPr lang="en-US" sz="1100" u="none" strike="noStrike">
+                          <a:effectLst/>
+                        </a:rPr>
+                        <a:t>22.9</a:t>
+                      </a:r>
+                      <a:endParaRPr lang="en-US" sz="1100" b="0" i="0" u="none" strike="noStrike">
+                        <a:solidFill>
+                          <a:srgbClr val="000000"/>
+                        </a:solidFill>
+                        <a:effectLst/>
+                        <a:latin typeface="Liberation Sans"/>
+                      </a:endParaRPr>
+                    </a:p>
+                  </a:txBody>
+                  <a:tcPr marL="9525" marR="9525" marT="9525" marB="0" anchor="b"/>
+                </a:tc>
+              </a:tr>
+              <a:tr h="266000">
+                <a:tc>
+                  <a:txBody>
+                    <a:bodyPr/>
+                    <a:lstStyle/>
+                    <a:p>
+                      <a:pPr algn="l" fontAlgn="b"/>
+                      <a:r>
+                        <a:rPr lang="en-US" sz="1100" u="none" strike="noStrike">
+                          <a:effectLst/>
+                        </a:rPr>
+                        <a:t>Charger</a:t>
+                      </a:r>
+                      <a:endParaRPr lang="en-US" sz="1100" b="0" i="0" u="none" strike="noStrike">
+                        <a:solidFill>
+                          <a:srgbClr val="000000"/>
+                        </a:solidFill>
+                        <a:effectLst/>
+                        <a:latin typeface="Liberation Sans"/>
+                      </a:endParaRPr>
+                    </a:p>
+                  </a:txBody>
+                  <a:tcPr marL="9525" marR="9525" marT="9525" marB="0" anchor="b"/>
+                </a:tc>
+                <a:tc>
+                  <a:txBody>
+                    <a:bodyPr/>
+                    <a:lstStyle/>
+                    <a:p>
+                      <a:pPr algn="l" fontAlgn="b"/>
+                      <a:endParaRPr lang="en-US" sz="1100" b="0" i="0" u="none" strike="noStrike">
+                        <a:solidFill>
+                          <a:srgbClr val="000000"/>
+                        </a:solidFill>
+                        <a:effectLst/>
+                        <a:latin typeface="Liberation Sans"/>
+                      </a:endParaRPr>
+                    </a:p>
+                  </a:txBody>
+                  <a:tcPr marL="9525" marR="9525" marT="9525" marB="0" anchor="b"/>
+                </a:tc>
+                <a:tc>
+                  <a:txBody>
+                    <a:bodyPr/>
+                    <a:lstStyle/>
+                    <a:p>
+                      <a:pPr algn="l" fontAlgn="b"/>
+                      <a:r>
+                        <a:rPr lang="en-US" sz="1100" u="none" strike="noStrike">
+                          <a:effectLst/>
+                        </a:rPr>
+                        <a:t>BatterySpace</a:t>
+                      </a:r>
+                      <a:endParaRPr lang="en-US" sz="1100" b="0" i="0" u="none" strike="noStrike">
+                        <a:solidFill>
+                          <a:srgbClr val="000000"/>
+                        </a:solidFill>
+                        <a:effectLst/>
+                        <a:latin typeface="Liberation Sans"/>
+                      </a:endParaRPr>
+                    </a:p>
+                  </a:txBody>
+                  <a:tcPr marL="9525" marR="9525" marT="9525" marB="0" anchor="b"/>
+                </a:tc>
+                <a:tc>
+                  <a:txBody>
+                    <a:bodyPr/>
+                    <a:lstStyle/>
+                    <a:p>
+                      <a:pPr algn="r" fontAlgn="b"/>
+                      <a:r>
+                        <a:rPr lang="en-US" sz="1100" u="none" strike="noStrike">
+                          <a:effectLst/>
+                        </a:rPr>
+                        <a:t>39.95</a:t>
+                      </a:r>
+                      <a:endParaRPr lang="en-US" sz="1100" b="0" i="0" u="none" strike="noStrike">
+                        <a:solidFill>
+                          <a:srgbClr val="000000"/>
+                        </a:solidFill>
+                        <a:effectLst/>
+                        <a:latin typeface="Liberation Sans"/>
+                      </a:endParaRPr>
+                    </a:p>
+                  </a:txBody>
+                  <a:tcPr marL="9525" marR="9525" marT="9525" marB="0" anchor="b"/>
+                </a:tc>
+                <a:tc>
+                  <a:txBody>
+                    <a:bodyPr/>
+                    <a:lstStyle/>
+                    <a:p>
+                      <a:pPr algn="l" fontAlgn="b"/>
+                      <a:endParaRPr lang="en-US" sz="1100" b="0" i="0" u="none" strike="noStrike">
+                        <a:solidFill>
+                          <a:srgbClr val="000000"/>
+                        </a:solidFill>
+                        <a:effectLst/>
+                        <a:latin typeface="Liberation Sans"/>
+                      </a:endParaRPr>
+                    </a:p>
+                  </a:txBody>
+                  <a:tcPr marL="9525" marR="9525" marT="9525" marB="0" anchor="b"/>
+                </a:tc>
+                <a:tc>
+                  <a:txBody>
+                    <a:bodyPr/>
+                    <a:lstStyle/>
+                    <a:p>
+                      <a:pPr algn="r" fontAlgn="b"/>
+                      <a:r>
+                        <a:rPr lang="en-US" sz="1100" u="none" strike="noStrike">
+                          <a:effectLst/>
+                        </a:rPr>
+                        <a:t>2</a:t>
+                      </a:r>
+                      <a:endParaRPr lang="en-US" sz="1100" b="0" i="0" u="none" strike="noStrike">
+                        <a:solidFill>
+                          <a:srgbClr val="000000"/>
+                        </a:solidFill>
+                        <a:effectLst/>
+                        <a:latin typeface="Liberation Sans"/>
+                      </a:endParaRPr>
+                    </a:p>
+                  </a:txBody>
+                  <a:tcPr marL="9525" marR="9525" marT="9525" marB="0" anchor="b"/>
+                </a:tc>
+                <a:tc>
+                  <a:txBody>
+                    <a:bodyPr/>
+                    <a:lstStyle/>
+                    <a:p>
+                      <a:pPr algn="r" fontAlgn="b"/>
+                      <a:r>
+                        <a:rPr lang="en-US" sz="1100" u="none" strike="noStrike">
+                          <a:effectLst/>
+                        </a:rPr>
+                        <a:t>79.9</a:t>
+                      </a:r>
+                      <a:endParaRPr lang="en-US" sz="1100" b="0" i="0" u="none" strike="noStrike">
+                        <a:solidFill>
+                          <a:srgbClr val="000000"/>
+                        </a:solidFill>
+                        <a:effectLst/>
+                        <a:latin typeface="Liberation Sans"/>
+                      </a:endParaRPr>
+                    </a:p>
+                  </a:txBody>
+                  <a:tcPr marL="9525" marR="9525" marT="9525" marB="0" anchor="b"/>
+                </a:tc>
+              </a:tr>
+              <a:tr h="266000">
+                <a:tc>
+                  <a:txBody>
+                    <a:bodyPr/>
+                    <a:lstStyle/>
+                    <a:p>
+                      <a:pPr algn="l" fontAlgn="b"/>
+                      <a:r>
+                        <a:rPr lang="en-US" sz="1100" u="none" strike="noStrike">
+                          <a:effectLst/>
+                        </a:rPr>
+                        <a:t>Regulator</a:t>
+                      </a:r>
+                      <a:endParaRPr lang="en-US" sz="1100" b="0" i="0" u="none" strike="noStrike">
+                        <a:solidFill>
+                          <a:srgbClr val="000000"/>
+                        </a:solidFill>
+                        <a:effectLst/>
+                        <a:latin typeface="Liberation Sans"/>
+                      </a:endParaRPr>
+                    </a:p>
+                  </a:txBody>
+                  <a:tcPr marL="9525" marR="9525" marT="9525" marB="0" anchor="b"/>
+                </a:tc>
+                <a:tc>
+                  <a:txBody>
+                    <a:bodyPr/>
+                    <a:lstStyle/>
+                    <a:p>
+                      <a:pPr algn="l" fontAlgn="b"/>
+                      <a:endParaRPr lang="en-US" sz="1100" b="0" i="0" u="none" strike="noStrike">
+                        <a:solidFill>
+                          <a:srgbClr val="000000"/>
+                        </a:solidFill>
+                        <a:effectLst/>
+                        <a:latin typeface="Liberation Sans"/>
+                      </a:endParaRPr>
+                    </a:p>
+                  </a:txBody>
+                  <a:tcPr marL="9525" marR="9525" marT="9525" marB="0" anchor="b"/>
+                </a:tc>
+                <a:tc>
+                  <a:txBody>
+                    <a:bodyPr/>
+                    <a:lstStyle/>
+                    <a:p>
+                      <a:pPr algn="l" fontAlgn="b"/>
+                      <a:r>
+                        <a:rPr lang="en-US" sz="1100" u="none" strike="noStrike">
+                          <a:effectLst/>
+                        </a:rPr>
+                        <a:t>Mouser</a:t>
+                      </a:r>
+                      <a:endParaRPr lang="en-US" sz="1100" b="0" i="0" u="none" strike="noStrike">
+                        <a:solidFill>
+                          <a:srgbClr val="000000"/>
+                        </a:solidFill>
+                        <a:effectLst/>
+                        <a:latin typeface="Liberation Sans"/>
+                      </a:endParaRPr>
+                    </a:p>
+                  </a:txBody>
+                  <a:tcPr marL="9525" marR="9525" marT="9525" marB="0" anchor="b"/>
+                </a:tc>
+                <a:tc>
+                  <a:txBody>
+                    <a:bodyPr/>
+                    <a:lstStyle/>
+                    <a:p>
+                      <a:pPr algn="r" fontAlgn="b"/>
+                      <a:r>
+                        <a:rPr lang="en-US" sz="1100" u="none" strike="noStrike">
+                          <a:effectLst/>
+                        </a:rPr>
+                        <a:t>13.23</a:t>
+                      </a:r>
+                      <a:endParaRPr lang="en-US" sz="1100" b="0" i="0" u="none" strike="noStrike">
+                        <a:solidFill>
+                          <a:srgbClr val="000000"/>
+                        </a:solidFill>
+                        <a:effectLst/>
+                        <a:latin typeface="Liberation Sans"/>
+                      </a:endParaRPr>
+                    </a:p>
+                  </a:txBody>
+                  <a:tcPr marL="9525" marR="9525" marT="9525" marB="0" anchor="b"/>
+                </a:tc>
+                <a:tc>
+                  <a:txBody>
+                    <a:bodyPr/>
+                    <a:lstStyle/>
+                    <a:p>
+                      <a:pPr algn="l" fontAlgn="b"/>
+                      <a:endParaRPr lang="en-US" sz="1100" b="0" i="0" u="none" strike="noStrike">
+                        <a:solidFill>
+                          <a:srgbClr val="000000"/>
+                        </a:solidFill>
+                        <a:effectLst/>
+                        <a:latin typeface="Liberation Sans"/>
+                      </a:endParaRPr>
+                    </a:p>
+                  </a:txBody>
+                  <a:tcPr marL="9525" marR="9525" marT="9525" marB="0" anchor="b"/>
+                </a:tc>
+                <a:tc>
+                  <a:txBody>
+                    <a:bodyPr/>
+                    <a:lstStyle/>
+                    <a:p>
+                      <a:pPr algn="r" fontAlgn="b"/>
+                      <a:r>
+                        <a:rPr lang="en-US" sz="1100" u="none" strike="noStrike">
+                          <a:effectLst/>
+                        </a:rPr>
+                        <a:t>2</a:t>
+                      </a:r>
+                      <a:endParaRPr lang="en-US" sz="1100" b="0" i="0" u="none" strike="noStrike">
+                        <a:solidFill>
+                          <a:srgbClr val="000000"/>
+                        </a:solidFill>
+                        <a:effectLst/>
+                        <a:latin typeface="Liberation Sans"/>
+                      </a:endParaRPr>
+                    </a:p>
+                  </a:txBody>
+                  <a:tcPr marL="9525" marR="9525" marT="9525" marB="0" anchor="b"/>
+                </a:tc>
+                <a:tc>
+                  <a:txBody>
+                    <a:bodyPr/>
+                    <a:lstStyle/>
+                    <a:p>
+                      <a:pPr algn="r" fontAlgn="b"/>
+                      <a:r>
+                        <a:rPr lang="en-US" sz="1100" u="none" strike="noStrike">
+                          <a:effectLst/>
+                        </a:rPr>
+                        <a:t>26.46</a:t>
+                      </a:r>
+                      <a:endParaRPr lang="en-US" sz="1100" b="0" i="0" u="none" strike="noStrike">
+                        <a:solidFill>
+                          <a:srgbClr val="000000"/>
+                        </a:solidFill>
+                        <a:effectLst/>
+                        <a:latin typeface="Liberation Sans"/>
+                      </a:endParaRPr>
+                    </a:p>
+                  </a:txBody>
+                  <a:tcPr marL="9525" marR="9525" marT="9525" marB="0" anchor="b"/>
+                </a:tc>
+              </a:tr>
+              <a:tr h="266000">
+                <a:tc>
+                  <a:txBody>
+                    <a:bodyPr/>
+                    <a:lstStyle/>
+                    <a:p>
+                      <a:pPr algn="l" fontAlgn="b"/>
+                      <a:r>
+                        <a:rPr lang="en-US" sz="1100" u="none" strike="noStrike">
+                          <a:effectLst/>
+                        </a:rPr>
+                        <a:t>Fuel Guage</a:t>
+                      </a:r>
+                      <a:endParaRPr lang="en-US" sz="1100" b="0" i="0" u="none" strike="noStrike">
+                        <a:solidFill>
+                          <a:srgbClr val="000000"/>
+                        </a:solidFill>
+                        <a:effectLst/>
+                        <a:latin typeface="Liberation Sans"/>
+                      </a:endParaRPr>
+                    </a:p>
+                  </a:txBody>
+                  <a:tcPr marL="9525" marR="9525" marT="9525" marB="0" anchor="b"/>
+                </a:tc>
+                <a:tc>
+                  <a:txBody>
+                    <a:bodyPr/>
+                    <a:lstStyle/>
+                    <a:p>
+                      <a:pPr algn="l" fontAlgn="b"/>
+                      <a:endParaRPr lang="en-US" sz="1100" b="0" i="0" u="none" strike="noStrike">
+                        <a:solidFill>
+                          <a:srgbClr val="000000"/>
+                        </a:solidFill>
+                        <a:effectLst/>
+                        <a:latin typeface="Liberation Sans"/>
+                      </a:endParaRPr>
+                    </a:p>
+                  </a:txBody>
+                  <a:tcPr marL="9525" marR="9525" marT="9525" marB="0" anchor="b"/>
+                </a:tc>
+                <a:tc>
+                  <a:txBody>
+                    <a:bodyPr/>
+                    <a:lstStyle/>
+                    <a:p>
+                      <a:pPr algn="l" fontAlgn="b"/>
+                      <a:r>
+                        <a:rPr lang="en-US" sz="1100" u="none" strike="noStrike">
+                          <a:effectLst/>
+                        </a:rPr>
+                        <a:t>DigiKey</a:t>
+                      </a:r>
+                      <a:endParaRPr lang="en-US" sz="1100" b="0" i="0" u="none" strike="noStrike">
+                        <a:solidFill>
+                          <a:srgbClr val="000000"/>
+                        </a:solidFill>
+                        <a:effectLst/>
+                        <a:latin typeface="Liberation Sans"/>
+                      </a:endParaRPr>
+                    </a:p>
+                  </a:txBody>
+                  <a:tcPr marL="9525" marR="9525" marT="9525" marB="0" anchor="b"/>
+                </a:tc>
+                <a:tc>
+                  <a:txBody>
+                    <a:bodyPr/>
+                    <a:lstStyle/>
+                    <a:p>
+                      <a:pPr algn="r" fontAlgn="b"/>
+                      <a:r>
+                        <a:rPr lang="en-US" sz="1100" u="none" strike="noStrike">
+                          <a:effectLst/>
+                        </a:rPr>
+                        <a:t>6.43</a:t>
+                      </a:r>
+                      <a:endParaRPr lang="en-US" sz="1100" b="0" i="0" u="none" strike="noStrike">
+                        <a:solidFill>
+                          <a:srgbClr val="000000"/>
+                        </a:solidFill>
+                        <a:effectLst/>
+                        <a:latin typeface="Liberation Sans"/>
+                      </a:endParaRPr>
+                    </a:p>
+                  </a:txBody>
+                  <a:tcPr marL="9525" marR="9525" marT="9525" marB="0" anchor="b"/>
+                </a:tc>
+                <a:tc>
+                  <a:txBody>
+                    <a:bodyPr/>
+                    <a:lstStyle/>
+                    <a:p>
+                      <a:pPr algn="l" fontAlgn="b"/>
+                      <a:endParaRPr lang="en-US" sz="1100" b="0" i="0" u="none" strike="noStrike">
+                        <a:solidFill>
+                          <a:srgbClr val="000000"/>
+                        </a:solidFill>
+                        <a:effectLst/>
+                        <a:latin typeface="Liberation Sans"/>
+                      </a:endParaRPr>
+                    </a:p>
+                  </a:txBody>
+                  <a:tcPr marL="9525" marR="9525" marT="9525" marB="0" anchor="b"/>
+                </a:tc>
+                <a:tc>
+                  <a:txBody>
+                    <a:bodyPr/>
+                    <a:lstStyle/>
+                    <a:p>
+                      <a:pPr algn="r" fontAlgn="b"/>
+                      <a:r>
+                        <a:rPr lang="en-US" sz="1100" u="none" strike="noStrike">
+                          <a:effectLst/>
+                        </a:rPr>
+                        <a:t>2</a:t>
+                      </a:r>
+                      <a:endParaRPr lang="en-US" sz="1100" b="0" i="0" u="none" strike="noStrike">
+                        <a:solidFill>
+                          <a:srgbClr val="000000"/>
+                        </a:solidFill>
+                        <a:effectLst/>
+                        <a:latin typeface="Liberation Sans"/>
+                      </a:endParaRPr>
+                    </a:p>
+                  </a:txBody>
+                  <a:tcPr marL="9525" marR="9525" marT="9525" marB="0" anchor="b"/>
+                </a:tc>
+                <a:tc>
+                  <a:txBody>
+                    <a:bodyPr/>
+                    <a:lstStyle/>
+                    <a:p>
+                      <a:pPr algn="r" fontAlgn="b"/>
+                      <a:r>
+                        <a:rPr lang="en-US" sz="1100" u="none" strike="noStrike">
+                          <a:effectLst/>
+                        </a:rPr>
+                        <a:t>12.86</a:t>
+                      </a:r>
+                      <a:endParaRPr lang="en-US" sz="1100" b="0" i="0" u="none" strike="noStrike">
+                        <a:solidFill>
+                          <a:srgbClr val="000000"/>
+                        </a:solidFill>
+                        <a:effectLst/>
+                        <a:latin typeface="Liberation Sans"/>
+                      </a:endParaRPr>
+                    </a:p>
+                  </a:txBody>
+                  <a:tcPr marL="9525" marR="9525" marT="9525" marB="0" anchor="b"/>
+                </a:tc>
+              </a:tr>
+              <a:tr h="266000">
+                <a:tc>
+                  <a:txBody>
+                    <a:bodyPr/>
+                    <a:lstStyle/>
+                    <a:p>
+                      <a:pPr algn="l" fontAlgn="b"/>
+                      <a:r>
+                        <a:rPr lang="en-US" sz="1100" u="none" strike="noStrike">
+                          <a:effectLst/>
+                        </a:rPr>
+                        <a:t>3D printed Box</a:t>
+                      </a:r>
+                      <a:endParaRPr lang="en-US" sz="1100" b="0" i="0" u="none" strike="noStrike">
+                        <a:solidFill>
+                          <a:srgbClr val="000000"/>
+                        </a:solidFill>
+                        <a:effectLst/>
+                        <a:latin typeface="Liberation Sans"/>
+                      </a:endParaRPr>
+                    </a:p>
+                  </a:txBody>
+                  <a:tcPr marL="9525" marR="9525" marT="9525" marB="0" anchor="b"/>
+                </a:tc>
+                <a:tc>
+                  <a:txBody>
+                    <a:bodyPr/>
+                    <a:lstStyle/>
+                    <a:p>
+                      <a:pPr algn="l" fontAlgn="b"/>
+                      <a:endParaRPr lang="en-US" sz="1100" b="0" i="0" u="none" strike="noStrike">
+                        <a:solidFill>
+                          <a:srgbClr val="000000"/>
+                        </a:solidFill>
+                        <a:effectLst/>
+                        <a:latin typeface="Liberation Sans"/>
+                      </a:endParaRPr>
+                    </a:p>
+                  </a:txBody>
+                  <a:tcPr marL="9525" marR="9525" marT="9525" marB="0" anchor="b"/>
+                </a:tc>
+                <a:tc>
+                  <a:txBody>
+                    <a:bodyPr/>
+                    <a:lstStyle/>
+                    <a:p>
+                      <a:pPr algn="l" fontAlgn="b"/>
+                      <a:r>
+                        <a:rPr lang="en-US" sz="1100" u="none" strike="noStrike">
+                          <a:effectLst/>
+                        </a:rPr>
+                        <a:t>Purdue IEEE</a:t>
+                      </a:r>
+                      <a:endParaRPr lang="en-US" sz="1100" b="0" i="0" u="none" strike="noStrike">
+                        <a:solidFill>
+                          <a:srgbClr val="000000"/>
+                        </a:solidFill>
+                        <a:effectLst/>
+                        <a:latin typeface="Liberation Sans"/>
+                      </a:endParaRPr>
+                    </a:p>
+                  </a:txBody>
+                  <a:tcPr marL="9525" marR="9525" marT="9525" marB="0" anchor="b"/>
+                </a:tc>
+                <a:tc>
+                  <a:txBody>
+                    <a:bodyPr/>
+                    <a:lstStyle/>
+                    <a:p>
+                      <a:pPr algn="r" fontAlgn="b"/>
+                      <a:r>
+                        <a:rPr lang="en-US" sz="1100" u="none" strike="noStrike">
+                          <a:effectLst/>
+                        </a:rPr>
+                        <a:t>40</a:t>
+                      </a:r>
+                      <a:endParaRPr lang="en-US" sz="1100" b="0" i="0" u="none" strike="noStrike">
+                        <a:solidFill>
+                          <a:srgbClr val="000000"/>
+                        </a:solidFill>
+                        <a:effectLst/>
+                        <a:latin typeface="Liberation Sans"/>
+                      </a:endParaRPr>
+                    </a:p>
+                  </a:txBody>
+                  <a:tcPr marL="9525" marR="9525" marT="9525" marB="0" anchor="b"/>
+                </a:tc>
+                <a:tc>
+                  <a:txBody>
+                    <a:bodyPr/>
+                    <a:lstStyle/>
+                    <a:p>
+                      <a:pPr algn="l" fontAlgn="b"/>
+                      <a:endParaRPr lang="en-US" sz="1100" b="0" i="0" u="none" strike="noStrike">
+                        <a:solidFill>
+                          <a:srgbClr val="000000"/>
+                        </a:solidFill>
+                        <a:effectLst/>
+                        <a:latin typeface="Liberation Sans"/>
+                      </a:endParaRPr>
+                    </a:p>
+                  </a:txBody>
+                  <a:tcPr marL="9525" marR="9525" marT="9525" marB="0" anchor="b"/>
+                </a:tc>
+                <a:tc>
+                  <a:txBody>
+                    <a:bodyPr/>
+                    <a:lstStyle/>
+                    <a:p>
+                      <a:pPr algn="r" fontAlgn="b"/>
+                      <a:r>
+                        <a:rPr lang="en-US" sz="1100" u="none" strike="noStrike">
+                          <a:effectLst/>
+                        </a:rPr>
+                        <a:t>2</a:t>
+                      </a:r>
+                      <a:endParaRPr lang="en-US" sz="1100" b="0" i="0" u="none" strike="noStrike">
+                        <a:solidFill>
+                          <a:srgbClr val="000000"/>
+                        </a:solidFill>
+                        <a:effectLst/>
+                        <a:latin typeface="Liberation Sans"/>
+                      </a:endParaRPr>
+                    </a:p>
+                  </a:txBody>
+                  <a:tcPr marL="9525" marR="9525" marT="9525" marB="0" anchor="b"/>
+                </a:tc>
+                <a:tc>
+                  <a:txBody>
+                    <a:bodyPr/>
+                    <a:lstStyle/>
+                    <a:p>
+                      <a:pPr algn="r" fontAlgn="b"/>
+                      <a:r>
+                        <a:rPr lang="en-US" sz="1100" u="none" strike="noStrike">
+                          <a:effectLst/>
+                        </a:rPr>
+                        <a:t>80</a:t>
+                      </a:r>
+                      <a:endParaRPr lang="en-US" sz="1100" b="0" i="0" u="none" strike="noStrike">
+                        <a:solidFill>
+                          <a:srgbClr val="000000"/>
+                        </a:solidFill>
+                        <a:effectLst/>
+                        <a:latin typeface="Liberation Sans"/>
+                      </a:endParaRPr>
+                    </a:p>
+                  </a:txBody>
+                  <a:tcPr marL="9525" marR="9525" marT="9525" marB="0" anchor="b"/>
+                </a:tc>
+              </a:tr>
+              <a:tr h="266000">
+                <a:tc>
+                  <a:txBody>
+                    <a:bodyPr/>
+                    <a:lstStyle/>
+                    <a:p>
+                      <a:pPr algn="l" fontAlgn="b"/>
+                      <a:r>
+                        <a:rPr lang="en-US" sz="1100" u="none" strike="noStrike">
+                          <a:effectLst/>
+                        </a:rPr>
+                        <a:t>Backpack</a:t>
+                      </a:r>
+                      <a:endParaRPr lang="en-US" sz="1100" b="0" i="0" u="none" strike="noStrike">
+                        <a:solidFill>
+                          <a:srgbClr val="000000"/>
+                        </a:solidFill>
+                        <a:effectLst/>
+                        <a:latin typeface="Liberation Sans"/>
+                      </a:endParaRPr>
+                    </a:p>
+                  </a:txBody>
+                  <a:tcPr marL="9525" marR="9525" marT="9525" marB="0" anchor="b"/>
+                </a:tc>
+                <a:tc>
+                  <a:txBody>
+                    <a:bodyPr/>
+                    <a:lstStyle/>
+                    <a:p>
+                      <a:pPr algn="l" fontAlgn="b"/>
+                      <a:r>
+                        <a:rPr lang="en-US" sz="1100" u="none" strike="noStrike">
+                          <a:effectLst/>
+                        </a:rPr>
+                        <a:t>Draw String Backpack</a:t>
+                      </a:r>
+                      <a:endParaRPr lang="en-US" sz="1100" b="0" i="0" u="none" strike="noStrike">
+                        <a:solidFill>
+                          <a:srgbClr val="000000"/>
+                        </a:solidFill>
+                        <a:effectLst/>
+                        <a:latin typeface="Liberation Sans"/>
+                      </a:endParaRPr>
+                    </a:p>
+                  </a:txBody>
+                  <a:tcPr marL="9525" marR="9525" marT="9525" marB="0" anchor="b"/>
+                </a:tc>
+                <a:tc>
+                  <a:txBody>
+                    <a:bodyPr/>
+                    <a:lstStyle/>
+                    <a:p>
+                      <a:pPr algn="l" fontAlgn="b"/>
+                      <a:r>
+                        <a:rPr lang="en-US" sz="1100" u="none" strike="noStrike">
+                          <a:effectLst/>
+                        </a:rPr>
+                        <a:t>Supplied</a:t>
+                      </a:r>
+                      <a:endParaRPr lang="en-US" sz="1100" b="0" i="0" u="none" strike="noStrike">
+                        <a:solidFill>
+                          <a:srgbClr val="000000"/>
+                        </a:solidFill>
+                        <a:effectLst/>
+                        <a:latin typeface="Liberation Sans"/>
+                      </a:endParaRPr>
+                    </a:p>
+                  </a:txBody>
+                  <a:tcPr marL="9525" marR="9525" marT="9525" marB="0" anchor="b"/>
+                </a:tc>
+                <a:tc>
+                  <a:txBody>
+                    <a:bodyPr/>
+                    <a:lstStyle/>
+                    <a:p>
+                      <a:pPr algn="r" fontAlgn="b"/>
+                      <a:r>
+                        <a:rPr lang="en-US" sz="1100" u="none" strike="noStrike">
+                          <a:effectLst/>
+                        </a:rPr>
+                        <a:t>10</a:t>
+                      </a:r>
+                      <a:endParaRPr lang="en-US" sz="1100" b="0" i="0" u="none" strike="noStrike">
+                        <a:solidFill>
+                          <a:srgbClr val="000000"/>
+                        </a:solidFill>
+                        <a:effectLst/>
+                        <a:latin typeface="Liberation Sans"/>
+                      </a:endParaRPr>
+                    </a:p>
+                  </a:txBody>
+                  <a:tcPr marL="9525" marR="9525" marT="9525" marB="0" anchor="b"/>
+                </a:tc>
+                <a:tc>
+                  <a:txBody>
+                    <a:bodyPr/>
+                    <a:lstStyle/>
+                    <a:p>
+                      <a:pPr algn="l" fontAlgn="b"/>
+                      <a:endParaRPr lang="en-US" sz="1100" b="0" i="0" u="none" strike="noStrike">
+                        <a:solidFill>
+                          <a:srgbClr val="000000"/>
+                        </a:solidFill>
+                        <a:effectLst/>
+                        <a:latin typeface="Liberation Sans"/>
+                      </a:endParaRPr>
+                    </a:p>
+                  </a:txBody>
+                  <a:tcPr marL="9525" marR="9525" marT="9525" marB="0" anchor="b"/>
+                </a:tc>
+                <a:tc>
+                  <a:txBody>
+                    <a:bodyPr/>
+                    <a:lstStyle/>
+                    <a:p>
+                      <a:pPr algn="r" fontAlgn="b"/>
+                      <a:r>
+                        <a:rPr lang="en-US" sz="1100" u="none" strike="noStrike">
+                          <a:effectLst/>
+                        </a:rPr>
+                        <a:t>0</a:t>
+                      </a:r>
+                      <a:endParaRPr lang="en-US" sz="1100" b="0" i="0" u="none" strike="noStrike">
+                        <a:solidFill>
+                          <a:srgbClr val="000000"/>
+                        </a:solidFill>
+                        <a:effectLst/>
+                        <a:latin typeface="Liberation Sans"/>
+                      </a:endParaRPr>
+                    </a:p>
+                  </a:txBody>
+                  <a:tcPr marL="9525" marR="9525" marT="9525" marB="0" anchor="b"/>
+                </a:tc>
+                <a:tc>
+                  <a:txBody>
+                    <a:bodyPr/>
+                    <a:lstStyle/>
+                    <a:p>
+                      <a:pPr algn="r" fontAlgn="b"/>
+                      <a:r>
+                        <a:rPr lang="en-US" sz="1100" u="none" strike="noStrike">
+                          <a:effectLst/>
+                        </a:rPr>
+                        <a:t>0</a:t>
+                      </a:r>
+                      <a:endParaRPr lang="en-US" sz="1100" b="0" i="0" u="none" strike="noStrike">
+                        <a:solidFill>
+                          <a:srgbClr val="000000"/>
+                        </a:solidFill>
+                        <a:effectLst/>
+                        <a:latin typeface="Liberation Sans"/>
+                      </a:endParaRPr>
+                    </a:p>
+                  </a:txBody>
+                  <a:tcPr marL="9525" marR="9525" marT="9525" marB="0" anchor="b"/>
+                </a:tc>
+              </a:tr>
+              <a:tr h="266000">
+                <a:tc>
+                  <a:txBody>
+                    <a:bodyPr/>
+                    <a:lstStyle/>
+                    <a:p>
+                      <a:pPr algn="l" fontAlgn="b"/>
+                      <a:endParaRPr lang="en-US" sz="1100" b="0" i="0" u="none" strike="noStrike">
+                        <a:solidFill>
+                          <a:srgbClr val="000000"/>
+                        </a:solidFill>
+                        <a:effectLst/>
+                        <a:latin typeface="Liberation Sans"/>
+                      </a:endParaRPr>
+                    </a:p>
+                  </a:txBody>
+                  <a:tcPr marL="9525" marR="9525" marT="9525" marB="0" anchor="b"/>
+                </a:tc>
+                <a:tc>
+                  <a:txBody>
+                    <a:bodyPr/>
+                    <a:lstStyle/>
+                    <a:p>
+                      <a:pPr algn="l" fontAlgn="b"/>
+                      <a:endParaRPr lang="en-US" sz="1100" b="0" i="0" u="none" strike="noStrike">
+                        <a:solidFill>
+                          <a:srgbClr val="000000"/>
+                        </a:solidFill>
+                        <a:effectLst/>
+                        <a:latin typeface="Liberation Sans"/>
+                      </a:endParaRPr>
+                    </a:p>
+                  </a:txBody>
+                  <a:tcPr marL="9525" marR="9525" marT="9525" marB="0" anchor="b"/>
+                </a:tc>
+                <a:tc>
+                  <a:txBody>
+                    <a:bodyPr/>
+                    <a:lstStyle/>
+                    <a:p>
+                      <a:pPr algn="l" fontAlgn="b"/>
+                      <a:endParaRPr lang="en-US" sz="1100" b="0" i="0" u="none" strike="noStrike">
+                        <a:solidFill>
+                          <a:srgbClr val="000000"/>
+                        </a:solidFill>
+                        <a:effectLst/>
+                        <a:latin typeface="Liberation Sans"/>
+                      </a:endParaRPr>
+                    </a:p>
+                  </a:txBody>
+                  <a:tcPr marL="9525" marR="9525" marT="9525" marB="0" anchor="b"/>
+                </a:tc>
+                <a:tc>
+                  <a:txBody>
+                    <a:bodyPr/>
+                    <a:lstStyle/>
+                    <a:p>
+                      <a:pPr algn="l" fontAlgn="b"/>
+                      <a:r>
+                        <a:rPr lang="en-US" sz="1100" u="none" strike="noStrike">
+                          <a:effectLst/>
+                        </a:rPr>
+                        <a:t> </a:t>
+                      </a:r>
+                      <a:endParaRPr lang="en-US" sz="1100" b="0" i="0" u="none" strike="noStrike">
+                        <a:solidFill>
+                          <a:srgbClr val="000000"/>
+                        </a:solidFill>
+                        <a:effectLst/>
+                        <a:latin typeface="Liberation Sans"/>
+                      </a:endParaRPr>
+                    </a:p>
+                  </a:txBody>
+                  <a:tcPr marL="9525" marR="9525" marT="9525" marB="0" anchor="b"/>
+                </a:tc>
+                <a:tc>
+                  <a:txBody>
+                    <a:bodyPr/>
+                    <a:lstStyle/>
+                    <a:p>
+                      <a:pPr algn="l" fontAlgn="b"/>
+                      <a:endParaRPr lang="en-US" sz="1100" b="0" i="0" u="none" strike="noStrike">
+                        <a:solidFill>
+                          <a:srgbClr val="000000"/>
+                        </a:solidFill>
+                        <a:effectLst/>
+                        <a:latin typeface="Liberation Sans"/>
+                      </a:endParaRPr>
+                    </a:p>
+                  </a:txBody>
+                  <a:tcPr marL="9525" marR="9525" marT="9525" marB="0" anchor="b"/>
+                </a:tc>
+                <a:tc>
+                  <a:txBody>
+                    <a:bodyPr/>
+                    <a:lstStyle/>
+                    <a:p>
+                      <a:pPr algn="l" fontAlgn="b"/>
+                      <a:endParaRPr lang="en-US" sz="1100" b="0" i="0" u="none" strike="noStrike">
+                        <a:solidFill>
+                          <a:srgbClr val="000000"/>
+                        </a:solidFill>
+                        <a:effectLst/>
+                        <a:latin typeface="Liberation Sans"/>
+                      </a:endParaRPr>
+                    </a:p>
+                  </a:txBody>
+                  <a:tcPr marL="9525" marR="9525" marT="9525" marB="0" anchor="b"/>
+                </a:tc>
+                <a:tc>
+                  <a:txBody>
+                    <a:bodyPr/>
+                    <a:lstStyle/>
+                    <a:p>
+                      <a:pPr algn="l" fontAlgn="b"/>
+                      <a:endParaRPr lang="en-US" sz="1100" b="0" i="0" u="none" strike="noStrike">
+                        <a:solidFill>
+                          <a:srgbClr val="000000"/>
+                        </a:solidFill>
+                        <a:effectLst/>
+                        <a:latin typeface="Liberation Sans"/>
+                      </a:endParaRPr>
+                    </a:p>
+                  </a:txBody>
+                  <a:tcPr marL="9525" marR="9525" marT="9525" marB="0" anchor="b"/>
+                </a:tc>
+              </a:tr>
+              <a:tr h="266000">
+                <a:tc>
+                  <a:txBody>
+                    <a:bodyPr/>
+                    <a:lstStyle/>
+                    <a:p>
+                      <a:pPr algn="l" fontAlgn="b"/>
+                      <a:endParaRPr lang="en-US" sz="1100" b="0" i="0" u="none" strike="noStrike">
+                        <a:solidFill>
+                          <a:srgbClr val="000000"/>
+                        </a:solidFill>
+                        <a:effectLst/>
+                        <a:latin typeface="Liberation Sans"/>
+                      </a:endParaRPr>
+                    </a:p>
+                  </a:txBody>
+                  <a:tcPr marL="9525" marR="9525" marT="9525" marB="0" anchor="b"/>
+                </a:tc>
+                <a:tc>
+                  <a:txBody>
+                    <a:bodyPr/>
+                    <a:lstStyle/>
+                    <a:p>
+                      <a:pPr algn="l" fontAlgn="b"/>
+                      <a:endParaRPr lang="en-US" sz="1100" b="0" i="0" u="none" strike="noStrike">
+                        <a:solidFill>
+                          <a:srgbClr val="000000"/>
+                        </a:solidFill>
+                        <a:effectLst/>
+                        <a:latin typeface="Liberation Sans"/>
+                      </a:endParaRPr>
+                    </a:p>
+                  </a:txBody>
+                  <a:tcPr marL="9525" marR="9525" marT="9525" marB="0" anchor="b"/>
+                </a:tc>
+                <a:tc>
+                  <a:txBody>
+                    <a:bodyPr/>
+                    <a:lstStyle/>
+                    <a:p>
+                      <a:pPr algn="l" fontAlgn="b"/>
+                      <a:endParaRPr lang="en-US" sz="1100" b="0" i="0" u="none" strike="noStrike">
+                        <a:solidFill>
+                          <a:srgbClr val="000000"/>
+                        </a:solidFill>
+                        <a:effectLst/>
+                        <a:latin typeface="Liberation Sans"/>
+                      </a:endParaRPr>
+                    </a:p>
+                  </a:txBody>
+                  <a:tcPr marL="9525" marR="9525" marT="9525" marB="0" anchor="b"/>
+                </a:tc>
+                <a:tc>
+                  <a:txBody>
+                    <a:bodyPr/>
+                    <a:lstStyle/>
+                    <a:p>
+                      <a:pPr algn="l" fontAlgn="b"/>
+                      <a:endParaRPr lang="en-US" sz="1100" b="0" i="0" u="none" strike="noStrike">
+                        <a:solidFill>
+                          <a:srgbClr val="000000"/>
+                        </a:solidFill>
+                        <a:effectLst/>
+                        <a:latin typeface="Liberation Sans"/>
+                      </a:endParaRPr>
+                    </a:p>
+                  </a:txBody>
+                  <a:tcPr marL="9525" marR="9525" marT="9525" marB="0" anchor="b"/>
+                </a:tc>
+                <a:tc>
+                  <a:txBody>
+                    <a:bodyPr/>
+                    <a:lstStyle/>
+                    <a:p>
+                      <a:pPr algn="l" fontAlgn="b"/>
+                      <a:endParaRPr lang="en-US" sz="1100" b="0" i="0" u="none" strike="noStrike">
+                        <a:solidFill>
+                          <a:srgbClr val="000000"/>
+                        </a:solidFill>
+                        <a:effectLst/>
+                        <a:latin typeface="Liberation Sans"/>
+                      </a:endParaRPr>
+                    </a:p>
+                  </a:txBody>
+                  <a:tcPr marL="9525" marR="9525" marT="9525" marB="0" anchor="b"/>
+                </a:tc>
+                <a:tc>
+                  <a:txBody>
+                    <a:bodyPr/>
+                    <a:lstStyle/>
+                    <a:p>
+                      <a:pPr algn="l" fontAlgn="b"/>
+                      <a:endParaRPr lang="en-US" sz="1100" b="0" i="0" u="none" strike="noStrike">
+                        <a:solidFill>
+                          <a:srgbClr val="000000"/>
+                        </a:solidFill>
+                        <a:effectLst/>
+                        <a:latin typeface="Liberation Sans"/>
+                      </a:endParaRPr>
+                    </a:p>
+                  </a:txBody>
+                  <a:tcPr marL="9525" marR="9525" marT="9525" marB="0" anchor="b"/>
+                </a:tc>
+                <a:tc>
+                  <a:txBody>
+                    <a:bodyPr/>
+                    <a:lstStyle/>
+                    <a:p>
+                      <a:pPr algn="l" fontAlgn="b"/>
+                      <a:endParaRPr lang="en-US" sz="1100" b="0" i="0" u="none" strike="noStrike">
+                        <a:solidFill>
+                          <a:srgbClr val="000000"/>
+                        </a:solidFill>
+                        <a:effectLst/>
+                        <a:latin typeface="Liberation Sans"/>
+                      </a:endParaRPr>
+                    </a:p>
+                  </a:txBody>
+                  <a:tcPr marL="9525" marR="9525" marT="9525" marB="0" anchor="b"/>
+                </a:tc>
+              </a:tr>
+              <a:tr h="266000">
+                <a:tc>
+                  <a:txBody>
+                    <a:bodyPr/>
+                    <a:lstStyle/>
+                    <a:p>
+                      <a:pPr algn="l" fontAlgn="b"/>
+                      <a:endParaRPr lang="en-US" sz="1100" b="0" i="0" u="none" strike="noStrike">
+                        <a:solidFill>
+                          <a:srgbClr val="000000"/>
+                        </a:solidFill>
+                        <a:effectLst/>
+                        <a:latin typeface="Liberation Sans"/>
+                      </a:endParaRPr>
+                    </a:p>
+                  </a:txBody>
+                  <a:tcPr marL="9525" marR="9525" marT="9525" marB="0" anchor="b"/>
+                </a:tc>
+                <a:tc>
+                  <a:txBody>
+                    <a:bodyPr/>
+                    <a:lstStyle/>
+                    <a:p>
+                      <a:pPr algn="l" fontAlgn="b"/>
+                      <a:endParaRPr lang="en-US" sz="1100" b="0" i="0" u="none" strike="noStrike">
+                        <a:solidFill>
+                          <a:srgbClr val="000000"/>
+                        </a:solidFill>
+                        <a:effectLst/>
+                        <a:latin typeface="Liberation Sans"/>
+                      </a:endParaRPr>
+                    </a:p>
+                  </a:txBody>
+                  <a:tcPr marL="9525" marR="9525" marT="9525" marB="0" anchor="b"/>
+                </a:tc>
+                <a:tc>
+                  <a:txBody>
+                    <a:bodyPr/>
+                    <a:lstStyle/>
+                    <a:p>
+                      <a:pPr algn="l" fontAlgn="b"/>
+                      <a:endParaRPr lang="en-US" sz="1100" b="0" i="0" u="none" strike="noStrike">
+                        <a:solidFill>
+                          <a:srgbClr val="000000"/>
+                        </a:solidFill>
+                        <a:effectLst/>
+                        <a:latin typeface="Liberation Sans"/>
+                      </a:endParaRPr>
+                    </a:p>
+                  </a:txBody>
+                  <a:tcPr marL="9525" marR="9525" marT="9525" marB="0" anchor="b"/>
+                </a:tc>
+                <a:tc>
+                  <a:txBody>
+                    <a:bodyPr/>
+                    <a:lstStyle/>
+                    <a:p>
+                      <a:pPr algn="l" fontAlgn="b"/>
+                      <a:endParaRPr lang="en-US" sz="1100" b="0" i="0" u="none" strike="noStrike">
+                        <a:solidFill>
+                          <a:srgbClr val="000000"/>
+                        </a:solidFill>
+                        <a:effectLst/>
+                        <a:latin typeface="Liberation Sans"/>
+                      </a:endParaRPr>
+                    </a:p>
+                  </a:txBody>
+                  <a:tcPr marL="9525" marR="9525" marT="9525" marB="0" anchor="b"/>
+                </a:tc>
+                <a:tc>
+                  <a:txBody>
+                    <a:bodyPr/>
+                    <a:lstStyle/>
+                    <a:p>
+                      <a:pPr algn="l" fontAlgn="b"/>
+                      <a:endParaRPr lang="en-US" sz="1100" b="0" i="0" u="none" strike="noStrike">
+                        <a:solidFill>
+                          <a:srgbClr val="000000"/>
+                        </a:solidFill>
+                        <a:effectLst/>
+                        <a:latin typeface="Liberation Sans"/>
+                      </a:endParaRPr>
+                    </a:p>
+                  </a:txBody>
+                  <a:tcPr marL="9525" marR="9525" marT="9525" marB="0" anchor="b"/>
+                </a:tc>
+                <a:tc>
+                  <a:txBody>
+                    <a:bodyPr/>
+                    <a:lstStyle/>
+                    <a:p>
+                      <a:pPr algn="l" fontAlgn="b"/>
+                      <a:endParaRPr lang="en-US" sz="1100" b="0" i="0" u="none" strike="noStrike">
+                        <a:solidFill>
+                          <a:srgbClr val="000000"/>
+                        </a:solidFill>
+                        <a:effectLst/>
+                        <a:latin typeface="Liberation Sans"/>
+                      </a:endParaRPr>
+                    </a:p>
+                  </a:txBody>
+                  <a:tcPr marL="9525" marR="9525" marT="9525" marB="0" anchor="b"/>
+                </a:tc>
+                <a:tc>
+                  <a:txBody>
+                    <a:bodyPr/>
+                    <a:lstStyle/>
+                    <a:p>
+                      <a:pPr algn="l" fontAlgn="b"/>
+                      <a:endParaRPr lang="en-US" sz="1100" b="0" i="0" u="none" strike="noStrike">
+                        <a:solidFill>
+                          <a:srgbClr val="000000"/>
+                        </a:solidFill>
+                        <a:effectLst/>
+                        <a:latin typeface="Liberation Sans"/>
+                      </a:endParaRPr>
+                    </a:p>
+                  </a:txBody>
+                  <a:tcPr marL="9525" marR="9525" marT="9525" marB="0" anchor="b"/>
+                </a:tc>
+              </a:tr>
+              <a:tr h="266000">
+                <a:tc>
+                  <a:txBody>
+                    <a:bodyPr/>
+                    <a:lstStyle/>
+                    <a:p>
+                      <a:pPr algn="l" fontAlgn="b"/>
+                      <a:endParaRPr lang="en-US" sz="1100" b="0" i="0" u="none" strike="noStrike">
+                        <a:solidFill>
+                          <a:srgbClr val="000000"/>
+                        </a:solidFill>
+                        <a:effectLst/>
+                        <a:latin typeface="Liberation Sans"/>
+                      </a:endParaRPr>
+                    </a:p>
+                  </a:txBody>
+                  <a:tcPr marL="9525" marR="9525" marT="9525" marB="0" anchor="b"/>
+                </a:tc>
+                <a:tc>
+                  <a:txBody>
+                    <a:bodyPr/>
+                    <a:lstStyle/>
+                    <a:p>
+                      <a:pPr algn="l" fontAlgn="b"/>
+                      <a:endParaRPr lang="en-US" sz="1100" b="0" i="0" u="none" strike="noStrike">
+                        <a:solidFill>
+                          <a:srgbClr val="000000"/>
+                        </a:solidFill>
+                        <a:effectLst/>
+                        <a:latin typeface="Liberation Sans"/>
+                      </a:endParaRPr>
+                    </a:p>
+                  </a:txBody>
+                  <a:tcPr marL="9525" marR="9525" marT="9525" marB="0" anchor="b"/>
+                </a:tc>
+                <a:tc>
+                  <a:txBody>
+                    <a:bodyPr/>
+                    <a:lstStyle/>
+                    <a:p>
+                      <a:pPr algn="l" fontAlgn="b"/>
+                      <a:endParaRPr lang="en-US" sz="1100" b="0" i="0" u="none" strike="noStrike">
+                        <a:solidFill>
+                          <a:srgbClr val="000000"/>
+                        </a:solidFill>
+                        <a:effectLst/>
+                        <a:latin typeface="Liberation Sans"/>
+                      </a:endParaRPr>
+                    </a:p>
+                  </a:txBody>
+                  <a:tcPr marL="9525" marR="9525" marT="9525" marB="0" anchor="b"/>
+                </a:tc>
+                <a:tc>
+                  <a:txBody>
+                    <a:bodyPr/>
+                    <a:lstStyle/>
+                    <a:p>
+                      <a:pPr algn="l" fontAlgn="b"/>
+                      <a:endParaRPr lang="en-US" sz="1100" b="0" i="0" u="none" strike="noStrike">
+                        <a:solidFill>
+                          <a:srgbClr val="000000"/>
+                        </a:solidFill>
+                        <a:effectLst/>
+                        <a:latin typeface="Liberation Sans"/>
+                      </a:endParaRPr>
+                    </a:p>
+                  </a:txBody>
+                  <a:tcPr marL="9525" marR="9525" marT="9525" marB="0" anchor="b"/>
+                </a:tc>
+                <a:tc>
+                  <a:txBody>
+                    <a:bodyPr/>
+                    <a:lstStyle/>
+                    <a:p>
+                      <a:pPr algn="l" fontAlgn="b"/>
+                      <a:endParaRPr lang="en-US" sz="1100" b="0" i="0" u="none" strike="noStrike">
+                        <a:solidFill>
+                          <a:srgbClr val="000000"/>
+                        </a:solidFill>
+                        <a:effectLst/>
+                        <a:latin typeface="Liberation Sans"/>
+                      </a:endParaRPr>
+                    </a:p>
+                  </a:txBody>
+                  <a:tcPr marL="9525" marR="9525" marT="9525" marB="0" anchor="b"/>
+                </a:tc>
+                <a:tc>
+                  <a:txBody>
+                    <a:bodyPr/>
+                    <a:lstStyle/>
+                    <a:p>
+                      <a:pPr algn="l" fontAlgn="b"/>
+                      <a:endParaRPr lang="en-US" sz="1100" b="0" i="0" u="none" strike="noStrike">
+                        <a:solidFill>
+                          <a:srgbClr val="000000"/>
+                        </a:solidFill>
+                        <a:effectLst/>
+                        <a:latin typeface="Liberation Sans"/>
+                      </a:endParaRPr>
+                    </a:p>
+                  </a:txBody>
+                  <a:tcPr marL="9525" marR="9525" marT="9525" marB="0" anchor="b"/>
+                </a:tc>
+                <a:tc>
+                  <a:txBody>
+                    <a:bodyPr/>
+                    <a:lstStyle/>
+                    <a:p>
+                      <a:pPr algn="l" fontAlgn="b"/>
+                      <a:endParaRPr lang="en-US" sz="1100" b="0" i="0" u="none" strike="noStrike">
+                        <a:solidFill>
+                          <a:srgbClr val="000000"/>
+                        </a:solidFill>
+                        <a:effectLst/>
+                        <a:latin typeface="Liberation Sans"/>
+                      </a:endParaRPr>
+                    </a:p>
+                  </a:txBody>
+                  <a:tcPr marL="9525" marR="9525" marT="9525" marB="0" anchor="b"/>
+                </a:tc>
+              </a:tr>
+              <a:tr h="266000">
+                <a:tc>
+                  <a:txBody>
+                    <a:bodyPr/>
+                    <a:lstStyle/>
+                    <a:p>
+                      <a:pPr algn="l" fontAlgn="b"/>
+                      <a:endParaRPr lang="en-US" sz="1100" b="0" i="0" u="none" strike="noStrike">
+                        <a:solidFill>
+                          <a:srgbClr val="000000"/>
+                        </a:solidFill>
+                        <a:effectLst/>
+                        <a:latin typeface="Liberation Sans"/>
+                      </a:endParaRPr>
+                    </a:p>
+                  </a:txBody>
+                  <a:tcPr marL="9525" marR="9525" marT="9525" marB="0" anchor="b"/>
+                </a:tc>
+                <a:tc>
+                  <a:txBody>
+                    <a:bodyPr/>
+                    <a:lstStyle/>
+                    <a:p>
+                      <a:pPr algn="l" fontAlgn="b"/>
+                      <a:endParaRPr lang="en-US" sz="1100" b="0" i="0" u="none" strike="noStrike">
+                        <a:solidFill>
+                          <a:srgbClr val="000000"/>
+                        </a:solidFill>
+                        <a:effectLst/>
+                        <a:latin typeface="Liberation Sans"/>
+                      </a:endParaRPr>
+                    </a:p>
+                  </a:txBody>
+                  <a:tcPr marL="9525" marR="9525" marT="9525" marB="0" anchor="b"/>
+                </a:tc>
+                <a:tc>
+                  <a:txBody>
+                    <a:bodyPr/>
+                    <a:lstStyle/>
+                    <a:p>
+                      <a:pPr algn="l" fontAlgn="b"/>
+                      <a:endParaRPr lang="en-US" sz="1100" b="0" i="0" u="none" strike="noStrike">
+                        <a:solidFill>
+                          <a:srgbClr val="000000"/>
+                        </a:solidFill>
+                        <a:effectLst/>
+                        <a:latin typeface="Liberation Sans"/>
+                      </a:endParaRPr>
+                    </a:p>
+                  </a:txBody>
+                  <a:tcPr marL="9525" marR="9525" marT="9525" marB="0" anchor="b"/>
+                </a:tc>
+                <a:tc>
+                  <a:txBody>
+                    <a:bodyPr/>
+                    <a:lstStyle/>
+                    <a:p>
+                      <a:pPr algn="l" fontAlgn="b"/>
+                      <a:endParaRPr lang="en-US" sz="1100" b="0" i="0" u="none" strike="noStrike">
+                        <a:solidFill>
+                          <a:srgbClr val="000000"/>
+                        </a:solidFill>
+                        <a:effectLst/>
+                        <a:latin typeface="Liberation Sans"/>
+                      </a:endParaRPr>
+                    </a:p>
+                  </a:txBody>
+                  <a:tcPr marL="9525" marR="9525" marT="9525" marB="0" anchor="b"/>
+                </a:tc>
+                <a:tc>
+                  <a:txBody>
+                    <a:bodyPr/>
+                    <a:lstStyle/>
+                    <a:p>
+                      <a:pPr algn="l" fontAlgn="b"/>
+                      <a:endParaRPr lang="en-US" sz="1100" b="0" i="0" u="none" strike="noStrike">
+                        <a:solidFill>
+                          <a:srgbClr val="000000"/>
+                        </a:solidFill>
+                        <a:effectLst/>
+                        <a:latin typeface="Liberation Sans"/>
+                      </a:endParaRPr>
+                    </a:p>
+                  </a:txBody>
+                  <a:tcPr marL="9525" marR="9525" marT="9525" marB="0" anchor="b"/>
+                </a:tc>
+                <a:tc>
+                  <a:txBody>
+                    <a:bodyPr/>
+                    <a:lstStyle/>
+                    <a:p>
+                      <a:pPr algn="l" fontAlgn="b"/>
+                      <a:endParaRPr lang="en-US" sz="1100" b="0" i="0" u="none" strike="noStrike">
+                        <a:solidFill>
+                          <a:srgbClr val="000000"/>
+                        </a:solidFill>
+                        <a:effectLst/>
+                        <a:latin typeface="Liberation Sans"/>
+                      </a:endParaRPr>
+                    </a:p>
+                  </a:txBody>
+                  <a:tcPr marL="9525" marR="9525" marT="9525" marB="0" anchor="b"/>
+                </a:tc>
+                <a:tc>
+                  <a:txBody>
+                    <a:bodyPr/>
+                    <a:lstStyle/>
+                    <a:p>
+                      <a:pPr algn="l" fontAlgn="b"/>
+                      <a:endParaRPr lang="en-US" sz="1100" b="0" i="0" u="none" strike="noStrike">
+                        <a:solidFill>
+                          <a:srgbClr val="000000"/>
+                        </a:solidFill>
+                        <a:effectLst/>
+                        <a:latin typeface="Liberation Sans"/>
+                      </a:endParaRPr>
+                    </a:p>
+                  </a:txBody>
+                  <a:tcPr marL="9525" marR="9525" marT="9525" marB="0" anchor="b"/>
+                </a:tc>
+              </a:tr>
+              <a:tr h="266000">
+                <a:tc>
+                  <a:txBody>
+                    <a:bodyPr/>
+                    <a:lstStyle/>
+                    <a:p>
+                      <a:pPr algn="l" fontAlgn="b"/>
+                      <a:r>
+                        <a:rPr lang="en-US" sz="1100" u="none" strike="noStrike">
+                          <a:effectLst/>
+                        </a:rPr>
+                        <a:t>Total</a:t>
+                      </a:r>
+                      <a:endParaRPr lang="en-US" sz="1100" b="0" i="0" u="none" strike="noStrike">
+                        <a:solidFill>
+                          <a:srgbClr val="000000"/>
+                        </a:solidFill>
+                        <a:effectLst/>
+                        <a:latin typeface="Liberation Sans"/>
+                      </a:endParaRPr>
+                    </a:p>
+                  </a:txBody>
+                  <a:tcPr marL="9525" marR="9525" marT="9525" marB="0" anchor="b"/>
+                </a:tc>
+                <a:tc>
+                  <a:txBody>
+                    <a:bodyPr/>
+                    <a:lstStyle/>
+                    <a:p>
+                      <a:pPr algn="l" fontAlgn="b"/>
+                      <a:endParaRPr lang="en-US" sz="1100" b="0" i="0" u="none" strike="noStrike">
+                        <a:solidFill>
+                          <a:srgbClr val="000000"/>
+                        </a:solidFill>
+                        <a:effectLst/>
+                        <a:latin typeface="Liberation Sans"/>
+                      </a:endParaRPr>
+                    </a:p>
+                  </a:txBody>
+                  <a:tcPr marL="9525" marR="9525" marT="9525" marB="0" anchor="b"/>
+                </a:tc>
+                <a:tc>
+                  <a:txBody>
+                    <a:bodyPr/>
+                    <a:lstStyle/>
+                    <a:p>
+                      <a:pPr algn="l" fontAlgn="b"/>
+                      <a:endParaRPr lang="en-US" sz="1100" b="0" i="0" u="none" strike="noStrike">
+                        <a:solidFill>
+                          <a:srgbClr val="000000"/>
+                        </a:solidFill>
+                        <a:effectLst/>
+                        <a:latin typeface="Liberation Sans"/>
+                      </a:endParaRPr>
+                    </a:p>
+                  </a:txBody>
+                  <a:tcPr marL="9525" marR="9525" marT="9525" marB="0" anchor="b"/>
+                </a:tc>
+                <a:tc>
+                  <a:txBody>
+                    <a:bodyPr/>
+                    <a:lstStyle/>
+                    <a:p>
+                      <a:pPr algn="r" fontAlgn="b"/>
+                      <a:r>
+                        <a:rPr lang="en-US" sz="1100" u="none" strike="noStrike">
+                          <a:effectLst/>
+                        </a:rPr>
+                        <a:t>521.65</a:t>
+                      </a:r>
+                      <a:endParaRPr lang="en-US" sz="1100" b="0" i="0" u="none" strike="noStrike">
+                        <a:solidFill>
+                          <a:srgbClr val="000000"/>
+                        </a:solidFill>
+                        <a:effectLst/>
+                        <a:latin typeface="Liberation Sans"/>
+                      </a:endParaRPr>
+                    </a:p>
+                  </a:txBody>
+                  <a:tcPr marL="9525" marR="9525" marT="9525" marB="0" anchor="b"/>
+                </a:tc>
+                <a:tc>
+                  <a:txBody>
+                    <a:bodyPr/>
+                    <a:lstStyle/>
+                    <a:p>
+                      <a:pPr algn="l" fontAlgn="b"/>
+                      <a:endParaRPr lang="en-US" sz="1100" b="0" i="0" u="none" strike="noStrike">
+                        <a:solidFill>
+                          <a:srgbClr val="000000"/>
+                        </a:solidFill>
+                        <a:effectLst/>
+                        <a:latin typeface="Liberation Sans"/>
+                      </a:endParaRPr>
+                    </a:p>
+                  </a:txBody>
+                  <a:tcPr marL="9525" marR="9525" marT="9525" marB="0" anchor="b"/>
+                </a:tc>
+                <a:tc>
+                  <a:txBody>
+                    <a:bodyPr/>
+                    <a:lstStyle/>
+                    <a:p>
+                      <a:pPr algn="l" fontAlgn="b"/>
+                      <a:endParaRPr lang="en-US" sz="1100" b="0" i="0" u="none" strike="noStrike">
+                        <a:solidFill>
+                          <a:srgbClr val="000000"/>
+                        </a:solidFill>
+                        <a:effectLst/>
+                        <a:latin typeface="Liberation Sans"/>
+                      </a:endParaRPr>
+                    </a:p>
+                  </a:txBody>
+                  <a:tcPr marL="9525" marR="9525" marT="9525" marB="0" anchor="b"/>
+                </a:tc>
+                <a:tc>
+                  <a:txBody>
+                    <a:bodyPr/>
+                    <a:lstStyle/>
+                    <a:p>
+                      <a:pPr algn="r" fontAlgn="b"/>
+                      <a:r>
+                        <a:rPr lang="en-US" sz="1100" u="none" strike="noStrike" dirty="0">
+                          <a:effectLst/>
+                        </a:rPr>
+                        <a:t>739.66</a:t>
+                      </a:r>
+                      <a:endParaRPr lang="en-US" sz="1100" b="0" i="0" u="none" strike="noStrike" dirty="0">
+                        <a:solidFill>
+                          <a:srgbClr val="000000"/>
+                        </a:solidFill>
+                        <a:effectLst/>
+                        <a:latin typeface="Liberation Sans"/>
+                      </a:endParaRPr>
+                    </a:p>
+                  </a:txBody>
+                  <a:tcPr marL="9525" marR="9525" marT="9525" marB="0" anchor="b"/>
+                </a:tc>
+              </a:tr>
+            </a:tbl>
+          </a:graphicData>
+        </a:graphic>
+      </p:graphicFrame>
+    </p:spTree>
+    <p:extLst>
+      <p:ext uri="{BB962C8B-B14F-4D97-AF65-F5344CB8AC3E}">
+        <p14:creationId xmlns:p14="http://schemas.microsoft.com/office/powerpoint/2010/main" val="3975776711"/>
       </p:ext>
     </p:extLst>
   </p:cSld>
@@ -10080,6 +12759,94 @@
       </p:grpSpPr>
       <p:sp>
         <p:nvSpPr>
+          <p:cNvPr id="2" name="Content Placeholder 1"/>
+          <p:cNvSpPr>
+            <a:spLocks noGrp="1"/>
+          </p:cNvSpPr>
+          <p:nvPr>
+            <p:ph idx="1"/>
+          </p:nvPr>
+        </p:nvSpPr>
+        <p:spPr/>
+        <p:txBody>
+          <a:bodyPr>
+            <a:noAutofit/>
+          </a:bodyPr>
+          <a:lstStyle/>
+          <a:p>
+            <a:r>
+              <a:rPr lang="en-US" sz="2800" dirty="0" smtClean="0"/>
+              <a:t>Patent Liability</a:t>
+            </a:r>
+          </a:p>
+          <a:p>
+            <a:pPr lvl="1"/>
+            <a:r>
+              <a:rPr lang="en-US" sz="2400" dirty="0" smtClean="0"/>
+              <a:t>Novelty of design avoids many AR patents</a:t>
+            </a:r>
+          </a:p>
+          <a:p>
+            <a:pPr lvl="2"/>
+            <a:r>
+              <a:rPr lang="en-US" sz="2000" dirty="0" smtClean="0"/>
+              <a:t>Large fraction specifically mention cameras</a:t>
+            </a:r>
+          </a:p>
+          <a:p>
+            <a:pPr lvl="1"/>
+            <a:r>
+              <a:rPr lang="en-US" sz="2400" dirty="0" smtClean="0"/>
+              <a:t>Licensing may be required</a:t>
+            </a:r>
+          </a:p>
+          <a:p>
+            <a:pPr lvl="1"/>
+            <a:r>
+              <a:rPr lang="en-US" sz="2400" dirty="0" smtClean="0"/>
+              <a:t>Could file new patents and cross-license</a:t>
+            </a:r>
+            <a:endParaRPr lang="en-US" sz="2400" dirty="0"/>
+          </a:p>
+          <a:p>
+            <a:r>
+              <a:rPr lang="en-US" sz="2800" dirty="0" smtClean="0"/>
+              <a:t>User Safety</a:t>
+            </a:r>
+          </a:p>
+          <a:p>
+            <a:pPr lvl="1"/>
+            <a:r>
+              <a:rPr lang="en-US" sz="2400" dirty="0" smtClean="0"/>
+              <a:t>LiFePO</a:t>
+            </a:r>
+            <a:r>
+              <a:rPr lang="en-US" sz="2400" baseline="-25000" dirty="0" smtClean="0"/>
+              <a:t>4</a:t>
+            </a:r>
+            <a:r>
+              <a:rPr lang="en-US" sz="2400" dirty="0" smtClean="0"/>
+              <a:t> much safer than other Lithium battery chemistries</a:t>
+            </a:r>
+          </a:p>
+          <a:p>
+            <a:pPr lvl="1"/>
+            <a:r>
+              <a:rPr lang="en-US" sz="2400" dirty="0" smtClean="0"/>
+              <a:t>Translucent display keeps user aware of environment</a:t>
+            </a:r>
+          </a:p>
+          <a:p>
+            <a:pPr lvl="1"/>
+            <a:r>
+              <a:rPr lang="en-US" sz="2400" dirty="0" smtClean="0"/>
+              <a:t>Product unsuitable for use while driving, operating heavy machinery</a:t>
+            </a:r>
+          </a:p>
+        </p:txBody>
+      </p:sp>
+      <p:sp>
+        <p:nvSpPr>
           <p:cNvPr id="3" name="Title 2"/>
           <p:cNvSpPr>
             <a:spLocks noGrp="1"/>
@@ -10095,2936 +12862,16 @@
           <a:p>
             <a:r>
               <a:rPr lang="en-US" dirty="0" smtClean="0"/>
-              <a:t>Execution overview - BUDGET</a:t>
+              <a:t>COMPLICATIONS</a:t>
             </a:r>
             <a:endParaRPr lang="en-US" dirty="0"/>
           </a:p>
         </p:txBody>
       </p:sp>
-      <p:graphicFrame>
-        <p:nvGraphicFramePr>
-          <p:cNvPr id="5" name="Content Placeholder 4"/>
-          <p:cNvGraphicFramePr>
-            <a:graphicFrameLocks noGrp="1"/>
-          </p:cNvGraphicFramePr>
-          <p:nvPr>
-            <p:ph idx="1"/>
-            <p:extLst>
-              <p:ext uri="{D42A27DB-BD31-4B8C-83A1-F6EECF244321}">
-                <p14:modId xmlns:p14="http://schemas.microsoft.com/office/powerpoint/2010/main" val="3049841390"/>
-              </p:ext>
-            </p:extLst>
-          </p:nvPr>
-        </p:nvGraphicFramePr>
-        <p:xfrm>
-          <a:off x="152400" y="1371599"/>
-          <a:ext cx="8839199" cy="5334000"/>
-        </p:xfrm>
-        <a:graphic>
-          <a:graphicData uri="http://schemas.openxmlformats.org/drawingml/2006/table">
-            <a:tbl>
-              <a:tblPr>
-                <a:tableStyleId>{5C22544A-7EE6-4342-B048-85BDC9FD1C3A}</a:tableStyleId>
-              </a:tblPr>
-              <a:tblGrid>
-                <a:gridCol w="1556019"/>
-                <a:gridCol w="2698551"/>
-                <a:gridCol w="1015583"/>
-                <a:gridCol w="928532"/>
-                <a:gridCol w="928532"/>
-                <a:gridCol w="928532"/>
-                <a:gridCol w="783450"/>
-              </a:tblGrid>
-              <a:tr h="280000">
-                <a:tc>
-                  <a:txBody>
-                    <a:bodyPr/>
-                    <a:lstStyle/>
-                    <a:p>
-                      <a:pPr algn="l" fontAlgn="b"/>
-                      <a:r>
-                        <a:rPr lang="en-US" sz="1100" u="none" strike="noStrike">
-                          <a:effectLst/>
-                        </a:rPr>
-                        <a:t>Name</a:t>
-                      </a:r>
-                      <a:endParaRPr lang="en-US" sz="1100" b="1" i="0" u="none" strike="noStrike">
-                        <a:solidFill>
-                          <a:srgbClr val="000000"/>
-                        </a:solidFill>
-                        <a:effectLst/>
-                        <a:latin typeface="Liberation Sans"/>
-                      </a:endParaRPr>
-                    </a:p>
-                  </a:txBody>
-                  <a:tcPr marL="9525" marR="9525" marT="9525" marB="0" anchor="b"/>
-                </a:tc>
-                <a:tc>
-                  <a:txBody>
-                    <a:bodyPr/>
-                    <a:lstStyle/>
-                    <a:p>
-                      <a:pPr algn="l" fontAlgn="b"/>
-                      <a:r>
-                        <a:rPr lang="en-US" sz="1100" u="none" strike="noStrike">
-                          <a:effectLst/>
-                        </a:rPr>
-                        <a:t>Item</a:t>
-                      </a:r>
-                      <a:endParaRPr lang="en-US" sz="1100" b="1" i="0" u="none" strike="noStrike">
-                        <a:solidFill>
-                          <a:srgbClr val="000000"/>
-                        </a:solidFill>
-                        <a:effectLst/>
-                        <a:latin typeface="Liberation Sans"/>
-                      </a:endParaRPr>
-                    </a:p>
-                  </a:txBody>
-                  <a:tcPr marL="9525" marR="9525" marT="9525" marB="0" anchor="b"/>
-                </a:tc>
-                <a:tc>
-                  <a:txBody>
-                    <a:bodyPr/>
-                    <a:lstStyle/>
-                    <a:p>
-                      <a:pPr algn="l" fontAlgn="b"/>
-                      <a:r>
-                        <a:rPr lang="en-US" sz="1100" u="none" strike="noStrike">
-                          <a:effectLst/>
-                        </a:rPr>
-                        <a:t>Vendor</a:t>
-                      </a:r>
-                      <a:endParaRPr lang="en-US" sz="1100" b="1" i="0" u="none" strike="noStrike">
-                        <a:solidFill>
-                          <a:srgbClr val="000000"/>
-                        </a:solidFill>
-                        <a:effectLst/>
-                        <a:latin typeface="Liberation Sans"/>
-                      </a:endParaRPr>
-                    </a:p>
-                  </a:txBody>
-                  <a:tcPr marL="9525" marR="9525" marT="9525" marB="0" anchor="b"/>
-                </a:tc>
-                <a:tc>
-                  <a:txBody>
-                    <a:bodyPr/>
-                    <a:lstStyle/>
-                    <a:p>
-                      <a:pPr algn="l" fontAlgn="b"/>
-                      <a:r>
-                        <a:rPr lang="en-US" sz="1100" u="none" strike="noStrike">
-                          <a:effectLst/>
-                        </a:rPr>
-                        <a:t>Unit Price</a:t>
-                      </a:r>
-                      <a:endParaRPr lang="en-US" sz="1100" b="1" i="0" u="none" strike="noStrike">
-                        <a:solidFill>
-                          <a:srgbClr val="000000"/>
-                        </a:solidFill>
-                        <a:effectLst/>
-                        <a:latin typeface="Liberation Sans"/>
-                      </a:endParaRPr>
-                    </a:p>
-                  </a:txBody>
-                  <a:tcPr marL="9525" marR="9525" marT="9525" marB="0" anchor="b"/>
-                </a:tc>
-                <a:tc>
-                  <a:txBody>
-                    <a:bodyPr/>
-                    <a:lstStyle/>
-                    <a:p>
-                      <a:pPr algn="l" fontAlgn="b"/>
-                      <a:r>
-                        <a:rPr lang="en-US" sz="1100" u="none" strike="noStrike">
-                          <a:effectLst/>
-                        </a:rPr>
-                        <a:t>Shipping</a:t>
-                      </a:r>
-                      <a:endParaRPr lang="en-US" sz="1100" b="1" i="0" u="none" strike="noStrike">
-                        <a:solidFill>
-                          <a:srgbClr val="000000"/>
-                        </a:solidFill>
-                        <a:effectLst/>
-                        <a:latin typeface="Liberation Sans"/>
-                      </a:endParaRPr>
-                    </a:p>
-                  </a:txBody>
-                  <a:tcPr marL="9525" marR="9525" marT="9525" marB="0" anchor="b"/>
-                </a:tc>
-                <a:tc>
-                  <a:txBody>
-                    <a:bodyPr/>
-                    <a:lstStyle/>
-                    <a:p>
-                      <a:pPr algn="l" fontAlgn="b"/>
-                      <a:r>
-                        <a:rPr lang="en-US" sz="1100" u="none" strike="noStrike">
-                          <a:effectLst/>
-                        </a:rPr>
-                        <a:t>Quantity</a:t>
-                      </a:r>
-                      <a:endParaRPr lang="en-US" sz="1100" b="1" i="0" u="none" strike="noStrike">
-                        <a:solidFill>
-                          <a:srgbClr val="000000"/>
-                        </a:solidFill>
-                        <a:effectLst/>
-                        <a:latin typeface="Liberation Sans"/>
-                      </a:endParaRPr>
-                    </a:p>
-                  </a:txBody>
-                  <a:tcPr marL="9525" marR="9525" marT="9525" marB="0" anchor="b"/>
-                </a:tc>
-                <a:tc>
-                  <a:txBody>
-                    <a:bodyPr/>
-                    <a:lstStyle/>
-                    <a:p>
-                      <a:pPr algn="l" fontAlgn="b"/>
-                      <a:r>
-                        <a:rPr lang="en-US" sz="1100" u="none" strike="noStrike">
-                          <a:effectLst/>
-                        </a:rPr>
-                        <a:t>Price</a:t>
-                      </a:r>
-                      <a:endParaRPr lang="en-US" sz="1100" b="1" i="0" u="none" strike="noStrike">
-                        <a:solidFill>
-                          <a:srgbClr val="000000"/>
-                        </a:solidFill>
-                        <a:effectLst/>
-                        <a:latin typeface="Liberation Sans"/>
-                      </a:endParaRPr>
-                    </a:p>
-                  </a:txBody>
-                  <a:tcPr marL="9525" marR="9525" marT="9525" marB="0" anchor="b"/>
-                </a:tc>
-              </a:tr>
-              <a:tr h="266000">
-                <a:tc>
-                  <a:txBody>
-                    <a:bodyPr/>
-                    <a:lstStyle/>
-                    <a:p>
-                      <a:pPr algn="l" fontAlgn="b"/>
-                      <a:r>
-                        <a:rPr lang="en-US" sz="1100" u="none" strike="noStrike">
-                          <a:effectLst/>
-                        </a:rPr>
-                        <a:t>Battery</a:t>
-                      </a:r>
-                      <a:endParaRPr lang="en-US" sz="1100" b="0" i="0" u="none" strike="noStrike">
-                        <a:solidFill>
-                          <a:srgbClr val="000000"/>
-                        </a:solidFill>
-                        <a:effectLst/>
-                        <a:latin typeface="Liberation Sans"/>
-                      </a:endParaRPr>
-                    </a:p>
-                  </a:txBody>
-                  <a:tcPr marL="9525" marR="9525" marT="9525" marB="0" anchor="b"/>
-                </a:tc>
-                <a:tc>
-                  <a:txBody>
-                    <a:bodyPr/>
-                    <a:lstStyle/>
-                    <a:p>
-                      <a:pPr algn="l" fontAlgn="b"/>
-                      <a:endParaRPr lang="en-US" sz="1100" b="0" i="0" u="none" strike="noStrike">
-                        <a:solidFill>
-                          <a:srgbClr val="000000"/>
-                        </a:solidFill>
-                        <a:effectLst/>
-                        <a:latin typeface="Liberation Sans"/>
-                      </a:endParaRPr>
-                    </a:p>
-                  </a:txBody>
-                  <a:tcPr marL="9525" marR="9525" marT="9525" marB="0" anchor="b"/>
-                </a:tc>
-                <a:tc>
-                  <a:txBody>
-                    <a:bodyPr/>
-                    <a:lstStyle/>
-                    <a:p>
-                      <a:pPr algn="l" fontAlgn="b"/>
-                      <a:r>
-                        <a:rPr lang="en-US" sz="1100" u="none" strike="noStrike">
-                          <a:effectLst/>
-                        </a:rPr>
-                        <a:t>BatterySpace</a:t>
-                      </a:r>
-                      <a:endParaRPr lang="en-US" sz="1100" b="0" i="0" u="none" strike="noStrike">
-                        <a:solidFill>
-                          <a:srgbClr val="000000"/>
-                        </a:solidFill>
-                        <a:effectLst/>
-                        <a:latin typeface="Liberation Sans"/>
-                      </a:endParaRPr>
-                    </a:p>
-                  </a:txBody>
-                  <a:tcPr marL="9525" marR="9525" marT="9525" marB="0" anchor="b"/>
-                </a:tc>
-                <a:tc>
-                  <a:txBody>
-                    <a:bodyPr/>
-                    <a:lstStyle/>
-                    <a:p>
-                      <a:pPr algn="r" fontAlgn="b"/>
-                      <a:r>
-                        <a:rPr lang="en-US" sz="1100" u="none" strike="noStrike">
-                          <a:effectLst/>
-                        </a:rPr>
-                        <a:t>66.95</a:t>
-                      </a:r>
-                      <a:endParaRPr lang="en-US" sz="1100" b="0" i="0" u="none" strike="noStrike">
-                        <a:solidFill>
-                          <a:srgbClr val="000000"/>
-                        </a:solidFill>
-                        <a:effectLst/>
-                        <a:latin typeface="Liberation Sans"/>
-                      </a:endParaRPr>
-                    </a:p>
-                  </a:txBody>
-                  <a:tcPr marL="9525" marR="9525" marT="9525" marB="0" anchor="b"/>
-                </a:tc>
-                <a:tc>
-                  <a:txBody>
-                    <a:bodyPr/>
-                    <a:lstStyle/>
-                    <a:p>
-                      <a:pPr algn="l" fontAlgn="b"/>
-                      <a:endParaRPr lang="en-US" sz="1100" b="0" i="0" u="none" strike="noStrike">
-                        <a:solidFill>
-                          <a:srgbClr val="000000"/>
-                        </a:solidFill>
-                        <a:effectLst/>
-                        <a:latin typeface="Liberation Sans"/>
-                      </a:endParaRPr>
-                    </a:p>
-                  </a:txBody>
-                  <a:tcPr marL="9525" marR="9525" marT="9525" marB="0" anchor="b"/>
-                </a:tc>
-                <a:tc>
-                  <a:txBody>
-                    <a:bodyPr/>
-                    <a:lstStyle/>
-                    <a:p>
-                      <a:pPr algn="r" fontAlgn="b"/>
-                      <a:r>
-                        <a:rPr lang="en-US" sz="1100" u="none" strike="noStrike">
-                          <a:effectLst/>
-                        </a:rPr>
-                        <a:t>2</a:t>
-                      </a:r>
-                      <a:endParaRPr lang="en-US" sz="1100" b="0" i="0" u="none" strike="noStrike">
-                        <a:solidFill>
-                          <a:srgbClr val="000000"/>
-                        </a:solidFill>
-                        <a:effectLst/>
-                        <a:latin typeface="Liberation Sans"/>
-                      </a:endParaRPr>
-                    </a:p>
-                  </a:txBody>
-                  <a:tcPr marL="9525" marR="9525" marT="9525" marB="0" anchor="b"/>
-                </a:tc>
-                <a:tc>
-                  <a:txBody>
-                    <a:bodyPr/>
-                    <a:lstStyle/>
-                    <a:p>
-                      <a:pPr algn="r" fontAlgn="b"/>
-                      <a:r>
-                        <a:rPr lang="en-US" sz="1100" u="none" strike="noStrike">
-                          <a:effectLst/>
-                        </a:rPr>
-                        <a:t>133.9</a:t>
-                      </a:r>
-                      <a:endParaRPr lang="en-US" sz="1100" b="0" i="0" u="none" strike="noStrike">
-                        <a:solidFill>
-                          <a:srgbClr val="000000"/>
-                        </a:solidFill>
-                        <a:effectLst/>
-                        <a:latin typeface="Liberation Sans"/>
-                      </a:endParaRPr>
-                    </a:p>
-                  </a:txBody>
-                  <a:tcPr marL="9525" marR="9525" marT="9525" marB="0" anchor="b"/>
-                </a:tc>
-              </a:tr>
-              <a:tr h="266000">
-                <a:tc>
-                  <a:txBody>
-                    <a:bodyPr/>
-                    <a:lstStyle/>
-                    <a:p>
-                      <a:pPr algn="l" fontAlgn="b"/>
-                      <a:r>
-                        <a:rPr lang="en-US" sz="1100" u="none" strike="noStrike">
-                          <a:effectLst/>
-                        </a:rPr>
-                        <a:t>Screen1</a:t>
-                      </a:r>
-                      <a:endParaRPr lang="en-US" sz="1100" b="0" i="0" u="none" strike="noStrike">
-                        <a:solidFill>
-                          <a:srgbClr val="000000"/>
-                        </a:solidFill>
-                        <a:effectLst/>
-                        <a:latin typeface="Liberation Sans"/>
-                      </a:endParaRPr>
-                    </a:p>
-                  </a:txBody>
-                  <a:tcPr marL="9525" marR="9525" marT="9525" marB="0" anchor="b"/>
-                </a:tc>
-                <a:tc>
-                  <a:txBody>
-                    <a:bodyPr/>
-                    <a:lstStyle/>
-                    <a:p>
-                      <a:pPr algn="l" fontAlgn="b"/>
-                      <a:endParaRPr lang="en-US" sz="1100" b="0" i="0" u="none" strike="noStrike">
-                        <a:solidFill>
-                          <a:srgbClr val="000000"/>
-                        </a:solidFill>
-                        <a:effectLst/>
-                        <a:latin typeface="Liberation Sans"/>
-                      </a:endParaRPr>
-                    </a:p>
-                  </a:txBody>
-                  <a:tcPr marL="9525" marR="9525" marT="9525" marB="0" anchor="b"/>
-                </a:tc>
-                <a:tc>
-                  <a:txBody>
-                    <a:bodyPr/>
-                    <a:lstStyle/>
-                    <a:p>
-                      <a:pPr algn="l" fontAlgn="b"/>
-                      <a:r>
-                        <a:rPr lang="en-US" sz="1100" u="none" strike="noStrike">
-                          <a:effectLst/>
-                        </a:rPr>
-                        <a:t>AdaFruit</a:t>
-                      </a:r>
-                      <a:endParaRPr lang="en-US" sz="1100" b="0" i="0" u="none" strike="noStrike">
-                        <a:solidFill>
-                          <a:srgbClr val="000000"/>
-                        </a:solidFill>
-                        <a:effectLst/>
-                        <a:latin typeface="Liberation Sans"/>
-                      </a:endParaRPr>
-                    </a:p>
-                  </a:txBody>
-                  <a:tcPr marL="9525" marR="9525" marT="9525" marB="0" anchor="b"/>
-                </a:tc>
-                <a:tc>
-                  <a:txBody>
-                    <a:bodyPr/>
-                    <a:lstStyle/>
-                    <a:p>
-                      <a:pPr algn="r" fontAlgn="b"/>
-                      <a:r>
-                        <a:rPr lang="en-US" sz="1100" u="none" strike="noStrike">
-                          <a:effectLst/>
-                        </a:rPr>
-                        <a:t>139.95</a:t>
-                      </a:r>
-                      <a:endParaRPr lang="en-US" sz="1100" b="0" i="0" u="none" strike="noStrike">
-                        <a:solidFill>
-                          <a:srgbClr val="000000"/>
-                        </a:solidFill>
-                        <a:effectLst/>
-                        <a:latin typeface="Liberation Sans"/>
-                      </a:endParaRPr>
-                    </a:p>
-                  </a:txBody>
-                  <a:tcPr marL="9525" marR="9525" marT="9525" marB="0" anchor="b"/>
-                </a:tc>
-                <a:tc>
-                  <a:txBody>
-                    <a:bodyPr/>
-                    <a:lstStyle/>
-                    <a:p>
-                      <a:pPr algn="l" fontAlgn="b"/>
-                      <a:endParaRPr lang="en-US" sz="1100" b="0" i="0" u="none" strike="noStrike">
-                        <a:solidFill>
-                          <a:srgbClr val="000000"/>
-                        </a:solidFill>
-                        <a:effectLst/>
-                        <a:latin typeface="Liberation Sans"/>
-                      </a:endParaRPr>
-                    </a:p>
-                  </a:txBody>
-                  <a:tcPr marL="9525" marR="9525" marT="9525" marB="0" anchor="b"/>
-                </a:tc>
-                <a:tc>
-                  <a:txBody>
-                    <a:bodyPr/>
-                    <a:lstStyle/>
-                    <a:p>
-                      <a:pPr algn="r" fontAlgn="b"/>
-                      <a:r>
-                        <a:rPr lang="en-US" sz="1100" u="none" strike="noStrike">
-                          <a:effectLst/>
-                        </a:rPr>
-                        <a:t>1</a:t>
-                      </a:r>
-                      <a:endParaRPr lang="en-US" sz="1100" b="0" i="0" u="none" strike="noStrike">
-                        <a:solidFill>
-                          <a:srgbClr val="000000"/>
-                        </a:solidFill>
-                        <a:effectLst/>
-                        <a:latin typeface="Liberation Sans"/>
-                      </a:endParaRPr>
-                    </a:p>
-                  </a:txBody>
-                  <a:tcPr marL="9525" marR="9525" marT="9525" marB="0" anchor="b"/>
-                </a:tc>
-                <a:tc>
-                  <a:txBody>
-                    <a:bodyPr/>
-                    <a:lstStyle/>
-                    <a:p>
-                      <a:pPr algn="r" fontAlgn="b"/>
-                      <a:r>
-                        <a:rPr lang="en-US" sz="1100" u="none" strike="noStrike">
-                          <a:effectLst/>
-                        </a:rPr>
-                        <a:t>139.95</a:t>
-                      </a:r>
-                      <a:endParaRPr lang="en-US" sz="1100" b="0" i="0" u="none" strike="noStrike">
-                        <a:solidFill>
-                          <a:srgbClr val="000000"/>
-                        </a:solidFill>
-                        <a:effectLst/>
-                        <a:latin typeface="Liberation Sans"/>
-                      </a:endParaRPr>
-                    </a:p>
-                  </a:txBody>
-                  <a:tcPr marL="9525" marR="9525" marT="9525" marB="0" anchor="b"/>
-                </a:tc>
-              </a:tr>
-              <a:tr h="266000">
-                <a:tc>
-                  <a:txBody>
-                    <a:bodyPr/>
-                    <a:lstStyle/>
-                    <a:p>
-                      <a:pPr algn="l" fontAlgn="b"/>
-                      <a:r>
-                        <a:rPr lang="en-US" sz="1100" u="none" strike="noStrike">
-                          <a:effectLst/>
-                        </a:rPr>
-                        <a:t>Screen2</a:t>
-                      </a:r>
-                      <a:endParaRPr lang="en-US" sz="1100" b="0" i="0" u="none" strike="noStrike">
-                        <a:solidFill>
-                          <a:srgbClr val="000000"/>
-                        </a:solidFill>
-                        <a:effectLst/>
-                        <a:latin typeface="Liberation Sans"/>
-                      </a:endParaRPr>
-                    </a:p>
-                  </a:txBody>
-                  <a:tcPr marL="9525" marR="9525" marT="9525" marB="0" anchor="b"/>
-                </a:tc>
-                <a:tc>
-                  <a:txBody>
-                    <a:bodyPr/>
-                    <a:lstStyle/>
-                    <a:p>
-                      <a:pPr algn="l" fontAlgn="b"/>
-                      <a:endParaRPr lang="en-US" sz="1100" b="0" i="0" u="none" strike="noStrike">
-                        <a:solidFill>
-                          <a:srgbClr val="000000"/>
-                        </a:solidFill>
-                        <a:effectLst/>
-                        <a:latin typeface="Liberation Sans"/>
-                      </a:endParaRPr>
-                    </a:p>
-                  </a:txBody>
-                  <a:tcPr marL="9525" marR="9525" marT="9525" marB="0" anchor="b"/>
-                </a:tc>
-                <a:tc>
-                  <a:txBody>
-                    <a:bodyPr/>
-                    <a:lstStyle/>
-                    <a:p>
-                      <a:pPr algn="l" fontAlgn="b"/>
-                      <a:r>
-                        <a:rPr lang="en-US" sz="1100" u="none" strike="noStrike">
-                          <a:effectLst/>
-                        </a:rPr>
-                        <a:t>AdaFruit</a:t>
-                      </a:r>
-                      <a:endParaRPr lang="en-US" sz="1100" b="0" i="0" u="none" strike="noStrike">
-                        <a:solidFill>
-                          <a:srgbClr val="000000"/>
-                        </a:solidFill>
-                        <a:effectLst/>
-                        <a:latin typeface="Liberation Sans"/>
-                      </a:endParaRPr>
-                    </a:p>
-                  </a:txBody>
-                  <a:tcPr marL="9525" marR="9525" marT="9525" marB="0" anchor="b"/>
-                </a:tc>
-                <a:tc>
-                  <a:txBody>
-                    <a:bodyPr/>
-                    <a:lstStyle/>
-                    <a:p>
-                      <a:pPr algn="r" fontAlgn="b"/>
-                      <a:r>
-                        <a:rPr lang="en-US" sz="1100" u="none" strike="noStrike">
-                          <a:effectLst/>
-                        </a:rPr>
-                        <a:t>64.95</a:t>
-                      </a:r>
-                      <a:endParaRPr lang="en-US" sz="1100" b="0" i="0" u="none" strike="noStrike">
-                        <a:solidFill>
-                          <a:srgbClr val="000000"/>
-                        </a:solidFill>
-                        <a:effectLst/>
-                        <a:latin typeface="Liberation Sans"/>
-                      </a:endParaRPr>
-                    </a:p>
-                  </a:txBody>
-                  <a:tcPr marL="9525" marR="9525" marT="9525" marB="0" anchor="b"/>
-                </a:tc>
-                <a:tc>
-                  <a:txBody>
-                    <a:bodyPr/>
-                    <a:lstStyle/>
-                    <a:p>
-                      <a:pPr algn="l" fontAlgn="b"/>
-                      <a:endParaRPr lang="en-US" sz="1100" b="0" i="0" u="none" strike="noStrike">
-                        <a:solidFill>
-                          <a:srgbClr val="000000"/>
-                        </a:solidFill>
-                        <a:effectLst/>
-                        <a:latin typeface="Liberation Sans"/>
-                      </a:endParaRPr>
-                    </a:p>
-                  </a:txBody>
-                  <a:tcPr marL="9525" marR="9525" marT="9525" marB="0" anchor="b"/>
-                </a:tc>
-                <a:tc>
-                  <a:txBody>
-                    <a:bodyPr/>
-                    <a:lstStyle/>
-                    <a:p>
-                      <a:pPr algn="r" fontAlgn="b"/>
-                      <a:r>
-                        <a:rPr lang="en-US" sz="1100" u="none" strike="noStrike">
-                          <a:effectLst/>
-                        </a:rPr>
-                        <a:t>1</a:t>
-                      </a:r>
-                      <a:endParaRPr lang="en-US" sz="1100" b="0" i="0" u="none" strike="noStrike">
-                        <a:solidFill>
-                          <a:srgbClr val="000000"/>
-                        </a:solidFill>
-                        <a:effectLst/>
-                        <a:latin typeface="Liberation Sans"/>
-                      </a:endParaRPr>
-                    </a:p>
-                  </a:txBody>
-                  <a:tcPr marL="9525" marR="9525" marT="9525" marB="0" anchor="b"/>
-                </a:tc>
-                <a:tc>
-                  <a:txBody>
-                    <a:bodyPr/>
-                    <a:lstStyle/>
-                    <a:p>
-                      <a:pPr algn="r" fontAlgn="b"/>
-                      <a:r>
-                        <a:rPr lang="en-US" sz="1100" u="none" strike="noStrike">
-                          <a:effectLst/>
-                        </a:rPr>
-                        <a:t>64.95</a:t>
-                      </a:r>
-                      <a:endParaRPr lang="en-US" sz="1100" b="0" i="0" u="none" strike="noStrike">
-                        <a:solidFill>
-                          <a:srgbClr val="000000"/>
-                        </a:solidFill>
-                        <a:effectLst/>
-                        <a:latin typeface="Liberation Sans"/>
-                      </a:endParaRPr>
-                    </a:p>
-                  </a:txBody>
-                  <a:tcPr marL="9525" marR="9525" marT="9525" marB="0" anchor="b"/>
-                </a:tc>
-              </a:tr>
-              <a:tr h="266000">
-                <a:tc>
-                  <a:txBody>
-                    <a:bodyPr/>
-                    <a:lstStyle/>
-                    <a:p>
-                      <a:pPr algn="l" fontAlgn="b"/>
-                      <a:r>
-                        <a:rPr lang="en-US" sz="1100" u="none" strike="noStrike">
-                          <a:effectLst/>
-                        </a:rPr>
-                        <a:t>IMU</a:t>
-                      </a:r>
-                      <a:endParaRPr lang="en-US" sz="1100" b="0" i="0" u="none" strike="noStrike">
-                        <a:solidFill>
-                          <a:srgbClr val="000000"/>
-                        </a:solidFill>
-                        <a:effectLst/>
-                        <a:latin typeface="Liberation Sans"/>
-                      </a:endParaRPr>
-                    </a:p>
-                  </a:txBody>
-                  <a:tcPr marL="9525" marR="9525" marT="9525" marB="0" anchor="b"/>
-                </a:tc>
-                <a:tc>
-                  <a:txBody>
-                    <a:bodyPr/>
-                    <a:lstStyle/>
-                    <a:p>
-                      <a:pPr algn="l" fontAlgn="b"/>
-                      <a:endParaRPr lang="en-US" sz="1100" b="0" i="0" u="none" strike="noStrike">
-                        <a:solidFill>
-                          <a:srgbClr val="000000"/>
-                        </a:solidFill>
-                        <a:effectLst/>
-                        <a:latin typeface="Liberation Sans"/>
-                      </a:endParaRPr>
-                    </a:p>
-                  </a:txBody>
-                  <a:tcPr marL="9525" marR="9525" marT="9525" marB="0" anchor="b"/>
-                </a:tc>
-                <a:tc>
-                  <a:txBody>
-                    <a:bodyPr/>
-                    <a:lstStyle/>
-                    <a:p>
-                      <a:pPr algn="l" fontAlgn="b"/>
-                      <a:r>
-                        <a:rPr lang="en-US" sz="1100" u="none" strike="noStrike">
-                          <a:effectLst/>
-                        </a:rPr>
-                        <a:t>Mouser</a:t>
-                      </a:r>
-                      <a:endParaRPr lang="en-US" sz="1100" b="0" i="0" u="none" strike="noStrike">
-                        <a:solidFill>
-                          <a:srgbClr val="000000"/>
-                        </a:solidFill>
-                        <a:effectLst/>
-                        <a:latin typeface="Liberation Sans"/>
-                      </a:endParaRPr>
-                    </a:p>
-                  </a:txBody>
-                  <a:tcPr marL="9525" marR="9525" marT="9525" marB="0" anchor="b"/>
-                </a:tc>
-                <a:tc>
-                  <a:txBody>
-                    <a:bodyPr/>
-                    <a:lstStyle/>
-                    <a:p>
-                      <a:pPr algn="r" fontAlgn="b"/>
-                      <a:r>
-                        <a:rPr lang="en-US" sz="1100" u="none" strike="noStrike">
-                          <a:effectLst/>
-                        </a:rPr>
-                        <a:t>$28.75 </a:t>
-                      </a:r>
-                      <a:endParaRPr lang="en-US" sz="1100" b="0" i="0" u="none" strike="noStrike">
-                        <a:solidFill>
-                          <a:srgbClr val="000000"/>
-                        </a:solidFill>
-                        <a:effectLst/>
-                        <a:latin typeface="Liberation Sans"/>
-                      </a:endParaRPr>
-                    </a:p>
-                  </a:txBody>
-                  <a:tcPr marL="9525" marR="9525" marT="9525" marB="0" anchor="b"/>
-                </a:tc>
-                <a:tc>
-                  <a:txBody>
-                    <a:bodyPr/>
-                    <a:lstStyle/>
-                    <a:p>
-                      <a:pPr algn="l" fontAlgn="b"/>
-                      <a:endParaRPr lang="en-US" sz="1100" b="0" i="0" u="none" strike="noStrike">
-                        <a:solidFill>
-                          <a:srgbClr val="000000"/>
-                        </a:solidFill>
-                        <a:effectLst/>
-                        <a:latin typeface="Liberation Sans"/>
-                      </a:endParaRPr>
-                    </a:p>
-                  </a:txBody>
-                  <a:tcPr marL="9525" marR="9525" marT="9525" marB="0" anchor="b"/>
-                </a:tc>
-                <a:tc>
-                  <a:txBody>
-                    <a:bodyPr/>
-                    <a:lstStyle/>
-                    <a:p>
-                      <a:pPr algn="r" fontAlgn="b"/>
-                      <a:r>
-                        <a:rPr lang="en-US" sz="1100" u="none" strike="noStrike">
-                          <a:effectLst/>
-                        </a:rPr>
-                        <a:t>1</a:t>
-                      </a:r>
-                      <a:endParaRPr lang="en-US" sz="1100" b="0" i="0" u="none" strike="noStrike">
-                        <a:solidFill>
-                          <a:srgbClr val="000000"/>
-                        </a:solidFill>
-                        <a:effectLst/>
-                        <a:latin typeface="Liberation Sans"/>
-                      </a:endParaRPr>
-                    </a:p>
-                  </a:txBody>
-                  <a:tcPr marL="9525" marR="9525" marT="9525" marB="0" anchor="b"/>
-                </a:tc>
-                <a:tc>
-                  <a:txBody>
-                    <a:bodyPr/>
-                    <a:lstStyle/>
-                    <a:p>
-                      <a:pPr algn="r" fontAlgn="b"/>
-                      <a:r>
-                        <a:rPr lang="en-US" sz="1100" u="none" strike="noStrike">
-                          <a:effectLst/>
-                        </a:rPr>
-                        <a:t>28.75</a:t>
-                      </a:r>
-                      <a:endParaRPr lang="en-US" sz="1100" b="0" i="0" u="none" strike="noStrike">
-                        <a:solidFill>
-                          <a:srgbClr val="000000"/>
-                        </a:solidFill>
-                        <a:effectLst/>
-                        <a:latin typeface="Liberation Sans"/>
-                      </a:endParaRPr>
-                    </a:p>
-                  </a:txBody>
-                  <a:tcPr marL="9525" marR="9525" marT="9525" marB="0" anchor="b"/>
-                </a:tc>
-              </a:tr>
-              <a:tr h="266000">
-                <a:tc>
-                  <a:txBody>
-                    <a:bodyPr/>
-                    <a:lstStyle/>
-                    <a:p>
-                      <a:pPr algn="l" fontAlgn="b"/>
-                      <a:r>
-                        <a:rPr lang="en-US" sz="1100" u="none" strike="noStrike">
-                          <a:effectLst/>
-                        </a:rPr>
-                        <a:t>GPS</a:t>
-                      </a:r>
-                      <a:endParaRPr lang="en-US" sz="1100" b="0" i="0" u="none" strike="noStrike">
-                        <a:solidFill>
-                          <a:srgbClr val="000000"/>
-                        </a:solidFill>
-                        <a:effectLst/>
-                        <a:latin typeface="Liberation Sans"/>
-                      </a:endParaRPr>
-                    </a:p>
-                  </a:txBody>
-                  <a:tcPr marL="9525" marR="9525" marT="9525" marB="0" anchor="b"/>
-                </a:tc>
-                <a:tc>
-                  <a:txBody>
-                    <a:bodyPr/>
-                    <a:lstStyle/>
-                    <a:p>
-                      <a:pPr algn="l" fontAlgn="b"/>
-                      <a:endParaRPr lang="en-US" sz="1100" b="0" i="0" u="none" strike="noStrike">
-                        <a:solidFill>
-                          <a:srgbClr val="000000"/>
-                        </a:solidFill>
-                        <a:effectLst/>
-                        <a:latin typeface="Liberation Sans"/>
-                      </a:endParaRPr>
-                    </a:p>
-                  </a:txBody>
-                  <a:tcPr marL="9525" marR="9525" marT="9525" marB="0" anchor="b"/>
-                </a:tc>
-                <a:tc>
-                  <a:txBody>
-                    <a:bodyPr/>
-                    <a:lstStyle/>
-                    <a:p>
-                      <a:pPr algn="l" fontAlgn="b"/>
-                      <a:r>
-                        <a:rPr lang="en-US" sz="1100" u="none" strike="noStrike">
-                          <a:effectLst/>
-                        </a:rPr>
-                        <a:t>SparkFun</a:t>
-                      </a:r>
-                      <a:endParaRPr lang="en-US" sz="1100" b="0" i="0" u="none" strike="noStrike">
-                        <a:solidFill>
-                          <a:srgbClr val="000000"/>
-                        </a:solidFill>
-                        <a:effectLst/>
-                        <a:latin typeface="Liberation Sans"/>
-                      </a:endParaRPr>
-                    </a:p>
-                  </a:txBody>
-                  <a:tcPr marL="9525" marR="9525" marT="9525" marB="0" anchor="b"/>
-                </a:tc>
-                <a:tc>
-                  <a:txBody>
-                    <a:bodyPr/>
-                    <a:lstStyle/>
-                    <a:p>
-                      <a:pPr algn="r" fontAlgn="b"/>
-                      <a:r>
-                        <a:rPr lang="en-US" sz="1100" u="none" strike="noStrike">
-                          <a:effectLst/>
-                        </a:rPr>
-                        <a:t>49.99</a:t>
-                      </a:r>
-                      <a:endParaRPr lang="en-US" sz="1100" b="0" i="0" u="none" strike="noStrike">
-                        <a:solidFill>
-                          <a:srgbClr val="000000"/>
-                        </a:solidFill>
-                        <a:effectLst/>
-                        <a:latin typeface="Liberation Sans"/>
-                      </a:endParaRPr>
-                    </a:p>
-                  </a:txBody>
-                  <a:tcPr marL="9525" marR="9525" marT="9525" marB="0" anchor="b"/>
-                </a:tc>
-                <a:tc>
-                  <a:txBody>
-                    <a:bodyPr/>
-                    <a:lstStyle/>
-                    <a:p>
-                      <a:pPr algn="l" fontAlgn="b"/>
-                      <a:endParaRPr lang="en-US" sz="1100" b="0" i="0" u="none" strike="noStrike">
-                        <a:solidFill>
-                          <a:srgbClr val="000000"/>
-                        </a:solidFill>
-                        <a:effectLst/>
-                        <a:latin typeface="Liberation Sans"/>
-                      </a:endParaRPr>
-                    </a:p>
-                  </a:txBody>
-                  <a:tcPr marL="9525" marR="9525" marT="9525" marB="0" anchor="b"/>
-                </a:tc>
-                <a:tc>
-                  <a:txBody>
-                    <a:bodyPr/>
-                    <a:lstStyle/>
-                    <a:p>
-                      <a:pPr algn="r" fontAlgn="b"/>
-                      <a:r>
-                        <a:rPr lang="en-US" sz="1100" u="none" strike="noStrike">
-                          <a:effectLst/>
-                        </a:rPr>
-                        <a:t>1</a:t>
-                      </a:r>
-                      <a:endParaRPr lang="en-US" sz="1100" b="0" i="0" u="none" strike="noStrike">
-                        <a:solidFill>
-                          <a:srgbClr val="000000"/>
-                        </a:solidFill>
-                        <a:effectLst/>
-                        <a:latin typeface="Liberation Sans"/>
-                      </a:endParaRPr>
-                    </a:p>
-                  </a:txBody>
-                  <a:tcPr marL="9525" marR="9525" marT="9525" marB="0" anchor="b"/>
-                </a:tc>
-                <a:tc>
-                  <a:txBody>
-                    <a:bodyPr/>
-                    <a:lstStyle/>
-                    <a:p>
-                      <a:pPr algn="r" fontAlgn="b"/>
-                      <a:r>
-                        <a:rPr lang="en-US" sz="1100" u="none" strike="noStrike">
-                          <a:effectLst/>
-                        </a:rPr>
-                        <a:t>49.99</a:t>
-                      </a:r>
-                      <a:endParaRPr lang="en-US" sz="1100" b="0" i="0" u="none" strike="noStrike">
-                        <a:solidFill>
-                          <a:srgbClr val="000000"/>
-                        </a:solidFill>
-                        <a:effectLst/>
-                        <a:latin typeface="Liberation Sans"/>
-                      </a:endParaRPr>
-                    </a:p>
-                  </a:txBody>
-                  <a:tcPr marL="9525" marR="9525" marT="9525" marB="0" anchor="b"/>
-                </a:tc>
-              </a:tr>
-              <a:tr h="266000">
-                <a:tc>
-                  <a:txBody>
-                    <a:bodyPr/>
-                    <a:lstStyle/>
-                    <a:p>
-                      <a:pPr algn="l" fontAlgn="b"/>
-                      <a:r>
-                        <a:rPr lang="en-US" sz="1100" u="none" strike="noStrike">
-                          <a:effectLst/>
-                        </a:rPr>
-                        <a:t>Passives</a:t>
-                      </a:r>
-                      <a:endParaRPr lang="en-US" sz="1100" b="0" i="0" u="none" strike="noStrike">
-                        <a:solidFill>
-                          <a:srgbClr val="000000"/>
-                        </a:solidFill>
-                        <a:effectLst/>
-                        <a:latin typeface="Liberation Sans"/>
-                      </a:endParaRPr>
-                    </a:p>
-                  </a:txBody>
-                  <a:tcPr marL="9525" marR="9525" marT="9525" marB="0" anchor="b"/>
-                </a:tc>
-                <a:tc>
-                  <a:txBody>
-                    <a:bodyPr/>
-                    <a:lstStyle/>
-                    <a:p>
-                      <a:pPr algn="l" fontAlgn="b"/>
-                      <a:endParaRPr lang="en-US" sz="1100" b="0" i="0" u="none" strike="noStrike">
-                        <a:solidFill>
-                          <a:srgbClr val="000000"/>
-                        </a:solidFill>
-                        <a:effectLst/>
-                        <a:latin typeface="Liberation Sans"/>
-                      </a:endParaRPr>
-                    </a:p>
-                  </a:txBody>
-                  <a:tcPr marL="9525" marR="9525" marT="9525" marB="0" anchor="b"/>
-                </a:tc>
-                <a:tc>
-                  <a:txBody>
-                    <a:bodyPr/>
-                    <a:lstStyle/>
-                    <a:p>
-                      <a:pPr algn="l" fontAlgn="b"/>
-                      <a:r>
-                        <a:rPr lang="en-US" sz="1100" u="none" strike="noStrike">
-                          <a:effectLst/>
-                        </a:rPr>
-                        <a:t>Various</a:t>
-                      </a:r>
-                      <a:endParaRPr lang="en-US" sz="1100" b="0" i="0" u="none" strike="noStrike">
-                        <a:solidFill>
-                          <a:srgbClr val="000000"/>
-                        </a:solidFill>
-                        <a:effectLst/>
-                        <a:latin typeface="Liberation Sans"/>
-                      </a:endParaRPr>
-                    </a:p>
-                  </a:txBody>
-                  <a:tcPr marL="9525" marR="9525" marT="9525" marB="0" anchor="b"/>
-                </a:tc>
-                <a:tc>
-                  <a:txBody>
-                    <a:bodyPr/>
-                    <a:lstStyle/>
-                    <a:p>
-                      <a:pPr algn="r" fontAlgn="b"/>
-                      <a:r>
-                        <a:rPr lang="en-US" sz="1100" u="none" strike="noStrike">
-                          <a:effectLst/>
-                        </a:rPr>
-                        <a:t>10</a:t>
-                      </a:r>
-                      <a:endParaRPr lang="en-US" sz="1100" b="0" i="0" u="none" strike="noStrike">
-                        <a:solidFill>
-                          <a:srgbClr val="000000"/>
-                        </a:solidFill>
-                        <a:effectLst/>
-                        <a:latin typeface="Liberation Sans"/>
-                      </a:endParaRPr>
-                    </a:p>
-                  </a:txBody>
-                  <a:tcPr marL="9525" marR="9525" marT="9525" marB="0" anchor="b"/>
-                </a:tc>
-                <a:tc>
-                  <a:txBody>
-                    <a:bodyPr/>
-                    <a:lstStyle/>
-                    <a:p>
-                      <a:pPr algn="l" fontAlgn="b"/>
-                      <a:endParaRPr lang="en-US" sz="1100" b="0" i="0" u="none" strike="noStrike">
-                        <a:solidFill>
-                          <a:srgbClr val="000000"/>
-                        </a:solidFill>
-                        <a:effectLst/>
-                        <a:latin typeface="Liberation Sans"/>
-                      </a:endParaRPr>
-                    </a:p>
-                  </a:txBody>
-                  <a:tcPr marL="9525" marR="9525" marT="9525" marB="0" anchor="b"/>
-                </a:tc>
-                <a:tc>
-                  <a:txBody>
-                    <a:bodyPr/>
-                    <a:lstStyle/>
-                    <a:p>
-                      <a:pPr algn="r" fontAlgn="b"/>
-                      <a:r>
-                        <a:rPr lang="en-US" sz="1100" u="none" strike="noStrike">
-                          <a:effectLst/>
-                        </a:rPr>
-                        <a:t>2</a:t>
-                      </a:r>
-                      <a:endParaRPr lang="en-US" sz="1100" b="0" i="0" u="none" strike="noStrike">
-                        <a:solidFill>
-                          <a:srgbClr val="000000"/>
-                        </a:solidFill>
-                        <a:effectLst/>
-                        <a:latin typeface="Liberation Sans"/>
-                      </a:endParaRPr>
-                    </a:p>
-                  </a:txBody>
-                  <a:tcPr marL="9525" marR="9525" marT="9525" marB="0" anchor="b"/>
-                </a:tc>
-                <a:tc>
-                  <a:txBody>
-                    <a:bodyPr/>
-                    <a:lstStyle/>
-                    <a:p>
-                      <a:pPr algn="r" fontAlgn="b"/>
-                      <a:r>
-                        <a:rPr lang="en-US" sz="1100" u="none" strike="noStrike">
-                          <a:effectLst/>
-                        </a:rPr>
-                        <a:t>20</a:t>
-                      </a:r>
-                      <a:endParaRPr lang="en-US" sz="1100" b="0" i="0" u="none" strike="noStrike">
-                        <a:solidFill>
-                          <a:srgbClr val="000000"/>
-                        </a:solidFill>
-                        <a:effectLst/>
-                        <a:latin typeface="Liberation Sans"/>
-                      </a:endParaRPr>
-                    </a:p>
-                  </a:txBody>
-                  <a:tcPr marL="9525" marR="9525" marT="9525" marB="0" anchor="b"/>
-                </a:tc>
-              </a:tr>
-              <a:tr h="266000">
-                <a:tc>
-                  <a:txBody>
-                    <a:bodyPr/>
-                    <a:lstStyle/>
-                    <a:p>
-                      <a:pPr algn="l" fontAlgn="b"/>
-                      <a:r>
-                        <a:rPr lang="en-US" sz="1100" u="none" strike="noStrike">
-                          <a:effectLst/>
-                        </a:rPr>
-                        <a:t>PCB</a:t>
-                      </a:r>
-                      <a:endParaRPr lang="en-US" sz="1100" b="0" i="0" u="none" strike="noStrike">
-                        <a:solidFill>
-                          <a:srgbClr val="000000"/>
-                        </a:solidFill>
-                        <a:effectLst/>
-                        <a:latin typeface="Liberation Sans"/>
-                      </a:endParaRPr>
-                    </a:p>
-                  </a:txBody>
-                  <a:tcPr marL="9525" marR="9525" marT="9525" marB="0" anchor="b"/>
-                </a:tc>
-                <a:tc>
-                  <a:txBody>
-                    <a:bodyPr/>
-                    <a:lstStyle/>
-                    <a:p>
-                      <a:pPr algn="l" fontAlgn="b"/>
-                      <a:endParaRPr lang="en-US" sz="1100" b="0" i="0" u="none" strike="noStrike">
-                        <a:solidFill>
-                          <a:srgbClr val="000000"/>
-                        </a:solidFill>
-                        <a:effectLst/>
-                        <a:latin typeface="Liberation Sans"/>
-                      </a:endParaRPr>
-                    </a:p>
-                  </a:txBody>
-                  <a:tcPr marL="9525" marR="9525" marT="9525" marB="0" anchor="b"/>
-                </a:tc>
-                <a:tc>
-                  <a:txBody>
-                    <a:bodyPr/>
-                    <a:lstStyle/>
-                    <a:p>
-                      <a:pPr algn="l" fontAlgn="b"/>
-                      <a:r>
-                        <a:rPr lang="en-US" sz="1100" u="none" strike="noStrike">
-                          <a:effectLst/>
-                        </a:rPr>
-                        <a:t>Oshpark</a:t>
-                      </a:r>
-                      <a:endParaRPr lang="en-US" sz="1100" b="0" i="0" u="none" strike="noStrike">
-                        <a:solidFill>
-                          <a:srgbClr val="000000"/>
-                        </a:solidFill>
-                        <a:effectLst/>
-                        <a:latin typeface="Liberation Sans"/>
-                      </a:endParaRPr>
-                    </a:p>
-                  </a:txBody>
-                  <a:tcPr marL="9525" marR="9525" marT="9525" marB="0" anchor="b"/>
-                </a:tc>
-                <a:tc>
-                  <a:txBody>
-                    <a:bodyPr/>
-                    <a:lstStyle/>
-                    <a:p>
-                      <a:pPr algn="r" fontAlgn="b"/>
-                      <a:r>
-                        <a:rPr lang="en-US" sz="1100" u="none" strike="noStrike">
-                          <a:effectLst/>
-                        </a:rPr>
-                        <a:t>40</a:t>
-                      </a:r>
-                      <a:endParaRPr lang="en-US" sz="1100" b="0" i="0" u="none" strike="noStrike">
-                        <a:solidFill>
-                          <a:srgbClr val="000000"/>
-                        </a:solidFill>
-                        <a:effectLst/>
-                        <a:latin typeface="Liberation Sans"/>
-                      </a:endParaRPr>
-                    </a:p>
-                  </a:txBody>
-                  <a:tcPr marL="9525" marR="9525" marT="9525" marB="0" anchor="b"/>
-                </a:tc>
-                <a:tc>
-                  <a:txBody>
-                    <a:bodyPr/>
-                    <a:lstStyle/>
-                    <a:p>
-                      <a:pPr algn="l" fontAlgn="b"/>
-                      <a:endParaRPr lang="en-US" sz="1100" b="0" i="0" u="none" strike="noStrike">
-                        <a:solidFill>
-                          <a:srgbClr val="000000"/>
-                        </a:solidFill>
-                        <a:effectLst/>
-                        <a:latin typeface="Liberation Sans"/>
-                      </a:endParaRPr>
-                    </a:p>
-                  </a:txBody>
-                  <a:tcPr marL="9525" marR="9525" marT="9525" marB="0" anchor="b"/>
-                </a:tc>
-                <a:tc>
-                  <a:txBody>
-                    <a:bodyPr/>
-                    <a:lstStyle/>
-                    <a:p>
-                      <a:pPr algn="r" fontAlgn="b"/>
-                      <a:r>
-                        <a:rPr lang="en-US" sz="1100" u="none" strike="noStrike">
-                          <a:effectLst/>
-                        </a:rPr>
-                        <a:t>2</a:t>
-                      </a:r>
-                      <a:endParaRPr lang="en-US" sz="1100" b="0" i="0" u="none" strike="noStrike">
-                        <a:solidFill>
-                          <a:srgbClr val="000000"/>
-                        </a:solidFill>
-                        <a:effectLst/>
-                        <a:latin typeface="Liberation Sans"/>
-                      </a:endParaRPr>
-                    </a:p>
-                  </a:txBody>
-                  <a:tcPr marL="9525" marR="9525" marT="9525" marB="0" anchor="b"/>
-                </a:tc>
-                <a:tc>
-                  <a:txBody>
-                    <a:bodyPr/>
-                    <a:lstStyle/>
-                    <a:p>
-                      <a:pPr algn="r" fontAlgn="b"/>
-                      <a:r>
-                        <a:rPr lang="en-US" sz="1100" u="none" strike="noStrike">
-                          <a:effectLst/>
-                        </a:rPr>
-                        <a:t>80</a:t>
-                      </a:r>
-                      <a:endParaRPr lang="en-US" sz="1100" b="0" i="0" u="none" strike="noStrike">
-                        <a:solidFill>
-                          <a:srgbClr val="000000"/>
-                        </a:solidFill>
-                        <a:effectLst/>
-                        <a:latin typeface="Liberation Sans"/>
-                      </a:endParaRPr>
-                    </a:p>
-                  </a:txBody>
-                  <a:tcPr marL="9525" marR="9525" marT="9525" marB="0" anchor="b"/>
-                </a:tc>
-              </a:tr>
-              <a:tr h="266000">
-                <a:tc>
-                  <a:txBody>
-                    <a:bodyPr/>
-                    <a:lstStyle/>
-                    <a:p>
-                      <a:pPr algn="l" fontAlgn="b"/>
-                      <a:r>
-                        <a:rPr lang="en-US" sz="1100" u="none" strike="noStrike">
-                          <a:effectLst/>
-                        </a:rPr>
-                        <a:t>Microcontroller</a:t>
-                      </a:r>
-                      <a:endParaRPr lang="en-US" sz="1100" b="0" i="0" u="none" strike="noStrike">
-                        <a:solidFill>
-                          <a:srgbClr val="000000"/>
-                        </a:solidFill>
-                        <a:effectLst/>
-                        <a:latin typeface="Liberation Sans"/>
-                      </a:endParaRPr>
-                    </a:p>
-                  </a:txBody>
-                  <a:tcPr marL="9525" marR="9525" marT="9525" marB="0" anchor="b"/>
-                </a:tc>
-                <a:tc>
-                  <a:txBody>
-                    <a:bodyPr/>
-                    <a:lstStyle/>
-                    <a:p>
-                      <a:pPr algn="l" fontAlgn="b"/>
-                      <a:endParaRPr lang="en-US" sz="1100" b="0" i="0" u="none" strike="noStrike">
-                        <a:solidFill>
-                          <a:srgbClr val="000000"/>
-                        </a:solidFill>
-                        <a:effectLst/>
-                        <a:latin typeface="Liberation Sans"/>
-                      </a:endParaRPr>
-                    </a:p>
-                  </a:txBody>
-                  <a:tcPr marL="9525" marR="9525" marT="9525" marB="0" anchor="b"/>
-                </a:tc>
-                <a:tc>
-                  <a:txBody>
-                    <a:bodyPr/>
-                    <a:lstStyle/>
-                    <a:p>
-                      <a:pPr algn="l" fontAlgn="b"/>
-                      <a:r>
-                        <a:rPr lang="en-US" sz="1100" u="none" strike="noStrike">
-                          <a:effectLst/>
-                        </a:rPr>
-                        <a:t>DigiKey</a:t>
-                      </a:r>
-                      <a:endParaRPr lang="en-US" sz="1100" b="0" i="0" u="none" strike="noStrike">
-                        <a:solidFill>
-                          <a:srgbClr val="000000"/>
-                        </a:solidFill>
-                        <a:effectLst/>
-                        <a:latin typeface="Liberation Sans"/>
-                      </a:endParaRPr>
-                    </a:p>
-                  </a:txBody>
-                  <a:tcPr marL="9525" marR="9525" marT="9525" marB="0" anchor="b"/>
-                </a:tc>
-                <a:tc>
-                  <a:txBody>
-                    <a:bodyPr/>
-                    <a:lstStyle/>
-                    <a:p>
-                      <a:pPr algn="r" fontAlgn="b"/>
-                      <a:r>
-                        <a:rPr lang="en-US" sz="1100" u="none" strike="noStrike">
-                          <a:effectLst/>
-                        </a:rPr>
-                        <a:t>11.45</a:t>
-                      </a:r>
-                      <a:endParaRPr lang="en-US" sz="1100" b="0" i="0" u="none" strike="noStrike">
-                        <a:solidFill>
-                          <a:srgbClr val="000000"/>
-                        </a:solidFill>
-                        <a:effectLst/>
-                        <a:latin typeface="Liberation Sans"/>
-                      </a:endParaRPr>
-                    </a:p>
-                  </a:txBody>
-                  <a:tcPr marL="9525" marR="9525" marT="9525" marB="0" anchor="b"/>
-                </a:tc>
-                <a:tc>
-                  <a:txBody>
-                    <a:bodyPr/>
-                    <a:lstStyle/>
-                    <a:p>
-                      <a:pPr algn="l" fontAlgn="b"/>
-                      <a:endParaRPr lang="en-US" sz="1100" b="0" i="0" u="none" strike="noStrike">
-                        <a:solidFill>
-                          <a:srgbClr val="000000"/>
-                        </a:solidFill>
-                        <a:effectLst/>
-                        <a:latin typeface="Liberation Sans"/>
-                      </a:endParaRPr>
-                    </a:p>
-                  </a:txBody>
-                  <a:tcPr marL="9525" marR="9525" marT="9525" marB="0" anchor="b"/>
-                </a:tc>
-                <a:tc>
-                  <a:txBody>
-                    <a:bodyPr/>
-                    <a:lstStyle/>
-                    <a:p>
-                      <a:pPr algn="r" fontAlgn="b"/>
-                      <a:r>
-                        <a:rPr lang="en-US" sz="1100" u="none" strike="noStrike">
-                          <a:effectLst/>
-                        </a:rPr>
-                        <a:t>2</a:t>
-                      </a:r>
-                      <a:endParaRPr lang="en-US" sz="1100" b="0" i="0" u="none" strike="noStrike">
-                        <a:solidFill>
-                          <a:srgbClr val="000000"/>
-                        </a:solidFill>
-                        <a:effectLst/>
-                        <a:latin typeface="Liberation Sans"/>
-                      </a:endParaRPr>
-                    </a:p>
-                  </a:txBody>
-                  <a:tcPr marL="9525" marR="9525" marT="9525" marB="0" anchor="b"/>
-                </a:tc>
-                <a:tc>
-                  <a:txBody>
-                    <a:bodyPr/>
-                    <a:lstStyle/>
-                    <a:p>
-                      <a:pPr algn="r" fontAlgn="b"/>
-                      <a:r>
-                        <a:rPr lang="en-US" sz="1100" u="none" strike="noStrike">
-                          <a:effectLst/>
-                        </a:rPr>
-                        <a:t>22.9</a:t>
-                      </a:r>
-                      <a:endParaRPr lang="en-US" sz="1100" b="0" i="0" u="none" strike="noStrike">
-                        <a:solidFill>
-                          <a:srgbClr val="000000"/>
-                        </a:solidFill>
-                        <a:effectLst/>
-                        <a:latin typeface="Liberation Sans"/>
-                      </a:endParaRPr>
-                    </a:p>
-                  </a:txBody>
-                  <a:tcPr marL="9525" marR="9525" marT="9525" marB="0" anchor="b"/>
-                </a:tc>
-              </a:tr>
-              <a:tr h="266000">
-                <a:tc>
-                  <a:txBody>
-                    <a:bodyPr/>
-                    <a:lstStyle/>
-                    <a:p>
-                      <a:pPr algn="l" fontAlgn="b"/>
-                      <a:r>
-                        <a:rPr lang="en-US" sz="1100" u="none" strike="noStrike">
-                          <a:effectLst/>
-                        </a:rPr>
-                        <a:t>Charger</a:t>
-                      </a:r>
-                      <a:endParaRPr lang="en-US" sz="1100" b="0" i="0" u="none" strike="noStrike">
-                        <a:solidFill>
-                          <a:srgbClr val="000000"/>
-                        </a:solidFill>
-                        <a:effectLst/>
-                        <a:latin typeface="Liberation Sans"/>
-                      </a:endParaRPr>
-                    </a:p>
-                  </a:txBody>
-                  <a:tcPr marL="9525" marR="9525" marT="9525" marB="0" anchor="b"/>
-                </a:tc>
-                <a:tc>
-                  <a:txBody>
-                    <a:bodyPr/>
-                    <a:lstStyle/>
-                    <a:p>
-                      <a:pPr algn="l" fontAlgn="b"/>
-                      <a:endParaRPr lang="en-US" sz="1100" b="0" i="0" u="none" strike="noStrike">
-                        <a:solidFill>
-                          <a:srgbClr val="000000"/>
-                        </a:solidFill>
-                        <a:effectLst/>
-                        <a:latin typeface="Liberation Sans"/>
-                      </a:endParaRPr>
-                    </a:p>
-                  </a:txBody>
-                  <a:tcPr marL="9525" marR="9525" marT="9525" marB="0" anchor="b"/>
-                </a:tc>
-                <a:tc>
-                  <a:txBody>
-                    <a:bodyPr/>
-                    <a:lstStyle/>
-                    <a:p>
-                      <a:pPr algn="l" fontAlgn="b"/>
-                      <a:r>
-                        <a:rPr lang="en-US" sz="1100" u="none" strike="noStrike">
-                          <a:effectLst/>
-                        </a:rPr>
-                        <a:t>BatterySpace</a:t>
-                      </a:r>
-                      <a:endParaRPr lang="en-US" sz="1100" b="0" i="0" u="none" strike="noStrike">
-                        <a:solidFill>
-                          <a:srgbClr val="000000"/>
-                        </a:solidFill>
-                        <a:effectLst/>
-                        <a:latin typeface="Liberation Sans"/>
-                      </a:endParaRPr>
-                    </a:p>
-                  </a:txBody>
-                  <a:tcPr marL="9525" marR="9525" marT="9525" marB="0" anchor="b"/>
-                </a:tc>
-                <a:tc>
-                  <a:txBody>
-                    <a:bodyPr/>
-                    <a:lstStyle/>
-                    <a:p>
-                      <a:pPr algn="r" fontAlgn="b"/>
-                      <a:r>
-                        <a:rPr lang="en-US" sz="1100" u="none" strike="noStrike">
-                          <a:effectLst/>
-                        </a:rPr>
-                        <a:t>39.95</a:t>
-                      </a:r>
-                      <a:endParaRPr lang="en-US" sz="1100" b="0" i="0" u="none" strike="noStrike">
-                        <a:solidFill>
-                          <a:srgbClr val="000000"/>
-                        </a:solidFill>
-                        <a:effectLst/>
-                        <a:latin typeface="Liberation Sans"/>
-                      </a:endParaRPr>
-                    </a:p>
-                  </a:txBody>
-                  <a:tcPr marL="9525" marR="9525" marT="9525" marB="0" anchor="b"/>
-                </a:tc>
-                <a:tc>
-                  <a:txBody>
-                    <a:bodyPr/>
-                    <a:lstStyle/>
-                    <a:p>
-                      <a:pPr algn="l" fontAlgn="b"/>
-                      <a:endParaRPr lang="en-US" sz="1100" b="0" i="0" u="none" strike="noStrike">
-                        <a:solidFill>
-                          <a:srgbClr val="000000"/>
-                        </a:solidFill>
-                        <a:effectLst/>
-                        <a:latin typeface="Liberation Sans"/>
-                      </a:endParaRPr>
-                    </a:p>
-                  </a:txBody>
-                  <a:tcPr marL="9525" marR="9525" marT="9525" marB="0" anchor="b"/>
-                </a:tc>
-                <a:tc>
-                  <a:txBody>
-                    <a:bodyPr/>
-                    <a:lstStyle/>
-                    <a:p>
-                      <a:pPr algn="r" fontAlgn="b"/>
-                      <a:r>
-                        <a:rPr lang="en-US" sz="1100" u="none" strike="noStrike">
-                          <a:effectLst/>
-                        </a:rPr>
-                        <a:t>2</a:t>
-                      </a:r>
-                      <a:endParaRPr lang="en-US" sz="1100" b="0" i="0" u="none" strike="noStrike">
-                        <a:solidFill>
-                          <a:srgbClr val="000000"/>
-                        </a:solidFill>
-                        <a:effectLst/>
-                        <a:latin typeface="Liberation Sans"/>
-                      </a:endParaRPr>
-                    </a:p>
-                  </a:txBody>
-                  <a:tcPr marL="9525" marR="9525" marT="9525" marB="0" anchor="b"/>
-                </a:tc>
-                <a:tc>
-                  <a:txBody>
-                    <a:bodyPr/>
-                    <a:lstStyle/>
-                    <a:p>
-                      <a:pPr algn="r" fontAlgn="b"/>
-                      <a:r>
-                        <a:rPr lang="en-US" sz="1100" u="none" strike="noStrike">
-                          <a:effectLst/>
-                        </a:rPr>
-                        <a:t>79.9</a:t>
-                      </a:r>
-                      <a:endParaRPr lang="en-US" sz="1100" b="0" i="0" u="none" strike="noStrike">
-                        <a:solidFill>
-                          <a:srgbClr val="000000"/>
-                        </a:solidFill>
-                        <a:effectLst/>
-                        <a:latin typeface="Liberation Sans"/>
-                      </a:endParaRPr>
-                    </a:p>
-                  </a:txBody>
-                  <a:tcPr marL="9525" marR="9525" marT="9525" marB="0" anchor="b"/>
-                </a:tc>
-              </a:tr>
-              <a:tr h="266000">
-                <a:tc>
-                  <a:txBody>
-                    <a:bodyPr/>
-                    <a:lstStyle/>
-                    <a:p>
-                      <a:pPr algn="l" fontAlgn="b"/>
-                      <a:r>
-                        <a:rPr lang="en-US" sz="1100" u="none" strike="noStrike">
-                          <a:effectLst/>
-                        </a:rPr>
-                        <a:t>Regulator</a:t>
-                      </a:r>
-                      <a:endParaRPr lang="en-US" sz="1100" b="0" i="0" u="none" strike="noStrike">
-                        <a:solidFill>
-                          <a:srgbClr val="000000"/>
-                        </a:solidFill>
-                        <a:effectLst/>
-                        <a:latin typeface="Liberation Sans"/>
-                      </a:endParaRPr>
-                    </a:p>
-                  </a:txBody>
-                  <a:tcPr marL="9525" marR="9525" marT="9525" marB="0" anchor="b"/>
-                </a:tc>
-                <a:tc>
-                  <a:txBody>
-                    <a:bodyPr/>
-                    <a:lstStyle/>
-                    <a:p>
-                      <a:pPr algn="l" fontAlgn="b"/>
-                      <a:endParaRPr lang="en-US" sz="1100" b="0" i="0" u="none" strike="noStrike">
-                        <a:solidFill>
-                          <a:srgbClr val="000000"/>
-                        </a:solidFill>
-                        <a:effectLst/>
-                        <a:latin typeface="Liberation Sans"/>
-                      </a:endParaRPr>
-                    </a:p>
-                  </a:txBody>
-                  <a:tcPr marL="9525" marR="9525" marT="9525" marB="0" anchor="b"/>
-                </a:tc>
-                <a:tc>
-                  <a:txBody>
-                    <a:bodyPr/>
-                    <a:lstStyle/>
-                    <a:p>
-                      <a:pPr algn="l" fontAlgn="b"/>
-                      <a:r>
-                        <a:rPr lang="en-US" sz="1100" u="none" strike="noStrike">
-                          <a:effectLst/>
-                        </a:rPr>
-                        <a:t>Mouser</a:t>
-                      </a:r>
-                      <a:endParaRPr lang="en-US" sz="1100" b="0" i="0" u="none" strike="noStrike">
-                        <a:solidFill>
-                          <a:srgbClr val="000000"/>
-                        </a:solidFill>
-                        <a:effectLst/>
-                        <a:latin typeface="Liberation Sans"/>
-                      </a:endParaRPr>
-                    </a:p>
-                  </a:txBody>
-                  <a:tcPr marL="9525" marR="9525" marT="9525" marB="0" anchor="b"/>
-                </a:tc>
-                <a:tc>
-                  <a:txBody>
-                    <a:bodyPr/>
-                    <a:lstStyle/>
-                    <a:p>
-                      <a:pPr algn="r" fontAlgn="b"/>
-                      <a:r>
-                        <a:rPr lang="en-US" sz="1100" u="none" strike="noStrike">
-                          <a:effectLst/>
-                        </a:rPr>
-                        <a:t>13.23</a:t>
-                      </a:r>
-                      <a:endParaRPr lang="en-US" sz="1100" b="0" i="0" u="none" strike="noStrike">
-                        <a:solidFill>
-                          <a:srgbClr val="000000"/>
-                        </a:solidFill>
-                        <a:effectLst/>
-                        <a:latin typeface="Liberation Sans"/>
-                      </a:endParaRPr>
-                    </a:p>
-                  </a:txBody>
-                  <a:tcPr marL="9525" marR="9525" marT="9525" marB="0" anchor="b"/>
-                </a:tc>
-                <a:tc>
-                  <a:txBody>
-                    <a:bodyPr/>
-                    <a:lstStyle/>
-                    <a:p>
-                      <a:pPr algn="l" fontAlgn="b"/>
-                      <a:endParaRPr lang="en-US" sz="1100" b="0" i="0" u="none" strike="noStrike">
-                        <a:solidFill>
-                          <a:srgbClr val="000000"/>
-                        </a:solidFill>
-                        <a:effectLst/>
-                        <a:latin typeface="Liberation Sans"/>
-                      </a:endParaRPr>
-                    </a:p>
-                  </a:txBody>
-                  <a:tcPr marL="9525" marR="9525" marT="9525" marB="0" anchor="b"/>
-                </a:tc>
-                <a:tc>
-                  <a:txBody>
-                    <a:bodyPr/>
-                    <a:lstStyle/>
-                    <a:p>
-                      <a:pPr algn="r" fontAlgn="b"/>
-                      <a:r>
-                        <a:rPr lang="en-US" sz="1100" u="none" strike="noStrike">
-                          <a:effectLst/>
-                        </a:rPr>
-                        <a:t>2</a:t>
-                      </a:r>
-                      <a:endParaRPr lang="en-US" sz="1100" b="0" i="0" u="none" strike="noStrike">
-                        <a:solidFill>
-                          <a:srgbClr val="000000"/>
-                        </a:solidFill>
-                        <a:effectLst/>
-                        <a:latin typeface="Liberation Sans"/>
-                      </a:endParaRPr>
-                    </a:p>
-                  </a:txBody>
-                  <a:tcPr marL="9525" marR="9525" marT="9525" marB="0" anchor="b"/>
-                </a:tc>
-                <a:tc>
-                  <a:txBody>
-                    <a:bodyPr/>
-                    <a:lstStyle/>
-                    <a:p>
-                      <a:pPr algn="r" fontAlgn="b"/>
-                      <a:r>
-                        <a:rPr lang="en-US" sz="1100" u="none" strike="noStrike">
-                          <a:effectLst/>
-                        </a:rPr>
-                        <a:t>26.46</a:t>
-                      </a:r>
-                      <a:endParaRPr lang="en-US" sz="1100" b="0" i="0" u="none" strike="noStrike">
-                        <a:solidFill>
-                          <a:srgbClr val="000000"/>
-                        </a:solidFill>
-                        <a:effectLst/>
-                        <a:latin typeface="Liberation Sans"/>
-                      </a:endParaRPr>
-                    </a:p>
-                  </a:txBody>
-                  <a:tcPr marL="9525" marR="9525" marT="9525" marB="0" anchor="b"/>
-                </a:tc>
-              </a:tr>
-              <a:tr h="266000">
-                <a:tc>
-                  <a:txBody>
-                    <a:bodyPr/>
-                    <a:lstStyle/>
-                    <a:p>
-                      <a:pPr algn="l" fontAlgn="b"/>
-                      <a:r>
-                        <a:rPr lang="en-US" sz="1100" u="none" strike="noStrike">
-                          <a:effectLst/>
-                        </a:rPr>
-                        <a:t>Fuel Guage</a:t>
-                      </a:r>
-                      <a:endParaRPr lang="en-US" sz="1100" b="0" i="0" u="none" strike="noStrike">
-                        <a:solidFill>
-                          <a:srgbClr val="000000"/>
-                        </a:solidFill>
-                        <a:effectLst/>
-                        <a:latin typeface="Liberation Sans"/>
-                      </a:endParaRPr>
-                    </a:p>
-                  </a:txBody>
-                  <a:tcPr marL="9525" marR="9525" marT="9525" marB="0" anchor="b"/>
-                </a:tc>
-                <a:tc>
-                  <a:txBody>
-                    <a:bodyPr/>
-                    <a:lstStyle/>
-                    <a:p>
-                      <a:pPr algn="l" fontAlgn="b"/>
-                      <a:endParaRPr lang="en-US" sz="1100" b="0" i="0" u="none" strike="noStrike">
-                        <a:solidFill>
-                          <a:srgbClr val="000000"/>
-                        </a:solidFill>
-                        <a:effectLst/>
-                        <a:latin typeface="Liberation Sans"/>
-                      </a:endParaRPr>
-                    </a:p>
-                  </a:txBody>
-                  <a:tcPr marL="9525" marR="9525" marT="9525" marB="0" anchor="b"/>
-                </a:tc>
-                <a:tc>
-                  <a:txBody>
-                    <a:bodyPr/>
-                    <a:lstStyle/>
-                    <a:p>
-                      <a:pPr algn="l" fontAlgn="b"/>
-                      <a:r>
-                        <a:rPr lang="en-US" sz="1100" u="none" strike="noStrike">
-                          <a:effectLst/>
-                        </a:rPr>
-                        <a:t>DigiKey</a:t>
-                      </a:r>
-                      <a:endParaRPr lang="en-US" sz="1100" b="0" i="0" u="none" strike="noStrike">
-                        <a:solidFill>
-                          <a:srgbClr val="000000"/>
-                        </a:solidFill>
-                        <a:effectLst/>
-                        <a:latin typeface="Liberation Sans"/>
-                      </a:endParaRPr>
-                    </a:p>
-                  </a:txBody>
-                  <a:tcPr marL="9525" marR="9525" marT="9525" marB="0" anchor="b"/>
-                </a:tc>
-                <a:tc>
-                  <a:txBody>
-                    <a:bodyPr/>
-                    <a:lstStyle/>
-                    <a:p>
-                      <a:pPr algn="r" fontAlgn="b"/>
-                      <a:r>
-                        <a:rPr lang="en-US" sz="1100" u="none" strike="noStrike">
-                          <a:effectLst/>
-                        </a:rPr>
-                        <a:t>6.43</a:t>
-                      </a:r>
-                      <a:endParaRPr lang="en-US" sz="1100" b="0" i="0" u="none" strike="noStrike">
-                        <a:solidFill>
-                          <a:srgbClr val="000000"/>
-                        </a:solidFill>
-                        <a:effectLst/>
-                        <a:latin typeface="Liberation Sans"/>
-                      </a:endParaRPr>
-                    </a:p>
-                  </a:txBody>
-                  <a:tcPr marL="9525" marR="9525" marT="9525" marB="0" anchor="b"/>
-                </a:tc>
-                <a:tc>
-                  <a:txBody>
-                    <a:bodyPr/>
-                    <a:lstStyle/>
-                    <a:p>
-                      <a:pPr algn="l" fontAlgn="b"/>
-                      <a:endParaRPr lang="en-US" sz="1100" b="0" i="0" u="none" strike="noStrike">
-                        <a:solidFill>
-                          <a:srgbClr val="000000"/>
-                        </a:solidFill>
-                        <a:effectLst/>
-                        <a:latin typeface="Liberation Sans"/>
-                      </a:endParaRPr>
-                    </a:p>
-                  </a:txBody>
-                  <a:tcPr marL="9525" marR="9525" marT="9525" marB="0" anchor="b"/>
-                </a:tc>
-                <a:tc>
-                  <a:txBody>
-                    <a:bodyPr/>
-                    <a:lstStyle/>
-                    <a:p>
-                      <a:pPr algn="r" fontAlgn="b"/>
-                      <a:r>
-                        <a:rPr lang="en-US" sz="1100" u="none" strike="noStrike">
-                          <a:effectLst/>
-                        </a:rPr>
-                        <a:t>2</a:t>
-                      </a:r>
-                      <a:endParaRPr lang="en-US" sz="1100" b="0" i="0" u="none" strike="noStrike">
-                        <a:solidFill>
-                          <a:srgbClr val="000000"/>
-                        </a:solidFill>
-                        <a:effectLst/>
-                        <a:latin typeface="Liberation Sans"/>
-                      </a:endParaRPr>
-                    </a:p>
-                  </a:txBody>
-                  <a:tcPr marL="9525" marR="9525" marT="9525" marB="0" anchor="b"/>
-                </a:tc>
-                <a:tc>
-                  <a:txBody>
-                    <a:bodyPr/>
-                    <a:lstStyle/>
-                    <a:p>
-                      <a:pPr algn="r" fontAlgn="b"/>
-                      <a:r>
-                        <a:rPr lang="en-US" sz="1100" u="none" strike="noStrike">
-                          <a:effectLst/>
-                        </a:rPr>
-                        <a:t>12.86</a:t>
-                      </a:r>
-                      <a:endParaRPr lang="en-US" sz="1100" b="0" i="0" u="none" strike="noStrike">
-                        <a:solidFill>
-                          <a:srgbClr val="000000"/>
-                        </a:solidFill>
-                        <a:effectLst/>
-                        <a:latin typeface="Liberation Sans"/>
-                      </a:endParaRPr>
-                    </a:p>
-                  </a:txBody>
-                  <a:tcPr marL="9525" marR="9525" marT="9525" marB="0" anchor="b"/>
-                </a:tc>
-              </a:tr>
-              <a:tr h="266000">
-                <a:tc>
-                  <a:txBody>
-                    <a:bodyPr/>
-                    <a:lstStyle/>
-                    <a:p>
-                      <a:pPr algn="l" fontAlgn="b"/>
-                      <a:r>
-                        <a:rPr lang="en-US" sz="1100" u="none" strike="noStrike">
-                          <a:effectLst/>
-                        </a:rPr>
-                        <a:t>3D printed Box</a:t>
-                      </a:r>
-                      <a:endParaRPr lang="en-US" sz="1100" b="0" i="0" u="none" strike="noStrike">
-                        <a:solidFill>
-                          <a:srgbClr val="000000"/>
-                        </a:solidFill>
-                        <a:effectLst/>
-                        <a:latin typeface="Liberation Sans"/>
-                      </a:endParaRPr>
-                    </a:p>
-                  </a:txBody>
-                  <a:tcPr marL="9525" marR="9525" marT="9525" marB="0" anchor="b"/>
-                </a:tc>
-                <a:tc>
-                  <a:txBody>
-                    <a:bodyPr/>
-                    <a:lstStyle/>
-                    <a:p>
-                      <a:pPr algn="l" fontAlgn="b"/>
-                      <a:endParaRPr lang="en-US" sz="1100" b="0" i="0" u="none" strike="noStrike">
-                        <a:solidFill>
-                          <a:srgbClr val="000000"/>
-                        </a:solidFill>
-                        <a:effectLst/>
-                        <a:latin typeface="Liberation Sans"/>
-                      </a:endParaRPr>
-                    </a:p>
-                  </a:txBody>
-                  <a:tcPr marL="9525" marR="9525" marT="9525" marB="0" anchor="b"/>
-                </a:tc>
-                <a:tc>
-                  <a:txBody>
-                    <a:bodyPr/>
-                    <a:lstStyle/>
-                    <a:p>
-                      <a:pPr algn="l" fontAlgn="b"/>
-                      <a:r>
-                        <a:rPr lang="en-US" sz="1100" u="none" strike="noStrike">
-                          <a:effectLst/>
-                        </a:rPr>
-                        <a:t>Purdue IEEE</a:t>
-                      </a:r>
-                      <a:endParaRPr lang="en-US" sz="1100" b="0" i="0" u="none" strike="noStrike">
-                        <a:solidFill>
-                          <a:srgbClr val="000000"/>
-                        </a:solidFill>
-                        <a:effectLst/>
-                        <a:latin typeface="Liberation Sans"/>
-                      </a:endParaRPr>
-                    </a:p>
-                  </a:txBody>
-                  <a:tcPr marL="9525" marR="9525" marT="9525" marB="0" anchor="b"/>
-                </a:tc>
-                <a:tc>
-                  <a:txBody>
-                    <a:bodyPr/>
-                    <a:lstStyle/>
-                    <a:p>
-                      <a:pPr algn="r" fontAlgn="b"/>
-                      <a:r>
-                        <a:rPr lang="en-US" sz="1100" u="none" strike="noStrike">
-                          <a:effectLst/>
-                        </a:rPr>
-                        <a:t>40</a:t>
-                      </a:r>
-                      <a:endParaRPr lang="en-US" sz="1100" b="0" i="0" u="none" strike="noStrike">
-                        <a:solidFill>
-                          <a:srgbClr val="000000"/>
-                        </a:solidFill>
-                        <a:effectLst/>
-                        <a:latin typeface="Liberation Sans"/>
-                      </a:endParaRPr>
-                    </a:p>
-                  </a:txBody>
-                  <a:tcPr marL="9525" marR="9525" marT="9525" marB="0" anchor="b"/>
-                </a:tc>
-                <a:tc>
-                  <a:txBody>
-                    <a:bodyPr/>
-                    <a:lstStyle/>
-                    <a:p>
-                      <a:pPr algn="l" fontAlgn="b"/>
-                      <a:endParaRPr lang="en-US" sz="1100" b="0" i="0" u="none" strike="noStrike">
-                        <a:solidFill>
-                          <a:srgbClr val="000000"/>
-                        </a:solidFill>
-                        <a:effectLst/>
-                        <a:latin typeface="Liberation Sans"/>
-                      </a:endParaRPr>
-                    </a:p>
-                  </a:txBody>
-                  <a:tcPr marL="9525" marR="9525" marT="9525" marB="0" anchor="b"/>
-                </a:tc>
-                <a:tc>
-                  <a:txBody>
-                    <a:bodyPr/>
-                    <a:lstStyle/>
-                    <a:p>
-                      <a:pPr algn="r" fontAlgn="b"/>
-                      <a:r>
-                        <a:rPr lang="en-US" sz="1100" u="none" strike="noStrike">
-                          <a:effectLst/>
-                        </a:rPr>
-                        <a:t>2</a:t>
-                      </a:r>
-                      <a:endParaRPr lang="en-US" sz="1100" b="0" i="0" u="none" strike="noStrike">
-                        <a:solidFill>
-                          <a:srgbClr val="000000"/>
-                        </a:solidFill>
-                        <a:effectLst/>
-                        <a:latin typeface="Liberation Sans"/>
-                      </a:endParaRPr>
-                    </a:p>
-                  </a:txBody>
-                  <a:tcPr marL="9525" marR="9525" marT="9525" marB="0" anchor="b"/>
-                </a:tc>
-                <a:tc>
-                  <a:txBody>
-                    <a:bodyPr/>
-                    <a:lstStyle/>
-                    <a:p>
-                      <a:pPr algn="r" fontAlgn="b"/>
-                      <a:r>
-                        <a:rPr lang="en-US" sz="1100" u="none" strike="noStrike">
-                          <a:effectLst/>
-                        </a:rPr>
-                        <a:t>80</a:t>
-                      </a:r>
-                      <a:endParaRPr lang="en-US" sz="1100" b="0" i="0" u="none" strike="noStrike">
-                        <a:solidFill>
-                          <a:srgbClr val="000000"/>
-                        </a:solidFill>
-                        <a:effectLst/>
-                        <a:latin typeface="Liberation Sans"/>
-                      </a:endParaRPr>
-                    </a:p>
-                  </a:txBody>
-                  <a:tcPr marL="9525" marR="9525" marT="9525" marB="0" anchor="b"/>
-                </a:tc>
-              </a:tr>
-              <a:tr h="266000">
-                <a:tc>
-                  <a:txBody>
-                    <a:bodyPr/>
-                    <a:lstStyle/>
-                    <a:p>
-                      <a:pPr algn="l" fontAlgn="b"/>
-                      <a:r>
-                        <a:rPr lang="en-US" sz="1100" u="none" strike="noStrike">
-                          <a:effectLst/>
-                        </a:rPr>
-                        <a:t>Backpack</a:t>
-                      </a:r>
-                      <a:endParaRPr lang="en-US" sz="1100" b="0" i="0" u="none" strike="noStrike">
-                        <a:solidFill>
-                          <a:srgbClr val="000000"/>
-                        </a:solidFill>
-                        <a:effectLst/>
-                        <a:latin typeface="Liberation Sans"/>
-                      </a:endParaRPr>
-                    </a:p>
-                  </a:txBody>
-                  <a:tcPr marL="9525" marR="9525" marT="9525" marB="0" anchor="b"/>
-                </a:tc>
-                <a:tc>
-                  <a:txBody>
-                    <a:bodyPr/>
-                    <a:lstStyle/>
-                    <a:p>
-                      <a:pPr algn="l" fontAlgn="b"/>
-                      <a:r>
-                        <a:rPr lang="en-US" sz="1100" u="none" strike="noStrike">
-                          <a:effectLst/>
-                        </a:rPr>
-                        <a:t>Draw String Backpack</a:t>
-                      </a:r>
-                      <a:endParaRPr lang="en-US" sz="1100" b="0" i="0" u="none" strike="noStrike">
-                        <a:solidFill>
-                          <a:srgbClr val="000000"/>
-                        </a:solidFill>
-                        <a:effectLst/>
-                        <a:latin typeface="Liberation Sans"/>
-                      </a:endParaRPr>
-                    </a:p>
-                  </a:txBody>
-                  <a:tcPr marL="9525" marR="9525" marT="9525" marB="0" anchor="b"/>
-                </a:tc>
-                <a:tc>
-                  <a:txBody>
-                    <a:bodyPr/>
-                    <a:lstStyle/>
-                    <a:p>
-                      <a:pPr algn="l" fontAlgn="b"/>
-                      <a:r>
-                        <a:rPr lang="en-US" sz="1100" u="none" strike="noStrike">
-                          <a:effectLst/>
-                        </a:rPr>
-                        <a:t>Supplied</a:t>
-                      </a:r>
-                      <a:endParaRPr lang="en-US" sz="1100" b="0" i="0" u="none" strike="noStrike">
-                        <a:solidFill>
-                          <a:srgbClr val="000000"/>
-                        </a:solidFill>
-                        <a:effectLst/>
-                        <a:latin typeface="Liberation Sans"/>
-                      </a:endParaRPr>
-                    </a:p>
-                  </a:txBody>
-                  <a:tcPr marL="9525" marR="9525" marT="9525" marB="0" anchor="b"/>
-                </a:tc>
-                <a:tc>
-                  <a:txBody>
-                    <a:bodyPr/>
-                    <a:lstStyle/>
-                    <a:p>
-                      <a:pPr algn="r" fontAlgn="b"/>
-                      <a:r>
-                        <a:rPr lang="en-US" sz="1100" u="none" strike="noStrike">
-                          <a:effectLst/>
-                        </a:rPr>
-                        <a:t>10</a:t>
-                      </a:r>
-                      <a:endParaRPr lang="en-US" sz="1100" b="0" i="0" u="none" strike="noStrike">
-                        <a:solidFill>
-                          <a:srgbClr val="000000"/>
-                        </a:solidFill>
-                        <a:effectLst/>
-                        <a:latin typeface="Liberation Sans"/>
-                      </a:endParaRPr>
-                    </a:p>
-                  </a:txBody>
-                  <a:tcPr marL="9525" marR="9525" marT="9525" marB="0" anchor="b"/>
-                </a:tc>
-                <a:tc>
-                  <a:txBody>
-                    <a:bodyPr/>
-                    <a:lstStyle/>
-                    <a:p>
-                      <a:pPr algn="l" fontAlgn="b"/>
-                      <a:endParaRPr lang="en-US" sz="1100" b="0" i="0" u="none" strike="noStrike">
-                        <a:solidFill>
-                          <a:srgbClr val="000000"/>
-                        </a:solidFill>
-                        <a:effectLst/>
-                        <a:latin typeface="Liberation Sans"/>
-                      </a:endParaRPr>
-                    </a:p>
-                  </a:txBody>
-                  <a:tcPr marL="9525" marR="9525" marT="9525" marB="0" anchor="b"/>
-                </a:tc>
-                <a:tc>
-                  <a:txBody>
-                    <a:bodyPr/>
-                    <a:lstStyle/>
-                    <a:p>
-                      <a:pPr algn="r" fontAlgn="b"/>
-                      <a:r>
-                        <a:rPr lang="en-US" sz="1100" u="none" strike="noStrike">
-                          <a:effectLst/>
-                        </a:rPr>
-                        <a:t>0</a:t>
-                      </a:r>
-                      <a:endParaRPr lang="en-US" sz="1100" b="0" i="0" u="none" strike="noStrike">
-                        <a:solidFill>
-                          <a:srgbClr val="000000"/>
-                        </a:solidFill>
-                        <a:effectLst/>
-                        <a:latin typeface="Liberation Sans"/>
-                      </a:endParaRPr>
-                    </a:p>
-                  </a:txBody>
-                  <a:tcPr marL="9525" marR="9525" marT="9525" marB="0" anchor="b"/>
-                </a:tc>
-                <a:tc>
-                  <a:txBody>
-                    <a:bodyPr/>
-                    <a:lstStyle/>
-                    <a:p>
-                      <a:pPr algn="r" fontAlgn="b"/>
-                      <a:r>
-                        <a:rPr lang="en-US" sz="1100" u="none" strike="noStrike">
-                          <a:effectLst/>
-                        </a:rPr>
-                        <a:t>0</a:t>
-                      </a:r>
-                      <a:endParaRPr lang="en-US" sz="1100" b="0" i="0" u="none" strike="noStrike">
-                        <a:solidFill>
-                          <a:srgbClr val="000000"/>
-                        </a:solidFill>
-                        <a:effectLst/>
-                        <a:latin typeface="Liberation Sans"/>
-                      </a:endParaRPr>
-                    </a:p>
-                  </a:txBody>
-                  <a:tcPr marL="9525" marR="9525" marT="9525" marB="0" anchor="b"/>
-                </a:tc>
-              </a:tr>
-              <a:tr h="266000">
-                <a:tc>
-                  <a:txBody>
-                    <a:bodyPr/>
-                    <a:lstStyle/>
-                    <a:p>
-                      <a:pPr algn="l" fontAlgn="b"/>
-                      <a:endParaRPr lang="en-US" sz="1100" b="0" i="0" u="none" strike="noStrike">
-                        <a:solidFill>
-                          <a:srgbClr val="000000"/>
-                        </a:solidFill>
-                        <a:effectLst/>
-                        <a:latin typeface="Liberation Sans"/>
-                      </a:endParaRPr>
-                    </a:p>
-                  </a:txBody>
-                  <a:tcPr marL="9525" marR="9525" marT="9525" marB="0" anchor="b"/>
-                </a:tc>
-                <a:tc>
-                  <a:txBody>
-                    <a:bodyPr/>
-                    <a:lstStyle/>
-                    <a:p>
-                      <a:pPr algn="l" fontAlgn="b"/>
-                      <a:endParaRPr lang="en-US" sz="1100" b="0" i="0" u="none" strike="noStrike">
-                        <a:solidFill>
-                          <a:srgbClr val="000000"/>
-                        </a:solidFill>
-                        <a:effectLst/>
-                        <a:latin typeface="Liberation Sans"/>
-                      </a:endParaRPr>
-                    </a:p>
-                  </a:txBody>
-                  <a:tcPr marL="9525" marR="9525" marT="9525" marB="0" anchor="b"/>
-                </a:tc>
-                <a:tc>
-                  <a:txBody>
-                    <a:bodyPr/>
-                    <a:lstStyle/>
-                    <a:p>
-                      <a:pPr algn="l" fontAlgn="b"/>
-                      <a:endParaRPr lang="en-US" sz="1100" b="0" i="0" u="none" strike="noStrike">
-                        <a:solidFill>
-                          <a:srgbClr val="000000"/>
-                        </a:solidFill>
-                        <a:effectLst/>
-                        <a:latin typeface="Liberation Sans"/>
-                      </a:endParaRPr>
-                    </a:p>
-                  </a:txBody>
-                  <a:tcPr marL="9525" marR="9525" marT="9525" marB="0" anchor="b"/>
-                </a:tc>
-                <a:tc>
-                  <a:txBody>
-                    <a:bodyPr/>
-                    <a:lstStyle/>
-                    <a:p>
-                      <a:pPr algn="l" fontAlgn="b"/>
-                      <a:r>
-                        <a:rPr lang="en-US" sz="1100" u="none" strike="noStrike">
-                          <a:effectLst/>
-                        </a:rPr>
-                        <a:t> </a:t>
-                      </a:r>
-                      <a:endParaRPr lang="en-US" sz="1100" b="0" i="0" u="none" strike="noStrike">
-                        <a:solidFill>
-                          <a:srgbClr val="000000"/>
-                        </a:solidFill>
-                        <a:effectLst/>
-                        <a:latin typeface="Liberation Sans"/>
-                      </a:endParaRPr>
-                    </a:p>
-                  </a:txBody>
-                  <a:tcPr marL="9525" marR="9525" marT="9525" marB="0" anchor="b"/>
-                </a:tc>
-                <a:tc>
-                  <a:txBody>
-                    <a:bodyPr/>
-                    <a:lstStyle/>
-                    <a:p>
-                      <a:pPr algn="l" fontAlgn="b"/>
-                      <a:endParaRPr lang="en-US" sz="1100" b="0" i="0" u="none" strike="noStrike">
-                        <a:solidFill>
-                          <a:srgbClr val="000000"/>
-                        </a:solidFill>
-                        <a:effectLst/>
-                        <a:latin typeface="Liberation Sans"/>
-                      </a:endParaRPr>
-                    </a:p>
-                  </a:txBody>
-                  <a:tcPr marL="9525" marR="9525" marT="9525" marB="0" anchor="b"/>
-                </a:tc>
-                <a:tc>
-                  <a:txBody>
-                    <a:bodyPr/>
-                    <a:lstStyle/>
-                    <a:p>
-                      <a:pPr algn="l" fontAlgn="b"/>
-                      <a:endParaRPr lang="en-US" sz="1100" b="0" i="0" u="none" strike="noStrike">
-                        <a:solidFill>
-                          <a:srgbClr val="000000"/>
-                        </a:solidFill>
-                        <a:effectLst/>
-                        <a:latin typeface="Liberation Sans"/>
-                      </a:endParaRPr>
-                    </a:p>
-                  </a:txBody>
-                  <a:tcPr marL="9525" marR="9525" marT="9525" marB="0" anchor="b"/>
-                </a:tc>
-                <a:tc>
-                  <a:txBody>
-                    <a:bodyPr/>
-                    <a:lstStyle/>
-                    <a:p>
-                      <a:pPr algn="l" fontAlgn="b"/>
-                      <a:endParaRPr lang="en-US" sz="1100" b="0" i="0" u="none" strike="noStrike">
-                        <a:solidFill>
-                          <a:srgbClr val="000000"/>
-                        </a:solidFill>
-                        <a:effectLst/>
-                        <a:latin typeface="Liberation Sans"/>
-                      </a:endParaRPr>
-                    </a:p>
-                  </a:txBody>
-                  <a:tcPr marL="9525" marR="9525" marT="9525" marB="0" anchor="b"/>
-                </a:tc>
-              </a:tr>
-              <a:tr h="266000">
-                <a:tc>
-                  <a:txBody>
-                    <a:bodyPr/>
-                    <a:lstStyle/>
-                    <a:p>
-                      <a:pPr algn="l" fontAlgn="b"/>
-                      <a:endParaRPr lang="en-US" sz="1100" b="0" i="0" u="none" strike="noStrike">
-                        <a:solidFill>
-                          <a:srgbClr val="000000"/>
-                        </a:solidFill>
-                        <a:effectLst/>
-                        <a:latin typeface="Liberation Sans"/>
-                      </a:endParaRPr>
-                    </a:p>
-                  </a:txBody>
-                  <a:tcPr marL="9525" marR="9525" marT="9525" marB="0" anchor="b"/>
-                </a:tc>
-                <a:tc>
-                  <a:txBody>
-                    <a:bodyPr/>
-                    <a:lstStyle/>
-                    <a:p>
-                      <a:pPr algn="l" fontAlgn="b"/>
-                      <a:endParaRPr lang="en-US" sz="1100" b="0" i="0" u="none" strike="noStrike">
-                        <a:solidFill>
-                          <a:srgbClr val="000000"/>
-                        </a:solidFill>
-                        <a:effectLst/>
-                        <a:latin typeface="Liberation Sans"/>
-                      </a:endParaRPr>
-                    </a:p>
-                  </a:txBody>
-                  <a:tcPr marL="9525" marR="9525" marT="9525" marB="0" anchor="b"/>
-                </a:tc>
-                <a:tc>
-                  <a:txBody>
-                    <a:bodyPr/>
-                    <a:lstStyle/>
-                    <a:p>
-                      <a:pPr algn="l" fontAlgn="b"/>
-                      <a:endParaRPr lang="en-US" sz="1100" b="0" i="0" u="none" strike="noStrike">
-                        <a:solidFill>
-                          <a:srgbClr val="000000"/>
-                        </a:solidFill>
-                        <a:effectLst/>
-                        <a:latin typeface="Liberation Sans"/>
-                      </a:endParaRPr>
-                    </a:p>
-                  </a:txBody>
-                  <a:tcPr marL="9525" marR="9525" marT="9525" marB="0" anchor="b"/>
-                </a:tc>
-                <a:tc>
-                  <a:txBody>
-                    <a:bodyPr/>
-                    <a:lstStyle/>
-                    <a:p>
-                      <a:pPr algn="l" fontAlgn="b"/>
-                      <a:endParaRPr lang="en-US" sz="1100" b="0" i="0" u="none" strike="noStrike">
-                        <a:solidFill>
-                          <a:srgbClr val="000000"/>
-                        </a:solidFill>
-                        <a:effectLst/>
-                        <a:latin typeface="Liberation Sans"/>
-                      </a:endParaRPr>
-                    </a:p>
-                  </a:txBody>
-                  <a:tcPr marL="9525" marR="9525" marT="9525" marB="0" anchor="b"/>
-                </a:tc>
-                <a:tc>
-                  <a:txBody>
-                    <a:bodyPr/>
-                    <a:lstStyle/>
-                    <a:p>
-                      <a:pPr algn="l" fontAlgn="b"/>
-                      <a:endParaRPr lang="en-US" sz="1100" b="0" i="0" u="none" strike="noStrike">
-                        <a:solidFill>
-                          <a:srgbClr val="000000"/>
-                        </a:solidFill>
-                        <a:effectLst/>
-                        <a:latin typeface="Liberation Sans"/>
-                      </a:endParaRPr>
-                    </a:p>
-                  </a:txBody>
-                  <a:tcPr marL="9525" marR="9525" marT="9525" marB="0" anchor="b"/>
-                </a:tc>
-                <a:tc>
-                  <a:txBody>
-                    <a:bodyPr/>
-                    <a:lstStyle/>
-                    <a:p>
-                      <a:pPr algn="l" fontAlgn="b"/>
-                      <a:endParaRPr lang="en-US" sz="1100" b="0" i="0" u="none" strike="noStrike">
-                        <a:solidFill>
-                          <a:srgbClr val="000000"/>
-                        </a:solidFill>
-                        <a:effectLst/>
-                        <a:latin typeface="Liberation Sans"/>
-                      </a:endParaRPr>
-                    </a:p>
-                  </a:txBody>
-                  <a:tcPr marL="9525" marR="9525" marT="9525" marB="0" anchor="b"/>
-                </a:tc>
-                <a:tc>
-                  <a:txBody>
-                    <a:bodyPr/>
-                    <a:lstStyle/>
-                    <a:p>
-                      <a:pPr algn="l" fontAlgn="b"/>
-                      <a:endParaRPr lang="en-US" sz="1100" b="0" i="0" u="none" strike="noStrike">
-                        <a:solidFill>
-                          <a:srgbClr val="000000"/>
-                        </a:solidFill>
-                        <a:effectLst/>
-                        <a:latin typeface="Liberation Sans"/>
-                      </a:endParaRPr>
-                    </a:p>
-                  </a:txBody>
-                  <a:tcPr marL="9525" marR="9525" marT="9525" marB="0" anchor="b"/>
-                </a:tc>
-              </a:tr>
-              <a:tr h="266000">
-                <a:tc>
-                  <a:txBody>
-                    <a:bodyPr/>
-                    <a:lstStyle/>
-                    <a:p>
-                      <a:pPr algn="l" fontAlgn="b"/>
-                      <a:endParaRPr lang="en-US" sz="1100" b="0" i="0" u="none" strike="noStrike">
-                        <a:solidFill>
-                          <a:srgbClr val="000000"/>
-                        </a:solidFill>
-                        <a:effectLst/>
-                        <a:latin typeface="Liberation Sans"/>
-                      </a:endParaRPr>
-                    </a:p>
-                  </a:txBody>
-                  <a:tcPr marL="9525" marR="9525" marT="9525" marB="0" anchor="b"/>
-                </a:tc>
-                <a:tc>
-                  <a:txBody>
-                    <a:bodyPr/>
-                    <a:lstStyle/>
-                    <a:p>
-                      <a:pPr algn="l" fontAlgn="b"/>
-                      <a:endParaRPr lang="en-US" sz="1100" b="0" i="0" u="none" strike="noStrike">
-                        <a:solidFill>
-                          <a:srgbClr val="000000"/>
-                        </a:solidFill>
-                        <a:effectLst/>
-                        <a:latin typeface="Liberation Sans"/>
-                      </a:endParaRPr>
-                    </a:p>
-                  </a:txBody>
-                  <a:tcPr marL="9525" marR="9525" marT="9525" marB="0" anchor="b"/>
-                </a:tc>
-                <a:tc>
-                  <a:txBody>
-                    <a:bodyPr/>
-                    <a:lstStyle/>
-                    <a:p>
-                      <a:pPr algn="l" fontAlgn="b"/>
-                      <a:endParaRPr lang="en-US" sz="1100" b="0" i="0" u="none" strike="noStrike">
-                        <a:solidFill>
-                          <a:srgbClr val="000000"/>
-                        </a:solidFill>
-                        <a:effectLst/>
-                        <a:latin typeface="Liberation Sans"/>
-                      </a:endParaRPr>
-                    </a:p>
-                  </a:txBody>
-                  <a:tcPr marL="9525" marR="9525" marT="9525" marB="0" anchor="b"/>
-                </a:tc>
-                <a:tc>
-                  <a:txBody>
-                    <a:bodyPr/>
-                    <a:lstStyle/>
-                    <a:p>
-                      <a:pPr algn="l" fontAlgn="b"/>
-                      <a:endParaRPr lang="en-US" sz="1100" b="0" i="0" u="none" strike="noStrike">
-                        <a:solidFill>
-                          <a:srgbClr val="000000"/>
-                        </a:solidFill>
-                        <a:effectLst/>
-                        <a:latin typeface="Liberation Sans"/>
-                      </a:endParaRPr>
-                    </a:p>
-                  </a:txBody>
-                  <a:tcPr marL="9525" marR="9525" marT="9525" marB="0" anchor="b"/>
-                </a:tc>
-                <a:tc>
-                  <a:txBody>
-                    <a:bodyPr/>
-                    <a:lstStyle/>
-                    <a:p>
-                      <a:pPr algn="l" fontAlgn="b"/>
-                      <a:endParaRPr lang="en-US" sz="1100" b="0" i="0" u="none" strike="noStrike">
-                        <a:solidFill>
-                          <a:srgbClr val="000000"/>
-                        </a:solidFill>
-                        <a:effectLst/>
-                        <a:latin typeface="Liberation Sans"/>
-                      </a:endParaRPr>
-                    </a:p>
-                  </a:txBody>
-                  <a:tcPr marL="9525" marR="9525" marT="9525" marB="0" anchor="b"/>
-                </a:tc>
-                <a:tc>
-                  <a:txBody>
-                    <a:bodyPr/>
-                    <a:lstStyle/>
-                    <a:p>
-                      <a:pPr algn="l" fontAlgn="b"/>
-                      <a:endParaRPr lang="en-US" sz="1100" b="0" i="0" u="none" strike="noStrike">
-                        <a:solidFill>
-                          <a:srgbClr val="000000"/>
-                        </a:solidFill>
-                        <a:effectLst/>
-                        <a:latin typeface="Liberation Sans"/>
-                      </a:endParaRPr>
-                    </a:p>
-                  </a:txBody>
-                  <a:tcPr marL="9525" marR="9525" marT="9525" marB="0" anchor="b"/>
-                </a:tc>
-                <a:tc>
-                  <a:txBody>
-                    <a:bodyPr/>
-                    <a:lstStyle/>
-                    <a:p>
-                      <a:pPr algn="l" fontAlgn="b"/>
-                      <a:endParaRPr lang="en-US" sz="1100" b="0" i="0" u="none" strike="noStrike">
-                        <a:solidFill>
-                          <a:srgbClr val="000000"/>
-                        </a:solidFill>
-                        <a:effectLst/>
-                        <a:latin typeface="Liberation Sans"/>
-                      </a:endParaRPr>
-                    </a:p>
-                  </a:txBody>
-                  <a:tcPr marL="9525" marR="9525" marT="9525" marB="0" anchor="b"/>
-                </a:tc>
-              </a:tr>
-              <a:tr h="266000">
-                <a:tc>
-                  <a:txBody>
-                    <a:bodyPr/>
-                    <a:lstStyle/>
-                    <a:p>
-                      <a:pPr algn="l" fontAlgn="b"/>
-                      <a:endParaRPr lang="en-US" sz="1100" b="0" i="0" u="none" strike="noStrike">
-                        <a:solidFill>
-                          <a:srgbClr val="000000"/>
-                        </a:solidFill>
-                        <a:effectLst/>
-                        <a:latin typeface="Liberation Sans"/>
-                      </a:endParaRPr>
-                    </a:p>
-                  </a:txBody>
-                  <a:tcPr marL="9525" marR="9525" marT="9525" marB="0" anchor="b"/>
-                </a:tc>
-                <a:tc>
-                  <a:txBody>
-                    <a:bodyPr/>
-                    <a:lstStyle/>
-                    <a:p>
-                      <a:pPr algn="l" fontAlgn="b"/>
-                      <a:endParaRPr lang="en-US" sz="1100" b="0" i="0" u="none" strike="noStrike">
-                        <a:solidFill>
-                          <a:srgbClr val="000000"/>
-                        </a:solidFill>
-                        <a:effectLst/>
-                        <a:latin typeface="Liberation Sans"/>
-                      </a:endParaRPr>
-                    </a:p>
-                  </a:txBody>
-                  <a:tcPr marL="9525" marR="9525" marT="9525" marB="0" anchor="b"/>
-                </a:tc>
-                <a:tc>
-                  <a:txBody>
-                    <a:bodyPr/>
-                    <a:lstStyle/>
-                    <a:p>
-                      <a:pPr algn="l" fontAlgn="b"/>
-                      <a:endParaRPr lang="en-US" sz="1100" b="0" i="0" u="none" strike="noStrike">
-                        <a:solidFill>
-                          <a:srgbClr val="000000"/>
-                        </a:solidFill>
-                        <a:effectLst/>
-                        <a:latin typeface="Liberation Sans"/>
-                      </a:endParaRPr>
-                    </a:p>
-                  </a:txBody>
-                  <a:tcPr marL="9525" marR="9525" marT="9525" marB="0" anchor="b"/>
-                </a:tc>
-                <a:tc>
-                  <a:txBody>
-                    <a:bodyPr/>
-                    <a:lstStyle/>
-                    <a:p>
-                      <a:pPr algn="l" fontAlgn="b"/>
-                      <a:endParaRPr lang="en-US" sz="1100" b="0" i="0" u="none" strike="noStrike">
-                        <a:solidFill>
-                          <a:srgbClr val="000000"/>
-                        </a:solidFill>
-                        <a:effectLst/>
-                        <a:latin typeface="Liberation Sans"/>
-                      </a:endParaRPr>
-                    </a:p>
-                  </a:txBody>
-                  <a:tcPr marL="9525" marR="9525" marT="9525" marB="0" anchor="b"/>
-                </a:tc>
-                <a:tc>
-                  <a:txBody>
-                    <a:bodyPr/>
-                    <a:lstStyle/>
-                    <a:p>
-                      <a:pPr algn="l" fontAlgn="b"/>
-                      <a:endParaRPr lang="en-US" sz="1100" b="0" i="0" u="none" strike="noStrike">
-                        <a:solidFill>
-                          <a:srgbClr val="000000"/>
-                        </a:solidFill>
-                        <a:effectLst/>
-                        <a:latin typeface="Liberation Sans"/>
-                      </a:endParaRPr>
-                    </a:p>
-                  </a:txBody>
-                  <a:tcPr marL="9525" marR="9525" marT="9525" marB="0" anchor="b"/>
-                </a:tc>
-                <a:tc>
-                  <a:txBody>
-                    <a:bodyPr/>
-                    <a:lstStyle/>
-                    <a:p>
-                      <a:pPr algn="l" fontAlgn="b"/>
-                      <a:endParaRPr lang="en-US" sz="1100" b="0" i="0" u="none" strike="noStrike">
-                        <a:solidFill>
-                          <a:srgbClr val="000000"/>
-                        </a:solidFill>
-                        <a:effectLst/>
-                        <a:latin typeface="Liberation Sans"/>
-                      </a:endParaRPr>
-                    </a:p>
-                  </a:txBody>
-                  <a:tcPr marL="9525" marR="9525" marT="9525" marB="0" anchor="b"/>
-                </a:tc>
-                <a:tc>
-                  <a:txBody>
-                    <a:bodyPr/>
-                    <a:lstStyle/>
-                    <a:p>
-                      <a:pPr algn="l" fontAlgn="b"/>
-                      <a:endParaRPr lang="en-US" sz="1100" b="0" i="0" u="none" strike="noStrike">
-                        <a:solidFill>
-                          <a:srgbClr val="000000"/>
-                        </a:solidFill>
-                        <a:effectLst/>
-                        <a:latin typeface="Liberation Sans"/>
-                      </a:endParaRPr>
-                    </a:p>
-                  </a:txBody>
-                  <a:tcPr marL="9525" marR="9525" marT="9525" marB="0" anchor="b"/>
-                </a:tc>
-              </a:tr>
-              <a:tr h="266000">
-                <a:tc>
-                  <a:txBody>
-                    <a:bodyPr/>
-                    <a:lstStyle/>
-                    <a:p>
-                      <a:pPr algn="l" fontAlgn="b"/>
-                      <a:endParaRPr lang="en-US" sz="1100" b="0" i="0" u="none" strike="noStrike">
-                        <a:solidFill>
-                          <a:srgbClr val="000000"/>
-                        </a:solidFill>
-                        <a:effectLst/>
-                        <a:latin typeface="Liberation Sans"/>
-                      </a:endParaRPr>
-                    </a:p>
-                  </a:txBody>
-                  <a:tcPr marL="9525" marR="9525" marT="9525" marB="0" anchor="b"/>
-                </a:tc>
-                <a:tc>
-                  <a:txBody>
-                    <a:bodyPr/>
-                    <a:lstStyle/>
-                    <a:p>
-                      <a:pPr algn="l" fontAlgn="b"/>
-                      <a:endParaRPr lang="en-US" sz="1100" b="0" i="0" u="none" strike="noStrike">
-                        <a:solidFill>
-                          <a:srgbClr val="000000"/>
-                        </a:solidFill>
-                        <a:effectLst/>
-                        <a:latin typeface="Liberation Sans"/>
-                      </a:endParaRPr>
-                    </a:p>
-                  </a:txBody>
-                  <a:tcPr marL="9525" marR="9525" marT="9525" marB="0" anchor="b"/>
-                </a:tc>
-                <a:tc>
-                  <a:txBody>
-                    <a:bodyPr/>
-                    <a:lstStyle/>
-                    <a:p>
-                      <a:pPr algn="l" fontAlgn="b"/>
-                      <a:endParaRPr lang="en-US" sz="1100" b="0" i="0" u="none" strike="noStrike">
-                        <a:solidFill>
-                          <a:srgbClr val="000000"/>
-                        </a:solidFill>
-                        <a:effectLst/>
-                        <a:latin typeface="Liberation Sans"/>
-                      </a:endParaRPr>
-                    </a:p>
-                  </a:txBody>
-                  <a:tcPr marL="9525" marR="9525" marT="9525" marB="0" anchor="b"/>
-                </a:tc>
-                <a:tc>
-                  <a:txBody>
-                    <a:bodyPr/>
-                    <a:lstStyle/>
-                    <a:p>
-                      <a:pPr algn="l" fontAlgn="b"/>
-                      <a:endParaRPr lang="en-US" sz="1100" b="0" i="0" u="none" strike="noStrike">
-                        <a:solidFill>
-                          <a:srgbClr val="000000"/>
-                        </a:solidFill>
-                        <a:effectLst/>
-                        <a:latin typeface="Liberation Sans"/>
-                      </a:endParaRPr>
-                    </a:p>
-                  </a:txBody>
-                  <a:tcPr marL="9525" marR="9525" marT="9525" marB="0" anchor="b"/>
-                </a:tc>
-                <a:tc>
-                  <a:txBody>
-                    <a:bodyPr/>
-                    <a:lstStyle/>
-                    <a:p>
-                      <a:pPr algn="l" fontAlgn="b"/>
-                      <a:endParaRPr lang="en-US" sz="1100" b="0" i="0" u="none" strike="noStrike">
-                        <a:solidFill>
-                          <a:srgbClr val="000000"/>
-                        </a:solidFill>
-                        <a:effectLst/>
-                        <a:latin typeface="Liberation Sans"/>
-                      </a:endParaRPr>
-                    </a:p>
-                  </a:txBody>
-                  <a:tcPr marL="9525" marR="9525" marT="9525" marB="0" anchor="b"/>
-                </a:tc>
-                <a:tc>
-                  <a:txBody>
-                    <a:bodyPr/>
-                    <a:lstStyle/>
-                    <a:p>
-                      <a:pPr algn="l" fontAlgn="b"/>
-                      <a:endParaRPr lang="en-US" sz="1100" b="0" i="0" u="none" strike="noStrike">
-                        <a:solidFill>
-                          <a:srgbClr val="000000"/>
-                        </a:solidFill>
-                        <a:effectLst/>
-                        <a:latin typeface="Liberation Sans"/>
-                      </a:endParaRPr>
-                    </a:p>
-                  </a:txBody>
-                  <a:tcPr marL="9525" marR="9525" marT="9525" marB="0" anchor="b"/>
-                </a:tc>
-                <a:tc>
-                  <a:txBody>
-                    <a:bodyPr/>
-                    <a:lstStyle/>
-                    <a:p>
-                      <a:pPr algn="l" fontAlgn="b"/>
-                      <a:endParaRPr lang="en-US" sz="1100" b="0" i="0" u="none" strike="noStrike">
-                        <a:solidFill>
-                          <a:srgbClr val="000000"/>
-                        </a:solidFill>
-                        <a:effectLst/>
-                        <a:latin typeface="Liberation Sans"/>
-                      </a:endParaRPr>
-                    </a:p>
-                  </a:txBody>
-                  <a:tcPr marL="9525" marR="9525" marT="9525" marB="0" anchor="b"/>
-                </a:tc>
-              </a:tr>
-              <a:tr h="266000">
-                <a:tc>
-                  <a:txBody>
-                    <a:bodyPr/>
-                    <a:lstStyle/>
-                    <a:p>
-                      <a:pPr algn="l" fontAlgn="b"/>
-                      <a:r>
-                        <a:rPr lang="en-US" sz="1100" u="none" strike="noStrike">
-                          <a:effectLst/>
-                        </a:rPr>
-                        <a:t>Total</a:t>
-                      </a:r>
-                      <a:endParaRPr lang="en-US" sz="1100" b="0" i="0" u="none" strike="noStrike">
-                        <a:solidFill>
-                          <a:srgbClr val="000000"/>
-                        </a:solidFill>
-                        <a:effectLst/>
-                        <a:latin typeface="Liberation Sans"/>
-                      </a:endParaRPr>
-                    </a:p>
-                  </a:txBody>
-                  <a:tcPr marL="9525" marR="9525" marT="9525" marB="0" anchor="b"/>
-                </a:tc>
-                <a:tc>
-                  <a:txBody>
-                    <a:bodyPr/>
-                    <a:lstStyle/>
-                    <a:p>
-                      <a:pPr algn="l" fontAlgn="b"/>
-                      <a:endParaRPr lang="en-US" sz="1100" b="0" i="0" u="none" strike="noStrike">
-                        <a:solidFill>
-                          <a:srgbClr val="000000"/>
-                        </a:solidFill>
-                        <a:effectLst/>
-                        <a:latin typeface="Liberation Sans"/>
-                      </a:endParaRPr>
-                    </a:p>
-                  </a:txBody>
-                  <a:tcPr marL="9525" marR="9525" marT="9525" marB="0" anchor="b"/>
-                </a:tc>
-                <a:tc>
-                  <a:txBody>
-                    <a:bodyPr/>
-                    <a:lstStyle/>
-                    <a:p>
-                      <a:pPr algn="l" fontAlgn="b"/>
-                      <a:endParaRPr lang="en-US" sz="1100" b="0" i="0" u="none" strike="noStrike">
-                        <a:solidFill>
-                          <a:srgbClr val="000000"/>
-                        </a:solidFill>
-                        <a:effectLst/>
-                        <a:latin typeface="Liberation Sans"/>
-                      </a:endParaRPr>
-                    </a:p>
-                  </a:txBody>
-                  <a:tcPr marL="9525" marR="9525" marT="9525" marB="0" anchor="b"/>
-                </a:tc>
-                <a:tc>
-                  <a:txBody>
-                    <a:bodyPr/>
-                    <a:lstStyle/>
-                    <a:p>
-                      <a:pPr algn="r" fontAlgn="b"/>
-                      <a:r>
-                        <a:rPr lang="en-US" sz="1100" u="none" strike="noStrike">
-                          <a:effectLst/>
-                        </a:rPr>
-                        <a:t>521.65</a:t>
-                      </a:r>
-                      <a:endParaRPr lang="en-US" sz="1100" b="0" i="0" u="none" strike="noStrike">
-                        <a:solidFill>
-                          <a:srgbClr val="000000"/>
-                        </a:solidFill>
-                        <a:effectLst/>
-                        <a:latin typeface="Liberation Sans"/>
-                      </a:endParaRPr>
-                    </a:p>
-                  </a:txBody>
-                  <a:tcPr marL="9525" marR="9525" marT="9525" marB="0" anchor="b"/>
-                </a:tc>
-                <a:tc>
-                  <a:txBody>
-                    <a:bodyPr/>
-                    <a:lstStyle/>
-                    <a:p>
-                      <a:pPr algn="l" fontAlgn="b"/>
-                      <a:endParaRPr lang="en-US" sz="1100" b="0" i="0" u="none" strike="noStrike">
-                        <a:solidFill>
-                          <a:srgbClr val="000000"/>
-                        </a:solidFill>
-                        <a:effectLst/>
-                        <a:latin typeface="Liberation Sans"/>
-                      </a:endParaRPr>
-                    </a:p>
-                  </a:txBody>
-                  <a:tcPr marL="9525" marR="9525" marT="9525" marB="0" anchor="b"/>
-                </a:tc>
-                <a:tc>
-                  <a:txBody>
-                    <a:bodyPr/>
-                    <a:lstStyle/>
-                    <a:p>
-                      <a:pPr algn="l" fontAlgn="b"/>
-                      <a:endParaRPr lang="en-US" sz="1100" b="0" i="0" u="none" strike="noStrike">
-                        <a:solidFill>
-                          <a:srgbClr val="000000"/>
-                        </a:solidFill>
-                        <a:effectLst/>
-                        <a:latin typeface="Liberation Sans"/>
-                      </a:endParaRPr>
-                    </a:p>
-                  </a:txBody>
-                  <a:tcPr marL="9525" marR="9525" marT="9525" marB="0" anchor="b"/>
-                </a:tc>
-                <a:tc>
-                  <a:txBody>
-                    <a:bodyPr/>
-                    <a:lstStyle/>
-                    <a:p>
-                      <a:pPr algn="r" fontAlgn="b"/>
-                      <a:r>
-                        <a:rPr lang="en-US" sz="1100" u="none" strike="noStrike" dirty="0">
-                          <a:effectLst/>
-                        </a:rPr>
-                        <a:t>739.66</a:t>
-                      </a:r>
-                      <a:endParaRPr lang="en-US" sz="1100" b="0" i="0" u="none" strike="noStrike" dirty="0">
-                        <a:solidFill>
-                          <a:srgbClr val="000000"/>
-                        </a:solidFill>
-                        <a:effectLst/>
-                        <a:latin typeface="Liberation Sans"/>
-                      </a:endParaRPr>
-                    </a:p>
-                  </a:txBody>
-                  <a:tcPr marL="9525" marR="9525" marT="9525" marB="0" anchor="b"/>
-                </a:tc>
-              </a:tr>
-            </a:tbl>
-          </a:graphicData>
-        </a:graphic>
-      </p:graphicFrame>
     </p:spTree>
     <p:extLst>
       <p:ext uri="{BB962C8B-B14F-4D97-AF65-F5344CB8AC3E}">
-        <p14:creationId xmlns:p14="http://schemas.microsoft.com/office/powerpoint/2010/main" val="3975776711"/>
+        <p14:creationId xmlns:p14="http://schemas.microsoft.com/office/powerpoint/2010/main" val="90168761"/>
       </p:ext>
     </p:extLst>
   </p:cSld>
@@ -13063,100 +12910,59 @@
         </p:nvSpPr>
         <p:spPr/>
         <p:txBody>
-          <a:bodyPr>
-            <a:noAutofit/>
-          </a:bodyPr>
-          <a:lstStyle/>
-          <a:p>
-            <a:r>
-              <a:rPr lang="en-US" sz="2800" dirty="0" smtClean="0"/>
-              <a:t>Patent Liability</a:t>
-            </a:r>
-          </a:p>
-          <a:p>
-            <a:pPr lvl="1"/>
-            <a:r>
-              <a:rPr lang="en-US" sz="2400" dirty="0" smtClean="0"/>
-              <a:t>Novelty of design avoids many AR patents</a:t>
-            </a:r>
-          </a:p>
-          <a:p>
-            <a:pPr lvl="2"/>
-            <a:r>
-              <a:rPr lang="en-US" sz="2000" dirty="0" smtClean="0"/>
-              <a:t>Large fraction specifically mention cameras</a:t>
-            </a:r>
-          </a:p>
-          <a:p>
-            <a:pPr lvl="1"/>
-            <a:r>
-              <a:rPr lang="en-US" sz="2400" dirty="0" smtClean="0"/>
-              <a:t>Licensing may be required</a:t>
-            </a:r>
-          </a:p>
-          <a:p>
-            <a:pPr lvl="1"/>
-            <a:r>
-              <a:rPr lang="en-US" sz="2400" dirty="0" smtClean="0"/>
-              <a:t>Could file new patents and cross-license</a:t>
-            </a:r>
-            <a:endParaRPr lang="en-US" sz="2400" dirty="0"/>
-          </a:p>
-          <a:p>
-            <a:r>
-              <a:rPr lang="en-US" sz="2800" dirty="0" smtClean="0"/>
-              <a:t>User Safety</a:t>
-            </a:r>
-          </a:p>
-          <a:p>
-            <a:pPr lvl="1"/>
-            <a:r>
-              <a:rPr lang="en-US" sz="2400" dirty="0" smtClean="0"/>
-              <a:t>LiFePO</a:t>
-            </a:r>
-            <a:r>
-              <a:rPr lang="en-US" sz="2400" baseline="-25000" dirty="0" smtClean="0"/>
-              <a:t>4</a:t>
-            </a:r>
-            <a:r>
-              <a:rPr lang="en-US" sz="2400" dirty="0" smtClean="0"/>
-              <a:t> much safer than other Lithium battery chemistries</a:t>
-            </a:r>
-          </a:p>
-          <a:p>
-            <a:pPr lvl="1"/>
-            <a:r>
-              <a:rPr lang="en-US" sz="2400" dirty="0" smtClean="0"/>
-              <a:t>Translucent display keeps user aware of environment</a:t>
-            </a:r>
-          </a:p>
-          <a:p>
-            <a:pPr lvl="1"/>
-            <a:r>
-              <a:rPr lang="en-US" sz="2400" dirty="0" smtClean="0"/>
-              <a:t>Product unsuitable for use while driving, operating heavy machinery</a:t>
-            </a:r>
-          </a:p>
-        </p:txBody>
-      </p:sp>
-      <p:sp>
-        <p:nvSpPr>
-          <p:cNvPr id="3" name="Title 2"/>
-          <p:cNvSpPr>
-            <a:spLocks noGrp="1"/>
-          </p:cNvSpPr>
-          <p:nvPr>
-            <p:ph type="title"/>
-          </p:nvPr>
-        </p:nvSpPr>
-        <p:spPr/>
-        <p:txBody>
           <a:bodyPr/>
           <a:lstStyle/>
           <a:p>
             <a:r>
               <a:rPr lang="en-US" dirty="0" smtClean="0"/>
-              <a:t>COMPLICATIONS</a:t>
+              <a:t>Selling software to users after purchase of device</a:t>
+            </a:r>
+          </a:p>
+          <a:p>
+            <a:pPr lvl="1"/>
+            <a:r>
+              <a:rPr lang="en-US" dirty="0" smtClean="0"/>
+              <a:t>Need to set up distribution network</a:t>
+            </a:r>
+          </a:p>
+          <a:p>
+            <a:pPr lvl="1"/>
+            <a:r>
+              <a:rPr lang="en-US" dirty="0" smtClean="0"/>
+              <a:t>Encourage third party development</a:t>
+            </a:r>
+          </a:p>
+          <a:p>
+            <a:pPr lvl="1"/>
+            <a:r>
+              <a:rPr lang="en-US" dirty="0" smtClean="0"/>
+              <a:t>Anti-piracy solutions</a:t>
+            </a:r>
+          </a:p>
+          <a:p>
+            <a:pPr lvl="1"/>
+            <a:endParaRPr lang="en-US" dirty="0"/>
+          </a:p>
+        </p:txBody>
+      </p:sp>
+      <p:sp>
+        <p:nvSpPr>
+          <p:cNvPr id="3" name="Title 2"/>
+          <p:cNvSpPr>
+            <a:spLocks noGrp="1"/>
+          </p:cNvSpPr>
+          <p:nvPr>
+            <p:ph type="title"/>
+          </p:nvPr>
+        </p:nvSpPr>
+        <p:spPr/>
+        <p:txBody>
+          <a:bodyPr/>
+          <a:lstStyle/>
+          <a:p>
+            <a:r>
+              <a:rPr lang="en-US" dirty="0" smtClean="0"/>
+              <a:t>Opportunities</a:t>
             </a:r>
             <a:endParaRPr lang="en-US" dirty="0"/>
           </a:p>
@@ -13165,7 +12971,7 @@
     </p:spTree>
     <p:extLst>
       <p:ext uri="{BB962C8B-B14F-4D97-AF65-F5344CB8AC3E}">
-        <p14:creationId xmlns:p14="http://schemas.microsoft.com/office/powerpoint/2010/main" val="90168761"/>
+        <p14:creationId xmlns:p14="http://schemas.microsoft.com/office/powerpoint/2010/main" val="2759559370"/>
       </p:ext>
     </p:extLst>
   </p:cSld>
@@ -13204,59 +13010,97 @@
         </p:nvSpPr>
         <p:spPr/>
         <p:txBody>
+          <a:bodyPr>
+            <a:normAutofit/>
+          </a:bodyPr>
+          <a:lstStyle/>
+          <a:p>
+            <a:r>
+              <a:rPr lang="en-US" sz="2400" dirty="0" smtClean="0"/>
+              <a:t>Continued software development</a:t>
+            </a:r>
+          </a:p>
+          <a:p>
+            <a:pPr lvl="1"/>
+            <a:r>
+              <a:rPr lang="en-US" sz="2000" dirty="0" smtClean="0"/>
+              <a:t>Improve calculation of head orientation</a:t>
+            </a:r>
+          </a:p>
+          <a:p>
+            <a:pPr lvl="1"/>
+            <a:r>
+              <a:rPr lang="en-US" sz="2000" dirty="0" smtClean="0"/>
+              <a:t>Improve filtering of GPS data</a:t>
+            </a:r>
+          </a:p>
+          <a:p>
+            <a:r>
+              <a:rPr lang="en-US" sz="2200" dirty="0"/>
+              <a:t>Migrate software to new motherboard</a:t>
+            </a:r>
+          </a:p>
+          <a:p>
+            <a:r>
+              <a:rPr lang="en-US" sz="2200" dirty="0" smtClean="0"/>
+              <a:t>Finalize packaging modifications for larger display</a:t>
+            </a:r>
+          </a:p>
+          <a:p>
+            <a:r>
+              <a:rPr lang="en-US" sz="2200" dirty="0" smtClean="0"/>
+              <a:t>Testing of new hardware</a:t>
+            </a:r>
+          </a:p>
+          <a:p>
+            <a:pPr lvl="1"/>
+            <a:r>
+              <a:rPr lang="en-US" sz="2000" dirty="0" smtClean="0"/>
+              <a:t>Battery power and charging</a:t>
+            </a:r>
+          </a:p>
+          <a:p>
+            <a:pPr lvl="1"/>
+            <a:r>
+              <a:rPr lang="en-US" sz="2000" dirty="0" smtClean="0"/>
+              <a:t>Interfacing of </a:t>
+            </a:r>
+            <a:r>
+              <a:rPr lang="en-US" sz="2000" dirty="0" err="1" smtClean="0"/>
+              <a:t>Terasic</a:t>
+            </a:r>
+            <a:r>
+              <a:rPr lang="en-US" sz="2000" dirty="0" smtClean="0"/>
+              <a:t> board with existing microcontroller</a:t>
+            </a:r>
+          </a:p>
+          <a:p>
+            <a:pPr lvl="1"/>
+            <a:r>
+              <a:rPr lang="en-US" sz="2000" dirty="0" smtClean="0"/>
+              <a:t>Display</a:t>
+            </a:r>
+          </a:p>
+        </p:txBody>
+      </p:sp>
+      <p:sp>
+        <p:nvSpPr>
+          <p:cNvPr id="3" name="Title 2"/>
+          <p:cNvSpPr>
+            <a:spLocks noGrp="1"/>
+          </p:cNvSpPr>
+          <p:nvPr>
+            <p:ph type="title"/>
+          </p:nvPr>
+        </p:nvSpPr>
+        <p:spPr/>
+        <p:txBody>
           <a:bodyPr/>
           <a:lstStyle/>
           <a:p>
             <a:r>
               <a:rPr lang="en-US" dirty="0" smtClean="0"/>
-              <a:t>Selling software to users after purchase of device</a:t>
-            </a:r>
-          </a:p>
-          <a:p>
-            <a:pPr lvl="1"/>
-            <a:r>
-              <a:rPr lang="en-US" dirty="0" smtClean="0"/>
-              <a:t>Need to set up distribution network</a:t>
-            </a:r>
-          </a:p>
-          <a:p>
-            <a:pPr lvl="1"/>
-            <a:r>
-              <a:rPr lang="en-US" dirty="0" smtClean="0"/>
-              <a:t>Encourage third party development</a:t>
-            </a:r>
-          </a:p>
-          <a:p>
-            <a:pPr lvl="1"/>
-            <a:r>
-              <a:rPr lang="en-US" dirty="0" smtClean="0"/>
-              <a:t>Anti-piracy solutions</a:t>
-            </a:r>
-          </a:p>
-          <a:p>
-            <a:pPr lvl="1"/>
-            <a:endParaRPr lang="en-US" dirty="0"/>
-          </a:p>
-        </p:txBody>
-      </p:sp>
-      <p:sp>
-        <p:nvSpPr>
-          <p:cNvPr id="3" name="Title 2"/>
-          <p:cNvSpPr>
-            <a:spLocks noGrp="1"/>
-          </p:cNvSpPr>
-          <p:nvPr>
-            <p:ph type="title"/>
-          </p:nvPr>
-        </p:nvSpPr>
-        <p:spPr/>
-        <p:txBody>
-          <a:bodyPr/>
-          <a:lstStyle/>
-          <a:p>
-            <a:r>
-              <a:rPr lang="en-US" dirty="0" smtClean="0"/>
-              <a:t>Opportunities</a:t>
+              <a:t>Recommendations and Next Steps</a:t>
             </a:r>
             <a:endParaRPr lang="en-US" dirty="0"/>
           </a:p>
@@ -13265,7 +13109,7 @@
     </p:spTree>
     <p:extLst>
       <p:ext uri="{BB962C8B-B14F-4D97-AF65-F5344CB8AC3E}">
-        <p14:creationId xmlns:p14="http://schemas.microsoft.com/office/powerpoint/2010/main" val="2759559370"/>
+        <p14:creationId xmlns:p14="http://schemas.microsoft.com/office/powerpoint/2010/main" val="2571464780"/>
       </p:ext>
     </p:extLst>
   </p:cSld>
@@ -13426,144 +13270,6 @@
       </p:grpSpPr>
       <p:sp>
         <p:nvSpPr>
-          <p:cNvPr id="2" name="Content Placeholder 1"/>
-          <p:cNvSpPr>
-            <a:spLocks noGrp="1"/>
-          </p:cNvSpPr>
-          <p:nvPr>
-            <p:ph idx="1"/>
-          </p:nvPr>
-        </p:nvSpPr>
-        <p:spPr/>
-        <p:txBody>
-          <a:bodyPr>
-            <a:normAutofit/>
-          </a:bodyPr>
-          <a:lstStyle/>
-          <a:p>
-            <a:r>
-              <a:rPr lang="en-US" sz="2400" dirty="0" smtClean="0"/>
-              <a:t>Continued software development</a:t>
-            </a:r>
-          </a:p>
-          <a:p>
-            <a:pPr lvl="1"/>
-            <a:r>
-              <a:rPr lang="en-US" sz="2000" dirty="0" smtClean="0"/>
-              <a:t>Improve calculation of head orientation</a:t>
-            </a:r>
-          </a:p>
-          <a:p>
-            <a:pPr lvl="1"/>
-            <a:r>
-              <a:rPr lang="en-US" sz="2000" dirty="0" smtClean="0"/>
-              <a:t>Improve filtering of GPS data</a:t>
-            </a:r>
-          </a:p>
-          <a:p>
-            <a:r>
-              <a:rPr lang="en-US" sz="2200" dirty="0"/>
-              <a:t>Migrate software to new motherboard</a:t>
-            </a:r>
-          </a:p>
-          <a:p>
-            <a:r>
-              <a:rPr lang="en-US" sz="2200" dirty="0" smtClean="0"/>
-              <a:t>Finalize packaging modifications for larger display</a:t>
-            </a:r>
-          </a:p>
-          <a:p>
-            <a:r>
-              <a:rPr lang="en-US" sz="2200" dirty="0" smtClean="0"/>
-              <a:t>Testing of new hardware</a:t>
-            </a:r>
-          </a:p>
-          <a:p>
-            <a:pPr lvl="1"/>
-            <a:r>
-              <a:rPr lang="en-US" sz="2000" dirty="0" smtClean="0"/>
-              <a:t>Battery power and charging</a:t>
-            </a:r>
-          </a:p>
-          <a:p>
-            <a:pPr lvl="1"/>
-            <a:r>
-              <a:rPr lang="en-US" sz="2000" dirty="0" smtClean="0"/>
-              <a:t>Interfacing of </a:t>
-            </a:r>
-            <a:r>
-              <a:rPr lang="en-US" sz="2000" dirty="0" err="1" smtClean="0"/>
-              <a:t>Terasic</a:t>
-            </a:r>
-            <a:r>
-              <a:rPr lang="en-US" sz="2000" dirty="0" smtClean="0"/>
-              <a:t> board with existing microcontroller</a:t>
-            </a:r>
-          </a:p>
-          <a:p>
-            <a:pPr lvl="1"/>
-            <a:r>
-              <a:rPr lang="en-US" sz="2000" dirty="0" smtClean="0"/>
-              <a:t>Display</a:t>
-            </a:r>
-          </a:p>
-        </p:txBody>
-      </p:sp>
-      <p:sp>
-        <p:nvSpPr>
-          <p:cNvPr id="3" name="Title 2"/>
-          <p:cNvSpPr>
-            <a:spLocks noGrp="1"/>
-          </p:cNvSpPr>
-          <p:nvPr>
-            <p:ph type="title"/>
-          </p:nvPr>
-        </p:nvSpPr>
-        <p:spPr/>
-        <p:txBody>
-          <a:bodyPr/>
-          <a:lstStyle/>
-          <a:p>
-            <a:r>
-              <a:rPr lang="en-US" dirty="0" smtClean="0"/>
-              <a:t>Recommendations and Next Steps</a:t>
-            </a:r>
-            <a:endParaRPr lang="en-US" dirty="0"/>
-          </a:p>
-        </p:txBody>
-      </p:sp>
-    </p:spTree>
-    <p:extLst>
-      <p:ext uri="{BB962C8B-B14F-4D97-AF65-F5344CB8AC3E}">
-        <p14:creationId xmlns:p14="http://schemas.microsoft.com/office/powerpoint/2010/main" val="2571464780"/>
-      </p:ext>
-    </p:extLst>
-  </p:cSld>
-  <p:clrMapOvr>
-    <a:masterClrMapping/>
-  </p:clrMapOvr>
-</p:sld>
-</file>
-
-<file path=ppt/slides/slide21.xml><?xml version="1.0" encoding="utf-8"?>
-<p:sld xmlns:a="http://schemas.openxmlformats.org/drawingml/2006/main" xmlns:r="http://schemas.openxmlformats.org/officeDocument/2006/relationships" xmlns:p="http://schemas.openxmlformats.org/presentationml/2006/main">
-  <p:cSld>
-    <p:spTree>
-      <p:nvGrpSpPr>
-        <p:cNvPr id="1" name=""/>
-        <p:cNvGrpSpPr/>
-        <p:nvPr/>
-      </p:nvGrpSpPr>
-      <p:grpSpPr>
-        <a:xfrm>
-          <a:off x="0" y="0"/>
-          <a:ext cx="0" cy="0"/>
-          <a:chOff x="0" y="0"/>
-          <a:chExt cx="0" cy="0"/>
-        </a:xfrm>
-      </p:grpSpPr>
-      <p:sp>
-        <p:nvSpPr>
           <p:cNvPr id="2" name="Subtitle 1"/>
           <p:cNvSpPr>
             <a:spLocks noGrp="1"/>
@@ -13623,7 +13329,7 @@
 </p:sld>
 </file>
 
-<file path=ppt/slides/slide22.xml><?xml version="1.0" encoding="utf-8"?>
+<file path=ppt/slides/slide21.xml><?xml version="1.0" encoding="utf-8"?>
 <p:sld xmlns:a="http://schemas.openxmlformats.org/drawingml/2006/main" xmlns:r="http://schemas.openxmlformats.org/officeDocument/2006/relationships" xmlns:p="http://schemas.openxmlformats.org/presentationml/2006/main">
   <p:cSld>
     <p:spTree>
@@ -13712,7 +13418,7 @@
 </p:sld>
 </file>
 
-<file path=ppt/slides/slide23.xml><?xml version="1.0" encoding="utf-8"?>
+<file path=ppt/slides/slide22.xml><?xml version="1.0" encoding="utf-8"?>
 <p:sld xmlns:a="http://schemas.openxmlformats.org/drawingml/2006/main" xmlns:r="http://schemas.openxmlformats.org/officeDocument/2006/relationships" xmlns:p="http://schemas.openxmlformats.org/presentationml/2006/main">
   <p:cSld>
     <p:spTree>
@@ -15853,7 +15559,7 @@
   <a:extraClrSchemeLst/>
   <a:extLst>
     <a:ext uri="{05A4C25C-085E-4340-85A3-A5531E510DB2}">
-      <thm15:themeFamily xmlns:thm15="http://schemas.microsoft.com/office/thememl/2012/main" name="Office Theme" id="{62F939B6-93AF-4DB8-9C6B-D6C7DFDC589F}" vid="{4A3C46E8-61CC-4603-A589-7422A47A8E4A}"/>
+      <thm15:themeFamily xmlns:thm15="http://schemas.microsoft.com/office/thememl/2012/main" xmlns="" name="Office Theme" id="{62F939B6-93AF-4DB8-9C6B-D6C7DFDC589F}" vid="{4A3C46E8-61CC-4603-A589-7422A47A8E4A}"/>
     </a:ext>
   </a:extLst>
 </a:theme>

--- a/doc/AugRealityMidReview.pptx
+++ b/doc/AugRealityMidReview.pptx
@@ -6,7 +6,7 @@
     <p:sldMasterId id="2147483708" r:id="rId2"/>
   </p:sldMasterIdLst>
   <p:notesMasterIdLst>
-    <p:notesMasterId r:id="rId22"/>
+    <p:notesMasterId r:id="rId21"/>
   </p:notesMasterIdLst>
   <p:sldIdLst>
     <p:sldId id="256" r:id="rId3"/>
@@ -20,14 +20,13 @@
     <p:sldId id="281" r:id="rId11"/>
     <p:sldId id="279" r:id="rId12"/>
     <p:sldId id="270" r:id="rId13"/>
-    <p:sldId id="286" r:id="rId14"/>
-    <p:sldId id="285" r:id="rId15"/>
-    <p:sldId id="271" r:id="rId16"/>
-    <p:sldId id="284" r:id="rId17"/>
-    <p:sldId id="282" r:id="rId18"/>
-    <p:sldId id="283" r:id="rId19"/>
-    <p:sldId id="274" r:id="rId20"/>
-    <p:sldId id="267" r:id="rId21"/>
+    <p:sldId id="285" r:id="rId14"/>
+    <p:sldId id="271" r:id="rId15"/>
+    <p:sldId id="284" r:id="rId16"/>
+    <p:sldId id="282" r:id="rId17"/>
+    <p:sldId id="283" r:id="rId18"/>
+    <p:sldId id="274" r:id="rId19"/>
+    <p:sldId id="267" r:id="rId20"/>
   </p:sldIdLst>
   <p:sldSz cx="9144000" cy="6858000" type="screen4x3"/>
   <p:notesSz cx="6858000" cy="9144000"/>
@@ -128,7 +127,7 @@
   </p:defaultTextStyle>
   <p:extLst>
     <p:ext uri="{EFAFB233-063F-42B5-8137-9DF3F51BA10A}">
-      <p15:sldGuideLst xmlns:p15="http://schemas.microsoft.com/office/powerpoint/2012/main" xmlns="">
+      <p15:sldGuideLst xmlns="" xmlns:p15="http://schemas.microsoft.com/office/powerpoint/2012/main">
         <p15:guide id="1" orient="horz" pos="2160">
           <p15:clr>
             <a:srgbClr val="A4A3A4"/>
@@ -227,7 +226,7 @@
           <a:p>
             <a:fld id="{7A466098-8D44-47E3-A6D0-3EBDA642D1D9}" type="datetimeFigureOut">
               <a:rPr lang="en-US" smtClean="0"/>
-              <a:t>2/11/2014</a:t>
+              <a:t>2/12/2014</a:t>
             </a:fld>
             <a:endParaRPr lang="en-US"/>
           </a:p>
@@ -748,7 +747,7 @@
           <a:p>
             <a:fld id="{CC2990F0-8476-4A68-82FA-873BDD6B740E}" type="datetimeFigureOut">
               <a:rPr lang="en-US" smtClean="0"/>
-              <a:t>2/11/2014</a:t>
+              <a:t>2/12/2014</a:t>
             </a:fld>
             <a:endParaRPr lang="en-US"/>
           </a:p>
@@ -961,7 +960,7 @@
           <a:p>
             <a:fld id="{CC2990F0-8476-4A68-82FA-873BDD6B740E}" type="datetimeFigureOut">
               <a:rPr lang="en-US" smtClean="0"/>
-              <a:t>2/11/2014</a:t>
+              <a:t>2/12/2014</a:t>
             </a:fld>
             <a:endParaRPr lang="en-US"/>
           </a:p>
@@ -1228,7 +1227,7 @@
           <a:p>
             <a:fld id="{CC2990F0-8476-4A68-82FA-873BDD6B740E}" type="datetimeFigureOut">
               <a:rPr lang="en-US" smtClean="0"/>
-              <a:t>2/11/2014</a:t>
+              <a:t>2/12/2014</a:t>
             </a:fld>
             <a:endParaRPr lang="en-US"/>
           </a:p>
@@ -1480,7 +1479,7 @@
                 </a:solidFill>
               </a:rPr>
               <a:pPr/>
-              <a:t>2/11/2014</a:t>
+              <a:t>2/12/2014</a:t>
             </a:fld>
             <a:endParaRPr lang="en-US">
               <a:solidFill>
@@ -1682,7 +1681,7 @@
                 </a:solidFill>
               </a:rPr>
               <a:pPr/>
-              <a:t>2/11/2014</a:t>
+              <a:t>2/12/2014</a:t>
             </a:fld>
             <a:endParaRPr lang="en-US">
               <a:solidFill>
@@ -1960,7 +1959,7 @@
                 </a:solidFill>
               </a:rPr>
               <a:pPr/>
-              <a:t>2/11/2014</a:t>
+              <a:t>2/12/2014</a:t>
             </a:fld>
             <a:endParaRPr lang="en-US">
               <a:solidFill>
@@ -2280,7 +2279,7 @@
                 </a:solidFill>
               </a:rPr>
               <a:pPr/>
-              <a:t>2/11/2014</a:t>
+              <a:t>2/12/2014</a:t>
             </a:fld>
             <a:endParaRPr lang="en-US">
               <a:solidFill>
@@ -2734,7 +2733,7 @@
                 </a:solidFill>
               </a:rPr>
               <a:pPr/>
-              <a:t>2/11/2014</a:t>
+              <a:t>2/12/2014</a:t>
             </a:fld>
             <a:endParaRPr lang="en-US">
               <a:solidFill>
@@ -2884,7 +2883,7 @@
                 </a:solidFill>
               </a:rPr>
               <a:pPr/>
-              <a:t>2/11/2014</a:t>
+              <a:t>2/12/2014</a:t>
             </a:fld>
             <a:endParaRPr lang="en-US">
               <a:solidFill>
@@ -3011,7 +3010,7 @@
                 </a:solidFill>
               </a:rPr>
               <a:pPr/>
-              <a:t>2/11/2014</a:t>
+              <a:t>2/12/2014</a:t>
             </a:fld>
             <a:endParaRPr lang="en-US">
               <a:solidFill>
@@ -3320,7 +3319,7 @@
                 </a:solidFill>
               </a:rPr>
               <a:pPr/>
-              <a:t>2/11/2014</a:t>
+              <a:t>2/12/2014</a:t>
             </a:fld>
             <a:endParaRPr lang="en-US">
               <a:solidFill>
@@ -3492,7 +3491,7 @@
           <a:p>
             <a:fld id="{CC2990F0-8476-4A68-82FA-873BDD6B740E}" type="datetimeFigureOut">
               <a:rPr lang="en-US" smtClean="0"/>
-              <a:t>2/11/2014</a:t>
+              <a:t>2/12/2014</a:t>
             </a:fld>
             <a:endParaRPr lang="en-US"/>
           </a:p>
@@ -3777,7 +3776,7 @@
                 </a:solidFill>
               </a:rPr>
               <a:pPr/>
-              <a:t>2/11/2014</a:t>
+              <a:t>2/12/2014</a:t>
             </a:fld>
             <a:endParaRPr lang="en-US">
               <a:solidFill>
@@ -3979,7 +3978,7 @@
                 </a:solidFill>
               </a:rPr>
               <a:pPr/>
-              <a:t>2/11/2014</a:t>
+              <a:t>2/12/2014</a:t>
             </a:fld>
             <a:endParaRPr lang="en-US">
               <a:solidFill>
@@ -4191,7 +4190,7 @@
                 </a:solidFill>
               </a:rPr>
               <a:pPr/>
-              <a:t>2/11/2014</a:t>
+              <a:t>2/12/2014</a:t>
             </a:fld>
             <a:endParaRPr lang="en-US">
               <a:solidFill>
@@ -4528,7 +4527,7 @@
           <a:p>
             <a:fld id="{CC2990F0-8476-4A68-82FA-873BDD6B740E}" type="datetimeFigureOut">
               <a:rPr lang="en-US" smtClean="0"/>
-              <a:t>2/11/2014</a:t>
+              <a:t>2/12/2014</a:t>
             </a:fld>
             <a:endParaRPr lang="en-US"/>
           </a:p>
@@ -4836,7 +4835,7 @@
           <a:p>
             <a:fld id="{CC2990F0-8476-4A68-82FA-873BDD6B740E}" type="datetimeFigureOut">
               <a:rPr lang="en-US" smtClean="0"/>
-              <a:t>2/11/2014</a:t>
+              <a:t>2/12/2014</a:t>
             </a:fld>
             <a:endParaRPr lang="en-US"/>
           </a:p>
@@ -5257,7 +5256,7 @@
           <a:p>
             <a:fld id="{CC2990F0-8476-4A68-82FA-873BDD6B740E}" type="datetimeFigureOut">
               <a:rPr lang="en-US" smtClean="0"/>
-              <a:t>2/11/2014</a:t>
+              <a:t>2/12/2014</a:t>
             </a:fld>
             <a:endParaRPr lang="en-US"/>
           </a:p>
@@ -5370,7 +5369,7 @@
           <a:p>
             <a:fld id="{CC2990F0-8476-4A68-82FA-873BDD6B740E}" type="datetimeFigureOut">
               <a:rPr lang="en-US" smtClean="0"/>
-              <a:t>2/11/2014</a:t>
+              <a:t>2/12/2014</a:t>
             </a:fld>
             <a:endParaRPr lang="en-US"/>
           </a:p>
@@ -5529,7 +5528,7 @@
           <a:p>
             <a:fld id="{CC2990F0-8476-4A68-82FA-873BDD6B740E}" type="datetimeFigureOut">
               <a:rPr lang="en-US" smtClean="0"/>
-              <a:t>2/11/2014</a:t>
+              <a:t>2/12/2014</a:t>
             </a:fld>
             <a:endParaRPr lang="en-US"/>
           </a:p>
@@ -5913,7 +5912,7 @@
           <a:p>
             <a:fld id="{CC2990F0-8476-4A68-82FA-873BDD6B740E}" type="datetimeFigureOut">
               <a:rPr lang="en-US" smtClean="0"/>
-              <a:t>2/11/2014</a:t>
+              <a:t>2/12/2014</a:t>
             </a:fld>
             <a:endParaRPr lang="en-US"/>
           </a:p>
@@ -6275,7 +6274,7 @@
           <a:p>
             <a:fld id="{CC2990F0-8476-4A68-82FA-873BDD6B740E}" type="datetimeFigureOut">
               <a:rPr lang="en-US" smtClean="0"/>
-              <a:t>2/11/2014</a:t>
+              <a:t>2/12/2014</a:t>
             </a:fld>
             <a:endParaRPr lang="en-US"/>
           </a:p>
@@ -6609,7 +6608,7 @@
           <a:p>
             <a:fld id="{CC2990F0-8476-4A68-82FA-873BDD6B740E}" type="datetimeFigureOut">
               <a:rPr lang="en-US" smtClean="0"/>
-              <a:t>2/11/2014</a:t>
+              <a:t>2/12/2014</a:t>
             </a:fld>
             <a:endParaRPr lang="en-US"/>
           </a:p>
@@ -7158,7 +7157,7 @@
                 </a:solidFill>
               </a:rPr>
               <a:pPr/>
-              <a:t>2/11/2014</a:t>
+              <a:t>2/12/2014</a:t>
             </a:fld>
             <a:endParaRPr lang="en-US" smtClean="0">
               <a:solidFill>
@@ -8221,14 +8220,43 @@
           <a:chExt cx="0" cy="0"/>
         </a:xfrm>
       </p:grpSpPr>
-      <p:sp>
-        <p:nvSpPr>
-          <p:cNvPr id="2" name="Content Placeholder 1"/>
-          <p:cNvSpPr>
-            <a:spLocks noGrp="1"/>
-          </p:cNvSpPr>
+      <p:pic>
+        <p:nvPicPr>
+          <p:cNvPr id="4" name="Content Placeholder 3"/>
+          <p:cNvPicPr>
+            <a:picLocks noGrp="1" noChangeAspect="1"/>
+          </p:cNvPicPr>
           <p:nvPr>
             <p:ph idx="1"/>
+          </p:nvPr>
+        </p:nvPicPr>
+        <p:blipFill>
+          <a:blip r:embed="rId2">
+            <a:extLst>
+              <a:ext uri="{28A0092B-C50C-407E-A947-70E740481C1C}">
+                <a14:useLocalDpi xmlns:a14="http://schemas.microsoft.com/office/drawing/2010/main" val="0"/>
+              </a:ext>
+            </a:extLst>
+          </a:blip>
+          <a:stretch>
+            <a:fillRect/>
+          </a:stretch>
+        </p:blipFill>
+        <p:spPr>
+          <a:xfrm>
+            <a:off x="110823" y="1447800"/>
+            <a:ext cx="8880777" cy="5105400"/>
+          </a:xfrm>
+        </p:spPr>
+      </p:pic>
+      <p:sp>
+        <p:nvSpPr>
+          <p:cNvPr id="3" name="Title 2"/>
+          <p:cNvSpPr>
+            <a:spLocks noGrp="1"/>
+          </p:cNvSpPr>
+          <p:nvPr>
+            <p:ph type="title"/>
           </p:nvPr>
         </p:nvSpPr>
         <p:spPr/>
@@ -8236,67 +8264,13 @@
           <a:bodyPr/>
           <a:lstStyle/>
           <a:p>
-            <a:endParaRPr lang="en-US" dirty="0" smtClean="0"/>
-          </a:p>
-          <a:p>
-            <a:endParaRPr lang="en-US" dirty="0"/>
-          </a:p>
-          <a:p>
-            <a:r>
-              <a:rPr lang="en-US" dirty="0" smtClean="0"/>
-              <a:t>Approximately 3 weeks behind expected schedule.</a:t>
-            </a:r>
-          </a:p>
-          <a:p>
-            <a:endParaRPr lang="en-US" dirty="0" smtClean="0"/>
-          </a:p>
-          <a:p>
-            <a:endParaRPr lang="en-US" dirty="0"/>
-          </a:p>
-          <a:p>
-            <a:endParaRPr lang="en-US" dirty="0" smtClean="0"/>
-          </a:p>
-          <a:p>
-            <a:r>
-              <a:rPr lang="en-US" dirty="0" smtClean="0"/>
-              <a:t>Added more tasks and worked to clarify testing tasks.</a:t>
-            </a:r>
-          </a:p>
-          <a:p>
-            <a:pPr lvl="1"/>
-            <a:r>
-              <a:rPr lang="en-US" dirty="0" smtClean="0"/>
-              <a:t>Created Explicit task for working on Final Report.</a:t>
-            </a:r>
-          </a:p>
-          <a:p>
-            <a:pPr lvl="1"/>
-            <a:endParaRPr lang="en-US" dirty="0"/>
-          </a:p>
-        </p:txBody>
-      </p:sp>
-      <p:sp>
-        <p:nvSpPr>
-          <p:cNvPr id="3" name="Title 2"/>
-          <p:cNvSpPr>
-            <a:spLocks noGrp="1"/>
-          </p:cNvSpPr>
-          <p:nvPr>
-            <p:ph type="title"/>
-          </p:nvPr>
-        </p:nvSpPr>
-        <p:spPr/>
-        <p:txBody>
-          <a:bodyPr/>
-          <a:lstStyle/>
-          <a:p>
             <a:r>
               <a:rPr lang="en-US" dirty="0"/>
               <a:t>Execution overview – </a:t>
             </a:r>
             <a:r>
               <a:rPr lang="en-US" dirty="0" smtClean="0"/>
-              <a:t>Timeline</a:t>
+              <a:t>Timeline A</a:t>
             </a:r>
             <a:endParaRPr lang="en-US" dirty="0"/>
           </a:p>
@@ -8305,7 +8279,7 @@
     </p:spTree>
     <p:extLst>
       <p:ext uri="{BB962C8B-B14F-4D97-AF65-F5344CB8AC3E}">
-        <p14:creationId xmlns:p14="http://schemas.microsoft.com/office/powerpoint/2010/main" val="795351433"/>
+        <p14:creationId xmlns:p14="http://schemas.microsoft.com/office/powerpoint/2010/main" val="3042760565"/>
       </p:ext>
     </p:extLst>
   </p:cSld>
@@ -8356,8 +8330,8 @@
         </p:blipFill>
         <p:spPr>
           <a:xfrm>
-            <a:off x="110823" y="1447800"/>
-            <a:ext cx="8880777" cy="5105400"/>
+            <a:off x="152400" y="1471703"/>
+            <a:ext cx="8839200" cy="5081497"/>
           </a:xfrm>
         </p:spPr>
       </p:pic>
@@ -8377,12 +8351,8 @@
           <a:lstStyle/>
           <a:p>
             <a:r>
-              <a:rPr lang="en-US" dirty="0"/>
-              <a:t>Execution overview – </a:t>
-            </a:r>
-            <a:r>
               <a:rPr lang="en-US" dirty="0" smtClean="0"/>
-              <a:t>Timeline A</a:t>
+              <a:t>Execution overview – Timeline B</a:t>
             </a:r>
             <a:endParaRPr lang="en-US" dirty="0"/>
           </a:p>
@@ -8391,7 +8361,7 @@
     </p:spTree>
     <p:extLst>
       <p:ext uri="{BB962C8B-B14F-4D97-AF65-F5344CB8AC3E}">
-        <p14:creationId xmlns:p14="http://schemas.microsoft.com/office/powerpoint/2010/main" val="3042760565"/>
+        <p14:creationId xmlns:p14="http://schemas.microsoft.com/office/powerpoint/2010/main" val="4157361893"/>
       </p:ext>
     </p:extLst>
   </p:cSld>
@@ -8418,35 +8388,3095 @@
           <a:chExt cx="0" cy="0"/>
         </a:xfrm>
       </p:grpSpPr>
-      <p:pic>
-        <p:nvPicPr>
+      <p:graphicFrame>
+        <p:nvGraphicFramePr>
           <p:cNvPr id="4" name="Content Placeholder 3"/>
-          <p:cNvPicPr>
-            <a:picLocks noGrp="1" noChangeAspect="1"/>
-          </p:cNvPicPr>
+          <p:cNvGraphicFramePr>
+            <a:graphicFrameLocks noGrp="1"/>
+          </p:cNvGraphicFramePr>
           <p:nvPr>
             <p:ph idx="1"/>
-          </p:nvPr>
-        </p:nvPicPr>
-        <p:blipFill>
-          <a:blip r:embed="rId2">
-            <a:extLst>
-              <a:ext uri="{28A0092B-C50C-407E-A947-70E740481C1C}">
-                <a14:useLocalDpi xmlns:a14="http://schemas.microsoft.com/office/drawing/2010/main" val="0"/>
-              </a:ext>
-            </a:extLst>
-          </a:blip>
-          <a:stretch>
-            <a:fillRect/>
-          </a:stretch>
-        </p:blipFill>
-        <p:spPr>
-          <a:xfrm>
-            <a:off x="152400" y="1471703"/>
-            <a:ext cx="8839200" cy="5081497"/>
-          </a:xfrm>
-        </p:spPr>
-      </p:pic>
+            <p:extLst>
+              <p:ext uri="{D42A27DB-BD31-4B8C-83A1-F6EECF244321}">
+                <p14:modId xmlns:p14="http://schemas.microsoft.com/office/powerpoint/2010/main" val="3346233757"/>
+              </p:ext>
+            </p:extLst>
+          </p:nvPr>
+        </p:nvGraphicFramePr>
+        <p:xfrm>
+          <a:off x="304800" y="1676400"/>
+          <a:ext cx="8458202" cy="4648210"/>
+        </p:xfrm>
+        <a:graphic>
+          <a:graphicData uri="http://schemas.openxmlformats.org/drawingml/2006/table">
+            <a:tbl>
+              <a:tblPr>
+                <a:tableStyleId>{5C22544A-7EE6-4342-B048-85BDC9FD1C3A}</a:tableStyleId>
+              </a:tblPr>
+              <a:tblGrid>
+                <a:gridCol w="1488949"/>
+                <a:gridCol w="2582234"/>
+                <a:gridCol w="971808"/>
+                <a:gridCol w="888510"/>
+                <a:gridCol w="888510"/>
+                <a:gridCol w="888510"/>
+                <a:gridCol w="749681"/>
+              </a:tblGrid>
+              <a:tr h="232410">
+                <a:tc>
+                  <a:txBody>
+                    <a:bodyPr/>
+                    <a:lstStyle/>
+                    <a:p>
+                      <a:pPr algn="l" fontAlgn="b"/>
+                      <a:r>
+                        <a:rPr lang="en-US" sz="1100" u="none" strike="noStrike">
+                          <a:effectLst/>
+                        </a:rPr>
+                        <a:t>Name</a:t>
+                      </a:r>
+                      <a:endParaRPr lang="en-US" sz="1100" b="1" i="0" u="none" strike="noStrike">
+                        <a:solidFill>
+                          <a:srgbClr val="000000"/>
+                        </a:solidFill>
+                        <a:effectLst/>
+                        <a:latin typeface="Liberation Sans"/>
+                      </a:endParaRPr>
+                    </a:p>
+                  </a:txBody>
+                  <a:tcPr marL="9525" marR="9525" marT="9525" marB="0" anchor="b"/>
+                </a:tc>
+                <a:tc>
+                  <a:txBody>
+                    <a:bodyPr/>
+                    <a:lstStyle/>
+                    <a:p>
+                      <a:pPr algn="l" fontAlgn="b"/>
+                      <a:r>
+                        <a:rPr lang="en-US" sz="1100" u="none" strike="noStrike">
+                          <a:effectLst/>
+                        </a:rPr>
+                        <a:t>Item</a:t>
+                      </a:r>
+                      <a:endParaRPr lang="en-US" sz="1100" b="1" i="0" u="none" strike="noStrike">
+                        <a:solidFill>
+                          <a:srgbClr val="000000"/>
+                        </a:solidFill>
+                        <a:effectLst/>
+                        <a:latin typeface="Liberation Sans"/>
+                      </a:endParaRPr>
+                    </a:p>
+                  </a:txBody>
+                  <a:tcPr marL="9525" marR="9525" marT="9525" marB="0" anchor="b"/>
+                </a:tc>
+                <a:tc>
+                  <a:txBody>
+                    <a:bodyPr/>
+                    <a:lstStyle/>
+                    <a:p>
+                      <a:pPr algn="l" fontAlgn="b"/>
+                      <a:r>
+                        <a:rPr lang="en-US" sz="1100" u="none" strike="noStrike">
+                          <a:effectLst/>
+                        </a:rPr>
+                        <a:t>Vendor</a:t>
+                      </a:r>
+                      <a:endParaRPr lang="en-US" sz="1100" b="1" i="0" u="none" strike="noStrike">
+                        <a:solidFill>
+                          <a:srgbClr val="000000"/>
+                        </a:solidFill>
+                        <a:effectLst/>
+                        <a:latin typeface="Liberation Sans"/>
+                      </a:endParaRPr>
+                    </a:p>
+                  </a:txBody>
+                  <a:tcPr marL="9525" marR="9525" marT="9525" marB="0" anchor="b"/>
+                </a:tc>
+                <a:tc>
+                  <a:txBody>
+                    <a:bodyPr/>
+                    <a:lstStyle/>
+                    <a:p>
+                      <a:pPr algn="l" fontAlgn="b"/>
+                      <a:r>
+                        <a:rPr lang="en-US" sz="1100" u="none" strike="noStrike">
+                          <a:effectLst/>
+                        </a:rPr>
+                        <a:t>Unit Price</a:t>
+                      </a:r>
+                      <a:endParaRPr lang="en-US" sz="1100" b="1" i="0" u="none" strike="noStrike">
+                        <a:solidFill>
+                          <a:srgbClr val="000000"/>
+                        </a:solidFill>
+                        <a:effectLst/>
+                        <a:latin typeface="Liberation Sans"/>
+                      </a:endParaRPr>
+                    </a:p>
+                  </a:txBody>
+                  <a:tcPr marL="9525" marR="9525" marT="9525" marB="0" anchor="b"/>
+                </a:tc>
+                <a:tc>
+                  <a:txBody>
+                    <a:bodyPr/>
+                    <a:lstStyle/>
+                    <a:p>
+                      <a:pPr algn="l" fontAlgn="b"/>
+                      <a:r>
+                        <a:rPr lang="en-US" sz="1100" u="none" strike="noStrike">
+                          <a:effectLst/>
+                        </a:rPr>
+                        <a:t>Shipping</a:t>
+                      </a:r>
+                      <a:endParaRPr lang="en-US" sz="1100" b="1" i="0" u="none" strike="noStrike">
+                        <a:solidFill>
+                          <a:srgbClr val="000000"/>
+                        </a:solidFill>
+                        <a:effectLst/>
+                        <a:latin typeface="Liberation Sans"/>
+                      </a:endParaRPr>
+                    </a:p>
+                  </a:txBody>
+                  <a:tcPr marL="9525" marR="9525" marT="9525" marB="0" anchor="b"/>
+                </a:tc>
+                <a:tc>
+                  <a:txBody>
+                    <a:bodyPr/>
+                    <a:lstStyle/>
+                    <a:p>
+                      <a:pPr algn="l" fontAlgn="b"/>
+                      <a:r>
+                        <a:rPr lang="en-US" sz="1100" u="none" strike="noStrike">
+                          <a:effectLst/>
+                        </a:rPr>
+                        <a:t>Quantity</a:t>
+                      </a:r>
+                      <a:endParaRPr lang="en-US" sz="1100" b="1" i="0" u="none" strike="noStrike">
+                        <a:solidFill>
+                          <a:srgbClr val="000000"/>
+                        </a:solidFill>
+                        <a:effectLst/>
+                        <a:latin typeface="Liberation Sans"/>
+                      </a:endParaRPr>
+                    </a:p>
+                  </a:txBody>
+                  <a:tcPr marL="9525" marR="9525" marT="9525" marB="0" anchor="b"/>
+                </a:tc>
+                <a:tc>
+                  <a:txBody>
+                    <a:bodyPr/>
+                    <a:lstStyle/>
+                    <a:p>
+                      <a:pPr algn="l" fontAlgn="b"/>
+                      <a:r>
+                        <a:rPr lang="en-US" sz="1100" u="none" strike="noStrike">
+                          <a:effectLst/>
+                        </a:rPr>
+                        <a:t>Price</a:t>
+                      </a:r>
+                      <a:endParaRPr lang="en-US" sz="1100" b="1" i="0" u="none" strike="noStrike">
+                        <a:solidFill>
+                          <a:srgbClr val="000000"/>
+                        </a:solidFill>
+                        <a:effectLst/>
+                        <a:latin typeface="Liberation Sans"/>
+                      </a:endParaRPr>
+                    </a:p>
+                  </a:txBody>
+                  <a:tcPr marL="9525" marR="9525" marT="9525" marB="0" anchor="b"/>
+                </a:tc>
+              </a:tr>
+              <a:tr h="220790">
+                <a:tc>
+                  <a:txBody>
+                    <a:bodyPr/>
+                    <a:lstStyle/>
+                    <a:p>
+                      <a:pPr algn="l" fontAlgn="b"/>
+                      <a:r>
+                        <a:rPr lang="en-US" sz="1100" u="none" strike="noStrike">
+                          <a:effectLst/>
+                        </a:rPr>
+                        <a:t>Battery</a:t>
+                      </a:r>
+                      <a:endParaRPr lang="en-US" sz="1100" b="0" i="0" u="none" strike="noStrike">
+                        <a:solidFill>
+                          <a:srgbClr val="000000"/>
+                        </a:solidFill>
+                        <a:effectLst/>
+                        <a:latin typeface="Liberation Sans"/>
+                      </a:endParaRPr>
+                    </a:p>
+                  </a:txBody>
+                  <a:tcPr marL="9525" marR="9525" marT="9525" marB="0" anchor="b"/>
+                </a:tc>
+                <a:tc>
+                  <a:txBody>
+                    <a:bodyPr/>
+                    <a:lstStyle/>
+                    <a:p>
+                      <a:pPr algn="l" fontAlgn="b"/>
+                      <a:endParaRPr lang="en-US" sz="1100" b="0" i="0" u="none" strike="noStrike">
+                        <a:solidFill>
+                          <a:srgbClr val="000000"/>
+                        </a:solidFill>
+                        <a:effectLst/>
+                        <a:latin typeface="Liberation Sans"/>
+                      </a:endParaRPr>
+                    </a:p>
+                  </a:txBody>
+                  <a:tcPr marL="9525" marR="9525" marT="9525" marB="0" anchor="b"/>
+                </a:tc>
+                <a:tc>
+                  <a:txBody>
+                    <a:bodyPr/>
+                    <a:lstStyle/>
+                    <a:p>
+                      <a:pPr algn="l" fontAlgn="b"/>
+                      <a:r>
+                        <a:rPr lang="en-US" sz="1100" u="none" strike="noStrike">
+                          <a:effectLst/>
+                        </a:rPr>
+                        <a:t>BatterySpace</a:t>
+                      </a:r>
+                      <a:endParaRPr lang="en-US" sz="1100" b="0" i="0" u="none" strike="noStrike">
+                        <a:solidFill>
+                          <a:srgbClr val="000000"/>
+                        </a:solidFill>
+                        <a:effectLst/>
+                        <a:latin typeface="Liberation Sans"/>
+                      </a:endParaRPr>
+                    </a:p>
+                  </a:txBody>
+                  <a:tcPr marL="9525" marR="9525" marT="9525" marB="0" anchor="b"/>
+                </a:tc>
+                <a:tc>
+                  <a:txBody>
+                    <a:bodyPr/>
+                    <a:lstStyle/>
+                    <a:p>
+                      <a:pPr algn="r" fontAlgn="b"/>
+                      <a:r>
+                        <a:rPr lang="en-US" sz="1100" u="none" strike="noStrike">
+                          <a:effectLst/>
+                        </a:rPr>
+                        <a:t>66.95</a:t>
+                      </a:r>
+                      <a:endParaRPr lang="en-US" sz="1100" b="0" i="0" u="none" strike="noStrike">
+                        <a:solidFill>
+                          <a:srgbClr val="000000"/>
+                        </a:solidFill>
+                        <a:effectLst/>
+                        <a:latin typeface="Liberation Sans"/>
+                      </a:endParaRPr>
+                    </a:p>
+                  </a:txBody>
+                  <a:tcPr marL="9525" marR="9525" marT="9525" marB="0" anchor="b"/>
+                </a:tc>
+                <a:tc>
+                  <a:txBody>
+                    <a:bodyPr/>
+                    <a:lstStyle/>
+                    <a:p>
+                      <a:pPr algn="l" fontAlgn="b"/>
+                      <a:endParaRPr lang="en-US" sz="1100" b="0" i="0" u="none" strike="noStrike">
+                        <a:solidFill>
+                          <a:srgbClr val="000000"/>
+                        </a:solidFill>
+                        <a:effectLst/>
+                        <a:latin typeface="Liberation Sans"/>
+                      </a:endParaRPr>
+                    </a:p>
+                  </a:txBody>
+                  <a:tcPr marL="9525" marR="9525" marT="9525" marB="0" anchor="b"/>
+                </a:tc>
+                <a:tc>
+                  <a:txBody>
+                    <a:bodyPr/>
+                    <a:lstStyle/>
+                    <a:p>
+                      <a:pPr algn="r" fontAlgn="b"/>
+                      <a:r>
+                        <a:rPr lang="en-US" sz="1100" u="none" strike="noStrike">
+                          <a:effectLst/>
+                        </a:rPr>
+                        <a:t>2</a:t>
+                      </a:r>
+                      <a:endParaRPr lang="en-US" sz="1100" b="0" i="0" u="none" strike="noStrike">
+                        <a:solidFill>
+                          <a:srgbClr val="000000"/>
+                        </a:solidFill>
+                        <a:effectLst/>
+                        <a:latin typeface="Liberation Sans"/>
+                      </a:endParaRPr>
+                    </a:p>
+                  </a:txBody>
+                  <a:tcPr marL="9525" marR="9525" marT="9525" marB="0" anchor="b"/>
+                </a:tc>
+                <a:tc>
+                  <a:txBody>
+                    <a:bodyPr/>
+                    <a:lstStyle/>
+                    <a:p>
+                      <a:pPr algn="r" fontAlgn="b"/>
+                      <a:r>
+                        <a:rPr lang="en-US" sz="1100" u="none" strike="noStrike">
+                          <a:effectLst/>
+                        </a:rPr>
+                        <a:t>133.9</a:t>
+                      </a:r>
+                      <a:endParaRPr lang="en-US" sz="1100" b="0" i="0" u="none" strike="noStrike">
+                        <a:solidFill>
+                          <a:srgbClr val="000000"/>
+                        </a:solidFill>
+                        <a:effectLst/>
+                        <a:latin typeface="Liberation Sans"/>
+                      </a:endParaRPr>
+                    </a:p>
+                  </a:txBody>
+                  <a:tcPr marL="9525" marR="9525" marT="9525" marB="0" anchor="b"/>
+                </a:tc>
+              </a:tr>
+              <a:tr h="220790">
+                <a:tc>
+                  <a:txBody>
+                    <a:bodyPr/>
+                    <a:lstStyle/>
+                    <a:p>
+                      <a:pPr algn="l" fontAlgn="b"/>
+                      <a:r>
+                        <a:rPr lang="en-US" sz="1100" u="none" strike="noStrike">
+                          <a:effectLst/>
+                        </a:rPr>
+                        <a:t>Screen1</a:t>
+                      </a:r>
+                      <a:endParaRPr lang="en-US" sz="1100" b="0" i="0" u="none" strike="noStrike">
+                        <a:solidFill>
+                          <a:srgbClr val="000000"/>
+                        </a:solidFill>
+                        <a:effectLst/>
+                        <a:latin typeface="Liberation Sans"/>
+                      </a:endParaRPr>
+                    </a:p>
+                  </a:txBody>
+                  <a:tcPr marL="9525" marR="9525" marT="9525" marB="0" anchor="b"/>
+                </a:tc>
+                <a:tc>
+                  <a:txBody>
+                    <a:bodyPr/>
+                    <a:lstStyle/>
+                    <a:p>
+                      <a:pPr algn="l" fontAlgn="b"/>
+                      <a:endParaRPr lang="en-US" sz="1100" b="0" i="0" u="none" strike="noStrike">
+                        <a:solidFill>
+                          <a:srgbClr val="000000"/>
+                        </a:solidFill>
+                        <a:effectLst/>
+                        <a:latin typeface="Liberation Sans"/>
+                      </a:endParaRPr>
+                    </a:p>
+                  </a:txBody>
+                  <a:tcPr marL="9525" marR="9525" marT="9525" marB="0" anchor="b"/>
+                </a:tc>
+                <a:tc>
+                  <a:txBody>
+                    <a:bodyPr/>
+                    <a:lstStyle/>
+                    <a:p>
+                      <a:pPr algn="l" fontAlgn="b"/>
+                      <a:r>
+                        <a:rPr lang="en-US" sz="1100" u="none" strike="noStrike">
+                          <a:effectLst/>
+                        </a:rPr>
+                        <a:t>AdaFruit</a:t>
+                      </a:r>
+                      <a:endParaRPr lang="en-US" sz="1100" b="0" i="0" u="none" strike="noStrike">
+                        <a:solidFill>
+                          <a:srgbClr val="000000"/>
+                        </a:solidFill>
+                        <a:effectLst/>
+                        <a:latin typeface="Liberation Sans"/>
+                      </a:endParaRPr>
+                    </a:p>
+                  </a:txBody>
+                  <a:tcPr marL="9525" marR="9525" marT="9525" marB="0" anchor="b"/>
+                </a:tc>
+                <a:tc>
+                  <a:txBody>
+                    <a:bodyPr/>
+                    <a:lstStyle/>
+                    <a:p>
+                      <a:pPr algn="r" fontAlgn="b"/>
+                      <a:r>
+                        <a:rPr lang="en-US" sz="1100" u="none" strike="noStrike">
+                          <a:effectLst/>
+                        </a:rPr>
+                        <a:t>139.95</a:t>
+                      </a:r>
+                      <a:endParaRPr lang="en-US" sz="1100" b="0" i="0" u="none" strike="noStrike">
+                        <a:solidFill>
+                          <a:srgbClr val="000000"/>
+                        </a:solidFill>
+                        <a:effectLst/>
+                        <a:latin typeface="Liberation Sans"/>
+                      </a:endParaRPr>
+                    </a:p>
+                  </a:txBody>
+                  <a:tcPr marL="9525" marR="9525" marT="9525" marB="0" anchor="b"/>
+                </a:tc>
+                <a:tc>
+                  <a:txBody>
+                    <a:bodyPr/>
+                    <a:lstStyle/>
+                    <a:p>
+                      <a:pPr algn="l" fontAlgn="b"/>
+                      <a:endParaRPr lang="en-US" sz="1100" b="0" i="0" u="none" strike="noStrike">
+                        <a:solidFill>
+                          <a:srgbClr val="000000"/>
+                        </a:solidFill>
+                        <a:effectLst/>
+                        <a:latin typeface="Liberation Sans"/>
+                      </a:endParaRPr>
+                    </a:p>
+                  </a:txBody>
+                  <a:tcPr marL="9525" marR="9525" marT="9525" marB="0" anchor="b"/>
+                </a:tc>
+                <a:tc>
+                  <a:txBody>
+                    <a:bodyPr/>
+                    <a:lstStyle/>
+                    <a:p>
+                      <a:pPr algn="r" fontAlgn="b"/>
+                      <a:r>
+                        <a:rPr lang="en-US" sz="1100" u="none" strike="noStrike">
+                          <a:effectLst/>
+                        </a:rPr>
+                        <a:t>1</a:t>
+                      </a:r>
+                      <a:endParaRPr lang="en-US" sz="1100" b="0" i="0" u="none" strike="noStrike">
+                        <a:solidFill>
+                          <a:srgbClr val="000000"/>
+                        </a:solidFill>
+                        <a:effectLst/>
+                        <a:latin typeface="Liberation Sans"/>
+                      </a:endParaRPr>
+                    </a:p>
+                  </a:txBody>
+                  <a:tcPr marL="9525" marR="9525" marT="9525" marB="0" anchor="b"/>
+                </a:tc>
+                <a:tc>
+                  <a:txBody>
+                    <a:bodyPr/>
+                    <a:lstStyle/>
+                    <a:p>
+                      <a:pPr algn="r" fontAlgn="b"/>
+                      <a:r>
+                        <a:rPr lang="en-US" sz="1100" u="none" strike="noStrike">
+                          <a:effectLst/>
+                        </a:rPr>
+                        <a:t>139.95</a:t>
+                      </a:r>
+                      <a:endParaRPr lang="en-US" sz="1100" b="0" i="0" u="none" strike="noStrike">
+                        <a:solidFill>
+                          <a:srgbClr val="000000"/>
+                        </a:solidFill>
+                        <a:effectLst/>
+                        <a:latin typeface="Liberation Sans"/>
+                      </a:endParaRPr>
+                    </a:p>
+                  </a:txBody>
+                  <a:tcPr marL="9525" marR="9525" marT="9525" marB="0" anchor="b"/>
+                </a:tc>
+              </a:tr>
+              <a:tr h="220790">
+                <a:tc>
+                  <a:txBody>
+                    <a:bodyPr/>
+                    <a:lstStyle/>
+                    <a:p>
+                      <a:pPr algn="l" fontAlgn="b"/>
+                      <a:r>
+                        <a:rPr lang="en-US" sz="1100" u="none" strike="noStrike">
+                          <a:effectLst/>
+                        </a:rPr>
+                        <a:t>Screen2</a:t>
+                      </a:r>
+                      <a:endParaRPr lang="en-US" sz="1100" b="0" i="0" u="none" strike="noStrike">
+                        <a:solidFill>
+                          <a:srgbClr val="000000"/>
+                        </a:solidFill>
+                        <a:effectLst/>
+                        <a:latin typeface="Liberation Sans"/>
+                      </a:endParaRPr>
+                    </a:p>
+                  </a:txBody>
+                  <a:tcPr marL="9525" marR="9525" marT="9525" marB="0" anchor="b"/>
+                </a:tc>
+                <a:tc>
+                  <a:txBody>
+                    <a:bodyPr/>
+                    <a:lstStyle/>
+                    <a:p>
+                      <a:pPr algn="l" fontAlgn="b"/>
+                      <a:endParaRPr lang="en-US" sz="1100" b="0" i="0" u="none" strike="noStrike">
+                        <a:solidFill>
+                          <a:srgbClr val="000000"/>
+                        </a:solidFill>
+                        <a:effectLst/>
+                        <a:latin typeface="Liberation Sans"/>
+                      </a:endParaRPr>
+                    </a:p>
+                  </a:txBody>
+                  <a:tcPr marL="9525" marR="9525" marT="9525" marB="0" anchor="b"/>
+                </a:tc>
+                <a:tc>
+                  <a:txBody>
+                    <a:bodyPr/>
+                    <a:lstStyle/>
+                    <a:p>
+                      <a:pPr algn="l" fontAlgn="b"/>
+                      <a:r>
+                        <a:rPr lang="en-US" sz="1100" u="none" strike="noStrike">
+                          <a:effectLst/>
+                        </a:rPr>
+                        <a:t>AdaFruit</a:t>
+                      </a:r>
+                      <a:endParaRPr lang="en-US" sz="1100" b="0" i="0" u="none" strike="noStrike">
+                        <a:solidFill>
+                          <a:srgbClr val="000000"/>
+                        </a:solidFill>
+                        <a:effectLst/>
+                        <a:latin typeface="Liberation Sans"/>
+                      </a:endParaRPr>
+                    </a:p>
+                  </a:txBody>
+                  <a:tcPr marL="9525" marR="9525" marT="9525" marB="0" anchor="b"/>
+                </a:tc>
+                <a:tc>
+                  <a:txBody>
+                    <a:bodyPr/>
+                    <a:lstStyle/>
+                    <a:p>
+                      <a:pPr algn="r" fontAlgn="b"/>
+                      <a:r>
+                        <a:rPr lang="en-US" sz="1100" u="none" strike="noStrike">
+                          <a:effectLst/>
+                        </a:rPr>
+                        <a:t>64.95</a:t>
+                      </a:r>
+                      <a:endParaRPr lang="en-US" sz="1100" b="0" i="0" u="none" strike="noStrike">
+                        <a:solidFill>
+                          <a:srgbClr val="000000"/>
+                        </a:solidFill>
+                        <a:effectLst/>
+                        <a:latin typeface="Liberation Sans"/>
+                      </a:endParaRPr>
+                    </a:p>
+                  </a:txBody>
+                  <a:tcPr marL="9525" marR="9525" marT="9525" marB="0" anchor="b"/>
+                </a:tc>
+                <a:tc>
+                  <a:txBody>
+                    <a:bodyPr/>
+                    <a:lstStyle/>
+                    <a:p>
+                      <a:pPr algn="l" fontAlgn="b"/>
+                      <a:endParaRPr lang="en-US" sz="1100" b="0" i="0" u="none" strike="noStrike">
+                        <a:solidFill>
+                          <a:srgbClr val="000000"/>
+                        </a:solidFill>
+                        <a:effectLst/>
+                        <a:latin typeface="Liberation Sans"/>
+                      </a:endParaRPr>
+                    </a:p>
+                  </a:txBody>
+                  <a:tcPr marL="9525" marR="9525" marT="9525" marB="0" anchor="b"/>
+                </a:tc>
+                <a:tc>
+                  <a:txBody>
+                    <a:bodyPr/>
+                    <a:lstStyle/>
+                    <a:p>
+                      <a:pPr algn="r" fontAlgn="b"/>
+                      <a:r>
+                        <a:rPr lang="en-US" sz="1100" u="none" strike="noStrike">
+                          <a:effectLst/>
+                        </a:rPr>
+                        <a:t>1</a:t>
+                      </a:r>
+                      <a:endParaRPr lang="en-US" sz="1100" b="0" i="0" u="none" strike="noStrike">
+                        <a:solidFill>
+                          <a:srgbClr val="000000"/>
+                        </a:solidFill>
+                        <a:effectLst/>
+                        <a:latin typeface="Liberation Sans"/>
+                      </a:endParaRPr>
+                    </a:p>
+                  </a:txBody>
+                  <a:tcPr marL="9525" marR="9525" marT="9525" marB="0" anchor="b"/>
+                </a:tc>
+                <a:tc>
+                  <a:txBody>
+                    <a:bodyPr/>
+                    <a:lstStyle/>
+                    <a:p>
+                      <a:pPr algn="r" fontAlgn="b"/>
+                      <a:r>
+                        <a:rPr lang="en-US" sz="1100" u="none" strike="noStrike">
+                          <a:effectLst/>
+                        </a:rPr>
+                        <a:t>64.95</a:t>
+                      </a:r>
+                      <a:endParaRPr lang="en-US" sz="1100" b="0" i="0" u="none" strike="noStrike">
+                        <a:solidFill>
+                          <a:srgbClr val="000000"/>
+                        </a:solidFill>
+                        <a:effectLst/>
+                        <a:latin typeface="Liberation Sans"/>
+                      </a:endParaRPr>
+                    </a:p>
+                  </a:txBody>
+                  <a:tcPr marL="9525" marR="9525" marT="9525" marB="0" anchor="b"/>
+                </a:tc>
+              </a:tr>
+              <a:tr h="220790">
+                <a:tc>
+                  <a:txBody>
+                    <a:bodyPr/>
+                    <a:lstStyle/>
+                    <a:p>
+                      <a:pPr algn="l" fontAlgn="b"/>
+                      <a:r>
+                        <a:rPr lang="en-US" sz="1100" u="none" strike="noStrike">
+                          <a:effectLst/>
+                        </a:rPr>
+                        <a:t>IMU</a:t>
+                      </a:r>
+                      <a:endParaRPr lang="en-US" sz="1100" b="0" i="0" u="none" strike="noStrike">
+                        <a:solidFill>
+                          <a:srgbClr val="000000"/>
+                        </a:solidFill>
+                        <a:effectLst/>
+                        <a:latin typeface="Liberation Sans"/>
+                      </a:endParaRPr>
+                    </a:p>
+                  </a:txBody>
+                  <a:tcPr marL="9525" marR="9525" marT="9525" marB="0" anchor="b"/>
+                </a:tc>
+                <a:tc>
+                  <a:txBody>
+                    <a:bodyPr/>
+                    <a:lstStyle/>
+                    <a:p>
+                      <a:pPr algn="l" fontAlgn="b"/>
+                      <a:endParaRPr lang="en-US" sz="1100" b="0" i="0" u="none" strike="noStrike">
+                        <a:solidFill>
+                          <a:srgbClr val="000000"/>
+                        </a:solidFill>
+                        <a:effectLst/>
+                        <a:latin typeface="Liberation Sans"/>
+                      </a:endParaRPr>
+                    </a:p>
+                  </a:txBody>
+                  <a:tcPr marL="9525" marR="9525" marT="9525" marB="0" anchor="b"/>
+                </a:tc>
+                <a:tc>
+                  <a:txBody>
+                    <a:bodyPr/>
+                    <a:lstStyle/>
+                    <a:p>
+                      <a:pPr algn="l" fontAlgn="b"/>
+                      <a:r>
+                        <a:rPr lang="en-US" sz="1100" u="none" strike="noStrike">
+                          <a:effectLst/>
+                        </a:rPr>
+                        <a:t>Mouser</a:t>
+                      </a:r>
+                      <a:endParaRPr lang="en-US" sz="1100" b="0" i="0" u="none" strike="noStrike">
+                        <a:solidFill>
+                          <a:srgbClr val="000000"/>
+                        </a:solidFill>
+                        <a:effectLst/>
+                        <a:latin typeface="Liberation Sans"/>
+                      </a:endParaRPr>
+                    </a:p>
+                  </a:txBody>
+                  <a:tcPr marL="9525" marR="9525" marT="9525" marB="0" anchor="b"/>
+                </a:tc>
+                <a:tc>
+                  <a:txBody>
+                    <a:bodyPr/>
+                    <a:lstStyle/>
+                    <a:p>
+                      <a:pPr algn="r" fontAlgn="b"/>
+                      <a:r>
+                        <a:rPr lang="en-US" sz="1100" u="none" strike="noStrike">
+                          <a:effectLst/>
+                        </a:rPr>
+                        <a:t>$28.75 </a:t>
+                      </a:r>
+                      <a:endParaRPr lang="en-US" sz="1100" b="0" i="0" u="none" strike="noStrike">
+                        <a:solidFill>
+                          <a:srgbClr val="000000"/>
+                        </a:solidFill>
+                        <a:effectLst/>
+                        <a:latin typeface="Liberation Sans"/>
+                      </a:endParaRPr>
+                    </a:p>
+                  </a:txBody>
+                  <a:tcPr marL="9525" marR="9525" marT="9525" marB="0" anchor="b"/>
+                </a:tc>
+                <a:tc>
+                  <a:txBody>
+                    <a:bodyPr/>
+                    <a:lstStyle/>
+                    <a:p>
+                      <a:pPr algn="l" fontAlgn="b"/>
+                      <a:endParaRPr lang="en-US" sz="1100" b="0" i="0" u="none" strike="noStrike">
+                        <a:solidFill>
+                          <a:srgbClr val="000000"/>
+                        </a:solidFill>
+                        <a:effectLst/>
+                        <a:latin typeface="Liberation Sans"/>
+                      </a:endParaRPr>
+                    </a:p>
+                  </a:txBody>
+                  <a:tcPr marL="9525" marR="9525" marT="9525" marB="0" anchor="b"/>
+                </a:tc>
+                <a:tc>
+                  <a:txBody>
+                    <a:bodyPr/>
+                    <a:lstStyle/>
+                    <a:p>
+                      <a:pPr algn="r" fontAlgn="b"/>
+                      <a:r>
+                        <a:rPr lang="en-US" sz="1100" u="none" strike="noStrike">
+                          <a:effectLst/>
+                        </a:rPr>
+                        <a:t>2</a:t>
+                      </a:r>
+                      <a:endParaRPr lang="en-US" sz="1100" b="0" i="0" u="none" strike="noStrike">
+                        <a:solidFill>
+                          <a:srgbClr val="000000"/>
+                        </a:solidFill>
+                        <a:effectLst/>
+                        <a:latin typeface="Liberation Sans"/>
+                      </a:endParaRPr>
+                    </a:p>
+                  </a:txBody>
+                  <a:tcPr marL="9525" marR="9525" marT="9525" marB="0" anchor="b"/>
+                </a:tc>
+                <a:tc>
+                  <a:txBody>
+                    <a:bodyPr/>
+                    <a:lstStyle/>
+                    <a:p>
+                      <a:pPr algn="r" fontAlgn="b"/>
+                      <a:r>
+                        <a:rPr lang="en-US" sz="1100" u="none" strike="noStrike">
+                          <a:effectLst/>
+                        </a:rPr>
+                        <a:t>57.5</a:t>
+                      </a:r>
+                      <a:endParaRPr lang="en-US" sz="1100" b="0" i="0" u="none" strike="noStrike">
+                        <a:solidFill>
+                          <a:srgbClr val="000000"/>
+                        </a:solidFill>
+                        <a:effectLst/>
+                        <a:latin typeface="Liberation Sans"/>
+                      </a:endParaRPr>
+                    </a:p>
+                  </a:txBody>
+                  <a:tcPr marL="9525" marR="9525" marT="9525" marB="0" anchor="b"/>
+                </a:tc>
+              </a:tr>
+              <a:tr h="220790">
+                <a:tc>
+                  <a:txBody>
+                    <a:bodyPr/>
+                    <a:lstStyle/>
+                    <a:p>
+                      <a:pPr algn="l" fontAlgn="b"/>
+                      <a:r>
+                        <a:rPr lang="en-US" sz="1100" u="none" strike="noStrike">
+                          <a:effectLst/>
+                        </a:rPr>
+                        <a:t>GPS</a:t>
+                      </a:r>
+                      <a:endParaRPr lang="en-US" sz="1100" b="0" i="0" u="none" strike="noStrike">
+                        <a:solidFill>
+                          <a:srgbClr val="000000"/>
+                        </a:solidFill>
+                        <a:effectLst/>
+                        <a:latin typeface="Liberation Sans"/>
+                      </a:endParaRPr>
+                    </a:p>
+                  </a:txBody>
+                  <a:tcPr marL="9525" marR="9525" marT="9525" marB="0" anchor="b"/>
+                </a:tc>
+                <a:tc>
+                  <a:txBody>
+                    <a:bodyPr/>
+                    <a:lstStyle/>
+                    <a:p>
+                      <a:pPr algn="l" fontAlgn="b"/>
+                      <a:endParaRPr lang="en-US" sz="1100" b="0" i="0" u="none" strike="noStrike">
+                        <a:solidFill>
+                          <a:srgbClr val="000000"/>
+                        </a:solidFill>
+                        <a:effectLst/>
+                        <a:latin typeface="Liberation Sans"/>
+                      </a:endParaRPr>
+                    </a:p>
+                  </a:txBody>
+                  <a:tcPr marL="9525" marR="9525" marT="9525" marB="0" anchor="b"/>
+                </a:tc>
+                <a:tc>
+                  <a:txBody>
+                    <a:bodyPr/>
+                    <a:lstStyle/>
+                    <a:p>
+                      <a:pPr algn="l" fontAlgn="b"/>
+                      <a:r>
+                        <a:rPr lang="en-US" sz="1100" u="none" strike="noStrike">
+                          <a:effectLst/>
+                        </a:rPr>
+                        <a:t>SparkFun</a:t>
+                      </a:r>
+                      <a:endParaRPr lang="en-US" sz="1100" b="0" i="0" u="none" strike="noStrike">
+                        <a:solidFill>
+                          <a:srgbClr val="000000"/>
+                        </a:solidFill>
+                        <a:effectLst/>
+                        <a:latin typeface="Liberation Sans"/>
+                      </a:endParaRPr>
+                    </a:p>
+                  </a:txBody>
+                  <a:tcPr marL="9525" marR="9525" marT="9525" marB="0" anchor="b"/>
+                </a:tc>
+                <a:tc>
+                  <a:txBody>
+                    <a:bodyPr/>
+                    <a:lstStyle/>
+                    <a:p>
+                      <a:pPr algn="r" fontAlgn="b"/>
+                      <a:r>
+                        <a:rPr lang="en-US" sz="1100" u="none" strike="noStrike">
+                          <a:effectLst/>
+                        </a:rPr>
+                        <a:t>49.99</a:t>
+                      </a:r>
+                      <a:endParaRPr lang="en-US" sz="1100" b="0" i="0" u="none" strike="noStrike">
+                        <a:solidFill>
+                          <a:srgbClr val="000000"/>
+                        </a:solidFill>
+                        <a:effectLst/>
+                        <a:latin typeface="Liberation Sans"/>
+                      </a:endParaRPr>
+                    </a:p>
+                  </a:txBody>
+                  <a:tcPr marL="9525" marR="9525" marT="9525" marB="0" anchor="b"/>
+                </a:tc>
+                <a:tc>
+                  <a:txBody>
+                    <a:bodyPr/>
+                    <a:lstStyle/>
+                    <a:p>
+                      <a:pPr algn="l" fontAlgn="b"/>
+                      <a:endParaRPr lang="en-US" sz="1100" b="0" i="0" u="none" strike="noStrike">
+                        <a:solidFill>
+                          <a:srgbClr val="000000"/>
+                        </a:solidFill>
+                        <a:effectLst/>
+                        <a:latin typeface="Liberation Sans"/>
+                      </a:endParaRPr>
+                    </a:p>
+                  </a:txBody>
+                  <a:tcPr marL="9525" marR="9525" marT="9525" marB="0" anchor="b"/>
+                </a:tc>
+                <a:tc>
+                  <a:txBody>
+                    <a:bodyPr/>
+                    <a:lstStyle/>
+                    <a:p>
+                      <a:pPr algn="r" fontAlgn="b"/>
+                      <a:r>
+                        <a:rPr lang="en-US" sz="1100" u="none" strike="noStrike">
+                          <a:effectLst/>
+                        </a:rPr>
+                        <a:t>2</a:t>
+                      </a:r>
+                      <a:endParaRPr lang="en-US" sz="1100" b="0" i="0" u="none" strike="noStrike">
+                        <a:solidFill>
+                          <a:srgbClr val="000000"/>
+                        </a:solidFill>
+                        <a:effectLst/>
+                        <a:latin typeface="Liberation Sans"/>
+                      </a:endParaRPr>
+                    </a:p>
+                  </a:txBody>
+                  <a:tcPr marL="9525" marR="9525" marT="9525" marB="0" anchor="b"/>
+                </a:tc>
+                <a:tc>
+                  <a:txBody>
+                    <a:bodyPr/>
+                    <a:lstStyle/>
+                    <a:p>
+                      <a:pPr algn="r" fontAlgn="b"/>
+                      <a:r>
+                        <a:rPr lang="en-US" sz="1100" u="none" strike="noStrike">
+                          <a:effectLst/>
+                        </a:rPr>
+                        <a:t>99.98</a:t>
+                      </a:r>
+                      <a:endParaRPr lang="en-US" sz="1100" b="0" i="0" u="none" strike="noStrike">
+                        <a:solidFill>
+                          <a:srgbClr val="000000"/>
+                        </a:solidFill>
+                        <a:effectLst/>
+                        <a:latin typeface="Liberation Sans"/>
+                      </a:endParaRPr>
+                    </a:p>
+                  </a:txBody>
+                  <a:tcPr marL="9525" marR="9525" marT="9525" marB="0" anchor="b"/>
+                </a:tc>
+              </a:tr>
+              <a:tr h="220790">
+                <a:tc>
+                  <a:txBody>
+                    <a:bodyPr/>
+                    <a:lstStyle/>
+                    <a:p>
+                      <a:pPr algn="l" fontAlgn="b"/>
+                      <a:r>
+                        <a:rPr lang="en-US" sz="1100" u="none" strike="noStrike">
+                          <a:effectLst/>
+                        </a:rPr>
+                        <a:t>Passives</a:t>
+                      </a:r>
+                      <a:endParaRPr lang="en-US" sz="1100" b="0" i="0" u="none" strike="noStrike">
+                        <a:solidFill>
+                          <a:srgbClr val="000000"/>
+                        </a:solidFill>
+                        <a:effectLst/>
+                        <a:latin typeface="Liberation Sans"/>
+                      </a:endParaRPr>
+                    </a:p>
+                  </a:txBody>
+                  <a:tcPr marL="9525" marR="9525" marT="9525" marB="0" anchor="b"/>
+                </a:tc>
+                <a:tc>
+                  <a:txBody>
+                    <a:bodyPr/>
+                    <a:lstStyle/>
+                    <a:p>
+                      <a:pPr algn="l" fontAlgn="b"/>
+                      <a:endParaRPr lang="en-US" sz="1100" b="0" i="0" u="none" strike="noStrike">
+                        <a:solidFill>
+                          <a:srgbClr val="000000"/>
+                        </a:solidFill>
+                        <a:effectLst/>
+                        <a:latin typeface="Liberation Sans"/>
+                      </a:endParaRPr>
+                    </a:p>
+                  </a:txBody>
+                  <a:tcPr marL="9525" marR="9525" marT="9525" marB="0" anchor="b"/>
+                </a:tc>
+                <a:tc>
+                  <a:txBody>
+                    <a:bodyPr/>
+                    <a:lstStyle/>
+                    <a:p>
+                      <a:pPr algn="l" fontAlgn="b"/>
+                      <a:r>
+                        <a:rPr lang="en-US" sz="1100" u="none" strike="noStrike">
+                          <a:effectLst/>
+                        </a:rPr>
+                        <a:t>?????</a:t>
+                      </a:r>
+                      <a:endParaRPr lang="en-US" sz="1100" b="0" i="0" u="none" strike="noStrike">
+                        <a:solidFill>
+                          <a:srgbClr val="000000"/>
+                        </a:solidFill>
+                        <a:effectLst/>
+                        <a:latin typeface="Liberation Sans"/>
+                      </a:endParaRPr>
+                    </a:p>
+                  </a:txBody>
+                  <a:tcPr marL="9525" marR="9525" marT="9525" marB="0" anchor="b"/>
+                </a:tc>
+                <a:tc>
+                  <a:txBody>
+                    <a:bodyPr/>
+                    <a:lstStyle/>
+                    <a:p>
+                      <a:pPr algn="r" fontAlgn="b"/>
+                      <a:r>
+                        <a:rPr lang="en-US" sz="1100" u="none" strike="noStrike">
+                          <a:effectLst/>
+                        </a:rPr>
+                        <a:t>10</a:t>
+                      </a:r>
+                      <a:endParaRPr lang="en-US" sz="1100" b="0" i="0" u="none" strike="noStrike">
+                        <a:solidFill>
+                          <a:srgbClr val="000000"/>
+                        </a:solidFill>
+                        <a:effectLst/>
+                        <a:latin typeface="Liberation Sans"/>
+                      </a:endParaRPr>
+                    </a:p>
+                  </a:txBody>
+                  <a:tcPr marL="9525" marR="9525" marT="9525" marB="0" anchor="b"/>
+                </a:tc>
+                <a:tc>
+                  <a:txBody>
+                    <a:bodyPr/>
+                    <a:lstStyle/>
+                    <a:p>
+                      <a:pPr algn="l" fontAlgn="b"/>
+                      <a:endParaRPr lang="en-US" sz="1100" b="0" i="0" u="none" strike="noStrike">
+                        <a:solidFill>
+                          <a:srgbClr val="000000"/>
+                        </a:solidFill>
+                        <a:effectLst/>
+                        <a:latin typeface="Liberation Sans"/>
+                      </a:endParaRPr>
+                    </a:p>
+                  </a:txBody>
+                  <a:tcPr marL="9525" marR="9525" marT="9525" marB="0" anchor="b"/>
+                </a:tc>
+                <a:tc>
+                  <a:txBody>
+                    <a:bodyPr/>
+                    <a:lstStyle/>
+                    <a:p>
+                      <a:pPr algn="r" fontAlgn="b"/>
+                      <a:r>
+                        <a:rPr lang="en-US" sz="1100" u="none" strike="noStrike">
+                          <a:effectLst/>
+                        </a:rPr>
+                        <a:t>2</a:t>
+                      </a:r>
+                      <a:endParaRPr lang="en-US" sz="1100" b="0" i="0" u="none" strike="noStrike">
+                        <a:solidFill>
+                          <a:srgbClr val="000000"/>
+                        </a:solidFill>
+                        <a:effectLst/>
+                        <a:latin typeface="Liberation Sans"/>
+                      </a:endParaRPr>
+                    </a:p>
+                  </a:txBody>
+                  <a:tcPr marL="9525" marR="9525" marT="9525" marB="0" anchor="b"/>
+                </a:tc>
+                <a:tc>
+                  <a:txBody>
+                    <a:bodyPr/>
+                    <a:lstStyle/>
+                    <a:p>
+                      <a:pPr algn="r" fontAlgn="b"/>
+                      <a:r>
+                        <a:rPr lang="en-US" sz="1100" u="none" strike="noStrike">
+                          <a:effectLst/>
+                        </a:rPr>
+                        <a:t>20</a:t>
+                      </a:r>
+                      <a:endParaRPr lang="en-US" sz="1100" b="0" i="0" u="none" strike="noStrike">
+                        <a:solidFill>
+                          <a:srgbClr val="000000"/>
+                        </a:solidFill>
+                        <a:effectLst/>
+                        <a:latin typeface="Liberation Sans"/>
+                      </a:endParaRPr>
+                    </a:p>
+                  </a:txBody>
+                  <a:tcPr marL="9525" marR="9525" marT="9525" marB="0" anchor="b"/>
+                </a:tc>
+              </a:tr>
+              <a:tr h="220790">
+                <a:tc>
+                  <a:txBody>
+                    <a:bodyPr/>
+                    <a:lstStyle/>
+                    <a:p>
+                      <a:pPr algn="l" fontAlgn="b"/>
+                      <a:r>
+                        <a:rPr lang="en-US" sz="1100" u="none" strike="noStrike">
+                          <a:effectLst/>
+                        </a:rPr>
+                        <a:t>PCB</a:t>
+                      </a:r>
+                      <a:endParaRPr lang="en-US" sz="1100" b="0" i="0" u="none" strike="noStrike">
+                        <a:solidFill>
+                          <a:srgbClr val="000000"/>
+                        </a:solidFill>
+                        <a:effectLst/>
+                        <a:latin typeface="Liberation Sans"/>
+                      </a:endParaRPr>
+                    </a:p>
+                  </a:txBody>
+                  <a:tcPr marL="9525" marR="9525" marT="9525" marB="0" anchor="b"/>
+                </a:tc>
+                <a:tc>
+                  <a:txBody>
+                    <a:bodyPr/>
+                    <a:lstStyle/>
+                    <a:p>
+                      <a:pPr algn="l" fontAlgn="b"/>
+                      <a:endParaRPr lang="en-US" sz="1100" b="0" i="0" u="none" strike="noStrike">
+                        <a:solidFill>
+                          <a:srgbClr val="000000"/>
+                        </a:solidFill>
+                        <a:effectLst/>
+                        <a:latin typeface="Liberation Sans"/>
+                      </a:endParaRPr>
+                    </a:p>
+                  </a:txBody>
+                  <a:tcPr marL="9525" marR="9525" marT="9525" marB="0" anchor="b"/>
+                </a:tc>
+                <a:tc>
+                  <a:txBody>
+                    <a:bodyPr/>
+                    <a:lstStyle/>
+                    <a:p>
+                      <a:pPr algn="l" fontAlgn="b"/>
+                      <a:r>
+                        <a:rPr lang="en-US" sz="1100" u="none" strike="noStrike">
+                          <a:effectLst/>
+                        </a:rPr>
+                        <a:t>Oshpark</a:t>
+                      </a:r>
+                      <a:endParaRPr lang="en-US" sz="1100" b="0" i="0" u="none" strike="noStrike">
+                        <a:solidFill>
+                          <a:srgbClr val="000000"/>
+                        </a:solidFill>
+                        <a:effectLst/>
+                        <a:latin typeface="Liberation Sans"/>
+                      </a:endParaRPr>
+                    </a:p>
+                  </a:txBody>
+                  <a:tcPr marL="9525" marR="9525" marT="9525" marB="0" anchor="b"/>
+                </a:tc>
+                <a:tc>
+                  <a:txBody>
+                    <a:bodyPr/>
+                    <a:lstStyle/>
+                    <a:p>
+                      <a:pPr algn="r" fontAlgn="b"/>
+                      <a:r>
+                        <a:rPr lang="en-US" sz="1100" u="none" strike="noStrike">
+                          <a:effectLst/>
+                        </a:rPr>
+                        <a:t>40</a:t>
+                      </a:r>
+                      <a:endParaRPr lang="en-US" sz="1100" b="0" i="0" u="none" strike="noStrike">
+                        <a:solidFill>
+                          <a:srgbClr val="000000"/>
+                        </a:solidFill>
+                        <a:effectLst/>
+                        <a:latin typeface="Liberation Sans"/>
+                      </a:endParaRPr>
+                    </a:p>
+                  </a:txBody>
+                  <a:tcPr marL="9525" marR="9525" marT="9525" marB="0" anchor="b"/>
+                </a:tc>
+                <a:tc>
+                  <a:txBody>
+                    <a:bodyPr/>
+                    <a:lstStyle/>
+                    <a:p>
+                      <a:pPr algn="l" fontAlgn="b"/>
+                      <a:endParaRPr lang="en-US" sz="1100" b="0" i="0" u="none" strike="noStrike">
+                        <a:solidFill>
+                          <a:srgbClr val="000000"/>
+                        </a:solidFill>
+                        <a:effectLst/>
+                        <a:latin typeface="Liberation Sans"/>
+                      </a:endParaRPr>
+                    </a:p>
+                  </a:txBody>
+                  <a:tcPr marL="9525" marR="9525" marT="9525" marB="0" anchor="b"/>
+                </a:tc>
+                <a:tc>
+                  <a:txBody>
+                    <a:bodyPr/>
+                    <a:lstStyle/>
+                    <a:p>
+                      <a:pPr algn="r" fontAlgn="b"/>
+                      <a:r>
+                        <a:rPr lang="en-US" sz="1100" u="none" strike="noStrike">
+                          <a:effectLst/>
+                        </a:rPr>
+                        <a:t>2</a:t>
+                      </a:r>
+                      <a:endParaRPr lang="en-US" sz="1100" b="0" i="0" u="none" strike="noStrike">
+                        <a:solidFill>
+                          <a:srgbClr val="000000"/>
+                        </a:solidFill>
+                        <a:effectLst/>
+                        <a:latin typeface="Liberation Sans"/>
+                      </a:endParaRPr>
+                    </a:p>
+                  </a:txBody>
+                  <a:tcPr marL="9525" marR="9525" marT="9525" marB="0" anchor="b"/>
+                </a:tc>
+                <a:tc>
+                  <a:txBody>
+                    <a:bodyPr/>
+                    <a:lstStyle/>
+                    <a:p>
+                      <a:pPr algn="r" fontAlgn="b"/>
+                      <a:r>
+                        <a:rPr lang="en-US" sz="1100" u="none" strike="noStrike">
+                          <a:effectLst/>
+                        </a:rPr>
+                        <a:t>80</a:t>
+                      </a:r>
+                      <a:endParaRPr lang="en-US" sz="1100" b="0" i="0" u="none" strike="noStrike">
+                        <a:solidFill>
+                          <a:srgbClr val="000000"/>
+                        </a:solidFill>
+                        <a:effectLst/>
+                        <a:latin typeface="Liberation Sans"/>
+                      </a:endParaRPr>
+                    </a:p>
+                  </a:txBody>
+                  <a:tcPr marL="9525" marR="9525" marT="9525" marB="0" anchor="b"/>
+                </a:tc>
+              </a:tr>
+              <a:tr h="220790">
+                <a:tc>
+                  <a:txBody>
+                    <a:bodyPr/>
+                    <a:lstStyle/>
+                    <a:p>
+                      <a:pPr algn="l" fontAlgn="b"/>
+                      <a:r>
+                        <a:rPr lang="en-US" sz="1100" u="none" strike="noStrike">
+                          <a:effectLst/>
+                        </a:rPr>
+                        <a:t>Microcontroller</a:t>
+                      </a:r>
+                      <a:endParaRPr lang="en-US" sz="1100" b="0" i="0" u="none" strike="noStrike">
+                        <a:solidFill>
+                          <a:srgbClr val="000000"/>
+                        </a:solidFill>
+                        <a:effectLst/>
+                        <a:latin typeface="Liberation Sans"/>
+                      </a:endParaRPr>
+                    </a:p>
+                  </a:txBody>
+                  <a:tcPr marL="9525" marR="9525" marT="9525" marB="0" anchor="b"/>
+                </a:tc>
+                <a:tc>
+                  <a:txBody>
+                    <a:bodyPr/>
+                    <a:lstStyle/>
+                    <a:p>
+                      <a:pPr algn="l" fontAlgn="b"/>
+                      <a:endParaRPr lang="en-US" sz="1100" b="0" i="0" u="none" strike="noStrike">
+                        <a:solidFill>
+                          <a:srgbClr val="000000"/>
+                        </a:solidFill>
+                        <a:effectLst/>
+                        <a:latin typeface="Liberation Sans"/>
+                      </a:endParaRPr>
+                    </a:p>
+                  </a:txBody>
+                  <a:tcPr marL="9525" marR="9525" marT="9525" marB="0" anchor="b"/>
+                </a:tc>
+                <a:tc>
+                  <a:txBody>
+                    <a:bodyPr/>
+                    <a:lstStyle/>
+                    <a:p>
+                      <a:pPr algn="l" fontAlgn="b"/>
+                      <a:r>
+                        <a:rPr lang="en-US" sz="1100" u="none" strike="noStrike">
+                          <a:effectLst/>
+                        </a:rPr>
+                        <a:t>DigiKey</a:t>
+                      </a:r>
+                      <a:endParaRPr lang="en-US" sz="1100" b="0" i="0" u="none" strike="noStrike">
+                        <a:solidFill>
+                          <a:srgbClr val="000000"/>
+                        </a:solidFill>
+                        <a:effectLst/>
+                        <a:latin typeface="Liberation Sans"/>
+                      </a:endParaRPr>
+                    </a:p>
+                  </a:txBody>
+                  <a:tcPr marL="9525" marR="9525" marT="9525" marB="0" anchor="b"/>
+                </a:tc>
+                <a:tc>
+                  <a:txBody>
+                    <a:bodyPr/>
+                    <a:lstStyle/>
+                    <a:p>
+                      <a:pPr algn="r" fontAlgn="b"/>
+                      <a:r>
+                        <a:rPr lang="en-US" sz="1100" u="none" strike="noStrike">
+                          <a:effectLst/>
+                        </a:rPr>
+                        <a:t>11.45</a:t>
+                      </a:r>
+                      <a:endParaRPr lang="en-US" sz="1100" b="0" i="0" u="none" strike="noStrike">
+                        <a:solidFill>
+                          <a:srgbClr val="000000"/>
+                        </a:solidFill>
+                        <a:effectLst/>
+                        <a:latin typeface="Liberation Sans"/>
+                      </a:endParaRPr>
+                    </a:p>
+                  </a:txBody>
+                  <a:tcPr marL="9525" marR="9525" marT="9525" marB="0" anchor="b"/>
+                </a:tc>
+                <a:tc>
+                  <a:txBody>
+                    <a:bodyPr/>
+                    <a:lstStyle/>
+                    <a:p>
+                      <a:pPr algn="l" fontAlgn="b"/>
+                      <a:endParaRPr lang="en-US" sz="1100" b="0" i="0" u="none" strike="noStrike">
+                        <a:solidFill>
+                          <a:srgbClr val="000000"/>
+                        </a:solidFill>
+                        <a:effectLst/>
+                        <a:latin typeface="Liberation Sans"/>
+                      </a:endParaRPr>
+                    </a:p>
+                  </a:txBody>
+                  <a:tcPr marL="9525" marR="9525" marT="9525" marB="0" anchor="b"/>
+                </a:tc>
+                <a:tc>
+                  <a:txBody>
+                    <a:bodyPr/>
+                    <a:lstStyle/>
+                    <a:p>
+                      <a:pPr algn="r" fontAlgn="b"/>
+                      <a:r>
+                        <a:rPr lang="en-US" sz="1100" u="none" strike="noStrike">
+                          <a:effectLst/>
+                        </a:rPr>
+                        <a:t>2</a:t>
+                      </a:r>
+                      <a:endParaRPr lang="en-US" sz="1100" b="0" i="0" u="none" strike="noStrike">
+                        <a:solidFill>
+                          <a:srgbClr val="000000"/>
+                        </a:solidFill>
+                        <a:effectLst/>
+                        <a:latin typeface="Liberation Sans"/>
+                      </a:endParaRPr>
+                    </a:p>
+                  </a:txBody>
+                  <a:tcPr marL="9525" marR="9525" marT="9525" marB="0" anchor="b"/>
+                </a:tc>
+                <a:tc>
+                  <a:txBody>
+                    <a:bodyPr/>
+                    <a:lstStyle/>
+                    <a:p>
+                      <a:pPr algn="r" fontAlgn="b"/>
+                      <a:r>
+                        <a:rPr lang="en-US" sz="1100" u="none" strike="noStrike">
+                          <a:effectLst/>
+                        </a:rPr>
+                        <a:t>22.9</a:t>
+                      </a:r>
+                      <a:endParaRPr lang="en-US" sz="1100" b="0" i="0" u="none" strike="noStrike">
+                        <a:solidFill>
+                          <a:srgbClr val="000000"/>
+                        </a:solidFill>
+                        <a:effectLst/>
+                        <a:latin typeface="Liberation Sans"/>
+                      </a:endParaRPr>
+                    </a:p>
+                  </a:txBody>
+                  <a:tcPr marL="9525" marR="9525" marT="9525" marB="0" anchor="b"/>
+                </a:tc>
+              </a:tr>
+              <a:tr h="220790">
+                <a:tc>
+                  <a:txBody>
+                    <a:bodyPr/>
+                    <a:lstStyle/>
+                    <a:p>
+                      <a:pPr algn="l" fontAlgn="b"/>
+                      <a:r>
+                        <a:rPr lang="en-US" sz="1100" u="none" strike="noStrike">
+                          <a:effectLst/>
+                        </a:rPr>
+                        <a:t>Power Supply</a:t>
+                      </a:r>
+                      <a:endParaRPr lang="en-US" sz="1100" b="0" i="0" u="none" strike="noStrike">
+                        <a:solidFill>
+                          <a:srgbClr val="000000"/>
+                        </a:solidFill>
+                        <a:effectLst/>
+                        <a:latin typeface="Liberation Sans"/>
+                      </a:endParaRPr>
+                    </a:p>
+                  </a:txBody>
+                  <a:tcPr marL="9525" marR="9525" marT="9525" marB="0" anchor="b"/>
+                </a:tc>
+                <a:tc>
+                  <a:txBody>
+                    <a:bodyPr/>
+                    <a:lstStyle/>
+                    <a:p>
+                      <a:pPr algn="l" fontAlgn="b"/>
+                      <a:endParaRPr lang="en-US" sz="1100" b="0" i="0" u="none" strike="noStrike">
+                        <a:solidFill>
+                          <a:srgbClr val="000000"/>
+                        </a:solidFill>
+                        <a:effectLst/>
+                        <a:latin typeface="Liberation Sans"/>
+                      </a:endParaRPr>
+                    </a:p>
+                  </a:txBody>
+                  <a:tcPr marL="9525" marR="9525" marT="9525" marB="0" anchor="b"/>
+                </a:tc>
+                <a:tc>
+                  <a:txBody>
+                    <a:bodyPr/>
+                    <a:lstStyle/>
+                    <a:p>
+                      <a:pPr algn="l" fontAlgn="b"/>
+                      <a:r>
+                        <a:rPr lang="en-US" sz="1100" u="none" strike="noStrike">
+                          <a:effectLst/>
+                        </a:rPr>
+                        <a:t>????</a:t>
+                      </a:r>
+                      <a:endParaRPr lang="en-US" sz="1100" b="0" i="0" u="none" strike="noStrike">
+                        <a:solidFill>
+                          <a:srgbClr val="000000"/>
+                        </a:solidFill>
+                        <a:effectLst/>
+                        <a:latin typeface="Liberation Sans"/>
+                      </a:endParaRPr>
+                    </a:p>
+                  </a:txBody>
+                  <a:tcPr marL="9525" marR="9525" marT="9525" marB="0" anchor="b"/>
+                </a:tc>
+                <a:tc>
+                  <a:txBody>
+                    <a:bodyPr/>
+                    <a:lstStyle/>
+                    <a:p>
+                      <a:pPr algn="r" fontAlgn="b"/>
+                      <a:r>
+                        <a:rPr lang="en-US" sz="1100" u="none" strike="noStrike">
+                          <a:effectLst/>
+                        </a:rPr>
+                        <a:t>30</a:t>
+                      </a:r>
+                      <a:endParaRPr lang="en-US" sz="1100" b="0" i="0" u="none" strike="noStrike">
+                        <a:solidFill>
+                          <a:srgbClr val="000000"/>
+                        </a:solidFill>
+                        <a:effectLst/>
+                        <a:latin typeface="Liberation Sans"/>
+                      </a:endParaRPr>
+                    </a:p>
+                  </a:txBody>
+                  <a:tcPr marL="9525" marR="9525" marT="9525" marB="0" anchor="b"/>
+                </a:tc>
+                <a:tc>
+                  <a:txBody>
+                    <a:bodyPr/>
+                    <a:lstStyle/>
+                    <a:p>
+                      <a:pPr algn="l" fontAlgn="b"/>
+                      <a:endParaRPr lang="en-US" sz="1100" b="0" i="0" u="none" strike="noStrike">
+                        <a:solidFill>
+                          <a:srgbClr val="000000"/>
+                        </a:solidFill>
+                        <a:effectLst/>
+                        <a:latin typeface="Liberation Sans"/>
+                      </a:endParaRPr>
+                    </a:p>
+                  </a:txBody>
+                  <a:tcPr marL="9525" marR="9525" marT="9525" marB="0" anchor="b"/>
+                </a:tc>
+                <a:tc>
+                  <a:txBody>
+                    <a:bodyPr/>
+                    <a:lstStyle/>
+                    <a:p>
+                      <a:pPr algn="r" fontAlgn="b"/>
+                      <a:r>
+                        <a:rPr lang="en-US" sz="1100" u="none" strike="noStrike">
+                          <a:effectLst/>
+                        </a:rPr>
+                        <a:t>2</a:t>
+                      </a:r>
+                      <a:endParaRPr lang="en-US" sz="1100" b="0" i="0" u="none" strike="noStrike">
+                        <a:solidFill>
+                          <a:srgbClr val="000000"/>
+                        </a:solidFill>
+                        <a:effectLst/>
+                        <a:latin typeface="Liberation Sans"/>
+                      </a:endParaRPr>
+                    </a:p>
+                  </a:txBody>
+                  <a:tcPr marL="9525" marR="9525" marT="9525" marB="0" anchor="b"/>
+                </a:tc>
+                <a:tc>
+                  <a:txBody>
+                    <a:bodyPr/>
+                    <a:lstStyle/>
+                    <a:p>
+                      <a:pPr algn="r" fontAlgn="b"/>
+                      <a:r>
+                        <a:rPr lang="en-US" sz="1100" u="none" strike="noStrike">
+                          <a:effectLst/>
+                        </a:rPr>
+                        <a:t>60</a:t>
+                      </a:r>
+                      <a:endParaRPr lang="en-US" sz="1100" b="0" i="0" u="none" strike="noStrike">
+                        <a:solidFill>
+                          <a:srgbClr val="000000"/>
+                        </a:solidFill>
+                        <a:effectLst/>
+                        <a:latin typeface="Liberation Sans"/>
+                      </a:endParaRPr>
+                    </a:p>
+                  </a:txBody>
+                  <a:tcPr marL="9525" marR="9525" marT="9525" marB="0" anchor="b"/>
+                </a:tc>
+              </a:tr>
+              <a:tr h="220790">
+                <a:tc>
+                  <a:txBody>
+                    <a:bodyPr/>
+                    <a:lstStyle/>
+                    <a:p>
+                      <a:pPr algn="l" fontAlgn="b"/>
+                      <a:r>
+                        <a:rPr lang="en-US" sz="1100" u="none" strike="noStrike">
+                          <a:effectLst/>
+                        </a:rPr>
+                        <a:t>Charger</a:t>
+                      </a:r>
+                      <a:endParaRPr lang="en-US" sz="1100" b="0" i="0" u="none" strike="noStrike">
+                        <a:solidFill>
+                          <a:srgbClr val="000000"/>
+                        </a:solidFill>
+                        <a:effectLst/>
+                        <a:latin typeface="Liberation Sans"/>
+                      </a:endParaRPr>
+                    </a:p>
+                  </a:txBody>
+                  <a:tcPr marL="9525" marR="9525" marT="9525" marB="0" anchor="b"/>
+                </a:tc>
+                <a:tc>
+                  <a:txBody>
+                    <a:bodyPr/>
+                    <a:lstStyle/>
+                    <a:p>
+                      <a:pPr algn="l" fontAlgn="b"/>
+                      <a:endParaRPr lang="en-US" sz="1100" b="0" i="0" u="none" strike="noStrike">
+                        <a:solidFill>
+                          <a:srgbClr val="000000"/>
+                        </a:solidFill>
+                        <a:effectLst/>
+                        <a:latin typeface="Liberation Sans"/>
+                      </a:endParaRPr>
+                    </a:p>
+                  </a:txBody>
+                  <a:tcPr marL="9525" marR="9525" marT="9525" marB="0" anchor="b"/>
+                </a:tc>
+                <a:tc>
+                  <a:txBody>
+                    <a:bodyPr/>
+                    <a:lstStyle/>
+                    <a:p>
+                      <a:pPr algn="l" fontAlgn="b"/>
+                      <a:r>
+                        <a:rPr lang="en-US" sz="1100" u="none" strike="noStrike">
+                          <a:effectLst/>
+                        </a:rPr>
+                        <a:t>BatterySpace</a:t>
+                      </a:r>
+                      <a:endParaRPr lang="en-US" sz="1100" b="0" i="0" u="none" strike="noStrike">
+                        <a:solidFill>
+                          <a:srgbClr val="000000"/>
+                        </a:solidFill>
+                        <a:effectLst/>
+                        <a:latin typeface="Liberation Sans"/>
+                      </a:endParaRPr>
+                    </a:p>
+                  </a:txBody>
+                  <a:tcPr marL="9525" marR="9525" marT="9525" marB="0" anchor="b"/>
+                </a:tc>
+                <a:tc>
+                  <a:txBody>
+                    <a:bodyPr/>
+                    <a:lstStyle/>
+                    <a:p>
+                      <a:pPr algn="r" fontAlgn="b"/>
+                      <a:r>
+                        <a:rPr lang="en-US" sz="1100" u="none" strike="noStrike">
+                          <a:effectLst/>
+                        </a:rPr>
+                        <a:t>39.95</a:t>
+                      </a:r>
+                      <a:endParaRPr lang="en-US" sz="1100" b="0" i="0" u="none" strike="noStrike">
+                        <a:solidFill>
+                          <a:srgbClr val="000000"/>
+                        </a:solidFill>
+                        <a:effectLst/>
+                        <a:latin typeface="Liberation Sans"/>
+                      </a:endParaRPr>
+                    </a:p>
+                  </a:txBody>
+                  <a:tcPr marL="9525" marR="9525" marT="9525" marB="0" anchor="b"/>
+                </a:tc>
+                <a:tc>
+                  <a:txBody>
+                    <a:bodyPr/>
+                    <a:lstStyle/>
+                    <a:p>
+                      <a:pPr algn="l" fontAlgn="b"/>
+                      <a:endParaRPr lang="en-US" sz="1100" b="0" i="0" u="none" strike="noStrike">
+                        <a:solidFill>
+                          <a:srgbClr val="000000"/>
+                        </a:solidFill>
+                        <a:effectLst/>
+                        <a:latin typeface="Liberation Sans"/>
+                      </a:endParaRPr>
+                    </a:p>
+                  </a:txBody>
+                  <a:tcPr marL="9525" marR="9525" marT="9525" marB="0" anchor="b"/>
+                </a:tc>
+                <a:tc>
+                  <a:txBody>
+                    <a:bodyPr/>
+                    <a:lstStyle/>
+                    <a:p>
+                      <a:pPr algn="r" fontAlgn="b"/>
+                      <a:r>
+                        <a:rPr lang="en-US" sz="1100" u="none" strike="noStrike">
+                          <a:effectLst/>
+                        </a:rPr>
+                        <a:t>2</a:t>
+                      </a:r>
+                      <a:endParaRPr lang="en-US" sz="1100" b="0" i="0" u="none" strike="noStrike">
+                        <a:solidFill>
+                          <a:srgbClr val="000000"/>
+                        </a:solidFill>
+                        <a:effectLst/>
+                        <a:latin typeface="Liberation Sans"/>
+                      </a:endParaRPr>
+                    </a:p>
+                  </a:txBody>
+                  <a:tcPr marL="9525" marR="9525" marT="9525" marB="0" anchor="b"/>
+                </a:tc>
+                <a:tc>
+                  <a:txBody>
+                    <a:bodyPr/>
+                    <a:lstStyle/>
+                    <a:p>
+                      <a:pPr algn="r" fontAlgn="b"/>
+                      <a:r>
+                        <a:rPr lang="en-US" sz="1100" u="none" strike="noStrike">
+                          <a:effectLst/>
+                        </a:rPr>
+                        <a:t>79.9</a:t>
+                      </a:r>
+                      <a:endParaRPr lang="en-US" sz="1100" b="0" i="0" u="none" strike="noStrike">
+                        <a:solidFill>
+                          <a:srgbClr val="000000"/>
+                        </a:solidFill>
+                        <a:effectLst/>
+                        <a:latin typeface="Liberation Sans"/>
+                      </a:endParaRPr>
+                    </a:p>
+                  </a:txBody>
+                  <a:tcPr marL="9525" marR="9525" marT="9525" marB="0" anchor="b"/>
+                </a:tc>
+              </a:tr>
+              <a:tr h="220790">
+                <a:tc>
+                  <a:txBody>
+                    <a:bodyPr/>
+                    <a:lstStyle/>
+                    <a:p>
+                      <a:pPr algn="l" fontAlgn="b"/>
+                      <a:r>
+                        <a:rPr lang="en-US" sz="1100" u="none" strike="noStrike">
+                          <a:effectLst/>
+                        </a:rPr>
+                        <a:t>Regulator</a:t>
+                      </a:r>
+                      <a:endParaRPr lang="en-US" sz="1100" b="0" i="0" u="none" strike="noStrike">
+                        <a:solidFill>
+                          <a:srgbClr val="000000"/>
+                        </a:solidFill>
+                        <a:effectLst/>
+                        <a:latin typeface="Liberation Sans"/>
+                      </a:endParaRPr>
+                    </a:p>
+                  </a:txBody>
+                  <a:tcPr marL="9525" marR="9525" marT="9525" marB="0" anchor="b"/>
+                </a:tc>
+                <a:tc>
+                  <a:txBody>
+                    <a:bodyPr/>
+                    <a:lstStyle/>
+                    <a:p>
+                      <a:pPr algn="l" fontAlgn="b"/>
+                      <a:endParaRPr lang="en-US" sz="1100" b="0" i="0" u="none" strike="noStrike">
+                        <a:solidFill>
+                          <a:srgbClr val="000000"/>
+                        </a:solidFill>
+                        <a:effectLst/>
+                        <a:latin typeface="Liberation Sans"/>
+                      </a:endParaRPr>
+                    </a:p>
+                  </a:txBody>
+                  <a:tcPr marL="9525" marR="9525" marT="9525" marB="0" anchor="b"/>
+                </a:tc>
+                <a:tc>
+                  <a:txBody>
+                    <a:bodyPr/>
+                    <a:lstStyle/>
+                    <a:p>
+                      <a:pPr algn="l" fontAlgn="b"/>
+                      <a:r>
+                        <a:rPr lang="en-US" sz="1100" u="none" strike="noStrike">
+                          <a:effectLst/>
+                        </a:rPr>
+                        <a:t>Mouser</a:t>
+                      </a:r>
+                      <a:endParaRPr lang="en-US" sz="1100" b="0" i="0" u="none" strike="noStrike">
+                        <a:solidFill>
+                          <a:srgbClr val="000000"/>
+                        </a:solidFill>
+                        <a:effectLst/>
+                        <a:latin typeface="Liberation Sans"/>
+                      </a:endParaRPr>
+                    </a:p>
+                  </a:txBody>
+                  <a:tcPr marL="9525" marR="9525" marT="9525" marB="0" anchor="b"/>
+                </a:tc>
+                <a:tc>
+                  <a:txBody>
+                    <a:bodyPr/>
+                    <a:lstStyle/>
+                    <a:p>
+                      <a:pPr algn="r" fontAlgn="b"/>
+                      <a:r>
+                        <a:rPr lang="en-US" sz="1100" u="none" strike="noStrike">
+                          <a:effectLst/>
+                        </a:rPr>
+                        <a:t>13.23</a:t>
+                      </a:r>
+                      <a:endParaRPr lang="en-US" sz="1100" b="0" i="0" u="none" strike="noStrike">
+                        <a:solidFill>
+                          <a:srgbClr val="000000"/>
+                        </a:solidFill>
+                        <a:effectLst/>
+                        <a:latin typeface="Liberation Sans"/>
+                      </a:endParaRPr>
+                    </a:p>
+                  </a:txBody>
+                  <a:tcPr marL="9525" marR="9525" marT="9525" marB="0" anchor="b"/>
+                </a:tc>
+                <a:tc>
+                  <a:txBody>
+                    <a:bodyPr/>
+                    <a:lstStyle/>
+                    <a:p>
+                      <a:pPr algn="l" fontAlgn="b"/>
+                      <a:endParaRPr lang="en-US" sz="1100" b="0" i="0" u="none" strike="noStrike">
+                        <a:solidFill>
+                          <a:srgbClr val="000000"/>
+                        </a:solidFill>
+                        <a:effectLst/>
+                        <a:latin typeface="Liberation Sans"/>
+                      </a:endParaRPr>
+                    </a:p>
+                  </a:txBody>
+                  <a:tcPr marL="9525" marR="9525" marT="9525" marB="0" anchor="b"/>
+                </a:tc>
+                <a:tc>
+                  <a:txBody>
+                    <a:bodyPr/>
+                    <a:lstStyle/>
+                    <a:p>
+                      <a:pPr algn="r" fontAlgn="b"/>
+                      <a:r>
+                        <a:rPr lang="en-US" sz="1100" u="none" strike="noStrike">
+                          <a:effectLst/>
+                        </a:rPr>
+                        <a:t>2</a:t>
+                      </a:r>
+                      <a:endParaRPr lang="en-US" sz="1100" b="0" i="0" u="none" strike="noStrike">
+                        <a:solidFill>
+                          <a:srgbClr val="000000"/>
+                        </a:solidFill>
+                        <a:effectLst/>
+                        <a:latin typeface="Liberation Sans"/>
+                      </a:endParaRPr>
+                    </a:p>
+                  </a:txBody>
+                  <a:tcPr marL="9525" marR="9525" marT="9525" marB="0" anchor="b"/>
+                </a:tc>
+                <a:tc>
+                  <a:txBody>
+                    <a:bodyPr/>
+                    <a:lstStyle/>
+                    <a:p>
+                      <a:pPr algn="r" fontAlgn="b"/>
+                      <a:r>
+                        <a:rPr lang="en-US" sz="1100" u="none" strike="noStrike">
+                          <a:effectLst/>
+                        </a:rPr>
+                        <a:t>26.46</a:t>
+                      </a:r>
+                      <a:endParaRPr lang="en-US" sz="1100" b="0" i="0" u="none" strike="noStrike">
+                        <a:solidFill>
+                          <a:srgbClr val="000000"/>
+                        </a:solidFill>
+                        <a:effectLst/>
+                        <a:latin typeface="Liberation Sans"/>
+                      </a:endParaRPr>
+                    </a:p>
+                  </a:txBody>
+                  <a:tcPr marL="9525" marR="9525" marT="9525" marB="0" anchor="b"/>
+                </a:tc>
+              </a:tr>
+              <a:tr h="220790">
+                <a:tc>
+                  <a:txBody>
+                    <a:bodyPr/>
+                    <a:lstStyle/>
+                    <a:p>
+                      <a:pPr algn="l" fontAlgn="b"/>
+                      <a:r>
+                        <a:rPr lang="en-US" sz="1100" u="none" strike="noStrike">
+                          <a:effectLst/>
+                        </a:rPr>
+                        <a:t>Fuel Guage</a:t>
+                      </a:r>
+                      <a:endParaRPr lang="en-US" sz="1100" b="0" i="0" u="none" strike="noStrike">
+                        <a:solidFill>
+                          <a:srgbClr val="000000"/>
+                        </a:solidFill>
+                        <a:effectLst/>
+                        <a:latin typeface="Liberation Sans"/>
+                      </a:endParaRPr>
+                    </a:p>
+                  </a:txBody>
+                  <a:tcPr marL="9525" marR="9525" marT="9525" marB="0" anchor="b"/>
+                </a:tc>
+                <a:tc>
+                  <a:txBody>
+                    <a:bodyPr/>
+                    <a:lstStyle/>
+                    <a:p>
+                      <a:pPr algn="l" fontAlgn="b"/>
+                      <a:endParaRPr lang="en-US" sz="1100" b="0" i="0" u="none" strike="noStrike">
+                        <a:solidFill>
+                          <a:srgbClr val="000000"/>
+                        </a:solidFill>
+                        <a:effectLst/>
+                        <a:latin typeface="Liberation Sans"/>
+                      </a:endParaRPr>
+                    </a:p>
+                  </a:txBody>
+                  <a:tcPr marL="9525" marR="9525" marT="9525" marB="0" anchor="b"/>
+                </a:tc>
+                <a:tc>
+                  <a:txBody>
+                    <a:bodyPr/>
+                    <a:lstStyle/>
+                    <a:p>
+                      <a:pPr algn="l" fontAlgn="b"/>
+                      <a:r>
+                        <a:rPr lang="en-US" sz="1100" u="none" strike="noStrike" dirty="0">
+                          <a:effectLst/>
+                        </a:rPr>
+                        <a:t>????</a:t>
+                      </a:r>
+                      <a:endParaRPr lang="en-US" sz="1100" b="0" i="0" u="none" strike="noStrike" dirty="0">
+                        <a:solidFill>
+                          <a:srgbClr val="000000"/>
+                        </a:solidFill>
+                        <a:effectLst/>
+                        <a:latin typeface="Liberation Sans"/>
+                      </a:endParaRPr>
+                    </a:p>
+                  </a:txBody>
+                  <a:tcPr marL="9525" marR="9525" marT="9525" marB="0" anchor="b"/>
+                </a:tc>
+                <a:tc>
+                  <a:txBody>
+                    <a:bodyPr/>
+                    <a:lstStyle/>
+                    <a:p>
+                      <a:pPr algn="r" fontAlgn="b"/>
+                      <a:r>
+                        <a:rPr lang="en-US" sz="1100" u="none" strike="noStrike">
+                          <a:effectLst/>
+                        </a:rPr>
+                        <a:t>10</a:t>
+                      </a:r>
+                      <a:endParaRPr lang="en-US" sz="1100" b="0" i="0" u="none" strike="noStrike">
+                        <a:solidFill>
+                          <a:srgbClr val="000000"/>
+                        </a:solidFill>
+                        <a:effectLst/>
+                        <a:latin typeface="Liberation Sans"/>
+                      </a:endParaRPr>
+                    </a:p>
+                  </a:txBody>
+                  <a:tcPr marL="9525" marR="9525" marT="9525" marB="0" anchor="b"/>
+                </a:tc>
+                <a:tc>
+                  <a:txBody>
+                    <a:bodyPr/>
+                    <a:lstStyle/>
+                    <a:p>
+                      <a:pPr algn="l" fontAlgn="b"/>
+                      <a:endParaRPr lang="en-US" sz="1100" b="0" i="0" u="none" strike="noStrike">
+                        <a:solidFill>
+                          <a:srgbClr val="000000"/>
+                        </a:solidFill>
+                        <a:effectLst/>
+                        <a:latin typeface="Liberation Sans"/>
+                      </a:endParaRPr>
+                    </a:p>
+                  </a:txBody>
+                  <a:tcPr marL="9525" marR="9525" marT="9525" marB="0" anchor="b"/>
+                </a:tc>
+                <a:tc>
+                  <a:txBody>
+                    <a:bodyPr/>
+                    <a:lstStyle/>
+                    <a:p>
+                      <a:pPr algn="r" fontAlgn="b"/>
+                      <a:r>
+                        <a:rPr lang="en-US" sz="1100" u="none" strike="noStrike">
+                          <a:effectLst/>
+                        </a:rPr>
+                        <a:t>2</a:t>
+                      </a:r>
+                      <a:endParaRPr lang="en-US" sz="1100" b="0" i="0" u="none" strike="noStrike">
+                        <a:solidFill>
+                          <a:srgbClr val="000000"/>
+                        </a:solidFill>
+                        <a:effectLst/>
+                        <a:latin typeface="Liberation Sans"/>
+                      </a:endParaRPr>
+                    </a:p>
+                  </a:txBody>
+                  <a:tcPr marL="9525" marR="9525" marT="9525" marB="0" anchor="b"/>
+                </a:tc>
+                <a:tc>
+                  <a:txBody>
+                    <a:bodyPr/>
+                    <a:lstStyle/>
+                    <a:p>
+                      <a:pPr algn="r" fontAlgn="b"/>
+                      <a:r>
+                        <a:rPr lang="en-US" sz="1100" u="none" strike="noStrike">
+                          <a:effectLst/>
+                        </a:rPr>
+                        <a:t>20</a:t>
+                      </a:r>
+                      <a:endParaRPr lang="en-US" sz="1100" b="0" i="0" u="none" strike="noStrike">
+                        <a:solidFill>
+                          <a:srgbClr val="000000"/>
+                        </a:solidFill>
+                        <a:effectLst/>
+                        <a:latin typeface="Liberation Sans"/>
+                      </a:endParaRPr>
+                    </a:p>
+                  </a:txBody>
+                  <a:tcPr marL="9525" marR="9525" marT="9525" marB="0" anchor="b"/>
+                </a:tc>
+              </a:tr>
+              <a:tr h="220790">
+                <a:tc>
+                  <a:txBody>
+                    <a:bodyPr/>
+                    <a:lstStyle/>
+                    <a:p>
+                      <a:pPr algn="l" fontAlgn="b"/>
+                      <a:r>
+                        <a:rPr lang="en-US" sz="1100" u="none" strike="noStrike">
+                          <a:effectLst/>
+                        </a:rPr>
+                        <a:t>3D printed Box</a:t>
+                      </a:r>
+                      <a:endParaRPr lang="en-US" sz="1100" b="0" i="0" u="none" strike="noStrike">
+                        <a:solidFill>
+                          <a:srgbClr val="000000"/>
+                        </a:solidFill>
+                        <a:effectLst/>
+                        <a:latin typeface="Liberation Sans"/>
+                      </a:endParaRPr>
+                    </a:p>
+                  </a:txBody>
+                  <a:tcPr marL="9525" marR="9525" marT="9525" marB="0" anchor="b"/>
+                </a:tc>
+                <a:tc>
+                  <a:txBody>
+                    <a:bodyPr/>
+                    <a:lstStyle/>
+                    <a:p>
+                      <a:pPr algn="l" fontAlgn="b"/>
+                      <a:endParaRPr lang="en-US" sz="1100" b="0" i="0" u="none" strike="noStrike">
+                        <a:solidFill>
+                          <a:srgbClr val="000000"/>
+                        </a:solidFill>
+                        <a:effectLst/>
+                        <a:latin typeface="Liberation Sans"/>
+                      </a:endParaRPr>
+                    </a:p>
+                  </a:txBody>
+                  <a:tcPr marL="9525" marR="9525" marT="9525" marB="0" anchor="b"/>
+                </a:tc>
+                <a:tc>
+                  <a:txBody>
+                    <a:bodyPr/>
+                    <a:lstStyle/>
+                    <a:p>
+                      <a:pPr algn="l" fontAlgn="b"/>
+                      <a:r>
+                        <a:rPr lang="en-US" sz="1100" u="none" strike="noStrike">
+                          <a:effectLst/>
+                        </a:rPr>
+                        <a:t>????</a:t>
+                      </a:r>
+                      <a:endParaRPr lang="en-US" sz="1100" b="0" i="0" u="none" strike="noStrike">
+                        <a:solidFill>
+                          <a:srgbClr val="000000"/>
+                        </a:solidFill>
+                        <a:effectLst/>
+                        <a:latin typeface="Liberation Sans"/>
+                      </a:endParaRPr>
+                    </a:p>
+                  </a:txBody>
+                  <a:tcPr marL="9525" marR="9525" marT="9525" marB="0" anchor="b"/>
+                </a:tc>
+                <a:tc>
+                  <a:txBody>
+                    <a:bodyPr/>
+                    <a:lstStyle/>
+                    <a:p>
+                      <a:pPr algn="r" fontAlgn="b"/>
+                      <a:r>
+                        <a:rPr lang="en-US" sz="1100" u="none" strike="noStrike">
+                          <a:effectLst/>
+                        </a:rPr>
+                        <a:t>40</a:t>
+                      </a:r>
+                      <a:endParaRPr lang="en-US" sz="1100" b="0" i="0" u="none" strike="noStrike">
+                        <a:solidFill>
+                          <a:srgbClr val="000000"/>
+                        </a:solidFill>
+                        <a:effectLst/>
+                        <a:latin typeface="Liberation Sans"/>
+                      </a:endParaRPr>
+                    </a:p>
+                  </a:txBody>
+                  <a:tcPr marL="9525" marR="9525" marT="9525" marB="0" anchor="b"/>
+                </a:tc>
+                <a:tc>
+                  <a:txBody>
+                    <a:bodyPr/>
+                    <a:lstStyle/>
+                    <a:p>
+                      <a:pPr algn="l" fontAlgn="b"/>
+                      <a:endParaRPr lang="en-US" sz="1100" b="0" i="0" u="none" strike="noStrike">
+                        <a:solidFill>
+                          <a:srgbClr val="000000"/>
+                        </a:solidFill>
+                        <a:effectLst/>
+                        <a:latin typeface="Liberation Sans"/>
+                      </a:endParaRPr>
+                    </a:p>
+                  </a:txBody>
+                  <a:tcPr marL="9525" marR="9525" marT="9525" marB="0" anchor="b"/>
+                </a:tc>
+                <a:tc>
+                  <a:txBody>
+                    <a:bodyPr/>
+                    <a:lstStyle/>
+                    <a:p>
+                      <a:pPr algn="r" fontAlgn="b"/>
+                      <a:r>
+                        <a:rPr lang="en-US" sz="1100" u="none" strike="noStrike">
+                          <a:effectLst/>
+                        </a:rPr>
+                        <a:t>2</a:t>
+                      </a:r>
+                      <a:endParaRPr lang="en-US" sz="1100" b="0" i="0" u="none" strike="noStrike">
+                        <a:solidFill>
+                          <a:srgbClr val="000000"/>
+                        </a:solidFill>
+                        <a:effectLst/>
+                        <a:latin typeface="Liberation Sans"/>
+                      </a:endParaRPr>
+                    </a:p>
+                  </a:txBody>
+                  <a:tcPr marL="9525" marR="9525" marT="9525" marB="0" anchor="b"/>
+                </a:tc>
+                <a:tc>
+                  <a:txBody>
+                    <a:bodyPr/>
+                    <a:lstStyle/>
+                    <a:p>
+                      <a:pPr algn="r" fontAlgn="b"/>
+                      <a:r>
+                        <a:rPr lang="en-US" sz="1100" u="none" strike="noStrike">
+                          <a:effectLst/>
+                        </a:rPr>
+                        <a:t>80</a:t>
+                      </a:r>
+                      <a:endParaRPr lang="en-US" sz="1100" b="0" i="0" u="none" strike="noStrike">
+                        <a:solidFill>
+                          <a:srgbClr val="000000"/>
+                        </a:solidFill>
+                        <a:effectLst/>
+                        <a:latin typeface="Liberation Sans"/>
+                      </a:endParaRPr>
+                    </a:p>
+                  </a:txBody>
+                  <a:tcPr marL="9525" marR="9525" marT="9525" marB="0" anchor="b"/>
+                </a:tc>
+              </a:tr>
+              <a:tr h="220790">
+                <a:tc>
+                  <a:txBody>
+                    <a:bodyPr/>
+                    <a:lstStyle/>
+                    <a:p>
+                      <a:pPr algn="l" fontAlgn="b"/>
+                      <a:r>
+                        <a:rPr lang="en-US" sz="1100" u="none" strike="noStrike">
+                          <a:effectLst/>
+                        </a:rPr>
+                        <a:t>Backpack</a:t>
+                      </a:r>
+                      <a:endParaRPr lang="en-US" sz="1100" b="0" i="0" u="none" strike="noStrike">
+                        <a:solidFill>
+                          <a:srgbClr val="000000"/>
+                        </a:solidFill>
+                        <a:effectLst/>
+                        <a:latin typeface="Liberation Sans"/>
+                      </a:endParaRPr>
+                    </a:p>
+                  </a:txBody>
+                  <a:tcPr marL="9525" marR="9525" marT="9525" marB="0" anchor="b"/>
+                </a:tc>
+                <a:tc>
+                  <a:txBody>
+                    <a:bodyPr/>
+                    <a:lstStyle/>
+                    <a:p>
+                      <a:pPr algn="l" fontAlgn="b"/>
+                      <a:endParaRPr lang="en-US" sz="1100" b="0" i="0" u="none" strike="noStrike">
+                        <a:solidFill>
+                          <a:srgbClr val="000000"/>
+                        </a:solidFill>
+                        <a:effectLst/>
+                        <a:latin typeface="Liberation Sans"/>
+                      </a:endParaRPr>
+                    </a:p>
+                  </a:txBody>
+                  <a:tcPr marL="9525" marR="9525" marT="9525" marB="0" anchor="b"/>
+                </a:tc>
+                <a:tc>
+                  <a:txBody>
+                    <a:bodyPr/>
+                    <a:lstStyle/>
+                    <a:p>
+                      <a:pPr algn="l" fontAlgn="b"/>
+                      <a:r>
+                        <a:rPr lang="en-US" sz="1100" u="none" strike="noStrike">
+                          <a:effectLst/>
+                        </a:rPr>
+                        <a:t>????</a:t>
+                      </a:r>
+                      <a:endParaRPr lang="en-US" sz="1100" b="0" i="0" u="none" strike="noStrike">
+                        <a:solidFill>
+                          <a:srgbClr val="000000"/>
+                        </a:solidFill>
+                        <a:effectLst/>
+                        <a:latin typeface="Liberation Sans"/>
+                      </a:endParaRPr>
+                    </a:p>
+                  </a:txBody>
+                  <a:tcPr marL="9525" marR="9525" marT="9525" marB="0" anchor="b"/>
+                </a:tc>
+                <a:tc>
+                  <a:txBody>
+                    <a:bodyPr/>
+                    <a:lstStyle/>
+                    <a:p>
+                      <a:pPr algn="r" fontAlgn="b"/>
+                      <a:r>
+                        <a:rPr lang="en-US" sz="1100" u="none" strike="noStrike">
+                          <a:effectLst/>
+                        </a:rPr>
+                        <a:t>10</a:t>
+                      </a:r>
+                      <a:endParaRPr lang="en-US" sz="1100" b="0" i="0" u="none" strike="noStrike">
+                        <a:solidFill>
+                          <a:srgbClr val="000000"/>
+                        </a:solidFill>
+                        <a:effectLst/>
+                        <a:latin typeface="Liberation Sans"/>
+                      </a:endParaRPr>
+                    </a:p>
+                  </a:txBody>
+                  <a:tcPr marL="9525" marR="9525" marT="9525" marB="0" anchor="b"/>
+                </a:tc>
+                <a:tc>
+                  <a:txBody>
+                    <a:bodyPr/>
+                    <a:lstStyle/>
+                    <a:p>
+                      <a:pPr algn="l" fontAlgn="b"/>
+                      <a:endParaRPr lang="en-US" sz="1100" b="0" i="0" u="none" strike="noStrike">
+                        <a:solidFill>
+                          <a:srgbClr val="000000"/>
+                        </a:solidFill>
+                        <a:effectLst/>
+                        <a:latin typeface="Liberation Sans"/>
+                      </a:endParaRPr>
+                    </a:p>
+                  </a:txBody>
+                  <a:tcPr marL="9525" marR="9525" marT="9525" marB="0" anchor="b"/>
+                </a:tc>
+                <a:tc>
+                  <a:txBody>
+                    <a:bodyPr/>
+                    <a:lstStyle/>
+                    <a:p>
+                      <a:pPr algn="r" fontAlgn="b"/>
+                      <a:r>
+                        <a:rPr lang="en-US" sz="1100" u="none" strike="noStrike">
+                          <a:effectLst/>
+                        </a:rPr>
+                        <a:t>2</a:t>
+                      </a:r>
+                      <a:endParaRPr lang="en-US" sz="1100" b="0" i="0" u="none" strike="noStrike">
+                        <a:solidFill>
+                          <a:srgbClr val="000000"/>
+                        </a:solidFill>
+                        <a:effectLst/>
+                        <a:latin typeface="Liberation Sans"/>
+                      </a:endParaRPr>
+                    </a:p>
+                  </a:txBody>
+                  <a:tcPr marL="9525" marR="9525" marT="9525" marB="0" anchor="b"/>
+                </a:tc>
+                <a:tc>
+                  <a:txBody>
+                    <a:bodyPr/>
+                    <a:lstStyle/>
+                    <a:p>
+                      <a:pPr algn="r" fontAlgn="b"/>
+                      <a:r>
+                        <a:rPr lang="en-US" sz="1100" u="none" strike="noStrike">
+                          <a:effectLst/>
+                        </a:rPr>
+                        <a:t>20</a:t>
+                      </a:r>
+                      <a:endParaRPr lang="en-US" sz="1100" b="0" i="0" u="none" strike="noStrike">
+                        <a:solidFill>
+                          <a:srgbClr val="000000"/>
+                        </a:solidFill>
+                        <a:effectLst/>
+                        <a:latin typeface="Liberation Sans"/>
+                      </a:endParaRPr>
+                    </a:p>
+                  </a:txBody>
+                  <a:tcPr marL="9525" marR="9525" marT="9525" marB="0" anchor="b"/>
+                </a:tc>
+              </a:tr>
+              <a:tr h="220790">
+                <a:tc>
+                  <a:txBody>
+                    <a:bodyPr/>
+                    <a:lstStyle/>
+                    <a:p>
+                      <a:pPr algn="l" fontAlgn="b"/>
+                      <a:r>
+                        <a:rPr lang="en-US" sz="1100" u="none" strike="noStrike">
+                          <a:effectLst/>
+                        </a:rPr>
+                        <a:t>Packaging</a:t>
+                      </a:r>
+                      <a:endParaRPr lang="en-US" sz="1100" b="0" i="0" u="none" strike="noStrike">
+                        <a:solidFill>
+                          <a:srgbClr val="000000"/>
+                        </a:solidFill>
+                        <a:effectLst/>
+                        <a:latin typeface="Liberation Sans"/>
+                      </a:endParaRPr>
+                    </a:p>
+                  </a:txBody>
+                  <a:tcPr marL="9525" marR="9525" marT="9525" marB="0" anchor="b"/>
+                </a:tc>
+                <a:tc>
+                  <a:txBody>
+                    <a:bodyPr/>
+                    <a:lstStyle/>
+                    <a:p>
+                      <a:pPr algn="l" fontAlgn="b"/>
+                      <a:endParaRPr lang="en-US" sz="1100" b="0" i="0" u="none" strike="noStrike">
+                        <a:solidFill>
+                          <a:srgbClr val="000000"/>
+                        </a:solidFill>
+                        <a:effectLst/>
+                        <a:latin typeface="Liberation Sans"/>
+                      </a:endParaRPr>
+                    </a:p>
+                  </a:txBody>
+                  <a:tcPr marL="9525" marR="9525" marT="9525" marB="0" anchor="b"/>
+                </a:tc>
+                <a:tc>
+                  <a:txBody>
+                    <a:bodyPr/>
+                    <a:lstStyle/>
+                    <a:p>
+                      <a:pPr algn="l" fontAlgn="b"/>
+                      <a:r>
+                        <a:rPr lang="en-US" sz="1100" u="none" strike="noStrike">
+                          <a:effectLst/>
+                        </a:rPr>
+                        <a:t>????</a:t>
+                      </a:r>
+                      <a:endParaRPr lang="en-US" sz="1100" b="0" i="0" u="none" strike="noStrike">
+                        <a:solidFill>
+                          <a:srgbClr val="000000"/>
+                        </a:solidFill>
+                        <a:effectLst/>
+                        <a:latin typeface="Liberation Sans"/>
+                      </a:endParaRPr>
+                    </a:p>
+                  </a:txBody>
+                  <a:tcPr marL="9525" marR="9525" marT="9525" marB="0" anchor="b"/>
+                </a:tc>
+                <a:tc>
+                  <a:txBody>
+                    <a:bodyPr/>
+                    <a:lstStyle/>
+                    <a:p>
+                      <a:pPr algn="r" fontAlgn="b"/>
+                      <a:r>
+                        <a:rPr lang="en-US" sz="1100" u="none" strike="noStrike">
+                          <a:effectLst/>
+                        </a:rPr>
+                        <a:t>50</a:t>
+                      </a:r>
+                      <a:endParaRPr lang="en-US" sz="1100" b="0" i="0" u="none" strike="noStrike">
+                        <a:solidFill>
+                          <a:srgbClr val="000000"/>
+                        </a:solidFill>
+                        <a:effectLst/>
+                        <a:latin typeface="Liberation Sans"/>
+                      </a:endParaRPr>
+                    </a:p>
+                  </a:txBody>
+                  <a:tcPr marL="9525" marR="9525" marT="9525" marB="0" anchor="b"/>
+                </a:tc>
+                <a:tc>
+                  <a:txBody>
+                    <a:bodyPr/>
+                    <a:lstStyle/>
+                    <a:p>
+                      <a:pPr algn="l" fontAlgn="b"/>
+                      <a:endParaRPr lang="en-US" sz="1100" b="0" i="0" u="none" strike="noStrike">
+                        <a:solidFill>
+                          <a:srgbClr val="000000"/>
+                        </a:solidFill>
+                        <a:effectLst/>
+                        <a:latin typeface="Liberation Sans"/>
+                      </a:endParaRPr>
+                    </a:p>
+                  </a:txBody>
+                  <a:tcPr marL="9525" marR="9525" marT="9525" marB="0" anchor="b"/>
+                </a:tc>
+                <a:tc>
+                  <a:txBody>
+                    <a:bodyPr/>
+                    <a:lstStyle/>
+                    <a:p>
+                      <a:pPr algn="r" fontAlgn="b"/>
+                      <a:r>
+                        <a:rPr lang="en-US" sz="1100" u="none" strike="noStrike">
+                          <a:effectLst/>
+                        </a:rPr>
+                        <a:t>2</a:t>
+                      </a:r>
+                      <a:endParaRPr lang="en-US" sz="1100" b="0" i="0" u="none" strike="noStrike">
+                        <a:solidFill>
+                          <a:srgbClr val="000000"/>
+                        </a:solidFill>
+                        <a:effectLst/>
+                        <a:latin typeface="Liberation Sans"/>
+                      </a:endParaRPr>
+                    </a:p>
+                  </a:txBody>
+                  <a:tcPr marL="9525" marR="9525" marT="9525" marB="0" anchor="b"/>
+                </a:tc>
+                <a:tc>
+                  <a:txBody>
+                    <a:bodyPr/>
+                    <a:lstStyle/>
+                    <a:p>
+                      <a:pPr algn="r" fontAlgn="b"/>
+                      <a:r>
+                        <a:rPr lang="en-US" sz="1100" u="none" strike="noStrike">
+                          <a:effectLst/>
+                        </a:rPr>
+                        <a:t>100</a:t>
+                      </a:r>
+                      <a:endParaRPr lang="en-US" sz="1100" b="0" i="0" u="none" strike="noStrike">
+                        <a:solidFill>
+                          <a:srgbClr val="000000"/>
+                        </a:solidFill>
+                        <a:effectLst/>
+                        <a:latin typeface="Liberation Sans"/>
+                      </a:endParaRPr>
+                    </a:p>
+                  </a:txBody>
+                  <a:tcPr marL="9525" marR="9525" marT="9525" marB="0" anchor="b"/>
+                </a:tc>
+              </a:tr>
+              <a:tr h="220790">
+                <a:tc>
+                  <a:txBody>
+                    <a:bodyPr/>
+                    <a:lstStyle/>
+                    <a:p>
+                      <a:pPr algn="l" fontAlgn="b"/>
+                      <a:endParaRPr lang="en-US" sz="1100" b="0" i="0" u="none" strike="noStrike">
+                        <a:solidFill>
+                          <a:srgbClr val="000000"/>
+                        </a:solidFill>
+                        <a:effectLst/>
+                        <a:latin typeface="Liberation Sans"/>
+                      </a:endParaRPr>
+                    </a:p>
+                  </a:txBody>
+                  <a:tcPr marL="9525" marR="9525" marT="9525" marB="0" anchor="b"/>
+                </a:tc>
+                <a:tc>
+                  <a:txBody>
+                    <a:bodyPr/>
+                    <a:lstStyle/>
+                    <a:p>
+                      <a:pPr algn="l" fontAlgn="b"/>
+                      <a:endParaRPr lang="en-US" sz="1100" b="0" i="0" u="none" strike="noStrike">
+                        <a:solidFill>
+                          <a:srgbClr val="000000"/>
+                        </a:solidFill>
+                        <a:effectLst/>
+                        <a:latin typeface="Liberation Sans"/>
+                      </a:endParaRPr>
+                    </a:p>
+                  </a:txBody>
+                  <a:tcPr marL="9525" marR="9525" marT="9525" marB="0" anchor="b"/>
+                </a:tc>
+                <a:tc>
+                  <a:txBody>
+                    <a:bodyPr/>
+                    <a:lstStyle/>
+                    <a:p>
+                      <a:pPr algn="l" fontAlgn="b"/>
+                      <a:endParaRPr lang="en-US" sz="1100" b="0" i="0" u="none" strike="noStrike">
+                        <a:solidFill>
+                          <a:srgbClr val="000000"/>
+                        </a:solidFill>
+                        <a:effectLst/>
+                        <a:latin typeface="Liberation Sans"/>
+                      </a:endParaRPr>
+                    </a:p>
+                  </a:txBody>
+                  <a:tcPr marL="9525" marR="9525" marT="9525" marB="0" anchor="b"/>
+                </a:tc>
+                <a:tc>
+                  <a:txBody>
+                    <a:bodyPr/>
+                    <a:lstStyle/>
+                    <a:p>
+                      <a:pPr algn="l" fontAlgn="b"/>
+                      <a:endParaRPr lang="en-US" sz="1100" b="0" i="0" u="none" strike="noStrike">
+                        <a:solidFill>
+                          <a:srgbClr val="000000"/>
+                        </a:solidFill>
+                        <a:effectLst/>
+                        <a:latin typeface="Liberation Sans"/>
+                      </a:endParaRPr>
+                    </a:p>
+                  </a:txBody>
+                  <a:tcPr marL="9525" marR="9525" marT="9525" marB="0" anchor="b"/>
+                </a:tc>
+                <a:tc>
+                  <a:txBody>
+                    <a:bodyPr/>
+                    <a:lstStyle/>
+                    <a:p>
+                      <a:pPr algn="l" fontAlgn="b"/>
+                      <a:endParaRPr lang="en-US" sz="1100" b="0" i="0" u="none" strike="noStrike">
+                        <a:solidFill>
+                          <a:srgbClr val="000000"/>
+                        </a:solidFill>
+                        <a:effectLst/>
+                        <a:latin typeface="Liberation Sans"/>
+                      </a:endParaRPr>
+                    </a:p>
+                  </a:txBody>
+                  <a:tcPr marL="9525" marR="9525" marT="9525" marB="0" anchor="b"/>
+                </a:tc>
+                <a:tc>
+                  <a:txBody>
+                    <a:bodyPr/>
+                    <a:lstStyle/>
+                    <a:p>
+                      <a:pPr algn="l" fontAlgn="b"/>
+                      <a:endParaRPr lang="en-US" sz="1100" b="0" i="0" u="none" strike="noStrike">
+                        <a:solidFill>
+                          <a:srgbClr val="000000"/>
+                        </a:solidFill>
+                        <a:effectLst/>
+                        <a:latin typeface="Liberation Sans"/>
+                      </a:endParaRPr>
+                    </a:p>
+                  </a:txBody>
+                  <a:tcPr marL="9525" marR="9525" marT="9525" marB="0" anchor="b"/>
+                </a:tc>
+                <a:tc>
+                  <a:txBody>
+                    <a:bodyPr/>
+                    <a:lstStyle/>
+                    <a:p>
+                      <a:pPr algn="l" fontAlgn="b"/>
+                      <a:endParaRPr lang="en-US" sz="1100" b="0" i="0" u="none" strike="noStrike">
+                        <a:solidFill>
+                          <a:srgbClr val="000000"/>
+                        </a:solidFill>
+                        <a:effectLst/>
+                        <a:latin typeface="Liberation Sans"/>
+                      </a:endParaRPr>
+                    </a:p>
+                  </a:txBody>
+                  <a:tcPr marL="9525" marR="9525" marT="9525" marB="0" anchor="b"/>
+                </a:tc>
+              </a:tr>
+              <a:tr h="220790">
+                <a:tc>
+                  <a:txBody>
+                    <a:bodyPr/>
+                    <a:lstStyle/>
+                    <a:p>
+                      <a:pPr algn="l" fontAlgn="b"/>
+                      <a:endParaRPr lang="en-US" sz="1100" b="0" i="0" u="none" strike="noStrike">
+                        <a:solidFill>
+                          <a:srgbClr val="000000"/>
+                        </a:solidFill>
+                        <a:effectLst/>
+                        <a:latin typeface="Liberation Sans"/>
+                      </a:endParaRPr>
+                    </a:p>
+                  </a:txBody>
+                  <a:tcPr marL="9525" marR="9525" marT="9525" marB="0" anchor="b"/>
+                </a:tc>
+                <a:tc>
+                  <a:txBody>
+                    <a:bodyPr/>
+                    <a:lstStyle/>
+                    <a:p>
+                      <a:pPr algn="l" fontAlgn="b"/>
+                      <a:endParaRPr lang="en-US" sz="1100" b="0" i="0" u="none" strike="noStrike">
+                        <a:solidFill>
+                          <a:srgbClr val="000000"/>
+                        </a:solidFill>
+                        <a:effectLst/>
+                        <a:latin typeface="Liberation Sans"/>
+                      </a:endParaRPr>
+                    </a:p>
+                  </a:txBody>
+                  <a:tcPr marL="9525" marR="9525" marT="9525" marB="0" anchor="b"/>
+                </a:tc>
+                <a:tc>
+                  <a:txBody>
+                    <a:bodyPr/>
+                    <a:lstStyle/>
+                    <a:p>
+                      <a:pPr algn="l" fontAlgn="b"/>
+                      <a:endParaRPr lang="en-US" sz="1100" b="0" i="0" u="none" strike="noStrike">
+                        <a:solidFill>
+                          <a:srgbClr val="000000"/>
+                        </a:solidFill>
+                        <a:effectLst/>
+                        <a:latin typeface="Liberation Sans"/>
+                      </a:endParaRPr>
+                    </a:p>
+                  </a:txBody>
+                  <a:tcPr marL="9525" marR="9525" marT="9525" marB="0" anchor="b"/>
+                </a:tc>
+                <a:tc>
+                  <a:txBody>
+                    <a:bodyPr/>
+                    <a:lstStyle/>
+                    <a:p>
+                      <a:pPr algn="l" fontAlgn="b"/>
+                      <a:endParaRPr lang="en-US" sz="1100" b="0" i="0" u="none" strike="noStrike">
+                        <a:solidFill>
+                          <a:srgbClr val="000000"/>
+                        </a:solidFill>
+                        <a:effectLst/>
+                        <a:latin typeface="Liberation Sans"/>
+                      </a:endParaRPr>
+                    </a:p>
+                  </a:txBody>
+                  <a:tcPr marL="9525" marR="9525" marT="9525" marB="0" anchor="b"/>
+                </a:tc>
+                <a:tc>
+                  <a:txBody>
+                    <a:bodyPr/>
+                    <a:lstStyle/>
+                    <a:p>
+                      <a:pPr algn="l" fontAlgn="b"/>
+                      <a:endParaRPr lang="en-US" sz="1100" b="0" i="0" u="none" strike="noStrike">
+                        <a:solidFill>
+                          <a:srgbClr val="000000"/>
+                        </a:solidFill>
+                        <a:effectLst/>
+                        <a:latin typeface="Liberation Sans"/>
+                      </a:endParaRPr>
+                    </a:p>
+                  </a:txBody>
+                  <a:tcPr marL="9525" marR="9525" marT="9525" marB="0" anchor="b"/>
+                </a:tc>
+                <a:tc>
+                  <a:txBody>
+                    <a:bodyPr/>
+                    <a:lstStyle/>
+                    <a:p>
+                      <a:pPr algn="l" fontAlgn="b"/>
+                      <a:endParaRPr lang="en-US" sz="1100" b="0" i="0" u="none" strike="noStrike">
+                        <a:solidFill>
+                          <a:srgbClr val="000000"/>
+                        </a:solidFill>
+                        <a:effectLst/>
+                        <a:latin typeface="Liberation Sans"/>
+                      </a:endParaRPr>
+                    </a:p>
+                  </a:txBody>
+                  <a:tcPr marL="9525" marR="9525" marT="9525" marB="0" anchor="b"/>
+                </a:tc>
+                <a:tc>
+                  <a:txBody>
+                    <a:bodyPr/>
+                    <a:lstStyle/>
+                    <a:p>
+                      <a:pPr algn="l" fontAlgn="b"/>
+                      <a:endParaRPr lang="en-US" sz="1100" b="0" i="0" u="none" strike="noStrike">
+                        <a:solidFill>
+                          <a:srgbClr val="000000"/>
+                        </a:solidFill>
+                        <a:effectLst/>
+                        <a:latin typeface="Liberation Sans"/>
+                      </a:endParaRPr>
+                    </a:p>
+                  </a:txBody>
+                  <a:tcPr marL="9525" marR="9525" marT="9525" marB="0" anchor="b"/>
+                </a:tc>
+              </a:tr>
+              <a:tr h="220790">
+                <a:tc>
+                  <a:txBody>
+                    <a:bodyPr/>
+                    <a:lstStyle/>
+                    <a:p>
+                      <a:pPr algn="l" fontAlgn="b"/>
+                      <a:endParaRPr lang="en-US" sz="1100" b="0" i="0" u="none" strike="noStrike">
+                        <a:solidFill>
+                          <a:srgbClr val="000000"/>
+                        </a:solidFill>
+                        <a:effectLst/>
+                        <a:latin typeface="Liberation Sans"/>
+                      </a:endParaRPr>
+                    </a:p>
+                  </a:txBody>
+                  <a:tcPr marL="9525" marR="9525" marT="9525" marB="0" anchor="b"/>
+                </a:tc>
+                <a:tc>
+                  <a:txBody>
+                    <a:bodyPr/>
+                    <a:lstStyle/>
+                    <a:p>
+                      <a:pPr algn="l" fontAlgn="b"/>
+                      <a:endParaRPr lang="en-US" sz="1100" b="0" i="0" u="none" strike="noStrike">
+                        <a:solidFill>
+                          <a:srgbClr val="000000"/>
+                        </a:solidFill>
+                        <a:effectLst/>
+                        <a:latin typeface="Liberation Sans"/>
+                      </a:endParaRPr>
+                    </a:p>
+                  </a:txBody>
+                  <a:tcPr marL="9525" marR="9525" marT="9525" marB="0" anchor="b"/>
+                </a:tc>
+                <a:tc>
+                  <a:txBody>
+                    <a:bodyPr/>
+                    <a:lstStyle/>
+                    <a:p>
+                      <a:pPr algn="l" fontAlgn="b"/>
+                      <a:endParaRPr lang="en-US" sz="1100" b="0" i="0" u="none" strike="noStrike">
+                        <a:solidFill>
+                          <a:srgbClr val="000000"/>
+                        </a:solidFill>
+                        <a:effectLst/>
+                        <a:latin typeface="Liberation Sans"/>
+                      </a:endParaRPr>
+                    </a:p>
+                  </a:txBody>
+                  <a:tcPr marL="9525" marR="9525" marT="9525" marB="0" anchor="b"/>
+                </a:tc>
+                <a:tc>
+                  <a:txBody>
+                    <a:bodyPr/>
+                    <a:lstStyle/>
+                    <a:p>
+                      <a:pPr algn="l" fontAlgn="b"/>
+                      <a:endParaRPr lang="en-US" sz="1100" b="0" i="0" u="none" strike="noStrike">
+                        <a:solidFill>
+                          <a:srgbClr val="000000"/>
+                        </a:solidFill>
+                        <a:effectLst/>
+                        <a:latin typeface="Liberation Sans"/>
+                      </a:endParaRPr>
+                    </a:p>
+                  </a:txBody>
+                  <a:tcPr marL="9525" marR="9525" marT="9525" marB="0" anchor="b"/>
+                </a:tc>
+                <a:tc>
+                  <a:txBody>
+                    <a:bodyPr/>
+                    <a:lstStyle/>
+                    <a:p>
+                      <a:pPr algn="l" fontAlgn="b"/>
+                      <a:endParaRPr lang="en-US" sz="1100" b="0" i="0" u="none" strike="noStrike">
+                        <a:solidFill>
+                          <a:srgbClr val="000000"/>
+                        </a:solidFill>
+                        <a:effectLst/>
+                        <a:latin typeface="Liberation Sans"/>
+                      </a:endParaRPr>
+                    </a:p>
+                  </a:txBody>
+                  <a:tcPr marL="9525" marR="9525" marT="9525" marB="0" anchor="b"/>
+                </a:tc>
+                <a:tc>
+                  <a:txBody>
+                    <a:bodyPr/>
+                    <a:lstStyle/>
+                    <a:p>
+                      <a:pPr algn="l" fontAlgn="b"/>
+                      <a:endParaRPr lang="en-US" sz="1100" b="0" i="0" u="none" strike="noStrike">
+                        <a:solidFill>
+                          <a:srgbClr val="000000"/>
+                        </a:solidFill>
+                        <a:effectLst/>
+                        <a:latin typeface="Liberation Sans"/>
+                      </a:endParaRPr>
+                    </a:p>
+                  </a:txBody>
+                  <a:tcPr marL="9525" marR="9525" marT="9525" marB="0" anchor="b"/>
+                </a:tc>
+                <a:tc>
+                  <a:txBody>
+                    <a:bodyPr/>
+                    <a:lstStyle/>
+                    <a:p>
+                      <a:pPr algn="l" fontAlgn="b"/>
+                      <a:endParaRPr lang="en-US" sz="1100" b="0" i="0" u="none" strike="noStrike">
+                        <a:solidFill>
+                          <a:srgbClr val="000000"/>
+                        </a:solidFill>
+                        <a:effectLst/>
+                        <a:latin typeface="Liberation Sans"/>
+                      </a:endParaRPr>
+                    </a:p>
+                  </a:txBody>
+                  <a:tcPr marL="9525" marR="9525" marT="9525" marB="0" anchor="b"/>
+                </a:tc>
+              </a:tr>
+              <a:tr h="220790">
+                <a:tc>
+                  <a:txBody>
+                    <a:bodyPr/>
+                    <a:lstStyle/>
+                    <a:p>
+                      <a:pPr algn="l" fontAlgn="b"/>
+                      <a:endParaRPr lang="en-US" sz="1100" b="0" i="0" u="none" strike="noStrike">
+                        <a:solidFill>
+                          <a:srgbClr val="000000"/>
+                        </a:solidFill>
+                        <a:effectLst/>
+                        <a:latin typeface="Liberation Sans"/>
+                      </a:endParaRPr>
+                    </a:p>
+                  </a:txBody>
+                  <a:tcPr marL="9525" marR="9525" marT="9525" marB="0" anchor="b"/>
+                </a:tc>
+                <a:tc>
+                  <a:txBody>
+                    <a:bodyPr/>
+                    <a:lstStyle/>
+                    <a:p>
+                      <a:pPr algn="l" fontAlgn="b"/>
+                      <a:endParaRPr lang="en-US" sz="1100" b="0" i="0" u="none" strike="noStrike">
+                        <a:solidFill>
+                          <a:srgbClr val="000000"/>
+                        </a:solidFill>
+                        <a:effectLst/>
+                        <a:latin typeface="Liberation Sans"/>
+                      </a:endParaRPr>
+                    </a:p>
+                  </a:txBody>
+                  <a:tcPr marL="9525" marR="9525" marT="9525" marB="0" anchor="b"/>
+                </a:tc>
+                <a:tc>
+                  <a:txBody>
+                    <a:bodyPr/>
+                    <a:lstStyle/>
+                    <a:p>
+                      <a:pPr algn="l" fontAlgn="b"/>
+                      <a:endParaRPr lang="en-US" sz="1100" b="0" i="0" u="none" strike="noStrike">
+                        <a:solidFill>
+                          <a:srgbClr val="000000"/>
+                        </a:solidFill>
+                        <a:effectLst/>
+                        <a:latin typeface="Liberation Sans"/>
+                      </a:endParaRPr>
+                    </a:p>
+                  </a:txBody>
+                  <a:tcPr marL="9525" marR="9525" marT="9525" marB="0" anchor="b"/>
+                </a:tc>
+                <a:tc>
+                  <a:txBody>
+                    <a:bodyPr/>
+                    <a:lstStyle/>
+                    <a:p>
+                      <a:pPr algn="l" fontAlgn="b"/>
+                      <a:endParaRPr lang="en-US" sz="1100" b="0" i="0" u="none" strike="noStrike">
+                        <a:solidFill>
+                          <a:srgbClr val="000000"/>
+                        </a:solidFill>
+                        <a:effectLst/>
+                        <a:latin typeface="Liberation Sans"/>
+                      </a:endParaRPr>
+                    </a:p>
+                  </a:txBody>
+                  <a:tcPr marL="9525" marR="9525" marT="9525" marB="0" anchor="b"/>
+                </a:tc>
+                <a:tc>
+                  <a:txBody>
+                    <a:bodyPr/>
+                    <a:lstStyle/>
+                    <a:p>
+                      <a:pPr algn="l" fontAlgn="b"/>
+                      <a:endParaRPr lang="en-US" sz="1100" b="0" i="0" u="none" strike="noStrike">
+                        <a:solidFill>
+                          <a:srgbClr val="000000"/>
+                        </a:solidFill>
+                        <a:effectLst/>
+                        <a:latin typeface="Liberation Sans"/>
+                      </a:endParaRPr>
+                    </a:p>
+                  </a:txBody>
+                  <a:tcPr marL="9525" marR="9525" marT="9525" marB="0" anchor="b"/>
+                </a:tc>
+                <a:tc>
+                  <a:txBody>
+                    <a:bodyPr/>
+                    <a:lstStyle/>
+                    <a:p>
+                      <a:pPr algn="l" fontAlgn="b"/>
+                      <a:endParaRPr lang="en-US" sz="1100" b="0" i="0" u="none" strike="noStrike">
+                        <a:solidFill>
+                          <a:srgbClr val="000000"/>
+                        </a:solidFill>
+                        <a:effectLst/>
+                        <a:latin typeface="Liberation Sans"/>
+                      </a:endParaRPr>
+                    </a:p>
+                  </a:txBody>
+                  <a:tcPr marL="9525" marR="9525" marT="9525" marB="0" anchor="b"/>
+                </a:tc>
+                <a:tc>
+                  <a:txBody>
+                    <a:bodyPr/>
+                    <a:lstStyle/>
+                    <a:p>
+                      <a:pPr algn="l" fontAlgn="b"/>
+                      <a:endParaRPr lang="en-US" sz="1100" b="0" i="0" u="none" strike="noStrike">
+                        <a:solidFill>
+                          <a:srgbClr val="000000"/>
+                        </a:solidFill>
+                        <a:effectLst/>
+                        <a:latin typeface="Liberation Sans"/>
+                      </a:endParaRPr>
+                    </a:p>
+                  </a:txBody>
+                  <a:tcPr marL="9525" marR="9525" marT="9525" marB="0" anchor="b"/>
+                </a:tc>
+              </a:tr>
+              <a:tr h="220790">
+                <a:tc>
+                  <a:txBody>
+                    <a:bodyPr/>
+                    <a:lstStyle/>
+                    <a:p>
+                      <a:pPr algn="l" fontAlgn="b"/>
+                      <a:r>
+                        <a:rPr lang="en-US" sz="1100" u="none" strike="noStrike">
+                          <a:effectLst/>
+                        </a:rPr>
+                        <a:t>Total</a:t>
+                      </a:r>
+                      <a:endParaRPr lang="en-US" sz="1100" b="0" i="0" u="none" strike="noStrike">
+                        <a:solidFill>
+                          <a:srgbClr val="000000"/>
+                        </a:solidFill>
+                        <a:effectLst/>
+                        <a:latin typeface="Liberation Sans"/>
+                      </a:endParaRPr>
+                    </a:p>
+                  </a:txBody>
+                  <a:tcPr marL="9525" marR="9525" marT="9525" marB="0" anchor="b"/>
+                </a:tc>
+                <a:tc>
+                  <a:txBody>
+                    <a:bodyPr/>
+                    <a:lstStyle/>
+                    <a:p>
+                      <a:pPr algn="l" fontAlgn="b"/>
+                      <a:endParaRPr lang="en-US" sz="1100" b="0" i="0" u="none" strike="noStrike">
+                        <a:solidFill>
+                          <a:srgbClr val="000000"/>
+                        </a:solidFill>
+                        <a:effectLst/>
+                        <a:latin typeface="Liberation Sans"/>
+                      </a:endParaRPr>
+                    </a:p>
+                  </a:txBody>
+                  <a:tcPr marL="9525" marR="9525" marT="9525" marB="0" anchor="b"/>
+                </a:tc>
+                <a:tc>
+                  <a:txBody>
+                    <a:bodyPr/>
+                    <a:lstStyle/>
+                    <a:p>
+                      <a:pPr algn="l" fontAlgn="b"/>
+                      <a:endParaRPr lang="en-US" sz="1100" b="0" i="0" u="none" strike="noStrike">
+                        <a:solidFill>
+                          <a:srgbClr val="000000"/>
+                        </a:solidFill>
+                        <a:effectLst/>
+                        <a:latin typeface="Liberation Sans"/>
+                      </a:endParaRPr>
+                    </a:p>
+                  </a:txBody>
+                  <a:tcPr marL="9525" marR="9525" marT="9525" marB="0" anchor="b"/>
+                </a:tc>
+                <a:tc>
+                  <a:txBody>
+                    <a:bodyPr/>
+                    <a:lstStyle/>
+                    <a:p>
+                      <a:pPr algn="r" fontAlgn="b"/>
+                      <a:r>
+                        <a:rPr lang="en-US" sz="1100" u="none" strike="noStrike">
+                          <a:effectLst/>
+                        </a:rPr>
+                        <a:t>605.22</a:t>
+                      </a:r>
+                      <a:endParaRPr lang="en-US" sz="1100" b="0" i="0" u="none" strike="noStrike">
+                        <a:solidFill>
+                          <a:srgbClr val="000000"/>
+                        </a:solidFill>
+                        <a:effectLst/>
+                        <a:latin typeface="Liberation Sans"/>
+                      </a:endParaRPr>
+                    </a:p>
+                  </a:txBody>
+                  <a:tcPr marL="9525" marR="9525" marT="9525" marB="0" anchor="b"/>
+                </a:tc>
+                <a:tc>
+                  <a:txBody>
+                    <a:bodyPr/>
+                    <a:lstStyle/>
+                    <a:p>
+                      <a:pPr algn="l" fontAlgn="b"/>
+                      <a:endParaRPr lang="en-US" sz="1100" b="0" i="0" u="none" strike="noStrike">
+                        <a:solidFill>
+                          <a:srgbClr val="000000"/>
+                        </a:solidFill>
+                        <a:effectLst/>
+                        <a:latin typeface="Liberation Sans"/>
+                      </a:endParaRPr>
+                    </a:p>
+                  </a:txBody>
+                  <a:tcPr marL="9525" marR="9525" marT="9525" marB="0" anchor="b"/>
+                </a:tc>
+                <a:tc>
+                  <a:txBody>
+                    <a:bodyPr/>
+                    <a:lstStyle/>
+                    <a:p>
+                      <a:pPr algn="l" fontAlgn="b"/>
+                      <a:endParaRPr lang="en-US" sz="1100" b="0" i="0" u="none" strike="noStrike">
+                        <a:solidFill>
+                          <a:srgbClr val="000000"/>
+                        </a:solidFill>
+                        <a:effectLst/>
+                        <a:latin typeface="Liberation Sans"/>
+                      </a:endParaRPr>
+                    </a:p>
+                  </a:txBody>
+                  <a:tcPr marL="9525" marR="9525" marT="9525" marB="0" anchor="b"/>
+                </a:tc>
+                <a:tc>
+                  <a:txBody>
+                    <a:bodyPr/>
+                    <a:lstStyle/>
+                    <a:p>
+                      <a:pPr algn="r" fontAlgn="b"/>
+                      <a:r>
+                        <a:rPr lang="en-US" sz="1100" u="none" strike="noStrike" dirty="0">
+                          <a:effectLst/>
+                        </a:rPr>
+                        <a:t>1005.54</a:t>
+                      </a:r>
+                      <a:endParaRPr lang="en-US" sz="1100" b="0" i="0" u="none" strike="noStrike" dirty="0">
+                        <a:solidFill>
+                          <a:srgbClr val="000000"/>
+                        </a:solidFill>
+                        <a:effectLst/>
+                        <a:latin typeface="Liberation Sans"/>
+                      </a:endParaRPr>
+                    </a:p>
+                  </a:txBody>
+                  <a:tcPr marL="9525" marR="9525" marT="9525" marB="0" anchor="b"/>
+                </a:tc>
+              </a:tr>
+            </a:tbl>
+          </a:graphicData>
+        </a:graphic>
+      </p:graphicFrame>
       <p:sp>
         <p:nvSpPr>
           <p:cNvPr id="3" name="Title 2"/>
@@ -8464,11 +11494,7 @@
           <a:p>
             <a:r>
               <a:rPr lang="en-US" dirty="0" smtClean="0"/>
-              <a:t>Execution overview </a:t>
-            </a:r>
-            <a:r>
-              <a:rPr lang="en-US" dirty="0" smtClean="0"/>
-              <a:t>– Timeline B</a:t>
+              <a:t>Execution overview - BUDGET</a:t>
             </a:r>
             <a:endParaRPr lang="en-US" dirty="0"/>
           </a:p>
@@ -8477,7 +11503,7 @@
     </p:spTree>
     <p:extLst>
       <p:ext uri="{BB962C8B-B14F-4D97-AF65-F5344CB8AC3E}">
-        <p14:creationId xmlns:p14="http://schemas.microsoft.com/office/powerpoint/2010/main" val="4157361893"/>
+        <p14:creationId xmlns:p14="http://schemas.microsoft.com/office/powerpoint/2010/main" val="3975776711"/>
       </p:ext>
     </p:extLst>
   </p:cSld>
@@ -8504,3095 +11530,94 @@
           <a:chExt cx="0" cy="0"/>
         </a:xfrm>
       </p:grpSpPr>
-      <p:graphicFrame>
-        <p:nvGraphicFramePr>
-          <p:cNvPr id="4" name="Content Placeholder 3"/>
-          <p:cNvGraphicFramePr>
-            <a:graphicFrameLocks noGrp="1"/>
-          </p:cNvGraphicFramePr>
+      <p:sp>
+        <p:nvSpPr>
+          <p:cNvPr id="2" name="Content Placeholder 1"/>
+          <p:cNvSpPr>
+            <a:spLocks noGrp="1"/>
+          </p:cNvSpPr>
           <p:nvPr>
             <p:ph idx="1"/>
-            <p:extLst>
-              <p:ext uri="{D42A27DB-BD31-4B8C-83A1-F6EECF244321}">
-                <p14:modId xmlns:p14="http://schemas.microsoft.com/office/powerpoint/2010/main" val="3346233757"/>
-              </p:ext>
-            </p:extLst>
-          </p:nvPr>
-        </p:nvGraphicFramePr>
-        <p:xfrm>
-          <a:off x="304800" y="1676400"/>
-          <a:ext cx="8458202" cy="4648210"/>
-        </p:xfrm>
-        <a:graphic>
-          <a:graphicData uri="http://schemas.openxmlformats.org/drawingml/2006/table">
-            <a:tbl>
-              <a:tblPr>
-                <a:tableStyleId>{5C22544A-7EE6-4342-B048-85BDC9FD1C3A}</a:tableStyleId>
-              </a:tblPr>
-              <a:tblGrid>
-                <a:gridCol w="1488949"/>
-                <a:gridCol w="2582234"/>
-                <a:gridCol w="971808"/>
-                <a:gridCol w="888510"/>
-                <a:gridCol w="888510"/>
-                <a:gridCol w="888510"/>
-                <a:gridCol w="749681"/>
-              </a:tblGrid>
-              <a:tr h="232410">
-                <a:tc>
-                  <a:txBody>
-                    <a:bodyPr/>
-                    <a:lstStyle/>
-                    <a:p>
-                      <a:pPr algn="l" fontAlgn="b"/>
-                      <a:r>
-                        <a:rPr lang="en-US" sz="1100" u="none" strike="noStrike">
-                          <a:effectLst/>
-                        </a:rPr>
-                        <a:t>Name</a:t>
-                      </a:r>
-                      <a:endParaRPr lang="en-US" sz="1100" b="1" i="0" u="none" strike="noStrike">
-                        <a:solidFill>
-                          <a:srgbClr val="000000"/>
-                        </a:solidFill>
-                        <a:effectLst/>
-                        <a:latin typeface="Liberation Sans"/>
-                      </a:endParaRPr>
-                    </a:p>
-                  </a:txBody>
-                  <a:tcPr marL="9525" marR="9525" marT="9525" marB="0" anchor="b"/>
-                </a:tc>
-                <a:tc>
-                  <a:txBody>
-                    <a:bodyPr/>
-                    <a:lstStyle/>
-                    <a:p>
-                      <a:pPr algn="l" fontAlgn="b"/>
-                      <a:r>
-                        <a:rPr lang="en-US" sz="1100" u="none" strike="noStrike">
-                          <a:effectLst/>
-                        </a:rPr>
-                        <a:t>Item</a:t>
-                      </a:r>
-                      <a:endParaRPr lang="en-US" sz="1100" b="1" i="0" u="none" strike="noStrike">
-                        <a:solidFill>
-                          <a:srgbClr val="000000"/>
-                        </a:solidFill>
-                        <a:effectLst/>
-                        <a:latin typeface="Liberation Sans"/>
-                      </a:endParaRPr>
-                    </a:p>
-                  </a:txBody>
-                  <a:tcPr marL="9525" marR="9525" marT="9525" marB="0" anchor="b"/>
-                </a:tc>
-                <a:tc>
-                  <a:txBody>
-                    <a:bodyPr/>
-                    <a:lstStyle/>
-                    <a:p>
-                      <a:pPr algn="l" fontAlgn="b"/>
-                      <a:r>
-                        <a:rPr lang="en-US" sz="1100" u="none" strike="noStrike">
-                          <a:effectLst/>
-                        </a:rPr>
-                        <a:t>Vendor</a:t>
-                      </a:r>
-                      <a:endParaRPr lang="en-US" sz="1100" b="1" i="0" u="none" strike="noStrike">
-                        <a:solidFill>
-                          <a:srgbClr val="000000"/>
-                        </a:solidFill>
-                        <a:effectLst/>
-                        <a:latin typeface="Liberation Sans"/>
-                      </a:endParaRPr>
-                    </a:p>
-                  </a:txBody>
-                  <a:tcPr marL="9525" marR="9525" marT="9525" marB="0" anchor="b"/>
-                </a:tc>
-                <a:tc>
-                  <a:txBody>
-                    <a:bodyPr/>
-                    <a:lstStyle/>
-                    <a:p>
-                      <a:pPr algn="l" fontAlgn="b"/>
-                      <a:r>
-                        <a:rPr lang="en-US" sz="1100" u="none" strike="noStrike">
-                          <a:effectLst/>
-                        </a:rPr>
-                        <a:t>Unit Price</a:t>
-                      </a:r>
-                      <a:endParaRPr lang="en-US" sz="1100" b="1" i="0" u="none" strike="noStrike">
-                        <a:solidFill>
-                          <a:srgbClr val="000000"/>
-                        </a:solidFill>
-                        <a:effectLst/>
-                        <a:latin typeface="Liberation Sans"/>
-                      </a:endParaRPr>
-                    </a:p>
-                  </a:txBody>
-                  <a:tcPr marL="9525" marR="9525" marT="9525" marB="0" anchor="b"/>
-                </a:tc>
-                <a:tc>
-                  <a:txBody>
-                    <a:bodyPr/>
-                    <a:lstStyle/>
-                    <a:p>
-                      <a:pPr algn="l" fontAlgn="b"/>
-                      <a:r>
-                        <a:rPr lang="en-US" sz="1100" u="none" strike="noStrike">
-                          <a:effectLst/>
-                        </a:rPr>
-                        <a:t>Shipping</a:t>
-                      </a:r>
-                      <a:endParaRPr lang="en-US" sz="1100" b="1" i="0" u="none" strike="noStrike">
-                        <a:solidFill>
-                          <a:srgbClr val="000000"/>
-                        </a:solidFill>
-                        <a:effectLst/>
-                        <a:latin typeface="Liberation Sans"/>
-                      </a:endParaRPr>
-                    </a:p>
-                  </a:txBody>
-                  <a:tcPr marL="9525" marR="9525" marT="9525" marB="0" anchor="b"/>
-                </a:tc>
-                <a:tc>
-                  <a:txBody>
-                    <a:bodyPr/>
-                    <a:lstStyle/>
-                    <a:p>
-                      <a:pPr algn="l" fontAlgn="b"/>
-                      <a:r>
-                        <a:rPr lang="en-US" sz="1100" u="none" strike="noStrike">
-                          <a:effectLst/>
-                        </a:rPr>
-                        <a:t>Quantity</a:t>
-                      </a:r>
-                      <a:endParaRPr lang="en-US" sz="1100" b="1" i="0" u="none" strike="noStrike">
-                        <a:solidFill>
-                          <a:srgbClr val="000000"/>
-                        </a:solidFill>
-                        <a:effectLst/>
-                        <a:latin typeface="Liberation Sans"/>
-                      </a:endParaRPr>
-                    </a:p>
-                  </a:txBody>
-                  <a:tcPr marL="9525" marR="9525" marT="9525" marB="0" anchor="b"/>
-                </a:tc>
-                <a:tc>
-                  <a:txBody>
-                    <a:bodyPr/>
-                    <a:lstStyle/>
-                    <a:p>
-                      <a:pPr algn="l" fontAlgn="b"/>
-                      <a:r>
-                        <a:rPr lang="en-US" sz="1100" u="none" strike="noStrike">
-                          <a:effectLst/>
-                        </a:rPr>
-                        <a:t>Price</a:t>
-                      </a:r>
-                      <a:endParaRPr lang="en-US" sz="1100" b="1" i="0" u="none" strike="noStrike">
-                        <a:solidFill>
-                          <a:srgbClr val="000000"/>
-                        </a:solidFill>
-                        <a:effectLst/>
-                        <a:latin typeface="Liberation Sans"/>
-                      </a:endParaRPr>
-                    </a:p>
-                  </a:txBody>
-                  <a:tcPr marL="9525" marR="9525" marT="9525" marB="0" anchor="b"/>
-                </a:tc>
-              </a:tr>
-              <a:tr h="220790">
-                <a:tc>
-                  <a:txBody>
-                    <a:bodyPr/>
-                    <a:lstStyle/>
-                    <a:p>
-                      <a:pPr algn="l" fontAlgn="b"/>
-                      <a:r>
-                        <a:rPr lang="en-US" sz="1100" u="none" strike="noStrike">
-                          <a:effectLst/>
-                        </a:rPr>
-                        <a:t>Battery</a:t>
-                      </a:r>
-                      <a:endParaRPr lang="en-US" sz="1100" b="0" i="0" u="none" strike="noStrike">
-                        <a:solidFill>
-                          <a:srgbClr val="000000"/>
-                        </a:solidFill>
-                        <a:effectLst/>
-                        <a:latin typeface="Liberation Sans"/>
-                      </a:endParaRPr>
-                    </a:p>
-                  </a:txBody>
-                  <a:tcPr marL="9525" marR="9525" marT="9525" marB="0" anchor="b"/>
-                </a:tc>
-                <a:tc>
-                  <a:txBody>
-                    <a:bodyPr/>
-                    <a:lstStyle/>
-                    <a:p>
-                      <a:pPr algn="l" fontAlgn="b"/>
-                      <a:endParaRPr lang="en-US" sz="1100" b="0" i="0" u="none" strike="noStrike">
-                        <a:solidFill>
-                          <a:srgbClr val="000000"/>
-                        </a:solidFill>
-                        <a:effectLst/>
-                        <a:latin typeface="Liberation Sans"/>
-                      </a:endParaRPr>
-                    </a:p>
-                  </a:txBody>
-                  <a:tcPr marL="9525" marR="9525" marT="9525" marB="0" anchor="b"/>
-                </a:tc>
-                <a:tc>
-                  <a:txBody>
-                    <a:bodyPr/>
-                    <a:lstStyle/>
-                    <a:p>
-                      <a:pPr algn="l" fontAlgn="b"/>
-                      <a:r>
-                        <a:rPr lang="en-US" sz="1100" u="none" strike="noStrike">
-                          <a:effectLst/>
-                        </a:rPr>
-                        <a:t>BatterySpace</a:t>
-                      </a:r>
-                      <a:endParaRPr lang="en-US" sz="1100" b="0" i="0" u="none" strike="noStrike">
-                        <a:solidFill>
-                          <a:srgbClr val="000000"/>
-                        </a:solidFill>
-                        <a:effectLst/>
-                        <a:latin typeface="Liberation Sans"/>
-                      </a:endParaRPr>
-                    </a:p>
-                  </a:txBody>
-                  <a:tcPr marL="9525" marR="9525" marT="9525" marB="0" anchor="b"/>
-                </a:tc>
-                <a:tc>
-                  <a:txBody>
-                    <a:bodyPr/>
-                    <a:lstStyle/>
-                    <a:p>
-                      <a:pPr algn="r" fontAlgn="b"/>
-                      <a:r>
-                        <a:rPr lang="en-US" sz="1100" u="none" strike="noStrike">
-                          <a:effectLst/>
-                        </a:rPr>
-                        <a:t>66.95</a:t>
-                      </a:r>
-                      <a:endParaRPr lang="en-US" sz="1100" b="0" i="0" u="none" strike="noStrike">
-                        <a:solidFill>
-                          <a:srgbClr val="000000"/>
-                        </a:solidFill>
-                        <a:effectLst/>
-                        <a:latin typeface="Liberation Sans"/>
-                      </a:endParaRPr>
-                    </a:p>
-                  </a:txBody>
-                  <a:tcPr marL="9525" marR="9525" marT="9525" marB="0" anchor="b"/>
-                </a:tc>
-                <a:tc>
-                  <a:txBody>
-                    <a:bodyPr/>
-                    <a:lstStyle/>
-                    <a:p>
-                      <a:pPr algn="l" fontAlgn="b"/>
-                      <a:endParaRPr lang="en-US" sz="1100" b="0" i="0" u="none" strike="noStrike">
-                        <a:solidFill>
-                          <a:srgbClr val="000000"/>
-                        </a:solidFill>
-                        <a:effectLst/>
-                        <a:latin typeface="Liberation Sans"/>
-                      </a:endParaRPr>
-                    </a:p>
-                  </a:txBody>
-                  <a:tcPr marL="9525" marR="9525" marT="9525" marB="0" anchor="b"/>
-                </a:tc>
-                <a:tc>
-                  <a:txBody>
-                    <a:bodyPr/>
-                    <a:lstStyle/>
-                    <a:p>
-                      <a:pPr algn="r" fontAlgn="b"/>
-                      <a:r>
-                        <a:rPr lang="en-US" sz="1100" u="none" strike="noStrike">
-                          <a:effectLst/>
-                        </a:rPr>
-                        <a:t>2</a:t>
-                      </a:r>
-                      <a:endParaRPr lang="en-US" sz="1100" b="0" i="0" u="none" strike="noStrike">
-                        <a:solidFill>
-                          <a:srgbClr val="000000"/>
-                        </a:solidFill>
-                        <a:effectLst/>
-                        <a:latin typeface="Liberation Sans"/>
-                      </a:endParaRPr>
-                    </a:p>
-                  </a:txBody>
-                  <a:tcPr marL="9525" marR="9525" marT="9525" marB="0" anchor="b"/>
-                </a:tc>
-                <a:tc>
-                  <a:txBody>
-                    <a:bodyPr/>
-                    <a:lstStyle/>
-                    <a:p>
-                      <a:pPr algn="r" fontAlgn="b"/>
-                      <a:r>
-                        <a:rPr lang="en-US" sz="1100" u="none" strike="noStrike">
-                          <a:effectLst/>
-                        </a:rPr>
-                        <a:t>133.9</a:t>
-                      </a:r>
-                      <a:endParaRPr lang="en-US" sz="1100" b="0" i="0" u="none" strike="noStrike">
-                        <a:solidFill>
-                          <a:srgbClr val="000000"/>
-                        </a:solidFill>
-                        <a:effectLst/>
-                        <a:latin typeface="Liberation Sans"/>
-                      </a:endParaRPr>
-                    </a:p>
-                  </a:txBody>
-                  <a:tcPr marL="9525" marR="9525" marT="9525" marB="0" anchor="b"/>
-                </a:tc>
-              </a:tr>
-              <a:tr h="220790">
-                <a:tc>
-                  <a:txBody>
-                    <a:bodyPr/>
-                    <a:lstStyle/>
-                    <a:p>
-                      <a:pPr algn="l" fontAlgn="b"/>
-                      <a:r>
-                        <a:rPr lang="en-US" sz="1100" u="none" strike="noStrike">
-                          <a:effectLst/>
-                        </a:rPr>
-                        <a:t>Screen1</a:t>
-                      </a:r>
-                      <a:endParaRPr lang="en-US" sz="1100" b="0" i="0" u="none" strike="noStrike">
-                        <a:solidFill>
-                          <a:srgbClr val="000000"/>
-                        </a:solidFill>
-                        <a:effectLst/>
-                        <a:latin typeface="Liberation Sans"/>
-                      </a:endParaRPr>
-                    </a:p>
-                  </a:txBody>
-                  <a:tcPr marL="9525" marR="9525" marT="9525" marB="0" anchor="b"/>
-                </a:tc>
-                <a:tc>
-                  <a:txBody>
-                    <a:bodyPr/>
-                    <a:lstStyle/>
-                    <a:p>
-                      <a:pPr algn="l" fontAlgn="b"/>
-                      <a:endParaRPr lang="en-US" sz="1100" b="0" i="0" u="none" strike="noStrike">
-                        <a:solidFill>
-                          <a:srgbClr val="000000"/>
-                        </a:solidFill>
-                        <a:effectLst/>
-                        <a:latin typeface="Liberation Sans"/>
-                      </a:endParaRPr>
-                    </a:p>
-                  </a:txBody>
-                  <a:tcPr marL="9525" marR="9525" marT="9525" marB="0" anchor="b"/>
-                </a:tc>
-                <a:tc>
-                  <a:txBody>
-                    <a:bodyPr/>
-                    <a:lstStyle/>
-                    <a:p>
-                      <a:pPr algn="l" fontAlgn="b"/>
-                      <a:r>
-                        <a:rPr lang="en-US" sz="1100" u="none" strike="noStrike">
-                          <a:effectLst/>
-                        </a:rPr>
-                        <a:t>AdaFruit</a:t>
-                      </a:r>
-                      <a:endParaRPr lang="en-US" sz="1100" b="0" i="0" u="none" strike="noStrike">
-                        <a:solidFill>
-                          <a:srgbClr val="000000"/>
-                        </a:solidFill>
-                        <a:effectLst/>
-                        <a:latin typeface="Liberation Sans"/>
-                      </a:endParaRPr>
-                    </a:p>
-                  </a:txBody>
-                  <a:tcPr marL="9525" marR="9525" marT="9525" marB="0" anchor="b"/>
-                </a:tc>
-                <a:tc>
-                  <a:txBody>
-                    <a:bodyPr/>
-                    <a:lstStyle/>
-                    <a:p>
-                      <a:pPr algn="r" fontAlgn="b"/>
-                      <a:r>
-                        <a:rPr lang="en-US" sz="1100" u="none" strike="noStrike">
-                          <a:effectLst/>
-                        </a:rPr>
-                        <a:t>139.95</a:t>
-                      </a:r>
-                      <a:endParaRPr lang="en-US" sz="1100" b="0" i="0" u="none" strike="noStrike">
-                        <a:solidFill>
-                          <a:srgbClr val="000000"/>
-                        </a:solidFill>
-                        <a:effectLst/>
-                        <a:latin typeface="Liberation Sans"/>
-                      </a:endParaRPr>
-                    </a:p>
-                  </a:txBody>
-                  <a:tcPr marL="9525" marR="9525" marT="9525" marB="0" anchor="b"/>
-                </a:tc>
-                <a:tc>
-                  <a:txBody>
-                    <a:bodyPr/>
-                    <a:lstStyle/>
-                    <a:p>
-                      <a:pPr algn="l" fontAlgn="b"/>
-                      <a:endParaRPr lang="en-US" sz="1100" b="0" i="0" u="none" strike="noStrike">
-                        <a:solidFill>
-                          <a:srgbClr val="000000"/>
-                        </a:solidFill>
-                        <a:effectLst/>
-                        <a:latin typeface="Liberation Sans"/>
-                      </a:endParaRPr>
-                    </a:p>
-                  </a:txBody>
-                  <a:tcPr marL="9525" marR="9525" marT="9525" marB="0" anchor="b"/>
-                </a:tc>
-                <a:tc>
-                  <a:txBody>
-                    <a:bodyPr/>
-                    <a:lstStyle/>
-                    <a:p>
-                      <a:pPr algn="r" fontAlgn="b"/>
-                      <a:r>
-                        <a:rPr lang="en-US" sz="1100" u="none" strike="noStrike">
-                          <a:effectLst/>
-                        </a:rPr>
-                        <a:t>1</a:t>
-                      </a:r>
-                      <a:endParaRPr lang="en-US" sz="1100" b="0" i="0" u="none" strike="noStrike">
-                        <a:solidFill>
-                          <a:srgbClr val="000000"/>
-                        </a:solidFill>
-                        <a:effectLst/>
-                        <a:latin typeface="Liberation Sans"/>
-                      </a:endParaRPr>
-                    </a:p>
-                  </a:txBody>
-                  <a:tcPr marL="9525" marR="9525" marT="9525" marB="0" anchor="b"/>
-                </a:tc>
-                <a:tc>
-                  <a:txBody>
-                    <a:bodyPr/>
-                    <a:lstStyle/>
-                    <a:p>
-                      <a:pPr algn="r" fontAlgn="b"/>
-                      <a:r>
-                        <a:rPr lang="en-US" sz="1100" u="none" strike="noStrike">
-                          <a:effectLst/>
-                        </a:rPr>
-                        <a:t>139.95</a:t>
-                      </a:r>
-                      <a:endParaRPr lang="en-US" sz="1100" b="0" i="0" u="none" strike="noStrike">
-                        <a:solidFill>
-                          <a:srgbClr val="000000"/>
-                        </a:solidFill>
-                        <a:effectLst/>
-                        <a:latin typeface="Liberation Sans"/>
-                      </a:endParaRPr>
-                    </a:p>
-                  </a:txBody>
-                  <a:tcPr marL="9525" marR="9525" marT="9525" marB="0" anchor="b"/>
-                </a:tc>
-              </a:tr>
-              <a:tr h="220790">
-                <a:tc>
-                  <a:txBody>
-                    <a:bodyPr/>
-                    <a:lstStyle/>
-                    <a:p>
-                      <a:pPr algn="l" fontAlgn="b"/>
-                      <a:r>
-                        <a:rPr lang="en-US" sz="1100" u="none" strike="noStrike">
-                          <a:effectLst/>
-                        </a:rPr>
-                        <a:t>Screen2</a:t>
-                      </a:r>
-                      <a:endParaRPr lang="en-US" sz="1100" b="0" i="0" u="none" strike="noStrike">
-                        <a:solidFill>
-                          <a:srgbClr val="000000"/>
-                        </a:solidFill>
-                        <a:effectLst/>
-                        <a:latin typeface="Liberation Sans"/>
-                      </a:endParaRPr>
-                    </a:p>
-                  </a:txBody>
-                  <a:tcPr marL="9525" marR="9525" marT="9525" marB="0" anchor="b"/>
-                </a:tc>
-                <a:tc>
-                  <a:txBody>
-                    <a:bodyPr/>
-                    <a:lstStyle/>
-                    <a:p>
-                      <a:pPr algn="l" fontAlgn="b"/>
-                      <a:endParaRPr lang="en-US" sz="1100" b="0" i="0" u="none" strike="noStrike">
-                        <a:solidFill>
-                          <a:srgbClr val="000000"/>
-                        </a:solidFill>
-                        <a:effectLst/>
-                        <a:latin typeface="Liberation Sans"/>
-                      </a:endParaRPr>
-                    </a:p>
-                  </a:txBody>
-                  <a:tcPr marL="9525" marR="9525" marT="9525" marB="0" anchor="b"/>
-                </a:tc>
-                <a:tc>
-                  <a:txBody>
-                    <a:bodyPr/>
-                    <a:lstStyle/>
-                    <a:p>
-                      <a:pPr algn="l" fontAlgn="b"/>
-                      <a:r>
-                        <a:rPr lang="en-US" sz="1100" u="none" strike="noStrike">
-                          <a:effectLst/>
-                        </a:rPr>
-                        <a:t>AdaFruit</a:t>
-                      </a:r>
-                      <a:endParaRPr lang="en-US" sz="1100" b="0" i="0" u="none" strike="noStrike">
-                        <a:solidFill>
-                          <a:srgbClr val="000000"/>
-                        </a:solidFill>
-                        <a:effectLst/>
-                        <a:latin typeface="Liberation Sans"/>
-                      </a:endParaRPr>
-                    </a:p>
-                  </a:txBody>
-                  <a:tcPr marL="9525" marR="9525" marT="9525" marB="0" anchor="b"/>
-                </a:tc>
-                <a:tc>
-                  <a:txBody>
-                    <a:bodyPr/>
-                    <a:lstStyle/>
-                    <a:p>
-                      <a:pPr algn="r" fontAlgn="b"/>
-                      <a:r>
-                        <a:rPr lang="en-US" sz="1100" u="none" strike="noStrike">
-                          <a:effectLst/>
-                        </a:rPr>
-                        <a:t>64.95</a:t>
-                      </a:r>
-                      <a:endParaRPr lang="en-US" sz="1100" b="0" i="0" u="none" strike="noStrike">
-                        <a:solidFill>
-                          <a:srgbClr val="000000"/>
-                        </a:solidFill>
-                        <a:effectLst/>
-                        <a:latin typeface="Liberation Sans"/>
-                      </a:endParaRPr>
-                    </a:p>
-                  </a:txBody>
-                  <a:tcPr marL="9525" marR="9525" marT="9525" marB="0" anchor="b"/>
-                </a:tc>
-                <a:tc>
-                  <a:txBody>
-                    <a:bodyPr/>
-                    <a:lstStyle/>
-                    <a:p>
-                      <a:pPr algn="l" fontAlgn="b"/>
-                      <a:endParaRPr lang="en-US" sz="1100" b="0" i="0" u="none" strike="noStrike">
-                        <a:solidFill>
-                          <a:srgbClr val="000000"/>
-                        </a:solidFill>
-                        <a:effectLst/>
-                        <a:latin typeface="Liberation Sans"/>
-                      </a:endParaRPr>
-                    </a:p>
-                  </a:txBody>
-                  <a:tcPr marL="9525" marR="9525" marT="9525" marB="0" anchor="b"/>
-                </a:tc>
-                <a:tc>
-                  <a:txBody>
-                    <a:bodyPr/>
-                    <a:lstStyle/>
-                    <a:p>
-                      <a:pPr algn="r" fontAlgn="b"/>
-                      <a:r>
-                        <a:rPr lang="en-US" sz="1100" u="none" strike="noStrike">
-                          <a:effectLst/>
-                        </a:rPr>
-                        <a:t>1</a:t>
-                      </a:r>
-                      <a:endParaRPr lang="en-US" sz="1100" b="0" i="0" u="none" strike="noStrike">
-                        <a:solidFill>
-                          <a:srgbClr val="000000"/>
-                        </a:solidFill>
-                        <a:effectLst/>
-                        <a:latin typeface="Liberation Sans"/>
-                      </a:endParaRPr>
-                    </a:p>
-                  </a:txBody>
-                  <a:tcPr marL="9525" marR="9525" marT="9525" marB="0" anchor="b"/>
-                </a:tc>
-                <a:tc>
-                  <a:txBody>
-                    <a:bodyPr/>
-                    <a:lstStyle/>
-                    <a:p>
-                      <a:pPr algn="r" fontAlgn="b"/>
-                      <a:r>
-                        <a:rPr lang="en-US" sz="1100" u="none" strike="noStrike">
-                          <a:effectLst/>
-                        </a:rPr>
-                        <a:t>64.95</a:t>
-                      </a:r>
-                      <a:endParaRPr lang="en-US" sz="1100" b="0" i="0" u="none" strike="noStrike">
-                        <a:solidFill>
-                          <a:srgbClr val="000000"/>
-                        </a:solidFill>
-                        <a:effectLst/>
-                        <a:latin typeface="Liberation Sans"/>
-                      </a:endParaRPr>
-                    </a:p>
-                  </a:txBody>
-                  <a:tcPr marL="9525" marR="9525" marT="9525" marB="0" anchor="b"/>
-                </a:tc>
-              </a:tr>
-              <a:tr h="220790">
-                <a:tc>
-                  <a:txBody>
-                    <a:bodyPr/>
-                    <a:lstStyle/>
-                    <a:p>
-                      <a:pPr algn="l" fontAlgn="b"/>
-                      <a:r>
-                        <a:rPr lang="en-US" sz="1100" u="none" strike="noStrike">
-                          <a:effectLst/>
-                        </a:rPr>
-                        <a:t>IMU</a:t>
-                      </a:r>
-                      <a:endParaRPr lang="en-US" sz="1100" b="0" i="0" u="none" strike="noStrike">
-                        <a:solidFill>
-                          <a:srgbClr val="000000"/>
-                        </a:solidFill>
-                        <a:effectLst/>
-                        <a:latin typeface="Liberation Sans"/>
-                      </a:endParaRPr>
-                    </a:p>
-                  </a:txBody>
-                  <a:tcPr marL="9525" marR="9525" marT="9525" marB="0" anchor="b"/>
-                </a:tc>
-                <a:tc>
-                  <a:txBody>
-                    <a:bodyPr/>
-                    <a:lstStyle/>
-                    <a:p>
-                      <a:pPr algn="l" fontAlgn="b"/>
-                      <a:endParaRPr lang="en-US" sz="1100" b="0" i="0" u="none" strike="noStrike">
-                        <a:solidFill>
-                          <a:srgbClr val="000000"/>
-                        </a:solidFill>
-                        <a:effectLst/>
-                        <a:latin typeface="Liberation Sans"/>
-                      </a:endParaRPr>
-                    </a:p>
-                  </a:txBody>
-                  <a:tcPr marL="9525" marR="9525" marT="9525" marB="0" anchor="b"/>
-                </a:tc>
-                <a:tc>
-                  <a:txBody>
-                    <a:bodyPr/>
-                    <a:lstStyle/>
-                    <a:p>
-                      <a:pPr algn="l" fontAlgn="b"/>
-                      <a:r>
-                        <a:rPr lang="en-US" sz="1100" u="none" strike="noStrike">
-                          <a:effectLst/>
-                        </a:rPr>
-                        <a:t>Mouser</a:t>
-                      </a:r>
-                      <a:endParaRPr lang="en-US" sz="1100" b="0" i="0" u="none" strike="noStrike">
-                        <a:solidFill>
-                          <a:srgbClr val="000000"/>
-                        </a:solidFill>
-                        <a:effectLst/>
-                        <a:latin typeface="Liberation Sans"/>
-                      </a:endParaRPr>
-                    </a:p>
-                  </a:txBody>
-                  <a:tcPr marL="9525" marR="9525" marT="9525" marB="0" anchor="b"/>
-                </a:tc>
-                <a:tc>
-                  <a:txBody>
-                    <a:bodyPr/>
-                    <a:lstStyle/>
-                    <a:p>
-                      <a:pPr algn="r" fontAlgn="b"/>
-                      <a:r>
-                        <a:rPr lang="en-US" sz="1100" u="none" strike="noStrike">
-                          <a:effectLst/>
-                        </a:rPr>
-                        <a:t>$28.75 </a:t>
-                      </a:r>
-                      <a:endParaRPr lang="en-US" sz="1100" b="0" i="0" u="none" strike="noStrike">
-                        <a:solidFill>
-                          <a:srgbClr val="000000"/>
-                        </a:solidFill>
-                        <a:effectLst/>
-                        <a:latin typeface="Liberation Sans"/>
-                      </a:endParaRPr>
-                    </a:p>
-                  </a:txBody>
-                  <a:tcPr marL="9525" marR="9525" marT="9525" marB="0" anchor="b"/>
-                </a:tc>
-                <a:tc>
-                  <a:txBody>
-                    <a:bodyPr/>
-                    <a:lstStyle/>
-                    <a:p>
-                      <a:pPr algn="l" fontAlgn="b"/>
-                      <a:endParaRPr lang="en-US" sz="1100" b="0" i="0" u="none" strike="noStrike">
-                        <a:solidFill>
-                          <a:srgbClr val="000000"/>
-                        </a:solidFill>
-                        <a:effectLst/>
-                        <a:latin typeface="Liberation Sans"/>
-                      </a:endParaRPr>
-                    </a:p>
-                  </a:txBody>
-                  <a:tcPr marL="9525" marR="9525" marT="9525" marB="0" anchor="b"/>
-                </a:tc>
-                <a:tc>
-                  <a:txBody>
-                    <a:bodyPr/>
-                    <a:lstStyle/>
-                    <a:p>
-                      <a:pPr algn="r" fontAlgn="b"/>
-                      <a:r>
-                        <a:rPr lang="en-US" sz="1100" u="none" strike="noStrike">
-                          <a:effectLst/>
-                        </a:rPr>
-                        <a:t>2</a:t>
-                      </a:r>
-                      <a:endParaRPr lang="en-US" sz="1100" b="0" i="0" u="none" strike="noStrike">
-                        <a:solidFill>
-                          <a:srgbClr val="000000"/>
-                        </a:solidFill>
-                        <a:effectLst/>
-                        <a:latin typeface="Liberation Sans"/>
-                      </a:endParaRPr>
-                    </a:p>
-                  </a:txBody>
-                  <a:tcPr marL="9525" marR="9525" marT="9525" marB="0" anchor="b"/>
-                </a:tc>
-                <a:tc>
-                  <a:txBody>
-                    <a:bodyPr/>
-                    <a:lstStyle/>
-                    <a:p>
-                      <a:pPr algn="r" fontAlgn="b"/>
-                      <a:r>
-                        <a:rPr lang="en-US" sz="1100" u="none" strike="noStrike">
-                          <a:effectLst/>
-                        </a:rPr>
-                        <a:t>57.5</a:t>
-                      </a:r>
-                      <a:endParaRPr lang="en-US" sz="1100" b="0" i="0" u="none" strike="noStrike">
-                        <a:solidFill>
-                          <a:srgbClr val="000000"/>
-                        </a:solidFill>
-                        <a:effectLst/>
-                        <a:latin typeface="Liberation Sans"/>
-                      </a:endParaRPr>
-                    </a:p>
-                  </a:txBody>
-                  <a:tcPr marL="9525" marR="9525" marT="9525" marB="0" anchor="b"/>
-                </a:tc>
-              </a:tr>
-              <a:tr h="220790">
-                <a:tc>
-                  <a:txBody>
-                    <a:bodyPr/>
-                    <a:lstStyle/>
-                    <a:p>
-                      <a:pPr algn="l" fontAlgn="b"/>
-                      <a:r>
-                        <a:rPr lang="en-US" sz="1100" u="none" strike="noStrike">
-                          <a:effectLst/>
-                        </a:rPr>
-                        <a:t>GPS</a:t>
-                      </a:r>
-                      <a:endParaRPr lang="en-US" sz="1100" b="0" i="0" u="none" strike="noStrike">
-                        <a:solidFill>
-                          <a:srgbClr val="000000"/>
-                        </a:solidFill>
-                        <a:effectLst/>
-                        <a:latin typeface="Liberation Sans"/>
-                      </a:endParaRPr>
-                    </a:p>
-                  </a:txBody>
-                  <a:tcPr marL="9525" marR="9525" marT="9525" marB="0" anchor="b"/>
-                </a:tc>
-                <a:tc>
-                  <a:txBody>
-                    <a:bodyPr/>
-                    <a:lstStyle/>
-                    <a:p>
-                      <a:pPr algn="l" fontAlgn="b"/>
-                      <a:endParaRPr lang="en-US" sz="1100" b="0" i="0" u="none" strike="noStrike">
-                        <a:solidFill>
-                          <a:srgbClr val="000000"/>
-                        </a:solidFill>
-                        <a:effectLst/>
-                        <a:latin typeface="Liberation Sans"/>
-                      </a:endParaRPr>
-                    </a:p>
-                  </a:txBody>
-                  <a:tcPr marL="9525" marR="9525" marT="9525" marB="0" anchor="b"/>
-                </a:tc>
-                <a:tc>
-                  <a:txBody>
-                    <a:bodyPr/>
-                    <a:lstStyle/>
-                    <a:p>
-                      <a:pPr algn="l" fontAlgn="b"/>
-                      <a:r>
-                        <a:rPr lang="en-US" sz="1100" u="none" strike="noStrike">
-                          <a:effectLst/>
-                        </a:rPr>
-                        <a:t>SparkFun</a:t>
-                      </a:r>
-                      <a:endParaRPr lang="en-US" sz="1100" b="0" i="0" u="none" strike="noStrike">
-                        <a:solidFill>
-                          <a:srgbClr val="000000"/>
-                        </a:solidFill>
-                        <a:effectLst/>
-                        <a:latin typeface="Liberation Sans"/>
-                      </a:endParaRPr>
-                    </a:p>
-                  </a:txBody>
-                  <a:tcPr marL="9525" marR="9525" marT="9525" marB="0" anchor="b"/>
-                </a:tc>
-                <a:tc>
-                  <a:txBody>
-                    <a:bodyPr/>
-                    <a:lstStyle/>
-                    <a:p>
-                      <a:pPr algn="r" fontAlgn="b"/>
-                      <a:r>
-                        <a:rPr lang="en-US" sz="1100" u="none" strike="noStrike">
-                          <a:effectLst/>
-                        </a:rPr>
-                        <a:t>49.99</a:t>
-                      </a:r>
-                      <a:endParaRPr lang="en-US" sz="1100" b="0" i="0" u="none" strike="noStrike">
-                        <a:solidFill>
-                          <a:srgbClr val="000000"/>
-                        </a:solidFill>
-                        <a:effectLst/>
-                        <a:latin typeface="Liberation Sans"/>
-                      </a:endParaRPr>
-                    </a:p>
-                  </a:txBody>
-                  <a:tcPr marL="9525" marR="9525" marT="9525" marB="0" anchor="b"/>
-                </a:tc>
-                <a:tc>
-                  <a:txBody>
-                    <a:bodyPr/>
-                    <a:lstStyle/>
-                    <a:p>
-                      <a:pPr algn="l" fontAlgn="b"/>
-                      <a:endParaRPr lang="en-US" sz="1100" b="0" i="0" u="none" strike="noStrike">
-                        <a:solidFill>
-                          <a:srgbClr val="000000"/>
-                        </a:solidFill>
-                        <a:effectLst/>
-                        <a:latin typeface="Liberation Sans"/>
-                      </a:endParaRPr>
-                    </a:p>
-                  </a:txBody>
-                  <a:tcPr marL="9525" marR="9525" marT="9525" marB="0" anchor="b"/>
-                </a:tc>
-                <a:tc>
-                  <a:txBody>
-                    <a:bodyPr/>
-                    <a:lstStyle/>
-                    <a:p>
-                      <a:pPr algn="r" fontAlgn="b"/>
-                      <a:r>
-                        <a:rPr lang="en-US" sz="1100" u="none" strike="noStrike">
-                          <a:effectLst/>
-                        </a:rPr>
-                        <a:t>2</a:t>
-                      </a:r>
-                      <a:endParaRPr lang="en-US" sz="1100" b="0" i="0" u="none" strike="noStrike">
-                        <a:solidFill>
-                          <a:srgbClr val="000000"/>
-                        </a:solidFill>
-                        <a:effectLst/>
-                        <a:latin typeface="Liberation Sans"/>
-                      </a:endParaRPr>
-                    </a:p>
-                  </a:txBody>
-                  <a:tcPr marL="9525" marR="9525" marT="9525" marB="0" anchor="b"/>
-                </a:tc>
-                <a:tc>
-                  <a:txBody>
-                    <a:bodyPr/>
-                    <a:lstStyle/>
-                    <a:p>
-                      <a:pPr algn="r" fontAlgn="b"/>
-                      <a:r>
-                        <a:rPr lang="en-US" sz="1100" u="none" strike="noStrike">
-                          <a:effectLst/>
-                        </a:rPr>
-                        <a:t>99.98</a:t>
-                      </a:r>
-                      <a:endParaRPr lang="en-US" sz="1100" b="0" i="0" u="none" strike="noStrike">
-                        <a:solidFill>
-                          <a:srgbClr val="000000"/>
-                        </a:solidFill>
-                        <a:effectLst/>
-                        <a:latin typeface="Liberation Sans"/>
-                      </a:endParaRPr>
-                    </a:p>
-                  </a:txBody>
-                  <a:tcPr marL="9525" marR="9525" marT="9525" marB="0" anchor="b"/>
-                </a:tc>
-              </a:tr>
-              <a:tr h="220790">
-                <a:tc>
-                  <a:txBody>
-                    <a:bodyPr/>
-                    <a:lstStyle/>
-                    <a:p>
-                      <a:pPr algn="l" fontAlgn="b"/>
-                      <a:r>
-                        <a:rPr lang="en-US" sz="1100" u="none" strike="noStrike">
-                          <a:effectLst/>
-                        </a:rPr>
-                        <a:t>Passives</a:t>
-                      </a:r>
-                      <a:endParaRPr lang="en-US" sz="1100" b="0" i="0" u="none" strike="noStrike">
-                        <a:solidFill>
-                          <a:srgbClr val="000000"/>
-                        </a:solidFill>
-                        <a:effectLst/>
-                        <a:latin typeface="Liberation Sans"/>
-                      </a:endParaRPr>
-                    </a:p>
-                  </a:txBody>
-                  <a:tcPr marL="9525" marR="9525" marT="9525" marB="0" anchor="b"/>
-                </a:tc>
-                <a:tc>
-                  <a:txBody>
-                    <a:bodyPr/>
-                    <a:lstStyle/>
-                    <a:p>
-                      <a:pPr algn="l" fontAlgn="b"/>
-                      <a:endParaRPr lang="en-US" sz="1100" b="0" i="0" u="none" strike="noStrike">
-                        <a:solidFill>
-                          <a:srgbClr val="000000"/>
-                        </a:solidFill>
-                        <a:effectLst/>
-                        <a:latin typeface="Liberation Sans"/>
-                      </a:endParaRPr>
-                    </a:p>
-                  </a:txBody>
-                  <a:tcPr marL="9525" marR="9525" marT="9525" marB="0" anchor="b"/>
-                </a:tc>
-                <a:tc>
-                  <a:txBody>
-                    <a:bodyPr/>
-                    <a:lstStyle/>
-                    <a:p>
-                      <a:pPr algn="l" fontAlgn="b"/>
-                      <a:r>
-                        <a:rPr lang="en-US" sz="1100" u="none" strike="noStrike">
-                          <a:effectLst/>
-                        </a:rPr>
-                        <a:t>?????</a:t>
-                      </a:r>
-                      <a:endParaRPr lang="en-US" sz="1100" b="0" i="0" u="none" strike="noStrike">
-                        <a:solidFill>
-                          <a:srgbClr val="000000"/>
-                        </a:solidFill>
-                        <a:effectLst/>
-                        <a:latin typeface="Liberation Sans"/>
-                      </a:endParaRPr>
-                    </a:p>
-                  </a:txBody>
-                  <a:tcPr marL="9525" marR="9525" marT="9525" marB="0" anchor="b"/>
-                </a:tc>
-                <a:tc>
-                  <a:txBody>
-                    <a:bodyPr/>
-                    <a:lstStyle/>
-                    <a:p>
-                      <a:pPr algn="r" fontAlgn="b"/>
-                      <a:r>
-                        <a:rPr lang="en-US" sz="1100" u="none" strike="noStrike">
-                          <a:effectLst/>
-                        </a:rPr>
-                        <a:t>10</a:t>
-                      </a:r>
-                      <a:endParaRPr lang="en-US" sz="1100" b="0" i="0" u="none" strike="noStrike">
-                        <a:solidFill>
-                          <a:srgbClr val="000000"/>
-                        </a:solidFill>
-                        <a:effectLst/>
-                        <a:latin typeface="Liberation Sans"/>
-                      </a:endParaRPr>
-                    </a:p>
-                  </a:txBody>
-                  <a:tcPr marL="9525" marR="9525" marT="9525" marB="0" anchor="b"/>
-                </a:tc>
-                <a:tc>
-                  <a:txBody>
-                    <a:bodyPr/>
-                    <a:lstStyle/>
-                    <a:p>
-                      <a:pPr algn="l" fontAlgn="b"/>
-                      <a:endParaRPr lang="en-US" sz="1100" b="0" i="0" u="none" strike="noStrike">
-                        <a:solidFill>
-                          <a:srgbClr val="000000"/>
-                        </a:solidFill>
-                        <a:effectLst/>
-                        <a:latin typeface="Liberation Sans"/>
-                      </a:endParaRPr>
-                    </a:p>
-                  </a:txBody>
-                  <a:tcPr marL="9525" marR="9525" marT="9525" marB="0" anchor="b"/>
-                </a:tc>
-                <a:tc>
-                  <a:txBody>
-                    <a:bodyPr/>
-                    <a:lstStyle/>
-                    <a:p>
-                      <a:pPr algn="r" fontAlgn="b"/>
-                      <a:r>
-                        <a:rPr lang="en-US" sz="1100" u="none" strike="noStrike">
-                          <a:effectLst/>
-                        </a:rPr>
-                        <a:t>2</a:t>
-                      </a:r>
-                      <a:endParaRPr lang="en-US" sz="1100" b="0" i="0" u="none" strike="noStrike">
-                        <a:solidFill>
-                          <a:srgbClr val="000000"/>
-                        </a:solidFill>
-                        <a:effectLst/>
-                        <a:latin typeface="Liberation Sans"/>
-                      </a:endParaRPr>
-                    </a:p>
-                  </a:txBody>
-                  <a:tcPr marL="9525" marR="9525" marT="9525" marB="0" anchor="b"/>
-                </a:tc>
-                <a:tc>
-                  <a:txBody>
-                    <a:bodyPr/>
-                    <a:lstStyle/>
-                    <a:p>
-                      <a:pPr algn="r" fontAlgn="b"/>
-                      <a:r>
-                        <a:rPr lang="en-US" sz="1100" u="none" strike="noStrike">
-                          <a:effectLst/>
-                        </a:rPr>
-                        <a:t>20</a:t>
-                      </a:r>
-                      <a:endParaRPr lang="en-US" sz="1100" b="0" i="0" u="none" strike="noStrike">
-                        <a:solidFill>
-                          <a:srgbClr val="000000"/>
-                        </a:solidFill>
-                        <a:effectLst/>
-                        <a:latin typeface="Liberation Sans"/>
-                      </a:endParaRPr>
-                    </a:p>
-                  </a:txBody>
-                  <a:tcPr marL="9525" marR="9525" marT="9525" marB="0" anchor="b"/>
-                </a:tc>
-              </a:tr>
-              <a:tr h="220790">
-                <a:tc>
-                  <a:txBody>
-                    <a:bodyPr/>
-                    <a:lstStyle/>
-                    <a:p>
-                      <a:pPr algn="l" fontAlgn="b"/>
-                      <a:r>
-                        <a:rPr lang="en-US" sz="1100" u="none" strike="noStrike">
-                          <a:effectLst/>
-                        </a:rPr>
-                        <a:t>PCB</a:t>
-                      </a:r>
-                      <a:endParaRPr lang="en-US" sz="1100" b="0" i="0" u="none" strike="noStrike">
-                        <a:solidFill>
-                          <a:srgbClr val="000000"/>
-                        </a:solidFill>
-                        <a:effectLst/>
-                        <a:latin typeface="Liberation Sans"/>
-                      </a:endParaRPr>
-                    </a:p>
-                  </a:txBody>
-                  <a:tcPr marL="9525" marR="9525" marT="9525" marB="0" anchor="b"/>
-                </a:tc>
-                <a:tc>
-                  <a:txBody>
-                    <a:bodyPr/>
-                    <a:lstStyle/>
-                    <a:p>
-                      <a:pPr algn="l" fontAlgn="b"/>
-                      <a:endParaRPr lang="en-US" sz="1100" b="0" i="0" u="none" strike="noStrike">
-                        <a:solidFill>
-                          <a:srgbClr val="000000"/>
-                        </a:solidFill>
-                        <a:effectLst/>
-                        <a:latin typeface="Liberation Sans"/>
-                      </a:endParaRPr>
-                    </a:p>
-                  </a:txBody>
-                  <a:tcPr marL="9525" marR="9525" marT="9525" marB="0" anchor="b"/>
-                </a:tc>
-                <a:tc>
-                  <a:txBody>
-                    <a:bodyPr/>
-                    <a:lstStyle/>
-                    <a:p>
-                      <a:pPr algn="l" fontAlgn="b"/>
-                      <a:r>
-                        <a:rPr lang="en-US" sz="1100" u="none" strike="noStrike">
-                          <a:effectLst/>
-                        </a:rPr>
-                        <a:t>Oshpark</a:t>
-                      </a:r>
-                      <a:endParaRPr lang="en-US" sz="1100" b="0" i="0" u="none" strike="noStrike">
-                        <a:solidFill>
-                          <a:srgbClr val="000000"/>
-                        </a:solidFill>
-                        <a:effectLst/>
-                        <a:latin typeface="Liberation Sans"/>
-                      </a:endParaRPr>
-                    </a:p>
-                  </a:txBody>
-                  <a:tcPr marL="9525" marR="9525" marT="9525" marB="0" anchor="b"/>
-                </a:tc>
-                <a:tc>
-                  <a:txBody>
-                    <a:bodyPr/>
-                    <a:lstStyle/>
-                    <a:p>
-                      <a:pPr algn="r" fontAlgn="b"/>
-                      <a:r>
-                        <a:rPr lang="en-US" sz="1100" u="none" strike="noStrike">
-                          <a:effectLst/>
-                        </a:rPr>
-                        <a:t>40</a:t>
-                      </a:r>
-                      <a:endParaRPr lang="en-US" sz="1100" b="0" i="0" u="none" strike="noStrike">
-                        <a:solidFill>
-                          <a:srgbClr val="000000"/>
-                        </a:solidFill>
-                        <a:effectLst/>
-                        <a:latin typeface="Liberation Sans"/>
-                      </a:endParaRPr>
-                    </a:p>
-                  </a:txBody>
-                  <a:tcPr marL="9525" marR="9525" marT="9525" marB="0" anchor="b"/>
-                </a:tc>
-                <a:tc>
-                  <a:txBody>
-                    <a:bodyPr/>
-                    <a:lstStyle/>
-                    <a:p>
-                      <a:pPr algn="l" fontAlgn="b"/>
-                      <a:endParaRPr lang="en-US" sz="1100" b="0" i="0" u="none" strike="noStrike">
-                        <a:solidFill>
-                          <a:srgbClr val="000000"/>
-                        </a:solidFill>
-                        <a:effectLst/>
-                        <a:latin typeface="Liberation Sans"/>
-                      </a:endParaRPr>
-                    </a:p>
-                  </a:txBody>
-                  <a:tcPr marL="9525" marR="9525" marT="9525" marB="0" anchor="b"/>
-                </a:tc>
-                <a:tc>
-                  <a:txBody>
-                    <a:bodyPr/>
-                    <a:lstStyle/>
-                    <a:p>
-                      <a:pPr algn="r" fontAlgn="b"/>
-                      <a:r>
-                        <a:rPr lang="en-US" sz="1100" u="none" strike="noStrike">
-                          <a:effectLst/>
-                        </a:rPr>
-                        <a:t>2</a:t>
-                      </a:r>
-                      <a:endParaRPr lang="en-US" sz="1100" b="0" i="0" u="none" strike="noStrike">
-                        <a:solidFill>
-                          <a:srgbClr val="000000"/>
-                        </a:solidFill>
-                        <a:effectLst/>
-                        <a:latin typeface="Liberation Sans"/>
-                      </a:endParaRPr>
-                    </a:p>
-                  </a:txBody>
-                  <a:tcPr marL="9525" marR="9525" marT="9525" marB="0" anchor="b"/>
-                </a:tc>
-                <a:tc>
-                  <a:txBody>
-                    <a:bodyPr/>
-                    <a:lstStyle/>
-                    <a:p>
-                      <a:pPr algn="r" fontAlgn="b"/>
-                      <a:r>
-                        <a:rPr lang="en-US" sz="1100" u="none" strike="noStrike">
-                          <a:effectLst/>
-                        </a:rPr>
-                        <a:t>80</a:t>
-                      </a:r>
-                      <a:endParaRPr lang="en-US" sz="1100" b="0" i="0" u="none" strike="noStrike">
-                        <a:solidFill>
-                          <a:srgbClr val="000000"/>
-                        </a:solidFill>
-                        <a:effectLst/>
-                        <a:latin typeface="Liberation Sans"/>
-                      </a:endParaRPr>
-                    </a:p>
-                  </a:txBody>
-                  <a:tcPr marL="9525" marR="9525" marT="9525" marB="0" anchor="b"/>
-                </a:tc>
-              </a:tr>
-              <a:tr h="220790">
-                <a:tc>
-                  <a:txBody>
-                    <a:bodyPr/>
-                    <a:lstStyle/>
-                    <a:p>
-                      <a:pPr algn="l" fontAlgn="b"/>
-                      <a:r>
-                        <a:rPr lang="en-US" sz="1100" u="none" strike="noStrike">
-                          <a:effectLst/>
-                        </a:rPr>
-                        <a:t>Microcontroller</a:t>
-                      </a:r>
-                      <a:endParaRPr lang="en-US" sz="1100" b="0" i="0" u="none" strike="noStrike">
-                        <a:solidFill>
-                          <a:srgbClr val="000000"/>
-                        </a:solidFill>
-                        <a:effectLst/>
-                        <a:latin typeface="Liberation Sans"/>
-                      </a:endParaRPr>
-                    </a:p>
-                  </a:txBody>
-                  <a:tcPr marL="9525" marR="9525" marT="9525" marB="0" anchor="b"/>
-                </a:tc>
-                <a:tc>
-                  <a:txBody>
-                    <a:bodyPr/>
-                    <a:lstStyle/>
-                    <a:p>
-                      <a:pPr algn="l" fontAlgn="b"/>
-                      <a:endParaRPr lang="en-US" sz="1100" b="0" i="0" u="none" strike="noStrike">
-                        <a:solidFill>
-                          <a:srgbClr val="000000"/>
-                        </a:solidFill>
-                        <a:effectLst/>
-                        <a:latin typeface="Liberation Sans"/>
-                      </a:endParaRPr>
-                    </a:p>
-                  </a:txBody>
-                  <a:tcPr marL="9525" marR="9525" marT="9525" marB="0" anchor="b"/>
-                </a:tc>
-                <a:tc>
-                  <a:txBody>
-                    <a:bodyPr/>
-                    <a:lstStyle/>
-                    <a:p>
-                      <a:pPr algn="l" fontAlgn="b"/>
-                      <a:r>
-                        <a:rPr lang="en-US" sz="1100" u="none" strike="noStrike">
-                          <a:effectLst/>
-                        </a:rPr>
-                        <a:t>DigiKey</a:t>
-                      </a:r>
-                      <a:endParaRPr lang="en-US" sz="1100" b="0" i="0" u="none" strike="noStrike">
-                        <a:solidFill>
-                          <a:srgbClr val="000000"/>
-                        </a:solidFill>
-                        <a:effectLst/>
-                        <a:latin typeface="Liberation Sans"/>
-                      </a:endParaRPr>
-                    </a:p>
-                  </a:txBody>
-                  <a:tcPr marL="9525" marR="9525" marT="9525" marB="0" anchor="b"/>
-                </a:tc>
-                <a:tc>
-                  <a:txBody>
-                    <a:bodyPr/>
-                    <a:lstStyle/>
-                    <a:p>
-                      <a:pPr algn="r" fontAlgn="b"/>
-                      <a:r>
-                        <a:rPr lang="en-US" sz="1100" u="none" strike="noStrike">
-                          <a:effectLst/>
-                        </a:rPr>
-                        <a:t>11.45</a:t>
-                      </a:r>
-                      <a:endParaRPr lang="en-US" sz="1100" b="0" i="0" u="none" strike="noStrike">
-                        <a:solidFill>
-                          <a:srgbClr val="000000"/>
-                        </a:solidFill>
-                        <a:effectLst/>
-                        <a:latin typeface="Liberation Sans"/>
-                      </a:endParaRPr>
-                    </a:p>
-                  </a:txBody>
-                  <a:tcPr marL="9525" marR="9525" marT="9525" marB="0" anchor="b"/>
-                </a:tc>
-                <a:tc>
-                  <a:txBody>
-                    <a:bodyPr/>
-                    <a:lstStyle/>
-                    <a:p>
-                      <a:pPr algn="l" fontAlgn="b"/>
-                      <a:endParaRPr lang="en-US" sz="1100" b="0" i="0" u="none" strike="noStrike">
-                        <a:solidFill>
-                          <a:srgbClr val="000000"/>
-                        </a:solidFill>
-                        <a:effectLst/>
-                        <a:latin typeface="Liberation Sans"/>
-                      </a:endParaRPr>
-                    </a:p>
-                  </a:txBody>
-                  <a:tcPr marL="9525" marR="9525" marT="9525" marB="0" anchor="b"/>
-                </a:tc>
-                <a:tc>
-                  <a:txBody>
-                    <a:bodyPr/>
-                    <a:lstStyle/>
-                    <a:p>
-                      <a:pPr algn="r" fontAlgn="b"/>
-                      <a:r>
-                        <a:rPr lang="en-US" sz="1100" u="none" strike="noStrike">
-                          <a:effectLst/>
-                        </a:rPr>
-                        <a:t>2</a:t>
-                      </a:r>
-                      <a:endParaRPr lang="en-US" sz="1100" b="0" i="0" u="none" strike="noStrike">
-                        <a:solidFill>
-                          <a:srgbClr val="000000"/>
-                        </a:solidFill>
-                        <a:effectLst/>
-                        <a:latin typeface="Liberation Sans"/>
-                      </a:endParaRPr>
-                    </a:p>
-                  </a:txBody>
-                  <a:tcPr marL="9525" marR="9525" marT="9525" marB="0" anchor="b"/>
-                </a:tc>
-                <a:tc>
-                  <a:txBody>
-                    <a:bodyPr/>
-                    <a:lstStyle/>
-                    <a:p>
-                      <a:pPr algn="r" fontAlgn="b"/>
-                      <a:r>
-                        <a:rPr lang="en-US" sz="1100" u="none" strike="noStrike">
-                          <a:effectLst/>
-                        </a:rPr>
-                        <a:t>22.9</a:t>
-                      </a:r>
-                      <a:endParaRPr lang="en-US" sz="1100" b="0" i="0" u="none" strike="noStrike">
-                        <a:solidFill>
-                          <a:srgbClr val="000000"/>
-                        </a:solidFill>
-                        <a:effectLst/>
-                        <a:latin typeface="Liberation Sans"/>
-                      </a:endParaRPr>
-                    </a:p>
-                  </a:txBody>
-                  <a:tcPr marL="9525" marR="9525" marT="9525" marB="0" anchor="b"/>
-                </a:tc>
-              </a:tr>
-              <a:tr h="220790">
-                <a:tc>
-                  <a:txBody>
-                    <a:bodyPr/>
-                    <a:lstStyle/>
-                    <a:p>
-                      <a:pPr algn="l" fontAlgn="b"/>
-                      <a:r>
-                        <a:rPr lang="en-US" sz="1100" u="none" strike="noStrike">
-                          <a:effectLst/>
-                        </a:rPr>
-                        <a:t>Power Supply</a:t>
-                      </a:r>
-                      <a:endParaRPr lang="en-US" sz="1100" b="0" i="0" u="none" strike="noStrike">
-                        <a:solidFill>
-                          <a:srgbClr val="000000"/>
-                        </a:solidFill>
-                        <a:effectLst/>
-                        <a:latin typeface="Liberation Sans"/>
-                      </a:endParaRPr>
-                    </a:p>
-                  </a:txBody>
-                  <a:tcPr marL="9525" marR="9525" marT="9525" marB="0" anchor="b"/>
-                </a:tc>
-                <a:tc>
-                  <a:txBody>
-                    <a:bodyPr/>
-                    <a:lstStyle/>
-                    <a:p>
-                      <a:pPr algn="l" fontAlgn="b"/>
-                      <a:endParaRPr lang="en-US" sz="1100" b="0" i="0" u="none" strike="noStrike">
-                        <a:solidFill>
-                          <a:srgbClr val="000000"/>
-                        </a:solidFill>
-                        <a:effectLst/>
-                        <a:latin typeface="Liberation Sans"/>
-                      </a:endParaRPr>
-                    </a:p>
-                  </a:txBody>
-                  <a:tcPr marL="9525" marR="9525" marT="9525" marB="0" anchor="b"/>
-                </a:tc>
-                <a:tc>
-                  <a:txBody>
-                    <a:bodyPr/>
-                    <a:lstStyle/>
-                    <a:p>
-                      <a:pPr algn="l" fontAlgn="b"/>
-                      <a:r>
-                        <a:rPr lang="en-US" sz="1100" u="none" strike="noStrike">
-                          <a:effectLst/>
-                        </a:rPr>
-                        <a:t>????</a:t>
-                      </a:r>
-                      <a:endParaRPr lang="en-US" sz="1100" b="0" i="0" u="none" strike="noStrike">
-                        <a:solidFill>
-                          <a:srgbClr val="000000"/>
-                        </a:solidFill>
-                        <a:effectLst/>
-                        <a:latin typeface="Liberation Sans"/>
-                      </a:endParaRPr>
-                    </a:p>
-                  </a:txBody>
-                  <a:tcPr marL="9525" marR="9525" marT="9525" marB="0" anchor="b"/>
-                </a:tc>
-                <a:tc>
-                  <a:txBody>
-                    <a:bodyPr/>
-                    <a:lstStyle/>
-                    <a:p>
-                      <a:pPr algn="r" fontAlgn="b"/>
-                      <a:r>
-                        <a:rPr lang="en-US" sz="1100" u="none" strike="noStrike">
-                          <a:effectLst/>
-                        </a:rPr>
-                        <a:t>30</a:t>
-                      </a:r>
-                      <a:endParaRPr lang="en-US" sz="1100" b="0" i="0" u="none" strike="noStrike">
-                        <a:solidFill>
-                          <a:srgbClr val="000000"/>
-                        </a:solidFill>
-                        <a:effectLst/>
-                        <a:latin typeface="Liberation Sans"/>
-                      </a:endParaRPr>
-                    </a:p>
-                  </a:txBody>
-                  <a:tcPr marL="9525" marR="9525" marT="9525" marB="0" anchor="b"/>
-                </a:tc>
-                <a:tc>
-                  <a:txBody>
-                    <a:bodyPr/>
-                    <a:lstStyle/>
-                    <a:p>
-                      <a:pPr algn="l" fontAlgn="b"/>
-                      <a:endParaRPr lang="en-US" sz="1100" b="0" i="0" u="none" strike="noStrike">
-                        <a:solidFill>
-                          <a:srgbClr val="000000"/>
-                        </a:solidFill>
-                        <a:effectLst/>
-                        <a:latin typeface="Liberation Sans"/>
-                      </a:endParaRPr>
-                    </a:p>
-                  </a:txBody>
-                  <a:tcPr marL="9525" marR="9525" marT="9525" marB="0" anchor="b"/>
-                </a:tc>
-                <a:tc>
-                  <a:txBody>
-                    <a:bodyPr/>
-                    <a:lstStyle/>
-                    <a:p>
-                      <a:pPr algn="r" fontAlgn="b"/>
-                      <a:r>
-                        <a:rPr lang="en-US" sz="1100" u="none" strike="noStrike">
-                          <a:effectLst/>
-                        </a:rPr>
-                        <a:t>2</a:t>
-                      </a:r>
-                      <a:endParaRPr lang="en-US" sz="1100" b="0" i="0" u="none" strike="noStrike">
-                        <a:solidFill>
-                          <a:srgbClr val="000000"/>
-                        </a:solidFill>
-                        <a:effectLst/>
-                        <a:latin typeface="Liberation Sans"/>
-                      </a:endParaRPr>
-                    </a:p>
-                  </a:txBody>
-                  <a:tcPr marL="9525" marR="9525" marT="9525" marB="0" anchor="b"/>
-                </a:tc>
-                <a:tc>
-                  <a:txBody>
-                    <a:bodyPr/>
-                    <a:lstStyle/>
-                    <a:p>
-                      <a:pPr algn="r" fontAlgn="b"/>
-                      <a:r>
-                        <a:rPr lang="en-US" sz="1100" u="none" strike="noStrike">
-                          <a:effectLst/>
-                        </a:rPr>
-                        <a:t>60</a:t>
-                      </a:r>
-                      <a:endParaRPr lang="en-US" sz="1100" b="0" i="0" u="none" strike="noStrike">
-                        <a:solidFill>
-                          <a:srgbClr val="000000"/>
-                        </a:solidFill>
-                        <a:effectLst/>
-                        <a:latin typeface="Liberation Sans"/>
-                      </a:endParaRPr>
-                    </a:p>
-                  </a:txBody>
-                  <a:tcPr marL="9525" marR="9525" marT="9525" marB="0" anchor="b"/>
-                </a:tc>
-              </a:tr>
-              <a:tr h="220790">
-                <a:tc>
-                  <a:txBody>
-                    <a:bodyPr/>
-                    <a:lstStyle/>
-                    <a:p>
-                      <a:pPr algn="l" fontAlgn="b"/>
-                      <a:r>
-                        <a:rPr lang="en-US" sz="1100" u="none" strike="noStrike">
-                          <a:effectLst/>
-                        </a:rPr>
-                        <a:t>Charger</a:t>
-                      </a:r>
-                      <a:endParaRPr lang="en-US" sz="1100" b="0" i="0" u="none" strike="noStrike">
-                        <a:solidFill>
-                          <a:srgbClr val="000000"/>
-                        </a:solidFill>
-                        <a:effectLst/>
-                        <a:latin typeface="Liberation Sans"/>
-                      </a:endParaRPr>
-                    </a:p>
-                  </a:txBody>
-                  <a:tcPr marL="9525" marR="9525" marT="9525" marB="0" anchor="b"/>
-                </a:tc>
-                <a:tc>
-                  <a:txBody>
-                    <a:bodyPr/>
-                    <a:lstStyle/>
-                    <a:p>
-                      <a:pPr algn="l" fontAlgn="b"/>
-                      <a:endParaRPr lang="en-US" sz="1100" b="0" i="0" u="none" strike="noStrike">
-                        <a:solidFill>
-                          <a:srgbClr val="000000"/>
-                        </a:solidFill>
-                        <a:effectLst/>
-                        <a:latin typeface="Liberation Sans"/>
-                      </a:endParaRPr>
-                    </a:p>
-                  </a:txBody>
-                  <a:tcPr marL="9525" marR="9525" marT="9525" marB="0" anchor="b"/>
-                </a:tc>
-                <a:tc>
-                  <a:txBody>
-                    <a:bodyPr/>
-                    <a:lstStyle/>
-                    <a:p>
-                      <a:pPr algn="l" fontAlgn="b"/>
-                      <a:r>
-                        <a:rPr lang="en-US" sz="1100" u="none" strike="noStrike">
-                          <a:effectLst/>
-                        </a:rPr>
-                        <a:t>BatterySpace</a:t>
-                      </a:r>
-                      <a:endParaRPr lang="en-US" sz="1100" b="0" i="0" u="none" strike="noStrike">
-                        <a:solidFill>
-                          <a:srgbClr val="000000"/>
-                        </a:solidFill>
-                        <a:effectLst/>
-                        <a:latin typeface="Liberation Sans"/>
-                      </a:endParaRPr>
-                    </a:p>
-                  </a:txBody>
-                  <a:tcPr marL="9525" marR="9525" marT="9525" marB="0" anchor="b"/>
-                </a:tc>
-                <a:tc>
-                  <a:txBody>
-                    <a:bodyPr/>
-                    <a:lstStyle/>
-                    <a:p>
-                      <a:pPr algn="r" fontAlgn="b"/>
-                      <a:r>
-                        <a:rPr lang="en-US" sz="1100" u="none" strike="noStrike">
-                          <a:effectLst/>
-                        </a:rPr>
-                        <a:t>39.95</a:t>
-                      </a:r>
-                      <a:endParaRPr lang="en-US" sz="1100" b="0" i="0" u="none" strike="noStrike">
-                        <a:solidFill>
-                          <a:srgbClr val="000000"/>
-                        </a:solidFill>
-                        <a:effectLst/>
-                        <a:latin typeface="Liberation Sans"/>
-                      </a:endParaRPr>
-                    </a:p>
-                  </a:txBody>
-                  <a:tcPr marL="9525" marR="9525" marT="9525" marB="0" anchor="b"/>
-                </a:tc>
-                <a:tc>
-                  <a:txBody>
-                    <a:bodyPr/>
-                    <a:lstStyle/>
-                    <a:p>
-                      <a:pPr algn="l" fontAlgn="b"/>
-                      <a:endParaRPr lang="en-US" sz="1100" b="0" i="0" u="none" strike="noStrike">
-                        <a:solidFill>
-                          <a:srgbClr val="000000"/>
-                        </a:solidFill>
-                        <a:effectLst/>
-                        <a:latin typeface="Liberation Sans"/>
-                      </a:endParaRPr>
-                    </a:p>
-                  </a:txBody>
-                  <a:tcPr marL="9525" marR="9525" marT="9525" marB="0" anchor="b"/>
-                </a:tc>
-                <a:tc>
-                  <a:txBody>
-                    <a:bodyPr/>
-                    <a:lstStyle/>
-                    <a:p>
-                      <a:pPr algn="r" fontAlgn="b"/>
-                      <a:r>
-                        <a:rPr lang="en-US" sz="1100" u="none" strike="noStrike">
-                          <a:effectLst/>
-                        </a:rPr>
-                        <a:t>2</a:t>
-                      </a:r>
-                      <a:endParaRPr lang="en-US" sz="1100" b="0" i="0" u="none" strike="noStrike">
-                        <a:solidFill>
-                          <a:srgbClr val="000000"/>
-                        </a:solidFill>
-                        <a:effectLst/>
-                        <a:latin typeface="Liberation Sans"/>
-                      </a:endParaRPr>
-                    </a:p>
-                  </a:txBody>
-                  <a:tcPr marL="9525" marR="9525" marT="9525" marB="0" anchor="b"/>
-                </a:tc>
-                <a:tc>
-                  <a:txBody>
-                    <a:bodyPr/>
-                    <a:lstStyle/>
-                    <a:p>
-                      <a:pPr algn="r" fontAlgn="b"/>
-                      <a:r>
-                        <a:rPr lang="en-US" sz="1100" u="none" strike="noStrike">
-                          <a:effectLst/>
-                        </a:rPr>
-                        <a:t>79.9</a:t>
-                      </a:r>
-                      <a:endParaRPr lang="en-US" sz="1100" b="0" i="0" u="none" strike="noStrike">
-                        <a:solidFill>
-                          <a:srgbClr val="000000"/>
-                        </a:solidFill>
-                        <a:effectLst/>
-                        <a:latin typeface="Liberation Sans"/>
-                      </a:endParaRPr>
-                    </a:p>
-                  </a:txBody>
-                  <a:tcPr marL="9525" marR="9525" marT="9525" marB="0" anchor="b"/>
-                </a:tc>
-              </a:tr>
-              <a:tr h="220790">
-                <a:tc>
-                  <a:txBody>
-                    <a:bodyPr/>
-                    <a:lstStyle/>
-                    <a:p>
-                      <a:pPr algn="l" fontAlgn="b"/>
-                      <a:r>
-                        <a:rPr lang="en-US" sz="1100" u="none" strike="noStrike">
-                          <a:effectLst/>
-                        </a:rPr>
-                        <a:t>Regulator</a:t>
-                      </a:r>
-                      <a:endParaRPr lang="en-US" sz="1100" b="0" i="0" u="none" strike="noStrike">
-                        <a:solidFill>
-                          <a:srgbClr val="000000"/>
-                        </a:solidFill>
-                        <a:effectLst/>
-                        <a:latin typeface="Liberation Sans"/>
-                      </a:endParaRPr>
-                    </a:p>
-                  </a:txBody>
-                  <a:tcPr marL="9525" marR="9525" marT="9525" marB="0" anchor="b"/>
-                </a:tc>
-                <a:tc>
-                  <a:txBody>
-                    <a:bodyPr/>
-                    <a:lstStyle/>
-                    <a:p>
-                      <a:pPr algn="l" fontAlgn="b"/>
-                      <a:endParaRPr lang="en-US" sz="1100" b="0" i="0" u="none" strike="noStrike">
-                        <a:solidFill>
-                          <a:srgbClr val="000000"/>
-                        </a:solidFill>
-                        <a:effectLst/>
-                        <a:latin typeface="Liberation Sans"/>
-                      </a:endParaRPr>
-                    </a:p>
-                  </a:txBody>
-                  <a:tcPr marL="9525" marR="9525" marT="9525" marB="0" anchor="b"/>
-                </a:tc>
-                <a:tc>
-                  <a:txBody>
-                    <a:bodyPr/>
-                    <a:lstStyle/>
-                    <a:p>
-                      <a:pPr algn="l" fontAlgn="b"/>
-                      <a:r>
-                        <a:rPr lang="en-US" sz="1100" u="none" strike="noStrike">
-                          <a:effectLst/>
-                        </a:rPr>
-                        <a:t>Mouser</a:t>
-                      </a:r>
-                      <a:endParaRPr lang="en-US" sz="1100" b="0" i="0" u="none" strike="noStrike">
-                        <a:solidFill>
-                          <a:srgbClr val="000000"/>
-                        </a:solidFill>
-                        <a:effectLst/>
-                        <a:latin typeface="Liberation Sans"/>
-                      </a:endParaRPr>
-                    </a:p>
-                  </a:txBody>
-                  <a:tcPr marL="9525" marR="9525" marT="9525" marB="0" anchor="b"/>
-                </a:tc>
-                <a:tc>
-                  <a:txBody>
-                    <a:bodyPr/>
-                    <a:lstStyle/>
-                    <a:p>
-                      <a:pPr algn="r" fontAlgn="b"/>
-                      <a:r>
-                        <a:rPr lang="en-US" sz="1100" u="none" strike="noStrike">
-                          <a:effectLst/>
-                        </a:rPr>
-                        <a:t>13.23</a:t>
-                      </a:r>
-                      <a:endParaRPr lang="en-US" sz="1100" b="0" i="0" u="none" strike="noStrike">
-                        <a:solidFill>
-                          <a:srgbClr val="000000"/>
-                        </a:solidFill>
-                        <a:effectLst/>
-                        <a:latin typeface="Liberation Sans"/>
-                      </a:endParaRPr>
-                    </a:p>
-                  </a:txBody>
-                  <a:tcPr marL="9525" marR="9525" marT="9525" marB="0" anchor="b"/>
-                </a:tc>
-                <a:tc>
-                  <a:txBody>
-                    <a:bodyPr/>
-                    <a:lstStyle/>
-                    <a:p>
-                      <a:pPr algn="l" fontAlgn="b"/>
-                      <a:endParaRPr lang="en-US" sz="1100" b="0" i="0" u="none" strike="noStrike">
-                        <a:solidFill>
-                          <a:srgbClr val="000000"/>
-                        </a:solidFill>
-                        <a:effectLst/>
-                        <a:latin typeface="Liberation Sans"/>
-                      </a:endParaRPr>
-                    </a:p>
-                  </a:txBody>
-                  <a:tcPr marL="9525" marR="9525" marT="9525" marB="0" anchor="b"/>
-                </a:tc>
-                <a:tc>
-                  <a:txBody>
-                    <a:bodyPr/>
-                    <a:lstStyle/>
-                    <a:p>
-                      <a:pPr algn="r" fontAlgn="b"/>
-                      <a:r>
-                        <a:rPr lang="en-US" sz="1100" u="none" strike="noStrike">
-                          <a:effectLst/>
-                        </a:rPr>
-                        <a:t>2</a:t>
-                      </a:r>
-                      <a:endParaRPr lang="en-US" sz="1100" b="0" i="0" u="none" strike="noStrike">
-                        <a:solidFill>
-                          <a:srgbClr val="000000"/>
-                        </a:solidFill>
-                        <a:effectLst/>
-                        <a:latin typeface="Liberation Sans"/>
-                      </a:endParaRPr>
-                    </a:p>
-                  </a:txBody>
-                  <a:tcPr marL="9525" marR="9525" marT="9525" marB="0" anchor="b"/>
-                </a:tc>
-                <a:tc>
-                  <a:txBody>
-                    <a:bodyPr/>
-                    <a:lstStyle/>
-                    <a:p>
-                      <a:pPr algn="r" fontAlgn="b"/>
-                      <a:r>
-                        <a:rPr lang="en-US" sz="1100" u="none" strike="noStrike">
-                          <a:effectLst/>
-                        </a:rPr>
-                        <a:t>26.46</a:t>
-                      </a:r>
-                      <a:endParaRPr lang="en-US" sz="1100" b="0" i="0" u="none" strike="noStrike">
-                        <a:solidFill>
-                          <a:srgbClr val="000000"/>
-                        </a:solidFill>
-                        <a:effectLst/>
-                        <a:latin typeface="Liberation Sans"/>
-                      </a:endParaRPr>
-                    </a:p>
-                  </a:txBody>
-                  <a:tcPr marL="9525" marR="9525" marT="9525" marB="0" anchor="b"/>
-                </a:tc>
-              </a:tr>
-              <a:tr h="220790">
-                <a:tc>
-                  <a:txBody>
-                    <a:bodyPr/>
-                    <a:lstStyle/>
-                    <a:p>
-                      <a:pPr algn="l" fontAlgn="b"/>
-                      <a:r>
-                        <a:rPr lang="en-US" sz="1100" u="none" strike="noStrike">
-                          <a:effectLst/>
-                        </a:rPr>
-                        <a:t>Fuel Guage</a:t>
-                      </a:r>
-                      <a:endParaRPr lang="en-US" sz="1100" b="0" i="0" u="none" strike="noStrike">
-                        <a:solidFill>
-                          <a:srgbClr val="000000"/>
-                        </a:solidFill>
-                        <a:effectLst/>
-                        <a:latin typeface="Liberation Sans"/>
-                      </a:endParaRPr>
-                    </a:p>
-                  </a:txBody>
-                  <a:tcPr marL="9525" marR="9525" marT="9525" marB="0" anchor="b"/>
-                </a:tc>
-                <a:tc>
-                  <a:txBody>
-                    <a:bodyPr/>
-                    <a:lstStyle/>
-                    <a:p>
-                      <a:pPr algn="l" fontAlgn="b"/>
-                      <a:endParaRPr lang="en-US" sz="1100" b="0" i="0" u="none" strike="noStrike">
-                        <a:solidFill>
-                          <a:srgbClr val="000000"/>
-                        </a:solidFill>
-                        <a:effectLst/>
-                        <a:latin typeface="Liberation Sans"/>
-                      </a:endParaRPr>
-                    </a:p>
-                  </a:txBody>
-                  <a:tcPr marL="9525" marR="9525" marT="9525" marB="0" anchor="b"/>
-                </a:tc>
-                <a:tc>
-                  <a:txBody>
-                    <a:bodyPr/>
-                    <a:lstStyle/>
-                    <a:p>
-                      <a:pPr algn="l" fontAlgn="b"/>
-                      <a:r>
-                        <a:rPr lang="en-US" sz="1100" u="none" strike="noStrike" dirty="0">
-                          <a:effectLst/>
-                        </a:rPr>
-                        <a:t>????</a:t>
-                      </a:r>
-                      <a:endParaRPr lang="en-US" sz="1100" b="0" i="0" u="none" strike="noStrike" dirty="0">
-                        <a:solidFill>
-                          <a:srgbClr val="000000"/>
-                        </a:solidFill>
-                        <a:effectLst/>
-                        <a:latin typeface="Liberation Sans"/>
-                      </a:endParaRPr>
-                    </a:p>
-                  </a:txBody>
-                  <a:tcPr marL="9525" marR="9525" marT="9525" marB="0" anchor="b"/>
-                </a:tc>
-                <a:tc>
-                  <a:txBody>
-                    <a:bodyPr/>
-                    <a:lstStyle/>
-                    <a:p>
-                      <a:pPr algn="r" fontAlgn="b"/>
-                      <a:r>
-                        <a:rPr lang="en-US" sz="1100" u="none" strike="noStrike">
-                          <a:effectLst/>
-                        </a:rPr>
-                        <a:t>10</a:t>
-                      </a:r>
-                      <a:endParaRPr lang="en-US" sz="1100" b="0" i="0" u="none" strike="noStrike">
-                        <a:solidFill>
-                          <a:srgbClr val="000000"/>
-                        </a:solidFill>
-                        <a:effectLst/>
-                        <a:latin typeface="Liberation Sans"/>
-                      </a:endParaRPr>
-                    </a:p>
-                  </a:txBody>
-                  <a:tcPr marL="9525" marR="9525" marT="9525" marB="0" anchor="b"/>
-                </a:tc>
-                <a:tc>
-                  <a:txBody>
-                    <a:bodyPr/>
-                    <a:lstStyle/>
-                    <a:p>
-                      <a:pPr algn="l" fontAlgn="b"/>
-                      <a:endParaRPr lang="en-US" sz="1100" b="0" i="0" u="none" strike="noStrike">
-                        <a:solidFill>
-                          <a:srgbClr val="000000"/>
-                        </a:solidFill>
-                        <a:effectLst/>
-                        <a:latin typeface="Liberation Sans"/>
-                      </a:endParaRPr>
-                    </a:p>
-                  </a:txBody>
-                  <a:tcPr marL="9525" marR="9525" marT="9525" marB="0" anchor="b"/>
-                </a:tc>
-                <a:tc>
-                  <a:txBody>
-                    <a:bodyPr/>
-                    <a:lstStyle/>
-                    <a:p>
-                      <a:pPr algn="r" fontAlgn="b"/>
-                      <a:r>
-                        <a:rPr lang="en-US" sz="1100" u="none" strike="noStrike">
-                          <a:effectLst/>
-                        </a:rPr>
-                        <a:t>2</a:t>
-                      </a:r>
-                      <a:endParaRPr lang="en-US" sz="1100" b="0" i="0" u="none" strike="noStrike">
-                        <a:solidFill>
-                          <a:srgbClr val="000000"/>
-                        </a:solidFill>
-                        <a:effectLst/>
-                        <a:latin typeface="Liberation Sans"/>
-                      </a:endParaRPr>
-                    </a:p>
-                  </a:txBody>
-                  <a:tcPr marL="9525" marR="9525" marT="9525" marB="0" anchor="b"/>
-                </a:tc>
-                <a:tc>
-                  <a:txBody>
-                    <a:bodyPr/>
-                    <a:lstStyle/>
-                    <a:p>
-                      <a:pPr algn="r" fontAlgn="b"/>
-                      <a:r>
-                        <a:rPr lang="en-US" sz="1100" u="none" strike="noStrike">
-                          <a:effectLst/>
-                        </a:rPr>
-                        <a:t>20</a:t>
-                      </a:r>
-                      <a:endParaRPr lang="en-US" sz="1100" b="0" i="0" u="none" strike="noStrike">
-                        <a:solidFill>
-                          <a:srgbClr val="000000"/>
-                        </a:solidFill>
-                        <a:effectLst/>
-                        <a:latin typeface="Liberation Sans"/>
-                      </a:endParaRPr>
-                    </a:p>
-                  </a:txBody>
-                  <a:tcPr marL="9525" marR="9525" marT="9525" marB="0" anchor="b"/>
-                </a:tc>
-              </a:tr>
-              <a:tr h="220790">
-                <a:tc>
-                  <a:txBody>
-                    <a:bodyPr/>
-                    <a:lstStyle/>
-                    <a:p>
-                      <a:pPr algn="l" fontAlgn="b"/>
-                      <a:r>
-                        <a:rPr lang="en-US" sz="1100" u="none" strike="noStrike">
-                          <a:effectLst/>
-                        </a:rPr>
-                        <a:t>3D printed Box</a:t>
-                      </a:r>
-                      <a:endParaRPr lang="en-US" sz="1100" b="0" i="0" u="none" strike="noStrike">
-                        <a:solidFill>
-                          <a:srgbClr val="000000"/>
-                        </a:solidFill>
-                        <a:effectLst/>
-                        <a:latin typeface="Liberation Sans"/>
-                      </a:endParaRPr>
-                    </a:p>
-                  </a:txBody>
-                  <a:tcPr marL="9525" marR="9525" marT="9525" marB="0" anchor="b"/>
-                </a:tc>
-                <a:tc>
-                  <a:txBody>
-                    <a:bodyPr/>
-                    <a:lstStyle/>
-                    <a:p>
-                      <a:pPr algn="l" fontAlgn="b"/>
-                      <a:endParaRPr lang="en-US" sz="1100" b="0" i="0" u="none" strike="noStrike">
-                        <a:solidFill>
-                          <a:srgbClr val="000000"/>
-                        </a:solidFill>
-                        <a:effectLst/>
-                        <a:latin typeface="Liberation Sans"/>
-                      </a:endParaRPr>
-                    </a:p>
-                  </a:txBody>
-                  <a:tcPr marL="9525" marR="9525" marT="9525" marB="0" anchor="b"/>
-                </a:tc>
-                <a:tc>
-                  <a:txBody>
-                    <a:bodyPr/>
-                    <a:lstStyle/>
-                    <a:p>
-                      <a:pPr algn="l" fontAlgn="b"/>
-                      <a:r>
-                        <a:rPr lang="en-US" sz="1100" u="none" strike="noStrike">
-                          <a:effectLst/>
-                        </a:rPr>
-                        <a:t>????</a:t>
-                      </a:r>
-                      <a:endParaRPr lang="en-US" sz="1100" b="0" i="0" u="none" strike="noStrike">
-                        <a:solidFill>
-                          <a:srgbClr val="000000"/>
-                        </a:solidFill>
-                        <a:effectLst/>
-                        <a:latin typeface="Liberation Sans"/>
-                      </a:endParaRPr>
-                    </a:p>
-                  </a:txBody>
-                  <a:tcPr marL="9525" marR="9525" marT="9525" marB="0" anchor="b"/>
-                </a:tc>
-                <a:tc>
-                  <a:txBody>
-                    <a:bodyPr/>
-                    <a:lstStyle/>
-                    <a:p>
-                      <a:pPr algn="r" fontAlgn="b"/>
-                      <a:r>
-                        <a:rPr lang="en-US" sz="1100" u="none" strike="noStrike">
-                          <a:effectLst/>
-                        </a:rPr>
-                        <a:t>40</a:t>
-                      </a:r>
-                      <a:endParaRPr lang="en-US" sz="1100" b="0" i="0" u="none" strike="noStrike">
-                        <a:solidFill>
-                          <a:srgbClr val="000000"/>
-                        </a:solidFill>
-                        <a:effectLst/>
-                        <a:latin typeface="Liberation Sans"/>
-                      </a:endParaRPr>
-                    </a:p>
-                  </a:txBody>
-                  <a:tcPr marL="9525" marR="9525" marT="9525" marB="0" anchor="b"/>
-                </a:tc>
-                <a:tc>
-                  <a:txBody>
-                    <a:bodyPr/>
-                    <a:lstStyle/>
-                    <a:p>
-                      <a:pPr algn="l" fontAlgn="b"/>
-                      <a:endParaRPr lang="en-US" sz="1100" b="0" i="0" u="none" strike="noStrike">
-                        <a:solidFill>
-                          <a:srgbClr val="000000"/>
-                        </a:solidFill>
-                        <a:effectLst/>
-                        <a:latin typeface="Liberation Sans"/>
-                      </a:endParaRPr>
-                    </a:p>
-                  </a:txBody>
-                  <a:tcPr marL="9525" marR="9525" marT="9525" marB="0" anchor="b"/>
-                </a:tc>
-                <a:tc>
-                  <a:txBody>
-                    <a:bodyPr/>
-                    <a:lstStyle/>
-                    <a:p>
-                      <a:pPr algn="r" fontAlgn="b"/>
-                      <a:r>
-                        <a:rPr lang="en-US" sz="1100" u="none" strike="noStrike">
-                          <a:effectLst/>
-                        </a:rPr>
-                        <a:t>2</a:t>
-                      </a:r>
-                      <a:endParaRPr lang="en-US" sz="1100" b="0" i="0" u="none" strike="noStrike">
-                        <a:solidFill>
-                          <a:srgbClr val="000000"/>
-                        </a:solidFill>
-                        <a:effectLst/>
-                        <a:latin typeface="Liberation Sans"/>
-                      </a:endParaRPr>
-                    </a:p>
-                  </a:txBody>
-                  <a:tcPr marL="9525" marR="9525" marT="9525" marB="0" anchor="b"/>
-                </a:tc>
-                <a:tc>
-                  <a:txBody>
-                    <a:bodyPr/>
-                    <a:lstStyle/>
-                    <a:p>
-                      <a:pPr algn="r" fontAlgn="b"/>
-                      <a:r>
-                        <a:rPr lang="en-US" sz="1100" u="none" strike="noStrike">
-                          <a:effectLst/>
-                        </a:rPr>
-                        <a:t>80</a:t>
-                      </a:r>
-                      <a:endParaRPr lang="en-US" sz="1100" b="0" i="0" u="none" strike="noStrike">
-                        <a:solidFill>
-                          <a:srgbClr val="000000"/>
-                        </a:solidFill>
-                        <a:effectLst/>
-                        <a:latin typeface="Liberation Sans"/>
-                      </a:endParaRPr>
-                    </a:p>
-                  </a:txBody>
-                  <a:tcPr marL="9525" marR="9525" marT="9525" marB="0" anchor="b"/>
-                </a:tc>
-              </a:tr>
-              <a:tr h="220790">
-                <a:tc>
-                  <a:txBody>
-                    <a:bodyPr/>
-                    <a:lstStyle/>
-                    <a:p>
-                      <a:pPr algn="l" fontAlgn="b"/>
-                      <a:r>
-                        <a:rPr lang="en-US" sz="1100" u="none" strike="noStrike">
-                          <a:effectLst/>
-                        </a:rPr>
-                        <a:t>Backpack</a:t>
-                      </a:r>
-                      <a:endParaRPr lang="en-US" sz="1100" b="0" i="0" u="none" strike="noStrike">
-                        <a:solidFill>
-                          <a:srgbClr val="000000"/>
-                        </a:solidFill>
-                        <a:effectLst/>
-                        <a:latin typeface="Liberation Sans"/>
-                      </a:endParaRPr>
-                    </a:p>
-                  </a:txBody>
-                  <a:tcPr marL="9525" marR="9525" marT="9525" marB="0" anchor="b"/>
-                </a:tc>
-                <a:tc>
-                  <a:txBody>
-                    <a:bodyPr/>
-                    <a:lstStyle/>
-                    <a:p>
-                      <a:pPr algn="l" fontAlgn="b"/>
-                      <a:endParaRPr lang="en-US" sz="1100" b="0" i="0" u="none" strike="noStrike">
-                        <a:solidFill>
-                          <a:srgbClr val="000000"/>
-                        </a:solidFill>
-                        <a:effectLst/>
-                        <a:latin typeface="Liberation Sans"/>
-                      </a:endParaRPr>
-                    </a:p>
-                  </a:txBody>
-                  <a:tcPr marL="9525" marR="9525" marT="9525" marB="0" anchor="b"/>
-                </a:tc>
-                <a:tc>
-                  <a:txBody>
-                    <a:bodyPr/>
-                    <a:lstStyle/>
-                    <a:p>
-                      <a:pPr algn="l" fontAlgn="b"/>
-                      <a:r>
-                        <a:rPr lang="en-US" sz="1100" u="none" strike="noStrike">
-                          <a:effectLst/>
-                        </a:rPr>
-                        <a:t>????</a:t>
-                      </a:r>
-                      <a:endParaRPr lang="en-US" sz="1100" b="0" i="0" u="none" strike="noStrike">
-                        <a:solidFill>
-                          <a:srgbClr val="000000"/>
-                        </a:solidFill>
-                        <a:effectLst/>
-                        <a:latin typeface="Liberation Sans"/>
-                      </a:endParaRPr>
-                    </a:p>
-                  </a:txBody>
-                  <a:tcPr marL="9525" marR="9525" marT="9525" marB="0" anchor="b"/>
-                </a:tc>
-                <a:tc>
-                  <a:txBody>
-                    <a:bodyPr/>
-                    <a:lstStyle/>
-                    <a:p>
-                      <a:pPr algn="r" fontAlgn="b"/>
-                      <a:r>
-                        <a:rPr lang="en-US" sz="1100" u="none" strike="noStrike">
-                          <a:effectLst/>
-                        </a:rPr>
-                        <a:t>10</a:t>
-                      </a:r>
-                      <a:endParaRPr lang="en-US" sz="1100" b="0" i="0" u="none" strike="noStrike">
-                        <a:solidFill>
-                          <a:srgbClr val="000000"/>
-                        </a:solidFill>
-                        <a:effectLst/>
-                        <a:latin typeface="Liberation Sans"/>
-                      </a:endParaRPr>
-                    </a:p>
-                  </a:txBody>
-                  <a:tcPr marL="9525" marR="9525" marT="9525" marB="0" anchor="b"/>
-                </a:tc>
-                <a:tc>
-                  <a:txBody>
-                    <a:bodyPr/>
-                    <a:lstStyle/>
-                    <a:p>
-                      <a:pPr algn="l" fontAlgn="b"/>
-                      <a:endParaRPr lang="en-US" sz="1100" b="0" i="0" u="none" strike="noStrike">
-                        <a:solidFill>
-                          <a:srgbClr val="000000"/>
-                        </a:solidFill>
-                        <a:effectLst/>
-                        <a:latin typeface="Liberation Sans"/>
-                      </a:endParaRPr>
-                    </a:p>
-                  </a:txBody>
-                  <a:tcPr marL="9525" marR="9525" marT="9525" marB="0" anchor="b"/>
-                </a:tc>
-                <a:tc>
-                  <a:txBody>
-                    <a:bodyPr/>
-                    <a:lstStyle/>
-                    <a:p>
-                      <a:pPr algn="r" fontAlgn="b"/>
-                      <a:r>
-                        <a:rPr lang="en-US" sz="1100" u="none" strike="noStrike">
-                          <a:effectLst/>
-                        </a:rPr>
-                        <a:t>2</a:t>
-                      </a:r>
-                      <a:endParaRPr lang="en-US" sz="1100" b="0" i="0" u="none" strike="noStrike">
-                        <a:solidFill>
-                          <a:srgbClr val="000000"/>
-                        </a:solidFill>
-                        <a:effectLst/>
-                        <a:latin typeface="Liberation Sans"/>
-                      </a:endParaRPr>
-                    </a:p>
-                  </a:txBody>
-                  <a:tcPr marL="9525" marR="9525" marT="9525" marB="0" anchor="b"/>
-                </a:tc>
-                <a:tc>
-                  <a:txBody>
-                    <a:bodyPr/>
-                    <a:lstStyle/>
-                    <a:p>
-                      <a:pPr algn="r" fontAlgn="b"/>
-                      <a:r>
-                        <a:rPr lang="en-US" sz="1100" u="none" strike="noStrike">
-                          <a:effectLst/>
-                        </a:rPr>
-                        <a:t>20</a:t>
-                      </a:r>
-                      <a:endParaRPr lang="en-US" sz="1100" b="0" i="0" u="none" strike="noStrike">
-                        <a:solidFill>
-                          <a:srgbClr val="000000"/>
-                        </a:solidFill>
-                        <a:effectLst/>
-                        <a:latin typeface="Liberation Sans"/>
-                      </a:endParaRPr>
-                    </a:p>
-                  </a:txBody>
-                  <a:tcPr marL="9525" marR="9525" marT="9525" marB="0" anchor="b"/>
-                </a:tc>
-              </a:tr>
-              <a:tr h="220790">
-                <a:tc>
-                  <a:txBody>
-                    <a:bodyPr/>
-                    <a:lstStyle/>
-                    <a:p>
-                      <a:pPr algn="l" fontAlgn="b"/>
-                      <a:r>
-                        <a:rPr lang="en-US" sz="1100" u="none" strike="noStrike">
-                          <a:effectLst/>
-                        </a:rPr>
-                        <a:t>Packaging</a:t>
-                      </a:r>
-                      <a:endParaRPr lang="en-US" sz="1100" b="0" i="0" u="none" strike="noStrike">
-                        <a:solidFill>
-                          <a:srgbClr val="000000"/>
-                        </a:solidFill>
-                        <a:effectLst/>
-                        <a:latin typeface="Liberation Sans"/>
-                      </a:endParaRPr>
-                    </a:p>
-                  </a:txBody>
-                  <a:tcPr marL="9525" marR="9525" marT="9525" marB="0" anchor="b"/>
-                </a:tc>
-                <a:tc>
-                  <a:txBody>
-                    <a:bodyPr/>
-                    <a:lstStyle/>
-                    <a:p>
-                      <a:pPr algn="l" fontAlgn="b"/>
-                      <a:endParaRPr lang="en-US" sz="1100" b="0" i="0" u="none" strike="noStrike">
-                        <a:solidFill>
-                          <a:srgbClr val="000000"/>
-                        </a:solidFill>
-                        <a:effectLst/>
-                        <a:latin typeface="Liberation Sans"/>
-                      </a:endParaRPr>
-                    </a:p>
-                  </a:txBody>
-                  <a:tcPr marL="9525" marR="9525" marT="9525" marB="0" anchor="b"/>
-                </a:tc>
-                <a:tc>
-                  <a:txBody>
-                    <a:bodyPr/>
-                    <a:lstStyle/>
-                    <a:p>
-                      <a:pPr algn="l" fontAlgn="b"/>
-                      <a:r>
-                        <a:rPr lang="en-US" sz="1100" u="none" strike="noStrike">
-                          <a:effectLst/>
-                        </a:rPr>
-                        <a:t>????</a:t>
-                      </a:r>
-                      <a:endParaRPr lang="en-US" sz="1100" b="0" i="0" u="none" strike="noStrike">
-                        <a:solidFill>
-                          <a:srgbClr val="000000"/>
-                        </a:solidFill>
-                        <a:effectLst/>
-                        <a:latin typeface="Liberation Sans"/>
-                      </a:endParaRPr>
-                    </a:p>
-                  </a:txBody>
-                  <a:tcPr marL="9525" marR="9525" marT="9525" marB="0" anchor="b"/>
-                </a:tc>
-                <a:tc>
-                  <a:txBody>
-                    <a:bodyPr/>
-                    <a:lstStyle/>
-                    <a:p>
-                      <a:pPr algn="r" fontAlgn="b"/>
-                      <a:r>
-                        <a:rPr lang="en-US" sz="1100" u="none" strike="noStrike">
-                          <a:effectLst/>
-                        </a:rPr>
-                        <a:t>50</a:t>
-                      </a:r>
-                      <a:endParaRPr lang="en-US" sz="1100" b="0" i="0" u="none" strike="noStrike">
-                        <a:solidFill>
-                          <a:srgbClr val="000000"/>
-                        </a:solidFill>
-                        <a:effectLst/>
-                        <a:latin typeface="Liberation Sans"/>
-                      </a:endParaRPr>
-                    </a:p>
-                  </a:txBody>
-                  <a:tcPr marL="9525" marR="9525" marT="9525" marB="0" anchor="b"/>
-                </a:tc>
-                <a:tc>
-                  <a:txBody>
-                    <a:bodyPr/>
-                    <a:lstStyle/>
-                    <a:p>
-                      <a:pPr algn="l" fontAlgn="b"/>
-                      <a:endParaRPr lang="en-US" sz="1100" b="0" i="0" u="none" strike="noStrike">
-                        <a:solidFill>
-                          <a:srgbClr val="000000"/>
-                        </a:solidFill>
-                        <a:effectLst/>
-                        <a:latin typeface="Liberation Sans"/>
-                      </a:endParaRPr>
-                    </a:p>
-                  </a:txBody>
-                  <a:tcPr marL="9525" marR="9525" marT="9525" marB="0" anchor="b"/>
-                </a:tc>
-                <a:tc>
-                  <a:txBody>
-                    <a:bodyPr/>
-                    <a:lstStyle/>
-                    <a:p>
-                      <a:pPr algn="r" fontAlgn="b"/>
-                      <a:r>
-                        <a:rPr lang="en-US" sz="1100" u="none" strike="noStrike">
-                          <a:effectLst/>
-                        </a:rPr>
-                        <a:t>2</a:t>
-                      </a:r>
-                      <a:endParaRPr lang="en-US" sz="1100" b="0" i="0" u="none" strike="noStrike">
-                        <a:solidFill>
-                          <a:srgbClr val="000000"/>
-                        </a:solidFill>
-                        <a:effectLst/>
-                        <a:latin typeface="Liberation Sans"/>
-                      </a:endParaRPr>
-                    </a:p>
-                  </a:txBody>
-                  <a:tcPr marL="9525" marR="9525" marT="9525" marB="0" anchor="b"/>
-                </a:tc>
-                <a:tc>
-                  <a:txBody>
-                    <a:bodyPr/>
-                    <a:lstStyle/>
-                    <a:p>
-                      <a:pPr algn="r" fontAlgn="b"/>
-                      <a:r>
-                        <a:rPr lang="en-US" sz="1100" u="none" strike="noStrike">
-                          <a:effectLst/>
-                        </a:rPr>
-                        <a:t>100</a:t>
-                      </a:r>
-                      <a:endParaRPr lang="en-US" sz="1100" b="0" i="0" u="none" strike="noStrike">
-                        <a:solidFill>
-                          <a:srgbClr val="000000"/>
-                        </a:solidFill>
-                        <a:effectLst/>
-                        <a:latin typeface="Liberation Sans"/>
-                      </a:endParaRPr>
-                    </a:p>
-                  </a:txBody>
-                  <a:tcPr marL="9525" marR="9525" marT="9525" marB="0" anchor="b"/>
-                </a:tc>
-              </a:tr>
-              <a:tr h="220790">
-                <a:tc>
-                  <a:txBody>
-                    <a:bodyPr/>
-                    <a:lstStyle/>
-                    <a:p>
-                      <a:pPr algn="l" fontAlgn="b"/>
-                      <a:endParaRPr lang="en-US" sz="1100" b="0" i="0" u="none" strike="noStrike">
-                        <a:solidFill>
-                          <a:srgbClr val="000000"/>
-                        </a:solidFill>
-                        <a:effectLst/>
-                        <a:latin typeface="Liberation Sans"/>
-                      </a:endParaRPr>
-                    </a:p>
-                  </a:txBody>
-                  <a:tcPr marL="9525" marR="9525" marT="9525" marB="0" anchor="b"/>
-                </a:tc>
-                <a:tc>
-                  <a:txBody>
-                    <a:bodyPr/>
-                    <a:lstStyle/>
-                    <a:p>
-                      <a:pPr algn="l" fontAlgn="b"/>
-                      <a:endParaRPr lang="en-US" sz="1100" b="0" i="0" u="none" strike="noStrike">
-                        <a:solidFill>
-                          <a:srgbClr val="000000"/>
-                        </a:solidFill>
-                        <a:effectLst/>
-                        <a:latin typeface="Liberation Sans"/>
-                      </a:endParaRPr>
-                    </a:p>
-                  </a:txBody>
-                  <a:tcPr marL="9525" marR="9525" marT="9525" marB="0" anchor="b"/>
-                </a:tc>
-                <a:tc>
-                  <a:txBody>
-                    <a:bodyPr/>
-                    <a:lstStyle/>
-                    <a:p>
-                      <a:pPr algn="l" fontAlgn="b"/>
-                      <a:endParaRPr lang="en-US" sz="1100" b="0" i="0" u="none" strike="noStrike">
-                        <a:solidFill>
-                          <a:srgbClr val="000000"/>
-                        </a:solidFill>
-                        <a:effectLst/>
-                        <a:latin typeface="Liberation Sans"/>
-                      </a:endParaRPr>
-                    </a:p>
-                  </a:txBody>
-                  <a:tcPr marL="9525" marR="9525" marT="9525" marB="0" anchor="b"/>
-                </a:tc>
-                <a:tc>
-                  <a:txBody>
-                    <a:bodyPr/>
-                    <a:lstStyle/>
-                    <a:p>
-                      <a:pPr algn="l" fontAlgn="b"/>
-                      <a:endParaRPr lang="en-US" sz="1100" b="0" i="0" u="none" strike="noStrike">
-                        <a:solidFill>
-                          <a:srgbClr val="000000"/>
-                        </a:solidFill>
-                        <a:effectLst/>
-                        <a:latin typeface="Liberation Sans"/>
-                      </a:endParaRPr>
-                    </a:p>
-                  </a:txBody>
-                  <a:tcPr marL="9525" marR="9525" marT="9525" marB="0" anchor="b"/>
-                </a:tc>
-                <a:tc>
-                  <a:txBody>
-                    <a:bodyPr/>
-                    <a:lstStyle/>
-                    <a:p>
-                      <a:pPr algn="l" fontAlgn="b"/>
-                      <a:endParaRPr lang="en-US" sz="1100" b="0" i="0" u="none" strike="noStrike">
-                        <a:solidFill>
-                          <a:srgbClr val="000000"/>
-                        </a:solidFill>
-                        <a:effectLst/>
-                        <a:latin typeface="Liberation Sans"/>
-                      </a:endParaRPr>
-                    </a:p>
-                  </a:txBody>
-                  <a:tcPr marL="9525" marR="9525" marT="9525" marB="0" anchor="b"/>
-                </a:tc>
-                <a:tc>
-                  <a:txBody>
-                    <a:bodyPr/>
-                    <a:lstStyle/>
-                    <a:p>
-                      <a:pPr algn="l" fontAlgn="b"/>
-                      <a:endParaRPr lang="en-US" sz="1100" b="0" i="0" u="none" strike="noStrike">
-                        <a:solidFill>
-                          <a:srgbClr val="000000"/>
-                        </a:solidFill>
-                        <a:effectLst/>
-                        <a:latin typeface="Liberation Sans"/>
-                      </a:endParaRPr>
-                    </a:p>
-                  </a:txBody>
-                  <a:tcPr marL="9525" marR="9525" marT="9525" marB="0" anchor="b"/>
-                </a:tc>
-                <a:tc>
-                  <a:txBody>
-                    <a:bodyPr/>
-                    <a:lstStyle/>
-                    <a:p>
-                      <a:pPr algn="l" fontAlgn="b"/>
-                      <a:endParaRPr lang="en-US" sz="1100" b="0" i="0" u="none" strike="noStrike">
-                        <a:solidFill>
-                          <a:srgbClr val="000000"/>
-                        </a:solidFill>
-                        <a:effectLst/>
-                        <a:latin typeface="Liberation Sans"/>
-                      </a:endParaRPr>
-                    </a:p>
-                  </a:txBody>
-                  <a:tcPr marL="9525" marR="9525" marT="9525" marB="0" anchor="b"/>
-                </a:tc>
-              </a:tr>
-              <a:tr h="220790">
-                <a:tc>
-                  <a:txBody>
-                    <a:bodyPr/>
-                    <a:lstStyle/>
-                    <a:p>
-                      <a:pPr algn="l" fontAlgn="b"/>
-                      <a:endParaRPr lang="en-US" sz="1100" b="0" i="0" u="none" strike="noStrike">
-                        <a:solidFill>
-                          <a:srgbClr val="000000"/>
-                        </a:solidFill>
-                        <a:effectLst/>
-                        <a:latin typeface="Liberation Sans"/>
-                      </a:endParaRPr>
-                    </a:p>
-                  </a:txBody>
-                  <a:tcPr marL="9525" marR="9525" marT="9525" marB="0" anchor="b"/>
-                </a:tc>
-                <a:tc>
-                  <a:txBody>
-                    <a:bodyPr/>
-                    <a:lstStyle/>
-                    <a:p>
-                      <a:pPr algn="l" fontAlgn="b"/>
-                      <a:endParaRPr lang="en-US" sz="1100" b="0" i="0" u="none" strike="noStrike">
-                        <a:solidFill>
-                          <a:srgbClr val="000000"/>
-                        </a:solidFill>
-                        <a:effectLst/>
-                        <a:latin typeface="Liberation Sans"/>
-                      </a:endParaRPr>
-                    </a:p>
-                  </a:txBody>
-                  <a:tcPr marL="9525" marR="9525" marT="9525" marB="0" anchor="b"/>
-                </a:tc>
-                <a:tc>
-                  <a:txBody>
-                    <a:bodyPr/>
-                    <a:lstStyle/>
-                    <a:p>
-                      <a:pPr algn="l" fontAlgn="b"/>
-                      <a:endParaRPr lang="en-US" sz="1100" b="0" i="0" u="none" strike="noStrike">
-                        <a:solidFill>
-                          <a:srgbClr val="000000"/>
-                        </a:solidFill>
-                        <a:effectLst/>
-                        <a:latin typeface="Liberation Sans"/>
-                      </a:endParaRPr>
-                    </a:p>
-                  </a:txBody>
-                  <a:tcPr marL="9525" marR="9525" marT="9525" marB="0" anchor="b"/>
-                </a:tc>
-                <a:tc>
-                  <a:txBody>
-                    <a:bodyPr/>
-                    <a:lstStyle/>
-                    <a:p>
-                      <a:pPr algn="l" fontAlgn="b"/>
-                      <a:endParaRPr lang="en-US" sz="1100" b="0" i="0" u="none" strike="noStrike">
-                        <a:solidFill>
-                          <a:srgbClr val="000000"/>
-                        </a:solidFill>
-                        <a:effectLst/>
-                        <a:latin typeface="Liberation Sans"/>
-                      </a:endParaRPr>
-                    </a:p>
-                  </a:txBody>
-                  <a:tcPr marL="9525" marR="9525" marT="9525" marB="0" anchor="b"/>
-                </a:tc>
-                <a:tc>
-                  <a:txBody>
-                    <a:bodyPr/>
-                    <a:lstStyle/>
-                    <a:p>
-                      <a:pPr algn="l" fontAlgn="b"/>
-                      <a:endParaRPr lang="en-US" sz="1100" b="0" i="0" u="none" strike="noStrike">
-                        <a:solidFill>
-                          <a:srgbClr val="000000"/>
-                        </a:solidFill>
-                        <a:effectLst/>
-                        <a:latin typeface="Liberation Sans"/>
-                      </a:endParaRPr>
-                    </a:p>
-                  </a:txBody>
-                  <a:tcPr marL="9525" marR="9525" marT="9525" marB="0" anchor="b"/>
-                </a:tc>
-                <a:tc>
-                  <a:txBody>
-                    <a:bodyPr/>
-                    <a:lstStyle/>
-                    <a:p>
-                      <a:pPr algn="l" fontAlgn="b"/>
-                      <a:endParaRPr lang="en-US" sz="1100" b="0" i="0" u="none" strike="noStrike">
-                        <a:solidFill>
-                          <a:srgbClr val="000000"/>
-                        </a:solidFill>
-                        <a:effectLst/>
-                        <a:latin typeface="Liberation Sans"/>
-                      </a:endParaRPr>
-                    </a:p>
-                  </a:txBody>
-                  <a:tcPr marL="9525" marR="9525" marT="9525" marB="0" anchor="b"/>
-                </a:tc>
-                <a:tc>
-                  <a:txBody>
-                    <a:bodyPr/>
-                    <a:lstStyle/>
-                    <a:p>
-                      <a:pPr algn="l" fontAlgn="b"/>
-                      <a:endParaRPr lang="en-US" sz="1100" b="0" i="0" u="none" strike="noStrike">
-                        <a:solidFill>
-                          <a:srgbClr val="000000"/>
-                        </a:solidFill>
-                        <a:effectLst/>
-                        <a:latin typeface="Liberation Sans"/>
-                      </a:endParaRPr>
-                    </a:p>
-                  </a:txBody>
-                  <a:tcPr marL="9525" marR="9525" marT="9525" marB="0" anchor="b"/>
-                </a:tc>
-              </a:tr>
-              <a:tr h="220790">
-                <a:tc>
-                  <a:txBody>
-                    <a:bodyPr/>
-                    <a:lstStyle/>
-                    <a:p>
-                      <a:pPr algn="l" fontAlgn="b"/>
-                      <a:endParaRPr lang="en-US" sz="1100" b="0" i="0" u="none" strike="noStrike">
-                        <a:solidFill>
-                          <a:srgbClr val="000000"/>
-                        </a:solidFill>
-                        <a:effectLst/>
-                        <a:latin typeface="Liberation Sans"/>
-                      </a:endParaRPr>
-                    </a:p>
-                  </a:txBody>
-                  <a:tcPr marL="9525" marR="9525" marT="9525" marB="0" anchor="b"/>
-                </a:tc>
-                <a:tc>
-                  <a:txBody>
-                    <a:bodyPr/>
-                    <a:lstStyle/>
-                    <a:p>
-                      <a:pPr algn="l" fontAlgn="b"/>
-                      <a:endParaRPr lang="en-US" sz="1100" b="0" i="0" u="none" strike="noStrike">
-                        <a:solidFill>
-                          <a:srgbClr val="000000"/>
-                        </a:solidFill>
-                        <a:effectLst/>
-                        <a:latin typeface="Liberation Sans"/>
-                      </a:endParaRPr>
-                    </a:p>
-                  </a:txBody>
-                  <a:tcPr marL="9525" marR="9525" marT="9525" marB="0" anchor="b"/>
-                </a:tc>
-                <a:tc>
-                  <a:txBody>
-                    <a:bodyPr/>
-                    <a:lstStyle/>
-                    <a:p>
-                      <a:pPr algn="l" fontAlgn="b"/>
-                      <a:endParaRPr lang="en-US" sz="1100" b="0" i="0" u="none" strike="noStrike">
-                        <a:solidFill>
-                          <a:srgbClr val="000000"/>
-                        </a:solidFill>
-                        <a:effectLst/>
-                        <a:latin typeface="Liberation Sans"/>
-                      </a:endParaRPr>
-                    </a:p>
-                  </a:txBody>
-                  <a:tcPr marL="9525" marR="9525" marT="9525" marB="0" anchor="b"/>
-                </a:tc>
-                <a:tc>
-                  <a:txBody>
-                    <a:bodyPr/>
-                    <a:lstStyle/>
-                    <a:p>
-                      <a:pPr algn="l" fontAlgn="b"/>
-                      <a:endParaRPr lang="en-US" sz="1100" b="0" i="0" u="none" strike="noStrike">
-                        <a:solidFill>
-                          <a:srgbClr val="000000"/>
-                        </a:solidFill>
-                        <a:effectLst/>
-                        <a:latin typeface="Liberation Sans"/>
-                      </a:endParaRPr>
-                    </a:p>
-                  </a:txBody>
-                  <a:tcPr marL="9525" marR="9525" marT="9525" marB="0" anchor="b"/>
-                </a:tc>
-                <a:tc>
-                  <a:txBody>
-                    <a:bodyPr/>
-                    <a:lstStyle/>
-                    <a:p>
-                      <a:pPr algn="l" fontAlgn="b"/>
-                      <a:endParaRPr lang="en-US" sz="1100" b="0" i="0" u="none" strike="noStrike">
-                        <a:solidFill>
-                          <a:srgbClr val="000000"/>
-                        </a:solidFill>
-                        <a:effectLst/>
-                        <a:latin typeface="Liberation Sans"/>
-                      </a:endParaRPr>
-                    </a:p>
-                  </a:txBody>
-                  <a:tcPr marL="9525" marR="9525" marT="9525" marB="0" anchor="b"/>
-                </a:tc>
-                <a:tc>
-                  <a:txBody>
-                    <a:bodyPr/>
-                    <a:lstStyle/>
-                    <a:p>
-                      <a:pPr algn="l" fontAlgn="b"/>
-                      <a:endParaRPr lang="en-US" sz="1100" b="0" i="0" u="none" strike="noStrike">
-                        <a:solidFill>
-                          <a:srgbClr val="000000"/>
-                        </a:solidFill>
-                        <a:effectLst/>
-                        <a:latin typeface="Liberation Sans"/>
-                      </a:endParaRPr>
-                    </a:p>
-                  </a:txBody>
-                  <a:tcPr marL="9525" marR="9525" marT="9525" marB="0" anchor="b"/>
-                </a:tc>
-                <a:tc>
-                  <a:txBody>
-                    <a:bodyPr/>
-                    <a:lstStyle/>
-                    <a:p>
-                      <a:pPr algn="l" fontAlgn="b"/>
-                      <a:endParaRPr lang="en-US" sz="1100" b="0" i="0" u="none" strike="noStrike">
-                        <a:solidFill>
-                          <a:srgbClr val="000000"/>
-                        </a:solidFill>
-                        <a:effectLst/>
-                        <a:latin typeface="Liberation Sans"/>
-                      </a:endParaRPr>
-                    </a:p>
-                  </a:txBody>
-                  <a:tcPr marL="9525" marR="9525" marT="9525" marB="0" anchor="b"/>
-                </a:tc>
-              </a:tr>
-              <a:tr h="220790">
-                <a:tc>
-                  <a:txBody>
-                    <a:bodyPr/>
-                    <a:lstStyle/>
-                    <a:p>
-                      <a:pPr algn="l" fontAlgn="b"/>
-                      <a:endParaRPr lang="en-US" sz="1100" b="0" i="0" u="none" strike="noStrike">
-                        <a:solidFill>
-                          <a:srgbClr val="000000"/>
-                        </a:solidFill>
-                        <a:effectLst/>
-                        <a:latin typeface="Liberation Sans"/>
-                      </a:endParaRPr>
-                    </a:p>
-                  </a:txBody>
-                  <a:tcPr marL="9525" marR="9525" marT="9525" marB="0" anchor="b"/>
-                </a:tc>
-                <a:tc>
-                  <a:txBody>
-                    <a:bodyPr/>
-                    <a:lstStyle/>
-                    <a:p>
-                      <a:pPr algn="l" fontAlgn="b"/>
-                      <a:endParaRPr lang="en-US" sz="1100" b="0" i="0" u="none" strike="noStrike">
-                        <a:solidFill>
-                          <a:srgbClr val="000000"/>
-                        </a:solidFill>
-                        <a:effectLst/>
-                        <a:latin typeface="Liberation Sans"/>
-                      </a:endParaRPr>
-                    </a:p>
-                  </a:txBody>
-                  <a:tcPr marL="9525" marR="9525" marT="9525" marB="0" anchor="b"/>
-                </a:tc>
-                <a:tc>
-                  <a:txBody>
-                    <a:bodyPr/>
-                    <a:lstStyle/>
-                    <a:p>
-                      <a:pPr algn="l" fontAlgn="b"/>
-                      <a:endParaRPr lang="en-US" sz="1100" b="0" i="0" u="none" strike="noStrike">
-                        <a:solidFill>
-                          <a:srgbClr val="000000"/>
-                        </a:solidFill>
-                        <a:effectLst/>
-                        <a:latin typeface="Liberation Sans"/>
-                      </a:endParaRPr>
-                    </a:p>
-                  </a:txBody>
-                  <a:tcPr marL="9525" marR="9525" marT="9525" marB="0" anchor="b"/>
-                </a:tc>
-                <a:tc>
-                  <a:txBody>
-                    <a:bodyPr/>
-                    <a:lstStyle/>
-                    <a:p>
-                      <a:pPr algn="l" fontAlgn="b"/>
-                      <a:endParaRPr lang="en-US" sz="1100" b="0" i="0" u="none" strike="noStrike">
-                        <a:solidFill>
-                          <a:srgbClr val="000000"/>
-                        </a:solidFill>
-                        <a:effectLst/>
-                        <a:latin typeface="Liberation Sans"/>
-                      </a:endParaRPr>
-                    </a:p>
-                  </a:txBody>
-                  <a:tcPr marL="9525" marR="9525" marT="9525" marB="0" anchor="b"/>
-                </a:tc>
-                <a:tc>
-                  <a:txBody>
-                    <a:bodyPr/>
-                    <a:lstStyle/>
-                    <a:p>
-                      <a:pPr algn="l" fontAlgn="b"/>
-                      <a:endParaRPr lang="en-US" sz="1100" b="0" i="0" u="none" strike="noStrike">
-                        <a:solidFill>
-                          <a:srgbClr val="000000"/>
-                        </a:solidFill>
-                        <a:effectLst/>
-                        <a:latin typeface="Liberation Sans"/>
-                      </a:endParaRPr>
-                    </a:p>
-                  </a:txBody>
-                  <a:tcPr marL="9525" marR="9525" marT="9525" marB="0" anchor="b"/>
-                </a:tc>
-                <a:tc>
-                  <a:txBody>
-                    <a:bodyPr/>
-                    <a:lstStyle/>
-                    <a:p>
-                      <a:pPr algn="l" fontAlgn="b"/>
-                      <a:endParaRPr lang="en-US" sz="1100" b="0" i="0" u="none" strike="noStrike">
-                        <a:solidFill>
-                          <a:srgbClr val="000000"/>
-                        </a:solidFill>
-                        <a:effectLst/>
-                        <a:latin typeface="Liberation Sans"/>
-                      </a:endParaRPr>
-                    </a:p>
-                  </a:txBody>
-                  <a:tcPr marL="9525" marR="9525" marT="9525" marB="0" anchor="b"/>
-                </a:tc>
-                <a:tc>
-                  <a:txBody>
-                    <a:bodyPr/>
-                    <a:lstStyle/>
-                    <a:p>
-                      <a:pPr algn="l" fontAlgn="b"/>
-                      <a:endParaRPr lang="en-US" sz="1100" b="0" i="0" u="none" strike="noStrike">
-                        <a:solidFill>
-                          <a:srgbClr val="000000"/>
-                        </a:solidFill>
-                        <a:effectLst/>
-                        <a:latin typeface="Liberation Sans"/>
-                      </a:endParaRPr>
-                    </a:p>
-                  </a:txBody>
-                  <a:tcPr marL="9525" marR="9525" marT="9525" marB="0" anchor="b"/>
-                </a:tc>
-              </a:tr>
-              <a:tr h="220790">
-                <a:tc>
-                  <a:txBody>
-                    <a:bodyPr/>
-                    <a:lstStyle/>
-                    <a:p>
-                      <a:pPr algn="l" fontAlgn="b"/>
-                      <a:r>
-                        <a:rPr lang="en-US" sz="1100" u="none" strike="noStrike">
-                          <a:effectLst/>
-                        </a:rPr>
-                        <a:t>Total</a:t>
-                      </a:r>
-                      <a:endParaRPr lang="en-US" sz="1100" b="0" i="0" u="none" strike="noStrike">
-                        <a:solidFill>
-                          <a:srgbClr val="000000"/>
-                        </a:solidFill>
-                        <a:effectLst/>
-                        <a:latin typeface="Liberation Sans"/>
-                      </a:endParaRPr>
-                    </a:p>
-                  </a:txBody>
-                  <a:tcPr marL="9525" marR="9525" marT="9525" marB="0" anchor="b"/>
-                </a:tc>
-                <a:tc>
-                  <a:txBody>
-                    <a:bodyPr/>
-                    <a:lstStyle/>
-                    <a:p>
-                      <a:pPr algn="l" fontAlgn="b"/>
-                      <a:endParaRPr lang="en-US" sz="1100" b="0" i="0" u="none" strike="noStrike">
-                        <a:solidFill>
-                          <a:srgbClr val="000000"/>
-                        </a:solidFill>
-                        <a:effectLst/>
-                        <a:latin typeface="Liberation Sans"/>
-                      </a:endParaRPr>
-                    </a:p>
-                  </a:txBody>
-                  <a:tcPr marL="9525" marR="9525" marT="9525" marB="0" anchor="b"/>
-                </a:tc>
-                <a:tc>
-                  <a:txBody>
-                    <a:bodyPr/>
-                    <a:lstStyle/>
-                    <a:p>
-                      <a:pPr algn="l" fontAlgn="b"/>
-                      <a:endParaRPr lang="en-US" sz="1100" b="0" i="0" u="none" strike="noStrike">
-                        <a:solidFill>
-                          <a:srgbClr val="000000"/>
-                        </a:solidFill>
-                        <a:effectLst/>
-                        <a:latin typeface="Liberation Sans"/>
-                      </a:endParaRPr>
-                    </a:p>
-                  </a:txBody>
-                  <a:tcPr marL="9525" marR="9525" marT="9525" marB="0" anchor="b"/>
-                </a:tc>
-                <a:tc>
-                  <a:txBody>
-                    <a:bodyPr/>
-                    <a:lstStyle/>
-                    <a:p>
-                      <a:pPr algn="r" fontAlgn="b"/>
-                      <a:r>
-                        <a:rPr lang="en-US" sz="1100" u="none" strike="noStrike">
-                          <a:effectLst/>
-                        </a:rPr>
-                        <a:t>605.22</a:t>
-                      </a:r>
-                      <a:endParaRPr lang="en-US" sz="1100" b="0" i="0" u="none" strike="noStrike">
-                        <a:solidFill>
-                          <a:srgbClr val="000000"/>
-                        </a:solidFill>
-                        <a:effectLst/>
-                        <a:latin typeface="Liberation Sans"/>
-                      </a:endParaRPr>
-                    </a:p>
-                  </a:txBody>
-                  <a:tcPr marL="9525" marR="9525" marT="9525" marB="0" anchor="b"/>
-                </a:tc>
-                <a:tc>
-                  <a:txBody>
-                    <a:bodyPr/>
-                    <a:lstStyle/>
-                    <a:p>
-                      <a:pPr algn="l" fontAlgn="b"/>
-                      <a:endParaRPr lang="en-US" sz="1100" b="0" i="0" u="none" strike="noStrike">
-                        <a:solidFill>
-                          <a:srgbClr val="000000"/>
-                        </a:solidFill>
-                        <a:effectLst/>
-                        <a:latin typeface="Liberation Sans"/>
-                      </a:endParaRPr>
-                    </a:p>
-                  </a:txBody>
-                  <a:tcPr marL="9525" marR="9525" marT="9525" marB="0" anchor="b"/>
-                </a:tc>
-                <a:tc>
-                  <a:txBody>
-                    <a:bodyPr/>
-                    <a:lstStyle/>
-                    <a:p>
-                      <a:pPr algn="l" fontAlgn="b"/>
-                      <a:endParaRPr lang="en-US" sz="1100" b="0" i="0" u="none" strike="noStrike">
-                        <a:solidFill>
-                          <a:srgbClr val="000000"/>
-                        </a:solidFill>
-                        <a:effectLst/>
-                        <a:latin typeface="Liberation Sans"/>
-                      </a:endParaRPr>
-                    </a:p>
-                  </a:txBody>
-                  <a:tcPr marL="9525" marR="9525" marT="9525" marB="0" anchor="b"/>
-                </a:tc>
-                <a:tc>
-                  <a:txBody>
-                    <a:bodyPr/>
-                    <a:lstStyle/>
-                    <a:p>
-                      <a:pPr algn="r" fontAlgn="b"/>
-                      <a:r>
-                        <a:rPr lang="en-US" sz="1100" u="none" strike="noStrike" dirty="0">
-                          <a:effectLst/>
-                        </a:rPr>
-                        <a:t>1005.54</a:t>
-                      </a:r>
-                      <a:endParaRPr lang="en-US" sz="1100" b="0" i="0" u="none" strike="noStrike" dirty="0">
-                        <a:solidFill>
-                          <a:srgbClr val="000000"/>
-                        </a:solidFill>
-                        <a:effectLst/>
-                        <a:latin typeface="Liberation Sans"/>
-                      </a:endParaRPr>
-                    </a:p>
-                  </a:txBody>
-                  <a:tcPr marL="9525" marR="9525" marT="9525" marB="0" anchor="b"/>
-                </a:tc>
-              </a:tr>
-            </a:tbl>
-          </a:graphicData>
-        </a:graphic>
-      </p:graphicFrame>
+          </p:nvPr>
+        </p:nvSpPr>
+        <p:spPr/>
+        <p:txBody>
+          <a:bodyPr>
+            <a:noAutofit/>
+          </a:bodyPr>
+          <a:lstStyle/>
+          <a:p>
+            <a:r>
+              <a:rPr lang="en-US" sz="2800" dirty="0" smtClean="0"/>
+              <a:t>Patent Liability</a:t>
+            </a:r>
+          </a:p>
+          <a:p>
+            <a:pPr lvl="1"/>
+            <a:r>
+              <a:rPr lang="en-US" sz="2400" dirty="0" smtClean="0"/>
+              <a:t>Novelty of design avoids many AR patents</a:t>
+            </a:r>
+          </a:p>
+          <a:p>
+            <a:pPr lvl="2"/>
+            <a:r>
+              <a:rPr lang="en-US" sz="2000" dirty="0" smtClean="0"/>
+              <a:t>Large fraction specifically mention cameras</a:t>
+            </a:r>
+          </a:p>
+          <a:p>
+            <a:pPr lvl="1"/>
+            <a:r>
+              <a:rPr lang="en-US" sz="2400" dirty="0" smtClean="0"/>
+              <a:t>Licensing may be required</a:t>
+            </a:r>
+          </a:p>
+          <a:p>
+            <a:pPr lvl="1"/>
+            <a:r>
+              <a:rPr lang="en-US" sz="2400" dirty="0" smtClean="0"/>
+              <a:t>Could file new patents and cross-license</a:t>
+            </a:r>
+            <a:endParaRPr lang="en-US" sz="2400" dirty="0"/>
+          </a:p>
+          <a:p>
+            <a:r>
+              <a:rPr lang="en-US" sz="2800" dirty="0" smtClean="0"/>
+              <a:t>User Safety</a:t>
+            </a:r>
+          </a:p>
+          <a:p>
+            <a:pPr lvl="1"/>
+            <a:r>
+              <a:rPr lang="en-US" sz="2400" dirty="0" smtClean="0"/>
+              <a:t>LiFePO</a:t>
+            </a:r>
+            <a:r>
+              <a:rPr lang="en-US" sz="2400" baseline="-25000" dirty="0" smtClean="0"/>
+              <a:t>4</a:t>
+            </a:r>
+            <a:r>
+              <a:rPr lang="en-US" sz="2400" dirty="0" smtClean="0"/>
+              <a:t> much safer than other Lithium battery chemistries</a:t>
+            </a:r>
+          </a:p>
+          <a:p>
+            <a:pPr lvl="1"/>
+            <a:r>
+              <a:rPr lang="en-US" sz="2400" dirty="0" smtClean="0"/>
+              <a:t>Translucent display keeps user aware of environment</a:t>
+            </a:r>
+          </a:p>
+          <a:p>
+            <a:pPr lvl="1"/>
+            <a:r>
+              <a:rPr lang="en-US" sz="2400" dirty="0" smtClean="0"/>
+              <a:t>Product unsuitable for use while driving, operating heavy machinery</a:t>
+            </a:r>
+          </a:p>
+        </p:txBody>
+      </p:sp>
       <p:sp>
         <p:nvSpPr>
           <p:cNvPr id="3" name="Title 2"/>
@@ -11610,7 +11635,7 @@
           <a:p>
             <a:r>
               <a:rPr lang="en-US" dirty="0" smtClean="0"/>
-              <a:t>Execution overview - BUDGET</a:t>
+              <a:t>COMPLICATIONS</a:t>
             </a:r>
             <a:endParaRPr lang="en-US" dirty="0"/>
           </a:p>
@@ -11619,7 +11644,7 @@
     </p:spTree>
     <p:extLst>
       <p:ext uri="{BB962C8B-B14F-4D97-AF65-F5344CB8AC3E}">
-        <p14:creationId xmlns:p14="http://schemas.microsoft.com/office/powerpoint/2010/main" val="3975776711"/>
+        <p14:creationId xmlns:p14="http://schemas.microsoft.com/office/powerpoint/2010/main" val="90168761"/>
       </p:ext>
     </p:extLst>
   </p:cSld>
@@ -11663,72 +11688,33 @@
           <a:p>
             <a:r>
               <a:rPr lang="en-US" dirty="0" smtClean="0"/>
-              <a:t>Patent Liability</a:t>
+              <a:t>Selling software to users after purchase of device</a:t>
             </a:r>
           </a:p>
           <a:p>
             <a:pPr lvl="1"/>
             <a:r>
               <a:rPr lang="en-US" dirty="0" smtClean="0"/>
-              <a:t>Novelty of design avoids many AR patents</a:t>
-            </a:r>
-          </a:p>
-          <a:p>
-            <a:pPr lvl="2"/>
+              <a:t>Need to set up distribution network</a:t>
+            </a:r>
+          </a:p>
+          <a:p>
+            <a:pPr lvl="1"/>
             <a:r>
               <a:rPr lang="en-US" dirty="0" smtClean="0"/>
-              <a:t>Large fraction specifically mention cameras</a:t>
+              <a:t>Encourage third party development</a:t>
             </a:r>
           </a:p>
           <a:p>
             <a:pPr lvl="1"/>
             <a:r>
               <a:rPr lang="en-US" dirty="0" smtClean="0"/>
-              <a:t>Licensing may be required</a:t>
+              <a:t>Anti-piracy solutions</a:t>
             </a:r>
           </a:p>
           <a:p>
             <a:pPr lvl="1"/>
-            <a:r>
-              <a:rPr lang="en-US" dirty="0" smtClean="0"/>
-              <a:t>Could file new patents and cross-license</a:t>
-            </a:r>
             <a:endParaRPr lang="en-US" dirty="0"/>
-          </a:p>
-          <a:p>
-            <a:r>
-              <a:rPr lang="en-US" dirty="0" smtClean="0"/>
-              <a:t>User Safety</a:t>
-            </a:r>
-          </a:p>
-          <a:p>
-            <a:pPr lvl="1"/>
-            <a:r>
-              <a:rPr lang="en-US" dirty="0" smtClean="0"/>
-              <a:t>LiFePO</a:t>
-            </a:r>
-            <a:r>
-              <a:rPr lang="en-US" baseline="-25000" dirty="0" smtClean="0"/>
-              <a:t>4</a:t>
-            </a:r>
-            <a:r>
-              <a:rPr lang="en-US" dirty="0" smtClean="0"/>
-              <a:t> much safer than other Lithium battery chemistries</a:t>
-            </a:r>
-          </a:p>
-          <a:p>
-            <a:pPr lvl="1"/>
-            <a:r>
-              <a:rPr lang="en-US" dirty="0" smtClean="0"/>
-              <a:t>Translucent display keeps user aware of environment</a:t>
-            </a:r>
-          </a:p>
-          <a:p>
-            <a:pPr lvl="1"/>
-            <a:r>
-              <a:rPr lang="en-US" dirty="0" smtClean="0"/>
-              <a:t>Product unsuitable for use while driving, operating heavy machinery</a:t>
-            </a:r>
           </a:p>
         </p:txBody>
       </p:sp>
@@ -11749,7 +11735,7 @@
           <a:p>
             <a:r>
               <a:rPr lang="en-US" dirty="0" smtClean="0"/>
-              <a:t>COMPLICATIONS</a:t>
+              <a:t>Opportunities</a:t>
             </a:r>
             <a:endParaRPr lang="en-US" dirty="0"/>
           </a:p>
@@ -11758,7 +11744,7 @@
     </p:spTree>
     <p:extLst>
       <p:ext uri="{BB962C8B-B14F-4D97-AF65-F5344CB8AC3E}">
-        <p14:creationId xmlns:p14="http://schemas.microsoft.com/office/powerpoint/2010/main" val="90168761"/>
+        <p14:creationId xmlns:p14="http://schemas.microsoft.com/office/powerpoint/2010/main" val="2759559370"/>
       </p:ext>
     </p:extLst>
   </p:cSld>
@@ -11797,106 +11783,6 @@
         </p:nvSpPr>
         <p:spPr/>
         <p:txBody>
-          <a:bodyPr/>
-          <a:lstStyle/>
-          <a:p>
-            <a:r>
-              <a:rPr lang="en-US" dirty="0" smtClean="0"/>
-              <a:t>Selling software to users after purchase of device</a:t>
-            </a:r>
-          </a:p>
-          <a:p>
-            <a:pPr lvl="1"/>
-            <a:r>
-              <a:rPr lang="en-US" dirty="0" smtClean="0"/>
-              <a:t>Need to set up distribution network</a:t>
-            </a:r>
-          </a:p>
-          <a:p>
-            <a:pPr lvl="1"/>
-            <a:r>
-              <a:rPr lang="en-US" dirty="0" smtClean="0"/>
-              <a:t>Encourage third party development</a:t>
-            </a:r>
-          </a:p>
-          <a:p>
-            <a:pPr lvl="1"/>
-            <a:r>
-              <a:rPr lang="en-US" dirty="0" smtClean="0"/>
-              <a:t>Anti-piracy solutions</a:t>
-            </a:r>
-          </a:p>
-          <a:p>
-            <a:pPr lvl="1"/>
-            <a:endParaRPr lang="en-US" dirty="0"/>
-          </a:p>
-        </p:txBody>
-      </p:sp>
-      <p:sp>
-        <p:nvSpPr>
-          <p:cNvPr id="3" name="Title 2"/>
-          <p:cNvSpPr>
-            <a:spLocks noGrp="1"/>
-          </p:cNvSpPr>
-          <p:nvPr>
-            <p:ph type="title"/>
-          </p:nvPr>
-        </p:nvSpPr>
-        <p:spPr/>
-        <p:txBody>
-          <a:bodyPr/>
-          <a:lstStyle/>
-          <a:p>
-            <a:r>
-              <a:rPr lang="en-US" dirty="0" smtClean="0"/>
-              <a:t>Opportunities</a:t>
-            </a:r>
-            <a:endParaRPr lang="en-US" dirty="0"/>
-          </a:p>
-        </p:txBody>
-      </p:sp>
-    </p:spTree>
-    <p:extLst>
-      <p:ext uri="{BB962C8B-B14F-4D97-AF65-F5344CB8AC3E}">
-        <p14:creationId xmlns:p14="http://schemas.microsoft.com/office/powerpoint/2010/main" val="2759559370"/>
-      </p:ext>
-    </p:extLst>
-  </p:cSld>
-  <p:clrMapOvr>
-    <a:masterClrMapping/>
-  </p:clrMapOvr>
-</p:sld>
-</file>
-
-<file path=ppt/slides/slide18.xml><?xml version="1.0" encoding="utf-8"?>
-<p:sld xmlns:a="http://schemas.openxmlformats.org/drawingml/2006/main" xmlns:r="http://schemas.openxmlformats.org/officeDocument/2006/relationships" xmlns:p="http://schemas.openxmlformats.org/presentationml/2006/main">
-  <p:cSld>
-    <p:spTree>
-      <p:nvGrpSpPr>
-        <p:cNvPr id="1" name=""/>
-        <p:cNvGrpSpPr/>
-        <p:nvPr/>
-      </p:nvGrpSpPr>
-      <p:grpSpPr>
-        <a:xfrm>
-          <a:off x="0" y="0"/>
-          <a:ext cx="0" cy="0"/>
-          <a:chOff x="0" y="0"/>
-          <a:chExt cx="0" cy="0"/>
-        </a:xfrm>
-      </p:grpSpPr>
-      <p:sp>
-        <p:nvSpPr>
-          <p:cNvPr id="2" name="Content Placeholder 1"/>
-          <p:cNvSpPr>
-            <a:spLocks noGrp="1"/>
-          </p:cNvSpPr>
-          <p:nvPr>
-            <p:ph idx="1"/>
-          </p:nvPr>
-        </p:nvSpPr>
-        <p:spPr/>
-        <p:txBody>
           <a:bodyPr>
             <a:normAutofit/>
           </a:bodyPr>
@@ -12006,7 +11892,7 @@
 </p:sld>
 </file>
 
-<file path=ppt/slides/slide19.xml><?xml version="1.0" encoding="utf-8"?>
+<file path=ppt/slides/slide18.xml><?xml version="1.0" encoding="utf-8"?>
 <p:sld xmlns:a="http://schemas.openxmlformats.org/drawingml/2006/main" xmlns:r="http://schemas.openxmlformats.org/officeDocument/2006/relationships" xmlns:p="http://schemas.openxmlformats.org/presentationml/2006/main">
   <p:cSld>
     <p:spTree>
@@ -12254,15 +12140,26 @@
             </a:r>
             <a:r>
               <a:rPr lang="en-US" dirty="0"/>
-              <a:t>computing is quickly becoming the next step of embedded systems evolution as evidenced by devices like Google </a:t>
+              <a:t>computing is </a:t>
             </a:r>
             <a:r>
               <a:rPr lang="en-US" dirty="0" smtClean="0"/>
-              <a:t>Glass, </a:t>
+              <a:t>emerging quickly</a:t>
+            </a:r>
+          </a:p>
+          <a:p>
+            <a:pPr lvl="1"/>
+            <a:r>
+              <a:rPr lang="en-US" dirty="0" smtClean="0"/>
+              <a:t>Google Glass, </a:t>
+            </a:r>
+            <a:r>
+              <a:rPr lang="en-US" dirty="0" smtClean="0"/>
+              <a:t>Samsung </a:t>
             </a:r>
             <a:r>
               <a:rPr lang="en-US" dirty="0"/>
-              <a:t>the Samsung Galaxy </a:t>
+              <a:t>Galaxy </a:t>
             </a:r>
             <a:r>
               <a:rPr lang="en-US" dirty="0" smtClean="0"/>
@@ -12288,16 +12185,39 @@
           <a:p>
             <a:r>
               <a:rPr lang="en-US" dirty="0" smtClean="0"/>
-              <a:t>The </a:t>
+              <a:t>Combine </a:t>
             </a:r>
             <a:r>
               <a:rPr lang="en-US" dirty="0"/>
-              <a:t>challenge is to combine virtual reality with reality to create augmented reality in such a way as to enhance one’s ability to work on a team and allow virtual objects to take the place of physical items placed in select locations</a:t>
+              <a:t>virtual reality with reality to create augmented </a:t>
             </a:r>
             <a:r>
               <a:rPr lang="en-US" dirty="0" smtClean="0"/>
-              <a:t>.</a:t>
-            </a:r>
+              <a:t>reality</a:t>
+            </a:r>
+          </a:p>
+          <a:p>
+            <a:pPr lvl="1"/>
+            <a:r>
+              <a:rPr lang="en-US" dirty="0" smtClean="0"/>
+              <a:t>Provide information</a:t>
+            </a:r>
+            <a:endParaRPr lang="en-US" dirty="0" smtClean="0"/>
+          </a:p>
+          <a:p>
+            <a:pPr lvl="1"/>
+            <a:r>
+              <a:rPr lang="en-US" dirty="0" smtClean="0"/>
+              <a:t>Promote Teamwork</a:t>
+            </a:r>
+          </a:p>
+          <a:p>
+            <a:pPr lvl="1"/>
+            <a:r>
+              <a:rPr lang="en-US" dirty="0" smtClean="0"/>
+              <a:t>Decrease need for physical objects</a:t>
+            </a:r>
+            <a:endParaRPr lang="en-US" dirty="0" smtClean="0"/>
           </a:p>
           <a:p>
             <a:r>
@@ -12313,33 +12233,43 @@
             <a:pPr lvl="1"/>
             <a:r>
               <a:rPr lang="en-US" dirty="0" smtClean="0"/>
-              <a:t>Portability </a:t>
+              <a:t>Portable </a:t>
             </a:r>
             <a:r>
               <a:rPr lang="en-US" dirty="0"/>
-              <a:t>and Comfortable Use</a:t>
-            </a:r>
+              <a:t>and </a:t>
+            </a:r>
+            <a:r>
+              <a:rPr lang="en-US" dirty="0" smtClean="0"/>
+              <a:t>Comfortable</a:t>
+            </a:r>
+            <a:endParaRPr lang="en-US" dirty="0"/>
           </a:p>
           <a:p>
             <a:pPr lvl="1"/>
             <a:r>
               <a:rPr lang="en-US" dirty="0" smtClean="0"/>
-              <a:t>Determine </a:t>
+              <a:t>Track user position </a:t>
             </a:r>
             <a:r>
               <a:rPr lang="en-US" dirty="0"/>
-              <a:t>position of user and orientation of users head</a:t>
-            </a:r>
+              <a:t>and </a:t>
+            </a:r>
+            <a:r>
+              <a:rPr lang="en-US" dirty="0" smtClean="0"/>
+              <a:t>head orientation</a:t>
+            </a:r>
+            <a:endParaRPr lang="en-US" dirty="0"/>
           </a:p>
           <a:p>
             <a:pPr lvl="1"/>
             <a:r>
               <a:rPr lang="en-US" dirty="0" smtClean="0"/>
-              <a:t>Local </a:t>
+              <a:t>Wireless </a:t>
             </a:r>
             <a:r>
               <a:rPr lang="en-US" dirty="0"/>
-              <a:t>Wireless Communication</a:t>
+              <a:t>Communication</a:t>
             </a:r>
           </a:p>
           <a:p>
@@ -12357,15 +12287,8 @@
             <a:pPr lvl="1"/>
             <a:r>
               <a:rPr lang="en-US" dirty="0" smtClean="0"/>
-              <a:t>Display </a:t>
-            </a:r>
-            <a:r>
-              <a:rPr lang="en-US" dirty="0"/>
-              <a:t>must be transparent and cause minimal eye strain.</a:t>
-            </a:r>
-          </a:p>
-          <a:p>
-            <a:pPr lvl="1"/>
+              <a:t>Transparent display, easy to see</a:t>
+            </a:r>
             <a:endParaRPr lang="en-US" dirty="0"/>
           </a:p>
         </p:txBody>
@@ -12436,47 +12359,155 @@
         <p:spPr/>
         <p:txBody>
           <a:bodyPr>
-            <a:normAutofit/>
+            <a:noAutofit/>
           </a:bodyPr>
           <a:lstStyle/>
           <a:p>
             <a:r>
+              <a:rPr lang="en-US" sz="2400" dirty="0" smtClean="0"/>
+              <a:t>Artistic Performance</a:t>
+            </a:r>
+          </a:p>
+          <a:p>
+            <a:pPr lvl="1"/>
+            <a:r>
               <a:rPr lang="en-US" sz="2200" dirty="0" smtClean="0"/>
-              <a:t>When </a:t>
+              <a:t>Performers need to </a:t>
             </a:r>
             <a:r>
               <a:rPr lang="en-US" sz="2200" dirty="0"/>
-              <a:t>practicing for an artistic performance, people to know where they need to be and when.</a:t>
-            </a:r>
-          </a:p>
-          <a:p>
+              <a:t>know where </a:t>
+            </a:r>
             <a:r>
               <a:rPr lang="en-US" sz="2200" dirty="0" smtClean="0"/>
-              <a:t>When </a:t>
+              <a:t>to </a:t>
             </a:r>
             <a:r>
               <a:rPr lang="en-US" sz="2200" dirty="0"/>
-              <a:t>training a new employee, the employee may need to be shown a physical demonstration of using the equipment and he or she may need observe how the machinery operates.</a:t>
-            </a:r>
-          </a:p>
-          <a:p>
+              <a:t>be and when.</a:t>
+            </a:r>
+          </a:p>
+          <a:p>
+            <a:r>
+              <a:rPr lang="en-US" sz="2400" dirty="0" smtClean="0"/>
+              <a:t>Train a New Employee</a:t>
+            </a:r>
+          </a:p>
+          <a:p>
+            <a:pPr lvl="1"/>
             <a:r>
               <a:rPr lang="en-US" sz="2200" dirty="0" smtClean="0"/>
+              <a:t>S</a:t>
+            </a:r>
+            <a:r>
+              <a:rPr lang="en-US" sz="2200" dirty="0" smtClean="0"/>
+              <a:t>how </a:t>
+            </a:r>
+            <a:r>
+              <a:rPr lang="en-US" sz="2200" dirty="0"/>
+              <a:t>a physical demonstration of </a:t>
+            </a:r>
+            <a:r>
+              <a:rPr lang="en-US" sz="2200" dirty="0" smtClean="0"/>
+              <a:t>equipment</a:t>
+            </a:r>
+          </a:p>
+          <a:p>
+            <a:pPr lvl="1"/>
+            <a:r>
+              <a:rPr lang="en-US" sz="2200" dirty="0" smtClean="0"/>
+              <a:t>Employee </a:t>
+            </a:r>
+            <a:r>
+              <a:rPr lang="en-US" sz="2200" dirty="0"/>
+              <a:t>may </a:t>
+            </a:r>
+            <a:r>
+              <a:rPr lang="en-US" sz="2200" dirty="0" smtClean="0"/>
+              <a:t>observe machinery in operation.</a:t>
+            </a:r>
+            <a:endParaRPr lang="en-US" sz="2200" dirty="0"/>
+          </a:p>
+          <a:p>
+            <a:r>
+              <a:rPr lang="en-US" sz="2400" dirty="0" smtClean="0">
+                <a:solidFill>
+                  <a:srgbClr val="FF0000"/>
+                </a:solidFill>
+              </a:rPr>
               <a:t>Children </a:t>
             </a:r>
             <a:r>
+              <a:rPr lang="en-US" sz="2400" dirty="0">
+                <a:solidFill>
+                  <a:srgbClr val="FF0000"/>
+                </a:solidFill>
+              </a:rPr>
+              <a:t>P</a:t>
+            </a:r>
+            <a:r>
+              <a:rPr lang="en-US" sz="2400" dirty="0" smtClean="0">
+                <a:solidFill>
+                  <a:srgbClr val="FF0000"/>
+                </a:solidFill>
+              </a:rPr>
+              <a:t>laying </a:t>
+            </a:r>
+            <a:r>
+              <a:rPr lang="en-US" sz="2400" dirty="0" smtClean="0">
+                <a:solidFill>
+                  <a:srgbClr val="FF0000"/>
+                </a:solidFill>
+              </a:rPr>
+              <a:t>G</a:t>
+            </a:r>
+            <a:r>
+              <a:rPr lang="en-US" sz="2400" dirty="0" smtClean="0">
+                <a:solidFill>
+                  <a:srgbClr val="FF0000"/>
+                </a:solidFill>
+              </a:rPr>
+              <a:t>ames</a:t>
+            </a:r>
+          </a:p>
+          <a:p>
+            <a:pPr lvl="1"/>
+            <a:r>
+              <a:rPr lang="en-US" sz="2200" dirty="0" smtClean="0">
+                <a:solidFill>
+                  <a:srgbClr val="FF0000"/>
+                </a:solidFill>
+              </a:rPr>
+              <a:t>Children Rely </a:t>
+            </a:r>
+            <a:r>
+              <a:rPr lang="en-US" sz="2200" dirty="0">
+                <a:solidFill>
+                  <a:srgbClr val="FF0000"/>
+                </a:solidFill>
+              </a:rPr>
+              <a:t>on “imaginary” objects placed in a select location.</a:t>
+            </a:r>
+          </a:p>
+          <a:p>
+            <a:r>
+              <a:rPr lang="en-US" sz="2400" dirty="0" smtClean="0"/>
+              <a:t>Educational </a:t>
+            </a:r>
+            <a:r>
+              <a:rPr lang="en-US" sz="2400" dirty="0" smtClean="0"/>
+              <a:t>Demonstrations</a:t>
+            </a:r>
+          </a:p>
+          <a:p>
+            <a:pPr lvl="1"/>
+            <a:r>
+              <a:rPr lang="en-US" sz="2200" dirty="0" smtClean="0"/>
+              <a:t> Replace resources with virtual resources placed </a:t>
+            </a:r>
+            <a:r>
               <a:rPr lang="en-US" sz="2200" dirty="0"/>
-              <a:t>playing games outside rely on “imaginary” objects placed in a select location.</a:t>
-            </a:r>
-          </a:p>
-          <a:p>
-            <a:r>
-              <a:rPr lang="en-US" sz="2200" dirty="0" smtClean="0"/>
-              <a:t>Educational </a:t>
-            </a:r>
-            <a:r>
-              <a:rPr lang="en-US" sz="2200" dirty="0"/>
-              <a:t>demonstrations may require lots of equipment placed in appropriate locations</a:t>
+              <a:t>in appropriate locations</a:t>
             </a:r>
             <a:r>
               <a:rPr lang="en-US" sz="2200" dirty="0" smtClean="0"/>
@@ -12556,6 +12587,59 @@
             <p:ph idx="1"/>
           </p:nvPr>
         </p:nvSpPr>
+        <p:spPr>
+          <a:xfrm>
+            <a:off x="380999" y="3886200"/>
+            <a:ext cx="8407893" cy="2240279"/>
+          </a:xfrm>
+        </p:spPr>
+        <p:txBody>
+          <a:bodyPr>
+            <a:normAutofit/>
+          </a:bodyPr>
+          <a:lstStyle/>
+          <a:p>
+            <a:endParaRPr lang="en-US" dirty="0"/>
+          </a:p>
+          <a:p>
+            <a:r>
+              <a:rPr lang="en-US" sz="2800" dirty="0" smtClean="0"/>
+              <a:t>Will </a:t>
+            </a:r>
+            <a:r>
+              <a:rPr lang="en-US" sz="2800" dirty="0"/>
+              <a:t>not focus on internet </a:t>
+            </a:r>
+            <a:r>
+              <a:rPr lang="en-US" sz="2800" dirty="0" smtClean="0"/>
+              <a:t>connectivity</a:t>
+            </a:r>
+          </a:p>
+          <a:p>
+            <a:r>
+              <a:rPr lang="en-US" sz="2800" dirty="0" smtClean="0"/>
+              <a:t>Allow for multiple simulations.</a:t>
+            </a:r>
+            <a:endParaRPr lang="en-US" sz="2800" dirty="0"/>
+          </a:p>
+          <a:p>
+            <a:r>
+              <a:rPr lang="en-US" sz="2800" dirty="0" smtClean="0"/>
+              <a:t>Focus on Gaming</a:t>
+            </a:r>
+          </a:p>
+        </p:txBody>
+      </p:sp>
+      <p:sp>
+        <p:nvSpPr>
+          <p:cNvPr id="3" name="Title 2"/>
+          <p:cNvSpPr>
+            <a:spLocks noGrp="1"/>
+          </p:cNvSpPr>
+          <p:nvPr>
+            <p:ph type="title"/>
+          </p:nvPr>
+        </p:nvSpPr>
         <p:spPr/>
         <p:txBody>
           <a:bodyPr/>
@@ -12563,88 +12647,183 @@
           <a:p>
             <a:r>
               <a:rPr lang="en-US" dirty="0" smtClean="0"/>
-              <a:t>We </a:t>
-            </a:r>
-            <a:r>
-              <a:rPr lang="en-US" dirty="0"/>
-              <a:t>propose a headset and backpack solution. (Just like Incredible HUD, proof concept works)</a:t>
-            </a:r>
-          </a:p>
-          <a:p>
-            <a:r>
-              <a:rPr lang="en-US" dirty="0" smtClean="0"/>
-              <a:t>The </a:t>
-            </a:r>
-            <a:r>
-              <a:rPr lang="en-US" dirty="0"/>
-              <a:t>headset provides the display for the user and mounting point for head tracking sensors.</a:t>
-            </a:r>
-          </a:p>
-          <a:p>
-            <a:r>
-              <a:rPr lang="en-US" dirty="0" smtClean="0"/>
-              <a:t>The </a:t>
-            </a:r>
-            <a:r>
-              <a:rPr lang="en-US" dirty="0"/>
-              <a:t>backpack provides wireless communication, graphics rendering, and simulation logic.</a:t>
-            </a:r>
-          </a:p>
-          <a:p>
-            <a:r>
-              <a:rPr lang="en-US" dirty="0" smtClean="0"/>
-              <a:t>Will </a:t>
-            </a:r>
-            <a:r>
-              <a:rPr lang="en-US" dirty="0"/>
-              <a:t>not focus on internet connectivity (different from Google Glass/Samsung Galaxy)</a:t>
-            </a:r>
-          </a:p>
-          <a:p>
-            <a:r>
-              <a:rPr lang="en-US" dirty="0" smtClean="0"/>
-              <a:t>Allows </a:t>
-            </a:r>
-            <a:r>
-              <a:rPr lang="en-US" dirty="0"/>
-              <a:t>multiple simulations to be loaded onto the device in a modular fashion.</a:t>
-            </a:r>
-          </a:p>
-          <a:p>
-            <a:r>
-              <a:rPr lang="en-US" dirty="0" smtClean="0"/>
-              <a:t>Will </a:t>
-            </a:r>
-            <a:r>
-              <a:rPr lang="en-US" dirty="0"/>
-              <a:t>focus on gaming as an open-ended way to push the limits of the technology and generate excitement/creativity for the project development.</a:t>
-            </a:r>
-          </a:p>
-          <a:p>
+              <a:t>Project entry solution</a:t>
+            </a:r>
             <a:endParaRPr lang="en-US" dirty="0"/>
           </a:p>
         </p:txBody>
       </p:sp>
       <p:sp>
         <p:nvSpPr>
-          <p:cNvPr id="3" name="Title 2"/>
-          <p:cNvSpPr>
-            <a:spLocks noGrp="1"/>
-          </p:cNvSpPr>
-          <p:nvPr>
-            <p:ph type="title"/>
-          </p:nvPr>
-        </p:nvSpPr>
-        <p:spPr/>
-        <p:txBody>
-          <a:bodyPr/>
+          <p:cNvPr id="4" name="TextBox 3"/>
+          <p:cNvSpPr txBox="1"/>
+          <p:nvPr/>
+        </p:nvSpPr>
+        <p:spPr>
+          <a:xfrm>
+            <a:off x="457200" y="1792579"/>
+            <a:ext cx="3733800" cy="1988237"/>
+          </a:xfrm>
+          <a:prstGeom prst="rect">
+            <a:avLst/>
+          </a:prstGeom>
+          <a:noFill/>
+        </p:spPr>
+        <p:txBody>
+          <a:bodyPr wrap="square" rtlCol="0">
+            <a:spAutoFit/>
+          </a:bodyPr>
           <a:lstStyle/>
           <a:p>
             <a:r>
-              <a:rPr lang="en-US" dirty="0" smtClean="0"/>
-              <a:t>Project entry solution</a:t>
-            </a:r>
-            <a:endParaRPr lang="en-US" dirty="0"/>
+              <a:rPr lang="en-US" sz="2800" dirty="0">
+                <a:solidFill>
+                  <a:schemeClr val="tx2"/>
+                </a:solidFill>
+              </a:rPr>
+              <a:t>Headset:</a:t>
+            </a:r>
+          </a:p>
+          <a:p>
+            <a:pPr marL="548640" lvl="1" indent="-182880">
+              <a:spcBef>
+                <a:spcPct val="20000"/>
+              </a:spcBef>
+              <a:buClr>
+                <a:srgbClr val="BF974D"/>
+              </a:buClr>
+              <a:buFont typeface="Wingdings" pitchFamily="2" charset="2"/>
+              <a:buChar char="§"/>
+            </a:pPr>
+            <a:r>
+              <a:rPr lang="en-US" sz="2800" dirty="0" smtClean="0">
+                <a:solidFill>
+                  <a:schemeClr val="tx2"/>
+                </a:solidFill>
+              </a:rPr>
+              <a:t>Provide the display</a:t>
+            </a:r>
+          </a:p>
+          <a:p>
+            <a:pPr marL="548640" lvl="1" indent="-182880">
+              <a:spcBef>
+                <a:spcPct val="20000"/>
+              </a:spcBef>
+              <a:buClr>
+                <a:srgbClr val="BF974D"/>
+              </a:buClr>
+              <a:buFont typeface="Wingdings" pitchFamily="2" charset="2"/>
+              <a:buChar char="§"/>
+            </a:pPr>
+            <a:r>
+              <a:rPr lang="en-US" sz="2800" dirty="0" smtClean="0">
+                <a:solidFill>
+                  <a:schemeClr val="tx2"/>
+                </a:solidFill>
+              </a:rPr>
+              <a:t>Mounting point for sensors</a:t>
+            </a:r>
+          </a:p>
+        </p:txBody>
+      </p:sp>
+      <p:sp>
+        <p:nvSpPr>
+          <p:cNvPr id="5" name="TextBox 4"/>
+          <p:cNvSpPr txBox="1"/>
+          <p:nvPr/>
+        </p:nvSpPr>
+        <p:spPr>
+          <a:xfrm>
+            <a:off x="4572000" y="1706401"/>
+            <a:ext cx="3505200" cy="2160591"/>
+          </a:xfrm>
+          <a:prstGeom prst="rect">
+            <a:avLst/>
+          </a:prstGeom>
+          <a:noFill/>
+        </p:spPr>
+        <p:txBody>
+          <a:bodyPr wrap="square" rtlCol="0">
+            <a:spAutoFit/>
+          </a:bodyPr>
+          <a:lstStyle/>
+          <a:p>
+            <a:r>
+              <a:rPr lang="en-US" sz="2400" dirty="0">
+                <a:solidFill>
+                  <a:schemeClr val="tx2"/>
+                </a:solidFill>
+              </a:rPr>
+              <a:t>Backpack:</a:t>
+            </a:r>
+          </a:p>
+          <a:p>
+            <a:pPr marL="548640" lvl="1" indent="-182880">
+              <a:spcBef>
+                <a:spcPct val="20000"/>
+              </a:spcBef>
+              <a:buClr>
+                <a:srgbClr val="BF974D"/>
+              </a:buClr>
+              <a:buFont typeface="Wingdings" pitchFamily="2" charset="2"/>
+              <a:buChar char="§"/>
+            </a:pPr>
+            <a:r>
+              <a:rPr lang="en-US" sz="2400" dirty="0" smtClean="0">
+                <a:solidFill>
+                  <a:schemeClr val="tx2"/>
+                </a:solidFill>
+              </a:rPr>
+              <a:t>Wireless </a:t>
+            </a:r>
+            <a:r>
+              <a:rPr lang="en-US" sz="2400" dirty="0">
+                <a:solidFill>
+                  <a:schemeClr val="tx2"/>
+                </a:solidFill>
+              </a:rPr>
+              <a:t>communication</a:t>
+            </a:r>
+          </a:p>
+          <a:p>
+            <a:pPr marL="548640" lvl="1" indent="-182880">
+              <a:spcBef>
+                <a:spcPct val="20000"/>
+              </a:spcBef>
+              <a:buClr>
+                <a:srgbClr val="BF974D"/>
+              </a:buClr>
+              <a:buFont typeface="Wingdings" pitchFamily="2" charset="2"/>
+              <a:buChar char="§"/>
+            </a:pPr>
+            <a:r>
+              <a:rPr lang="en-US" sz="2400" dirty="0" smtClean="0">
+                <a:solidFill>
+                  <a:schemeClr val="tx2"/>
+                </a:solidFill>
+              </a:rPr>
+              <a:t>Graphics rendering</a:t>
+            </a:r>
+          </a:p>
+          <a:p>
+            <a:pPr marL="548640" lvl="1" indent="-182880">
+              <a:spcBef>
+                <a:spcPct val="20000"/>
+              </a:spcBef>
+              <a:buClr>
+                <a:srgbClr val="BF974D"/>
+              </a:buClr>
+              <a:buFont typeface="Wingdings" pitchFamily="2" charset="2"/>
+              <a:buChar char="§"/>
+            </a:pPr>
+            <a:r>
+              <a:rPr lang="en-US" sz="2400" dirty="0" smtClean="0">
+                <a:solidFill>
+                  <a:schemeClr val="tx2"/>
+                </a:solidFill>
+              </a:rPr>
+              <a:t>Simulation Logic</a:t>
+            </a:r>
           </a:p>
         </p:txBody>
       </p:sp>
@@ -14297,7 +14476,7 @@
   <a:extraClrSchemeLst/>
   <a:extLst>
     <a:ext uri="{05A4C25C-085E-4340-85A3-A5531E510DB2}">
-      <thm15:themeFamily xmlns:thm15="http://schemas.microsoft.com/office/thememl/2012/main" xmlns="" name="Office Theme" id="{62F939B6-93AF-4DB8-9C6B-D6C7DFDC589F}" vid="{4A3C46E8-61CC-4603-A589-7422A47A8E4A}"/>
+      <thm15:themeFamily xmlns="" xmlns:thm15="http://schemas.microsoft.com/office/thememl/2012/main" name="Office Theme" id="{62F939B6-93AF-4DB8-9C6B-D6C7DFDC589F}" vid="{4A3C46E8-61CC-4603-A589-7422A47A8E4A}"/>
     </a:ext>
   </a:extLst>
 </a:theme>

--- a/doc/AugRealityMidReview.pptx
+++ b/doc/AugRealityMidReview.pptx
@@ -6,7 +6,7 @@
     <p:sldMasterId id="2147483708" r:id="rId2"/>
   </p:sldMasterIdLst>
   <p:notesMasterIdLst>
-    <p:notesMasterId r:id="rId21"/>
+    <p:notesMasterId r:id="rId24"/>
   </p:notesMasterIdLst>
   <p:sldIdLst>
     <p:sldId id="256" r:id="rId3"/>
@@ -15,18 +15,21 @@
     <p:sldId id="257" r:id="rId6"/>
     <p:sldId id="275" r:id="rId7"/>
     <p:sldId id="278" r:id="rId8"/>
-    <p:sldId id="269" r:id="rId9"/>
-    <p:sldId id="280" r:id="rId10"/>
-    <p:sldId id="281" r:id="rId11"/>
-    <p:sldId id="279" r:id="rId12"/>
-    <p:sldId id="270" r:id="rId13"/>
-    <p:sldId id="285" r:id="rId14"/>
-    <p:sldId id="271" r:id="rId15"/>
-    <p:sldId id="284" r:id="rId16"/>
-    <p:sldId id="282" r:id="rId17"/>
-    <p:sldId id="283" r:id="rId18"/>
-    <p:sldId id="274" r:id="rId19"/>
-    <p:sldId id="267" r:id="rId20"/>
+    <p:sldId id="288" r:id="rId9"/>
+    <p:sldId id="269" r:id="rId10"/>
+    <p:sldId id="280" r:id="rId11"/>
+    <p:sldId id="286" r:id="rId12"/>
+    <p:sldId id="287" r:id="rId13"/>
+    <p:sldId id="279" r:id="rId14"/>
+    <p:sldId id="270" r:id="rId15"/>
+    <p:sldId id="285" r:id="rId16"/>
+    <p:sldId id="271" r:id="rId17"/>
+    <p:sldId id="289" r:id="rId18"/>
+    <p:sldId id="284" r:id="rId19"/>
+    <p:sldId id="282" r:id="rId20"/>
+    <p:sldId id="283" r:id="rId21"/>
+    <p:sldId id="274" r:id="rId22"/>
+    <p:sldId id="267" r:id="rId23"/>
   </p:sldIdLst>
   <p:sldSz cx="9144000" cy="6858000" type="screen4x3"/>
   <p:notesSz cx="6858000" cy="9144000"/>
@@ -127,7 +130,7 @@
   </p:defaultTextStyle>
   <p:extLst>
     <p:ext uri="{EFAFB233-063F-42B5-8137-9DF3F51BA10A}">
-      <p15:sldGuideLst xmlns="" xmlns:p15="http://schemas.microsoft.com/office/powerpoint/2012/main">
+      <p15:sldGuideLst xmlns:p15="http://schemas.microsoft.com/office/powerpoint/2012/main" xmlns="">
         <p15:guide id="1" orient="horz" pos="2160">
           <p15:clr>
             <a:srgbClr val="A4A3A4"/>
@@ -226,7 +229,7 @@
           <a:p>
             <a:fld id="{7A466098-8D44-47E3-A6D0-3EBDA642D1D9}" type="datetimeFigureOut">
               <a:rPr lang="en-US" smtClean="0"/>
-              <a:t>2/12/2014</a:t>
+              <a:t>2/13/2014</a:t>
             </a:fld>
             <a:endParaRPr lang="en-US"/>
           </a:p>
@@ -747,7 +750,7 @@
           <a:p>
             <a:fld id="{CC2990F0-8476-4A68-82FA-873BDD6B740E}" type="datetimeFigureOut">
               <a:rPr lang="en-US" smtClean="0"/>
-              <a:t>2/12/2014</a:t>
+              <a:t>2/13/2014</a:t>
             </a:fld>
             <a:endParaRPr lang="en-US"/>
           </a:p>
@@ -960,7 +963,7 @@
           <a:p>
             <a:fld id="{CC2990F0-8476-4A68-82FA-873BDD6B740E}" type="datetimeFigureOut">
               <a:rPr lang="en-US" smtClean="0"/>
-              <a:t>2/12/2014</a:t>
+              <a:t>2/13/2014</a:t>
             </a:fld>
             <a:endParaRPr lang="en-US"/>
           </a:p>
@@ -1227,7 +1230,7 @@
           <a:p>
             <a:fld id="{CC2990F0-8476-4A68-82FA-873BDD6B740E}" type="datetimeFigureOut">
               <a:rPr lang="en-US" smtClean="0"/>
-              <a:t>2/12/2014</a:t>
+              <a:t>2/13/2014</a:t>
             </a:fld>
             <a:endParaRPr lang="en-US"/>
           </a:p>
@@ -1479,7 +1482,7 @@
                 </a:solidFill>
               </a:rPr>
               <a:pPr/>
-              <a:t>2/12/2014</a:t>
+              <a:t>2/13/2014</a:t>
             </a:fld>
             <a:endParaRPr lang="en-US">
               <a:solidFill>
@@ -1681,7 +1684,7 @@
                 </a:solidFill>
               </a:rPr>
               <a:pPr/>
-              <a:t>2/12/2014</a:t>
+              <a:t>2/13/2014</a:t>
             </a:fld>
             <a:endParaRPr lang="en-US">
               <a:solidFill>
@@ -1959,7 +1962,7 @@
                 </a:solidFill>
               </a:rPr>
               <a:pPr/>
-              <a:t>2/12/2014</a:t>
+              <a:t>2/13/2014</a:t>
             </a:fld>
             <a:endParaRPr lang="en-US">
               <a:solidFill>
@@ -2279,7 +2282,7 @@
                 </a:solidFill>
               </a:rPr>
               <a:pPr/>
-              <a:t>2/12/2014</a:t>
+              <a:t>2/13/2014</a:t>
             </a:fld>
             <a:endParaRPr lang="en-US">
               <a:solidFill>
@@ -2733,7 +2736,7 @@
                 </a:solidFill>
               </a:rPr>
               <a:pPr/>
-              <a:t>2/12/2014</a:t>
+              <a:t>2/13/2014</a:t>
             </a:fld>
             <a:endParaRPr lang="en-US">
               <a:solidFill>
@@ -2883,7 +2886,7 @@
                 </a:solidFill>
               </a:rPr>
               <a:pPr/>
-              <a:t>2/12/2014</a:t>
+              <a:t>2/13/2014</a:t>
             </a:fld>
             <a:endParaRPr lang="en-US">
               <a:solidFill>
@@ -3010,7 +3013,7 @@
                 </a:solidFill>
               </a:rPr>
               <a:pPr/>
-              <a:t>2/12/2014</a:t>
+              <a:t>2/13/2014</a:t>
             </a:fld>
             <a:endParaRPr lang="en-US">
               <a:solidFill>
@@ -3319,7 +3322,7 @@
                 </a:solidFill>
               </a:rPr>
               <a:pPr/>
-              <a:t>2/12/2014</a:t>
+              <a:t>2/13/2014</a:t>
             </a:fld>
             <a:endParaRPr lang="en-US">
               <a:solidFill>
@@ -3491,7 +3494,7 @@
           <a:p>
             <a:fld id="{CC2990F0-8476-4A68-82FA-873BDD6B740E}" type="datetimeFigureOut">
               <a:rPr lang="en-US" smtClean="0"/>
-              <a:t>2/12/2014</a:t>
+              <a:t>2/13/2014</a:t>
             </a:fld>
             <a:endParaRPr lang="en-US"/>
           </a:p>
@@ -3776,7 +3779,7 @@
                 </a:solidFill>
               </a:rPr>
               <a:pPr/>
-              <a:t>2/12/2014</a:t>
+              <a:t>2/13/2014</a:t>
             </a:fld>
             <a:endParaRPr lang="en-US">
               <a:solidFill>
@@ -3978,7 +3981,7 @@
                 </a:solidFill>
               </a:rPr>
               <a:pPr/>
-              <a:t>2/12/2014</a:t>
+              <a:t>2/13/2014</a:t>
             </a:fld>
             <a:endParaRPr lang="en-US">
               <a:solidFill>
@@ -4190,7 +4193,7 @@
                 </a:solidFill>
               </a:rPr>
               <a:pPr/>
-              <a:t>2/12/2014</a:t>
+              <a:t>2/13/2014</a:t>
             </a:fld>
             <a:endParaRPr lang="en-US">
               <a:solidFill>
@@ -4527,7 +4530,7 @@
           <a:p>
             <a:fld id="{CC2990F0-8476-4A68-82FA-873BDD6B740E}" type="datetimeFigureOut">
               <a:rPr lang="en-US" smtClean="0"/>
-              <a:t>2/12/2014</a:t>
+              <a:t>2/13/2014</a:t>
             </a:fld>
             <a:endParaRPr lang="en-US"/>
           </a:p>
@@ -4835,7 +4838,7 @@
           <a:p>
             <a:fld id="{CC2990F0-8476-4A68-82FA-873BDD6B740E}" type="datetimeFigureOut">
               <a:rPr lang="en-US" smtClean="0"/>
-              <a:t>2/12/2014</a:t>
+              <a:t>2/13/2014</a:t>
             </a:fld>
             <a:endParaRPr lang="en-US"/>
           </a:p>
@@ -5256,7 +5259,7 @@
           <a:p>
             <a:fld id="{CC2990F0-8476-4A68-82FA-873BDD6B740E}" type="datetimeFigureOut">
               <a:rPr lang="en-US" smtClean="0"/>
-              <a:t>2/12/2014</a:t>
+              <a:t>2/13/2014</a:t>
             </a:fld>
             <a:endParaRPr lang="en-US"/>
           </a:p>
@@ -5369,7 +5372,7 @@
           <a:p>
             <a:fld id="{CC2990F0-8476-4A68-82FA-873BDD6B740E}" type="datetimeFigureOut">
               <a:rPr lang="en-US" smtClean="0"/>
-              <a:t>2/12/2014</a:t>
+              <a:t>2/13/2014</a:t>
             </a:fld>
             <a:endParaRPr lang="en-US"/>
           </a:p>
@@ -5528,7 +5531,7 @@
           <a:p>
             <a:fld id="{CC2990F0-8476-4A68-82FA-873BDD6B740E}" type="datetimeFigureOut">
               <a:rPr lang="en-US" smtClean="0"/>
-              <a:t>2/12/2014</a:t>
+              <a:t>2/13/2014</a:t>
             </a:fld>
             <a:endParaRPr lang="en-US"/>
           </a:p>
@@ -5912,7 +5915,7 @@
           <a:p>
             <a:fld id="{CC2990F0-8476-4A68-82FA-873BDD6B740E}" type="datetimeFigureOut">
               <a:rPr lang="en-US" smtClean="0"/>
-              <a:t>2/12/2014</a:t>
+              <a:t>2/13/2014</a:t>
             </a:fld>
             <a:endParaRPr lang="en-US"/>
           </a:p>
@@ -6274,7 +6277,7 @@
           <a:p>
             <a:fld id="{CC2990F0-8476-4A68-82FA-873BDD6B740E}" type="datetimeFigureOut">
               <a:rPr lang="en-US" smtClean="0"/>
-              <a:t>2/12/2014</a:t>
+              <a:t>2/13/2014</a:t>
             </a:fld>
             <a:endParaRPr lang="en-US"/>
           </a:p>
@@ -6608,7 +6611,7 @@
           <a:p>
             <a:fld id="{CC2990F0-8476-4A68-82FA-873BDD6B740E}" type="datetimeFigureOut">
               <a:rPr lang="en-US" smtClean="0"/>
-              <a:t>2/12/2014</a:t>
+              <a:t>2/13/2014</a:t>
             </a:fld>
             <a:endParaRPr lang="en-US"/>
           </a:p>
@@ -7157,7 +7160,7 @@
                 </a:solidFill>
               </a:rPr>
               <a:pPr/>
-              <a:t>2/12/2014</a:t>
+              <a:t>2/13/2014</a:t>
             </a:fld>
             <a:endParaRPr lang="en-US" smtClean="0">
               <a:solidFill>
@@ -7863,122 +7866,6 @@
       </p:grpSpPr>
       <p:sp>
         <p:nvSpPr>
-          <p:cNvPr id="2" name="Content Placeholder 1"/>
-          <p:cNvSpPr>
-            <a:spLocks noGrp="1"/>
-          </p:cNvSpPr>
-          <p:nvPr>
-            <p:ph idx="1"/>
-          </p:nvPr>
-        </p:nvSpPr>
-        <p:spPr/>
-        <p:txBody>
-          <a:bodyPr>
-            <a:normAutofit/>
-          </a:bodyPr>
-          <a:lstStyle/>
-          <a:p>
-            <a:r>
-              <a:rPr lang="en-US" sz="2400" dirty="0" smtClean="0"/>
-              <a:t>Power consumption testing</a:t>
-            </a:r>
-          </a:p>
-          <a:p>
-            <a:pPr lvl="1"/>
-            <a:r>
-              <a:rPr lang="en-US" sz="2000" dirty="0" smtClean="0"/>
-              <a:t>Provided </a:t>
-            </a:r>
-            <a:r>
-              <a:rPr lang="en-US" sz="2000" dirty="0" err="1" smtClean="0"/>
-              <a:t>Terasic</a:t>
-            </a:r>
-            <a:r>
-              <a:rPr lang="en-US" sz="2000" dirty="0" smtClean="0"/>
-              <a:t> board uses 1.2 A typical (14.4 W)</a:t>
-            </a:r>
-          </a:p>
-          <a:p>
-            <a:pPr lvl="1"/>
-            <a:r>
-              <a:rPr lang="en-US" sz="2000" dirty="0" smtClean="0"/>
-              <a:t>Acceptable battery life with 60 </a:t>
-            </a:r>
-            <a:r>
-              <a:rPr lang="en-US" sz="2000" dirty="0" err="1" smtClean="0"/>
-              <a:t>Whr</a:t>
-            </a:r>
-            <a:r>
-              <a:rPr lang="en-US" sz="2000" dirty="0" smtClean="0"/>
-              <a:t> capacity</a:t>
-            </a:r>
-          </a:p>
-          <a:p>
-            <a:r>
-              <a:rPr lang="en-US" sz="2400" dirty="0" smtClean="0"/>
-              <a:t>Hardware design for Phase 2</a:t>
-            </a:r>
-          </a:p>
-          <a:p>
-            <a:pPr lvl="1"/>
-            <a:r>
-              <a:rPr lang="en-US" sz="2000" dirty="0" smtClean="0"/>
-              <a:t>Power supply design</a:t>
-            </a:r>
-          </a:p>
-          <a:p>
-            <a:pPr lvl="2"/>
-            <a:r>
-              <a:rPr lang="en-US" dirty="0" smtClean="0"/>
-              <a:t>Battery and regulator selection</a:t>
-            </a:r>
-          </a:p>
-          <a:p>
-            <a:pPr lvl="1"/>
-            <a:r>
-              <a:rPr lang="en-US" sz="2000" dirty="0" smtClean="0"/>
-              <a:t>Headset interfacing board</a:t>
-            </a:r>
-          </a:p>
-          <a:p>
-            <a:pPr lvl="2"/>
-            <a:r>
-              <a:rPr lang="en-US" dirty="0" smtClean="0"/>
-              <a:t>Re-use GPS, inertial measurement unit, microcontroller</a:t>
-            </a:r>
-          </a:p>
-          <a:p>
-            <a:r>
-              <a:rPr lang="en-US" sz="2400" dirty="0" smtClean="0"/>
-              <a:t>Packaging</a:t>
-            </a:r>
-          </a:p>
-          <a:p>
-            <a:pPr lvl="1"/>
-            <a:r>
-              <a:rPr lang="en-US" sz="2000" dirty="0" smtClean="0"/>
-              <a:t>Re-use optics</a:t>
-            </a:r>
-          </a:p>
-          <a:p>
-            <a:pPr lvl="1"/>
-            <a:r>
-              <a:rPr lang="en-US" sz="2000" dirty="0" smtClean="0"/>
-              <a:t>Selected new display</a:t>
-            </a:r>
-          </a:p>
-          <a:p>
-            <a:pPr lvl="1"/>
-            <a:r>
-              <a:rPr lang="en-US" sz="2000" dirty="0" smtClean="0"/>
-              <a:t>Selected helmet and backpack</a:t>
-            </a:r>
-            <a:endParaRPr lang="en-US" sz="2000" dirty="0"/>
-          </a:p>
-        </p:txBody>
-      </p:sp>
-      <p:sp>
-        <p:nvSpPr>
           <p:cNvPr id="3" name="Title 2"/>
           <p:cNvSpPr>
             <a:spLocks noGrp="1"/>
@@ -7994,82 +7881,791 @@
           <a:p>
             <a:r>
               <a:rPr lang="en-US" dirty="0" smtClean="0"/>
-              <a:t>Accomplishments To Date (PHA2)</a:t>
+              <a:t>Hardware metrics</a:t>
             </a:r>
             <a:endParaRPr lang="en-US" dirty="0"/>
           </a:p>
         </p:txBody>
       </p:sp>
-      <p:sp>
-        <p:nvSpPr>
-          <p:cNvPr id="4" name="TextBox 3"/>
-          <p:cNvSpPr txBox="1"/>
-          <p:nvPr/>
-        </p:nvSpPr>
-        <p:spPr>
-          <a:xfrm>
-            <a:off x="6324600" y="2751307"/>
-            <a:ext cx="2633798" cy="369332"/>
-          </a:xfrm>
-          <a:prstGeom prst="rect">
-            <a:avLst/>
-          </a:prstGeom>
-          <a:noFill/>
-        </p:spPr>
-        <p:txBody>
-          <a:bodyPr wrap="none" rtlCol="0">
-            <a:spAutoFit/>
-          </a:bodyPr>
-          <a:lstStyle/>
-          <a:p>
-            <a:r>
-              <a:rPr lang="en-US" dirty="0" smtClean="0"/>
-              <a:t>[POWER CONSUMPTION]</a:t>
-            </a:r>
-            <a:endParaRPr lang="en-US" dirty="0"/>
-          </a:p>
-        </p:txBody>
-      </p:sp>
-      <p:sp>
-        <p:nvSpPr>
-          <p:cNvPr id="5" name="TextBox 4"/>
-          <p:cNvSpPr txBox="1"/>
-          <p:nvPr/>
-        </p:nvSpPr>
-        <p:spPr>
-          <a:xfrm>
-            <a:off x="6400800" y="4495800"/>
-            <a:ext cx="729687" cy="369332"/>
-          </a:xfrm>
-          <a:prstGeom prst="rect">
-            <a:avLst/>
-          </a:prstGeom>
-          <a:noFill/>
-        </p:spPr>
-        <p:txBody>
-          <a:bodyPr wrap="none" rtlCol="0">
-            <a:spAutoFit/>
-          </a:bodyPr>
-          <a:lstStyle/>
-          <a:p>
-            <a:r>
-              <a:rPr lang="en-US" dirty="0" smtClean="0"/>
-              <a:t>[PCB]</a:t>
-            </a:r>
-            <a:endParaRPr lang="en-US" dirty="0"/>
-          </a:p>
-        </p:txBody>
-      </p:sp>
+      <p:graphicFrame>
+        <p:nvGraphicFramePr>
+          <p:cNvPr id="5" name="Content Placeholder 4"/>
+          <p:cNvGraphicFramePr>
+            <a:graphicFrameLocks noGrp="1"/>
+          </p:cNvGraphicFramePr>
+          <p:nvPr>
+            <p:ph idx="1"/>
+            <p:extLst>
+              <p:ext uri="{D42A27DB-BD31-4B8C-83A1-F6EECF244321}">
+                <p14:modId xmlns:p14="http://schemas.microsoft.com/office/powerpoint/2010/main" val="3649861872"/>
+              </p:ext>
+            </p:extLst>
+          </p:nvPr>
+        </p:nvGraphicFramePr>
+        <p:xfrm>
+          <a:off x="152400" y="1371600"/>
+          <a:ext cx="8839200" cy="5334000"/>
+        </p:xfrm>
+        <a:graphic>
+          <a:graphicData uri="http://schemas.openxmlformats.org/drawingml/2006/table">
+            <a:tbl>
+              <a:tblPr firstRow="1" firstCol="1" bandRow="1">
+                <a:tableStyleId>{5C22544A-7EE6-4342-B048-85BDC9FD1C3A}</a:tableStyleId>
+              </a:tblPr>
+              <a:tblGrid>
+                <a:gridCol w="1016464"/>
+                <a:gridCol w="1966217"/>
+                <a:gridCol w="5856519"/>
+              </a:tblGrid>
+              <a:tr h="209488">
+                <a:tc>
+                  <a:txBody>
+                    <a:bodyPr/>
+                    <a:lstStyle/>
+                    <a:p>
+                      <a:pPr marL="0" marR="0" algn="ctr">
+                        <a:spcBef>
+                          <a:spcPts val="0"/>
+                        </a:spcBef>
+                        <a:spcAft>
+                          <a:spcPts val="0"/>
+                        </a:spcAft>
+                      </a:pPr>
+                      <a:r>
+                        <a:rPr lang="en-US" sz="1100" dirty="0">
+                          <a:effectLst/>
+                        </a:rPr>
+                        <a:t>Metric</a:t>
+                      </a:r>
+                      <a:endParaRPr lang="en-US" sz="1100" dirty="0">
+                        <a:effectLst/>
+                        <a:latin typeface="Calibri" panose="020F0502020204030204" pitchFamily="34" charset="0"/>
+                        <a:ea typeface="Calibri" panose="020F0502020204030204" pitchFamily="34" charset="0"/>
+                        <a:cs typeface="Times New Roman" panose="02020603050405020304" pitchFamily="18" charset="0"/>
+                      </a:endParaRPr>
+                    </a:p>
+                  </a:txBody>
+                  <a:tcPr marL="68580" marR="68580" marT="0" marB="0"/>
+                </a:tc>
+                <a:tc>
+                  <a:txBody>
+                    <a:bodyPr/>
+                    <a:lstStyle/>
+                    <a:p>
+                      <a:pPr marL="0" marR="0" algn="ctr">
+                        <a:spcBef>
+                          <a:spcPts val="0"/>
+                        </a:spcBef>
+                        <a:spcAft>
+                          <a:spcPts val="0"/>
+                        </a:spcAft>
+                      </a:pPr>
+                      <a:r>
+                        <a:rPr lang="en-US" sz="1100">
+                          <a:effectLst/>
+                        </a:rPr>
+                        <a:t>Target</a:t>
+                      </a:r>
+                      <a:endParaRPr lang="en-US" sz="1100">
+                        <a:effectLst/>
+                        <a:latin typeface="Calibri" panose="020F0502020204030204" pitchFamily="34" charset="0"/>
+                        <a:ea typeface="Calibri" panose="020F0502020204030204" pitchFamily="34" charset="0"/>
+                        <a:cs typeface="Times New Roman" panose="02020603050405020304" pitchFamily="18" charset="0"/>
+                      </a:endParaRPr>
+                    </a:p>
+                  </a:txBody>
+                  <a:tcPr marL="68580" marR="68580" marT="0" marB="0"/>
+                </a:tc>
+                <a:tc>
+                  <a:txBody>
+                    <a:bodyPr/>
+                    <a:lstStyle/>
+                    <a:p>
+                      <a:pPr marL="0" marR="0" algn="ctr">
+                        <a:spcBef>
+                          <a:spcPts val="0"/>
+                        </a:spcBef>
+                        <a:spcAft>
+                          <a:spcPts val="0"/>
+                        </a:spcAft>
+                      </a:pPr>
+                      <a:r>
+                        <a:rPr lang="en-US" sz="1100">
+                          <a:effectLst/>
+                        </a:rPr>
+                        <a:t>Description</a:t>
+                      </a:r>
+                      <a:endParaRPr lang="en-US" sz="1100">
+                        <a:effectLst/>
+                        <a:latin typeface="Calibri" panose="020F0502020204030204" pitchFamily="34" charset="0"/>
+                        <a:ea typeface="Calibri" panose="020F0502020204030204" pitchFamily="34" charset="0"/>
+                        <a:cs typeface="Times New Roman" panose="02020603050405020304" pitchFamily="18" charset="0"/>
+                      </a:endParaRPr>
+                    </a:p>
+                  </a:txBody>
+                  <a:tcPr marL="68580" marR="68580" marT="0" marB="0"/>
+                </a:tc>
+              </a:tr>
+              <a:tr h="418975">
+                <a:tc>
+                  <a:txBody>
+                    <a:bodyPr/>
+                    <a:lstStyle/>
+                    <a:p>
+                      <a:pPr marL="0" marR="0" algn="r">
+                        <a:spcBef>
+                          <a:spcPts val="0"/>
+                        </a:spcBef>
+                        <a:spcAft>
+                          <a:spcPts val="0"/>
+                        </a:spcAft>
+                      </a:pPr>
+                      <a:r>
+                        <a:rPr lang="en-US" sz="1100">
+                          <a:effectLst/>
+                        </a:rPr>
+                        <a:t>Mass</a:t>
+                      </a:r>
+                      <a:endParaRPr lang="en-US" sz="1100">
+                        <a:effectLst/>
+                        <a:latin typeface="Calibri" panose="020F0502020204030204" pitchFamily="34" charset="0"/>
+                        <a:ea typeface="Calibri" panose="020F0502020204030204" pitchFamily="34" charset="0"/>
+                        <a:cs typeface="Times New Roman" panose="02020603050405020304" pitchFamily="18" charset="0"/>
+                      </a:endParaRPr>
+                    </a:p>
+                  </a:txBody>
+                  <a:tcPr marL="68580" marR="68580" marT="0" marB="0"/>
+                </a:tc>
+                <a:tc>
+                  <a:txBody>
+                    <a:bodyPr/>
+                    <a:lstStyle/>
+                    <a:p>
+                      <a:pPr marL="0" marR="0">
+                        <a:spcBef>
+                          <a:spcPts val="0"/>
+                        </a:spcBef>
+                        <a:spcAft>
+                          <a:spcPts val="0"/>
+                        </a:spcAft>
+                      </a:pPr>
+                      <a:r>
+                        <a:rPr lang="en-US" sz="1100" dirty="0">
+                          <a:effectLst/>
+                        </a:rPr>
+                        <a:t>Headset: 1 kg</a:t>
+                      </a:r>
+                    </a:p>
+                    <a:p>
+                      <a:pPr marL="0" marR="0">
+                        <a:spcBef>
+                          <a:spcPts val="0"/>
+                        </a:spcBef>
+                        <a:spcAft>
+                          <a:spcPts val="0"/>
+                        </a:spcAft>
+                      </a:pPr>
+                      <a:r>
+                        <a:rPr lang="en-US" sz="1100">
+                          <a:effectLst/>
+                        </a:rPr>
+                        <a:t>Backpack: 3 kg</a:t>
+                      </a:r>
+                      <a:endParaRPr lang="en-US" sz="1100">
+                        <a:effectLst/>
+                        <a:latin typeface="Calibri" panose="020F0502020204030204" pitchFamily="34" charset="0"/>
+                        <a:ea typeface="Calibri" panose="020F0502020204030204" pitchFamily="34" charset="0"/>
+                        <a:cs typeface="Times New Roman" panose="02020603050405020304" pitchFamily="18" charset="0"/>
+                      </a:endParaRPr>
+                    </a:p>
+                  </a:txBody>
+                  <a:tcPr marL="68580" marR="68580" marT="0" marB="0"/>
+                </a:tc>
+                <a:tc>
+                  <a:txBody>
+                    <a:bodyPr/>
+                    <a:lstStyle/>
+                    <a:p>
+                      <a:pPr marL="0" marR="0">
+                        <a:spcBef>
+                          <a:spcPts val="0"/>
+                        </a:spcBef>
+                        <a:spcAft>
+                          <a:spcPts val="0"/>
+                        </a:spcAft>
+                      </a:pPr>
+                      <a:r>
+                        <a:rPr lang="en-US" sz="1100">
+                          <a:effectLst/>
+                        </a:rPr>
+                        <a:t>Neither the headset nor the backpack can be too heavy to impede the performance of typical activities by the user.</a:t>
+                      </a:r>
+                      <a:endParaRPr lang="en-US" sz="1100">
+                        <a:effectLst/>
+                        <a:latin typeface="Calibri" panose="020F0502020204030204" pitchFamily="34" charset="0"/>
+                        <a:ea typeface="Calibri" panose="020F0502020204030204" pitchFamily="34" charset="0"/>
+                        <a:cs typeface="Times New Roman" panose="02020603050405020304" pitchFamily="18" charset="0"/>
+                      </a:endParaRPr>
+                    </a:p>
+                  </a:txBody>
+                  <a:tcPr marL="68580" marR="68580" marT="0" marB="0"/>
+                </a:tc>
+              </a:tr>
+              <a:tr h="628463">
+                <a:tc>
+                  <a:txBody>
+                    <a:bodyPr/>
+                    <a:lstStyle/>
+                    <a:p>
+                      <a:pPr marL="0" marR="0" algn="r">
+                        <a:spcBef>
+                          <a:spcPts val="0"/>
+                        </a:spcBef>
+                        <a:spcAft>
+                          <a:spcPts val="0"/>
+                        </a:spcAft>
+                      </a:pPr>
+                      <a:r>
+                        <a:rPr lang="en-US" sz="1100">
+                          <a:effectLst/>
+                        </a:rPr>
+                        <a:t>Power</a:t>
+                      </a:r>
+                      <a:endParaRPr lang="en-US" sz="1100">
+                        <a:effectLst/>
+                        <a:latin typeface="Calibri" panose="020F0502020204030204" pitchFamily="34" charset="0"/>
+                        <a:ea typeface="Calibri" panose="020F0502020204030204" pitchFamily="34" charset="0"/>
+                        <a:cs typeface="Times New Roman" panose="02020603050405020304" pitchFamily="18" charset="0"/>
+                      </a:endParaRPr>
+                    </a:p>
+                  </a:txBody>
+                  <a:tcPr marL="68580" marR="68580" marT="0" marB="0"/>
+                </a:tc>
+                <a:tc>
+                  <a:txBody>
+                    <a:bodyPr/>
+                    <a:lstStyle/>
+                    <a:p>
+                      <a:pPr marL="0" marR="0">
+                        <a:spcBef>
+                          <a:spcPts val="0"/>
+                        </a:spcBef>
+                        <a:spcAft>
+                          <a:spcPts val="0"/>
+                        </a:spcAft>
+                      </a:pPr>
+                      <a:r>
+                        <a:rPr lang="en-US" sz="1100">
+                          <a:effectLst/>
+                        </a:rPr>
+                        <a:t>3 hours runtime</a:t>
+                      </a:r>
+                      <a:endParaRPr lang="en-US" sz="1100">
+                        <a:effectLst/>
+                        <a:latin typeface="Calibri" panose="020F0502020204030204" pitchFamily="34" charset="0"/>
+                        <a:ea typeface="Calibri" panose="020F0502020204030204" pitchFamily="34" charset="0"/>
+                        <a:cs typeface="Times New Roman" panose="02020603050405020304" pitchFamily="18" charset="0"/>
+                      </a:endParaRPr>
+                    </a:p>
+                  </a:txBody>
+                  <a:tcPr marL="68580" marR="68580" marT="0" marB="0"/>
+                </a:tc>
+                <a:tc>
+                  <a:txBody>
+                    <a:bodyPr/>
+                    <a:lstStyle/>
+                    <a:p>
+                      <a:pPr marL="0" marR="0">
+                        <a:spcBef>
+                          <a:spcPts val="0"/>
+                        </a:spcBef>
+                        <a:spcAft>
+                          <a:spcPts val="0"/>
+                        </a:spcAft>
+                      </a:pPr>
+                      <a:r>
+                        <a:rPr lang="en-US" sz="1100">
+                          <a:effectLst/>
+                        </a:rPr>
+                        <a:t>Augmented reality applications run for long durations, so the device must operate long enough on battery power to be usable. The remaining battery capacity should be displayed to the user.</a:t>
+                      </a:r>
+                      <a:endParaRPr lang="en-US" sz="1100">
+                        <a:effectLst/>
+                        <a:latin typeface="Calibri" panose="020F0502020204030204" pitchFamily="34" charset="0"/>
+                        <a:ea typeface="Calibri" panose="020F0502020204030204" pitchFamily="34" charset="0"/>
+                        <a:cs typeface="Times New Roman" panose="02020603050405020304" pitchFamily="18" charset="0"/>
+                      </a:endParaRPr>
+                    </a:p>
+                  </a:txBody>
+                  <a:tcPr marL="68580" marR="68580" marT="0" marB="0"/>
+                </a:tc>
+              </a:tr>
+              <a:tr h="628463">
+                <a:tc>
+                  <a:txBody>
+                    <a:bodyPr/>
+                    <a:lstStyle/>
+                    <a:p>
+                      <a:pPr marL="0" marR="0" algn="r">
+                        <a:spcBef>
+                          <a:spcPts val="0"/>
+                        </a:spcBef>
+                        <a:spcAft>
+                          <a:spcPts val="0"/>
+                        </a:spcAft>
+                      </a:pPr>
+                      <a:r>
+                        <a:rPr lang="en-US" sz="1100">
+                          <a:effectLst/>
+                        </a:rPr>
+                        <a:t>Location</a:t>
+                      </a:r>
+                      <a:endParaRPr lang="en-US" sz="1100">
+                        <a:effectLst/>
+                        <a:latin typeface="Calibri" panose="020F0502020204030204" pitchFamily="34" charset="0"/>
+                        <a:ea typeface="Calibri" panose="020F0502020204030204" pitchFamily="34" charset="0"/>
+                        <a:cs typeface="Times New Roman" panose="02020603050405020304" pitchFamily="18" charset="0"/>
+                      </a:endParaRPr>
+                    </a:p>
+                  </a:txBody>
+                  <a:tcPr marL="68580" marR="68580" marT="0" marB="0"/>
+                </a:tc>
+                <a:tc>
+                  <a:txBody>
+                    <a:bodyPr/>
+                    <a:lstStyle/>
+                    <a:p>
+                      <a:pPr marL="0" marR="0">
+                        <a:spcBef>
+                          <a:spcPts val="0"/>
+                        </a:spcBef>
+                        <a:spcAft>
+                          <a:spcPts val="0"/>
+                        </a:spcAft>
+                      </a:pPr>
+                      <a:r>
+                        <a:rPr lang="en-US" sz="1100">
+                          <a:effectLst/>
+                        </a:rPr>
+                        <a:t>Minimum 2 meter accuracy and precision</a:t>
+                      </a:r>
+                      <a:endParaRPr lang="en-US" sz="1100">
+                        <a:effectLst/>
+                        <a:latin typeface="Calibri" panose="020F0502020204030204" pitchFamily="34" charset="0"/>
+                        <a:ea typeface="Calibri" panose="020F0502020204030204" pitchFamily="34" charset="0"/>
+                        <a:cs typeface="Times New Roman" panose="02020603050405020304" pitchFamily="18" charset="0"/>
+                      </a:endParaRPr>
+                    </a:p>
+                  </a:txBody>
+                  <a:tcPr marL="68580" marR="68580" marT="0" marB="0"/>
+                </a:tc>
+                <a:tc>
+                  <a:txBody>
+                    <a:bodyPr/>
+                    <a:lstStyle/>
+                    <a:p>
+                      <a:pPr marL="0" marR="0">
+                        <a:spcBef>
+                          <a:spcPts val="0"/>
+                        </a:spcBef>
+                        <a:spcAft>
+                          <a:spcPts val="0"/>
+                        </a:spcAft>
+                      </a:pPr>
+                      <a:r>
+                        <a:rPr lang="en-US" sz="1100">
+                          <a:effectLst/>
+                        </a:rPr>
+                        <a:t>The accuracy of the rendered virtual world depends heavily on the accuracy and precision of the user’s geospatial position.</a:t>
+                      </a:r>
+                      <a:endParaRPr lang="en-US" sz="1100">
+                        <a:effectLst/>
+                        <a:latin typeface="Calibri" panose="020F0502020204030204" pitchFamily="34" charset="0"/>
+                        <a:ea typeface="Calibri" panose="020F0502020204030204" pitchFamily="34" charset="0"/>
+                        <a:cs typeface="Times New Roman" panose="02020603050405020304" pitchFamily="18" charset="0"/>
+                      </a:endParaRPr>
+                    </a:p>
+                  </a:txBody>
+                  <a:tcPr marL="68580" marR="68580" marT="0" marB="0"/>
+                </a:tc>
+              </a:tr>
+              <a:tr h="934759">
+                <a:tc>
+                  <a:txBody>
+                    <a:bodyPr/>
+                    <a:lstStyle/>
+                    <a:p>
+                      <a:pPr marL="0" marR="0" algn="r">
+                        <a:spcBef>
+                          <a:spcPts val="0"/>
+                        </a:spcBef>
+                        <a:spcAft>
+                          <a:spcPts val="0"/>
+                        </a:spcAft>
+                      </a:pPr>
+                      <a:r>
+                        <a:rPr lang="en-US" sz="1100">
+                          <a:effectLst/>
+                        </a:rPr>
+                        <a:t>Wireless</a:t>
+                      </a:r>
+                      <a:endParaRPr lang="en-US" sz="1100">
+                        <a:effectLst/>
+                        <a:latin typeface="Calibri" panose="020F0502020204030204" pitchFamily="34" charset="0"/>
+                        <a:ea typeface="Calibri" panose="020F0502020204030204" pitchFamily="34" charset="0"/>
+                        <a:cs typeface="Times New Roman" panose="02020603050405020304" pitchFamily="18" charset="0"/>
+                      </a:endParaRPr>
+                    </a:p>
+                  </a:txBody>
+                  <a:tcPr marL="68580" marR="68580" marT="0" marB="0"/>
+                </a:tc>
+                <a:tc>
+                  <a:txBody>
+                    <a:bodyPr/>
+                    <a:lstStyle/>
+                    <a:p>
+                      <a:pPr marL="0" marR="0">
+                        <a:spcBef>
+                          <a:spcPts val="0"/>
+                        </a:spcBef>
+                        <a:spcAft>
+                          <a:spcPts val="0"/>
+                        </a:spcAft>
+                      </a:pPr>
+                      <a:r>
+                        <a:rPr lang="en-US" sz="1100">
+                          <a:effectLst/>
+                        </a:rPr>
+                        <a:t>80 m range, line of sight</a:t>
+                      </a:r>
+                      <a:endParaRPr lang="en-US" sz="1100">
+                        <a:effectLst/>
+                        <a:latin typeface="Calibri" panose="020F0502020204030204" pitchFamily="34" charset="0"/>
+                        <a:ea typeface="Calibri" panose="020F0502020204030204" pitchFamily="34" charset="0"/>
+                        <a:cs typeface="Times New Roman" panose="02020603050405020304" pitchFamily="18" charset="0"/>
+                      </a:endParaRPr>
+                    </a:p>
+                  </a:txBody>
+                  <a:tcPr marL="68580" marR="68580" marT="0" marB="0"/>
+                </a:tc>
+                <a:tc>
+                  <a:txBody>
+                    <a:bodyPr/>
+                    <a:lstStyle/>
+                    <a:p>
+                      <a:pPr marL="0" marR="0">
+                        <a:spcBef>
+                          <a:spcPts val="0"/>
+                        </a:spcBef>
+                        <a:spcAft>
+                          <a:spcPts val="0"/>
+                        </a:spcAft>
+                      </a:pPr>
+                      <a:r>
+                        <a:rPr lang="en-US" sz="1100">
+                          <a:effectLst/>
+                        </a:rPr>
+                        <a:t>A unique feature of this device is the wireless coordination capability of multiple headsets in the same virtual environment. The current wireless signal strength should be reported to the user.</a:t>
+                      </a:r>
+                      <a:endParaRPr lang="en-US" sz="1100">
+                        <a:effectLst/>
+                        <a:latin typeface="Calibri" panose="020F0502020204030204" pitchFamily="34" charset="0"/>
+                        <a:ea typeface="Calibri" panose="020F0502020204030204" pitchFamily="34" charset="0"/>
+                        <a:cs typeface="Times New Roman" panose="02020603050405020304" pitchFamily="18" charset="0"/>
+                      </a:endParaRPr>
+                    </a:p>
+                  </a:txBody>
+                  <a:tcPr marL="68580" marR="68580" marT="0" marB="0"/>
+                </a:tc>
+              </a:tr>
+              <a:tr h="1047438">
+                <a:tc>
+                  <a:txBody>
+                    <a:bodyPr/>
+                    <a:lstStyle/>
+                    <a:p>
+                      <a:pPr marL="0" marR="0" algn="r">
+                        <a:spcBef>
+                          <a:spcPts val="0"/>
+                        </a:spcBef>
+                        <a:spcAft>
+                          <a:spcPts val="0"/>
+                        </a:spcAft>
+                      </a:pPr>
+                      <a:r>
+                        <a:rPr lang="en-US" sz="1100">
+                          <a:effectLst/>
+                        </a:rPr>
+                        <a:t>Comfort</a:t>
+                      </a:r>
+                      <a:endParaRPr lang="en-US" sz="1100">
+                        <a:effectLst/>
+                        <a:latin typeface="Calibri" panose="020F0502020204030204" pitchFamily="34" charset="0"/>
+                        <a:ea typeface="Calibri" panose="020F0502020204030204" pitchFamily="34" charset="0"/>
+                        <a:cs typeface="Times New Roman" panose="02020603050405020304" pitchFamily="18" charset="0"/>
+                      </a:endParaRPr>
+                    </a:p>
+                  </a:txBody>
+                  <a:tcPr marL="68580" marR="68580" marT="0" marB="0"/>
+                </a:tc>
+                <a:tc>
+                  <a:txBody>
+                    <a:bodyPr/>
+                    <a:lstStyle/>
+                    <a:p>
+                      <a:pPr marL="0" marR="0">
+                        <a:spcBef>
+                          <a:spcPts val="0"/>
+                        </a:spcBef>
+                        <a:spcAft>
+                          <a:spcPts val="0"/>
+                        </a:spcAft>
+                      </a:pPr>
+                      <a:r>
+                        <a:rPr lang="en-US" sz="1100">
+                          <a:effectLst/>
+                        </a:rPr>
+                        <a:t>No running speed or vision reduction</a:t>
+                      </a:r>
+                      <a:endParaRPr lang="en-US" sz="1100">
+                        <a:effectLst/>
+                        <a:latin typeface="Calibri" panose="020F0502020204030204" pitchFamily="34" charset="0"/>
+                        <a:ea typeface="Calibri" panose="020F0502020204030204" pitchFamily="34" charset="0"/>
+                        <a:cs typeface="Times New Roman" panose="02020603050405020304" pitchFamily="18" charset="0"/>
+                      </a:endParaRPr>
+                    </a:p>
+                  </a:txBody>
+                  <a:tcPr marL="68580" marR="68580" marT="0" marB="0"/>
+                </a:tc>
+                <a:tc>
+                  <a:txBody>
+                    <a:bodyPr/>
+                    <a:lstStyle/>
+                    <a:p>
+                      <a:pPr marL="0" marR="0">
+                        <a:spcBef>
+                          <a:spcPts val="0"/>
+                        </a:spcBef>
+                        <a:spcAft>
+                          <a:spcPts val="0"/>
+                        </a:spcAft>
+                      </a:pPr>
+                      <a:r>
+                        <a:rPr lang="en-US" sz="1100">
+                          <a:effectLst/>
+                        </a:rPr>
+                        <a:t>Ideally, the user would be able to perform actions without a noticeable burden on the user. It is difficult to quantitatively measure comfort, but the user should be able to orient their head, see the environment, and move from place to place as effectively as if the device was not worn.</a:t>
+                      </a:r>
+                      <a:endParaRPr lang="en-US" sz="1100">
+                        <a:effectLst/>
+                        <a:latin typeface="Calibri" panose="020F0502020204030204" pitchFamily="34" charset="0"/>
+                        <a:ea typeface="Calibri" panose="020F0502020204030204" pitchFamily="34" charset="0"/>
+                        <a:cs typeface="Times New Roman" panose="02020603050405020304" pitchFamily="18" charset="0"/>
+                      </a:endParaRPr>
+                    </a:p>
+                  </a:txBody>
+                  <a:tcPr marL="68580" marR="68580" marT="0" marB="0"/>
+                </a:tc>
+              </a:tr>
+              <a:tr h="837951">
+                <a:tc>
+                  <a:txBody>
+                    <a:bodyPr/>
+                    <a:lstStyle/>
+                    <a:p>
+                      <a:pPr marL="0" marR="0" algn="r">
+                        <a:spcBef>
+                          <a:spcPts val="0"/>
+                        </a:spcBef>
+                        <a:spcAft>
+                          <a:spcPts val="0"/>
+                        </a:spcAft>
+                      </a:pPr>
+                      <a:r>
+                        <a:rPr lang="en-US" sz="1100">
+                          <a:effectLst/>
+                        </a:rPr>
+                        <a:t>Durability</a:t>
+                      </a:r>
+                      <a:endParaRPr lang="en-US" sz="1100">
+                        <a:effectLst/>
+                        <a:latin typeface="Calibri" panose="020F0502020204030204" pitchFamily="34" charset="0"/>
+                        <a:ea typeface="Calibri" panose="020F0502020204030204" pitchFamily="34" charset="0"/>
+                        <a:cs typeface="Times New Roman" panose="02020603050405020304" pitchFamily="18" charset="0"/>
+                      </a:endParaRPr>
+                    </a:p>
+                  </a:txBody>
+                  <a:tcPr marL="68580" marR="68580" marT="0" marB="0"/>
+                </a:tc>
+                <a:tc>
+                  <a:txBody>
+                    <a:bodyPr/>
+                    <a:lstStyle/>
+                    <a:p>
+                      <a:pPr marL="0" marR="0">
+                        <a:spcBef>
+                          <a:spcPts val="0"/>
+                        </a:spcBef>
+                        <a:spcAft>
+                          <a:spcPts val="0"/>
+                        </a:spcAft>
+                      </a:pPr>
+                      <a:r>
+                        <a:rPr lang="en-US" sz="1100">
+                          <a:effectLst/>
+                        </a:rPr>
+                        <a:t>Operate from 0 to 40 C indoors and outdoors in dry conditions</a:t>
+                      </a:r>
+                      <a:endParaRPr lang="en-US" sz="1100">
+                        <a:effectLst/>
+                        <a:latin typeface="Calibri" panose="020F0502020204030204" pitchFamily="34" charset="0"/>
+                        <a:ea typeface="Calibri" panose="020F0502020204030204" pitchFamily="34" charset="0"/>
+                        <a:cs typeface="Times New Roman" panose="02020603050405020304" pitchFamily="18" charset="0"/>
+                      </a:endParaRPr>
+                    </a:p>
+                  </a:txBody>
+                  <a:tcPr marL="68580" marR="68580" marT="0" marB="0"/>
+                </a:tc>
+                <a:tc>
+                  <a:txBody>
+                    <a:bodyPr/>
+                    <a:lstStyle/>
+                    <a:p>
+                      <a:pPr marL="0" marR="0">
+                        <a:spcBef>
+                          <a:spcPts val="0"/>
+                        </a:spcBef>
+                        <a:spcAft>
+                          <a:spcPts val="0"/>
+                        </a:spcAft>
+                      </a:pPr>
+                      <a:r>
+                        <a:rPr lang="en-US" sz="1100">
+                          <a:effectLst/>
+                        </a:rPr>
+                        <a:t>Most augmented reality applications involve users walking or running, which will subject the device to vibration and light impacts. In addition, sunlight, humidity, and dust are inherent concerns for a portable device.</a:t>
+                      </a:r>
+                      <a:endParaRPr lang="en-US" sz="1100">
+                        <a:effectLst/>
+                        <a:latin typeface="Calibri" panose="020F0502020204030204" pitchFamily="34" charset="0"/>
+                        <a:ea typeface="Calibri" panose="020F0502020204030204" pitchFamily="34" charset="0"/>
+                        <a:cs typeface="Times New Roman" panose="02020603050405020304" pitchFamily="18" charset="0"/>
+                      </a:endParaRPr>
+                    </a:p>
+                  </a:txBody>
+                  <a:tcPr marL="68580" marR="68580" marT="0" marB="0"/>
+                </a:tc>
+              </a:tr>
+              <a:tr h="628463">
+                <a:tc>
+                  <a:txBody>
+                    <a:bodyPr/>
+                    <a:lstStyle/>
+                    <a:p>
+                      <a:pPr marL="0" marR="0" algn="r">
+                        <a:spcBef>
+                          <a:spcPts val="0"/>
+                        </a:spcBef>
+                        <a:spcAft>
+                          <a:spcPts val="0"/>
+                        </a:spcAft>
+                      </a:pPr>
+                      <a:r>
+                        <a:rPr lang="en-US" sz="1100">
+                          <a:effectLst/>
+                        </a:rPr>
+                        <a:t>Usability</a:t>
+                      </a:r>
+                      <a:endParaRPr lang="en-US" sz="1100">
+                        <a:effectLst/>
+                        <a:latin typeface="Calibri" panose="020F0502020204030204" pitchFamily="34" charset="0"/>
+                        <a:ea typeface="Calibri" panose="020F0502020204030204" pitchFamily="34" charset="0"/>
+                        <a:cs typeface="Times New Roman" panose="02020603050405020304" pitchFamily="18" charset="0"/>
+                      </a:endParaRPr>
+                    </a:p>
+                  </a:txBody>
+                  <a:tcPr marL="68580" marR="68580" marT="0" marB="0"/>
+                </a:tc>
+                <a:tc>
+                  <a:txBody>
+                    <a:bodyPr/>
+                    <a:lstStyle/>
+                    <a:p>
+                      <a:pPr marL="0" marR="0">
+                        <a:spcBef>
+                          <a:spcPts val="0"/>
+                        </a:spcBef>
+                        <a:spcAft>
+                          <a:spcPts val="0"/>
+                        </a:spcAft>
+                      </a:pPr>
+                      <a:r>
+                        <a:rPr lang="en-US" sz="1100">
+                          <a:effectLst/>
+                        </a:rPr>
+                        <a:t>End user can start up and use device without a technician</a:t>
+                      </a:r>
+                      <a:endParaRPr lang="en-US" sz="1100">
+                        <a:effectLst/>
+                        <a:latin typeface="Calibri" panose="020F0502020204030204" pitchFamily="34" charset="0"/>
+                        <a:ea typeface="Calibri" panose="020F0502020204030204" pitchFamily="34" charset="0"/>
+                        <a:cs typeface="Times New Roman" panose="02020603050405020304" pitchFamily="18" charset="0"/>
+                      </a:endParaRPr>
+                    </a:p>
+                  </a:txBody>
+                  <a:tcPr marL="68580" marR="68580" marT="0" marB="0"/>
+                </a:tc>
+                <a:tc>
+                  <a:txBody>
+                    <a:bodyPr/>
+                    <a:lstStyle/>
+                    <a:p>
+                      <a:pPr marL="0" marR="0">
+                        <a:spcBef>
+                          <a:spcPts val="0"/>
+                        </a:spcBef>
+                        <a:spcAft>
+                          <a:spcPts val="0"/>
+                        </a:spcAft>
+                      </a:pPr>
+                      <a:r>
+                        <a:rPr lang="en-US" sz="1100" dirty="0">
+                          <a:effectLst/>
+                        </a:rPr>
+                        <a:t>A user unfamiliar with the device technical details must be able to power on the device, perform start-up procedures such as wireless connection, and load the desired application.</a:t>
+                      </a:r>
+                      <a:endParaRPr lang="en-US" sz="1100" dirty="0">
+                        <a:effectLst/>
+                        <a:latin typeface="Calibri" panose="020F0502020204030204" pitchFamily="34" charset="0"/>
+                        <a:ea typeface="Calibri" panose="020F0502020204030204" pitchFamily="34" charset="0"/>
+                        <a:cs typeface="Times New Roman" panose="02020603050405020304" pitchFamily="18" charset="0"/>
+                      </a:endParaRPr>
+                    </a:p>
+                  </a:txBody>
+                  <a:tcPr marL="68580" marR="68580" marT="0" marB="0"/>
+                </a:tc>
+              </a:tr>
+            </a:tbl>
+          </a:graphicData>
+        </a:graphic>
+      </p:graphicFrame>
     </p:spTree>
     <p:extLst>
       <p:ext uri="{BB962C8B-B14F-4D97-AF65-F5344CB8AC3E}">
-        <p14:creationId xmlns:p14="http://schemas.microsoft.com/office/powerpoint/2010/main" val="3540674889"/>
+        <p14:creationId xmlns:p14="http://schemas.microsoft.com/office/powerpoint/2010/main" val="3965532159"/>
       </p:ext>
     </p:extLst>
   </p:cSld>
   <p:clrMapOvr>
     <a:masterClrMapping/>
   </p:clrMapOvr>
+  <p:timing>
+    <p:tnLst>
+      <p:par>
+        <p:cTn id="1" dur="indefinite" restart="never" nodeType="tmRoot"/>
+      </p:par>
+    </p:tnLst>
+  </p:timing>
 </p:sld>
 </file>
 
@@ -8090,83 +8686,723 @@
           <a:chExt cx="0" cy="0"/>
         </a:xfrm>
       </p:grpSpPr>
-      <p:sp>
-        <p:nvSpPr>
-          <p:cNvPr id="2" name="Content Placeholder 1"/>
-          <p:cNvSpPr>
-            <a:spLocks noGrp="1"/>
-          </p:cNvSpPr>
+      <p:graphicFrame>
+        <p:nvGraphicFramePr>
+          <p:cNvPr id="6" name="Content Placeholder 5"/>
+          <p:cNvGraphicFramePr>
+            <a:graphicFrameLocks noGrp="1"/>
+          </p:cNvGraphicFramePr>
           <p:nvPr>
             <p:ph idx="1"/>
-          </p:nvPr>
-        </p:nvSpPr>
-        <p:spPr/>
-        <p:txBody>
-          <a:bodyPr>
-            <a:normAutofit/>
-          </a:bodyPr>
-          <a:lstStyle/>
-          <a:p>
-            <a:r>
-              <a:rPr lang="en-US" sz="2400" dirty="0" smtClean="0"/>
-              <a:t>Display virtual environment overlay on real world</a:t>
-            </a:r>
-          </a:p>
-          <a:p>
-            <a:pPr lvl="1"/>
-            <a:r>
-              <a:rPr lang="en-US" sz="2000" dirty="0" smtClean="0"/>
-              <a:t>Preserves real-world depth perception</a:t>
-            </a:r>
-          </a:p>
-          <a:p>
-            <a:pPr lvl="1"/>
-            <a:r>
-              <a:rPr lang="en-US" sz="2000" dirty="0" smtClean="0"/>
-              <a:t>Large field of view</a:t>
-            </a:r>
-          </a:p>
-          <a:p>
-            <a:pPr lvl="1"/>
-            <a:r>
-              <a:rPr lang="en-US" sz="2000" dirty="0" smtClean="0"/>
-              <a:t>Both worlds perceptible simultaneously</a:t>
-            </a:r>
-          </a:p>
-          <a:p>
-            <a:r>
-              <a:rPr lang="en-US" sz="2400" dirty="0" smtClean="0"/>
-              <a:t>User head and position tracking</a:t>
-            </a:r>
-          </a:p>
-          <a:p>
-            <a:pPr lvl="1"/>
-            <a:r>
-              <a:rPr lang="en-US" sz="2000" dirty="0" smtClean="0"/>
-              <a:t>Filtering algorithm for inertial measurement data</a:t>
-            </a:r>
-          </a:p>
-          <a:p>
-            <a:r>
-              <a:rPr lang="en-US" sz="2400" dirty="0" smtClean="0"/>
-              <a:t>Portability and battery operation</a:t>
-            </a:r>
-          </a:p>
-          <a:p>
-            <a:r>
-              <a:rPr lang="en-US" sz="2400" dirty="0" smtClean="0"/>
-              <a:t>Wireless communication to other headsets</a:t>
-            </a:r>
-          </a:p>
-          <a:p>
-            <a:pPr lvl="1"/>
-            <a:r>
-              <a:rPr lang="en-US" sz="2000" dirty="0" smtClean="0"/>
-              <a:t>Multi-user augmented reality</a:t>
-            </a:r>
-          </a:p>
-        </p:txBody>
-      </p:sp>
+            <p:extLst>
+              <p:ext uri="{D42A27DB-BD31-4B8C-83A1-F6EECF244321}">
+                <p14:modId xmlns:p14="http://schemas.microsoft.com/office/powerpoint/2010/main" val="2523629795"/>
+              </p:ext>
+            </p:extLst>
+          </p:nvPr>
+        </p:nvGraphicFramePr>
+        <p:xfrm>
+          <a:off x="152400" y="1371600"/>
+          <a:ext cx="8839200" cy="5334001"/>
+        </p:xfrm>
+        <a:graphic>
+          <a:graphicData uri="http://schemas.openxmlformats.org/drawingml/2006/table">
+            <a:tbl>
+              <a:tblPr firstRow="1" firstCol="1" bandRow="1">
+                <a:tableStyleId>{5C22544A-7EE6-4342-B048-85BDC9FD1C3A}</a:tableStyleId>
+              </a:tblPr>
+              <a:tblGrid>
+                <a:gridCol w="1579996"/>
+                <a:gridCol w="1399174"/>
+                <a:gridCol w="5860030"/>
+              </a:tblGrid>
+              <a:tr h="242455">
+                <a:tc>
+                  <a:txBody>
+                    <a:bodyPr/>
+                    <a:lstStyle/>
+                    <a:p>
+                      <a:pPr marL="0" marR="0" algn="ctr">
+                        <a:spcBef>
+                          <a:spcPts val="0"/>
+                        </a:spcBef>
+                        <a:spcAft>
+                          <a:spcPts val="0"/>
+                        </a:spcAft>
+                      </a:pPr>
+                      <a:r>
+                        <a:rPr lang="en-US" sz="1100">
+                          <a:effectLst/>
+                        </a:rPr>
+                        <a:t>Metric</a:t>
+                      </a:r>
+                      <a:endParaRPr lang="en-US" sz="1100">
+                        <a:effectLst/>
+                        <a:latin typeface="Calibri" panose="020F0502020204030204" pitchFamily="34" charset="0"/>
+                        <a:ea typeface="Calibri" panose="020F0502020204030204" pitchFamily="34" charset="0"/>
+                        <a:cs typeface="Times New Roman" panose="02020603050405020304" pitchFamily="18" charset="0"/>
+                      </a:endParaRPr>
+                    </a:p>
+                  </a:txBody>
+                  <a:tcPr marL="68580" marR="68580" marT="0" marB="0"/>
+                </a:tc>
+                <a:tc>
+                  <a:txBody>
+                    <a:bodyPr/>
+                    <a:lstStyle/>
+                    <a:p>
+                      <a:pPr marL="0" marR="0" algn="ctr">
+                        <a:spcBef>
+                          <a:spcPts val="0"/>
+                        </a:spcBef>
+                        <a:spcAft>
+                          <a:spcPts val="0"/>
+                        </a:spcAft>
+                      </a:pPr>
+                      <a:r>
+                        <a:rPr lang="en-US" sz="1100">
+                          <a:effectLst/>
+                        </a:rPr>
+                        <a:t>Target</a:t>
+                      </a:r>
+                      <a:endParaRPr lang="en-US" sz="1100">
+                        <a:effectLst/>
+                        <a:latin typeface="Calibri" panose="020F0502020204030204" pitchFamily="34" charset="0"/>
+                        <a:ea typeface="Calibri" panose="020F0502020204030204" pitchFamily="34" charset="0"/>
+                        <a:cs typeface="Times New Roman" panose="02020603050405020304" pitchFamily="18" charset="0"/>
+                      </a:endParaRPr>
+                    </a:p>
+                  </a:txBody>
+                  <a:tcPr marL="68580" marR="68580" marT="0" marB="0"/>
+                </a:tc>
+                <a:tc>
+                  <a:txBody>
+                    <a:bodyPr/>
+                    <a:lstStyle/>
+                    <a:p>
+                      <a:pPr marL="0" marR="0" algn="ctr">
+                        <a:spcBef>
+                          <a:spcPts val="0"/>
+                        </a:spcBef>
+                        <a:spcAft>
+                          <a:spcPts val="0"/>
+                        </a:spcAft>
+                      </a:pPr>
+                      <a:r>
+                        <a:rPr lang="en-US" sz="1100">
+                          <a:effectLst/>
+                        </a:rPr>
+                        <a:t>Description</a:t>
+                      </a:r>
+                      <a:endParaRPr lang="en-US" sz="1100">
+                        <a:effectLst/>
+                        <a:latin typeface="Calibri" panose="020F0502020204030204" pitchFamily="34" charset="0"/>
+                        <a:ea typeface="Calibri" panose="020F0502020204030204" pitchFamily="34" charset="0"/>
+                        <a:cs typeface="Times New Roman" panose="02020603050405020304" pitchFamily="18" charset="0"/>
+                      </a:endParaRPr>
+                    </a:p>
+                  </a:txBody>
+                  <a:tcPr marL="68580" marR="68580" marT="0" marB="0"/>
+                </a:tc>
+              </a:tr>
+              <a:tr h="727364">
+                <a:tc>
+                  <a:txBody>
+                    <a:bodyPr/>
+                    <a:lstStyle/>
+                    <a:p>
+                      <a:pPr marL="0" marR="0" algn="ctr">
+                        <a:spcBef>
+                          <a:spcPts val="0"/>
+                        </a:spcBef>
+                        <a:spcAft>
+                          <a:spcPts val="0"/>
+                        </a:spcAft>
+                      </a:pPr>
+                      <a:r>
+                        <a:rPr lang="en-US" sz="1100">
+                          <a:effectLst/>
+                        </a:rPr>
+                        <a:t>3D Graphics</a:t>
+                      </a:r>
+                      <a:endParaRPr lang="en-US" sz="1100">
+                        <a:effectLst/>
+                        <a:latin typeface="Calibri" panose="020F0502020204030204" pitchFamily="34" charset="0"/>
+                        <a:ea typeface="Calibri" panose="020F0502020204030204" pitchFamily="34" charset="0"/>
+                        <a:cs typeface="Times New Roman" panose="02020603050405020304" pitchFamily="18" charset="0"/>
+                      </a:endParaRPr>
+                    </a:p>
+                  </a:txBody>
+                  <a:tcPr marL="68580" marR="68580" marT="0" marB="0"/>
+                </a:tc>
+                <a:tc>
+                  <a:txBody>
+                    <a:bodyPr/>
+                    <a:lstStyle/>
+                    <a:p>
+                      <a:pPr marL="0" marR="0">
+                        <a:spcBef>
+                          <a:spcPts val="0"/>
+                        </a:spcBef>
+                        <a:spcAft>
+                          <a:spcPts val="0"/>
+                        </a:spcAft>
+                      </a:pPr>
+                      <a:r>
+                        <a:rPr lang="en-US" sz="1100">
+                          <a:effectLst/>
+                        </a:rPr>
+                        <a:t>Minimum 5000 polygon count</a:t>
+                      </a:r>
+                      <a:endParaRPr lang="en-US" sz="1100">
+                        <a:effectLst/>
+                        <a:latin typeface="Calibri" panose="020F0502020204030204" pitchFamily="34" charset="0"/>
+                        <a:ea typeface="Calibri" panose="020F0502020204030204" pitchFamily="34" charset="0"/>
+                        <a:cs typeface="Times New Roman" panose="02020603050405020304" pitchFamily="18" charset="0"/>
+                      </a:endParaRPr>
+                    </a:p>
+                  </a:txBody>
+                  <a:tcPr marL="68580" marR="68580" marT="0" marB="0"/>
+                </a:tc>
+                <a:tc>
+                  <a:txBody>
+                    <a:bodyPr/>
+                    <a:lstStyle/>
+                    <a:p>
+                      <a:pPr marL="0" marR="0">
+                        <a:spcBef>
+                          <a:spcPts val="0"/>
+                        </a:spcBef>
+                        <a:spcAft>
+                          <a:spcPts val="0"/>
+                        </a:spcAft>
+                      </a:pPr>
+                      <a:r>
+                        <a:rPr lang="en-US" sz="1100">
+                          <a:effectLst/>
+                        </a:rPr>
+                        <a:t>The user will expect to see a good 3d image. Phase 2 offers opportunities to increase graphical performance.</a:t>
+                      </a:r>
+                      <a:endParaRPr lang="en-US" sz="1100">
+                        <a:effectLst/>
+                        <a:latin typeface="Calibri" panose="020F0502020204030204" pitchFamily="34" charset="0"/>
+                        <a:ea typeface="Calibri" panose="020F0502020204030204" pitchFamily="34" charset="0"/>
+                        <a:cs typeface="Times New Roman" panose="02020603050405020304" pitchFamily="18" charset="0"/>
+                      </a:endParaRPr>
+                    </a:p>
+                  </a:txBody>
+                  <a:tcPr marL="68580" marR="68580" marT="0" marB="0"/>
+                </a:tc>
+              </a:tr>
+              <a:tr h="727364">
+                <a:tc>
+                  <a:txBody>
+                    <a:bodyPr/>
+                    <a:lstStyle/>
+                    <a:p>
+                      <a:pPr marL="0" marR="0" algn="r">
+                        <a:spcBef>
+                          <a:spcPts val="0"/>
+                        </a:spcBef>
+                        <a:spcAft>
+                          <a:spcPts val="0"/>
+                        </a:spcAft>
+                      </a:pPr>
+                      <a:r>
+                        <a:rPr lang="en-US" sz="1100">
+                          <a:effectLst/>
+                        </a:rPr>
+                        <a:t>Graphics</a:t>
+                      </a:r>
+                      <a:endParaRPr lang="en-US" sz="1100">
+                        <a:effectLst/>
+                        <a:latin typeface="Calibri" panose="020F0502020204030204" pitchFamily="34" charset="0"/>
+                        <a:ea typeface="Calibri" panose="020F0502020204030204" pitchFamily="34" charset="0"/>
+                        <a:cs typeface="Times New Roman" panose="02020603050405020304" pitchFamily="18" charset="0"/>
+                      </a:endParaRPr>
+                    </a:p>
+                  </a:txBody>
+                  <a:tcPr marL="68580" marR="68580" marT="0" marB="0"/>
+                </a:tc>
+                <a:tc>
+                  <a:txBody>
+                    <a:bodyPr/>
+                    <a:lstStyle/>
+                    <a:p>
+                      <a:pPr marL="0" marR="0">
+                        <a:spcBef>
+                          <a:spcPts val="0"/>
+                        </a:spcBef>
+                        <a:spcAft>
+                          <a:spcPts val="0"/>
+                        </a:spcAft>
+                      </a:pPr>
+                      <a:r>
+                        <a:rPr lang="en-US" sz="1100">
+                          <a:effectLst/>
+                        </a:rPr>
+                        <a:t>Minimum 20 Hz update rate</a:t>
+                      </a:r>
+                      <a:endParaRPr lang="en-US" sz="1100">
+                        <a:effectLst/>
+                        <a:latin typeface="Calibri" panose="020F0502020204030204" pitchFamily="34" charset="0"/>
+                        <a:ea typeface="Calibri" panose="020F0502020204030204" pitchFamily="34" charset="0"/>
+                        <a:cs typeface="Times New Roman" panose="02020603050405020304" pitchFamily="18" charset="0"/>
+                      </a:endParaRPr>
+                    </a:p>
+                  </a:txBody>
+                  <a:tcPr marL="68580" marR="68580" marT="0" marB="0"/>
+                </a:tc>
+                <a:tc>
+                  <a:txBody>
+                    <a:bodyPr/>
+                    <a:lstStyle/>
+                    <a:p>
+                      <a:pPr marL="0" marR="0">
+                        <a:spcBef>
+                          <a:spcPts val="0"/>
+                        </a:spcBef>
+                        <a:spcAft>
+                          <a:spcPts val="0"/>
+                        </a:spcAft>
+                      </a:pPr>
+                      <a:r>
+                        <a:rPr lang="en-US" sz="1100">
+                          <a:effectLst/>
+                        </a:rPr>
+                        <a:t>We will need to render ghosts and the maze walls in real time according to the user’s geospatial location and their head orientation.</a:t>
+                      </a:r>
+                      <a:endParaRPr lang="en-US" sz="1100">
+                        <a:effectLst/>
+                        <a:latin typeface="Calibri" panose="020F0502020204030204" pitchFamily="34" charset="0"/>
+                        <a:ea typeface="Calibri" panose="020F0502020204030204" pitchFamily="34" charset="0"/>
+                        <a:cs typeface="Times New Roman" panose="02020603050405020304" pitchFamily="18" charset="0"/>
+                      </a:endParaRPr>
+                    </a:p>
+                  </a:txBody>
+                  <a:tcPr marL="68580" marR="68580" marT="0" marB="0"/>
+                </a:tc>
+              </a:tr>
+              <a:tr h="969818">
+                <a:tc>
+                  <a:txBody>
+                    <a:bodyPr/>
+                    <a:lstStyle/>
+                    <a:p>
+                      <a:pPr marL="0" marR="0" algn="r">
+                        <a:spcBef>
+                          <a:spcPts val="0"/>
+                        </a:spcBef>
+                        <a:spcAft>
+                          <a:spcPts val="0"/>
+                        </a:spcAft>
+                      </a:pPr>
+                      <a:r>
+                        <a:rPr lang="en-US" sz="1100">
+                          <a:effectLst/>
+                        </a:rPr>
+                        <a:t>Collision Detection</a:t>
+                      </a:r>
+                      <a:endParaRPr lang="en-US" sz="1100">
+                        <a:effectLst/>
+                        <a:latin typeface="Calibri" panose="020F0502020204030204" pitchFamily="34" charset="0"/>
+                        <a:ea typeface="Calibri" panose="020F0502020204030204" pitchFamily="34" charset="0"/>
+                        <a:cs typeface="Times New Roman" panose="02020603050405020304" pitchFamily="18" charset="0"/>
+                      </a:endParaRPr>
+                    </a:p>
+                  </a:txBody>
+                  <a:tcPr marL="68580" marR="68580" marT="0" marB="0"/>
+                </a:tc>
+                <a:tc>
+                  <a:txBody>
+                    <a:bodyPr/>
+                    <a:lstStyle/>
+                    <a:p>
+                      <a:pPr marL="0" marR="0">
+                        <a:spcBef>
+                          <a:spcPts val="0"/>
+                        </a:spcBef>
+                        <a:spcAft>
+                          <a:spcPts val="0"/>
+                        </a:spcAft>
+                      </a:pPr>
+                      <a:r>
+                        <a:rPr lang="en-US" sz="1100">
+                          <a:effectLst/>
+                        </a:rPr>
+                        <a:t>Minimum 2 meter accuracy and precision</a:t>
+                      </a:r>
+                      <a:endParaRPr lang="en-US" sz="1100">
+                        <a:effectLst/>
+                        <a:latin typeface="Calibri" panose="020F0502020204030204" pitchFamily="34" charset="0"/>
+                        <a:ea typeface="Calibri" panose="020F0502020204030204" pitchFamily="34" charset="0"/>
+                        <a:cs typeface="Times New Roman" panose="02020603050405020304" pitchFamily="18" charset="0"/>
+                      </a:endParaRPr>
+                    </a:p>
+                  </a:txBody>
+                  <a:tcPr marL="68580" marR="68580" marT="0" marB="0"/>
+                </a:tc>
+                <a:tc>
+                  <a:txBody>
+                    <a:bodyPr/>
+                    <a:lstStyle/>
+                    <a:p>
+                      <a:pPr marL="0" marR="0">
+                        <a:spcBef>
+                          <a:spcPts val="0"/>
+                        </a:spcBef>
+                        <a:spcAft>
+                          <a:spcPts val="0"/>
+                        </a:spcAft>
+                      </a:pPr>
+                      <a:r>
+                        <a:rPr lang="en-US" sz="1100">
+                          <a:effectLst/>
+                        </a:rPr>
+                        <a:t>The ability of the software to detect collision detection will be affected by the accuracy of the GPS. The minimum required to be meaningful cannot exceed a couple of meters. This means ghosts could be 2 m</a:t>
+                      </a:r>
+                      <a:r>
+                        <a:rPr lang="en-US" sz="1100" baseline="30000">
+                          <a:effectLst/>
+                        </a:rPr>
+                        <a:t>2</a:t>
+                      </a:r>
+                      <a:r>
+                        <a:rPr lang="en-US" sz="1100">
+                          <a:effectLst/>
+                        </a:rPr>
+                        <a:t> to account for accuracy of GPS.</a:t>
+                      </a:r>
+                      <a:endParaRPr lang="en-US" sz="1100">
+                        <a:effectLst/>
+                        <a:latin typeface="Calibri" panose="020F0502020204030204" pitchFamily="34" charset="0"/>
+                        <a:ea typeface="Calibri" panose="020F0502020204030204" pitchFamily="34" charset="0"/>
+                        <a:cs typeface="Times New Roman" panose="02020603050405020304" pitchFamily="18" charset="0"/>
+                      </a:endParaRPr>
+                    </a:p>
+                  </a:txBody>
+                  <a:tcPr marL="68580" marR="68580" marT="0" marB="0"/>
+                </a:tc>
+              </a:tr>
+              <a:tr h="969818">
+                <a:tc>
+                  <a:txBody>
+                    <a:bodyPr/>
+                    <a:lstStyle/>
+                    <a:p>
+                      <a:pPr marL="0" marR="0" algn="r">
+                        <a:spcBef>
+                          <a:spcPts val="0"/>
+                        </a:spcBef>
+                        <a:spcAft>
+                          <a:spcPts val="0"/>
+                        </a:spcAft>
+                      </a:pPr>
+                      <a:r>
+                        <a:rPr lang="en-US" sz="1100">
+                          <a:effectLst/>
+                        </a:rPr>
+                        <a:t>Network </a:t>
+                      </a:r>
+                    </a:p>
+                    <a:p>
+                      <a:pPr marL="0" marR="0" algn="r">
+                        <a:spcBef>
+                          <a:spcPts val="0"/>
+                        </a:spcBef>
+                        <a:spcAft>
+                          <a:spcPts val="0"/>
+                        </a:spcAft>
+                      </a:pPr>
+                      <a:r>
+                        <a:rPr lang="en-US" sz="1100">
+                          <a:effectLst/>
+                        </a:rPr>
+                        <a:t>User Position Update Rate </a:t>
+                      </a:r>
+                      <a:endParaRPr lang="en-US" sz="1100">
+                        <a:effectLst/>
+                        <a:latin typeface="Calibri" panose="020F0502020204030204" pitchFamily="34" charset="0"/>
+                        <a:ea typeface="Calibri" panose="020F0502020204030204" pitchFamily="34" charset="0"/>
+                        <a:cs typeface="Times New Roman" panose="02020603050405020304" pitchFamily="18" charset="0"/>
+                      </a:endParaRPr>
+                    </a:p>
+                  </a:txBody>
+                  <a:tcPr marL="68580" marR="68580" marT="0" marB="0"/>
+                </a:tc>
+                <a:tc>
+                  <a:txBody>
+                    <a:bodyPr/>
+                    <a:lstStyle/>
+                    <a:p>
+                      <a:pPr marL="0" marR="0">
+                        <a:spcBef>
+                          <a:spcPts val="0"/>
+                        </a:spcBef>
+                        <a:spcAft>
+                          <a:spcPts val="0"/>
+                        </a:spcAft>
+                      </a:pPr>
+                      <a:r>
+                        <a:rPr lang="en-US" sz="1100">
+                          <a:effectLst/>
+                        </a:rPr>
+                        <a:t>Minimum of 20Hz (50ms).</a:t>
+                      </a:r>
+                      <a:endParaRPr lang="en-US" sz="1100">
+                        <a:effectLst/>
+                        <a:latin typeface="Calibri" panose="020F0502020204030204" pitchFamily="34" charset="0"/>
+                        <a:ea typeface="Calibri" panose="020F0502020204030204" pitchFamily="34" charset="0"/>
+                        <a:cs typeface="Times New Roman" panose="02020603050405020304" pitchFamily="18" charset="0"/>
+                      </a:endParaRPr>
+                    </a:p>
+                  </a:txBody>
+                  <a:tcPr marL="68580" marR="68580" marT="0" marB="0"/>
+                </a:tc>
+                <a:tc>
+                  <a:txBody>
+                    <a:bodyPr/>
+                    <a:lstStyle/>
+                    <a:p>
+                      <a:pPr marL="0" marR="0">
+                        <a:spcBef>
+                          <a:spcPts val="0"/>
+                        </a:spcBef>
+                        <a:spcAft>
+                          <a:spcPts val="0"/>
+                        </a:spcAft>
+                      </a:pPr>
+                      <a:r>
+                        <a:rPr lang="en-US" sz="1100">
+                          <a:effectLst/>
+                        </a:rPr>
+                        <a:t>The position and orientation of each headset will need to be communicated wirelessly at least every 50ms to keep up with the GPS and provide meaningful feedback about collisions to each headset.</a:t>
+                      </a:r>
+                      <a:endParaRPr lang="en-US" sz="1100">
+                        <a:effectLst/>
+                        <a:latin typeface="Calibri" panose="020F0502020204030204" pitchFamily="34" charset="0"/>
+                        <a:ea typeface="Calibri" panose="020F0502020204030204" pitchFamily="34" charset="0"/>
+                        <a:cs typeface="Times New Roman" panose="02020603050405020304" pitchFamily="18" charset="0"/>
+                      </a:endParaRPr>
+                    </a:p>
+                  </a:txBody>
+                  <a:tcPr marL="68580" marR="68580" marT="0" marB="0"/>
+                </a:tc>
+              </a:tr>
+              <a:tr h="727364">
+                <a:tc>
+                  <a:txBody>
+                    <a:bodyPr/>
+                    <a:lstStyle/>
+                    <a:p>
+                      <a:pPr marL="0" marR="0" algn="r">
+                        <a:spcBef>
+                          <a:spcPts val="0"/>
+                        </a:spcBef>
+                        <a:spcAft>
+                          <a:spcPts val="0"/>
+                        </a:spcAft>
+                      </a:pPr>
+                      <a:r>
+                        <a:rPr lang="en-US" sz="1100">
+                          <a:effectLst/>
+                        </a:rPr>
+                        <a:t>Network</a:t>
+                      </a:r>
+                    </a:p>
+                    <a:p>
+                      <a:pPr marL="0" marR="0" algn="r">
+                        <a:spcBef>
+                          <a:spcPts val="0"/>
+                        </a:spcBef>
+                        <a:spcAft>
+                          <a:spcPts val="0"/>
+                        </a:spcAft>
+                      </a:pPr>
+                      <a:r>
+                        <a:rPr lang="en-US" sz="1100">
+                          <a:effectLst/>
+                        </a:rPr>
+                        <a:t>Graphic Position Update Rate </a:t>
+                      </a:r>
+                      <a:endParaRPr lang="en-US" sz="1100">
+                        <a:effectLst/>
+                        <a:latin typeface="Calibri" panose="020F0502020204030204" pitchFamily="34" charset="0"/>
+                        <a:ea typeface="Calibri" panose="020F0502020204030204" pitchFamily="34" charset="0"/>
+                        <a:cs typeface="Times New Roman" panose="02020603050405020304" pitchFamily="18" charset="0"/>
+                      </a:endParaRPr>
+                    </a:p>
+                  </a:txBody>
+                  <a:tcPr marL="68580" marR="68580" marT="0" marB="0"/>
+                </a:tc>
+                <a:tc>
+                  <a:txBody>
+                    <a:bodyPr/>
+                    <a:lstStyle/>
+                    <a:p>
+                      <a:pPr marL="0" marR="0">
+                        <a:spcBef>
+                          <a:spcPts val="0"/>
+                        </a:spcBef>
+                        <a:spcAft>
+                          <a:spcPts val="0"/>
+                        </a:spcAft>
+                      </a:pPr>
+                      <a:r>
+                        <a:rPr lang="en-US" sz="1100">
+                          <a:effectLst/>
+                        </a:rPr>
+                        <a:t>Minimum of 20Hz</a:t>
+                      </a:r>
+                    </a:p>
+                    <a:p>
+                      <a:pPr marL="0" marR="0">
+                        <a:spcBef>
+                          <a:spcPts val="0"/>
+                        </a:spcBef>
+                        <a:spcAft>
+                          <a:spcPts val="0"/>
+                        </a:spcAft>
+                      </a:pPr>
+                      <a:r>
+                        <a:rPr lang="en-US" sz="1100">
+                          <a:effectLst/>
+                        </a:rPr>
+                        <a:t>(50ms)</a:t>
+                      </a:r>
+                      <a:endParaRPr lang="en-US" sz="1100">
+                        <a:effectLst/>
+                        <a:latin typeface="Calibri" panose="020F0502020204030204" pitchFamily="34" charset="0"/>
+                        <a:ea typeface="Calibri" panose="020F0502020204030204" pitchFamily="34" charset="0"/>
+                        <a:cs typeface="Times New Roman" panose="02020603050405020304" pitchFamily="18" charset="0"/>
+                      </a:endParaRPr>
+                    </a:p>
+                  </a:txBody>
+                  <a:tcPr marL="68580" marR="68580" marT="0" marB="0"/>
+                </a:tc>
+                <a:tc>
+                  <a:txBody>
+                    <a:bodyPr/>
+                    <a:lstStyle/>
+                    <a:p>
+                      <a:pPr marL="0" marR="0">
+                        <a:spcBef>
+                          <a:spcPts val="0"/>
+                        </a:spcBef>
+                        <a:spcAft>
+                          <a:spcPts val="0"/>
+                        </a:spcAft>
+                      </a:pPr>
+                      <a:r>
+                        <a:rPr lang="en-US" sz="1100">
+                          <a:effectLst/>
+                        </a:rPr>
+                        <a:t>The position information about positions of ghosts and other virtual objects needs to be updated in a timely manner and should at least be as fast as the update rate of the player’s position.</a:t>
+                      </a:r>
+                      <a:endParaRPr lang="en-US" sz="1100">
+                        <a:effectLst/>
+                        <a:latin typeface="Calibri" panose="020F0502020204030204" pitchFamily="34" charset="0"/>
+                        <a:ea typeface="Calibri" panose="020F0502020204030204" pitchFamily="34" charset="0"/>
+                        <a:cs typeface="Times New Roman" panose="02020603050405020304" pitchFamily="18" charset="0"/>
+                      </a:endParaRPr>
+                    </a:p>
+                  </a:txBody>
+                  <a:tcPr marL="68580" marR="68580" marT="0" marB="0"/>
+                </a:tc>
+              </a:tr>
+              <a:tr h="969818">
+                <a:tc>
+                  <a:txBody>
+                    <a:bodyPr/>
+                    <a:lstStyle/>
+                    <a:p>
+                      <a:pPr marL="0" marR="0" algn="r">
+                        <a:spcBef>
+                          <a:spcPts val="0"/>
+                        </a:spcBef>
+                        <a:spcAft>
+                          <a:spcPts val="0"/>
+                        </a:spcAft>
+                      </a:pPr>
+                      <a:r>
+                        <a:rPr lang="en-US" sz="1100">
+                          <a:effectLst/>
+                        </a:rPr>
+                        <a:t>User Interface Usability</a:t>
+                      </a:r>
+                      <a:endParaRPr lang="en-US" sz="1100">
+                        <a:effectLst/>
+                        <a:latin typeface="Calibri" panose="020F0502020204030204" pitchFamily="34" charset="0"/>
+                        <a:ea typeface="Calibri" panose="020F0502020204030204" pitchFamily="34" charset="0"/>
+                        <a:cs typeface="Times New Roman" panose="02020603050405020304" pitchFamily="18" charset="0"/>
+                      </a:endParaRPr>
+                    </a:p>
+                  </a:txBody>
+                  <a:tcPr marL="68580" marR="68580" marT="0" marB="0"/>
+                </a:tc>
+                <a:tc>
+                  <a:txBody>
+                    <a:bodyPr/>
+                    <a:lstStyle/>
+                    <a:p>
+                      <a:pPr marL="0" marR="0">
+                        <a:spcBef>
+                          <a:spcPts val="0"/>
+                        </a:spcBef>
+                        <a:spcAft>
+                          <a:spcPts val="0"/>
+                        </a:spcAft>
+                      </a:pPr>
+                      <a:r>
+                        <a:rPr lang="en-US" sz="1100">
+                          <a:effectLst/>
+                        </a:rPr>
+                        <a:t>End user can navigate the user interface intuitively.</a:t>
+                      </a:r>
+                      <a:endParaRPr lang="en-US" sz="1100">
+                        <a:effectLst/>
+                        <a:latin typeface="Calibri" panose="020F0502020204030204" pitchFamily="34" charset="0"/>
+                        <a:ea typeface="Calibri" panose="020F0502020204030204" pitchFamily="34" charset="0"/>
+                        <a:cs typeface="Times New Roman" panose="02020603050405020304" pitchFamily="18" charset="0"/>
+                      </a:endParaRPr>
+                    </a:p>
+                  </a:txBody>
+                  <a:tcPr marL="68580" marR="68580" marT="0" marB="0"/>
+                </a:tc>
+                <a:tc>
+                  <a:txBody>
+                    <a:bodyPr/>
+                    <a:lstStyle/>
+                    <a:p>
+                      <a:pPr marL="0" marR="0">
+                        <a:spcBef>
+                          <a:spcPts val="0"/>
+                        </a:spcBef>
+                        <a:spcAft>
+                          <a:spcPts val="0"/>
+                        </a:spcAft>
+                      </a:pPr>
+                      <a:r>
+                        <a:rPr lang="en-US" sz="1100" dirty="0">
+                          <a:effectLst/>
+                        </a:rPr>
+                        <a:t>A user unfamiliar with the operation of the software should be able to figure it out with minimal references to the user manual. For phase 1 this will be displayed from the control unit. In phase 2 the user interface will migrate to the headset’s display.</a:t>
+                      </a:r>
+                      <a:endParaRPr lang="en-US" sz="1100" dirty="0">
+                        <a:effectLst/>
+                        <a:latin typeface="Calibri" panose="020F0502020204030204" pitchFamily="34" charset="0"/>
+                        <a:ea typeface="Calibri" panose="020F0502020204030204" pitchFamily="34" charset="0"/>
+                        <a:cs typeface="Times New Roman" panose="02020603050405020304" pitchFamily="18" charset="0"/>
+                      </a:endParaRPr>
+                    </a:p>
+                  </a:txBody>
+                  <a:tcPr marL="68580" marR="68580" marT="0" marB="0"/>
+                </a:tc>
+              </a:tr>
+            </a:tbl>
+          </a:graphicData>
+        </a:graphic>
+      </p:graphicFrame>
       <p:sp>
         <p:nvSpPr>
           <p:cNvPr id="3" name="Title 2"/>
@@ -8184,7 +9420,7 @@
           <a:p>
             <a:r>
               <a:rPr lang="en-US" dirty="0" smtClean="0"/>
-              <a:t>Technical Ingenuity</a:t>
+              <a:t>Software metrics</a:t>
             </a:r>
             <a:endParaRPr lang="en-US" dirty="0"/>
           </a:p>
@@ -8193,7 +9429,7 @@
     </p:spTree>
     <p:extLst>
       <p:ext uri="{BB962C8B-B14F-4D97-AF65-F5344CB8AC3E}">
-        <p14:creationId xmlns:p14="http://schemas.microsoft.com/office/powerpoint/2010/main" val="2791106075"/>
+        <p14:creationId xmlns:p14="http://schemas.microsoft.com/office/powerpoint/2010/main" val="271646728"/>
       </p:ext>
     </p:extLst>
   </p:cSld>
@@ -8220,57 +9456,200 @@
           <a:chExt cx="0" cy="0"/>
         </a:xfrm>
       </p:grpSpPr>
-      <p:pic>
-        <p:nvPicPr>
-          <p:cNvPr id="4" name="Content Placeholder 3"/>
-          <p:cNvPicPr>
-            <a:picLocks noGrp="1" noChangeAspect="1"/>
-          </p:cNvPicPr>
+      <p:sp>
+        <p:nvSpPr>
+          <p:cNvPr id="2" name="Content Placeholder 1"/>
+          <p:cNvSpPr>
+            <a:spLocks noGrp="1"/>
+          </p:cNvSpPr>
           <p:nvPr>
             <p:ph idx="1"/>
           </p:nvPr>
-        </p:nvPicPr>
-        <p:blipFill>
-          <a:blip r:embed="rId2">
-            <a:extLst>
-              <a:ext uri="{28A0092B-C50C-407E-A947-70E740481C1C}">
-                <a14:useLocalDpi xmlns:a14="http://schemas.microsoft.com/office/drawing/2010/main" val="0"/>
-              </a:ext>
-            </a:extLst>
-          </a:blip>
-          <a:stretch>
-            <a:fillRect/>
-          </a:stretch>
-        </p:blipFill>
+        </p:nvSpPr>
+        <p:spPr/>
+        <p:txBody>
+          <a:bodyPr>
+            <a:normAutofit/>
+          </a:bodyPr>
+          <a:lstStyle/>
+          <a:p>
+            <a:r>
+              <a:rPr lang="en-US" sz="2400" dirty="0" smtClean="0"/>
+              <a:t>Power consumption testing</a:t>
+            </a:r>
+          </a:p>
+          <a:p>
+            <a:pPr lvl="1"/>
+            <a:r>
+              <a:rPr lang="en-US" sz="2000" dirty="0" smtClean="0"/>
+              <a:t>Provided </a:t>
+            </a:r>
+            <a:r>
+              <a:rPr lang="en-US" sz="2000" dirty="0" err="1" smtClean="0"/>
+              <a:t>Terasic</a:t>
+            </a:r>
+            <a:r>
+              <a:rPr lang="en-US" sz="2000" dirty="0" smtClean="0"/>
+              <a:t> board uses 1.2 A typical (14.4 W)</a:t>
+            </a:r>
+          </a:p>
+          <a:p>
+            <a:pPr lvl="1"/>
+            <a:r>
+              <a:rPr lang="en-US" sz="2000" dirty="0" smtClean="0"/>
+              <a:t>Acceptable battery life with 60 </a:t>
+            </a:r>
+            <a:r>
+              <a:rPr lang="en-US" sz="2000" dirty="0" err="1" smtClean="0"/>
+              <a:t>Whr</a:t>
+            </a:r>
+            <a:r>
+              <a:rPr lang="en-US" sz="2000" dirty="0" smtClean="0"/>
+              <a:t> capacity</a:t>
+            </a:r>
+          </a:p>
+          <a:p>
+            <a:r>
+              <a:rPr lang="en-US" sz="2400" dirty="0" smtClean="0"/>
+              <a:t>Hardware design for Phase 2</a:t>
+            </a:r>
+          </a:p>
+          <a:p>
+            <a:pPr lvl="1"/>
+            <a:r>
+              <a:rPr lang="en-US" sz="2000" dirty="0" smtClean="0"/>
+              <a:t>Power supply design</a:t>
+            </a:r>
+          </a:p>
+          <a:p>
+            <a:pPr lvl="2"/>
+            <a:r>
+              <a:rPr lang="en-US" dirty="0" smtClean="0"/>
+              <a:t>Battery and regulator selection</a:t>
+            </a:r>
+          </a:p>
+          <a:p>
+            <a:pPr lvl="1"/>
+            <a:r>
+              <a:rPr lang="en-US" sz="2000" dirty="0" smtClean="0"/>
+              <a:t>Headset interfacing board</a:t>
+            </a:r>
+          </a:p>
+          <a:p>
+            <a:pPr lvl="2"/>
+            <a:r>
+              <a:rPr lang="en-US" dirty="0" smtClean="0"/>
+              <a:t>Re-use GPS, inertial measurement unit, microcontroller</a:t>
+            </a:r>
+          </a:p>
+          <a:p>
+            <a:r>
+              <a:rPr lang="en-US" sz="2400" dirty="0" smtClean="0"/>
+              <a:t>Packaging</a:t>
+            </a:r>
+          </a:p>
+          <a:p>
+            <a:pPr lvl="1"/>
+            <a:r>
+              <a:rPr lang="en-US" sz="2000" dirty="0" smtClean="0"/>
+              <a:t>Re-use optics</a:t>
+            </a:r>
+          </a:p>
+          <a:p>
+            <a:pPr lvl="1"/>
+            <a:r>
+              <a:rPr lang="en-US" sz="2000" dirty="0" smtClean="0"/>
+              <a:t>Selected new display</a:t>
+            </a:r>
+          </a:p>
+          <a:p>
+            <a:pPr lvl="1"/>
+            <a:r>
+              <a:rPr lang="en-US" sz="2000" dirty="0" smtClean="0"/>
+              <a:t>Selected helmet and backpack</a:t>
+            </a:r>
+            <a:endParaRPr lang="en-US" sz="2000" dirty="0"/>
+          </a:p>
+        </p:txBody>
+      </p:sp>
+      <p:sp>
+        <p:nvSpPr>
+          <p:cNvPr id="3" name="Title 2"/>
+          <p:cNvSpPr>
+            <a:spLocks noGrp="1"/>
+          </p:cNvSpPr>
+          <p:nvPr>
+            <p:ph type="title"/>
+          </p:nvPr>
+        </p:nvSpPr>
+        <p:spPr/>
+        <p:txBody>
+          <a:bodyPr/>
+          <a:lstStyle/>
+          <a:p>
+            <a:r>
+              <a:rPr lang="en-US" dirty="0" smtClean="0"/>
+              <a:t>Accomplishments To Date (PHA2)</a:t>
+            </a:r>
+            <a:endParaRPr lang="en-US" dirty="0"/>
+          </a:p>
+        </p:txBody>
+      </p:sp>
+      <p:sp>
+        <p:nvSpPr>
+          <p:cNvPr id="4" name="TextBox 3"/>
+          <p:cNvSpPr txBox="1"/>
+          <p:nvPr/>
+        </p:nvSpPr>
         <p:spPr>
           <a:xfrm>
-            <a:off x="110823" y="1447800"/>
-            <a:ext cx="8880777" cy="5105400"/>
+            <a:off x="6324600" y="2751307"/>
+            <a:ext cx="2633798" cy="369332"/>
           </a:xfrm>
+          <a:prstGeom prst="rect">
+            <a:avLst/>
+          </a:prstGeom>
+          <a:noFill/>
         </p:spPr>
-      </p:pic>
-      <p:sp>
-        <p:nvSpPr>
-          <p:cNvPr id="3" name="Title 2"/>
-          <p:cNvSpPr>
-            <a:spLocks noGrp="1"/>
-          </p:cNvSpPr>
-          <p:nvPr>
-            <p:ph type="title"/>
-          </p:nvPr>
-        </p:nvSpPr>
-        <p:spPr/>
-        <p:txBody>
-          <a:bodyPr/>
+        <p:txBody>
+          <a:bodyPr wrap="none" rtlCol="0">
+            <a:spAutoFit/>
+          </a:bodyPr>
           <a:lstStyle/>
           <a:p>
             <a:r>
-              <a:rPr lang="en-US" dirty="0"/>
-              <a:t>Execution overview – </a:t>
-            </a:r>
-            <a:r>
               <a:rPr lang="en-US" dirty="0" smtClean="0"/>
-              <a:t>Timeline A</a:t>
+              <a:t>[POWER CONSUMPTION]</a:t>
+            </a:r>
+            <a:endParaRPr lang="en-US" dirty="0"/>
+          </a:p>
+        </p:txBody>
+      </p:sp>
+      <p:sp>
+        <p:nvSpPr>
+          <p:cNvPr id="5" name="TextBox 4"/>
+          <p:cNvSpPr txBox="1"/>
+          <p:nvPr/>
+        </p:nvSpPr>
+        <p:spPr>
+          <a:xfrm>
+            <a:off x="6400800" y="4495800"/>
+            <a:ext cx="729687" cy="369332"/>
+          </a:xfrm>
+          <a:prstGeom prst="rect">
+            <a:avLst/>
+          </a:prstGeom>
+          <a:noFill/>
+        </p:spPr>
+        <p:txBody>
+          <a:bodyPr wrap="none" rtlCol="0">
+            <a:spAutoFit/>
+          </a:bodyPr>
+          <a:lstStyle/>
+          <a:p>
+            <a:r>
+              <a:rPr lang="en-US" dirty="0" smtClean="0"/>
+              <a:t>[PCB]</a:t>
             </a:r>
             <a:endParaRPr lang="en-US" dirty="0"/>
           </a:p>
@@ -8279,7 +9658,7 @@
     </p:spTree>
     <p:extLst>
       <p:ext uri="{BB962C8B-B14F-4D97-AF65-F5344CB8AC3E}">
-        <p14:creationId xmlns:p14="http://schemas.microsoft.com/office/powerpoint/2010/main" val="3042760565"/>
+        <p14:creationId xmlns:p14="http://schemas.microsoft.com/office/powerpoint/2010/main" val="3540674889"/>
       </p:ext>
     </p:extLst>
   </p:cSld>
@@ -8306,35 +9685,83 @@
           <a:chExt cx="0" cy="0"/>
         </a:xfrm>
       </p:grpSpPr>
-      <p:pic>
-        <p:nvPicPr>
-          <p:cNvPr id="4" name="Content Placeholder 3"/>
-          <p:cNvPicPr>
-            <a:picLocks noGrp="1" noChangeAspect="1"/>
-          </p:cNvPicPr>
+      <p:sp>
+        <p:nvSpPr>
+          <p:cNvPr id="2" name="Content Placeholder 1"/>
+          <p:cNvSpPr>
+            <a:spLocks noGrp="1"/>
+          </p:cNvSpPr>
           <p:nvPr>
             <p:ph idx="1"/>
           </p:nvPr>
-        </p:nvPicPr>
-        <p:blipFill>
-          <a:blip r:embed="rId2">
-            <a:extLst>
-              <a:ext uri="{28A0092B-C50C-407E-A947-70E740481C1C}">
-                <a14:useLocalDpi xmlns:a14="http://schemas.microsoft.com/office/drawing/2010/main" val="0"/>
-              </a:ext>
-            </a:extLst>
-          </a:blip>
-          <a:stretch>
-            <a:fillRect/>
-          </a:stretch>
-        </p:blipFill>
-        <p:spPr>
-          <a:xfrm>
-            <a:off x="152400" y="1471703"/>
-            <a:ext cx="8839200" cy="5081497"/>
-          </a:xfrm>
-        </p:spPr>
-      </p:pic>
+        </p:nvSpPr>
+        <p:spPr/>
+        <p:txBody>
+          <a:bodyPr>
+            <a:normAutofit/>
+          </a:bodyPr>
+          <a:lstStyle/>
+          <a:p>
+            <a:r>
+              <a:rPr lang="en-US" sz="2400" dirty="0" smtClean="0"/>
+              <a:t>Display virtual environment overlay on real world</a:t>
+            </a:r>
+          </a:p>
+          <a:p>
+            <a:pPr lvl="1"/>
+            <a:r>
+              <a:rPr lang="en-US" sz="2000" dirty="0" smtClean="0"/>
+              <a:t>Preserves real-world depth perception</a:t>
+            </a:r>
+          </a:p>
+          <a:p>
+            <a:pPr lvl="1"/>
+            <a:r>
+              <a:rPr lang="en-US" sz="2000" dirty="0" smtClean="0"/>
+              <a:t>Large field of view</a:t>
+            </a:r>
+          </a:p>
+          <a:p>
+            <a:pPr lvl="1"/>
+            <a:r>
+              <a:rPr lang="en-US" sz="2000" dirty="0" smtClean="0"/>
+              <a:t>Both worlds perceptible simultaneously</a:t>
+            </a:r>
+          </a:p>
+          <a:p>
+            <a:r>
+              <a:rPr lang="en-US" sz="2400" dirty="0" smtClean="0"/>
+              <a:t>User head and position tracking</a:t>
+            </a:r>
+          </a:p>
+          <a:p>
+            <a:pPr lvl="1"/>
+            <a:r>
+              <a:rPr lang="en-US" sz="2000" dirty="0" smtClean="0"/>
+              <a:t>Filtering algorithm for inertial measurement data</a:t>
+            </a:r>
+          </a:p>
+          <a:p>
+            <a:r>
+              <a:rPr lang="en-US" sz="2400" dirty="0" smtClean="0"/>
+              <a:t>Portability and battery operation</a:t>
+            </a:r>
+          </a:p>
+          <a:p>
+            <a:r>
+              <a:rPr lang="en-US" sz="2400" dirty="0" smtClean="0"/>
+              <a:t>Wireless communication to other headsets</a:t>
+            </a:r>
+          </a:p>
+          <a:p>
+            <a:pPr lvl="1"/>
+            <a:r>
+              <a:rPr lang="en-US" sz="2000" dirty="0" smtClean="0"/>
+              <a:t>Multi-user augmented reality</a:t>
+            </a:r>
+          </a:p>
+        </p:txBody>
+      </p:sp>
       <p:sp>
         <p:nvSpPr>
           <p:cNvPr id="3" name="Title 2"/>
@@ -8352,7 +9779,7 @@
           <a:p>
             <a:r>
               <a:rPr lang="en-US" dirty="0" smtClean="0"/>
-              <a:t>Execution overview – Timeline B</a:t>
+              <a:t>Technical Ingenuity</a:t>
             </a:r>
             <a:endParaRPr lang="en-US" dirty="0"/>
           </a:p>
@@ -8361,7 +9788,7 @@
     </p:spTree>
     <p:extLst>
       <p:ext uri="{BB962C8B-B14F-4D97-AF65-F5344CB8AC3E}">
-        <p14:creationId xmlns:p14="http://schemas.microsoft.com/office/powerpoint/2010/main" val="4157361893"/>
+        <p14:creationId xmlns:p14="http://schemas.microsoft.com/office/powerpoint/2010/main" val="2791106075"/>
       </p:ext>
     </p:extLst>
   </p:cSld>
@@ -8388,3095 +9815,6 @@
           <a:chExt cx="0" cy="0"/>
         </a:xfrm>
       </p:grpSpPr>
-      <p:graphicFrame>
-        <p:nvGraphicFramePr>
-          <p:cNvPr id="4" name="Content Placeholder 3"/>
-          <p:cNvGraphicFramePr>
-            <a:graphicFrameLocks noGrp="1"/>
-          </p:cNvGraphicFramePr>
-          <p:nvPr>
-            <p:ph idx="1"/>
-            <p:extLst>
-              <p:ext uri="{D42A27DB-BD31-4B8C-83A1-F6EECF244321}">
-                <p14:modId xmlns:p14="http://schemas.microsoft.com/office/powerpoint/2010/main" val="3346233757"/>
-              </p:ext>
-            </p:extLst>
-          </p:nvPr>
-        </p:nvGraphicFramePr>
-        <p:xfrm>
-          <a:off x="304800" y="1676400"/>
-          <a:ext cx="8458202" cy="4648210"/>
-        </p:xfrm>
-        <a:graphic>
-          <a:graphicData uri="http://schemas.openxmlformats.org/drawingml/2006/table">
-            <a:tbl>
-              <a:tblPr>
-                <a:tableStyleId>{5C22544A-7EE6-4342-B048-85BDC9FD1C3A}</a:tableStyleId>
-              </a:tblPr>
-              <a:tblGrid>
-                <a:gridCol w="1488949"/>
-                <a:gridCol w="2582234"/>
-                <a:gridCol w="971808"/>
-                <a:gridCol w="888510"/>
-                <a:gridCol w="888510"/>
-                <a:gridCol w="888510"/>
-                <a:gridCol w="749681"/>
-              </a:tblGrid>
-              <a:tr h="232410">
-                <a:tc>
-                  <a:txBody>
-                    <a:bodyPr/>
-                    <a:lstStyle/>
-                    <a:p>
-                      <a:pPr algn="l" fontAlgn="b"/>
-                      <a:r>
-                        <a:rPr lang="en-US" sz="1100" u="none" strike="noStrike">
-                          <a:effectLst/>
-                        </a:rPr>
-                        <a:t>Name</a:t>
-                      </a:r>
-                      <a:endParaRPr lang="en-US" sz="1100" b="1" i="0" u="none" strike="noStrike">
-                        <a:solidFill>
-                          <a:srgbClr val="000000"/>
-                        </a:solidFill>
-                        <a:effectLst/>
-                        <a:latin typeface="Liberation Sans"/>
-                      </a:endParaRPr>
-                    </a:p>
-                  </a:txBody>
-                  <a:tcPr marL="9525" marR="9525" marT="9525" marB="0" anchor="b"/>
-                </a:tc>
-                <a:tc>
-                  <a:txBody>
-                    <a:bodyPr/>
-                    <a:lstStyle/>
-                    <a:p>
-                      <a:pPr algn="l" fontAlgn="b"/>
-                      <a:r>
-                        <a:rPr lang="en-US" sz="1100" u="none" strike="noStrike">
-                          <a:effectLst/>
-                        </a:rPr>
-                        <a:t>Item</a:t>
-                      </a:r>
-                      <a:endParaRPr lang="en-US" sz="1100" b="1" i="0" u="none" strike="noStrike">
-                        <a:solidFill>
-                          <a:srgbClr val="000000"/>
-                        </a:solidFill>
-                        <a:effectLst/>
-                        <a:latin typeface="Liberation Sans"/>
-                      </a:endParaRPr>
-                    </a:p>
-                  </a:txBody>
-                  <a:tcPr marL="9525" marR="9525" marT="9525" marB="0" anchor="b"/>
-                </a:tc>
-                <a:tc>
-                  <a:txBody>
-                    <a:bodyPr/>
-                    <a:lstStyle/>
-                    <a:p>
-                      <a:pPr algn="l" fontAlgn="b"/>
-                      <a:r>
-                        <a:rPr lang="en-US" sz="1100" u="none" strike="noStrike">
-                          <a:effectLst/>
-                        </a:rPr>
-                        <a:t>Vendor</a:t>
-                      </a:r>
-                      <a:endParaRPr lang="en-US" sz="1100" b="1" i="0" u="none" strike="noStrike">
-                        <a:solidFill>
-                          <a:srgbClr val="000000"/>
-                        </a:solidFill>
-                        <a:effectLst/>
-                        <a:latin typeface="Liberation Sans"/>
-                      </a:endParaRPr>
-                    </a:p>
-                  </a:txBody>
-                  <a:tcPr marL="9525" marR="9525" marT="9525" marB="0" anchor="b"/>
-                </a:tc>
-                <a:tc>
-                  <a:txBody>
-                    <a:bodyPr/>
-                    <a:lstStyle/>
-                    <a:p>
-                      <a:pPr algn="l" fontAlgn="b"/>
-                      <a:r>
-                        <a:rPr lang="en-US" sz="1100" u="none" strike="noStrike">
-                          <a:effectLst/>
-                        </a:rPr>
-                        <a:t>Unit Price</a:t>
-                      </a:r>
-                      <a:endParaRPr lang="en-US" sz="1100" b="1" i="0" u="none" strike="noStrike">
-                        <a:solidFill>
-                          <a:srgbClr val="000000"/>
-                        </a:solidFill>
-                        <a:effectLst/>
-                        <a:latin typeface="Liberation Sans"/>
-                      </a:endParaRPr>
-                    </a:p>
-                  </a:txBody>
-                  <a:tcPr marL="9525" marR="9525" marT="9525" marB="0" anchor="b"/>
-                </a:tc>
-                <a:tc>
-                  <a:txBody>
-                    <a:bodyPr/>
-                    <a:lstStyle/>
-                    <a:p>
-                      <a:pPr algn="l" fontAlgn="b"/>
-                      <a:r>
-                        <a:rPr lang="en-US" sz="1100" u="none" strike="noStrike">
-                          <a:effectLst/>
-                        </a:rPr>
-                        <a:t>Shipping</a:t>
-                      </a:r>
-                      <a:endParaRPr lang="en-US" sz="1100" b="1" i="0" u="none" strike="noStrike">
-                        <a:solidFill>
-                          <a:srgbClr val="000000"/>
-                        </a:solidFill>
-                        <a:effectLst/>
-                        <a:latin typeface="Liberation Sans"/>
-                      </a:endParaRPr>
-                    </a:p>
-                  </a:txBody>
-                  <a:tcPr marL="9525" marR="9525" marT="9525" marB="0" anchor="b"/>
-                </a:tc>
-                <a:tc>
-                  <a:txBody>
-                    <a:bodyPr/>
-                    <a:lstStyle/>
-                    <a:p>
-                      <a:pPr algn="l" fontAlgn="b"/>
-                      <a:r>
-                        <a:rPr lang="en-US" sz="1100" u="none" strike="noStrike">
-                          <a:effectLst/>
-                        </a:rPr>
-                        <a:t>Quantity</a:t>
-                      </a:r>
-                      <a:endParaRPr lang="en-US" sz="1100" b="1" i="0" u="none" strike="noStrike">
-                        <a:solidFill>
-                          <a:srgbClr val="000000"/>
-                        </a:solidFill>
-                        <a:effectLst/>
-                        <a:latin typeface="Liberation Sans"/>
-                      </a:endParaRPr>
-                    </a:p>
-                  </a:txBody>
-                  <a:tcPr marL="9525" marR="9525" marT="9525" marB="0" anchor="b"/>
-                </a:tc>
-                <a:tc>
-                  <a:txBody>
-                    <a:bodyPr/>
-                    <a:lstStyle/>
-                    <a:p>
-                      <a:pPr algn="l" fontAlgn="b"/>
-                      <a:r>
-                        <a:rPr lang="en-US" sz="1100" u="none" strike="noStrike">
-                          <a:effectLst/>
-                        </a:rPr>
-                        <a:t>Price</a:t>
-                      </a:r>
-                      <a:endParaRPr lang="en-US" sz="1100" b="1" i="0" u="none" strike="noStrike">
-                        <a:solidFill>
-                          <a:srgbClr val="000000"/>
-                        </a:solidFill>
-                        <a:effectLst/>
-                        <a:latin typeface="Liberation Sans"/>
-                      </a:endParaRPr>
-                    </a:p>
-                  </a:txBody>
-                  <a:tcPr marL="9525" marR="9525" marT="9525" marB="0" anchor="b"/>
-                </a:tc>
-              </a:tr>
-              <a:tr h="220790">
-                <a:tc>
-                  <a:txBody>
-                    <a:bodyPr/>
-                    <a:lstStyle/>
-                    <a:p>
-                      <a:pPr algn="l" fontAlgn="b"/>
-                      <a:r>
-                        <a:rPr lang="en-US" sz="1100" u="none" strike="noStrike">
-                          <a:effectLst/>
-                        </a:rPr>
-                        <a:t>Battery</a:t>
-                      </a:r>
-                      <a:endParaRPr lang="en-US" sz="1100" b="0" i="0" u="none" strike="noStrike">
-                        <a:solidFill>
-                          <a:srgbClr val="000000"/>
-                        </a:solidFill>
-                        <a:effectLst/>
-                        <a:latin typeface="Liberation Sans"/>
-                      </a:endParaRPr>
-                    </a:p>
-                  </a:txBody>
-                  <a:tcPr marL="9525" marR="9525" marT="9525" marB="0" anchor="b"/>
-                </a:tc>
-                <a:tc>
-                  <a:txBody>
-                    <a:bodyPr/>
-                    <a:lstStyle/>
-                    <a:p>
-                      <a:pPr algn="l" fontAlgn="b"/>
-                      <a:endParaRPr lang="en-US" sz="1100" b="0" i="0" u="none" strike="noStrike">
-                        <a:solidFill>
-                          <a:srgbClr val="000000"/>
-                        </a:solidFill>
-                        <a:effectLst/>
-                        <a:latin typeface="Liberation Sans"/>
-                      </a:endParaRPr>
-                    </a:p>
-                  </a:txBody>
-                  <a:tcPr marL="9525" marR="9525" marT="9525" marB="0" anchor="b"/>
-                </a:tc>
-                <a:tc>
-                  <a:txBody>
-                    <a:bodyPr/>
-                    <a:lstStyle/>
-                    <a:p>
-                      <a:pPr algn="l" fontAlgn="b"/>
-                      <a:r>
-                        <a:rPr lang="en-US" sz="1100" u="none" strike="noStrike">
-                          <a:effectLst/>
-                        </a:rPr>
-                        <a:t>BatterySpace</a:t>
-                      </a:r>
-                      <a:endParaRPr lang="en-US" sz="1100" b="0" i="0" u="none" strike="noStrike">
-                        <a:solidFill>
-                          <a:srgbClr val="000000"/>
-                        </a:solidFill>
-                        <a:effectLst/>
-                        <a:latin typeface="Liberation Sans"/>
-                      </a:endParaRPr>
-                    </a:p>
-                  </a:txBody>
-                  <a:tcPr marL="9525" marR="9525" marT="9525" marB="0" anchor="b"/>
-                </a:tc>
-                <a:tc>
-                  <a:txBody>
-                    <a:bodyPr/>
-                    <a:lstStyle/>
-                    <a:p>
-                      <a:pPr algn="r" fontAlgn="b"/>
-                      <a:r>
-                        <a:rPr lang="en-US" sz="1100" u="none" strike="noStrike">
-                          <a:effectLst/>
-                        </a:rPr>
-                        <a:t>66.95</a:t>
-                      </a:r>
-                      <a:endParaRPr lang="en-US" sz="1100" b="0" i="0" u="none" strike="noStrike">
-                        <a:solidFill>
-                          <a:srgbClr val="000000"/>
-                        </a:solidFill>
-                        <a:effectLst/>
-                        <a:latin typeface="Liberation Sans"/>
-                      </a:endParaRPr>
-                    </a:p>
-                  </a:txBody>
-                  <a:tcPr marL="9525" marR="9525" marT="9525" marB="0" anchor="b"/>
-                </a:tc>
-                <a:tc>
-                  <a:txBody>
-                    <a:bodyPr/>
-                    <a:lstStyle/>
-                    <a:p>
-                      <a:pPr algn="l" fontAlgn="b"/>
-                      <a:endParaRPr lang="en-US" sz="1100" b="0" i="0" u="none" strike="noStrike">
-                        <a:solidFill>
-                          <a:srgbClr val="000000"/>
-                        </a:solidFill>
-                        <a:effectLst/>
-                        <a:latin typeface="Liberation Sans"/>
-                      </a:endParaRPr>
-                    </a:p>
-                  </a:txBody>
-                  <a:tcPr marL="9525" marR="9525" marT="9525" marB="0" anchor="b"/>
-                </a:tc>
-                <a:tc>
-                  <a:txBody>
-                    <a:bodyPr/>
-                    <a:lstStyle/>
-                    <a:p>
-                      <a:pPr algn="r" fontAlgn="b"/>
-                      <a:r>
-                        <a:rPr lang="en-US" sz="1100" u="none" strike="noStrike">
-                          <a:effectLst/>
-                        </a:rPr>
-                        <a:t>2</a:t>
-                      </a:r>
-                      <a:endParaRPr lang="en-US" sz="1100" b="0" i="0" u="none" strike="noStrike">
-                        <a:solidFill>
-                          <a:srgbClr val="000000"/>
-                        </a:solidFill>
-                        <a:effectLst/>
-                        <a:latin typeface="Liberation Sans"/>
-                      </a:endParaRPr>
-                    </a:p>
-                  </a:txBody>
-                  <a:tcPr marL="9525" marR="9525" marT="9525" marB="0" anchor="b"/>
-                </a:tc>
-                <a:tc>
-                  <a:txBody>
-                    <a:bodyPr/>
-                    <a:lstStyle/>
-                    <a:p>
-                      <a:pPr algn="r" fontAlgn="b"/>
-                      <a:r>
-                        <a:rPr lang="en-US" sz="1100" u="none" strike="noStrike">
-                          <a:effectLst/>
-                        </a:rPr>
-                        <a:t>133.9</a:t>
-                      </a:r>
-                      <a:endParaRPr lang="en-US" sz="1100" b="0" i="0" u="none" strike="noStrike">
-                        <a:solidFill>
-                          <a:srgbClr val="000000"/>
-                        </a:solidFill>
-                        <a:effectLst/>
-                        <a:latin typeface="Liberation Sans"/>
-                      </a:endParaRPr>
-                    </a:p>
-                  </a:txBody>
-                  <a:tcPr marL="9525" marR="9525" marT="9525" marB="0" anchor="b"/>
-                </a:tc>
-              </a:tr>
-              <a:tr h="220790">
-                <a:tc>
-                  <a:txBody>
-                    <a:bodyPr/>
-                    <a:lstStyle/>
-                    <a:p>
-                      <a:pPr algn="l" fontAlgn="b"/>
-                      <a:r>
-                        <a:rPr lang="en-US" sz="1100" u="none" strike="noStrike">
-                          <a:effectLst/>
-                        </a:rPr>
-                        <a:t>Screen1</a:t>
-                      </a:r>
-                      <a:endParaRPr lang="en-US" sz="1100" b="0" i="0" u="none" strike="noStrike">
-                        <a:solidFill>
-                          <a:srgbClr val="000000"/>
-                        </a:solidFill>
-                        <a:effectLst/>
-                        <a:latin typeface="Liberation Sans"/>
-                      </a:endParaRPr>
-                    </a:p>
-                  </a:txBody>
-                  <a:tcPr marL="9525" marR="9525" marT="9525" marB="0" anchor="b"/>
-                </a:tc>
-                <a:tc>
-                  <a:txBody>
-                    <a:bodyPr/>
-                    <a:lstStyle/>
-                    <a:p>
-                      <a:pPr algn="l" fontAlgn="b"/>
-                      <a:endParaRPr lang="en-US" sz="1100" b="0" i="0" u="none" strike="noStrike">
-                        <a:solidFill>
-                          <a:srgbClr val="000000"/>
-                        </a:solidFill>
-                        <a:effectLst/>
-                        <a:latin typeface="Liberation Sans"/>
-                      </a:endParaRPr>
-                    </a:p>
-                  </a:txBody>
-                  <a:tcPr marL="9525" marR="9525" marT="9525" marB="0" anchor="b"/>
-                </a:tc>
-                <a:tc>
-                  <a:txBody>
-                    <a:bodyPr/>
-                    <a:lstStyle/>
-                    <a:p>
-                      <a:pPr algn="l" fontAlgn="b"/>
-                      <a:r>
-                        <a:rPr lang="en-US" sz="1100" u="none" strike="noStrike">
-                          <a:effectLst/>
-                        </a:rPr>
-                        <a:t>AdaFruit</a:t>
-                      </a:r>
-                      <a:endParaRPr lang="en-US" sz="1100" b="0" i="0" u="none" strike="noStrike">
-                        <a:solidFill>
-                          <a:srgbClr val="000000"/>
-                        </a:solidFill>
-                        <a:effectLst/>
-                        <a:latin typeface="Liberation Sans"/>
-                      </a:endParaRPr>
-                    </a:p>
-                  </a:txBody>
-                  <a:tcPr marL="9525" marR="9525" marT="9525" marB="0" anchor="b"/>
-                </a:tc>
-                <a:tc>
-                  <a:txBody>
-                    <a:bodyPr/>
-                    <a:lstStyle/>
-                    <a:p>
-                      <a:pPr algn="r" fontAlgn="b"/>
-                      <a:r>
-                        <a:rPr lang="en-US" sz="1100" u="none" strike="noStrike">
-                          <a:effectLst/>
-                        </a:rPr>
-                        <a:t>139.95</a:t>
-                      </a:r>
-                      <a:endParaRPr lang="en-US" sz="1100" b="0" i="0" u="none" strike="noStrike">
-                        <a:solidFill>
-                          <a:srgbClr val="000000"/>
-                        </a:solidFill>
-                        <a:effectLst/>
-                        <a:latin typeface="Liberation Sans"/>
-                      </a:endParaRPr>
-                    </a:p>
-                  </a:txBody>
-                  <a:tcPr marL="9525" marR="9525" marT="9525" marB="0" anchor="b"/>
-                </a:tc>
-                <a:tc>
-                  <a:txBody>
-                    <a:bodyPr/>
-                    <a:lstStyle/>
-                    <a:p>
-                      <a:pPr algn="l" fontAlgn="b"/>
-                      <a:endParaRPr lang="en-US" sz="1100" b="0" i="0" u="none" strike="noStrike">
-                        <a:solidFill>
-                          <a:srgbClr val="000000"/>
-                        </a:solidFill>
-                        <a:effectLst/>
-                        <a:latin typeface="Liberation Sans"/>
-                      </a:endParaRPr>
-                    </a:p>
-                  </a:txBody>
-                  <a:tcPr marL="9525" marR="9525" marT="9525" marB="0" anchor="b"/>
-                </a:tc>
-                <a:tc>
-                  <a:txBody>
-                    <a:bodyPr/>
-                    <a:lstStyle/>
-                    <a:p>
-                      <a:pPr algn="r" fontAlgn="b"/>
-                      <a:r>
-                        <a:rPr lang="en-US" sz="1100" u="none" strike="noStrike">
-                          <a:effectLst/>
-                        </a:rPr>
-                        <a:t>1</a:t>
-                      </a:r>
-                      <a:endParaRPr lang="en-US" sz="1100" b="0" i="0" u="none" strike="noStrike">
-                        <a:solidFill>
-                          <a:srgbClr val="000000"/>
-                        </a:solidFill>
-                        <a:effectLst/>
-                        <a:latin typeface="Liberation Sans"/>
-                      </a:endParaRPr>
-                    </a:p>
-                  </a:txBody>
-                  <a:tcPr marL="9525" marR="9525" marT="9525" marB="0" anchor="b"/>
-                </a:tc>
-                <a:tc>
-                  <a:txBody>
-                    <a:bodyPr/>
-                    <a:lstStyle/>
-                    <a:p>
-                      <a:pPr algn="r" fontAlgn="b"/>
-                      <a:r>
-                        <a:rPr lang="en-US" sz="1100" u="none" strike="noStrike">
-                          <a:effectLst/>
-                        </a:rPr>
-                        <a:t>139.95</a:t>
-                      </a:r>
-                      <a:endParaRPr lang="en-US" sz="1100" b="0" i="0" u="none" strike="noStrike">
-                        <a:solidFill>
-                          <a:srgbClr val="000000"/>
-                        </a:solidFill>
-                        <a:effectLst/>
-                        <a:latin typeface="Liberation Sans"/>
-                      </a:endParaRPr>
-                    </a:p>
-                  </a:txBody>
-                  <a:tcPr marL="9525" marR="9525" marT="9525" marB="0" anchor="b"/>
-                </a:tc>
-              </a:tr>
-              <a:tr h="220790">
-                <a:tc>
-                  <a:txBody>
-                    <a:bodyPr/>
-                    <a:lstStyle/>
-                    <a:p>
-                      <a:pPr algn="l" fontAlgn="b"/>
-                      <a:r>
-                        <a:rPr lang="en-US" sz="1100" u="none" strike="noStrike">
-                          <a:effectLst/>
-                        </a:rPr>
-                        <a:t>Screen2</a:t>
-                      </a:r>
-                      <a:endParaRPr lang="en-US" sz="1100" b="0" i="0" u="none" strike="noStrike">
-                        <a:solidFill>
-                          <a:srgbClr val="000000"/>
-                        </a:solidFill>
-                        <a:effectLst/>
-                        <a:latin typeface="Liberation Sans"/>
-                      </a:endParaRPr>
-                    </a:p>
-                  </a:txBody>
-                  <a:tcPr marL="9525" marR="9525" marT="9525" marB="0" anchor="b"/>
-                </a:tc>
-                <a:tc>
-                  <a:txBody>
-                    <a:bodyPr/>
-                    <a:lstStyle/>
-                    <a:p>
-                      <a:pPr algn="l" fontAlgn="b"/>
-                      <a:endParaRPr lang="en-US" sz="1100" b="0" i="0" u="none" strike="noStrike">
-                        <a:solidFill>
-                          <a:srgbClr val="000000"/>
-                        </a:solidFill>
-                        <a:effectLst/>
-                        <a:latin typeface="Liberation Sans"/>
-                      </a:endParaRPr>
-                    </a:p>
-                  </a:txBody>
-                  <a:tcPr marL="9525" marR="9525" marT="9525" marB="0" anchor="b"/>
-                </a:tc>
-                <a:tc>
-                  <a:txBody>
-                    <a:bodyPr/>
-                    <a:lstStyle/>
-                    <a:p>
-                      <a:pPr algn="l" fontAlgn="b"/>
-                      <a:r>
-                        <a:rPr lang="en-US" sz="1100" u="none" strike="noStrike">
-                          <a:effectLst/>
-                        </a:rPr>
-                        <a:t>AdaFruit</a:t>
-                      </a:r>
-                      <a:endParaRPr lang="en-US" sz="1100" b="0" i="0" u="none" strike="noStrike">
-                        <a:solidFill>
-                          <a:srgbClr val="000000"/>
-                        </a:solidFill>
-                        <a:effectLst/>
-                        <a:latin typeface="Liberation Sans"/>
-                      </a:endParaRPr>
-                    </a:p>
-                  </a:txBody>
-                  <a:tcPr marL="9525" marR="9525" marT="9525" marB="0" anchor="b"/>
-                </a:tc>
-                <a:tc>
-                  <a:txBody>
-                    <a:bodyPr/>
-                    <a:lstStyle/>
-                    <a:p>
-                      <a:pPr algn="r" fontAlgn="b"/>
-                      <a:r>
-                        <a:rPr lang="en-US" sz="1100" u="none" strike="noStrike">
-                          <a:effectLst/>
-                        </a:rPr>
-                        <a:t>64.95</a:t>
-                      </a:r>
-                      <a:endParaRPr lang="en-US" sz="1100" b="0" i="0" u="none" strike="noStrike">
-                        <a:solidFill>
-                          <a:srgbClr val="000000"/>
-                        </a:solidFill>
-                        <a:effectLst/>
-                        <a:latin typeface="Liberation Sans"/>
-                      </a:endParaRPr>
-                    </a:p>
-                  </a:txBody>
-                  <a:tcPr marL="9525" marR="9525" marT="9525" marB="0" anchor="b"/>
-                </a:tc>
-                <a:tc>
-                  <a:txBody>
-                    <a:bodyPr/>
-                    <a:lstStyle/>
-                    <a:p>
-                      <a:pPr algn="l" fontAlgn="b"/>
-                      <a:endParaRPr lang="en-US" sz="1100" b="0" i="0" u="none" strike="noStrike">
-                        <a:solidFill>
-                          <a:srgbClr val="000000"/>
-                        </a:solidFill>
-                        <a:effectLst/>
-                        <a:latin typeface="Liberation Sans"/>
-                      </a:endParaRPr>
-                    </a:p>
-                  </a:txBody>
-                  <a:tcPr marL="9525" marR="9525" marT="9525" marB="0" anchor="b"/>
-                </a:tc>
-                <a:tc>
-                  <a:txBody>
-                    <a:bodyPr/>
-                    <a:lstStyle/>
-                    <a:p>
-                      <a:pPr algn="r" fontAlgn="b"/>
-                      <a:r>
-                        <a:rPr lang="en-US" sz="1100" u="none" strike="noStrike">
-                          <a:effectLst/>
-                        </a:rPr>
-                        <a:t>1</a:t>
-                      </a:r>
-                      <a:endParaRPr lang="en-US" sz="1100" b="0" i="0" u="none" strike="noStrike">
-                        <a:solidFill>
-                          <a:srgbClr val="000000"/>
-                        </a:solidFill>
-                        <a:effectLst/>
-                        <a:latin typeface="Liberation Sans"/>
-                      </a:endParaRPr>
-                    </a:p>
-                  </a:txBody>
-                  <a:tcPr marL="9525" marR="9525" marT="9525" marB="0" anchor="b"/>
-                </a:tc>
-                <a:tc>
-                  <a:txBody>
-                    <a:bodyPr/>
-                    <a:lstStyle/>
-                    <a:p>
-                      <a:pPr algn="r" fontAlgn="b"/>
-                      <a:r>
-                        <a:rPr lang="en-US" sz="1100" u="none" strike="noStrike">
-                          <a:effectLst/>
-                        </a:rPr>
-                        <a:t>64.95</a:t>
-                      </a:r>
-                      <a:endParaRPr lang="en-US" sz="1100" b="0" i="0" u="none" strike="noStrike">
-                        <a:solidFill>
-                          <a:srgbClr val="000000"/>
-                        </a:solidFill>
-                        <a:effectLst/>
-                        <a:latin typeface="Liberation Sans"/>
-                      </a:endParaRPr>
-                    </a:p>
-                  </a:txBody>
-                  <a:tcPr marL="9525" marR="9525" marT="9525" marB="0" anchor="b"/>
-                </a:tc>
-              </a:tr>
-              <a:tr h="220790">
-                <a:tc>
-                  <a:txBody>
-                    <a:bodyPr/>
-                    <a:lstStyle/>
-                    <a:p>
-                      <a:pPr algn="l" fontAlgn="b"/>
-                      <a:r>
-                        <a:rPr lang="en-US" sz="1100" u="none" strike="noStrike">
-                          <a:effectLst/>
-                        </a:rPr>
-                        <a:t>IMU</a:t>
-                      </a:r>
-                      <a:endParaRPr lang="en-US" sz="1100" b="0" i="0" u="none" strike="noStrike">
-                        <a:solidFill>
-                          <a:srgbClr val="000000"/>
-                        </a:solidFill>
-                        <a:effectLst/>
-                        <a:latin typeface="Liberation Sans"/>
-                      </a:endParaRPr>
-                    </a:p>
-                  </a:txBody>
-                  <a:tcPr marL="9525" marR="9525" marT="9525" marB="0" anchor="b"/>
-                </a:tc>
-                <a:tc>
-                  <a:txBody>
-                    <a:bodyPr/>
-                    <a:lstStyle/>
-                    <a:p>
-                      <a:pPr algn="l" fontAlgn="b"/>
-                      <a:endParaRPr lang="en-US" sz="1100" b="0" i="0" u="none" strike="noStrike">
-                        <a:solidFill>
-                          <a:srgbClr val="000000"/>
-                        </a:solidFill>
-                        <a:effectLst/>
-                        <a:latin typeface="Liberation Sans"/>
-                      </a:endParaRPr>
-                    </a:p>
-                  </a:txBody>
-                  <a:tcPr marL="9525" marR="9525" marT="9525" marB="0" anchor="b"/>
-                </a:tc>
-                <a:tc>
-                  <a:txBody>
-                    <a:bodyPr/>
-                    <a:lstStyle/>
-                    <a:p>
-                      <a:pPr algn="l" fontAlgn="b"/>
-                      <a:r>
-                        <a:rPr lang="en-US" sz="1100" u="none" strike="noStrike">
-                          <a:effectLst/>
-                        </a:rPr>
-                        <a:t>Mouser</a:t>
-                      </a:r>
-                      <a:endParaRPr lang="en-US" sz="1100" b="0" i="0" u="none" strike="noStrike">
-                        <a:solidFill>
-                          <a:srgbClr val="000000"/>
-                        </a:solidFill>
-                        <a:effectLst/>
-                        <a:latin typeface="Liberation Sans"/>
-                      </a:endParaRPr>
-                    </a:p>
-                  </a:txBody>
-                  <a:tcPr marL="9525" marR="9525" marT="9525" marB="0" anchor="b"/>
-                </a:tc>
-                <a:tc>
-                  <a:txBody>
-                    <a:bodyPr/>
-                    <a:lstStyle/>
-                    <a:p>
-                      <a:pPr algn="r" fontAlgn="b"/>
-                      <a:r>
-                        <a:rPr lang="en-US" sz="1100" u="none" strike="noStrike">
-                          <a:effectLst/>
-                        </a:rPr>
-                        <a:t>$28.75 </a:t>
-                      </a:r>
-                      <a:endParaRPr lang="en-US" sz="1100" b="0" i="0" u="none" strike="noStrike">
-                        <a:solidFill>
-                          <a:srgbClr val="000000"/>
-                        </a:solidFill>
-                        <a:effectLst/>
-                        <a:latin typeface="Liberation Sans"/>
-                      </a:endParaRPr>
-                    </a:p>
-                  </a:txBody>
-                  <a:tcPr marL="9525" marR="9525" marT="9525" marB="0" anchor="b"/>
-                </a:tc>
-                <a:tc>
-                  <a:txBody>
-                    <a:bodyPr/>
-                    <a:lstStyle/>
-                    <a:p>
-                      <a:pPr algn="l" fontAlgn="b"/>
-                      <a:endParaRPr lang="en-US" sz="1100" b="0" i="0" u="none" strike="noStrike">
-                        <a:solidFill>
-                          <a:srgbClr val="000000"/>
-                        </a:solidFill>
-                        <a:effectLst/>
-                        <a:latin typeface="Liberation Sans"/>
-                      </a:endParaRPr>
-                    </a:p>
-                  </a:txBody>
-                  <a:tcPr marL="9525" marR="9525" marT="9525" marB="0" anchor="b"/>
-                </a:tc>
-                <a:tc>
-                  <a:txBody>
-                    <a:bodyPr/>
-                    <a:lstStyle/>
-                    <a:p>
-                      <a:pPr algn="r" fontAlgn="b"/>
-                      <a:r>
-                        <a:rPr lang="en-US" sz="1100" u="none" strike="noStrike">
-                          <a:effectLst/>
-                        </a:rPr>
-                        <a:t>2</a:t>
-                      </a:r>
-                      <a:endParaRPr lang="en-US" sz="1100" b="0" i="0" u="none" strike="noStrike">
-                        <a:solidFill>
-                          <a:srgbClr val="000000"/>
-                        </a:solidFill>
-                        <a:effectLst/>
-                        <a:latin typeface="Liberation Sans"/>
-                      </a:endParaRPr>
-                    </a:p>
-                  </a:txBody>
-                  <a:tcPr marL="9525" marR="9525" marT="9525" marB="0" anchor="b"/>
-                </a:tc>
-                <a:tc>
-                  <a:txBody>
-                    <a:bodyPr/>
-                    <a:lstStyle/>
-                    <a:p>
-                      <a:pPr algn="r" fontAlgn="b"/>
-                      <a:r>
-                        <a:rPr lang="en-US" sz="1100" u="none" strike="noStrike">
-                          <a:effectLst/>
-                        </a:rPr>
-                        <a:t>57.5</a:t>
-                      </a:r>
-                      <a:endParaRPr lang="en-US" sz="1100" b="0" i="0" u="none" strike="noStrike">
-                        <a:solidFill>
-                          <a:srgbClr val="000000"/>
-                        </a:solidFill>
-                        <a:effectLst/>
-                        <a:latin typeface="Liberation Sans"/>
-                      </a:endParaRPr>
-                    </a:p>
-                  </a:txBody>
-                  <a:tcPr marL="9525" marR="9525" marT="9525" marB="0" anchor="b"/>
-                </a:tc>
-              </a:tr>
-              <a:tr h="220790">
-                <a:tc>
-                  <a:txBody>
-                    <a:bodyPr/>
-                    <a:lstStyle/>
-                    <a:p>
-                      <a:pPr algn="l" fontAlgn="b"/>
-                      <a:r>
-                        <a:rPr lang="en-US" sz="1100" u="none" strike="noStrike">
-                          <a:effectLst/>
-                        </a:rPr>
-                        <a:t>GPS</a:t>
-                      </a:r>
-                      <a:endParaRPr lang="en-US" sz="1100" b="0" i="0" u="none" strike="noStrike">
-                        <a:solidFill>
-                          <a:srgbClr val="000000"/>
-                        </a:solidFill>
-                        <a:effectLst/>
-                        <a:latin typeface="Liberation Sans"/>
-                      </a:endParaRPr>
-                    </a:p>
-                  </a:txBody>
-                  <a:tcPr marL="9525" marR="9525" marT="9525" marB="0" anchor="b"/>
-                </a:tc>
-                <a:tc>
-                  <a:txBody>
-                    <a:bodyPr/>
-                    <a:lstStyle/>
-                    <a:p>
-                      <a:pPr algn="l" fontAlgn="b"/>
-                      <a:endParaRPr lang="en-US" sz="1100" b="0" i="0" u="none" strike="noStrike">
-                        <a:solidFill>
-                          <a:srgbClr val="000000"/>
-                        </a:solidFill>
-                        <a:effectLst/>
-                        <a:latin typeface="Liberation Sans"/>
-                      </a:endParaRPr>
-                    </a:p>
-                  </a:txBody>
-                  <a:tcPr marL="9525" marR="9525" marT="9525" marB="0" anchor="b"/>
-                </a:tc>
-                <a:tc>
-                  <a:txBody>
-                    <a:bodyPr/>
-                    <a:lstStyle/>
-                    <a:p>
-                      <a:pPr algn="l" fontAlgn="b"/>
-                      <a:r>
-                        <a:rPr lang="en-US" sz="1100" u="none" strike="noStrike">
-                          <a:effectLst/>
-                        </a:rPr>
-                        <a:t>SparkFun</a:t>
-                      </a:r>
-                      <a:endParaRPr lang="en-US" sz="1100" b="0" i="0" u="none" strike="noStrike">
-                        <a:solidFill>
-                          <a:srgbClr val="000000"/>
-                        </a:solidFill>
-                        <a:effectLst/>
-                        <a:latin typeface="Liberation Sans"/>
-                      </a:endParaRPr>
-                    </a:p>
-                  </a:txBody>
-                  <a:tcPr marL="9525" marR="9525" marT="9525" marB="0" anchor="b"/>
-                </a:tc>
-                <a:tc>
-                  <a:txBody>
-                    <a:bodyPr/>
-                    <a:lstStyle/>
-                    <a:p>
-                      <a:pPr algn="r" fontAlgn="b"/>
-                      <a:r>
-                        <a:rPr lang="en-US" sz="1100" u="none" strike="noStrike">
-                          <a:effectLst/>
-                        </a:rPr>
-                        <a:t>49.99</a:t>
-                      </a:r>
-                      <a:endParaRPr lang="en-US" sz="1100" b="0" i="0" u="none" strike="noStrike">
-                        <a:solidFill>
-                          <a:srgbClr val="000000"/>
-                        </a:solidFill>
-                        <a:effectLst/>
-                        <a:latin typeface="Liberation Sans"/>
-                      </a:endParaRPr>
-                    </a:p>
-                  </a:txBody>
-                  <a:tcPr marL="9525" marR="9525" marT="9525" marB="0" anchor="b"/>
-                </a:tc>
-                <a:tc>
-                  <a:txBody>
-                    <a:bodyPr/>
-                    <a:lstStyle/>
-                    <a:p>
-                      <a:pPr algn="l" fontAlgn="b"/>
-                      <a:endParaRPr lang="en-US" sz="1100" b="0" i="0" u="none" strike="noStrike">
-                        <a:solidFill>
-                          <a:srgbClr val="000000"/>
-                        </a:solidFill>
-                        <a:effectLst/>
-                        <a:latin typeface="Liberation Sans"/>
-                      </a:endParaRPr>
-                    </a:p>
-                  </a:txBody>
-                  <a:tcPr marL="9525" marR="9525" marT="9525" marB="0" anchor="b"/>
-                </a:tc>
-                <a:tc>
-                  <a:txBody>
-                    <a:bodyPr/>
-                    <a:lstStyle/>
-                    <a:p>
-                      <a:pPr algn="r" fontAlgn="b"/>
-                      <a:r>
-                        <a:rPr lang="en-US" sz="1100" u="none" strike="noStrike">
-                          <a:effectLst/>
-                        </a:rPr>
-                        <a:t>2</a:t>
-                      </a:r>
-                      <a:endParaRPr lang="en-US" sz="1100" b="0" i="0" u="none" strike="noStrike">
-                        <a:solidFill>
-                          <a:srgbClr val="000000"/>
-                        </a:solidFill>
-                        <a:effectLst/>
-                        <a:latin typeface="Liberation Sans"/>
-                      </a:endParaRPr>
-                    </a:p>
-                  </a:txBody>
-                  <a:tcPr marL="9525" marR="9525" marT="9525" marB="0" anchor="b"/>
-                </a:tc>
-                <a:tc>
-                  <a:txBody>
-                    <a:bodyPr/>
-                    <a:lstStyle/>
-                    <a:p>
-                      <a:pPr algn="r" fontAlgn="b"/>
-                      <a:r>
-                        <a:rPr lang="en-US" sz="1100" u="none" strike="noStrike">
-                          <a:effectLst/>
-                        </a:rPr>
-                        <a:t>99.98</a:t>
-                      </a:r>
-                      <a:endParaRPr lang="en-US" sz="1100" b="0" i="0" u="none" strike="noStrike">
-                        <a:solidFill>
-                          <a:srgbClr val="000000"/>
-                        </a:solidFill>
-                        <a:effectLst/>
-                        <a:latin typeface="Liberation Sans"/>
-                      </a:endParaRPr>
-                    </a:p>
-                  </a:txBody>
-                  <a:tcPr marL="9525" marR="9525" marT="9525" marB="0" anchor="b"/>
-                </a:tc>
-              </a:tr>
-              <a:tr h="220790">
-                <a:tc>
-                  <a:txBody>
-                    <a:bodyPr/>
-                    <a:lstStyle/>
-                    <a:p>
-                      <a:pPr algn="l" fontAlgn="b"/>
-                      <a:r>
-                        <a:rPr lang="en-US" sz="1100" u="none" strike="noStrike">
-                          <a:effectLst/>
-                        </a:rPr>
-                        <a:t>Passives</a:t>
-                      </a:r>
-                      <a:endParaRPr lang="en-US" sz="1100" b="0" i="0" u="none" strike="noStrike">
-                        <a:solidFill>
-                          <a:srgbClr val="000000"/>
-                        </a:solidFill>
-                        <a:effectLst/>
-                        <a:latin typeface="Liberation Sans"/>
-                      </a:endParaRPr>
-                    </a:p>
-                  </a:txBody>
-                  <a:tcPr marL="9525" marR="9525" marT="9525" marB="0" anchor="b"/>
-                </a:tc>
-                <a:tc>
-                  <a:txBody>
-                    <a:bodyPr/>
-                    <a:lstStyle/>
-                    <a:p>
-                      <a:pPr algn="l" fontAlgn="b"/>
-                      <a:endParaRPr lang="en-US" sz="1100" b="0" i="0" u="none" strike="noStrike">
-                        <a:solidFill>
-                          <a:srgbClr val="000000"/>
-                        </a:solidFill>
-                        <a:effectLst/>
-                        <a:latin typeface="Liberation Sans"/>
-                      </a:endParaRPr>
-                    </a:p>
-                  </a:txBody>
-                  <a:tcPr marL="9525" marR="9525" marT="9525" marB="0" anchor="b"/>
-                </a:tc>
-                <a:tc>
-                  <a:txBody>
-                    <a:bodyPr/>
-                    <a:lstStyle/>
-                    <a:p>
-                      <a:pPr algn="l" fontAlgn="b"/>
-                      <a:r>
-                        <a:rPr lang="en-US" sz="1100" u="none" strike="noStrike">
-                          <a:effectLst/>
-                        </a:rPr>
-                        <a:t>?????</a:t>
-                      </a:r>
-                      <a:endParaRPr lang="en-US" sz="1100" b="0" i="0" u="none" strike="noStrike">
-                        <a:solidFill>
-                          <a:srgbClr val="000000"/>
-                        </a:solidFill>
-                        <a:effectLst/>
-                        <a:latin typeface="Liberation Sans"/>
-                      </a:endParaRPr>
-                    </a:p>
-                  </a:txBody>
-                  <a:tcPr marL="9525" marR="9525" marT="9525" marB="0" anchor="b"/>
-                </a:tc>
-                <a:tc>
-                  <a:txBody>
-                    <a:bodyPr/>
-                    <a:lstStyle/>
-                    <a:p>
-                      <a:pPr algn="r" fontAlgn="b"/>
-                      <a:r>
-                        <a:rPr lang="en-US" sz="1100" u="none" strike="noStrike">
-                          <a:effectLst/>
-                        </a:rPr>
-                        <a:t>10</a:t>
-                      </a:r>
-                      <a:endParaRPr lang="en-US" sz="1100" b="0" i="0" u="none" strike="noStrike">
-                        <a:solidFill>
-                          <a:srgbClr val="000000"/>
-                        </a:solidFill>
-                        <a:effectLst/>
-                        <a:latin typeface="Liberation Sans"/>
-                      </a:endParaRPr>
-                    </a:p>
-                  </a:txBody>
-                  <a:tcPr marL="9525" marR="9525" marT="9525" marB="0" anchor="b"/>
-                </a:tc>
-                <a:tc>
-                  <a:txBody>
-                    <a:bodyPr/>
-                    <a:lstStyle/>
-                    <a:p>
-                      <a:pPr algn="l" fontAlgn="b"/>
-                      <a:endParaRPr lang="en-US" sz="1100" b="0" i="0" u="none" strike="noStrike">
-                        <a:solidFill>
-                          <a:srgbClr val="000000"/>
-                        </a:solidFill>
-                        <a:effectLst/>
-                        <a:latin typeface="Liberation Sans"/>
-                      </a:endParaRPr>
-                    </a:p>
-                  </a:txBody>
-                  <a:tcPr marL="9525" marR="9525" marT="9525" marB="0" anchor="b"/>
-                </a:tc>
-                <a:tc>
-                  <a:txBody>
-                    <a:bodyPr/>
-                    <a:lstStyle/>
-                    <a:p>
-                      <a:pPr algn="r" fontAlgn="b"/>
-                      <a:r>
-                        <a:rPr lang="en-US" sz="1100" u="none" strike="noStrike">
-                          <a:effectLst/>
-                        </a:rPr>
-                        <a:t>2</a:t>
-                      </a:r>
-                      <a:endParaRPr lang="en-US" sz="1100" b="0" i="0" u="none" strike="noStrike">
-                        <a:solidFill>
-                          <a:srgbClr val="000000"/>
-                        </a:solidFill>
-                        <a:effectLst/>
-                        <a:latin typeface="Liberation Sans"/>
-                      </a:endParaRPr>
-                    </a:p>
-                  </a:txBody>
-                  <a:tcPr marL="9525" marR="9525" marT="9525" marB="0" anchor="b"/>
-                </a:tc>
-                <a:tc>
-                  <a:txBody>
-                    <a:bodyPr/>
-                    <a:lstStyle/>
-                    <a:p>
-                      <a:pPr algn="r" fontAlgn="b"/>
-                      <a:r>
-                        <a:rPr lang="en-US" sz="1100" u="none" strike="noStrike">
-                          <a:effectLst/>
-                        </a:rPr>
-                        <a:t>20</a:t>
-                      </a:r>
-                      <a:endParaRPr lang="en-US" sz="1100" b="0" i="0" u="none" strike="noStrike">
-                        <a:solidFill>
-                          <a:srgbClr val="000000"/>
-                        </a:solidFill>
-                        <a:effectLst/>
-                        <a:latin typeface="Liberation Sans"/>
-                      </a:endParaRPr>
-                    </a:p>
-                  </a:txBody>
-                  <a:tcPr marL="9525" marR="9525" marT="9525" marB="0" anchor="b"/>
-                </a:tc>
-              </a:tr>
-              <a:tr h="220790">
-                <a:tc>
-                  <a:txBody>
-                    <a:bodyPr/>
-                    <a:lstStyle/>
-                    <a:p>
-                      <a:pPr algn="l" fontAlgn="b"/>
-                      <a:r>
-                        <a:rPr lang="en-US" sz="1100" u="none" strike="noStrike">
-                          <a:effectLst/>
-                        </a:rPr>
-                        <a:t>PCB</a:t>
-                      </a:r>
-                      <a:endParaRPr lang="en-US" sz="1100" b="0" i="0" u="none" strike="noStrike">
-                        <a:solidFill>
-                          <a:srgbClr val="000000"/>
-                        </a:solidFill>
-                        <a:effectLst/>
-                        <a:latin typeface="Liberation Sans"/>
-                      </a:endParaRPr>
-                    </a:p>
-                  </a:txBody>
-                  <a:tcPr marL="9525" marR="9525" marT="9525" marB="0" anchor="b"/>
-                </a:tc>
-                <a:tc>
-                  <a:txBody>
-                    <a:bodyPr/>
-                    <a:lstStyle/>
-                    <a:p>
-                      <a:pPr algn="l" fontAlgn="b"/>
-                      <a:endParaRPr lang="en-US" sz="1100" b="0" i="0" u="none" strike="noStrike">
-                        <a:solidFill>
-                          <a:srgbClr val="000000"/>
-                        </a:solidFill>
-                        <a:effectLst/>
-                        <a:latin typeface="Liberation Sans"/>
-                      </a:endParaRPr>
-                    </a:p>
-                  </a:txBody>
-                  <a:tcPr marL="9525" marR="9525" marT="9525" marB="0" anchor="b"/>
-                </a:tc>
-                <a:tc>
-                  <a:txBody>
-                    <a:bodyPr/>
-                    <a:lstStyle/>
-                    <a:p>
-                      <a:pPr algn="l" fontAlgn="b"/>
-                      <a:r>
-                        <a:rPr lang="en-US" sz="1100" u="none" strike="noStrike">
-                          <a:effectLst/>
-                        </a:rPr>
-                        <a:t>Oshpark</a:t>
-                      </a:r>
-                      <a:endParaRPr lang="en-US" sz="1100" b="0" i="0" u="none" strike="noStrike">
-                        <a:solidFill>
-                          <a:srgbClr val="000000"/>
-                        </a:solidFill>
-                        <a:effectLst/>
-                        <a:latin typeface="Liberation Sans"/>
-                      </a:endParaRPr>
-                    </a:p>
-                  </a:txBody>
-                  <a:tcPr marL="9525" marR="9525" marT="9525" marB="0" anchor="b"/>
-                </a:tc>
-                <a:tc>
-                  <a:txBody>
-                    <a:bodyPr/>
-                    <a:lstStyle/>
-                    <a:p>
-                      <a:pPr algn="r" fontAlgn="b"/>
-                      <a:r>
-                        <a:rPr lang="en-US" sz="1100" u="none" strike="noStrike">
-                          <a:effectLst/>
-                        </a:rPr>
-                        <a:t>40</a:t>
-                      </a:r>
-                      <a:endParaRPr lang="en-US" sz="1100" b="0" i="0" u="none" strike="noStrike">
-                        <a:solidFill>
-                          <a:srgbClr val="000000"/>
-                        </a:solidFill>
-                        <a:effectLst/>
-                        <a:latin typeface="Liberation Sans"/>
-                      </a:endParaRPr>
-                    </a:p>
-                  </a:txBody>
-                  <a:tcPr marL="9525" marR="9525" marT="9525" marB="0" anchor="b"/>
-                </a:tc>
-                <a:tc>
-                  <a:txBody>
-                    <a:bodyPr/>
-                    <a:lstStyle/>
-                    <a:p>
-                      <a:pPr algn="l" fontAlgn="b"/>
-                      <a:endParaRPr lang="en-US" sz="1100" b="0" i="0" u="none" strike="noStrike">
-                        <a:solidFill>
-                          <a:srgbClr val="000000"/>
-                        </a:solidFill>
-                        <a:effectLst/>
-                        <a:latin typeface="Liberation Sans"/>
-                      </a:endParaRPr>
-                    </a:p>
-                  </a:txBody>
-                  <a:tcPr marL="9525" marR="9525" marT="9525" marB="0" anchor="b"/>
-                </a:tc>
-                <a:tc>
-                  <a:txBody>
-                    <a:bodyPr/>
-                    <a:lstStyle/>
-                    <a:p>
-                      <a:pPr algn="r" fontAlgn="b"/>
-                      <a:r>
-                        <a:rPr lang="en-US" sz="1100" u="none" strike="noStrike">
-                          <a:effectLst/>
-                        </a:rPr>
-                        <a:t>2</a:t>
-                      </a:r>
-                      <a:endParaRPr lang="en-US" sz="1100" b="0" i="0" u="none" strike="noStrike">
-                        <a:solidFill>
-                          <a:srgbClr val="000000"/>
-                        </a:solidFill>
-                        <a:effectLst/>
-                        <a:latin typeface="Liberation Sans"/>
-                      </a:endParaRPr>
-                    </a:p>
-                  </a:txBody>
-                  <a:tcPr marL="9525" marR="9525" marT="9525" marB="0" anchor="b"/>
-                </a:tc>
-                <a:tc>
-                  <a:txBody>
-                    <a:bodyPr/>
-                    <a:lstStyle/>
-                    <a:p>
-                      <a:pPr algn="r" fontAlgn="b"/>
-                      <a:r>
-                        <a:rPr lang="en-US" sz="1100" u="none" strike="noStrike">
-                          <a:effectLst/>
-                        </a:rPr>
-                        <a:t>80</a:t>
-                      </a:r>
-                      <a:endParaRPr lang="en-US" sz="1100" b="0" i="0" u="none" strike="noStrike">
-                        <a:solidFill>
-                          <a:srgbClr val="000000"/>
-                        </a:solidFill>
-                        <a:effectLst/>
-                        <a:latin typeface="Liberation Sans"/>
-                      </a:endParaRPr>
-                    </a:p>
-                  </a:txBody>
-                  <a:tcPr marL="9525" marR="9525" marT="9525" marB="0" anchor="b"/>
-                </a:tc>
-              </a:tr>
-              <a:tr h="220790">
-                <a:tc>
-                  <a:txBody>
-                    <a:bodyPr/>
-                    <a:lstStyle/>
-                    <a:p>
-                      <a:pPr algn="l" fontAlgn="b"/>
-                      <a:r>
-                        <a:rPr lang="en-US" sz="1100" u="none" strike="noStrike">
-                          <a:effectLst/>
-                        </a:rPr>
-                        <a:t>Microcontroller</a:t>
-                      </a:r>
-                      <a:endParaRPr lang="en-US" sz="1100" b="0" i="0" u="none" strike="noStrike">
-                        <a:solidFill>
-                          <a:srgbClr val="000000"/>
-                        </a:solidFill>
-                        <a:effectLst/>
-                        <a:latin typeface="Liberation Sans"/>
-                      </a:endParaRPr>
-                    </a:p>
-                  </a:txBody>
-                  <a:tcPr marL="9525" marR="9525" marT="9525" marB="0" anchor="b"/>
-                </a:tc>
-                <a:tc>
-                  <a:txBody>
-                    <a:bodyPr/>
-                    <a:lstStyle/>
-                    <a:p>
-                      <a:pPr algn="l" fontAlgn="b"/>
-                      <a:endParaRPr lang="en-US" sz="1100" b="0" i="0" u="none" strike="noStrike">
-                        <a:solidFill>
-                          <a:srgbClr val="000000"/>
-                        </a:solidFill>
-                        <a:effectLst/>
-                        <a:latin typeface="Liberation Sans"/>
-                      </a:endParaRPr>
-                    </a:p>
-                  </a:txBody>
-                  <a:tcPr marL="9525" marR="9525" marT="9525" marB="0" anchor="b"/>
-                </a:tc>
-                <a:tc>
-                  <a:txBody>
-                    <a:bodyPr/>
-                    <a:lstStyle/>
-                    <a:p>
-                      <a:pPr algn="l" fontAlgn="b"/>
-                      <a:r>
-                        <a:rPr lang="en-US" sz="1100" u="none" strike="noStrike">
-                          <a:effectLst/>
-                        </a:rPr>
-                        <a:t>DigiKey</a:t>
-                      </a:r>
-                      <a:endParaRPr lang="en-US" sz="1100" b="0" i="0" u="none" strike="noStrike">
-                        <a:solidFill>
-                          <a:srgbClr val="000000"/>
-                        </a:solidFill>
-                        <a:effectLst/>
-                        <a:latin typeface="Liberation Sans"/>
-                      </a:endParaRPr>
-                    </a:p>
-                  </a:txBody>
-                  <a:tcPr marL="9525" marR="9525" marT="9525" marB="0" anchor="b"/>
-                </a:tc>
-                <a:tc>
-                  <a:txBody>
-                    <a:bodyPr/>
-                    <a:lstStyle/>
-                    <a:p>
-                      <a:pPr algn="r" fontAlgn="b"/>
-                      <a:r>
-                        <a:rPr lang="en-US" sz="1100" u="none" strike="noStrike">
-                          <a:effectLst/>
-                        </a:rPr>
-                        <a:t>11.45</a:t>
-                      </a:r>
-                      <a:endParaRPr lang="en-US" sz="1100" b="0" i="0" u="none" strike="noStrike">
-                        <a:solidFill>
-                          <a:srgbClr val="000000"/>
-                        </a:solidFill>
-                        <a:effectLst/>
-                        <a:latin typeface="Liberation Sans"/>
-                      </a:endParaRPr>
-                    </a:p>
-                  </a:txBody>
-                  <a:tcPr marL="9525" marR="9525" marT="9525" marB="0" anchor="b"/>
-                </a:tc>
-                <a:tc>
-                  <a:txBody>
-                    <a:bodyPr/>
-                    <a:lstStyle/>
-                    <a:p>
-                      <a:pPr algn="l" fontAlgn="b"/>
-                      <a:endParaRPr lang="en-US" sz="1100" b="0" i="0" u="none" strike="noStrike">
-                        <a:solidFill>
-                          <a:srgbClr val="000000"/>
-                        </a:solidFill>
-                        <a:effectLst/>
-                        <a:latin typeface="Liberation Sans"/>
-                      </a:endParaRPr>
-                    </a:p>
-                  </a:txBody>
-                  <a:tcPr marL="9525" marR="9525" marT="9525" marB="0" anchor="b"/>
-                </a:tc>
-                <a:tc>
-                  <a:txBody>
-                    <a:bodyPr/>
-                    <a:lstStyle/>
-                    <a:p>
-                      <a:pPr algn="r" fontAlgn="b"/>
-                      <a:r>
-                        <a:rPr lang="en-US" sz="1100" u="none" strike="noStrike">
-                          <a:effectLst/>
-                        </a:rPr>
-                        <a:t>2</a:t>
-                      </a:r>
-                      <a:endParaRPr lang="en-US" sz="1100" b="0" i="0" u="none" strike="noStrike">
-                        <a:solidFill>
-                          <a:srgbClr val="000000"/>
-                        </a:solidFill>
-                        <a:effectLst/>
-                        <a:latin typeface="Liberation Sans"/>
-                      </a:endParaRPr>
-                    </a:p>
-                  </a:txBody>
-                  <a:tcPr marL="9525" marR="9525" marT="9525" marB="0" anchor="b"/>
-                </a:tc>
-                <a:tc>
-                  <a:txBody>
-                    <a:bodyPr/>
-                    <a:lstStyle/>
-                    <a:p>
-                      <a:pPr algn="r" fontAlgn="b"/>
-                      <a:r>
-                        <a:rPr lang="en-US" sz="1100" u="none" strike="noStrike">
-                          <a:effectLst/>
-                        </a:rPr>
-                        <a:t>22.9</a:t>
-                      </a:r>
-                      <a:endParaRPr lang="en-US" sz="1100" b="0" i="0" u="none" strike="noStrike">
-                        <a:solidFill>
-                          <a:srgbClr val="000000"/>
-                        </a:solidFill>
-                        <a:effectLst/>
-                        <a:latin typeface="Liberation Sans"/>
-                      </a:endParaRPr>
-                    </a:p>
-                  </a:txBody>
-                  <a:tcPr marL="9525" marR="9525" marT="9525" marB="0" anchor="b"/>
-                </a:tc>
-              </a:tr>
-              <a:tr h="220790">
-                <a:tc>
-                  <a:txBody>
-                    <a:bodyPr/>
-                    <a:lstStyle/>
-                    <a:p>
-                      <a:pPr algn="l" fontAlgn="b"/>
-                      <a:r>
-                        <a:rPr lang="en-US" sz="1100" u="none" strike="noStrike">
-                          <a:effectLst/>
-                        </a:rPr>
-                        <a:t>Power Supply</a:t>
-                      </a:r>
-                      <a:endParaRPr lang="en-US" sz="1100" b="0" i="0" u="none" strike="noStrike">
-                        <a:solidFill>
-                          <a:srgbClr val="000000"/>
-                        </a:solidFill>
-                        <a:effectLst/>
-                        <a:latin typeface="Liberation Sans"/>
-                      </a:endParaRPr>
-                    </a:p>
-                  </a:txBody>
-                  <a:tcPr marL="9525" marR="9525" marT="9525" marB="0" anchor="b"/>
-                </a:tc>
-                <a:tc>
-                  <a:txBody>
-                    <a:bodyPr/>
-                    <a:lstStyle/>
-                    <a:p>
-                      <a:pPr algn="l" fontAlgn="b"/>
-                      <a:endParaRPr lang="en-US" sz="1100" b="0" i="0" u="none" strike="noStrike">
-                        <a:solidFill>
-                          <a:srgbClr val="000000"/>
-                        </a:solidFill>
-                        <a:effectLst/>
-                        <a:latin typeface="Liberation Sans"/>
-                      </a:endParaRPr>
-                    </a:p>
-                  </a:txBody>
-                  <a:tcPr marL="9525" marR="9525" marT="9525" marB="0" anchor="b"/>
-                </a:tc>
-                <a:tc>
-                  <a:txBody>
-                    <a:bodyPr/>
-                    <a:lstStyle/>
-                    <a:p>
-                      <a:pPr algn="l" fontAlgn="b"/>
-                      <a:r>
-                        <a:rPr lang="en-US" sz="1100" u="none" strike="noStrike">
-                          <a:effectLst/>
-                        </a:rPr>
-                        <a:t>????</a:t>
-                      </a:r>
-                      <a:endParaRPr lang="en-US" sz="1100" b="0" i="0" u="none" strike="noStrike">
-                        <a:solidFill>
-                          <a:srgbClr val="000000"/>
-                        </a:solidFill>
-                        <a:effectLst/>
-                        <a:latin typeface="Liberation Sans"/>
-                      </a:endParaRPr>
-                    </a:p>
-                  </a:txBody>
-                  <a:tcPr marL="9525" marR="9525" marT="9525" marB="0" anchor="b"/>
-                </a:tc>
-                <a:tc>
-                  <a:txBody>
-                    <a:bodyPr/>
-                    <a:lstStyle/>
-                    <a:p>
-                      <a:pPr algn="r" fontAlgn="b"/>
-                      <a:r>
-                        <a:rPr lang="en-US" sz="1100" u="none" strike="noStrike">
-                          <a:effectLst/>
-                        </a:rPr>
-                        <a:t>30</a:t>
-                      </a:r>
-                      <a:endParaRPr lang="en-US" sz="1100" b="0" i="0" u="none" strike="noStrike">
-                        <a:solidFill>
-                          <a:srgbClr val="000000"/>
-                        </a:solidFill>
-                        <a:effectLst/>
-                        <a:latin typeface="Liberation Sans"/>
-                      </a:endParaRPr>
-                    </a:p>
-                  </a:txBody>
-                  <a:tcPr marL="9525" marR="9525" marT="9525" marB="0" anchor="b"/>
-                </a:tc>
-                <a:tc>
-                  <a:txBody>
-                    <a:bodyPr/>
-                    <a:lstStyle/>
-                    <a:p>
-                      <a:pPr algn="l" fontAlgn="b"/>
-                      <a:endParaRPr lang="en-US" sz="1100" b="0" i="0" u="none" strike="noStrike">
-                        <a:solidFill>
-                          <a:srgbClr val="000000"/>
-                        </a:solidFill>
-                        <a:effectLst/>
-                        <a:latin typeface="Liberation Sans"/>
-                      </a:endParaRPr>
-                    </a:p>
-                  </a:txBody>
-                  <a:tcPr marL="9525" marR="9525" marT="9525" marB="0" anchor="b"/>
-                </a:tc>
-                <a:tc>
-                  <a:txBody>
-                    <a:bodyPr/>
-                    <a:lstStyle/>
-                    <a:p>
-                      <a:pPr algn="r" fontAlgn="b"/>
-                      <a:r>
-                        <a:rPr lang="en-US" sz="1100" u="none" strike="noStrike">
-                          <a:effectLst/>
-                        </a:rPr>
-                        <a:t>2</a:t>
-                      </a:r>
-                      <a:endParaRPr lang="en-US" sz="1100" b="0" i="0" u="none" strike="noStrike">
-                        <a:solidFill>
-                          <a:srgbClr val="000000"/>
-                        </a:solidFill>
-                        <a:effectLst/>
-                        <a:latin typeface="Liberation Sans"/>
-                      </a:endParaRPr>
-                    </a:p>
-                  </a:txBody>
-                  <a:tcPr marL="9525" marR="9525" marT="9525" marB="0" anchor="b"/>
-                </a:tc>
-                <a:tc>
-                  <a:txBody>
-                    <a:bodyPr/>
-                    <a:lstStyle/>
-                    <a:p>
-                      <a:pPr algn="r" fontAlgn="b"/>
-                      <a:r>
-                        <a:rPr lang="en-US" sz="1100" u="none" strike="noStrike">
-                          <a:effectLst/>
-                        </a:rPr>
-                        <a:t>60</a:t>
-                      </a:r>
-                      <a:endParaRPr lang="en-US" sz="1100" b="0" i="0" u="none" strike="noStrike">
-                        <a:solidFill>
-                          <a:srgbClr val="000000"/>
-                        </a:solidFill>
-                        <a:effectLst/>
-                        <a:latin typeface="Liberation Sans"/>
-                      </a:endParaRPr>
-                    </a:p>
-                  </a:txBody>
-                  <a:tcPr marL="9525" marR="9525" marT="9525" marB="0" anchor="b"/>
-                </a:tc>
-              </a:tr>
-              <a:tr h="220790">
-                <a:tc>
-                  <a:txBody>
-                    <a:bodyPr/>
-                    <a:lstStyle/>
-                    <a:p>
-                      <a:pPr algn="l" fontAlgn="b"/>
-                      <a:r>
-                        <a:rPr lang="en-US" sz="1100" u="none" strike="noStrike">
-                          <a:effectLst/>
-                        </a:rPr>
-                        <a:t>Charger</a:t>
-                      </a:r>
-                      <a:endParaRPr lang="en-US" sz="1100" b="0" i="0" u="none" strike="noStrike">
-                        <a:solidFill>
-                          <a:srgbClr val="000000"/>
-                        </a:solidFill>
-                        <a:effectLst/>
-                        <a:latin typeface="Liberation Sans"/>
-                      </a:endParaRPr>
-                    </a:p>
-                  </a:txBody>
-                  <a:tcPr marL="9525" marR="9525" marT="9525" marB="0" anchor="b"/>
-                </a:tc>
-                <a:tc>
-                  <a:txBody>
-                    <a:bodyPr/>
-                    <a:lstStyle/>
-                    <a:p>
-                      <a:pPr algn="l" fontAlgn="b"/>
-                      <a:endParaRPr lang="en-US" sz="1100" b="0" i="0" u="none" strike="noStrike">
-                        <a:solidFill>
-                          <a:srgbClr val="000000"/>
-                        </a:solidFill>
-                        <a:effectLst/>
-                        <a:latin typeface="Liberation Sans"/>
-                      </a:endParaRPr>
-                    </a:p>
-                  </a:txBody>
-                  <a:tcPr marL="9525" marR="9525" marT="9525" marB="0" anchor="b"/>
-                </a:tc>
-                <a:tc>
-                  <a:txBody>
-                    <a:bodyPr/>
-                    <a:lstStyle/>
-                    <a:p>
-                      <a:pPr algn="l" fontAlgn="b"/>
-                      <a:r>
-                        <a:rPr lang="en-US" sz="1100" u="none" strike="noStrike">
-                          <a:effectLst/>
-                        </a:rPr>
-                        <a:t>BatterySpace</a:t>
-                      </a:r>
-                      <a:endParaRPr lang="en-US" sz="1100" b="0" i="0" u="none" strike="noStrike">
-                        <a:solidFill>
-                          <a:srgbClr val="000000"/>
-                        </a:solidFill>
-                        <a:effectLst/>
-                        <a:latin typeface="Liberation Sans"/>
-                      </a:endParaRPr>
-                    </a:p>
-                  </a:txBody>
-                  <a:tcPr marL="9525" marR="9525" marT="9525" marB="0" anchor="b"/>
-                </a:tc>
-                <a:tc>
-                  <a:txBody>
-                    <a:bodyPr/>
-                    <a:lstStyle/>
-                    <a:p>
-                      <a:pPr algn="r" fontAlgn="b"/>
-                      <a:r>
-                        <a:rPr lang="en-US" sz="1100" u="none" strike="noStrike">
-                          <a:effectLst/>
-                        </a:rPr>
-                        <a:t>39.95</a:t>
-                      </a:r>
-                      <a:endParaRPr lang="en-US" sz="1100" b="0" i="0" u="none" strike="noStrike">
-                        <a:solidFill>
-                          <a:srgbClr val="000000"/>
-                        </a:solidFill>
-                        <a:effectLst/>
-                        <a:latin typeface="Liberation Sans"/>
-                      </a:endParaRPr>
-                    </a:p>
-                  </a:txBody>
-                  <a:tcPr marL="9525" marR="9525" marT="9525" marB="0" anchor="b"/>
-                </a:tc>
-                <a:tc>
-                  <a:txBody>
-                    <a:bodyPr/>
-                    <a:lstStyle/>
-                    <a:p>
-                      <a:pPr algn="l" fontAlgn="b"/>
-                      <a:endParaRPr lang="en-US" sz="1100" b="0" i="0" u="none" strike="noStrike">
-                        <a:solidFill>
-                          <a:srgbClr val="000000"/>
-                        </a:solidFill>
-                        <a:effectLst/>
-                        <a:latin typeface="Liberation Sans"/>
-                      </a:endParaRPr>
-                    </a:p>
-                  </a:txBody>
-                  <a:tcPr marL="9525" marR="9525" marT="9525" marB="0" anchor="b"/>
-                </a:tc>
-                <a:tc>
-                  <a:txBody>
-                    <a:bodyPr/>
-                    <a:lstStyle/>
-                    <a:p>
-                      <a:pPr algn="r" fontAlgn="b"/>
-                      <a:r>
-                        <a:rPr lang="en-US" sz="1100" u="none" strike="noStrike">
-                          <a:effectLst/>
-                        </a:rPr>
-                        <a:t>2</a:t>
-                      </a:r>
-                      <a:endParaRPr lang="en-US" sz="1100" b="0" i="0" u="none" strike="noStrike">
-                        <a:solidFill>
-                          <a:srgbClr val="000000"/>
-                        </a:solidFill>
-                        <a:effectLst/>
-                        <a:latin typeface="Liberation Sans"/>
-                      </a:endParaRPr>
-                    </a:p>
-                  </a:txBody>
-                  <a:tcPr marL="9525" marR="9525" marT="9525" marB="0" anchor="b"/>
-                </a:tc>
-                <a:tc>
-                  <a:txBody>
-                    <a:bodyPr/>
-                    <a:lstStyle/>
-                    <a:p>
-                      <a:pPr algn="r" fontAlgn="b"/>
-                      <a:r>
-                        <a:rPr lang="en-US" sz="1100" u="none" strike="noStrike">
-                          <a:effectLst/>
-                        </a:rPr>
-                        <a:t>79.9</a:t>
-                      </a:r>
-                      <a:endParaRPr lang="en-US" sz="1100" b="0" i="0" u="none" strike="noStrike">
-                        <a:solidFill>
-                          <a:srgbClr val="000000"/>
-                        </a:solidFill>
-                        <a:effectLst/>
-                        <a:latin typeface="Liberation Sans"/>
-                      </a:endParaRPr>
-                    </a:p>
-                  </a:txBody>
-                  <a:tcPr marL="9525" marR="9525" marT="9525" marB="0" anchor="b"/>
-                </a:tc>
-              </a:tr>
-              <a:tr h="220790">
-                <a:tc>
-                  <a:txBody>
-                    <a:bodyPr/>
-                    <a:lstStyle/>
-                    <a:p>
-                      <a:pPr algn="l" fontAlgn="b"/>
-                      <a:r>
-                        <a:rPr lang="en-US" sz="1100" u="none" strike="noStrike">
-                          <a:effectLst/>
-                        </a:rPr>
-                        <a:t>Regulator</a:t>
-                      </a:r>
-                      <a:endParaRPr lang="en-US" sz="1100" b="0" i="0" u="none" strike="noStrike">
-                        <a:solidFill>
-                          <a:srgbClr val="000000"/>
-                        </a:solidFill>
-                        <a:effectLst/>
-                        <a:latin typeface="Liberation Sans"/>
-                      </a:endParaRPr>
-                    </a:p>
-                  </a:txBody>
-                  <a:tcPr marL="9525" marR="9525" marT="9525" marB="0" anchor="b"/>
-                </a:tc>
-                <a:tc>
-                  <a:txBody>
-                    <a:bodyPr/>
-                    <a:lstStyle/>
-                    <a:p>
-                      <a:pPr algn="l" fontAlgn="b"/>
-                      <a:endParaRPr lang="en-US" sz="1100" b="0" i="0" u="none" strike="noStrike">
-                        <a:solidFill>
-                          <a:srgbClr val="000000"/>
-                        </a:solidFill>
-                        <a:effectLst/>
-                        <a:latin typeface="Liberation Sans"/>
-                      </a:endParaRPr>
-                    </a:p>
-                  </a:txBody>
-                  <a:tcPr marL="9525" marR="9525" marT="9525" marB="0" anchor="b"/>
-                </a:tc>
-                <a:tc>
-                  <a:txBody>
-                    <a:bodyPr/>
-                    <a:lstStyle/>
-                    <a:p>
-                      <a:pPr algn="l" fontAlgn="b"/>
-                      <a:r>
-                        <a:rPr lang="en-US" sz="1100" u="none" strike="noStrike">
-                          <a:effectLst/>
-                        </a:rPr>
-                        <a:t>Mouser</a:t>
-                      </a:r>
-                      <a:endParaRPr lang="en-US" sz="1100" b="0" i="0" u="none" strike="noStrike">
-                        <a:solidFill>
-                          <a:srgbClr val="000000"/>
-                        </a:solidFill>
-                        <a:effectLst/>
-                        <a:latin typeface="Liberation Sans"/>
-                      </a:endParaRPr>
-                    </a:p>
-                  </a:txBody>
-                  <a:tcPr marL="9525" marR="9525" marT="9525" marB="0" anchor="b"/>
-                </a:tc>
-                <a:tc>
-                  <a:txBody>
-                    <a:bodyPr/>
-                    <a:lstStyle/>
-                    <a:p>
-                      <a:pPr algn="r" fontAlgn="b"/>
-                      <a:r>
-                        <a:rPr lang="en-US" sz="1100" u="none" strike="noStrike">
-                          <a:effectLst/>
-                        </a:rPr>
-                        <a:t>13.23</a:t>
-                      </a:r>
-                      <a:endParaRPr lang="en-US" sz="1100" b="0" i="0" u="none" strike="noStrike">
-                        <a:solidFill>
-                          <a:srgbClr val="000000"/>
-                        </a:solidFill>
-                        <a:effectLst/>
-                        <a:latin typeface="Liberation Sans"/>
-                      </a:endParaRPr>
-                    </a:p>
-                  </a:txBody>
-                  <a:tcPr marL="9525" marR="9525" marT="9525" marB="0" anchor="b"/>
-                </a:tc>
-                <a:tc>
-                  <a:txBody>
-                    <a:bodyPr/>
-                    <a:lstStyle/>
-                    <a:p>
-                      <a:pPr algn="l" fontAlgn="b"/>
-                      <a:endParaRPr lang="en-US" sz="1100" b="0" i="0" u="none" strike="noStrike">
-                        <a:solidFill>
-                          <a:srgbClr val="000000"/>
-                        </a:solidFill>
-                        <a:effectLst/>
-                        <a:latin typeface="Liberation Sans"/>
-                      </a:endParaRPr>
-                    </a:p>
-                  </a:txBody>
-                  <a:tcPr marL="9525" marR="9525" marT="9525" marB="0" anchor="b"/>
-                </a:tc>
-                <a:tc>
-                  <a:txBody>
-                    <a:bodyPr/>
-                    <a:lstStyle/>
-                    <a:p>
-                      <a:pPr algn="r" fontAlgn="b"/>
-                      <a:r>
-                        <a:rPr lang="en-US" sz="1100" u="none" strike="noStrike">
-                          <a:effectLst/>
-                        </a:rPr>
-                        <a:t>2</a:t>
-                      </a:r>
-                      <a:endParaRPr lang="en-US" sz="1100" b="0" i="0" u="none" strike="noStrike">
-                        <a:solidFill>
-                          <a:srgbClr val="000000"/>
-                        </a:solidFill>
-                        <a:effectLst/>
-                        <a:latin typeface="Liberation Sans"/>
-                      </a:endParaRPr>
-                    </a:p>
-                  </a:txBody>
-                  <a:tcPr marL="9525" marR="9525" marT="9525" marB="0" anchor="b"/>
-                </a:tc>
-                <a:tc>
-                  <a:txBody>
-                    <a:bodyPr/>
-                    <a:lstStyle/>
-                    <a:p>
-                      <a:pPr algn="r" fontAlgn="b"/>
-                      <a:r>
-                        <a:rPr lang="en-US" sz="1100" u="none" strike="noStrike">
-                          <a:effectLst/>
-                        </a:rPr>
-                        <a:t>26.46</a:t>
-                      </a:r>
-                      <a:endParaRPr lang="en-US" sz="1100" b="0" i="0" u="none" strike="noStrike">
-                        <a:solidFill>
-                          <a:srgbClr val="000000"/>
-                        </a:solidFill>
-                        <a:effectLst/>
-                        <a:latin typeface="Liberation Sans"/>
-                      </a:endParaRPr>
-                    </a:p>
-                  </a:txBody>
-                  <a:tcPr marL="9525" marR="9525" marT="9525" marB="0" anchor="b"/>
-                </a:tc>
-              </a:tr>
-              <a:tr h="220790">
-                <a:tc>
-                  <a:txBody>
-                    <a:bodyPr/>
-                    <a:lstStyle/>
-                    <a:p>
-                      <a:pPr algn="l" fontAlgn="b"/>
-                      <a:r>
-                        <a:rPr lang="en-US" sz="1100" u="none" strike="noStrike">
-                          <a:effectLst/>
-                        </a:rPr>
-                        <a:t>Fuel Guage</a:t>
-                      </a:r>
-                      <a:endParaRPr lang="en-US" sz="1100" b="0" i="0" u="none" strike="noStrike">
-                        <a:solidFill>
-                          <a:srgbClr val="000000"/>
-                        </a:solidFill>
-                        <a:effectLst/>
-                        <a:latin typeface="Liberation Sans"/>
-                      </a:endParaRPr>
-                    </a:p>
-                  </a:txBody>
-                  <a:tcPr marL="9525" marR="9525" marT="9525" marB="0" anchor="b"/>
-                </a:tc>
-                <a:tc>
-                  <a:txBody>
-                    <a:bodyPr/>
-                    <a:lstStyle/>
-                    <a:p>
-                      <a:pPr algn="l" fontAlgn="b"/>
-                      <a:endParaRPr lang="en-US" sz="1100" b="0" i="0" u="none" strike="noStrike">
-                        <a:solidFill>
-                          <a:srgbClr val="000000"/>
-                        </a:solidFill>
-                        <a:effectLst/>
-                        <a:latin typeface="Liberation Sans"/>
-                      </a:endParaRPr>
-                    </a:p>
-                  </a:txBody>
-                  <a:tcPr marL="9525" marR="9525" marT="9525" marB="0" anchor="b"/>
-                </a:tc>
-                <a:tc>
-                  <a:txBody>
-                    <a:bodyPr/>
-                    <a:lstStyle/>
-                    <a:p>
-                      <a:pPr algn="l" fontAlgn="b"/>
-                      <a:r>
-                        <a:rPr lang="en-US" sz="1100" u="none" strike="noStrike" dirty="0">
-                          <a:effectLst/>
-                        </a:rPr>
-                        <a:t>????</a:t>
-                      </a:r>
-                      <a:endParaRPr lang="en-US" sz="1100" b="0" i="0" u="none" strike="noStrike" dirty="0">
-                        <a:solidFill>
-                          <a:srgbClr val="000000"/>
-                        </a:solidFill>
-                        <a:effectLst/>
-                        <a:latin typeface="Liberation Sans"/>
-                      </a:endParaRPr>
-                    </a:p>
-                  </a:txBody>
-                  <a:tcPr marL="9525" marR="9525" marT="9525" marB="0" anchor="b"/>
-                </a:tc>
-                <a:tc>
-                  <a:txBody>
-                    <a:bodyPr/>
-                    <a:lstStyle/>
-                    <a:p>
-                      <a:pPr algn="r" fontAlgn="b"/>
-                      <a:r>
-                        <a:rPr lang="en-US" sz="1100" u="none" strike="noStrike">
-                          <a:effectLst/>
-                        </a:rPr>
-                        <a:t>10</a:t>
-                      </a:r>
-                      <a:endParaRPr lang="en-US" sz="1100" b="0" i="0" u="none" strike="noStrike">
-                        <a:solidFill>
-                          <a:srgbClr val="000000"/>
-                        </a:solidFill>
-                        <a:effectLst/>
-                        <a:latin typeface="Liberation Sans"/>
-                      </a:endParaRPr>
-                    </a:p>
-                  </a:txBody>
-                  <a:tcPr marL="9525" marR="9525" marT="9525" marB="0" anchor="b"/>
-                </a:tc>
-                <a:tc>
-                  <a:txBody>
-                    <a:bodyPr/>
-                    <a:lstStyle/>
-                    <a:p>
-                      <a:pPr algn="l" fontAlgn="b"/>
-                      <a:endParaRPr lang="en-US" sz="1100" b="0" i="0" u="none" strike="noStrike">
-                        <a:solidFill>
-                          <a:srgbClr val="000000"/>
-                        </a:solidFill>
-                        <a:effectLst/>
-                        <a:latin typeface="Liberation Sans"/>
-                      </a:endParaRPr>
-                    </a:p>
-                  </a:txBody>
-                  <a:tcPr marL="9525" marR="9525" marT="9525" marB="0" anchor="b"/>
-                </a:tc>
-                <a:tc>
-                  <a:txBody>
-                    <a:bodyPr/>
-                    <a:lstStyle/>
-                    <a:p>
-                      <a:pPr algn="r" fontAlgn="b"/>
-                      <a:r>
-                        <a:rPr lang="en-US" sz="1100" u="none" strike="noStrike">
-                          <a:effectLst/>
-                        </a:rPr>
-                        <a:t>2</a:t>
-                      </a:r>
-                      <a:endParaRPr lang="en-US" sz="1100" b="0" i="0" u="none" strike="noStrike">
-                        <a:solidFill>
-                          <a:srgbClr val="000000"/>
-                        </a:solidFill>
-                        <a:effectLst/>
-                        <a:latin typeface="Liberation Sans"/>
-                      </a:endParaRPr>
-                    </a:p>
-                  </a:txBody>
-                  <a:tcPr marL="9525" marR="9525" marT="9525" marB="0" anchor="b"/>
-                </a:tc>
-                <a:tc>
-                  <a:txBody>
-                    <a:bodyPr/>
-                    <a:lstStyle/>
-                    <a:p>
-                      <a:pPr algn="r" fontAlgn="b"/>
-                      <a:r>
-                        <a:rPr lang="en-US" sz="1100" u="none" strike="noStrike">
-                          <a:effectLst/>
-                        </a:rPr>
-                        <a:t>20</a:t>
-                      </a:r>
-                      <a:endParaRPr lang="en-US" sz="1100" b="0" i="0" u="none" strike="noStrike">
-                        <a:solidFill>
-                          <a:srgbClr val="000000"/>
-                        </a:solidFill>
-                        <a:effectLst/>
-                        <a:latin typeface="Liberation Sans"/>
-                      </a:endParaRPr>
-                    </a:p>
-                  </a:txBody>
-                  <a:tcPr marL="9525" marR="9525" marT="9525" marB="0" anchor="b"/>
-                </a:tc>
-              </a:tr>
-              <a:tr h="220790">
-                <a:tc>
-                  <a:txBody>
-                    <a:bodyPr/>
-                    <a:lstStyle/>
-                    <a:p>
-                      <a:pPr algn="l" fontAlgn="b"/>
-                      <a:r>
-                        <a:rPr lang="en-US" sz="1100" u="none" strike="noStrike">
-                          <a:effectLst/>
-                        </a:rPr>
-                        <a:t>3D printed Box</a:t>
-                      </a:r>
-                      <a:endParaRPr lang="en-US" sz="1100" b="0" i="0" u="none" strike="noStrike">
-                        <a:solidFill>
-                          <a:srgbClr val="000000"/>
-                        </a:solidFill>
-                        <a:effectLst/>
-                        <a:latin typeface="Liberation Sans"/>
-                      </a:endParaRPr>
-                    </a:p>
-                  </a:txBody>
-                  <a:tcPr marL="9525" marR="9525" marT="9525" marB="0" anchor="b"/>
-                </a:tc>
-                <a:tc>
-                  <a:txBody>
-                    <a:bodyPr/>
-                    <a:lstStyle/>
-                    <a:p>
-                      <a:pPr algn="l" fontAlgn="b"/>
-                      <a:endParaRPr lang="en-US" sz="1100" b="0" i="0" u="none" strike="noStrike">
-                        <a:solidFill>
-                          <a:srgbClr val="000000"/>
-                        </a:solidFill>
-                        <a:effectLst/>
-                        <a:latin typeface="Liberation Sans"/>
-                      </a:endParaRPr>
-                    </a:p>
-                  </a:txBody>
-                  <a:tcPr marL="9525" marR="9525" marT="9525" marB="0" anchor="b"/>
-                </a:tc>
-                <a:tc>
-                  <a:txBody>
-                    <a:bodyPr/>
-                    <a:lstStyle/>
-                    <a:p>
-                      <a:pPr algn="l" fontAlgn="b"/>
-                      <a:r>
-                        <a:rPr lang="en-US" sz="1100" u="none" strike="noStrike">
-                          <a:effectLst/>
-                        </a:rPr>
-                        <a:t>????</a:t>
-                      </a:r>
-                      <a:endParaRPr lang="en-US" sz="1100" b="0" i="0" u="none" strike="noStrike">
-                        <a:solidFill>
-                          <a:srgbClr val="000000"/>
-                        </a:solidFill>
-                        <a:effectLst/>
-                        <a:latin typeface="Liberation Sans"/>
-                      </a:endParaRPr>
-                    </a:p>
-                  </a:txBody>
-                  <a:tcPr marL="9525" marR="9525" marT="9525" marB="0" anchor="b"/>
-                </a:tc>
-                <a:tc>
-                  <a:txBody>
-                    <a:bodyPr/>
-                    <a:lstStyle/>
-                    <a:p>
-                      <a:pPr algn="r" fontAlgn="b"/>
-                      <a:r>
-                        <a:rPr lang="en-US" sz="1100" u="none" strike="noStrike">
-                          <a:effectLst/>
-                        </a:rPr>
-                        <a:t>40</a:t>
-                      </a:r>
-                      <a:endParaRPr lang="en-US" sz="1100" b="0" i="0" u="none" strike="noStrike">
-                        <a:solidFill>
-                          <a:srgbClr val="000000"/>
-                        </a:solidFill>
-                        <a:effectLst/>
-                        <a:latin typeface="Liberation Sans"/>
-                      </a:endParaRPr>
-                    </a:p>
-                  </a:txBody>
-                  <a:tcPr marL="9525" marR="9525" marT="9525" marB="0" anchor="b"/>
-                </a:tc>
-                <a:tc>
-                  <a:txBody>
-                    <a:bodyPr/>
-                    <a:lstStyle/>
-                    <a:p>
-                      <a:pPr algn="l" fontAlgn="b"/>
-                      <a:endParaRPr lang="en-US" sz="1100" b="0" i="0" u="none" strike="noStrike">
-                        <a:solidFill>
-                          <a:srgbClr val="000000"/>
-                        </a:solidFill>
-                        <a:effectLst/>
-                        <a:latin typeface="Liberation Sans"/>
-                      </a:endParaRPr>
-                    </a:p>
-                  </a:txBody>
-                  <a:tcPr marL="9525" marR="9525" marT="9525" marB="0" anchor="b"/>
-                </a:tc>
-                <a:tc>
-                  <a:txBody>
-                    <a:bodyPr/>
-                    <a:lstStyle/>
-                    <a:p>
-                      <a:pPr algn="r" fontAlgn="b"/>
-                      <a:r>
-                        <a:rPr lang="en-US" sz="1100" u="none" strike="noStrike">
-                          <a:effectLst/>
-                        </a:rPr>
-                        <a:t>2</a:t>
-                      </a:r>
-                      <a:endParaRPr lang="en-US" sz="1100" b="0" i="0" u="none" strike="noStrike">
-                        <a:solidFill>
-                          <a:srgbClr val="000000"/>
-                        </a:solidFill>
-                        <a:effectLst/>
-                        <a:latin typeface="Liberation Sans"/>
-                      </a:endParaRPr>
-                    </a:p>
-                  </a:txBody>
-                  <a:tcPr marL="9525" marR="9525" marT="9525" marB="0" anchor="b"/>
-                </a:tc>
-                <a:tc>
-                  <a:txBody>
-                    <a:bodyPr/>
-                    <a:lstStyle/>
-                    <a:p>
-                      <a:pPr algn="r" fontAlgn="b"/>
-                      <a:r>
-                        <a:rPr lang="en-US" sz="1100" u="none" strike="noStrike">
-                          <a:effectLst/>
-                        </a:rPr>
-                        <a:t>80</a:t>
-                      </a:r>
-                      <a:endParaRPr lang="en-US" sz="1100" b="0" i="0" u="none" strike="noStrike">
-                        <a:solidFill>
-                          <a:srgbClr val="000000"/>
-                        </a:solidFill>
-                        <a:effectLst/>
-                        <a:latin typeface="Liberation Sans"/>
-                      </a:endParaRPr>
-                    </a:p>
-                  </a:txBody>
-                  <a:tcPr marL="9525" marR="9525" marT="9525" marB="0" anchor="b"/>
-                </a:tc>
-              </a:tr>
-              <a:tr h="220790">
-                <a:tc>
-                  <a:txBody>
-                    <a:bodyPr/>
-                    <a:lstStyle/>
-                    <a:p>
-                      <a:pPr algn="l" fontAlgn="b"/>
-                      <a:r>
-                        <a:rPr lang="en-US" sz="1100" u="none" strike="noStrike">
-                          <a:effectLst/>
-                        </a:rPr>
-                        <a:t>Backpack</a:t>
-                      </a:r>
-                      <a:endParaRPr lang="en-US" sz="1100" b="0" i="0" u="none" strike="noStrike">
-                        <a:solidFill>
-                          <a:srgbClr val="000000"/>
-                        </a:solidFill>
-                        <a:effectLst/>
-                        <a:latin typeface="Liberation Sans"/>
-                      </a:endParaRPr>
-                    </a:p>
-                  </a:txBody>
-                  <a:tcPr marL="9525" marR="9525" marT="9525" marB="0" anchor="b"/>
-                </a:tc>
-                <a:tc>
-                  <a:txBody>
-                    <a:bodyPr/>
-                    <a:lstStyle/>
-                    <a:p>
-                      <a:pPr algn="l" fontAlgn="b"/>
-                      <a:endParaRPr lang="en-US" sz="1100" b="0" i="0" u="none" strike="noStrike">
-                        <a:solidFill>
-                          <a:srgbClr val="000000"/>
-                        </a:solidFill>
-                        <a:effectLst/>
-                        <a:latin typeface="Liberation Sans"/>
-                      </a:endParaRPr>
-                    </a:p>
-                  </a:txBody>
-                  <a:tcPr marL="9525" marR="9525" marT="9525" marB="0" anchor="b"/>
-                </a:tc>
-                <a:tc>
-                  <a:txBody>
-                    <a:bodyPr/>
-                    <a:lstStyle/>
-                    <a:p>
-                      <a:pPr algn="l" fontAlgn="b"/>
-                      <a:r>
-                        <a:rPr lang="en-US" sz="1100" u="none" strike="noStrike">
-                          <a:effectLst/>
-                        </a:rPr>
-                        <a:t>????</a:t>
-                      </a:r>
-                      <a:endParaRPr lang="en-US" sz="1100" b="0" i="0" u="none" strike="noStrike">
-                        <a:solidFill>
-                          <a:srgbClr val="000000"/>
-                        </a:solidFill>
-                        <a:effectLst/>
-                        <a:latin typeface="Liberation Sans"/>
-                      </a:endParaRPr>
-                    </a:p>
-                  </a:txBody>
-                  <a:tcPr marL="9525" marR="9525" marT="9525" marB="0" anchor="b"/>
-                </a:tc>
-                <a:tc>
-                  <a:txBody>
-                    <a:bodyPr/>
-                    <a:lstStyle/>
-                    <a:p>
-                      <a:pPr algn="r" fontAlgn="b"/>
-                      <a:r>
-                        <a:rPr lang="en-US" sz="1100" u="none" strike="noStrike">
-                          <a:effectLst/>
-                        </a:rPr>
-                        <a:t>10</a:t>
-                      </a:r>
-                      <a:endParaRPr lang="en-US" sz="1100" b="0" i="0" u="none" strike="noStrike">
-                        <a:solidFill>
-                          <a:srgbClr val="000000"/>
-                        </a:solidFill>
-                        <a:effectLst/>
-                        <a:latin typeface="Liberation Sans"/>
-                      </a:endParaRPr>
-                    </a:p>
-                  </a:txBody>
-                  <a:tcPr marL="9525" marR="9525" marT="9525" marB="0" anchor="b"/>
-                </a:tc>
-                <a:tc>
-                  <a:txBody>
-                    <a:bodyPr/>
-                    <a:lstStyle/>
-                    <a:p>
-                      <a:pPr algn="l" fontAlgn="b"/>
-                      <a:endParaRPr lang="en-US" sz="1100" b="0" i="0" u="none" strike="noStrike">
-                        <a:solidFill>
-                          <a:srgbClr val="000000"/>
-                        </a:solidFill>
-                        <a:effectLst/>
-                        <a:latin typeface="Liberation Sans"/>
-                      </a:endParaRPr>
-                    </a:p>
-                  </a:txBody>
-                  <a:tcPr marL="9525" marR="9525" marT="9525" marB="0" anchor="b"/>
-                </a:tc>
-                <a:tc>
-                  <a:txBody>
-                    <a:bodyPr/>
-                    <a:lstStyle/>
-                    <a:p>
-                      <a:pPr algn="r" fontAlgn="b"/>
-                      <a:r>
-                        <a:rPr lang="en-US" sz="1100" u="none" strike="noStrike">
-                          <a:effectLst/>
-                        </a:rPr>
-                        <a:t>2</a:t>
-                      </a:r>
-                      <a:endParaRPr lang="en-US" sz="1100" b="0" i="0" u="none" strike="noStrike">
-                        <a:solidFill>
-                          <a:srgbClr val="000000"/>
-                        </a:solidFill>
-                        <a:effectLst/>
-                        <a:latin typeface="Liberation Sans"/>
-                      </a:endParaRPr>
-                    </a:p>
-                  </a:txBody>
-                  <a:tcPr marL="9525" marR="9525" marT="9525" marB="0" anchor="b"/>
-                </a:tc>
-                <a:tc>
-                  <a:txBody>
-                    <a:bodyPr/>
-                    <a:lstStyle/>
-                    <a:p>
-                      <a:pPr algn="r" fontAlgn="b"/>
-                      <a:r>
-                        <a:rPr lang="en-US" sz="1100" u="none" strike="noStrike">
-                          <a:effectLst/>
-                        </a:rPr>
-                        <a:t>20</a:t>
-                      </a:r>
-                      <a:endParaRPr lang="en-US" sz="1100" b="0" i="0" u="none" strike="noStrike">
-                        <a:solidFill>
-                          <a:srgbClr val="000000"/>
-                        </a:solidFill>
-                        <a:effectLst/>
-                        <a:latin typeface="Liberation Sans"/>
-                      </a:endParaRPr>
-                    </a:p>
-                  </a:txBody>
-                  <a:tcPr marL="9525" marR="9525" marT="9525" marB="0" anchor="b"/>
-                </a:tc>
-              </a:tr>
-              <a:tr h="220790">
-                <a:tc>
-                  <a:txBody>
-                    <a:bodyPr/>
-                    <a:lstStyle/>
-                    <a:p>
-                      <a:pPr algn="l" fontAlgn="b"/>
-                      <a:r>
-                        <a:rPr lang="en-US" sz="1100" u="none" strike="noStrike">
-                          <a:effectLst/>
-                        </a:rPr>
-                        <a:t>Packaging</a:t>
-                      </a:r>
-                      <a:endParaRPr lang="en-US" sz="1100" b="0" i="0" u="none" strike="noStrike">
-                        <a:solidFill>
-                          <a:srgbClr val="000000"/>
-                        </a:solidFill>
-                        <a:effectLst/>
-                        <a:latin typeface="Liberation Sans"/>
-                      </a:endParaRPr>
-                    </a:p>
-                  </a:txBody>
-                  <a:tcPr marL="9525" marR="9525" marT="9525" marB="0" anchor="b"/>
-                </a:tc>
-                <a:tc>
-                  <a:txBody>
-                    <a:bodyPr/>
-                    <a:lstStyle/>
-                    <a:p>
-                      <a:pPr algn="l" fontAlgn="b"/>
-                      <a:endParaRPr lang="en-US" sz="1100" b="0" i="0" u="none" strike="noStrike">
-                        <a:solidFill>
-                          <a:srgbClr val="000000"/>
-                        </a:solidFill>
-                        <a:effectLst/>
-                        <a:latin typeface="Liberation Sans"/>
-                      </a:endParaRPr>
-                    </a:p>
-                  </a:txBody>
-                  <a:tcPr marL="9525" marR="9525" marT="9525" marB="0" anchor="b"/>
-                </a:tc>
-                <a:tc>
-                  <a:txBody>
-                    <a:bodyPr/>
-                    <a:lstStyle/>
-                    <a:p>
-                      <a:pPr algn="l" fontAlgn="b"/>
-                      <a:r>
-                        <a:rPr lang="en-US" sz="1100" u="none" strike="noStrike">
-                          <a:effectLst/>
-                        </a:rPr>
-                        <a:t>????</a:t>
-                      </a:r>
-                      <a:endParaRPr lang="en-US" sz="1100" b="0" i="0" u="none" strike="noStrike">
-                        <a:solidFill>
-                          <a:srgbClr val="000000"/>
-                        </a:solidFill>
-                        <a:effectLst/>
-                        <a:latin typeface="Liberation Sans"/>
-                      </a:endParaRPr>
-                    </a:p>
-                  </a:txBody>
-                  <a:tcPr marL="9525" marR="9525" marT="9525" marB="0" anchor="b"/>
-                </a:tc>
-                <a:tc>
-                  <a:txBody>
-                    <a:bodyPr/>
-                    <a:lstStyle/>
-                    <a:p>
-                      <a:pPr algn="r" fontAlgn="b"/>
-                      <a:r>
-                        <a:rPr lang="en-US" sz="1100" u="none" strike="noStrike">
-                          <a:effectLst/>
-                        </a:rPr>
-                        <a:t>50</a:t>
-                      </a:r>
-                      <a:endParaRPr lang="en-US" sz="1100" b="0" i="0" u="none" strike="noStrike">
-                        <a:solidFill>
-                          <a:srgbClr val="000000"/>
-                        </a:solidFill>
-                        <a:effectLst/>
-                        <a:latin typeface="Liberation Sans"/>
-                      </a:endParaRPr>
-                    </a:p>
-                  </a:txBody>
-                  <a:tcPr marL="9525" marR="9525" marT="9525" marB="0" anchor="b"/>
-                </a:tc>
-                <a:tc>
-                  <a:txBody>
-                    <a:bodyPr/>
-                    <a:lstStyle/>
-                    <a:p>
-                      <a:pPr algn="l" fontAlgn="b"/>
-                      <a:endParaRPr lang="en-US" sz="1100" b="0" i="0" u="none" strike="noStrike">
-                        <a:solidFill>
-                          <a:srgbClr val="000000"/>
-                        </a:solidFill>
-                        <a:effectLst/>
-                        <a:latin typeface="Liberation Sans"/>
-                      </a:endParaRPr>
-                    </a:p>
-                  </a:txBody>
-                  <a:tcPr marL="9525" marR="9525" marT="9525" marB="0" anchor="b"/>
-                </a:tc>
-                <a:tc>
-                  <a:txBody>
-                    <a:bodyPr/>
-                    <a:lstStyle/>
-                    <a:p>
-                      <a:pPr algn="r" fontAlgn="b"/>
-                      <a:r>
-                        <a:rPr lang="en-US" sz="1100" u="none" strike="noStrike">
-                          <a:effectLst/>
-                        </a:rPr>
-                        <a:t>2</a:t>
-                      </a:r>
-                      <a:endParaRPr lang="en-US" sz="1100" b="0" i="0" u="none" strike="noStrike">
-                        <a:solidFill>
-                          <a:srgbClr val="000000"/>
-                        </a:solidFill>
-                        <a:effectLst/>
-                        <a:latin typeface="Liberation Sans"/>
-                      </a:endParaRPr>
-                    </a:p>
-                  </a:txBody>
-                  <a:tcPr marL="9525" marR="9525" marT="9525" marB="0" anchor="b"/>
-                </a:tc>
-                <a:tc>
-                  <a:txBody>
-                    <a:bodyPr/>
-                    <a:lstStyle/>
-                    <a:p>
-                      <a:pPr algn="r" fontAlgn="b"/>
-                      <a:r>
-                        <a:rPr lang="en-US" sz="1100" u="none" strike="noStrike">
-                          <a:effectLst/>
-                        </a:rPr>
-                        <a:t>100</a:t>
-                      </a:r>
-                      <a:endParaRPr lang="en-US" sz="1100" b="0" i="0" u="none" strike="noStrike">
-                        <a:solidFill>
-                          <a:srgbClr val="000000"/>
-                        </a:solidFill>
-                        <a:effectLst/>
-                        <a:latin typeface="Liberation Sans"/>
-                      </a:endParaRPr>
-                    </a:p>
-                  </a:txBody>
-                  <a:tcPr marL="9525" marR="9525" marT="9525" marB="0" anchor="b"/>
-                </a:tc>
-              </a:tr>
-              <a:tr h="220790">
-                <a:tc>
-                  <a:txBody>
-                    <a:bodyPr/>
-                    <a:lstStyle/>
-                    <a:p>
-                      <a:pPr algn="l" fontAlgn="b"/>
-                      <a:endParaRPr lang="en-US" sz="1100" b="0" i="0" u="none" strike="noStrike">
-                        <a:solidFill>
-                          <a:srgbClr val="000000"/>
-                        </a:solidFill>
-                        <a:effectLst/>
-                        <a:latin typeface="Liberation Sans"/>
-                      </a:endParaRPr>
-                    </a:p>
-                  </a:txBody>
-                  <a:tcPr marL="9525" marR="9525" marT="9525" marB="0" anchor="b"/>
-                </a:tc>
-                <a:tc>
-                  <a:txBody>
-                    <a:bodyPr/>
-                    <a:lstStyle/>
-                    <a:p>
-                      <a:pPr algn="l" fontAlgn="b"/>
-                      <a:endParaRPr lang="en-US" sz="1100" b="0" i="0" u="none" strike="noStrike">
-                        <a:solidFill>
-                          <a:srgbClr val="000000"/>
-                        </a:solidFill>
-                        <a:effectLst/>
-                        <a:latin typeface="Liberation Sans"/>
-                      </a:endParaRPr>
-                    </a:p>
-                  </a:txBody>
-                  <a:tcPr marL="9525" marR="9525" marT="9525" marB="0" anchor="b"/>
-                </a:tc>
-                <a:tc>
-                  <a:txBody>
-                    <a:bodyPr/>
-                    <a:lstStyle/>
-                    <a:p>
-                      <a:pPr algn="l" fontAlgn="b"/>
-                      <a:endParaRPr lang="en-US" sz="1100" b="0" i="0" u="none" strike="noStrike">
-                        <a:solidFill>
-                          <a:srgbClr val="000000"/>
-                        </a:solidFill>
-                        <a:effectLst/>
-                        <a:latin typeface="Liberation Sans"/>
-                      </a:endParaRPr>
-                    </a:p>
-                  </a:txBody>
-                  <a:tcPr marL="9525" marR="9525" marT="9525" marB="0" anchor="b"/>
-                </a:tc>
-                <a:tc>
-                  <a:txBody>
-                    <a:bodyPr/>
-                    <a:lstStyle/>
-                    <a:p>
-                      <a:pPr algn="l" fontAlgn="b"/>
-                      <a:endParaRPr lang="en-US" sz="1100" b="0" i="0" u="none" strike="noStrike">
-                        <a:solidFill>
-                          <a:srgbClr val="000000"/>
-                        </a:solidFill>
-                        <a:effectLst/>
-                        <a:latin typeface="Liberation Sans"/>
-                      </a:endParaRPr>
-                    </a:p>
-                  </a:txBody>
-                  <a:tcPr marL="9525" marR="9525" marT="9525" marB="0" anchor="b"/>
-                </a:tc>
-                <a:tc>
-                  <a:txBody>
-                    <a:bodyPr/>
-                    <a:lstStyle/>
-                    <a:p>
-                      <a:pPr algn="l" fontAlgn="b"/>
-                      <a:endParaRPr lang="en-US" sz="1100" b="0" i="0" u="none" strike="noStrike">
-                        <a:solidFill>
-                          <a:srgbClr val="000000"/>
-                        </a:solidFill>
-                        <a:effectLst/>
-                        <a:latin typeface="Liberation Sans"/>
-                      </a:endParaRPr>
-                    </a:p>
-                  </a:txBody>
-                  <a:tcPr marL="9525" marR="9525" marT="9525" marB="0" anchor="b"/>
-                </a:tc>
-                <a:tc>
-                  <a:txBody>
-                    <a:bodyPr/>
-                    <a:lstStyle/>
-                    <a:p>
-                      <a:pPr algn="l" fontAlgn="b"/>
-                      <a:endParaRPr lang="en-US" sz="1100" b="0" i="0" u="none" strike="noStrike">
-                        <a:solidFill>
-                          <a:srgbClr val="000000"/>
-                        </a:solidFill>
-                        <a:effectLst/>
-                        <a:latin typeface="Liberation Sans"/>
-                      </a:endParaRPr>
-                    </a:p>
-                  </a:txBody>
-                  <a:tcPr marL="9525" marR="9525" marT="9525" marB="0" anchor="b"/>
-                </a:tc>
-                <a:tc>
-                  <a:txBody>
-                    <a:bodyPr/>
-                    <a:lstStyle/>
-                    <a:p>
-                      <a:pPr algn="l" fontAlgn="b"/>
-                      <a:endParaRPr lang="en-US" sz="1100" b="0" i="0" u="none" strike="noStrike">
-                        <a:solidFill>
-                          <a:srgbClr val="000000"/>
-                        </a:solidFill>
-                        <a:effectLst/>
-                        <a:latin typeface="Liberation Sans"/>
-                      </a:endParaRPr>
-                    </a:p>
-                  </a:txBody>
-                  <a:tcPr marL="9525" marR="9525" marT="9525" marB="0" anchor="b"/>
-                </a:tc>
-              </a:tr>
-              <a:tr h="220790">
-                <a:tc>
-                  <a:txBody>
-                    <a:bodyPr/>
-                    <a:lstStyle/>
-                    <a:p>
-                      <a:pPr algn="l" fontAlgn="b"/>
-                      <a:endParaRPr lang="en-US" sz="1100" b="0" i="0" u="none" strike="noStrike">
-                        <a:solidFill>
-                          <a:srgbClr val="000000"/>
-                        </a:solidFill>
-                        <a:effectLst/>
-                        <a:latin typeface="Liberation Sans"/>
-                      </a:endParaRPr>
-                    </a:p>
-                  </a:txBody>
-                  <a:tcPr marL="9525" marR="9525" marT="9525" marB="0" anchor="b"/>
-                </a:tc>
-                <a:tc>
-                  <a:txBody>
-                    <a:bodyPr/>
-                    <a:lstStyle/>
-                    <a:p>
-                      <a:pPr algn="l" fontAlgn="b"/>
-                      <a:endParaRPr lang="en-US" sz="1100" b="0" i="0" u="none" strike="noStrike">
-                        <a:solidFill>
-                          <a:srgbClr val="000000"/>
-                        </a:solidFill>
-                        <a:effectLst/>
-                        <a:latin typeface="Liberation Sans"/>
-                      </a:endParaRPr>
-                    </a:p>
-                  </a:txBody>
-                  <a:tcPr marL="9525" marR="9525" marT="9525" marB="0" anchor="b"/>
-                </a:tc>
-                <a:tc>
-                  <a:txBody>
-                    <a:bodyPr/>
-                    <a:lstStyle/>
-                    <a:p>
-                      <a:pPr algn="l" fontAlgn="b"/>
-                      <a:endParaRPr lang="en-US" sz="1100" b="0" i="0" u="none" strike="noStrike">
-                        <a:solidFill>
-                          <a:srgbClr val="000000"/>
-                        </a:solidFill>
-                        <a:effectLst/>
-                        <a:latin typeface="Liberation Sans"/>
-                      </a:endParaRPr>
-                    </a:p>
-                  </a:txBody>
-                  <a:tcPr marL="9525" marR="9525" marT="9525" marB="0" anchor="b"/>
-                </a:tc>
-                <a:tc>
-                  <a:txBody>
-                    <a:bodyPr/>
-                    <a:lstStyle/>
-                    <a:p>
-                      <a:pPr algn="l" fontAlgn="b"/>
-                      <a:endParaRPr lang="en-US" sz="1100" b="0" i="0" u="none" strike="noStrike">
-                        <a:solidFill>
-                          <a:srgbClr val="000000"/>
-                        </a:solidFill>
-                        <a:effectLst/>
-                        <a:latin typeface="Liberation Sans"/>
-                      </a:endParaRPr>
-                    </a:p>
-                  </a:txBody>
-                  <a:tcPr marL="9525" marR="9525" marT="9525" marB="0" anchor="b"/>
-                </a:tc>
-                <a:tc>
-                  <a:txBody>
-                    <a:bodyPr/>
-                    <a:lstStyle/>
-                    <a:p>
-                      <a:pPr algn="l" fontAlgn="b"/>
-                      <a:endParaRPr lang="en-US" sz="1100" b="0" i="0" u="none" strike="noStrike">
-                        <a:solidFill>
-                          <a:srgbClr val="000000"/>
-                        </a:solidFill>
-                        <a:effectLst/>
-                        <a:latin typeface="Liberation Sans"/>
-                      </a:endParaRPr>
-                    </a:p>
-                  </a:txBody>
-                  <a:tcPr marL="9525" marR="9525" marT="9525" marB="0" anchor="b"/>
-                </a:tc>
-                <a:tc>
-                  <a:txBody>
-                    <a:bodyPr/>
-                    <a:lstStyle/>
-                    <a:p>
-                      <a:pPr algn="l" fontAlgn="b"/>
-                      <a:endParaRPr lang="en-US" sz="1100" b="0" i="0" u="none" strike="noStrike">
-                        <a:solidFill>
-                          <a:srgbClr val="000000"/>
-                        </a:solidFill>
-                        <a:effectLst/>
-                        <a:latin typeface="Liberation Sans"/>
-                      </a:endParaRPr>
-                    </a:p>
-                  </a:txBody>
-                  <a:tcPr marL="9525" marR="9525" marT="9525" marB="0" anchor="b"/>
-                </a:tc>
-                <a:tc>
-                  <a:txBody>
-                    <a:bodyPr/>
-                    <a:lstStyle/>
-                    <a:p>
-                      <a:pPr algn="l" fontAlgn="b"/>
-                      <a:endParaRPr lang="en-US" sz="1100" b="0" i="0" u="none" strike="noStrike">
-                        <a:solidFill>
-                          <a:srgbClr val="000000"/>
-                        </a:solidFill>
-                        <a:effectLst/>
-                        <a:latin typeface="Liberation Sans"/>
-                      </a:endParaRPr>
-                    </a:p>
-                  </a:txBody>
-                  <a:tcPr marL="9525" marR="9525" marT="9525" marB="0" anchor="b"/>
-                </a:tc>
-              </a:tr>
-              <a:tr h="220790">
-                <a:tc>
-                  <a:txBody>
-                    <a:bodyPr/>
-                    <a:lstStyle/>
-                    <a:p>
-                      <a:pPr algn="l" fontAlgn="b"/>
-                      <a:endParaRPr lang="en-US" sz="1100" b="0" i="0" u="none" strike="noStrike">
-                        <a:solidFill>
-                          <a:srgbClr val="000000"/>
-                        </a:solidFill>
-                        <a:effectLst/>
-                        <a:latin typeface="Liberation Sans"/>
-                      </a:endParaRPr>
-                    </a:p>
-                  </a:txBody>
-                  <a:tcPr marL="9525" marR="9525" marT="9525" marB="0" anchor="b"/>
-                </a:tc>
-                <a:tc>
-                  <a:txBody>
-                    <a:bodyPr/>
-                    <a:lstStyle/>
-                    <a:p>
-                      <a:pPr algn="l" fontAlgn="b"/>
-                      <a:endParaRPr lang="en-US" sz="1100" b="0" i="0" u="none" strike="noStrike">
-                        <a:solidFill>
-                          <a:srgbClr val="000000"/>
-                        </a:solidFill>
-                        <a:effectLst/>
-                        <a:latin typeface="Liberation Sans"/>
-                      </a:endParaRPr>
-                    </a:p>
-                  </a:txBody>
-                  <a:tcPr marL="9525" marR="9525" marT="9525" marB="0" anchor="b"/>
-                </a:tc>
-                <a:tc>
-                  <a:txBody>
-                    <a:bodyPr/>
-                    <a:lstStyle/>
-                    <a:p>
-                      <a:pPr algn="l" fontAlgn="b"/>
-                      <a:endParaRPr lang="en-US" sz="1100" b="0" i="0" u="none" strike="noStrike">
-                        <a:solidFill>
-                          <a:srgbClr val="000000"/>
-                        </a:solidFill>
-                        <a:effectLst/>
-                        <a:latin typeface="Liberation Sans"/>
-                      </a:endParaRPr>
-                    </a:p>
-                  </a:txBody>
-                  <a:tcPr marL="9525" marR="9525" marT="9525" marB="0" anchor="b"/>
-                </a:tc>
-                <a:tc>
-                  <a:txBody>
-                    <a:bodyPr/>
-                    <a:lstStyle/>
-                    <a:p>
-                      <a:pPr algn="l" fontAlgn="b"/>
-                      <a:endParaRPr lang="en-US" sz="1100" b="0" i="0" u="none" strike="noStrike">
-                        <a:solidFill>
-                          <a:srgbClr val="000000"/>
-                        </a:solidFill>
-                        <a:effectLst/>
-                        <a:latin typeface="Liberation Sans"/>
-                      </a:endParaRPr>
-                    </a:p>
-                  </a:txBody>
-                  <a:tcPr marL="9525" marR="9525" marT="9525" marB="0" anchor="b"/>
-                </a:tc>
-                <a:tc>
-                  <a:txBody>
-                    <a:bodyPr/>
-                    <a:lstStyle/>
-                    <a:p>
-                      <a:pPr algn="l" fontAlgn="b"/>
-                      <a:endParaRPr lang="en-US" sz="1100" b="0" i="0" u="none" strike="noStrike">
-                        <a:solidFill>
-                          <a:srgbClr val="000000"/>
-                        </a:solidFill>
-                        <a:effectLst/>
-                        <a:latin typeface="Liberation Sans"/>
-                      </a:endParaRPr>
-                    </a:p>
-                  </a:txBody>
-                  <a:tcPr marL="9525" marR="9525" marT="9525" marB="0" anchor="b"/>
-                </a:tc>
-                <a:tc>
-                  <a:txBody>
-                    <a:bodyPr/>
-                    <a:lstStyle/>
-                    <a:p>
-                      <a:pPr algn="l" fontAlgn="b"/>
-                      <a:endParaRPr lang="en-US" sz="1100" b="0" i="0" u="none" strike="noStrike">
-                        <a:solidFill>
-                          <a:srgbClr val="000000"/>
-                        </a:solidFill>
-                        <a:effectLst/>
-                        <a:latin typeface="Liberation Sans"/>
-                      </a:endParaRPr>
-                    </a:p>
-                  </a:txBody>
-                  <a:tcPr marL="9525" marR="9525" marT="9525" marB="0" anchor="b"/>
-                </a:tc>
-                <a:tc>
-                  <a:txBody>
-                    <a:bodyPr/>
-                    <a:lstStyle/>
-                    <a:p>
-                      <a:pPr algn="l" fontAlgn="b"/>
-                      <a:endParaRPr lang="en-US" sz="1100" b="0" i="0" u="none" strike="noStrike">
-                        <a:solidFill>
-                          <a:srgbClr val="000000"/>
-                        </a:solidFill>
-                        <a:effectLst/>
-                        <a:latin typeface="Liberation Sans"/>
-                      </a:endParaRPr>
-                    </a:p>
-                  </a:txBody>
-                  <a:tcPr marL="9525" marR="9525" marT="9525" marB="0" anchor="b"/>
-                </a:tc>
-              </a:tr>
-              <a:tr h="220790">
-                <a:tc>
-                  <a:txBody>
-                    <a:bodyPr/>
-                    <a:lstStyle/>
-                    <a:p>
-                      <a:pPr algn="l" fontAlgn="b"/>
-                      <a:endParaRPr lang="en-US" sz="1100" b="0" i="0" u="none" strike="noStrike">
-                        <a:solidFill>
-                          <a:srgbClr val="000000"/>
-                        </a:solidFill>
-                        <a:effectLst/>
-                        <a:latin typeface="Liberation Sans"/>
-                      </a:endParaRPr>
-                    </a:p>
-                  </a:txBody>
-                  <a:tcPr marL="9525" marR="9525" marT="9525" marB="0" anchor="b"/>
-                </a:tc>
-                <a:tc>
-                  <a:txBody>
-                    <a:bodyPr/>
-                    <a:lstStyle/>
-                    <a:p>
-                      <a:pPr algn="l" fontAlgn="b"/>
-                      <a:endParaRPr lang="en-US" sz="1100" b="0" i="0" u="none" strike="noStrike">
-                        <a:solidFill>
-                          <a:srgbClr val="000000"/>
-                        </a:solidFill>
-                        <a:effectLst/>
-                        <a:latin typeface="Liberation Sans"/>
-                      </a:endParaRPr>
-                    </a:p>
-                  </a:txBody>
-                  <a:tcPr marL="9525" marR="9525" marT="9525" marB="0" anchor="b"/>
-                </a:tc>
-                <a:tc>
-                  <a:txBody>
-                    <a:bodyPr/>
-                    <a:lstStyle/>
-                    <a:p>
-                      <a:pPr algn="l" fontAlgn="b"/>
-                      <a:endParaRPr lang="en-US" sz="1100" b="0" i="0" u="none" strike="noStrike">
-                        <a:solidFill>
-                          <a:srgbClr val="000000"/>
-                        </a:solidFill>
-                        <a:effectLst/>
-                        <a:latin typeface="Liberation Sans"/>
-                      </a:endParaRPr>
-                    </a:p>
-                  </a:txBody>
-                  <a:tcPr marL="9525" marR="9525" marT="9525" marB="0" anchor="b"/>
-                </a:tc>
-                <a:tc>
-                  <a:txBody>
-                    <a:bodyPr/>
-                    <a:lstStyle/>
-                    <a:p>
-                      <a:pPr algn="l" fontAlgn="b"/>
-                      <a:endParaRPr lang="en-US" sz="1100" b="0" i="0" u="none" strike="noStrike">
-                        <a:solidFill>
-                          <a:srgbClr val="000000"/>
-                        </a:solidFill>
-                        <a:effectLst/>
-                        <a:latin typeface="Liberation Sans"/>
-                      </a:endParaRPr>
-                    </a:p>
-                  </a:txBody>
-                  <a:tcPr marL="9525" marR="9525" marT="9525" marB="0" anchor="b"/>
-                </a:tc>
-                <a:tc>
-                  <a:txBody>
-                    <a:bodyPr/>
-                    <a:lstStyle/>
-                    <a:p>
-                      <a:pPr algn="l" fontAlgn="b"/>
-                      <a:endParaRPr lang="en-US" sz="1100" b="0" i="0" u="none" strike="noStrike">
-                        <a:solidFill>
-                          <a:srgbClr val="000000"/>
-                        </a:solidFill>
-                        <a:effectLst/>
-                        <a:latin typeface="Liberation Sans"/>
-                      </a:endParaRPr>
-                    </a:p>
-                  </a:txBody>
-                  <a:tcPr marL="9525" marR="9525" marT="9525" marB="0" anchor="b"/>
-                </a:tc>
-                <a:tc>
-                  <a:txBody>
-                    <a:bodyPr/>
-                    <a:lstStyle/>
-                    <a:p>
-                      <a:pPr algn="l" fontAlgn="b"/>
-                      <a:endParaRPr lang="en-US" sz="1100" b="0" i="0" u="none" strike="noStrike">
-                        <a:solidFill>
-                          <a:srgbClr val="000000"/>
-                        </a:solidFill>
-                        <a:effectLst/>
-                        <a:latin typeface="Liberation Sans"/>
-                      </a:endParaRPr>
-                    </a:p>
-                  </a:txBody>
-                  <a:tcPr marL="9525" marR="9525" marT="9525" marB="0" anchor="b"/>
-                </a:tc>
-                <a:tc>
-                  <a:txBody>
-                    <a:bodyPr/>
-                    <a:lstStyle/>
-                    <a:p>
-                      <a:pPr algn="l" fontAlgn="b"/>
-                      <a:endParaRPr lang="en-US" sz="1100" b="0" i="0" u="none" strike="noStrike">
-                        <a:solidFill>
-                          <a:srgbClr val="000000"/>
-                        </a:solidFill>
-                        <a:effectLst/>
-                        <a:latin typeface="Liberation Sans"/>
-                      </a:endParaRPr>
-                    </a:p>
-                  </a:txBody>
-                  <a:tcPr marL="9525" marR="9525" marT="9525" marB="0" anchor="b"/>
-                </a:tc>
-              </a:tr>
-              <a:tr h="220790">
-                <a:tc>
-                  <a:txBody>
-                    <a:bodyPr/>
-                    <a:lstStyle/>
-                    <a:p>
-                      <a:pPr algn="l" fontAlgn="b"/>
-                      <a:r>
-                        <a:rPr lang="en-US" sz="1100" u="none" strike="noStrike">
-                          <a:effectLst/>
-                        </a:rPr>
-                        <a:t>Total</a:t>
-                      </a:r>
-                      <a:endParaRPr lang="en-US" sz="1100" b="0" i="0" u="none" strike="noStrike">
-                        <a:solidFill>
-                          <a:srgbClr val="000000"/>
-                        </a:solidFill>
-                        <a:effectLst/>
-                        <a:latin typeface="Liberation Sans"/>
-                      </a:endParaRPr>
-                    </a:p>
-                  </a:txBody>
-                  <a:tcPr marL="9525" marR="9525" marT="9525" marB="0" anchor="b"/>
-                </a:tc>
-                <a:tc>
-                  <a:txBody>
-                    <a:bodyPr/>
-                    <a:lstStyle/>
-                    <a:p>
-                      <a:pPr algn="l" fontAlgn="b"/>
-                      <a:endParaRPr lang="en-US" sz="1100" b="0" i="0" u="none" strike="noStrike">
-                        <a:solidFill>
-                          <a:srgbClr val="000000"/>
-                        </a:solidFill>
-                        <a:effectLst/>
-                        <a:latin typeface="Liberation Sans"/>
-                      </a:endParaRPr>
-                    </a:p>
-                  </a:txBody>
-                  <a:tcPr marL="9525" marR="9525" marT="9525" marB="0" anchor="b"/>
-                </a:tc>
-                <a:tc>
-                  <a:txBody>
-                    <a:bodyPr/>
-                    <a:lstStyle/>
-                    <a:p>
-                      <a:pPr algn="l" fontAlgn="b"/>
-                      <a:endParaRPr lang="en-US" sz="1100" b="0" i="0" u="none" strike="noStrike">
-                        <a:solidFill>
-                          <a:srgbClr val="000000"/>
-                        </a:solidFill>
-                        <a:effectLst/>
-                        <a:latin typeface="Liberation Sans"/>
-                      </a:endParaRPr>
-                    </a:p>
-                  </a:txBody>
-                  <a:tcPr marL="9525" marR="9525" marT="9525" marB="0" anchor="b"/>
-                </a:tc>
-                <a:tc>
-                  <a:txBody>
-                    <a:bodyPr/>
-                    <a:lstStyle/>
-                    <a:p>
-                      <a:pPr algn="r" fontAlgn="b"/>
-                      <a:r>
-                        <a:rPr lang="en-US" sz="1100" u="none" strike="noStrike">
-                          <a:effectLst/>
-                        </a:rPr>
-                        <a:t>605.22</a:t>
-                      </a:r>
-                      <a:endParaRPr lang="en-US" sz="1100" b="0" i="0" u="none" strike="noStrike">
-                        <a:solidFill>
-                          <a:srgbClr val="000000"/>
-                        </a:solidFill>
-                        <a:effectLst/>
-                        <a:latin typeface="Liberation Sans"/>
-                      </a:endParaRPr>
-                    </a:p>
-                  </a:txBody>
-                  <a:tcPr marL="9525" marR="9525" marT="9525" marB="0" anchor="b"/>
-                </a:tc>
-                <a:tc>
-                  <a:txBody>
-                    <a:bodyPr/>
-                    <a:lstStyle/>
-                    <a:p>
-                      <a:pPr algn="l" fontAlgn="b"/>
-                      <a:endParaRPr lang="en-US" sz="1100" b="0" i="0" u="none" strike="noStrike">
-                        <a:solidFill>
-                          <a:srgbClr val="000000"/>
-                        </a:solidFill>
-                        <a:effectLst/>
-                        <a:latin typeface="Liberation Sans"/>
-                      </a:endParaRPr>
-                    </a:p>
-                  </a:txBody>
-                  <a:tcPr marL="9525" marR="9525" marT="9525" marB="0" anchor="b"/>
-                </a:tc>
-                <a:tc>
-                  <a:txBody>
-                    <a:bodyPr/>
-                    <a:lstStyle/>
-                    <a:p>
-                      <a:pPr algn="l" fontAlgn="b"/>
-                      <a:endParaRPr lang="en-US" sz="1100" b="0" i="0" u="none" strike="noStrike">
-                        <a:solidFill>
-                          <a:srgbClr val="000000"/>
-                        </a:solidFill>
-                        <a:effectLst/>
-                        <a:latin typeface="Liberation Sans"/>
-                      </a:endParaRPr>
-                    </a:p>
-                  </a:txBody>
-                  <a:tcPr marL="9525" marR="9525" marT="9525" marB="0" anchor="b"/>
-                </a:tc>
-                <a:tc>
-                  <a:txBody>
-                    <a:bodyPr/>
-                    <a:lstStyle/>
-                    <a:p>
-                      <a:pPr algn="r" fontAlgn="b"/>
-                      <a:r>
-                        <a:rPr lang="en-US" sz="1100" u="none" strike="noStrike" dirty="0">
-                          <a:effectLst/>
-                        </a:rPr>
-                        <a:t>1005.54</a:t>
-                      </a:r>
-                      <a:endParaRPr lang="en-US" sz="1100" b="0" i="0" u="none" strike="noStrike" dirty="0">
-                        <a:solidFill>
-                          <a:srgbClr val="000000"/>
-                        </a:solidFill>
-                        <a:effectLst/>
-                        <a:latin typeface="Liberation Sans"/>
-                      </a:endParaRPr>
-                    </a:p>
-                  </a:txBody>
-                  <a:tcPr marL="9525" marR="9525" marT="9525" marB="0" anchor="b"/>
-                </a:tc>
-              </a:tr>
-            </a:tbl>
-          </a:graphicData>
-        </a:graphic>
-      </p:graphicFrame>
       <p:sp>
         <p:nvSpPr>
           <p:cNvPr id="3" name="Title 2"/>
@@ -11493,17 +9831,49 @@
           <a:lstStyle/>
           <a:p>
             <a:r>
+              <a:rPr lang="en-US" dirty="0"/>
+              <a:t>Execution overview – </a:t>
+            </a:r>
+            <a:r>
               <a:rPr lang="en-US" dirty="0" smtClean="0"/>
-              <a:t>Execution overview - BUDGET</a:t>
+              <a:t>Timeline 1/3</a:t>
             </a:r>
             <a:endParaRPr lang="en-US" dirty="0"/>
           </a:p>
         </p:txBody>
       </p:sp>
+      <p:pic>
+        <p:nvPicPr>
+          <p:cNvPr id="5" name="Content Placeholder 4"/>
+          <p:cNvPicPr>
+            <a:picLocks noGrp="1" noChangeAspect="1"/>
+          </p:cNvPicPr>
+          <p:nvPr>
+            <p:ph idx="1"/>
+          </p:nvPr>
+        </p:nvPicPr>
+        <p:blipFill rotWithShape="1">
+          <a:blip r:embed="rId2">
+            <a:extLst>
+              <a:ext uri="{28A0092B-C50C-407E-A947-70E740481C1C}">
+                <a14:useLocalDpi xmlns:a14="http://schemas.microsoft.com/office/drawing/2010/main" val="0"/>
+              </a:ext>
+            </a:extLst>
+          </a:blip>
+          <a:srcRect t="36219" b="-207"/>
+          <a:stretch/>
+        </p:blipFill>
+        <p:spPr>
+          <a:xfrm>
+            <a:off x="152400" y="1371600"/>
+            <a:ext cx="8834213" cy="5334000"/>
+          </a:xfrm>
+        </p:spPr>
+      </p:pic>
     </p:spTree>
     <p:extLst>
       <p:ext uri="{BB962C8B-B14F-4D97-AF65-F5344CB8AC3E}">
-        <p14:creationId xmlns:p14="http://schemas.microsoft.com/office/powerpoint/2010/main" val="3975776711"/>
+        <p14:creationId xmlns:p14="http://schemas.microsoft.com/office/powerpoint/2010/main" val="3042760565"/>
       </p:ext>
     </p:extLst>
   </p:cSld>
@@ -11532,94 +9902,6 @@
       </p:grpSpPr>
       <p:sp>
         <p:nvSpPr>
-          <p:cNvPr id="2" name="Content Placeholder 1"/>
-          <p:cNvSpPr>
-            <a:spLocks noGrp="1"/>
-          </p:cNvSpPr>
-          <p:nvPr>
-            <p:ph idx="1"/>
-          </p:nvPr>
-        </p:nvSpPr>
-        <p:spPr/>
-        <p:txBody>
-          <a:bodyPr>
-            <a:noAutofit/>
-          </a:bodyPr>
-          <a:lstStyle/>
-          <a:p>
-            <a:r>
-              <a:rPr lang="en-US" sz="2800" dirty="0" smtClean="0"/>
-              <a:t>Patent Liability</a:t>
-            </a:r>
-          </a:p>
-          <a:p>
-            <a:pPr lvl="1"/>
-            <a:r>
-              <a:rPr lang="en-US" sz="2400" dirty="0" smtClean="0"/>
-              <a:t>Novelty of design avoids many AR patents</a:t>
-            </a:r>
-          </a:p>
-          <a:p>
-            <a:pPr lvl="2"/>
-            <a:r>
-              <a:rPr lang="en-US" sz="2000" dirty="0" smtClean="0"/>
-              <a:t>Large fraction specifically mention cameras</a:t>
-            </a:r>
-          </a:p>
-          <a:p>
-            <a:pPr lvl="1"/>
-            <a:r>
-              <a:rPr lang="en-US" sz="2400" dirty="0" smtClean="0"/>
-              <a:t>Licensing may be required</a:t>
-            </a:r>
-          </a:p>
-          <a:p>
-            <a:pPr lvl="1"/>
-            <a:r>
-              <a:rPr lang="en-US" sz="2400" dirty="0" smtClean="0"/>
-              <a:t>Could file new patents and cross-license</a:t>
-            </a:r>
-            <a:endParaRPr lang="en-US" sz="2400" dirty="0"/>
-          </a:p>
-          <a:p>
-            <a:r>
-              <a:rPr lang="en-US" sz="2800" dirty="0" smtClean="0"/>
-              <a:t>User Safety</a:t>
-            </a:r>
-          </a:p>
-          <a:p>
-            <a:pPr lvl="1"/>
-            <a:r>
-              <a:rPr lang="en-US" sz="2400" dirty="0" smtClean="0"/>
-              <a:t>LiFePO</a:t>
-            </a:r>
-            <a:r>
-              <a:rPr lang="en-US" sz="2400" baseline="-25000" dirty="0" smtClean="0"/>
-              <a:t>4</a:t>
-            </a:r>
-            <a:r>
-              <a:rPr lang="en-US" sz="2400" dirty="0" smtClean="0"/>
-              <a:t> much safer than other Lithium battery chemistries</a:t>
-            </a:r>
-          </a:p>
-          <a:p>
-            <a:pPr lvl="1"/>
-            <a:r>
-              <a:rPr lang="en-US" sz="2400" dirty="0" smtClean="0"/>
-              <a:t>Translucent display keeps user aware of environment</a:t>
-            </a:r>
-          </a:p>
-          <a:p>
-            <a:pPr lvl="1"/>
-            <a:r>
-              <a:rPr lang="en-US" sz="2400" dirty="0" smtClean="0"/>
-              <a:t>Product unsuitable for use while driving, operating heavy machinery</a:t>
-            </a:r>
-          </a:p>
-        </p:txBody>
-      </p:sp>
-      <p:sp>
-        <p:nvSpPr>
           <p:cNvPr id="3" name="Title 2"/>
           <p:cNvSpPr>
             <a:spLocks noGrp="1"/>
@@ -11635,16 +9917,48 @@
           <a:p>
             <a:r>
               <a:rPr lang="en-US" dirty="0" smtClean="0"/>
-              <a:t>COMPLICATIONS</a:t>
+              <a:t>Execution overview – </a:t>
+            </a:r>
+            <a:r>
+              <a:rPr lang="en-US" dirty="0" smtClean="0"/>
+              <a:t>Timeline 2/3</a:t>
             </a:r>
             <a:endParaRPr lang="en-US" dirty="0"/>
           </a:p>
         </p:txBody>
       </p:sp>
+      <p:pic>
+        <p:nvPicPr>
+          <p:cNvPr id="5" name="Content Placeholder 4"/>
+          <p:cNvPicPr>
+            <a:picLocks noGrp="1" noChangeAspect="1"/>
+          </p:cNvPicPr>
+          <p:nvPr>
+            <p:ph idx="1"/>
+          </p:nvPr>
+        </p:nvPicPr>
+        <p:blipFill rotWithShape="1">
+          <a:blip r:embed="rId2">
+            <a:extLst>
+              <a:ext uri="{28A0092B-C50C-407E-A947-70E740481C1C}">
+                <a14:useLocalDpi xmlns:a14="http://schemas.microsoft.com/office/drawing/2010/main" val="0"/>
+              </a:ext>
+            </a:extLst>
+          </a:blip>
+          <a:srcRect t="40359"/>
+          <a:stretch/>
+        </p:blipFill>
+        <p:spPr>
+          <a:xfrm>
+            <a:off x="152400" y="1371600"/>
+            <a:ext cx="8839200" cy="5334000"/>
+          </a:xfrm>
+        </p:spPr>
+      </p:pic>
     </p:spTree>
     <p:extLst>
       <p:ext uri="{BB962C8B-B14F-4D97-AF65-F5344CB8AC3E}">
-        <p14:creationId xmlns:p14="http://schemas.microsoft.com/office/powerpoint/2010/main" val="90168761"/>
+        <p14:creationId xmlns:p14="http://schemas.microsoft.com/office/powerpoint/2010/main" val="4157361893"/>
       </p:ext>
     </p:extLst>
   </p:cSld>
@@ -11671,14 +9985,42 @@
           <a:chExt cx="0" cy="0"/>
         </a:xfrm>
       </p:grpSpPr>
-      <p:sp>
-        <p:nvSpPr>
-          <p:cNvPr id="2" name="Content Placeholder 1"/>
-          <p:cNvSpPr>
-            <a:spLocks noGrp="1"/>
-          </p:cNvSpPr>
+      <p:pic>
+        <p:nvPicPr>
+          <p:cNvPr id="4" name="Content Placeholder 3"/>
+          <p:cNvPicPr>
+            <a:picLocks noGrp="1" noChangeAspect="1"/>
+          </p:cNvPicPr>
           <p:nvPr>
             <p:ph idx="1"/>
+          </p:nvPr>
+        </p:nvPicPr>
+        <p:blipFill rotWithShape="1">
+          <a:blip r:embed="rId2">
+            <a:extLst>
+              <a:ext uri="{28A0092B-C50C-407E-A947-70E740481C1C}">
+                <a14:useLocalDpi xmlns:a14="http://schemas.microsoft.com/office/drawing/2010/main" val="0"/>
+              </a:ext>
+            </a:extLst>
+          </a:blip>
+          <a:srcRect t="40359"/>
+          <a:stretch/>
+        </p:blipFill>
+        <p:spPr>
+          <a:xfrm>
+            <a:off x="152400" y="1371600"/>
+            <a:ext cx="8839200" cy="5334000"/>
+          </a:xfrm>
+        </p:spPr>
+      </p:pic>
+      <p:sp>
+        <p:nvSpPr>
+          <p:cNvPr id="3" name="Title 2"/>
+          <p:cNvSpPr>
+            <a:spLocks noGrp="1"/>
+          </p:cNvSpPr>
+          <p:nvPr>
+            <p:ph type="title"/>
           </p:nvPr>
         </p:nvSpPr>
         <p:spPr/>
@@ -11688,54 +10030,7 @@
           <a:p>
             <a:r>
               <a:rPr lang="en-US" dirty="0" smtClean="0"/>
-              <a:t>Selling software to users after purchase of device</a:t>
-            </a:r>
-          </a:p>
-          <a:p>
-            <a:pPr lvl="1"/>
-            <a:r>
-              <a:rPr lang="en-US" dirty="0" smtClean="0"/>
-              <a:t>Need to set up distribution network</a:t>
-            </a:r>
-          </a:p>
-          <a:p>
-            <a:pPr lvl="1"/>
-            <a:r>
-              <a:rPr lang="en-US" dirty="0" smtClean="0"/>
-              <a:t>Encourage third party development</a:t>
-            </a:r>
-          </a:p>
-          <a:p>
-            <a:pPr lvl="1"/>
-            <a:r>
-              <a:rPr lang="en-US" dirty="0" smtClean="0"/>
-              <a:t>Anti-piracy solutions</a:t>
-            </a:r>
-          </a:p>
-          <a:p>
-            <a:pPr lvl="1"/>
-            <a:endParaRPr lang="en-US" dirty="0"/>
-          </a:p>
-        </p:txBody>
-      </p:sp>
-      <p:sp>
-        <p:nvSpPr>
-          <p:cNvPr id="3" name="Title 2"/>
-          <p:cNvSpPr>
-            <a:spLocks noGrp="1"/>
-          </p:cNvSpPr>
-          <p:nvPr>
-            <p:ph type="title"/>
-          </p:nvPr>
-        </p:nvSpPr>
-        <p:spPr/>
-        <p:txBody>
-          <a:bodyPr/>
-          <a:lstStyle/>
-          <a:p>
-            <a:r>
-              <a:rPr lang="en-US" dirty="0" smtClean="0"/>
-              <a:t>Opportunities</a:t>
+              <a:t>Execution Overview – Timeline 3/3</a:t>
             </a:r>
             <a:endParaRPr lang="en-US" dirty="0"/>
           </a:p>
@@ -11744,7 +10039,7 @@
     </p:spTree>
     <p:extLst>
       <p:ext uri="{BB962C8B-B14F-4D97-AF65-F5344CB8AC3E}">
-        <p14:creationId xmlns:p14="http://schemas.microsoft.com/office/powerpoint/2010/main" val="2759559370"/>
+        <p14:creationId xmlns:p14="http://schemas.microsoft.com/office/powerpoint/2010/main" val="1351510714"/>
       </p:ext>
     </p:extLst>
   </p:cSld>
@@ -11773,91 +10068,6 @@
       </p:grpSpPr>
       <p:sp>
         <p:nvSpPr>
-          <p:cNvPr id="2" name="Content Placeholder 1"/>
-          <p:cNvSpPr>
-            <a:spLocks noGrp="1"/>
-          </p:cNvSpPr>
-          <p:nvPr>
-            <p:ph idx="1"/>
-          </p:nvPr>
-        </p:nvSpPr>
-        <p:spPr/>
-        <p:txBody>
-          <a:bodyPr>
-            <a:normAutofit/>
-          </a:bodyPr>
-          <a:lstStyle/>
-          <a:p>
-            <a:r>
-              <a:rPr lang="en-US" sz="2400" dirty="0" smtClean="0"/>
-              <a:t>Continued software development</a:t>
-            </a:r>
-          </a:p>
-          <a:p>
-            <a:pPr lvl="1"/>
-            <a:r>
-              <a:rPr lang="en-US" sz="2000" dirty="0" smtClean="0"/>
-              <a:t>Improve calculation of head orientation</a:t>
-            </a:r>
-          </a:p>
-          <a:p>
-            <a:pPr lvl="1"/>
-            <a:r>
-              <a:rPr lang="en-US" sz="2000" dirty="0" smtClean="0"/>
-              <a:t>Improve filtering of GPS data</a:t>
-            </a:r>
-          </a:p>
-          <a:p>
-            <a:r>
-              <a:rPr lang="en-US" sz="2200" dirty="0"/>
-              <a:t>Migrate software to new motherboard</a:t>
-            </a:r>
-          </a:p>
-          <a:p>
-            <a:r>
-              <a:rPr lang="en-US" sz="2200" dirty="0" smtClean="0"/>
-              <a:t>Finalize packaging modifications for larger display</a:t>
-            </a:r>
-          </a:p>
-          <a:p>
-            <a:r>
-              <a:rPr lang="en-US" sz="2200" dirty="0" smtClean="0"/>
-              <a:t>Testing of new hardware</a:t>
-            </a:r>
-          </a:p>
-          <a:p>
-            <a:pPr lvl="1"/>
-            <a:r>
-              <a:rPr lang="en-US" sz="2000" dirty="0" smtClean="0"/>
-              <a:t>Battery power and charging</a:t>
-            </a:r>
-          </a:p>
-          <a:p>
-            <a:pPr lvl="1"/>
-            <a:r>
-              <a:rPr lang="en-US" sz="2000" dirty="0" smtClean="0"/>
-              <a:t>Interfacing of </a:t>
-            </a:r>
-            <a:r>
-              <a:rPr lang="en-US" sz="2000" dirty="0" err="1" smtClean="0"/>
-              <a:t>Terasic</a:t>
-            </a:r>
-            <a:r>
-              <a:rPr lang="en-US" sz="2000" dirty="0" smtClean="0"/>
-              <a:t> board with existing microcontroller</a:t>
-            </a:r>
-          </a:p>
-          <a:p>
-            <a:pPr lvl="1"/>
-            <a:r>
-              <a:rPr lang="en-US" sz="2000" dirty="0" smtClean="0"/>
-              <a:t>Display</a:t>
-            </a:r>
-          </a:p>
-        </p:txBody>
-      </p:sp>
-      <p:sp>
-        <p:nvSpPr>
           <p:cNvPr id="3" name="Title 2"/>
           <p:cNvSpPr>
             <a:spLocks noGrp="1"/>
@@ -11873,16 +10083,2936 @@
           <a:p>
             <a:r>
               <a:rPr lang="en-US" dirty="0" smtClean="0"/>
-              <a:t>Recommendations and Next Steps</a:t>
+              <a:t>Execution overview - BUDGET</a:t>
             </a:r>
             <a:endParaRPr lang="en-US" dirty="0"/>
           </a:p>
         </p:txBody>
       </p:sp>
+      <p:graphicFrame>
+        <p:nvGraphicFramePr>
+          <p:cNvPr id="5" name="Content Placeholder 4"/>
+          <p:cNvGraphicFramePr>
+            <a:graphicFrameLocks noGrp="1"/>
+          </p:cNvGraphicFramePr>
+          <p:nvPr>
+            <p:ph idx="1"/>
+            <p:extLst>
+              <p:ext uri="{D42A27DB-BD31-4B8C-83A1-F6EECF244321}">
+                <p14:modId xmlns:p14="http://schemas.microsoft.com/office/powerpoint/2010/main" val="3049841390"/>
+              </p:ext>
+            </p:extLst>
+          </p:nvPr>
+        </p:nvGraphicFramePr>
+        <p:xfrm>
+          <a:off x="152400" y="1371599"/>
+          <a:ext cx="8839199" cy="5334000"/>
+        </p:xfrm>
+        <a:graphic>
+          <a:graphicData uri="http://schemas.openxmlformats.org/drawingml/2006/table">
+            <a:tbl>
+              <a:tblPr>
+                <a:tableStyleId>{5C22544A-7EE6-4342-B048-85BDC9FD1C3A}</a:tableStyleId>
+              </a:tblPr>
+              <a:tblGrid>
+                <a:gridCol w="1556019"/>
+                <a:gridCol w="2698551"/>
+                <a:gridCol w="1015583"/>
+                <a:gridCol w="928532"/>
+                <a:gridCol w="928532"/>
+                <a:gridCol w="928532"/>
+                <a:gridCol w="783450"/>
+              </a:tblGrid>
+              <a:tr h="280000">
+                <a:tc>
+                  <a:txBody>
+                    <a:bodyPr/>
+                    <a:lstStyle/>
+                    <a:p>
+                      <a:pPr algn="l" fontAlgn="b"/>
+                      <a:r>
+                        <a:rPr lang="en-US" sz="1100" u="none" strike="noStrike">
+                          <a:effectLst/>
+                        </a:rPr>
+                        <a:t>Name</a:t>
+                      </a:r>
+                      <a:endParaRPr lang="en-US" sz="1100" b="1" i="0" u="none" strike="noStrike">
+                        <a:solidFill>
+                          <a:srgbClr val="000000"/>
+                        </a:solidFill>
+                        <a:effectLst/>
+                        <a:latin typeface="Liberation Sans"/>
+                      </a:endParaRPr>
+                    </a:p>
+                  </a:txBody>
+                  <a:tcPr marL="9525" marR="9525" marT="9525" marB="0" anchor="b"/>
+                </a:tc>
+                <a:tc>
+                  <a:txBody>
+                    <a:bodyPr/>
+                    <a:lstStyle/>
+                    <a:p>
+                      <a:pPr algn="l" fontAlgn="b"/>
+                      <a:r>
+                        <a:rPr lang="en-US" sz="1100" u="none" strike="noStrike">
+                          <a:effectLst/>
+                        </a:rPr>
+                        <a:t>Item</a:t>
+                      </a:r>
+                      <a:endParaRPr lang="en-US" sz="1100" b="1" i="0" u="none" strike="noStrike">
+                        <a:solidFill>
+                          <a:srgbClr val="000000"/>
+                        </a:solidFill>
+                        <a:effectLst/>
+                        <a:latin typeface="Liberation Sans"/>
+                      </a:endParaRPr>
+                    </a:p>
+                  </a:txBody>
+                  <a:tcPr marL="9525" marR="9525" marT="9525" marB="0" anchor="b"/>
+                </a:tc>
+                <a:tc>
+                  <a:txBody>
+                    <a:bodyPr/>
+                    <a:lstStyle/>
+                    <a:p>
+                      <a:pPr algn="l" fontAlgn="b"/>
+                      <a:r>
+                        <a:rPr lang="en-US" sz="1100" u="none" strike="noStrike">
+                          <a:effectLst/>
+                        </a:rPr>
+                        <a:t>Vendor</a:t>
+                      </a:r>
+                      <a:endParaRPr lang="en-US" sz="1100" b="1" i="0" u="none" strike="noStrike">
+                        <a:solidFill>
+                          <a:srgbClr val="000000"/>
+                        </a:solidFill>
+                        <a:effectLst/>
+                        <a:latin typeface="Liberation Sans"/>
+                      </a:endParaRPr>
+                    </a:p>
+                  </a:txBody>
+                  <a:tcPr marL="9525" marR="9525" marT="9525" marB="0" anchor="b"/>
+                </a:tc>
+                <a:tc>
+                  <a:txBody>
+                    <a:bodyPr/>
+                    <a:lstStyle/>
+                    <a:p>
+                      <a:pPr algn="l" fontAlgn="b"/>
+                      <a:r>
+                        <a:rPr lang="en-US" sz="1100" u="none" strike="noStrike">
+                          <a:effectLst/>
+                        </a:rPr>
+                        <a:t>Unit Price</a:t>
+                      </a:r>
+                      <a:endParaRPr lang="en-US" sz="1100" b="1" i="0" u="none" strike="noStrike">
+                        <a:solidFill>
+                          <a:srgbClr val="000000"/>
+                        </a:solidFill>
+                        <a:effectLst/>
+                        <a:latin typeface="Liberation Sans"/>
+                      </a:endParaRPr>
+                    </a:p>
+                  </a:txBody>
+                  <a:tcPr marL="9525" marR="9525" marT="9525" marB="0" anchor="b"/>
+                </a:tc>
+                <a:tc>
+                  <a:txBody>
+                    <a:bodyPr/>
+                    <a:lstStyle/>
+                    <a:p>
+                      <a:pPr algn="l" fontAlgn="b"/>
+                      <a:r>
+                        <a:rPr lang="en-US" sz="1100" u="none" strike="noStrike">
+                          <a:effectLst/>
+                        </a:rPr>
+                        <a:t>Shipping</a:t>
+                      </a:r>
+                      <a:endParaRPr lang="en-US" sz="1100" b="1" i="0" u="none" strike="noStrike">
+                        <a:solidFill>
+                          <a:srgbClr val="000000"/>
+                        </a:solidFill>
+                        <a:effectLst/>
+                        <a:latin typeface="Liberation Sans"/>
+                      </a:endParaRPr>
+                    </a:p>
+                  </a:txBody>
+                  <a:tcPr marL="9525" marR="9525" marT="9525" marB="0" anchor="b"/>
+                </a:tc>
+                <a:tc>
+                  <a:txBody>
+                    <a:bodyPr/>
+                    <a:lstStyle/>
+                    <a:p>
+                      <a:pPr algn="l" fontAlgn="b"/>
+                      <a:r>
+                        <a:rPr lang="en-US" sz="1100" u="none" strike="noStrike">
+                          <a:effectLst/>
+                        </a:rPr>
+                        <a:t>Quantity</a:t>
+                      </a:r>
+                      <a:endParaRPr lang="en-US" sz="1100" b="1" i="0" u="none" strike="noStrike">
+                        <a:solidFill>
+                          <a:srgbClr val="000000"/>
+                        </a:solidFill>
+                        <a:effectLst/>
+                        <a:latin typeface="Liberation Sans"/>
+                      </a:endParaRPr>
+                    </a:p>
+                  </a:txBody>
+                  <a:tcPr marL="9525" marR="9525" marT="9525" marB="0" anchor="b"/>
+                </a:tc>
+                <a:tc>
+                  <a:txBody>
+                    <a:bodyPr/>
+                    <a:lstStyle/>
+                    <a:p>
+                      <a:pPr algn="l" fontAlgn="b"/>
+                      <a:r>
+                        <a:rPr lang="en-US" sz="1100" u="none" strike="noStrike">
+                          <a:effectLst/>
+                        </a:rPr>
+                        <a:t>Price</a:t>
+                      </a:r>
+                      <a:endParaRPr lang="en-US" sz="1100" b="1" i="0" u="none" strike="noStrike">
+                        <a:solidFill>
+                          <a:srgbClr val="000000"/>
+                        </a:solidFill>
+                        <a:effectLst/>
+                        <a:latin typeface="Liberation Sans"/>
+                      </a:endParaRPr>
+                    </a:p>
+                  </a:txBody>
+                  <a:tcPr marL="9525" marR="9525" marT="9525" marB="0" anchor="b"/>
+                </a:tc>
+              </a:tr>
+              <a:tr h="266000">
+                <a:tc>
+                  <a:txBody>
+                    <a:bodyPr/>
+                    <a:lstStyle/>
+                    <a:p>
+                      <a:pPr algn="l" fontAlgn="b"/>
+                      <a:r>
+                        <a:rPr lang="en-US" sz="1100" u="none" strike="noStrike">
+                          <a:effectLst/>
+                        </a:rPr>
+                        <a:t>Battery</a:t>
+                      </a:r>
+                      <a:endParaRPr lang="en-US" sz="1100" b="0" i="0" u="none" strike="noStrike">
+                        <a:solidFill>
+                          <a:srgbClr val="000000"/>
+                        </a:solidFill>
+                        <a:effectLst/>
+                        <a:latin typeface="Liberation Sans"/>
+                      </a:endParaRPr>
+                    </a:p>
+                  </a:txBody>
+                  <a:tcPr marL="9525" marR="9525" marT="9525" marB="0" anchor="b"/>
+                </a:tc>
+                <a:tc>
+                  <a:txBody>
+                    <a:bodyPr/>
+                    <a:lstStyle/>
+                    <a:p>
+                      <a:pPr algn="l" fontAlgn="b"/>
+                      <a:endParaRPr lang="en-US" sz="1100" b="0" i="0" u="none" strike="noStrike">
+                        <a:solidFill>
+                          <a:srgbClr val="000000"/>
+                        </a:solidFill>
+                        <a:effectLst/>
+                        <a:latin typeface="Liberation Sans"/>
+                      </a:endParaRPr>
+                    </a:p>
+                  </a:txBody>
+                  <a:tcPr marL="9525" marR="9525" marT="9525" marB="0" anchor="b"/>
+                </a:tc>
+                <a:tc>
+                  <a:txBody>
+                    <a:bodyPr/>
+                    <a:lstStyle/>
+                    <a:p>
+                      <a:pPr algn="l" fontAlgn="b"/>
+                      <a:r>
+                        <a:rPr lang="en-US" sz="1100" u="none" strike="noStrike">
+                          <a:effectLst/>
+                        </a:rPr>
+                        <a:t>BatterySpace</a:t>
+                      </a:r>
+                      <a:endParaRPr lang="en-US" sz="1100" b="0" i="0" u="none" strike="noStrike">
+                        <a:solidFill>
+                          <a:srgbClr val="000000"/>
+                        </a:solidFill>
+                        <a:effectLst/>
+                        <a:latin typeface="Liberation Sans"/>
+                      </a:endParaRPr>
+                    </a:p>
+                  </a:txBody>
+                  <a:tcPr marL="9525" marR="9525" marT="9525" marB="0" anchor="b"/>
+                </a:tc>
+                <a:tc>
+                  <a:txBody>
+                    <a:bodyPr/>
+                    <a:lstStyle/>
+                    <a:p>
+                      <a:pPr algn="r" fontAlgn="b"/>
+                      <a:r>
+                        <a:rPr lang="en-US" sz="1100" u="none" strike="noStrike">
+                          <a:effectLst/>
+                        </a:rPr>
+                        <a:t>66.95</a:t>
+                      </a:r>
+                      <a:endParaRPr lang="en-US" sz="1100" b="0" i="0" u="none" strike="noStrike">
+                        <a:solidFill>
+                          <a:srgbClr val="000000"/>
+                        </a:solidFill>
+                        <a:effectLst/>
+                        <a:latin typeface="Liberation Sans"/>
+                      </a:endParaRPr>
+                    </a:p>
+                  </a:txBody>
+                  <a:tcPr marL="9525" marR="9525" marT="9525" marB="0" anchor="b"/>
+                </a:tc>
+                <a:tc>
+                  <a:txBody>
+                    <a:bodyPr/>
+                    <a:lstStyle/>
+                    <a:p>
+                      <a:pPr algn="l" fontAlgn="b"/>
+                      <a:endParaRPr lang="en-US" sz="1100" b="0" i="0" u="none" strike="noStrike">
+                        <a:solidFill>
+                          <a:srgbClr val="000000"/>
+                        </a:solidFill>
+                        <a:effectLst/>
+                        <a:latin typeface="Liberation Sans"/>
+                      </a:endParaRPr>
+                    </a:p>
+                  </a:txBody>
+                  <a:tcPr marL="9525" marR="9525" marT="9525" marB="0" anchor="b"/>
+                </a:tc>
+                <a:tc>
+                  <a:txBody>
+                    <a:bodyPr/>
+                    <a:lstStyle/>
+                    <a:p>
+                      <a:pPr algn="r" fontAlgn="b"/>
+                      <a:r>
+                        <a:rPr lang="en-US" sz="1100" u="none" strike="noStrike">
+                          <a:effectLst/>
+                        </a:rPr>
+                        <a:t>2</a:t>
+                      </a:r>
+                      <a:endParaRPr lang="en-US" sz="1100" b="0" i="0" u="none" strike="noStrike">
+                        <a:solidFill>
+                          <a:srgbClr val="000000"/>
+                        </a:solidFill>
+                        <a:effectLst/>
+                        <a:latin typeface="Liberation Sans"/>
+                      </a:endParaRPr>
+                    </a:p>
+                  </a:txBody>
+                  <a:tcPr marL="9525" marR="9525" marT="9525" marB="0" anchor="b"/>
+                </a:tc>
+                <a:tc>
+                  <a:txBody>
+                    <a:bodyPr/>
+                    <a:lstStyle/>
+                    <a:p>
+                      <a:pPr algn="r" fontAlgn="b"/>
+                      <a:r>
+                        <a:rPr lang="en-US" sz="1100" u="none" strike="noStrike">
+                          <a:effectLst/>
+                        </a:rPr>
+                        <a:t>133.9</a:t>
+                      </a:r>
+                      <a:endParaRPr lang="en-US" sz="1100" b="0" i="0" u="none" strike="noStrike">
+                        <a:solidFill>
+                          <a:srgbClr val="000000"/>
+                        </a:solidFill>
+                        <a:effectLst/>
+                        <a:latin typeface="Liberation Sans"/>
+                      </a:endParaRPr>
+                    </a:p>
+                  </a:txBody>
+                  <a:tcPr marL="9525" marR="9525" marT="9525" marB="0" anchor="b"/>
+                </a:tc>
+              </a:tr>
+              <a:tr h="266000">
+                <a:tc>
+                  <a:txBody>
+                    <a:bodyPr/>
+                    <a:lstStyle/>
+                    <a:p>
+                      <a:pPr algn="l" fontAlgn="b"/>
+                      <a:r>
+                        <a:rPr lang="en-US" sz="1100" u="none" strike="noStrike">
+                          <a:effectLst/>
+                        </a:rPr>
+                        <a:t>Screen1</a:t>
+                      </a:r>
+                      <a:endParaRPr lang="en-US" sz="1100" b="0" i="0" u="none" strike="noStrike">
+                        <a:solidFill>
+                          <a:srgbClr val="000000"/>
+                        </a:solidFill>
+                        <a:effectLst/>
+                        <a:latin typeface="Liberation Sans"/>
+                      </a:endParaRPr>
+                    </a:p>
+                  </a:txBody>
+                  <a:tcPr marL="9525" marR="9525" marT="9525" marB="0" anchor="b"/>
+                </a:tc>
+                <a:tc>
+                  <a:txBody>
+                    <a:bodyPr/>
+                    <a:lstStyle/>
+                    <a:p>
+                      <a:pPr algn="l" fontAlgn="b"/>
+                      <a:endParaRPr lang="en-US" sz="1100" b="0" i="0" u="none" strike="noStrike">
+                        <a:solidFill>
+                          <a:srgbClr val="000000"/>
+                        </a:solidFill>
+                        <a:effectLst/>
+                        <a:latin typeface="Liberation Sans"/>
+                      </a:endParaRPr>
+                    </a:p>
+                  </a:txBody>
+                  <a:tcPr marL="9525" marR="9525" marT="9525" marB="0" anchor="b"/>
+                </a:tc>
+                <a:tc>
+                  <a:txBody>
+                    <a:bodyPr/>
+                    <a:lstStyle/>
+                    <a:p>
+                      <a:pPr algn="l" fontAlgn="b"/>
+                      <a:r>
+                        <a:rPr lang="en-US" sz="1100" u="none" strike="noStrike">
+                          <a:effectLst/>
+                        </a:rPr>
+                        <a:t>AdaFruit</a:t>
+                      </a:r>
+                      <a:endParaRPr lang="en-US" sz="1100" b="0" i="0" u="none" strike="noStrike">
+                        <a:solidFill>
+                          <a:srgbClr val="000000"/>
+                        </a:solidFill>
+                        <a:effectLst/>
+                        <a:latin typeface="Liberation Sans"/>
+                      </a:endParaRPr>
+                    </a:p>
+                  </a:txBody>
+                  <a:tcPr marL="9525" marR="9525" marT="9525" marB="0" anchor="b"/>
+                </a:tc>
+                <a:tc>
+                  <a:txBody>
+                    <a:bodyPr/>
+                    <a:lstStyle/>
+                    <a:p>
+                      <a:pPr algn="r" fontAlgn="b"/>
+                      <a:r>
+                        <a:rPr lang="en-US" sz="1100" u="none" strike="noStrike">
+                          <a:effectLst/>
+                        </a:rPr>
+                        <a:t>139.95</a:t>
+                      </a:r>
+                      <a:endParaRPr lang="en-US" sz="1100" b="0" i="0" u="none" strike="noStrike">
+                        <a:solidFill>
+                          <a:srgbClr val="000000"/>
+                        </a:solidFill>
+                        <a:effectLst/>
+                        <a:latin typeface="Liberation Sans"/>
+                      </a:endParaRPr>
+                    </a:p>
+                  </a:txBody>
+                  <a:tcPr marL="9525" marR="9525" marT="9525" marB="0" anchor="b"/>
+                </a:tc>
+                <a:tc>
+                  <a:txBody>
+                    <a:bodyPr/>
+                    <a:lstStyle/>
+                    <a:p>
+                      <a:pPr algn="l" fontAlgn="b"/>
+                      <a:endParaRPr lang="en-US" sz="1100" b="0" i="0" u="none" strike="noStrike">
+                        <a:solidFill>
+                          <a:srgbClr val="000000"/>
+                        </a:solidFill>
+                        <a:effectLst/>
+                        <a:latin typeface="Liberation Sans"/>
+                      </a:endParaRPr>
+                    </a:p>
+                  </a:txBody>
+                  <a:tcPr marL="9525" marR="9525" marT="9525" marB="0" anchor="b"/>
+                </a:tc>
+                <a:tc>
+                  <a:txBody>
+                    <a:bodyPr/>
+                    <a:lstStyle/>
+                    <a:p>
+                      <a:pPr algn="r" fontAlgn="b"/>
+                      <a:r>
+                        <a:rPr lang="en-US" sz="1100" u="none" strike="noStrike">
+                          <a:effectLst/>
+                        </a:rPr>
+                        <a:t>1</a:t>
+                      </a:r>
+                      <a:endParaRPr lang="en-US" sz="1100" b="0" i="0" u="none" strike="noStrike">
+                        <a:solidFill>
+                          <a:srgbClr val="000000"/>
+                        </a:solidFill>
+                        <a:effectLst/>
+                        <a:latin typeface="Liberation Sans"/>
+                      </a:endParaRPr>
+                    </a:p>
+                  </a:txBody>
+                  <a:tcPr marL="9525" marR="9525" marT="9525" marB="0" anchor="b"/>
+                </a:tc>
+                <a:tc>
+                  <a:txBody>
+                    <a:bodyPr/>
+                    <a:lstStyle/>
+                    <a:p>
+                      <a:pPr algn="r" fontAlgn="b"/>
+                      <a:r>
+                        <a:rPr lang="en-US" sz="1100" u="none" strike="noStrike">
+                          <a:effectLst/>
+                        </a:rPr>
+                        <a:t>139.95</a:t>
+                      </a:r>
+                      <a:endParaRPr lang="en-US" sz="1100" b="0" i="0" u="none" strike="noStrike">
+                        <a:solidFill>
+                          <a:srgbClr val="000000"/>
+                        </a:solidFill>
+                        <a:effectLst/>
+                        <a:latin typeface="Liberation Sans"/>
+                      </a:endParaRPr>
+                    </a:p>
+                  </a:txBody>
+                  <a:tcPr marL="9525" marR="9525" marT="9525" marB="0" anchor="b"/>
+                </a:tc>
+              </a:tr>
+              <a:tr h="266000">
+                <a:tc>
+                  <a:txBody>
+                    <a:bodyPr/>
+                    <a:lstStyle/>
+                    <a:p>
+                      <a:pPr algn="l" fontAlgn="b"/>
+                      <a:r>
+                        <a:rPr lang="en-US" sz="1100" u="none" strike="noStrike">
+                          <a:effectLst/>
+                        </a:rPr>
+                        <a:t>Screen2</a:t>
+                      </a:r>
+                      <a:endParaRPr lang="en-US" sz="1100" b="0" i="0" u="none" strike="noStrike">
+                        <a:solidFill>
+                          <a:srgbClr val="000000"/>
+                        </a:solidFill>
+                        <a:effectLst/>
+                        <a:latin typeface="Liberation Sans"/>
+                      </a:endParaRPr>
+                    </a:p>
+                  </a:txBody>
+                  <a:tcPr marL="9525" marR="9525" marT="9525" marB="0" anchor="b"/>
+                </a:tc>
+                <a:tc>
+                  <a:txBody>
+                    <a:bodyPr/>
+                    <a:lstStyle/>
+                    <a:p>
+                      <a:pPr algn="l" fontAlgn="b"/>
+                      <a:endParaRPr lang="en-US" sz="1100" b="0" i="0" u="none" strike="noStrike">
+                        <a:solidFill>
+                          <a:srgbClr val="000000"/>
+                        </a:solidFill>
+                        <a:effectLst/>
+                        <a:latin typeface="Liberation Sans"/>
+                      </a:endParaRPr>
+                    </a:p>
+                  </a:txBody>
+                  <a:tcPr marL="9525" marR="9525" marT="9525" marB="0" anchor="b"/>
+                </a:tc>
+                <a:tc>
+                  <a:txBody>
+                    <a:bodyPr/>
+                    <a:lstStyle/>
+                    <a:p>
+                      <a:pPr algn="l" fontAlgn="b"/>
+                      <a:r>
+                        <a:rPr lang="en-US" sz="1100" u="none" strike="noStrike">
+                          <a:effectLst/>
+                        </a:rPr>
+                        <a:t>AdaFruit</a:t>
+                      </a:r>
+                      <a:endParaRPr lang="en-US" sz="1100" b="0" i="0" u="none" strike="noStrike">
+                        <a:solidFill>
+                          <a:srgbClr val="000000"/>
+                        </a:solidFill>
+                        <a:effectLst/>
+                        <a:latin typeface="Liberation Sans"/>
+                      </a:endParaRPr>
+                    </a:p>
+                  </a:txBody>
+                  <a:tcPr marL="9525" marR="9525" marT="9525" marB="0" anchor="b"/>
+                </a:tc>
+                <a:tc>
+                  <a:txBody>
+                    <a:bodyPr/>
+                    <a:lstStyle/>
+                    <a:p>
+                      <a:pPr algn="r" fontAlgn="b"/>
+                      <a:r>
+                        <a:rPr lang="en-US" sz="1100" u="none" strike="noStrike">
+                          <a:effectLst/>
+                        </a:rPr>
+                        <a:t>64.95</a:t>
+                      </a:r>
+                      <a:endParaRPr lang="en-US" sz="1100" b="0" i="0" u="none" strike="noStrike">
+                        <a:solidFill>
+                          <a:srgbClr val="000000"/>
+                        </a:solidFill>
+                        <a:effectLst/>
+                        <a:latin typeface="Liberation Sans"/>
+                      </a:endParaRPr>
+                    </a:p>
+                  </a:txBody>
+                  <a:tcPr marL="9525" marR="9525" marT="9525" marB="0" anchor="b"/>
+                </a:tc>
+                <a:tc>
+                  <a:txBody>
+                    <a:bodyPr/>
+                    <a:lstStyle/>
+                    <a:p>
+                      <a:pPr algn="l" fontAlgn="b"/>
+                      <a:endParaRPr lang="en-US" sz="1100" b="0" i="0" u="none" strike="noStrike">
+                        <a:solidFill>
+                          <a:srgbClr val="000000"/>
+                        </a:solidFill>
+                        <a:effectLst/>
+                        <a:latin typeface="Liberation Sans"/>
+                      </a:endParaRPr>
+                    </a:p>
+                  </a:txBody>
+                  <a:tcPr marL="9525" marR="9525" marT="9525" marB="0" anchor="b"/>
+                </a:tc>
+                <a:tc>
+                  <a:txBody>
+                    <a:bodyPr/>
+                    <a:lstStyle/>
+                    <a:p>
+                      <a:pPr algn="r" fontAlgn="b"/>
+                      <a:r>
+                        <a:rPr lang="en-US" sz="1100" u="none" strike="noStrike">
+                          <a:effectLst/>
+                        </a:rPr>
+                        <a:t>1</a:t>
+                      </a:r>
+                      <a:endParaRPr lang="en-US" sz="1100" b="0" i="0" u="none" strike="noStrike">
+                        <a:solidFill>
+                          <a:srgbClr val="000000"/>
+                        </a:solidFill>
+                        <a:effectLst/>
+                        <a:latin typeface="Liberation Sans"/>
+                      </a:endParaRPr>
+                    </a:p>
+                  </a:txBody>
+                  <a:tcPr marL="9525" marR="9525" marT="9525" marB="0" anchor="b"/>
+                </a:tc>
+                <a:tc>
+                  <a:txBody>
+                    <a:bodyPr/>
+                    <a:lstStyle/>
+                    <a:p>
+                      <a:pPr algn="r" fontAlgn="b"/>
+                      <a:r>
+                        <a:rPr lang="en-US" sz="1100" u="none" strike="noStrike">
+                          <a:effectLst/>
+                        </a:rPr>
+                        <a:t>64.95</a:t>
+                      </a:r>
+                      <a:endParaRPr lang="en-US" sz="1100" b="0" i="0" u="none" strike="noStrike">
+                        <a:solidFill>
+                          <a:srgbClr val="000000"/>
+                        </a:solidFill>
+                        <a:effectLst/>
+                        <a:latin typeface="Liberation Sans"/>
+                      </a:endParaRPr>
+                    </a:p>
+                  </a:txBody>
+                  <a:tcPr marL="9525" marR="9525" marT="9525" marB="0" anchor="b"/>
+                </a:tc>
+              </a:tr>
+              <a:tr h="266000">
+                <a:tc>
+                  <a:txBody>
+                    <a:bodyPr/>
+                    <a:lstStyle/>
+                    <a:p>
+                      <a:pPr algn="l" fontAlgn="b"/>
+                      <a:r>
+                        <a:rPr lang="en-US" sz="1100" u="none" strike="noStrike">
+                          <a:effectLst/>
+                        </a:rPr>
+                        <a:t>IMU</a:t>
+                      </a:r>
+                      <a:endParaRPr lang="en-US" sz="1100" b="0" i="0" u="none" strike="noStrike">
+                        <a:solidFill>
+                          <a:srgbClr val="000000"/>
+                        </a:solidFill>
+                        <a:effectLst/>
+                        <a:latin typeface="Liberation Sans"/>
+                      </a:endParaRPr>
+                    </a:p>
+                  </a:txBody>
+                  <a:tcPr marL="9525" marR="9525" marT="9525" marB="0" anchor="b"/>
+                </a:tc>
+                <a:tc>
+                  <a:txBody>
+                    <a:bodyPr/>
+                    <a:lstStyle/>
+                    <a:p>
+                      <a:pPr algn="l" fontAlgn="b"/>
+                      <a:endParaRPr lang="en-US" sz="1100" b="0" i="0" u="none" strike="noStrike">
+                        <a:solidFill>
+                          <a:srgbClr val="000000"/>
+                        </a:solidFill>
+                        <a:effectLst/>
+                        <a:latin typeface="Liberation Sans"/>
+                      </a:endParaRPr>
+                    </a:p>
+                  </a:txBody>
+                  <a:tcPr marL="9525" marR="9525" marT="9525" marB="0" anchor="b"/>
+                </a:tc>
+                <a:tc>
+                  <a:txBody>
+                    <a:bodyPr/>
+                    <a:lstStyle/>
+                    <a:p>
+                      <a:pPr algn="l" fontAlgn="b"/>
+                      <a:r>
+                        <a:rPr lang="en-US" sz="1100" u="none" strike="noStrike">
+                          <a:effectLst/>
+                        </a:rPr>
+                        <a:t>Mouser</a:t>
+                      </a:r>
+                      <a:endParaRPr lang="en-US" sz="1100" b="0" i="0" u="none" strike="noStrike">
+                        <a:solidFill>
+                          <a:srgbClr val="000000"/>
+                        </a:solidFill>
+                        <a:effectLst/>
+                        <a:latin typeface="Liberation Sans"/>
+                      </a:endParaRPr>
+                    </a:p>
+                  </a:txBody>
+                  <a:tcPr marL="9525" marR="9525" marT="9525" marB="0" anchor="b"/>
+                </a:tc>
+                <a:tc>
+                  <a:txBody>
+                    <a:bodyPr/>
+                    <a:lstStyle/>
+                    <a:p>
+                      <a:pPr algn="r" fontAlgn="b"/>
+                      <a:r>
+                        <a:rPr lang="en-US" sz="1100" u="none" strike="noStrike">
+                          <a:effectLst/>
+                        </a:rPr>
+                        <a:t>$28.75 </a:t>
+                      </a:r>
+                      <a:endParaRPr lang="en-US" sz="1100" b="0" i="0" u="none" strike="noStrike">
+                        <a:solidFill>
+                          <a:srgbClr val="000000"/>
+                        </a:solidFill>
+                        <a:effectLst/>
+                        <a:latin typeface="Liberation Sans"/>
+                      </a:endParaRPr>
+                    </a:p>
+                  </a:txBody>
+                  <a:tcPr marL="9525" marR="9525" marT="9525" marB="0" anchor="b"/>
+                </a:tc>
+                <a:tc>
+                  <a:txBody>
+                    <a:bodyPr/>
+                    <a:lstStyle/>
+                    <a:p>
+                      <a:pPr algn="l" fontAlgn="b"/>
+                      <a:endParaRPr lang="en-US" sz="1100" b="0" i="0" u="none" strike="noStrike">
+                        <a:solidFill>
+                          <a:srgbClr val="000000"/>
+                        </a:solidFill>
+                        <a:effectLst/>
+                        <a:latin typeface="Liberation Sans"/>
+                      </a:endParaRPr>
+                    </a:p>
+                  </a:txBody>
+                  <a:tcPr marL="9525" marR="9525" marT="9525" marB="0" anchor="b"/>
+                </a:tc>
+                <a:tc>
+                  <a:txBody>
+                    <a:bodyPr/>
+                    <a:lstStyle/>
+                    <a:p>
+                      <a:pPr algn="r" fontAlgn="b"/>
+                      <a:r>
+                        <a:rPr lang="en-US" sz="1100" u="none" strike="noStrike">
+                          <a:effectLst/>
+                        </a:rPr>
+                        <a:t>1</a:t>
+                      </a:r>
+                      <a:endParaRPr lang="en-US" sz="1100" b="0" i="0" u="none" strike="noStrike">
+                        <a:solidFill>
+                          <a:srgbClr val="000000"/>
+                        </a:solidFill>
+                        <a:effectLst/>
+                        <a:latin typeface="Liberation Sans"/>
+                      </a:endParaRPr>
+                    </a:p>
+                  </a:txBody>
+                  <a:tcPr marL="9525" marR="9525" marT="9525" marB="0" anchor="b"/>
+                </a:tc>
+                <a:tc>
+                  <a:txBody>
+                    <a:bodyPr/>
+                    <a:lstStyle/>
+                    <a:p>
+                      <a:pPr algn="r" fontAlgn="b"/>
+                      <a:r>
+                        <a:rPr lang="en-US" sz="1100" u="none" strike="noStrike">
+                          <a:effectLst/>
+                        </a:rPr>
+                        <a:t>28.75</a:t>
+                      </a:r>
+                      <a:endParaRPr lang="en-US" sz="1100" b="0" i="0" u="none" strike="noStrike">
+                        <a:solidFill>
+                          <a:srgbClr val="000000"/>
+                        </a:solidFill>
+                        <a:effectLst/>
+                        <a:latin typeface="Liberation Sans"/>
+                      </a:endParaRPr>
+                    </a:p>
+                  </a:txBody>
+                  <a:tcPr marL="9525" marR="9525" marT="9525" marB="0" anchor="b"/>
+                </a:tc>
+              </a:tr>
+              <a:tr h="266000">
+                <a:tc>
+                  <a:txBody>
+                    <a:bodyPr/>
+                    <a:lstStyle/>
+                    <a:p>
+                      <a:pPr algn="l" fontAlgn="b"/>
+                      <a:r>
+                        <a:rPr lang="en-US" sz="1100" u="none" strike="noStrike">
+                          <a:effectLst/>
+                        </a:rPr>
+                        <a:t>GPS</a:t>
+                      </a:r>
+                      <a:endParaRPr lang="en-US" sz="1100" b="0" i="0" u="none" strike="noStrike">
+                        <a:solidFill>
+                          <a:srgbClr val="000000"/>
+                        </a:solidFill>
+                        <a:effectLst/>
+                        <a:latin typeface="Liberation Sans"/>
+                      </a:endParaRPr>
+                    </a:p>
+                  </a:txBody>
+                  <a:tcPr marL="9525" marR="9525" marT="9525" marB="0" anchor="b"/>
+                </a:tc>
+                <a:tc>
+                  <a:txBody>
+                    <a:bodyPr/>
+                    <a:lstStyle/>
+                    <a:p>
+                      <a:pPr algn="l" fontAlgn="b"/>
+                      <a:endParaRPr lang="en-US" sz="1100" b="0" i="0" u="none" strike="noStrike">
+                        <a:solidFill>
+                          <a:srgbClr val="000000"/>
+                        </a:solidFill>
+                        <a:effectLst/>
+                        <a:latin typeface="Liberation Sans"/>
+                      </a:endParaRPr>
+                    </a:p>
+                  </a:txBody>
+                  <a:tcPr marL="9525" marR="9525" marT="9525" marB="0" anchor="b"/>
+                </a:tc>
+                <a:tc>
+                  <a:txBody>
+                    <a:bodyPr/>
+                    <a:lstStyle/>
+                    <a:p>
+                      <a:pPr algn="l" fontAlgn="b"/>
+                      <a:r>
+                        <a:rPr lang="en-US" sz="1100" u="none" strike="noStrike">
+                          <a:effectLst/>
+                        </a:rPr>
+                        <a:t>SparkFun</a:t>
+                      </a:r>
+                      <a:endParaRPr lang="en-US" sz="1100" b="0" i="0" u="none" strike="noStrike">
+                        <a:solidFill>
+                          <a:srgbClr val="000000"/>
+                        </a:solidFill>
+                        <a:effectLst/>
+                        <a:latin typeface="Liberation Sans"/>
+                      </a:endParaRPr>
+                    </a:p>
+                  </a:txBody>
+                  <a:tcPr marL="9525" marR="9525" marT="9525" marB="0" anchor="b"/>
+                </a:tc>
+                <a:tc>
+                  <a:txBody>
+                    <a:bodyPr/>
+                    <a:lstStyle/>
+                    <a:p>
+                      <a:pPr algn="r" fontAlgn="b"/>
+                      <a:r>
+                        <a:rPr lang="en-US" sz="1100" u="none" strike="noStrike">
+                          <a:effectLst/>
+                        </a:rPr>
+                        <a:t>49.99</a:t>
+                      </a:r>
+                      <a:endParaRPr lang="en-US" sz="1100" b="0" i="0" u="none" strike="noStrike">
+                        <a:solidFill>
+                          <a:srgbClr val="000000"/>
+                        </a:solidFill>
+                        <a:effectLst/>
+                        <a:latin typeface="Liberation Sans"/>
+                      </a:endParaRPr>
+                    </a:p>
+                  </a:txBody>
+                  <a:tcPr marL="9525" marR="9525" marT="9525" marB="0" anchor="b"/>
+                </a:tc>
+                <a:tc>
+                  <a:txBody>
+                    <a:bodyPr/>
+                    <a:lstStyle/>
+                    <a:p>
+                      <a:pPr algn="l" fontAlgn="b"/>
+                      <a:endParaRPr lang="en-US" sz="1100" b="0" i="0" u="none" strike="noStrike">
+                        <a:solidFill>
+                          <a:srgbClr val="000000"/>
+                        </a:solidFill>
+                        <a:effectLst/>
+                        <a:latin typeface="Liberation Sans"/>
+                      </a:endParaRPr>
+                    </a:p>
+                  </a:txBody>
+                  <a:tcPr marL="9525" marR="9525" marT="9525" marB="0" anchor="b"/>
+                </a:tc>
+                <a:tc>
+                  <a:txBody>
+                    <a:bodyPr/>
+                    <a:lstStyle/>
+                    <a:p>
+                      <a:pPr algn="r" fontAlgn="b"/>
+                      <a:r>
+                        <a:rPr lang="en-US" sz="1100" u="none" strike="noStrike">
+                          <a:effectLst/>
+                        </a:rPr>
+                        <a:t>1</a:t>
+                      </a:r>
+                      <a:endParaRPr lang="en-US" sz="1100" b="0" i="0" u="none" strike="noStrike">
+                        <a:solidFill>
+                          <a:srgbClr val="000000"/>
+                        </a:solidFill>
+                        <a:effectLst/>
+                        <a:latin typeface="Liberation Sans"/>
+                      </a:endParaRPr>
+                    </a:p>
+                  </a:txBody>
+                  <a:tcPr marL="9525" marR="9525" marT="9525" marB="0" anchor="b"/>
+                </a:tc>
+                <a:tc>
+                  <a:txBody>
+                    <a:bodyPr/>
+                    <a:lstStyle/>
+                    <a:p>
+                      <a:pPr algn="r" fontAlgn="b"/>
+                      <a:r>
+                        <a:rPr lang="en-US" sz="1100" u="none" strike="noStrike">
+                          <a:effectLst/>
+                        </a:rPr>
+                        <a:t>49.99</a:t>
+                      </a:r>
+                      <a:endParaRPr lang="en-US" sz="1100" b="0" i="0" u="none" strike="noStrike">
+                        <a:solidFill>
+                          <a:srgbClr val="000000"/>
+                        </a:solidFill>
+                        <a:effectLst/>
+                        <a:latin typeface="Liberation Sans"/>
+                      </a:endParaRPr>
+                    </a:p>
+                  </a:txBody>
+                  <a:tcPr marL="9525" marR="9525" marT="9525" marB="0" anchor="b"/>
+                </a:tc>
+              </a:tr>
+              <a:tr h="266000">
+                <a:tc>
+                  <a:txBody>
+                    <a:bodyPr/>
+                    <a:lstStyle/>
+                    <a:p>
+                      <a:pPr algn="l" fontAlgn="b"/>
+                      <a:r>
+                        <a:rPr lang="en-US" sz="1100" u="none" strike="noStrike">
+                          <a:effectLst/>
+                        </a:rPr>
+                        <a:t>Passives</a:t>
+                      </a:r>
+                      <a:endParaRPr lang="en-US" sz="1100" b="0" i="0" u="none" strike="noStrike">
+                        <a:solidFill>
+                          <a:srgbClr val="000000"/>
+                        </a:solidFill>
+                        <a:effectLst/>
+                        <a:latin typeface="Liberation Sans"/>
+                      </a:endParaRPr>
+                    </a:p>
+                  </a:txBody>
+                  <a:tcPr marL="9525" marR="9525" marT="9525" marB="0" anchor="b"/>
+                </a:tc>
+                <a:tc>
+                  <a:txBody>
+                    <a:bodyPr/>
+                    <a:lstStyle/>
+                    <a:p>
+                      <a:pPr algn="l" fontAlgn="b"/>
+                      <a:endParaRPr lang="en-US" sz="1100" b="0" i="0" u="none" strike="noStrike">
+                        <a:solidFill>
+                          <a:srgbClr val="000000"/>
+                        </a:solidFill>
+                        <a:effectLst/>
+                        <a:latin typeface="Liberation Sans"/>
+                      </a:endParaRPr>
+                    </a:p>
+                  </a:txBody>
+                  <a:tcPr marL="9525" marR="9525" marT="9525" marB="0" anchor="b"/>
+                </a:tc>
+                <a:tc>
+                  <a:txBody>
+                    <a:bodyPr/>
+                    <a:lstStyle/>
+                    <a:p>
+                      <a:pPr algn="l" fontAlgn="b"/>
+                      <a:r>
+                        <a:rPr lang="en-US" sz="1100" u="none" strike="noStrike">
+                          <a:effectLst/>
+                        </a:rPr>
+                        <a:t>Various</a:t>
+                      </a:r>
+                      <a:endParaRPr lang="en-US" sz="1100" b="0" i="0" u="none" strike="noStrike">
+                        <a:solidFill>
+                          <a:srgbClr val="000000"/>
+                        </a:solidFill>
+                        <a:effectLst/>
+                        <a:latin typeface="Liberation Sans"/>
+                      </a:endParaRPr>
+                    </a:p>
+                  </a:txBody>
+                  <a:tcPr marL="9525" marR="9525" marT="9525" marB="0" anchor="b"/>
+                </a:tc>
+                <a:tc>
+                  <a:txBody>
+                    <a:bodyPr/>
+                    <a:lstStyle/>
+                    <a:p>
+                      <a:pPr algn="r" fontAlgn="b"/>
+                      <a:r>
+                        <a:rPr lang="en-US" sz="1100" u="none" strike="noStrike">
+                          <a:effectLst/>
+                        </a:rPr>
+                        <a:t>10</a:t>
+                      </a:r>
+                      <a:endParaRPr lang="en-US" sz="1100" b="0" i="0" u="none" strike="noStrike">
+                        <a:solidFill>
+                          <a:srgbClr val="000000"/>
+                        </a:solidFill>
+                        <a:effectLst/>
+                        <a:latin typeface="Liberation Sans"/>
+                      </a:endParaRPr>
+                    </a:p>
+                  </a:txBody>
+                  <a:tcPr marL="9525" marR="9525" marT="9525" marB="0" anchor="b"/>
+                </a:tc>
+                <a:tc>
+                  <a:txBody>
+                    <a:bodyPr/>
+                    <a:lstStyle/>
+                    <a:p>
+                      <a:pPr algn="l" fontAlgn="b"/>
+                      <a:endParaRPr lang="en-US" sz="1100" b="0" i="0" u="none" strike="noStrike">
+                        <a:solidFill>
+                          <a:srgbClr val="000000"/>
+                        </a:solidFill>
+                        <a:effectLst/>
+                        <a:latin typeface="Liberation Sans"/>
+                      </a:endParaRPr>
+                    </a:p>
+                  </a:txBody>
+                  <a:tcPr marL="9525" marR="9525" marT="9525" marB="0" anchor="b"/>
+                </a:tc>
+                <a:tc>
+                  <a:txBody>
+                    <a:bodyPr/>
+                    <a:lstStyle/>
+                    <a:p>
+                      <a:pPr algn="r" fontAlgn="b"/>
+                      <a:r>
+                        <a:rPr lang="en-US" sz="1100" u="none" strike="noStrike">
+                          <a:effectLst/>
+                        </a:rPr>
+                        <a:t>2</a:t>
+                      </a:r>
+                      <a:endParaRPr lang="en-US" sz="1100" b="0" i="0" u="none" strike="noStrike">
+                        <a:solidFill>
+                          <a:srgbClr val="000000"/>
+                        </a:solidFill>
+                        <a:effectLst/>
+                        <a:latin typeface="Liberation Sans"/>
+                      </a:endParaRPr>
+                    </a:p>
+                  </a:txBody>
+                  <a:tcPr marL="9525" marR="9525" marT="9525" marB="0" anchor="b"/>
+                </a:tc>
+                <a:tc>
+                  <a:txBody>
+                    <a:bodyPr/>
+                    <a:lstStyle/>
+                    <a:p>
+                      <a:pPr algn="r" fontAlgn="b"/>
+                      <a:r>
+                        <a:rPr lang="en-US" sz="1100" u="none" strike="noStrike">
+                          <a:effectLst/>
+                        </a:rPr>
+                        <a:t>20</a:t>
+                      </a:r>
+                      <a:endParaRPr lang="en-US" sz="1100" b="0" i="0" u="none" strike="noStrike">
+                        <a:solidFill>
+                          <a:srgbClr val="000000"/>
+                        </a:solidFill>
+                        <a:effectLst/>
+                        <a:latin typeface="Liberation Sans"/>
+                      </a:endParaRPr>
+                    </a:p>
+                  </a:txBody>
+                  <a:tcPr marL="9525" marR="9525" marT="9525" marB="0" anchor="b"/>
+                </a:tc>
+              </a:tr>
+              <a:tr h="266000">
+                <a:tc>
+                  <a:txBody>
+                    <a:bodyPr/>
+                    <a:lstStyle/>
+                    <a:p>
+                      <a:pPr algn="l" fontAlgn="b"/>
+                      <a:r>
+                        <a:rPr lang="en-US" sz="1100" u="none" strike="noStrike">
+                          <a:effectLst/>
+                        </a:rPr>
+                        <a:t>PCB</a:t>
+                      </a:r>
+                      <a:endParaRPr lang="en-US" sz="1100" b="0" i="0" u="none" strike="noStrike">
+                        <a:solidFill>
+                          <a:srgbClr val="000000"/>
+                        </a:solidFill>
+                        <a:effectLst/>
+                        <a:latin typeface="Liberation Sans"/>
+                      </a:endParaRPr>
+                    </a:p>
+                  </a:txBody>
+                  <a:tcPr marL="9525" marR="9525" marT="9525" marB="0" anchor="b"/>
+                </a:tc>
+                <a:tc>
+                  <a:txBody>
+                    <a:bodyPr/>
+                    <a:lstStyle/>
+                    <a:p>
+                      <a:pPr algn="l" fontAlgn="b"/>
+                      <a:endParaRPr lang="en-US" sz="1100" b="0" i="0" u="none" strike="noStrike">
+                        <a:solidFill>
+                          <a:srgbClr val="000000"/>
+                        </a:solidFill>
+                        <a:effectLst/>
+                        <a:latin typeface="Liberation Sans"/>
+                      </a:endParaRPr>
+                    </a:p>
+                  </a:txBody>
+                  <a:tcPr marL="9525" marR="9525" marT="9525" marB="0" anchor="b"/>
+                </a:tc>
+                <a:tc>
+                  <a:txBody>
+                    <a:bodyPr/>
+                    <a:lstStyle/>
+                    <a:p>
+                      <a:pPr algn="l" fontAlgn="b"/>
+                      <a:r>
+                        <a:rPr lang="en-US" sz="1100" u="none" strike="noStrike">
+                          <a:effectLst/>
+                        </a:rPr>
+                        <a:t>Oshpark</a:t>
+                      </a:r>
+                      <a:endParaRPr lang="en-US" sz="1100" b="0" i="0" u="none" strike="noStrike">
+                        <a:solidFill>
+                          <a:srgbClr val="000000"/>
+                        </a:solidFill>
+                        <a:effectLst/>
+                        <a:latin typeface="Liberation Sans"/>
+                      </a:endParaRPr>
+                    </a:p>
+                  </a:txBody>
+                  <a:tcPr marL="9525" marR="9525" marT="9525" marB="0" anchor="b"/>
+                </a:tc>
+                <a:tc>
+                  <a:txBody>
+                    <a:bodyPr/>
+                    <a:lstStyle/>
+                    <a:p>
+                      <a:pPr algn="r" fontAlgn="b"/>
+                      <a:r>
+                        <a:rPr lang="en-US" sz="1100" u="none" strike="noStrike">
+                          <a:effectLst/>
+                        </a:rPr>
+                        <a:t>40</a:t>
+                      </a:r>
+                      <a:endParaRPr lang="en-US" sz="1100" b="0" i="0" u="none" strike="noStrike">
+                        <a:solidFill>
+                          <a:srgbClr val="000000"/>
+                        </a:solidFill>
+                        <a:effectLst/>
+                        <a:latin typeface="Liberation Sans"/>
+                      </a:endParaRPr>
+                    </a:p>
+                  </a:txBody>
+                  <a:tcPr marL="9525" marR="9525" marT="9525" marB="0" anchor="b"/>
+                </a:tc>
+                <a:tc>
+                  <a:txBody>
+                    <a:bodyPr/>
+                    <a:lstStyle/>
+                    <a:p>
+                      <a:pPr algn="l" fontAlgn="b"/>
+                      <a:endParaRPr lang="en-US" sz="1100" b="0" i="0" u="none" strike="noStrike">
+                        <a:solidFill>
+                          <a:srgbClr val="000000"/>
+                        </a:solidFill>
+                        <a:effectLst/>
+                        <a:latin typeface="Liberation Sans"/>
+                      </a:endParaRPr>
+                    </a:p>
+                  </a:txBody>
+                  <a:tcPr marL="9525" marR="9525" marT="9525" marB="0" anchor="b"/>
+                </a:tc>
+                <a:tc>
+                  <a:txBody>
+                    <a:bodyPr/>
+                    <a:lstStyle/>
+                    <a:p>
+                      <a:pPr algn="r" fontAlgn="b"/>
+                      <a:r>
+                        <a:rPr lang="en-US" sz="1100" u="none" strike="noStrike">
+                          <a:effectLst/>
+                        </a:rPr>
+                        <a:t>2</a:t>
+                      </a:r>
+                      <a:endParaRPr lang="en-US" sz="1100" b="0" i="0" u="none" strike="noStrike">
+                        <a:solidFill>
+                          <a:srgbClr val="000000"/>
+                        </a:solidFill>
+                        <a:effectLst/>
+                        <a:latin typeface="Liberation Sans"/>
+                      </a:endParaRPr>
+                    </a:p>
+                  </a:txBody>
+                  <a:tcPr marL="9525" marR="9525" marT="9525" marB="0" anchor="b"/>
+                </a:tc>
+                <a:tc>
+                  <a:txBody>
+                    <a:bodyPr/>
+                    <a:lstStyle/>
+                    <a:p>
+                      <a:pPr algn="r" fontAlgn="b"/>
+                      <a:r>
+                        <a:rPr lang="en-US" sz="1100" u="none" strike="noStrike">
+                          <a:effectLst/>
+                        </a:rPr>
+                        <a:t>80</a:t>
+                      </a:r>
+                      <a:endParaRPr lang="en-US" sz="1100" b="0" i="0" u="none" strike="noStrike">
+                        <a:solidFill>
+                          <a:srgbClr val="000000"/>
+                        </a:solidFill>
+                        <a:effectLst/>
+                        <a:latin typeface="Liberation Sans"/>
+                      </a:endParaRPr>
+                    </a:p>
+                  </a:txBody>
+                  <a:tcPr marL="9525" marR="9525" marT="9525" marB="0" anchor="b"/>
+                </a:tc>
+              </a:tr>
+              <a:tr h="266000">
+                <a:tc>
+                  <a:txBody>
+                    <a:bodyPr/>
+                    <a:lstStyle/>
+                    <a:p>
+                      <a:pPr algn="l" fontAlgn="b"/>
+                      <a:r>
+                        <a:rPr lang="en-US" sz="1100" u="none" strike="noStrike">
+                          <a:effectLst/>
+                        </a:rPr>
+                        <a:t>Microcontroller</a:t>
+                      </a:r>
+                      <a:endParaRPr lang="en-US" sz="1100" b="0" i="0" u="none" strike="noStrike">
+                        <a:solidFill>
+                          <a:srgbClr val="000000"/>
+                        </a:solidFill>
+                        <a:effectLst/>
+                        <a:latin typeface="Liberation Sans"/>
+                      </a:endParaRPr>
+                    </a:p>
+                  </a:txBody>
+                  <a:tcPr marL="9525" marR="9525" marT="9525" marB="0" anchor="b"/>
+                </a:tc>
+                <a:tc>
+                  <a:txBody>
+                    <a:bodyPr/>
+                    <a:lstStyle/>
+                    <a:p>
+                      <a:pPr algn="l" fontAlgn="b"/>
+                      <a:endParaRPr lang="en-US" sz="1100" b="0" i="0" u="none" strike="noStrike">
+                        <a:solidFill>
+                          <a:srgbClr val="000000"/>
+                        </a:solidFill>
+                        <a:effectLst/>
+                        <a:latin typeface="Liberation Sans"/>
+                      </a:endParaRPr>
+                    </a:p>
+                  </a:txBody>
+                  <a:tcPr marL="9525" marR="9525" marT="9525" marB="0" anchor="b"/>
+                </a:tc>
+                <a:tc>
+                  <a:txBody>
+                    <a:bodyPr/>
+                    <a:lstStyle/>
+                    <a:p>
+                      <a:pPr algn="l" fontAlgn="b"/>
+                      <a:r>
+                        <a:rPr lang="en-US" sz="1100" u="none" strike="noStrike">
+                          <a:effectLst/>
+                        </a:rPr>
+                        <a:t>DigiKey</a:t>
+                      </a:r>
+                      <a:endParaRPr lang="en-US" sz="1100" b="0" i="0" u="none" strike="noStrike">
+                        <a:solidFill>
+                          <a:srgbClr val="000000"/>
+                        </a:solidFill>
+                        <a:effectLst/>
+                        <a:latin typeface="Liberation Sans"/>
+                      </a:endParaRPr>
+                    </a:p>
+                  </a:txBody>
+                  <a:tcPr marL="9525" marR="9525" marT="9525" marB="0" anchor="b"/>
+                </a:tc>
+                <a:tc>
+                  <a:txBody>
+                    <a:bodyPr/>
+                    <a:lstStyle/>
+                    <a:p>
+                      <a:pPr algn="r" fontAlgn="b"/>
+                      <a:r>
+                        <a:rPr lang="en-US" sz="1100" u="none" strike="noStrike">
+                          <a:effectLst/>
+                        </a:rPr>
+                        <a:t>11.45</a:t>
+                      </a:r>
+                      <a:endParaRPr lang="en-US" sz="1100" b="0" i="0" u="none" strike="noStrike">
+                        <a:solidFill>
+                          <a:srgbClr val="000000"/>
+                        </a:solidFill>
+                        <a:effectLst/>
+                        <a:latin typeface="Liberation Sans"/>
+                      </a:endParaRPr>
+                    </a:p>
+                  </a:txBody>
+                  <a:tcPr marL="9525" marR="9525" marT="9525" marB="0" anchor="b"/>
+                </a:tc>
+                <a:tc>
+                  <a:txBody>
+                    <a:bodyPr/>
+                    <a:lstStyle/>
+                    <a:p>
+                      <a:pPr algn="l" fontAlgn="b"/>
+                      <a:endParaRPr lang="en-US" sz="1100" b="0" i="0" u="none" strike="noStrike">
+                        <a:solidFill>
+                          <a:srgbClr val="000000"/>
+                        </a:solidFill>
+                        <a:effectLst/>
+                        <a:latin typeface="Liberation Sans"/>
+                      </a:endParaRPr>
+                    </a:p>
+                  </a:txBody>
+                  <a:tcPr marL="9525" marR="9525" marT="9525" marB="0" anchor="b"/>
+                </a:tc>
+                <a:tc>
+                  <a:txBody>
+                    <a:bodyPr/>
+                    <a:lstStyle/>
+                    <a:p>
+                      <a:pPr algn="r" fontAlgn="b"/>
+                      <a:r>
+                        <a:rPr lang="en-US" sz="1100" u="none" strike="noStrike">
+                          <a:effectLst/>
+                        </a:rPr>
+                        <a:t>2</a:t>
+                      </a:r>
+                      <a:endParaRPr lang="en-US" sz="1100" b="0" i="0" u="none" strike="noStrike">
+                        <a:solidFill>
+                          <a:srgbClr val="000000"/>
+                        </a:solidFill>
+                        <a:effectLst/>
+                        <a:latin typeface="Liberation Sans"/>
+                      </a:endParaRPr>
+                    </a:p>
+                  </a:txBody>
+                  <a:tcPr marL="9525" marR="9525" marT="9525" marB="0" anchor="b"/>
+                </a:tc>
+                <a:tc>
+                  <a:txBody>
+                    <a:bodyPr/>
+                    <a:lstStyle/>
+                    <a:p>
+                      <a:pPr algn="r" fontAlgn="b"/>
+                      <a:r>
+                        <a:rPr lang="en-US" sz="1100" u="none" strike="noStrike">
+                          <a:effectLst/>
+                        </a:rPr>
+                        <a:t>22.9</a:t>
+                      </a:r>
+                      <a:endParaRPr lang="en-US" sz="1100" b="0" i="0" u="none" strike="noStrike">
+                        <a:solidFill>
+                          <a:srgbClr val="000000"/>
+                        </a:solidFill>
+                        <a:effectLst/>
+                        <a:latin typeface="Liberation Sans"/>
+                      </a:endParaRPr>
+                    </a:p>
+                  </a:txBody>
+                  <a:tcPr marL="9525" marR="9525" marT="9525" marB="0" anchor="b"/>
+                </a:tc>
+              </a:tr>
+              <a:tr h="266000">
+                <a:tc>
+                  <a:txBody>
+                    <a:bodyPr/>
+                    <a:lstStyle/>
+                    <a:p>
+                      <a:pPr algn="l" fontAlgn="b"/>
+                      <a:r>
+                        <a:rPr lang="en-US" sz="1100" u="none" strike="noStrike">
+                          <a:effectLst/>
+                        </a:rPr>
+                        <a:t>Charger</a:t>
+                      </a:r>
+                      <a:endParaRPr lang="en-US" sz="1100" b="0" i="0" u="none" strike="noStrike">
+                        <a:solidFill>
+                          <a:srgbClr val="000000"/>
+                        </a:solidFill>
+                        <a:effectLst/>
+                        <a:latin typeface="Liberation Sans"/>
+                      </a:endParaRPr>
+                    </a:p>
+                  </a:txBody>
+                  <a:tcPr marL="9525" marR="9525" marT="9525" marB="0" anchor="b"/>
+                </a:tc>
+                <a:tc>
+                  <a:txBody>
+                    <a:bodyPr/>
+                    <a:lstStyle/>
+                    <a:p>
+                      <a:pPr algn="l" fontAlgn="b"/>
+                      <a:endParaRPr lang="en-US" sz="1100" b="0" i="0" u="none" strike="noStrike">
+                        <a:solidFill>
+                          <a:srgbClr val="000000"/>
+                        </a:solidFill>
+                        <a:effectLst/>
+                        <a:latin typeface="Liberation Sans"/>
+                      </a:endParaRPr>
+                    </a:p>
+                  </a:txBody>
+                  <a:tcPr marL="9525" marR="9525" marT="9525" marB="0" anchor="b"/>
+                </a:tc>
+                <a:tc>
+                  <a:txBody>
+                    <a:bodyPr/>
+                    <a:lstStyle/>
+                    <a:p>
+                      <a:pPr algn="l" fontAlgn="b"/>
+                      <a:r>
+                        <a:rPr lang="en-US" sz="1100" u="none" strike="noStrike">
+                          <a:effectLst/>
+                        </a:rPr>
+                        <a:t>BatterySpace</a:t>
+                      </a:r>
+                      <a:endParaRPr lang="en-US" sz="1100" b="0" i="0" u="none" strike="noStrike">
+                        <a:solidFill>
+                          <a:srgbClr val="000000"/>
+                        </a:solidFill>
+                        <a:effectLst/>
+                        <a:latin typeface="Liberation Sans"/>
+                      </a:endParaRPr>
+                    </a:p>
+                  </a:txBody>
+                  <a:tcPr marL="9525" marR="9525" marT="9525" marB="0" anchor="b"/>
+                </a:tc>
+                <a:tc>
+                  <a:txBody>
+                    <a:bodyPr/>
+                    <a:lstStyle/>
+                    <a:p>
+                      <a:pPr algn="r" fontAlgn="b"/>
+                      <a:r>
+                        <a:rPr lang="en-US" sz="1100" u="none" strike="noStrike">
+                          <a:effectLst/>
+                        </a:rPr>
+                        <a:t>39.95</a:t>
+                      </a:r>
+                      <a:endParaRPr lang="en-US" sz="1100" b="0" i="0" u="none" strike="noStrike">
+                        <a:solidFill>
+                          <a:srgbClr val="000000"/>
+                        </a:solidFill>
+                        <a:effectLst/>
+                        <a:latin typeface="Liberation Sans"/>
+                      </a:endParaRPr>
+                    </a:p>
+                  </a:txBody>
+                  <a:tcPr marL="9525" marR="9525" marT="9525" marB="0" anchor="b"/>
+                </a:tc>
+                <a:tc>
+                  <a:txBody>
+                    <a:bodyPr/>
+                    <a:lstStyle/>
+                    <a:p>
+                      <a:pPr algn="l" fontAlgn="b"/>
+                      <a:endParaRPr lang="en-US" sz="1100" b="0" i="0" u="none" strike="noStrike">
+                        <a:solidFill>
+                          <a:srgbClr val="000000"/>
+                        </a:solidFill>
+                        <a:effectLst/>
+                        <a:latin typeface="Liberation Sans"/>
+                      </a:endParaRPr>
+                    </a:p>
+                  </a:txBody>
+                  <a:tcPr marL="9525" marR="9525" marT="9525" marB="0" anchor="b"/>
+                </a:tc>
+                <a:tc>
+                  <a:txBody>
+                    <a:bodyPr/>
+                    <a:lstStyle/>
+                    <a:p>
+                      <a:pPr algn="r" fontAlgn="b"/>
+                      <a:r>
+                        <a:rPr lang="en-US" sz="1100" u="none" strike="noStrike">
+                          <a:effectLst/>
+                        </a:rPr>
+                        <a:t>2</a:t>
+                      </a:r>
+                      <a:endParaRPr lang="en-US" sz="1100" b="0" i="0" u="none" strike="noStrike">
+                        <a:solidFill>
+                          <a:srgbClr val="000000"/>
+                        </a:solidFill>
+                        <a:effectLst/>
+                        <a:latin typeface="Liberation Sans"/>
+                      </a:endParaRPr>
+                    </a:p>
+                  </a:txBody>
+                  <a:tcPr marL="9525" marR="9525" marT="9525" marB="0" anchor="b"/>
+                </a:tc>
+                <a:tc>
+                  <a:txBody>
+                    <a:bodyPr/>
+                    <a:lstStyle/>
+                    <a:p>
+                      <a:pPr algn="r" fontAlgn="b"/>
+                      <a:r>
+                        <a:rPr lang="en-US" sz="1100" u="none" strike="noStrike">
+                          <a:effectLst/>
+                        </a:rPr>
+                        <a:t>79.9</a:t>
+                      </a:r>
+                      <a:endParaRPr lang="en-US" sz="1100" b="0" i="0" u="none" strike="noStrike">
+                        <a:solidFill>
+                          <a:srgbClr val="000000"/>
+                        </a:solidFill>
+                        <a:effectLst/>
+                        <a:latin typeface="Liberation Sans"/>
+                      </a:endParaRPr>
+                    </a:p>
+                  </a:txBody>
+                  <a:tcPr marL="9525" marR="9525" marT="9525" marB="0" anchor="b"/>
+                </a:tc>
+              </a:tr>
+              <a:tr h="266000">
+                <a:tc>
+                  <a:txBody>
+                    <a:bodyPr/>
+                    <a:lstStyle/>
+                    <a:p>
+                      <a:pPr algn="l" fontAlgn="b"/>
+                      <a:r>
+                        <a:rPr lang="en-US" sz="1100" u="none" strike="noStrike">
+                          <a:effectLst/>
+                        </a:rPr>
+                        <a:t>Regulator</a:t>
+                      </a:r>
+                      <a:endParaRPr lang="en-US" sz="1100" b="0" i="0" u="none" strike="noStrike">
+                        <a:solidFill>
+                          <a:srgbClr val="000000"/>
+                        </a:solidFill>
+                        <a:effectLst/>
+                        <a:latin typeface="Liberation Sans"/>
+                      </a:endParaRPr>
+                    </a:p>
+                  </a:txBody>
+                  <a:tcPr marL="9525" marR="9525" marT="9525" marB="0" anchor="b"/>
+                </a:tc>
+                <a:tc>
+                  <a:txBody>
+                    <a:bodyPr/>
+                    <a:lstStyle/>
+                    <a:p>
+                      <a:pPr algn="l" fontAlgn="b"/>
+                      <a:endParaRPr lang="en-US" sz="1100" b="0" i="0" u="none" strike="noStrike">
+                        <a:solidFill>
+                          <a:srgbClr val="000000"/>
+                        </a:solidFill>
+                        <a:effectLst/>
+                        <a:latin typeface="Liberation Sans"/>
+                      </a:endParaRPr>
+                    </a:p>
+                  </a:txBody>
+                  <a:tcPr marL="9525" marR="9525" marT="9525" marB="0" anchor="b"/>
+                </a:tc>
+                <a:tc>
+                  <a:txBody>
+                    <a:bodyPr/>
+                    <a:lstStyle/>
+                    <a:p>
+                      <a:pPr algn="l" fontAlgn="b"/>
+                      <a:r>
+                        <a:rPr lang="en-US" sz="1100" u="none" strike="noStrike">
+                          <a:effectLst/>
+                        </a:rPr>
+                        <a:t>Mouser</a:t>
+                      </a:r>
+                      <a:endParaRPr lang="en-US" sz="1100" b="0" i="0" u="none" strike="noStrike">
+                        <a:solidFill>
+                          <a:srgbClr val="000000"/>
+                        </a:solidFill>
+                        <a:effectLst/>
+                        <a:latin typeface="Liberation Sans"/>
+                      </a:endParaRPr>
+                    </a:p>
+                  </a:txBody>
+                  <a:tcPr marL="9525" marR="9525" marT="9525" marB="0" anchor="b"/>
+                </a:tc>
+                <a:tc>
+                  <a:txBody>
+                    <a:bodyPr/>
+                    <a:lstStyle/>
+                    <a:p>
+                      <a:pPr algn="r" fontAlgn="b"/>
+                      <a:r>
+                        <a:rPr lang="en-US" sz="1100" u="none" strike="noStrike">
+                          <a:effectLst/>
+                        </a:rPr>
+                        <a:t>13.23</a:t>
+                      </a:r>
+                      <a:endParaRPr lang="en-US" sz="1100" b="0" i="0" u="none" strike="noStrike">
+                        <a:solidFill>
+                          <a:srgbClr val="000000"/>
+                        </a:solidFill>
+                        <a:effectLst/>
+                        <a:latin typeface="Liberation Sans"/>
+                      </a:endParaRPr>
+                    </a:p>
+                  </a:txBody>
+                  <a:tcPr marL="9525" marR="9525" marT="9525" marB="0" anchor="b"/>
+                </a:tc>
+                <a:tc>
+                  <a:txBody>
+                    <a:bodyPr/>
+                    <a:lstStyle/>
+                    <a:p>
+                      <a:pPr algn="l" fontAlgn="b"/>
+                      <a:endParaRPr lang="en-US" sz="1100" b="0" i="0" u="none" strike="noStrike">
+                        <a:solidFill>
+                          <a:srgbClr val="000000"/>
+                        </a:solidFill>
+                        <a:effectLst/>
+                        <a:latin typeface="Liberation Sans"/>
+                      </a:endParaRPr>
+                    </a:p>
+                  </a:txBody>
+                  <a:tcPr marL="9525" marR="9525" marT="9525" marB="0" anchor="b"/>
+                </a:tc>
+                <a:tc>
+                  <a:txBody>
+                    <a:bodyPr/>
+                    <a:lstStyle/>
+                    <a:p>
+                      <a:pPr algn="r" fontAlgn="b"/>
+                      <a:r>
+                        <a:rPr lang="en-US" sz="1100" u="none" strike="noStrike">
+                          <a:effectLst/>
+                        </a:rPr>
+                        <a:t>2</a:t>
+                      </a:r>
+                      <a:endParaRPr lang="en-US" sz="1100" b="0" i="0" u="none" strike="noStrike">
+                        <a:solidFill>
+                          <a:srgbClr val="000000"/>
+                        </a:solidFill>
+                        <a:effectLst/>
+                        <a:latin typeface="Liberation Sans"/>
+                      </a:endParaRPr>
+                    </a:p>
+                  </a:txBody>
+                  <a:tcPr marL="9525" marR="9525" marT="9525" marB="0" anchor="b"/>
+                </a:tc>
+                <a:tc>
+                  <a:txBody>
+                    <a:bodyPr/>
+                    <a:lstStyle/>
+                    <a:p>
+                      <a:pPr algn="r" fontAlgn="b"/>
+                      <a:r>
+                        <a:rPr lang="en-US" sz="1100" u="none" strike="noStrike">
+                          <a:effectLst/>
+                        </a:rPr>
+                        <a:t>26.46</a:t>
+                      </a:r>
+                      <a:endParaRPr lang="en-US" sz="1100" b="0" i="0" u="none" strike="noStrike">
+                        <a:solidFill>
+                          <a:srgbClr val="000000"/>
+                        </a:solidFill>
+                        <a:effectLst/>
+                        <a:latin typeface="Liberation Sans"/>
+                      </a:endParaRPr>
+                    </a:p>
+                  </a:txBody>
+                  <a:tcPr marL="9525" marR="9525" marT="9525" marB="0" anchor="b"/>
+                </a:tc>
+              </a:tr>
+              <a:tr h="266000">
+                <a:tc>
+                  <a:txBody>
+                    <a:bodyPr/>
+                    <a:lstStyle/>
+                    <a:p>
+                      <a:pPr algn="l" fontAlgn="b"/>
+                      <a:r>
+                        <a:rPr lang="en-US" sz="1100" u="none" strike="noStrike">
+                          <a:effectLst/>
+                        </a:rPr>
+                        <a:t>Fuel Guage</a:t>
+                      </a:r>
+                      <a:endParaRPr lang="en-US" sz="1100" b="0" i="0" u="none" strike="noStrike">
+                        <a:solidFill>
+                          <a:srgbClr val="000000"/>
+                        </a:solidFill>
+                        <a:effectLst/>
+                        <a:latin typeface="Liberation Sans"/>
+                      </a:endParaRPr>
+                    </a:p>
+                  </a:txBody>
+                  <a:tcPr marL="9525" marR="9525" marT="9525" marB="0" anchor="b"/>
+                </a:tc>
+                <a:tc>
+                  <a:txBody>
+                    <a:bodyPr/>
+                    <a:lstStyle/>
+                    <a:p>
+                      <a:pPr algn="l" fontAlgn="b"/>
+                      <a:endParaRPr lang="en-US" sz="1100" b="0" i="0" u="none" strike="noStrike">
+                        <a:solidFill>
+                          <a:srgbClr val="000000"/>
+                        </a:solidFill>
+                        <a:effectLst/>
+                        <a:latin typeface="Liberation Sans"/>
+                      </a:endParaRPr>
+                    </a:p>
+                  </a:txBody>
+                  <a:tcPr marL="9525" marR="9525" marT="9525" marB="0" anchor="b"/>
+                </a:tc>
+                <a:tc>
+                  <a:txBody>
+                    <a:bodyPr/>
+                    <a:lstStyle/>
+                    <a:p>
+                      <a:pPr algn="l" fontAlgn="b"/>
+                      <a:r>
+                        <a:rPr lang="en-US" sz="1100" u="none" strike="noStrike">
+                          <a:effectLst/>
+                        </a:rPr>
+                        <a:t>DigiKey</a:t>
+                      </a:r>
+                      <a:endParaRPr lang="en-US" sz="1100" b="0" i="0" u="none" strike="noStrike">
+                        <a:solidFill>
+                          <a:srgbClr val="000000"/>
+                        </a:solidFill>
+                        <a:effectLst/>
+                        <a:latin typeface="Liberation Sans"/>
+                      </a:endParaRPr>
+                    </a:p>
+                  </a:txBody>
+                  <a:tcPr marL="9525" marR="9525" marT="9525" marB="0" anchor="b"/>
+                </a:tc>
+                <a:tc>
+                  <a:txBody>
+                    <a:bodyPr/>
+                    <a:lstStyle/>
+                    <a:p>
+                      <a:pPr algn="r" fontAlgn="b"/>
+                      <a:r>
+                        <a:rPr lang="en-US" sz="1100" u="none" strike="noStrike">
+                          <a:effectLst/>
+                        </a:rPr>
+                        <a:t>6.43</a:t>
+                      </a:r>
+                      <a:endParaRPr lang="en-US" sz="1100" b="0" i="0" u="none" strike="noStrike">
+                        <a:solidFill>
+                          <a:srgbClr val="000000"/>
+                        </a:solidFill>
+                        <a:effectLst/>
+                        <a:latin typeface="Liberation Sans"/>
+                      </a:endParaRPr>
+                    </a:p>
+                  </a:txBody>
+                  <a:tcPr marL="9525" marR="9525" marT="9525" marB="0" anchor="b"/>
+                </a:tc>
+                <a:tc>
+                  <a:txBody>
+                    <a:bodyPr/>
+                    <a:lstStyle/>
+                    <a:p>
+                      <a:pPr algn="l" fontAlgn="b"/>
+                      <a:endParaRPr lang="en-US" sz="1100" b="0" i="0" u="none" strike="noStrike">
+                        <a:solidFill>
+                          <a:srgbClr val="000000"/>
+                        </a:solidFill>
+                        <a:effectLst/>
+                        <a:latin typeface="Liberation Sans"/>
+                      </a:endParaRPr>
+                    </a:p>
+                  </a:txBody>
+                  <a:tcPr marL="9525" marR="9525" marT="9525" marB="0" anchor="b"/>
+                </a:tc>
+                <a:tc>
+                  <a:txBody>
+                    <a:bodyPr/>
+                    <a:lstStyle/>
+                    <a:p>
+                      <a:pPr algn="r" fontAlgn="b"/>
+                      <a:r>
+                        <a:rPr lang="en-US" sz="1100" u="none" strike="noStrike">
+                          <a:effectLst/>
+                        </a:rPr>
+                        <a:t>2</a:t>
+                      </a:r>
+                      <a:endParaRPr lang="en-US" sz="1100" b="0" i="0" u="none" strike="noStrike">
+                        <a:solidFill>
+                          <a:srgbClr val="000000"/>
+                        </a:solidFill>
+                        <a:effectLst/>
+                        <a:latin typeface="Liberation Sans"/>
+                      </a:endParaRPr>
+                    </a:p>
+                  </a:txBody>
+                  <a:tcPr marL="9525" marR="9525" marT="9525" marB="0" anchor="b"/>
+                </a:tc>
+                <a:tc>
+                  <a:txBody>
+                    <a:bodyPr/>
+                    <a:lstStyle/>
+                    <a:p>
+                      <a:pPr algn="r" fontAlgn="b"/>
+                      <a:r>
+                        <a:rPr lang="en-US" sz="1100" u="none" strike="noStrike">
+                          <a:effectLst/>
+                        </a:rPr>
+                        <a:t>12.86</a:t>
+                      </a:r>
+                      <a:endParaRPr lang="en-US" sz="1100" b="0" i="0" u="none" strike="noStrike">
+                        <a:solidFill>
+                          <a:srgbClr val="000000"/>
+                        </a:solidFill>
+                        <a:effectLst/>
+                        <a:latin typeface="Liberation Sans"/>
+                      </a:endParaRPr>
+                    </a:p>
+                  </a:txBody>
+                  <a:tcPr marL="9525" marR="9525" marT="9525" marB="0" anchor="b"/>
+                </a:tc>
+              </a:tr>
+              <a:tr h="266000">
+                <a:tc>
+                  <a:txBody>
+                    <a:bodyPr/>
+                    <a:lstStyle/>
+                    <a:p>
+                      <a:pPr algn="l" fontAlgn="b"/>
+                      <a:r>
+                        <a:rPr lang="en-US" sz="1100" u="none" strike="noStrike">
+                          <a:effectLst/>
+                        </a:rPr>
+                        <a:t>3D printed Box</a:t>
+                      </a:r>
+                      <a:endParaRPr lang="en-US" sz="1100" b="0" i="0" u="none" strike="noStrike">
+                        <a:solidFill>
+                          <a:srgbClr val="000000"/>
+                        </a:solidFill>
+                        <a:effectLst/>
+                        <a:latin typeface="Liberation Sans"/>
+                      </a:endParaRPr>
+                    </a:p>
+                  </a:txBody>
+                  <a:tcPr marL="9525" marR="9525" marT="9525" marB="0" anchor="b"/>
+                </a:tc>
+                <a:tc>
+                  <a:txBody>
+                    <a:bodyPr/>
+                    <a:lstStyle/>
+                    <a:p>
+                      <a:pPr algn="l" fontAlgn="b"/>
+                      <a:endParaRPr lang="en-US" sz="1100" b="0" i="0" u="none" strike="noStrike">
+                        <a:solidFill>
+                          <a:srgbClr val="000000"/>
+                        </a:solidFill>
+                        <a:effectLst/>
+                        <a:latin typeface="Liberation Sans"/>
+                      </a:endParaRPr>
+                    </a:p>
+                  </a:txBody>
+                  <a:tcPr marL="9525" marR="9525" marT="9525" marB="0" anchor="b"/>
+                </a:tc>
+                <a:tc>
+                  <a:txBody>
+                    <a:bodyPr/>
+                    <a:lstStyle/>
+                    <a:p>
+                      <a:pPr algn="l" fontAlgn="b"/>
+                      <a:r>
+                        <a:rPr lang="en-US" sz="1100" u="none" strike="noStrike">
+                          <a:effectLst/>
+                        </a:rPr>
+                        <a:t>Purdue IEEE</a:t>
+                      </a:r>
+                      <a:endParaRPr lang="en-US" sz="1100" b="0" i="0" u="none" strike="noStrike">
+                        <a:solidFill>
+                          <a:srgbClr val="000000"/>
+                        </a:solidFill>
+                        <a:effectLst/>
+                        <a:latin typeface="Liberation Sans"/>
+                      </a:endParaRPr>
+                    </a:p>
+                  </a:txBody>
+                  <a:tcPr marL="9525" marR="9525" marT="9525" marB="0" anchor="b"/>
+                </a:tc>
+                <a:tc>
+                  <a:txBody>
+                    <a:bodyPr/>
+                    <a:lstStyle/>
+                    <a:p>
+                      <a:pPr algn="r" fontAlgn="b"/>
+                      <a:r>
+                        <a:rPr lang="en-US" sz="1100" u="none" strike="noStrike">
+                          <a:effectLst/>
+                        </a:rPr>
+                        <a:t>40</a:t>
+                      </a:r>
+                      <a:endParaRPr lang="en-US" sz="1100" b="0" i="0" u="none" strike="noStrike">
+                        <a:solidFill>
+                          <a:srgbClr val="000000"/>
+                        </a:solidFill>
+                        <a:effectLst/>
+                        <a:latin typeface="Liberation Sans"/>
+                      </a:endParaRPr>
+                    </a:p>
+                  </a:txBody>
+                  <a:tcPr marL="9525" marR="9525" marT="9525" marB="0" anchor="b"/>
+                </a:tc>
+                <a:tc>
+                  <a:txBody>
+                    <a:bodyPr/>
+                    <a:lstStyle/>
+                    <a:p>
+                      <a:pPr algn="l" fontAlgn="b"/>
+                      <a:endParaRPr lang="en-US" sz="1100" b="0" i="0" u="none" strike="noStrike">
+                        <a:solidFill>
+                          <a:srgbClr val="000000"/>
+                        </a:solidFill>
+                        <a:effectLst/>
+                        <a:latin typeface="Liberation Sans"/>
+                      </a:endParaRPr>
+                    </a:p>
+                  </a:txBody>
+                  <a:tcPr marL="9525" marR="9525" marT="9525" marB="0" anchor="b"/>
+                </a:tc>
+                <a:tc>
+                  <a:txBody>
+                    <a:bodyPr/>
+                    <a:lstStyle/>
+                    <a:p>
+                      <a:pPr algn="r" fontAlgn="b"/>
+                      <a:r>
+                        <a:rPr lang="en-US" sz="1100" u="none" strike="noStrike">
+                          <a:effectLst/>
+                        </a:rPr>
+                        <a:t>2</a:t>
+                      </a:r>
+                      <a:endParaRPr lang="en-US" sz="1100" b="0" i="0" u="none" strike="noStrike">
+                        <a:solidFill>
+                          <a:srgbClr val="000000"/>
+                        </a:solidFill>
+                        <a:effectLst/>
+                        <a:latin typeface="Liberation Sans"/>
+                      </a:endParaRPr>
+                    </a:p>
+                  </a:txBody>
+                  <a:tcPr marL="9525" marR="9525" marT="9525" marB="0" anchor="b"/>
+                </a:tc>
+                <a:tc>
+                  <a:txBody>
+                    <a:bodyPr/>
+                    <a:lstStyle/>
+                    <a:p>
+                      <a:pPr algn="r" fontAlgn="b"/>
+                      <a:r>
+                        <a:rPr lang="en-US" sz="1100" u="none" strike="noStrike">
+                          <a:effectLst/>
+                        </a:rPr>
+                        <a:t>80</a:t>
+                      </a:r>
+                      <a:endParaRPr lang="en-US" sz="1100" b="0" i="0" u="none" strike="noStrike">
+                        <a:solidFill>
+                          <a:srgbClr val="000000"/>
+                        </a:solidFill>
+                        <a:effectLst/>
+                        <a:latin typeface="Liberation Sans"/>
+                      </a:endParaRPr>
+                    </a:p>
+                  </a:txBody>
+                  <a:tcPr marL="9525" marR="9525" marT="9525" marB="0" anchor="b"/>
+                </a:tc>
+              </a:tr>
+              <a:tr h="266000">
+                <a:tc>
+                  <a:txBody>
+                    <a:bodyPr/>
+                    <a:lstStyle/>
+                    <a:p>
+                      <a:pPr algn="l" fontAlgn="b"/>
+                      <a:r>
+                        <a:rPr lang="en-US" sz="1100" u="none" strike="noStrike">
+                          <a:effectLst/>
+                        </a:rPr>
+                        <a:t>Backpack</a:t>
+                      </a:r>
+                      <a:endParaRPr lang="en-US" sz="1100" b="0" i="0" u="none" strike="noStrike">
+                        <a:solidFill>
+                          <a:srgbClr val="000000"/>
+                        </a:solidFill>
+                        <a:effectLst/>
+                        <a:latin typeface="Liberation Sans"/>
+                      </a:endParaRPr>
+                    </a:p>
+                  </a:txBody>
+                  <a:tcPr marL="9525" marR="9525" marT="9525" marB="0" anchor="b"/>
+                </a:tc>
+                <a:tc>
+                  <a:txBody>
+                    <a:bodyPr/>
+                    <a:lstStyle/>
+                    <a:p>
+                      <a:pPr algn="l" fontAlgn="b"/>
+                      <a:r>
+                        <a:rPr lang="en-US" sz="1100" u="none" strike="noStrike">
+                          <a:effectLst/>
+                        </a:rPr>
+                        <a:t>Draw String Backpack</a:t>
+                      </a:r>
+                      <a:endParaRPr lang="en-US" sz="1100" b="0" i="0" u="none" strike="noStrike">
+                        <a:solidFill>
+                          <a:srgbClr val="000000"/>
+                        </a:solidFill>
+                        <a:effectLst/>
+                        <a:latin typeface="Liberation Sans"/>
+                      </a:endParaRPr>
+                    </a:p>
+                  </a:txBody>
+                  <a:tcPr marL="9525" marR="9525" marT="9525" marB="0" anchor="b"/>
+                </a:tc>
+                <a:tc>
+                  <a:txBody>
+                    <a:bodyPr/>
+                    <a:lstStyle/>
+                    <a:p>
+                      <a:pPr algn="l" fontAlgn="b"/>
+                      <a:r>
+                        <a:rPr lang="en-US" sz="1100" u="none" strike="noStrike">
+                          <a:effectLst/>
+                        </a:rPr>
+                        <a:t>Supplied</a:t>
+                      </a:r>
+                      <a:endParaRPr lang="en-US" sz="1100" b="0" i="0" u="none" strike="noStrike">
+                        <a:solidFill>
+                          <a:srgbClr val="000000"/>
+                        </a:solidFill>
+                        <a:effectLst/>
+                        <a:latin typeface="Liberation Sans"/>
+                      </a:endParaRPr>
+                    </a:p>
+                  </a:txBody>
+                  <a:tcPr marL="9525" marR="9525" marT="9525" marB="0" anchor="b"/>
+                </a:tc>
+                <a:tc>
+                  <a:txBody>
+                    <a:bodyPr/>
+                    <a:lstStyle/>
+                    <a:p>
+                      <a:pPr algn="r" fontAlgn="b"/>
+                      <a:r>
+                        <a:rPr lang="en-US" sz="1100" u="none" strike="noStrike">
+                          <a:effectLst/>
+                        </a:rPr>
+                        <a:t>10</a:t>
+                      </a:r>
+                      <a:endParaRPr lang="en-US" sz="1100" b="0" i="0" u="none" strike="noStrike">
+                        <a:solidFill>
+                          <a:srgbClr val="000000"/>
+                        </a:solidFill>
+                        <a:effectLst/>
+                        <a:latin typeface="Liberation Sans"/>
+                      </a:endParaRPr>
+                    </a:p>
+                  </a:txBody>
+                  <a:tcPr marL="9525" marR="9525" marT="9525" marB="0" anchor="b"/>
+                </a:tc>
+                <a:tc>
+                  <a:txBody>
+                    <a:bodyPr/>
+                    <a:lstStyle/>
+                    <a:p>
+                      <a:pPr algn="l" fontAlgn="b"/>
+                      <a:endParaRPr lang="en-US" sz="1100" b="0" i="0" u="none" strike="noStrike">
+                        <a:solidFill>
+                          <a:srgbClr val="000000"/>
+                        </a:solidFill>
+                        <a:effectLst/>
+                        <a:latin typeface="Liberation Sans"/>
+                      </a:endParaRPr>
+                    </a:p>
+                  </a:txBody>
+                  <a:tcPr marL="9525" marR="9525" marT="9525" marB="0" anchor="b"/>
+                </a:tc>
+                <a:tc>
+                  <a:txBody>
+                    <a:bodyPr/>
+                    <a:lstStyle/>
+                    <a:p>
+                      <a:pPr algn="r" fontAlgn="b"/>
+                      <a:r>
+                        <a:rPr lang="en-US" sz="1100" u="none" strike="noStrike">
+                          <a:effectLst/>
+                        </a:rPr>
+                        <a:t>0</a:t>
+                      </a:r>
+                      <a:endParaRPr lang="en-US" sz="1100" b="0" i="0" u="none" strike="noStrike">
+                        <a:solidFill>
+                          <a:srgbClr val="000000"/>
+                        </a:solidFill>
+                        <a:effectLst/>
+                        <a:latin typeface="Liberation Sans"/>
+                      </a:endParaRPr>
+                    </a:p>
+                  </a:txBody>
+                  <a:tcPr marL="9525" marR="9525" marT="9525" marB="0" anchor="b"/>
+                </a:tc>
+                <a:tc>
+                  <a:txBody>
+                    <a:bodyPr/>
+                    <a:lstStyle/>
+                    <a:p>
+                      <a:pPr algn="r" fontAlgn="b"/>
+                      <a:r>
+                        <a:rPr lang="en-US" sz="1100" u="none" strike="noStrike">
+                          <a:effectLst/>
+                        </a:rPr>
+                        <a:t>0</a:t>
+                      </a:r>
+                      <a:endParaRPr lang="en-US" sz="1100" b="0" i="0" u="none" strike="noStrike">
+                        <a:solidFill>
+                          <a:srgbClr val="000000"/>
+                        </a:solidFill>
+                        <a:effectLst/>
+                        <a:latin typeface="Liberation Sans"/>
+                      </a:endParaRPr>
+                    </a:p>
+                  </a:txBody>
+                  <a:tcPr marL="9525" marR="9525" marT="9525" marB="0" anchor="b"/>
+                </a:tc>
+              </a:tr>
+              <a:tr h="266000">
+                <a:tc>
+                  <a:txBody>
+                    <a:bodyPr/>
+                    <a:lstStyle/>
+                    <a:p>
+                      <a:pPr algn="l" fontAlgn="b"/>
+                      <a:endParaRPr lang="en-US" sz="1100" b="0" i="0" u="none" strike="noStrike">
+                        <a:solidFill>
+                          <a:srgbClr val="000000"/>
+                        </a:solidFill>
+                        <a:effectLst/>
+                        <a:latin typeface="Liberation Sans"/>
+                      </a:endParaRPr>
+                    </a:p>
+                  </a:txBody>
+                  <a:tcPr marL="9525" marR="9525" marT="9525" marB="0" anchor="b"/>
+                </a:tc>
+                <a:tc>
+                  <a:txBody>
+                    <a:bodyPr/>
+                    <a:lstStyle/>
+                    <a:p>
+                      <a:pPr algn="l" fontAlgn="b"/>
+                      <a:endParaRPr lang="en-US" sz="1100" b="0" i="0" u="none" strike="noStrike">
+                        <a:solidFill>
+                          <a:srgbClr val="000000"/>
+                        </a:solidFill>
+                        <a:effectLst/>
+                        <a:latin typeface="Liberation Sans"/>
+                      </a:endParaRPr>
+                    </a:p>
+                  </a:txBody>
+                  <a:tcPr marL="9525" marR="9525" marT="9525" marB="0" anchor="b"/>
+                </a:tc>
+                <a:tc>
+                  <a:txBody>
+                    <a:bodyPr/>
+                    <a:lstStyle/>
+                    <a:p>
+                      <a:pPr algn="l" fontAlgn="b"/>
+                      <a:endParaRPr lang="en-US" sz="1100" b="0" i="0" u="none" strike="noStrike">
+                        <a:solidFill>
+                          <a:srgbClr val="000000"/>
+                        </a:solidFill>
+                        <a:effectLst/>
+                        <a:latin typeface="Liberation Sans"/>
+                      </a:endParaRPr>
+                    </a:p>
+                  </a:txBody>
+                  <a:tcPr marL="9525" marR="9525" marT="9525" marB="0" anchor="b"/>
+                </a:tc>
+                <a:tc>
+                  <a:txBody>
+                    <a:bodyPr/>
+                    <a:lstStyle/>
+                    <a:p>
+                      <a:pPr algn="l" fontAlgn="b"/>
+                      <a:r>
+                        <a:rPr lang="en-US" sz="1100" u="none" strike="noStrike">
+                          <a:effectLst/>
+                        </a:rPr>
+                        <a:t> </a:t>
+                      </a:r>
+                      <a:endParaRPr lang="en-US" sz="1100" b="0" i="0" u="none" strike="noStrike">
+                        <a:solidFill>
+                          <a:srgbClr val="000000"/>
+                        </a:solidFill>
+                        <a:effectLst/>
+                        <a:latin typeface="Liberation Sans"/>
+                      </a:endParaRPr>
+                    </a:p>
+                  </a:txBody>
+                  <a:tcPr marL="9525" marR="9525" marT="9525" marB="0" anchor="b"/>
+                </a:tc>
+                <a:tc>
+                  <a:txBody>
+                    <a:bodyPr/>
+                    <a:lstStyle/>
+                    <a:p>
+                      <a:pPr algn="l" fontAlgn="b"/>
+                      <a:endParaRPr lang="en-US" sz="1100" b="0" i="0" u="none" strike="noStrike">
+                        <a:solidFill>
+                          <a:srgbClr val="000000"/>
+                        </a:solidFill>
+                        <a:effectLst/>
+                        <a:latin typeface="Liberation Sans"/>
+                      </a:endParaRPr>
+                    </a:p>
+                  </a:txBody>
+                  <a:tcPr marL="9525" marR="9525" marT="9525" marB="0" anchor="b"/>
+                </a:tc>
+                <a:tc>
+                  <a:txBody>
+                    <a:bodyPr/>
+                    <a:lstStyle/>
+                    <a:p>
+                      <a:pPr algn="l" fontAlgn="b"/>
+                      <a:endParaRPr lang="en-US" sz="1100" b="0" i="0" u="none" strike="noStrike">
+                        <a:solidFill>
+                          <a:srgbClr val="000000"/>
+                        </a:solidFill>
+                        <a:effectLst/>
+                        <a:latin typeface="Liberation Sans"/>
+                      </a:endParaRPr>
+                    </a:p>
+                  </a:txBody>
+                  <a:tcPr marL="9525" marR="9525" marT="9525" marB="0" anchor="b"/>
+                </a:tc>
+                <a:tc>
+                  <a:txBody>
+                    <a:bodyPr/>
+                    <a:lstStyle/>
+                    <a:p>
+                      <a:pPr algn="l" fontAlgn="b"/>
+                      <a:endParaRPr lang="en-US" sz="1100" b="0" i="0" u="none" strike="noStrike">
+                        <a:solidFill>
+                          <a:srgbClr val="000000"/>
+                        </a:solidFill>
+                        <a:effectLst/>
+                        <a:latin typeface="Liberation Sans"/>
+                      </a:endParaRPr>
+                    </a:p>
+                  </a:txBody>
+                  <a:tcPr marL="9525" marR="9525" marT="9525" marB="0" anchor="b"/>
+                </a:tc>
+              </a:tr>
+              <a:tr h="266000">
+                <a:tc>
+                  <a:txBody>
+                    <a:bodyPr/>
+                    <a:lstStyle/>
+                    <a:p>
+                      <a:pPr algn="l" fontAlgn="b"/>
+                      <a:endParaRPr lang="en-US" sz="1100" b="0" i="0" u="none" strike="noStrike">
+                        <a:solidFill>
+                          <a:srgbClr val="000000"/>
+                        </a:solidFill>
+                        <a:effectLst/>
+                        <a:latin typeface="Liberation Sans"/>
+                      </a:endParaRPr>
+                    </a:p>
+                  </a:txBody>
+                  <a:tcPr marL="9525" marR="9525" marT="9525" marB="0" anchor="b"/>
+                </a:tc>
+                <a:tc>
+                  <a:txBody>
+                    <a:bodyPr/>
+                    <a:lstStyle/>
+                    <a:p>
+                      <a:pPr algn="l" fontAlgn="b"/>
+                      <a:endParaRPr lang="en-US" sz="1100" b="0" i="0" u="none" strike="noStrike">
+                        <a:solidFill>
+                          <a:srgbClr val="000000"/>
+                        </a:solidFill>
+                        <a:effectLst/>
+                        <a:latin typeface="Liberation Sans"/>
+                      </a:endParaRPr>
+                    </a:p>
+                  </a:txBody>
+                  <a:tcPr marL="9525" marR="9525" marT="9525" marB="0" anchor="b"/>
+                </a:tc>
+                <a:tc>
+                  <a:txBody>
+                    <a:bodyPr/>
+                    <a:lstStyle/>
+                    <a:p>
+                      <a:pPr algn="l" fontAlgn="b"/>
+                      <a:endParaRPr lang="en-US" sz="1100" b="0" i="0" u="none" strike="noStrike">
+                        <a:solidFill>
+                          <a:srgbClr val="000000"/>
+                        </a:solidFill>
+                        <a:effectLst/>
+                        <a:latin typeface="Liberation Sans"/>
+                      </a:endParaRPr>
+                    </a:p>
+                  </a:txBody>
+                  <a:tcPr marL="9525" marR="9525" marT="9525" marB="0" anchor="b"/>
+                </a:tc>
+                <a:tc>
+                  <a:txBody>
+                    <a:bodyPr/>
+                    <a:lstStyle/>
+                    <a:p>
+                      <a:pPr algn="l" fontAlgn="b"/>
+                      <a:endParaRPr lang="en-US" sz="1100" b="0" i="0" u="none" strike="noStrike">
+                        <a:solidFill>
+                          <a:srgbClr val="000000"/>
+                        </a:solidFill>
+                        <a:effectLst/>
+                        <a:latin typeface="Liberation Sans"/>
+                      </a:endParaRPr>
+                    </a:p>
+                  </a:txBody>
+                  <a:tcPr marL="9525" marR="9525" marT="9525" marB="0" anchor="b"/>
+                </a:tc>
+                <a:tc>
+                  <a:txBody>
+                    <a:bodyPr/>
+                    <a:lstStyle/>
+                    <a:p>
+                      <a:pPr algn="l" fontAlgn="b"/>
+                      <a:endParaRPr lang="en-US" sz="1100" b="0" i="0" u="none" strike="noStrike">
+                        <a:solidFill>
+                          <a:srgbClr val="000000"/>
+                        </a:solidFill>
+                        <a:effectLst/>
+                        <a:latin typeface="Liberation Sans"/>
+                      </a:endParaRPr>
+                    </a:p>
+                  </a:txBody>
+                  <a:tcPr marL="9525" marR="9525" marT="9525" marB="0" anchor="b"/>
+                </a:tc>
+                <a:tc>
+                  <a:txBody>
+                    <a:bodyPr/>
+                    <a:lstStyle/>
+                    <a:p>
+                      <a:pPr algn="l" fontAlgn="b"/>
+                      <a:endParaRPr lang="en-US" sz="1100" b="0" i="0" u="none" strike="noStrike">
+                        <a:solidFill>
+                          <a:srgbClr val="000000"/>
+                        </a:solidFill>
+                        <a:effectLst/>
+                        <a:latin typeface="Liberation Sans"/>
+                      </a:endParaRPr>
+                    </a:p>
+                  </a:txBody>
+                  <a:tcPr marL="9525" marR="9525" marT="9525" marB="0" anchor="b"/>
+                </a:tc>
+                <a:tc>
+                  <a:txBody>
+                    <a:bodyPr/>
+                    <a:lstStyle/>
+                    <a:p>
+                      <a:pPr algn="l" fontAlgn="b"/>
+                      <a:endParaRPr lang="en-US" sz="1100" b="0" i="0" u="none" strike="noStrike">
+                        <a:solidFill>
+                          <a:srgbClr val="000000"/>
+                        </a:solidFill>
+                        <a:effectLst/>
+                        <a:latin typeface="Liberation Sans"/>
+                      </a:endParaRPr>
+                    </a:p>
+                  </a:txBody>
+                  <a:tcPr marL="9525" marR="9525" marT="9525" marB="0" anchor="b"/>
+                </a:tc>
+              </a:tr>
+              <a:tr h="266000">
+                <a:tc>
+                  <a:txBody>
+                    <a:bodyPr/>
+                    <a:lstStyle/>
+                    <a:p>
+                      <a:pPr algn="l" fontAlgn="b"/>
+                      <a:endParaRPr lang="en-US" sz="1100" b="0" i="0" u="none" strike="noStrike">
+                        <a:solidFill>
+                          <a:srgbClr val="000000"/>
+                        </a:solidFill>
+                        <a:effectLst/>
+                        <a:latin typeface="Liberation Sans"/>
+                      </a:endParaRPr>
+                    </a:p>
+                  </a:txBody>
+                  <a:tcPr marL="9525" marR="9525" marT="9525" marB="0" anchor="b"/>
+                </a:tc>
+                <a:tc>
+                  <a:txBody>
+                    <a:bodyPr/>
+                    <a:lstStyle/>
+                    <a:p>
+                      <a:pPr algn="l" fontAlgn="b"/>
+                      <a:endParaRPr lang="en-US" sz="1100" b="0" i="0" u="none" strike="noStrike">
+                        <a:solidFill>
+                          <a:srgbClr val="000000"/>
+                        </a:solidFill>
+                        <a:effectLst/>
+                        <a:latin typeface="Liberation Sans"/>
+                      </a:endParaRPr>
+                    </a:p>
+                  </a:txBody>
+                  <a:tcPr marL="9525" marR="9525" marT="9525" marB="0" anchor="b"/>
+                </a:tc>
+                <a:tc>
+                  <a:txBody>
+                    <a:bodyPr/>
+                    <a:lstStyle/>
+                    <a:p>
+                      <a:pPr algn="l" fontAlgn="b"/>
+                      <a:endParaRPr lang="en-US" sz="1100" b="0" i="0" u="none" strike="noStrike">
+                        <a:solidFill>
+                          <a:srgbClr val="000000"/>
+                        </a:solidFill>
+                        <a:effectLst/>
+                        <a:latin typeface="Liberation Sans"/>
+                      </a:endParaRPr>
+                    </a:p>
+                  </a:txBody>
+                  <a:tcPr marL="9525" marR="9525" marT="9525" marB="0" anchor="b"/>
+                </a:tc>
+                <a:tc>
+                  <a:txBody>
+                    <a:bodyPr/>
+                    <a:lstStyle/>
+                    <a:p>
+                      <a:pPr algn="l" fontAlgn="b"/>
+                      <a:endParaRPr lang="en-US" sz="1100" b="0" i="0" u="none" strike="noStrike">
+                        <a:solidFill>
+                          <a:srgbClr val="000000"/>
+                        </a:solidFill>
+                        <a:effectLst/>
+                        <a:latin typeface="Liberation Sans"/>
+                      </a:endParaRPr>
+                    </a:p>
+                  </a:txBody>
+                  <a:tcPr marL="9525" marR="9525" marT="9525" marB="0" anchor="b"/>
+                </a:tc>
+                <a:tc>
+                  <a:txBody>
+                    <a:bodyPr/>
+                    <a:lstStyle/>
+                    <a:p>
+                      <a:pPr algn="l" fontAlgn="b"/>
+                      <a:endParaRPr lang="en-US" sz="1100" b="0" i="0" u="none" strike="noStrike">
+                        <a:solidFill>
+                          <a:srgbClr val="000000"/>
+                        </a:solidFill>
+                        <a:effectLst/>
+                        <a:latin typeface="Liberation Sans"/>
+                      </a:endParaRPr>
+                    </a:p>
+                  </a:txBody>
+                  <a:tcPr marL="9525" marR="9525" marT="9525" marB="0" anchor="b"/>
+                </a:tc>
+                <a:tc>
+                  <a:txBody>
+                    <a:bodyPr/>
+                    <a:lstStyle/>
+                    <a:p>
+                      <a:pPr algn="l" fontAlgn="b"/>
+                      <a:endParaRPr lang="en-US" sz="1100" b="0" i="0" u="none" strike="noStrike">
+                        <a:solidFill>
+                          <a:srgbClr val="000000"/>
+                        </a:solidFill>
+                        <a:effectLst/>
+                        <a:latin typeface="Liberation Sans"/>
+                      </a:endParaRPr>
+                    </a:p>
+                  </a:txBody>
+                  <a:tcPr marL="9525" marR="9525" marT="9525" marB="0" anchor="b"/>
+                </a:tc>
+                <a:tc>
+                  <a:txBody>
+                    <a:bodyPr/>
+                    <a:lstStyle/>
+                    <a:p>
+                      <a:pPr algn="l" fontAlgn="b"/>
+                      <a:endParaRPr lang="en-US" sz="1100" b="0" i="0" u="none" strike="noStrike">
+                        <a:solidFill>
+                          <a:srgbClr val="000000"/>
+                        </a:solidFill>
+                        <a:effectLst/>
+                        <a:latin typeface="Liberation Sans"/>
+                      </a:endParaRPr>
+                    </a:p>
+                  </a:txBody>
+                  <a:tcPr marL="9525" marR="9525" marT="9525" marB="0" anchor="b"/>
+                </a:tc>
+              </a:tr>
+              <a:tr h="266000">
+                <a:tc>
+                  <a:txBody>
+                    <a:bodyPr/>
+                    <a:lstStyle/>
+                    <a:p>
+                      <a:pPr algn="l" fontAlgn="b"/>
+                      <a:endParaRPr lang="en-US" sz="1100" b="0" i="0" u="none" strike="noStrike">
+                        <a:solidFill>
+                          <a:srgbClr val="000000"/>
+                        </a:solidFill>
+                        <a:effectLst/>
+                        <a:latin typeface="Liberation Sans"/>
+                      </a:endParaRPr>
+                    </a:p>
+                  </a:txBody>
+                  <a:tcPr marL="9525" marR="9525" marT="9525" marB="0" anchor="b"/>
+                </a:tc>
+                <a:tc>
+                  <a:txBody>
+                    <a:bodyPr/>
+                    <a:lstStyle/>
+                    <a:p>
+                      <a:pPr algn="l" fontAlgn="b"/>
+                      <a:endParaRPr lang="en-US" sz="1100" b="0" i="0" u="none" strike="noStrike">
+                        <a:solidFill>
+                          <a:srgbClr val="000000"/>
+                        </a:solidFill>
+                        <a:effectLst/>
+                        <a:latin typeface="Liberation Sans"/>
+                      </a:endParaRPr>
+                    </a:p>
+                  </a:txBody>
+                  <a:tcPr marL="9525" marR="9525" marT="9525" marB="0" anchor="b"/>
+                </a:tc>
+                <a:tc>
+                  <a:txBody>
+                    <a:bodyPr/>
+                    <a:lstStyle/>
+                    <a:p>
+                      <a:pPr algn="l" fontAlgn="b"/>
+                      <a:endParaRPr lang="en-US" sz="1100" b="0" i="0" u="none" strike="noStrike">
+                        <a:solidFill>
+                          <a:srgbClr val="000000"/>
+                        </a:solidFill>
+                        <a:effectLst/>
+                        <a:latin typeface="Liberation Sans"/>
+                      </a:endParaRPr>
+                    </a:p>
+                  </a:txBody>
+                  <a:tcPr marL="9525" marR="9525" marT="9525" marB="0" anchor="b"/>
+                </a:tc>
+                <a:tc>
+                  <a:txBody>
+                    <a:bodyPr/>
+                    <a:lstStyle/>
+                    <a:p>
+                      <a:pPr algn="l" fontAlgn="b"/>
+                      <a:endParaRPr lang="en-US" sz="1100" b="0" i="0" u="none" strike="noStrike">
+                        <a:solidFill>
+                          <a:srgbClr val="000000"/>
+                        </a:solidFill>
+                        <a:effectLst/>
+                        <a:latin typeface="Liberation Sans"/>
+                      </a:endParaRPr>
+                    </a:p>
+                  </a:txBody>
+                  <a:tcPr marL="9525" marR="9525" marT="9525" marB="0" anchor="b"/>
+                </a:tc>
+                <a:tc>
+                  <a:txBody>
+                    <a:bodyPr/>
+                    <a:lstStyle/>
+                    <a:p>
+                      <a:pPr algn="l" fontAlgn="b"/>
+                      <a:endParaRPr lang="en-US" sz="1100" b="0" i="0" u="none" strike="noStrike">
+                        <a:solidFill>
+                          <a:srgbClr val="000000"/>
+                        </a:solidFill>
+                        <a:effectLst/>
+                        <a:latin typeface="Liberation Sans"/>
+                      </a:endParaRPr>
+                    </a:p>
+                  </a:txBody>
+                  <a:tcPr marL="9525" marR="9525" marT="9525" marB="0" anchor="b"/>
+                </a:tc>
+                <a:tc>
+                  <a:txBody>
+                    <a:bodyPr/>
+                    <a:lstStyle/>
+                    <a:p>
+                      <a:pPr algn="l" fontAlgn="b"/>
+                      <a:endParaRPr lang="en-US" sz="1100" b="0" i="0" u="none" strike="noStrike">
+                        <a:solidFill>
+                          <a:srgbClr val="000000"/>
+                        </a:solidFill>
+                        <a:effectLst/>
+                        <a:latin typeface="Liberation Sans"/>
+                      </a:endParaRPr>
+                    </a:p>
+                  </a:txBody>
+                  <a:tcPr marL="9525" marR="9525" marT="9525" marB="0" anchor="b"/>
+                </a:tc>
+                <a:tc>
+                  <a:txBody>
+                    <a:bodyPr/>
+                    <a:lstStyle/>
+                    <a:p>
+                      <a:pPr algn="l" fontAlgn="b"/>
+                      <a:endParaRPr lang="en-US" sz="1100" b="0" i="0" u="none" strike="noStrike">
+                        <a:solidFill>
+                          <a:srgbClr val="000000"/>
+                        </a:solidFill>
+                        <a:effectLst/>
+                        <a:latin typeface="Liberation Sans"/>
+                      </a:endParaRPr>
+                    </a:p>
+                  </a:txBody>
+                  <a:tcPr marL="9525" marR="9525" marT="9525" marB="0" anchor="b"/>
+                </a:tc>
+              </a:tr>
+              <a:tr h="266000">
+                <a:tc>
+                  <a:txBody>
+                    <a:bodyPr/>
+                    <a:lstStyle/>
+                    <a:p>
+                      <a:pPr algn="l" fontAlgn="b"/>
+                      <a:endParaRPr lang="en-US" sz="1100" b="0" i="0" u="none" strike="noStrike">
+                        <a:solidFill>
+                          <a:srgbClr val="000000"/>
+                        </a:solidFill>
+                        <a:effectLst/>
+                        <a:latin typeface="Liberation Sans"/>
+                      </a:endParaRPr>
+                    </a:p>
+                  </a:txBody>
+                  <a:tcPr marL="9525" marR="9525" marT="9525" marB="0" anchor="b"/>
+                </a:tc>
+                <a:tc>
+                  <a:txBody>
+                    <a:bodyPr/>
+                    <a:lstStyle/>
+                    <a:p>
+                      <a:pPr algn="l" fontAlgn="b"/>
+                      <a:endParaRPr lang="en-US" sz="1100" b="0" i="0" u="none" strike="noStrike">
+                        <a:solidFill>
+                          <a:srgbClr val="000000"/>
+                        </a:solidFill>
+                        <a:effectLst/>
+                        <a:latin typeface="Liberation Sans"/>
+                      </a:endParaRPr>
+                    </a:p>
+                  </a:txBody>
+                  <a:tcPr marL="9525" marR="9525" marT="9525" marB="0" anchor="b"/>
+                </a:tc>
+                <a:tc>
+                  <a:txBody>
+                    <a:bodyPr/>
+                    <a:lstStyle/>
+                    <a:p>
+                      <a:pPr algn="l" fontAlgn="b"/>
+                      <a:endParaRPr lang="en-US" sz="1100" b="0" i="0" u="none" strike="noStrike">
+                        <a:solidFill>
+                          <a:srgbClr val="000000"/>
+                        </a:solidFill>
+                        <a:effectLst/>
+                        <a:latin typeface="Liberation Sans"/>
+                      </a:endParaRPr>
+                    </a:p>
+                  </a:txBody>
+                  <a:tcPr marL="9525" marR="9525" marT="9525" marB="0" anchor="b"/>
+                </a:tc>
+                <a:tc>
+                  <a:txBody>
+                    <a:bodyPr/>
+                    <a:lstStyle/>
+                    <a:p>
+                      <a:pPr algn="l" fontAlgn="b"/>
+                      <a:endParaRPr lang="en-US" sz="1100" b="0" i="0" u="none" strike="noStrike">
+                        <a:solidFill>
+                          <a:srgbClr val="000000"/>
+                        </a:solidFill>
+                        <a:effectLst/>
+                        <a:latin typeface="Liberation Sans"/>
+                      </a:endParaRPr>
+                    </a:p>
+                  </a:txBody>
+                  <a:tcPr marL="9525" marR="9525" marT="9525" marB="0" anchor="b"/>
+                </a:tc>
+                <a:tc>
+                  <a:txBody>
+                    <a:bodyPr/>
+                    <a:lstStyle/>
+                    <a:p>
+                      <a:pPr algn="l" fontAlgn="b"/>
+                      <a:endParaRPr lang="en-US" sz="1100" b="0" i="0" u="none" strike="noStrike">
+                        <a:solidFill>
+                          <a:srgbClr val="000000"/>
+                        </a:solidFill>
+                        <a:effectLst/>
+                        <a:latin typeface="Liberation Sans"/>
+                      </a:endParaRPr>
+                    </a:p>
+                  </a:txBody>
+                  <a:tcPr marL="9525" marR="9525" marT="9525" marB="0" anchor="b"/>
+                </a:tc>
+                <a:tc>
+                  <a:txBody>
+                    <a:bodyPr/>
+                    <a:lstStyle/>
+                    <a:p>
+                      <a:pPr algn="l" fontAlgn="b"/>
+                      <a:endParaRPr lang="en-US" sz="1100" b="0" i="0" u="none" strike="noStrike">
+                        <a:solidFill>
+                          <a:srgbClr val="000000"/>
+                        </a:solidFill>
+                        <a:effectLst/>
+                        <a:latin typeface="Liberation Sans"/>
+                      </a:endParaRPr>
+                    </a:p>
+                  </a:txBody>
+                  <a:tcPr marL="9525" marR="9525" marT="9525" marB="0" anchor="b"/>
+                </a:tc>
+                <a:tc>
+                  <a:txBody>
+                    <a:bodyPr/>
+                    <a:lstStyle/>
+                    <a:p>
+                      <a:pPr algn="l" fontAlgn="b"/>
+                      <a:endParaRPr lang="en-US" sz="1100" b="0" i="0" u="none" strike="noStrike">
+                        <a:solidFill>
+                          <a:srgbClr val="000000"/>
+                        </a:solidFill>
+                        <a:effectLst/>
+                        <a:latin typeface="Liberation Sans"/>
+                      </a:endParaRPr>
+                    </a:p>
+                  </a:txBody>
+                  <a:tcPr marL="9525" marR="9525" marT="9525" marB="0" anchor="b"/>
+                </a:tc>
+              </a:tr>
+              <a:tr h="266000">
+                <a:tc>
+                  <a:txBody>
+                    <a:bodyPr/>
+                    <a:lstStyle/>
+                    <a:p>
+                      <a:pPr algn="l" fontAlgn="b"/>
+                      <a:r>
+                        <a:rPr lang="en-US" sz="1100" u="none" strike="noStrike">
+                          <a:effectLst/>
+                        </a:rPr>
+                        <a:t>Total</a:t>
+                      </a:r>
+                      <a:endParaRPr lang="en-US" sz="1100" b="0" i="0" u="none" strike="noStrike">
+                        <a:solidFill>
+                          <a:srgbClr val="000000"/>
+                        </a:solidFill>
+                        <a:effectLst/>
+                        <a:latin typeface="Liberation Sans"/>
+                      </a:endParaRPr>
+                    </a:p>
+                  </a:txBody>
+                  <a:tcPr marL="9525" marR="9525" marT="9525" marB="0" anchor="b"/>
+                </a:tc>
+                <a:tc>
+                  <a:txBody>
+                    <a:bodyPr/>
+                    <a:lstStyle/>
+                    <a:p>
+                      <a:pPr algn="l" fontAlgn="b"/>
+                      <a:endParaRPr lang="en-US" sz="1100" b="0" i="0" u="none" strike="noStrike">
+                        <a:solidFill>
+                          <a:srgbClr val="000000"/>
+                        </a:solidFill>
+                        <a:effectLst/>
+                        <a:latin typeface="Liberation Sans"/>
+                      </a:endParaRPr>
+                    </a:p>
+                  </a:txBody>
+                  <a:tcPr marL="9525" marR="9525" marT="9525" marB="0" anchor="b"/>
+                </a:tc>
+                <a:tc>
+                  <a:txBody>
+                    <a:bodyPr/>
+                    <a:lstStyle/>
+                    <a:p>
+                      <a:pPr algn="l" fontAlgn="b"/>
+                      <a:endParaRPr lang="en-US" sz="1100" b="0" i="0" u="none" strike="noStrike">
+                        <a:solidFill>
+                          <a:srgbClr val="000000"/>
+                        </a:solidFill>
+                        <a:effectLst/>
+                        <a:latin typeface="Liberation Sans"/>
+                      </a:endParaRPr>
+                    </a:p>
+                  </a:txBody>
+                  <a:tcPr marL="9525" marR="9525" marT="9525" marB="0" anchor="b"/>
+                </a:tc>
+                <a:tc>
+                  <a:txBody>
+                    <a:bodyPr/>
+                    <a:lstStyle/>
+                    <a:p>
+                      <a:pPr algn="r" fontAlgn="b"/>
+                      <a:r>
+                        <a:rPr lang="en-US" sz="1100" u="none" strike="noStrike">
+                          <a:effectLst/>
+                        </a:rPr>
+                        <a:t>521.65</a:t>
+                      </a:r>
+                      <a:endParaRPr lang="en-US" sz="1100" b="0" i="0" u="none" strike="noStrike">
+                        <a:solidFill>
+                          <a:srgbClr val="000000"/>
+                        </a:solidFill>
+                        <a:effectLst/>
+                        <a:latin typeface="Liberation Sans"/>
+                      </a:endParaRPr>
+                    </a:p>
+                  </a:txBody>
+                  <a:tcPr marL="9525" marR="9525" marT="9525" marB="0" anchor="b"/>
+                </a:tc>
+                <a:tc>
+                  <a:txBody>
+                    <a:bodyPr/>
+                    <a:lstStyle/>
+                    <a:p>
+                      <a:pPr algn="l" fontAlgn="b"/>
+                      <a:endParaRPr lang="en-US" sz="1100" b="0" i="0" u="none" strike="noStrike">
+                        <a:solidFill>
+                          <a:srgbClr val="000000"/>
+                        </a:solidFill>
+                        <a:effectLst/>
+                        <a:latin typeface="Liberation Sans"/>
+                      </a:endParaRPr>
+                    </a:p>
+                  </a:txBody>
+                  <a:tcPr marL="9525" marR="9525" marT="9525" marB="0" anchor="b"/>
+                </a:tc>
+                <a:tc>
+                  <a:txBody>
+                    <a:bodyPr/>
+                    <a:lstStyle/>
+                    <a:p>
+                      <a:pPr algn="l" fontAlgn="b"/>
+                      <a:endParaRPr lang="en-US" sz="1100" b="0" i="0" u="none" strike="noStrike">
+                        <a:solidFill>
+                          <a:srgbClr val="000000"/>
+                        </a:solidFill>
+                        <a:effectLst/>
+                        <a:latin typeface="Liberation Sans"/>
+                      </a:endParaRPr>
+                    </a:p>
+                  </a:txBody>
+                  <a:tcPr marL="9525" marR="9525" marT="9525" marB="0" anchor="b"/>
+                </a:tc>
+                <a:tc>
+                  <a:txBody>
+                    <a:bodyPr/>
+                    <a:lstStyle/>
+                    <a:p>
+                      <a:pPr algn="r" fontAlgn="b"/>
+                      <a:r>
+                        <a:rPr lang="en-US" sz="1100" u="none" strike="noStrike" dirty="0">
+                          <a:effectLst/>
+                        </a:rPr>
+                        <a:t>739.66</a:t>
+                      </a:r>
+                      <a:endParaRPr lang="en-US" sz="1100" b="0" i="0" u="none" strike="noStrike" dirty="0">
+                        <a:solidFill>
+                          <a:srgbClr val="000000"/>
+                        </a:solidFill>
+                        <a:effectLst/>
+                        <a:latin typeface="Liberation Sans"/>
+                      </a:endParaRPr>
+                    </a:p>
+                  </a:txBody>
+                  <a:tcPr marL="9525" marR="9525" marT="9525" marB="0" anchor="b"/>
+                </a:tc>
+              </a:tr>
+            </a:tbl>
+          </a:graphicData>
+        </a:graphic>
+      </p:graphicFrame>
     </p:spTree>
     <p:extLst>
       <p:ext uri="{BB962C8B-B14F-4D97-AF65-F5344CB8AC3E}">
-        <p14:creationId xmlns:p14="http://schemas.microsoft.com/office/powerpoint/2010/main" val="2571464780"/>
+        <p14:creationId xmlns:p14="http://schemas.microsoft.com/office/powerpoint/2010/main" val="3975776711"/>
       </p:ext>
     </p:extLst>
   </p:cSld>
@@ -11911,12 +13041,100 @@
       </p:grpSpPr>
       <p:sp>
         <p:nvSpPr>
-          <p:cNvPr id="2" name="Subtitle 1"/>
-          <p:cNvSpPr>
-            <a:spLocks noGrp="1"/>
-          </p:cNvSpPr>
-          <p:nvPr>
-            <p:ph type="subTitle" idx="1"/>
+          <p:cNvPr id="2" name="Content Placeholder 1"/>
+          <p:cNvSpPr>
+            <a:spLocks noGrp="1"/>
+          </p:cNvSpPr>
+          <p:nvPr>
+            <p:ph idx="1"/>
+          </p:nvPr>
+        </p:nvSpPr>
+        <p:spPr/>
+        <p:txBody>
+          <a:bodyPr>
+            <a:noAutofit/>
+          </a:bodyPr>
+          <a:lstStyle/>
+          <a:p>
+            <a:r>
+              <a:rPr lang="en-US" sz="2800" dirty="0" smtClean="0"/>
+              <a:t>Patent Liability</a:t>
+            </a:r>
+          </a:p>
+          <a:p>
+            <a:pPr lvl="1"/>
+            <a:r>
+              <a:rPr lang="en-US" sz="2400" dirty="0" smtClean="0"/>
+              <a:t>Novelty of design avoids many AR patents</a:t>
+            </a:r>
+          </a:p>
+          <a:p>
+            <a:pPr lvl="2"/>
+            <a:r>
+              <a:rPr lang="en-US" sz="2000" dirty="0" smtClean="0"/>
+              <a:t>Large fraction specifically mention cameras</a:t>
+            </a:r>
+          </a:p>
+          <a:p>
+            <a:pPr lvl="1"/>
+            <a:r>
+              <a:rPr lang="en-US" sz="2400" dirty="0" smtClean="0"/>
+              <a:t>Licensing may be required</a:t>
+            </a:r>
+          </a:p>
+          <a:p>
+            <a:pPr lvl="1"/>
+            <a:r>
+              <a:rPr lang="en-US" sz="2400" dirty="0" smtClean="0"/>
+              <a:t>Could file new patents and cross-license</a:t>
+            </a:r>
+            <a:endParaRPr lang="en-US" sz="2400" dirty="0"/>
+          </a:p>
+          <a:p>
+            <a:r>
+              <a:rPr lang="en-US" sz="2800" dirty="0" smtClean="0"/>
+              <a:t>User Safety</a:t>
+            </a:r>
+          </a:p>
+          <a:p>
+            <a:pPr lvl="1"/>
+            <a:r>
+              <a:rPr lang="en-US" sz="2400" dirty="0" smtClean="0"/>
+              <a:t>LiFePO</a:t>
+            </a:r>
+            <a:r>
+              <a:rPr lang="en-US" sz="2400" baseline="-25000" dirty="0" smtClean="0"/>
+              <a:t>4</a:t>
+            </a:r>
+            <a:r>
+              <a:rPr lang="en-US" sz="2400" dirty="0" smtClean="0"/>
+              <a:t> much safer than other Lithium battery chemistries</a:t>
+            </a:r>
+          </a:p>
+          <a:p>
+            <a:pPr lvl="1"/>
+            <a:r>
+              <a:rPr lang="en-US" sz="2400" dirty="0" smtClean="0"/>
+              <a:t>Translucent display keeps user aware of environment</a:t>
+            </a:r>
+          </a:p>
+          <a:p>
+            <a:pPr lvl="1"/>
+            <a:r>
+              <a:rPr lang="en-US" sz="2400" dirty="0" smtClean="0"/>
+              <a:t>Product unsuitable for use while driving, operating heavy machinery</a:t>
+            </a:r>
+          </a:p>
+        </p:txBody>
+      </p:sp>
+      <p:sp>
+        <p:nvSpPr>
+          <p:cNvPr id="3" name="Title 2"/>
+          <p:cNvSpPr>
+            <a:spLocks noGrp="1"/>
+          </p:cNvSpPr>
+          <p:nvPr>
+            <p:ph type="title"/>
           </p:nvPr>
         </p:nvSpPr>
         <p:spPr/>
@@ -11924,49 +13142,124 @@
           <a:bodyPr/>
           <a:lstStyle/>
           <a:p>
-            <a:endParaRPr lang="en-US"/>
-          </a:p>
-        </p:txBody>
-      </p:sp>
-      <p:sp>
-        <p:nvSpPr>
-          <p:cNvPr id="3" name="Title 2"/>
-          <p:cNvSpPr>
-            <a:spLocks noGrp="1"/>
-          </p:cNvSpPr>
-          <p:nvPr>
-            <p:ph type="title"/>
-          </p:nvPr>
-        </p:nvSpPr>
-        <p:spPr/>
-        <p:txBody>
-          <a:bodyPr/>
-          <a:lstStyle/>
-          <a:p>
-            <a:r>
-              <a:rPr lang="en-US" dirty="0"/>
-              <a:t>Questions / Discussion</a:t>
-            </a:r>
+            <a:r>
+              <a:rPr lang="en-US" dirty="0" smtClean="0"/>
+              <a:t>COMPLICATIONS</a:t>
+            </a:r>
+            <a:endParaRPr lang="en-US" dirty="0"/>
           </a:p>
         </p:txBody>
       </p:sp>
     </p:spTree>
     <p:extLst>
       <p:ext uri="{BB962C8B-B14F-4D97-AF65-F5344CB8AC3E}">
-        <p14:creationId xmlns:p14="http://schemas.microsoft.com/office/powerpoint/2010/main" val="620796105"/>
+        <p14:creationId xmlns:p14="http://schemas.microsoft.com/office/powerpoint/2010/main" val="90168761"/>
       </p:ext>
     </p:extLst>
   </p:cSld>
   <p:clrMapOvr>
     <a:masterClrMapping/>
   </p:clrMapOvr>
-  <p:timing>
-    <p:tnLst>
-      <p:par>
-        <p:cTn id="1" dur="indefinite" restart="never" nodeType="tmRoot"/>
-      </p:par>
-    </p:tnLst>
-  </p:timing>
+</p:sld>
+</file>
+
+<file path=ppt/slides/slide19.xml><?xml version="1.0" encoding="utf-8"?>
+<p:sld xmlns:a="http://schemas.openxmlformats.org/drawingml/2006/main" xmlns:r="http://schemas.openxmlformats.org/officeDocument/2006/relationships" xmlns:p="http://schemas.openxmlformats.org/presentationml/2006/main">
+  <p:cSld>
+    <p:spTree>
+      <p:nvGrpSpPr>
+        <p:cNvPr id="1" name=""/>
+        <p:cNvGrpSpPr/>
+        <p:nvPr/>
+      </p:nvGrpSpPr>
+      <p:grpSpPr>
+        <a:xfrm>
+          <a:off x="0" y="0"/>
+          <a:ext cx="0" cy="0"/>
+          <a:chOff x="0" y="0"/>
+          <a:chExt cx="0" cy="0"/>
+        </a:xfrm>
+      </p:grpSpPr>
+      <p:sp>
+        <p:nvSpPr>
+          <p:cNvPr id="2" name="Content Placeholder 1"/>
+          <p:cNvSpPr>
+            <a:spLocks noGrp="1"/>
+          </p:cNvSpPr>
+          <p:nvPr>
+            <p:ph idx="1"/>
+          </p:nvPr>
+        </p:nvSpPr>
+        <p:spPr/>
+        <p:txBody>
+          <a:bodyPr/>
+          <a:lstStyle/>
+          <a:p>
+            <a:r>
+              <a:rPr lang="en-US" dirty="0" smtClean="0"/>
+              <a:t>Selling software to users after purchase of device</a:t>
+            </a:r>
+          </a:p>
+          <a:p>
+            <a:pPr lvl="1"/>
+            <a:r>
+              <a:rPr lang="en-US" dirty="0" smtClean="0"/>
+              <a:t>Need to set up distribution network</a:t>
+            </a:r>
+          </a:p>
+          <a:p>
+            <a:pPr lvl="1"/>
+            <a:r>
+              <a:rPr lang="en-US" dirty="0" smtClean="0"/>
+              <a:t>Encourage third party development</a:t>
+            </a:r>
+          </a:p>
+          <a:p>
+            <a:pPr lvl="1"/>
+            <a:r>
+              <a:rPr lang="en-US" dirty="0" smtClean="0"/>
+              <a:t>Anti-piracy solutions</a:t>
+            </a:r>
+          </a:p>
+          <a:p>
+            <a:pPr lvl="1"/>
+            <a:endParaRPr lang="en-US" dirty="0"/>
+          </a:p>
+        </p:txBody>
+      </p:sp>
+      <p:sp>
+        <p:nvSpPr>
+          <p:cNvPr id="3" name="Title 2"/>
+          <p:cNvSpPr>
+            <a:spLocks noGrp="1"/>
+          </p:cNvSpPr>
+          <p:nvPr>
+            <p:ph type="title"/>
+          </p:nvPr>
+        </p:nvSpPr>
+        <p:spPr/>
+        <p:txBody>
+          <a:bodyPr/>
+          <a:lstStyle/>
+          <a:p>
+            <a:r>
+              <a:rPr lang="en-US" dirty="0" smtClean="0"/>
+              <a:t>Opportunities</a:t>
+            </a:r>
+            <a:endParaRPr lang="en-US" dirty="0"/>
+          </a:p>
+        </p:txBody>
+      </p:sp>
+    </p:spTree>
+    <p:extLst>
+      <p:ext uri="{BB962C8B-B14F-4D97-AF65-F5344CB8AC3E}">
+        <p14:creationId xmlns:p14="http://schemas.microsoft.com/office/powerpoint/2010/main" val="2759559370"/>
+      </p:ext>
+    </p:extLst>
+  </p:cSld>
+  <p:clrMapOvr>
+    <a:masterClrMapping/>
+  </p:clrMapOvr>
 </p:sld>
 </file>
 
@@ -12086,6 +13379,222 @@
     <p:extLst>
       <p:ext uri="{BB962C8B-B14F-4D97-AF65-F5344CB8AC3E}">
         <p14:creationId xmlns:p14="http://schemas.microsoft.com/office/powerpoint/2010/main" val="2465666251"/>
+      </p:ext>
+    </p:extLst>
+  </p:cSld>
+  <p:clrMapOvr>
+    <a:masterClrMapping/>
+  </p:clrMapOvr>
+  <p:timing>
+    <p:tnLst>
+      <p:par>
+        <p:cTn id="1" dur="indefinite" restart="never" nodeType="tmRoot"/>
+      </p:par>
+    </p:tnLst>
+  </p:timing>
+</p:sld>
+</file>
+
+<file path=ppt/slides/slide20.xml><?xml version="1.0" encoding="utf-8"?>
+<p:sld xmlns:a="http://schemas.openxmlformats.org/drawingml/2006/main" xmlns:r="http://schemas.openxmlformats.org/officeDocument/2006/relationships" xmlns:p="http://schemas.openxmlformats.org/presentationml/2006/main">
+  <p:cSld>
+    <p:spTree>
+      <p:nvGrpSpPr>
+        <p:cNvPr id="1" name=""/>
+        <p:cNvGrpSpPr/>
+        <p:nvPr/>
+      </p:nvGrpSpPr>
+      <p:grpSpPr>
+        <a:xfrm>
+          <a:off x="0" y="0"/>
+          <a:ext cx="0" cy="0"/>
+          <a:chOff x="0" y="0"/>
+          <a:chExt cx="0" cy="0"/>
+        </a:xfrm>
+      </p:grpSpPr>
+      <p:sp>
+        <p:nvSpPr>
+          <p:cNvPr id="2" name="Content Placeholder 1"/>
+          <p:cNvSpPr>
+            <a:spLocks noGrp="1"/>
+          </p:cNvSpPr>
+          <p:nvPr>
+            <p:ph idx="1"/>
+          </p:nvPr>
+        </p:nvSpPr>
+        <p:spPr/>
+        <p:txBody>
+          <a:bodyPr>
+            <a:normAutofit/>
+          </a:bodyPr>
+          <a:lstStyle/>
+          <a:p>
+            <a:r>
+              <a:rPr lang="en-US" sz="2400" dirty="0" smtClean="0"/>
+              <a:t>Continued software development</a:t>
+            </a:r>
+          </a:p>
+          <a:p>
+            <a:pPr lvl="1"/>
+            <a:r>
+              <a:rPr lang="en-US" sz="2000" dirty="0" smtClean="0"/>
+              <a:t>Improve calculation of head orientation</a:t>
+            </a:r>
+          </a:p>
+          <a:p>
+            <a:pPr lvl="1"/>
+            <a:r>
+              <a:rPr lang="en-US" sz="2000" dirty="0" smtClean="0"/>
+              <a:t>Improve filtering of GPS data</a:t>
+            </a:r>
+          </a:p>
+          <a:p>
+            <a:r>
+              <a:rPr lang="en-US" sz="2200" dirty="0"/>
+              <a:t>Migrate software to new motherboard</a:t>
+            </a:r>
+          </a:p>
+          <a:p>
+            <a:r>
+              <a:rPr lang="en-US" sz="2200" dirty="0" smtClean="0"/>
+              <a:t>Finalize packaging modifications for larger display</a:t>
+            </a:r>
+          </a:p>
+          <a:p>
+            <a:r>
+              <a:rPr lang="en-US" sz="2200" dirty="0" smtClean="0"/>
+              <a:t>Testing of new hardware</a:t>
+            </a:r>
+          </a:p>
+          <a:p>
+            <a:pPr lvl="1"/>
+            <a:r>
+              <a:rPr lang="en-US" sz="2000" dirty="0" smtClean="0"/>
+              <a:t>Battery power and charging</a:t>
+            </a:r>
+          </a:p>
+          <a:p>
+            <a:pPr lvl="1"/>
+            <a:r>
+              <a:rPr lang="en-US" sz="2000" dirty="0" smtClean="0"/>
+              <a:t>Interfacing of </a:t>
+            </a:r>
+            <a:r>
+              <a:rPr lang="en-US" sz="2000" dirty="0" err="1" smtClean="0"/>
+              <a:t>Terasic</a:t>
+            </a:r>
+            <a:r>
+              <a:rPr lang="en-US" sz="2000" dirty="0" smtClean="0"/>
+              <a:t> board with existing microcontroller</a:t>
+            </a:r>
+          </a:p>
+          <a:p>
+            <a:pPr lvl="1"/>
+            <a:r>
+              <a:rPr lang="en-US" sz="2000" dirty="0" smtClean="0"/>
+              <a:t>Display</a:t>
+            </a:r>
+          </a:p>
+        </p:txBody>
+      </p:sp>
+      <p:sp>
+        <p:nvSpPr>
+          <p:cNvPr id="3" name="Title 2"/>
+          <p:cNvSpPr>
+            <a:spLocks noGrp="1"/>
+          </p:cNvSpPr>
+          <p:nvPr>
+            <p:ph type="title"/>
+          </p:nvPr>
+        </p:nvSpPr>
+        <p:spPr/>
+        <p:txBody>
+          <a:bodyPr/>
+          <a:lstStyle/>
+          <a:p>
+            <a:r>
+              <a:rPr lang="en-US" dirty="0" smtClean="0"/>
+              <a:t>Recommendations and Next Steps</a:t>
+            </a:r>
+            <a:endParaRPr lang="en-US" dirty="0"/>
+          </a:p>
+        </p:txBody>
+      </p:sp>
+    </p:spTree>
+    <p:extLst>
+      <p:ext uri="{BB962C8B-B14F-4D97-AF65-F5344CB8AC3E}">
+        <p14:creationId xmlns:p14="http://schemas.microsoft.com/office/powerpoint/2010/main" val="2571464780"/>
+      </p:ext>
+    </p:extLst>
+  </p:cSld>
+  <p:clrMapOvr>
+    <a:masterClrMapping/>
+  </p:clrMapOvr>
+</p:sld>
+</file>
+
+<file path=ppt/slides/slide21.xml><?xml version="1.0" encoding="utf-8"?>
+<p:sld xmlns:a="http://schemas.openxmlformats.org/drawingml/2006/main" xmlns:r="http://schemas.openxmlformats.org/officeDocument/2006/relationships" xmlns:p="http://schemas.openxmlformats.org/presentationml/2006/main">
+  <p:cSld>
+    <p:spTree>
+      <p:nvGrpSpPr>
+        <p:cNvPr id="1" name=""/>
+        <p:cNvGrpSpPr/>
+        <p:nvPr/>
+      </p:nvGrpSpPr>
+      <p:grpSpPr>
+        <a:xfrm>
+          <a:off x="0" y="0"/>
+          <a:ext cx="0" cy="0"/>
+          <a:chOff x="0" y="0"/>
+          <a:chExt cx="0" cy="0"/>
+        </a:xfrm>
+      </p:grpSpPr>
+      <p:sp>
+        <p:nvSpPr>
+          <p:cNvPr id="2" name="Subtitle 1"/>
+          <p:cNvSpPr>
+            <a:spLocks noGrp="1"/>
+          </p:cNvSpPr>
+          <p:nvPr>
+            <p:ph type="subTitle" idx="1"/>
+          </p:nvPr>
+        </p:nvSpPr>
+        <p:spPr/>
+        <p:txBody>
+          <a:bodyPr/>
+          <a:lstStyle/>
+          <a:p>
+            <a:endParaRPr lang="en-US"/>
+          </a:p>
+        </p:txBody>
+      </p:sp>
+      <p:sp>
+        <p:nvSpPr>
+          <p:cNvPr id="3" name="Title 2"/>
+          <p:cNvSpPr>
+            <a:spLocks noGrp="1"/>
+          </p:cNvSpPr>
+          <p:nvPr>
+            <p:ph type="title"/>
+          </p:nvPr>
+        </p:nvSpPr>
+        <p:spPr/>
+        <p:txBody>
+          <a:bodyPr/>
+          <a:lstStyle/>
+          <a:p>
+            <a:r>
+              <a:rPr lang="en-US" dirty="0"/>
+              <a:t>Questions / Discussion</a:t>
+            </a:r>
+          </a:p>
+        </p:txBody>
+      </p:sp>
+    </p:spTree>
+    <p:extLst>
+      <p:ext uri="{BB962C8B-B14F-4D97-AF65-F5344CB8AC3E}">
+        <p14:creationId xmlns:p14="http://schemas.microsoft.com/office/powerpoint/2010/main" val="620796105"/>
       </p:ext>
     </p:extLst>
   </p:cSld>
@@ -12151,11 +13660,7 @@
             <a:pPr lvl="1"/>
             <a:r>
               <a:rPr lang="en-US" dirty="0" smtClean="0"/>
-              <a:t>Google Glass, </a:t>
-            </a:r>
-            <a:r>
-              <a:rPr lang="en-US" dirty="0" smtClean="0"/>
-              <a:t>Samsung </a:t>
+              <a:t>Google Glass, Samsung </a:t>
             </a:r>
             <a:r>
               <a:rPr lang="en-US" dirty="0"/>
@@ -12202,7 +13707,6 @@
               <a:rPr lang="en-US" dirty="0" smtClean="0"/>
               <a:t>Provide information</a:t>
             </a:r>
-            <a:endParaRPr lang="en-US" dirty="0" smtClean="0"/>
           </a:p>
           <a:p>
             <a:pPr lvl="1"/>
@@ -12217,7 +13721,6 @@
               <a:rPr lang="en-US" dirty="0" smtClean="0"/>
               <a:t>Decrease need for physical objects</a:t>
             </a:r>
-            <a:endParaRPr lang="en-US" dirty="0" smtClean="0"/>
           </a:p>
           <a:p>
             <a:r>
@@ -12397,11 +13900,7 @@
             <a:pPr lvl="1"/>
             <a:r>
               <a:rPr lang="en-US" sz="2200" dirty="0" smtClean="0"/>
-              <a:t>S</a:t>
-            </a:r>
-            <a:r>
-              <a:rPr lang="en-US" sz="2200" dirty="0" smtClean="0"/>
-              <a:t>how </a:t>
+              <a:t>Show </a:t>
             </a:r>
             <a:r>
               <a:rPr lang="en-US" sz="2200" dirty="0"/>
@@ -12451,23 +13950,7 @@
                   <a:srgbClr val="FF0000"/>
                 </a:solidFill>
               </a:rPr>
-              <a:t>laying </a:t>
-            </a:r>
-            <a:r>
-              <a:rPr lang="en-US" sz="2400" dirty="0" smtClean="0">
-                <a:solidFill>
-                  <a:srgbClr val="FF0000"/>
-                </a:solidFill>
-              </a:rPr>
-              <a:t>G</a:t>
-            </a:r>
-            <a:r>
-              <a:rPr lang="en-US" sz="2400" dirty="0" smtClean="0">
-                <a:solidFill>
-                  <a:srgbClr val="FF0000"/>
-                </a:solidFill>
-              </a:rPr>
-              <a:t>ames</a:t>
+              <a:t>laying Games</a:t>
             </a:r>
           </a:p>
           <a:p>
@@ -12492,11 +13975,7 @@
           <a:p>
             <a:r>
               <a:rPr lang="en-US" sz="2400" dirty="0" smtClean="0"/>
-              <a:t>Educational </a:t>
-            </a:r>
-            <a:r>
-              <a:rPr lang="en-US" sz="2400" dirty="0" smtClean="0"/>
-              <a:t>Demonstrations</a:t>
+              <a:t>Educational Demonstrations</a:t>
             </a:r>
           </a:p>
           <a:p>
@@ -12945,6 +14424,93 @@
           <a:lstStyle/>
           <a:p>
             <a:r>
+              <a:rPr lang="en-US" sz="8000" dirty="0" smtClean="0"/>
+              <a:t>PHASE 1</a:t>
+            </a:r>
+          </a:p>
+          <a:p>
+            <a:endParaRPr lang="en-US" sz="8000" dirty="0"/>
+          </a:p>
+          <a:p>
+            <a:r>
+              <a:rPr lang="en-US" sz="8000" dirty="0" smtClean="0"/>
+              <a:t>PHASE 2</a:t>
+            </a:r>
+            <a:endParaRPr lang="en-US" sz="8000" dirty="0"/>
+          </a:p>
+        </p:txBody>
+      </p:sp>
+      <p:sp>
+        <p:nvSpPr>
+          <p:cNvPr id="3" name="Title 2"/>
+          <p:cNvSpPr>
+            <a:spLocks noGrp="1"/>
+          </p:cNvSpPr>
+          <p:nvPr>
+            <p:ph type="title"/>
+          </p:nvPr>
+        </p:nvSpPr>
+        <p:spPr/>
+        <p:txBody>
+          <a:bodyPr/>
+          <a:lstStyle/>
+          <a:p>
+            <a:r>
+              <a:rPr lang="en-US" dirty="0" smtClean="0"/>
+              <a:t>Accomplishments To Date</a:t>
+            </a:r>
+            <a:endParaRPr lang="en-US" dirty="0"/>
+          </a:p>
+        </p:txBody>
+      </p:sp>
+    </p:spTree>
+    <p:extLst>
+      <p:ext uri="{BB962C8B-B14F-4D97-AF65-F5344CB8AC3E}">
+        <p14:creationId xmlns:p14="http://schemas.microsoft.com/office/powerpoint/2010/main" val="2966193515"/>
+      </p:ext>
+    </p:extLst>
+  </p:cSld>
+  <p:clrMapOvr>
+    <a:masterClrMapping/>
+  </p:clrMapOvr>
+</p:sld>
+</file>
+
+<file path=ppt/slides/slide8.xml><?xml version="1.0" encoding="utf-8"?>
+<p:sld xmlns:a="http://schemas.openxmlformats.org/drawingml/2006/main" xmlns:r="http://schemas.openxmlformats.org/officeDocument/2006/relationships" xmlns:p="http://schemas.openxmlformats.org/presentationml/2006/main">
+  <p:cSld>
+    <p:spTree>
+      <p:nvGrpSpPr>
+        <p:cNvPr id="1" name=""/>
+        <p:cNvGrpSpPr/>
+        <p:nvPr/>
+      </p:nvGrpSpPr>
+      <p:grpSpPr>
+        <a:xfrm>
+          <a:off x="0" y="0"/>
+          <a:ext cx="0" cy="0"/>
+          <a:chOff x="0" y="0"/>
+          <a:chExt cx="0" cy="0"/>
+        </a:xfrm>
+      </p:grpSpPr>
+      <p:sp>
+        <p:nvSpPr>
+          <p:cNvPr id="2" name="Content Placeholder 1"/>
+          <p:cNvSpPr>
+            <a:spLocks noGrp="1"/>
+          </p:cNvSpPr>
+          <p:nvPr>
+            <p:ph idx="1"/>
+          </p:nvPr>
+        </p:nvSpPr>
+        <p:spPr/>
+        <p:txBody>
+          <a:bodyPr>
+            <a:normAutofit/>
+          </a:bodyPr>
+          <a:lstStyle/>
+          <a:p>
+            <a:r>
               <a:rPr lang="en-US" sz="2400" dirty="0" smtClean="0"/>
               <a:t>Hardware</a:t>
             </a:r>
@@ -13068,7 +14634,7 @@
 </p:sld>
 </file>
 
-<file path=ppt/slides/slide8.xml><?xml version="1.0" encoding="utf-8"?>
+<file path=ppt/slides/slide9.xml><?xml version="1.0" encoding="utf-8"?>
 <p:sld xmlns:a="http://schemas.openxmlformats.org/drawingml/2006/main" xmlns:r="http://schemas.openxmlformats.org/officeDocument/2006/relationships" xmlns:p="http://schemas.openxmlformats.org/presentationml/2006/main">
   <p:cSld>
     <p:spTree>
@@ -13272,420 +14838,6 @@
     <p:extLst>
       <p:ext uri="{BB962C8B-B14F-4D97-AF65-F5344CB8AC3E}">
         <p14:creationId xmlns:p14="http://schemas.microsoft.com/office/powerpoint/2010/main" val="675942081"/>
-      </p:ext>
-    </p:extLst>
-  </p:cSld>
-  <p:clrMapOvr>
-    <a:masterClrMapping/>
-  </p:clrMapOvr>
-  <p:timing>
-    <p:tnLst>
-      <p:par>
-        <p:cTn id="1" dur="indefinite" restart="never" nodeType="tmRoot"/>
-      </p:par>
-    </p:tnLst>
-  </p:timing>
-</p:sld>
-</file>
-
-<file path=ppt/slides/slide9.xml><?xml version="1.0" encoding="utf-8"?>
-<p:sld xmlns:a="http://schemas.openxmlformats.org/drawingml/2006/main" xmlns:r="http://schemas.openxmlformats.org/officeDocument/2006/relationships" xmlns:p="http://schemas.openxmlformats.org/presentationml/2006/main">
-  <p:cSld>
-    <p:spTree>
-      <p:nvGrpSpPr>
-        <p:cNvPr id="1" name=""/>
-        <p:cNvGrpSpPr/>
-        <p:nvPr/>
-      </p:nvGrpSpPr>
-      <p:grpSpPr>
-        <a:xfrm>
-          <a:off x="0" y="0"/>
-          <a:ext cx="0" cy="0"/>
-          <a:chOff x="0" y="0"/>
-          <a:chExt cx="0" cy="0"/>
-        </a:xfrm>
-      </p:grpSpPr>
-      <p:sp>
-        <p:nvSpPr>
-          <p:cNvPr id="3" name="Title 2"/>
-          <p:cNvSpPr>
-            <a:spLocks noGrp="1"/>
-          </p:cNvSpPr>
-          <p:nvPr>
-            <p:ph type="title"/>
-          </p:nvPr>
-        </p:nvSpPr>
-        <p:spPr/>
-        <p:txBody>
-          <a:bodyPr/>
-          <a:lstStyle/>
-          <a:p>
-            <a:r>
-              <a:rPr lang="en-US" dirty="0"/>
-              <a:t>Accomplishments To </a:t>
-            </a:r>
-            <a:r>
-              <a:rPr lang="en-US" dirty="0" smtClean="0"/>
-              <a:t>Date (Pha1)</a:t>
-            </a:r>
-            <a:endParaRPr lang="en-US" dirty="0"/>
-          </a:p>
-        </p:txBody>
-      </p:sp>
-      <p:graphicFrame>
-        <p:nvGraphicFramePr>
-          <p:cNvPr id="6" name="Content Placeholder 5"/>
-          <p:cNvGraphicFramePr>
-            <a:graphicFrameLocks noGrp="1"/>
-          </p:cNvGraphicFramePr>
-          <p:nvPr>
-            <p:ph idx="1"/>
-            <p:extLst>
-              <p:ext uri="{D42A27DB-BD31-4B8C-83A1-F6EECF244321}">
-                <p14:modId xmlns:p14="http://schemas.microsoft.com/office/powerpoint/2010/main" val="995713166"/>
-              </p:ext>
-            </p:extLst>
-          </p:nvPr>
-        </p:nvGraphicFramePr>
-        <p:xfrm>
-          <a:off x="381000" y="1524000"/>
-          <a:ext cx="8407401" cy="2595880"/>
-        </p:xfrm>
-        <a:graphic>
-          <a:graphicData uri="http://schemas.openxmlformats.org/drawingml/2006/table">
-            <a:tbl>
-              <a:tblPr firstRow="1" bandRow="1">
-                <a:tableStyleId>{5C22544A-7EE6-4342-B048-85BDC9FD1C3A}</a:tableStyleId>
-              </a:tblPr>
-              <a:tblGrid>
-                <a:gridCol w="2802467"/>
-                <a:gridCol w="2802467"/>
-                <a:gridCol w="2802467"/>
-              </a:tblGrid>
-              <a:tr h="370840">
-                <a:tc>
-                  <a:txBody>
-                    <a:bodyPr/>
-                    <a:lstStyle/>
-                    <a:p>
-                      <a:r>
-                        <a:rPr lang="en-US" dirty="0" smtClean="0"/>
-                        <a:t>Performance Metric</a:t>
-                      </a:r>
-                      <a:endParaRPr lang="en-US" dirty="0"/>
-                    </a:p>
-                  </a:txBody>
-                  <a:tcPr/>
-                </a:tc>
-                <a:tc>
-                  <a:txBody>
-                    <a:bodyPr/>
-                    <a:lstStyle/>
-                    <a:p>
-                      <a:r>
-                        <a:rPr lang="en-US" dirty="0" smtClean="0"/>
-                        <a:t>Phase</a:t>
-                      </a:r>
-                      <a:r>
-                        <a:rPr lang="en-US" baseline="0" dirty="0" smtClean="0"/>
-                        <a:t> One</a:t>
-                      </a:r>
-                      <a:endParaRPr lang="en-US" dirty="0"/>
-                    </a:p>
-                  </a:txBody>
-                  <a:tcPr/>
-                </a:tc>
-                <a:tc>
-                  <a:txBody>
-                    <a:bodyPr/>
-                    <a:lstStyle/>
-                    <a:p>
-                      <a:r>
-                        <a:rPr lang="en-US" dirty="0" smtClean="0"/>
-                        <a:t>Target</a:t>
-                      </a:r>
-                      <a:endParaRPr lang="en-US" dirty="0"/>
-                    </a:p>
-                  </a:txBody>
-                  <a:tcPr/>
-                </a:tc>
-              </a:tr>
-              <a:tr h="370840">
-                <a:tc>
-                  <a:txBody>
-                    <a:bodyPr/>
-                    <a:lstStyle/>
-                    <a:p>
-                      <a:r>
-                        <a:rPr lang="en-US" dirty="0" smtClean="0"/>
-                        <a:t>Weight</a:t>
-                      </a:r>
-                      <a:endParaRPr lang="en-US" dirty="0"/>
-                    </a:p>
-                  </a:txBody>
-                  <a:tcPr/>
-                </a:tc>
-                <a:tc>
-                  <a:txBody>
-                    <a:bodyPr/>
-                    <a:lstStyle/>
-                    <a:p>
-                      <a:r>
-                        <a:rPr lang="en-US" dirty="0" smtClean="0"/>
-                        <a:t>2 kg [???]</a:t>
-                      </a:r>
-                      <a:endParaRPr lang="en-US" dirty="0"/>
-                    </a:p>
-                  </a:txBody>
-                  <a:tcPr/>
-                </a:tc>
-                <a:tc>
-                  <a:txBody>
-                    <a:bodyPr/>
-                    <a:lstStyle/>
-                    <a:p>
-                      <a:r>
-                        <a:rPr lang="en-US" dirty="0" smtClean="0"/>
-                        <a:t>4 kg</a:t>
-                      </a:r>
-                      <a:endParaRPr lang="en-US" dirty="0"/>
-                    </a:p>
-                  </a:txBody>
-                  <a:tcPr/>
-                </a:tc>
-              </a:tr>
-              <a:tr h="370840">
-                <a:tc>
-                  <a:txBody>
-                    <a:bodyPr/>
-                    <a:lstStyle/>
-                    <a:p>
-                      <a:r>
-                        <a:rPr lang="en-US" dirty="0" smtClean="0"/>
-                        <a:t>Battery life</a:t>
-                      </a:r>
-                      <a:endParaRPr lang="en-US" dirty="0"/>
-                    </a:p>
-                  </a:txBody>
-                  <a:tcPr/>
-                </a:tc>
-                <a:tc>
-                  <a:txBody>
-                    <a:bodyPr/>
-                    <a:lstStyle/>
-                    <a:p>
-                      <a:r>
-                        <a:rPr lang="en-US" dirty="0" smtClean="0"/>
-                        <a:t>3 hours</a:t>
-                      </a:r>
-                      <a:endParaRPr lang="en-US" dirty="0"/>
-                    </a:p>
-                  </a:txBody>
-                  <a:tcPr/>
-                </a:tc>
-                <a:tc>
-                  <a:txBody>
-                    <a:bodyPr/>
-                    <a:lstStyle/>
-                    <a:p>
-                      <a:r>
-                        <a:rPr lang="en-US" dirty="0" smtClean="0"/>
-                        <a:t>5 hours</a:t>
-                      </a:r>
-                      <a:endParaRPr lang="en-US" dirty="0"/>
-                    </a:p>
-                  </a:txBody>
-                  <a:tcPr/>
-                </a:tc>
-              </a:tr>
-              <a:tr h="370840">
-                <a:tc>
-                  <a:txBody>
-                    <a:bodyPr/>
-                    <a:lstStyle/>
-                    <a:p>
-                      <a:r>
-                        <a:rPr lang="en-US" dirty="0" err="1" smtClean="0"/>
-                        <a:t>Framerate</a:t>
-                      </a:r>
-                      <a:endParaRPr lang="en-US" dirty="0"/>
-                    </a:p>
-                  </a:txBody>
-                  <a:tcPr/>
-                </a:tc>
-                <a:tc>
-                  <a:txBody>
-                    <a:bodyPr/>
-                    <a:lstStyle/>
-                    <a:p>
-                      <a:r>
-                        <a:rPr lang="en-US" dirty="0" smtClean="0"/>
-                        <a:t>30 FPS</a:t>
-                      </a:r>
-                      <a:endParaRPr lang="en-US" dirty="0"/>
-                    </a:p>
-                  </a:txBody>
-                  <a:tcPr/>
-                </a:tc>
-                <a:tc>
-                  <a:txBody>
-                    <a:bodyPr/>
-                    <a:lstStyle/>
-                    <a:p>
-                      <a:r>
-                        <a:rPr lang="en-US" dirty="0" smtClean="0"/>
-                        <a:t>60 FPS</a:t>
-                      </a:r>
-                      <a:endParaRPr lang="en-US" dirty="0"/>
-                    </a:p>
-                  </a:txBody>
-                  <a:tcPr/>
-                </a:tc>
-              </a:tr>
-              <a:tr h="370840">
-                <a:tc>
-                  <a:txBody>
-                    <a:bodyPr/>
-                    <a:lstStyle/>
-                    <a:p>
-                      <a:r>
-                        <a:rPr lang="en-US" dirty="0" smtClean="0"/>
-                        <a:t>Head tracking Latency</a:t>
-                      </a:r>
-                      <a:endParaRPr lang="en-US" dirty="0"/>
-                    </a:p>
-                  </a:txBody>
-                  <a:tcPr/>
-                </a:tc>
-                <a:tc>
-                  <a:txBody>
-                    <a:bodyPr/>
-                    <a:lstStyle/>
-                    <a:p>
-                      <a:r>
-                        <a:rPr lang="en-US" dirty="0" smtClean="0"/>
-                        <a:t>[???]</a:t>
-                      </a:r>
-                      <a:endParaRPr lang="en-US" dirty="0"/>
-                    </a:p>
-                  </a:txBody>
-                  <a:tcPr/>
-                </a:tc>
-                <a:tc>
-                  <a:txBody>
-                    <a:bodyPr/>
-                    <a:lstStyle/>
-                    <a:p>
-                      <a:r>
-                        <a:rPr lang="en-US" dirty="0" smtClean="0"/>
-                        <a:t>60 </a:t>
-                      </a:r>
-                      <a:r>
-                        <a:rPr lang="en-US" dirty="0" err="1" smtClean="0"/>
-                        <a:t>ms</a:t>
-                      </a:r>
-                      <a:endParaRPr lang="en-US" dirty="0"/>
-                    </a:p>
-                  </a:txBody>
-                  <a:tcPr/>
-                </a:tc>
-              </a:tr>
-              <a:tr h="370840">
-                <a:tc>
-                  <a:txBody>
-                    <a:bodyPr/>
-                    <a:lstStyle/>
-                    <a:p>
-                      <a:r>
-                        <a:rPr lang="en-US" dirty="0" smtClean="0"/>
-                        <a:t>Location accuracy</a:t>
-                      </a:r>
-                      <a:endParaRPr lang="en-US" dirty="0"/>
-                    </a:p>
-                  </a:txBody>
-                  <a:tcPr/>
-                </a:tc>
-                <a:tc>
-                  <a:txBody>
-                    <a:bodyPr/>
-                    <a:lstStyle/>
-                    <a:p>
-                      <a:endParaRPr lang="en-US" dirty="0"/>
-                    </a:p>
-                  </a:txBody>
-                  <a:tcPr/>
-                </a:tc>
-                <a:tc>
-                  <a:txBody>
-                    <a:bodyPr/>
-                    <a:lstStyle/>
-                    <a:p>
-                      <a:endParaRPr lang="en-US"/>
-                    </a:p>
-                  </a:txBody>
-                  <a:tcPr/>
-                </a:tc>
-              </a:tr>
-              <a:tr h="370840">
-                <a:tc>
-                  <a:txBody>
-                    <a:bodyPr/>
-                    <a:lstStyle/>
-                    <a:p>
-                      <a:r>
-                        <a:rPr lang="en-US" dirty="0" smtClean="0"/>
-                        <a:t>Display</a:t>
-                      </a:r>
-                      <a:r>
-                        <a:rPr lang="en-US" baseline="0" dirty="0" smtClean="0"/>
-                        <a:t> Brightness</a:t>
-                      </a:r>
-                      <a:endParaRPr lang="en-US" dirty="0"/>
-                    </a:p>
-                  </a:txBody>
-                  <a:tcPr/>
-                </a:tc>
-                <a:tc>
-                  <a:txBody>
-                    <a:bodyPr/>
-                    <a:lstStyle/>
-                    <a:p>
-                      <a:r>
-                        <a:rPr lang="en-US" dirty="0" smtClean="0"/>
-                        <a:t>200</a:t>
-                      </a:r>
-                      <a:r>
-                        <a:rPr lang="en-US" baseline="0" dirty="0" smtClean="0"/>
-                        <a:t> nits</a:t>
-                      </a:r>
-                      <a:endParaRPr lang="en-US" dirty="0"/>
-                    </a:p>
-                  </a:txBody>
-                  <a:tcPr/>
-                </a:tc>
-                <a:tc>
-                  <a:txBody>
-                    <a:bodyPr/>
-                    <a:lstStyle/>
-                    <a:p>
-                      <a:r>
-                        <a:rPr lang="en-US" dirty="0" smtClean="0"/>
-                        <a:t>300 nits</a:t>
-                      </a:r>
-                      <a:endParaRPr lang="en-US" dirty="0"/>
-                    </a:p>
-                  </a:txBody>
-                  <a:tcPr/>
-                </a:tc>
-              </a:tr>
-            </a:tbl>
-          </a:graphicData>
-        </a:graphic>
-      </p:graphicFrame>
-    </p:spTree>
-    <p:extLst>
-      <p:ext uri="{BB962C8B-B14F-4D97-AF65-F5344CB8AC3E}">
-        <p14:creationId xmlns:p14="http://schemas.microsoft.com/office/powerpoint/2010/main" val="4108778072"/>
       </p:ext>
     </p:extLst>
   </p:cSld>
@@ -14476,7 +15628,7 @@
   <a:extraClrSchemeLst/>
   <a:extLst>
     <a:ext uri="{05A4C25C-085E-4340-85A3-A5531E510DB2}">
-      <thm15:themeFamily xmlns="" xmlns:thm15="http://schemas.microsoft.com/office/thememl/2012/main" name="Office Theme" id="{62F939B6-93AF-4DB8-9C6B-D6C7DFDC589F}" vid="{4A3C46E8-61CC-4603-A589-7422A47A8E4A}"/>
+      <thm15:themeFamily xmlns:thm15="http://schemas.microsoft.com/office/thememl/2012/main" xmlns="" name="Office Theme" id="{62F939B6-93AF-4DB8-9C6B-D6C7DFDC589F}" vid="{4A3C46E8-61CC-4603-A589-7422A47A8E4A}"/>
     </a:ext>
   </a:extLst>
 </a:theme>

--- a/doc/AugRealityMidReview.pptx
+++ b/doc/AugRealityMidReview.pptx
@@ -6,7 +6,7 @@
     <p:sldMasterId id="2147483708" r:id="rId2"/>
   </p:sldMasterIdLst>
   <p:notesMasterIdLst>
-    <p:notesMasterId r:id="rId24"/>
+    <p:notesMasterId r:id="rId26"/>
   </p:notesMasterIdLst>
   <p:sldIdLst>
     <p:sldId id="256" r:id="rId3"/>
@@ -30,6 +30,8 @@
     <p:sldId id="283" r:id="rId21"/>
     <p:sldId id="274" r:id="rId22"/>
     <p:sldId id="267" r:id="rId23"/>
+    <p:sldId id="290" r:id="rId24"/>
+    <p:sldId id="291" r:id="rId25"/>
   </p:sldIdLst>
   <p:sldSz cx="9144000" cy="6858000" type="screen4x3"/>
   <p:notesSz cx="6858000" cy="9144000"/>
@@ -130,7 +132,7 @@
   </p:defaultTextStyle>
   <p:extLst>
     <p:ext uri="{EFAFB233-063F-42B5-8137-9DF3F51BA10A}">
-      <p15:sldGuideLst xmlns:p15="http://schemas.microsoft.com/office/powerpoint/2012/main" xmlns="">
+      <p15:sldGuideLst xmlns:p15="http://schemas.microsoft.com/office/powerpoint/2012/main">
         <p15:guide id="1" orient="horz" pos="2160">
           <p15:clr>
             <a:srgbClr val="A4A3A4"/>
@@ -9436,6 +9438,13 @@
   <p:clrMapOvr>
     <a:masterClrMapping/>
   </p:clrMapOvr>
+  <p:timing>
+    <p:tnLst>
+      <p:par>
+        <p:cTn id="1" dur="indefinite" restart="never" nodeType="tmRoot"/>
+      </p:par>
+    </p:tnLst>
+  </p:timing>
 </p:sld>
 </file>
 
@@ -9665,6 +9674,13 @@
   <p:clrMapOvr>
     <a:masterClrMapping/>
   </p:clrMapOvr>
+  <p:timing>
+    <p:tnLst>
+      <p:par>
+        <p:cTn id="1" dur="indefinite" restart="never" nodeType="tmRoot"/>
+      </p:par>
+    </p:tnLst>
+  </p:timing>
 </p:sld>
 </file>
 
@@ -9917,11 +9933,7 @@
           <a:p>
             <a:r>
               <a:rPr lang="en-US" dirty="0" smtClean="0"/>
-              <a:t>Execution overview – </a:t>
-            </a:r>
-            <a:r>
-              <a:rPr lang="en-US" dirty="0" smtClean="0"/>
-              <a:t>Timeline 2/3</a:t>
+              <a:t>Execution overview – Timeline 2/3</a:t>
             </a:r>
             <a:endParaRPr lang="en-US" dirty="0"/>
           </a:p>
@@ -13611,6 +13623,184 @@
 </p:sld>
 </file>
 
+<file path=ppt/slides/slide22.xml><?xml version="1.0" encoding="utf-8"?>
+<p:sld xmlns:a="http://schemas.openxmlformats.org/drawingml/2006/main" xmlns:r="http://schemas.openxmlformats.org/officeDocument/2006/relationships" xmlns:p="http://schemas.openxmlformats.org/presentationml/2006/main">
+  <p:cSld>
+    <p:spTree>
+      <p:nvGrpSpPr>
+        <p:cNvPr id="1" name=""/>
+        <p:cNvGrpSpPr/>
+        <p:nvPr/>
+      </p:nvGrpSpPr>
+      <p:grpSpPr>
+        <a:xfrm>
+          <a:off x="0" y="0"/>
+          <a:ext cx="0" cy="0"/>
+          <a:chOff x="0" y="0"/>
+          <a:chExt cx="0" cy="0"/>
+        </a:xfrm>
+      </p:grpSpPr>
+      <p:pic>
+        <p:nvPicPr>
+          <p:cNvPr id="4" name="Content Placeholder 3"/>
+          <p:cNvPicPr>
+            <a:picLocks noGrp="1" noChangeAspect="1"/>
+          </p:cNvPicPr>
+          <p:nvPr>
+            <p:ph idx="1"/>
+          </p:nvPr>
+        </p:nvPicPr>
+        <p:blipFill>
+          <a:blip r:embed="rId2" cstate="print">
+            <a:extLst>
+              <a:ext uri="{28A0092B-C50C-407E-A947-70E740481C1C}">
+                <a14:useLocalDpi xmlns:a14="http://schemas.microsoft.com/office/drawing/2010/main" val="0"/>
+              </a:ext>
+            </a:extLst>
+          </a:blip>
+          <a:stretch>
+            <a:fillRect/>
+          </a:stretch>
+        </p:blipFill>
+        <p:spPr>
+          <a:xfrm>
+            <a:off x="1637930" y="1371600"/>
+            <a:ext cx="5867400" cy="5319954"/>
+          </a:xfrm>
+        </p:spPr>
+      </p:pic>
+      <p:sp>
+        <p:nvSpPr>
+          <p:cNvPr id="3" name="Title 2"/>
+          <p:cNvSpPr>
+            <a:spLocks noGrp="1"/>
+          </p:cNvSpPr>
+          <p:nvPr>
+            <p:ph type="title"/>
+          </p:nvPr>
+        </p:nvSpPr>
+        <p:spPr/>
+        <p:txBody>
+          <a:bodyPr/>
+          <a:lstStyle/>
+          <a:p>
+            <a:r>
+              <a:rPr lang="en-US" dirty="0" smtClean="0"/>
+              <a:t>PCB</a:t>
+            </a:r>
+            <a:endParaRPr lang="en-US" dirty="0"/>
+          </a:p>
+        </p:txBody>
+      </p:sp>
+    </p:spTree>
+    <p:extLst>
+      <p:ext uri="{BB962C8B-B14F-4D97-AF65-F5344CB8AC3E}">
+        <p14:creationId xmlns:p14="http://schemas.microsoft.com/office/powerpoint/2010/main" val="2623386836"/>
+      </p:ext>
+    </p:extLst>
+  </p:cSld>
+  <p:clrMapOvr>
+    <a:masterClrMapping/>
+  </p:clrMapOvr>
+  <p:timing>
+    <p:tnLst>
+      <p:par>
+        <p:cTn id="1" dur="indefinite" restart="never" nodeType="tmRoot"/>
+      </p:par>
+    </p:tnLst>
+  </p:timing>
+</p:sld>
+</file>
+
+<file path=ppt/slides/slide23.xml><?xml version="1.0" encoding="utf-8"?>
+<p:sld xmlns:a="http://schemas.openxmlformats.org/drawingml/2006/main" xmlns:r="http://schemas.openxmlformats.org/officeDocument/2006/relationships" xmlns:p="http://schemas.openxmlformats.org/presentationml/2006/main">
+  <p:cSld>
+    <p:spTree>
+      <p:nvGrpSpPr>
+        <p:cNvPr id="1" name=""/>
+        <p:cNvGrpSpPr/>
+        <p:nvPr/>
+      </p:nvGrpSpPr>
+      <p:grpSpPr>
+        <a:xfrm>
+          <a:off x="0" y="0"/>
+          <a:ext cx="0" cy="0"/>
+          <a:chOff x="0" y="0"/>
+          <a:chExt cx="0" cy="0"/>
+        </a:xfrm>
+      </p:grpSpPr>
+      <p:pic>
+        <p:nvPicPr>
+          <p:cNvPr id="4" name="Content Placeholder 3"/>
+          <p:cNvPicPr>
+            <a:picLocks noGrp="1" noChangeAspect="1"/>
+          </p:cNvPicPr>
+          <p:nvPr>
+            <p:ph idx="1"/>
+          </p:nvPr>
+        </p:nvPicPr>
+        <p:blipFill>
+          <a:blip r:embed="rId2" cstate="print">
+            <a:extLst>
+              <a:ext uri="{28A0092B-C50C-407E-A947-70E740481C1C}">
+                <a14:useLocalDpi xmlns:a14="http://schemas.microsoft.com/office/drawing/2010/main" val="0"/>
+              </a:ext>
+            </a:extLst>
+          </a:blip>
+          <a:stretch>
+            <a:fillRect/>
+          </a:stretch>
+        </p:blipFill>
+        <p:spPr>
+          <a:xfrm>
+            <a:off x="685800" y="1371600"/>
+            <a:ext cx="7696570" cy="5304242"/>
+          </a:xfrm>
+        </p:spPr>
+      </p:pic>
+      <p:sp>
+        <p:nvSpPr>
+          <p:cNvPr id="3" name="Title 2"/>
+          <p:cNvSpPr>
+            <a:spLocks noGrp="1"/>
+          </p:cNvSpPr>
+          <p:nvPr>
+            <p:ph type="title"/>
+          </p:nvPr>
+        </p:nvSpPr>
+        <p:spPr/>
+        <p:txBody>
+          <a:bodyPr/>
+          <a:lstStyle/>
+          <a:p>
+            <a:r>
+              <a:rPr lang="en-US" dirty="0" smtClean="0"/>
+              <a:t>Schematic</a:t>
+            </a:r>
+            <a:endParaRPr lang="en-US" dirty="0"/>
+          </a:p>
+        </p:txBody>
+      </p:sp>
+    </p:spTree>
+    <p:extLst>
+      <p:ext uri="{BB962C8B-B14F-4D97-AF65-F5344CB8AC3E}">
+        <p14:creationId xmlns:p14="http://schemas.microsoft.com/office/powerpoint/2010/main" val="1278752022"/>
+      </p:ext>
+    </p:extLst>
+  </p:cSld>
+  <p:clrMapOvr>
+    <a:masterClrMapping/>
+  </p:clrMapOvr>
+  <p:timing>
+    <p:tnLst>
+      <p:par>
+        <p:cTn id="1" dur="indefinite" restart="never" nodeType="tmRoot"/>
+      </p:par>
+    </p:tnLst>
+  </p:timing>
+</p:sld>
+</file>
+
 <file path=ppt/slides/slide3.xml><?xml version="1.0" encoding="utf-8"?>
 <p:sld xmlns:a="http://schemas.openxmlformats.org/drawingml/2006/main" xmlns:r="http://schemas.openxmlformats.org/officeDocument/2006/relationships" xmlns:p="http://schemas.openxmlformats.org/presentationml/2006/main">
   <p:cSld>
@@ -13829,6 +14019,13 @@
   <p:clrMapOvr>
     <a:masterClrMapping/>
   </p:clrMapOvr>
+  <p:timing>
+    <p:tnLst>
+      <p:par>
+        <p:cTn id="1" dur="indefinite" restart="never" nodeType="tmRoot"/>
+      </p:par>
+    </p:tnLst>
+  </p:timing>
 </p:sld>
 </file>
 
@@ -14316,6 +14513,13 @@
   <p:clrMapOvr>
     <a:masterClrMapping/>
   </p:clrMapOvr>
+  <p:timing>
+    <p:tnLst>
+      <p:par>
+        <p:cTn id="1" dur="indefinite" restart="never" nodeType="tmRoot"/>
+      </p:par>
+    </p:tnLst>
+  </p:timing>
 </p:sld>
 </file>
 
@@ -14386,6 +14590,13 @@
   <p:clrMapOvr>
     <a:masterClrMapping/>
   </p:clrMapOvr>
+  <p:timing>
+    <p:tnLst>
+      <p:par>
+        <p:cTn id="1" dur="indefinite" restart="never" nodeType="tmRoot"/>
+      </p:par>
+    </p:tnLst>
+  </p:timing>
 </p:sld>
 </file>
 
@@ -14473,6 +14684,13 @@
   <p:clrMapOvr>
     <a:masterClrMapping/>
   </p:clrMapOvr>
+  <p:timing>
+    <p:tnLst>
+      <p:par>
+        <p:cTn id="1" dur="indefinite" restart="never" nodeType="tmRoot"/>
+      </p:par>
+    </p:tnLst>
+  </p:timing>
 </p:sld>
 </file>
 
@@ -14631,6 +14849,13 @@
   <p:clrMapOvr>
     <a:masterClrMapping/>
   </p:clrMapOvr>
+  <p:timing>
+    <p:tnLst>
+      <p:par>
+        <p:cTn id="1" dur="indefinite" restart="never" nodeType="tmRoot"/>
+      </p:par>
+    </p:tnLst>
+  </p:timing>
 </p:sld>
 </file>
 
@@ -15628,7 +15853,7 @@
   <a:extraClrSchemeLst/>
   <a:extLst>
     <a:ext uri="{05A4C25C-085E-4340-85A3-A5531E510DB2}">
-      <thm15:themeFamily xmlns:thm15="http://schemas.microsoft.com/office/thememl/2012/main" xmlns="" name="Office Theme" id="{62F939B6-93AF-4DB8-9C6B-D6C7DFDC589F}" vid="{4A3C46E8-61CC-4603-A589-7422A47A8E4A}"/>
+      <thm15:themeFamily xmlns:thm15="http://schemas.microsoft.com/office/thememl/2012/main" name="Office Theme" id="{62F939B6-93AF-4DB8-9C6B-D6C7DFDC589F}" vid="{4A3C46E8-61CC-4603-A589-7422A47A8E4A}"/>
     </a:ext>
   </a:extLst>
 </a:theme>

--- a/doc/AugRealityMidReview.pptx
+++ b/doc/AugRealityMidReview.pptx
@@ -131,7 +131,7 @@
   </p:defaultTextStyle>
   <p:extLst>
     <p:ext uri="{EFAFB233-063F-42B5-8137-9DF3F51BA10A}">
-      <p15:sldGuideLst xmlns:p15="http://schemas.microsoft.com/office/powerpoint/2012/main" xmlns="">
+      <p15:sldGuideLst xmlns="" xmlns:p15="http://schemas.microsoft.com/office/powerpoint/2012/main">
         <p15:guide id="1" orient="horz" pos="2160">
           <p15:clr>
             <a:srgbClr val="A4A3A4"/>
@@ -7579,22 +7579,22 @@
           <a:lstStyle/>
           <a:p>
             <a:r>
-              <a:rPr lang="en-US" dirty="0" smtClean="0"/>
+              <a:rPr lang="en-US" sz="1600" dirty="0" smtClean="0"/>
               <a:t>Stephen Carlson</a:t>
             </a:r>
           </a:p>
           <a:p>
             <a:r>
-              <a:rPr lang="en-US" dirty="0" smtClean="0"/>
+              <a:rPr lang="en-US" sz="1600" dirty="0" smtClean="0"/>
               <a:t>Stephen Ellis</a:t>
             </a:r>
           </a:p>
           <a:p>
             <a:r>
-              <a:rPr lang="en-US" dirty="0" smtClean="0"/>
+              <a:rPr lang="en-US" sz="1600" dirty="0" smtClean="0"/>
               <a:t>Thor Smith</a:t>
             </a:r>
-            <a:endParaRPr lang="en-US" dirty="0"/>
+            <a:endParaRPr lang="en-US" sz="1600" dirty="0"/>
           </a:p>
         </p:txBody>
       </p:sp>
@@ -7898,14 +7898,14 @@
             <p:ph idx="1"/>
             <p:extLst>
               <p:ext uri="{D42A27DB-BD31-4B8C-83A1-F6EECF244321}">
-                <p14:modId xmlns:p14="http://schemas.microsoft.com/office/powerpoint/2010/main" val="4103441069"/>
+                <p14:modId xmlns:p14="http://schemas.microsoft.com/office/powerpoint/2010/main" val="1173024867"/>
               </p:ext>
             </p:extLst>
           </p:nvPr>
         </p:nvGraphicFramePr>
         <p:xfrm>
           <a:off x="152400" y="1173729"/>
-          <a:ext cx="8839201" cy="5531871"/>
+          <a:ext cx="8821039" cy="5166111"/>
         </p:xfrm>
         <a:graphic>
           <a:graphicData uri="http://schemas.openxmlformats.org/drawingml/2006/table">
@@ -7914,10 +7914,10 @@
                 <a:tableStyleId>{5C22544A-7EE6-4342-B048-85BDC9FD1C3A}</a:tableStyleId>
               </a:tblPr>
               <a:tblGrid>
-                <a:gridCol w="762000"/>
-                <a:gridCol w="1295400"/>
-                <a:gridCol w="3259214"/>
-                <a:gridCol w="3522587"/>
+                <a:gridCol w="1905000"/>
+                <a:gridCol w="1929447"/>
+                <a:gridCol w="2566353"/>
+                <a:gridCol w="2420239"/>
               </a:tblGrid>
               <a:tr h="209488">
                 <a:tc>
@@ -7934,12 +7934,12 @@
                         </a:spcAft>
                       </a:pPr>
                       <a:r>
-                        <a:rPr lang="en-US" sz="1200" dirty="0">
+                        <a:rPr lang="en-US" sz="1600" dirty="0">
                           <a:effectLst/>
                         </a:rPr>
                         <a:t>Metric</a:t>
                       </a:r>
-                      <a:endParaRPr lang="en-US" sz="1200" dirty="0">
+                      <a:endParaRPr lang="en-US" sz="1600" dirty="0">
                         <a:effectLst/>
                         <a:latin typeface="Calibri" panose="020F0502020204030204" pitchFamily="34" charset="0"/>
                         <a:ea typeface="Calibri" panose="020F0502020204030204" pitchFamily="34" charset="0"/>
@@ -7963,12 +7963,12 @@
                         </a:spcAft>
                       </a:pPr>
                       <a:r>
-                        <a:rPr lang="en-US" sz="1200" dirty="0" smtClean="0">
+                        <a:rPr lang="en-US" sz="1600" dirty="0" smtClean="0">
                           <a:effectLst/>
                         </a:rPr>
-                        <a:t>Initial Target</a:t>
+                        <a:t>Phase 1 (Measured)</a:t>
                       </a:r>
-                      <a:endParaRPr lang="en-US" sz="1200" dirty="0">
+                      <a:endParaRPr lang="en-US" sz="1600" dirty="0">
                         <a:effectLst/>
                         <a:latin typeface="Calibri" panose="020F0502020204030204" pitchFamily="34" charset="0"/>
                         <a:ea typeface="Calibri" panose="020F0502020204030204" pitchFamily="34" charset="0"/>
@@ -7992,12 +7992,12 @@
                         </a:spcAft>
                       </a:pPr>
                       <a:r>
-                        <a:rPr lang="en-US" sz="1200" dirty="0" smtClean="0">
+                        <a:rPr lang="en-US" sz="1600" dirty="0" smtClean="0">
                           <a:effectLst/>
                         </a:rPr>
-                        <a:t>Phase 1 (Measured)</a:t>
+                        <a:t>Phase 2 Target</a:t>
                       </a:r>
-                      <a:endParaRPr lang="en-US" sz="1200" dirty="0">
+                      <a:endParaRPr lang="en-US" sz="1600" dirty="0">
                         <a:effectLst/>
                         <a:latin typeface="Calibri" panose="020F0502020204030204" pitchFamily="34" charset="0"/>
                         <a:ea typeface="Calibri" panose="020F0502020204030204" pitchFamily="34" charset="0"/>
@@ -8021,7 +8021,7 @@
                         </a:spcAft>
                       </a:pPr>
                       <a:r>
-                        <a:rPr lang="en-US" sz="1200" dirty="0" smtClean="0">
+                        <a:rPr lang="en-US" sz="1600" dirty="0" smtClean="0">
                           <a:effectLst/>
                           <a:latin typeface="Calibri" panose="020F0502020204030204" pitchFamily="34" charset="0"/>
                           <a:ea typeface="Calibri" panose="020F0502020204030204" pitchFamily="34" charset="0"/>
@@ -8030,7 +8030,7 @@
                         <a:t>Phase 2 (Current</a:t>
                       </a:r>
                       <a:r>
-                        <a:rPr lang="en-US" sz="1200" baseline="0" dirty="0" smtClean="0">
+                        <a:rPr lang="en-US" sz="1600" baseline="0" dirty="0" smtClean="0">
                           <a:effectLst/>
                           <a:latin typeface="Calibri" panose="020F0502020204030204" pitchFamily="34" charset="0"/>
                           <a:ea typeface="Calibri" panose="020F0502020204030204" pitchFamily="34" charset="0"/>
@@ -8038,7 +8038,7 @@
                         </a:rPr>
                         <a:t> Estimate)</a:t>
                       </a:r>
-                      <a:endParaRPr lang="en-US" sz="1200" dirty="0">
+                      <a:endParaRPr lang="en-US" sz="1600" dirty="0">
                         <a:effectLst/>
                         <a:latin typeface="Calibri" panose="020F0502020204030204" pitchFamily="34" charset="0"/>
                         <a:ea typeface="Calibri" panose="020F0502020204030204" pitchFamily="34" charset="0"/>
@@ -8064,12 +8064,12 @@
                         </a:spcAft>
                       </a:pPr>
                       <a:r>
-                        <a:rPr lang="en-US" sz="1200">
+                        <a:rPr lang="en-US" sz="1800">
                           <a:effectLst/>
                         </a:rPr>
                         <a:t>Mass</a:t>
                       </a:r>
-                      <a:endParaRPr lang="en-US" sz="1200">
+                      <a:endParaRPr lang="en-US" sz="1800">
                         <a:effectLst/>
                         <a:latin typeface="Calibri" panose="020F0502020204030204" pitchFamily="34" charset="0"/>
                         <a:ea typeface="Calibri" panose="020F0502020204030204" pitchFamily="34" charset="0"/>
@@ -8093,10 +8093,13 @@
                         </a:spcAft>
                       </a:pPr>
                       <a:r>
-                        <a:rPr lang="en-US" sz="1200" dirty="0">
+                        <a:rPr lang="en-US" sz="1800" dirty="0" smtClean="0">
                           <a:effectLst/>
+                          <a:latin typeface="Calibri" panose="020F0502020204030204" pitchFamily="34" charset="0"/>
+                          <a:ea typeface="Calibri" panose="020F0502020204030204" pitchFamily="34" charset="0"/>
+                          <a:cs typeface="Times New Roman" panose="02020603050405020304" pitchFamily="18" charset="0"/>
                         </a:rPr>
-                        <a:t>Headset: 1 kg</a:t>
+                        <a:t>Headset: 1.3kg</a:t>
                       </a:r>
                     </a:p>
                     <a:p>
@@ -8109,12 +8112,24 @@
                         </a:spcAft>
                       </a:pPr>
                       <a:r>
-                        <a:rPr lang="en-US" sz="1200">
+                        <a:rPr lang="en-US" sz="1800" dirty="0" smtClean="0">
                           <a:effectLst/>
+                          <a:latin typeface="Calibri" panose="020F0502020204030204" pitchFamily="34" charset="0"/>
+                          <a:ea typeface="Calibri" panose="020F0502020204030204" pitchFamily="34" charset="0"/>
+                          <a:cs typeface="Times New Roman" panose="02020603050405020304" pitchFamily="18" charset="0"/>
                         </a:rPr>
-                        <a:t>Backpack: 3 kg</a:t>
+                        <a:t>Backpack:</a:t>
                       </a:r>
-                      <a:endParaRPr lang="en-US" sz="1200">
+                      <a:r>
+                        <a:rPr lang="en-US" sz="1800" baseline="0" dirty="0" smtClean="0">
+                          <a:effectLst/>
+                          <a:latin typeface="Calibri" panose="020F0502020204030204" pitchFamily="34" charset="0"/>
+                          <a:ea typeface="Calibri" panose="020F0502020204030204" pitchFamily="34" charset="0"/>
+                          <a:cs typeface="Times New Roman" panose="02020603050405020304" pitchFamily="18" charset="0"/>
+                        </a:rPr>
+                        <a:t> N/A</a:t>
+                      </a:r>
+                      <a:endParaRPr lang="en-US" sz="1800" dirty="0">
                         <a:effectLst/>
                         <a:latin typeface="Calibri" panose="020F0502020204030204" pitchFamily="34" charset="0"/>
                         <a:ea typeface="Calibri" panose="020F0502020204030204" pitchFamily="34" charset="0"/>
@@ -8138,13 +8153,10 @@
                         </a:spcAft>
                       </a:pPr>
                       <a:r>
-                        <a:rPr lang="en-US" sz="1200" dirty="0" smtClean="0">
+                        <a:rPr lang="en-US" sz="1800" dirty="0">
                           <a:effectLst/>
-                          <a:latin typeface="Calibri" panose="020F0502020204030204" pitchFamily="34" charset="0"/>
-                          <a:ea typeface="Calibri" panose="020F0502020204030204" pitchFamily="34" charset="0"/>
-                          <a:cs typeface="Times New Roman" panose="02020603050405020304" pitchFamily="18" charset="0"/>
                         </a:rPr>
-                        <a:t>Headset: 1.3kg</a:t>
+                        <a:t>Headset: 1 kg</a:t>
                       </a:r>
                     </a:p>
                     <a:p>
@@ -8157,24 +8169,12 @@
                         </a:spcAft>
                       </a:pPr>
                       <a:r>
-                        <a:rPr lang="en-US" sz="1200" dirty="0" smtClean="0">
+                        <a:rPr lang="en-US" sz="1800" dirty="0">
                           <a:effectLst/>
-                          <a:latin typeface="Calibri" panose="020F0502020204030204" pitchFamily="34" charset="0"/>
-                          <a:ea typeface="Calibri" panose="020F0502020204030204" pitchFamily="34" charset="0"/>
-                          <a:cs typeface="Times New Roman" panose="02020603050405020304" pitchFamily="18" charset="0"/>
                         </a:rPr>
-                        <a:t>Backpack:</a:t>
+                        <a:t>Backpack: 3 kg</a:t>
                       </a:r>
-                      <a:r>
-                        <a:rPr lang="en-US" sz="1200" baseline="0" dirty="0" smtClean="0">
-                          <a:effectLst/>
-                          <a:latin typeface="Calibri" panose="020F0502020204030204" pitchFamily="34" charset="0"/>
-                          <a:ea typeface="Calibri" panose="020F0502020204030204" pitchFamily="34" charset="0"/>
-                          <a:cs typeface="Times New Roman" panose="02020603050405020304" pitchFamily="18" charset="0"/>
-                        </a:rPr>
-                        <a:t> N/A</a:t>
-                      </a:r>
-                      <a:endParaRPr lang="en-US" sz="1200" dirty="0">
+                      <a:endParaRPr lang="en-US" sz="1800" dirty="0">
                         <a:effectLst/>
                         <a:latin typeface="Calibri" panose="020F0502020204030204" pitchFamily="34" charset="0"/>
                         <a:ea typeface="Calibri" panose="020F0502020204030204" pitchFamily="34" charset="0"/>
@@ -8198,7 +8198,7 @@
                         </a:spcAft>
                       </a:pPr>
                       <a:r>
-                        <a:rPr lang="en-US" sz="1200" dirty="0" smtClean="0">
+                        <a:rPr lang="en-US" sz="1800" dirty="0" smtClean="0">
                           <a:effectLst/>
                           <a:latin typeface="Calibri" panose="020F0502020204030204" pitchFamily="34" charset="0"/>
                           <a:ea typeface="Calibri" panose="020F0502020204030204" pitchFamily="34" charset="0"/>
@@ -8217,7 +8217,7 @@
                         </a:spcAft>
                       </a:pPr>
                       <a:r>
-                        <a:rPr lang="en-US" sz="1200" dirty="0" smtClean="0">
+                        <a:rPr lang="en-US" sz="1800" dirty="0" smtClean="0">
                           <a:effectLst/>
                           <a:latin typeface="Calibri" panose="020F0502020204030204" pitchFamily="34" charset="0"/>
                           <a:ea typeface="Calibri" panose="020F0502020204030204" pitchFamily="34" charset="0"/>
@@ -8226,7 +8226,7 @@
                         <a:t>Backpack:</a:t>
                       </a:r>
                       <a:r>
-                        <a:rPr lang="en-US" sz="1200" baseline="0" dirty="0" smtClean="0">
+                        <a:rPr lang="en-US" sz="1800" baseline="0" dirty="0" smtClean="0">
                           <a:effectLst/>
                           <a:latin typeface="Calibri" panose="020F0502020204030204" pitchFamily="34" charset="0"/>
                           <a:ea typeface="Calibri" panose="020F0502020204030204" pitchFamily="34" charset="0"/>
@@ -8234,7 +8234,131 @@
                         </a:rPr>
                         <a:t> ~2.5kg</a:t>
                       </a:r>
-                      <a:endParaRPr lang="en-US" sz="1200" dirty="0">
+                      <a:endParaRPr lang="en-US" sz="1800" dirty="0">
+                        <a:effectLst/>
+                        <a:latin typeface="Calibri" panose="020F0502020204030204" pitchFamily="34" charset="0"/>
+                        <a:ea typeface="Calibri" panose="020F0502020204030204" pitchFamily="34" charset="0"/>
+                        <a:cs typeface="Times New Roman" panose="02020603050405020304" pitchFamily="18" charset="0"/>
+                      </a:endParaRPr>
+                    </a:p>
+                  </a:txBody>
+                  <a:tcPr marL="68580" marR="68580" marT="0" marB="0"/>
+                </a:tc>
+              </a:tr>
+              <a:tr h="315919">
+                <a:tc>
+                  <a:txBody>
+                    <a:bodyPr/>
+                    <a:lstStyle/>
+                    <a:p>
+                      <a:pPr marL="0" marR="0" algn="r">
+                        <a:spcBef>
+                          <a:spcPts val="0"/>
+                        </a:spcBef>
+                        <a:spcAft>
+                          <a:spcPts val="0"/>
+                        </a:spcAft>
+                      </a:pPr>
+                      <a:r>
+                        <a:rPr lang="en-US" sz="1800">
+                          <a:effectLst/>
+                        </a:rPr>
+                        <a:t>Power</a:t>
+                      </a:r>
+                      <a:endParaRPr lang="en-US" sz="1800">
+                        <a:effectLst/>
+                        <a:latin typeface="Calibri" panose="020F0502020204030204" pitchFamily="34" charset="0"/>
+                        <a:ea typeface="Calibri" panose="020F0502020204030204" pitchFamily="34" charset="0"/>
+                        <a:cs typeface="Times New Roman" panose="02020603050405020304" pitchFamily="18" charset="0"/>
+                      </a:endParaRPr>
+                    </a:p>
+                  </a:txBody>
+                  <a:tcPr marL="68580" marR="68580" marT="0" marB="0"/>
+                </a:tc>
+                <a:tc>
+                  <a:txBody>
+                    <a:bodyPr/>
+                    <a:lstStyle/>
+                    <a:p>
+                      <a:pPr marL="0" marR="0">
+                        <a:spcBef>
+                          <a:spcPts val="0"/>
+                        </a:spcBef>
+                        <a:spcAft>
+                          <a:spcPts val="0"/>
+                        </a:spcAft>
+                      </a:pPr>
+                      <a:r>
+                        <a:rPr lang="en-US" sz="1800" dirty="0" smtClean="0">
+                          <a:effectLst/>
+                          <a:latin typeface="Calibri" panose="020F0502020204030204" pitchFamily="34" charset="0"/>
+                          <a:ea typeface="Calibri" panose="020F0502020204030204" pitchFamily="34" charset="0"/>
+                          <a:cs typeface="Times New Roman" panose="02020603050405020304" pitchFamily="18" charset="0"/>
+                        </a:rPr>
+                        <a:t>~3 hours</a:t>
+                      </a:r>
+                      <a:endParaRPr lang="en-US" sz="1800" dirty="0">
+                        <a:effectLst/>
+                        <a:latin typeface="Calibri" panose="020F0502020204030204" pitchFamily="34" charset="0"/>
+                        <a:ea typeface="Calibri" panose="020F0502020204030204" pitchFamily="34" charset="0"/>
+                        <a:cs typeface="Times New Roman" panose="02020603050405020304" pitchFamily="18" charset="0"/>
+                      </a:endParaRPr>
+                    </a:p>
+                  </a:txBody>
+                  <a:tcPr marL="68580" marR="68580" marT="0" marB="0"/>
+                </a:tc>
+                <a:tc>
+                  <a:txBody>
+                    <a:bodyPr/>
+                    <a:lstStyle/>
+                    <a:p>
+                      <a:pPr marL="0" marR="0">
+                        <a:spcBef>
+                          <a:spcPts val="0"/>
+                        </a:spcBef>
+                        <a:spcAft>
+                          <a:spcPts val="0"/>
+                        </a:spcAft>
+                      </a:pPr>
+                      <a:r>
+                        <a:rPr lang="en-US" sz="1800" dirty="0">
+                          <a:effectLst/>
+                        </a:rPr>
+                        <a:t>3 hours runtime</a:t>
+                      </a:r>
+                      <a:endParaRPr lang="en-US" sz="1800" dirty="0">
+                        <a:effectLst/>
+                        <a:latin typeface="Calibri" panose="020F0502020204030204" pitchFamily="34" charset="0"/>
+                        <a:ea typeface="Calibri" panose="020F0502020204030204" pitchFamily="34" charset="0"/>
+                        <a:cs typeface="Times New Roman" panose="02020603050405020304" pitchFamily="18" charset="0"/>
+                      </a:endParaRPr>
+                    </a:p>
+                  </a:txBody>
+                  <a:tcPr marL="68580" marR="68580" marT="0" marB="0"/>
+                </a:tc>
+                <a:tc>
+                  <a:txBody>
+                    <a:bodyPr/>
+                    <a:lstStyle/>
+                    <a:p>
+                      <a:pPr marL="0" marR="0">
+                        <a:spcBef>
+                          <a:spcPts val="0"/>
+                        </a:spcBef>
+                        <a:spcAft>
+                          <a:spcPts val="0"/>
+                        </a:spcAft>
+                      </a:pPr>
+                      <a:r>
+                        <a:rPr lang="en-US" sz="1800" dirty="0" smtClean="0">
+                          <a:effectLst/>
+                          <a:latin typeface="Calibri" panose="020F0502020204030204" pitchFamily="34" charset="0"/>
+                          <a:ea typeface="Calibri" panose="020F0502020204030204" pitchFamily="34" charset="0"/>
+                          <a:cs typeface="Times New Roman" panose="02020603050405020304" pitchFamily="18" charset="0"/>
+                        </a:rPr>
+                        <a:t>~4 hours</a:t>
+                      </a:r>
+                      <a:endParaRPr lang="en-US" sz="1800" dirty="0">
                         <a:effectLst/>
                         <a:latin typeface="Calibri" panose="020F0502020204030204" pitchFamily="34" charset="0"/>
                         <a:ea typeface="Calibri" panose="020F0502020204030204" pitchFamily="34" charset="0"/>
@@ -8260,12 +8384,58 @@
                         </a:spcAft>
                       </a:pPr>
                       <a:r>
-                        <a:rPr lang="en-US" sz="1200">
+                        <a:rPr lang="en-US" sz="1800" dirty="0" smtClean="0">
                           <a:effectLst/>
                         </a:rPr>
-                        <a:t>Power</a:t>
+                        <a:t>Location</a:t>
                       </a:r>
-                      <a:endParaRPr lang="en-US" sz="1200">
+                      <a:r>
+                        <a:rPr lang="en-US" sz="1800" baseline="0" dirty="0">
+                          <a:effectLst/>
+                          <a:latin typeface="Calibri" panose="020F0502020204030204" pitchFamily="34" charset="0"/>
+                          <a:cs typeface="Times New Roman" panose="02020603050405020304" pitchFamily="18" charset="0"/>
+                        </a:rPr>
+                        <a:t> </a:t>
+                      </a:r>
+                      <a:r>
+                        <a:rPr lang="en-US" sz="1800" b="1" baseline="0" dirty="0" smtClean="0">
+                          <a:effectLst/>
+                          <a:latin typeface="+mj-lt"/>
+                          <a:cs typeface="Times New Roman" panose="02020603050405020304" pitchFamily="18" charset="0"/>
+                        </a:rPr>
+                        <a:t>Accuracy</a:t>
+                      </a:r>
+                      <a:endParaRPr lang="en-US" sz="1800" b="1" dirty="0" smtClean="0">
+                        <a:effectLst/>
+                        <a:latin typeface="+mj-lt"/>
+                      </a:endParaRPr>
+                    </a:p>
+                  </a:txBody>
+                  <a:tcPr marL="68580" marR="68580" marT="0" marB="0"/>
+                </a:tc>
+                <a:tc>
+                  <a:txBody>
+                    <a:bodyPr/>
+                    <a:lstStyle/>
+                    <a:p>
+                      <a:pPr marL="0" marR="0">
+                        <a:spcBef>
+                          <a:spcPts val="0"/>
+                        </a:spcBef>
+                        <a:spcAft>
+                          <a:spcPts val="0"/>
+                        </a:spcAft>
+                      </a:pPr>
+                      <a:r>
+                        <a:rPr lang="en-US" sz="1800" dirty="0" smtClean="0">
+                          <a:effectLst/>
+                          <a:latin typeface="Calibri" panose="020F0502020204030204" pitchFamily="34" charset="0"/>
+                          <a:ea typeface="Calibri" panose="020F0502020204030204" pitchFamily="34" charset="0"/>
+                          <a:cs typeface="Times New Roman" panose="02020603050405020304" pitchFamily="18" charset="0"/>
+                        </a:rPr>
+                        <a:t>TODO</a:t>
+                      </a:r>
+                      <a:endParaRPr lang="en-US" sz="1800" dirty="0">
                         <a:effectLst/>
                         <a:latin typeface="Calibri" panose="020F0502020204030204" pitchFamily="34" charset="0"/>
                         <a:ea typeface="Calibri" panose="020F0502020204030204" pitchFamily="34" charset="0"/>
@@ -8289,12 +8459,12 @@
                         </a:spcAft>
                       </a:pPr>
                       <a:r>
-                        <a:rPr lang="en-US" sz="1200" dirty="0">
+                        <a:rPr lang="en-US" sz="1800" dirty="0" smtClean="0">
                           <a:effectLst/>
                         </a:rPr>
-                        <a:t>3 hours runtime</a:t>
+                        <a:t>2 meters</a:t>
                       </a:r>
-                      <a:endParaRPr lang="en-US" sz="1200" dirty="0">
+                      <a:endParaRPr lang="en-US" sz="1800" dirty="0">
                         <a:effectLst/>
                         <a:latin typeface="Calibri" panose="020F0502020204030204" pitchFamily="34" charset="0"/>
                         <a:ea typeface="Calibri" panose="020F0502020204030204" pitchFamily="34" charset="0"/>
@@ -8318,47 +8488,15 @@
                         </a:spcAft>
                       </a:pPr>
                       <a:r>
-                        <a:rPr lang="en-US" sz="1200" dirty="0" smtClean="0">
+                        <a:rPr lang="en-US" sz="1800" dirty="0" smtClean="0">
                           <a:effectLst/>
                           <a:latin typeface="Calibri" panose="020F0502020204030204" pitchFamily="34" charset="0"/>
                           <a:ea typeface="Calibri" panose="020F0502020204030204" pitchFamily="34" charset="0"/>
                           <a:cs typeface="Times New Roman" panose="02020603050405020304" pitchFamily="18" charset="0"/>
                         </a:rPr>
-                        <a:t>~3 hours</a:t>
+                        <a:t>Same as Phase 1</a:t>
                       </a:r>
-                      <a:endParaRPr lang="en-US" sz="1200" dirty="0">
-                        <a:effectLst/>
-                        <a:latin typeface="Calibri" panose="020F0502020204030204" pitchFamily="34" charset="0"/>
-                        <a:ea typeface="Calibri" panose="020F0502020204030204" pitchFamily="34" charset="0"/>
-                        <a:cs typeface="Times New Roman" panose="02020603050405020304" pitchFamily="18" charset="0"/>
-                      </a:endParaRPr>
-                    </a:p>
-                  </a:txBody>
-                  <a:tcPr marL="68580" marR="68580" marT="0" marB="0"/>
-                </a:tc>
-                <a:tc>
-                  <a:txBody>
-                    <a:bodyPr/>
-                    <a:lstStyle/>
-                    <a:p>
-                      <a:pPr marL="0" marR="0">
-                        <a:spcBef>
-                          <a:spcPts val="0"/>
-                        </a:spcBef>
-                        <a:spcAft>
-                          <a:spcPts val="0"/>
-                        </a:spcAft>
-                      </a:pPr>
-                      <a:r>
-                        <a:rPr lang="en-US" sz="1200" dirty="0" smtClean="0">
-                          <a:effectLst/>
-                          <a:latin typeface="Calibri" panose="020F0502020204030204" pitchFamily="34" charset="0"/>
-                          <a:ea typeface="Calibri" panose="020F0502020204030204" pitchFamily="34" charset="0"/>
-                          <a:cs typeface="Times New Roman" panose="02020603050405020304" pitchFamily="18" charset="0"/>
-                        </a:rPr>
-                        <a:t>~4 hours</a:t>
-                      </a:r>
-                      <a:endParaRPr lang="en-US" sz="1200" dirty="0">
+                      <a:endParaRPr lang="en-US" sz="1800" dirty="0">
                         <a:effectLst/>
                         <a:latin typeface="Calibri" panose="020F0502020204030204" pitchFamily="34" charset="0"/>
                         <a:ea typeface="Calibri" panose="020F0502020204030204" pitchFamily="34" charset="0"/>
@@ -8369,7 +8507,7 @@
                   <a:tcPr marL="68580" marR="68580" marT="0" marB="0"/>
                 </a:tc>
               </a:tr>
-              <a:tr h="762000">
+              <a:tr h="381000">
                 <a:tc>
                   <a:txBody>
                     <a:bodyPr/>
@@ -8384,189 +8522,22 @@
                         </a:spcAft>
                       </a:pPr>
                       <a:r>
-                        <a:rPr lang="en-US" sz="1200" dirty="0" smtClean="0">
-                          <a:effectLst/>
-                        </a:rPr>
-                        <a:t>Location</a:t>
-                      </a:r>
-                      <a:r>
-                        <a:rPr lang="en-US" sz="1200" baseline="0" dirty="0">
-                          <a:effectLst/>
-                          <a:latin typeface="Calibri" panose="020F0502020204030204" pitchFamily="34" charset="0"/>
-                          <a:cs typeface="Times New Roman" panose="02020603050405020304" pitchFamily="18" charset="0"/>
-                        </a:rPr>
-                        <a:t> </a:t>
-                      </a:r>
-                      <a:r>
-                        <a:rPr lang="en-US" sz="1200" b="1" baseline="0" dirty="0" smtClean="0">
-                          <a:effectLst/>
-                          <a:latin typeface="+mj-lt"/>
-                          <a:cs typeface="Times New Roman" panose="02020603050405020304" pitchFamily="18" charset="0"/>
-                        </a:rPr>
-                        <a:t>Accuracy</a:t>
-                      </a:r>
-                      <a:endParaRPr lang="en-US" sz="1200" b="1" dirty="0" smtClean="0">
-                        <a:effectLst/>
-                        <a:latin typeface="+mj-lt"/>
-                      </a:endParaRPr>
-                    </a:p>
-                  </a:txBody>
-                  <a:tcPr marL="68580" marR="68580" marT="0" marB="0"/>
-                </a:tc>
-                <a:tc>
-                  <a:txBody>
-                    <a:bodyPr/>
-                    <a:lstStyle/>
-                    <a:p>
-                      <a:pPr marL="0" marR="0">
-                        <a:spcBef>
-                          <a:spcPts val="0"/>
-                        </a:spcBef>
-                        <a:spcAft>
-                          <a:spcPts val="0"/>
-                        </a:spcAft>
-                      </a:pPr>
-                      <a:r>
-                        <a:rPr lang="en-US" sz="1200" dirty="0" smtClean="0">
-                          <a:effectLst/>
-                        </a:rPr>
-                        <a:t>2 meters</a:t>
-                      </a:r>
-                      <a:endParaRPr lang="en-US" sz="1200" dirty="0">
-                        <a:effectLst/>
-                        <a:latin typeface="Calibri" panose="020F0502020204030204" pitchFamily="34" charset="0"/>
-                        <a:ea typeface="Calibri" panose="020F0502020204030204" pitchFamily="34" charset="0"/>
-                        <a:cs typeface="Times New Roman" panose="02020603050405020304" pitchFamily="18" charset="0"/>
-                      </a:endParaRPr>
-                    </a:p>
-                  </a:txBody>
-                  <a:tcPr marL="68580" marR="68580" marT="0" marB="0"/>
-                </a:tc>
-                <a:tc>
-                  <a:txBody>
-                    <a:bodyPr/>
-                    <a:lstStyle/>
-                    <a:p>
-                      <a:pPr marL="0" marR="0">
-                        <a:spcBef>
-                          <a:spcPts val="0"/>
-                        </a:spcBef>
-                        <a:spcAft>
-                          <a:spcPts val="0"/>
-                        </a:spcAft>
-                      </a:pPr>
-                      <a:r>
-                        <a:rPr lang="en-US" sz="1200" dirty="0" smtClean="0">
-                          <a:effectLst/>
-                          <a:latin typeface="Calibri" panose="020F0502020204030204" pitchFamily="34" charset="0"/>
-                          <a:ea typeface="Calibri" panose="020F0502020204030204" pitchFamily="34" charset="0"/>
-                          <a:cs typeface="Times New Roman" panose="02020603050405020304" pitchFamily="18" charset="0"/>
-                        </a:rPr>
-                        <a:t>TODO</a:t>
-                      </a:r>
-                      <a:endParaRPr lang="en-US" sz="1200" dirty="0">
-                        <a:effectLst/>
-                        <a:latin typeface="Calibri" panose="020F0502020204030204" pitchFamily="34" charset="0"/>
-                        <a:ea typeface="Calibri" panose="020F0502020204030204" pitchFamily="34" charset="0"/>
-                        <a:cs typeface="Times New Roman" panose="02020603050405020304" pitchFamily="18" charset="0"/>
-                      </a:endParaRPr>
-                    </a:p>
-                  </a:txBody>
-                  <a:tcPr marL="68580" marR="68580" marT="0" marB="0"/>
-                </a:tc>
-                <a:tc>
-                  <a:txBody>
-                    <a:bodyPr/>
-                    <a:lstStyle/>
-                    <a:p>
-                      <a:pPr marL="0" marR="0">
-                        <a:spcBef>
-                          <a:spcPts val="0"/>
-                        </a:spcBef>
-                        <a:spcAft>
-                          <a:spcPts val="0"/>
-                        </a:spcAft>
-                      </a:pPr>
-                      <a:r>
-                        <a:rPr lang="en-US" sz="1200" dirty="0" smtClean="0">
-                          <a:effectLst/>
-                          <a:latin typeface="Calibri" panose="020F0502020204030204" pitchFamily="34" charset="0"/>
-                          <a:ea typeface="Calibri" panose="020F0502020204030204" pitchFamily="34" charset="0"/>
-                          <a:cs typeface="Times New Roman" panose="02020603050405020304" pitchFamily="18" charset="0"/>
-                        </a:rPr>
-                        <a:t>Same as Phase 1</a:t>
-                      </a:r>
-                      <a:endParaRPr lang="en-US" sz="1200" dirty="0">
-                        <a:effectLst/>
-                        <a:latin typeface="Calibri" panose="020F0502020204030204" pitchFamily="34" charset="0"/>
-                        <a:ea typeface="Calibri" panose="020F0502020204030204" pitchFamily="34" charset="0"/>
-                        <a:cs typeface="Times New Roman" panose="02020603050405020304" pitchFamily="18" charset="0"/>
-                      </a:endParaRPr>
-                    </a:p>
-                  </a:txBody>
-                  <a:tcPr marL="68580" marR="68580" marT="0" marB="0"/>
-                </a:tc>
-              </a:tr>
-              <a:tr h="685800">
-                <a:tc>
-                  <a:txBody>
-                    <a:bodyPr/>
-                    <a:lstStyle/>
-                    <a:p>
-                      <a:pPr marL="0" marR="0" algn="r">
-                        <a:spcBef>
-                          <a:spcPts val="0"/>
-                        </a:spcBef>
-                        <a:spcAft>
-                          <a:spcPts val="0"/>
-                        </a:spcAft>
-                      </a:pPr>
-                      <a:r>
-                        <a:rPr lang="en-US" sz="1200" dirty="0" smtClean="0">
+                        <a:rPr lang="en-US" sz="1800" dirty="0" smtClean="0">
                           <a:effectLst/>
                         </a:rPr>
                         <a:t>Wireless </a:t>
                       </a:r>
                       <a:r>
-                        <a:rPr lang="en-US" sz="1200" dirty="0" smtClean="0">
+                        <a:rPr lang="en-US" sz="1800" dirty="0" smtClean="0">
                           <a:effectLst/>
                           <a:latin typeface="+mj-lt"/>
                           <a:cs typeface="Times New Roman" panose="02020603050405020304" pitchFamily="18" charset="0"/>
                         </a:rPr>
                         <a:t>Range</a:t>
                       </a:r>
-                      <a:endParaRPr lang="en-US" sz="1200" dirty="0" smtClean="0">
+                      <a:endParaRPr lang="en-US" sz="1800" dirty="0" smtClean="0">
                         <a:effectLst/>
                         <a:latin typeface="+mj-lt"/>
-                      </a:endParaRPr>
-                    </a:p>
-                  </a:txBody>
-                  <a:tcPr marL="68580" marR="68580" marT="0" marB="0"/>
-                </a:tc>
-                <a:tc>
-                  <a:txBody>
-                    <a:bodyPr/>
-                    <a:lstStyle/>
-                    <a:p>
-                      <a:pPr marL="0" marR="0">
-                        <a:spcBef>
-                          <a:spcPts val="0"/>
-                        </a:spcBef>
-                        <a:spcAft>
-                          <a:spcPts val="0"/>
-                        </a:spcAft>
-                      </a:pPr>
-                      <a:r>
-                        <a:rPr lang="en-US" sz="1200" dirty="0">
-                          <a:effectLst/>
-                        </a:rPr>
-                        <a:t>80 m range, line of sight</a:t>
-                      </a:r>
-                      <a:endParaRPr lang="en-US" sz="1200" dirty="0">
-                        <a:effectLst/>
-                        <a:latin typeface="Calibri" panose="020F0502020204030204" pitchFamily="34" charset="0"/>
-                        <a:ea typeface="Calibri" panose="020F0502020204030204" pitchFamily="34" charset="0"/>
-                        <a:cs typeface="Times New Roman" panose="02020603050405020304" pitchFamily="18" charset="0"/>
                       </a:endParaRPr>
                     </a:p>
                   </a:txBody>
@@ -8595,103 +8566,15 @@
                         <a:defRPr/>
                       </a:pPr>
                       <a:r>
-                        <a:rPr lang="en-US" sz="1200" dirty="0" smtClean="0">
+                        <a:rPr lang="en-US" sz="1800" dirty="0" smtClean="0">
                           <a:effectLst/>
                           <a:latin typeface="Calibri" panose="020F0502020204030204" pitchFamily="34" charset="0"/>
                           <a:ea typeface="Calibri" panose="020F0502020204030204" pitchFamily="34" charset="0"/>
                           <a:cs typeface="Times New Roman" panose="02020603050405020304" pitchFamily="18" charset="0"/>
                         </a:rPr>
-                        <a:t>TODO</a:t>
+                        <a:t>250 m</a:t>
                       </a:r>
-                    </a:p>
-                  </a:txBody>
-                  <a:tcPr marL="68580" marR="68580" marT="0" marB="0"/>
-                </a:tc>
-                <a:tc>
-                  <a:txBody>
-                    <a:bodyPr/>
-                    <a:lstStyle/>
-                    <a:p>
-                      <a:pPr marL="0" marR="0">
-                        <a:spcBef>
-                          <a:spcPts val="0"/>
-                        </a:spcBef>
-                        <a:spcAft>
-                          <a:spcPts val="0"/>
-                        </a:spcAft>
-                      </a:pPr>
-                      <a:r>
-                        <a:rPr lang="en-US" sz="1200" dirty="0" smtClean="0">
-                          <a:effectLst/>
-                          <a:latin typeface="Calibri" panose="020F0502020204030204" pitchFamily="34" charset="0"/>
-                          <a:ea typeface="Calibri" panose="020F0502020204030204" pitchFamily="34" charset="0"/>
-                          <a:cs typeface="Times New Roman" panose="02020603050405020304" pitchFamily="18" charset="0"/>
-                        </a:rPr>
-                        <a:t>TODO</a:t>
-                      </a:r>
-                      <a:endParaRPr lang="en-US" sz="1200" dirty="0">
-                        <a:effectLst/>
-                        <a:latin typeface="Calibri" panose="020F0502020204030204" pitchFamily="34" charset="0"/>
-                        <a:ea typeface="Calibri" panose="020F0502020204030204" pitchFamily="34" charset="0"/>
-                        <a:cs typeface="Times New Roman" panose="02020603050405020304" pitchFamily="18" charset="0"/>
-                      </a:endParaRPr>
-                    </a:p>
-                  </a:txBody>
-                  <a:tcPr marL="68580" marR="68580" marT="0" marB="0"/>
-                </a:tc>
-              </a:tr>
-              <a:tr h="914400">
-                <a:tc>
-                  <a:txBody>
-                    <a:bodyPr/>
-                    <a:lstStyle/>
-                    <a:p>
-                      <a:pPr marL="0" marR="0" algn="r">
-                        <a:spcBef>
-                          <a:spcPts val="0"/>
-                        </a:spcBef>
-                        <a:spcAft>
-                          <a:spcPts val="0"/>
-                        </a:spcAft>
-                      </a:pPr>
-                      <a:r>
-                        <a:rPr lang="en-US" sz="1200" dirty="0" smtClean="0">
-                          <a:effectLst/>
-                          <a:latin typeface="+mn-lt"/>
-                          <a:ea typeface="+mn-ea"/>
-                          <a:cs typeface="+mn-cs"/>
-                        </a:rPr>
-                        <a:t>Display</a:t>
-                      </a:r>
-                      <a:r>
-                        <a:rPr lang="en-US" sz="1200" baseline="0" dirty="0" smtClean="0">
-                          <a:effectLst/>
-                          <a:latin typeface="+mn-lt"/>
-                          <a:ea typeface="+mn-ea"/>
-                          <a:cs typeface="+mn-cs"/>
-                        </a:rPr>
-                        <a:t> Refresh</a:t>
-                      </a:r>
-                    </a:p>
-                    <a:p>
-                      <a:pPr marL="0" marR="0" algn="r">
-                        <a:spcBef>
-                          <a:spcPts val="0"/>
-                        </a:spcBef>
-                        <a:spcAft>
-                          <a:spcPts val="0"/>
-                        </a:spcAft>
-                      </a:pPr>
-                      <a:r>
-                        <a:rPr lang="en-US" sz="1200" baseline="0" dirty="0" smtClean="0">
-                          <a:effectLst/>
-                          <a:latin typeface="+mn-lt"/>
-                          <a:ea typeface="+mn-ea"/>
-                          <a:cs typeface="+mn-cs"/>
-                        </a:rPr>
-                        <a:t>Rate</a:t>
-                      </a:r>
-                      <a:endParaRPr lang="en-US" sz="1200" dirty="0">
+                      <a:endParaRPr lang="en-US" sz="1800" dirty="0" smtClean="0">
                         <a:effectLst/>
                         <a:latin typeface="Calibri" panose="020F0502020204030204" pitchFamily="34" charset="0"/>
                         <a:ea typeface="Calibri" panose="020F0502020204030204" pitchFamily="34" charset="0"/>
@@ -8715,18 +8598,12 @@
                         </a:spcAft>
                       </a:pPr>
                       <a:r>
-                        <a:rPr lang="en-US" sz="1200" dirty="0" smtClean="0">
+                        <a:rPr lang="en-US" sz="1800" dirty="0">
                           <a:effectLst/>
                         </a:rPr>
-                        <a:t>20</a:t>
+                        <a:t>80 m range, line of sight</a:t>
                       </a:r>
-                      <a:r>
-                        <a:rPr lang="en-US" sz="1200" baseline="0" dirty="0" smtClean="0">
-                          <a:effectLst/>
-                        </a:rPr>
-                        <a:t> FPS</a:t>
-                      </a:r>
-                      <a:endParaRPr lang="en-US" sz="1200" dirty="0">
+                      <a:endParaRPr lang="en-US" sz="1800" dirty="0">
                         <a:effectLst/>
                         <a:latin typeface="Calibri" panose="020F0502020204030204" pitchFamily="34" charset="0"/>
                         <a:ea typeface="Calibri" panose="020F0502020204030204" pitchFamily="34" charset="0"/>
@@ -8750,15 +8627,77 @@
                         </a:spcAft>
                       </a:pPr>
                       <a:r>
-                        <a:rPr lang="en-US" sz="1200" dirty="0" smtClean="0">
+                        <a:rPr lang="en-US" sz="1800" dirty="0" smtClean="0">
                           <a:effectLst/>
                           <a:latin typeface="Calibri" panose="020F0502020204030204" pitchFamily="34" charset="0"/>
                           <a:ea typeface="Calibri" panose="020F0502020204030204" pitchFamily="34" charset="0"/>
                           <a:cs typeface="Times New Roman" panose="02020603050405020304" pitchFamily="18" charset="0"/>
                         </a:rPr>
-                        <a:t>30 FPS</a:t>
+                        <a:t>TODO</a:t>
                       </a:r>
-                      <a:endParaRPr lang="en-US" sz="1200" dirty="0">
+                      <a:endParaRPr lang="en-US" sz="1800" dirty="0">
+                        <a:effectLst/>
+                        <a:latin typeface="Calibri" panose="020F0502020204030204" pitchFamily="34" charset="0"/>
+                        <a:ea typeface="Calibri" panose="020F0502020204030204" pitchFamily="34" charset="0"/>
+                        <a:cs typeface="Times New Roman" panose="02020603050405020304" pitchFamily="18" charset="0"/>
+                      </a:endParaRPr>
+                    </a:p>
+                  </a:txBody>
+                  <a:tcPr marL="68580" marR="68580" marT="0" marB="0"/>
+                </a:tc>
+              </a:tr>
+              <a:tr h="609600">
+                <a:tc>
+                  <a:txBody>
+                    <a:bodyPr/>
+                    <a:lstStyle/>
+                    <a:p>
+                      <a:pPr marL="0" marR="0" algn="r">
+                        <a:spcBef>
+                          <a:spcPts val="0"/>
+                        </a:spcBef>
+                        <a:spcAft>
+                          <a:spcPts val="0"/>
+                        </a:spcAft>
+                      </a:pPr>
+                      <a:r>
+                        <a:rPr lang="en-US" sz="1800" dirty="0" smtClean="0">
+                          <a:effectLst/>
+                          <a:latin typeface="+mn-lt"/>
+                          <a:ea typeface="+mn-ea"/>
+                          <a:cs typeface="+mn-cs"/>
+                        </a:rPr>
+                        <a:t>Display</a:t>
+                      </a:r>
+                      <a:r>
+                        <a:rPr lang="en-US" sz="1800" baseline="0" dirty="0" smtClean="0">
+                          <a:effectLst/>
+                          <a:latin typeface="+mn-lt"/>
+                          <a:ea typeface="+mn-ea"/>
+                          <a:cs typeface="+mn-cs"/>
+                        </a:rPr>
+                        <a:t> Refresh</a:t>
+                      </a:r>
+                    </a:p>
+                    <a:p>
+                      <a:pPr marL="0" marR="0" algn="r">
+                        <a:spcBef>
+                          <a:spcPts val="0"/>
+                        </a:spcBef>
+                        <a:spcAft>
+                          <a:spcPts val="0"/>
+                        </a:spcAft>
+                      </a:pPr>
+                      <a:r>
+                        <a:rPr lang="en-US" sz="1800" baseline="0" dirty="0" smtClean="0">
+                          <a:effectLst/>
+                          <a:latin typeface="+mn-lt"/>
+                          <a:ea typeface="+mn-ea"/>
+                          <a:cs typeface="+mn-cs"/>
+                        </a:rPr>
+                        <a:t>Rate</a:t>
+                      </a:r>
+                      <a:endParaRPr lang="en-US" sz="1800" dirty="0">
                         <a:effectLst/>
                         <a:latin typeface="Calibri" panose="020F0502020204030204" pitchFamily="34" charset="0"/>
                         <a:ea typeface="Calibri" panose="020F0502020204030204" pitchFamily="34" charset="0"/>
@@ -8782,7 +8721,74 @@
                         </a:spcAft>
                       </a:pPr>
                       <a:r>
-                        <a:rPr lang="en-US" sz="1200" dirty="0" smtClean="0">
+                        <a:rPr lang="en-US" sz="1800" dirty="0" smtClean="0">
+                          <a:effectLst/>
+                          <a:latin typeface="Calibri" panose="020F0502020204030204" pitchFamily="34" charset="0"/>
+                          <a:ea typeface="Calibri" panose="020F0502020204030204" pitchFamily="34" charset="0"/>
+                          <a:cs typeface="Times New Roman" panose="02020603050405020304" pitchFamily="18" charset="0"/>
+                        </a:rPr>
+                        <a:t>30 FPS</a:t>
+                      </a:r>
+                      <a:endParaRPr lang="en-US" sz="1800" dirty="0">
+                        <a:effectLst/>
+                        <a:latin typeface="Calibri" panose="020F0502020204030204" pitchFamily="34" charset="0"/>
+                        <a:ea typeface="Calibri" panose="020F0502020204030204" pitchFamily="34" charset="0"/>
+                        <a:cs typeface="Times New Roman" panose="02020603050405020304" pitchFamily="18" charset="0"/>
+                      </a:endParaRPr>
+                    </a:p>
+                  </a:txBody>
+                  <a:tcPr marL="68580" marR="68580" marT="0" marB="0"/>
+                </a:tc>
+                <a:tc>
+                  <a:txBody>
+                    <a:bodyPr/>
+                    <a:lstStyle/>
+                    <a:p>
+                      <a:pPr marL="0" marR="0">
+                        <a:spcBef>
+                          <a:spcPts val="0"/>
+                        </a:spcBef>
+                        <a:spcAft>
+                          <a:spcPts val="0"/>
+                        </a:spcAft>
+                      </a:pPr>
+                      <a:r>
+                        <a:rPr lang="en-US" sz="1800" dirty="0" smtClean="0">
+                          <a:effectLst/>
+                        </a:rPr>
+                        <a:t>20</a:t>
+                      </a:r>
+                      <a:r>
+                        <a:rPr lang="en-US" sz="1800" baseline="0" dirty="0" smtClean="0">
+                          <a:effectLst/>
+                        </a:rPr>
+                        <a:t> FPS</a:t>
+                      </a:r>
+                      <a:endParaRPr lang="en-US" sz="1800" dirty="0">
+                        <a:effectLst/>
+                        <a:latin typeface="Calibri" panose="020F0502020204030204" pitchFamily="34" charset="0"/>
+                        <a:ea typeface="Calibri" panose="020F0502020204030204" pitchFamily="34" charset="0"/>
+                        <a:cs typeface="Times New Roman" panose="02020603050405020304" pitchFamily="18" charset="0"/>
+                      </a:endParaRPr>
+                    </a:p>
+                  </a:txBody>
+                  <a:tcPr marL="68580" marR="68580" marT="0" marB="0"/>
+                </a:tc>
+                <a:tc>
+                  <a:txBody>
+                    <a:bodyPr/>
+                    <a:lstStyle/>
+                    <a:p>
+                      <a:pPr marL="0" marR="0">
+                        <a:spcBef>
+                          <a:spcPts val="0"/>
+                        </a:spcBef>
+                        <a:spcAft>
+                          <a:spcPts val="0"/>
+                        </a:spcAft>
+                      </a:pPr>
+                      <a:r>
+                        <a:rPr lang="en-US" sz="1800" dirty="0" smtClean="0">
                           <a:effectLst/>
                           <a:latin typeface="Calibri" panose="020F0502020204030204" pitchFamily="34" charset="0"/>
                           <a:ea typeface="Calibri" panose="020F0502020204030204" pitchFamily="34" charset="0"/>
@@ -8790,7 +8796,7 @@
                         </a:rPr>
                         <a:t>60 FPS</a:t>
                       </a:r>
-                      <a:endParaRPr lang="en-US" sz="1200" dirty="0">
+                      <a:endParaRPr lang="en-US" sz="1800" dirty="0">
                         <a:effectLst/>
                         <a:latin typeface="Calibri" panose="020F0502020204030204" pitchFamily="34" charset="0"/>
                         <a:ea typeface="Calibri" panose="020F0502020204030204" pitchFamily="34" charset="0"/>
@@ -8801,7 +8807,7 @@
                   <a:tcPr marL="68580" marR="68580" marT="0" marB="0"/>
                 </a:tc>
               </a:tr>
-              <a:tr h="837951">
+              <a:tr h="609600">
                 <a:tc>
                   <a:txBody>
                     <a:bodyPr/>
@@ -8816,7 +8822,7 @@
                         </a:spcAft>
                       </a:pPr>
                       <a:r>
-                        <a:rPr lang="en-US" sz="1200" b="1" dirty="0" smtClean="0">
+                        <a:rPr lang="en-US" sz="1800" b="1" dirty="0" smtClean="0">
                           <a:effectLst/>
                           <a:latin typeface="+mj-lt"/>
                           <a:ea typeface="Calibri" panose="020F0502020204030204" pitchFamily="34" charset="0"/>
@@ -8825,7 +8831,7 @@
                         <a:t>Network Refresh</a:t>
                       </a:r>
                       <a:r>
-                        <a:rPr lang="en-US" sz="1200" b="1" baseline="0" dirty="0" smtClean="0">
+                        <a:rPr lang="en-US" sz="1800" b="1" baseline="0" dirty="0" smtClean="0">
                           <a:effectLst/>
                           <a:latin typeface="+mj-lt"/>
                           <a:ea typeface="Calibri" panose="020F0502020204030204" pitchFamily="34" charset="0"/>
@@ -8833,7 +8839,7 @@
                         </a:rPr>
                         <a:t> Rate</a:t>
                       </a:r>
-                      <a:endParaRPr lang="en-US" sz="1200" b="1" dirty="0">
+                      <a:endParaRPr lang="en-US" sz="1800" b="1" dirty="0">
                         <a:effectLst/>
                         <a:latin typeface="+mj-lt"/>
                         <a:ea typeface="Calibri" panose="020F0502020204030204" pitchFamily="34" charset="0"/>
@@ -8857,15 +8863,15 @@
                         </a:spcAft>
                       </a:pPr>
                       <a:r>
-                        <a:rPr lang="en-US" sz="1200" b="1" dirty="0" smtClean="0">
+                        <a:rPr lang="en-US" sz="1800" dirty="0" smtClean="0">
                           <a:effectLst/>
                           <a:latin typeface="Calibri" panose="020F0502020204030204" pitchFamily="34" charset="0"/>
                           <a:ea typeface="Calibri" panose="020F0502020204030204" pitchFamily="34" charset="0"/>
                           <a:cs typeface="Times New Roman" panose="02020603050405020304" pitchFamily="18" charset="0"/>
                         </a:rPr>
-                        <a:t>20 FPS</a:t>
+                        <a:t>N/A</a:t>
                       </a:r>
-                      <a:endParaRPr lang="en-US" sz="1200" b="1" dirty="0">
+                      <a:endParaRPr lang="en-US" sz="1800" dirty="0">
                         <a:effectLst/>
                         <a:latin typeface="Calibri" panose="020F0502020204030204" pitchFamily="34" charset="0"/>
                         <a:ea typeface="Calibri" panose="020F0502020204030204" pitchFamily="34" charset="0"/>
@@ -8889,17 +8895,17 @@
                         </a:spcAft>
                       </a:pPr>
                       <a:r>
-                        <a:rPr lang="en-US" sz="1200" dirty="0" smtClean="0">
+                        <a:rPr lang="en-US" sz="1800" b="0" dirty="0" smtClean="0">
                           <a:effectLst/>
-                          <a:latin typeface="Calibri" panose="020F0502020204030204" pitchFamily="34" charset="0"/>
+                          <a:latin typeface="+mn-lt"/>
                           <a:ea typeface="Calibri" panose="020F0502020204030204" pitchFamily="34" charset="0"/>
                           <a:cs typeface="Times New Roman" panose="02020603050405020304" pitchFamily="18" charset="0"/>
                         </a:rPr>
-                        <a:t>N/A</a:t>
+                        <a:t>20 FPS</a:t>
                       </a:r>
-                      <a:endParaRPr lang="en-US" sz="1200" dirty="0">
+                      <a:endParaRPr lang="en-US" sz="1800" b="0" dirty="0">
                         <a:effectLst/>
-                        <a:latin typeface="Calibri" panose="020F0502020204030204" pitchFamily="34" charset="0"/>
+                        <a:latin typeface="+mn-lt"/>
                         <a:ea typeface="Calibri" panose="020F0502020204030204" pitchFamily="34" charset="0"/>
                         <a:cs typeface="Times New Roman" panose="02020603050405020304" pitchFamily="18" charset="0"/>
                       </a:endParaRPr>
@@ -8921,7 +8927,7 @@
                         </a:spcAft>
                       </a:pPr>
                       <a:r>
-                        <a:rPr lang="en-US" sz="1200" dirty="0" smtClean="0">
+                        <a:rPr lang="en-US" sz="1800" dirty="0" smtClean="0">
                           <a:effectLst/>
                           <a:latin typeface="Calibri" panose="020F0502020204030204" pitchFamily="34" charset="0"/>
                           <a:ea typeface="Calibri" panose="020F0502020204030204" pitchFamily="34" charset="0"/>
@@ -8929,7 +8935,7 @@
                         </a:rPr>
                         <a:t>60 FPS</a:t>
                       </a:r>
-                      <a:endParaRPr lang="en-US" sz="1200" dirty="0">
+                      <a:endParaRPr lang="en-US" sz="1800" dirty="0">
                         <a:effectLst/>
                         <a:latin typeface="Calibri" panose="020F0502020204030204" pitchFamily="34" charset="0"/>
                         <a:ea typeface="Calibri" panose="020F0502020204030204" pitchFamily="34" charset="0"/>
@@ -8955,12 +8961,12 @@
                         </a:spcAft>
                       </a:pPr>
                       <a:r>
-                        <a:rPr lang="en-US" sz="1200" dirty="0">
+                        <a:rPr lang="en-US" sz="1800" dirty="0">
                           <a:effectLst/>
                         </a:rPr>
                         <a:t>Usability</a:t>
                       </a:r>
-                      <a:endParaRPr lang="en-US" sz="1200" dirty="0">
+                      <a:endParaRPr lang="en-US" sz="1800" dirty="0">
                         <a:effectLst/>
                         <a:latin typeface="Calibri" panose="020F0502020204030204" pitchFamily="34" charset="0"/>
                         <a:ea typeface="Calibri" panose="020F0502020204030204" pitchFamily="34" charset="0"/>
@@ -8984,12 +8990,15 @@
                         </a:spcAft>
                       </a:pPr>
                       <a:r>
-                        <a:rPr lang="en-US" sz="1200" dirty="0">
+                        <a:rPr lang="en-US" sz="1800" dirty="0" smtClean="0">
                           <a:effectLst/>
+                          <a:latin typeface="Calibri" panose="020F0502020204030204" pitchFamily="34" charset="0"/>
+                          <a:ea typeface="Calibri" panose="020F0502020204030204" pitchFamily="34" charset="0"/>
+                          <a:cs typeface="Times New Roman" panose="02020603050405020304" pitchFamily="18" charset="0"/>
                         </a:rPr>
-                        <a:t>End user can start up and use device without a technician</a:t>
+                        <a:t>Turnkey startup</a:t>
                       </a:r>
-                      <a:endParaRPr lang="en-US" sz="1200" dirty="0">
+                      <a:endParaRPr lang="en-US" sz="1800" dirty="0">
                         <a:effectLst/>
                         <a:latin typeface="Calibri" panose="020F0502020204030204" pitchFamily="34" charset="0"/>
                         <a:ea typeface="Calibri" panose="020F0502020204030204" pitchFamily="34" charset="0"/>
@@ -9013,15 +9022,12 @@
                         </a:spcAft>
                       </a:pPr>
                       <a:r>
-                        <a:rPr lang="en-US" sz="1200" dirty="0" smtClean="0">
+                        <a:rPr lang="en-US" sz="1800" dirty="0">
                           <a:effectLst/>
-                          <a:latin typeface="Calibri" panose="020F0502020204030204" pitchFamily="34" charset="0"/>
-                          <a:ea typeface="Calibri" panose="020F0502020204030204" pitchFamily="34" charset="0"/>
-                          <a:cs typeface="Times New Roman" panose="02020603050405020304" pitchFamily="18" charset="0"/>
                         </a:rPr>
-                        <a:t>Turnkey startup</a:t>
+                        <a:t>End user can start up and use device without a technician</a:t>
                       </a:r>
-                      <a:endParaRPr lang="en-US" sz="1200" dirty="0">
+                      <a:endParaRPr lang="en-US" sz="1800" dirty="0">
                         <a:effectLst/>
                         <a:latin typeface="Calibri" panose="020F0502020204030204" pitchFamily="34" charset="0"/>
                         <a:ea typeface="Calibri" panose="020F0502020204030204" pitchFamily="34" charset="0"/>
@@ -9045,7 +9051,7 @@
                         </a:spcAft>
                       </a:pPr>
                       <a:r>
-                        <a:rPr lang="en-US" sz="1200" dirty="0" smtClean="0">
+                        <a:rPr lang="en-US" sz="1800" dirty="0" smtClean="0">
                           <a:effectLst/>
                           <a:latin typeface="Calibri" panose="020F0502020204030204" pitchFamily="34" charset="0"/>
                           <a:ea typeface="Calibri" panose="020F0502020204030204" pitchFamily="34" charset="0"/>
@@ -9053,7 +9059,146 @@
                         </a:rPr>
                         <a:t>Turnkey startup</a:t>
                       </a:r>
-                      <a:endParaRPr lang="en-US" sz="1200" dirty="0">
+                      <a:endParaRPr lang="en-US" sz="1800" dirty="0">
+                        <a:effectLst/>
+                        <a:latin typeface="Calibri" panose="020F0502020204030204" pitchFamily="34" charset="0"/>
+                        <a:ea typeface="Calibri" panose="020F0502020204030204" pitchFamily="34" charset="0"/>
+                        <a:cs typeface="Times New Roman" panose="02020603050405020304" pitchFamily="18" charset="0"/>
+                      </a:endParaRPr>
+                    </a:p>
+                  </a:txBody>
+                  <a:tcPr marL="68580" marR="68580" marT="0" marB="0"/>
+                </a:tc>
+              </a:tr>
+              <a:tr h="883920">
+                <a:tc>
+                  <a:txBody>
+                    <a:bodyPr/>
+                    <a:lstStyle/>
+                    <a:p>
+                      <a:pPr marL="0" marR="0" algn="r">
+                        <a:spcBef>
+                          <a:spcPts val="0"/>
+                        </a:spcBef>
+                        <a:spcAft>
+                          <a:spcPts val="0"/>
+                        </a:spcAft>
+                      </a:pPr>
+                      <a:r>
+                        <a:rPr lang="en-US" sz="2000" dirty="0" smtClean="0">
+                          <a:effectLst/>
+                          <a:latin typeface="+mn-lt"/>
+                          <a:ea typeface="Calibri" panose="020F0502020204030204" pitchFamily="34" charset="0"/>
+                          <a:cs typeface="Times New Roman" panose="02020603050405020304" pitchFamily="18" charset="0"/>
+                        </a:rPr>
+                        <a:t># of Simultaneous</a:t>
+                      </a:r>
+                      <a:endParaRPr lang="en-US" sz="2000" dirty="0">
+                        <a:effectLst/>
+                        <a:latin typeface="+mn-lt"/>
+                        <a:ea typeface="Calibri" panose="020F0502020204030204" pitchFamily="34" charset="0"/>
+                        <a:cs typeface="Times New Roman" panose="02020603050405020304" pitchFamily="18" charset="0"/>
+                      </a:endParaRPr>
+                    </a:p>
+                  </a:txBody>
+                  <a:tcPr marL="68580" marR="68580" marT="0" marB="0"/>
+                </a:tc>
+                <a:tc>
+                  <a:txBody>
+                    <a:bodyPr/>
+                    <a:lstStyle/>
+                    <a:p>
+                      <a:pPr marL="0" marR="0">
+                        <a:spcBef>
+                          <a:spcPts val="0"/>
+                        </a:spcBef>
+                        <a:spcAft>
+                          <a:spcPts val="0"/>
+                        </a:spcAft>
+                      </a:pPr>
+                      <a:r>
+                        <a:rPr lang="en-US" sz="1800" dirty="0" smtClean="0">
+                          <a:effectLst/>
+                          <a:latin typeface="Calibri" panose="020F0502020204030204" pitchFamily="34" charset="0"/>
+                          <a:ea typeface="Calibri" panose="020F0502020204030204" pitchFamily="34" charset="0"/>
+                          <a:cs typeface="Times New Roman" panose="02020603050405020304" pitchFamily="18" charset="0"/>
+                        </a:rPr>
+                        <a:t>5-6</a:t>
+                      </a:r>
+                      <a:endParaRPr lang="en-US" sz="1800" dirty="0">
+                        <a:effectLst/>
+                        <a:latin typeface="Calibri" panose="020F0502020204030204" pitchFamily="34" charset="0"/>
+                        <a:ea typeface="Calibri" panose="020F0502020204030204" pitchFamily="34" charset="0"/>
+                        <a:cs typeface="Times New Roman" panose="02020603050405020304" pitchFamily="18" charset="0"/>
+                      </a:endParaRPr>
+                    </a:p>
+                  </a:txBody>
+                  <a:tcPr marL="68580" marR="68580" marT="0" marB="0"/>
+                </a:tc>
+                <a:tc>
+                  <a:txBody>
+                    <a:bodyPr/>
+                    <a:lstStyle/>
+                    <a:p>
+                      <a:pPr marL="0" marR="0">
+                        <a:spcBef>
+                          <a:spcPts val="0"/>
+                        </a:spcBef>
+                        <a:spcAft>
+                          <a:spcPts val="0"/>
+                        </a:spcAft>
+                      </a:pPr>
+                      <a:r>
+                        <a:rPr lang="en-US" sz="1800" dirty="0" smtClean="0">
+                          <a:effectLst/>
+                          <a:latin typeface="Calibri" panose="020F0502020204030204" pitchFamily="34" charset="0"/>
+                          <a:ea typeface="Calibri" panose="020F0502020204030204" pitchFamily="34" charset="0"/>
+                          <a:cs typeface="Times New Roman" panose="02020603050405020304" pitchFamily="18" charset="0"/>
+                        </a:rPr>
+                        <a:t>&gt;</a:t>
+                      </a:r>
+                      <a:r>
+                        <a:rPr lang="en-US" sz="1800" baseline="0" dirty="0" smtClean="0">
+                          <a:effectLst/>
+                          <a:latin typeface="Calibri" panose="020F0502020204030204" pitchFamily="34" charset="0"/>
+                          <a:ea typeface="Calibri" panose="020F0502020204030204" pitchFamily="34" charset="0"/>
+                          <a:cs typeface="Times New Roman" panose="02020603050405020304" pitchFamily="18" charset="0"/>
+                        </a:rPr>
+                        <a:t> Phase 1</a:t>
+                      </a:r>
+                      <a:endParaRPr lang="en-US" sz="1800" dirty="0">
+                        <a:effectLst/>
+                        <a:latin typeface="Calibri" panose="020F0502020204030204" pitchFamily="34" charset="0"/>
+                        <a:ea typeface="Calibri" panose="020F0502020204030204" pitchFamily="34" charset="0"/>
+                        <a:cs typeface="Times New Roman" panose="02020603050405020304" pitchFamily="18" charset="0"/>
+                      </a:endParaRPr>
+                    </a:p>
+                  </a:txBody>
+                  <a:tcPr marL="68580" marR="68580" marT="0" marB="0"/>
+                </a:tc>
+                <a:tc>
+                  <a:txBody>
+                    <a:bodyPr/>
+                    <a:lstStyle/>
+                    <a:p>
+                      <a:pPr marL="0" marR="0">
+                        <a:spcBef>
+                          <a:spcPts val="0"/>
+                        </a:spcBef>
+                        <a:spcAft>
+                          <a:spcPts val="0"/>
+                        </a:spcAft>
+                      </a:pPr>
+                      <a:r>
+                        <a:rPr lang="en-US" sz="1800" dirty="0" smtClean="0">
+                          <a:effectLst/>
+                          <a:latin typeface="Calibri" panose="020F0502020204030204" pitchFamily="34" charset="0"/>
+                          <a:ea typeface="Calibri" panose="020F0502020204030204" pitchFamily="34" charset="0"/>
+                          <a:cs typeface="Times New Roman" panose="02020603050405020304" pitchFamily="18" charset="0"/>
+                        </a:rPr>
+                        <a:t>32+</a:t>
+                      </a:r>
+                      <a:endParaRPr lang="en-US" sz="1800" dirty="0">
                         <a:effectLst/>
                         <a:latin typeface="Calibri" panose="020F0502020204030204" pitchFamily="34" charset="0"/>
                         <a:ea typeface="Calibri" panose="020F0502020204030204" pitchFamily="34" charset="0"/>
@@ -9150,11 +9295,15 @@
             </a:r>
             <a:r>
               <a:rPr lang="en-US" sz="2000" dirty="0" err="1" smtClean="0"/>
-              <a:t>Whr</a:t>
+              <a:t>Wh</a:t>
             </a:r>
             <a:r>
               <a:rPr lang="en-US" sz="2000" dirty="0" smtClean="0"/>
-              <a:t> capacity</a:t>
+              <a:t> </a:t>
+            </a:r>
+            <a:r>
+              <a:rPr lang="en-US" sz="2000" dirty="0" smtClean="0"/>
+              <a:t>capacity</a:t>
             </a:r>
           </a:p>
           <a:p>
@@ -9188,11 +9337,7 @@
             <a:pPr lvl="2"/>
             <a:r>
               <a:rPr lang="en-US" dirty="0" smtClean="0"/>
-              <a:t>Re-use GPS, inertial measurement unit</a:t>
-            </a:r>
-            <a:r>
-              <a:rPr lang="en-US" dirty="0" smtClean="0"/>
-              <a:t>,</a:t>
+              <a:t>Re-use GPS, inertial measurement unit,</a:t>
             </a:r>
           </a:p>
           <a:p>
@@ -9205,15 +9350,7 @@
             </a:r>
             <a:r>
               <a:rPr lang="en-US" dirty="0" smtClean="0"/>
-              <a:t> </a:t>
-            </a:r>
-            <a:r>
-              <a:rPr lang="en-US" dirty="0" smtClean="0"/>
-              <a:t> </a:t>
-            </a:r>
-            <a:r>
-              <a:rPr lang="en-US" dirty="0" smtClean="0"/>
-              <a:t>microcontroller</a:t>
+              <a:t>  microcontroller</a:t>
             </a:r>
           </a:p>
           <a:p>
@@ -9264,66 +9401,6 @@
             <a:r>
               <a:rPr lang="en-US" dirty="0" smtClean="0"/>
               <a:t>Accomplishments To Date (PHA2)</a:t>
-            </a:r>
-            <a:endParaRPr lang="en-US" dirty="0"/>
-          </a:p>
-        </p:txBody>
-      </p:sp>
-      <p:sp>
-        <p:nvSpPr>
-          <p:cNvPr id="4" name="TextBox 3"/>
-          <p:cNvSpPr txBox="1"/>
-          <p:nvPr/>
-        </p:nvSpPr>
-        <p:spPr>
-          <a:xfrm>
-            <a:off x="5715000" y="2751307"/>
-            <a:ext cx="2633798" cy="369332"/>
-          </a:xfrm>
-          <a:prstGeom prst="rect">
-            <a:avLst/>
-          </a:prstGeom>
-          <a:noFill/>
-        </p:spPr>
-        <p:txBody>
-          <a:bodyPr wrap="none" rtlCol="0">
-            <a:spAutoFit/>
-          </a:bodyPr>
-          <a:lstStyle/>
-          <a:p>
-            <a:r>
-              <a:rPr lang="en-US" dirty="0" smtClean="0"/>
-              <a:t>[POWER CONSUMPTION]</a:t>
-            </a:r>
-            <a:endParaRPr lang="en-US" dirty="0"/>
-          </a:p>
-        </p:txBody>
-      </p:sp>
-      <p:sp>
-        <p:nvSpPr>
-          <p:cNvPr id="5" name="TextBox 4"/>
-          <p:cNvSpPr txBox="1"/>
-          <p:nvPr/>
-        </p:nvSpPr>
-        <p:spPr>
-          <a:xfrm>
-            <a:off x="6236451" y="5105400"/>
-            <a:ext cx="729687" cy="369332"/>
-          </a:xfrm>
-          <a:prstGeom prst="rect">
-            <a:avLst/>
-          </a:prstGeom>
-          <a:noFill/>
-        </p:spPr>
-        <p:txBody>
-          <a:bodyPr wrap="none" rtlCol="0">
-            <a:spAutoFit/>
-          </a:bodyPr>
-          <a:lstStyle/>
-          <a:p>
-            <a:r>
-              <a:rPr lang="en-US" dirty="0" smtClean="0"/>
-              <a:t>[PCB]</a:t>
             </a:r>
             <a:endParaRPr lang="en-US" dirty="0"/>
           </a:p>
@@ -9337,7 +9414,7 @@
           </p:cNvPicPr>
           <p:nvPr/>
         </p:nvPicPr>
-        <p:blipFill>
+        <p:blipFill rotWithShape="1">
           <a:blip r:embed="rId2" cstate="print">
             <a:extLst>
               <a:ext uri="{28A0092B-C50C-407E-A947-70E740481C1C}">
@@ -9346,14 +9423,12 @@
             </a:extLst>
           </a:blip>
           <a:srcRect/>
-          <a:stretch>
-            <a:fillRect/>
-          </a:stretch>
+          <a:stretch/>
         </p:blipFill>
         <p:spPr bwMode="auto">
           <a:xfrm>
-            <a:off x="5524944" y="2590800"/>
-            <a:ext cx="3161856" cy="2101125"/>
+            <a:off x="5749752" y="2667000"/>
+            <a:ext cx="2559802" cy="1935952"/>
           </a:xfrm>
           <a:prstGeom prst="rect">
             <a:avLst/>
@@ -9368,6 +9443,36 @@
               </a14:hiddenFill>
             </a:ext>
           </a:extLst>
+        </p:spPr>
+      </p:pic>
+      <p:pic>
+        <p:nvPicPr>
+          <p:cNvPr id="7" name="Content Placeholder 3"/>
+          <p:cNvPicPr>
+            <a:picLocks noChangeAspect="1"/>
+          </p:cNvPicPr>
+          <p:nvPr/>
+        </p:nvPicPr>
+        <p:blipFill>
+          <a:blip r:embed="rId3" cstate="print">
+            <a:extLst>
+              <a:ext uri="{28A0092B-C50C-407E-A947-70E740481C1C}">
+                <a14:useLocalDpi xmlns:a14="http://schemas.microsoft.com/office/drawing/2010/main"/>
+              </a:ext>
+            </a:extLst>
+          </a:blip>
+          <a:stretch>
+            <a:fillRect/>
+          </a:stretch>
+        </p:blipFill>
+        <p:spPr>
+          <a:xfrm>
+            <a:off x="6172200" y="4814786"/>
+            <a:ext cx="1714907" cy="1554901"/>
+          </a:xfrm>
+          <a:prstGeom prst="rect">
+            <a:avLst/>
+          </a:prstGeom>
         </p:spPr>
       </p:pic>
     </p:spTree>
@@ -9517,6 +9622,13 @@
   <p:clrMapOvr>
     <a:masterClrMapping/>
   </p:clrMapOvr>
+  <p:timing>
+    <p:tnLst>
+      <p:par>
+        <p:cTn id="1" dur="indefinite" restart="never" nodeType="tmRoot"/>
+      </p:par>
+    </p:tnLst>
+  </p:timing>
 </p:sld>
 </file>
 
@@ -9602,6 +9714,13 @@
   <p:clrMapOvr>
     <a:masterClrMapping/>
   </p:clrMapOvr>
+  <p:timing>
+    <p:tnLst>
+      <p:par>
+        <p:cTn id="1" dur="indefinite" restart="never" nodeType="tmRoot"/>
+      </p:par>
+    </p:tnLst>
+  </p:timing>
 </p:sld>
 </file>
 
@@ -9683,6 +9802,13 @@
   <p:clrMapOvr>
     <a:masterClrMapping/>
   </p:clrMapOvr>
+  <p:timing>
+    <p:tnLst>
+      <p:par>
+        <p:cTn id="1" dur="indefinite" restart="never" nodeType="tmRoot"/>
+      </p:par>
+    </p:tnLst>
+  </p:timing>
 </p:sld>
 </file>
 
@@ -9764,6 +9890,13 @@
   <p:clrMapOvr>
     <a:masterClrMapping/>
   </p:clrMapOvr>
+  <p:timing>
+    <p:tnLst>
+      <p:par>
+        <p:cTn id="1" dur="indefinite" restart="never" nodeType="tmRoot"/>
+      </p:par>
+    </p:tnLst>
+  </p:timing>
 </p:sld>
 </file>
 
@@ -9817,14 +9950,14 @@
             <p:ph idx="1"/>
             <p:extLst>
               <p:ext uri="{D42A27DB-BD31-4B8C-83A1-F6EECF244321}">
-                <p14:modId xmlns:p14="http://schemas.microsoft.com/office/powerpoint/2010/main" val="3049841390"/>
+                <p14:modId xmlns:p14="http://schemas.microsoft.com/office/powerpoint/2010/main" val="1485766992"/>
               </p:ext>
             </p:extLst>
           </p:nvPr>
         </p:nvGraphicFramePr>
         <p:xfrm>
           <a:off x="152400" y="1371599"/>
-          <a:ext cx="8839199" cy="5334000"/>
+          <a:ext cx="5212116" cy="4270000"/>
         </p:xfrm>
         <a:graphic>
           <a:graphicData uri="http://schemas.openxmlformats.org/drawingml/2006/table">
@@ -9834,9 +9967,7 @@
               </a:tblPr>
               <a:tblGrid>
                 <a:gridCol w="1556019"/>
-                <a:gridCol w="2698551"/>
                 <a:gridCol w="1015583"/>
-                <a:gridCol w="928532"/>
                 <a:gridCol w="928532"/>
                 <a:gridCol w="928532"/>
                 <a:gridCol w="783450"/>
@@ -9849,12 +9980,12 @@
                     <a:p>
                       <a:pPr algn="l" fontAlgn="b"/>
                       <a:r>
-                        <a:rPr lang="en-US" sz="1100" u="none" strike="noStrike">
+                        <a:rPr lang="en-US" sz="1100" u="none" strike="noStrike" dirty="0">
                           <a:effectLst/>
                         </a:rPr>
                         <a:t>Name</a:t>
                       </a:r>
-                      <a:endParaRPr lang="en-US" sz="1100" b="1" i="0" u="none" strike="noStrike">
+                      <a:endParaRPr lang="en-US" sz="1100" b="1" i="0" u="none" strike="noStrike" dirty="0">
                         <a:solidFill>
                           <a:srgbClr val="000000"/>
                         </a:solidFill>
@@ -9872,35 +10003,12 @@
                     <a:p>
                       <a:pPr algn="l" fontAlgn="b"/>
                       <a:r>
-                        <a:rPr lang="en-US" sz="1100" u="none" strike="noStrike">
-                          <a:effectLst/>
-                        </a:rPr>
-                        <a:t>Item</a:t>
-                      </a:r>
-                      <a:endParaRPr lang="en-US" sz="1100" b="1" i="0" u="none" strike="noStrike">
-                        <a:solidFill>
-                          <a:srgbClr val="000000"/>
-                        </a:solidFill>
-                        <a:effectLst/>
-                        <a:latin typeface="Liberation Sans"/>
-                      </a:endParaRPr>
-                    </a:p>
-                  </a:txBody>
-                  <a:tcPr marL="9525" marR="9525" marT="9525" marB="0" anchor="b"/>
-                </a:tc>
-                <a:tc>
-                  <a:txBody>
-                    <a:bodyPr/>
-                    <a:lstStyle/>
-                    <a:p>
-                      <a:pPr algn="l" fontAlgn="b"/>
-                      <a:r>
-                        <a:rPr lang="en-US" sz="1100" u="none" strike="noStrike">
+                        <a:rPr lang="en-US" sz="1100" u="none" strike="noStrike" dirty="0">
                           <a:effectLst/>
                         </a:rPr>
                         <a:t>Vendor</a:t>
                       </a:r>
-                      <a:endParaRPr lang="en-US" sz="1100" b="1" i="0" u="none" strike="noStrike">
+                      <a:endParaRPr lang="en-US" sz="1100" b="1" i="0" u="none" strike="noStrike" dirty="0">
                         <a:solidFill>
                           <a:srgbClr val="000000"/>
                         </a:solidFill>
@@ -9941,35 +10049,12 @@
                     <a:p>
                       <a:pPr algn="l" fontAlgn="b"/>
                       <a:r>
-                        <a:rPr lang="en-US" sz="1100" u="none" strike="noStrike">
-                          <a:effectLst/>
-                        </a:rPr>
-                        <a:t>Shipping</a:t>
-                      </a:r>
-                      <a:endParaRPr lang="en-US" sz="1100" b="1" i="0" u="none" strike="noStrike">
-                        <a:solidFill>
-                          <a:srgbClr val="000000"/>
-                        </a:solidFill>
-                        <a:effectLst/>
-                        <a:latin typeface="Liberation Sans"/>
-                      </a:endParaRPr>
-                    </a:p>
-                  </a:txBody>
-                  <a:tcPr marL="9525" marR="9525" marT="9525" marB="0" anchor="b"/>
-                </a:tc>
-                <a:tc>
-                  <a:txBody>
-                    <a:bodyPr/>
-                    <a:lstStyle/>
-                    <a:p>
-                      <a:pPr algn="l" fontAlgn="b"/>
-                      <a:r>
-                        <a:rPr lang="en-US" sz="1100" u="none" strike="noStrike">
+                        <a:rPr lang="en-US" sz="1100" u="none" strike="noStrike" dirty="0">
                           <a:effectLst/>
                         </a:rPr>
                         <a:t>Quantity</a:t>
                       </a:r>
-                      <a:endParaRPr lang="en-US" sz="1100" b="1" i="0" u="none" strike="noStrike">
+                      <a:endParaRPr lang="en-US" sz="1100" b="1" i="0" u="none" strike="noStrike" dirty="0">
                         <a:solidFill>
                           <a:srgbClr val="000000"/>
                         </a:solidFill>
@@ -10034,30 +10119,13 @@
                     <a:lstStyle/>
                     <a:p>
                       <a:pPr algn="l" fontAlgn="b"/>
-                      <a:endParaRPr lang="en-US" sz="1100" b="0" i="0" u="none" strike="noStrike">
-                        <a:solidFill>
-                          <a:srgbClr val="000000"/>
-                        </a:solidFill>
-                        <a:effectLst/>
-                        <a:latin typeface="Liberation Sans"/>
-                      </a:endParaRPr>
-                    </a:p>
-                  </a:txBody>
-                  <a:tcPr marL="9525" marR="9525" marT="9525" marB="0" anchor="b"/>
-                </a:tc>
-                <a:tc>
-                  <a:txBody>
-                    <a:bodyPr/>
-                    <a:lstStyle/>
-                    <a:p>
-                      <a:pPr algn="l" fontAlgn="b"/>
                       <a:r>
-                        <a:rPr lang="en-US" sz="1100" u="none" strike="noStrike">
+                        <a:rPr lang="en-US" sz="1100" u="none" strike="noStrike" dirty="0" err="1">
                           <a:effectLst/>
                         </a:rPr>
                         <a:t>BatterySpace</a:t>
                       </a:r>
-                      <a:endParaRPr lang="en-US" sz="1100" b="0" i="0" u="none" strike="noStrike">
+                      <a:endParaRPr lang="en-US" sz="1100" b="0" i="0" u="none" strike="noStrike" dirty="0">
                         <a:solidFill>
                           <a:srgbClr val="000000"/>
                         </a:solidFill>
@@ -10080,23 +10148,6 @@
                         </a:rPr>
                         <a:t>66.95</a:t>
                       </a:r>
-                      <a:endParaRPr lang="en-US" sz="1100" b="0" i="0" u="none" strike="noStrike">
-                        <a:solidFill>
-                          <a:srgbClr val="000000"/>
-                        </a:solidFill>
-                        <a:effectLst/>
-                        <a:latin typeface="Liberation Sans"/>
-                      </a:endParaRPr>
-                    </a:p>
-                  </a:txBody>
-                  <a:tcPr marL="9525" marR="9525" marT="9525" marB="0" anchor="b"/>
-                </a:tc>
-                <a:tc>
-                  <a:txBody>
-                    <a:bodyPr/>
-                    <a:lstStyle/>
-                    <a:p>
-                      <a:pPr algn="l" fontAlgn="b"/>
                       <a:endParaRPr lang="en-US" sz="1100" b="0" i="0" u="none" strike="noStrike">
                         <a:solidFill>
                           <a:srgbClr val="000000"/>
@@ -10185,30 +10236,13 @@
                     <a:lstStyle/>
                     <a:p>
                       <a:pPr algn="l" fontAlgn="b"/>
-                      <a:endParaRPr lang="en-US" sz="1100" b="0" i="0" u="none" strike="noStrike">
-                        <a:solidFill>
-                          <a:srgbClr val="000000"/>
-                        </a:solidFill>
-                        <a:effectLst/>
-                        <a:latin typeface="Liberation Sans"/>
-                      </a:endParaRPr>
-                    </a:p>
-                  </a:txBody>
-                  <a:tcPr marL="9525" marR="9525" marT="9525" marB="0" anchor="b"/>
-                </a:tc>
-                <a:tc>
-                  <a:txBody>
-                    <a:bodyPr/>
-                    <a:lstStyle/>
-                    <a:p>
-                      <a:pPr algn="l" fontAlgn="b"/>
                       <a:r>
-                        <a:rPr lang="en-US" sz="1100" u="none" strike="noStrike">
+                        <a:rPr lang="en-US" sz="1100" u="none" strike="noStrike" dirty="0" err="1" smtClean="0">
                           <a:effectLst/>
                         </a:rPr>
-                        <a:t>AdaFruit</a:t>
+                        <a:t>Adafruit</a:t>
                       </a:r>
-                      <a:endParaRPr lang="en-US" sz="1100" b="0" i="0" u="none" strike="noStrike">
+                      <a:endParaRPr lang="en-US" sz="1100" b="0" i="0" u="none" strike="noStrike" dirty="0">
                         <a:solidFill>
                           <a:srgbClr val="000000"/>
                         </a:solidFill>
@@ -10231,23 +10265,6 @@
                         </a:rPr>
                         <a:t>139.95</a:t>
                       </a:r>
-                      <a:endParaRPr lang="en-US" sz="1100" b="0" i="0" u="none" strike="noStrike">
-                        <a:solidFill>
-                          <a:srgbClr val="000000"/>
-                        </a:solidFill>
-                        <a:effectLst/>
-                        <a:latin typeface="Liberation Sans"/>
-                      </a:endParaRPr>
-                    </a:p>
-                  </a:txBody>
-                  <a:tcPr marL="9525" marR="9525" marT="9525" marB="0" anchor="b"/>
-                </a:tc>
-                <a:tc>
-                  <a:txBody>
-                    <a:bodyPr/>
-                    <a:lstStyle/>
-                    <a:p>
-                      <a:pPr algn="l" fontAlgn="b"/>
                       <a:endParaRPr lang="en-US" sz="1100" b="0" i="0" u="none" strike="noStrike">
                         <a:solidFill>
                           <a:srgbClr val="000000"/>
@@ -10336,30 +10353,13 @@
                     <a:lstStyle/>
                     <a:p>
                       <a:pPr algn="l" fontAlgn="b"/>
-                      <a:endParaRPr lang="en-US" sz="1100" b="0" i="0" u="none" strike="noStrike">
-                        <a:solidFill>
-                          <a:srgbClr val="000000"/>
-                        </a:solidFill>
-                        <a:effectLst/>
-                        <a:latin typeface="Liberation Sans"/>
-                      </a:endParaRPr>
-                    </a:p>
-                  </a:txBody>
-                  <a:tcPr marL="9525" marR="9525" marT="9525" marB="0" anchor="b"/>
-                </a:tc>
-                <a:tc>
-                  <a:txBody>
-                    <a:bodyPr/>
-                    <a:lstStyle/>
-                    <a:p>
-                      <a:pPr algn="l" fontAlgn="b"/>
                       <a:r>
-                        <a:rPr lang="en-US" sz="1100" u="none" strike="noStrike">
+                        <a:rPr lang="en-US" sz="1100" u="none" strike="noStrike" dirty="0" err="1" smtClean="0">
                           <a:effectLst/>
                         </a:rPr>
-                        <a:t>AdaFruit</a:t>
+                        <a:t>Adafruit</a:t>
                       </a:r>
-                      <a:endParaRPr lang="en-US" sz="1100" b="0" i="0" u="none" strike="noStrike">
+                      <a:endParaRPr lang="en-US" sz="1100" b="0" i="0" u="none" strike="noStrike" dirty="0">
                         <a:solidFill>
                           <a:srgbClr val="000000"/>
                         </a:solidFill>
@@ -10382,23 +10382,6 @@
                         </a:rPr>
                         <a:t>64.95</a:t>
                       </a:r>
-                      <a:endParaRPr lang="en-US" sz="1100" b="0" i="0" u="none" strike="noStrike">
-                        <a:solidFill>
-                          <a:srgbClr val="000000"/>
-                        </a:solidFill>
-                        <a:effectLst/>
-                        <a:latin typeface="Liberation Sans"/>
-                      </a:endParaRPr>
-                    </a:p>
-                  </a:txBody>
-                  <a:tcPr marL="9525" marR="9525" marT="9525" marB="0" anchor="b"/>
-                </a:tc>
-                <a:tc>
-                  <a:txBody>
-                    <a:bodyPr/>
-                    <a:lstStyle/>
-                    <a:p>
-                      <a:pPr algn="l" fontAlgn="b"/>
                       <a:endParaRPr lang="en-US" sz="1100" b="0" i="0" u="none" strike="noStrike">
                         <a:solidFill>
                           <a:srgbClr val="000000"/>
@@ -10487,30 +10470,13 @@
                     <a:lstStyle/>
                     <a:p>
                       <a:pPr algn="l" fontAlgn="b"/>
-                      <a:endParaRPr lang="en-US" sz="1100" b="0" i="0" u="none" strike="noStrike">
-                        <a:solidFill>
-                          <a:srgbClr val="000000"/>
-                        </a:solidFill>
-                        <a:effectLst/>
-                        <a:latin typeface="Liberation Sans"/>
-                      </a:endParaRPr>
-                    </a:p>
-                  </a:txBody>
-                  <a:tcPr marL="9525" marR="9525" marT="9525" marB="0" anchor="b"/>
-                </a:tc>
-                <a:tc>
-                  <a:txBody>
-                    <a:bodyPr/>
-                    <a:lstStyle/>
-                    <a:p>
-                      <a:pPr algn="l" fontAlgn="b"/>
                       <a:r>
-                        <a:rPr lang="en-US" sz="1100" u="none" strike="noStrike">
+                        <a:rPr lang="en-US" sz="1100" u="none" strike="noStrike" dirty="0">
                           <a:effectLst/>
                         </a:rPr>
                         <a:t>Mouser</a:t>
                       </a:r>
-                      <a:endParaRPr lang="en-US" sz="1100" b="0" i="0" u="none" strike="noStrike">
+                      <a:endParaRPr lang="en-US" sz="1100" b="0" i="0" u="none" strike="noStrike" dirty="0">
                         <a:solidFill>
                           <a:srgbClr val="000000"/>
                         </a:solidFill>
@@ -10533,23 +10499,6 @@
                         </a:rPr>
                         <a:t>$28.75 </a:t>
                       </a:r>
-                      <a:endParaRPr lang="en-US" sz="1100" b="0" i="0" u="none" strike="noStrike">
-                        <a:solidFill>
-                          <a:srgbClr val="000000"/>
-                        </a:solidFill>
-                        <a:effectLst/>
-                        <a:latin typeface="Liberation Sans"/>
-                      </a:endParaRPr>
-                    </a:p>
-                  </a:txBody>
-                  <a:tcPr marL="9525" marR="9525" marT="9525" marB="0" anchor="b"/>
-                </a:tc>
-                <a:tc>
-                  <a:txBody>
-                    <a:bodyPr/>
-                    <a:lstStyle/>
-                    <a:p>
-                      <a:pPr algn="l" fontAlgn="b"/>
                       <a:endParaRPr lang="en-US" sz="1100" b="0" i="0" u="none" strike="noStrike">
                         <a:solidFill>
                           <a:srgbClr val="000000"/>
@@ -10638,30 +10587,13 @@
                     <a:lstStyle/>
                     <a:p>
                       <a:pPr algn="l" fontAlgn="b"/>
-                      <a:endParaRPr lang="en-US" sz="1100" b="0" i="0" u="none" strike="noStrike">
-                        <a:solidFill>
-                          <a:srgbClr val="000000"/>
-                        </a:solidFill>
-                        <a:effectLst/>
-                        <a:latin typeface="Liberation Sans"/>
-                      </a:endParaRPr>
-                    </a:p>
-                  </a:txBody>
-                  <a:tcPr marL="9525" marR="9525" marT="9525" marB="0" anchor="b"/>
-                </a:tc>
-                <a:tc>
-                  <a:txBody>
-                    <a:bodyPr/>
-                    <a:lstStyle/>
-                    <a:p>
-                      <a:pPr algn="l" fontAlgn="b"/>
                       <a:r>
-                        <a:rPr lang="en-US" sz="1100" u="none" strike="noStrike">
+                        <a:rPr lang="en-US" sz="1100" u="none" strike="noStrike" dirty="0" err="1" smtClean="0">
                           <a:effectLst/>
                         </a:rPr>
-                        <a:t>SparkFun</a:t>
+                        <a:t>Sparkfun</a:t>
                       </a:r>
-                      <a:endParaRPr lang="en-US" sz="1100" b="0" i="0" u="none" strike="noStrike">
+                      <a:endParaRPr lang="en-US" sz="1100" b="0" i="0" u="none" strike="noStrike" dirty="0">
                         <a:solidFill>
                           <a:srgbClr val="000000"/>
                         </a:solidFill>
@@ -10684,23 +10616,6 @@
                         </a:rPr>
                         <a:t>49.99</a:t>
                       </a:r>
-                      <a:endParaRPr lang="en-US" sz="1100" b="0" i="0" u="none" strike="noStrike">
-                        <a:solidFill>
-                          <a:srgbClr val="000000"/>
-                        </a:solidFill>
-                        <a:effectLst/>
-                        <a:latin typeface="Liberation Sans"/>
-                      </a:endParaRPr>
-                    </a:p>
-                  </a:txBody>
-                  <a:tcPr marL="9525" marR="9525" marT="9525" marB="0" anchor="b"/>
-                </a:tc>
-                <a:tc>
-                  <a:txBody>
-                    <a:bodyPr/>
-                    <a:lstStyle/>
-                    <a:p>
-                      <a:pPr algn="l" fontAlgn="b"/>
                       <a:endParaRPr lang="en-US" sz="1100" b="0" i="0" u="none" strike="noStrike">
                         <a:solidFill>
                           <a:srgbClr val="000000"/>
@@ -10789,30 +10704,13 @@
                     <a:lstStyle/>
                     <a:p>
                       <a:pPr algn="l" fontAlgn="b"/>
-                      <a:endParaRPr lang="en-US" sz="1100" b="0" i="0" u="none" strike="noStrike">
-                        <a:solidFill>
-                          <a:srgbClr val="000000"/>
-                        </a:solidFill>
-                        <a:effectLst/>
-                        <a:latin typeface="Liberation Sans"/>
-                      </a:endParaRPr>
-                    </a:p>
-                  </a:txBody>
-                  <a:tcPr marL="9525" marR="9525" marT="9525" marB="0" anchor="b"/>
-                </a:tc>
-                <a:tc>
-                  <a:txBody>
-                    <a:bodyPr/>
-                    <a:lstStyle/>
-                    <a:p>
-                      <a:pPr algn="l" fontAlgn="b"/>
                       <a:r>
-                        <a:rPr lang="en-US" sz="1100" u="none" strike="noStrike">
+                        <a:rPr lang="en-US" sz="1100" u="none" strike="noStrike" dirty="0">
                           <a:effectLst/>
                         </a:rPr>
                         <a:t>Various</a:t>
                       </a:r>
-                      <a:endParaRPr lang="en-US" sz="1100" b="0" i="0" u="none" strike="noStrike">
+                      <a:endParaRPr lang="en-US" sz="1100" b="0" i="0" u="none" strike="noStrike" dirty="0">
                         <a:solidFill>
                           <a:srgbClr val="000000"/>
                         </a:solidFill>
@@ -10835,23 +10733,6 @@
                         </a:rPr>
                         <a:t>10</a:t>
                       </a:r>
-                      <a:endParaRPr lang="en-US" sz="1100" b="0" i="0" u="none" strike="noStrike">
-                        <a:solidFill>
-                          <a:srgbClr val="000000"/>
-                        </a:solidFill>
-                        <a:effectLst/>
-                        <a:latin typeface="Liberation Sans"/>
-                      </a:endParaRPr>
-                    </a:p>
-                  </a:txBody>
-                  <a:tcPr marL="9525" marR="9525" marT="9525" marB="0" anchor="b"/>
-                </a:tc>
-                <a:tc>
-                  <a:txBody>
-                    <a:bodyPr/>
-                    <a:lstStyle/>
-                    <a:p>
-                      <a:pPr algn="l" fontAlgn="b"/>
                       <a:endParaRPr lang="en-US" sz="1100" b="0" i="0" u="none" strike="noStrike">
                         <a:solidFill>
                           <a:srgbClr val="000000"/>
@@ -10940,30 +10821,13 @@
                     <a:lstStyle/>
                     <a:p>
                       <a:pPr algn="l" fontAlgn="b"/>
-                      <a:endParaRPr lang="en-US" sz="1100" b="0" i="0" u="none" strike="noStrike">
-                        <a:solidFill>
-                          <a:srgbClr val="000000"/>
-                        </a:solidFill>
-                        <a:effectLst/>
-                        <a:latin typeface="Liberation Sans"/>
-                      </a:endParaRPr>
-                    </a:p>
-                  </a:txBody>
-                  <a:tcPr marL="9525" marR="9525" marT="9525" marB="0" anchor="b"/>
-                </a:tc>
-                <a:tc>
-                  <a:txBody>
-                    <a:bodyPr/>
-                    <a:lstStyle/>
-                    <a:p>
-                      <a:pPr algn="l" fontAlgn="b"/>
                       <a:r>
-                        <a:rPr lang="en-US" sz="1100" u="none" strike="noStrike">
+                        <a:rPr lang="en-US" sz="1100" u="none" strike="noStrike" dirty="0" smtClean="0">
                           <a:effectLst/>
                         </a:rPr>
-                        <a:t>Oshpark</a:t>
+                        <a:t>OSH Park</a:t>
                       </a:r>
-                      <a:endParaRPr lang="en-US" sz="1100" b="0" i="0" u="none" strike="noStrike">
+                      <a:endParaRPr lang="en-US" sz="1100" b="0" i="0" u="none" strike="noStrike" dirty="0">
                         <a:solidFill>
                           <a:srgbClr val="000000"/>
                         </a:solidFill>
@@ -10986,23 +10850,6 @@
                         </a:rPr>
                         <a:t>40</a:t>
                       </a:r>
-                      <a:endParaRPr lang="en-US" sz="1100" b="0" i="0" u="none" strike="noStrike">
-                        <a:solidFill>
-                          <a:srgbClr val="000000"/>
-                        </a:solidFill>
-                        <a:effectLst/>
-                        <a:latin typeface="Liberation Sans"/>
-                      </a:endParaRPr>
-                    </a:p>
-                  </a:txBody>
-                  <a:tcPr marL="9525" marR="9525" marT="9525" marB="0" anchor="b"/>
-                </a:tc>
-                <a:tc>
-                  <a:txBody>
-                    <a:bodyPr/>
-                    <a:lstStyle/>
-                    <a:p>
-                      <a:pPr algn="l" fontAlgn="b"/>
                       <a:endParaRPr lang="en-US" sz="1100" b="0" i="0" u="none" strike="noStrike">
                         <a:solidFill>
                           <a:srgbClr val="000000"/>
@@ -11091,30 +10938,13 @@
                     <a:lstStyle/>
                     <a:p>
                       <a:pPr algn="l" fontAlgn="b"/>
-                      <a:endParaRPr lang="en-US" sz="1100" b="0" i="0" u="none" strike="noStrike">
-                        <a:solidFill>
-                          <a:srgbClr val="000000"/>
-                        </a:solidFill>
-                        <a:effectLst/>
-                        <a:latin typeface="Liberation Sans"/>
-                      </a:endParaRPr>
-                    </a:p>
-                  </a:txBody>
-                  <a:tcPr marL="9525" marR="9525" marT="9525" marB="0" anchor="b"/>
-                </a:tc>
-                <a:tc>
-                  <a:txBody>
-                    <a:bodyPr/>
-                    <a:lstStyle/>
-                    <a:p>
-                      <a:pPr algn="l" fontAlgn="b"/>
                       <a:r>
-                        <a:rPr lang="en-US" sz="1100" u="none" strike="noStrike">
+                        <a:rPr lang="en-US" sz="1100" u="none" strike="noStrike" dirty="0" err="1">
                           <a:effectLst/>
                         </a:rPr>
                         <a:t>DigiKey</a:t>
                       </a:r>
-                      <a:endParaRPr lang="en-US" sz="1100" b="0" i="0" u="none" strike="noStrike">
+                      <a:endParaRPr lang="en-US" sz="1100" b="0" i="0" u="none" strike="noStrike" dirty="0">
                         <a:solidFill>
                           <a:srgbClr val="000000"/>
                         </a:solidFill>
@@ -11137,23 +10967,6 @@
                         </a:rPr>
                         <a:t>11.45</a:t>
                       </a:r>
-                      <a:endParaRPr lang="en-US" sz="1100" b="0" i="0" u="none" strike="noStrike">
-                        <a:solidFill>
-                          <a:srgbClr val="000000"/>
-                        </a:solidFill>
-                        <a:effectLst/>
-                        <a:latin typeface="Liberation Sans"/>
-                      </a:endParaRPr>
-                    </a:p>
-                  </a:txBody>
-                  <a:tcPr marL="9525" marR="9525" marT="9525" marB="0" anchor="b"/>
-                </a:tc>
-                <a:tc>
-                  <a:txBody>
-                    <a:bodyPr/>
-                    <a:lstStyle/>
-                    <a:p>
-                      <a:pPr algn="l" fontAlgn="b"/>
                       <a:endParaRPr lang="en-US" sz="1100" b="0" i="0" u="none" strike="noStrike">
                         <a:solidFill>
                           <a:srgbClr val="000000"/>
@@ -11242,30 +11055,13 @@
                     <a:lstStyle/>
                     <a:p>
                       <a:pPr algn="l" fontAlgn="b"/>
-                      <a:endParaRPr lang="en-US" sz="1100" b="0" i="0" u="none" strike="noStrike">
-                        <a:solidFill>
-                          <a:srgbClr val="000000"/>
-                        </a:solidFill>
-                        <a:effectLst/>
-                        <a:latin typeface="Liberation Sans"/>
-                      </a:endParaRPr>
-                    </a:p>
-                  </a:txBody>
-                  <a:tcPr marL="9525" marR="9525" marT="9525" marB="0" anchor="b"/>
-                </a:tc>
-                <a:tc>
-                  <a:txBody>
-                    <a:bodyPr/>
-                    <a:lstStyle/>
-                    <a:p>
-                      <a:pPr algn="l" fontAlgn="b"/>
                       <a:r>
-                        <a:rPr lang="en-US" sz="1100" u="none" strike="noStrike">
+                        <a:rPr lang="en-US" sz="1100" u="none" strike="noStrike" dirty="0" err="1">
                           <a:effectLst/>
                         </a:rPr>
                         <a:t>BatterySpace</a:t>
                       </a:r>
-                      <a:endParaRPr lang="en-US" sz="1100" b="0" i="0" u="none" strike="noStrike">
+                      <a:endParaRPr lang="en-US" sz="1100" b="0" i="0" u="none" strike="noStrike" dirty="0">
                         <a:solidFill>
                           <a:srgbClr val="000000"/>
                         </a:solidFill>
@@ -11288,23 +11084,6 @@
                         </a:rPr>
                         <a:t>39.95</a:t>
                       </a:r>
-                      <a:endParaRPr lang="en-US" sz="1100" b="0" i="0" u="none" strike="noStrike">
-                        <a:solidFill>
-                          <a:srgbClr val="000000"/>
-                        </a:solidFill>
-                        <a:effectLst/>
-                        <a:latin typeface="Liberation Sans"/>
-                      </a:endParaRPr>
-                    </a:p>
-                  </a:txBody>
-                  <a:tcPr marL="9525" marR="9525" marT="9525" marB="0" anchor="b"/>
-                </a:tc>
-                <a:tc>
-                  <a:txBody>
-                    <a:bodyPr/>
-                    <a:lstStyle/>
-                    <a:p>
-                      <a:pPr algn="l" fontAlgn="b"/>
                       <a:endParaRPr lang="en-US" sz="1100" b="0" i="0" u="none" strike="noStrike">
                         <a:solidFill>
                           <a:srgbClr val="000000"/>
@@ -11393,30 +11172,13 @@
                     <a:lstStyle/>
                     <a:p>
                       <a:pPr algn="l" fontAlgn="b"/>
-                      <a:endParaRPr lang="en-US" sz="1100" b="0" i="0" u="none" strike="noStrike">
-                        <a:solidFill>
-                          <a:srgbClr val="000000"/>
-                        </a:solidFill>
-                        <a:effectLst/>
-                        <a:latin typeface="Liberation Sans"/>
-                      </a:endParaRPr>
-                    </a:p>
-                  </a:txBody>
-                  <a:tcPr marL="9525" marR="9525" marT="9525" marB="0" anchor="b"/>
-                </a:tc>
-                <a:tc>
-                  <a:txBody>
-                    <a:bodyPr/>
-                    <a:lstStyle/>
-                    <a:p>
-                      <a:pPr algn="l" fontAlgn="b"/>
                       <a:r>
-                        <a:rPr lang="en-US" sz="1100" u="none" strike="noStrike">
+                        <a:rPr lang="en-US" sz="1100" u="none" strike="noStrike" dirty="0">
                           <a:effectLst/>
                         </a:rPr>
                         <a:t>Mouser</a:t>
                       </a:r>
-                      <a:endParaRPr lang="en-US" sz="1100" b="0" i="0" u="none" strike="noStrike">
+                      <a:endParaRPr lang="en-US" sz="1100" b="0" i="0" u="none" strike="noStrike" dirty="0">
                         <a:solidFill>
                           <a:srgbClr val="000000"/>
                         </a:solidFill>
@@ -11439,23 +11201,6 @@
                         </a:rPr>
                         <a:t>13.23</a:t>
                       </a:r>
-                      <a:endParaRPr lang="en-US" sz="1100" b="0" i="0" u="none" strike="noStrike">
-                        <a:solidFill>
-                          <a:srgbClr val="000000"/>
-                        </a:solidFill>
-                        <a:effectLst/>
-                        <a:latin typeface="Liberation Sans"/>
-                      </a:endParaRPr>
-                    </a:p>
-                  </a:txBody>
-                  <a:tcPr marL="9525" marR="9525" marT="9525" marB="0" anchor="b"/>
-                </a:tc>
-                <a:tc>
-                  <a:txBody>
-                    <a:bodyPr/>
-                    <a:lstStyle/>
-                    <a:p>
-                      <a:pPr algn="l" fontAlgn="b"/>
                       <a:endParaRPr lang="en-US" sz="1100" b="0" i="0" u="none" strike="noStrike">
                         <a:solidFill>
                           <a:srgbClr val="000000"/>
@@ -11544,30 +11289,13 @@
                     <a:lstStyle/>
                     <a:p>
                       <a:pPr algn="l" fontAlgn="b"/>
-                      <a:endParaRPr lang="en-US" sz="1100" b="0" i="0" u="none" strike="noStrike">
-                        <a:solidFill>
-                          <a:srgbClr val="000000"/>
-                        </a:solidFill>
-                        <a:effectLst/>
-                        <a:latin typeface="Liberation Sans"/>
-                      </a:endParaRPr>
-                    </a:p>
-                  </a:txBody>
-                  <a:tcPr marL="9525" marR="9525" marT="9525" marB="0" anchor="b"/>
-                </a:tc>
-                <a:tc>
-                  <a:txBody>
-                    <a:bodyPr/>
-                    <a:lstStyle/>
-                    <a:p>
-                      <a:pPr algn="l" fontAlgn="b"/>
                       <a:r>
-                        <a:rPr lang="en-US" sz="1100" u="none" strike="noStrike">
+                        <a:rPr lang="en-US" sz="1100" u="none" strike="noStrike" dirty="0" err="1">
                           <a:effectLst/>
                         </a:rPr>
                         <a:t>DigiKey</a:t>
                       </a:r>
-                      <a:endParaRPr lang="en-US" sz="1100" b="0" i="0" u="none" strike="noStrike">
+                      <a:endParaRPr lang="en-US" sz="1100" b="0" i="0" u="none" strike="noStrike" dirty="0">
                         <a:solidFill>
                           <a:srgbClr val="000000"/>
                         </a:solidFill>
@@ -11590,23 +11318,6 @@
                         </a:rPr>
                         <a:t>6.43</a:t>
                       </a:r>
-                      <a:endParaRPr lang="en-US" sz="1100" b="0" i="0" u="none" strike="noStrike">
-                        <a:solidFill>
-                          <a:srgbClr val="000000"/>
-                        </a:solidFill>
-                        <a:effectLst/>
-                        <a:latin typeface="Liberation Sans"/>
-                      </a:endParaRPr>
-                    </a:p>
-                  </a:txBody>
-                  <a:tcPr marL="9525" marR="9525" marT="9525" marB="0" anchor="b"/>
-                </a:tc>
-                <a:tc>
-                  <a:txBody>
-                    <a:bodyPr/>
-                    <a:lstStyle/>
-                    <a:p>
-                      <a:pPr algn="l" fontAlgn="b"/>
                       <a:endParaRPr lang="en-US" sz="1100" b="0" i="0" u="none" strike="noStrike">
                         <a:solidFill>
                           <a:srgbClr val="000000"/>
@@ -11695,30 +11406,13 @@
                     <a:lstStyle/>
                     <a:p>
                       <a:pPr algn="l" fontAlgn="b"/>
-                      <a:endParaRPr lang="en-US" sz="1100" b="0" i="0" u="none" strike="noStrike">
-                        <a:solidFill>
-                          <a:srgbClr val="000000"/>
-                        </a:solidFill>
-                        <a:effectLst/>
-                        <a:latin typeface="Liberation Sans"/>
-                      </a:endParaRPr>
-                    </a:p>
-                  </a:txBody>
-                  <a:tcPr marL="9525" marR="9525" marT="9525" marB="0" anchor="b"/>
-                </a:tc>
-                <a:tc>
-                  <a:txBody>
-                    <a:bodyPr/>
-                    <a:lstStyle/>
-                    <a:p>
-                      <a:pPr algn="l" fontAlgn="b"/>
                       <a:r>
-                        <a:rPr lang="en-US" sz="1100" u="none" strike="noStrike">
+                        <a:rPr lang="en-US" sz="1100" u="none" strike="noStrike" dirty="0">
                           <a:effectLst/>
                         </a:rPr>
                         <a:t>Purdue IEEE</a:t>
                       </a:r>
-                      <a:endParaRPr lang="en-US" sz="1100" b="0" i="0" u="none" strike="noStrike">
+                      <a:endParaRPr lang="en-US" sz="1100" b="0" i="0" u="none" strike="noStrike" dirty="0">
                         <a:solidFill>
                           <a:srgbClr val="000000"/>
                         </a:solidFill>
@@ -11741,23 +11435,6 @@
                         </a:rPr>
                         <a:t>40</a:t>
                       </a:r>
-                      <a:endParaRPr lang="en-US" sz="1100" b="0" i="0" u="none" strike="noStrike">
-                        <a:solidFill>
-                          <a:srgbClr val="000000"/>
-                        </a:solidFill>
-                        <a:effectLst/>
-                        <a:latin typeface="Liberation Sans"/>
-                      </a:endParaRPr>
-                    </a:p>
-                  </a:txBody>
-                  <a:tcPr marL="9525" marR="9525" marT="9525" marB="0" anchor="b"/>
-                </a:tc>
-                <a:tc>
-                  <a:txBody>
-                    <a:bodyPr/>
-                    <a:lstStyle/>
-                    <a:p>
-                      <a:pPr algn="l" fontAlgn="b"/>
                       <a:endParaRPr lang="en-US" sz="1100" b="0" i="0" u="none" strike="noStrike">
                         <a:solidFill>
                           <a:srgbClr val="000000"/>
@@ -11847,35 +11524,12 @@
                     <a:p>
                       <a:pPr algn="l" fontAlgn="b"/>
                       <a:r>
-                        <a:rPr lang="en-US" sz="1100" u="none" strike="noStrike">
+                        <a:rPr lang="en-US" sz="1100" u="none" strike="noStrike" dirty="0" smtClean="0">
                           <a:effectLst/>
                         </a:rPr>
-                        <a:t>Draw String Backpack</a:t>
+                        <a:t>N/A</a:t>
                       </a:r>
-                      <a:endParaRPr lang="en-US" sz="1100" b="0" i="0" u="none" strike="noStrike">
-                        <a:solidFill>
-                          <a:srgbClr val="000000"/>
-                        </a:solidFill>
-                        <a:effectLst/>
-                        <a:latin typeface="Liberation Sans"/>
-                      </a:endParaRPr>
-                    </a:p>
-                  </a:txBody>
-                  <a:tcPr marL="9525" marR="9525" marT="9525" marB="0" anchor="b"/>
-                </a:tc>
-                <a:tc>
-                  <a:txBody>
-                    <a:bodyPr/>
-                    <a:lstStyle/>
-                    <a:p>
-                      <a:pPr algn="l" fontAlgn="b"/>
-                      <a:r>
-                        <a:rPr lang="en-US" sz="1100" u="none" strike="noStrike">
-                          <a:effectLst/>
-                        </a:rPr>
-                        <a:t>Supplied</a:t>
-                      </a:r>
-                      <a:endParaRPr lang="en-US" sz="1100" b="0" i="0" u="none" strike="noStrike">
+                      <a:endParaRPr lang="en-US" sz="1100" b="0" i="0" u="none" strike="noStrike" dirty="0">
                         <a:solidFill>
                           <a:srgbClr val="000000"/>
                         </a:solidFill>
@@ -11898,23 +11552,6 @@
                         </a:rPr>
                         <a:t>10</a:t>
                       </a:r>
-                      <a:endParaRPr lang="en-US" sz="1100" b="0" i="0" u="none" strike="noStrike">
-                        <a:solidFill>
-                          <a:srgbClr val="000000"/>
-                        </a:solidFill>
-                        <a:effectLst/>
-                        <a:latin typeface="Liberation Sans"/>
-                      </a:endParaRPr>
-                    </a:p>
-                  </a:txBody>
-                  <a:tcPr marL="9525" marR="9525" marT="9525" marB="0" anchor="b"/>
-                </a:tc>
-                <a:tc>
-                  <a:txBody>
-                    <a:bodyPr/>
-                    <a:lstStyle/>
-                    <a:p>
-                      <a:pPr algn="l" fontAlgn="b"/>
                       <a:endParaRPr lang="en-US" sz="1100" b="0" i="0" u="none" strike="noStrike">
                         <a:solidFill>
                           <a:srgbClr val="000000"/>
@@ -12014,531 +11651,13 @@
                     <a:lstStyle/>
                     <a:p>
                       <a:pPr algn="l" fontAlgn="b"/>
-                      <a:endParaRPr lang="en-US" sz="1100" b="0" i="0" u="none" strike="noStrike">
-                        <a:solidFill>
-                          <a:srgbClr val="000000"/>
-                        </a:solidFill>
-                        <a:effectLst/>
-                        <a:latin typeface="Liberation Sans"/>
-                      </a:endParaRPr>
-                    </a:p>
-                  </a:txBody>
-                  <a:tcPr marL="9525" marR="9525" marT="9525" marB="0" anchor="b"/>
-                </a:tc>
-                <a:tc>
-                  <a:txBody>
-                    <a:bodyPr/>
-                    <a:lstStyle/>
-                    <a:p>
-                      <a:pPr algn="l" fontAlgn="b"/>
                       <a:r>
-                        <a:rPr lang="en-US" sz="1100" u="none" strike="noStrike">
+                        <a:rPr lang="en-US" sz="1100" u="none" strike="noStrike" dirty="0">
                           <a:effectLst/>
                         </a:rPr>
                         <a:t> </a:t>
                       </a:r>
-                      <a:endParaRPr lang="en-US" sz="1100" b="0" i="0" u="none" strike="noStrike">
-                        <a:solidFill>
-                          <a:srgbClr val="000000"/>
-                        </a:solidFill>
-                        <a:effectLst/>
-                        <a:latin typeface="Liberation Sans"/>
-                      </a:endParaRPr>
-                    </a:p>
-                  </a:txBody>
-                  <a:tcPr marL="9525" marR="9525" marT="9525" marB="0" anchor="b"/>
-                </a:tc>
-                <a:tc>
-                  <a:txBody>
-                    <a:bodyPr/>
-                    <a:lstStyle/>
-                    <a:p>
-                      <a:pPr algn="l" fontAlgn="b"/>
-                      <a:endParaRPr lang="en-US" sz="1100" b="0" i="0" u="none" strike="noStrike">
-                        <a:solidFill>
-                          <a:srgbClr val="000000"/>
-                        </a:solidFill>
-                        <a:effectLst/>
-                        <a:latin typeface="Liberation Sans"/>
-                      </a:endParaRPr>
-                    </a:p>
-                  </a:txBody>
-                  <a:tcPr marL="9525" marR="9525" marT="9525" marB="0" anchor="b"/>
-                </a:tc>
-                <a:tc>
-                  <a:txBody>
-                    <a:bodyPr/>
-                    <a:lstStyle/>
-                    <a:p>
-                      <a:pPr algn="l" fontAlgn="b"/>
-                      <a:endParaRPr lang="en-US" sz="1100" b="0" i="0" u="none" strike="noStrike">
-                        <a:solidFill>
-                          <a:srgbClr val="000000"/>
-                        </a:solidFill>
-                        <a:effectLst/>
-                        <a:latin typeface="Liberation Sans"/>
-                      </a:endParaRPr>
-                    </a:p>
-                  </a:txBody>
-                  <a:tcPr marL="9525" marR="9525" marT="9525" marB="0" anchor="b"/>
-                </a:tc>
-                <a:tc>
-                  <a:txBody>
-                    <a:bodyPr/>
-                    <a:lstStyle/>
-                    <a:p>
-                      <a:pPr algn="l" fontAlgn="b"/>
-                      <a:endParaRPr lang="en-US" sz="1100" b="0" i="0" u="none" strike="noStrike">
-                        <a:solidFill>
-                          <a:srgbClr val="000000"/>
-                        </a:solidFill>
-                        <a:effectLst/>
-                        <a:latin typeface="Liberation Sans"/>
-                      </a:endParaRPr>
-                    </a:p>
-                  </a:txBody>
-                  <a:tcPr marL="9525" marR="9525" marT="9525" marB="0" anchor="b"/>
-                </a:tc>
-              </a:tr>
-              <a:tr h="266000">
-                <a:tc>
-                  <a:txBody>
-                    <a:bodyPr/>
-                    <a:lstStyle/>
-                    <a:p>
-                      <a:pPr algn="l" fontAlgn="b"/>
-                      <a:endParaRPr lang="en-US" sz="1100" b="0" i="0" u="none" strike="noStrike">
-                        <a:solidFill>
-                          <a:srgbClr val="000000"/>
-                        </a:solidFill>
-                        <a:effectLst/>
-                        <a:latin typeface="Liberation Sans"/>
-                      </a:endParaRPr>
-                    </a:p>
-                  </a:txBody>
-                  <a:tcPr marL="9525" marR="9525" marT="9525" marB="0" anchor="b"/>
-                </a:tc>
-                <a:tc>
-                  <a:txBody>
-                    <a:bodyPr/>
-                    <a:lstStyle/>
-                    <a:p>
-                      <a:pPr algn="l" fontAlgn="b"/>
-                      <a:endParaRPr lang="en-US" sz="1100" b="0" i="0" u="none" strike="noStrike">
-                        <a:solidFill>
-                          <a:srgbClr val="000000"/>
-                        </a:solidFill>
-                        <a:effectLst/>
-                        <a:latin typeface="Liberation Sans"/>
-                      </a:endParaRPr>
-                    </a:p>
-                  </a:txBody>
-                  <a:tcPr marL="9525" marR="9525" marT="9525" marB="0" anchor="b"/>
-                </a:tc>
-                <a:tc>
-                  <a:txBody>
-                    <a:bodyPr/>
-                    <a:lstStyle/>
-                    <a:p>
-                      <a:pPr algn="l" fontAlgn="b"/>
-                      <a:endParaRPr lang="en-US" sz="1100" b="0" i="0" u="none" strike="noStrike">
-                        <a:solidFill>
-                          <a:srgbClr val="000000"/>
-                        </a:solidFill>
-                        <a:effectLst/>
-                        <a:latin typeface="Liberation Sans"/>
-                      </a:endParaRPr>
-                    </a:p>
-                  </a:txBody>
-                  <a:tcPr marL="9525" marR="9525" marT="9525" marB="0" anchor="b"/>
-                </a:tc>
-                <a:tc>
-                  <a:txBody>
-                    <a:bodyPr/>
-                    <a:lstStyle/>
-                    <a:p>
-                      <a:pPr algn="l" fontAlgn="b"/>
-                      <a:endParaRPr lang="en-US" sz="1100" b="0" i="0" u="none" strike="noStrike">
-                        <a:solidFill>
-                          <a:srgbClr val="000000"/>
-                        </a:solidFill>
-                        <a:effectLst/>
-                        <a:latin typeface="Liberation Sans"/>
-                      </a:endParaRPr>
-                    </a:p>
-                  </a:txBody>
-                  <a:tcPr marL="9525" marR="9525" marT="9525" marB="0" anchor="b"/>
-                </a:tc>
-                <a:tc>
-                  <a:txBody>
-                    <a:bodyPr/>
-                    <a:lstStyle/>
-                    <a:p>
-                      <a:pPr algn="l" fontAlgn="b"/>
-                      <a:endParaRPr lang="en-US" sz="1100" b="0" i="0" u="none" strike="noStrike">
-                        <a:solidFill>
-                          <a:srgbClr val="000000"/>
-                        </a:solidFill>
-                        <a:effectLst/>
-                        <a:latin typeface="Liberation Sans"/>
-                      </a:endParaRPr>
-                    </a:p>
-                  </a:txBody>
-                  <a:tcPr marL="9525" marR="9525" marT="9525" marB="0" anchor="b"/>
-                </a:tc>
-                <a:tc>
-                  <a:txBody>
-                    <a:bodyPr/>
-                    <a:lstStyle/>
-                    <a:p>
-                      <a:pPr algn="l" fontAlgn="b"/>
-                      <a:endParaRPr lang="en-US" sz="1100" b="0" i="0" u="none" strike="noStrike">
-                        <a:solidFill>
-                          <a:srgbClr val="000000"/>
-                        </a:solidFill>
-                        <a:effectLst/>
-                        <a:latin typeface="Liberation Sans"/>
-                      </a:endParaRPr>
-                    </a:p>
-                  </a:txBody>
-                  <a:tcPr marL="9525" marR="9525" marT="9525" marB="0" anchor="b"/>
-                </a:tc>
-                <a:tc>
-                  <a:txBody>
-                    <a:bodyPr/>
-                    <a:lstStyle/>
-                    <a:p>
-                      <a:pPr algn="l" fontAlgn="b"/>
-                      <a:endParaRPr lang="en-US" sz="1100" b="0" i="0" u="none" strike="noStrike">
-                        <a:solidFill>
-                          <a:srgbClr val="000000"/>
-                        </a:solidFill>
-                        <a:effectLst/>
-                        <a:latin typeface="Liberation Sans"/>
-                      </a:endParaRPr>
-                    </a:p>
-                  </a:txBody>
-                  <a:tcPr marL="9525" marR="9525" marT="9525" marB="0" anchor="b"/>
-                </a:tc>
-              </a:tr>
-              <a:tr h="266000">
-                <a:tc>
-                  <a:txBody>
-                    <a:bodyPr/>
-                    <a:lstStyle/>
-                    <a:p>
-                      <a:pPr algn="l" fontAlgn="b"/>
-                      <a:endParaRPr lang="en-US" sz="1100" b="0" i="0" u="none" strike="noStrike">
-                        <a:solidFill>
-                          <a:srgbClr val="000000"/>
-                        </a:solidFill>
-                        <a:effectLst/>
-                        <a:latin typeface="Liberation Sans"/>
-                      </a:endParaRPr>
-                    </a:p>
-                  </a:txBody>
-                  <a:tcPr marL="9525" marR="9525" marT="9525" marB="0" anchor="b"/>
-                </a:tc>
-                <a:tc>
-                  <a:txBody>
-                    <a:bodyPr/>
-                    <a:lstStyle/>
-                    <a:p>
-                      <a:pPr algn="l" fontAlgn="b"/>
-                      <a:endParaRPr lang="en-US" sz="1100" b="0" i="0" u="none" strike="noStrike">
-                        <a:solidFill>
-                          <a:srgbClr val="000000"/>
-                        </a:solidFill>
-                        <a:effectLst/>
-                        <a:latin typeface="Liberation Sans"/>
-                      </a:endParaRPr>
-                    </a:p>
-                  </a:txBody>
-                  <a:tcPr marL="9525" marR="9525" marT="9525" marB="0" anchor="b"/>
-                </a:tc>
-                <a:tc>
-                  <a:txBody>
-                    <a:bodyPr/>
-                    <a:lstStyle/>
-                    <a:p>
-                      <a:pPr algn="l" fontAlgn="b"/>
-                      <a:endParaRPr lang="en-US" sz="1100" b="0" i="0" u="none" strike="noStrike">
-                        <a:solidFill>
-                          <a:srgbClr val="000000"/>
-                        </a:solidFill>
-                        <a:effectLst/>
-                        <a:latin typeface="Liberation Sans"/>
-                      </a:endParaRPr>
-                    </a:p>
-                  </a:txBody>
-                  <a:tcPr marL="9525" marR="9525" marT="9525" marB="0" anchor="b"/>
-                </a:tc>
-                <a:tc>
-                  <a:txBody>
-                    <a:bodyPr/>
-                    <a:lstStyle/>
-                    <a:p>
-                      <a:pPr algn="l" fontAlgn="b"/>
-                      <a:endParaRPr lang="en-US" sz="1100" b="0" i="0" u="none" strike="noStrike">
-                        <a:solidFill>
-                          <a:srgbClr val="000000"/>
-                        </a:solidFill>
-                        <a:effectLst/>
-                        <a:latin typeface="Liberation Sans"/>
-                      </a:endParaRPr>
-                    </a:p>
-                  </a:txBody>
-                  <a:tcPr marL="9525" marR="9525" marT="9525" marB="0" anchor="b"/>
-                </a:tc>
-                <a:tc>
-                  <a:txBody>
-                    <a:bodyPr/>
-                    <a:lstStyle/>
-                    <a:p>
-                      <a:pPr algn="l" fontAlgn="b"/>
-                      <a:endParaRPr lang="en-US" sz="1100" b="0" i="0" u="none" strike="noStrike">
-                        <a:solidFill>
-                          <a:srgbClr val="000000"/>
-                        </a:solidFill>
-                        <a:effectLst/>
-                        <a:latin typeface="Liberation Sans"/>
-                      </a:endParaRPr>
-                    </a:p>
-                  </a:txBody>
-                  <a:tcPr marL="9525" marR="9525" marT="9525" marB="0" anchor="b"/>
-                </a:tc>
-                <a:tc>
-                  <a:txBody>
-                    <a:bodyPr/>
-                    <a:lstStyle/>
-                    <a:p>
-                      <a:pPr algn="l" fontAlgn="b"/>
-                      <a:endParaRPr lang="en-US" sz="1100" b="0" i="0" u="none" strike="noStrike">
-                        <a:solidFill>
-                          <a:srgbClr val="000000"/>
-                        </a:solidFill>
-                        <a:effectLst/>
-                        <a:latin typeface="Liberation Sans"/>
-                      </a:endParaRPr>
-                    </a:p>
-                  </a:txBody>
-                  <a:tcPr marL="9525" marR="9525" marT="9525" marB="0" anchor="b"/>
-                </a:tc>
-                <a:tc>
-                  <a:txBody>
-                    <a:bodyPr/>
-                    <a:lstStyle/>
-                    <a:p>
-                      <a:pPr algn="l" fontAlgn="b"/>
-                      <a:endParaRPr lang="en-US" sz="1100" b="0" i="0" u="none" strike="noStrike">
-                        <a:solidFill>
-                          <a:srgbClr val="000000"/>
-                        </a:solidFill>
-                        <a:effectLst/>
-                        <a:latin typeface="Liberation Sans"/>
-                      </a:endParaRPr>
-                    </a:p>
-                  </a:txBody>
-                  <a:tcPr marL="9525" marR="9525" marT="9525" marB="0" anchor="b"/>
-                </a:tc>
-              </a:tr>
-              <a:tr h="266000">
-                <a:tc>
-                  <a:txBody>
-                    <a:bodyPr/>
-                    <a:lstStyle/>
-                    <a:p>
-                      <a:pPr algn="l" fontAlgn="b"/>
-                      <a:endParaRPr lang="en-US" sz="1100" b="0" i="0" u="none" strike="noStrike">
-                        <a:solidFill>
-                          <a:srgbClr val="000000"/>
-                        </a:solidFill>
-                        <a:effectLst/>
-                        <a:latin typeface="Liberation Sans"/>
-                      </a:endParaRPr>
-                    </a:p>
-                  </a:txBody>
-                  <a:tcPr marL="9525" marR="9525" marT="9525" marB="0" anchor="b"/>
-                </a:tc>
-                <a:tc>
-                  <a:txBody>
-                    <a:bodyPr/>
-                    <a:lstStyle/>
-                    <a:p>
-                      <a:pPr algn="l" fontAlgn="b"/>
-                      <a:endParaRPr lang="en-US" sz="1100" b="0" i="0" u="none" strike="noStrike">
-                        <a:solidFill>
-                          <a:srgbClr val="000000"/>
-                        </a:solidFill>
-                        <a:effectLst/>
-                        <a:latin typeface="Liberation Sans"/>
-                      </a:endParaRPr>
-                    </a:p>
-                  </a:txBody>
-                  <a:tcPr marL="9525" marR="9525" marT="9525" marB="0" anchor="b"/>
-                </a:tc>
-                <a:tc>
-                  <a:txBody>
-                    <a:bodyPr/>
-                    <a:lstStyle/>
-                    <a:p>
-                      <a:pPr algn="l" fontAlgn="b"/>
-                      <a:endParaRPr lang="en-US" sz="1100" b="0" i="0" u="none" strike="noStrike">
-                        <a:solidFill>
-                          <a:srgbClr val="000000"/>
-                        </a:solidFill>
-                        <a:effectLst/>
-                        <a:latin typeface="Liberation Sans"/>
-                      </a:endParaRPr>
-                    </a:p>
-                  </a:txBody>
-                  <a:tcPr marL="9525" marR="9525" marT="9525" marB="0" anchor="b"/>
-                </a:tc>
-                <a:tc>
-                  <a:txBody>
-                    <a:bodyPr/>
-                    <a:lstStyle/>
-                    <a:p>
-                      <a:pPr algn="l" fontAlgn="b"/>
-                      <a:endParaRPr lang="en-US" sz="1100" b="0" i="0" u="none" strike="noStrike">
-                        <a:solidFill>
-                          <a:srgbClr val="000000"/>
-                        </a:solidFill>
-                        <a:effectLst/>
-                        <a:latin typeface="Liberation Sans"/>
-                      </a:endParaRPr>
-                    </a:p>
-                  </a:txBody>
-                  <a:tcPr marL="9525" marR="9525" marT="9525" marB="0" anchor="b"/>
-                </a:tc>
-                <a:tc>
-                  <a:txBody>
-                    <a:bodyPr/>
-                    <a:lstStyle/>
-                    <a:p>
-                      <a:pPr algn="l" fontAlgn="b"/>
-                      <a:endParaRPr lang="en-US" sz="1100" b="0" i="0" u="none" strike="noStrike">
-                        <a:solidFill>
-                          <a:srgbClr val="000000"/>
-                        </a:solidFill>
-                        <a:effectLst/>
-                        <a:latin typeface="Liberation Sans"/>
-                      </a:endParaRPr>
-                    </a:p>
-                  </a:txBody>
-                  <a:tcPr marL="9525" marR="9525" marT="9525" marB="0" anchor="b"/>
-                </a:tc>
-                <a:tc>
-                  <a:txBody>
-                    <a:bodyPr/>
-                    <a:lstStyle/>
-                    <a:p>
-                      <a:pPr algn="l" fontAlgn="b"/>
-                      <a:endParaRPr lang="en-US" sz="1100" b="0" i="0" u="none" strike="noStrike">
-                        <a:solidFill>
-                          <a:srgbClr val="000000"/>
-                        </a:solidFill>
-                        <a:effectLst/>
-                        <a:latin typeface="Liberation Sans"/>
-                      </a:endParaRPr>
-                    </a:p>
-                  </a:txBody>
-                  <a:tcPr marL="9525" marR="9525" marT="9525" marB="0" anchor="b"/>
-                </a:tc>
-                <a:tc>
-                  <a:txBody>
-                    <a:bodyPr/>
-                    <a:lstStyle/>
-                    <a:p>
-                      <a:pPr algn="l" fontAlgn="b"/>
-                      <a:endParaRPr lang="en-US" sz="1100" b="0" i="0" u="none" strike="noStrike">
-                        <a:solidFill>
-                          <a:srgbClr val="000000"/>
-                        </a:solidFill>
-                        <a:effectLst/>
-                        <a:latin typeface="Liberation Sans"/>
-                      </a:endParaRPr>
-                    </a:p>
-                  </a:txBody>
-                  <a:tcPr marL="9525" marR="9525" marT="9525" marB="0" anchor="b"/>
-                </a:tc>
-              </a:tr>
-              <a:tr h="266000">
-                <a:tc>
-                  <a:txBody>
-                    <a:bodyPr/>
-                    <a:lstStyle/>
-                    <a:p>
-                      <a:pPr algn="l" fontAlgn="b"/>
-                      <a:endParaRPr lang="en-US" sz="1100" b="0" i="0" u="none" strike="noStrike">
-                        <a:solidFill>
-                          <a:srgbClr val="000000"/>
-                        </a:solidFill>
-                        <a:effectLst/>
-                        <a:latin typeface="Liberation Sans"/>
-                      </a:endParaRPr>
-                    </a:p>
-                  </a:txBody>
-                  <a:tcPr marL="9525" marR="9525" marT="9525" marB="0" anchor="b"/>
-                </a:tc>
-                <a:tc>
-                  <a:txBody>
-                    <a:bodyPr/>
-                    <a:lstStyle/>
-                    <a:p>
-                      <a:pPr algn="l" fontAlgn="b"/>
-                      <a:endParaRPr lang="en-US" sz="1100" b="0" i="0" u="none" strike="noStrike">
-                        <a:solidFill>
-                          <a:srgbClr val="000000"/>
-                        </a:solidFill>
-                        <a:effectLst/>
-                        <a:latin typeface="Liberation Sans"/>
-                      </a:endParaRPr>
-                    </a:p>
-                  </a:txBody>
-                  <a:tcPr marL="9525" marR="9525" marT="9525" marB="0" anchor="b"/>
-                </a:tc>
-                <a:tc>
-                  <a:txBody>
-                    <a:bodyPr/>
-                    <a:lstStyle/>
-                    <a:p>
-                      <a:pPr algn="l" fontAlgn="b"/>
-                      <a:endParaRPr lang="en-US" sz="1100" b="0" i="0" u="none" strike="noStrike">
-                        <a:solidFill>
-                          <a:srgbClr val="000000"/>
-                        </a:solidFill>
-                        <a:effectLst/>
-                        <a:latin typeface="Liberation Sans"/>
-                      </a:endParaRPr>
-                    </a:p>
-                  </a:txBody>
-                  <a:tcPr marL="9525" marR="9525" marT="9525" marB="0" anchor="b"/>
-                </a:tc>
-                <a:tc>
-                  <a:txBody>
-                    <a:bodyPr/>
-                    <a:lstStyle/>
-                    <a:p>
-                      <a:pPr algn="l" fontAlgn="b"/>
-                      <a:endParaRPr lang="en-US" sz="1100" b="0" i="0" u="none" strike="noStrike">
-                        <a:solidFill>
-                          <a:srgbClr val="000000"/>
-                        </a:solidFill>
-                        <a:effectLst/>
-                        <a:latin typeface="Liberation Sans"/>
-                      </a:endParaRPr>
-                    </a:p>
-                  </a:txBody>
-                  <a:tcPr marL="9525" marR="9525" marT="9525" marB="0" anchor="b"/>
-                </a:tc>
-                <a:tc>
-                  <a:txBody>
-                    <a:bodyPr/>
-                    <a:lstStyle/>
-                    <a:p>
-                      <a:pPr algn="l" fontAlgn="b"/>
-                      <a:endParaRPr lang="en-US" sz="1100" b="0" i="0" u="none" strike="noStrike">
+                      <a:endParaRPr lang="en-US" sz="1100" b="0" i="0" u="none" strike="noStrike" dirty="0">
                         <a:solidFill>
                           <a:srgbClr val="000000"/>
                         </a:solidFill>
@@ -12592,29 +11711,12 @@
                     <a:p>
                       <a:pPr algn="l" fontAlgn="b"/>
                       <a:r>
-                        <a:rPr lang="en-US" sz="1100" u="none" strike="noStrike">
+                        <a:rPr lang="en-US" sz="1100" u="none" strike="noStrike" dirty="0">
                           <a:effectLst/>
                         </a:rPr>
                         <a:t>Total</a:t>
                       </a:r>
-                      <a:endParaRPr lang="en-US" sz="1100" b="0" i="0" u="none" strike="noStrike">
-                        <a:solidFill>
-                          <a:srgbClr val="000000"/>
-                        </a:solidFill>
-                        <a:effectLst/>
-                        <a:latin typeface="Liberation Sans"/>
-                      </a:endParaRPr>
-                    </a:p>
-                  </a:txBody>
-                  <a:tcPr marL="9525" marR="9525" marT="9525" marB="0" anchor="b"/>
-                </a:tc>
-                <a:tc>
-                  <a:txBody>
-                    <a:bodyPr/>
-                    <a:lstStyle/>
-                    <a:p>
-                      <a:pPr algn="l" fontAlgn="b"/>
-                      <a:endParaRPr lang="en-US" sz="1100" b="0" i="0" u="none" strike="noStrike">
+                      <a:endParaRPr lang="en-US" sz="1100" b="0" i="0" u="none" strike="noStrike" dirty="0">
                         <a:solidFill>
                           <a:srgbClr val="000000"/>
                         </a:solidFill>
@@ -12687,23 +11789,6 @@
                     <a:bodyPr/>
                     <a:lstStyle/>
                     <a:p>
-                      <a:pPr algn="l" fontAlgn="b"/>
-                      <a:endParaRPr lang="en-US" sz="1100" b="0" i="0" u="none" strike="noStrike">
-                        <a:solidFill>
-                          <a:srgbClr val="000000"/>
-                        </a:solidFill>
-                        <a:effectLst/>
-                        <a:latin typeface="Liberation Sans"/>
-                      </a:endParaRPr>
-                    </a:p>
-                  </a:txBody>
-                  <a:tcPr marL="9525" marR="9525" marT="9525" marB="0" anchor="b"/>
-                </a:tc>
-                <a:tc>
-                  <a:txBody>
-                    <a:bodyPr/>
-                    <a:lstStyle/>
-                    <a:p>
                       <a:pPr algn="r" fontAlgn="b"/>
                       <a:r>
                         <a:rPr lang="en-US" sz="1100" u="none" strike="noStrike" dirty="0">
@@ -12737,6 +11822,13 @@
   <p:clrMapOvr>
     <a:masterClrMapping/>
   </p:clrMapOvr>
+  <p:timing>
+    <p:tnLst>
+      <p:par>
+        <p:cTn id="1" dur="indefinite" restart="never" nodeType="tmRoot"/>
+      </p:par>
+    </p:tnLst>
+  </p:timing>
 </p:sld>
 </file>
 
@@ -12878,6 +11970,13 @@
   <p:clrMapOvr>
     <a:masterClrMapping/>
   </p:clrMapOvr>
+  <p:timing>
+    <p:tnLst>
+      <p:par>
+        <p:cTn id="1" dur="indefinite" restart="never" nodeType="tmRoot"/>
+      </p:par>
+    </p:tnLst>
+  </p:timing>
 </p:sld>
 </file>
 
@@ -12978,6 +12077,13 @@
   <p:clrMapOvr>
     <a:masterClrMapping/>
   </p:clrMapOvr>
+  <p:timing>
+    <p:tnLst>
+      <p:par>
+        <p:cTn id="1" dur="indefinite" restart="never" nodeType="tmRoot"/>
+      </p:par>
+    </p:tnLst>
+  </p:timing>
 </p:sld>
 </file>
 
@@ -13116,6 +12222,13 @@
   <p:clrMapOvr>
     <a:masterClrMapping/>
   </p:clrMapOvr>
+  <p:timing>
+    <p:tnLst>
+      <p:par>
+        <p:cTn id="1" dur="indefinite" restart="never" nodeType="tmRoot"/>
+      </p:par>
+    </p:tnLst>
+  </p:timing>
 </p:sld>
 </file>
 
@@ -13544,8 +12657,12 @@
               <a:t>Wearable </a:t>
             </a:r>
             <a:r>
+              <a:rPr lang="en-US" dirty="0" smtClean="0"/>
+              <a:t>augmented reality </a:t>
+            </a:r>
+            <a:r>
               <a:rPr lang="en-US" dirty="0"/>
-              <a:t>computing is </a:t>
+              <a:t>is </a:t>
             </a:r>
             <a:r>
               <a:rPr lang="en-US" dirty="0" smtClean="0"/>
@@ -13556,60 +12673,36 @@
             <a:pPr lvl="1"/>
             <a:r>
               <a:rPr lang="en-US" dirty="0" smtClean="0"/>
-              <a:t>Google Glass, Samsung </a:t>
-            </a:r>
-            <a:r>
-              <a:rPr lang="en-US" dirty="0"/>
-              <a:t>Galaxy </a:t>
+              <a:t>Google Glass, </a:t>
             </a:r>
             <a:r>
               <a:rPr lang="en-US" dirty="0" smtClean="0"/>
-              <a:t>Gear</a:t>
-            </a:r>
-            <a:r>
-              <a:rPr lang="en-US" dirty="0"/>
-              <a:t>, </a:t>
-            </a:r>
+              <a:t>Oculus Rift, Epson BT-100</a:t>
+            </a:r>
+            <a:endParaRPr lang="en-US" dirty="0" smtClean="0"/>
+          </a:p>
+          <a:p>
+            <a:pPr lvl="1"/>
             <a:r>
               <a:rPr lang="en-US" dirty="0" smtClean="0"/>
-              <a:t>and </a:t>
-            </a:r>
-            <a:r>
-              <a:rPr lang="en-US" dirty="0"/>
-              <a:t>Oculus Rift</a:t>
+              <a:t>Provide </a:t>
             </a:r>
             <a:r>
               <a:rPr lang="en-US" dirty="0" smtClean="0"/>
-              <a:t>.</a:t>
-            </a:r>
-          </a:p>
-          <a:p>
+              <a:t>information</a:t>
+            </a:r>
+          </a:p>
+          <a:p>
+            <a:pPr lvl="1"/>
             <a:r>
               <a:rPr lang="en-US" dirty="0" smtClean="0"/>
-              <a:t>Combine </a:t>
-            </a:r>
-            <a:r>
-              <a:rPr lang="en-US" dirty="0"/>
-              <a:t>virtual reality with reality to create augmented </a:t>
+              <a:t>Promote </a:t>
             </a:r>
             <a:r>
               <a:rPr lang="en-US" dirty="0" smtClean="0"/>
-              <a:t>reality</a:t>
-            </a:r>
-          </a:p>
-          <a:p>
-            <a:pPr lvl="1"/>
-            <a:r>
-              <a:rPr lang="en-US" dirty="0" smtClean="0"/>
-              <a:t>Provide information</a:t>
-            </a:r>
-          </a:p>
-          <a:p>
-            <a:pPr lvl="1"/>
-            <a:r>
-              <a:rPr lang="en-US" dirty="0" smtClean="0"/>
-              <a:t>Promote Teamwork</a:t>
-            </a:r>
+              <a:t>teamwork</a:t>
+            </a:r>
+            <a:endParaRPr lang="en-US" dirty="0" smtClean="0"/>
           </a:p>
           <a:p>
             <a:pPr lvl="1"/>
@@ -13620,13 +12713,10 @@
           </a:p>
           <a:p>
             <a:r>
-              <a:rPr lang="en-US" dirty="0"/>
-              <a:t>The design will need to satisfy the following </a:t>
-            </a:r>
-            <a:r>
               <a:rPr lang="en-US" dirty="0" smtClean="0"/>
-              <a:t>requirements:</a:t>
-            </a:r>
+              <a:t>Design Requirements:</a:t>
+            </a:r>
+            <a:endParaRPr lang="en-US" dirty="0" smtClean="0"/>
           </a:p>
           <a:p>
             <a:pPr lvl="1"/>
@@ -13790,8 +12880,13 @@
             </a:r>
             <a:r>
               <a:rPr lang="en-US" sz="2200" dirty="0"/>
-              <a:t>be and when.</a:t>
-            </a:r>
+              <a:t>be and </a:t>
+            </a:r>
+            <a:r>
+              <a:rPr lang="en-US" sz="2200" dirty="0" smtClean="0"/>
+              <a:t>when</a:t>
+            </a:r>
+            <a:endParaRPr lang="en-US" sz="2200" dirty="0"/>
           </a:p>
           <a:p>
             <a:r>
@@ -13826,9 +12921,53 @@
             </a:r>
             <a:r>
               <a:rPr lang="en-US" sz="2200" dirty="0" smtClean="0"/>
-              <a:t>observe machinery in operation.</a:t>
+              <a:t>observe machinery in </a:t>
+            </a:r>
+            <a:r>
+              <a:rPr lang="en-US" sz="2200" dirty="0" smtClean="0"/>
+              <a:t>operation</a:t>
             </a:r>
             <a:endParaRPr lang="en-US" sz="2200" dirty="0"/>
+          </a:p>
+          <a:p>
+            <a:r>
+              <a:rPr lang="en-US" sz="2400" dirty="0" smtClean="0"/>
+              <a:t>Educational </a:t>
+            </a:r>
+            <a:r>
+              <a:rPr lang="en-US" sz="2400" dirty="0" smtClean="0"/>
+              <a:t>Demonstrations</a:t>
+            </a:r>
+          </a:p>
+          <a:p>
+            <a:pPr lvl="1"/>
+            <a:r>
+              <a:rPr lang="en-US" sz="2200" dirty="0" smtClean="0"/>
+              <a:t>Place virtual </a:t>
+            </a:r>
+            <a:r>
+              <a:rPr lang="en-US" sz="2200" dirty="0" smtClean="0"/>
+              <a:t>resources </a:t>
+            </a:r>
+            <a:r>
+              <a:rPr lang="en-US" sz="2200" dirty="0" smtClean="0"/>
+              <a:t>in </a:t>
+            </a:r>
+            <a:r>
+              <a:rPr lang="en-US" sz="2200" dirty="0"/>
+              <a:t>appropriate </a:t>
+            </a:r>
+            <a:r>
+              <a:rPr lang="en-US" sz="2200" dirty="0" smtClean="0"/>
+              <a:t>locations</a:t>
+            </a:r>
+          </a:p>
+          <a:p>
+            <a:r>
+              <a:rPr lang="en-US" sz="2400" dirty="0" smtClean="0"/>
+              <a:t>Virtual tour, guide, or navigation</a:t>
+            </a:r>
+            <a:endParaRPr lang="en-US" sz="2400" dirty="0" smtClean="0"/>
           </a:p>
           <a:p>
             <a:r>
@@ -13837,23 +12976,7 @@
                   <a:srgbClr val="FF0000"/>
                 </a:solidFill>
               </a:rPr>
-              <a:t>Children </a:t>
-            </a:r>
-            <a:r>
-              <a:rPr lang="en-US" sz="2400" dirty="0">
-                <a:solidFill>
-                  <a:srgbClr val="FF0000"/>
-                </a:solidFill>
-              </a:rPr>
-              <a:t>P</a:t>
-            </a:r>
-            <a:r>
-              <a:rPr lang="en-US" sz="2400" dirty="0" smtClean="0">
-                <a:solidFill>
-                  <a:srgbClr val="FF0000"/>
-                </a:solidFill>
-              </a:rPr>
-              <a:t>laying Games</a:t>
+              <a:t>Children Playing Games</a:t>
             </a:r>
           </a:p>
           <a:p>
@@ -13864,38 +12987,8 @@
                   <a:srgbClr val="FF0000"/>
                 </a:solidFill>
               </a:rPr>
-              <a:t>Children Rely </a:t>
-            </a:r>
-            <a:r>
-              <a:rPr lang="en-US" sz="2200" dirty="0">
-                <a:solidFill>
-                  <a:srgbClr val="FF0000"/>
-                </a:solidFill>
-              </a:rPr>
-              <a:t>on “imaginary” objects placed in a select location.</a:t>
-            </a:r>
-          </a:p>
-          <a:p>
-            <a:r>
-              <a:rPr lang="en-US" sz="2400" dirty="0" smtClean="0"/>
-              <a:t>Educational Demonstrations</a:t>
-            </a:r>
-          </a:p>
-          <a:p>
-            <a:pPr lvl="1"/>
-            <a:r>
-              <a:rPr lang="en-US" sz="2200" dirty="0" smtClean="0"/>
-              <a:t> Replace resources with virtual resources placed </a:t>
-            </a:r>
-            <a:r>
-              <a:rPr lang="en-US" sz="2200" dirty="0"/>
-              <a:t>in appropriate locations</a:t>
-            </a:r>
-            <a:r>
-              <a:rPr lang="en-US" sz="2200" dirty="0" smtClean="0"/>
-              <a:t>.</a:t>
-            </a:r>
-            <a:endParaRPr lang="en-US" sz="2200" dirty="0"/>
+              <a:t>Rely on “imaginary” objects placed in a select location</a:t>
+            </a:r>
           </a:p>
         </p:txBody>
       </p:sp>
@@ -13986,29 +13079,26 @@
           <a:p>
             <a:r>
               <a:rPr lang="en-US" sz="2800" dirty="0" smtClean="0"/>
-              <a:t>Will </a:t>
-            </a:r>
-            <a:r>
-              <a:rPr lang="en-US" sz="2800" dirty="0"/>
-              <a:t>not focus on internet </a:t>
+              <a:t>Focus </a:t>
             </a:r>
             <a:r>
               <a:rPr lang="en-US" sz="2800" dirty="0" smtClean="0"/>
-              <a:t>connectivity</a:t>
+              <a:t>on Gaming</a:t>
             </a:r>
           </a:p>
           <a:p>
             <a:r>
               <a:rPr lang="en-US" sz="2800" dirty="0" smtClean="0"/>
-              <a:t>Allow for multiple simulations.</a:t>
-            </a:r>
-            <a:endParaRPr lang="en-US" sz="2800" dirty="0"/>
-          </a:p>
-          <a:p>
-            <a:r>
-              <a:rPr lang="en-US" sz="2800" dirty="0" smtClean="0"/>
-              <a:t>Focus on Gaming</a:t>
-            </a:r>
+              <a:t>Allow for multiple simulations</a:t>
+            </a:r>
+          </a:p>
+          <a:p>
+            <a:pPr lvl="1"/>
+            <a:r>
+              <a:rPr lang="en-US" sz="2600" dirty="0" smtClean="0"/>
+              <a:t>Different permutations of same simulation</a:t>
+            </a:r>
+            <a:endParaRPr lang="en-US" sz="2600" dirty="0"/>
           </a:p>
         </p:txBody>
       </p:sp>
@@ -14342,8 +13432,13 @@
           <a:p>
             <a:r>
               <a:rPr lang="en-US" sz="8000" dirty="0" smtClean="0"/>
-              <a:t>PHASE 1</a:t>
-            </a:r>
+              <a:t>PHASE </a:t>
+            </a:r>
+            <a:r>
+              <a:rPr lang="en-US" sz="8000" dirty="0" smtClean="0"/>
+              <a:t>1 S/D</a:t>
+            </a:r>
+            <a:endParaRPr lang="en-US" sz="8000" dirty="0" smtClean="0"/>
           </a:p>
           <a:p>
             <a:endParaRPr lang="en-US" sz="8000" dirty="0"/>
@@ -14351,7 +13446,11 @@
           <a:p>
             <a:r>
               <a:rPr lang="en-US" sz="8000" dirty="0" smtClean="0"/>
-              <a:t>PHASE 2</a:t>
+              <a:t>PHASE </a:t>
+            </a:r>
+            <a:r>
+              <a:rPr lang="en-US" sz="8000" dirty="0" smtClean="0"/>
+              <a:t>2 CCUP</a:t>
             </a:r>
             <a:endParaRPr lang="en-US" sz="8000" dirty="0"/>
           </a:p>
@@ -14650,10 +13749,7 @@
               <a:rPr lang="en-US" sz="2000" dirty="0" err="1" smtClean="0"/>
               <a:t>XBees</a:t>
             </a:r>
-            <a:r>
-              <a:rPr lang="en-US" sz="2000" dirty="0" smtClean="0"/>
-              <a:t> with CCU</a:t>
-            </a:r>
+            <a:endParaRPr lang="en-US" sz="2000" dirty="0" smtClean="0"/>
           </a:p>
           <a:p>
             <a:pPr lvl="1"/>
@@ -14673,11 +13769,23 @@
             <a:pPr lvl="1"/>
             <a:r>
               <a:rPr lang="en-US" sz="2000" dirty="0" err="1" smtClean="0"/>
-              <a:t>MacPan</a:t>
+              <a:t>P</a:t>
+            </a:r>
+            <a:r>
+              <a:rPr lang="en-US" sz="2000" dirty="0" err="1" smtClean="0"/>
+              <a:t>acMan</a:t>
+            </a:r>
+            <a:r>
+              <a:rPr lang="en-US" sz="2000" dirty="0"/>
+              <a:t>-</a:t>
             </a:r>
             <a:r>
               <a:rPr lang="en-US" sz="2000" dirty="0" smtClean="0"/>
-              <a:t> game</a:t>
+              <a:t>like </a:t>
+            </a:r>
+            <a:r>
+              <a:rPr lang="en-US" sz="2000" dirty="0" smtClean="0"/>
+              <a:t>game</a:t>
             </a:r>
           </a:p>
         </p:txBody>
@@ -15559,7 +14667,7 @@
   <a:extraClrSchemeLst/>
   <a:extLst>
     <a:ext uri="{05A4C25C-085E-4340-85A3-A5531E510DB2}">
-      <thm15:themeFamily xmlns:thm15="http://schemas.microsoft.com/office/thememl/2012/main" xmlns="" name="Office Theme" id="{62F939B6-93AF-4DB8-9C6B-D6C7DFDC589F}" vid="{4A3C46E8-61CC-4603-A589-7422A47A8E4A}"/>
+      <thm15:themeFamily xmlns="" xmlns:thm15="http://schemas.microsoft.com/office/thememl/2012/main" name="Office Theme" id="{62F939B6-93AF-4DB8-9C6B-D6C7DFDC589F}" vid="{4A3C46E8-61CC-4603-A589-7422A47A8E4A}"/>
     </a:ext>
   </a:extLst>
 </a:theme>

--- a/doc/AugRealityMidReview.pptx
+++ b/doc/AugRealityMidReview.pptx
@@ -131,7 +131,7 @@
   </p:defaultTextStyle>
   <p:extLst>
     <p:ext uri="{EFAFB233-063F-42B5-8137-9DF3F51BA10A}">
-      <p15:sldGuideLst xmlns="" xmlns:p15="http://schemas.microsoft.com/office/powerpoint/2012/main">
+      <p15:sldGuideLst xmlns:p15="http://schemas.microsoft.com/office/powerpoint/2012/main" xmlns="">
         <p15:guide id="1" orient="horz" pos="2160">
           <p15:clr>
             <a:srgbClr val="A4A3A4"/>
@@ -230,7 +230,7 @@
           <a:p>
             <a:fld id="{7A466098-8D44-47E3-A6D0-3EBDA642D1D9}" type="datetimeFigureOut">
               <a:rPr lang="en-US" smtClean="0"/>
-              <a:t>2/13/2014</a:t>
+              <a:t>2/14/2014</a:t>
             </a:fld>
             <a:endParaRPr lang="en-US"/>
           </a:p>
@@ -751,7 +751,7 @@
           <a:p>
             <a:fld id="{CC2990F0-8476-4A68-82FA-873BDD6B740E}" type="datetimeFigureOut">
               <a:rPr lang="en-US" smtClean="0"/>
-              <a:t>2/13/2014</a:t>
+              <a:t>2/14/2014</a:t>
             </a:fld>
             <a:endParaRPr lang="en-US"/>
           </a:p>
@@ -964,7 +964,7 @@
           <a:p>
             <a:fld id="{CC2990F0-8476-4A68-82FA-873BDD6B740E}" type="datetimeFigureOut">
               <a:rPr lang="en-US" smtClean="0"/>
-              <a:t>2/13/2014</a:t>
+              <a:t>2/14/2014</a:t>
             </a:fld>
             <a:endParaRPr lang="en-US"/>
           </a:p>
@@ -1231,7 +1231,7 @@
           <a:p>
             <a:fld id="{CC2990F0-8476-4A68-82FA-873BDD6B740E}" type="datetimeFigureOut">
               <a:rPr lang="en-US" smtClean="0"/>
-              <a:t>2/13/2014</a:t>
+              <a:t>2/14/2014</a:t>
             </a:fld>
             <a:endParaRPr lang="en-US"/>
           </a:p>
@@ -1483,7 +1483,7 @@
                 </a:solidFill>
               </a:rPr>
               <a:pPr/>
-              <a:t>2/13/2014</a:t>
+              <a:t>2/14/2014</a:t>
             </a:fld>
             <a:endParaRPr lang="en-US">
               <a:solidFill>
@@ -1685,7 +1685,7 @@
                 </a:solidFill>
               </a:rPr>
               <a:pPr/>
-              <a:t>2/13/2014</a:t>
+              <a:t>2/14/2014</a:t>
             </a:fld>
             <a:endParaRPr lang="en-US">
               <a:solidFill>
@@ -1963,7 +1963,7 @@
                 </a:solidFill>
               </a:rPr>
               <a:pPr/>
-              <a:t>2/13/2014</a:t>
+              <a:t>2/14/2014</a:t>
             </a:fld>
             <a:endParaRPr lang="en-US">
               <a:solidFill>
@@ -2283,7 +2283,7 @@
                 </a:solidFill>
               </a:rPr>
               <a:pPr/>
-              <a:t>2/13/2014</a:t>
+              <a:t>2/14/2014</a:t>
             </a:fld>
             <a:endParaRPr lang="en-US">
               <a:solidFill>
@@ -2737,7 +2737,7 @@
                 </a:solidFill>
               </a:rPr>
               <a:pPr/>
-              <a:t>2/13/2014</a:t>
+              <a:t>2/14/2014</a:t>
             </a:fld>
             <a:endParaRPr lang="en-US">
               <a:solidFill>
@@ -2887,7 +2887,7 @@
                 </a:solidFill>
               </a:rPr>
               <a:pPr/>
-              <a:t>2/13/2014</a:t>
+              <a:t>2/14/2014</a:t>
             </a:fld>
             <a:endParaRPr lang="en-US">
               <a:solidFill>
@@ -3014,7 +3014,7 @@
                 </a:solidFill>
               </a:rPr>
               <a:pPr/>
-              <a:t>2/13/2014</a:t>
+              <a:t>2/14/2014</a:t>
             </a:fld>
             <a:endParaRPr lang="en-US">
               <a:solidFill>
@@ -3323,7 +3323,7 @@
                 </a:solidFill>
               </a:rPr>
               <a:pPr/>
-              <a:t>2/13/2014</a:t>
+              <a:t>2/14/2014</a:t>
             </a:fld>
             <a:endParaRPr lang="en-US">
               <a:solidFill>
@@ -3495,7 +3495,7 @@
           <a:p>
             <a:fld id="{CC2990F0-8476-4A68-82FA-873BDD6B740E}" type="datetimeFigureOut">
               <a:rPr lang="en-US" smtClean="0"/>
-              <a:t>2/13/2014</a:t>
+              <a:t>2/14/2014</a:t>
             </a:fld>
             <a:endParaRPr lang="en-US"/>
           </a:p>
@@ -3780,7 +3780,7 @@
                 </a:solidFill>
               </a:rPr>
               <a:pPr/>
-              <a:t>2/13/2014</a:t>
+              <a:t>2/14/2014</a:t>
             </a:fld>
             <a:endParaRPr lang="en-US">
               <a:solidFill>
@@ -3982,7 +3982,7 @@
                 </a:solidFill>
               </a:rPr>
               <a:pPr/>
-              <a:t>2/13/2014</a:t>
+              <a:t>2/14/2014</a:t>
             </a:fld>
             <a:endParaRPr lang="en-US">
               <a:solidFill>
@@ -4194,7 +4194,7 @@
                 </a:solidFill>
               </a:rPr>
               <a:pPr/>
-              <a:t>2/13/2014</a:t>
+              <a:t>2/14/2014</a:t>
             </a:fld>
             <a:endParaRPr lang="en-US">
               <a:solidFill>
@@ -4531,7 +4531,7 @@
           <a:p>
             <a:fld id="{CC2990F0-8476-4A68-82FA-873BDD6B740E}" type="datetimeFigureOut">
               <a:rPr lang="en-US" smtClean="0"/>
-              <a:t>2/13/2014</a:t>
+              <a:t>2/14/2014</a:t>
             </a:fld>
             <a:endParaRPr lang="en-US"/>
           </a:p>
@@ -4839,7 +4839,7 @@
           <a:p>
             <a:fld id="{CC2990F0-8476-4A68-82FA-873BDD6B740E}" type="datetimeFigureOut">
               <a:rPr lang="en-US" smtClean="0"/>
-              <a:t>2/13/2014</a:t>
+              <a:t>2/14/2014</a:t>
             </a:fld>
             <a:endParaRPr lang="en-US"/>
           </a:p>
@@ -5260,7 +5260,7 @@
           <a:p>
             <a:fld id="{CC2990F0-8476-4A68-82FA-873BDD6B740E}" type="datetimeFigureOut">
               <a:rPr lang="en-US" smtClean="0"/>
-              <a:t>2/13/2014</a:t>
+              <a:t>2/14/2014</a:t>
             </a:fld>
             <a:endParaRPr lang="en-US"/>
           </a:p>
@@ -5373,7 +5373,7 @@
           <a:p>
             <a:fld id="{CC2990F0-8476-4A68-82FA-873BDD6B740E}" type="datetimeFigureOut">
               <a:rPr lang="en-US" smtClean="0"/>
-              <a:t>2/13/2014</a:t>
+              <a:t>2/14/2014</a:t>
             </a:fld>
             <a:endParaRPr lang="en-US"/>
           </a:p>
@@ -5532,7 +5532,7 @@
           <a:p>
             <a:fld id="{CC2990F0-8476-4A68-82FA-873BDD6B740E}" type="datetimeFigureOut">
               <a:rPr lang="en-US" smtClean="0"/>
-              <a:t>2/13/2014</a:t>
+              <a:t>2/14/2014</a:t>
             </a:fld>
             <a:endParaRPr lang="en-US"/>
           </a:p>
@@ -5916,7 +5916,7 @@
           <a:p>
             <a:fld id="{CC2990F0-8476-4A68-82FA-873BDD6B740E}" type="datetimeFigureOut">
               <a:rPr lang="en-US" smtClean="0"/>
-              <a:t>2/13/2014</a:t>
+              <a:t>2/14/2014</a:t>
             </a:fld>
             <a:endParaRPr lang="en-US"/>
           </a:p>
@@ -6278,7 +6278,7 @@
           <a:p>
             <a:fld id="{CC2990F0-8476-4A68-82FA-873BDD6B740E}" type="datetimeFigureOut">
               <a:rPr lang="en-US" smtClean="0"/>
-              <a:t>2/13/2014</a:t>
+              <a:t>2/14/2014</a:t>
             </a:fld>
             <a:endParaRPr lang="en-US"/>
           </a:p>
@@ -6612,7 +6612,7 @@
           <a:p>
             <a:fld id="{CC2990F0-8476-4A68-82FA-873BDD6B740E}" type="datetimeFigureOut">
               <a:rPr lang="en-US" smtClean="0"/>
-              <a:t>2/13/2014</a:t>
+              <a:t>2/14/2014</a:t>
             </a:fld>
             <a:endParaRPr lang="en-US"/>
           </a:p>
@@ -7161,7 +7161,7 @@
                 </a:solidFill>
               </a:rPr>
               <a:pPr/>
-              <a:t>2/13/2014</a:t>
+              <a:t>2/14/2014</a:t>
             </a:fld>
             <a:endParaRPr lang="en-US" smtClean="0">
               <a:solidFill>
@@ -8574,12 +8574,6 @@
                         </a:rPr>
                         <a:t>250 m</a:t>
                       </a:r>
-                      <a:endParaRPr lang="en-US" sz="1800" dirty="0" smtClean="0">
-                        <a:effectLst/>
-                        <a:latin typeface="Calibri" panose="020F0502020204030204" pitchFamily="34" charset="0"/>
-                        <a:ea typeface="Calibri" panose="020F0502020204030204" pitchFamily="34" charset="0"/>
-                        <a:cs typeface="Times New Roman" panose="02020603050405020304" pitchFamily="18" charset="0"/>
-                      </a:endParaRPr>
                     </a:p>
                   </a:txBody>
                   <a:tcPr marL="68580" marR="68580" marT="0" marB="0"/>
@@ -9299,11 +9293,7 @@
             </a:r>
             <a:r>
               <a:rPr lang="en-US" sz="2000" dirty="0" smtClean="0"/>
-              <a:t> </a:t>
-            </a:r>
-            <a:r>
-              <a:rPr lang="en-US" sz="2000" dirty="0" smtClean="0"/>
-              <a:t>capacity</a:t>
+              <a:t> capacity</a:t>
             </a:r>
           </a:p>
           <a:p>
@@ -12654,11 +12644,7 @@
           <a:p>
             <a:r>
               <a:rPr lang="en-US" dirty="0" smtClean="0"/>
-              <a:t>Wearable </a:t>
-            </a:r>
-            <a:r>
-              <a:rPr lang="en-US" dirty="0" smtClean="0"/>
-              <a:t>augmented reality </a:t>
+              <a:t>Wearable augmented reality </a:t>
             </a:r>
             <a:r>
               <a:rPr lang="en-US" dirty="0"/>
@@ -12673,36 +12659,22 @@
             <a:pPr lvl="1"/>
             <a:r>
               <a:rPr lang="en-US" dirty="0" smtClean="0"/>
-              <a:t>Google Glass, </a:t>
-            </a:r>
+              <a:t>Google Glass, Oculus Rift, Epson BT-100</a:t>
+            </a:r>
+          </a:p>
+          <a:p>
+            <a:pPr lvl="1"/>
             <a:r>
               <a:rPr lang="en-US" dirty="0" smtClean="0"/>
-              <a:t>Oculus Rift, Epson BT-100</a:t>
-            </a:r>
-            <a:endParaRPr lang="en-US" dirty="0" smtClean="0"/>
+              <a:t>Provide information</a:t>
+            </a:r>
           </a:p>
           <a:p>
             <a:pPr lvl="1"/>
             <a:r>
               <a:rPr lang="en-US" dirty="0" smtClean="0"/>
-              <a:t>Provide </a:t>
-            </a:r>
-            <a:r>
-              <a:rPr lang="en-US" dirty="0" smtClean="0"/>
-              <a:t>information</a:t>
-            </a:r>
-          </a:p>
-          <a:p>
-            <a:pPr lvl="1"/>
-            <a:r>
-              <a:rPr lang="en-US" dirty="0" smtClean="0"/>
-              <a:t>Promote </a:t>
-            </a:r>
-            <a:r>
-              <a:rPr lang="en-US" dirty="0" smtClean="0"/>
-              <a:t>teamwork</a:t>
-            </a:r>
-            <a:endParaRPr lang="en-US" dirty="0" smtClean="0"/>
+              <a:t>Promote teamwork</a:t>
+            </a:r>
           </a:p>
           <a:p>
             <a:pPr lvl="1"/>
@@ -12716,7 +12688,6 @@
               <a:rPr lang="en-US" dirty="0" smtClean="0"/>
               <a:t>Design Requirements:</a:t>
             </a:r>
-            <a:endParaRPr lang="en-US" dirty="0" smtClean="0"/>
           </a:p>
           <a:p>
             <a:pPr lvl="1"/>
@@ -12921,37 +12892,21 @@
             </a:r>
             <a:r>
               <a:rPr lang="en-US" sz="2200" dirty="0" smtClean="0"/>
-              <a:t>observe machinery in </a:t>
-            </a:r>
+              <a:t>observe machinery in operation</a:t>
+            </a:r>
+            <a:endParaRPr lang="en-US" sz="2200" dirty="0"/>
+          </a:p>
+          <a:p>
+            <a:r>
+              <a:rPr lang="en-US" sz="2400" dirty="0" smtClean="0"/>
+              <a:t>Educational Demonstrations</a:t>
+            </a:r>
+          </a:p>
+          <a:p>
+            <a:pPr lvl="1"/>
             <a:r>
               <a:rPr lang="en-US" sz="2200" dirty="0" smtClean="0"/>
-              <a:t>operation</a:t>
-            </a:r>
-            <a:endParaRPr lang="en-US" sz="2200" dirty="0"/>
-          </a:p>
-          <a:p>
-            <a:r>
-              <a:rPr lang="en-US" sz="2400" dirty="0" smtClean="0"/>
-              <a:t>Educational </a:t>
-            </a:r>
-            <a:r>
-              <a:rPr lang="en-US" sz="2400" dirty="0" smtClean="0"/>
-              <a:t>Demonstrations</a:t>
-            </a:r>
-          </a:p>
-          <a:p>
-            <a:pPr lvl="1"/>
-            <a:r>
-              <a:rPr lang="en-US" sz="2200" dirty="0" smtClean="0"/>
-              <a:t>Place virtual </a:t>
-            </a:r>
-            <a:r>
-              <a:rPr lang="en-US" sz="2200" dirty="0" smtClean="0"/>
-              <a:t>resources </a:t>
-            </a:r>
-            <a:r>
-              <a:rPr lang="en-US" sz="2200" dirty="0" smtClean="0"/>
-              <a:t>in </a:t>
+              <a:t>Place virtual resources in </a:t>
             </a:r>
             <a:r>
               <a:rPr lang="en-US" sz="2200" dirty="0"/>
@@ -12967,7 +12922,6 @@
               <a:rPr lang="en-US" sz="2400" dirty="0" smtClean="0"/>
               <a:t>Virtual tour, guide, or navigation</a:t>
             </a:r>
-            <a:endParaRPr lang="en-US" sz="2400" dirty="0" smtClean="0"/>
           </a:p>
           <a:p>
             <a:r>
@@ -13079,11 +13033,7 @@
           <a:p>
             <a:r>
               <a:rPr lang="en-US" sz="2800" dirty="0" smtClean="0"/>
-              <a:t>Focus </a:t>
-            </a:r>
-            <a:r>
-              <a:rPr lang="en-US" sz="2800" dirty="0" smtClean="0"/>
-              <a:t>on Gaming</a:t>
+              <a:t>Focus on Gaming</a:t>
             </a:r>
           </a:p>
           <a:p>
@@ -13346,34 +13296,43 @@
       </p:grpSpPr>
       <p:pic>
         <p:nvPicPr>
-          <p:cNvPr id="2" name="Picture 1"/>
-          <p:cNvPicPr/>
+          <p:cNvPr id="1186" name="Picture 483" descr="U:\Users\Stephen\Documents\Backup\PRGM\Robotics\STM32\SeniorDesign\doc\BlockDiagram_CC.emf"/>
+          <p:cNvPicPr>
+            <a:picLocks noChangeAspect="1" noChangeArrowheads="1"/>
+          </p:cNvPicPr>
           <p:nvPr/>
         </p:nvPicPr>
         <p:blipFill>
-          <a:blip r:embed="rId2">
+          <a:blip r:embed="rId3">
             <a:extLst>
               <a:ext uri="{28A0092B-C50C-407E-A947-70E740481C1C}">
-                <a14:useLocalDpi xmlns:a14="http://schemas.microsoft.com/office/drawing/2010/main"/>
+                <a14:useLocalDpi xmlns:a14="http://schemas.microsoft.com/office/drawing/2010/main" val="0"/>
               </a:ext>
             </a:extLst>
           </a:blip>
+          <a:srcRect/>
           <a:stretch>
             <a:fillRect/>
           </a:stretch>
         </p:blipFill>
         <p:spPr bwMode="auto">
           <a:xfrm>
-            <a:off x="76200" y="228600"/>
-            <a:ext cx="9067800" cy="6400800"/>
+            <a:off x="285750" y="539750"/>
+            <a:ext cx="8648700" cy="5778500"/>
           </a:xfrm>
           <a:prstGeom prst="rect">
             <a:avLst/>
           </a:prstGeom>
           <a:noFill/>
-          <a:ln>
-            <a:noFill/>
-          </a:ln>
+          <a:extLst>
+            <a:ext uri="{909E8E84-426E-40DD-AFC4-6F175D3DCCD1}">
+              <a14:hiddenFill xmlns:a14="http://schemas.microsoft.com/office/drawing/2010/main">
+                <a:solidFill>
+                  <a:srgbClr val="FFFFFF"/>
+                </a:solidFill>
+              </a14:hiddenFill>
+            </a:ext>
+          </a:extLst>
         </p:spPr>
       </p:pic>
     </p:spTree>
@@ -13432,25 +13391,16 @@
           <a:p>
             <a:r>
               <a:rPr lang="en-US" sz="8000" dirty="0" smtClean="0"/>
-              <a:t>PHASE </a:t>
-            </a:r>
+              <a:t>PHASE 1 S/D</a:t>
+            </a:r>
+          </a:p>
+          <a:p>
+            <a:endParaRPr lang="en-US" sz="8000" dirty="0"/>
+          </a:p>
+          <a:p>
             <a:r>
               <a:rPr lang="en-US" sz="8000" dirty="0" smtClean="0"/>
-              <a:t>1 S/D</a:t>
-            </a:r>
-            <a:endParaRPr lang="en-US" sz="8000" dirty="0" smtClean="0"/>
-          </a:p>
-          <a:p>
-            <a:endParaRPr lang="en-US" sz="8000" dirty="0"/>
-          </a:p>
-          <a:p>
-            <a:r>
-              <a:rPr lang="en-US" sz="8000" dirty="0" smtClean="0"/>
-              <a:t>PHASE </a:t>
-            </a:r>
-            <a:r>
-              <a:rPr lang="en-US" sz="8000" dirty="0" smtClean="0"/>
-              <a:t>2 CCUP</a:t>
+              <a:t>PHASE 2 CCUP</a:t>
             </a:r>
             <a:endParaRPr lang="en-US" sz="8000" dirty="0"/>
           </a:p>
@@ -13769,11 +13719,7 @@
             <a:pPr lvl="1"/>
             <a:r>
               <a:rPr lang="en-US" sz="2000" dirty="0" err="1" smtClean="0"/>
-              <a:t>P</a:t>
-            </a:r>
-            <a:r>
-              <a:rPr lang="en-US" sz="2000" dirty="0" err="1" smtClean="0"/>
-              <a:t>acMan</a:t>
+              <a:t>PacMan</a:t>
             </a:r>
             <a:r>
               <a:rPr lang="en-US" sz="2000" dirty="0"/>
@@ -13781,11 +13727,7 @@
             </a:r>
             <a:r>
               <a:rPr lang="en-US" sz="2000" dirty="0" smtClean="0"/>
-              <a:t>like </a:t>
-            </a:r>
-            <a:r>
-              <a:rPr lang="en-US" sz="2000" dirty="0" smtClean="0"/>
-              <a:t>game</a:t>
+              <a:t>like game</a:t>
             </a:r>
           </a:p>
         </p:txBody>
@@ -14667,7 +14609,7 @@
   <a:extraClrSchemeLst/>
   <a:extLst>
     <a:ext uri="{05A4C25C-085E-4340-85A3-A5531E510DB2}">
-      <thm15:themeFamily xmlns="" xmlns:thm15="http://schemas.microsoft.com/office/thememl/2012/main" name="Office Theme" id="{62F939B6-93AF-4DB8-9C6B-D6C7DFDC589F}" vid="{4A3C46E8-61CC-4603-A589-7422A47A8E4A}"/>
+      <thm15:themeFamily xmlns:thm15="http://schemas.microsoft.com/office/thememl/2012/main" xmlns="" name="Office Theme" id="{62F939B6-93AF-4DB8-9C6B-D6C7DFDC589F}" vid="{4A3C46E8-61CC-4603-A589-7422A47A8E4A}"/>
     </a:ext>
   </a:extLst>
 </a:theme>

--- a/doc/AugRealityMidReview.pptx
+++ b/doc/AugRealityMidReview.pptx
@@ -131,7 +131,7 @@
   </p:defaultTextStyle>
   <p:extLst>
     <p:ext uri="{EFAFB233-063F-42B5-8137-9DF3F51BA10A}">
-      <p15:sldGuideLst xmlns:p15="http://schemas.microsoft.com/office/powerpoint/2012/main" xmlns="">
+      <p15:sldGuideLst xmlns="" xmlns:p15="http://schemas.microsoft.com/office/powerpoint/2012/main">
         <p15:guide id="1" orient="horz" pos="2160">
           <p15:clr>
             <a:srgbClr val="A4A3A4"/>
@@ -230,7 +230,7 @@
           <a:p>
             <a:fld id="{7A466098-8D44-47E3-A6D0-3EBDA642D1D9}" type="datetimeFigureOut">
               <a:rPr lang="en-US" smtClean="0"/>
-              <a:t>2/14/2014</a:t>
+              <a:t>2/15/2014</a:t>
             </a:fld>
             <a:endParaRPr lang="en-US"/>
           </a:p>
@@ -751,7 +751,7 @@
           <a:p>
             <a:fld id="{CC2990F0-8476-4A68-82FA-873BDD6B740E}" type="datetimeFigureOut">
               <a:rPr lang="en-US" smtClean="0"/>
-              <a:t>2/14/2014</a:t>
+              <a:t>2/15/2014</a:t>
             </a:fld>
             <a:endParaRPr lang="en-US"/>
           </a:p>
@@ -964,7 +964,7 @@
           <a:p>
             <a:fld id="{CC2990F0-8476-4A68-82FA-873BDD6B740E}" type="datetimeFigureOut">
               <a:rPr lang="en-US" smtClean="0"/>
-              <a:t>2/14/2014</a:t>
+              <a:t>2/15/2014</a:t>
             </a:fld>
             <a:endParaRPr lang="en-US"/>
           </a:p>
@@ -1231,7 +1231,7 @@
           <a:p>
             <a:fld id="{CC2990F0-8476-4A68-82FA-873BDD6B740E}" type="datetimeFigureOut">
               <a:rPr lang="en-US" smtClean="0"/>
-              <a:t>2/14/2014</a:t>
+              <a:t>2/15/2014</a:t>
             </a:fld>
             <a:endParaRPr lang="en-US"/>
           </a:p>
@@ -1483,7 +1483,7 @@
                 </a:solidFill>
               </a:rPr>
               <a:pPr/>
-              <a:t>2/14/2014</a:t>
+              <a:t>2/15/2014</a:t>
             </a:fld>
             <a:endParaRPr lang="en-US">
               <a:solidFill>
@@ -1685,7 +1685,7 @@
                 </a:solidFill>
               </a:rPr>
               <a:pPr/>
-              <a:t>2/14/2014</a:t>
+              <a:t>2/15/2014</a:t>
             </a:fld>
             <a:endParaRPr lang="en-US">
               <a:solidFill>
@@ -1963,7 +1963,7 @@
                 </a:solidFill>
               </a:rPr>
               <a:pPr/>
-              <a:t>2/14/2014</a:t>
+              <a:t>2/15/2014</a:t>
             </a:fld>
             <a:endParaRPr lang="en-US">
               <a:solidFill>
@@ -2283,7 +2283,7 @@
                 </a:solidFill>
               </a:rPr>
               <a:pPr/>
-              <a:t>2/14/2014</a:t>
+              <a:t>2/15/2014</a:t>
             </a:fld>
             <a:endParaRPr lang="en-US">
               <a:solidFill>
@@ -2737,7 +2737,7 @@
                 </a:solidFill>
               </a:rPr>
               <a:pPr/>
-              <a:t>2/14/2014</a:t>
+              <a:t>2/15/2014</a:t>
             </a:fld>
             <a:endParaRPr lang="en-US">
               <a:solidFill>
@@ -2887,7 +2887,7 @@
                 </a:solidFill>
               </a:rPr>
               <a:pPr/>
-              <a:t>2/14/2014</a:t>
+              <a:t>2/15/2014</a:t>
             </a:fld>
             <a:endParaRPr lang="en-US">
               <a:solidFill>
@@ -3014,7 +3014,7 @@
                 </a:solidFill>
               </a:rPr>
               <a:pPr/>
-              <a:t>2/14/2014</a:t>
+              <a:t>2/15/2014</a:t>
             </a:fld>
             <a:endParaRPr lang="en-US">
               <a:solidFill>
@@ -3323,7 +3323,7 @@
                 </a:solidFill>
               </a:rPr>
               <a:pPr/>
-              <a:t>2/14/2014</a:t>
+              <a:t>2/15/2014</a:t>
             </a:fld>
             <a:endParaRPr lang="en-US">
               <a:solidFill>
@@ -3495,7 +3495,7 @@
           <a:p>
             <a:fld id="{CC2990F0-8476-4A68-82FA-873BDD6B740E}" type="datetimeFigureOut">
               <a:rPr lang="en-US" smtClean="0"/>
-              <a:t>2/14/2014</a:t>
+              <a:t>2/15/2014</a:t>
             </a:fld>
             <a:endParaRPr lang="en-US"/>
           </a:p>
@@ -3780,7 +3780,7 @@
                 </a:solidFill>
               </a:rPr>
               <a:pPr/>
-              <a:t>2/14/2014</a:t>
+              <a:t>2/15/2014</a:t>
             </a:fld>
             <a:endParaRPr lang="en-US">
               <a:solidFill>
@@ -3982,7 +3982,7 @@
                 </a:solidFill>
               </a:rPr>
               <a:pPr/>
-              <a:t>2/14/2014</a:t>
+              <a:t>2/15/2014</a:t>
             </a:fld>
             <a:endParaRPr lang="en-US">
               <a:solidFill>
@@ -4194,7 +4194,7 @@
                 </a:solidFill>
               </a:rPr>
               <a:pPr/>
-              <a:t>2/14/2014</a:t>
+              <a:t>2/15/2014</a:t>
             </a:fld>
             <a:endParaRPr lang="en-US">
               <a:solidFill>
@@ -4531,7 +4531,7 @@
           <a:p>
             <a:fld id="{CC2990F0-8476-4A68-82FA-873BDD6B740E}" type="datetimeFigureOut">
               <a:rPr lang="en-US" smtClean="0"/>
-              <a:t>2/14/2014</a:t>
+              <a:t>2/15/2014</a:t>
             </a:fld>
             <a:endParaRPr lang="en-US"/>
           </a:p>
@@ -4839,7 +4839,7 @@
           <a:p>
             <a:fld id="{CC2990F0-8476-4A68-82FA-873BDD6B740E}" type="datetimeFigureOut">
               <a:rPr lang="en-US" smtClean="0"/>
-              <a:t>2/14/2014</a:t>
+              <a:t>2/15/2014</a:t>
             </a:fld>
             <a:endParaRPr lang="en-US"/>
           </a:p>
@@ -5260,7 +5260,7 @@
           <a:p>
             <a:fld id="{CC2990F0-8476-4A68-82FA-873BDD6B740E}" type="datetimeFigureOut">
               <a:rPr lang="en-US" smtClean="0"/>
-              <a:t>2/14/2014</a:t>
+              <a:t>2/15/2014</a:t>
             </a:fld>
             <a:endParaRPr lang="en-US"/>
           </a:p>
@@ -5373,7 +5373,7 @@
           <a:p>
             <a:fld id="{CC2990F0-8476-4A68-82FA-873BDD6B740E}" type="datetimeFigureOut">
               <a:rPr lang="en-US" smtClean="0"/>
-              <a:t>2/14/2014</a:t>
+              <a:t>2/15/2014</a:t>
             </a:fld>
             <a:endParaRPr lang="en-US"/>
           </a:p>
@@ -5532,7 +5532,7 @@
           <a:p>
             <a:fld id="{CC2990F0-8476-4A68-82FA-873BDD6B740E}" type="datetimeFigureOut">
               <a:rPr lang="en-US" smtClean="0"/>
-              <a:t>2/14/2014</a:t>
+              <a:t>2/15/2014</a:t>
             </a:fld>
             <a:endParaRPr lang="en-US"/>
           </a:p>
@@ -5916,7 +5916,7 @@
           <a:p>
             <a:fld id="{CC2990F0-8476-4A68-82FA-873BDD6B740E}" type="datetimeFigureOut">
               <a:rPr lang="en-US" smtClean="0"/>
-              <a:t>2/14/2014</a:t>
+              <a:t>2/15/2014</a:t>
             </a:fld>
             <a:endParaRPr lang="en-US"/>
           </a:p>
@@ -6278,7 +6278,7 @@
           <a:p>
             <a:fld id="{CC2990F0-8476-4A68-82FA-873BDD6B740E}" type="datetimeFigureOut">
               <a:rPr lang="en-US" smtClean="0"/>
-              <a:t>2/14/2014</a:t>
+              <a:t>2/15/2014</a:t>
             </a:fld>
             <a:endParaRPr lang="en-US"/>
           </a:p>
@@ -6612,7 +6612,7 @@
           <a:p>
             <a:fld id="{CC2990F0-8476-4A68-82FA-873BDD6B740E}" type="datetimeFigureOut">
               <a:rPr lang="en-US" smtClean="0"/>
-              <a:t>2/14/2014</a:t>
+              <a:t>2/15/2014</a:t>
             </a:fld>
             <a:endParaRPr lang="en-US"/>
           </a:p>
@@ -7161,7 +7161,7 @@
                 </a:solidFill>
               </a:rPr>
               <a:pPr/>
-              <a:t>2/14/2014</a:t>
+              <a:t>2/15/2014</a:t>
             </a:fld>
             <a:endParaRPr lang="en-US" smtClean="0">
               <a:solidFill>
@@ -13296,43 +13296,32 @@
       </p:grpSpPr>
       <p:pic>
         <p:nvPicPr>
-          <p:cNvPr id="1186" name="Picture 483" descr="U:\Users\Stephen\Documents\Backup\PRGM\Robotics\STM32\SeniorDesign\doc\BlockDiagram_CC.emf"/>
+          <p:cNvPr id="2" name="Picture 1"/>
           <p:cNvPicPr>
-            <a:picLocks noChangeAspect="1" noChangeArrowheads="1"/>
+            <a:picLocks noChangeAspect="1"/>
           </p:cNvPicPr>
           <p:nvPr/>
         </p:nvPicPr>
         <p:blipFill>
-          <a:blip r:embed="rId3">
+          <a:blip r:embed="rId2">
             <a:extLst>
               <a:ext uri="{28A0092B-C50C-407E-A947-70E740481C1C}">
                 <a14:useLocalDpi xmlns:a14="http://schemas.microsoft.com/office/drawing/2010/main" val="0"/>
               </a:ext>
             </a:extLst>
           </a:blip>
-          <a:srcRect/>
           <a:stretch>
             <a:fillRect/>
           </a:stretch>
         </p:blipFill>
-        <p:spPr bwMode="auto">
+        <p:spPr>
           <a:xfrm>
-            <a:off x="285750" y="539750"/>
-            <a:ext cx="8648700" cy="5778500"/>
+            <a:off x="247928" y="536250"/>
+            <a:ext cx="8648144" cy="5785500"/>
           </a:xfrm>
           <a:prstGeom prst="rect">
             <a:avLst/>
           </a:prstGeom>
-          <a:noFill/>
-          <a:extLst>
-            <a:ext uri="{909E8E84-426E-40DD-AFC4-6F175D3DCCD1}">
-              <a14:hiddenFill xmlns:a14="http://schemas.microsoft.com/office/drawing/2010/main">
-                <a:solidFill>
-                  <a:srgbClr val="FFFFFF"/>
-                </a:solidFill>
-              </a14:hiddenFill>
-            </a:ext>
-          </a:extLst>
         </p:spPr>
       </p:pic>
     </p:spTree>
@@ -14609,7 +14598,7 @@
   <a:extraClrSchemeLst/>
   <a:extLst>
     <a:ext uri="{05A4C25C-085E-4340-85A3-A5531E510DB2}">
-      <thm15:themeFamily xmlns:thm15="http://schemas.microsoft.com/office/thememl/2012/main" xmlns="" name="Office Theme" id="{62F939B6-93AF-4DB8-9C6B-D6C7DFDC589F}" vid="{4A3C46E8-61CC-4603-A589-7422A47A8E4A}"/>
+      <thm15:themeFamily xmlns="" xmlns:thm15="http://schemas.microsoft.com/office/thememl/2012/main" name="Office Theme" id="{62F939B6-93AF-4DB8-9C6B-D6C7DFDC589F}" vid="{4A3C46E8-61CC-4603-A589-7422A47A8E4A}"/>
     </a:ext>
   </a:extLst>
 </a:theme>

--- a/doc/AugRealityMidReview.pptx
+++ b/doc/AugRealityMidReview.pptx
@@ -15,7 +15,7 @@
     <p:sldId id="257" r:id="rId6"/>
     <p:sldId id="275" r:id="rId7"/>
     <p:sldId id="278" r:id="rId8"/>
-    <p:sldId id="288" r:id="rId9"/>
+    <p:sldId id="292" r:id="rId9"/>
     <p:sldId id="269" r:id="rId10"/>
     <p:sldId id="280" r:id="rId11"/>
     <p:sldId id="286" r:id="rId12"/>
@@ -852,6 +852,18 @@
   <p:clrMapOvr>
     <a:masterClrMapping/>
   </p:clrMapOvr>
+  <mc:AlternateContent xmlns:mc="http://schemas.openxmlformats.org/markup-compatibility/2006" xmlns:p14="http://schemas.microsoft.com/office/powerpoint/2010/main">
+    <mc:Choice Requires="p14">
+      <p:transition p14:dur="200">
+        <p:fade/>
+      </p:transition>
+    </mc:Choice>
+    <mc:Fallback xmlns="">
+      <p:transition>
+        <p:fade/>
+      </p:transition>
+    </mc:Fallback>
+  </mc:AlternateContent>
 </p:sldLayout>
 </file>
 
@@ -1017,6 +1029,18 @@
   <p:clrMapOvr>
     <a:masterClrMapping/>
   </p:clrMapOvr>
+  <mc:AlternateContent xmlns:mc="http://schemas.openxmlformats.org/markup-compatibility/2006" xmlns:p14="http://schemas.microsoft.com/office/powerpoint/2010/main">
+    <mc:Choice Requires="p14">
+      <p:transition p14:dur="200">
+        <p:fade/>
+      </p:transition>
+    </mc:Choice>
+    <mc:Fallback xmlns="">
+      <p:transition>
+        <p:fade/>
+      </p:transition>
+    </mc:Fallback>
+  </mc:AlternateContent>
 </p:sldLayout>
 </file>
 
@@ -1292,6 +1316,18 @@
   <p:clrMapOvr>
     <a:masterClrMapping/>
   </p:clrMapOvr>
+  <mc:AlternateContent xmlns:mc="http://schemas.openxmlformats.org/markup-compatibility/2006" xmlns:p14="http://schemas.microsoft.com/office/powerpoint/2010/main">
+    <mc:Choice Requires="p14">
+      <p:transition p14:dur="200">
+        <p:fade/>
+      </p:transition>
+    </mc:Choice>
+    <mc:Fallback xmlns="">
+      <p:transition>
+        <p:fade/>
+      </p:transition>
+    </mc:Fallback>
+  </mc:AlternateContent>
 </p:sldLayout>
 </file>
 
@@ -1566,6 +1602,18 @@
   <p:clrMapOvr>
     <a:masterClrMapping/>
   </p:clrMapOvr>
+  <mc:AlternateContent xmlns:mc="http://schemas.openxmlformats.org/markup-compatibility/2006" xmlns:p14="http://schemas.microsoft.com/office/powerpoint/2010/main">
+    <mc:Choice Requires="p14">
+      <p:transition p14:dur="200">
+        <p:fade/>
+      </p:transition>
+    </mc:Choice>
+    <mc:Fallback xmlns="">
+      <p:transition>
+        <p:fade/>
+      </p:transition>
+    </mc:Fallback>
+  </mc:AlternateContent>
 </p:sldLayout>
 </file>
 
@@ -1768,6 +1816,18 @@
   <p:clrMapOvr>
     <a:masterClrMapping/>
   </p:clrMapOvr>
+  <mc:AlternateContent xmlns:mc="http://schemas.openxmlformats.org/markup-compatibility/2006" xmlns:p14="http://schemas.microsoft.com/office/powerpoint/2010/main">
+    <mc:Choice Requires="p14">
+      <p:transition p14:dur="200">
+        <p:fade/>
+      </p:transition>
+    </mc:Choice>
+    <mc:Fallback xmlns="">
+      <p:transition>
+        <p:fade/>
+      </p:transition>
+    </mc:Fallback>
+  </mc:AlternateContent>
 </p:sldLayout>
 </file>
 
@@ -2046,6 +2106,18 @@
   <p:clrMapOvr>
     <a:masterClrMapping/>
   </p:clrMapOvr>
+  <mc:AlternateContent xmlns:mc="http://schemas.openxmlformats.org/markup-compatibility/2006" xmlns:p14="http://schemas.microsoft.com/office/powerpoint/2010/main">
+    <mc:Choice Requires="p14">
+      <p:transition p14:dur="200">
+        <p:fade/>
+      </p:transition>
+    </mc:Choice>
+    <mc:Fallback xmlns="">
+      <p:transition>
+        <p:fade/>
+      </p:transition>
+    </mc:Fallback>
+  </mc:AlternateContent>
 </p:sldLayout>
 </file>
 
@@ -2366,6 +2438,18 @@
   <p:clrMapOvr>
     <a:masterClrMapping/>
   </p:clrMapOvr>
+  <mc:AlternateContent xmlns:mc="http://schemas.openxmlformats.org/markup-compatibility/2006" xmlns:p14="http://schemas.microsoft.com/office/powerpoint/2010/main">
+    <mc:Choice Requires="p14">
+      <p:transition p14:dur="200">
+        <p:fade/>
+      </p:transition>
+    </mc:Choice>
+    <mc:Fallback xmlns="">
+      <p:transition>
+        <p:fade/>
+      </p:transition>
+    </mc:Fallback>
+  </mc:AlternateContent>
 </p:sldLayout>
 </file>
 
@@ -2820,6 +2904,18 @@
   <p:clrMapOvr>
     <a:masterClrMapping/>
   </p:clrMapOvr>
+  <mc:AlternateContent xmlns:mc="http://schemas.openxmlformats.org/markup-compatibility/2006" xmlns:p14="http://schemas.microsoft.com/office/powerpoint/2010/main">
+    <mc:Choice Requires="p14">
+      <p:transition p14:dur="200">
+        <p:fade/>
+      </p:transition>
+    </mc:Choice>
+    <mc:Fallback xmlns="">
+      <p:transition>
+        <p:fade/>
+      </p:transition>
+    </mc:Fallback>
+  </mc:AlternateContent>
 </p:sldLayout>
 </file>
 
@@ -2970,6 +3066,18 @@
   <p:clrMapOvr>
     <a:masterClrMapping/>
   </p:clrMapOvr>
+  <mc:AlternateContent xmlns:mc="http://schemas.openxmlformats.org/markup-compatibility/2006" xmlns:p14="http://schemas.microsoft.com/office/powerpoint/2010/main">
+    <mc:Choice Requires="p14">
+      <p:transition p14:dur="200">
+        <p:fade/>
+      </p:transition>
+    </mc:Choice>
+    <mc:Fallback xmlns="">
+      <p:transition>
+        <p:fade/>
+      </p:transition>
+    </mc:Fallback>
+  </mc:AlternateContent>
 </p:sldLayout>
 </file>
 
@@ -3097,6 +3205,18 @@
   <p:clrMapOvr>
     <a:masterClrMapping/>
   </p:clrMapOvr>
+  <mc:AlternateContent xmlns:mc="http://schemas.openxmlformats.org/markup-compatibility/2006" xmlns:p14="http://schemas.microsoft.com/office/powerpoint/2010/main">
+    <mc:Choice Requires="p14">
+      <p:transition p14:dur="200">
+        <p:fade/>
+      </p:transition>
+    </mc:Choice>
+    <mc:Fallback xmlns="">
+      <p:transition>
+        <p:fade/>
+      </p:transition>
+    </mc:Fallback>
+  </mc:AlternateContent>
 </p:sldLayout>
 </file>
 
@@ -3406,6 +3526,18 @@
   <p:clrMapOvr>
     <a:masterClrMapping/>
   </p:clrMapOvr>
+  <mc:AlternateContent xmlns:mc="http://schemas.openxmlformats.org/markup-compatibility/2006" xmlns:p14="http://schemas.microsoft.com/office/powerpoint/2010/main">
+    <mc:Choice Requires="p14">
+      <p:transition p14:dur="200">
+        <p:fade/>
+      </p:transition>
+    </mc:Choice>
+    <mc:Fallback xmlns="">
+      <p:transition>
+        <p:fade/>
+      </p:transition>
+    </mc:Fallback>
+  </mc:AlternateContent>
 </p:sldLayout>
 </file>
 
@@ -3571,6 +3703,18 @@
   <p:clrMapOvr>
     <a:masterClrMapping/>
   </p:clrMapOvr>
+  <mc:AlternateContent xmlns:mc="http://schemas.openxmlformats.org/markup-compatibility/2006" xmlns:p14="http://schemas.microsoft.com/office/powerpoint/2010/main">
+    <mc:Choice Requires="p14">
+      <p:transition p14:dur="200">
+        <p:fade/>
+      </p:transition>
+    </mc:Choice>
+    <mc:Fallback xmlns="">
+      <p:transition>
+        <p:fade/>
+      </p:transition>
+    </mc:Fallback>
+  </mc:AlternateContent>
   <p:timing>
     <p:tnLst>
       <p:par>
@@ -3863,6 +4007,18 @@
   <p:clrMapOvr>
     <a:masterClrMapping/>
   </p:clrMapOvr>
+  <mc:AlternateContent xmlns:mc="http://schemas.openxmlformats.org/markup-compatibility/2006" xmlns:p14="http://schemas.microsoft.com/office/powerpoint/2010/main">
+    <mc:Choice Requires="p14">
+      <p:transition p14:dur="200">
+        <p:fade/>
+      </p:transition>
+    </mc:Choice>
+    <mc:Fallback xmlns="">
+      <p:transition>
+        <p:fade/>
+      </p:transition>
+    </mc:Fallback>
+  </mc:AlternateContent>
 </p:sldLayout>
 </file>
 
@@ -4065,6 +4221,18 @@
   <p:clrMapOvr>
     <a:masterClrMapping/>
   </p:clrMapOvr>
+  <mc:AlternateContent xmlns:mc="http://schemas.openxmlformats.org/markup-compatibility/2006" xmlns:p14="http://schemas.microsoft.com/office/powerpoint/2010/main">
+    <mc:Choice Requires="p14">
+      <p:transition p14:dur="200">
+        <p:fade/>
+      </p:transition>
+    </mc:Choice>
+    <mc:Fallback xmlns="">
+      <p:transition>
+        <p:fade/>
+      </p:transition>
+    </mc:Fallback>
+  </mc:AlternateContent>
 </p:sldLayout>
 </file>
 
@@ -4277,6 +4445,18 @@
   <p:clrMapOvr>
     <a:masterClrMapping/>
   </p:clrMapOvr>
+  <mc:AlternateContent xmlns:mc="http://schemas.openxmlformats.org/markup-compatibility/2006" xmlns:p14="http://schemas.microsoft.com/office/powerpoint/2010/main">
+    <mc:Choice Requires="p14">
+      <p:transition p14:dur="200">
+        <p:fade/>
+      </p:transition>
+    </mc:Choice>
+    <mc:Fallback xmlns="">
+      <p:transition>
+        <p:fade/>
+      </p:transition>
+    </mc:Fallback>
+  </mc:AlternateContent>
 </p:sldLayout>
 </file>
 
@@ -4632,6 +4812,18 @@
   <p:clrMapOvr>
     <a:masterClrMapping/>
   </p:clrMapOvr>
+  <mc:AlternateContent xmlns:mc="http://schemas.openxmlformats.org/markup-compatibility/2006" xmlns:p14="http://schemas.microsoft.com/office/powerpoint/2010/main">
+    <mc:Choice Requires="p14">
+      <p:transition p14:dur="200">
+        <p:fade/>
+      </p:transition>
+    </mc:Choice>
+    <mc:Fallback xmlns="">
+      <p:transition>
+        <p:fade/>
+      </p:transition>
+    </mc:Fallback>
+  </mc:AlternateContent>
 </p:sldLayout>
 </file>
 
@@ -4915,6 +5107,18 @@
   <p:clrMapOvr>
     <a:masterClrMapping/>
   </p:clrMapOvr>
+  <mc:AlternateContent xmlns:mc="http://schemas.openxmlformats.org/markup-compatibility/2006" xmlns:p14="http://schemas.microsoft.com/office/powerpoint/2010/main">
+    <mc:Choice Requires="p14">
+      <p:transition p14:dur="200">
+        <p:fade/>
+      </p:transition>
+    </mc:Choice>
+    <mc:Fallback xmlns="">
+      <p:transition>
+        <p:fade/>
+      </p:transition>
+    </mc:Fallback>
+  </mc:AlternateContent>
 </p:sldLayout>
 </file>
 
@@ -5336,6 +5540,18 @@
   <p:clrMapOvr>
     <a:masterClrMapping/>
   </p:clrMapOvr>
+  <mc:AlternateContent xmlns:mc="http://schemas.openxmlformats.org/markup-compatibility/2006" xmlns:p14="http://schemas.microsoft.com/office/powerpoint/2010/main">
+    <mc:Choice Requires="p14">
+      <p:transition p14:dur="200">
+        <p:fade/>
+      </p:transition>
+    </mc:Choice>
+    <mc:Fallback xmlns="">
+      <p:transition>
+        <p:fade/>
+      </p:transition>
+    </mc:Fallback>
+  </mc:AlternateContent>
 </p:sldLayout>
 </file>
 
@@ -5449,6 +5665,18 @@
   <p:clrMapOvr>
     <a:masterClrMapping/>
   </p:clrMapOvr>
+  <mc:AlternateContent xmlns:mc="http://schemas.openxmlformats.org/markup-compatibility/2006" xmlns:p14="http://schemas.microsoft.com/office/powerpoint/2010/main">
+    <mc:Choice Requires="p14">
+      <p:transition p14:dur="200">
+        <p:fade/>
+      </p:transition>
+    </mc:Choice>
+    <mc:Fallback xmlns="">
+      <p:transition>
+        <p:fade/>
+      </p:transition>
+    </mc:Fallback>
+  </mc:AlternateContent>
 </p:sldLayout>
 </file>
 
@@ -5585,6 +5813,18 @@
   <p:clrMapOvr>
     <a:masterClrMapping/>
   </p:clrMapOvr>
+  <mc:AlternateContent xmlns:mc="http://schemas.openxmlformats.org/markup-compatibility/2006" xmlns:p14="http://schemas.microsoft.com/office/powerpoint/2010/main">
+    <mc:Choice Requires="p14">
+      <p:transition p14:dur="200">
+        <p:fade/>
+      </p:transition>
+    </mc:Choice>
+    <mc:Fallback xmlns="">
+      <p:transition>
+        <p:fade/>
+      </p:transition>
+    </mc:Fallback>
+  </mc:AlternateContent>
 </p:sldLayout>
 </file>
 
@@ -6013,6 +6253,18 @@
   <p:clrMapOvr>
     <a:overrideClrMapping bg1="lt1" tx1="dk1" bg2="lt2" tx2="dk2" accent1="accent1" accent2="accent2" accent3="accent3" accent4="accent4" accent5="accent5" accent6="accent6" hlink="hlink" folHlink="folHlink"/>
   </p:clrMapOvr>
+  <mc:AlternateContent xmlns:mc="http://schemas.openxmlformats.org/markup-compatibility/2006" xmlns:p14="http://schemas.microsoft.com/office/powerpoint/2010/main">
+    <mc:Choice Requires="p14">
+      <p:transition p14:dur="200">
+        <p:fade/>
+      </p:transition>
+    </mc:Choice>
+    <mc:Fallback xmlns="">
+      <p:transition>
+        <p:fade/>
+      </p:transition>
+    </mc:Fallback>
+  </mc:AlternateContent>
 </p:sldLayout>
 </file>
 
@@ -6367,6 +6619,18 @@
   <p:clrMapOvr>
     <a:overrideClrMapping bg1="dk1" tx1="lt1" bg2="dk2" tx2="lt2" accent1="accent1" accent2="accent2" accent3="accent3" accent4="accent4" accent5="accent5" accent6="accent6" hlink="hlink" folHlink="folHlink"/>
   </p:clrMapOvr>
+  <mc:AlternateContent xmlns:mc="http://schemas.openxmlformats.org/markup-compatibility/2006" xmlns:p14="http://schemas.microsoft.com/office/powerpoint/2010/main">
+    <mc:Choice Requires="p14">
+      <p:transition p14:dur="200">
+        <p:fade/>
+      </p:transition>
+    </mc:Choice>
+    <mc:Fallback xmlns="">
+      <p:transition>
+        <p:fade/>
+      </p:transition>
+    </mc:Fallback>
+  </mc:AlternateContent>
 </p:sldLayout>
 </file>
 
@@ -6711,6 +6975,18 @@
     <p:sldLayoutId id="2147483706" r:id="rId10"/>
     <p:sldLayoutId id="2147483707" r:id="rId11"/>
   </p:sldLayoutIdLst>
+  <mc:AlternateContent xmlns:mc="http://schemas.openxmlformats.org/markup-compatibility/2006" xmlns:p14="http://schemas.microsoft.com/office/powerpoint/2010/main">
+    <mc:Choice Requires="p14">
+      <p:transition p14:dur="200">
+        <p:fade/>
+      </p:transition>
+    </mc:Choice>
+    <mc:Fallback xmlns="">
+      <p:transition>
+        <p:fade/>
+      </p:transition>
+    </mc:Fallback>
+  </mc:AlternateContent>
   <p:timing>
     <p:tnLst>
       <p:par>
@@ -7291,6 +7567,18 @@
     <p:sldLayoutId id="2147483718" r:id="rId10"/>
     <p:sldLayoutId id="2147483719" r:id="rId11"/>
   </p:sldLayoutIdLst>
+  <mc:AlternateContent xmlns:mc="http://schemas.openxmlformats.org/markup-compatibility/2006" xmlns:p14="http://schemas.microsoft.com/office/powerpoint/2010/main">
+    <mc:Choice Requires="p14">
+      <p:transition p14:dur="200">
+        <p:fade/>
+      </p:transition>
+    </mc:Choice>
+    <mc:Fallback xmlns="">
+      <p:transition>
+        <p:fade/>
+      </p:transition>
+    </mc:Fallback>
+  </mc:AlternateContent>
   <p:txStyles>
     <p:titleStyle>
       <a:lvl1pPr algn="ctr" defTabSz="914400" rtl="0" eaLnBrk="1" latinLnBrk="0" hangingPunct="1">
@@ -7586,7 +7874,7 @@
           <a:p>
             <a:r>
               <a:rPr lang="en-US" sz="1600" dirty="0" smtClean="0"/>
-              <a:t>Stephen Ellis</a:t>
+              <a:t>Steven Ellis</a:t>
             </a:r>
           </a:p>
           <a:p>
@@ -7691,7 +7979,7 @@
         </p:nvSpPr>
         <p:spPr>
           <a:xfrm>
-            <a:off x="5093293" y="5976611"/>
+            <a:off x="5093293" y="5953474"/>
             <a:ext cx="990600" cy="646331"/>
           </a:xfrm>
           <a:prstGeom prst="rect">
@@ -7741,7 +8029,7 @@
         </p:nvSpPr>
         <p:spPr>
           <a:xfrm>
-            <a:off x="1295400" y="5966737"/>
+            <a:off x="1295400" y="5943600"/>
             <a:ext cx="990600" cy="646331"/>
           </a:xfrm>
           <a:prstGeom prst="rect">
@@ -7786,7 +8074,7 @@
         </p:nvSpPr>
         <p:spPr>
           <a:xfrm>
-            <a:off x="3048000" y="5976612"/>
+            <a:off x="3048000" y="5953475"/>
             <a:ext cx="1268963" cy="646331"/>
           </a:xfrm>
           <a:prstGeom prst="rect">
@@ -7838,6 +8126,18 @@
   <p:clrMapOvr>
     <a:masterClrMapping/>
   </p:clrMapOvr>
+  <mc:AlternateContent xmlns:mc="http://schemas.openxmlformats.org/markup-compatibility/2006" xmlns:p14="http://schemas.microsoft.com/office/powerpoint/2010/main">
+    <mc:Choice Requires="p14">
+      <p:transition p14:dur="200">
+        <p:fade/>
+      </p:transition>
+    </mc:Choice>
+    <mc:Fallback xmlns="">
+      <p:transition>
+        <p:fade/>
+      </p:transition>
+    </mc:Fallback>
+  </mc:AlternateContent>
   <p:timing>
     <p:tnLst>
       <p:par>
@@ -7898,14 +8198,14 @@
             <p:ph idx="1"/>
             <p:extLst>
               <p:ext uri="{D42A27DB-BD31-4B8C-83A1-F6EECF244321}">
-                <p14:modId xmlns:p14="http://schemas.microsoft.com/office/powerpoint/2010/main" val="1173024867"/>
+                <p14:modId xmlns:p14="http://schemas.microsoft.com/office/powerpoint/2010/main" val="3378571874"/>
               </p:ext>
             </p:extLst>
           </p:nvPr>
         </p:nvGraphicFramePr>
         <p:xfrm>
-          <a:off x="152400" y="1173729"/>
-          <a:ext cx="8821039" cy="5166111"/>
+          <a:off x="228600" y="1371600"/>
+          <a:ext cx="8686800" cy="3962400"/>
         </p:xfrm>
         <a:graphic>
           <a:graphicData uri="http://schemas.openxmlformats.org/drawingml/2006/table">
@@ -7914,10 +8214,10 @@
                 <a:tableStyleId>{5C22544A-7EE6-4342-B048-85BDC9FD1C3A}</a:tableStyleId>
               </a:tblPr>
               <a:tblGrid>
-                <a:gridCol w="1905000"/>
-                <a:gridCol w="1929447"/>
-                <a:gridCol w="2566353"/>
-                <a:gridCol w="2420239"/>
+                <a:gridCol w="2057400"/>
+                <a:gridCol w="2133600"/>
+                <a:gridCol w="2362200"/>
+                <a:gridCol w="2133600"/>
               </a:tblGrid>
               <a:tr h="209488">
                 <a:tc>
@@ -7934,7 +8234,7 @@
                         </a:spcAft>
                       </a:pPr>
                       <a:r>
-                        <a:rPr lang="en-US" sz="1600" dirty="0">
+                        <a:rPr lang="en-US" sz="1600" dirty="0" smtClean="0">
                           <a:effectLst/>
                         </a:rPr>
                         <a:t>Metric</a:t>
@@ -8023,24 +8323,24 @@
                       <a:r>
                         <a:rPr lang="en-US" sz="1600" dirty="0" smtClean="0">
                           <a:effectLst/>
-                          <a:latin typeface="Calibri" panose="020F0502020204030204" pitchFamily="34" charset="0"/>
+                          <a:latin typeface="+mn-lt"/>
                           <a:ea typeface="Calibri" panose="020F0502020204030204" pitchFamily="34" charset="0"/>
                           <a:cs typeface="Times New Roman" panose="02020603050405020304" pitchFamily="18" charset="0"/>
                         </a:rPr>
-                        <a:t>Phase 2 (Current</a:t>
+                        <a:t>Phase 2 (</a:t>
                       </a:r>
                       <a:r>
                         <a:rPr lang="en-US" sz="1600" baseline="0" dirty="0" smtClean="0">
                           <a:effectLst/>
-                          <a:latin typeface="Calibri" panose="020F0502020204030204" pitchFamily="34" charset="0"/>
+                          <a:latin typeface="+mn-lt"/>
                           <a:ea typeface="Calibri" panose="020F0502020204030204" pitchFamily="34" charset="0"/>
                           <a:cs typeface="Times New Roman" panose="02020603050405020304" pitchFamily="18" charset="0"/>
                         </a:rPr>
-                        <a:t> Estimate)</a:t>
+                        <a:t>Estimate)</a:t>
                       </a:r>
                       <a:endParaRPr lang="en-US" sz="1600" dirty="0">
                         <a:effectLst/>
-                        <a:latin typeface="Calibri" panose="020F0502020204030204" pitchFamily="34" charset="0"/>
+                        <a:latin typeface="+mn-lt"/>
                         <a:ea typeface="Calibri" panose="020F0502020204030204" pitchFamily="34" charset="0"/>
                         <a:cs typeface="Times New Roman" panose="02020603050405020304" pitchFamily="18" charset="0"/>
                       </a:endParaRPr>
@@ -8064,12 +8364,12 @@
                         </a:spcAft>
                       </a:pPr>
                       <a:r>
-                        <a:rPr lang="en-US" sz="1800">
+                        <a:rPr lang="en-US" sz="1800" dirty="0">
                           <a:effectLst/>
                         </a:rPr>
                         <a:t>Mass</a:t>
                       </a:r>
-                      <a:endParaRPr lang="en-US" sz="1800">
+                      <a:endParaRPr lang="en-US" sz="1800" dirty="0">
                         <a:effectLst/>
                         <a:latin typeface="Calibri" panose="020F0502020204030204" pitchFamily="34" charset="0"/>
                         <a:ea typeface="Calibri" panose="020F0502020204030204" pitchFamily="34" charset="0"/>
@@ -8369,7 +8669,7 @@
                   <a:tcPr marL="68580" marR="68580" marT="0" marB="0"/>
                 </a:tc>
               </a:tr>
-              <a:tr h="609600">
+              <a:tr h="381000">
                 <a:tc>
                   <a:txBody>
                     <a:bodyPr/>
@@ -8403,7 +8703,15 @@
                           <a:latin typeface="+mj-lt"/>
                           <a:cs typeface="Times New Roman" panose="02020603050405020304" pitchFamily="18" charset="0"/>
                         </a:rPr>
-                        <a:t>Accuracy</a:t>
+                        <a:t>Precision</a:t>
+                      </a:r>
+                      <a:r>
+                        <a:rPr lang="en-US" sz="1200" b="1" baseline="0" dirty="0" smtClean="0">
+                          <a:effectLst/>
+                          <a:latin typeface="+mj-lt"/>
+                          <a:cs typeface="Times New Roman" panose="02020603050405020304" pitchFamily="18" charset="0"/>
+                        </a:rPr>
+                        <a:t>*</a:t>
                       </a:r>
                       <a:endParaRPr lang="en-US" sz="1800" b="1" dirty="0" smtClean="0">
                         <a:effectLst/>
@@ -8433,7 +8741,7 @@
                           <a:ea typeface="Calibri" panose="020F0502020204030204" pitchFamily="34" charset="0"/>
                           <a:cs typeface="Times New Roman" panose="02020603050405020304" pitchFamily="18" charset="0"/>
                         </a:rPr>
-                        <a:t>TODO</a:t>
+                        <a:t>~1.5 m</a:t>
                       </a:r>
                       <a:endParaRPr lang="en-US" sz="1800" dirty="0">
                         <a:effectLst/>
@@ -8572,7 +8880,7 @@
                           <a:ea typeface="Calibri" panose="020F0502020204030204" pitchFamily="34" charset="0"/>
                           <a:cs typeface="Times New Roman" panose="02020603050405020304" pitchFamily="18" charset="0"/>
                         </a:rPr>
-                        <a:t>250 m</a:t>
+                        <a:t>200 m</a:t>
                       </a:r>
                     </a:p>
                   </a:txBody>
@@ -8595,7 +8903,19 @@
                         <a:rPr lang="en-US" sz="1800" dirty="0">
                           <a:effectLst/>
                         </a:rPr>
-                        <a:t>80 m range, line of sight</a:t>
+                        <a:t>80 </a:t>
+                      </a:r>
+                      <a:r>
+                        <a:rPr lang="en-US" sz="1800" dirty="0" smtClean="0">
+                          <a:effectLst/>
+                        </a:rPr>
+                        <a:t>m, </a:t>
+                      </a:r>
+                      <a:r>
+                        <a:rPr lang="en-US" sz="1800" dirty="0">
+                          <a:effectLst/>
+                        </a:rPr>
+                        <a:t>line of sight</a:t>
                       </a:r>
                       <a:endParaRPr lang="en-US" sz="1800" dirty="0">
                         <a:effectLst/>
@@ -8627,7 +8947,7 @@
                           <a:ea typeface="Calibri" panose="020F0502020204030204" pitchFamily="34" charset="0"/>
                           <a:cs typeface="Times New Roman" panose="02020603050405020304" pitchFamily="18" charset="0"/>
                         </a:rPr>
-                        <a:t>TODO</a:t>
+                        <a:t>200 m</a:t>
                       </a:r>
                       <a:endParaRPr lang="en-US" sz="1800" dirty="0">
                         <a:effectLst/>
@@ -8640,7 +8960,7 @@
                   <a:tcPr marL="68580" marR="68580" marT="0" marB="0"/>
                 </a:tc>
               </a:tr>
-              <a:tr h="609600">
+              <a:tr h="335529">
                 <a:tc>
                   <a:txBody>
                     <a:bodyPr/>
@@ -8672,31 +8992,6 @@
                         </a:rPr>
                         <a:t> Refresh</a:t>
                       </a:r>
-                    </a:p>
-                    <a:p>
-                      <a:pPr marL="0" marR="0" algn="r">
-                        <a:spcBef>
-                          <a:spcPts val="0"/>
-                        </a:spcBef>
-                        <a:spcAft>
-                          <a:spcPts val="0"/>
-                        </a:spcAft>
-                      </a:pPr>
-                      <a:r>
-                        <a:rPr lang="en-US" sz="1800" baseline="0" dirty="0" smtClean="0">
-                          <a:effectLst/>
-                          <a:latin typeface="+mn-lt"/>
-                          <a:ea typeface="+mn-ea"/>
-                          <a:cs typeface="+mn-cs"/>
-                        </a:rPr>
-                        <a:t>Rate</a:t>
-                      </a:r>
-                      <a:endParaRPr lang="en-US" sz="1800" dirty="0">
-                        <a:effectLst/>
-                        <a:latin typeface="Calibri" panose="020F0502020204030204" pitchFamily="34" charset="0"/>
-                        <a:ea typeface="Calibri" panose="020F0502020204030204" pitchFamily="34" charset="0"/>
-                        <a:cs typeface="Times New Roman" panose="02020603050405020304" pitchFamily="18" charset="0"/>
-                      </a:endParaRPr>
                     </a:p>
                   </a:txBody>
                   <a:tcPr marL="68580" marR="68580" marT="0" marB="0"/>
@@ -8801,7 +9096,7 @@
                   <a:tcPr marL="68580" marR="68580" marT="0" marB="0"/>
                 </a:tc>
               </a:tr>
-              <a:tr h="609600">
+              <a:tr h="381000">
                 <a:tc>
                   <a:txBody>
                     <a:bodyPr/>
@@ -8823,15 +9118,6 @@
                           <a:cs typeface="Times New Roman" panose="02020603050405020304" pitchFamily="18" charset="0"/>
                         </a:rPr>
                         <a:t>Network Refresh</a:t>
-                      </a:r>
-                      <a:r>
-                        <a:rPr lang="en-US" sz="1800" b="1" baseline="0" dirty="0" smtClean="0">
-                          <a:effectLst/>
-                          <a:latin typeface="+mj-lt"/>
-                          <a:ea typeface="Calibri" panose="020F0502020204030204" pitchFamily="34" charset="0"/>
-                          <a:cs typeface="Times New Roman" panose="02020603050405020304" pitchFamily="18" charset="0"/>
-                        </a:rPr>
-                        <a:t> Rate</a:t>
                       </a:r>
                       <a:endParaRPr lang="en-US" sz="1800" b="1" dirty="0">
                         <a:effectLst/>
@@ -8940,7 +9226,7 @@
                   <a:tcPr marL="68580" marR="68580" marT="0" marB="0"/>
                 </a:tc>
               </a:tr>
-              <a:tr h="883920">
+              <a:tr h="609600">
                 <a:tc>
                   <a:txBody>
                     <a:bodyPr/>
@@ -9016,10 +9302,40 @@
                         </a:spcAft>
                       </a:pPr>
                       <a:r>
+                        <a:rPr lang="en-US" sz="1800" dirty="0" smtClean="0">
+                          <a:effectLst/>
+                        </a:rPr>
+                        <a:t>User </a:t>
+                      </a:r>
+                      <a:r>
                         <a:rPr lang="en-US" sz="1800" dirty="0">
                           <a:effectLst/>
                         </a:rPr>
-                        <a:t>End user can start up and use device without a technician</a:t>
+                        <a:t>can start </a:t>
+                      </a:r>
+                      <a:r>
+                        <a:rPr lang="en-US" sz="1800" dirty="0" smtClean="0">
+                          <a:effectLst/>
+                        </a:rPr>
+                        <a:t>and </a:t>
+                      </a:r>
+                      <a:r>
+                        <a:rPr lang="en-US" sz="1800" dirty="0">
+                          <a:effectLst/>
+                        </a:rPr>
+                        <a:t>use </a:t>
+                      </a:r>
+                      <a:r>
+                        <a:rPr lang="en-US" sz="1800" dirty="0" smtClean="0">
+                          <a:effectLst/>
+                        </a:rPr>
+                        <a:t>without </a:t>
+                      </a:r>
+                      <a:r>
+                        <a:rPr lang="en-US" sz="1800" dirty="0">
+                          <a:effectLst/>
+                        </a:rPr>
+                        <a:t>a technician</a:t>
                       </a:r>
                       <a:endParaRPr lang="en-US" sz="1800" dirty="0">
                         <a:effectLst/>
@@ -9064,7 +9380,7 @@
                   <a:tcPr marL="68580" marR="68580" marT="0" marB="0"/>
                 </a:tc>
               </a:tr>
-              <a:tr h="883920">
+              <a:tr h="685800">
                 <a:tc>
                   <a:txBody>
                     <a:bodyPr/>
@@ -9079,15 +9395,15 @@
                         </a:spcAft>
                       </a:pPr>
                       <a:r>
-                        <a:rPr lang="en-US" sz="2000" dirty="0" smtClean="0">
+                        <a:rPr lang="en-US" sz="1800" dirty="0" smtClean="0">
                           <a:effectLst/>
                           <a:latin typeface="+mn-lt"/>
                           <a:ea typeface="Calibri" panose="020F0502020204030204" pitchFamily="34" charset="0"/>
                           <a:cs typeface="Times New Roman" panose="02020603050405020304" pitchFamily="18" charset="0"/>
                         </a:rPr>
-                        <a:t># of Simultaneous</a:t>
+                        <a:t>Simultaneous Device Limit</a:t>
                       </a:r>
-                      <a:endParaRPr lang="en-US" sz="2000" dirty="0">
+                      <a:endParaRPr lang="en-US" sz="1800" dirty="0">
                         <a:effectLst/>
                         <a:latin typeface="+mn-lt"/>
                         <a:ea typeface="Calibri" panose="020F0502020204030204" pitchFamily="34" charset="0"/>
@@ -9143,26 +9459,17 @@
                         </a:spcAft>
                       </a:pPr>
                       <a:r>
-                        <a:rPr lang="en-US" sz="1800" dirty="0" smtClean="0">
+                        <a:rPr lang="en-US" sz="1800" b="0" dirty="0" smtClean="0">
                           <a:effectLst/>
-                          <a:latin typeface="Calibri" panose="020F0502020204030204" pitchFamily="34" charset="0"/>
+                          <a:latin typeface="+mn-lt"/>
                           <a:ea typeface="Calibri" panose="020F0502020204030204" pitchFamily="34" charset="0"/>
                           <a:cs typeface="Times New Roman" panose="02020603050405020304" pitchFamily="18" charset="0"/>
                         </a:rPr>
-                        <a:t>&gt;</a:t>
+                        <a:t>16</a:t>
                       </a:r>
-                      <a:r>
-                        <a:rPr lang="en-US" sz="1800" baseline="0" dirty="0" smtClean="0">
-                          <a:effectLst/>
-                          <a:latin typeface="Calibri" panose="020F0502020204030204" pitchFamily="34" charset="0"/>
-                          <a:ea typeface="Calibri" panose="020F0502020204030204" pitchFamily="34" charset="0"/>
-                          <a:cs typeface="Times New Roman" panose="02020603050405020304" pitchFamily="18" charset="0"/>
-                        </a:rPr>
-                        <a:t> Phase 1</a:t>
-                      </a:r>
-                      <a:endParaRPr lang="en-US" sz="1800" dirty="0">
+                      <a:endParaRPr lang="en-US" sz="1800" b="0" dirty="0">
                         <a:effectLst/>
-                        <a:latin typeface="Calibri" panose="020F0502020204030204" pitchFamily="34" charset="0"/>
+                        <a:latin typeface="+mn-lt"/>
                         <a:ea typeface="Calibri" panose="020F0502020204030204" pitchFamily="34" charset="0"/>
                         <a:cs typeface="Times New Roman" panose="02020603050405020304" pitchFamily="18" charset="0"/>
                       </a:endParaRPr>
@@ -9207,6 +9514,37 @@
           </a:graphicData>
         </a:graphic>
       </p:graphicFrame>
+      <p:sp>
+        <p:nvSpPr>
+          <p:cNvPr id="2" name="TextBox 1"/>
+          <p:cNvSpPr txBox="1"/>
+          <p:nvPr/>
+        </p:nvSpPr>
+        <p:spPr>
+          <a:xfrm>
+            <a:off x="609600" y="5410200"/>
+            <a:ext cx="7620000" cy="830997"/>
+          </a:xfrm>
+          <a:prstGeom prst="rect">
+            <a:avLst/>
+          </a:prstGeom>
+          <a:noFill/>
+        </p:spPr>
+        <p:txBody>
+          <a:bodyPr wrap="square" rtlCol="0">
+            <a:spAutoFit/>
+          </a:bodyPr>
+          <a:lstStyle/>
+          <a:p>
+            <a:pPr algn="ctr"/>
+            <a:r>
+              <a:rPr lang="en-US" sz="2400" dirty="0" smtClean="0"/>
+              <a:t>User review process for subjective measures like comfort, eye strain, and response time</a:t>
+            </a:r>
+            <a:endParaRPr lang="en-US" sz="2400" dirty="0"/>
+          </a:p>
+        </p:txBody>
+      </p:sp>
     </p:spTree>
     <p:extLst>
       <p:ext uri="{BB962C8B-B14F-4D97-AF65-F5344CB8AC3E}">
@@ -9217,6 +9555,18 @@
   <p:clrMapOvr>
     <a:masterClrMapping/>
   </p:clrMapOvr>
+  <mc:AlternateContent xmlns:mc="http://schemas.openxmlformats.org/markup-compatibility/2006" xmlns:p14="http://schemas.microsoft.com/office/powerpoint/2010/main">
+    <mc:Choice Requires="p14">
+      <p:transition p14:dur="200">
+        <p:fade/>
+      </p:transition>
+    </mc:Choice>
+    <mc:Fallback xmlns="">
+      <p:transition>
+        <p:fade/>
+      </p:transition>
+    </mc:Fallback>
+  </mc:AlternateContent>
   <p:timing>
     <p:tnLst>
       <p:par>
@@ -9475,6 +9825,18 @@
   <p:clrMapOvr>
     <a:masterClrMapping/>
   </p:clrMapOvr>
+  <mc:AlternateContent xmlns:mc="http://schemas.openxmlformats.org/markup-compatibility/2006" xmlns:p14="http://schemas.microsoft.com/office/powerpoint/2010/main">
+    <mc:Choice Requires="p14">
+      <p:transition p14:dur="200">
+        <p:fade/>
+      </p:transition>
+    </mc:Choice>
+    <mc:Fallback xmlns="">
+      <p:transition>
+        <p:fade/>
+      </p:transition>
+    </mc:Fallback>
+  </mc:AlternateContent>
   <p:timing>
     <p:tnLst>
       <p:par>
@@ -9546,6 +9908,13 @@
             </a:r>
           </a:p>
           <a:p>
+            <a:pPr lvl="1"/>
+            <a:r>
+              <a:rPr lang="en-US" sz="2000" dirty="0" smtClean="0"/>
+              <a:t>Image perceptible to both eyes</a:t>
+            </a:r>
+          </a:p>
+          <a:p>
             <a:r>
               <a:rPr lang="en-US" sz="2400" dirty="0" smtClean="0"/>
               <a:t>User head and position tracking</a:t>
@@ -9612,6 +9981,18 @@
   <p:clrMapOvr>
     <a:masterClrMapping/>
   </p:clrMapOvr>
+  <mc:AlternateContent xmlns:mc="http://schemas.openxmlformats.org/markup-compatibility/2006" xmlns:p14="http://schemas.microsoft.com/office/powerpoint/2010/main">
+    <mc:Choice Requires="p14">
+      <p:transition p14:dur="200">
+        <p:fade/>
+      </p:transition>
+    </mc:Choice>
+    <mc:Fallback xmlns="">
+      <p:transition>
+        <p:fade/>
+      </p:transition>
+    </mc:Fallback>
+  </mc:AlternateContent>
   <p:timing>
     <p:tnLst>
       <p:par>
@@ -9704,6 +10085,18 @@
   <p:clrMapOvr>
     <a:masterClrMapping/>
   </p:clrMapOvr>
+  <mc:AlternateContent xmlns:mc="http://schemas.openxmlformats.org/markup-compatibility/2006" xmlns:p14="http://schemas.microsoft.com/office/powerpoint/2010/main">
+    <mc:Choice Requires="p14">
+      <p:transition p14:dur="200">
+        <p:fade/>
+      </p:transition>
+    </mc:Choice>
+    <mc:Fallback xmlns="">
+      <p:transition>
+        <p:fade/>
+      </p:transition>
+    </mc:Fallback>
+  </mc:AlternateContent>
   <p:timing>
     <p:tnLst>
       <p:par>
@@ -9792,6 +10185,18 @@
   <p:clrMapOvr>
     <a:masterClrMapping/>
   </p:clrMapOvr>
+  <mc:AlternateContent xmlns:mc="http://schemas.openxmlformats.org/markup-compatibility/2006" xmlns:p14="http://schemas.microsoft.com/office/powerpoint/2010/main">
+    <mc:Choice Requires="p14">
+      <p:transition p14:dur="200">
+        <p:fade/>
+      </p:transition>
+    </mc:Choice>
+    <mc:Fallback xmlns="">
+      <p:transition>
+        <p:fade/>
+      </p:transition>
+    </mc:Fallback>
+  </mc:AlternateContent>
   <p:timing>
     <p:tnLst>
       <p:par>
@@ -9880,6 +10285,18 @@
   <p:clrMapOvr>
     <a:masterClrMapping/>
   </p:clrMapOvr>
+  <mc:AlternateContent xmlns:mc="http://schemas.openxmlformats.org/markup-compatibility/2006" xmlns:p14="http://schemas.microsoft.com/office/powerpoint/2010/main">
+    <mc:Choice Requires="p14">
+      <p:transition p14:dur="200">
+        <p:fade/>
+      </p:transition>
+    </mc:Choice>
+    <mc:Fallback xmlns="">
+      <p:transition>
+        <p:fade/>
+      </p:transition>
+    </mc:Fallback>
+  </mc:AlternateContent>
   <p:timing>
     <p:tnLst>
       <p:par>
@@ -9940,14 +10357,14 @@
             <p:ph idx="1"/>
             <p:extLst>
               <p:ext uri="{D42A27DB-BD31-4B8C-83A1-F6EECF244321}">
-                <p14:modId xmlns:p14="http://schemas.microsoft.com/office/powerpoint/2010/main" val="1485766992"/>
+                <p14:modId xmlns:p14="http://schemas.microsoft.com/office/powerpoint/2010/main" val="3223289073"/>
               </p:ext>
             </p:extLst>
           </p:nvPr>
         </p:nvGraphicFramePr>
         <p:xfrm>
-          <a:off x="152400" y="1371599"/>
-          <a:ext cx="5212116" cy="4270000"/>
+          <a:off x="304801" y="1447800"/>
+          <a:ext cx="8610599" cy="5029200"/>
         </p:xfrm>
         <a:graphic>
           <a:graphicData uri="http://schemas.openxmlformats.org/drawingml/2006/table">
@@ -9956,11 +10373,11 @@
                 <a:tableStyleId>{5C22544A-7EE6-4342-B048-85BDC9FD1C3A}</a:tableStyleId>
               </a:tblPr>
               <a:tblGrid>
-                <a:gridCol w="1556019"/>
-                <a:gridCol w="1015583"/>
-                <a:gridCol w="928532"/>
-                <a:gridCol w="928532"/>
-                <a:gridCol w="783450"/>
+                <a:gridCol w="2570598"/>
+                <a:gridCol w="1677779"/>
+                <a:gridCol w="1533967"/>
+                <a:gridCol w="1533967"/>
+                <a:gridCol w="1294288"/>
               </a:tblGrid>
               <a:tr h="280000">
                 <a:tc>
@@ -9970,12 +10387,12 @@
                     <a:p>
                       <a:pPr algn="l" fontAlgn="b"/>
                       <a:r>
-                        <a:rPr lang="en-US" sz="1100" u="none" strike="noStrike" dirty="0">
+                        <a:rPr lang="en-US" sz="2000" u="none" strike="noStrike" dirty="0">
                           <a:effectLst/>
                         </a:rPr>
                         <a:t>Name</a:t>
                       </a:r>
-                      <a:endParaRPr lang="en-US" sz="1100" b="1" i="0" u="none" strike="noStrike" dirty="0">
+                      <a:endParaRPr lang="en-US" sz="2000" b="1" i="0" u="none" strike="noStrike" dirty="0">
                         <a:solidFill>
                           <a:srgbClr val="000000"/>
                         </a:solidFill>
@@ -9993,12 +10410,12 @@
                     <a:p>
                       <a:pPr algn="l" fontAlgn="b"/>
                       <a:r>
-                        <a:rPr lang="en-US" sz="1100" u="none" strike="noStrike" dirty="0">
+                        <a:rPr lang="en-US" sz="2000" u="none" strike="noStrike" dirty="0">
                           <a:effectLst/>
                         </a:rPr>
                         <a:t>Vendor</a:t>
                       </a:r>
-                      <a:endParaRPr lang="en-US" sz="1100" b="1" i="0" u="none" strike="noStrike" dirty="0">
+                      <a:endParaRPr lang="en-US" sz="2000" b="1" i="0" u="none" strike="noStrike" dirty="0">
                         <a:solidFill>
                           <a:srgbClr val="000000"/>
                         </a:solidFill>
@@ -10016,12 +10433,12 @@
                     <a:p>
                       <a:pPr algn="l" fontAlgn="b"/>
                       <a:r>
-                        <a:rPr lang="en-US" sz="1100" u="none" strike="noStrike">
+                        <a:rPr lang="en-US" sz="2000" u="none" strike="noStrike" dirty="0">
                           <a:effectLst/>
                         </a:rPr>
                         <a:t>Unit Price</a:t>
                       </a:r>
-                      <a:endParaRPr lang="en-US" sz="1100" b="1" i="0" u="none" strike="noStrike">
+                      <a:endParaRPr lang="en-US" sz="2000" b="1" i="0" u="none" strike="noStrike" dirty="0">
                         <a:solidFill>
                           <a:srgbClr val="000000"/>
                         </a:solidFill>
@@ -10039,12 +10456,12 @@
                     <a:p>
                       <a:pPr algn="l" fontAlgn="b"/>
                       <a:r>
-                        <a:rPr lang="en-US" sz="1100" u="none" strike="noStrike" dirty="0">
+                        <a:rPr lang="en-US" sz="2000" u="none" strike="noStrike" dirty="0">
                           <a:effectLst/>
                         </a:rPr>
                         <a:t>Quantity</a:t>
                       </a:r>
-                      <a:endParaRPr lang="en-US" sz="1100" b="1" i="0" u="none" strike="noStrike" dirty="0">
+                      <a:endParaRPr lang="en-US" sz="2000" b="1" i="0" u="none" strike="noStrike" dirty="0">
                         <a:solidFill>
                           <a:srgbClr val="000000"/>
                         </a:solidFill>
@@ -10062,12 +10479,12 @@
                     <a:p>
                       <a:pPr algn="l" fontAlgn="b"/>
                       <a:r>
-                        <a:rPr lang="en-US" sz="1100" u="none" strike="noStrike">
+                        <a:rPr lang="en-US" sz="2000" u="none" strike="noStrike" dirty="0">
                           <a:effectLst/>
                         </a:rPr>
                         <a:t>Price</a:t>
                       </a:r>
-                      <a:endParaRPr lang="en-US" sz="1100" b="1" i="0" u="none" strike="noStrike">
+                      <a:endParaRPr lang="en-US" sz="2000" b="1" i="0" u="none" strike="noStrike" dirty="0">
                         <a:solidFill>
                           <a:srgbClr val="000000"/>
                         </a:solidFill>
@@ -10087,12 +10504,12 @@
                     <a:p>
                       <a:pPr algn="l" fontAlgn="b"/>
                       <a:r>
-                        <a:rPr lang="en-US" sz="1100" u="none" strike="noStrike">
+                        <a:rPr lang="en-US" sz="2000" u="none" strike="noStrike">
                           <a:effectLst/>
                         </a:rPr>
                         <a:t>Battery</a:t>
                       </a:r>
-                      <a:endParaRPr lang="en-US" sz="1100" b="0" i="0" u="none" strike="noStrike">
+                      <a:endParaRPr lang="en-US" sz="2000" b="0" i="0" u="none" strike="noStrike">
                         <a:solidFill>
                           <a:srgbClr val="000000"/>
                         </a:solidFill>
@@ -10110,12 +10527,12 @@
                     <a:p>
                       <a:pPr algn="l" fontAlgn="b"/>
                       <a:r>
-                        <a:rPr lang="en-US" sz="1100" u="none" strike="noStrike" dirty="0" err="1">
+                        <a:rPr lang="en-US" sz="2000" u="none" strike="noStrike" dirty="0" err="1">
                           <a:effectLst/>
                         </a:rPr>
                         <a:t>BatterySpace</a:t>
                       </a:r>
-                      <a:endParaRPr lang="en-US" sz="1100" b="0" i="0" u="none" strike="noStrike" dirty="0">
+                      <a:endParaRPr lang="en-US" sz="2000" b="0" i="0" u="none" strike="noStrike" dirty="0">
                         <a:solidFill>
                           <a:srgbClr val="000000"/>
                         </a:solidFill>
@@ -10133,12 +10550,12 @@
                     <a:p>
                       <a:pPr algn="r" fontAlgn="b"/>
                       <a:r>
-                        <a:rPr lang="en-US" sz="1100" u="none" strike="noStrike">
+                        <a:rPr lang="en-US" sz="2000" u="none" strike="noStrike" dirty="0">
                           <a:effectLst/>
                         </a:rPr>
                         <a:t>66.95</a:t>
                       </a:r>
-                      <a:endParaRPr lang="en-US" sz="1100" b="0" i="0" u="none" strike="noStrike">
+                      <a:endParaRPr lang="en-US" sz="2000" b="0" i="0" u="none" strike="noStrike" dirty="0">
                         <a:solidFill>
                           <a:srgbClr val="000000"/>
                         </a:solidFill>
@@ -10156,12 +10573,12 @@
                     <a:p>
                       <a:pPr algn="r" fontAlgn="b"/>
                       <a:r>
-                        <a:rPr lang="en-US" sz="1100" u="none" strike="noStrike">
+                        <a:rPr lang="en-US" sz="2000" u="none" strike="noStrike" dirty="0">
                           <a:effectLst/>
                         </a:rPr>
                         <a:t>2</a:t>
                       </a:r>
-                      <a:endParaRPr lang="en-US" sz="1100" b="0" i="0" u="none" strike="noStrike">
+                      <a:endParaRPr lang="en-US" sz="2000" b="0" i="0" u="none" strike="noStrike" dirty="0">
                         <a:solidFill>
                           <a:srgbClr val="000000"/>
                         </a:solidFill>
@@ -10179,12 +10596,12 @@
                     <a:p>
                       <a:pPr algn="r" fontAlgn="b"/>
                       <a:r>
-                        <a:rPr lang="en-US" sz="1100" u="none" strike="noStrike">
+                        <a:rPr lang="en-US" sz="2000" u="none" strike="noStrike" dirty="0" smtClean="0">
                           <a:effectLst/>
                         </a:rPr>
-                        <a:t>133.9</a:t>
+                        <a:t>133.90</a:t>
                       </a:r>
-                      <a:endParaRPr lang="en-US" sz="1100" b="0" i="0" u="none" strike="noStrike">
+                      <a:endParaRPr lang="en-US" sz="2000" b="0" i="0" u="none" strike="noStrike" dirty="0">
                         <a:solidFill>
                           <a:srgbClr val="000000"/>
                         </a:solidFill>
@@ -10204,12 +10621,12 @@
                     <a:p>
                       <a:pPr algn="l" fontAlgn="b"/>
                       <a:r>
-                        <a:rPr lang="en-US" sz="1100" u="none" strike="noStrike">
+                        <a:rPr lang="en-US" sz="2000" u="none" strike="noStrike" dirty="0" smtClean="0">
                           <a:effectLst/>
                         </a:rPr>
-                        <a:t>Screen1</a:t>
+                        <a:t>Screen 1</a:t>
                       </a:r>
-                      <a:endParaRPr lang="en-US" sz="1100" b="0" i="0" u="none" strike="noStrike">
+                      <a:endParaRPr lang="en-US" sz="2000" b="0" i="0" u="none" strike="noStrike" dirty="0">
                         <a:solidFill>
                           <a:srgbClr val="000000"/>
                         </a:solidFill>
@@ -10227,12 +10644,12 @@
                     <a:p>
                       <a:pPr algn="l" fontAlgn="b"/>
                       <a:r>
-                        <a:rPr lang="en-US" sz="1100" u="none" strike="noStrike" dirty="0" err="1" smtClean="0">
+                        <a:rPr lang="en-US" sz="2000" u="none" strike="noStrike" dirty="0" err="1" smtClean="0">
                           <a:effectLst/>
                         </a:rPr>
                         <a:t>Adafruit</a:t>
                       </a:r>
-                      <a:endParaRPr lang="en-US" sz="1100" b="0" i="0" u="none" strike="noStrike" dirty="0">
+                      <a:endParaRPr lang="en-US" sz="2000" b="0" i="0" u="none" strike="noStrike" dirty="0">
                         <a:solidFill>
                           <a:srgbClr val="000000"/>
                         </a:solidFill>
@@ -10250,12 +10667,12 @@
                     <a:p>
                       <a:pPr algn="r" fontAlgn="b"/>
                       <a:r>
-                        <a:rPr lang="en-US" sz="1100" u="none" strike="noStrike">
+                        <a:rPr lang="en-US" sz="2000" u="none" strike="noStrike" dirty="0">
                           <a:effectLst/>
                         </a:rPr>
                         <a:t>139.95</a:t>
                       </a:r>
-                      <a:endParaRPr lang="en-US" sz="1100" b="0" i="0" u="none" strike="noStrike">
+                      <a:endParaRPr lang="en-US" sz="2000" b="0" i="0" u="none" strike="noStrike" dirty="0">
                         <a:solidFill>
                           <a:srgbClr val="000000"/>
                         </a:solidFill>
@@ -10273,12 +10690,12 @@
                     <a:p>
                       <a:pPr algn="r" fontAlgn="b"/>
                       <a:r>
-                        <a:rPr lang="en-US" sz="1100" u="none" strike="noStrike">
+                        <a:rPr lang="en-US" sz="2000" u="none" strike="noStrike" dirty="0">
                           <a:effectLst/>
                         </a:rPr>
                         <a:t>1</a:t>
                       </a:r>
-                      <a:endParaRPr lang="en-US" sz="1100" b="0" i="0" u="none" strike="noStrike">
+                      <a:endParaRPr lang="en-US" sz="2000" b="0" i="0" u="none" strike="noStrike" dirty="0">
                         <a:solidFill>
                           <a:srgbClr val="000000"/>
                         </a:solidFill>
@@ -10296,12 +10713,12 @@
                     <a:p>
                       <a:pPr algn="r" fontAlgn="b"/>
                       <a:r>
-                        <a:rPr lang="en-US" sz="1100" u="none" strike="noStrike">
+                        <a:rPr lang="en-US" sz="2000" u="none" strike="noStrike" dirty="0">
                           <a:effectLst/>
                         </a:rPr>
                         <a:t>139.95</a:t>
                       </a:r>
-                      <a:endParaRPr lang="en-US" sz="1100" b="0" i="0" u="none" strike="noStrike">
+                      <a:endParaRPr lang="en-US" sz="2000" b="0" i="0" u="none" strike="noStrike" dirty="0">
                         <a:solidFill>
                           <a:srgbClr val="000000"/>
                         </a:solidFill>
@@ -10321,12 +10738,12 @@
                     <a:p>
                       <a:pPr algn="l" fontAlgn="b"/>
                       <a:r>
-                        <a:rPr lang="en-US" sz="1100" u="none" strike="noStrike">
+                        <a:rPr lang="en-US" sz="2000" u="none" strike="noStrike" dirty="0" smtClean="0">
                           <a:effectLst/>
                         </a:rPr>
-                        <a:t>Screen2</a:t>
+                        <a:t>Screen 2</a:t>
                       </a:r>
-                      <a:endParaRPr lang="en-US" sz="1100" b="0" i="0" u="none" strike="noStrike">
+                      <a:endParaRPr lang="en-US" sz="2000" b="0" i="0" u="none" strike="noStrike" dirty="0">
                         <a:solidFill>
                           <a:srgbClr val="000000"/>
                         </a:solidFill>
@@ -10344,12 +10761,12 @@
                     <a:p>
                       <a:pPr algn="l" fontAlgn="b"/>
                       <a:r>
-                        <a:rPr lang="en-US" sz="1100" u="none" strike="noStrike" dirty="0" err="1" smtClean="0">
+                        <a:rPr lang="en-US" sz="2000" u="none" strike="noStrike" dirty="0" err="1" smtClean="0">
                           <a:effectLst/>
                         </a:rPr>
                         <a:t>Adafruit</a:t>
                       </a:r>
-                      <a:endParaRPr lang="en-US" sz="1100" b="0" i="0" u="none" strike="noStrike" dirty="0">
+                      <a:endParaRPr lang="en-US" sz="2000" b="0" i="0" u="none" strike="noStrike" dirty="0">
                         <a:solidFill>
                           <a:srgbClr val="000000"/>
                         </a:solidFill>
@@ -10367,12 +10784,12 @@
                     <a:p>
                       <a:pPr algn="r" fontAlgn="b"/>
                       <a:r>
-                        <a:rPr lang="en-US" sz="1100" u="none" strike="noStrike">
+                        <a:rPr lang="en-US" sz="2000" u="none" strike="noStrike" dirty="0">
                           <a:effectLst/>
                         </a:rPr>
                         <a:t>64.95</a:t>
                       </a:r>
-                      <a:endParaRPr lang="en-US" sz="1100" b="0" i="0" u="none" strike="noStrike">
+                      <a:endParaRPr lang="en-US" sz="2000" b="0" i="0" u="none" strike="noStrike" dirty="0">
                         <a:solidFill>
                           <a:srgbClr val="000000"/>
                         </a:solidFill>
@@ -10390,12 +10807,12 @@
                     <a:p>
                       <a:pPr algn="r" fontAlgn="b"/>
                       <a:r>
-                        <a:rPr lang="en-US" sz="1100" u="none" strike="noStrike">
+                        <a:rPr lang="en-US" sz="2000" u="none" strike="noStrike">
                           <a:effectLst/>
                         </a:rPr>
                         <a:t>1</a:t>
                       </a:r>
-                      <a:endParaRPr lang="en-US" sz="1100" b="0" i="0" u="none" strike="noStrike">
+                      <a:endParaRPr lang="en-US" sz="2000" b="0" i="0" u="none" strike="noStrike">
                         <a:solidFill>
                           <a:srgbClr val="000000"/>
                         </a:solidFill>
@@ -10413,12 +10830,12 @@
                     <a:p>
                       <a:pPr algn="r" fontAlgn="b"/>
                       <a:r>
-                        <a:rPr lang="en-US" sz="1100" u="none" strike="noStrike">
+                        <a:rPr lang="en-US" sz="2000" u="none" strike="noStrike" dirty="0">
                           <a:effectLst/>
                         </a:rPr>
                         <a:t>64.95</a:t>
                       </a:r>
-                      <a:endParaRPr lang="en-US" sz="1100" b="0" i="0" u="none" strike="noStrike">
+                      <a:endParaRPr lang="en-US" sz="2000" b="0" i="0" u="none" strike="noStrike" dirty="0">
                         <a:solidFill>
                           <a:srgbClr val="000000"/>
                         </a:solidFill>
@@ -10438,12 +10855,12 @@
                     <a:p>
                       <a:pPr algn="l" fontAlgn="b"/>
                       <a:r>
-                        <a:rPr lang="en-US" sz="1100" u="none" strike="noStrike">
+                        <a:rPr lang="en-US" sz="2000" u="none" strike="noStrike" dirty="0">
                           <a:effectLst/>
                         </a:rPr>
                         <a:t>IMU</a:t>
                       </a:r>
-                      <a:endParaRPr lang="en-US" sz="1100" b="0" i="0" u="none" strike="noStrike">
+                      <a:endParaRPr lang="en-US" sz="2000" b="0" i="0" u="none" strike="noStrike" dirty="0">
                         <a:solidFill>
                           <a:srgbClr val="000000"/>
                         </a:solidFill>
@@ -10461,12 +10878,12 @@
                     <a:p>
                       <a:pPr algn="l" fontAlgn="b"/>
                       <a:r>
-                        <a:rPr lang="en-US" sz="1100" u="none" strike="noStrike" dirty="0">
+                        <a:rPr lang="en-US" sz="2000" u="none" strike="noStrike" dirty="0">
                           <a:effectLst/>
                         </a:rPr>
                         <a:t>Mouser</a:t>
                       </a:r>
-                      <a:endParaRPr lang="en-US" sz="1100" b="0" i="0" u="none" strike="noStrike" dirty="0">
+                      <a:endParaRPr lang="en-US" sz="2000" b="0" i="0" u="none" strike="noStrike" dirty="0">
                         <a:solidFill>
                           <a:srgbClr val="000000"/>
                         </a:solidFill>
@@ -10484,12 +10901,12 @@
                     <a:p>
                       <a:pPr algn="r" fontAlgn="b"/>
                       <a:r>
-                        <a:rPr lang="en-US" sz="1100" u="none" strike="noStrike">
+                        <a:rPr lang="en-US" sz="2000" u="none" strike="noStrike" dirty="0" smtClean="0">
                           <a:effectLst/>
                         </a:rPr>
-                        <a:t>$28.75 </a:t>
+                        <a:t>28.75 </a:t>
                       </a:r>
-                      <a:endParaRPr lang="en-US" sz="1100" b="0" i="0" u="none" strike="noStrike">
+                      <a:endParaRPr lang="en-US" sz="2000" b="0" i="0" u="none" strike="noStrike" dirty="0">
                         <a:solidFill>
                           <a:srgbClr val="000000"/>
                         </a:solidFill>
@@ -10507,12 +10924,12 @@
                     <a:p>
                       <a:pPr algn="r" fontAlgn="b"/>
                       <a:r>
-                        <a:rPr lang="en-US" sz="1100" u="none" strike="noStrike">
+                        <a:rPr lang="en-US" sz="2000" u="none" strike="noStrike" dirty="0" smtClean="0">
                           <a:effectLst/>
                         </a:rPr>
-                        <a:t>1</a:t>
+                        <a:t>0</a:t>
                       </a:r>
-                      <a:endParaRPr lang="en-US" sz="1100" b="0" i="0" u="none" strike="noStrike">
+                      <a:endParaRPr lang="en-US" sz="2000" b="0" i="0" u="none" strike="noStrike" dirty="0">
                         <a:solidFill>
                           <a:srgbClr val="000000"/>
                         </a:solidFill>
@@ -10530,12 +10947,12 @@
                     <a:p>
                       <a:pPr algn="r" fontAlgn="b"/>
                       <a:r>
-                        <a:rPr lang="en-US" sz="1100" u="none" strike="noStrike">
+                        <a:rPr lang="en-US" sz="2000" u="none" strike="noStrike" dirty="0" smtClean="0">
                           <a:effectLst/>
                         </a:rPr>
-                        <a:t>28.75</a:t>
+                        <a:t>0.00</a:t>
                       </a:r>
-                      <a:endParaRPr lang="en-US" sz="1100" b="0" i="0" u="none" strike="noStrike">
+                      <a:endParaRPr lang="en-US" sz="2000" b="0" i="0" u="none" strike="noStrike" dirty="0">
                         <a:solidFill>
                           <a:srgbClr val="000000"/>
                         </a:solidFill>
@@ -10555,12 +10972,12 @@
                     <a:p>
                       <a:pPr algn="l" fontAlgn="b"/>
                       <a:r>
-                        <a:rPr lang="en-US" sz="1100" u="none" strike="noStrike">
+                        <a:rPr lang="en-US" sz="2000" u="none" strike="noStrike" dirty="0">
                           <a:effectLst/>
                         </a:rPr>
                         <a:t>GPS</a:t>
                       </a:r>
-                      <a:endParaRPr lang="en-US" sz="1100" b="0" i="0" u="none" strike="noStrike">
+                      <a:endParaRPr lang="en-US" sz="2000" b="0" i="0" u="none" strike="noStrike" dirty="0">
                         <a:solidFill>
                           <a:srgbClr val="000000"/>
                         </a:solidFill>
@@ -10578,12 +10995,12 @@
                     <a:p>
                       <a:pPr algn="l" fontAlgn="b"/>
                       <a:r>
-                        <a:rPr lang="en-US" sz="1100" u="none" strike="noStrike" dirty="0" err="1" smtClean="0">
+                        <a:rPr lang="en-US" sz="2000" u="none" strike="noStrike" dirty="0" err="1" smtClean="0">
                           <a:effectLst/>
                         </a:rPr>
                         <a:t>Sparkfun</a:t>
                       </a:r>
-                      <a:endParaRPr lang="en-US" sz="1100" b="0" i="0" u="none" strike="noStrike" dirty="0">
+                      <a:endParaRPr lang="en-US" sz="2000" b="0" i="0" u="none" strike="noStrike" dirty="0">
                         <a:solidFill>
                           <a:srgbClr val="000000"/>
                         </a:solidFill>
@@ -10601,12 +11018,12 @@
                     <a:p>
                       <a:pPr algn="r" fontAlgn="b"/>
                       <a:r>
-                        <a:rPr lang="en-US" sz="1100" u="none" strike="noStrike">
+                        <a:rPr lang="en-US" sz="2000" u="none" strike="noStrike" dirty="0">
                           <a:effectLst/>
                         </a:rPr>
                         <a:t>49.99</a:t>
                       </a:r>
-                      <a:endParaRPr lang="en-US" sz="1100" b="0" i="0" u="none" strike="noStrike">
+                      <a:endParaRPr lang="en-US" sz="2000" b="0" i="0" u="none" strike="noStrike" dirty="0">
                         <a:solidFill>
                           <a:srgbClr val="000000"/>
                         </a:solidFill>
@@ -10624,12 +11041,12 @@
                     <a:p>
                       <a:pPr algn="r" fontAlgn="b"/>
                       <a:r>
-                        <a:rPr lang="en-US" sz="1100" u="none" strike="noStrike">
+                        <a:rPr lang="en-US" sz="2000" u="none" strike="noStrike" dirty="0" smtClean="0">
                           <a:effectLst/>
                         </a:rPr>
-                        <a:t>1</a:t>
+                        <a:t>0</a:t>
                       </a:r>
-                      <a:endParaRPr lang="en-US" sz="1100" b="0" i="0" u="none" strike="noStrike">
+                      <a:endParaRPr lang="en-US" sz="2000" b="0" i="0" u="none" strike="noStrike" dirty="0">
                         <a:solidFill>
                           <a:srgbClr val="000000"/>
                         </a:solidFill>
@@ -10647,12 +11064,12 @@
                     <a:p>
                       <a:pPr algn="r" fontAlgn="b"/>
                       <a:r>
-                        <a:rPr lang="en-US" sz="1100" u="none" strike="noStrike">
+                        <a:rPr lang="en-US" sz="2000" u="none" strike="noStrike" dirty="0" smtClean="0">
                           <a:effectLst/>
                         </a:rPr>
-                        <a:t>49.99</a:t>
+                        <a:t>0.00</a:t>
                       </a:r>
-                      <a:endParaRPr lang="en-US" sz="1100" b="0" i="0" u="none" strike="noStrike">
+                      <a:endParaRPr lang="en-US" sz="2000" b="0" i="0" u="none" strike="noStrike" dirty="0">
                         <a:solidFill>
                           <a:srgbClr val="000000"/>
                         </a:solidFill>
@@ -10672,12 +11089,18 @@
                     <a:p>
                       <a:pPr algn="l" fontAlgn="b"/>
                       <a:r>
-                        <a:rPr lang="en-US" sz="1100" u="none" strike="noStrike">
+                        <a:rPr lang="en-US" sz="2000" u="none" strike="noStrike" dirty="0" smtClean="0">
                           <a:effectLst/>
                         </a:rPr>
-                        <a:t>Passives</a:t>
+                        <a:t>Passive</a:t>
                       </a:r>
-                      <a:endParaRPr lang="en-US" sz="1100" b="0" i="0" u="none" strike="noStrike">
+                      <a:r>
+                        <a:rPr lang="en-US" sz="2000" u="none" strike="noStrike" baseline="0" dirty="0" smtClean="0">
+                          <a:effectLst/>
+                        </a:rPr>
+                        <a:t> Components</a:t>
+                      </a:r>
+                      <a:endParaRPr lang="en-US" sz="2000" b="0" i="0" u="none" strike="noStrike" dirty="0">
                         <a:solidFill>
                           <a:srgbClr val="000000"/>
                         </a:solidFill>
@@ -10695,12 +11118,12 @@
                     <a:p>
                       <a:pPr algn="l" fontAlgn="b"/>
                       <a:r>
-                        <a:rPr lang="en-US" sz="1100" u="none" strike="noStrike" dirty="0">
+                        <a:rPr lang="en-US" sz="2000" u="none" strike="noStrike" dirty="0">
                           <a:effectLst/>
                         </a:rPr>
                         <a:t>Various</a:t>
                       </a:r>
-                      <a:endParaRPr lang="en-US" sz="1100" b="0" i="0" u="none" strike="noStrike" dirty="0">
+                      <a:endParaRPr lang="en-US" sz="2000" b="0" i="0" u="none" strike="noStrike" dirty="0">
                         <a:solidFill>
                           <a:srgbClr val="000000"/>
                         </a:solidFill>
@@ -10718,12 +11141,12 @@
                     <a:p>
                       <a:pPr algn="r" fontAlgn="b"/>
                       <a:r>
-                        <a:rPr lang="en-US" sz="1100" u="none" strike="noStrike">
+                        <a:rPr lang="en-US" sz="2000" u="none" strike="noStrike" dirty="0" smtClean="0">
                           <a:effectLst/>
                         </a:rPr>
-                        <a:t>10</a:t>
+                        <a:t>10.00</a:t>
                       </a:r>
-                      <a:endParaRPr lang="en-US" sz="1100" b="0" i="0" u="none" strike="noStrike">
+                      <a:endParaRPr lang="en-US" sz="2000" b="0" i="0" u="none" strike="noStrike" dirty="0">
                         <a:solidFill>
                           <a:srgbClr val="000000"/>
                         </a:solidFill>
@@ -10741,12 +11164,12 @@
                     <a:p>
                       <a:pPr algn="r" fontAlgn="b"/>
                       <a:r>
-                        <a:rPr lang="en-US" sz="1100" u="none" strike="noStrike">
+                        <a:rPr lang="en-US" sz="2000" u="none" strike="noStrike">
                           <a:effectLst/>
                         </a:rPr>
                         <a:t>2</a:t>
                       </a:r>
-                      <a:endParaRPr lang="en-US" sz="1100" b="0" i="0" u="none" strike="noStrike">
+                      <a:endParaRPr lang="en-US" sz="2000" b="0" i="0" u="none" strike="noStrike">
                         <a:solidFill>
                           <a:srgbClr val="000000"/>
                         </a:solidFill>
@@ -10764,12 +11187,12 @@
                     <a:p>
                       <a:pPr algn="r" fontAlgn="b"/>
                       <a:r>
-                        <a:rPr lang="en-US" sz="1100" u="none" strike="noStrike">
+                        <a:rPr lang="en-US" sz="2000" u="none" strike="noStrike" dirty="0" smtClean="0">
                           <a:effectLst/>
                         </a:rPr>
-                        <a:t>20</a:t>
+                        <a:t>20.00</a:t>
                       </a:r>
-                      <a:endParaRPr lang="en-US" sz="1100" b="0" i="0" u="none" strike="noStrike">
+                      <a:endParaRPr lang="en-US" sz="2000" b="0" i="0" u="none" strike="noStrike" dirty="0">
                         <a:solidFill>
                           <a:srgbClr val="000000"/>
                         </a:solidFill>
@@ -10789,12 +11212,26 @@
                     <a:p>
                       <a:pPr algn="l" fontAlgn="b"/>
                       <a:r>
-                        <a:rPr lang="en-US" sz="1100" u="none" strike="noStrike">
+                        <a:rPr lang="en-US" sz="2000" b="0" i="0" u="none" strike="noStrike" dirty="0" smtClean="0">
+                          <a:solidFill>
+                            <a:schemeClr val="dk1"/>
+                          </a:solidFill>
                           <a:effectLst/>
+                          <a:latin typeface="+mn-lt"/>
                         </a:rPr>
-                        <a:t>PCB</a:t>
+                        <a:t>Circuit</a:t>
                       </a:r>
-                      <a:endParaRPr lang="en-US" sz="1100" b="0" i="0" u="none" strike="noStrike">
+                      <a:r>
+                        <a:rPr lang="en-US" sz="2000" b="0" i="0" u="none" strike="noStrike" baseline="0" dirty="0" smtClean="0">
+                          <a:solidFill>
+                            <a:schemeClr val="dk1"/>
+                          </a:solidFill>
+                          <a:effectLst/>
+                          <a:latin typeface="+mn-lt"/>
+                        </a:rPr>
+                        <a:t> Board (PCB)</a:t>
+                      </a:r>
+                      <a:endParaRPr lang="en-US" sz="2000" b="0" i="0" u="none" strike="noStrike" dirty="0">
                         <a:solidFill>
                           <a:srgbClr val="000000"/>
                         </a:solidFill>
@@ -10812,12 +11249,12 @@
                     <a:p>
                       <a:pPr algn="l" fontAlgn="b"/>
                       <a:r>
-                        <a:rPr lang="en-US" sz="1100" u="none" strike="noStrike" dirty="0" smtClean="0">
+                        <a:rPr lang="en-US" sz="2000" u="none" strike="noStrike" dirty="0" smtClean="0">
                           <a:effectLst/>
                         </a:rPr>
                         <a:t>OSH Park</a:t>
                       </a:r>
-                      <a:endParaRPr lang="en-US" sz="1100" b="0" i="0" u="none" strike="noStrike" dirty="0">
+                      <a:endParaRPr lang="en-US" sz="2000" b="0" i="0" u="none" strike="noStrike" dirty="0">
                         <a:solidFill>
                           <a:srgbClr val="000000"/>
                         </a:solidFill>
@@ -10835,12 +11272,12 @@
                     <a:p>
                       <a:pPr algn="r" fontAlgn="b"/>
                       <a:r>
-                        <a:rPr lang="en-US" sz="1100" u="none" strike="noStrike">
+                        <a:rPr lang="en-US" sz="2000" u="none" strike="noStrike" dirty="0" smtClean="0">
                           <a:effectLst/>
                         </a:rPr>
-                        <a:t>40</a:t>
+                        <a:t>40.00</a:t>
                       </a:r>
-                      <a:endParaRPr lang="en-US" sz="1100" b="0" i="0" u="none" strike="noStrike">
+                      <a:endParaRPr lang="en-US" sz="2000" b="0" i="0" u="none" strike="noStrike" dirty="0">
                         <a:solidFill>
                           <a:srgbClr val="000000"/>
                         </a:solidFill>
@@ -10858,12 +11295,12 @@
                     <a:p>
                       <a:pPr algn="r" fontAlgn="b"/>
                       <a:r>
-                        <a:rPr lang="en-US" sz="1100" u="none" strike="noStrike">
+                        <a:rPr lang="en-US" sz="2000" u="none" strike="noStrike">
                           <a:effectLst/>
                         </a:rPr>
                         <a:t>2</a:t>
                       </a:r>
-                      <a:endParaRPr lang="en-US" sz="1100" b="0" i="0" u="none" strike="noStrike">
+                      <a:endParaRPr lang="en-US" sz="2000" b="0" i="0" u="none" strike="noStrike">
                         <a:solidFill>
                           <a:srgbClr val="000000"/>
                         </a:solidFill>
@@ -10881,12 +11318,12 @@
                     <a:p>
                       <a:pPr algn="r" fontAlgn="b"/>
                       <a:r>
-                        <a:rPr lang="en-US" sz="1100" u="none" strike="noStrike">
+                        <a:rPr lang="en-US" sz="2000" u="none" strike="noStrike" dirty="0" smtClean="0">
                           <a:effectLst/>
                         </a:rPr>
-                        <a:t>80</a:t>
+                        <a:t>80.00</a:t>
                       </a:r>
-                      <a:endParaRPr lang="en-US" sz="1100" b="0" i="0" u="none" strike="noStrike">
+                      <a:endParaRPr lang="en-US" sz="2000" b="0" i="0" u="none" strike="noStrike" dirty="0">
                         <a:solidFill>
                           <a:srgbClr val="000000"/>
                         </a:solidFill>
@@ -10906,12 +11343,12 @@
                     <a:p>
                       <a:pPr algn="l" fontAlgn="b"/>
                       <a:r>
-                        <a:rPr lang="en-US" sz="1100" u="none" strike="noStrike">
+                        <a:rPr lang="en-US" sz="2000" u="none" strike="noStrike" dirty="0">
                           <a:effectLst/>
                         </a:rPr>
                         <a:t>Microcontroller</a:t>
                       </a:r>
-                      <a:endParaRPr lang="en-US" sz="1100" b="0" i="0" u="none" strike="noStrike">
+                      <a:endParaRPr lang="en-US" sz="2000" b="0" i="0" u="none" strike="noStrike" dirty="0">
                         <a:solidFill>
                           <a:srgbClr val="000000"/>
                         </a:solidFill>
@@ -10929,12 +11366,12 @@
                     <a:p>
                       <a:pPr algn="l" fontAlgn="b"/>
                       <a:r>
-                        <a:rPr lang="en-US" sz="1100" u="none" strike="noStrike" dirty="0" err="1">
+                        <a:rPr lang="en-US" sz="2000" u="none" strike="noStrike" dirty="0" err="1">
                           <a:effectLst/>
                         </a:rPr>
                         <a:t>DigiKey</a:t>
                       </a:r>
-                      <a:endParaRPr lang="en-US" sz="1100" b="0" i="0" u="none" strike="noStrike" dirty="0">
+                      <a:endParaRPr lang="en-US" sz="2000" b="0" i="0" u="none" strike="noStrike" dirty="0">
                         <a:solidFill>
                           <a:srgbClr val="000000"/>
                         </a:solidFill>
@@ -10952,12 +11389,12 @@
                     <a:p>
                       <a:pPr algn="r" fontAlgn="b"/>
                       <a:r>
-                        <a:rPr lang="en-US" sz="1100" u="none" strike="noStrike">
+                        <a:rPr lang="en-US" sz="2000" u="none" strike="noStrike" dirty="0">
                           <a:effectLst/>
                         </a:rPr>
                         <a:t>11.45</a:t>
                       </a:r>
-                      <a:endParaRPr lang="en-US" sz="1100" b="0" i="0" u="none" strike="noStrike">
+                      <a:endParaRPr lang="en-US" sz="2000" b="0" i="0" u="none" strike="noStrike" dirty="0">
                         <a:solidFill>
                           <a:srgbClr val="000000"/>
                         </a:solidFill>
@@ -10975,12 +11412,12 @@
                     <a:p>
                       <a:pPr algn="r" fontAlgn="b"/>
                       <a:r>
-                        <a:rPr lang="en-US" sz="1100" u="none" strike="noStrike">
+                        <a:rPr lang="en-US" sz="2000" u="none" strike="noStrike">
                           <a:effectLst/>
                         </a:rPr>
                         <a:t>2</a:t>
                       </a:r>
-                      <a:endParaRPr lang="en-US" sz="1100" b="0" i="0" u="none" strike="noStrike">
+                      <a:endParaRPr lang="en-US" sz="2000" b="0" i="0" u="none" strike="noStrike">
                         <a:solidFill>
                           <a:srgbClr val="000000"/>
                         </a:solidFill>
@@ -10998,12 +11435,12 @@
                     <a:p>
                       <a:pPr algn="r" fontAlgn="b"/>
                       <a:r>
-                        <a:rPr lang="en-US" sz="1100" u="none" strike="noStrike">
+                        <a:rPr lang="en-US" sz="2000" u="none" strike="noStrike" dirty="0" smtClean="0">
                           <a:effectLst/>
                         </a:rPr>
-                        <a:t>22.9</a:t>
+                        <a:t>22.90</a:t>
                       </a:r>
-                      <a:endParaRPr lang="en-US" sz="1100" b="0" i="0" u="none" strike="noStrike">
+                      <a:endParaRPr lang="en-US" sz="2000" b="0" i="0" u="none" strike="noStrike" dirty="0">
                         <a:solidFill>
                           <a:srgbClr val="000000"/>
                         </a:solidFill>
@@ -11023,12 +11460,12 @@
                     <a:p>
                       <a:pPr algn="l" fontAlgn="b"/>
                       <a:r>
-                        <a:rPr lang="en-US" sz="1100" u="none" strike="noStrike">
+                        <a:rPr lang="en-US" sz="2000" u="none" strike="noStrike" dirty="0" smtClean="0">
                           <a:effectLst/>
                         </a:rPr>
-                        <a:t>Charger</a:t>
+                        <a:t>Battery charger</a:t>
                       </a:r>
-                      <a:endParaRPr lang="en-US" sz="1100" b="0" i="0" u="none" strike="noStrike">
+                      <a:endParaRPr lang="en-US" sz="2000" b="0" i="0" u="none" strike="noStrike" dirty="0">
                         <a:solidFill>
                           <a:srgbClr val="000000"/>
                         </a:solidFill>
@@ -11046,12 +11483,12 @@
                     <a:p>
                       <a:pPr algn="l" fontAlgn="b"/>
                       <a:r>
-                        <a:rPr lang="en-US" sz="1100" u="none" strike="noStrike" dirty="0" err="1">
+                        <a:rPr lang="en-US" sz="2000" u="none" strike="noStrike" dirty="0" err="1">
                           <a:effectLst/>
                         </a:rPr>
                         <a:t>BatterySpace</a:t>
                       </a:r>
-                      <a:endParaRPr lang="en-US" sz="1100" b="0" i="0" u="none" strike="noStrike" dirty="0">
+                      <a:endParaRPr lang="en-US" sz="2000" b="0" i="0" u="none" strike="noStrike" dirty="0">
                         <a:solidFill>
                           <a:srgbClr val="000000"/>
                         </a:solidFill>
@@ -11069,12 +11506,12 @@
                     <a:p>
                       <a:pPr algn="r" fontAlgn="b"/>
                       <a:r>
-                        <a:rPr lang="en-US" sz="1100" u="none" strike="noStrike">
+                        <a:rPr lang="en-US" sz="2000" u="none" strike="noStrike" dirty="0">
                           <a:effectLst/>
                         </a:rPr>
                         <a:t>39.95</a:t>
                       </a:r>
-                      <a:endParaRPr lang="en-US" sz="1100" b="0" i="0" u="none" strike="noStrike">
+                      <a:endParaRPr lang="en-US" sz="2000" b="0" i="0" u="none" strike="noStrike" dirty="0">
                         <a:solidFill>
                           <a:srgbClr val="000000"/>
                         </a:solidFill>
@@ -11092,12 +11529,12 @@
                     <a:p>
                       <a:pPr algn="r" fontAlgn="b"/>
                       <a:r>
-                        <a:rPr lang="en-US" sz="1100" u="none" strike="noStrike">
+                        <a:rPr lang="en-US" sz="2000" u="none" strike="noStrike" dirty="0">
                           <a:effectLst/>
                         </a:rPr>
                         <a:t>2</a:t>
                       </a:r>
-                      <a:endParaRPr lang="en-US" sz="1100" b="0" i="0" u="none" strike="noStrike">
+                      <a:endParaRPr lang="en-US" sz="2000" b="0" i="0" u="none" strike="noStrike" dirty="0">
                         <a:solidFill>
                           <a:srgbClr val="000000"/>
                         </a:solidFill>
@@ -11115,12 +11552,12 @@
                     <a:p>
                       <a:pPr algn="r" fontAlgn="b"/>
                       <a:r>
-                        <a:rPr lang="en-US" sz="1100" u="none" strike="noStrike">
+                        <a:rPr lang="en-US" sz="2000" u="none" strike="noStrike" dirty="0" smtClean="0">
                           <a:effectLst/>
                         </a:rPr>
-                        <a:t>79.9</a:t>
+                        <a:t>79.90</a:t>
                       </a:r>
-                      <a:endParaRPr lang="en-US" sz="1100" b="0" i="0" u="none" strike="noStrike">
+                      <a:endParaRPr lang="en-US" sz="2000" b="0" i="0" u="none" strike="noStrike" dirty="0">
                         <a:solidFill>
                           <a:srgbClr val="000000"/>
                         </a:solidFill>
@@ -11140,12 +11577,12 @@
                     <a:p>
                       <a:pPr algn="l" fontAlgn="b"/>
                       <a:r>
-                        <a:rPr lang="en-US" sz="1100" u="none" strike="noStrike">
+                        <a:rPr lang="en-US" sz="2000" u="none" strike="noStrike" dirty="0" smtClean="0">
                           <a:effectLst/>
                         </a:rPr>
-                        <a:t>Regulator</a:t>
+                        <a:t>Voltage regulator</a:t>
                       </a:r>
-                      <a:endParaRPr lang="en-US" sz="1100" b="0" i="0" u="none" strike="noStrike">
+                      <a:endParaRPr lang="en-US" sz="2000" b="0" i="0" u="none" strike="noStrike" dirty="0">
                         <a:solidFill>
                           <a:srgbClr val="000000"/>
                         </a:solidFill>
@@ -11163,12 +11600,12 @@
                     <a:p>
                       <a:pPr algn="l" fontAlgn="b"/>
                       <a:r>
-                        <a:rPr lang="en-US" sz="1100" u="none" strike="noStrike" dirty="0">
+                        <a:rPr lang="en-US" sz="2000" u="none" strike="noStrike" dirty="0">
                           <a:effectLst/>
                         </a:rPr>
                         <a:t>Mouser</a:t>
                       </a:r>
-                      <a:endParaRPr lang="en-US" sz="1100" b="0" i="0" u="none" strike="noStrike" dirty="0">
+                      <a:endParaRPr lang="en-US" sz="2000" b="0" i="0" u="none" strike="noStrike" dirty="0">
                         <a:solidFill>
                           <a:srgbClr val="000000"/>
                         </a:solidFill>
@@ -11186,12 +11623,12 @@
                     <a:p>
                       <a:pPr algn="r" fontAlgn="b"/>
                       <a:r>
-                        <a:rPr lang="en-US" sz="1100" u="none" strike="noStrike">
+                        <a:rPr lang="en-US" sz="2000" u="none" strike="noStrike" dirty="0">
                           <a:effectLst/>
                         </a:rPr>
                         <a:t>13.23</a:t>
                       </a:r>
-                      <a:endParaRPr lang="en-US" sz="1100" b="0" i="0" u="none" strike="noStrike">
+                      <a:endParaRPr lang="en-US" sz="2000" b="0" i="0" u="none" strike="noStrike" dirty="0">
                         <a:solidFill>
                           <a:srgbClr val="000000"/>
                         </a:solidFill>
@@ -11209,12 +11646,12 @@
                     <a:p>
                       <a:pPr algn="r" fontAlgn="b"/>
                       <a:r>
-                        <a:rPr lang="en-US" sz="1100" u="none" strike="noStrike">
+                        <a:rPr lang="en-US" sz="2000" u="none" strike="noStrike">
                           <a:effectLst/>
                         </a:rPr>
                         <a:t>2</a:t>
                       </a:r>
-                      <a:endParaRPr lang="en-US" sz="1100" b="0" i="0" u="none" strike="noStrike">
+                      <a:endParaRPr lang="en-US" sz="2000" b="0" i="0" u="none" strike="noStrike">
                         <a:solidFill>
                           <a:srgbClr val="000000"/>
                         </a:solidFill>
@@ -11232,12 +11669,12 @@
                     <a:p>
                       <a:pPr algn="r" fontAlgn="b"/>
                       <a:r>
-                        <a:rPr lang="en-US" sz="1100" u="none" strike="noStrike">
+                        <a:rPr lang="en-US" sz="2000" u="none" strike="noStrike" dirty="0">
                           <a:effectLst/>
                         </a:rPr>
                         <a:t>26.46</a:t>
                       </a:r>
-                      <a:endParaRPr lang="en-US" sz="1100" b="0" i="0" u="none" strike="noStrike">
+                      <a:endParaRPr lang="en-US" sz="2000" b="0" i="0" u="none" strike="noStrike" dirty="0">
                         <a:solidFill>
                           <a:srgbClr val="000000"/>
                         </a:solidFill>
@@ -11257,12 +11694,18 @@
                     <a:p>
                       <a:pPr algn="l" fontAlgn="b"/>
                       <a:r>
-                        <a:rPr lang="en-US" sz="1100" u="none" strike="noStrike">
+                        <a:rPr lang="en-US" sz="2000" u="none" strike="noStrike" dirty="0">
                           <a:effectLst/>
                         </a:rPr>
-                        <a:t>Fuel Guage</a:t>
+                        <a:t>Fuel </a:t>
                       </a:r>
-                      <a:endParaRPr lang="en-US" sz="1100" b="0" i="0" u="none" strike="noStrike">
+                      <a:r>
+                        <a:rPr lang="en-US" sz="2000" u="none" strike="noStrike" dirty="0" smtClean="0">
+                          <a:effectLst/>
+                        </a:rPr>
+                        <a:t>gauge</a:t>
+                      </a:r>
+                      <a:endParaRPr lang="en-US" sz="2000" b="0" i="0" u="none" strike="noStrike" dirty="0">
                         <a:solidFill>
                           <a:srgbClr val="000000"/>
                         </a:solidFill>
@@ -11280,12 +11723,12 @@
                     <a:p>
                       <a:pPr algn="l" fontAlgn="b"/>
                       <a:r>
-                        <a:rPr lang="en-US" sz="1100" u="none" strike="noStrike" dirty="0" err="1">
+                        <a:rPr lang="en-US" sz="2000" u="none" strike="noStrike" dirty="0" err="1">
                           <a:effectLst/>
                         </a:rPr>
                         <a:t>DigiKey</a:t>
                       </a:r>
-                      <a:endParaRPr lang="en-US" sz="1100" b="0" i="0" u="none" strike="noStrike" dirty="0">
+                      <a:endParaRPr lang="en-US" sz="2000" b="0" i="0" u="none" strike="noStrike" dirty="0">
                         <a:solidFill>
                           <a:srgbClr val="000000"/>
                         </a:solidFill>
@@ -11303,12 +11746,12 @@
                     <a:p>
                       <a:pPr algn="r" fontAlgn="b"/>
                       <a:r>
-                        <a:rPr lang="en-US" sz="1100" u="none" strike="noStrike">
+                        <a:rPr lang="en-US" sz="2000" u="none" strike="noStrike" dirty="0">
                           <a:effectLst/>
                         </a:rPr>
                         <a:t>6.43</a:t>
                       </a:r>
-                      <a:endParaRPr lang="en-US" sz="1100" b="0" i="0" u="none" strike="noStrike">
+                      <a:endParaRPr lang="en-US" sz="2000" b="0" i="0" u="none" strike="noStrike" dirty="0">
                         <a:solidFill>
                           <a:srgbClr val="000000"/>
                         </a:solidFill>
@@ -11326,12 +11769,12 @@
                     <a:p>
                       <a:pPr algn="r" fontAlgn="b"/>
                       <a:r>
-                        <a:rPr lang="en-US" sz="1100" u="none" strike="noStrike">
+                        <a:rPr lang="en-US" sz="2000" u="none" strike="noStrike">
                           <a:effectLst/>
                         </a:rPr>
                         <a:t>2</a:t>
                       </a:r>
-                      <a:endParaRPr lang="en-US" sz="1100" b="0" i="0" u="none" strike="noStrike">
+                      <a:endParaRPr lang="en-US" sz="2000" b="0" i="0" u="none" strike="noStrike">
                         <a:solidFill>
                           <a:srgbClr val="000000"/>
                         </a:solidFill>
@@ -11349,12 +11792,12 @@
                     <a:p>
                       <a:pPr algn="r" fontAlgn="b"/>
                       <a:r>
-                        <a:rPr lang="en-US" sz="1100" u="none" strike="noStrike">
+                        <a:rPr lang="en-US" sz="2000" u="none" strike="noStrike" dirty="0">
                           <a:effectLst/>
                         </a:rPr>
                         <a:t>12.86</a:t>
                       </a:r>
-                      <a:endParaRPr lang="en-US" sz="1100" b="0" i="0" u="none" strike="noStrike">
+                      <a:endParaRPr lang="en-US" sz="2000" b="0" i="0" u="none" strike="noStrike" dirty="0">
                         <a:solidFill>
                           <a:srgbClr val="000000"/>
                         </a:solidFill>
@@ -11374,12 +11817,30 @@
                     <a:p>
                       <a:pPr algn="l" fontAlgn="b"/>
                       <a:r>
-                        <a:rPr lang="en-US" sz="1100" u="none" strike="noStrike">
+                        <a:rPr lang="en-US" sz="2000" u="none" strike="noStrike" dirty="0">
                           <a:effectLst/>
                         </a:rPr>
-                        <a:t>3D printed Box</a:t>
+                        <a:t>3D </a:t>
                       </a:r>
-                      <a:endParaRPr lang="en-US" sz="1100" b="0" i="0" u="none" strike="noStrike">
+                      <a:r>
+                        <a:rPr lang="en-US" sz="2000" u="none" strike="noStrike" dirty="0" smtClean="0">
+                          <a:effectLst/>
+                        </a:rPr>
+                        <a:t>printed</a:t>
+                      </a:r>
+                      <a:r>
+                        <a:rPr lang="en-US" sz="2000" u="none" strike="noStrike" baseline="0" dirty="0" smtClean="0">
+                          <a:effectLst/>
+                        </a:rPr>
+                        <a:t> b</a:t>
+                      </a:r>
+                      <a:r>
+                        <a:rPr lang="en-US" sz="2000" u="none" strike="noStrike" dirty="0" smtClean="0">
+                          <a:effectLst/>
+                        </a:rPr>
+                        <a:t>ox</a:t>
+                      </a:r>
+                      <a:endParaRPr lang="en-US" sz="2000" b="0" i="0" u="none" strike="noStrike" dirty="0">
                         <a:solidFill>
                           <a:srgbClr val="000000"/>
                         </a:solidFill>
@@ -11397,12 +11858,12 @@
                     <a:p>
                       <a:pPr algn="l" fontAlgn="b"/>
                       <a:r>
-                        <a:rPr lang="en-US" sz="1100" u="none" strike="noStrike" dirty="0">
+                        <a:rPr lang="en-US" sz="2000" u="none" strike="noStrike" dirty="0">
                           <a:effectLst/>
                         </a:rPr>
                         <a:t>Purdue IEEE</a:t>
                       </a:r>
-                      <a:endParaRPr lang="en-US" sz="1100" b="0" i="0" u="none" strike="noStrike" dirty="0">
+                      <a:endParaRPr lang="en-US" sz="2000" b="0" i="0" u="none" strike="noStrike" dirty="0">
                         <a:solidFill>
                           <a:srgbClr val="000000"/>
                         </a:solidFill>
@@ -11420,12 +11881,12 @@
                     <a:p>
                       <a:pPr algn="r" fontAlgn="b"/>
                       <a:r>
-                        <a:rPr lang="en-US" sz="1100" u="none" strike="noStrike">
+                        <a:rPr lang="en-US" sz="2000" u="none" strike="noStrike" dirty="0" smtClean="0">
                           <a:effectLst/>
                         </a:rPr>
-                        <a:t>40</a:t>
+                        <a:t>40.00</a:t>
                       </a:r>
-                      <a:endParaRPr lang="en-US" sz="1100" b="0" i="0" u="none" strike="noStrike">
+                      <a:endParaRPr lang="en-US" sz="2000" b="0" i="0" u="none" strike="noStrike" dirty="0">
                         <a:solidFill>
                           <a:srgbClr val="000000"/>
                         </a:solidFill>
@@ -11443,12 +11904,12 @@
                     <a:p>
                       <a:pPr algn="r" fontAlgn="b"/>
                       <a:r>
-                        <a:rPr lang="en-US" sz="1100" u="none" strike="noStrike">
+                        <a:rPr lang="en-US" sz="2000" u="none" strike="noStrike">
                           <a:effectLst/>
                         </a:rPr>
                         <a:t>2</a:t>
                       </a:r>
-                      <a:endParaRPr lang="en-US" sz="1100" b="0" i="0" u="none" strike="noStrike">
+                      <a:endParaRPr lang="en-US" sz="2000" b="0" i="0" u="none" strike="noStrike">
                         <a:solidFill>
                           <a:srgbClr val="000000"/>
                         </a:solidFill>
@@ -11466,12 +11927,12 @@
                     <a:p>
                       <a:pPr algn="r" fontAlgn="b"/>
                       <a:r>
-                        <a:rPr lang="en-US" sz="1100" u="none" strike="noStrike">
+                        <a:rPr lang="en-US" sz="2000" u="none" strike="noStrike" dirty="0" smtClean="0">
                           <a:effectLst/>
                         </a:rPr>
-                        <a:t>80</a:t>
+                        <a:t>80.00</a:t>
                       </a:r>
-                      <a:endParaRPr lang="en-US" sz="1100" b="0" i="0" u="none" strike="noStrike">
+                      <a:endParaRPr lang="en-US" sz="2000" b="0" i="0" u="none" strike="noStrike" dirty="0">
                         <a:solidFill>
                           <a:srgbClr val="000000"/>
                         </a:solidFill>
@@ -11491,12 +11952,12 @@
                     <a:p>
                       <a:pPr algn="l" fontAlgn="b"/>
                       <a:r>
-                        <a:rPr lang="en-US" sz="1100" u="none" strike="noStrike">
+                        <a:rPr lang="en-US" sz="2000" u="none" strike="noStrike" dirty="0">
                           <a:effectLst/>
                         </a:rPr>
                         <a:t>Backpack</a:t>
                       </a:r>
-                      <a:endParaRPr lang="en-US" sz="1100" b="0" i="0" u="none" strike="noStrike">
+                      <a:endParaRPr lang="en-US" sz="2000" b="0" i="0" u="none" strike="noStrike" dirty="0">
                         <a:solidFill>
                           <a:srgbClr val="000000"/>
                         </a:solidFill>
@@ -11514,12 +11975,12 @@
                     <a:p>
                       <a:pPr algn="l" fontAlgn="b"/>
                       <a:r>
-                        <a:rPr lang="en-US" sz="1100" u="none" strike="noStrike" dirty="0" smtClean="0">
+                        <a:rPr lang="en-US" sz="2000" u="none" strike="noStrike" dirty="0" smtClean="0">
                           <a:effectLst/>
                         </a:rPr>
                         <a:t>N/A</a:t>
                       </a:r>
-                      <a:endParaRPr lang="en-US" sz="1100" b="0" i="0" u="none" strike="noStrike" dirty="0">
+                      <a:endParaRPr lang="en-US" sz="2000" b="0" i="0" u="none" strike="noStrike" dirty="0">
                         <a:solidFill>
                           <a:srgbClr val="000000"/>
                         </a:solidFill>
@@ -11537,12 +11998,12 @@
                     <a:p>
                       <a:pPr algn="r" fontAlgn="b"/>
                       <a:r>
-                        <a:rPr lang="en-US" sz="1100" u="none" strike="noStrike">
+                        <a:rPr lang="en-US" sz="2000" u="none" strike="noStrike" dirty="0" smtClean="0">
                           <a:effectLst/>
                         </a:rPr>
-                        <a:t>10</a:t>
+                        <a:t>10.00</a:t>
                       </a:r>
-                      <a:endParaRPr lang="en-US" sz="1100" b="0" i="0" u="none" strike="noStrike">
+                      <a:endParaRPr lang="en-US" sz="2000" b="0" i="0" u="none" strike="noStrike" dirty="0">
                         <a:solidFill>
                           <a:srgbClr val="000000"/>
                         </a:solidFill>
@@ -11560,12 +12021,12 @@
                     <a:p>
                       <a:pPr algn="r" fontAlgn="b"/>
                       <a:r>
-                        <a:rPr lang="en-US" sz="1100" u="none" strike="noStrike">
+                        <a:rPr lang="en-US" sz="2000" u="none" strike="noStrike" dirty="0" smtClean="0">
                           <a:effectLst/>
                         </a:rPr>
                         <a:t>0</a:t>
                       </a:r>
-                      <a:endParaRPr lang="en-US" sz="1100" b="0" i="0" u="none" strike="noStrike">
+                      <a:endParaRPr lang="en-US" sz="2000" b="0" i="0" u="none" strike="noStrike" dirty="0">
                         <a:solidFill>
                           <a:srgbClr val="000000"/>
                         </a:solidFill>
@@ -11583,12 +12044,12 @@
                     <a:p>
                       <a:pPr algn="r" fontAlgn="b"/>
                       <a:r>
-                        <a:rPr lang="en-US" sz="1100" u="none" strike="noStrike">
+                        <a:rPr lang="en-US" sz="2000" u="none" strike="noStrike" dirty="0" smtClean="0">
                           <a:effectLst/>
                         </a:rPr>
-                        <a:t>0</a:t>
+                        <a:t>0.00</a:t>
                       </a:r>
-                      <a:endParaRPr lang="en-US" sz="1100" b="0" i="0" u="none" strike="noStrike">
+                      <a:endParaRPr lang="en-US" sz="2000" b="0" i="0" u="none" strike="noStrike" dirty="0">
                         <a:solidFill>
                           <a:srgbClr val="000000"/>
                         </a:solidFill>
@@ -11607,7 +12068,7 @@
                     <a:lstStyle/>
                     <a:p>
                       <a:pPr algn="l" fontAlgn="b"/>
-                      <a:endParaRPr lang="en-US" sz="1100" b="0" i="0" u="none" strike="noStrike">
+                      <a:endParaRPr lang="en-US" sz="2000" b="0" i="0" u="none" strike="noStrike">
                         <a:solidFill>
                           <a:srgbClr val="000000"/>
                         </a:solidFill>
@@ -11624,7 +12085,7 @@
                     <a:lstStyle/>
                     <a:p>
                       <a:pPr algn="l" fontAlgn="b"/>
-                      <a:endParaRPr lang="en-US" sz="1100" b="0" i="0" u="none" strike="noStrike">
+                      <a:endParaRPr lang="en-US" sz="2000" b="0" i="0" u="none" strike="noStrike">
                         <a:solidFill>
                           <a:srgbClr val="000000"/>
                         </a:solidFill>
@@ -11642,12 +12103,12 @@
                     <a:p>
                       <a:pPr algn="l" fontAlgn="b"/>
                       <a:r>
-                        <a:rPr lang="en-US" sz="1100" u="none" strike="noStrike" dirty="0">
+                        <a:rPr lang="en-US" sz="2000" u="none" strike="noStrike" dirty="0">
                           <a:effectLst/>
                         </a:rPr>
                         <a:t> </a:t>
                       </a:r>
-                      <a:endParaRPr lang="en-US" sz="1100" b="0" i="0" u="none" strike="noStrike" dirty="0">
+                      <a:endParaRPr lang="en-US" sz="2000" b="0" i="0" u="none" strike="noStrike" dirty="0">
                         <a:solidFill>
                           <a:srgbClr val="000000"/>
                         </a:solidFill>
@@ -11664,7 +12125,7 @@
                     <a:lstStyle/>
                     <a:p>
                       <a:pPr algn="l" fontAlgn="b"/>
-                      <a:endParaRPr lang="en-US" sz="1100" b="0" i="0" u="none" strike="noStrike">
+                      <a:endParaRPr lang="en-US" sz="2000" b="0" i="0" u="none" strike="noStrike">
                         <a:solidFill>
                           <a:srgbClr val="000000"/>
                         </a:solidFill>
@@ -11681,7 +12142,7 @@
                     <a:lstStyle/>
                     <a:p>
                       <a:pPr algn="l" fontAlgn="b"/>
-                      <a:endParaRPr lang="en-US" sz="1100" b="0" i="0" u="none" strike="noStrike">
+                      <a:endParaRPr lang="en-US" sz="2000" b="0" i="0" u="none" strike="noStrike">
                         <a:solidFill>
                           <a:srgbClr val="000000"/>
                         </a:solidFill>
@@ -11701,12 +12162,12 @@
                     <a:p>
                       <a:pPr algn="l" fontAlgn="b"/>
                       <a:r>
-                        <a:rPr lang="en-US" sz="1100" u="none" strike="noStrike" dirty="0">
+                        <a:rPr lang="en-US" sz="2000" u="none" strike="noStrike" dirty="0" smtClean="0">
                           <a:effectLst/>
                         </a:rPr>
-                        <a:t>Total</a:t>
+                        <a:t>Development Cost</a:t>
                       </a:r>
-                      <a:endParaRPr lang="en-US" sz="1100" b="0" i="0" u="none" strike="noStrike" dirty="0">
+                      <a:endParaRPr lang="en-US" sz="2000" b="0" i="0" u="none" strike="noStrike" dirty="0">
                         <a:solidFill>
                           <a:srgbClr val="000000"/>
                         </a:solidFill>
@@ -11723,7 +12184,41 @@
                     <a:lstStyle/>
                     <a:p>
                       <a:pPr algn="l" fontAlgn="b"/>
-                      <a:endParaRPr lang="en-US" sz="1100" b="0" i="0" u="none" strike="noStrike">
+                      <a:endParaRPr lang="en-US" sz="2000" b="0" i="0" u="none" strike="noStrike">
+                        <a:solidFill>
+                          <a:srgbClr val="000000"/>
+                        </a:solidFill>
+                        <a:effectLst/>
+                        <a:latin typeface="Liberation Sans"/>
+                      </a:endParaRPr>
+                    </a:p>
+                  </a:txBody>
+                  <a:tcPr marL="9525" marR="9525" marT="9525" marB="0" anchor="b"/>
+                </a:tc>
+                <a:tc>
+                  <a:txBody>
+                    <a:bodyPr/>
+                    <a:lstStyle/>
+                    <a:p>
+                      <a:pPr algn="r" fontAlgn="b"/>
+                      <a:endParaRPr lang="en-US" sz="2000" b="0" i="0" u="none" strike="noStrike" dirty="0">
+                        <a:solidFill>
+                          <a:srgbClr val="000000"/>
+                        </a:solidFill>
+                        <a:effectLst/>
+                        <a:latin typeface="Liberation Sans"/>
+                      </a:endParaRPr>
+                    </a:p>
+                  </a:txBody>
+                  <a:tcPr marL="9525" marR="9525" marT="9525" marB="0" anchor="b"/>
+                </a:tc>
+                <a:tc>
+                  <a:txBody>
+                    <a:bodyPr/>
+                    <a:lstStyle/>
+                    <a:p>
+                      <a:pPr algn="l" fontAlgn="b"/>
+                      <a:endParaRPr lang="en-US" sz="2000" b="0" i="0" u="none" strike="noStrike" dirty="0">
                         <a:solidFill>
                           <a:srgbClr val="000000"/>
                         </a:solidFill>
@@ -11741,52 +12236,12 @@
                     <a:p>
                       <a:pPr algn="r" fontAlgn="b"/>
                       <a:r>
-                        <a:rPr lang="en-US" sz="1100" u="none" strike="noStrike">
-                          <a:effectLst/>
-                        </a:rPr>
-                        <a:t>521.65</a:t>
-                      </a:r>
-                      <a:endParaRPr lang="en-US" sz="1100" b="0" i="0" u="none" strike="noStrike">
-                        <a:solidFill>
-                          <a:srgbClr val="000000"/>
-                        </a:solidFill>
-                        <a:effectLst/>
-                        <a:latin typeface="Liberation Sans"/>
-                      </a:endParaRPr>
-                    </a:p>
-                  </a:txBody>
-                  <a:tcPr marL="9525" marR="9525" marT="9525" marB="0" anchor="b"/>
-                </a:tc>
-                <a:tc>
-                  <a:txBody>
-                    <a:bodyPr/>
-                    <a:lstStyle/>
-                    <a:p>
-                      <a:pPr algn="l" fontAlgn="b"/>
-                      <a:endParaRPr lang="en-US" sz="1100" b="0" i="0" u="none" strike="noStrike">
-                        <a:solidFill>
-                          <a:srgbClr val="000000"/>
-                        </a:solidFill>
-                        <a:effectLst/>
-                        <a:latin typeface="Liberation Sans"/>
-                      </a:endParaRPr>
-                    </a:p>
-                  </a:txBody>
-                  <a:tcPr marL="9525" marR="9525" marT="9525" marB="0" anchor="b"/>
-                </a:tc>
-                <a:tc>
-                  <a:txBody>
-                    <a:bodyPr/>
-                    <a:lstStyle/>
-                    <a:p>
-                      <a:pPr algn="r" fontAlgn="b"/>
-                      <a:r>
-                        <a:rPr lang="en-US" sz="1100" u="none" strike="noStrike" dirty="0">
+                        <a:rPr lang="en-US" sz="2000" u="none" strike="noStrike" dirty="0">
                           <a:effectLst/>
                         </a:rPr>
                         <a:t>739.66</a:t>
                       </a:r>
-                      <a:endParaRPr lang="en-US" sz="1100" b="0" i="0" u="none" strike="noStrike" dirty="0">
+                      <a:endParaRPr lang="en-US" sz="2000" b="0" i="0" u="none" strike="noStrike" dirty="0">
                         <a:solidFill>
                           <a:srgbClr val="000000"/>
                         </a:solidFill>
@@ -11812,6 +12267,18 @@
   <p:clrMapOvr>
     <a:masterClrMapping/>
   </p:clrMapOvr>
+  <mc:AlternateContent xmlns:mc="http://schemas.openxmlformats.org/markup-compatibility/2006" xmlns:p14="http://schemas.microsoft.com/office/powerpoint/2010/main">
+    <mc:Choice Requires="p14">
+      <p:transition p14:dur="200">
+        <p:fade/>
+      </p:transition>
+    </mc:Choice>
+    <mc:Fallback xmlns="">
+      <p:transition>
+        <p:fade/>
+      </p:transition>
+    </mc:Fallback>
+  </mc:AlternateContent>
   <p:timing>
     <p:tnLst>
       <p:par>
@@ -11960,6 +12427,18 @@
   <p:clrMapOvr>
     <a:masterClrMapping/>
   </p:clrMapOvr>
+  <mc:AlternateContent xmlns:mc="http://schemas.openxmlformats.org/markup-compatibility/2006" xmlns:p14="http://schemas.microsoft.com/office/powerpoint/2010/main">
+    <mc:Choice Requires="p14">
+      <p:transition p14:dur="200">
+        <p:fade/>
+      </p:transition>
+    </mc:Choice>
+    <mc:Fallback xmlns="">
+      <p:transition>
+        <p:fade/>
+      </p:transition>
+    </mc:Fallback>
+  </mc:AlternateContent>
   <p:timing>
     <p:tnLst>
       <p:par>
@@ -12067,6 +12546,18 @@
   <p:clrMapOvr>
     <a:masterClrMapping/>
   </p:clrMapOvr>
+  <mc:AlternateContent xmlns:mc="http://schemas.openxmlformats.org/markup-compatibility/2006" xmlns:p14="http://schemas.microsoft.com/office/powerpoint/2010/main">
+    <mc:Choice Requires="p14">
+      <p:transition p14:dur="200">
+        <p:fade/>
+      </p:transition>
+    </mc:Choice>
+    <mc:Fallback xmlns="">
+      <p:transition>
+        <p:fade/>
+      </p:transition>
+    </mc:Fallback>
+  </mc:AlternateContent>
   <p:timing>
     <p:tnLst>
       <p:par>
@@ -12107,73 +12598,98 @@
         <p:spPr/>
         <p:txBody>
           <a:bodyPr>
-            <a:normAutofit/>
+            <a:noAutofit/>
           </a:bodyPr>
           <a:lstStyle/>
           <a:p>
             <a:r>
+              <a:rPr lang="en-US" sz="2800" dirty="0" smtClean="0"/>
+              <a:t>Continued software development</a:t>
+            </a:r>
+          </a:p>
+          <a:p>
+            <a:pPr lvl="1"/>
+            <a:r>
               <a:rPr lang="en-US" sz="2400" dirty="0" smtClean="0"/>
-              <a:t>Continued software development</a:t>
+              <a:t>Improve </a:t>
+            </a:r>
+            <a:r>
+              <a:rPr lang="en-US" sz="2400" dirty="0" smtClean="0"/>
+              <a:t>response time </a:t>
+            </a:r>
+            <a:r>
+              <a:rPr lang="en-US" sz="2400" dirty="0" smtClean="0"/>
+              <a:t>of head orientation</a:t>
             </a:r>
           </a:p>
           <a:p>
             <a:pPr lvl="1"/>
             <a:r>
-              <a:rPr lang="en-US" sz="2000" dirty="0" smtClean="0"/>
-              <a:t>Improve calculation of head orientation</a:t>
+              <a:rPr lang="en-US" sz="2400" dirty="0" smtClean="0"/>
+              <a:t>Improve filtering of GPS </a:t>
+            </a:r>
+            <a:r>
+              <a:rPr lang="en-US" sz="2400" dirty="0" smtClean="0"/>
+              <a:t>data (</a:t>
+            </a:r>
+            <a:r>
+              <a:rPr lang="en-US" sz="2400" smtClean="0"/>
+              <a:t>location precision)</a:t>
+            </a:r>
+            <a:endParaRPr lang="en-US" sz="2400" dirty="0" smtClean="0"/>
+          </a:p>
+          <a:p>
+            <a:pPr lvl="2"/>
+            <a:r>
+              <a:rPr lang="en-US" sz="1800" dirty="0" smtClean="0"/>
+              <a:t>Large “jumps” in position</a:t>
+            </a:r>
+            <a:endParaRPr lang="en-US" sz="1800" dirty="0" smtClean="0"/>
+          </a:p>
+          <a:p>
+            <a:r>
+              <a:rPr lang="en-US" sz="2400" dirty="0"/>
+              <a:t>Migrate software to new motherboard</a:t>
+            </a:r>
+          </a:p>
+          <a:p>
+            <a:r>
+              <a:rPr lang="en-US" sz="2400" dirty="0" smtClean="0"/>
+              <a:t>Finalize packaging modifications for larger display</a:t>
+            </a:r>
+          </a:p>
+          <a:p>
+            <a:r>
+              <a:rPr lang="en-US" sz="2400" dirty="0" smtClean="0"/>
+              <a:t>Testing of new hardware</a:t>
             </a:r>
           </a:p>
           <a:p>
             <a:pPr lvl="1"/>
             <a:r>
-              <a:rPr lang="en-US" sz="2000" dirty="0" smtClean="0"/>
-              <a:t>Improve filtering of GPS data</a:t>
-            </a:r>
-          </a:p>
-          <a:p>
-            <a:r>
-              <a:rPr lang="en-US" sz="2200" dirty="0"/>
-              <a:t>Migrate software to new motherboard</a:t>
-            </a:r>
-          </a:p>
-          <a:p>
-            <a:r>
-              <a:rPr lang="en-US" sz="2200" dirty="0" smtClean="0"/>
-              <a:t>Finalize packaging modifications for larger display</a:t>
-            </a:r>
-          </a:p>
-          <a:p>
-            <a:r>
-              <a:rPr lang="en-US" sz="2200" dirty="0" smtClean="0"/>
-              <a:t>Testing of new hardware</a:t>
+              <a:rPr lang="en-US" sz="2400" dirty="0" smtClean="0"/>
+              <a:t>Battery power and charging</a:t>
             </a:r>
           </a:p>
           <a:p>
             <a:pPr lvl="1"/>
             <a:r>
-              <a:rPr lang="en-US" sz="2000" dirty="0" smtClean="0"/>
-              <a:t>Battery power and charging</a:t>
+              <a:rPr lang="en-US" sz="2400" dirty="0" smtClean="0"/>
+              <a:t>Interfacing of </a:t>
+            </a:r>
+            <a:r>
+              <a:rPr lang="en-US" sz="2400" dirty="0" err="1" smtClean="0"/>
+              <a:t>Terasic</a:t>
+            </a:r>
+            <a:r>
+              <a:rPr lang="en-US" sz="2400" dirty="0" smtClean="0"/>
+              <a:t> board with existing microcontroller</a:t>
             </a:r>
           </a:p>
           <a:p>
             <a:pPr lvl="1"/>
             <a:r>
-              <a:rPr lang="en-US" sz="2000" dirty="0" smtClean="0"/>
-              <a:t>Interfacing of </a:t>
-            </a:r>
-            <a:r>
-              <a:rPr lang="en-US" sz="2000" dirty="0" err="1" smtClean="0"/>
-              <a:t>Terasic</a:t>
-            </a:r>
-            <a:r>
-              <a:rPr lang="en-US" sz="2000" dirty="0" smtClean="0"/>
-              <a:t> board with existing microcontroller</a:t>
-            </a:r>
-          </a:p>
-          <a:p>
-            <a:pPr lvl="1"/>
-            <a:r>
-              <a:rPr lang="en-US" sz="2000" dirty="0" smtClean="0"/>
+              <a:rPr lang="en-US" sz="2400" dirty="0" smtClean="0"/>
               <a:t>Display</a:t>
             </a:r>
           </a:p>
@@ -12212,6 +12728,18 @@
   <p:clrMapOvr>
     <a:masterClrMapping/>
   </p:clrMapOvr>
+  <mc:AlternateContent xmlns:mc="http://schemas.openxmlformats.org/markup-compatibility/2006" xmlns:p14="http://schemas.microsoft.com/office/powerpoint/2010/main">
+    <mc:Choice Requires="p14">
+      <p:transition p14:dur="200">
+        <p:fade/>
+      </p:transition>
+    </mc:Choice>
+    <mc:Fallback xmlns="">
+      <p:transition>
+        <p:fade/>
+      </p:transition>
+    </mc:Fallback>
+  </mc:AlternateContent>
   <p:timing>
     <p:tnLst>
       <p:par>
@@ -12344,6 +12872,18 @@
   <p:clrMapOvr>
     <a:masterClrMapping/>
   </p:clrMapOvr>
+  <mc:AlternateContent xmlns:mc="http://schemas.openxmlformats.org/markup-compatibility/2006" xmlns:p14="http://schemas.microsoft.com/office/powerpoint/2010/main">
+    <mc:Choice Requires="p14">
+      <p:transition p14:dur="200">
+        <p:fade/>
+      </p:transition>
+    </mc:Choice>
+    <mc:Fallback xmlns="">
+      <p:transition>
+        <p:fade/>
+      </p:transition>
+    </mc:Fallback>
+  </mc:AlternateContent>
   <p:timing>
     <p:tnLst>
       <p:par>
@@ -12422,6 +12962,18 @@
   <p:clrMapOvr>
     <a:masterClrMapping/>
   </p:clrMapOvr>
+  <mc:AlternateContent xmlns:mc="http://schemas.openxmlformats.org/markup-compatibility/2006" xmlns:p14="http://schemas.microsoft.com/office/powerpoint/2010/main">
+    <mc:Choice Requires="p14">
+      <p:transition p14:dur="200">
+        <p:fade/>
+      </p:transition>
+    </mc:Choice>
+    <mc:Fallback xmlns="">
+      <p:transition>
+        <p:fade/>
+      </p:transition>
+    </mc:Fallback>
+  </mc:AlternateContent>
   <p:timing>
     <p:tnLst>
       <p:par>
@@ -12511,6 +13063,18 @@
   <p:clrMapOvr>
     <a:masterClrMapping/>
   </p:clrMapOvr>
+  <mc:AlternateContent xmlns:mc="http://schemas.openxmlformats.org/markup-compatibility/2006" xmlns:p14="http://schemas.microsoft.com/office/powerpoint/2010/main">
+    <mc:Choice Requires="p14">
+      <p:transition p14:dur="200">
+        <p:fade/>
+      </p:transition>
+    </mc:Choice>
+    <mc:Fallback xmlns="">
+      <p:transition>
+        <p:fade/>
+      </p:transition>
+    </mc:Fallback>
+  </mc:AlternateContent>
   <p:timing>
     <p:tnLst>
       <p:par>
@@ -12600,6 +13164,18 @@
   <p:clrMapOvr>
     <a:masterClrMapping/>
   </p:clrMapOvr>
+  <mc:AlternateContent xmlns:mc="http://schemas.openxmlformats.org/markup-compatibility/2006" xmlns:p14="http://schemas.microsoft.com/office/powerpoint/2010/main">
+    <mc:Choice Requires="p14">
+      <p:transition p14:dur="200">
+        <p:fade/>
+      </p:transition>
+    </mc:Choice>
+    <mc:Fallback xmlns="">
+      <p:transition>
+        <p:fade/>
+      </p:transition>
+    </mc:Fallback>
+  </mc:AlternateContent>
   <p:timing>
     <p:tnLst>
       <p:par>
@@ -12639,117 +13215,121 @@
         </p:nvSpPr>
         <p:spPr/>
         <p:txBody>
-          <a:bodyPr/>
+          <a:bodyPr>
+            <a:normAutofit/>
+          </a:bodyPr>
           <a:lstStyle/>
           <a:p>
             <a:r>
-              <a:rPr lang="en-US" dirty="0" smtClean="0"/>
+              <a:rPr lang="en-US" sz="2400" dirty="0" smtClean="0"/>
               <a:t>Wearable augmented reality </a:t>
             </a:r>
             <a:r>
-              <a:rPr lang="en-US" dirty="0"/>
+              <a:rPr lang="en-US" sz="2400" dirty="0"/>
               <a:t>is </a:t>
             </a:r>
             <a:r>
-              <a:rPr lang="en-US" dirty="0" smtClean="0"/>
+              <a:rPr lang="en-US" sz="2400" dirty="0" smtClean="0"/>
               <a:t>emerging quickly</a:t>
             </a:r>
           </a:p>
           <a:p>
             <a:pPr lvl="1"/>
             <a:r>
-              <a:rPr lang="en-US" dirty="0" smtClean="0"/>
+              <a:rPr lang="en-US" sz="2000" dirty="0" smtClean="0"/>
               <a:t>Google Glass, Oculus Rift, Epson BT-100</a:t>
             </a:r>
           </a:p>
           <a:p>
             <a:pPr lvl="1"/>
             <a:r>
-              <a:rPr lang="en-US" dirty="0" smtClean="0"/>
+              <a:rPr lang="en-US" sz="2000" dirty="0" smtClean="0"/>
               <a:t>Provide information</a:t>
             </a:r>
           </a:p>
           <a:p>
             <a:pPr lvl="1"/>
             <a:r>
-              <a:rPr lang="en-US" dirty="0" smtClean="0"/>
+              <a:rPr lang="en-US" sz="2000" dirty="0" smtClean="0"/>
               <a:t>Promote teamwork</a:t>
             </a:r>
           </a:p>
           <a:p>
             <a:pPr lvl="1"/>
             <a:r>
-              <a:rPr lang="en-US" dirty="0" smtClean="0"/>
+              <a:rPr lang="en-US" sz="2000" dirty="0" smtClean="0"/>
               <a:t>Decrease need for physical objects</a:t>
             </a:r>
           </a:p>
           <a:p>
             <a:r>
-              <a:rPr lang="en-US" dirty="0" smtClean="0"/>
-              <a:t>Design Requirements:</a:t>
-            </a:r>
+              <a:rPr lang="en-US" sz="2400" dirty="0" smtClean="0"/>
+              <a:t>Design requirements</a:t>
+            </a:r>
+            <a:r>
+              <a:rPr lang="en-US" sz="2400" dirty="0"/>
+              <a:t>:</a:t>
+            </a:r>
+            <a:endParaRPr lang="en-US" sz="2400" dirty="0" smtClean="0"/>
           </a:p>
           <a:p>
             <a:pPr lvl="1"/>
             <a:r>
-              <a:rPr lang="en-US" dirty="0" smtClean="0"/>
+              <a:rPr lang="en-US" sz="2000" dirty="0" smtClean="0"/>
               <a:t>Portable </a:t>
             </a:r>
             <a:r>
-              <a:rPr lang="en-US" dirty="0"/>
+              <a:rPr lang="en-US" sz="2000" dirty="0"/>
               <a:t>and </a:t>
             </a:r>
             <a:r>
-              <a:rPr lang="en-US" dirty="0" smtClean="0"/>
-              <a:t>Comfortable</a:t>
-            </a:r>
-            <a:endParaRPr lang="en-US" dirty="0"/>
+              <a:rPr lang="en-US" sz="2000" dirty="0" smtClean="0"/>
+              <a:t>comfortable</a:t>
+            </a:r>
+            <a:endParaRPr lang="en-US" sz="2000" dirty="0"/>
           </a:p>
           <a:p>
             <a:pPr lvl="1"/>
             <a:r>
-              <a:rPr lang="en-US" dirty="0" smtClean="0"/>
+              <a:rPr lang="en-US" sz="2000" dirty="0" smtClean="0"/>
               <a:t>Track user position </a:t>
             </a:r>
             <a:r>
-              <a:rPr lang="en-US" dirty="0"/>
+              <a:rPr lang="en-US" sz="2000" dirty="0"/>
               <a:t>and </a:t>
             </a:r>
             <a:r>
-              <a:rPr lang="en-US" dirty="0" smtClean="0"/>
+              <a:rPr lang="en-US" sz="2000" dirty="0" smtClean="0"/>
               <a:t>head orientation</a:t>
             </a:r>
-            <a:endParaRPr lang="en-US" dirty="0"/>
+            <a:endParaRPr lang="en-US" sz="2000" dirty="0"/>
           </a:p>
           <a:p>
             <a:pPr lvl="1"/>
             <a:r>
-              <a:rPr lang="en-US" dirty="0" smtClean="0"/>
-              <a:t>Wireless </a:t>
-            </a:r>
-            <a:r>
-              <a:rPr lang="en-US" dirty="0"/>
-              <a:t>Communication</a:t>
-            </a:r>
+              <a:rPr lang="en-US" sz="2000" dirty="0" smtClean="0"/>
+              <a:t>Wireless communication</a:t>
+            </a:r>
+            <a:endParaRPr lang="en-US" sz="2000" dirty="0"/>
           </a:p>
           <a:p>
             <a:pPr lvl="1"/>
             <a:r>
-              <a:rPr lang="en-US" dirty="0" smtClean="0"/>
+              <a:rPr lang="en-US" sz="2000" dirty="0" smtClean="0"/>
               <a:t>Easy </a:t>
             </a:r>
             <a:r>
-              <a:rPr lang="en-US" dirty="0"/>
+              <a:rPr lang="en-US" sz="2000" dirty="0"/>
               <a:t>to set up and use</a:t>
             </a:r>
           </a:p>
           <a:p>
             <a:pPr lvl="1"/>
             <a:r>
-              <a:rPr lang="en-US" dirty="0" smtClean="0"/>
-              <a:t>Transparent display, easy to see</a:t>
-            </a:r>
-            <a:endParaRPr lang="en-US" dirty="0"/>
+              <a:rPr lang="en-US" sz="2000" dirty="0" smtClean="0"/>
+              <a:t>Maintain peripheral vision</a:t>
+            </a:r>
+            <a:endParaRPr lang="en-US" sz="2000" dirty="0"/>
           </a:p>
         </p:txBody>
       </p:sp>
@@ -12786,6 +13366,18 @@
   <p:clrMapOvr>
     <a:masterClrMapping/>
   </p:clrMapOvr>
+  <mc:AlternateContent xmlns:mc="http://schemas.openxmlformats.org/markup-compatibility/2006" xmlns:p14="http://schemas.microsoft.com/office/powerpoint/2010/main">
+    <mc:Choice Requires="p14">
+      <p:transition p14:dur="200">
+        <p:fade/>
+      </p:transition>
+    </mc:Choice>
+    <mc:Fallback xmlns="">
+      <p:transition>
+        <p:fade/>
+      </p:transition>
+    </mc:Fallback>
+  </mc:AlternateContent>
   <p:timing>
     <p:tnLst>
       <p:par>
@@ -12832,7 +13424,7 @@
           <a:p>
             <a:r>
               <a:rPr lang="en-US" sz="2400" dirty="0" smtClean="0"/>
-              <a:t>Artistic Performance</a:t>
+              <a:t>Artistic performance</a:t>
             </a:r>
           </a:p>
           <a:p>
@@ -12862,7 +13454,7 @@
           <a:p>
             <a:r>
               <a:rPr lang="en-US" sz="2400" dirty="0" smtClean="0"/>
-              <a:t>Train a New Employee</a:t>
+              <a:t>Train a new employee</a:t>
             </a:r>
           </a:p>
           <a:p>
@@ -12899,7 +13491,7 @@
           <a:p>
             <a:r>
               <a:rPr lang="en-US" sz="2400" dirty="0" smtClean="0"/>
-              <a:t>Educational Demonstrations</a:t>
+              <a:t>Educational demonstrations</a:t>
             </a:r>
           </a:p>
           <a:p>
@@ -12925,12 +13517,243 @@
           </a:p>
           <a:p>
             <a:r>
+              <a:rPr lang="en-US" sz="2400" dirty="0"/>
+              <a:t>Gaming</a:t>
+            </a:r>
+          </a:p>
+          <a:p>
+            <a:pPr lvl="1"/>
+            <a:r>
+              <a:rPr lang="en-US" sz="2200" dirty="0"/>
+              <a:t>Rely </a:t>
+            </a:r>
+            <a:r>
+              <a:rPr lang="en-US" sz="2200" dirty="0" smtClean="0"/>
+              <a:t>on “imaginary” objects placed in a select location</a:t>
+            </a:r>
+            <a:endParaRPr lang="en-US" sz="2200" dirty="0"/>
+          </a:p>
+        </p:txBody>
+      </p:sp>
+      <p:sp>
+        <p:nvSpPr>
+          <p:cNvPr id="3" name="Title 2"/>
+          <p:cNvSpPr>
+            <a:spLocks noGrp="1"/>
+          </p:cNvSpPr>
+          <p:nvPr>
+            <p:ph type="title"/>
+          </p:nvPr>
+        </p:nvSpPr>
+        <p:spPr/>
+        <p:txBody>
+          <a:bodyPr/>
+          <a:lstStyle/>
+          <a:p>
+            <a:r>
+              <a:rPr lang="en-US" dirty="0" smtClean="0"/>
+              <a:t>USE cases</a:t>
+            </a:r>
+            <a:endParaRPr lang="en-US" dirty="0"/>
+          </a:p>
+        </p:txBody>
+      </p:sp>
+      <p:sp>
+        <p:nvSpPr>
+          <p:cNvPr id="4" name="Content Placeholder 1"/>
+          <p:cNvSpPr txBox="1">
+            <a:spLocks/>
+          </p:cNvSpPr>
+          <p:nvPr/>
+        </p:nvSpPr>
+        <p:spPr>
+          <a:xfrm>
+            <a:off x="381000" y="1524000"/>
+            <a:ext cx="8407893" cy="4602479"/>
+          </a:xfrm>
+          <a:prstGeom prst="rect">
+            <a:avLst/>
+          </a:prstGeom>
+        </p:spPr>
+        <p:txBody>
+          <a:bodyPr vert="horz" lIns="91440" tIns="45720" rIns="91440" bIns="45720" rtlCol="0">
+            <a:noAutofit/>
+          </a:bodyPr>
+          <a:lstStyle>
+            <a:lvl1pPr marL="274320" indent="-228600" algn="l" defTabSz="914400" rtl="0" eaLnBrk="1" latinLnBrk="0" hangingPunct="1">
+              <a:spcBef>
+                <a:spcPct val="20000"/>
+              </a:spcBef>
+              <a:buClr>
+                <a:schemeClr val="accent1"/>
+              </a:buClr>
+              <a:buFont typeface="Wingdings 2" pitchFamily="18" charset="2"/>
+              <a:buChar char=""/>
+              <a:defRPr sz="2000" kern="1200" spc="150" baseline="0">
+                <a:solidFill>
+                  <a:schemeClr val="tx2"/>
+                </a:solidFill>
+                <a:latin typeface="+mn-lt"/>
+                <a:ea typeface="+mn-ea"/>
+                <a:cs typeface="+mn-cs"/>
+              </a:defRPr>
+            </a:lvl1pPr>
+            <a:lvl2pPr marL="548640" indent="-182880" algn="l" defTabSz="914400" rtl="0" eaLnBrk="1" latinLnBrk="0" hangingPunct="1">
+              <a:spcBef>
+                <a:spcPct val="20000"/>
+              </a:spcBef>
+              <a:buClr>
+                <a:schemeClr val="accent2"/>
+              </a:buClr>
+              <a:buFont typeface="Wingdings" pitchFamily="2" charset="2"/>
+              <a:buChar char="§"/>
+              <a:defRPr sz="1800" kern="1200" spc="100" baseline="0">
+                <a:solidFill>
+                  <a:schemeClr val="tx2"/>
+                </a:solidFill>
+                <a:latin typeface="+mn-lt"/>
+                <a:ea typeface="+mn-ea"/>
+                <a:cs typeface="+mn-cs"/>
+              </a:defRPr>
+            </a:lvl2pPr>
+            <a:lvl3pPr marL="822960" indent="-182880" algn="l" defTabSz="914400" rtl="0" eaLnBrk="1" latinLnBrk="0" hangingPunct="1">
+              <a:spcBef>
+                <a:spcPct val="20000"/>
+              </a:spcBef>
+              <a:buClr>
+                <a:schemeClr val="accent3"/>
+              </a:buClr>
+              <a:buFont typeface="Wingdings" pitchFamily="2" charset="2"/>
+              <a:buChar char="§"/>
+              <a:defRPr sz="1600" kern="1200" spc="100" baseline="0">
+                <a:solidFill>
+                  <a:schemeClr val="tx2"/>
+                </a:solidFill>
+                <a:latin typeface="+mn-lt"/>
+                <a:ea typeface="+mn-ea"/>
+                <a:cs typeface="+mn-cs"/>
+              </a:defRPr>
+            </a:lvl3pPr>
+            <a:lvl4pPr marL="1097280" indent="-182880" algn="l" defTabSz="914400" rtl="0" eaLnBrk="1" latinLnBrk="0" hangingPunct="1">
+              <a:spcBef>
+                <a:spcPct val="20000"/>
+              </a:spcBef>
+              <a:buClr>
+                <a:schemeClr val="accent4"/>
+              </a:buClr>
+              <a:buFont typeface="Wingdings" pitchFamily="2" charset="2"/>
+              <a:buChar char="§"/>
+              <a:defRPr sz="1400" kern="1200">
+                <a:solidFill>
+                  <a:schemeClr val="tx2"/>
+                </a:solidFill>
+                <a:latin typeface="+mn-lt"/>
+                <a:ea typeface="+mn-ea"/>
+                <a:cs typeface="+mn-cs"/>
+              </a:defRPr>
+            </a:lvl4pPr>
+            <a:lvl5pPr marL="1280160" indent="-182880" algn="l" defTabSz="914400" rtl="0" eaLnBrk="1" latinLnBrk="0" hangingPunct="1">
+              <a:spcBef>
+                <a:spcPct val="20000"/>
+              </a:spcBef>
+              <a:buClr>
+                <a:schemeClr val="accent6"/>
+              </a:buClr>
+              <a:buFont typeface="Wingdings" pitchFamily="2" charset="2"/>
+              <a:buChar char="§"/>
+              <a:defRPr sz="1300" kern="1200" spc="100" baseline="0">
+                <a:solidFill>
+                  <a:schemeClr val="tx2"/>
+                </a:solidFill>
+                <a:latin typeface="+mn-lt"/>
+                <a:ea typeface="+mn-ea"/>
+                <a:cs typeface="+mn-cs"/>
+              </a:defRPr>
+            </a:lvl5pPr>
+            <a:lvl6pPr marL="1554480" indent="-182880" algn="l" defTabSz="914400" rtl="0" eaLnBrk="1" latinLnBrk="0" hangingPunct="1">
+              <a:spcBef>
+                <a:spcPct val="20000"/>
+              </a:spcBef>
+              <a:buClr>
+                <a:schemeClr val="accent1"/>
+              </a:buClr>
+              <a:buFont typeface="Wingdings" pitchFamily="2" charset="2"/>
+              <a:buChar char="§"/>
+              <a:defRPr sz="1200" kern="1200">
+                <a:solidFill>
+                  <a:schemeClr val="tx2"/>
+                </a:solidFill>
+                <a:latin typeface="+mn-lt"/>
+                <a:ea typeface="+mn-ea"/>
+                <a:cs typeface="+mn-cs"/>
+              </a:defRPr>
+            </a:lvl6pPr>
+            <a:lvl7pPr marL="1828800" indent="-182880" algn="l" defTabSz="914400" rtl="0" eaLnBrk="1" latinLnBrk="0" hangingPunct="1">
+              <a:spcBef>
+                <a:spcPct val="20000"/>
+              </a:spcBef>
+              <a:buClr>
+                <a:schemeClr val="accent2"/>
+              </a:buClr>
+              <a:buFont typeface="Wingdings" pitchFamily="2" charset="2"/>
+              <a:buChar char="§"/>
+              <a:defRPr sz="1200" kern="1200">
+                <a:solidFill>
+                  <a:schemeClr val="tx2"/>
+                </a:solidFill>
+                <a:latin typeface="+mn-lt"/>
+                <a:ea typeface="+mn-ea"/>
+                <a:cs typeface="+mn-cs"/>
+              </a:defRPr>
+            </a:lvl7pPr>
+            <a:lvl8pPr marL="2103120" indent="-182880" algn="l" defTabSz="914400" rtl="0" eaLnBrk="1" latinLnBrk="0" hangingPunct="1">
+              <a:spcBef>
+                <a:spcPct val="20000"/>
+              </a:spcBef>
+              <a:buClr>
+                <a:schemeClr val="accent3"/>
+              </a:buClr>
+              <a:buFont typeface="Wingdings" pitchFamily="2" charset="2"/>
+              <a:buChar char="§"/>
+              <a:defRPr sz="1200" kern="1200">
+                <a:solidFill>
+                  <a:schemeClr val="tx2"/>
+                </a:solidFill>
+                <a:latin typeface="+mn-lt"/>
+                <a:ea typeface="+mn-ea"/>
+                <a:cs typeface="+mn-cs"/>
+              </a:defRPr>
+            </a:lvl8pPr>
+            <a:lvl9pPr marL="2377440" indent="-182880" algn="l" defTabSz="914400" rtl="0" eaLnBrk="1" latinLnBrk="0" hangingPunct="1">
+              <a:spcBef>
+                <a:spcPct val="20000"/>
+              </a:spcBef>
+              <a:buClr>
+                <a:schemeClr val="accent5"/>
+              </a:buClr>
+              <a:buFont typeface="Wingdings" pitchFamily="2" charset="2"/>
+              <a:buChar char="§"/>
+              <a:defRPr sz="1200" kern="1200">
+                <a:solidFill>
+                  <a:schemeClr val="tx2"/>
+                </a:solidFill>
+                <a:latin typeface="+mn-lt"/>
+                <a:ea typeface="+mn-ea"/>
+                <a:cs typeface="+mn-cs"/>
+              </a:defRPr>
+            </a:lvl9pPr>
+          </a:lstStyle>
+          <a:p>
+            <a:r>
               <a:rPr lang="en-US" sz="2400" dirty="0" smtClean="0">
                 <a:solidFill>
-                  <a:srgbClr val="FF0000"/>
+                  <a:schemeClr val="tx2">
+                    <a:lumMod val="60000"/>
+                    <a:lumOff val="40000"/>
+                  </a:schemeClr>
                 </a:solidFill>
               </a:rPr>
-              <a:t>Children Playing Games</a:t>
+              <a:t>Artistic performance</a:t>
             </a:r>
           </a:p>
           <a:p>
@@ -12938,34 +13761,109 @@
             <a:r>
               <a:rPr lang="en-US" sz="2200" dirty="0" smtClean="0">
                 <a:solidFill>
-                  <a:srgbClr val="FF0000"/>
+                  <a:schemeClr val="tx2">
+                    <a:lumMod val="60000"/>
+                    <a:lumOff val="40000"/>
+                  </a:schemeClr>
                 </a:solidFill>
               </a:rPr>
+              <a:t>Performers need to know where to be and when</a:t>
+            </a:r>
+          </a:p>
+          <a:p>
+            <a:r>
+              <a:rPr lang="en-US" sz="2400" dirty="0" smtClean="0">
+                <a:solidFill>
+                  <a:schemeClr val="tx2">
+                    <a:lumMod val="60000"/>
+                    <a:lumOff val="40000"/>
+                  </a:schemeClr>
+                </a:solidFill>
+              </a:rPr>
+              <a:t>Train a new employee</a:t>
+            </a:r>
+          </a:p>
+          <a:p>
+            <a:pPr lvl="1"/>
+            <a:r>
+              <a:rPr lang="en-US" sz="2200" dirty="0" smtClean="0">
+                <a:solidFill>
+                  <a:schemeClr val="tx2">
+                    <a:lumMod val="60000"/>
+                    <a:lumOff val="40000"/>
+                  </a:schemeClr>
+                </a:solidFill>
+              </a:rPr>
+              <a:t>Show a physical demonstration of equipment</a:t>
+            </a:r>
+          </a:p>
+          <a:p>
+            <a:pPr lvl="1"/>
+            <a:r>
+              <a:rPr lang="en-US" sz="2200" dirty="0" smtClean="0">
+                <a:solidFill>
+                  <a:schemeClr val="tx2">
+                    <a:lumMod val="60000"/>
+                    <a:lumOff val="40000"/>
+                  </a:schemeClr>
+                </a:solidFill>
+              </a:rPr>
+              <a:t>Employee may observe machinery in operation</a:t>
+            </a:r>
+          </a:p>
+          <a:p>
+            <a:r>
+              <a:rPr lang="en-US" sz="2400" dirty="0" smtClean="0">
+                <a:solidFill>
+                  <a:schemeClr val="tx2">
+                    <a:lumMod val="60000"/>
+                    <a:lumOff val="40000"/>
+                  </a:schemeClr>
+                </a:solidFill>
+              </a:rPr>
+              <a:t>Educational demonstrations</a:t>
+            </a:r>
+          </a:p>
+          <a:p>
+            <a:pPr lvl="1"/>
+            <a:r>
+              <a:rPr lang="en-US" sz="2200" dirty="0" smtClean="0">
+                <a:solidFill>
+                  <a:schemeClr val="tx2">
+                    <a:lumMod val="60000"/>
+                    <a:lumOff val="40000"/>
+                  </a:schemeClr>
+                </a:solidFill>
+              </a:rPr>
+              <a:t>Place virtual resources in appropriate locations</a:t>
+            </a:r>
+          </a:p>
+          <a:p>
+            <a:r>
+              <a:rPr lang="en-US" sz="2400" dirty="0" smtClean="0">
+                <a:solidFill>
+                  <a:schemeClr val="tx2">
+                    <a:lumMod val="60000"/>
+                    <a:lumOff val="40000"/>
+                  </a:schemeClr>
+                </a:solidFill>
+              </a:rPr>
+              <a:t>Virtual tour, guide, or navigation</a:t>
+            </a:r>
+          </a:p>
+          <a:p>
+            <a:r>
+              <a:rPr lang="en-US" sz="2400" u="sng" dirty="0" smtClean="0"/>
+              <a:t>Gaming</a:t>
+            </a:r>
+          </a:p>
+          <a:p>
+            <a:pPr lvl="1"/>
+            <a:r>
+              <a:rPr lang="en-US" sz="2200" u="sng" dirty="0" smtClean="0"/>
               <a:t>Rely on “imaginary” objects placed in a select location</a:t>
             </a:r>
-          </a:p>
-        </p:txBody>
-      </p:sp>
-      <p:sp>
-        <p:nvSpPr>
-          <p:cNvPr id="3" name="Title 2"/>
-          <p:cNvSpPr>
-            <a:spLocks noGrp="1"/>
-          </p:cNvSpPr>
-          <p:nvPr>
-            <p:ph type="title"/>
-          </p:nvPr>
-        </p:nvSpPr>
-        <p:spPr/>
-        <p:txBody>
-          <a:bodyPr/>
-          <a:lstStyle/>
-          <a:p>
-            <a:r>
-              <a:rPr lang="en-US" dirty="0" smtClean="0"/>
-              <a:t>USE cases</a:t>
-            </a:r>
-            <a:endParaRPr lang="en-US" dirty="0"/>
+            <a:endParaRPr lang="en-US" sz="2200" u="sng" dirty="0"/>
           </a:p>
         </p:txBody>
       </p:sp>
@@ -12979,12 +13877,406 @@
   <p:clrMapOvr>
     <a:masterClrMapping/>
   </p:clrMapOvr>
+  <mc:AlternateContent xmlns:mc="http://schemas.openxmlformats.org/markup-compatibility/2006" xmlns:p14="http://schemas.microsoft.com/office/powerpoint/2010/main">
+    <mc:Choice Requires="p14">
+      <p:transition p14:dur="200">
+        <p:fade/>
+      </p:transition>
+    </mc:Choice>
+    <mc:Fallback xmlns="">
+      <p:transition>
+        <p:fade/>
+      </p:transition>
+    </mc:Fallback>
+  </mc:AlternateContent>
   <p:timing>
     <p:tnLst>
       <p:par>
-        <p:cTn id="1" dur="indefinite" restart="never" nodeType="tmRoot"/>
+        <p:cTn id="1" dur="indefinite" restart="never" nodeType="tmRoot">
+          <p:childTnLst>
+            <p:seq concurrent="1" nextAc="seek">
+              <p:cTn id="2" dur="indefinite" nodeType="mainSeq">
+                <p:childTnLst>
+                  <p:par>
+                    <p:cTn id="3" fill="hold">
+                      <p:stCondLst>
+                        <p:cond delay="indefinite"/>
+                      </p:stCondLst>
+                      <p:childTnLst>
+                        <p:par>
+                          <p:cTn id="4" fill="hold">
+                            <p:stCondLst>
+                              <p:cond delay="0"/>
+                            </p:stCondLst>
+                            <p:childTnLst>
+                              <p:par>
+                                <p:cTn id="5" presetID="1" presetClass="entr" presetSubtype="0" fill="hold" grpId="0" nodeType="clickEffect">
+                                  <p:stCondLst>
+                                    <p:cond delay="0"/>
+                                  </p:stCondLst>
+                                  <p:childTnLst>
+                                    <p:set>
+                                      <p:cBhvr>
+                                        <p:cTn id="6" dur="1" fill="hold">
+                                          <p:stCondLst>
+                                            <p:cond delay="0"/>
+                                          </p:stCondLst>
+                                        </p:cTn>
+                                        <p:tgtEl>
+                                          <p:spTgt spid="4"/>
+                                        </p:tgtEl>
+                                        <p:attrNameLst>
+                                          <p:attrName>style.visibility</p:attrName>
+                                        </p:attrNameLst>
+                                      </p:cBhvr>
+                                      <p:to>
+                                        <p:strVal val="visible"/>
+                                      </p:to>
+                                    </p:set>
+                                  </p:childTnLst>
+                                </p:cTn>
+                              </p:par>
+                              <p:par>
+                                <p:cTn id="7" presetID="1" presetClass="exit" presetSubtype="0" fill="hold" grpId="0" nodeType="withEffect">
+                                  <p:stCondLst>
+                                    <p:cond delay="0"/>
+                                  </p:stCondLst>
+                                  <p:childTnLst>
+                                    <p:set>
+                                      <p:cBhvr>
+                                        <p:cTn id="8" dur="1" fill="hold">
+                                          <p:stCondLst>
+                                            <p:cond delay="0"/>
+                                          </p:stCondLst>
+                                        </p:cTn>
+                                        <p:tgtEl>
+                                          <p:spTgt spid="2">
+                                            <p:txEl>
+                                              <p:pRg st="0" end="0"/>
+                                            </p:txEl>
+                                          </p:spTgt>
+                                        </p:tgtEl>
+                                        <p:attrNameLst>
+                                          <p:attrName>style.visibility</p:attrName>
+                                        </p:attrNameLst>
+                                      </p:cBhvr>
+                                      <p:to>
+                                        <p:strVal val="hidden"/>
+                                      </p:to>
+                                    </p:set>
+                                  </p:childTnLst>
+                                </p:cTn>
+                              </p:par>
+                              <p:par>
+                                <p:cTn id="9" presetID="1" presetClass="exit" presetSubtype="0" fill="hold" grpId="0" nodeType="withEffect">
+                                  <p:stCondLst>
+                                    <p:cond delay="0"/>
+                                  </p:stCondLst>
+                                  <p:childTnLst>
+                                    <p:set>
+                                      <p:cBhvr>
+                                        <p:cTn id="10" dur="1" fill="hold">
+                                          <p:stCondLst>
+                                            <p:cond delay="0"/>
+                                          </p:stCondLst>
+                                        </p:cTn>
+                                        <p:tgtEl>
+                                          <p:spTgt spid="2">
+                                            <p:txEl>
+                                              <p:pRg st="1" end="1"/>
+                                            </p:txEl>
+                                          </p:spTgt>
+                                        </p:tgtEl>
+                                        <p:attrNameLst>
+                                          <p:attrName>style.visibility</p:attrName>
+                                        </p:attrNameLst>
+                                      </p:cBhvr>
+                                      <p:to>
+                                        <p:strVal val="hidden"/>
+                                      </p:to>
+                                    </p:set>
+                                  </p:childTnLst>
+                                </p:cTn>
+                              </p:par>
+                              <p:par>
+                                <p:cTn id="11" presetID="1" presetClass="exit" presetSubtype="0" fill="hold" grpId="0" nodeType="withEffect">
+                                  <p:stCondLst>
+                                    <p:cond delay="0"/>
+                                  </p:stCondLst>
+                                  <p:childTnLst>
+                                    <p:set>
+                                      <p:cBhvr>
+                                        <p:cTn id="12" dur="1" fill="hold">
+                                          <p:stCondLst>
+                                            <p:cond delay="0"/>
+                                          </p:stCondLst>
+                                        </p:cTn>
+                                        <p:tgtEl>
+                                          <p:spTgt spid="2">
+                                            <p:txEl>
+                                              <p:pRg st="2" end="2"/>
+                                            </p:txEl>
+                                          </p:spTgt>
+                                        </p:tgtEl>
+                                        <p:attrNameLst>
+                                          <p:attrName>style.visibility</p:attrName>
+                                        </p:attrNameLst>
+                                      </p:cBhvr>
+                                      <p:to>
+                                        <p:strVal val="hidden"/>
+                                      </p:to>
+                                    </p:set>
+                                  </p:childTnLst>
+                                </p:cTn>
+                              </p:par>
+                              <p:par>
+                                <p:cTn id="13" presetID="1" presetClass="exit" presetSubtype="0" fill="hold" grpId="0" nodeType="withEffect">
+                                  <p:stCondLst>
+                                    <p:cond delay="0"/>
+                                  </p:stCondLst>
+                                  <p:childTnLst>
+                                    <p:set>
+                                      <p:cBhvr>
+                                        <p:cTn id="14" dur="1" fill="hold">
+                                          <p:stCondLst>
+                                            <p:cond delay="0"/>
+                                          </p:stCondLst>
+                                        </p:cTn>
+                                        <p:tgtEl>
+                                          <p:spTgt spid="2">
+                                            <p:txEl>
+                                              <p:pRg st="3" end="3"/>
+                                            </p:txEl>
+                                          </p:spTgt>
+                                        </p:tgtEl>
+                                        <p:attrNameLst>
+                                          <p:attrName>style.visibility</p:attrName>
+                                        </p:attrNameLst>
+                                      </p:cBhvr>
+                                      <p:to>
+                                        <p:strVal val="hidden"/>
+                                      </p:to>
+                                    </p:set>
+                                  </p:childTnLst>
+                                </p:cTn>
+                              </p:par>
+                              <p:par>
+                                <p:cTn id="15" presetID="1" presetClass="exit" presetSubtype="0" fill="hold" grpId="0" nodeType="withEffect">
+                                  <p:stCondLst>
+                                    <p:cond delay="0"/>
+                                  </p:stCondLst>
+                                  <p:childTnLst>
+                                    <p:set>
+                                      <p:cBhvr>
+                                        <p:cTn id="16" dur="1" fill="hold">
+                                          <p:stCondLst>
+                                            <p:cond delay="0"/>
+                                          </p:stCondLst>
+                                        </p:cTn>
+                                        <p:tgtEl>
+                                          <p:spTgt spid="2">
+                                            <p:txEl>
+                                              <p:pRg st="4" end="4"/>
+                                            </p:txEl>
+                                          </p:spTgt>
+                                        </p:tgtEl>
+                                        <p:attrNameLst>
+                                          <p:attrName>style.visibility</p:attrName>
+                                        </p:attrNameLst>
+                                      </p:cBhvr>
+                                      <p:to>
+                                        <p:strVal val="hidden"/>
+                                      </p:to>
+                                    </p:set>
+                                  </p:childTnLst>
+                                </p:cTn>
+                              </p:par>
+                              <p:par>
+                                <p:cTn id="17" presetID="1" presetClass="exit" presetSubtype="0" fill="hold" grpId="0" nodeType="withEffect">
+                                  <p:stCondLst>
+                                    <p:cond delay="0"/>
+                                  </p:stCondLst>
+                                  <p:childTnLst>
+                                    <p:set>
+                                      <p:cBhvr>
+                                        <p:cTn id="18" dur="1" fill="hold">
+                                          <p:stCondLst>
+                                            <p:cond delay="0"/>
+                                          </p:stCondLst>
+                                        </p:cTn>
+                                        <p:tgtEl>
+                                          <p:spTgt spid="2">
+                                            <p:txEl>
+                                              <p:pRg st="5" end="5"/>
+                                            </p:txEl>
+                                          </p:spTgt>
+                                        </p:tgtEl>
+                                        <p:attrNameLst>
+                                          <p:attrName>style.visibility</p:attrName>
+                                        </p:attrNameLst>
+                                      </p:cBhvr>
+                                      <p:to>
+                                        <p:strVal val="hidden"/>
+                                      </p:to>
+                                    </p:set>
+                                  </p:childTnLst>
+                                </p:cTn>
+                              </p:par>
+                              <p:par>
+                                <p:cTn id="19" presetID="1" presetClass="exit" presetSubtype="0" fill="hold" grpId="0" nodeType="withEffect">
+                                  <p:stCondLst>
+                                    <p:cond delay="0"/>
+                                  </p:stCondLst>
+                                  <p:childTnLst>
+                                    <p:set>
+                                      <p:cBhvr>
+                                        <p:cTn id="20" dur="1" fill="hold">
+                                          <p:stCondLst>
+                                            <p:cond delay="0"/>
+                                          </p:stCondLst>
+                                        </p:cTn>
+                                        <p:tgtEl>
+                                          <p:spTgt spid="2">
+                                            <p:txEl>
+                                              <p:pRg st="6" end="6"/>
+                                            </p:txEl>
+                                          </p:spTgt>
+                                        </p:tgtEl>
+                                        <p:attrNameLst>
+                                          <p:attrName>style.visibility</p:attrName>
+                                        </p:attrNameLst>
+                                      </p:cBhvr>
+                                      <p:to>
+                                        <p:strVal val="hidden"/>
+                                      </p:to>
+                                    </p:set>
+                                  </p:childTnLst>
+                                </p:cTn>
+                              </p:par>
+                              <p:par>
+                                <p:cTn id="21" presetID="1" presetClass="exit" presetSubtype="0" fill="hold" grpId="0" nodeType="withEffect">
+                                  <p:stCondLst>
+                                    <p:cond delay="0"/>
+                                  </p:stCondLst>
+                                  <p:childTnLst>
+                                    <p:set>
+                                      <p:cBhvr>
+                                        <p:cTn id="22" dur="1" fill="hold">
+                                          <p:stCondLst>
+                                            <p:cond delay="0"/>
+                                          </p:stCondLst>
+                                        </p:cTn>
+                                        <p:tgtEl>
+                                          <p:spTgt spid="2">
+                                            <p:txEl>
+                                              <p:pRg st="7" end="7"/>
+                                            </p:txEl>
+                                          </p:spTgt>
+                                        </p:tgtEl>
+                                        <p:attrNameLst>
+                                          <p:attrName>style.visibility</p:attrName>
+                                        </p:attrNameLst>
+                                      </p:cBhvr>
+                                      <p:to>
+                                        <p:strVal val="hidden"/>
+                                      </p:to>
+                                    </p:set>
+                                  </p:childTnLst>
+                                </p:cTn>
+                              </p:par>
+                              <p:par>
+                                <p:cTn id="23" presetID="1" presetClass="exit" presetSubtype="0" fill="hold" grpId="0" nodeType="withEffect">
+                                  <p:stCondLst>
+                                    <p:cond delay="0"/>
+                                  </p:stCondLst>
+                                  <p:childTnLst>
+                                    <p:set>
+                                      <p:cBhvr>
+                                        <p:cTn id="24" dur="1" fill="hold">
+                                          <p:stCondLst>
+                                            <p:cond delay="0"/>
+                                          </p:stCondLst>
+                                        </p:cTn>
+                                        <p:tgtEl>
+                                          <p:spTgt spid="2">
+                                            <p:txEl>
+                                              <p:pRg st="8" end="8"/>
+                                            </p:txEl>
+                                          </p:spTgt>
+                                        </p:tgtEl>
+                                        <p:attrNameLst>
+                                          <p:attrName>style.visibility</p:attrName>
+                                        </p:attrNameLst>
+                                      </p:cBhvr>
+                                      <p:to>
+                                        <p:strVal val="hidden"/>
+                                      </p:to>
+                                    </p:set>
+                                  </p:childTnLst>
+                                </p:cTn>
+                              </p:par>
+                              <p:par>
+                                <p:cTn id="25" presetID="1" presetClass="exit" presetSubtype="0" fill="hold" grpId="0" nodeType="withEffect">
+                                  <p:stCondLst>
+                                    <p:cond delay="0"/>
+                                  </p:stCondLst>
+                                  <p:childTnLst>
+                                    <p:set>
+                                      <p:cBhvr>
+                                        <p:cTn id="26" dur="1" fill="hold">
+                                          <p:stCondLst>
+                                            <p:cond delay="0"/>
+                                          </p:stCondLst>
+                                        </p:cTn>
+                                        <p:tgtEl>
+                                          <p:spTgt spid="2">
+                                            <p:txEl>
+                                              <p:pRg st="9" end="9"/>
+                                            </p:txEl>
+                                          </p:spTgt>
+                                        </p:tgtEl>
+                                        <p:attrNameLst>
+                                          <p:attrName>style.visibility</p:attrName>
+                                        </p:attrNameLst>
+                                      </p:cBhvr>
+                                      <p:to>
+                                        <p:strVal val="hidden"/>
+                                      </p:to>
+                                    </p:set>
+                                  </p:childTnLst>
+                                </p:cTn>
+                              </p:par>
+                            </p:childTnLst>
+                          </p:cTn>
+                        </p:par>
+                      </p:childTnLst>
+                    </p:cTn>
+                  </p:par>
+                </p:childTnLst>
+              </p:cTn>
+              <p:prevCondLst>
+                <p:cond evt="onPrev" delay="0">
+                  <p:tgtEl>
+                    <p:sldTgt/>
+                  </p:tgtEl>
+                </p:cond>
+              </p:prevCondLst>
+              <p:nextCondLst>
+                <p:cond evt="onNext" delay="0">
+                  <p:tgtEl>
+                    <p:sldTgt/>
+                  </p:tgtEl>
+                </p:cond>
+              </p:nextCondLst>
+            </p:seq>
+          </p:childTnLst>
+        </p:cTn>
       </p:par>
     </p:tnLst>
+    <p:bldLst>
+      <p:bldP spid="2" grpId="0" build="p"/>
+      <p:bldP spid="4" grpId="0"/>
+    </p:bldLst>
   </p:timing>
 </p:sld>
 </file>
@@ -13033,7 +14325,7 @@
           <a:p>
             <a:r>
               <a:rPr lang="en-US" sz="2800" dirty="0" smtClean="0"/>
-              <a:t>Focus on Gaming</a:t>
+              <a:t>Focus on gaming</a:t>
             </a:r>
           </a:p>
           <a:p>
@@ -13083,8 +14375,8 @@
         </p:nvSpPr>
         <p:spPr>
           <a:xfrm>
-            <a:off x="457200" y="1792579"/>
-            <a:ext cx="3733800" cy="1988237"/>
+            <a:off x="457200" y="1706401"/>
+            <a:ext cx="3733800" cy="2160591"/>
           </a:xfrm>
           <a:prstGeom prst="rect">
             <a:avLst/>
@@ -13093,12 +14385,12 @@
         </p:spPr>
         <p:txBody>
           <a:bodyPr wrap="square" rtlCol="0">
-            <a:spAutoFit/>
+            <a:noAutofit/>
           </a:bodyPr>
           <a:lstStyle/>
           <a:p>
             <a:r>
-              <a:rPr lang="en-US" sz="2800" dirty="0">
+              <a:rPr lang="en-US" sz="2400" dirty="0">
                 <a:solidFill>
                   <a:schemeClr val="tx2"/>
                 </a:solidFill>
@@ -13118,12 +14410,12 @@
               <a:buChar char="§"/>
             </a:pPr>
             <a:r>
-              <a:rPr lang="en-US" sz="2800" dirty="0" smtClean="0">
+              <a:rPr lang="en-US" sz="2400" dirty="0" smtClean="0">
                 <a:solidFill>
                   <a:schemeClr val="tx2"/>
                 </a:solidFill>
               </a:rPr>
-              <a:t>Provide the display</a:t>
+              <a:t>Display</a:t>
             </a:r>
           </a:p>
           <a:p>
@@ -13138,45 +14430,12 @@
               <a:buChar char="§"/>
             </a:pPr>
             <a:r>
-              <a:rPr lang="en-US" sz="2800" dirty="0" smtClean="0">
+              <a:rPr lang="en-US" sz="2400" dirty="0" smtClean="0">
                 <a:solidFill>
                   <a:schemeClr val="tx2"/>
                 </a:solidFill>
               </a:rPr>
-              <a:t>Mounting point for sensors</a:t>
-            </a:r>
-          </a:p>
-        </p:txBody>
-      </p:sp>
-      <p:sp>
-        <p:nvSpPr>
-          <p:cNvPr id="5" name="TextBox 4"/>
-          <p:cNvSpPr txBox="1"/>
-          <p:nvPr/>
-        </p:nvSpPr>
-        <p:spPr>
-          <a:xfrm>
-            <a:off x="4572000" y="1706401"/>
-            <a:ext cx="3505200" cy="2160591"/>
-          </a:xfrm>
-          <a:prstGeom prst="rect">
-            <a:avLst/>
-          </a:prstGeom>
-          <a:noFill/>
-        </p:spPr>
-        <p:txBody>
-          <a:bodyPr wrap="square" rtlCol="0">
-            <a:spAutoFit/>
-          </a:bodyPr>
-          <a:lstStyle/>
-          <a:p>
-            <a:r>
-              <a:rPr lang="en-US" sz="2400" dirty="0">
-                <a:solidFill>
-                  <a:schemeClr val="tx2"/>
-                </a:solidFill>
-              </a:rPr>
-              <a:t>Backpack:</a:t>
+              <a:t>Inertial measurement unit (IMU)</a:t>
             </a:r>
           </a:p>
           <a:p>
@@ -13196,15 +14455,40 @@
                   <a:schemeClr val="tx2"/>
                 </a:solidFill>
               </a:rPr>
-              <a:t>Wireless </a:t>
-            </a:r>
+              <a:t>GPS receiver</a:t>
+            </a:r>
+          </a:p>
+        </p:txBody>
+      </p:sp>
+      <p:sp>
+        <p:nvSpPr>
+          <p:cNvPr id="5" name="TextBox 4"/>
+          <p:cNvSpPr txBox="1"/>
+          <p:nvPr/>
+        </p:nvSpPr>
+        <p:spPr>
+          <a:xfrm>
+            <a:off x="4419600" y="1706401"/>
+            <a:ext cx="3581400" cy="2160591"/>
+          </a:xfrm>
+          <a:prstGeom prst="rect">
+            <a:avLst/>
+          </a:prstGeom>
+          <a:noFill/>
+        </p:spPr>
+        <p:txBody>
+          <a:bodyPr wrap="square" rtlCol="0">
+            <a:spAutoFit/>
+          </a:bodyPr>
+          <a:lstStyle/>
+          <a:p>
             <a:r>
               <a:rPr lang="en-US" sz="2400" dirty="0">
                 <a:solidFill>
                   <a:schemeClr val="tx2"/>
                 </a:solidFill>
               </a:rPr>
-              <a:t>communication</a:t>
+              <a:t>Backpack:</a:t>
             </a:r>
           </a:p>
           <a:p>
@@ -13224,7 +14508,15 @@
                   <a:schemeClr val="tx2"/>
                 </a:solidFill>
               </a:rPr>
-              <a:t>Graphics rendering</a:t>
+              <a:t>Wireless </a:t>
+            </a:r>
+            <a:r>
+              <a:rPr lang="en-US" sz="2400" dirty="0">
+                <a:solidFill>
+                  <a:schemeClr val="tx2"/>
+                </a:solidFill>
+              </a:rPr>
+              <a:t>communication</a:t>
             </a:r>
           </a:p>
           <a:p>
@@ -13244,7 +14536,27 @@
                   <a:schemeClr val="tx2"/>
                 </a:solidFill>
               </a:rPr>
-              <a:t>Simulation Logic</a:t>
+              <a:t>Graphics rendering</a:t>
+            </a:r>
+          </a:p>
+          <a:p>
+            <a:pPr marL="548640" lvl="1" indent="-182880">
+              <a:spcBef>
+                <a:spcPct val="20000"/>
+              </a:spcBef>
+              <a:buClr>
+                <a:srgbClr val="BF974D"/>
+              </a:buClr>
+              <a:buFont typeface="Wingdings" pitchFamily="2" charset="2"/>
+              <a:buChar char="§"/>
+            </a:pPr>
+            <a:r>
+              <a:rPr lang="en-US" sz="2400" dirty="0" smtClean="0">
+                <a:solidFill>
+                  <a:schemeClr val="tx2"/>
+                </a:solidFill>
+              </a:rPr>
+              <a:t>Simulation logic</a:t>
             </a:r>
           </a:p>
         </p:txBody>
@@ -13259,6 +14571,18 @@
   <p:clrMapOvr>
     <a:masterClrMapping/>
   </p:clrMapOvr>
+  <mc:AlternateContent xmlns:mc="http://schemas.openxmlformats.org/markup-compatibility/2006" xmlns:p14="http://schemas.microsoft.com/office/powerpoint/2010/main">
+    <mc:Choice Requires="p14">
+      <p:transition p14:dur="200">
+        <p:fade/>
+      </p:transition>
+    </mc:Choice>
+    <mc:Fallback xmlns="">
+      <p:transition>
+        <p:fade/>
+      </p:transition>
+    </mc:Fallback>
+  </mc:AlternateContent>
   <p:timing>
     <p:tnLst>
       <p:par>
@@ -13334,6 +14658,18 @@
   <p:clrMapOvr>
     <a:masterClrMapping/>
   </p:clrMapOvr>
+  <mc:AlternateContent xmlns:mc="http://schemas.openxmlformats.org/markup-compatibility/2006" xmlns:p14="http://schemas.microsoft.com/office/powerpoint/2010/main">
+    <mc:Choice Requires="p14">
+      <p:transition p14:dur="200">
+        <p:fade/>
+      </p:transition>
+    </mc:Choice>
+    <mc:Fallback xmlns="">
+      <p:transition>
+        <p:fade/>
+      </p:transition>
+    </mc:Fallback>
+  </mc:AlternateContent>
   <p:timing>
     <p:tnLst>
       <p:par>
@@ -13379,19 +14715,22 @@
           <a:lstStyle/>
           <a:p>
             <a:r>
-              <a:rPr lang="en-US" sz="8000" dirty="0" smtClean="0"/>
-              <a:t>PHASE 1 S/D</a:t>
-            </a:r>
-          </a:p>
-          <a:p>
-            <a:endParaRPr lang="en-US" sz="8000" dirty="0"/>
-          </a:p>
-          <a:p>
-            <a:r>
-              <a:rPr lang="en-US" sz="8000" dirty="0" smtClean="0"/>
-              <a:t>PHASE 2 CCUP</a:t>
-            </a:r>
-            <a:endParaRPr lang="en-US" sz="8000" dirty="0"/>
+              <a:rPr lang="en-US" sz="4800" dirty="0" smtClean="0"/>
+              <a:t>Phase 1: Senior Design</a:t>
+            </a:r>
+          </a:p>
+          <a:p>
+            <a:endParaRPr lang="en-US" sz="4800" dirty="0" smtClean="0"/>
+          </a:p>
+          <a:p>
+            <a:endParaRPr lang="en-US" sz="4800" dirty="0"/>
+          </a:p>
+          <a:p>
+            <a:r>
+              <a:rPr lang="en-US" sz="4800" dirty="0" smtClean="0"/>
+              <a:t>Phase 2: Cornell Cup</a:t>
+            </a:r>
+            <a:endParaRPr lang="en-US" sz="4800" dirty="0"/>
           </a:p>
         </p:txBody>
       </p:sp>
@@ -13421,13 +14760,25 @@
     </p:spTree>
     <p:extLst>
       <p:ext uri="{BB962C8B-B14F-4D97-AF65-F5344CB8AC3E}">
-        <p14:creationId xmlns:p14="http://schemas.microsoft.com/office/powerpoint/2010/main" val="2966193515"/>
+        <p14:creationId xmlns:p14="http://schemas.microsoft.com/office/powerpoint/2010/main" val="2996634737"/>
       </p:ext>
     </p:extLst>
   </p:cSld>
   <p:clrMapOvr>
     <a:masterClrMapping/>
   </p:clrMapOvr>
+  <mc:AlternateContent xmlns:mc="http://schemas.openxmlformats.org/markup-compatibility/2006" xmlns:p14="http://schemas.microsoft.com/office/powerpoint/2010/main">
+    <mc:Choice Requires="p14">
+      <p:transition p14:dur="200">
+        <p:fade/>
+      </p:transition>
+    </mc:Choice>
+    <mc:Fallback xmlns="">
+      <p:transition>
+        <p:fade/>
+      </p:transition>
+    </mc:Fallback>
+  </mc:AlternateContent>
   <p:timing>
     <p:tnLst>
       <p:par>
@@ -13473,49 +14824,49 @@
           <a:lstStyle/>
           <a:p>
             <a:r>
+              <a:rPr lang="en-US" sz="2800" dirty="0" smtClean="0"/>
+              <a:t>Hardware</a:t>
+            </a:r>
+          </a:p>
+          <a:p>
+            <a:pPr lvl="1"/>
+            <a:r>
               <a:rPr lang="en-US" sz="2400" dirty="0" smtClean="0"/>
-              <a:t>Hardware</a:t>
+              <a:t>Interfacing to IMU</a:t>
             </a:r>
           </a:p>
           <a:p>
             <a:pPr lvl="1"/>
             <a:r>
-              <a:rPr lang="en-US" sz="2000" dirty="0" smtClean="0"/>
-              <a:t>Interfacing to Inertial Measurement Unit</a:t>
+              <a:rPr lang="en-US" sz="2400" dirty="0" smtClean="0"/>
+              <a:t>Interfacing to GPS</a:t>
             </a:r>
           </a:p>
           <a:p>
             <a:pPr lvl="1"/>
             <a:r>
-              <a:rPr lang="en-US" sz="2000" dirty="0" smtClean="0"/>
-              <a:t>Interfacing to GPS</a:t>
-            </a:r>
-          </a:p>
-          <a:p>
-            <a:pPr lvl="1"/>
-            <a:r>
-              <a:rPr lang="en-US" sz="2000" dirty="0" smtClean="0"/>
+              <a:rPr lang="en-US" sz="2400" dirty="0" smtClean="0"/>
               <a:t>Power management</a:t>
             </a:r>
           </a:p>
           <a:p>
             <a:pPr lvl="2"/>
             <a:r>
-              <a:rPr lang="en-US" dirty="0" smtClean="0"/>
+              <a:rPr lang="en-US" sz="1800" dirty="0" smtClean="0"/>
               <a:t>Battery charging</a:t>
             </a:r>
           </a:p>
           <a:p>
             <a:pPr lvl="2"/>
             <a:r>
-              <a:rPr lang="en-US" dirty="0" smtClean="0"/>
+              <a:rPr lang="en-US" sz="1800" dirty="0" smtClean="0"/>
               <a:t>Battery fuel gauge</a:t>
             </a:r>
           </a:p>
           <a:p>
             <a:pPr lvl="2"/>
             <a:r>
-              <a:rPr lang="en-US" dirty="0" smtClean="0"/>
+              <a:rPr lang="en-US" sz="1800" dirty="0" smtClean="0"/>
               <a:t>Voltage regulation</a:t>
             </a:r>
           </a:p>
@@ -13560,13 +14911,13 @@
               </a:ext>
             </a:extLst>
           </a:blip>
-          <a:srcRect/>
+          <a:srcRect l="5172"/>
           <a:stretch/>
         </p:blipFill>
         <p:spPr bwMode="auto">
           <a:xfrm>
-            <a:off x="1905000" y="3991730"/>
-            <a:ext cx="5562601" cy="2518087"/>
+            <a:off x="3411940" y="3991730"/>
+            <a:ext cx="5274861" cy="2518087"/>
           </a:xfrm>
           <a:prstGeom prst="rect">
             <a:avLst/>
@@ -13593,6 +14944,18 @@
   <p:clrMapOvr>
     <a:masterClrMapping/>
   </p:clrMapOvr>
+  <mc:AlternateContent xmlns:mc="http://schemas.openxmlformats.org/markup-compatibility/2006" xmlns:p14="http://schemas.microsoft.com/office/powerpoint/2010/main">
+    <mc:Choice Requires="p14">
+      <p:transition p14:dur="200">
+        <p:fade/>
+      </p:transition>
+    </mc:Choice>
+    <mc:Fallback xmlns="">
+      <p:transition>
+        <p:fade/>
+      </p:transition>
+    </mc:Fallback>
+  </mc:AlternateContent>
   <p:timing>
     <p:tnLst>
       <p:par>
@@ -13630,7 +14993,12 @@
             <p:ph idx="1"/>
           </p:nvPr>
         </p:nvSpPr>
-        <p:spPr/>
+        <p:spPr>
+          <a:xfrm>
+            <a:off x="380999" y="1524000"/>
+            <a:ext cx="4724401" cy="4602479"/>
+          </a:xfrm>
+        </p:spPr>
         <p:txBody>
           <a:bodyPr>
             <a:normAutofit/>
@@ -13646,20 +15014,21 @@
             <a:pPr lvl="1"/>
             <a:r>
               <a:rPr lang="en-US" sz="2000" dirty="0" smtClean="0"/>
-              <a:t>Hard hat with display and all</a:t>
-            </a:r>
-          </a:p>
-          <a:p>
-            <a:pPr marL="365760" lvl="1" indent="0">
-              <a:buNone/>
-            </a:pPr>
-            <a:r>
-              <a:rPr lang="en-US" sz="2000" dirty="0"/>
-              <a:t> </a:t>
-            </a:r>
+              <a:t>Adjustable hard hat</a:t>
+            </a:r>
+          </a:p>
+          <a:p>
+            <a:pPr lvl="1"/>
             <a:r>
               <a:rPr lang="en-US" sz="2000" dirty="0" smtClean="0"/>
-              <a:t>  electronics mounted to rails</a:t>
+              <a:t>Display mounted to rails</a:t>
+            </a:r>
+          </a:p>
+          <a:p>
+            <a:pPr lvl="1"/>
+            <a:r>
+              <a:rPr lang="en-US" sz="2000" dirty="0" smtClean="0"/>
+              <a:t>Electronics in back for balance</a:t>
             </a:r>
           </a:p>
           <a:p>
@@ -13682,7 +15051,7 @@
             <a:pPr lvl="1"/>
             <a:r>
               <a:rPr lang="en-US" sz="2000" dirty="0" smtClean="0"/>
-              <a:t>Networking: </a:t>
+              <a:t>Networking using </a:t>
             </a:r>
             <a:r>
               <a:rPr lang="en-US" sz="2000" dirty="0" err="1" smtClean="0"/>
@@ -13701,7 +15070,7 @@
             </a:br>
             <a:r>
               <a:rPr lang="en-US" sz="2000" dirty="0" smtClean="0"/>
-              <a:t>Pi and micro</a:t>
+              <a:t>Raspberry Pi and microcontroller</a:t>
             </a:r>
           </a:p>
           <a:p>
@@ -13814,6 +15183,18 @@
   <p:clrMapOvr>
     <a:masterClrMapping/>
   </p:clrMapOvr>
+  <mc:AlternateContent xmlns:mc="http://schemas.openxmlformats.org/markup-compatibility/2006" xmlns:p14="http://schemas.microsoft.com/office/powerpoint/2010/main">
+    <mc:Choice Requires="p14">
+      <p:transition p14:dur="200">
+        <p:fade/>
+      </p:transition>
+    </mc:Choice>
+    <mc:Fallback xmlns="">
+      <p:transition>
+        <p:fade/>
+      </p:transition>
+    </mc:Fallback>
+  </mc:AlternateContent>
   <p:timing>
     <p:tnLst>
       <p:par>

--- a/doc/AugRealityMidReview.pptx
+++ b/doc/AugRealityMidReview.pptx
@@ -6,7 +6,7 @@
     <p:sldMasterId id="2147483708" r:id="rId2"/>
   </p:sldMasterIdLst>
   <p:notesMasterIdLst>
-    <p:notesMasterId r:id="rId25"/>
+    <p:notesMasterId r:id="rId26"/>
   </p:notesMasterIdLst>
   <p:sldIdLst>
     <p:sldId id="256" r:id="rId3"/>
@@ -21,9 +21,9 @@
     <p:sldId id="286" r:id="rId12"/>
     <p:sldId id="279" r:id="rId13"/>
     <p:sldId id="270" r:id="rId14"/>
-    <p:sldId id="285" r:id="rId15"/>
-    <p:sldId id="271" r:id="rId16"/>
-    <p:sldId id="289" r:id="rId17"/>
+    <p:sldId id="293" r:id="rId15"/>
+    <p:sldId id="294" r:id="rId16"/>
+    <p:sldId id="295" r:id="rId17"/>
     <p:sldId id="284" r:id="rId18"/>
     <p:sldId id="282" r:id="rId19"/>
     <p:sldId id="283" r:id="rId20"/>
@@ -31,6 +31,7 @@
     <p:sldId id="267" r:id="rId22"/>
     <p:sldId id="290" r:id="rId23"/>
     <p:sldId id="291" r:id="rId24"/>
+    <p:sldId id="296" r:id="rId25"/>
   </p:sldIdLst>
   <p:sldSz cx="9144000" cy="6858000" type="screen4x3"/>
   <p:notesSz cx="6858000" cy="9144000"/>
@@ -8198,14 +8199,14 @@
             <p:ph idx="1"/>
             <p:extLst>
               <p:ext uri="{D42A27DB-BD31-4B8C-83A1-F6EECF244321}">
-                <p14:modId xmlns:p14="http://schemas.microsoft.com/office/powerpoint/2010/main" val="3378571874"/>
+                <p14:modId xmlns:p14="http://schemas.microsoft.com/office/powerpoint/2010/main" val="1482844895"/>
               </p:ext>
             </p:extLst>
           </p:nvPr>
         </p:nvGraphicFramePr>
         <p:xfrm>
           <a:off x="228600" y="1371600"/>
-          <a:ext cx="8686800" cy="3962400"/>
+          <a:ext cx="8686800" cy="4648200"/>
         </p:xfrm>
         <a:graphic>
           <a:graphicData uri="http://schemas.openxmlformats.org/drawingml/2006/table">
@@ -8401,40 +8402,6 @@
                         </a:rPr>
                         <a:t>Headset: 1.3kg</a:t>
                       </a:r>
-                    </a:p>
-                    <a:p>
-                      <a:pPr marL="0" marR="0">
-                        <a:spcBef>
-                          <a:spcPts val="0"/>
-                        </a:spcBef>
-                        <a:spcAft>
-                          <a:spcPts val="0"/>
-                        </a:spcAft>
-                      </a:pPr>
-                      <a:r>
-                        <a:rPr lang="en-US" sz="1800" dirty="0" smtClean="0">
-                          <a:effectLst/>
-                          <a:latin typeface="Calibri" panose="020F0502020204030204" pitchFamily="34" charset="0"/>
-                          <a:ea typeface="Calibri" panose="020F0502020204030204" pitchFamily="34" charset="0"/>
-                          <a:cs typeface="Times New Roman" panose="02020603050405020304" pitchFamily="18" charset="0"/>
-                        </a:rPr>
-                        <a:t>Backpack:</a:t>
-                      </a:r>
-                      <a:r>
-                        <a:rPr lang="en-US" sz="1800" baseline="0" dirty="0" smtClean="0">
-                          <a:effectLst/>
-                          <a:latin typeface="Calibri" panose="020F0502020204030204" pitchFamily="34" charset="0"/>
-                          <a:ea typeface="Calibri" panose="020F0502020204030204" pitchFamily="34" charset="0"/>
-                          <a:cs typeface="Times New Roman" panose="02020603050405020304" pitchFamily="18" charset="0"/>
-                        </a:rPr>
-                        <a:t> N/A</a:t>
-                      </a:r>
-                      <a:endParaRPr lang="en-US" sz="1800" dirty="0">
-                        <a:effectLst/>
-                        <a:latin typeface="Calibri" panose="020F0502020204030204" pitchFamily="34" charset="0"/>
-                        <a:ea typeface="Calibri" panose="020F0502020204030204" pitchFamily="34" charset="0"/>
-                        <a:cs typeface="Times New Roman" panose="02020603050405020304" pitchFamily="18" charset="0"/>
-                      </a:endParaRPr>
                     </a:p>
                   </a:txBody>
                   <a:tcPr marL="68580" marR="68580" marT="0" marB="0"/>
@@ -8802,7 +8769,7 @@
                           <a:ea typeface="Calibri" panose="020F0502020204030204" pitchFamily="34" charset="0"/>
                           <a:cs typeface="Times New Roman" panose="02020603050405020304" pitchFamily="18" charset="0"/>
                         </a:rPr>
-                        <a:t>Same as Phase 1</a:t>
+                        <a:t>~1.5m</a:t>
                       </a:r>
                       <a:endParaRPr lang="en-US" sz="1800" dirty="0">
                         <a:effectLst/>
@@ -9149,7 +9116,7 @@
                           <a:ea typeface="Calibri" panose="020F0502020204030204" pitchFamily="34" charset="0"/>
                           <a:cs typeface="Times New Roman" panose="02020603050405020304" pitchFamily="18" charset="0"/>
                         </a:rPr>
-                        <a:t>N/A</a:t>
+                        <a:t>Unimplemented</a:t>
                       </a:r>
                       <a:endParaRPr lang="en-US" sz="1800" dirty="0">
                         <a:effectLst/>
@@ -9510,6 +9477,118 @@
                   <a:tcPr marL="68580" marR="68580" marT="0" marB="0"/>
                 </a:tc>
               </a:tr>
+              <a:tr h="685800">
+                <a:tc>
+                  <a:txBody>
+                    <a:bodyPr/>
+                    <a:lstStyle/>
+                    <a:p>
+                      <a:pPr marL="0" marR="0" algn="r">
+                        <a:spcBef>
+                          <a:spcPts val="0"/>
+                        </a:spcBef>
+                        <a:spcAft>
+                          <a:spcPts val="0"/>
+                        </a:spcAft>
+                      </a:pPr>
+                      <a:r>
+                        <a:rPr lang="en-US" sz="1800" dirty="0" smtClean="0">
+                          <a:effectLst/>
+                          <a:latin typeface="+mn-lt"/>
+                          <a:ea typeface="Calibri" panose="020F0502020204030204" pitchFamily="34" charset="0"/>
+                          <a:cs typeface="Times New Roman" panose="02020603050405020304" pitchFamily="18" charset="0"/>
+                        </a:rPr>
+                        <a:t>Head Tracking</a:t>
+                      </a:r>
+                      <a:r>
+                        <a:rPr lang="en-US" sz="1800" baseline="0" dirty="0" smtClean="0">
+                          <a:effectLst/>
+                          <a:latin typeface="+mn-lt"/>
+                          <a:ea typeface="Calibri" panose="020F0502020204030204" pitchFamily="34" charset="0"/>
+                          <a:cs typeface="Times New Roman" panose="02020603050405020304" pitchFamily="18" charset="0"/>
+                        </a:rPr>
+                        <a:t> Latency</a:t>
+                      </a:r>
+                      <a:endParaRPr lang="en-US" sz="1800" dirty="0">
+                        <a:effectLst/>
+                        <a:latin typeface="+mn-lt"/>
+                        <a:ea typeface="Calibri" panose="020F0502020204030204" pitchFamily="34" charset="0"/>
+                        <a:cs typeface="Times New Roman" panose="02020603050405020304" pitchFamily="18" charset="0"/>
+                      </a:endParaRPr>
+                    </a:p>
+                  </a:txBody>
+                  <a:tcPr marL="68580" marR="68580" marT="0" marB="0"/>
+                </a:tc>
+                <a:tc>
+                  <a:txBody>
+                    <a:bodyPr/>
+                    <a:lstStyle/>
+                    <a:p>
+                      <a:pPr marL="0" marR="0">
+                        <a:spcBef>
+                          <a:spcPts val="0"/>
+                        </a:spcBef>
+                        <a:spcAft>
+                          <a:spcPts val="0"/>
+                        </a:spcAft>
+                      </a:pPr>
+                      <a:endParaRPr lang="en-US" sz="1800" dirty="0">
+                        <a:effectLst/>
+                        <a:latin typeface="Calibri" panose="020F0502020204030204" pitchFamily="34" charset="0"/>
+                        <a:ea typeface="Calibri" panose="020F0502020204030204" pitchFamily="34" charset="0"/>
+                        <a:cs typeface="Times New Roman" panose="02020603050405020304" pitchFamily="18" charset="0"/>
+                      </a:endParaRPr>
+                    </a:p>
+                  </a:txBody>
+                  <a:tcPr marL="68580" marR="68580" marT="0" marB="0"/>
+                </a:tc>
+                <a:tc>
+                  <a:txBody>
+                    <a:bodyPr/>
+                    <a:lstStyle/>
+                    <a:p>
+                      <a:pPr marL="0" marR="0">
+                        <a:spcBef>
+                          <a:spcPts val="0"/>
+                        </a:spcBef>
+                        <a:spcAft>
+                          <a:spcPts val="0"/>
+                        </a:spcAft>
+                      </a:pPr>
+                      <a:endParaRPr lang="en-US" sz="1800" b="0" dirty="0">
+                        <a:effectLst/>
+                        <a:latin typeface="+mn-lt"/>
+                        <a:ea typeface="Calibri" panose="020F0502020204030204" pitchFamily="34" charset="0"/>
+                        <a:cs typeface="Times New Roman" panose="02020603050405020304" pitchFamily="18" charset="0"/>
+                      </a:endParaRPr>
+                    </a:p>
+                  </a:txBody>
+                  <a:tcPr marL="68580" marR="68580" marT="0" marB="0"/>
+                </a:tc>
+                <a:tc>
+                  <a:txBody>
+                    <a:bodyPr/>
+                    <a:lstStyle/>
+                    <a:p>
+                      <a:pPr marL="0" marR="0">
+                        <a:spcBef>
+                          <a:spcPts val="0"/>
+                        </a:spcBef>
+                        <a:spcAft>
+                          <a:spcPts val="0"/>
+                        </a:spcAft>
+                      </a:pPr>
+                      <a:endParaRPr lang="en-US" sz="1800" dirty="0">
+                        <a:effectLst/>
+                        <a:latin typeface="Calibri" panose="020F0502020204030204" pitchFamily="34" charset="0"/>
+                        <a:ea typeface="Calibri" panose="020F0502020204030204" pitchFamily="34" charset="0"/>
+                        <a:cs typeface="Times New Roman" panose="02020603050405020304" pitchFamily="18" charset="0"/>
+                      </a:endParaRPr>
+                    </a:p>
+                  </a:txBody>
+                  <a:tcPr marL="68580" marR="68580" marT="0" marB="0"/>
+                </a:tc>
+              </a:tr>
             </a:tbl>
           </a:graphicData>
         </a:graphic>
@@ -9522,8 +9601,8 @@
         </p:nvSpPr>
         <p:spPr>
           <a:xfrm>
-            <a:off x="609600" y="5410200"/>
-            <a:ext cx="7620000" cy="830997"/>
+            <a:off x="497006" y="6118240"/>
+            <a:ext cx="8153400" cy="461665"/>
           </a:xfrm>
           <a:prstGeom prst="rect">
             <a:avLst/>
@@ -9539,7 +9618,7 @@
             <a:pPr algn="ctr"/>
             <a:r>
               <a:rPr lang="en-US" sz="2400" dirty="0" smtClean="0"/>
-              <a:t>User review process for subjective measures like comfort, eye strain, and response time</a:t>
+              <a:t>User survey for subjective measures like comfort, eye strain</a:t>
             </a:r>
             <a:endParaRPr lang="en-US" sz="2400" dirty="0"/>
           </a:p>
@@ -9748,13 +9827,13 @@
       </p:sp>
       <p:pic>
         <p:nvPicPr>
-          <p:cNvPr id="1026" name="Picture 2" descr="D:\DSC00999.JPG"/>
+          <p:cNvPr id="7" name="Content Placeholder 3"/>
           <p:cNvPicPr>
-            <a:picLocks noChangeAspect="1" noChangeArrowheads="1"/>
+            <a:picLocks noChangeAspect="1"/>
           </p:cNvPicPr>
           <p:nvPr/>
         </p:nvPicPr>
-        <p:blipFill rotWithShape="1">
+        <p:blipFill>
           <a:blip r:embed="rId2" cstate="print">
             <a:extLst>
               <a:ext uri="{28A0092B-C50C-407E-A947-70E740481C1C}">
@@ -9762,13 +9841,45 @@
               </a:ext>
             </a:extLst>
           </a:blip>
+          <a:stretch>
+            <a:fillRect/>
+          </a:stretch>
+        </p:blipFill>
+        <p:spPr>
+          <a:xfrm>
+            <a:off x="5904430" y="4572000"/>
+            <a:ext cx="2035427" cy="1845515"/>
+          </a:xfrm>
+          <a:prstGeom prst="rect">
+            <a:avLst/>
+          </a:prstGeom>
+        </p:spPr>
+      </p:pic>
+      <p:pic>
+        <p:nvPicPr>
+          <p:cNvPr id="4" name="Picture 2" descr="D:\headset.jpg"/>
+          <p:cNvPicPr>
+            <a:picLocks noChangeAspect="1" noChangeArrowheads="1"/>
+          </p:cNvPicPr>
+          <p:nvPr/>
+        </p:nvPicPr>
+        <p:blipFill>
+          <a:blip r:embed="rId3" cstate="print">
+            <a:extLst>
+              <a:ext uri="{28A0092B-C50C-407E-A947-70E740481C1C}">
+                <a14:useLocalDpi xmlns:a14="http://schemas.microsoft.com/office/drawing/2010/main" val="0"/>
+              </a:ext>
+            </a:extLst>
+          </a:blip>
           <a:srcRect/>
-          <a:stretch/>
+          <a:stretch>
+            <a:fillRect/>
+          </a:stretch>
         </p:blipFill>
         <p:spPr bwMode="auto">
           <a:xfrm>
-            <a:off x="5749752" y="2667000"/>
-            <a:ext cx="2559802" cy="1935952"/>
+            <a:off x="5904430" y="2743200"/>
+            <a:ext cx="2035427" cy="1676400"/>
           </a:xfrm>
           <a:prstGeom prst="rect">
             <a:avLst/>
@@ -9783,36 +9894,6 @@
               </a14:hiddenFill>
             </a:ext>
           </a:extLst>
-        </p:spPr>
-      </p:pic>
-      <p:pic>
-        <p:nvPicPr>
-          <p:cNvPr id="7" name="Content Placeholder 3"/>
-          <p:cNvPicPr>
-            <a:picLocks noChangeAspect="1"/>
-          </p:cNvPicPr>
-          <p:nvPr/>
-        </p:nvPicPr>
-        <p:blipFill>
-          <a:blip r:embed="rId3" cstate="print">
-            <a:extLst>
-              <a:ext uri="{28A0092B-C50C-407E-A947-70E740481C1C}">
-                <a14:useLocalDpi xmlns:a14="http://schemas.microsoft.com/office/drawing/2010/main"/>
-              </a:ext>
-            </a:extLst>
-          </a:blip>
-          <a:stretch>
-            <a:fillRect/>
-          </a:stretch>
-        </p:blipFill>
-        <p:spPr>
-          <a:xfrm>
-            <a:off x="6172200" y="4814786"/>
-            <a:ext cx="1714907" cy="1554901"/>
-          </a:xfrm>
-          <a:prstGeom prst="rect">
-            <a:avLst/>
-          </a:prstGeom>
         </p:spPr>
       </p:pic>
     </p:spTree>
@@ -10057,7 +10138,7 @@
             <p:ph idx="1"/>
           </p:nvPr>
         </p:nvPicPr>
-        <p:blipFill rotWithShape="1">
+        <p:blipFill>
           <a:blip r:embed="rId2">
             <a:extLst>
               <a:ext uri="{28A0092B-C50C-407E-A947-70E740481C1C}">
@@ -10065,20 +10146,21 @@
               </a:ext>
             </a:extLst>
           </a:blip>
-          <a:srcRect t="36219" b="-207"/>
-          <a:stretch/>
+          <a:stretch>
+            <a:fillRect/>
+          </a:stretch>
         </p:blipFill>
         <p:spPr>
           <a:xfrm>
-            <a:off x="152400" y="1371600"/>
-            <a:ext cx="8834213" cy="5334000"/>
+            <a:off x="276074" y="1371600"/>
+            <a:ext cx="8586865" cy="5334000"/>
           </a:xfrm>
         </p:spPr>
       </p:pic>
     </p:spTree>
     <p:extLst>
       <p:ext uri="{BB962C8B-B14F-4D97-AF65-F5344CB8AC3E}">
-        <p14:creationId xmlns:p14="http://schemas.microsoft.com/office/powerpoint/2010/main" val="3042760565"/>
+        <p14:creationId xmlns:p14="http://schemas.microsoft.com/office/powerpoint/2010/main" val="2679507746"/>
       </p:ext>
     </p:extLst>
   </p:cSld>
@@ -10097,13 +10179,6 @@
       </p:transition>
     </mc:Fallback>
   </mc:AlternateContent>
-  <p:timing>
-    <p:tnLst>
-      <p:par>
-        <p:cTn id="1" dur="indefinite" restart="never" nodeType="tmRoot"/>
-      </p:par>
-    </p:tnLst>
-  </p:timing>
 </p:sld>
 </file>
 
@@ -10149,7 +10224,7 @@
       </p:sp>
       <p:pic>
         <p:nvPicPr>
-          <p:cNvPr id="5" name="Content Placeholder 4"/>
+          <p:cNvPr id="7" name="Content Placeholder 6"/>
           <p:cNvPicPr>
             <a:picLocks noGrp="1" noChangeAspect="1"/>
           </p:cNvPicPr>
@@ -10157,7 +10232,7 @@
             <p:ph idx="1"/>
           </p:nvPr>
         </p:nvPicPr>
-        <p:blipFill rotWithShape="1">
+        <p:blipFill>
           <a:blip r:embed="rId2">
             <a:extLst>
               <a:ext uri="{28A0092B-C50C-407E-A947-70E740481C1C}">
@@ -10165,20 +10240,21 @@
               </a:ext>
             </a:extLst>
           </a:blip>
-          <a:srcRect t="40359"/>
-          <a:stretch/>
+          <a:stretch>
+            <a:fillRect/>
+          </a:stretch>
         </p:blipFill>
         <p:spPr>
           <a:xfrm>
-            <a:off x="152400" y="1371600"/>
-            <a:ext cx="8839200" cy="5334000"/>
+            <a:off x="304430" y="1371600"/>
+            <a:ext cx="8534400" cy="5301409"/>
           </a:xfrm>
         </p:spPr>
       </p:pic>
     </p:spTree>
     <p:extLst>
       <p:ext uri="{BB962C8B-B14F-4D97-AF65-F5344CB8AC3E}">
-        <p14:creationId xmlns:p14="http://schemas.microsoft.com/office/powerpoint/2010/main" val="4157361893"/>
+        <p14:creationId xmlns:p14="http://schemas.microsoft.com/office/powerpoint/2010/main" val="1394389937"/>
       </p:ext>
     </p:extLst>
   </p:cSld>
@@ -10197,13 +10273,6 @@
       </p:transition>
     </mc:Fallback>
   </mc:AlternateContent>
-  <p:timing>
-    <p:tnLst>
-      <p:par>
-        <p:cTn id="1" dur="indefinite" restart="never" nodeType="tmRoot"/>
-      </p:par>
-    </p:tnLst>
-  </p:timing>
 </p:sld>
 </file>
 
@@ -10234,7 +10303,7 @@
             <p:ph idx="1"/>
           </p:nvPr>
         </p:nvPicPr>
-        <p:blipFill rotWithShape="1">
+        <p:blipFill>
           <a:blip r:embed="rId2">
             <a:extLst>
               <a:ext uri="{28A0092B-C50C-407E-A947-70E740481C1C}">
@@ -10242,13 +10311,14 @@
               </a:ext>
             </a:extLst>
           </a:blip>
-          <a:srcRect t="40359"/>
-          <a:stretch/>
+          <a:stretch>
+            <a:fillRect/>
+          </a:stretch>
         </p:blipFill>
         <p:spPr>
           <a:xfrm>
-            <a:off x="152400" y="1371600"/>
-            <a:ext cx="8839200" cy="5334000"/>
+            <a:off x="278567" y="1371600"/>
+            <a:ext cx="8586865" cy="5334000"/>
           </a:xfrm>
         </p:spPr>
       </p:pic>
@@ -10278,7 +10348,7 @@
     </p:spTree>
     <p:extLst>
       <p:ext uri="{BB962C8B-B14F-4D97-AF65-F5344CB8AC3E}">
-        <p14:creationId xmlns:p14="http://schemas.microsoft.com/office/powerpoint/2010/main" val="1351510714"/>
+        <p14:creationId xmlns:p14="http://schemas.microsoft.com/office/powerpoint/2010/main" val="2562319914"/>
       </p:ext>
     </p:extLst>
   </p:cSld>
@@ -10297,13 +10367,6 @@
       </p:transition>
     </mc:Fallback>
   </mc:AlternateContent>
-  <p:timing>
-    <p:tnLst>
-      <p:par>
-        <p:cTn id="1" dur="indefinite" restart="never" nodeType="tmRoot"/>
-      </p:par>
-    </p:tnLst>
-  </p:timing>
 </p:sld>
 </file>
 
@@ -12332,14 +12395,7 @@
             <a:pPr lvl="1"/>
             <a:r>
               <a:rPr lang="en-US" sz="2400" dirty="0" smtClean="0"/>
-              <a:t>Novelty of design avoids many AR patents</a:t>
-            </a:r>
-          </a:p>
-          <a:p>
-            <a:pPr lvl="2"/>
-            <a:r>
-              <a:rPr lang="en-US" sz="2000" dirty="0" smtClean="0"/>
-              <a:t>Large fraction specifically mention cameras</a:t>
+              <a:t>Many AR patents exist</a:t>
             </a:r>
           </a:p>
           <a:p>
@@ -12478,38 +12534,74 @@
         </p:nvSpPr>
         <p:spPr/>
         <p:txBody>
-          <a:bodyPr/>
+          <a:bodyPr>
+            <a:normAutofit/>
+          </a:bodyPr>
           <a:lstStyle/>
           <a:p>
             <a:r>
-              <a:rPr lang="en-US" dirty="0" smtClean="0"/>
-              <a:t>Selling software to users after purchase of device</a:t>
+              <a:rPr lang="en-US" sz="3200" dirty="0" smtClean="0"/>
+              <a:t>Selling software after device purchase</a:t>
             </a:r>
           </a:p>
           <a:p>
             <a:pPr lvl="1"/>
             <a:r>
-              <a:rPr lang="en-US" dirty="0" smtClean="0"/>
-              <a:t>Need to set up distribution network</a:t>
+              <a:rPr lang="en-US" sz="2400" dirty="0" smtClean="0"/>
+              <a:t>Create app store</a:t>
             </a:r>
           </a:p>
           <a:p>
             <a:pPr lvl="1"/>
             <a:r>
-              <a:rPr lang="en-US" dirty="0" smtClean="0"/>
+              <a:rPr lang="en-US" sz="2400" dirty="0" smtClean="0"/>
               <a:t>Encourage third party development</a:t>
             </a:r>
           </a:p>
           <a:p>
+            <a:r>
+              <a:rPr lang="en-US" sz="2800" dirty="0" smtClean="0"/>
+              <a:t>Creation of alternative input devices</a:t>
+            </a:r>
+          </a:p>
+          <a:p>
             <a:pPr lvl="1"/>
             <a:r>
-              <a:rPr lang="en-US" dirty="0" smtClean="0"/>
-              <a:t>Anti-piracy solutions</a:t>
+              <a:rPr lang="en-US" sz="2400" dirty="0" smtClean="0"/>
+              <a:t>Gloves for tracking hand movement</a:t>
             </a:r>
           </a:p>
           <a:p>
             <a:pPr lvl="1"/>
-            <a:endParaRPr lang="en-US" dirty="0"/>
+            <a:r>
+              <a:rPr lang="en-US" sz="2400" dirty="0" smtClean="0"/>
+              <a:t>Gun controller for shooting games</a:t>
+            </a:r>
+          </a:p>
+          <a:p>
+            <a:r>
+              <a:rPr lang="en-US" sz="2800" dirty="0" smtClean="0"/>
+              <a:t>Business to business sales</a:t>
+            </a:r>
+            <a:endParaRPr lang="en-US" sz="2800" dirty="0"/>
+          </a:p>
+          <a:p>
+            <a:pPr lvl="1"/>
+            <a:r>
+              <a:rPr lang="en-US" sz="2400" dirty="0" smtClean="0"/>
+              <a:t>Sell to schools for education</a:t>
+            </a:r>
+          </a:p>
+          <a:p>
+            <a:pPr lvl="1"/>
+            <a:r>
+              <a:rPr lang="en-US" sz="2400" dirty="0" smtClean="0"/>
+              <a:t>Sell to businesses for employee training</a:t>
+            </a:r>
+          </a:p>
+          <a:p>
+            <a:pPr lvl="1"/>
+            <a:endParaRPr lang="en-US" sz="2400" dirty="0" smtClean="0"/>
           </a:p>
         </p:txBody>
       </p:sp>
@@ -12611,26 +12703,14 @@
             <a:pPr lvl="1"/>
             <a:r>
               <a:rPr lang="en-US" sz="2400" dirty="0" smtClean="0"/>
-              <a:t>Improve </a:t>
-            </a:r>
+              <a:t>Improve response time of head orientation</a:t>
+            </a:r>
+          </a:p>
+          <a:p>
+            <a:pPr lvl="1"/>
             <a:r>
               <a:rPr lang="en-US" sz="2400" dirty="0" smtClean="0"/>
-              <a:t>response time </a:t>
-            </a:r>
-            <a:r>
-              <a:rPr lang="en-US" sz="2400" dirty="0" smtClean="0"/>
-              <a:t>of head orientation</a:t>
-            </a:r>
-          </a:p>
-          <a:p>
-            <a:pPr lvl="1"/>
-            <a:r>
-              <a:rPr lang="en-US" sz="2400" dirty="0" smtClean="0"/>
-              <a:t>Improve filtering of GPS </a:t>
-            </a:r>
-            <a:r>
-              <a:rPr lang="en-US" sz="2400" dirty="0" smtClean="0"/>
-              <a:t>data (</a:t>
+              <a:t>Improve filtering of GPS data (</a:t>
             </a:r>
             <a:r>
               <a:rPr lang="en-US" sz="2400" smtClean="0"/>
@@ -12644,7 +12724,6 @@
               <a:rPr lang="en-US" sz="1800" dirty="0" smtClean="0"/>
               <a:t>Large “jumps” in position</a:t>
             </a:r>
-            <a:endParaRPr lang="en-US" sz="1800" dirty="0" smtClean="0"/>
           </a:p>
           <a:p>
             <a:r>
@@ -13183,6 +13262,157 @@
       </p:par>
     </p:tnLst>
   </p:timing>
+</p:sld>
+</file>
+
+<file path=ppt/slides/slide23.xml><?xml version="1.0" encoding="utf-8"?>
+<p:sld xmlns:a="http://schemas.openxmlformats.org/drawingml/2006/main" xmlns:r="http://schemas.openxmlformats.org/officeDocument/2006/relationships" xmlns:p="http://schemas.openxmlformats.org/presentationml/2006/main">
+  <p:cSld>
+    <p:spTree>
+      <p:nvGrpSpPr>
+        <p:cNvPr id="1" name=""/>
+        <p:cNvGrpSpPr/>
+        <p:nvPr/>
+      </p:nvGrpSpPr>
+      <p:grpSpPr>
+        <a:xfrm>
+          <a:off x="0" y="0"/>
+          <a:ext cx="0" cy="0"/>
+          <a:chOff x="0" y="0"/>
+          <a:chExt cx="0" cy="0"/>
+        </a:xfrm>
+      </p:grpSpPr>
+      <p:sp>
+        <p:nvSpPr>
+          <p:cNvPr id="2" name="Content Placeholder 1"/>
+          <p:cNvSpPr>
+            <a:spLocks noGrp="1"/>
+          </p:cNvSpPr>
+          <p:nvPr>
+            <p:ph idx="1"/>
+          </p:nvPr>
+        </p:nvSpPr>
+        <p:spPr/>
+        <p:txBody>
+          <a:bodyPr>
+            <a:normAutofit/>
+          </a:bodyPr>
+          <a:lstStyle/>
+          <a:p>
+            <a:r>
+              <a:rPr lang="en-US" sz="2800" dirty="0"/>
+              <a:t>US 8585476 B2</a:t>
+            </a:r>
+          </a:p>
+          <a:p>
+            <a:pPr lvl="1"/>
+            <a:r>
+              <a:rPr lang="en-US" sz="2800" dirty="0" smtClean="0"/>
+              <a:t>Location-based </a:t>
+            </a:r>
+            <a:r>
+              <a:rPr lang="en-US" sz="2800" dirty="0"/>
+              <a:t>games and augmented reality </a:t>
+            </a:r>
+            <a:r>
+              <a:rPr lang="en-US" sz="2800" dirty="0" smtClean="0"/>
+              <a:t>systems</a:t>
+            </a:r>
+            <a:endParaRPr lang="en-US" sz="2800" dirty="0"/>
+          </a:p>
+          <a:p>
+            <a:r>
+              <a:rPr lang="en-US" sz="2800" dirty="0"/>
+              <a:t>US 20130267309 A1</a:t>
+            </a:r>
+          </a:p>
+          <a:p>
+            <a:pPr lvl="1"/>
+            <a:r>
+              <a:rPr lang="en-US" sz="2800" dirty="0" smtClean="0"/>
+              <a:t>Augmented </a:t>
+            </a:r>
+            <a:r>
+              <a:rPr lang="en-US" sz="2800" dirty="0"/>
+              <a:t>reality and physical </a:t>
+            </a:r>
+            <a:r>
+              <a:rPr lang="en-US" sz="2800" dirty="0" smtClean="0"/>
+              <a:t>games</a:t>
+            </a:r>
+          </a:p>
+          <a:p>
+            <a:r>
+              <a:rPr lang="en-US" sz="2800" dirty="0"/>
+              <a:t>US 8519844 </a:t>
+            </a:r>
+            <a:r>
+              <a:rPr lang="en-US" sz="2800" dirty="0" smtClean="0"/>
+              <a:t>B2</a:t>
+            </a:r>
+          </a:p>
+          <a:p>
+            <a:pPr lvl="1"/>
+            <a:r>
+              <a:rPr lang="en-US" sz="2800" dirty="0" smtClean="0"/>
+              <a:t>Augmented </a:t>
+            </a:r>
+            <a:r>
+              <a:rPr lang="en-US" sz="2800" dirty="0"/>
+              <a:t>reality and location determination methods and </a:t>
+            </a:r>
+            <a:r>
+              <a:rPr lang="en-US" sz="2800" dirty="0" smtClean="0"/>
+              <a:t>apparatus</a:t>
+            </a:r>
+          </a:p>
+        </p:txBody>
+      </p:sp>
+      <p:sp>
+        <p:nvSpPr>
+          <p:cNvPr id="3" name="Title 2"/>
+          <p:cNvSpPr>
+            <a:spLocks noGrp="1"/>
+          </p:cNvSpPr>
+          <p:nvPr>
+            <p:ph type="title"/>
+          </p:nvPr>
+        </p:nvSpPr>
+        <p:spPr/>
+        <p:txBody>
+          <a:bodyPr/>
+          <a:lstStyle/>
+          <a:p>
+            <a:r>
+              <a:rPr lang="en-US" dirty="0" smtClean="0"/>
+              <a:t>Patents</a:t>
+            </a:r>
+            <a:endParaRPr lang="en-US" dirty="0"/>
+          </a:p>
+        </p:txBody>
+      </p:sp>
+    </p:spTree>
+    <p:extLst>
+      <p:ext uri="{BB962C8B-B14F-4D97-AF65-F5344CB8AC3E}">
+        <p14:creationId xmlns:p14="http://schemas.microsoft.com/office/powerpoint/2010/main" val="3176867565"/>
+      </p:ext>
+    </p:extLst>
+  </p:cSld>
+  <p:clrMapOvr>
+    <a:masterClrMapping/>
+  </p:clrMapOvr>
+  <mc:AlternateContent xmlns:mc="http://schemas.openxmlformats.org/markup-compatibility/2006" xmlns:p14="http://schemas.microsoft.com/office/powerpoint/2010/main">
+    <mc:Choice Requires="p14">
+      <p:transition p14:dur="200">
+        <p:fade/>
+      </p:transition>
+    </mc:Choice>
+    <mc:Fallback xmlns="">
+      <p:transition>
+        <p:fade/>
+      </p:transition>
+    </mc:Fallback>
+  </mc:AlternateContent>
 </p:sld>
 </file>
 
@@ -15115,9 +15345,9 @@
       </p:sp>
       <p:pic>
         <p:nvPicPr>
-          <p:cNvPr id="5" name="Picture 4"/>
+          <p:cNvPr id="2050" name="Picture 2" descr="D:\100MSDCF\DSC01009.JPG"/>
           <p:cNvPicPr>
-            <a:picLocks noChangeAspect="1"/>
+            <a:picLocks noChangeAspect="1" noChangeArrowheads="1"/>
           </p:cNvPicPr>
           <p:nvPr/>
         </p:nvPicPr>
@@ -15125,29 +15355,40 @@
           <a:blip r:embed="rId2" cstate="print">
             <a:extLst>
               <a:ext uri="{28A0092B-C50C-407E-A947-70E740481C1C}">
-                <a14:useLocalDpi xmlns:a14="http://schemas.microsoft.com/office/drawing/2010/main"/>
+                <a14:useLocalDpi xmlns:a14="http://schemas.microsoft.com/office/drawing/2010/main" val="0"/>
               </a:ext>
             </a:extLst>
           </a:blip>
+          <a:srcRect/>
           <a:stretch>
             <a:fillRect/>
           </a:stretch>
         </p:blipFill>
-        <p:spPr>
+        <p:spPr bwMode="auto">
           <a:xfrm>
-            <a:off x="5257800" y="1524000"/>
-            <a:ext cx="3096186" cy="2057400"/>
+            <a:off x="5257800" y="4190999"/>
+            <a:ext cx="3481743" cy="2313601"/>
           </a:xfrm>
           <a:prstGeom prst="rect">
             <a:avLst/>
           </a:prstGeom>
+          <a:noFill/>
+          <a:extLst>
+            <a:ext uri="{909E8E84-426E-40DD-AFC4-6F175D3DCCD1}">
+              <a14:hiddenFill xmlns:a14="http://schemas.microsoft.com/office/drawing/2010/main">
+                <a:solidFill>
+                  <a:srgbClr val="FFFFFF"/>
+                </a:solidFill>
+              </a14:hiddenFill>
+            </a:ext>
+          </a:extLst>
         </p:spPr>
       </p:pic>
       <p:pic>
         <p:nvPicPr>
-          <p:cNvPr id="6" name="Picture 5"/>
+          <p:cNvPr id="2051" name="Picture 3" descr="D:\100MSDCF\DSC01023.JPG"/>
           <p:cNvPicPr>
-            <a:picLocks noChangeAspect="1"/>
+            <a:picLocks noChangeAspect="1" noChangeArrowheads="1"/>
           </p:cNvPicPr>
           <p:nvPr/>
         </p:nvPicPr>
@@ -15155,22 +15396,33 @@
           <a:blip r:embed="rId3" cstate="print">
             <a:extLst>
               <a:ext uri="{28A0092B-C50C-407E-A947-70E740481C1C}">
-                <a14:useLocalDpi xmlns:a14="http://schemas.microsoft.com/office/drawing/2010/main"/>
+                <a14:useLocalDpi xmlns:a14="http://schemas.microsoft.com/office/drawing/2010/main" val="0"/>
               </a:ext>
             </a:extLst>
           </a:blip>
+          <a:srcRect/>
           <a:stretch>
             <a:fillRect/>
           </a:stretch>
         </p:blipFill>
-        <p:spPr>
+        <p:spPr bwMode="auto">
           <a:xfrm>
-            <a:off x="5257800" y="3886200"/>
-            <a:ext cx="3128279" cy="2133600"/>
+            <a:off x="5257800" y="1600200"/>
+            <a:ext cx="3481743" cy="2313601"/>
           </a:xfrm>
           <a:prstGeom prst="rect">
             <a:avLst/>
           </a:prstGeom>
+          <a:noFill/>
+          <a:extLst>
+            <a:ext uri="{909E8E84-426E-40DD-AFC4-6F175D3DCCD1}">
+              <a14:hiddenFill xmlns:a14="http://schemas.microsoft.com/office/drawing/2010/main">
+                <a:solidFill>
+                  <a:srgbClr val="FFFFFF"/>
+                </a:solidFill>
+              </a14:hiddenFill>
+            </a:ext>
+          </a:extLst>
         </p:spPr>
       </p:pic>
     </p:spTree>

--- a/doc/AugRealityMidReview.pptx
+++ b/doc/AugRealityMidReview.pptx
@@ -132,7 +132,7 @@
   </p:defaultTextStyle>
   <p:extLst>
     <p:ext uri="{EFAFB233-063F-42B5-8137-9DF3F51BA10A}">
-      <p15:sldGuideLst xmlns="" xmlns:p15="http://schemas.microsoft.com/office/powerpoint/2012/main">
+      <p15:sldGuideLst xmlns:p15="http://schemas.microsoft.com/office/powerpoint/2012/main">
         <p15:guide id="1" orient="horz" pos="2160">
           <p15:clr>
             <a:srgbClr val="A4A3A4"/>
@@ -231,7 +231,7 @@
           <a:p>
             <a:fld id="{7A466098-8D44-47E3-A6D0-3EBDA642D1D9}" type="datetimeFigureOut">
               <a:rPr lang="en-US" smtClean="0"/>
-              <a:t>2/15/2014</a:t>
+              <a:t>2/16/2014</a:t>
             </a:fld>
             <a:endParaRPr lang="en-US"/>
           </a:p>
@@ -752,7 +752,7 @@
           <a:p>
             <a:fld id="{CC2990F0-8476-4A68-82FA-873BDD6B740E}" type="datetimeFigureOut">
               <a:rPr lang="en-US" smtClean="0"/>
-              <a:t>2/15/2014</a:t>
+              <a:t>2/16/2014</a:t>
             </a:fld>
             <a:endParaRPr lang="en-US"/>
           </a:p>
@@ -977,7 +977,7 @@
           <a:p>
             <a:fld id="{CC2990F0-8476-4A68-82FA-873BDD6B740E}" type="datetimeFigureOut">
               <a:rPr lang="en-US" smtClean="0"/>
-              <a:t>2/15/2014</a:t>
+              <a:t>2/16/2014</a:t>
             </a:fld>
             <a:endParaRPr lang="en-US"/>
           </a:p>
@@ -1256,7 +1256,7 @@
           <a:p>
             <a:fld id="{CC2990F0-8476-4A68-82FA-873BDD6B740E}" type="datetimeFigureOut">
               <a:rPr lang="en-US" smtClean="0"/>
-              <a:t>2/15/2014</a:t>
+              <a:t>2/16/2014</a:t>
             </a:fld>
             <a:endParaRPr lang="en-US"/>
           </a:p>
@@ -1520,7 +1520,7 @@
                 </a:solidFill>
               </a:rPr>
               <a:pPr/>
-              <a:t>2/15/2014</a:t>
+              <a:t>2/16/2014</a:t>
             </a:fld>
             <a:endParaRPr lang="en-US">
               <a:solidFill>
@@ -1734,7 +1734,7 @@
                 </a:solidFill>
               </a:rPr>
               <a:pPr/>
-              <a:t>2/15/2014</a:t>
+              <a:t>2/16/2014</a:t>
             </a:fld>
             <a:endParaRPr lang="en-US">
               <a:solidFill>
@@ -2024,7 +2024,7 @@
                 </a:solidFill>
               </a:rPr>
               <a:pPr/>
-              <a:t>2/15/2014</a:t>
+              <a:t>2/16/2014</a:t>
             </a:fld>
             <a:endParaRPr lang="en-US">
               <a:solidFill>
@@ -2356,7 +2356,7 @@
                 </a:solidFill>
               </a:rPr>
               <a:pPr/>
-              <a:t>2/15/2014</a:t>
+              <a:t>2/16/2014</a:t>
             </a:fld>
             <a:endParaRPr lang="en-US">
               <a:solidFill>
@@ -2822,7 +2822,7 @@
                 </a:solidFill>
               </a:rPr>
               <a:pPr/>
-              <a:t>2/15/2014</a:t>
+              <a:t>2/16/2014</a:t>
             </a:fld>
             <a:endParaRPr lang="en-US">
               <a:solidFill>
@@ -2984,7 +2984,7 @@
                 </a:solidFill>
               </a:rPr>
               <a:pPr/>
-              <a:t>2/15/2014</a:t>
+              <a:t>2/16/2014</a:t>
             </a:fld>
             <a:endParaRPr lang="en-US">
               <a:solidFill>
@@ -3123,7 +3123,7 @@
                 </a:solidFill>
               </a:rPr>
               <a:pPr/>
-              <a:t>2/15/2014</a:t>
+              <a:t>2/16/2014</a:t>
             </a:fld>
             <a:endParaRPr lang="en-US">
               <a:solidFill>
@@ -3444,7 +3444,7 @@
                 </a:solidFill>
               </a:rPr>
               <a:pPr/>
-              <a:t>2/15/2014</a:t>
+              <a:t>2/16/2014</a:t>
             </a:fld>
             <a:endParaRPr lang="en-US">
               <a:solidFill>
@@ -3628,7 +3628,7 @@
           <a:p>
             <a:fld id="{CC2990F0-8476-4A68-82FA-873BDD6B740E}" type="datetimeFigureOut">
               <a:rPr lang="en-US" smtClean="0"/>
-              <a:t>2/15/2014</a:t>
+              <a:t>2/16/2014</a:t>
             </a:fld>
             <a:endParaRPr lang="en-US"/>
           </a:p>
@@ -3925,7 +3925,7 @@
                 </a:solidFill>
               </a:rPr>
               <a:pPr/>
-              <a:t>2/15/2014</a:t>
+              <a:t>2/16/2014</a:t>
             </a:fld>
             <a:endParaRPr lang="en-US">
               <a:solidFill>
@@ -4139,7 +4139,7 @@
                 </a:solidFill>
               </a:rPr>
               <a:pPr/>
-              <a:t>2/15/2014</a:t>
+              <a:t>2/16/2014</a:t>
             </a:fld>
             <a:endParaRPr lang="en-US">
               <a:solidFill>
@@ -4363,7 +4363,7 @@
                 </a:solidFill>
               </a:rPr>
               <a:pPr/>
-              <a:t>2/15/2014</a:t>
+              <a:t>2/16/2014</a:t>
             </a:fld>
             <a:endParaRPr lang="en-US">
               <a:solidFill>
@@ -4712,7 +4712,7 @@
           <a:p>
             <a:fld id="{CC2990F0-8476-4A68-82FA-873BDD6B740E}" type="datetimeFigureOut">
               <a:rPr lang="en-US" smtClean="0"/>
-              <a:t>2/15/2014</a:t>
+              <a:t>2/16/2014</a:t>
             </a:fld>
             <a:endParaRPr lang="en-US"/>
           </a:p>
@@ -5032,7 +5032,7 @@
           <a:p>
             <a:fld id="{CC2990F0-8476-4A68-82FA-873BDD6B740E}" type="datetimeFigureOut">
               <a:rPr lang="en-US" smtClean="0"/>
-              <a:t>2/15/2014</a:t>
+              <a:t>2/16/2014</a:t>
             </a:fld>
             <a:endParaRPr lang="en-US"/>
           </a:p>
@@ -5465,7 +5465,7 @@
           <a:p>
             <a:fld id="{CC2990F0-8476-4A68-82FA-873BDD6B740E}" type="datetimeFigureOut">
               <a:rPr lang="en-US" smtClean="0"/>
-              <a:t>2/15/2014</a:t>
+              <a:t>2/16/2014</a:t>
             </a:fld>
             <a:endParaRPr lang="en-US"/>
           </a:p>
@@ -5590,7 +5590,7 @@
           <a:p>
             <a:fld id="{CC2990F0-8476-4A68-82FA-873BDD6B740E}" type="datetimeFigureOut">
               <a:rPr lang="en-US" smtClean="0"/>
-              <a:t>2/15/2014</a:t>
+              <a:t>2/16/2014</a:t>
             </a:fld>
             <a:endParaRPr lang="en-US"/>
           </a:p>
@@ -5761,7 +5761,7 @@
           <a:p>
             <a:fld id="{CC2990F0-8476-4A68-82FA-873BDD6B740E}" type="datetimeFigureOut">
               <a:rPr lang="en-US" smtClean="0"/>
-              <a:t>2/15/2014</a:t>
+              <a:t>2/16/2014</a:t>
             </a:fld>
             <a:endParaRPr lang="en-US"/>
           </a:p>
@@ -6157,7 +6157,7 @@
           <a:p>
             <a:fld id="{CC2990F0-8476-4A68-82FA-873BDD6B740E}" type="datetimeFigureOut">
               <a:rPr lang="en-US" smtClean="0"/>
-              <a:t>2/15/2014</a:t>
+              <a:t>2/16/2014</a:t>
             </a:fld>
             <a:endParaRPr lang="en-US"/>
           </a:p>
@@ -6531,7 +6531,7 @@
           <a:p>
             <a:fld id="{CC2990F0-8476-4A68-82FA-873BDD6B740E}" type="datetimeFigureOut">
               <a:rPr lang="en-US" smtClean="0"/>
-              <a:t>2/15/2014</a:t>
+              <a:t>2/16/2014</a:t>
             </a:fld>
             <a:endParaRPr lang="en-US"/>
           </a:p>
@@ -6877,7 +6877,7 @@
           <a:p>
             <a:fld id="{CC2990F0-8476-4A68-82FA-873BDD6B740E}" type="datetimeFigureOut">
               <a:rPr lang="en-US" smtClean="0"/>
-              <a:t>2/15/2014</a:t>
+              <a:t>2/16/2014</a:t>
             </a:fld>
             <a:endParaRPr lang="en-US"/>
           </a:p>
@@ -7438,7 +7438,7 @@
                 </a:solidFill>
               </a:rPr>
               <a:pPr/>
-              <a:t>2/15/2014</a:t>
+              <a:t>2/16/2014</a:t>
             </a:fld>
             <a:endParaRPr lang="en-US" smtClean="0">
               <a:solidFill>
@@ -8199,7 +8199,7 @@
             <p:ph idx="1"/>
             <p:extLst>
               <p:ext uri="{D42A27DB-BD31-4B8C-83A1-F6EECF244321}">
-                <p14:modId xmlns:p14="http://schemas.microsoft.com/office/powerpoint/2010/main" val="1482844895"/>
+                <p14:modId xmlns:p14="http://schemas.microsoft.com/office/powerpoint/2010/main" val="2081516656"/>
               </p:ext>
             </p:extLst>
           </p:nvPr>
@@ -8983,7 +8983,16 @@
                           <a:ea typeface="Calibri" panose="020F0502020204030204" pitchFamily="34" charset="0"/>
                           <a:cs typeface="Times New Roman" panose="02020603050405020304" pitchFamily="18" charset="0"/>
                         </a:rPr>
-                        <a:t>30 FPS</a:t>
+                        <a:t>10 </a:t>
+                      </a:r>
+                      <a:r>
+                        <a:rPr lang="en-US" sz="1800" dirty="0" smtClean="0">
+                          <a:effectLst/>
+                          <a:latin typeface="Calibri" panose="020F0502020204030204" pitchFamily="34" charset="0"/>
+                          <a:ea typeface="Calibri" panose="020F0502020204030204" pitchFamily="34" charset="0"/>
+                          <a:cs typeface="Times New Roman" panose="02020603050405020304" pitchFamily="18" charset="0"/>
+                        </a:rPr>
+                        <a:t>FPS</a:t>
                       </a:r>
                       <a:endParaRPr lang="en-US" sz="1800" dirty="0">
                         <a:effectLst/>
@@ -9532,6 +9541,15 @@
                           <a:spcPts val="0"/>
                         </a:spcAft>
                       </a:pPr>
+                      <a:r>
+                        <a:rPr lang="en-US" sz="1800" dirty="0" smtClean="0">
+                          <a:effectLst/>
+                          <a:latin typeface="Calibri" panose="020F0502020204030204" pitchFamily="34" charset="0"/>
+                          <a:ea typeface="Calibri" panose="020F0502020204030204" pitchFamily="34" charset="0"/>
+                          <a:cs typeface="Times New Roman" panose="02020603050405020304" pitchFamily="18" charset="0"/>
+                        </a:rPr>
+                        <a:t>~100ms</a:t>
+                      </a:r>
                       <a:endParaRPr lang="en-US" sz="1800" dirty="0">
                         <a:effectLst/>
                         <a:latin typeface="Calibri" panose="020F0502020204030204" pitchFamily="34" charset="0"/>
@@ -9555,6 +9573,15 @@
                           <a:spcPts val="0"/>
                         </a:spcAft>
                       </a:pPr>
+                      <a:r>
+                        <a:rPr lang="en-US" sz="1800" b="0" dirty="0" smtClean="0">
+                          <a:effectLst/>
+                          <a:latin typeface="+mn-lt"/>
+                          <a:ea typeface="Calibri" panose="020F0502020204030204" pitchFamily="34" charset="0"/>
+                          <a:cs typeface="Times New Roman" panose="02020603050405020304" pitchFamily="18" charset="0"/>
+                        </a:rPr>
+                        <a:t>50ms*</a:t>
+                      </a:r>
                       <a:endParaRPr lang="en-US" sz="1800" b="0" dirty="0">
                         <a:effectLst/>
                         <a:latin typeface="+mn-lt"/>
@@ -9578,6 +9605,15 @@
                           <a:spcPts val="0"/>
                         </a:spcAft>
                       </a:pPr>
+                      <a:r>
+                        <a:rPr lang="en-US" sz="1800" dirty="0" smtClean="0">
+                          <a:effectLst/>
+                          <a:latin typeface="Calibri" panose="020F0502020204030204" pitchFamily="34" charset="0"/>
+                          <a:ea typeface="Calibri" panose="020F0502020204030204" pitchFamily="34" charset="0"/>
+                          <a:cs typeface="Times New Roman" panose="02020603050405020304" pitchFamily="18" charset="0"/>
+                        </a:rPr>
+                        <a:t>&gt;=16ms</a:t>
+                      </a:r>
                       <a:endParaRPr lang="en-US" sz="1800" dirty="0">
                         <a:effectLst/>
                         <a:latin typeface="Calibri" panose="020F0502020204030204" pitchFamily="34" charset="0"/>
@@ -12387,64 +12423,98 @@
           <a:lstStyle/>
           <a:p>
             <a:r>
-              <a:rPr lang="en-US" sz="2800" dirty="0" smtClean="0"/>
+              <a:rPr lang="en-US" sz="2400" dirty="0" smtClean="0"/>
               <a:t>Patent Liability</a:t>
             </a:r>
           </a:p>
           <a:p>
             <a:pPr lvl="1"/>
             <a:r>
+              <a:rPr lang="en-US" sz="2000" dirty="0" smtClean="0"/>
+              <a:t>Many AR patents </a:t>
+            </a:r>
+            <a:r>
+              <a:rPr lang="en-US" sz="2000" dirty="0" smtClean="0"/>
+              <a:t>exist</a:t>
+            </a:r>
+          </a:p>
+          <a:p>
+            <a:pPr lvl="2"/>
+            <a:r>
+              <a:rPr lang="en-US" sz="1800" dirty="0" smtClean="0"/>
+              <a:t>Location-based </a:t>
+            </a:r>
+            <a:r>
+              <a:rPr lang="en-US" sz="1800" dirty="0"/>
+              <a:t>games and augmented reality systems</a:t>
+            </a:r>
+          </a:p>
+          <a:p>
+            <a:pPr lvl="2"/>
+            <a:r>
+              <a:rPr lang="en-US" sz="1800" dirty="0"/>
+              <a:t>Augmented reality and physical games</a:t>
+            </a:r>
+          </a:p>
+          <a:p>
+            <a:pPr lvl="2"/>
+            <a:r>
+              <a:rPr lang="en-US" sz="1800" dirty="0"/>
+              <a:t>Augmented reality and location determination methods and </a:t>
+            </a:r>
+            <a:r>
+              <a:rPr lang="en-US" sz="1800" dirty="0" smtClean="0"/>
+              <a:t>apparatus</a:t>
+            </a:r>
+            <a:endParaRPr lang="en-US" sz="1800" dirty="0" smtClean="0"/>
+          </a:p>
+          <a:p>
+            <a:pPr lvl="1"/>
+            <a:r>
+              <a:rPr lang="en-US" sz="2000" dirty="0" smtClean="0"/>
+              <a:t>Licensing may be required</a:t>
+            </a:r>
+          </a:p>
+          <a:p>
+            <a:pPr lvl="1"/>
+            <a:r>
+              <a:rPr lang="en-US" sz="2000" dirty="0" smtClean="0"/>
+              <a:t>Could file new patents and cross-license</a:t>
+            </a:r>
+            <a:endParaRPr lang="en-US" sz="2000" dirty="0"/>
+          </a:p>
+          <a:p>
+            <a:r>
               <a:rPr lang="en-US" sz="2400" dirty="0" smtClean="0"/>
-              <a:t>Many AR patents exist</a:t>
+              <a:t>User Safety</a:t>
             </a:r>
           </a:p>
           <a:p>
             <a:pPr lvl="1"/>
             <a:r>
-              <a:rPr lang="en-US" sz="2400" dirty="0" smtClean="0"/>
-              <a:t>Licensing may be required</a:t>
+              <a:rPr lang="en-US" sz="2000" dirty="0" smtClean="0"/>
+              <a:t>LiFePO</a:t>
+            </a:r>
+            <a:r>
+              <a:rPr lang="en-US" sz="2000" baseline="-25000" dirty="0" smtClean="0"/>
+              <a:t>4</a:t>
+            </a:r>
+            <a:r>
+              <a:rPr lang="en-US" sz="2000" dirty="0" smtClean="0"/>
+              <a:t> much safer than other Lithium battery chemistries</a:t>
             </a:r>
           </a:p>
           <a:p>
             <a:pPr lvl="1"/>
             <a:r>
-              <a:rPr lang="en-US" sz="2400" dirty="0" smtClean="0"/>
-              <a:t>Could file new patents and cross-license</a:t>
-            </a:r>
-            <a:endParaRPr lang="en-US" sz="2400" dirty="0"/>
-          </a:p>
-          <a:p>
-            <a:r>
-              <a:rPr lang="en-US" sz="2800" dirty="0" smtClean="0"/>
-              <a:t>User Safety</a:t>
+              <a:rPr lang="en-US" sz="2000" dirty="0" smtClean="0"/>
+              <a:t>Translucent display keeps user aware of environment</a:t>
             </a:r>
           </a:p>
           <a:p>
             <a:pPr lvl="1"/>
             <a:r>
-              <a:rPr lang="en-US" sz="2400" dirty="0" smtClean="0"/>
-              <a:t>LiFePO</a:t>
-            </a:r>
-            <a:r>
-              <a:rPr lang="en-US" sz="2400" baseline="-25000" dirty="0" smtClean="0"/>
-              <a:t>4</a:t>
-            </a:r>
-            <a:r>
-              <a:rPr lang="en-US" sz="2400" dirty="0" smtClean="0"/>
-              <a:t> much safer than other Lithium battery chemistries</a:t>
-            </a:r>
-          </a:p>
-          <a:p>
-            <a:pPr lvl="1"/>
-            <a:r>
-              <a:rPr lang="en-US" sz="2400" dirty="0" smtClean="0"/>
-              <a:t>Translucent display keeps user aware of environment</a:t>
-            </a:r>
-          </a:p>
-          <a:p>
-            <a:pPr lvl="1"/>
-            <a:r>
-              <a:rPr lang="en-US" sz="2400" dirty="0" smtClean="0"/>
+              <a:rPr lang="en-US" sz="2000" dirty="0" smtClean="0"/>
               <a:t>Product unsuitable for use while driving, operating heavy machinery</a:t>
             </a:r>
           </a:p>
@@ -12572,16 +12642,13 @@
             </a:r>
           </a:p>
           <a:p>
-            <a:pPr lvl="1"/>
-            <a:r>
-              <a:rPr lang="en-US" sz="2400" dirty="0" smtClean="0"/>
-              <a:t>Gun controller for shooting games</a:t>
-            </a:r>
-          </a:p>
-          <a:p>
             <a:r>
               <a:rPr lang="en-US" sz="2800" dirty="0" smtClean="0"/>
-              <a:t>Business to business sales</a:t>
+              <a:t>Business </a:t>
+            </a:r>
+            <a:r>
+              <a:rPr lang="en-US" sz="2800" dirty="0" smtClean="0"/>
+              <a:t>to business sales</a:t>
             </a:r>
             <a:endParaRPr lang="en-US" sz="2800" dirty="0"/>
           </a:p>
@@ -16231,7 +16298,7 @@
   <a:extraClrSchemeLst/>
   <a:extLst>
     <a:ext uri="{05A4C25C-085E-4340-85A3-A5531E510DB2}">
-      <thm15:themeFamily xmlns="" xmlns:thm15="http://schemas.microsoft.com/office/thememl/2012/main" name="Office Theme" id="{62F939B6-93AF-4DB8-9C6B-D6C7DFDC589F}" vid="{4A3C46E8-61CC-4603-A589-7422A47A8E4A}"/>
+      <thm15:themeFamily xmlns:thm15="http://schemas.microsoft.com/office/thememl/2012/main" name="Office Theme" id="{62F939B6-93AF-4DB8-9C6B-D6C7DFDC589F}" vid="{4A3C46E8-61CC-4603-A589-7422A47A8E4A}"/>
     </a:ext>
   </a:extLst>
 </a:theme>

--- a/doc/AugRealityMidReview.pptx
+++ b/doc/AugRealityMidReview.pptx
@@ -4,34 +4,35 @@
   <p:sldMasterIdLst>
     <p:sldMasterId id="2147483696" r:id="rId1"/>
     <p:sldMasterId id="2147483708" r:id="rId2"/>
+    <p:sldMasterId id="2147483720" r:id="rId3"/>
   </p:sldMasterIdLst>
   <p:notesMasterIdLst>
-    <p:notesMasterId r:id="rId26"/>
+    <p:notesMasterId r:id="rId27"/>
   </p:notesMasterIdLst>
   <p:sldIdLst>
-    <p:sldId id="256" r:id="rId3"/>
-    <p:sldId id="260" r:id="rId4"/>
-    <p:sldId id="268" r:id="rId5"/>
-    <p:sldId id="257" r:id="rId6"/>
-    <p:sldId id="275" r:id="rId7"/>
-    <p:sldId id="278" r:id="rId8"/>
-    <p:sldId id="292" r:id="rId9"/>
-    <p:sldId id="269" r:id="rId10"/>
-    <p:sldId id="280" r:id="rId11"/>
-    <p:sldId id="286" r:id="rId12"/>
-    <p:sldId id="279" r:id="rId13"/>
-    <p:sldId id="270" r:id="rId14"/>
-    <p:sldId id="293" r:id="rId15"/>
-    <p:sldId id="294" r:id="rId16"/>
-    <p:sldId id="295" r:id="rId17"/>
-    <p:sldId id="284" r:id="rId18"/>
-    <p:sldId id="282" r:id="rId19"/>
-    <p:sldId id="283" r:id="rId20"/>
-    <p:sldId id="274" r:id="rId21"/>
-    <p:sldId id="267" r:id="rId22"/>
-    <p:sldId id="290" r:id="rId23"/>
-    <p:sldId id="291" r:id="rId24"/>
-    <p:sldId id="296" r:id="rId25"/>
+    <p:sldId id="256" r:id="rId4"/>
+    <p:sldId id="260" r:id="rId5"/>
+    <p:sldId id="268" r:id="rId6"/>
+    <p:sldId id="257" r:id="rId7"/>
+    <p:sldId id="297" r:id="rId8"/>
+    <p:sldId id="278" r:id="rId9"/>
+    <p:sldId id="292" r:id="rId10"/>
+    <p:sldId id="269" r:id="rId11"/>
+    <p:sldId id="280" r:id="rId12"/>
+    <p:sldId id="286" r:id="rId13"/>
+    <p:sldId id="279" r:id="rId14"/>
+    <p:sldId id="270" r:id="rId15"/>
+    <p:sldId id="298" r:id="rId16"/>
+    <p:sldId id="299" r:id="rId17"/>
+    <p:sldId id="300" r:id="rId18"/>
+    <p:sldId id="284" r:id="rId19"/>
+    <p:sldId id="282" r:id="rId20"/>
+    <p:sldId id="283" r:id="rId21"/>
+    <p:sldId id="274" r:id="rId22"/>
+    <p:sldId id="267" r:id="rId23"/>
+    <p:sldId id="290" r:id="rId24"/>
+    <p:sldId id="291" r:id="rId25"/>
+    <p:sldId id="296" r:id="rId26"/>
   </p:sldIdLst>
   <p:sldSz cx="9144000" cy="6858000" type="screen4x3"/>
   <p:notesSz cx="6858000" cy="9144000"/>
@@ -132,7 +133,7 @@
   </p:defaultTextStyle>
   <p:extLst>
     <p:ext uri="{EFAFB233-063F-42B5-8137-9DF3F51BA10A}">
-      <p15:sldGuideLst xmlns:p15="http://schemas.microsoft.com/office/powerpoint/2012/main">
+      <p15:sldGuideLst xmlns:p15="http://schemas.microsoft.com/office/powerpoint/2012/main" xmlns="">
         <p15:guide id="1" orient="horz" pos="2160">
           <p15:clr>
             <a:srgbClr val="A4A3A4"/>
@@ -4461,7 +4462,614 @@
 </p:sldLayout>
 </file>
 
-<file path=ppt/slideLayouts/slideLayout3.xml><?xml version="1.0" encoding="utf-8"?>
+<file path=ppt/slideLayouts/slideLayout23.xml><?xml version="1.0" encoding="utf-8"?>
+<p:sldLayout xmlns:a="http://schemas.openxmlformats.org/drawingml/2006/main" xmlns:r="http://schemas.openxmlformats.org/officeDocument/2006/relationships" xmlns:p="http://schemas.openxmlformats.org/presentationml/2006/main" showMasterSp="0" type="title" preserve="1">
+  <p:cSld name="Title Slide">
+    <p:spTree>
+      <p:nvGrpSpPr>
+        <p:cNvPr id="1" name=""/>
+        <p:cNvGrpSpPr/>
+        <p:nvPr/>
+      </p:nvGrpSpPr>
+      <p:grpSpPr>
+        <a:xfrm>
+          <a:off x="0" y="0"/>
+          <a:ext cx="0" cy="0"/>
+          <a:chOff x="0" y="0"/>
+          <a:chExt cx="0" cy="0"/>
+        </a:xfrm>
+      </p:grpSpPr>
+      <p:sp>
+        <p:nvSpPr>
+          <p:cNvPr id="7" name="Rectangle 6"/>
+          <p:cNvSpPr/>
+          <p:nvPr/>
+        </p:nvSpPr>
+        <p:spPr>
+          <a:xfrm>
+            <a:off x="7010400" y="152399"/>
+            <a:ext cx="1981200" cy="6556248"/>
+          </a:xfrm>
+          <a:prstGeom prst="rect">
+            <a:avLst/>
+          </a:prstGeom>
+          <a:solidFill>
+            <a:schemeClr val="accent1"/>
+          </a:solidFill>
+          <a:ln>
+            <a:noFill/>
+          </a:ln>
+        </p:spPr>
+        <p:style>
+          <a:lnRef idx="2">
+            <a:schemeClr val="accent1">
+              <a:shade val="50000"/>
+            </a:schemeClr>
+          </a:lnRef>
+          <a:fillRef idx="1">
+            <a:schemeClr val="accent1"/>
+          </a:fillRef>
+          <a:effectRef idx="0">
+            <a:schemeClr val="accent1"/>
+          </a:effectRef>
+          <a:fontRef idx="minor">
+            <a:schemeClr val="lt1"/>
+          </a:fontRef>
+        </p:style>
+        <p:txBody>
+          <a:bodyPr rtlCol="0" anchor="ctr"/>
+          <a:lstStyle/>
+          <a:p>
+            <a:pPr algn="ctr"/>
+            <a:endParaRPr lang="en-US">
+              <a:solidFill>
+                <a:prstClr val="white"/>
+              </a:solidFill>
+            </a:endParaRPr>
+          </a:p>
+        </p:txBody>
+      </p:sp>
+      <p:sp>
+        <p:nvSpPr>
+          <p:cNvPr id="8" name="Rectangle 7"/>
+          <p:cNvSpPr/>
+          <p:nvPr/>
+        </p:nvSpPr>
+        <p:spPr>
+          <a:xfrm>
+            <a:off x="152400" y="153923"/>
+            <a:ext cx="6705600" cy="6553200"/>
+          </a:xfrm>
+          <a:prstGeom prst="rect">
+            <a:avLst/>
+          </a:prstGeom>
+          <a:solidFill>
+            <a:schemeClr val="tx2"/>
+          </a:solidFill>
+          <a:ln>
+            <a:noFill/>
+          </a:ln>
+        </p:spPr>
+        <p:style>
+          <a:lnRef idx="2">
+            <a:schemeClr val="accent1">
+              <a:shade val="50000"/>
+            </a:schemeClr>
+          </a:lnRef>
+          <a:fillRef idx="1">
+            <a:schemeClr val="accent1"/>
+          </a:fillRef>
+          <a:effectRef idx="0">
+            <a:schemeClr val="accent1"/>
+          </a:effectRef>
+          <a:fontRef idx="minor">
+            <a:schemeClr val="lt1"/>
+          </a:fontRef>
+        </p:style>
+        <p:txBody>
+          <a:bodyPr rtlCol="0" anchor="ctr"/>
+          <a:lstStyle/>
+          <a:p>
+            <a:pPr algn="ctr"/>
+            <a:endParaRPr lang="en-US">
+              <a:solidFill>
+                <a:prstClr val="white"/>
+              </a:solidFill>
+            </a:endParaRPr>
+          </a:p>
+        </p:txBody>
+      </p:sp>
+      <p:sp>
+        <p:nvSpPr>
+          <p:cNvPr id="3" name="Subtitle 2"/>
+          <p:cNvSpPr>
+            <a:spLocks noGrp="1"/>
+          </p:cNvSpPr>
+          <p:nvPr>
+            <p:ph type="subTitle" idx="1"/>
+          </p:nvPr>
+        </p:nvSpPr>
+        <p:spPr>
+          <a:xfrm>
+            <a:off x="7010400" y="2052960"/>
+            <a:ext cx="1981200" cy="1828800"/>
+          </a:xfrm>
+        </p:spPr>
+        <p:txBody>
+          <a:bodyPr anchor="ctr">
+            <a:normAutofit/>
+          </a:bodyPr>
+          <a:lstStyle>
+            <a:lvl1pPr marL="0" indent="0" algn="l">
+              <a:buNone/>
+              <a:defRPr sz="1900">
+                <a:solidFill>
+                  <a:srgbClr val="FFFFFF"/>
+                </a:solidFill>
+              </a:defRPr>
+            </a:lvl1pPr>
+            <a:lvl2pPr marL="457200" indent="0" algn="ctr">
+              <a:buNone/>
+              <a:defRPr>
+                <a:solidFill>
+                  <a:schemeClr val="tx1">
+                    <a:tint val="75000"/>
+                  </a:schemeClr>
+                </a:solidFill>
+              </a:defRPr>
+            </a:lvl2pPr>
+            <a:lvl3pPr marL="914400" indent="0" algn="ctr">
+              <a:buNone/>
+              <a:defRPr>
+                <a:solidFill>
+                  <a:schemeClr val="tx1">
+                    <a:tint val="75000"/>
+                  </a:schemeClr>
+                </a:solidFill>
+              </a:defRPr>
+            </a:lvl3pPr>
+            <a:lvl4pPr marL="1371600" indent="0" algn="ctr">
+              <a:buNone/>
+              <a:defRPr>
+                <a:solidFill>
+                  <a:schemeClr val="tx1">
+                    <a:tint val="75000"/>
+                  </a:schemeClr>
+                </a:solidFill>
+              </a:defRPr>
+            </a:lvl4pPr>
+            <a:lvl5pPr marL="1828800" indent="0" algn="ctr">
+              <a:buNone/>
+              <a:defRPr>
+                <a:solidFill>
+                  <a:schemeClr val="tx1">
+                    <a:tint val="75000"/>
+                  </a:schemeClr>
+                </a:solidFill>
+              </a:defRPr>
+            </a:lvl5pPr>
+            <a:lvl6pPr marL="2286000" indent="0" algn="ctr">
+              <a:buNone/>
+              <a:defRPr>
+                <a:solidFill>
+                  <a:schemeClr val="tx1">
+                    <a:tint val="75000"/>
+                  </a:schemeClr>
+                </a:solidFill>
+              </a:defRPr>
+            </a:lvl6pPr>
+            <a:lvl7pPr marL="2743200" indent="0" algn="ctr">
+              <a:buNone/>
+              <a:defRPr>
+                <a:solidFill>
+                  <a:schemeClr val="tx1">
+                    <a:tint val="75000"/>
+                  </a:schemeClr>
+                </a:solidFill>
+              </a:defRPr>
+            </a:lvl7pPr>
+            <a:lvl8pPr marL="3200400" indent="0" algn="ctr">
+              <a:buNone/>
+              <a:defRPr>
+                <a:solidFill>
+                  <a:schemeClr val="tx1">
+                    <a:tint val="75000"/>
+                  </a:schemeClr>
+                </a:solidFill>
+              </a:defRPr>
+            </a:lvl8pPr>
+            <a:lvl9pPr marL="3657600" indent="0" algn="ctr">
+              <a:buNone/>
+              <a:defRPr>
+                <a:solidFill>
+                  <a:schemeClr val="tx1">
+                    <a:tint val="75000"/>
+                  </a:schemeClr>
+                </a:solidFill>
+              </a:defRPr>
+            </a:lvl9pPr>
+          </a:lstStyle>
+          <a:p>
+            <a:r>
+              <a:rPr lang="en-US" smtClean="0"/>
+              <a:t>Click to edit Master subtitle style</a:t>
+            </a:r>
+            <a:endParaRPr lang="en-US" dirty="0"/>
+          </a:p>
+        </p:txBody>
+      </p:sp>
+      <p:sp>
+        <p:nvSpPr>
+          <p:cNvPr id="10" name="Date Placeholder 9"/>
+          <p:cNvSpPr>
+            <a:spLocks noGrp="1"/>
+          </p:cNvSpPr>
+          <p:nvPr>
+            <p:ph type="dt" sz="half" idx="10"/>
+          </p:nvPr>
+        </p:nvSpPr>
+        <p:spPr/>
+        <p:txBody>
+          <a:bodyPr/>
+          <a:lstStyle>
+            <a:lvl1pPr>
+              <a:defRPr>
+                <a:solidFill>
+                  <a:schemeClr val="bg2"/>
+                </a:solidFill>
+              </a:defRPr>
+            </a:lvl1pPr>
+          </a:lstStyle>
+          <a:p>
+            <a:fld id="{CC2990F0-8476-4A68-82FA-873BDD6B740E}" type="datetimeFigureOut">
+              <a:rPr lang="en-US" smtClean="0">
+                <a:solidFill>
+                  <a:srgbClr val="CCD1B9"/>
+                </a:solidFill>
+              </a:rPr>
+              <a:pPr/>
+              <a:t>2/16/2014</a:t>
+            </a:fld>
+            <a:endParaRPr lang="en-US">
+              <a:solidFill>
+                <a:srgbClr val="CCD1B9"/>
+              </a:solidFill>
+            </a:endParaRPr>
+          </a:p>
+        </p:txBody>
+      </p:sp>
+      <p:sp>
+        <p:nvSpPr>
+          <p:cNvPr id="11" name="Slide Number Placeholder 10"/>
+          <p:cNvSpPr>
+            <a:spLocks noGrp="1"/>
+          </p:cNvSpPr>
+          <p:nvPr>
+            <p:ph type="sldNum" sz="quarter" idx="11"/>
+          </p:nvPr>
+        </p:nvSpPr>
+        <p:spPr/>
+        <p:txBody>
+          <a:bodyPr/>
+          <a:lstStyle>
+            <a:lvl1pPr>
+              <a:defRPr>
+                <a:solidFill>
+                  <a:srgbClr val="FFFFFF"/>
+                </a:solidFill>
+              </a:defRPr>
+            </a:lvl1pPr>
+          </a:lstStyle>
+          <a:p>
+            <a:fld id="{229A1FD0-D95A-4868-99EF-921C1BD43386}" type="slidenum">
+              <a:rPr lang="en-US" smtClean="0"/>
+              <a:pPr/>
+              <a:t>‹#›</a:t>
+            </a:fld>
+            <a:endParaRPr lang="en-US"/>
+          </a:p>
+        </p:txBody>
+      </p:sp>
+      <p:sp>
+        <p:nvSpPr>
+          <p:cNvPr id="12" name="Footer Placeholder 11"/>
+          <p:cNvSpPr>
+            <a:spLocks noGrp="1"/>
+          </p:cNvSpPr>
+          <p:nvPr>
+            <p:ph type="ftr" sz="quarter" idx="12"/>
+          </p:nvPr>
+        </p:nvSpPr>
+        <p:spPr/>
+        <p:txBody>
+          <a:bodyPr/>
+          <a:lstStyle>
+            <a:lvl1pPr>
+              <a:defRPr>
+                <a:solidFill>
+                  <a:schemeClr val="bg2"/>
+                </a:solidFill>
+              </a:defRPr>
+            </a:lvl1pPr>
+          </a:lstStyle>
+          <a:p>
+            <a:endParaRPr lang="en-US">
+              <a:solidFill>
+                <a:srgbClr val="CCD1B9"/>
+              </a:solidFill>
+            </a:endParaRPr>
+          </a:p>
+        </p:txBody>
+      </p:sp>
+      <p:sp>
+        <p:nvSpPr>
+          <p:cNvPr id="13" name="Title 12"/>
+          <p:cNvSpPr>
+            <a:spLocks noGrp="1"/>
+          </p:cNvSpPr>
+          <p:nvPr>
+            <p:ph type="title"/>
+          </p:nvPr>
+        </p:nvSpPr>
+        <p:spPr>
+          <a:xfrm>
+            <a:off x="457200" y="2052960"/>
+            <a:ext cx="6324600" cy="1828800"/>
+          </a:xfrm>
+        </p:spPr>
+        <p:txBody>
+          <a:bodyPr/>
+          <a:lstStyle>
+            <a:lvl1pPr algn="r">
+              <a:defRPr sz="4200" spc="150" baseline="0"/>
+            </a:lvl1pPr>
+          </a:lstStyle>
+          <a:p>
+            <a:r>
+              <a:rPr lang="en-US" smtClean="0"/>
+              <a:t>Click to edit Master title style</a:t>
+            </a:r>
+            <a:endParaRPr lang="en-US" dirty="0"/>
+          </a:p>
+        </p:txBody>
+      </p:sp>
+    </p:spTree>
+    <p:extLst>
+      <p:ext uri="{BB962C8B-B14F-4D97-AF65-F5344CB8AC3E}">
+        <p14:creationId xmlns:p14="http://schemas.microsoft.com/office/powerpoint/2010/main" val="1561874848"/>
+      </p:ext>
+    </p:extLst>
+  </p:cSld>
+  <p:clrMapOvr>
+    <a:masterClrMapping/>
+  </p:clrMapOvr>
+  <mc:AlternateContent xmlns:mc="http://schemas.openxmlformats.org/markup-compatibility/2006" xmlns:p14="http://schemas.microsoft.com/office/powerpoint/2010/main">
+    <mc:Choice Requires="p14">
+      <p:transition p14:dur="200">
+        <p:fade/>
+      </p:transition>
+    </mc:Choice>
+    <mc:Fallback xmlns="">
+      <p:transition>
+        <p:fade/>
+      </p:transition>
+    </mc:Fallback>
+  </mc:AlternateContent>
+</p:sldLayout>
+</file>
+
+<file path=ppt/slideLayouts/slideLayout24.xml><?xml version="1.0" encoding="utf-8"?>
+<p:sldLayout xmlns:a="http://schemas.openxmlformats.org/drawingml/2006/main" xmlns:r="http://schemas.openxmlformats.org/officeDocument/2006/relationships" xmlns:p="http://schemas.openxmlformats.org/presentationml/2006/main" type="obj" preserve="1">
+  <p:cSld name="Title and Content">
+    <p:spTree>
+      <p:nvGrpSpPr>
+        <p:cNvPr id="1" name=""/>
+        <p:cNvGrpSpPr/>
+        <p:nvPr/>
+      </p:nvGrpSpPr>
+      <p:grpSpPr>
+        <a:xfrm>
+          <a:off x="0" y="0"/>
+          <a:ext cx="0" cy="0"/>
+          <a:chOff x="0" y="0"/>
+          <a:chExt cx="0" cy="0"/>
+        </a:xfrm>
+      </p:grpSpPr>
+      <p:sp>
+        <p:nvSpPr>
+          <p:cNvPr id="3" name="Content Placeholder 2"/>
+          <p:cNvSpPr>
+            <a:spLocks noGrp="1"/>
+          </p:cNvSpPr>
+          <p:nvPr>
+            <p:ph idx="1"/>
+          </p:nvPr>
+        </p:nvSpPr>
+        <p:spPr/>
+        <p:txBody>
+          <a:bodyPr/>
+          <a:lstStyle/>
+          <a:p>
+            <a:pPr lvl="0"/>
+            <a:r>
+              <a:rPr lang="en-US" smtClean="0"/>
+              <a:t>Click to edit Master text styles</a:t>
+            </a:r>
+          </a:p>
+          <a:p>
+            <a:pPr lvl="1"/>
+            <a:r>
+              <a:rPr lang="en-US" smtClean="0"/>
+              <a:t>Second level</a:t>
+            </a:r>
+          </a:p>
+          <a:p>
+            <a:pPr lvl="2"/>
+            <a:r>
+              <a:rPr lang="en-US" smtClean="0"/>
+              <a:t>Third level</a:t>
+            </a:r>
+          </a:p>
+          <a:p>
+            <a:pPr lvl="3"/>
+            <a:r>
+              <a:rPr lang="en-US" smtClean="0"/>
+              <a:t>Fourth level</a:t>
+            </a:r>
+          </a:p>
+          <a:p>
+            <a:pPr lvl="4"/>
+            <a:r>
+              <a:rPr lang="en-US" smtClean="0"/>
+              <a:t>Fifth level</a:t>
+            </a:r>
+            <a:endParaRPr lang="en-US" dirty="0"/>
+          </a:p>
+        </p:txBody>
+      </p:sp>
+      <p:sp>
+        <p:nvSpPr>
+          <p:cNvPr id="4" name="Date Placeholder 3"/>
+          <p:cNvSpPr>
+            <a:spLocks noGrp="1"/>
+          </p:cNvSpPr>
+          <p:nvPr>
+            <p:ph type="dt" sz="half" idx="10"/>
+          </p:nvPr>
+        </p:nvSpPr>
+        <p:spPr/>
+        <p:txBody>
+          <a:bodyPr/>
+          <a:lstStyle/>
+          <a:p>
+            <a:fld id="{CC2990F0-8476-4A68-82FA-873BDD6B740E}" type="datetimeFigureOut">
+              <a:rPr lang="en-US" smtClean="0">
+                <a:solidFill>
+                  <a:srgbClr val="534949"/>
+                </a:solidFill>
+              </a:rPr>
+              <a:pPr/>
+              <a:t>2/16/2014</a:t>
+            </a:fld>
+            <a:endParaRPr lang="en-US">
+              <a:solidFill>
+                <a:srgbClr val="534949"/>
+              </a:solidFill>
+            </a:endParaRPr>
+          </a:p>
+        </p:txBody>
+      </p:sp>
+      <p:sp>
+        <p:nvSpPr>
+          <p:cNvPr id="5" name="Footer Placeholder 4"/>
+          <p:cNvSpPr>
+            <a:spLocks noGrp="1"/>
+          </p:cNvSpPr>
+          <p:nvPr>
+            <p:ph type="ftr" sz="quarter" idx="11"/>
+          </p:nvPr>
+        </p:nvSpPr>
+        <p:spPr/>
+        <p:txBody>
+          <a:bodyPr/>
+          <a:lstStyle/>
+          <a:p>
+            <a:endParaRPr lang="en-US">
+              <a:solidFill>
+                <a:srgbClr val="534949"/>
+              </a:solidFill>
+            </a:endParaRPr>
+          </a:p>
+        </p:txBody>
+      </p:sp>
+      <p:sp>
+        <p:nvSpPr>
+          <p:cNvPr id="6" name="Slide Number Placeholder 5"/>
+          <p:cNvSpPr>
+            <a:spLocks noGrp="1"/>
+          </p:cNvSpPr>
+          <p:nvPr>
+            <p:ph type="sldNum" sz="quarter" idx="12"/>
+          </p:nvPr>
+        </p:nvSpPr>
+        <p:spPr/>
+        <p:txBody>
+          <a:bodyPr/>
+          <a:lstStyle/>
+          <a:p>
+            <a:fld id="{229A1FD0-D95A-4868-99EF-921C1BD43386}" type="slidenum">
+              <a:rPr lang="en-US" smtClean="0">
+                <a:solidFill>
+                  <a:srgbClr val="534949"/>
+                </a:solidFill>
+              </a:rPr>
+              <a:pPr/>
+              <a:t>‹#›</a:t>
+            </a:fld>
+            <a:endParaRPr lang="en-US">
+              <a:solidFill>
+                <a:srgbClr val="534949"/>
+              </a:solidFill>
+            </a:endParaRPr>
+          </a:p>
+        </p:txBody>
+      </p:sp>
+      <p:sp>
+        <p:nvSpPr>
+          <p:cNvPr id="7" name="Title 6"/>
+          <p:cNvSpPr>
+            <a:spLocks noGrp="1"/>
+          </p:cNvSpPr>
+          <p:nvPr>
+            <p:ph type="title"/>
+          </p:nvPr>
+        </p:nvSpPr>
+        <p:spPr/>
+        <p:txBody>
+          <a:bodyPr/>
+          <a:lstStyle/>
+          <a:p>
+            <a:r>
+              <a:rPr lang="en-US" smtClean="0"/>
+              <a:t>Click to edit Master title style</a:t>
+            </a:r>
+            <a:endParaRPr lang="en-US"/>
+          </a:p>
+        </p:txBody>
+      </p:sp>
+    </p:spTree>
+    <p:extLst>
+      <p:ext uri="{BB962C8B-B14F-4D97-AF65-F5344CB8AC3E}">
+        <p14:creationId xmlns:p14="http://schemas.microsoft.com/office/powerpoint/2010/main" val="3980618418"/>
+      </p:ext>
+    </p:extLst>
+  </p:cSld>
+  <p:clrMapOvr>
+    <a:masterClrMapping/>
+  </p:clrMapOvr>
+  <mc:AlternateContent xmlns:mc="http://schemas.openxmlformats.org/markup-compatibility/2006" xmlns:p14="http://schemas.microsoft.com/office/powerpoint/2010/main">
+    <mc:Choice Requires="p14">
+      <p:transition p14:dur="200">
+        <p:fade/>
+      </p:transition>
+    </mc:Choice>
+    <mc:Fallback xmlns="">
+      <p:transition>
+        <p:fade/>
+      </p:transition>
+    </mc:Fallback>
+  </mc:AlternateContent>
+  <p:timing>
+    <p:tnLst>
+      <p:par>
+        <p:cTn id="1" dur="indefinite" restart="never" nodeType="tmRoot"/>
+      </p:par>
+    </p:tnLst>
+  </p:timing>
+</p:sldLayout>
+</file>
+
+<file path=ppt/slideLayouts/slideLayout25.xml><?xml version="1.0" encoding="utf-8"?>
 <p:sldLayout xmlns:a="http://schemas.openxmlformats.org/drawingml/2006/main" xmlns:r="http://schemas.openxmlformats.org/officeDocument/2006/relationships" xmlns:p="http://schemas.openxmlformats.org/presentationml/2006/main" showMasterSp="0" type="secHead" preserve="1">
   <p:cSld name="Section Header">
     <p:spTree>
@@ -4520,7 +5128,11 @@
           <a:lstStyle/>
           <a:p>
             <a:pPr algn="ctr"/>
-            <a:endParaRPr lang="en-US"/>
+            <a:endParaRPr lang="en-US">
+              <a:solidFill>
+                <a:prstClr val="white"/>
+              </a:solidFill>
+            </a:endParaRPr>
           </a:p>
         </p:txBody>
       </p:sp>
@@ -4566,7 +5178,11 @@
           <a:lstStyle/>
           <a:p>
             <a:pPr algn="ctr"/>
-            <a:endParaRPr lang="en-US"/>
+            <a:endParaRPr lang="en-US">
+              <a:solidFill>
+                <a:prstClr val="white"/>
+              </a:solidFill>
+            </a:endParaRPr>
           </a:p>
         </p:txBody>
       </p:sp>
@@ -4712,6 +5328,7 @@
           <a:p>
             <a:fld id="{CC2990F0-8476-4A68-82FA-873BDD6B740E}" type="datetimeFigureOut">
               <a:rPr lang="en-US" smtClean="0"/>
+              <a:pPr/>
               <a:t>2/16/2014</a:t>
             </a:fld>
             <a:endParaRPr lang="en-US"/>
@@ -4742,10 +5359,19 @@
           </a:lstStyle>
           <a:p>
             <a:fld id="{229A1FD0-D95A-4868-99EF-921C1BD43386}" type="slidenum">
-              <a:rPr lang="en-US" smtClean="0"/>
+              <a:rPr lang="en-US" smtClean="0">
+                <a:solidFill>
+                  <a:srgbClr val="CCD1B9"/>
+                </a:solidFill>
+              </a:rPr>
+              <a:pPr/>
               <a:t>‹#›</a:t>
             </a:fld>
-            <a:endParaRPr lang="en-US"/>
+            <a:endParaRPr lang="en-US">
+              <a:solidFill>
+                <a:srgbClr val="CCD1B9"/>
+              </a:solidFill>
+            </a:endParaRPr>
           </a:p>
         </p:txBody>
       </p:sp>
@@ -4809,6 +5435,2889 @@
         </p:txBody>
       </p:sp>
     </p:spTree>
+    <p:extLst>
+      <p:ext uri="{BB962C8B-B14F-4D97-AF65-F5344CB8AC3E}">
+        <p14:creationId xmlns:p14="http://schemas.microsoft.com/office/powerpoint/2010/main" val="3403842368"/>
+      </p:ext>
+    </p:extLst>
+  </p:cSld>
+  <p:clrMapOvr>
+    <a:masterClrMapping/>
+  </p:clrMapOvr>
+  <mc:AlternateContent xmlns:mc="http://schemas.openxmlformats.org/markup-compatibility/2006" xmlns:p14="http://schemas.microsoft.com/office/powerpoint/2010/main">
+    <mc:Choice Requires="p14">
+      <p:transition p14:dur="200">
+        <p:fade/>
+      </p:transition>
+    </mc:Choice>
+    <mc:Fallback xmlns="">
+      <p:transition>
+        <p:fade/>
+      </p:transition>
+    </mc:Fallback>
+  </mc:AlternateContent>
+</p:sldLayout>
+</file>
+
+<file path=ppt/slideLayouts/slideLayout26.xml><?xml version="1.0" encoding="utf-8"?>
+<p:sldLayout xmlns:a="http://schemas.openxmlformats.org/drawingml/2006/main" xmlns:r="http://schemas.openxmlformats.org/officeDocument/2006/relationships" xmlns:p="http://schemas.openxmlformats.org/presentationml/2006/main" type="twoObj" preserve="1">
+  <p:cSld name="Two Content">
+    <p:spTree>
+      <p:nvGrpSpPr>
+        <p:cNvPr id="1" name=""/>
+        <p:cNvGrpSpPr/>
+        <p:nvPr/>
+      </p:nvGrpSpPr>
+      <p:grpSpPr>
+        <a:xfrm>
+          <a:off x="0" y="0"/>
+          <a:ext cx="0" cy="0"/>
+          <a:chOff x="0" y="0"/>
+          <a:chExt cx="0" cy="0"/>
+        </a:xfrm>
+      </p:grpSpPr>
+      <p:sp>
+        <p:nvSpPr>
+          <p:cNvPr id="3" name="Content Placeholder 2"/>
+          <p:cNvSpPr>
+            <a:spLocks noGrp="1"/>
+          </p:cNvSpPr>
+          <p:nvPr>
+            <p:ph sz="half" idx="1"/>
+          </p:nvPr>
+        </p:nvSpPr>
+        <p:spPr>
+          <a:xfrm>
+            <a:off x="457200" y="1719072"/>
+            <a:ext cx="4038600" cy="4407408"/>
+          </a:xfrm>
+        </p:spPr>
+        <p:txBody>
+          <a:bodyPr/>
+          <a:lstStyle>
+            <a:lvl1pPr>
+              <a:defRPr sz="2800"/>
+            </a:lvl1pPr>
+            <a:lvl2pPr>
+              <a:defRPr sz="2400"/>
+            </a:lvl2pPr>
+            <a:lvl3pPr>
+              <a:defRPr sz="2000"/>
+            </a:lvl3pPr>
+            <a:lvl4pPr>
+              <a:defRPr sz="1800"/>
+            </a:lvl4pPr>
+            <a:lvl5pPr>
+              <a:defRPr sz="1800"/>
+            </a:lvl5pPr>
+            <a:lvl6pPr>
+              <a:defRPr sz="1800"/>
+            </a:lvl6pPr>
+            <a:lvl7pPr>
+              <a:defRPr sz="1800"/>
+            </a:lvl7pPr>
+            <a:lvl8pPr>
+              <a:defRPr sz="1800"/>
+            </a:lvl8pPr>
+            <a:lvl9pPr>
+              <a:defRPr sz="1800"/>
+            </a:lvl9pPr>
+          </a:lstStyle>
+          <a:p>
+            <a:pPr lvl="0"/>
+            <a:r>
+              <a:rPr lang="en-US" smtClean="0"/>
+              <a:t>Click to edit Master text styles</a:t>
+            </a:r>
+          </a:p>
+          <a:p>
+            <a:pPr lvl="1"/>
+            <a:r>
+              <a:rPr lang="en-US" smtClean="0"/>
+              <a:t>Second level</a:t>
+            </a:r>
+          </a:p>
+          <a:p>
+            <a:pPr lvl="2"/>
+            <a:r>
+              <a:rPr lang="en-US" smtClean="0"/>
+              <a:t>Third level</a:t>
+            </a:r>
+          </a:p>
+          <a:p>
+            <a:pPr lvl="3"/>
+            <a:r>
+              <a:rPr lang="en-US" smtClean="0"/>
+              <a:t>Fourth level</a:t>
+            </a:r>
+          </a:p>
+          <a:p>
+            <a:pPr lvl="4"/>
+            <a:r>
+              <a:rPr lang="en-US" smtClean="0"/>
+              <a:t>Fifth level</a:t>
+            </a:r>
+            <a:endParaRPr lang="en-US" dirty="0"/>
+          </a:p>
+        </p:txBody>
+      </p:sp>
+      <p:sp>
+        <p:nvSpPr>
+          <p:cNvPr id="4" name="Content Placeholder 3"/>
+          <p:cNvSpPr>
+            <a:spLocks noGrp="1"/>
+          </p:cNvSpPr>
+          <p:nvPr>
+            <p:ph sz="half" idx="2"/>
+          </p:nvPr>
+        </p:nvSpPr>
+        <p:spPr>
+          <a:xfrm>
+            <a:off x="4648200" y="1719072"/>
+            <a:ext cx="4038600" cy="4407408"/>
+          </a:xfrm>
+        </p:spPr>
+        <p:txBody>
+          <a:bodyPr/>
+          <a:lstStyle>
+            <a:lvl1pPr>
+              <a:defRPr sz="2800"/>
+            </a:lvl1pPr>
+            <a:lvl2pPr>
+              <a:defRPr sz="2400"/>
+            </a:lvl2pPr>
+            <a:lvl3pPr>
+              <a:defRPr sz="2000"/>
+            </a:lvl3pPr>
+            <a:lvl4pPr>
+              <a:defRPr sz="1800"/>
+            </a:lvl4pPr>
+            <a:lvl5pPr>
+              <a:defRPr sz="1800"/>
+            </a:lvl5pPr>
+            <a:lvl6pPr>
+              <a:defRPr sz="1800"/>
+            </a:lvl6pPr>
+            <a:lvl7pPr>
+              <a:defRPr sz="1800"/>
+            </a:lvl7pPr>
+            <a:lvl8pPr>
+              <a:defRPr sz="1800"/>
+            </a:lvl8pPr>
+            <a:lvl9pPr>
+              <a:defRPr sz="1800"/>
+            </a:lvl9pPr>
+          </a:lstStyle>
+          <a:p>
+            <a:pPr lvl="0"/>
+            <a:r>
+              <a:rPr lang="en-US" smtClean="0"/>
+              <a:t>Click to edit Master text styles</a:t>
+            </a:r>
+          </a:p>
+          <a:p>
+            <a:pPr lvl="1"/>
+            <a:r>
+              <a:rPr lang="en-US" smtClean="0"/>
+              <a:t>Second level</a:t>
+            </a:r>
+          </a:p>
+          <a:p>
+            <a:pPr lvl="2"/>
+            <a:r>
+              <a:rPr lang="en-US" smtClean="0"/>
+              <a:t>Third level</a:t>
+            </a:r>
+          </a:p>
+          <a:p>
+            <a:pPr lvl="3"/>
+            <a:r>
+              <a:rPr lang="en-US" smtClean="0"/>
+              <a:t>Fourth level</a:t>
+            </a:r>
+          </a:p>
+          <a:p>
+            <a:pPr lvl="4"/>
+            <a:r>
+              <a:rPr lang="en-US" smtClean="0"/>
+              <a:t>Fifth level</a:t>
+            </a:r>
+            <a:endParaRPr lang="en-US" dirty="0"/>
+          </a:p>
+        </p:txBody>
+      </p:sp>
+      <p:sp>
+        <p:nvSpPr>
+          <p:cNvPr id="5" name="Date Placeholder 4"/>
+          <p:cNvSpPr>
+            <a:spLocks noGrp="1"/>
+          </p:cNvSpPr>
+          <p:nvPr>
+            <p:ph type="dt" sz="half" idx="10"/>
+          </p:nvPr>
+        </p:nvSpPr>
+        <p:spPr/>
+        <p:txBody>
+          <a:bodyPr/>
+          <a:lstStyle/>
+          <a:p>
+            <a:fld id="{CC2990F0-8476-4A68-82FA-873BDD6B740E}" type="datetimeFigureOut">
+              <a:rPr lang="en-US" smtClean="0">
+                <a:solidFill>
+                  <a:srgbClr val="534949"/>
+                </a:solidFill>
+              </a:rPr>
+              <a:pPr/>
+              <a:t>2/16/2014</a:t>
+            </a:fld>
+            <a:endParaRPr lang="en-US">
+              <a:solidFill>
+                <a:srgbClr val="534949"/>
+              </a:solidFill>
+            </a:endParaRPr>
+          </a:p>
+        </p:txBody>
+      </p:sp>
+      <p:sp>
+        <p:nvSpPr>
+          <p:cNvPr id="6" name="Footer Placeholder 5"/>
+          <p:cNvSpPr>
+            <a:spLocks noGrp="1"/>
+          </p:cNvSpPr>
+          <p:nvPr>
+            <p:ph type="ftr" sz="quarter" idx="11"/>
+          </p:nvPr>
+        </p:nvSpPr>
+        <p:spPr/>
+        <p:txBody>
+          <a:bodyPr/>
+          <a:lstStyle/>
+          <a:p>
+            <a:endParaRPr lang="en-US">
+              <a:solidFill>
+                <a:srgbClr val="534949"/>
+              </a:solidFill>
+            </a:endParaRPr>
+          </a:p>
+        </p:txBody>
+      </p:sp>
+      <p:sp>
+        <p:nvSpPr>
+          <p:cNvPr id="7" name="Slide Number Placeholder 6"/>
+          <p:cNvSpPr>
+            <a:spLocks noGrp="1"/>
+          </p:cNvSpPr>
+          <p:nvPr>
+            <p:ph type="sldNum" sz="quarter" idx="12"/>
+          </p:nvPr>
+        </p:nvSpPr>
+        <p:spPr/>
+        <p:txBody>
+          <a:bodyPr/>
+          <a:lstStyle/>
+          <a:p>
+            <a:fld id="{229A1FD0-D95A-4868-99EF-921C1BD43386}" type="slidenum">
+              <a:rPr lang="en-US" smtClean="0">
+                <a:solidFill>
+                  <a:srgbClr val="534949"/>
+                </a:solidFill>
+              </a:rPr>
+              <a:pPr/>
+              <a:t>‹#›</a:t>
+            </a:fld>
+            <a:endParaRPr lang="en-US">
+              <a:solidFill>
+                <a:srgbClr val="534949"/>
+              </a:solidFill>
+            </a:endParaRPr>
+          </a:p>
+        </p:txBody>
+      </p:sp>
+      <p:sp>
+        <p:nvSpPr>
+          <p:cNvPr id="8" name="Title 7"/>
+          <p:cNvSpPr>
+            <a:spLocks noGrp="1"/>
+          </p:cNvSpPr>
+          <p:nvPr>
+